--- a/modélisation/mercure-galant-thésaurus-ancien-régime/Modélisation.pptx
+++ b/modélisation/mercure-galant-thésaurus-ancien-régime/Modélisation.pptx
@@ -2,12 +2,12 @@
 <file path=ppt/presentation.xml><?xml version="1.0" encoding="utf-8"?>
 <p:presentation xmlns:a="http://schemas.openxmlformats.org/drawingml/2006/main" xmlns:r="http://schemas.openxmlformats.org/officeDocument/2006/relationships" xmlns:p="http://schemas.openxmlformats.org/presentationml/2006/main" saveSubsetFonts="1">
   <p:sldMasterIdLst>
-    <p:sldMasterId id="2147483792" r:id="rId1"/>
+    <p:sldMasterId id="2147483804" r:id="rId1"/>
   </p:sldMasterIdLst>
   <p:sldIdLst>
     <p:sldId id="256" r:id="rId2"/>
   </p:sldIdLst>
-  <p:sldSz cx="32542163" cy="43216513"/>
+  <p:sldSz cx="43341925" cy="43216513"/>
   <p:notesSz cx="6858000" cy="9144000"/>
   <p:defaultTextStyle>
     <a:defPPr>
@@ -141,15 +141,15 @@
         </p:nvSpPr>
         <p:spPr>
           <a:xfrm>
-            <a:off x="2440662" y="7072706"/>
-            <a:ext cx="27660839" cy="15045749"/>
+            <a:off x="3250645" y="7072706"/>
+            <a:ext cx="36840636" cy="15045749"/>
           </a:xfrm>
         </p:spPr>
         <p:txBody>
           <a:bodyPr anchor="b"/>
           <a:lstStyle>
             <a:lvl1pPr algn="ctr">
-              <a:defRPr sz="21353"/>
+              <a:defRPr sz="28439"/>
             </a:lvl1pPr>
           </a:lstStyle>
           <a:p>
@@ -173,8 +173,8 @@
         </p:nvSpPr>
         <p:spPr>
           <a:xfrm>
-            <a:off x="4067771" y="22698676"/>
-            <a:ext cx="24406622" cy="10433984"/>
+            <a:off x="5417741" y="22698676"/>
+            <a:ext cx="32506444" cy="10433984"/>
           </a:xfrm>
         </p:spPr>
         <p:txBody>
@@ -182,39 +182,39 @@
           <a:lstStyle>
             <a:lvl1pPr marL="0" indent="0" algn="ctr">
               <a:buNone/>
-              <a:defRPr sz="8541"/>
+              <a:defRPr sz="11376"/>
             </a:lvl1pPr>
-            <a:lvl2pPr marL="1627129" indent="0" algn="ctr">
+            <a:lvl2pPr marL="2167082" indent="0" algn="ctr">
               <a:buNone/>
-              <a:defRPr sz="7118"/>
+              <a:defRPr sz="9480"/>
             </a:lvl2pPr>
-            <a:lvl3pPr marL="3254258" indent="0" algn="ctr">
+            <a:lvl3pPr marL="4334165" indent="0" algn="ctr">
               <a:buNone/>
-              <a:defRPr sz="6406"/>
+              <a:defRPr sz="8532"/>
             </a:lvl3pPr>
-            <a:lvl4pPr marL="4881387" indent="0" algn="ctr">
+            <a:lvl4pPr marL="6501247" indent="0" algn="ctr">
               <a:buNone/>
-              <a:defRPr sz="5694"/>
+              <a:defRPr sz="7584"/>
             </a:lvl4pPr>
-            <a:lvl5pPr marL="6508516" indent="0" algn="ctr">
+            <a:lvl5pPr marL="8668329" indent="0" algn="ctr">
               <a:buNone/>
-              <a:defRPr sz="5694"/>
+              <a:defRPr sz="7584"/>
             </a:lvl5pPr>
-            <a:lvl6pPr marL="8135645" indent="0" algn="ctr">
+            <a:lvl6pPr marL="10835411" indent="0" algn="ctr">
               <a:buNone/>
-              <a:defRPr sz="5694"/>
+              <a:defRPr sz="7584"/>
             </a:lvl6pPr>
-            <a:lvl7pPr marL="9762774" indent="0" algn="ctr">
+            <a:lvl7pPr marL="13002494" indent="0" algn="ctr">
               <a:buNone/>
-              <a:defRPr sz="5694"/>
+              <a:defRPr sz="7584"/>
             </a:lvl7pPr>
-            <a:lvl8pPr marL="11389904" indent="0" algn="ctr">
+            <a:lvl8pPr marL="15169576" indent="0" algn="ctr">
               <a:buNone/>
-              <a:defRPr sz="5694"/>
+              <a:defRPr sz="7584"/>
             </a:lvl8pPr>
-            <a:lvl9pPr marL="13017033" indent="0" algn="ctr">
+            <a:lvl9pPr marL="17336658" indent="0" algn="ctr">
               <a:buNone/>
-              <a:defRPr sz="5694"/>
+              <a:defRPr sz="7584"/>
             </a:lvl9pPr>
           </a:lstStyle>
           <a:p>
@@ -243,7 +243,7 @@
           <a:p>
             <a:fld id="{F96D367F-7370-4214-86FB-91D90BAC4FAD}" type="datetimeFigureOut">
               <a:rPr lang="fr-FR" smtClean="0"/>
-              <a:t>05/11/2020</a:t>
+              <a:t>09/11/2020</a:t>
             </a:fld>
             <a:endParaRPr lang="fr-FR"/>
           </a:p>
@@ -294,7 +294,7 @@
     </p:spTree>
     <p:extLst>
       <p:ext uri="{BB962C8B-B14F-4D97-AF65-F5344CB8AC3E}">
-        <p14:creationId xmlns:p14="http://schemas.microsoft.com/office/powerpoint/2010/main" val="1737206351"/>
+        <p14:creationId xmlns:p14="http://schemas.microsoft.com/office/powerpoint/2010/main" val="4272153528"/>
       </p:ext>
     </p:extLst>
   </p:cSld>
@@ -413,7 +413,7 @@
           <a:p>
             <a:fld id="{F96D367F-7370-4214-86FB-91D90BAC4FAD}" type="datetimeFigureOut">
               <a:rPr lang="fr-FR" smtClean="0"/>
-              <a:t>05/11/2020</a:t>
+              <a:t>09/11/2020</a:t>
             </a:fld>
             <a:endParaRPr lang="fr-FR"/>
           </a:p>
@@ -464,7 +464,7 @@
     </p:spTree>
     <p:extLst>
       <p:ext uri="{BB962C8B-B14F-4D97-AF65-F5344CB8AC3E}">
-        <p14:creationId xmlns:p14="http://schemas.microsoft.com/office/powerpoint/2010/main" val="2515771104"/>
+        <p14:creationId xmlns:p14="http://schemas.microsoft.com/office/powerpoint/2010/main" val="3980323295"/>
       </p:ext>
     </p:extLst>
   </p:cSld>
@@ -503,8 +503,8 @@
         </p:nvSpPr>
         <p:spPr>
           <a:xfrm>
-            <a:off x="23287987" y="2300879"/>
-            <a:ext cx="7016904" cy="36623997"/>
+            <a:off x="31016567" y="2300879"/>
+            <a:ext cx="9345603" cy="36623997"/>
           </a:xfrm>
         </p:spPr>
         <p:txBody>
@@ -531,8 +531,8 @@
         </p:nvSpPr>
         <p:spPr>
           <a:xfrm>
-            <a:off x="2237275" y="2300879"/>
-            <a:ext cx="20643935" cy="36623997"/>
+            <a:off x="2979760" y="2300879"/>
+            <a:ext cx="27495034" cy="36623997"/>
           </a:xfrm>
         </p:spPr>
         <p:txBody>
@@ -593,7 +593,7 @@
           <a:p>
             <a:fld id="{F96D367F-7370-4214-86FB-91D90BAC4FAD}" type="datetimeFigureOut">
               <a:rPr lang="fr-FR" smtClean="0"/>
-              <a:t>05/11/2020</a:t>
+              <a:t>09/11/2020</a:t>
             </a:fld>
             <a:endParaRPr lang="fr-FR"/>
           </a:p>
@@ -644,7 +644,7 @@
     </p:spTree>
     <p:extLst>
       <p:ext uri="{BB962C8B-B14F-4D97-AF65-F5344CB8AC3E}">
-        <p14:creationId xmlns:p14="http://schemas.microsoft.com/office/powerpoint/2010/main" val="1119524880"/>
+        <p14:creationId xmlns:p14="http://schemas.microsoft.com/office/powerpoint/2010/main" val="1982191631"/>
       </p:ext>
     </p:extLst>
   </p:cSld>
@@ -763,7 +763,7 @@
           <a:p>
             <a:fld id="{F96D367F-7370-4214-86FB-91D90BAC4FAD}" type="datetimeFigureOut">
               <a:rPr lang="fr-FR" smtClean="0"/>
-              <a:t>05/11/2020</a:t>
+              <a:t>09/11/2020</a:t>
             </a:fld>
             <a:endParaRPr lang="fr-FR"/>
           </a:p>
@@ -814,7 +814,7 @@
     </p:spTree>
     <p:extLst>
       <p:ext uri="{BB962C8B-B14F-4D97-AF65-F5344CB8AC3E}">
-        <p14:creationId xmlns:p14="http://schemas.microsoft.com/office/powerpoint/2010/main" val="124542251"/>
+        <p14:creationId xmlns:p14="http://schemas.microsoft.com/office/powerpoint/2010/main" val="2510141037"/>
       </p:ext>
     </p:extLst>
   </p:cSld>
@@ -853,15 +853,15 @@
         </p:nvSpPr>
         <p:spPr>
           <a:xfrm>
-            <a:off x="2220326" y="10774129"/>
-            <a:ext cx="28067616" cy="17976866"/>
+            <a:off x="2957186" y="10774129"/>
+            <a:ext cx="37382410" cy="17976866"/>
           </a:xfrm>
         </p:spPr>
         <p:txBody>
           <a:bodyPr anchor="b"/>
           <a:lstStyle>
             <a:lvl1pPr>
-              <a:defRPr sz="21353"/>
+              <a:defRPr sz="28439"/>
             </a:lvl1pPr>
           </a:lstStyle>
           <a:p>
@@ -885,8 +885,8 @@
         </p:nvSpPr>
         <p:spPr>
           <a:xfrm>
-            <a:off x="2220326" y="28921063"/>
-            <a:ext cx="28067616" cy="9453609"/>
+            <a:off x="2957186" y="28921063"/>
+            <a:ext cx="37382410" cy="9453609"/>
           </a:xfrm>
         </p:spPr>
         <p:txBody>
@@ -894,15 +894,15 @@
           <a:lstStyle>
             <a:lvl1pPr marL="0" indent="0">
               <a:buNone/>
-              <a:defRPr sz="8541">
+              <a:defRPr sz="11376">
                 <a:solidFill>
                   <a:schemeClr val="tx1"/>
                 </a:solidFill>
               </a:defRPr>
             </a:lvl1pPr>
-            <a:lvl2pPr marL="1627129" indent="0">
+            <a:lvl2pPr marL="2167082" indent="0">
               <a:buNone/>
-              <a:defRPr sz="7118">
+              <a:defRPr sz="9480">
                 <a:solidFill>
                   <a:schemeClr val="tx1">
                     <a:tint val="75000"/>
@@ -910,9 +910,9 @@
                 </a:solidFill>
               </a:defRPr>
             </a:lvl2pPr>
-            <a:lvl3pPr marL="3254258" indent="0">
+            <a:lvl3pPr marL="4334165" indent="0">
               <a:buNone/>
-              <a:defRPr sz="6406">
+              <a:defRPr sz="8532">
                 <a:solidFill>
                   <a:schemeClr val="tx1">
                     <a:tint val="75000"/>
@@ -920,9 +920,9 @@
                 </a:solidFill>
               </a:defRPr>
             </a:lvl3pPr>
-            <a:lvl4pPr marL="4881387" indent="0">
+            <a:lvl4pPr marL="6501247" indent="0">
               <a:buNone/>
-              <a:defRPr sz="5694">
+              <a:defRPr sz="7584">
                 <a:solidFill>
                   <a:schemeClr val="tx1">
                     <a:tint val="75000"/>
@@ -930,9 +930,9 @@
                 </a:solidFill>
               </a:defRPr>
             </a:lvl4pPr>
-            <a:lvl5pPr marL="6508516" indent="0">
+            <a:lvl5pPr marL="8668329" indent="0">
               <a:buNone/>
-              <a:defRPr sz="5694">
+              <a:defRPr sz="7584">
                 <a:solidFill>
                   <a:schemeClr val="tx1">
                     <a:tint val="75000"/>
@@ -940,9 +940,9 @@
                 </a:solidFill>
               </a:defRPr>
             </a:lvl5pPr>
-            <a:lvl6pPr marL="8135645" indent="0">
+            <a:lvl6pPr marL="10835411" indent="0">
               <a:buNone/>
-              <a:defRPr sz="5694">
+              <a:defRPr sz="7584">
                 <a:solidFill>
                   <a:schemeClr val="tx1">
                     <a:tint val="75000"/>
@@ -950,9 +950,9 @@
                 </a:solidFill>
               </a:defRPr>
             </a:lvl6pPr>
-            <a:lvl7pPr marL="9762774" indent="0">
+            <a:lvl7pPr marL="13002494" indent="0">
               <a:buNone/>
-              <a:defRPr sz="5694">
+              <a:defRPr sz="7584">
                 <a:solidFill>
                   <a:schemeClr val="tx1">
                     <a:tint val="75000"/>
@@ -960,9 +960,9 @@
                 </a:solidFill>
               </a:defRPr>
             </a:lvl7pPr>
-            <a:lvl8pPr marL="11389904" indent="0">
+            <a:lvl8pPr marL="15169576" indent="0">
               <a:buNone/>
-              <a:defRPr sz="5694">
+              <a:defRPr sz="7584">
                 <a:solidFill>
                   <a:schemeClr val="tx1">
                     <a:tint val="75000"/>
@@ -970,9 +970,9 @@
                 </a:solidFill>
               </a:defRPr>
             </a:lvl8pPr>
-            <a:lvl9pPr marL="13017033" indent="0">
+            <a:lvl9pPr marL="17336658" indent="0">
               <a:buNone/>
-              <a:defRPr sz="5694">
+              <a:defRPr sz="7584">
                 <a:solidFill>
                   <a:schemeClr val="tx1">
                     <a:tint val="75000"/>
@@ -1007,7 +1007,7 @@
           <a:p>
             <a:fld id="{F96D367F-7370-4214-86FB-91D90BAC4FAD}" type="datetimeFigureOut">
               <a:rPr lang="fr-FR" smtClean="0"/>
-              <a:t>05/11/2020</a:t>
+              <a:t>09/11/2020</a:t>
             </a:fld>
             <a:endParaRPr lang="fr-FR"/>
           </a:p>
@@ -1058,7 +1058,7 @@
     </p:spTree>
     <p:extLst>
       <p:ext uri="{BB962C8B-B14F-4D97-AF65-F5344CB8AC3E}">
-        <p14:creationId xmlns:p14="http://schemas.microsoft.com/office/powerpoint/2010/main" val="1521438460"/>
+        <p14:creationId xmlns:p14="http://schemas.microsoft.com/office/powerpoint/2010/main" val="1390179893"/>
       </p:ext>
     </p:extLst>
   </p:cSld>
@@ -1120,8 +1120,8 @@
         </p:nvSpPr>
         <p:spPr>
           <a:xfrm>
-            <a:off x="2237274" y="11504396"/>
-            <a:ext cx="13830419" cy="27420480"/>
+            <a:off x="2979757" y="11504396"/>
+            <a:ext cx="18420318" cy="27420480"/>
           </a:xfrm>
         </p:spPr>
         <p:txBody>
@@ -1177,8 +1177,8 @@
         </p:nvSpPr>
         <p:spPr>
           <a:xfrm>
-            <a:off x="16474470" y="11504396"/>
-            <a:ext cx="13830419" cy="27420480"/>
+            <a:off x="21941850" y="11504396"/>
+            <a:ext cx="18420318" cy="27420480"/>
           </a:xfrm>
         </p:spPr>
         <p:txBody>
@@ -1239,7 +1239,7 @@
           <a:p>
             <a:fld id="{F96D367F-7370-4214-86FB-91D90BAC4FAD}" type="datetimeFigureOut">
               <a:rPr lang="fr-FR" smtClean="0"/>
-              <a:t>05/11/2020</a:t>
+              <a:t>09/11/2020</a:t>
             </a:fld>
             <a:endParaRPr lang="fr-FR"/>
           </a:p>
@@ -1290,7 +1290,7 @@
     </p:spTree>
     <p:extLst>
       <p:ext uri="{BB962C8B-B14F-4D97-AF65-F5344CB8AC3E}">
-        <p14:creationId xmlns:p14="http://schemas.microsoft.com/office/powerpoint/2010/main" val="3225133196"/>
+        <p14:creationId xmlns:p14="http://schemas.microsoft.com/office/powerpoint/2010/main" val="377553149"/>
       </p:ext>
     </p:extLst>
   </p:cSld>
@@ -1329,8 +1329,8 @@
         </p:nvSpPr>
         <p:spPr>
           <a:xfrm>
-            <a:off x="2241512" y="2300889"/>
-            <a:ext cx="28067616" cy="8353195"/>
+            <a:off x="2985403" y="2300889"/>
+            <a:ext cx="37382410" cy="8353195"/>
           </a:xfrm>
         </p:spPr>
         <p:txBody>
@@ -1357,8 +1357,8 @@
         </p:nvSpPr>
         <p:spPr>
           <a:xfrm>
-            <a:off x="2241516" y="10594051"/>
-            <a:ext cx="13766858" cy="5191981"/>
+            <a:off x="2985407" y="10594051"/>
+            <a:ext cx="18335663" cy="5191981"/>
           </a:xfrm>
         </p:spPr>
         <p:txBody>
@@ -1366,39 +1366,39 @@
           <a:lstStyle>
             <a:lvl1pPr marL="0" indent="0">
               <a:buNone/>
-              <a:defRPr sz="8541" b="1"/>
+              <a:defRPr sz="11376" b="1"/>
             </a:lvl1pPr>
-            <a:lvl2pPr marL="1627129" indent="0">
+            <a:lvl2pPr marL="2167082" indent="0">
               <a:buNone/>
-              <a:defRPr sz="7118" b="1"/>
+              <a:defRPr sz="9480" b="1"/>
             </a:lvl2pPr>
-            <a:lvl3pPr marL="3254258" indent="0">
+            <a:lvl3pPr marL="4334165" indent="0">
               <a:buNone/>
-              <a:defRPr sz="6406" b="1"/>
+              <a:defRPr sz="8532" b="1"/>
             </a:lvl3pPr>
-            <a:lvl4pPr marL="4881387" indent="0">
+            <a:lvl4pPr marL="6501247" indent="0">
               <a:buNone/>
-              <a:defRPr sz="5694" b="1"/>
+              <a:defRPr sz="7584" b="1"/>
             </a:lvl4pPr>
-            <a:lvl5pPr marL="6508516" indent="0">
+            <a:lvl5pPr marL="8668329" indent="0">
               <a:buNone/>
-              <a:defRPr sz="5694" b="1"/>
+              <a:defRPr sz="7584" b="1"/>
             </a:lvl5pPr>
-            <a:lvl6pPr marL="8135645" indent="0">
+            <a:lvl6pPr marL="10835411" indent="0">
               <a:buNone/>
-              <a:defRPr sz="5694" b="1"/>
+              <a:defRPr sz="7584" b="1"/>
             </a:lvl6pPr>
-            <a:lvl7pPr marL="9762774" indent="0">
+            <a:lvl7pPr marL="13002494" indent="0">
               <a:buNone/>
-              <a:defRPr sz="5694" b="1"/>
+              <a:defRPr sz="7584" b="1"/>
             </a:lvl7pPr>
-            <a:lvl8pPr marL="11389904" indent="0">
+            <a:lvl8pPr marL="15169576" indent="0">
               <a:buNone/>
-              <a:defRPr sz="5694" b="1"/>
+              <a:defRPr sz="7584" b="1"/>
             </a:lvl8pPr>
-            <a:lvl9pPr marL="13017033" indent="0">
+            <a:lvl9pPr marL="17336658" indent="0">
               <a:buNone/>
-              <a:defRPr sz="5694" b="1"/>
+              <a:defRPr sz="7584" b="1"/>
             </a:lvl9pPr>
           </a:lstStyle>
           <a:p>
@@ -1422,8 +1422,8 @@
         </p:nvSpPr>
         <p:spPr>
           <a:xfrm>
-            <a:off x="2241516" y="15786032"/>
-            <a:ext cx="13766858" cy="23218875"/>
+            <a:off x="2985407" y="15786032"/>
+            <a:ext cx="18335663" cy="23218875"/>
           </a:xfrm>
         </p:spPr>
         <p:txBody>
@@ -1479,8 +1479,8 @@
         </p:nvSpPr>
         <p:spPr>
           <a:xfrm>
-            <a:off x="16474472" y="10594051"/>
-            <a:ext cx="13834658" cy="5191981"/>
+            <a:off x="21941852" y="10594051"/>
+            <a:ext cx="18425963" cy="5191981"/>
           </a:xfrm>
         </p:spPr>
         <p:txBody>
@@ -1488,39 +1488,39 @@
           <a:lstStyle>
             <a:lvl1pPr marL="0" indent="0">
               <a:buNone/>
-              <a:defRPr sz="8541" b="1"/>
+              <a:defRPr sz="11376" b="1"/>
             </a:lvl1pPr>
-            <a:lvl2pPr marL="1627129" indent="0">
+            <a:lvl2pPr marL="2167082" indent="0">
               <a:buNone/>
-              <a:defRPr sz="7118" b="1"/>
+              <a:defRPr sz="9480" b="1"/>
             </a:lvl2pPr>
-            <a:lvl3pPr marL="3254258" indent="0">
+            <a:lvl3pPr marL="4334165" indent="0">
               <a:buNone/>
-              <a:defRPr sz="6406" b="1"/>
+              <a:defRPr sz="8532" b="1"/>
             </a:lvl3pPr>
-            <a:lvl4pPr marL="4881387" indent="0">
+            <a:lvl4pPr marL="6501247" indent="0">
               <a:buNone/>
-              <a:defRPr sz="5694" b="1"/>
+              <a:defRPr sz="7584" b="1"/>
             </a:lvl4pPr>
-            <a:lvl5pPr marL="6508516" indent="0">
+            <a:lvl5pPr marL="8668329" indent="0">
               <a:buNone/>
-              <a:defRPr sz="5694" b="1"/>
+              <a:defRPr sz="7584" b="1"/>
             </a:lvl5pPr>
-            <a:lvl6pPr marL="8135645" indent="0">
+            <a:lvl6pPr marL="10835411" indent="0">
               <a:buNone/>
-              <a:defRPr sz="5694" b="1"/>
+              <a:defRPr sz="7584" b="1"/>
             </a:lvl6pPr>
-            <a:lvl7pPr marL="9762774" indent="0">
+            <a:lvl7pPr marL="13002494" indent="0">
               <a:buNone/>
-              <a:defRPr sz="5694" b="1"/>
+              <a:defRPr sz="7584" b="1"/>
             </a:lvl7pPr>
-            <a:lvl8pPr marL="11389904" indent="0">
+            <a:lvl8pPr marL="15169576" indent="0">
               <a:buNone/>
-              <a:defRPr sz="5694" b="1"/>
+              <a:defRPr sz="7584" b="1"/>
             </a:lvl8pPr>
-            <a:lvl9pPr marL="13017033" indent="0">
+            <a:lvl9pPr marL="17336658" indent="0">
               <a:buNone/>
-              <a:defRPr sz="5694" b="1"/>
+              <a:defRPr sz="7584" b="1"/>
             </a:lvl9pPr>
           </a:lstStyle>
           <a:p>
@@ -1544,8 +1544,8 @@
         </p:nvSpPr>
         <p:spPr>
           <a:xfrm>
-            <a:off x="16474472" y="15786032"/>
-            <a:ext cx="13834658" cy="23218875"/>
+            <a:off x="21941852" y="15786032"/>
+            <a:ext cx="18425963" cy="23218875"/>
           </a:xfrm>
         </p:spPr>
         <p:txBody>
@@ -1606,7 +1606,7 @@
           <a:p>
             <a:fld id="{F96D367F-7370-4214-86FB-91D90BAC4FAD}" type="datetimeFigureOut">
               <a:rPr lang="fr-FR" smtClean="0"/>
-              <a:t>05/11/2020</a:t>
+              <a:t>09/11/2020</a:t>
             </a:fld>
             <a:endParaRPr lang="fr-FR"/>
           </a:p>
@@ -1657,7 +1657,7 @@
     </p:spTree>
     <p:extLst>
       <p:ext uri="{BB962C8B-B14F-4D97-AF65-F5344CB8AC3E}">
-        <p14:creationId xmlns:p14="http://schemas.microsoft.com/office/powerpoint/2010/main" val="4049044199"/>
+        <p14:creationId xmlns:p14="http://schemas.microsoft.com/office/powerpoint/2010/main" val="3810329192"/>
       </p:ext>
     </p:extLst>
   </p:cSld>
@@ -1724,7 +1724,7 @@
           <a:p>
             <a:fld id="{F96D367F-7370-4214-86FB-91D90BAC4FAD}" type="datetimeFigureOut">
               <a:rPr lang="fr-FR" smtClean="0"/>
-              <a:t>05/11/2020</a:t>
+              <a:t>09/11/2020</a:t>
             </a:fld>
             <a:endParaRPr lang="fr-FR"/>
           </a:p>
@@ -1775,7 +1775,7 @@
     </p:spTree>
     <p:extLst>
       <p:ext uri="{BB962C8B-B14F-4D97-AF65-F5344CB8AC3E}">
-        <p14:creationId xmlns:p14="http://schemas.microsoft.com/office/powerpoint/2010/main" val="1695600604"/>
+        <p14:creationId xmlns:p14="http://schemas.microsoft.com/office/powerpoint/2010/main" val="2814921566"/>
       </p:ext>
     </p:extLst>
   </p:cSld>
@@ -1819,7 +1819,7 @@
           <a:p>
             <a:fld id="{F96D367F-7370-4214-86FB-91D90BAC4FAD}" type="datetimeFigureOut">
               <a:rPr lang="fr-FR" smtClean="0"/>
-              <a:t>05/11/2020</a:t>
+              <a:t>09/11/2020</a:t>
             </a:fld>
             <a:endParaRPr lang="fr-FR"/>
           </a:p>
@@ -1870,7 +1870,7 @@
     </p:spTree>
     <p:extLst>
       <p:ext uri="{BB962C8B-B14F-4D97-AF65-F5344CB8AC3E}">
-        <p14:creationId xmlns:p14="http://schemas.microsoft.com/office/powerpoint/2010/main" val="2237140275"/>
+        <p14:creationId xmlns:p14="http://schemas.microsoft.com/office/powerpoint/2010/main" val="1016609722"/>
       </p:ext>
     </p:extLst>
   </p:cSld>
@@ -1909,15 +1909,15 @@
         </p:nvSpPr>
         <p:spPr>
           <a:xfrm>
-            <a:off x="2241512" y="2881101"/>
-            <a:ext cx="10495695" cy="10083853"/>
+            <a:off x="2985403" y="2881101"/>
+            <a:ext cx="13978899" cy="10083853"/>
           </a:xfrm>
         </p:spPr>
         <p:txBody>
           <a:bodyPr anchor="b"/>
           <a:lstStyle>
             <a:lvl1pPr>
-              <a:defRPr sz="11388"/>
+              <a:defRPr sz="15168"/>
             </a:lvl1pPr>
           </a:lstStyle>
           <a:p>
@@ -1941,39 +1941,39 @@
         </p:nvSpPr>
         <p:spPr>
           <a:xfrm>
-            <a:off x="13834658" y="6222387"/>
-            <a:ext cx="16474470" cy="30711735"/>
+            <a:off x="18425963" y="6222387"/>
+            <a:ext cx="21941850" cy="30711735"/>
           </a:xfrm>
         </p:spPr>
         <p:txBody>
           <a:bodyPr/>
           <a:lstStyle>
             <a:lvl1pPr>
-              <a:defRPr sz="11388"/>
+              <a:defRPr sz="15168"/>
             </a:lvl1pPr>
             <a:lvl2pPr>
-              <a:defRPr sz="9965"/>
+              <a:defRPr sz="13272"/>
             </a:lvl2pPr>
             <a:lvl3pPr>
-              <a:defRPr sz="8541"/>
+              <a:defRPr sz="11376"/>
             </a:lvl3pPr>
             <a:lvl4pPr>
-              <a:defRPr sz="7118"/>
+              <a:defRPr sz="9480"/>
             </a:lvl4pPr>
             <a:lvl5pPr>
-              <a:defRPr sz="7118"/>
+              <a:defRPr sz="9480"/>
             </a:lvl5pPr>
             <a:lvl6pPr>
-              <a:defRPr sz="7118"/>
+              <a:defRPr sz="9480"/>
             </a:lvl6pPr>
             <a:lvl7pPr>
-              <a:defRPr sz="7118"/>
+              <a:defRPr sz="9480"/>
             </a:lvl7pPr>
             <a:lvl8pPr>
-              <a:defRPr sz="7118"/>
+              <a:defRPr sz="9480"/>
             </a:lvl8pPr>
             <a:lvl9pPr>
-              <a:defRPr sz="7118"/>
+              <a:defRPr sz="9480"/>
             </a:lvl9pPr>
           </a:lstStyle>
           <a:p>
@@ -2026,8 +2026,8 @@
         </p:nvSpPr>
         <p:spPr>
           <a:xfrm>
-            <a:off x="2241512" y="12964954"/>
-            <a:ext cx="10495695" cy="24019181"/>
+            <a:off x="2985403" y="12964954"/>
+            <a:ext cx="13978899" cy="24019181"/>
           </a:xfrm>
         </p:spPr>
         <p:txBody>
@@ -2035,39 +2035,39 @@
           <a:lstStyle>
             <a:lvl1pPr marL="0" indent="0">
               <a:buNone/>
-              <a:defRPr sz="5694"/>
+              <a:defRPr sz="7584"/>
             </a:lvl1pPr>
-            <a:lvl2pPr marL="1627129" indent="0">
+            <a:lvl2pPr marL="2167082" indent="0">
               <a:buNone/>
-              <a:defRPr sz="4982"/>
+              <a:defRPr sz="6636"/>
             </a:lvl2pPr>
-            <a:lvl3pPr marL="3254258" indent="0">
+            <a:lvl3pPr marL="4334165" indent="0">
               <a:buNone/>
-              <a:defRPr sz="4271"/>
+              <a:defRPr sz="5688"/>
             </a:lvl3pPr>
-            <a:lvl4pPr marL="4881387" indent="0">
+            <a:lvl4pPr marL="6501247" indent="0">
               <a:buNone/>
-              <a:defRPr sz="3559"/>
+              <a:defRPr sz="4740"/>
             </a:lvl4pPr>
-            <a:lvl5pPr marL="6508516" indent="0">
+            <a:lvl5pPr marL="8668329" indent="0">
               <a:buNone/>
-              <a:defRPr sz="3559"/>
+              <a:defRPr sz="4740"/>
             </a:lvl5pPr>
-            <a:lvl6pPr marL="8135645" indent="0">
+            <a:lvl6pPr marL="10835411" indent="0">
               <a:buNone/>
-              <a:defRPr sz="3559"/>
+              <a:defRPr sz="4740"/>
             </a:lvl6pPr>
-            <a:lvl7pPr marL="9762774" indent="0">
+            <a:lvl7pPr marL="13002494" indent="0">
               <a:buNone/>
-              <a:defRPr sz="3559"/>
+              <a:defRPr sz="4740"/>
             </a:lvl7pPr>
-            <a:lvl8pPr marL="11389904" indent="0">
+            <a:lvl8pPr marL="15169576" indent="0">
               <a:buNone/>
-              <a:defRPr sz="3559"/>
+              <a:defRPr sz="4740"/>
             </a:lvl8pPr>
-            <a:lvl9pPr marL="13017033" indent="0">
+            <a:lvl9pPr marL="17336658" indent="0">
               <a:buNone/>
-              <a:defRPr sz="3559"/>
+              <a:defRPr sz="4740"/>
             </a:lvl9pPr>
           </a:lstStyle>
           <a:p>
@@ -2096,7 +2096,7 @@
           <a:p>
             <a:fld id="{F96D367F-7370-4214-86FB-91D90BAC4FAD}" type="datetimeFigureOut">
               <a:rPr lang="fr-FR" smtClean="0"/>
-              <a:t>05/11/2020</a:t>
+              <a:t>09/11/2020</a:t>
             </a:fld>
             <a:endParaRPr lang="fr-FR"/>
           </a:p>
@@ -2147,7 +2147,7 @@
     </p:spTree>
     <p:extLst>
       <p:ext uri="{BB962C8B-B14F-4D97-AF65-F5344CB8AC3E}">
-        <p14:creationId xmlns:p14="http://schemas.microsoft.com/office/powerpoint/2010/main" val="47697475"/>
+        <p14:creationId xmlns:p14="http://schemas.microsoft.com/office/powerpoint/2010/main" val="3140268652"/>
       </p:ext>
     </p:extLst>
   </p:cSld>
@@ -2186,15 +2186,15 @@
         </p:nvSpPr>
         <p:spPr>
           <a:xfrm>
-            <a:off x="2241512" y="2881101"/>
-            <a:ext cx="10495695" cy="10083853"/>
+            <a:off x="2985403" y="2881101"/>
+            <a:ext cx="13978899" cy="10083853"/>
           </a:xfrm>
         </p:spPr>
         <p:txBody>
           <a:bodyPr anchor="b"/>
           <a:lstStyle>
             <a:lvl1pPr>
-              <a:defRPr sz="11388"/>
+              <a:defRPr sz="15168"/>
             </a:lvl1pPr>
           </a:lstStyle>
           <a:p>
@@ -2218,8 +2218,8 @@
         </p:nvSpPr>
         <p:spPr>
           <a:xfrm>
-            <a:off x="13834658" y="6222387"/>
-            <a:ext cx="16474470" cy="30711735"/>
+            <a:off x="18425963" y="6222387"/>
+            <a:ext cx="21941850" cy="30711735"/>
           </a:xfrm>
         </p:spPr>
         <p:txBody>
@@ -2227,39 +2227,39 @@
           <a:lstStyle>
             <a:lvl1pPr marL="0" indent="0">
               <a:buNone/>
-              <a:defRPr sz="11388"/>
+              <a:defRPr sz="15168"/>
             </a:lvl1pPr>
-            <a:lvl2pPr marL="1627129" indent="0">
+            <a:lvl2pPr marL="2167082" indent="0">
               <a:buNone/>
-              <a:defRPr sz="9965"/>
+              <a:defRPr sz="13272"/>
             </a:lvl2pPr>
-            <a:lvl3pPr marL="3254258" indent="0">
+            <a:lvl3pPr marL="4334165" indent="0">
               <a:buNone/>
-              <a:defRPr sz="8541"/>
+              <a:defRPr sz="11376"/>
             </a:lvl3pPr>
-            <a:lvl4pPr marL="4881387" indent="0">
+            <a:lvl4pPr marL="6501247" indent="0">
               <a:buNone/>
-              <a:defRPr sz="7118"/>
+              <a:defRPr sz="9480"/>
             </a:lvl4pPr>
-            <a:lvl5pPr marL="6508516" indent="0">
+            <a:lvl5pPr marL="8668329" indent="0">
               <a:buNone/>
-              <a:defRPr sz="7118"/>
+              <a:defRPr sz="9480"/>
             </a:lvl5pPr>
-            <a:lvl6pPr marL="8135645" indent="0">
+            <a:lvl6pPr marL="10835411" indent="0">
               <a:buNone/>
-              <a:defRPr sz="7118"/>
+              <a:defRPr sz="9480"/>
             </a:lvl6pPr>
-            <a:lvl7pPr marL="9762774" indent="0">
+            <a:lvl7pPr marL="13002494" indent="0">
               <a:buNone/>
-              <a:defRPr sz="7118"/>
+              <a:defRPr sz="9480"/>
             </a:lvl7pPr>
-            <a:lvl8pPr marL="11389904" indent="0">
+            <a:lvl8pPr marL="15169576" indent="0">
               <a:buNone/>
-              <a:defRPr sz="7118"/>
+              <a:defRPr sz="9480"/>
             </a:lvl8pPr>
-            <a:lvl9pPr marL="13017033" indent="0">
+            <a:lvl9pPr marL="17336658" indent="0">
               <a:buNone/>
-              <a:defRPr sz="7118"/>
+              <a:defRPr sz="9480"/>
             </a:lvl9pPr>
           </a:lstStyle>
           <a:p>
@@ -2283,8 +2283,8 @@
         </p:nvSpPr>
         <p:spPr>
           <a:xfrm>
-            <a:off x="2241512" y="12964954"/>
-            <a:ext cx="10495695" cy="24019181"/>
+            <a:off x="2985403" y="12964954"/>
+            <a:ext cx="13978899" cy="24019181"/>
           </a:xfrm>
         </p:spPr>
         <p:txBody>
@@ -2292,39 +2292,39 @@
           <a:lstStyle>
             <a:lvl1pPr marL="0" indent="0">
               <a:buNone/>
-              <a:defRPr sz="5694"/>
+              <a:defRPr sz="7584"/>
             </a:lvl1pPr>
-            <a:lvl2pPr marL="1627129" indent="0">
+            <a:lvl2pPr marL="2167082" indent="0">
               <a:buNone/>
-              <a:defRPr sz="4982"/>
+              <a:defRPr sz="6636"/>
             </a:lvl2pPr>
-            <a:lvl3pPr marL="3254258" indent="0">
+            <a:lvl3pPr marL="4334165" indent="0">
               <a:buNone/>
-              <a:defRPr sz="4271"/>
+              <a:defRPr sz="5688"/>
             </a:lvl3pPr>
-            <a:lvl4pPr marL="4881387" indent="0">
+            <a:lvl4pPr marL="6501247" indent="0">
               <a:buNone/>
-              <a:defRPr sz="3559"/>
+              <a:defRPr sz="4740"/>
             </a:lvl4pPr>
-            <a:lvl5pPr marL="6508516" indent="0">
+            <a:lvl5pPr marL="8668329" indent="0">
               <a:buNone/>
-              <a:defRPr sz="3559"/>
+              <a:defRPr sz="4740"/>
             </a:lvl5pPr>
-            <a:lvl6pPr marL="8135645" indent="0">
+            <a:lvl6pPr marL="10835411" indent="0">
               <a:buNone/>
-              <a:defRPr sz="3559"/>
+              <a:defRPr sz="4740"/>
             </a:lvl6pPr>
-            <a:lvl7pPr marL="9762774" indent="0">
+            <a:lvl7pPr marL="13002494" indent="0">
               <a:buNone/>
-              <a:defRPr sz="3559"/>
+              <a:defRPr sz="4740"/>
             </a:lvl7pPr>
-            <a:lvl8pPr marL="11389904" indent="0">
+            <a:lvl8pPr marL="15169576" indent="0">
               <a:buNone/>
-              <a:defRPr sz="3559"/>
+              <a:defRPr sz="4740"/>
             </a:lvl8pPr>
-            <a:lvl9pPr marL="13017033" indent="0">
+            <a:lvl9pPr marL="17336658" indent="0">
               <a:buNone/>
-              <a:defRPr sz="3559"/>
+              <a:defRPr sz="4740"/>
             </a:lvl9pPr>
           </a:lstStyle>
           <a:p>
@@ -2353,7 +2353,7 @@
           <a:p>
             <a:fld id="{F96D367F-7370-4214-86FB-91D90BAC4FAD}" type="datetimeFigureOut">
               <a:rPr lang="fr-FR" smtClean="0"/>
-              <a:t>05/11/2020</a:t>
+              <a:t>09/11/2020</a:t>
             </a:fld>
             <a:endParaRPr lang="fr-FR"/>
           </a:p>
@@ -2404,7 +2404,7 @@
     </p:spTree>
     <p:extLst>
       <p:ext uri="{BB962C8B-B14F-4D97-AF65-F5344CB8AC3E}">
-        <p14:creationId xmlns:p14="http://schemas.microsoft.com/office/powerpoint/2010/main" val="2592642822"/>
+        <p14:creationId xmlns:p14="http://schemas.microsoft.com/office/powerpoint/2010/main" val="1121475147"/>
       </p:ext>
     </p:extLst>
   </p:cSld>
@@ -2448,8 +2448,8 @@
         </p:nvSpPr>
         <p:spPr>
           <a:xfrm>
-            <a:off x="2237274" y="2300889"/>
-            <a:ext cx="28067616" cy="8353195"/>
+            <a:off x="2979758" y="2300889"/>
+            <a:ext cx="37382410" cy="8353195"/>
           </a:xfrm>
           <a:prstGeom prst="rect">
             <a:avLst/>
@@ -2481,8 +2481,8 @@
         </p:nvSpPr>
         <p:spPr>
           <a:xfrm>
-            <a:off x="2237274" y="11504396"/>
-            <a:ext cx="28067616" cy="27420480"/>
+            <a:off x="2979758" y="11504396"/>
+            <a:ext cx="37382410" cy="27420480"/>
           </a:xfrm>
           <a:prstGeom prst="rect">
             <a:avLst/>
@@ -2543,8 +2543,8 @@
         </p:nvSpPr>
         <p:spPr>
           <a:xfrm>
-            <a:off x="2237274" y="40055315"/>
-            <a:ext cx="7321987" cy="2300879"/>
+            <a:off x="2979757" y="40055315"/>
+            <a:ext cx="9751933" cy="2300879"/>
           </a:xfrm>
           <a:prstGeom prst="rect">
             <a:avLst/>
@@ -2554,7 +2554,7 @@
           <a:bodyPr vert="horz" lIns="91440" tIns="45720" rIns="91440" bIns="45720" rtlCol="0" anchor="ctr"/>
           <a:lstStyle>
             <a:lvl1pPr algn="l">
-              <a:defRPr sz="4271">
+              <a:defRPr sz="5688">
                 <a:solidFill>
                   <a:schemeClr val="tx1">
                     <a:tint val="75000"/>
@@ -2566,7 +2566,7 @@
           <a:p>
             <a:fld id="{F96D367F-7370-4214-86FB-91D90BAC4FAD}" type="datetimeFigureOut">
               <a:rPr lang="fr-FR" smtClean="0"/>
-              <a:t>05/11/2020</a:t>
+              <a:t>09/11/2020</a:t>
             </a:fld>
             <a:endParaRPr lang="fr-FR"/>
           </a:p>
@@ -2584,8 +2584,8 @@
         </p:nvSpPr>
         <p:spPr>
           <a:xfrm>
-            <a:off x="10779592" y="40055315"/>
-            <a:ext cx="10982980" cy="2300879"/>
+            <a:off x="14357013" y="40055315"/>
+            <a:ext cx="14627900" cy="2300879"/>
           </a:xfrm>
           <a:prstGeom prst="rect">
             <a:avLst/>
@@ -2595,7 +2595,7 @@
           <a:bodyPr vert="horz" lIns="91440" tIns="45720" rIns="91440" bIns="45720" rtlCol="0" anchor="ctr"/>
           <a:lstStyle>
             <a:lvl1pPr algn="ctr">
-              <a:defRPr sz="4271">
+              <a:defRPr sz="5688">
                 <a:solidFill>
                   <a:schemeClr val="tx1">
                     <a:tint val="75000"/>
@@ -2621,8 +2621,8 @@
         </p:nvSpPr>
         <p:spPr>
           <a:xfrm>
-            <a:off x="22982902" y="40055315"/>
-            <a:ext cx="7321987" cy="2300879"/>
+            <a:off x="30610235" y="40055315"/>
+            <a:ext cx="9751933" cy="2300879"/>
           </a:xfrm>
           <a:prstGeom prst="rect">
             <a:avLst/>
@@ -2632,7 +2632,7 @@
           <a:bodyPr vert="horz" lIns="91440" tIns="45720" rIns="91440" bIns="45720" rtlCol="0" anchor="ctr"/>
           <a:lstStyle>
             <a:lvl1pPr algn="r">
-              <a:defRPr sz="4271">
+              <a:defRPr sz="5688">
                 <a:solidFill>
                   <a:schemeClr val="tx1">
                     <a:tint val="75000"/>
@@ -2653,27 +2653,27 @@
     </p:spTree>
     <p:extLst>
       <p:ext uri="{BB962C8B-B14F-4D97-AF65-F5344CB8AC3E}">
-        <p14:creationId xmlns:p14="http://schemas.microsoft.com/office/powerpoint/2010/main" val="3715702489"/>
+        <p14:creationId xmlns:p14="http://schemas.microsoft.com/office/powerpoint/2010/main" val="3524457452"/>
       </p:ext>
     </p:extLst>
   </p:cSld>
   <p:clrMap bg1="lt1" tx1="dk1" bg2="lt2" tx2="dk2" accent1="accent1" accent2="accent2" accent3="accent3" accent4="accent4" accent5="accent5" accent6="accent6" hlink="hlink" folHlink="folHlink"/>
   <p:sldLayoutIdLst>
-    <p:sldLayoutId id="2147483793" r:id="rId1"/>
-    <p:sldLayoutId id="2147483794" r:id="rId2"/>
-    <p:sldLayoutId id="2147483795" r:id="rId3"/>
-    <p:sldLayoutId id="2147483796" r:id="rId4"/>
-    <p:sldLayoutId id="2147483797" r:id="rId5"/>
-    <p:sldLayoutId id="2147483798" r:id="rId6"/>
-    <p:sldLayoutId id="2147483799" r:id="rId7"/>
-    <p:sldLayoutId id="2147483800" r:id="rId8"/>
-    <p:sldLayoutId id="2147483801" r:id="rId9"/>
-    <p:sldLayoutId id="2147483802" r:id="rId10"/>
-    <p:sldLayoutId id="2147483803" r:id="rId11"/>
+    <p:sldLayoutId id="2147483805" r:id="rId1"/>
+    <p:sldLayoutId id="2147483806" r:id="rId2"/>
+    <p:sldLayoutId id="2147483807" r:id="rId3"/>
+    <p:sldLayoutId id="2147483808" r:id="rId4"/>
+    <p:sldLayoutId id="2147483809" r:id="rId5"/>
+    <p:sldLayoutId id="2147483810" r:id="rId6"/>
+    <p:sldLayoutId id="2147483811" r:id="rId7"/>
+    <p:sldLayoutId id="2147483812" r:id="rId8"/>
+    <p:sldLayoutId id="2147483813" r:id="rId9"/>
+    <p:sldLayoutId id="2147483814" r:id="rId10"/>
+    <p:sldLayoutId id="2147483815" r:id="rId11"/>
   </p:sldLayoutIdLst>
   <p:txStyles>
     <p:titleStyle>
-      <a:lvl1pPr algn="l" defTabSz="3254258" rtl="0" eaLnBrk="1" latinLnBrk="0" hangingPunct="1">
+      <a:lvl1pPr algn="l" defTabSz="4334165" rtl="0" eaLnBrk="1" latinLnBrk="0" hangingPunct="1">
         <a:lnSpc>
           <a:spcPct val="90000"/>
         </a:lnSpc>
@@ -2681,7 +2681,7 @@
           <a:spcPct val="0"/>
         </a:spcBef>
         <a:buNone/>
-        <a:defRPr sz="15659" kern="1200">
+        <a:defRPr sz="20856" kern="1200">
           <a:solidFill>
             <a:schemeClr val="tx1"/>
           </a:solidFill>
@@ -2692,16 +2692,16 @@
       </a:lvl1pPr>
     </p:titleStyle>
     <p:bodyStyle>
-      <a:lvl1pPr marL="813565" indent="-813565" algn="l" defTabSz="3254258" rtl="0" eaLnBrk="1" latinLnBrk="0" hangingPunct="1">
+      <a:lvl1pPr marL="1083541" indent="-1083541" algn="l" defTabSz="4334165" rtl="0" eaLnBrk="1" latinLnBrk="0" hangingPunct="1">
         <a:lnSpc>
           <a:spcPct val="90000"/>
         </a:lnSpc>
         <a:spcBef>
-          <a:spcPts val="3559"/>
+          <a:spcPts val="4740"/>
         </a:spcBef>
         <a:buFont typeface="Arial" panose="020B0604020202020204" pitchFamily="34" charset="0"/>
         <a:buChar char="•"/>
-        <a:defRPr sz="9965" kern="1200">
+        <a:defRPr sz="13272" kern="1200">
           <a:solidFill>
             <a:schemeClr val="tx1"/>
           </a:solidFill>
@@ -2710,16 +2710,16 @@
           <a:cs typeface="+mn-cs"/>
         </a:defRPr>
       </a:lvl1pPr>
-      <a:lvl2pPr marL="2440694" indent="-813565" algn="l" defTabSz="3254258" rtl="0" eaLnBrk="1" latinLnBrk="0" hangingPunct="1">
+      <a:lvl2pPr marL="3250623" indent="-1083541" algn="l" defTabSz="4334165" rtl="0" eaLnBrk="1" latinLnBrk="0" hangingPunct="1">
         <a:lnSpc>
           <a:spcPct val="90000"/>
         </a:lnSpc>
         <a:spcBef>
-          <a:spcPts val="1779"/>
+          <a:spcPts val="2370"/>
         </a:spcBef>
         <a:buFont typeface="Arial" panose="020B0604020202020204" pitchFamily="34" charset="0"/>
         <a:buChar char="•"/>
-        <a:defRPr sz="8541" kern="1200">
+        <a:defRPr sz="11376" kern="1200">
           <a:solidFill>
             <a:schemeClr val="tx1"/>
           </a:solidFill>
@@ -2728,16 +2728,16 @@
           <a:cs typeface="+mn-cs"/>
         </a:defRPr>
       </a:lvl2pPr>
-      <a:lvl3pPr marL="4067823" indent="-813565" algn="l" defTabSz="3254258" rtl="0" eaLnBrk="1" latinLnBrk="0" hangingPunct="1">
+      <a:lvl3pPr marL="5417706" indent="-1083541" algn="l" defTabSz="4334165" rtl="0" eaLnBrk="1" latinLnBrk="0" hangingPunct="1">
         <a:lnSpc>
           <a:spcPct val="90000"/>
         </a:lnSpc>
         <a:spcBef>
-          <a:spcPts val="1779"/>
+          <a:spcPts val="2370"/>
         </a:spcBef>
         <a:buFont typeface="Arial" panose="020B0604020202020204" pitchFamily="34" charset="0"/>
         <a:buChar char="•"/>
-        <a:defRPr sz="7118" kern="1200">
+        <a:defRPr sz="9480" kern="1200">
           <a:solidFill>
             <a:schemeClr val="tx1"/>
           </a:solidFill>
@@ -2746,16 +2746,16 @@
           <a:cs typeface="+mn-cs"/>
         </a:defRPr>
       </a:lvl3pPr>
-      <a:lvl4pPr marL="5694952" indent="-813565" algn="l" defTabSz="3254258" rtl="0" eaLnBrk="1" latinLnBrk="0" hangingPunct="1">
+      <a:lvl4pPr marL="7584788" indent="-1083541" algn="l" defTabSz="4334165" rtl="0" eaLnBrk="1" latinLnBrk="0" hangingPunct="1">
         <a:lnSpc>
           <a:spcPct val="90000"/>
         </a:lnSpc>
         <a:spcBef>
-          <a:spcPts val="1779"/>
+          <a:spcPts val="2370"/>
         </a:spcBef>
         <a:buFont typeface="Arial" panose="020B0604020202020204" pitchFamily="34" charset="0"/>
         <a:buChar char="•"/>
-        <a:defRPr sz="6406" kern="1200">
+        <a:defRPr sz="8532" kern="1200">
           <a:solidFill>
             <a:schemeClr val="tx1"/>
           </a:solidFill>
@@ -2764,16 +2764,16 @@
           <a:cs typeface="+mn-cs"/>
         </a:defRPr>
       </a:lvl4pPr>
-      <a:lvl5pPr marL="7322081" indent="-813565" algn="l" defTabSz="3254258" rtl="0" eaLnBrk="1" latinLnBrk="0" hangingPunct="1">
+      <a:lvl5pPr marL="9751870" indent="-1083541" algn="l" defTabSz="4334165" rtl="0" eaLnBrk="1" latinLnBrk="0" hangingPunct="1">
         <a:lnSpc>
           <a:spcPct val="90000"/>
         </a:lnSpc>
         <a:spcBef>
-          <a:spcPts val="1779"/>
+          <a:spcPts val="2370"/>
         </a:spcBef>
         <a:buFont typeface="Arial" panose="020B0604020202020204" pitchFamily="34" charset="0"/>
         <a:buChar char="•"/>
-        <a:defRPr sz="6406" kern="1200">
+        <a:defRPr sz="8532" kern="1200">
           <a:solidFill>
             <a:schemeClr val="tx1"/>
           </a:solidFill>
@@ -2782,16 +2782,16 @@
           <a:cs typeface="+mn-cs"/>
         </a:defRPr>
       </a:lvl5pPr>
-      <a:lvl6pPr marL="8949210" indent="-813565" algn="l" defTabSz="3254258" rtl="0" eaLnBrk="1" latinLnBrk="0" hangingPunct="1">
+      <a:lvl6pPr marL="11918953" indent="-1083541" algn="l" defTabSz="4334165" rtl="0" eaLnBrk="1" latinLnBrk="0" hangingPunct="1">
         <a:lnSpc>
           <a:spcPct val="90000"/>
         </a:lnSpc>
         <a:spcBef>
-          <a:spcPts val="1779"/>
+          <a:spcPts val="2370"/>
         </a:spcBef>
         <a:buFont typeface="Arial" panose="020B0604020202020204" pitchFamily="34" charset="0"/>
         <a:buChar char="•"/>
-        <a:defRPr sz="6406" kern="1200">
+        <a:defRPr sz="8532" kern="1200">
           <a:solidFill>
             <a:schemeClr val="tx1"/>
           </a:solidFill>
@@ -2800,16 +2800,16 @@
           <a:cs typeface="+mn-cs"/>
         </a:defRPr>
       </a:lvl6pPr>
-      <a:lvl7pPr marL="10576339" indent="-813565" algn="l" defTabSz="3254258" rtl="0" eaLnBrk="1" latinLnBrk="0" hangingPunct="1">
+      <a:lvl7pPr marL="14086035" indent="-1083541" algn="l" defTabSz="4334165" rtl="0" eaLnBrk="1" latinLnBrk="0" hangingPunct="1">
         <a:lnSpc>
           <a:spcPct val="90000"/>
         </a:lnSpc>
         <a:spcBef>
-          <a:spcPts val="1779"/>
+          <a:spcPts val="2370"/>
         </a:spcBef>
         <a:buFont typeface="Arial" panose="020B0604020202020204" pitchFamily="34" charset="0"/>
         <a:buChar char="•"/>
-        <a:defRPr sz="6406" kern="1200">
+        <a:defRPr sz="8532" kern="1200">
           <a:solidFill>
             <a:schemeClr val="tx1"/>
           </a:solidFill>
@@ -2818,16 +2818,16 @@
           <a:cs typeface="+mn-cs"/>
         </a:defRPr>
       </a:lvl7pPr>
-      <a:lvl8pPr marL="12203468" indent="-813565" algn="l" defTabSz="3254258" rtl="0" eaLnBrk="1" latinLnBrk="0" hangingPunct="1">
+      <a:lvl8pPr marL="16253117" indent="-1083541" algn="l" defTabSz="4334165" rtl="0" eaLnBrk="1" latinLnBrk="0" hangingPunct="1">
         <a:lnSpc>
           <a:spcPct val="90000"/>
         </a:lnSpc>
         <a:spcBef>
-          <a:spcPts val="1779"/>
+          <a:spcPts val="2370"/>
         </a:spcBef>
         <a:buFont typeface="Arial" panose="020B0604020202020204" pitchFamily="34" charset="0"/>
         <a:buChar char="•"/>
-        <a:defRPr sz="6406" kern="1200">
+        <a:defRPr sz="8532" kern="1200">
           <a:solidFill>
             <a:schemeClr val="tx1"/>
           </a:solidFill>
@@ -2836,16 +2836,16 @@
           <a:cs typeface="+mn-cs"/>
         </a:defRPr>
       </a:lvl8pPr>
-      <a:lvl9pPr marL="13830597" indent="-813565" algn="l" defTabSz="3254258" rtl="0" eaLnBrk="1" latinLnBrk="0" hangingPunct="1">
+      <a:lvl9pPr marL="18420199" indent="-1083541" algn="l" defTabSz="4334165" rtl="0" eaLnBrk="1" latinLnBrk="0" hangingPunct="1">
         <a:lnSpc>
           <a:spcPct val="90000"/>
         </a:lnSpc>
         <a:spcBef>
-          <a:spcPts val="1779"/>
+          <a:spcPts val="2370"/>
         </a:spcBef>
         <a:buFont typeface="Arial" panose="020B0604020202020204" pitchFamily="34" charset="0"/>
         <a:buChar char="•"/>
-        <a:defRPr sz="6406" kern="1200">
+        <a:defRPr sz="8532" kern="1200">
           <a:solidFill>
             <a:schemeClr val="tx1"/>
           </a:solidFill>
@@ -2859,8 +2859,8 @@
       <a:defPPr>
         <a:defRPr lang="en-US"/>
       </a:defPPr>
-      <a:lvl1pPr marL="0" algn="l" defTabSz="3254258" rtl="0" eaLnBrk="1" latinLnBrk="0" hangingPunct="1">
-        <a:defRPr sz="6406" kern="1200">
+      <a:lvl1pPr marL="0" algn="l" defTabSz="4334165" rtl="0" eaLnBrk="1" latinLnBrk="0" hangingPunct="1">
+        <a:defRPr sz="8532" kern="1200">
           <a:solidFill>
             <a:schemeClr val="tx1"/>
           </a:solidFill>
@@ -2869,8 +2869,8 @@
           <a:cs typeface="+mn-cs"/>
         </a:defRPr>
       </a:lvl1pPr>
-      <a:lvl2pPr marL="1627129" algn="l" defTabSz="3254258" rtl="0" eaLnBrk="1" latinLnBrk="0" hangingPunct="1">
-        <a:defRPr sz="6406" kern="1200">
+      <a:lvl2pPr marL="2167082" algn="l" defTabSz="4334165" rtl="0" eaLnBrk="1" latinLnBrk="0" hangingPunct="1">
+        <a:defRPr sz="8532" kern="1200">
           <a:solidFill>
             <a:schemeClr val="tx1"/>
           </a:solidFill>
@@ -2879,8 +2879,8 @@
           <a:cs typeface="+mn-cs"/>
         </a:defRPr>
       </a:lvl2pPr>
-      <a:lvl3pPr marL="3254258" algn="l" defTabSz="3254258" rtl="0" eaLnBrk="1" latinLnBrk="0" hangingPunct="1">
-        <a:defRPr sz="6406" kern="1200">
+      <a:lvl3pPr marL="4334165" algn="l" defTabSz="4334165" rtl="0" eaLnBrk="1" latinLnBrk="0" hangingPunct="1">
+        <a:defRPr sz="8532" kern="1200">
           <a:solidFill>
             <a:schemeClr val="tx1"/>
           </a:solidFill>
@@ -2889,8 +2889,8 @@
           <a:cs typeface="+mn-cs"/>
         </a:defRPr>
       </a:lvl3pPr>
-      <a:lvl4pPr marL="4881387" algn="l" defTabSz="3254258" rtl="0" eaLnBrk="1" latinLnBrk="0" hangingPunct="1">
-        <a:defRPr sz="6406" kern="1200">
+      <a:lvl4pPr marL="6501247" algn="l" defTabSz="4334165" rtl="0" eaLnBrk="1" latinLnBrk="0" hangingPunct="1">
+        <a:defRPr sz="8532" kern="1200">
           <a:solidFill>
             <a:schemeClr val="tx1"/>
           </a:solidFill>
@@ -2899,8 +2899,8 @@
           <a:cs typeface="+mn-cs"/>
         </a:defRPr>
       </a:lvl4pPr>
-      <a:lvl5pPr marL="6508516" algn="l" defTabSz="3254258" rtl="0" eaLnBrk="1" latinLnBrk="0" hangingPunct="1">
-        <a:defRPr sz="6406" kern="1200">
+      <a:lvl5pPr marL="8668329" algn="l" defTabSz="4334165" rtl="0" eaLnBrk="1" latinLnBrk="0" hangingPunct="1">
+        <a:defRPr sz="8532" kern="1200">
           <a:solidFill>
             <a:schemeClr val="tx1"/>
           </a:solidFill>
@@ -2909,8 +2909,8 @@
           <a:cs typeface="+mn-cs"/>
         </a:defRPr>
       </a:lvl5pPr>
-      <a:lvl6pPr marL="8135645" algn="l" defTabSz="3254258" rtl="0" eaLnBrk="1" latinLnBrk="0" hangingPunct="1">
-        <a:defRPr sz="6406" kern="1200">
+      <a:lvl6pPr marL="10835411" algn="l" defTabSz="4334165" rtl="0" eaLnBrk="1" latinLnBrk="0" hangingPunct="1">
+        <a:defRPr sz="8532" kern="1200">
           <a:solidFill>
             <a:schemeClr val="tx1"/>
           </a:solidFill>
@@ -2919,8 +2919,8 @@
           <a:cs typeface="+mn-cs"/>
         </a:defRPr>
       </a:lvl6pPr>
-      <a:lvl7pPr marL="9762774" algn="l" defTabSz="3254258" rtl="0" eaLnBrk="1" latinLnBrk="0" hangingPunct="1">
-        <a:defRPr sz="6406" kern="1200">
+      <a:lvl7pPr marL="13002494" algn="l" defTabSz="4334165" rtl="0" eaLnBrk="1" latinLnBrk="0" hangingPunct="1">
+        <a:defRPr sz="8532" kern="1200">
           <a:solidFill>
             <a:schemeClr val="tx1"/>
           </a:solidFill>
@@ -2929,8 +2929,8 @@
           <a:cs typeface="+mn-cs"/>
         </a:defRPr>
       </a:lvl7pPr>
-      <a:lvl8pPr marL="11389904" algn="l" defTabSz="3254258" rtl="0" eaLnBrk="1" latinLnBrk="0" hangingPunct="1">
-        <a:defRPr sz="6406" kern="1200">
+      <a:lvl8pPr marL="15169576" algn="l" defTabSz="4334165" rtl="0" eaLnBrk="1" latinLnBrk="0" hangingPunct="1">
+        <a:defRPr sz="8532" kern="1200">
           <a:solidFill>
             <a:schemeClr val="tx1"/>
           </a:solidFill>
@@ -2939,8 +2939,8 @@
           <a:cs typeface="+mn-cs"/>
         </a:defRPr>
       </a:lvl8pPr>
-      <a:lvl9pPr marL="13017033" algn="l" defTabSz="3254258" rtl="0" eaLnBrk="1" latinLnBrk="0" hangingPunct="1">
-        <a:defRPr sz="6406" kern="1200">
+      <a:lvl9pPr marL="17336658" algn="l" defTabSz="4334165" rtl="0" eaLnBrk="1" latinLnBrk="0" hangingPunct="1">
+        <a:defRPr sz="8532" kern="1200">
           <a:solidFill>
             <a:schemeClr val="tx1"/>
           </a:solidFill>
@@ -2985,8 +2985,8 @@
         </p:nvSpPr>
         <p:spPr>
           <a:xfrm>
-            <a:off x="-1" y="1"/>
-            <a:ext cx="32542163" cy="26426160"/>
+            <a:off x="160314" y="88112"/>
+            <a:ext cx="43308114" cy="43255416"/>
           </a:xfrm>
           <a:prstGeom prst="rect">
             <a:avLst/>
@@ -3037,7 +3037,7 @@
         </p:nvSpPr>
         <p:spPr>
           <a:xfrm>
-            <a:off x="2086194" y="4325479"/>
+            <a:off x="8400476" y="7690234"/>
             <a:ext cx="13634161" cy="9498794"/>
           </a:xfrm>
           <a:prstGeom prst="roundRect">
@@ -3093,7 +3093,7 @@
         </p:nvSpPr>
         <p:spPr>
           <a:xfrm>
-            <a:off x="3164579" y="851062"/>
+            <a:off x="8921265" y="1115936"/>
             <a:ext cx="25647510" cy="535659"/>
           </a:xfrm>
           <a:prstGeom prst="rect">
@@ -3131,7 +3131,7 @@
         </p:nvSpPr>
         <p:spPr>
           <a:xfrm>
-            <a:off x="2501245" y="11763120"/>
+            <a:off x="8815526" y="15127876"/>
             <a:ext cx="841674" cy="399893"/>
           </a:xfrm>
           <a:prstGeom prst="roundRect">
@@ -3193,7 +3193,7 @@
         </p:nvCxnSpPr>
         <p:spPr>
           <a:xfrm rot="10800000" flipV="1">
-            <a:off x="2922085" y="11392802"/>
+            <a:off x="9236367" y="14757558"/>
             <a:ext cx="392889" cy="370317"/>
           </a:xfrm>
           <a:prstGeom prst="bentConnector2">
@@ -3232,8 +3232,8 @@
         </p:nvSpPr>
         <p:spPr>
           <a:xfrm>
-            <a:off x="16297767" y="2098041"/>
-            <a:ext cx="14807781" cy="10842721"/>
+            <a:off x="23008920" y="2717167"/>
+            <a:ext cx="16470323" cy="13265008"/>
           </a:xfrm>
           <a:prstGeom prst="roundRect">
             <a:avLst/>
@@ -3288,7 +3288,7 @@
         </p:nvSpPr>
         <p:spPr>
           <a:xfrm>
-            <a:off x="4433785" y="6991210"/>
+            <a:off x="10748067" y="10355965"/>
             <a:ext cx="1159029" cy="563924"/>
           </a:xfrm>
           <a:prstGeom prst="roundRect">
@@ -3364,7 +3364,7 @@
         </p:nvSpPr>
         <p:spPr>
           <a:xfrm>
-            <a:off x="7010380" y="7037196"/>
+            <a:off x="13324661" y="10401952"/>
             <a:ext cx="1159028" cy="458655"/>
           </a:xfrm>
           <a:prstGeom prst="roundRect">
@@ -3425,7 +3425,7 @@
         </p:nvSpPr>
         <p:spPr>
           <a:xfrm>
-            <a:off x="7063874" y="8192972"/>
+            <a:off x="13378155" y="11557727"/>
             <a:ext cx="1052046" cy="656948"/>
           </a:xfrm>
           <a:prstGeom prst="roundRect">
@@ -3501,7 +3501,7 @@
         </p:nvSpPr>
         <p:spPr>
           <a:xfrm>
-            <a:off x="4714092" y="8239485"/>
+            <a:off x="11028373" y="11604240"/>
             <a:ext cx="976814" cy="563922"/>
           </a:xfrm>
           <a:prstGeom prst="roundRect">
@@ -3575,7 +3575,7 @@
         </p:nvCxnSpPr>
         <p:spPr>
           <a:xfrm flipH="1">
-            <a:off x="5690906" y="8521446"/>
+            <a:off x="12005187" y="11886201"/>
             <a:ext cx="1372968" cy="0"/>
           </a:xfrm>
           <a:prstGeom prst="straightConnector1">
@@ -3614,7 +3614,7 @@
         </p:nvSpPr>
         <p:spPr>
           <a:xfrm>
-            <a:off x="5783121" y="8290614"/>
+            <a:off x="12097403" y="11655369"/>
             <a:ext cx="1156233" cy="230832"/>
           </a:xfrm>
           <a:prstGeom prst="rect">
@@ -3668,7 +3668,7 @@
         </p:nvCxnSpPr>
         <p:spPr>
           <a:xfrm flipH="1" flipV="1">
-            <a:off x="7589894" y="7495855"/>
+            <a:off x="13904175" y="10860611"/>
             <a:ext cx="2" cy="697127"/>
           </a:xfrm>
           <a:prstGeom prst="straightConnector1">
@@ -3707,7 +3707,7 @@
         </p:nvSpPr>
         <p:spPr>
           <a:xfrm>
-            <a:off x="7589896" y="7753848"/>
+            <a:off x="13904177" y="11118603"/>
             <a:ext cx="976814" cy="230832"/>
           </a:xfrm>
           <a:prstGeom prst="rect">
@@ -3754,7 +3754,7 @@
         </p:nvSpPr>
         <p:spPr>
           <a:xfrm>
-            <a:off x="9754526" y="8149532"/>
+            <a:off x="16068808" y="11514287"/>
             <a:ext cx="1052047" cy="706334"/>
           </a:xfrm>
           <a:prstGeom prst="roundRect">
@@ -3867,7 +3867,7 @@
         </p:nvCxnSpPr>
         <p:spPr>
           <a:xfrm flipV="1">
-            <a:off x="8115919" y="8502702"/>
+            <a:off x="14430200" y="11867458"/>
             <a:ext cx="1638596" cy="18751"/>
           </a:xfrm>
           <a:prstGeom prst="straightConnector1">
@@ -3906,7 +3906,7 @@
         </p:nvSpPr>
         <p:spPr>
           <a:xfrm>
-            <a:off x="8200458" y="8266585"/>
+            <a:off x="14514740" y="11631340"/>
             <a:ext cx="1398361" cy="230832"/>
           </a:xfrm>
           <a:prstGeom prst="rect">
@@ -3968,8 +3968,8 @@
         </p:nvSpPr>
         <p:spPr>
           <a:xfrm>
-            <a:off x="7388807" y="10204950"/>
-            <a:ext cx="1196614" cy="635639"/>
+            <a:off x="13867744" y="13706847"/>
+            <a:ext cx="935536" cy="378205"/>
           </a:xfrm>
           <a:prstGeom prst="roundRect">
             <a:avLst/>
@@ -4001,25 +4001,31 @@
           <a:p>
             <a:pPr algn="ctr"/>
             <a:r>
-              <a:rPr lang="fr-FR" sz="900" dirty="0">
-                <a:solidFill>
-                  <a:schemeClr val="tx1"/>
-                </a:solidFill>
-                <a:latin typeface="Gill Sans Nova" panose="020B0602020104020203" pitchFamily="34" charset="0"/>
-              </a:rPr>
-              <a:t>E55 Type</a:t>
-            </a:r>
-          </a:p>
-          <a:p>
-            <a:pPr algn="ctr"/>
-            <a:r>
               <a:rPr lang="fr-FR" sz="900" i="1" dirty="0">
                 <a:solidFill>
                   <a:schemeClr val="tx1"/>
                 </a:solidFill>
                 <a:latin typeface="Gill Sans Nova" panose="020B0602020104020203" pitchFamily="34" charset="0"/>
               </a:rPr>
-              <a:t>« Attribution d’auteur »</a:t>
+              <a:t>P177 </a:t>
+            </a:r>
+            <a:r>
+              <a:rPr lang="fr-FR" sz="900" i="1" dirty="0" err="1">
+                <a:solidFill>
+                  <a:schemeClr val="tx1"/>
+                </a:solidFill>
+                <a:latin typeface="Gill Sans Nova" panose="020B0602020104020203" pitchFamily="34" charset="0"/>
+              </a:rPr>
+              <a:t>refers</a:t>
+            </a:r>
+            <a:r>
+              <a:rPr lang="fr-FR" sz="900" i="1" dirty="0">
+                <a:solidFill>
+                  <a:schemeClr val="tx1"/>
+                </a:solidFill>
+                <a:latin typeface="Gill Sans Nova" panose="020B0602020104020203" pitchFamily="34" charset="0"/>
+              </a:rPr>
+              <a:t> to</a:t>
             </a:r>
           </a:p>
         </p:txBody>
@@ -4038,7 +4044,7 @@
         </p:nvSpPr>
         <p:spPr>
           <a:xfrm>
-            <a:off x="7068161" y="9730708"/>
+            <a:off x="13382443" y="13095463"/>
             <a:ext cx="908879" cy="369332"/>
           </a:xfrm>
           <a:prstGeom prst="rect">
@@ -4100,7 +4106,7 @@
         </p:nvSpPr>
         <p:spPr>
           <a:xfrm>
-            <a:off x="4990630" y="9820849"/>
+            <a:off x="11304912" y="13185604"/>
             <a:ext cx="1023273" cy="490810"/>
           </a:xfrm>
           <a:prstGeom prst="roundRect">
@@ -4161,7 +4167,7 @@
         </p:nvSpPr>
         <p:spPr>
           <a:xfrm>
-            <a:off x="10215537" y="10701999"/>
+            <a:off x="16529818" y="14066754"/>
             <a:ext cx="873752" cy="230832"/>
           </a:xfrm>
           <a:prstGeom prst="rect">
@@ -4208,7 +4214,7 @@
         </p:nvSpPr>
         <p:spPr>
           <a:xfrm>
-            <a:off x="3507990" y="5053365"/>
+            <a:off x="9822271" y="8418120"/>
             <a:ext cx="3233372" cy="424732"/>
           </a:xfrm>
           <a:prstGeom prst="rect">
@@ -4246,7 +4252,7 @@
         </p:nvSpPr>
         <p:spPr>
           <a:xfrm>
-            <a:off x="3314973" y="11164988"/>
+            <a:off x="9629255" y="14529744"/>
             <a:ext cx="1013135" cy="455629"/>
           </a:xfrm>
           <a:prstGeom prst="roundRect">
@@ -4304,7 +4310,7 @@
         </p:nvSpPr>
         <p:spPr>
           <a:xfrm>
-            <a:off x="4062377" y="10753583"/>
+            <a:off x="10376658" y="14118338"/>
             <a:ext cx="1484002" cy="230832"/>
           </a:xfrm>
           <a:prstGeom prst="rect">
@@ -4366,7 +4372,7 @@
         </p:nvSpPr>
         <p:spPr>
           <a:xfrm>
-            <a:off x="9747766" y="9506392"/>
+            <a:off x="16062047" y="12871147"/>
             <a:ext cx="1058800" cy="697636"/>
           </a:xfrm>
           <a:prstGeom prst="roundRect">
@@ -4446,7 +4452,7 @@
         </p:nvCxnSpPr>
         <p:spPr>
           <a:xfrm flipV="1">
-            <a:off x="10277164" y="8855862"/>
+            <a:off x="16591445" y="12220617"/>
             <a:ext cx="3376" cy="650530"/>
           </a:xfrm>
           <a:prstGeom prst="straightConnector1">
@@ -4485,7 +4491,7 @@
         </p:nvSpPr>
         <p:spPr>
           <a:xfrm>
-            <a:off x="8935297" y="9073778"/>
+            <a:off x="15249579" y="12438533"/>
             <a:ext cx="1398361" cy="230832"/>
           </a:xfrm>
           <a:prstGeom prst="rect">
@@ -4551,7 +4557,7 @@
         </p:nvCxnSpPr>
         <p:spPr>
           <a:xfrm>
-            <a:off x="10806563" y="9855213"/>
+            <a:off x="17120844" y="13219968"/>
             <a:ext cx="1007516" cy="16584"/>
           </a:xfrm>
           <a:prstGeom prst="straightConnector1">
@@ -4590,7 +4596,7 @@
         </p:nvSpPr>
         <p:spPr>
           <a:xfrm>
-            <a:off x="11814078" y="9642472"/>
+            <a:off x="18128359" y="13007228"/>
             <a:ext cx="976814" cy="458655"/>
           </a:xfrm>
           <a:prstGeom prst="roundRect">
@@ -4651,7 +4657,7 @@
         </p:nvSpPr>
         <p:spPr>
           <a:xfrm>
-            <a:off x="10806558" y="9624698"/>
+            <a:off x="17120839" y="12989453"/>
             <a:ext cx="976814" cy="230832"/>
           </a:xfrm>
           <a:prstGeom prst="rect">
@@ -4698,7 +4704,7 @@
         </p:nvSpPr>
         <p:spPr>
           <a:xfrm>
-            <a:off x="14313441" y="9579181"/>
+            <a:off x="20627723" y="12943937"/>
             <a:ext cx="1159029" cy="597333"/>
           </a:xfrm>
           <a:prstGeom prst="roundRect">
@@ -4774,7 +4780,7 @@
         </p:nvSpPr>
         <p:spPr>
           <a:xfrm>
-            <a:off x="11783372" y="10855448"/>
+            <a:off x="18097653" y="14220204"/>
             <a:ext cx="976814" cy="588025"/>
           </a:xfrm>
           <a:prstGeom prst="roundRect">
@@ -4847,7 +4853,7 @@
         </p:nvCxnSpPr>
         <p:spPr>
           <a:xfrm>
-            <a:off x="10780582" y="10154616"/>
+            <a:off x="17094863" y="13519372"/>
             <a:ext cx="1002790" cy="994845"/>
           </a:xfrm>
           <a:prstGeom prst="straightConnector1">
@@ -4886,7 +4892,7 @@
         </p:nvSpPr>
         <p:spPr>
           <a:xfrm>
-            <a:off x="11178841" y="10446294"/>
+            <a:off x="17493122" y="13811049"/>
             <a:ext cx="1023486" cy="230832"/>
           </a:xfrm>
           <a:prstGeom prst="rect">
@@ -4936,7 +4942,7 @@
         </p:nvSpPr>
         <p:spPr>
           <a:xfrm>
-            <a:off x="9757312" y="11253569"/>
+            <a:off x="16071594" y="14618325"/>
             <a:ext cx="1023273" cy="487087"/>
           </a:xfrm>
           <a:prstGeom prst="roundRect">
@@ -4994,7 +5000,7 @@
         </p:nvSpPr>
         <p:spPr>
           <a:xfrm>
-            <a:off x="4906860" y="9316211"/>
+            <a:off x="11221141" y="12680966"/>
             <a:ext cx="873752" cy="230832"/>
           </a:xfrm>
           <a:prstGeom prst="rect">
@@ -5041,7 +5047,7 @@
         </p:nvSpPr>
         <p:spPr>
           <a:xfrm>
-            <a:off x="9762377" y="12467512"/>
+            <a:off x="16076659" y="15832267"/>
             <a:ext cx="1013135" cy="526260"/>
           </a:xfrm>
           <a:prstGeom prst="roundRect">
@@ -5103,7 +5109,7 @@
         </p:nvCxnSpPr>
         <p:spPr>
           <a:xfrm flipH="1">
-            <a:off x="10268946" y="10204028"/>
+            <a:off x="16583227" y="13568783"/>
             <a:ext cx="8220" cy="1049538"/>
           </a:xfrm>
           <a:prstGeom prst="straightConnector1">
@@ -5146,12 +5152,12 @@
         </p:nvCxnSpPr>
         <p:spPr>
           <a:xfrm rot="5400000">
-            <a:off x="8813863" y="9377281"/>
-            <a:ext cx="636559" cy="2290052"/>
+            <a:off x="15205346" y="12698951"/>
+            <a:ext cx="516268" cy="2255935"/>
           </a:xfrm>
           <a:prstGeom prst="curvedConnector3">
             <a:avLst>
-              <a:gd name="adj1" fmla="val 135912"/>
+              <a:gd name="adj1" fmla="val 144279"/>
             </a:avLst>
           </a:prstGeom>
           <a:ln>
@@ -5187,7 +5193,7 @@
         </p:nvSpPr>
         <p:spPr>
           <a:xfrm>
-            <a:off x="8337779" y="10829618"/>
+            <a:off x="14698775" y="14112533"/>
             <a:ext cx="1484002" cy="230832"/>
           </a:xfrm>
           <a:prstGeom prst="rect">
@@ -5229,7 +5235,7 @@
         </p:nvCxnSpPr>
         <p:spPr>
           <a:xfrm flipH="1">
-            <a:off x="5592814" y="7266518"/>
+            <a:off x="11907096" y="10631273"/>
             <a:ext cx="1417577" cy="6654"/>
           </a:xfrm>
           <a:prstGeom prst="straightConnector1">
@@ -5272,7 +5278,7 @@
         </p:nvCxnSpPr>
         <p:spPr>
           <a:xfrm flipH="1">
-            <a:off x="10268942" y="11740656"/>
+            <a:off x="16583223" y="15105412"/>
             <a:ext cx="4" cy="726859"/>
           </a:xfrm>
           <a:prstGeom prst="straightConnector1">
@@ -5311,7 +5317,7 @@
         </p:nvSpPr>
         <p:spPr>
           <a:xfrm>
-            <a:off x="10064557" y="11975918"/>
+            <a:off x="16378838" y="15340673"/>
             <a:ext cx="1484002" cy="230832"/>
           </a:xfrm>
           <a:prstGeom prst="rect">
@@ -5373,7 +5379,7 @@
         </p:nvSpPr>
         <p:spPr>
           <a:xfrm>
-            <a:off x="7864824" y="12540934"/>
+            <a:off x="14179105" y="15905690"/>
             <a:ext cx="841674" cy="399893"/>
           </a:xfrm>
           <a:prstGeom prst="roundRect">
@@ -5435,7 +5441,7 @@
         </p:nvCxnSpPr>
         <p:spPr>
           <a:xfrm flipH="1">
-            <a:off x="8706498" y="12730642"/>
+            <a:off x="15020779" y="16095397"/>
             <a:ext cx="1055876" cy="10236"/>
           </a:xfrm>
           <a:prstGeom prst="straightConnector1">
@@ -5478,7 +5484,7 @@
         </p:nvCxnSpPr>
         <p:spPr>
           <a:xfrm>
-            <a:off x="12790898" y="9871797"/>
+            <a:off x="19105180" y="13236552"/>
             <a:ext cx="1522541" cy="6048"/>
           </a:xfrm>
           <a:prstGeom prst="straightConnector1">
@@ -5517,7 +5523,7 @@
         </p:nvSpPr>
         <p:spPr>
           <a:xfrm>
-            <a:off x="20394030" y="4725687"/>
+            <a:off x="28773818" y="5579783"/>
             <a:ext cx="1139308" cy="697636"/>
           </a:xfrm>
           <a:prstGeom prst="roundRect">
@@ -5587,7 +5593,7 @@
         </p:nvSpPr>
         <p:spPr>
           <a:xfrm>
-            <a:off x="18417676" y="7424195"/>
+            <a:off x="26800212" y="10687367"/>
             <a:ext cx="1398361" cy="230832"/>
           </a:xfrm>
           <a:prstGeom prst="rect">
@@ -5637,7 +5643,7 @@
         </p:nvSpPr>
         <p:spPr>
           <a:xfrm>
-            <a:off x="5603516" y="7037196"/>
+            <a:off x="11917798" y="10401951"/>
             <a:ext cx="1398361" cy="230832"/>
           </a:xfrm>
           <a:prstGeom prst="rect">
@@ -5699,7 +5705,7 @@
         </p:nvSpPr>
         <p:spPr>
           <a:xfrm>
-            <a:off x="24429615" y="4725687"/>
+            <a:off x="32809404" y="5579783"/>
             <a:ext cx="1052047" cy="697636"/>
           </a:xfrm>
           <a:prstGeom prst="roundRect">
@@ -5773,8 +5779,8 @@
         </p:nvCxnSpPr>
         <p:spPr>
           <a:xfrm flipH="1">
-            <a:off x="20954796" y="5423329"/>
-            <a:ext cx="8888" cy="701779"/>
+            <a:off x="29337337" y="6277419"/>
+            <a:ext cx="6135" cy="3110855"/>
           </a:xfrm>
           <a:prstGeom prst="straightConnector1">
             <a:avLst/>
@@ -5812,7 +5818,7 @@
         </p:nvSpPr>
         <p:spPr>
           <a:xfrm>
-            <a:off x="20762655" y="5696298"/>
+            <a:off x="29207710" y="7359140"/>
             <a:ext cx="1398361" cy="230832"/>
           </a:xfrm>
           <a:prstGeom prst="rect">
@@ -5850,7 +5856,7 @@
         </p:nvSpPr>
         <p:spPr>
           <a:xfrm>
-            <a:off x="21493662" y="3609312"/>
+            <a:off x="29873451" y="4463409"/>
             <a:ext cx="1052047" cy="422255"/>
           </a:xfrm>
           <a:prstGeom prst="roundRect">
@@ -5908,7 +5914,7 @@
         </p:nvSpPr>
         <p:spPr>
           <a:xfrm>
-            <a:off x="21493657" y="4381120"/>
+            <a:off x="29873442" y="5293576"/>
             <a:ext cx="1052047" cy="230832"/>
           </a:xfrm>
           <a:prstGeom prst="rect">
@@ -5955,7 +5961,7 @@
         </p:nvSpPr>
         <p:spPr>
           <a:xfrm>
-            <a:off x="11612666" y="14711937"/>
+            <a:off x="17926947" y="18076692"/>
             <a:ext cx="9042136" cy="10740966"/>
           </a:xfrm>
           <a:prstGeom prst="roundRect">
@@ -6011,7 +6017,7 @@
         </p:nvSpPr>
         <p:spPr>
           <a:xfrm>
-            <a:off x="12466589" y="15220300"/>
+            <a:off x="18780871" y="18585055"/>
             <a:ext cx="3281579" cy="757130"/>
           </a:xfrm>
           <a:prstGeom prst="rect">
@@ -6058,7 +6064,7 @@
         </p:nvSpPr>
         <p:spPr>
           <a:xfrm>
-            <a:off x="16618731" y="17231847"/>
+            <a:off x="22933012" y="20596603"/>
             <a:ext cx="1062750" cy="575143"/>
           </a:xfrm>
           <a:prstGeom prst="roundRect">
@@ -6120,7 +6126,7 @@
         </p:nvCxnSpPr>
         <p:spPr>
           <a:xfrm>
-            <a:off x="10780582" y="11497110"/>
+            <a:off x="17094863" y="14861865"/>
             <a:ext cx="6369524" cy="5734734"/>
           </a:xfrm>
           <a:prstGeom prst="curvedConnector2">
@@ -6167,7 +6173,7 @@
         </p:nvCxnSpPr>
         <p:spPr>
           <a:xfrm flipH="1">
-            <a:off x="21480822" y="6452231"/>
+            <a:off x="29863357" y="9715404"/>
             <a:ext cx="2309480" cy="21691"/>
           </a:xfrm>
           <a:prstGeom prst="straightConnector1">
@@ -6210,7 +6216,7 @@
         </p:nvCxnSpPr>
         <p:spPr>
           <a:xfrm rot="5400000">
-            <a:off x="6060619" y="8291568"/>
+            <a:off x="12374901" y="11656323"/>
             <a:ext cx="970929" cy="2087632"/>
           </a:xfrm>
           <a:prstGeom prst="curvedConnector3">
@@ -6251,7 +6257,7 @@
         </p:nvSpPr>
         <p:spPr>
           <a:xfrm>
-            <a:off x="11997292" y="8214860"/>
+            <a:off x="18311573" y="11579615"/>
             <a:ext cx="677142" cy="571566"/>
           </a:xfrm>
           <a:prstGeom prst="roundRect">
@@ -6319,7 +6325,7 @@
         </p:nvCxnSpPr>
         <p:spPr>
           <a:xfrm flipV="1">
-            <a:off x="10806573" y="8500643"/>
+            <a:off x="17120855" y="11865398"/>
             <a:ext cx="1190721" cy="2056"/>
           </a:xfrm>
           <a:prstGeom prst="straightConnector1">
@@ -6358,7 +6364,7 @@
         </p:nvSpPr>
         <p:spPr>
           <a:xfrm>
-            <a:off x="10632246" y="8509122"/>
+            <a:off x="16946528" y="11873877"/>
             <a:ext cx="1398361" cy="230832"/>
           </a:xfrm>
           <a:prstGeom prst="rect">
@@ -6420,7 +6426,7 @@
         </p:nvSpPr>
         <p:spPr>
           <a:xfrm>
-            <a:off x="12520468" y="18476172"/>
+            <a:off x="18834750" y="21840928"/>
             <a:ext cx="1062749" cy="575143"/>
           </a:xfrm>
           <a:prstGeom prst="roundRect">
@@ -6478,7 +6484,7 @@
         </p:nvSpPr>
         <p:spPr>
           <a:xfrm>
-            <a:off x="15274228" y="20864982"/>
+            <a:off x="21588510" y="24229738"/>
             <a:ext cx="1013135" cy="532943"/>
           </a:xfrm>
           <a:prstGeom prst="roundRect">
@@ -6536,7 +6542,7 @@
         </p:nvSpPr>
         <p:spPr>
           <a:xfrm>
-            <a:off x="13728103" y="20936921"/>
+            <a:off x="20042384" y="24301677"/>
             <a:ext cx="841674" cy="399893"/>
           </a:xfrm>
           <a:prstGeom prst="roundRect">
@@ -6612,7 +6618,7 @@
         </p:nvSpPr>
         <p:spPr>
           <a:xfrm>
-            <a:off x="17406225" y="16808963"/>
+            <a:off x="23720506" y="20173718"/>
             <a:ext cx="1484002" cy="230832"/>
           </a:xfrm>
           <a:prstGeom prst="rect">
@@ -6666,7 +6672,7 @@
         </p:nvCxnSpPr>
         <p:spPr>
           <a:xfrm flipH="1">
-            <a:off x="14569779" y="21131452"/>
+            <a:off x="20884061" y="24496207"/>
             <a:ext cx="704449" cy="5414"/>
           </a:xfrm>
           <a:prstGeom prst="straightConnector1">
@@ -6705,7 +6711,7 @@
         </p:nvSpPr>
         <p:spPr>
           <a:xfrm>
-            <a:off x="28614602" y="3609309"/>
+            <a:off x="36994391" y="4463406"/>
             <a:ext cx="1052047" cy="422255"/>
           </a:xfrm>
           <a:prstGeom prst="roundRect">
@@ -6763,7 +6769,7 @@
         </p:nvSpPr>
         <p:spPr>
           <a:xfrm>
-            <a:off x="22832869" y="2617005"/>
+            <a:off x="31212658" y="3471102"/>
             <a:ext cx="1052047" cy="422255"/>
           </a:xfrm>
           <a:prstGeom prst="roundRect">
@@ -6825,7 +6831,7 @@
         </p:nvCxnSpPr>
         <p:spPr>
           <a:xfrm rot="5400000">
-            <a:off x="22404256" y="2654677"/>
+            <a:off x="30784044" y="3508773"/>
             <a:ext cx="570052" cy="1339206"/>
           </a:xfrm>
           <a:prstGeom prst="bentConnector3">
@@ -6866,7 +6872,7 @@
         </p:nvSpPr>
         <p:spPr>
           <a:xfrm>
-            <a:off x="23071733" y="3397468"/>
+            <a:off x="31451522" y="4251564"/>
             <a:ext cx="1052047" cy="230832"/>
           </a:xfrm>
           <a:prstGeom prst="rect">
@@ -6917,7 +6923,7 @@
         </p:nvCxnSpPr>
         <p:spPr>
           <a:xfrm rot="5400000">
-            <a:off x="21144616" y="3850625"/>
+            <a:off x="29524404" y="4704721"/>
             <a:ext cx="694128" cy="1055996"/>
           </a:xfrm>
           <a:prstGeom prst="bentConnector3">
@@ -6962,7 +6968,7 @@
         </p:nvCxnSpPr>
         <p:spPr>
           <a:xfrm rot="16200000" flipH="1">
-            <a:off x="23140599" y="2910651"/>
+            <a:off x="31520387" y="3764748"/>
             <a:ext cx="694122" cy="2935953"/>
           </a:xfrm>
           <a:prstGeom prst="bentConnector3">
@@ -7003,7 +7009,7 @@
         </p:nvSpPr>
         <p:spPr>
           <a:xfrm>
-            <a:off x="20428777" y="6125102"/>
+            <a:off x="28811313" y="9388274"/>
             <a:ext cx="1052047" cy="697636"/>
           </a:xfrm>
           <a:prstGeom prst="roundRect">
@@ -7077,7 +7083,7 @@
         </p:nvCxnSpPr>
         <p:spPr>
           <a:xfrm rot="16200000" flipH="1">
-            <a:off x="25964735" y="433417"/>
+            <a:off x="34344524" y="1287514"/>
             <a:ext cx="570049" cy="5781733"/>
           </a:xfrm>
           <a:prstGeom prst="bentConnector3">
@@ -7118,7 +7124,7 @@
         </p:nvSpPr>
         <p:spPr>
           <a:xfrm>
-            <a:off x="28392618" y="4593900"/>
+            <a:off x="36597529" y="6607175"/>
             <a:ext cx="1139308" cy="697636"/>
           </a:xfrm>
           <a:prstGeom prst="roundRect">
@@ -7188,7 +7194,7 @@
         </p:nvSpPr>
         <p:spPr>
           <a:xfrm>
-            <a:off x="29861050" y="4593900"/>
+            <a:off x="38065962" y="6607175"/>
             <a:ext cx="1052047" cy="697636"/>
           </a:xfrm>
           <a:prstGeom prst="roundRect">
@@ -7258,7 +7264,7 @@
         </p:nvSpPr>
         <p:spPr>
           <a:xfrm>
-            <a:off x="29005909" y="4318176"/>
+            <a:off x="37167182" y="5813185"/>
             <a:ext cx="1052047" cy="230832"/>
           </a:xfrm>
           <a:prstGeom prst="rect">
@@ -7309,8 +7315,8 @@
         </p:nvCxnSpPr>
         <p:spPr>
           <a:xfrm rot="5400000">
-            <a:off x="28770281" y="4223564"/>
-            <a:ext cx="562345" cy="178347"/>
+            <a:off x="36483042" y="5569802"/>
+            <a:ext cx="1721514" cy="353232"/>
           </a:xfrm>
           <a:prstGeom prst="bentConnector3">
             <a:avLst>
@@ -7354,8 +7360,8 @@
         </p:nvCxnSpPr>
         <p:spPr>
           <a:xfrm rot="16200000" flipH="1">
-            <a:off x="29482678" y="3689509"/>
-            <a:ext cx="562345" cy="1246449"/>
+            <a:off x="37195443" y="5210632"/>
+            <a:ext cx="1721514" cy="1071571"/>
           </a:xfrm>
           <a:prstGeom prst="bentConnector3">
             <a:avLst>
@@ -7395,7 +7401,7 @@
         </p:nvSpPr>
         <p:spPr>
           <a:xfrm>
-            <a:off x="19595718" y="3370418"/>
+            <a:off x="27975506" y="4224514"/>
             <a:ext cx="1139308" cy="678712"/>
           </a:xfrm>
           <a:prstGeom prst="roundRect">
@@ -7469,7 +7475,7 @@
         </p:nvCxnSpPr>
         <p:spPr>
           <a:xfrm rot="10800000">
-            <a:off x="20165379" y="4049131"/>
+            <a:off x="28545168" y="4903227"/>
             <a:ext cx="228657" cy="1025374"/>
           </a:xfrm>
           <a:prstGeom prst="bentConnector2">
@@ -7508,7 +7514,7 @@
         </p:nvSpPr>
         <p:spPr>
           <a:xfrm>
-            <a:off x="19048391" y="4146000"/>
+            <a:off x="27428180" y="5000096"/>
             <a:ext cx="1398361" cy="230832"/>
           </a:xfrm>
           <a:prstGeom prst="rect">
@@ -7546,7 +7552,7 @@
         </p:nvSpPr>
         <p:spPr>
           <a:xfrm>
-            <a:off x="17921017" y="4792419"/>
+            <a:off x="25256485" y="5647489"/>
             <a:ext cx="699781" cy="571566"/>
           </a:xfrm>
           <a:prstGeom prst="roundRect">
@@ -7610,7 +7616,7 @@
         </p:nvSpPr>
         <p:spPr>
           <a:xfrm>
-            <a:off x="18534504" y="5137434"/>
+            <a:off x="25869972" y="5992504"/>
             <a:ext cx="1398361" cy="230832"/>
           </a:xfrm>
           <a:prstGeom prst="rect">
@@ -7676,8 +7682,8 @@
         </p:nvCxnSpPr>
         <p:spPr>
           <a:xfrm flipH="1">
-            <a:off x="18620796" y="5074507"/>
-            <a:ext cx="1773234" cy="3697"/>
+            <a:off x="25956266" y="5928601"/>
+            <a:ext cx="2817552" cy="4671"/>
           </a:xfrm>
           <a:prstGeom prst="straightConnector1">
             <a:avLst/>
@@ -7715,7 +7721,7 @@
         </p:nvSpPr>
         <p:spPr>
           <a:xfrm>
-            <a:off x="21432447" y="5109349"/>
+            <a:off x="30722782" y="6008457"/>
             <a:ext cx="1398361" cy="230832"/>
           </a:xfrm>
           <a:prstGeom prst="rect">
@@ -7769,7 +7775,7 @@
         </p:nvCxnSpPr>
         <p:spPr>
           <a:xfrm>
-            <a:off x="21533340" y="5074505"/>
+            <a:off x="29913129" y="5928601"/>
             <a:ext cx="2896275" cy="0"/>
           </a:xfrm>
           <a:prstGeom prst="straightConnector1">
@@ -7808,7 +7814,7 @@
         </p:nvSpPr>
         <p:spPr>
           <a:xfrm>
-            <a:off x="27097860" y="5910626"/>
+            <a:off x="35480395" y="9173798"/>
             <a:ext cx="1046048" cy="681696"/>
           </a:xfrm>
           <a:prstGeom prst="roundRect">
@@ -7878,7 +7884,7 @@
         </p:nvSpPr>
         <p:spPr>
           <a:xfrm>
-            <a:off x="25881545" y="5903750"/>
+            <a:off x="34264081" y="9166922"/>
             <a:ext cx="1398361" cy="230832"/>
           </a:xfrm>
           <a:prstGeom prst="rect">
@@ -7916,7 +7922,7 @@
         </p:nvSpPr>
         <p:spPr>
           <a:xfrm>
-            <a:off x="26823771" y="4741515"/>
+            <a:off x="35203560" y="5595611"/>
             <a:ext cx="1013135" cy="665980"/>
           </a:xfrm>
           <a:prstGeom prst="roundRect">
@@ -7990,7 +7996,7 @@
         </p:nvCxnSpPr>
         <p:spPr>
           <a:xfrm>
-            <a:off x="25481662" y="5074505"/>
+            <a:off x="33861451" y="5928601"/>
             <a:ext cx="1342109" cy="0"/>
           </a:xfrm>
           <a:prstGeom prst="straightConnector1">
@@ -8033,8 +8039,8 @@
         </p:nvCxnSpPr>
         <p:spPr>
           <a:xfrm rot="16200000" flipH="1">
-            <a:off x="25612676" y="4766286"/>
-            <a:ext cx="828151" cy="2142224"/>
+            <a:off x="32789298" y="6823548"/>
+            <a:ext cx="3237227" cy="2144967"/>
           </a:xfrm>
           <a:prstGeom prst="curvedConnector2">
             <a:avLst/>
@@ -8072,7 +8078,7 @@
         </p:nvSpPr>
         <p:spPr>
           <a:xfrm>
-            <a:off x="25453535" y="5119374"/>
+            <a:off x="33833324" y="5973470"/>
             <a:ext cx="1398361" cy="230832"/>
           </a:xfrm>
           <a:prstGeom prst="rect">
@@ -8110,7 +8116,7 @@
         </p:nvSpPr>
         <p:spPr>
           <a:xfrm>
-            <a:off x="23790304" y="6241103"/>
+            <a:off x="32172840" y="9504276"/>
             <a:ext cx="1052047" cy="422255"/>
           </a:xfrm>
           <a:prstGeom prst="roundRect">
@@ -8168,7 +8174,7 @@
         </p:nvSpPr>
         <p:spPr>
           <a:xfrm>
-            <a:off x="18546011" y="6191415"/>
+            <a:off x="26928546" y="9454588"/>
             <a:ext cx="668794" cy="543321"/>
           </a:xfrm>
           <a:prstGeom prst="roundRect">
@@ -8230,7 +8236,7 @@
         </p:nvCxnSpPr>
         <p:spPr>
           <a:xfrm flipH="1" flipV="1">
-            <a:off x="19214805" y="6463074"/>
+            <a:off x="27597340" y="9726246"/>
             <a:ext cx="1213970" cy="10846"/>
           </a:xfrm>
           <a:prstGeom prst="straightConnector1">
@@ -8269,7 +8275,7 @@
         </p:nvSpPr>
         <p:spPr>
           <a:xfrm>
-            <a:off x="19130502" y="6241308"/>
+            <a:off x="27513038" y="9504480"/>
             <a:ext cx="1398361" cy="230832"/>
           </a:xfrm>
           <a:prstGeom prst="rect">
@@ -8331,7 +8337,7 @@
         </p:nvSpPr>
         <p:spPr>
           <a:xfrm>
-            <a:off x="22019680" y="6470756"/>
+            <a:off x="30402216" y="9733928"/>
             <a:ext cx="1052047" cy="230832"/>
           </a:xfrm>
           <a:prstGeom prst="rect">
@@ -8378,7 +8384,7 @@
         </p:nvSpPr>
         <p:spPr>
           <a:xfrm>
-            <a:off x="25721605" y="8558252"/>
+            <a:off x="34104141" y="11821424"/>
             <a:ext cx="1052047" cy="665980"/>
           </a:xfrm>
           <a:prstGeom prst="roundRect">
@@ -8440,7 +8446,7 @@
         </p:nvCxnSpPr>
         <p:spPr>
           <a:xfrm rot="16200000" flipH="1">
-            <a:off x="23905023" y="7074662"/>
+            <a:off x="32287559" y="10337835"/>
             <a:ext cx="2227887" cy="1405277"/>
           </a:xfrm>
           <a:prstGeom prst="curvedConnector2">
@@ -8479,7 +8485,7 @@
         </p:nvSpPr>
         <p:spPr>
           <a:xfrm>
-            <a:off x="24364871" y="7574049"/>
+            <a:off x="32747407" y="10837221"/>
             <a:ext cx="1398361" cy="230832"/>
           </a:xfrm>
           <a:prstGeom prst="rect">
@@ -8541,7 +8547,7 @@
         </p:nvSpPr>
         <p:spPr>
           <a:xfrm>
-            <a:off x="25745721" y="10247850"/>
+            <a:off x="34128257" y="13511022"/>
             <a:ext cx="1023273" cy="446228"/>
           </a:xfrm>
           <a:prstGeom prst="roundRect">
@@ -8603,7 +8609,7 @@
         </p:nvCxnSpPr>
         <p:spPr>
           <a:xfrm flipH="1" flipV="1">
-            <a:off x="26247629" y="9224232"/>
+            <a:off x="34630165" y="12487404"/>
             <a:ext cx="9729" cy="1023618"/>
           </a:xfrm>
           <a:prstGeom prst="straightConnector1">
@@ -8642,7 +8648,7 @@
         </p:nvSpPr>
         <p:spPr>
           <a:xfrm>
-            <a:off x="26017282" y="9657379"/>
+            <a:off x="34399818" y="12920551"/>
             <a:ext cx="1398361" cy="230832"/>
           </a:xfrm>
           <a:prstGeom prst="rect">
@@ -8692,7 +8698,7 @@
         </p:nvSpPr>
         <p:spPr>
           <a:xfrm>
-            <a:off x="28271118" y="8677127"/>
+            <a:off x="36653653" y="11940300"/>
             <a:ext cx="976814" cy="458655"/>
           </a:xfrm>
           <a:prstGeom prst="roundRect">
@@ -8753,7 +8759,7 @@
         </p:nvSpPr>
         <p:spPr>
           <a:xfrm>
-            <a:off x="27043705" y="8645341"/>
+            <a:off x="35426240" y="11908513"/>
             <a:ext cx="976814" cy="230832"/>
           </a:xfrm>
           <a:prstGeom prst="rect">
@@ -8804,7 +8810,7 @@
         </p:nvCxnSpPr>
         <p:spPr>
           <a:xfrm>
-            <a:off x="26773652" y="8891242"/>
+            <a:off x="35156188" y="12154414"/>
             <a:ext cx="1497469" cy="15210"/>
           </a:xfrm>
           <a:prstGeom prst="straightConnector1">
@@ -8846,8 +8852,8 @@
         </p:nvCxnSpPr>
         <p:spPr>
           <a:xfrm rot="5400000" flipH="1" flipV="1">
-            <a:off x="14954277" y="2149011"/>
-            <a:ext cx="1326794" cy="10674251"/>
+            <a:off x="22251896" y="4428847"/>
+            <a:ext cx="1428377" cy="12742505"/>
           </a:xfrm>
           <a:prstGeom prst="curvedConnector3">
             <a:avLst/>
@@ -8885,7 +8891,7 @@
         </p:nvSpPr>
         <p:spPr>
           <a:xfrm>
-            <a:off x="24335542" y="11942513"/>
+            <a:off x="32718077" y="15205685"/>
             <a:ext cx="4571682" cy="424732"/>
           </a:xfrm>
           <a:prstGeom prst="rect">
@@ -8923,7 +8929,7 @@
         </p:nvSpPr>
         <p:spPr>
           <a:xfrm>
-            <a:off x="13466228" y="18228977"/>
+            <a:off x="19780509" y="21593732"/>
             <a:ext cx="1484002" cy="230832"/>
           </a:xfrm>
           <a:prstGeom prst="rect">
@@ -8961,7 +8967,7 @@
         </p:nvSpPr>
         <p:spPr>
           <a:xfrm>
-            <a:off x="12559742" y="19863836"/>
+            <a:off x="18874023" y="23228592"/>
             <a:ext cx="976814" cy="458655"/>
           </a:xfrm>
           <a:prstGeom prst="roundRect">
@@ -9026,7 +9032,7 @@
         </p:nvCxnSpPr>
         <p:spPr>
           <a:xfrm flipH="1">
-            <a:off x="13048152" y="19051315"/>
+            <a:off x="19362434" y="22416071"/>
             <a:ext cx="3691" cy="812521"/>
           </a:xfrm>
           <a:prstGeom prst="straightConnector1">
@@ -9065,7 +9071,7 @@
         </p:nvSpPr>
         <p:spPr>
           <a:xfrm>
-            <a:off x="11745420" y="19292772"/>
+            <a:off x="18059701" y="22657527"/>
             <a:ext cx="1484002" cy="230832"/>
           </a:xfrm>
           <a:prstGeom prst="rect">
@@ -9112,7 +9118,7 @@
         </p:nvSpPr>
         <p:spPr>
           <a:xfrm>
-            <a:off x="21086689" y="14711937"/>
+            <a:off x="27400971" y="18076692"/>
             <a:ext cx="9962337" cy="9294548"/>
           </a:xfrm>
           <a:prstGeom prst="roundRect">
@@ -9168,8 +9174,8 @@
         </p:nvSpPr>
         <p:spPr>
           <a:xfrm>
-            <a:off x="2220554" y="14914291"/>
-            <a:ext cx="8283851" cy="8383467"/>
+            <a:off x="3582790" y="18069816"/>
+            <a:ext cx="13227869" cy="10982268"/>
           </a:xfrm>
           <a:prstGeom prst="roundRect">
             <a:avLst/>
@@ -9227,7 +9233,7 @@
         </p:nvCxnSpPr>
         <p:spPr>
           <a:xfrm rot="5400000">
-            <a:off x="14936454" y="18651328"/>
+            <a:off x="21250735" y="22016083"/>
             <a:ext cx="3057992" cy="1369312"/>
           </a:xfrm>
           <a:prstGeom prst="curvedConnector3">
@@ -9266,7 +9272,7 @@
         </p:nvSpPr>
         <p:spPr>
           <a:xfrm>
-            <a:off x="12604706" y="17236875"/>
+            <a:off x="18918987" y="20601631"/>
             <a:ext cx="1062750" cy="575143"/>
           </a:xfrm>
           <a:prstGeom prst="roundRect">
@@ -9334,7 +9340,7 @@
         </p:nvCxnSpPr>
         <p:spPr>
           <a:xfrm flipH="1">
-            <a:off x="13667458" y="17519417"/>
+            <a:off x="19981740" y="20884172"/>
             <a:ext cx="2951275" cy="5028"/>
           </a:xfrm>
           <a:prstGeom prst="straightConnector1">
@@ -9373,7 +9379,7 @@
         </p:nvSpPr>
         <p:spPr>
           <a:xfrm>
-            <a:off x="14264164" y="17231844"/>
+            <a:off x="20578445" y="20596599"/>
             <a:ext cx="1484002" cy="230832"/>
           </a:xfrm>
           <a:prstGeom prst="rect">
@@ -9414,7 +9420,7 @@
         </p:nvSpPr>
         <p:spPr>
           <a:xfrm>
-            <a:off x="21619759" y="15225924"/>
+            <a:off x="27934040" y="18590679"/>
             <a:ext cx="3701982" cy="757130"/>
           </a:xfrm>
           <a:prstGeom prst="rect">
@@ -9461,7 +9467,7 @@
         </p:nvSpPr>
         <p:spPr>
           <a:xfrm>
-            <a:off x="17888463" y="20826013"/>
+            <a:off x="24202745" y="24190769"/>
             <a:ext cx="1201439" cy="668273"/>
           </a:xfrm>
           <a:prstGeom prst="roundRect">
@@ -9537,7 +9543,7 @@
         </p:nvCxnSpPr>
         <p:spPr>
           <a:xfrm rot="16200000" flipV="1">
-            <a:off x="16310135" y="18646964"/>
+            <a:off x="22624417" y="22011720"/>
             <a:ext cx="3019023" cy="1339075"/>
           </a:xfrm>
           <a:prstGeom prst="curvedConnector3">
@@ -9578,7 +9584,7 @@
         </p:nvSpPr>
         <p:spPr>
           <a:xfrm>
-            <a:off x="17305539" y="19016494"/>
+            <a:off x="23619820" y="22381249"/>
             <a:ext cx="1484002" cy="230832"/>
           </a:xfrm>
           <a:prstGeom prst="rect">
@@ -9616,7 +9622,7 @@
         </p:nvSpPr>
         <p:spPr>
           <a:xfrm>
-            <a:off x="17390516" y="16039724"/>
+            <a:off x="23704798" y="19404479"/>
             <a:ext cx="858255" cy="441346"/>
           </a:xfrm>
           <a:prstGeom prst="roundRect">
@@ -9674,7 +9680,7 @@
         </p:nvSpPr>
         <p:spPr>
           <a:xfrm>
-            <a:off x="15400417" y="19016494"/>
+            <a:off x="21714698" y="22381249"/>
             <a:ext cx="1484002" cy="230832"/>
           </a:xfrm>
           <a:prstGeom prst="rect">
@@ -9736,7 +9742,7 @@
         </p:nvSpPr>
         <p:spPr>
           <a:xfrm>
-            <a:off x="17437722" y="17290332"/>
+            <a:off x="23752003" y="20655087"/>
             <a:ext cx="1484002" cy="230832"/>
           </a:xfrm>
           <a:prstGeom prst="rect">
@@ -9783,7 +9789,7 @@
         </p:nvSpPr>
         <p:spPr>
           <a:xfrm>
-            <a:off x="22588893" y="17091176"/>
+            <a:off x="28903175" y="20455931"/>
             <a:ext cx="1311925" cy="856482"/>
           </a:xfrm>
           <a:prstGeom prst="roundRect">
@@ -9855,7 +9861,7 @@
         </p:nvSpPr>
         <p:spPr>
           <a:xfrm>
-            <a:off x="16510055" y="24323857"/>
+            <a:off x="22824336" y="27688612"/>
             <a:ext cx="1222784" cy="747738"/>
           </a:xfrm>
           <a:prstGeom prst="roundRect">
@@ -9962,7 +9968,7 @@
         </p:nvCxnSpPr>
         <p:spPr>
           <a:xfrm rot="5400000">
-            <a:off x="17109489" y="16521689"/>
+            <a:off x="23423771" y="19886444"/>
             <a:ext cx="750775" cy="669536"/>
           </a:xfrm>
           <a:prstGeom prst="curvedConnector3">
@@ -10007,7 +10013,7 @@
         </p:nvCxnSpPr>
         <p:spPr>
           <a:xfrm flipV="1">
-            <a:off x="17118778" y="17806990"/>
+            <a:off x="23433060" y="21171746"/>
             <a:ext cx="31329" cy="4627681"/>
           </a:xfrm>
           <a:prstGeom prst="straightConnector1">
@@ -10046,7 +10052,7 @@
         </p:nvSpPr>
         <p:spPr>
           <a:xfrm>
-            <a:off x="16372516" y="22434670"/>
+            <a:off x="22686798" y="25799425"/>
             <a:ext cx="1492523" cy="747738"/>
           </a:xfrm>
           <a:prstGeom prst="roundRect">
@@ -10153,7 +10159,7 @@
         </p:nvCxnSpPr>
         <p:spPr>
           <a:xfrm flipH="1" flipV="1">
-            <a:off x="17118777" y="23182409"/>
+            <a:off x="23433058" y="26547165"/>
             <a:ext cx="2670" cy="1141449"/>
           </a:xfrm>
           <a:prstGeom prst="straightConnector1">
@@ -10192,7 +10198,7 @@
         </p:nvSpPr>
         <p:spPr>
           <a:xfrm>
-            <a:off x="16710306" y="21992184"/>
+            <a:off x="23024587" y="25356939"/>
             <a:ext cx="1484002" cy="230832"/>
           </a:xfrm>
           <a:prstGeom prst="rect">
@@ -10227,53 +10233,6 @@
       </p:sp>
       <p:sp>
         <p:nvSpPr>
-          <p:cNvPr id="1239" name="ZoneTexte 1238">
-            <a:extLst>
-              <a:ext uri="{FF2B5EF4-FFF2-40B4-BE49-F238E27FC236}">
-                <a16:creationId xmlns:a16="http://schemas.microsoft.com/office/drawing/2014/main" id="{7EAD4270-2BE1-4AD0-9997-B71DBBAFD070}"/>
-              </a:ext>
-            </a:extLst>
-          </p:cNvPr>
-          <p:cNvSpPr txBox="1"/>
-          <p:nvPr/>
-        </p:nvSpPr>
-        <p:spPr>
-          <a:xfrm>
-            <a:off x="16082478" y="26651103"/>
-            <a:ext cx="1484002" cy="230832"/>
-          </a:xfrm>
-          <a:prstGeom prst="rect">
-            <a:avLst/>
-          </a:prstGeom>
-          <a:noFill/>
-        </p:spPr>
-        <p:txBody>
-          <a:bodyPr wrap="square" rtlCol="0">
-            <a:spAutoFit/>
-          </a:bodyPr>
-          <a:lstStyle/>
-          <a:p>
-            <a:pPr algn="ctr"/>
-            <a:r>
-              <a:rPr lang="fr-FR" sz="900" i="1" dirty="0">
-                <a:latin typeface="Gill Sans Nova" panose="020B0602020104020203" pitchFamily="34" charset="0"/>
-              </a:rPr>
-              <a:t>P71 </a:t>
-            </a:r>
-            <a:r>
-              <a:rPr lang="fr-FR" sz="900" i="1" dirty="0" err="1">
-                <a:latin typeface="Gill Sans Nova" panose="020B0602020104020203" pitchFamily="34" charset="0"/>
-              </a:rPr>
-              <a:t>lists</a:t>
-            </a:r>
-            <a:endParaRPr lang="fr-FR" sz="900" i="1" dirty="0">
-              <a:latin typeface="Gill Sans Nova" panose="020B0602020104020203" pitchFamily="34" charset="0"/>
-            </a:endParaRPr>
-          </a:p>
-        </p:txBody>
-      </p:sp>
-      <p:sp>
-        <p:nvSpPr>
           <p:cNvPr id="1261" name="Rectangle : coins arrondis 1260">
             <a:extLst>
               <a:ext uri="{FF2B5EF4-FFF2-40B4-BE49-F238E27FC236}">
@@ -10286,7 +10245,7 @@
         </p:nvSpPr>
         <p:spPr>
           <a:xfrm>
-            <a:off x="22490827" y="22441275"/>
+            <a:off x="28805108" y="25806030"/>
             <a:ext cx="1496900" cy="713004"/>
           </a:xfrm>
           <a:prstGeom prst="roundRect">
@@ -10411,7 +10370,7 @@
         </p:nvCxnSpPr>
         <p:spPr>
           <a:xfrm flipV="1">
-            <a:off x="17732839" y="23154280"/>
+            <a:off x="24047120" y="26519036"/>
             <a:ext cx="5506438" cy="1543447"/>
           </a:xfrm>
           <a:prstGeom prst="curvedConnector2">
@@ -10450,7 +10409,7 @@
         </p:nvSpPr>
         <p:spPr>
           <a:xfrm>
-            <a:off x="20414387" y="23969810"/>
+            <a:off x="26728668" y="27334565"/>
             <a:ext cx="1484002" cy="230832"/>
           </a:xfrm>
           <a:prstGeom prst="rect">
@@ -10501,7 +10460,7 @@
         </p:nvCxnSpPr>
         <p:spPr>
           <a:xfrm flipV="1">
-            <a:off x="23239277" y="17947659"/>
+            <a:off x="29553558" y="21312415"/>
             <a:ext cx="5578" cy="2593227"/>
           </a:xfrm>
           <a:prstGeom prst="straightConnector1">
@@ -10540,7 +10499,7 @@
         </p:nvSpPr>
         <p:spPr>
           <a:xfrm>
-            <a:off x="26947549" y="17322750"/>
+            <a:off x="33261830" y="20687506"/>
             <a:ext cx="856380" cy="433699"/>
           </a:xfrm>
           <a:prstGeom prst="roundRect">
@@ -10602,7 +10561,7 @@
         </p:nvCxnSpPr>
         <p:spPr>
           <a:xfrm flipH="1" flipV="1">
-            <a:off x="23900817" y="17519417"/>
+            <a:off x="30215098" y="20884172"/>
             <a:ext cx="3046732" cy="20182"/>
           </a:xfrm>
           <a:prstGeom prst="straightConnector1">
@@ -10641,7 +10600,7 @@
         </p:nvSpPr>
         <p:spPr>
           <a:xfrm>
-            <a:off x="24174801" y="17291693"/>
+            <a:off x="30489082" y="20656448"/>
             <a:ext cx="1484002" cy="230832"/>
           </a:xfrm>
           <a:prstGeom prst="rect">
@@ -10691,7 +10650,7 @@
         </p:nvSpPr>
         <p:spPr>
           <a:xfrm>
-            <a:off x="22652320" y="20540886"/>
+            <a:off x="28966602" y="23905642"/>
             <a:ext cx="1173915" cy="623617"/>
           </a:xfrm>
           <a:prstGeom prst="roundRect">
@@ -10771,7 +10730,7 @@
         </p:nvCxnSpPr>
         <p:spPr>
           <a:xfrm flipV="1">
-            <a:off x="23239277" y="21164503"/>
+            <a:off x="29553558" y="24529259"/>
             <a:ext cx="0" cy="1276773"/>
           </a:xfrm>
           <a:prstGeom prst="straightConnector1">
@@ -10813,7 +10772,7 @@
         </p:nvSpPr>
         <p:spPr>
           <a:xfrm>
-            <a:off x="22809528" y="21780344"/>
+            <a:off x="29123809" y="25145099"/>
             <a:ext cx="1484002" cy="230832"/>
           </a:xfrm>
           <a:prstGeom prst="rect">
@@ -10860,7 +10819,7 @@
         </p:nvSpPr>
         <p:spPr>
           <a:xfrm>
-            <a:off x="22809528" y="20073153"/>
+            <a:off x="29123809" y="23437908"/>
             <a:ext cx="1484002" cy="230832"/>
           </a:xfrm>
           <a:prstGeom prst="rect">
@@ -10907,7 +10866,7 @@
         </p:nvSpPr>
         <p:spPr>
           <a:xfrm>
-            <a:off x="28876664" y="20043981"/>
+            <a:off x="35190945" y="23408737"/>
             <a:ext cx="976814" cy="458655"/>
           </a:xfrm>
           <a:prstGeom prst="roundRect">
@@ -10968,7 +10927,7 @@
         </p:nvSpPr>
         <p:spPr>
           <a:xfrm>
-            <a:off x="27855647" y="18669381"/>
+            <a:off x="34169928" y="22034136"/>
             <a:ext cx="1484002" cy="230832"/>
           </a:xfrm>
           <a:prstGeom prst="rect">
@@ -11019,7 +10978,7 @@
         </p:nvCxnSpPr>
         <p:spPr>
           <a:xfrm rot="16200000" flipH="1">
-            <a:off x="27226639" y="17905548"/>
+            <a:off x="33540920" y="21270303"/>
             <a:ext cx="2287532" cy="1989332"/>
           </a:xfrm>
           <a:prstGeom prst="curvedConnector3">
@@ -11060,7 +11019,7 @@
         </p:nvSpPr>
         <p:spPr>
           <a:xfrm>
-            <a:off x="8059981" y="17497581"/>
+            <a:off x="15021593" y="20799804"/>
             <a:ext cx="1419389" cy="848718"/>
           </a:xfrm>
           <a:prstGeom prst="roundRect">
@@ -11132,7 +11091,7 @@
         </p:nvSpPr>
         <p:spPr>
           <a:xfrm>
-            <a:off x="2928319" y="17431586"/>
+            <a:off x="10489436" y="26233201"/>
             <a:ext cx="976814" cy="458655"/>
           </a:xfrm>
           <a:prstGeom prst="roundRect">
@@ -11193,7 +11152,7 @@
         </p:nvSpPr>
         <p:spPr>
           <a:xfrm>
-            <a:off x="3781762" y="18260630"/>
+            <a:off x="9832937" y="25667645"/>
             <a:ext cx="1324756" cy="369332"/>
           </a:xfrm>
           <a:prstGeom prst="rect">
@@ -11267,7 +11226,7 @@
         </p:nvSpPr>
         <p:spPr>
           <a:xfrm>
-            <a:off x="18248769" y="25687328"/>
+            <a:off x="24563050" y="29052084"/>
             <a:ext cx="1484002" cy="307777"/>
           </a:xfrm>
           <a:prstGeom prst="rect">
@@ -11329,7 +11288,7 @@
         </p:nvSpPr>
         <p:spPr>
           <a:xfrm>
-            <a:off x="8051092" y="19419446"/>
+            <a:off x="15012703" y="22721670"/>
             <a:ext cx="1419388" cy="783087"/>
           </a:xfrm>
           <a:prstGeom prst="roundRect">
@@ -11423,8 +11382,8 @@
         </p:nvCxnSpPr>
         <p:spPr>
           <a:xfrm rot="10800000">
-            <a:off x="8760787" y="22279641"/>
-            <a:ext cx="9487983" cy="3561576"/>
+            <a:off x="15722399" y="25581864"/>
+            <a:ext cx="8840653" cy="3624108"/>
           </a:xfrm>
           <a:prstGeom prst="curvedConnector2">
             <a:avLst/>
@@ -11469,7 +11428,7 @@
         </p:nvCxnSpPr>
         <p:spPr>
           <a:xfrm flipV="1">
-            <a:off x="8760786" y="18346301"/>
+            <a:off x="15722397" y="21648525"/>
             <a:ext cx="8888" cy="1073145"/>
           </a:xfrm>
           <a:prstGeom prst="straightConnector1">
@@ -11508,7 +11467,7 @@
         </p:nvSpPr>
         <p:spPr>
           <a:xfrm>
-            <a:off x="8466562" y="18768756"/>
+            <a:off x="15428173" y="22070979"/>
             <a:ext cx="1484002" cy="230832"/>
           </a:xfrm>
           <a:prstGeom prst="rect">
@@ -11567,7 +11526,7 @@
         </p:nvSpPr>
         <p:spPr>
           <a:xfrm>
-            <a:off x="8135537" y="21392142"/>
+            <a:off x="15097148" y="24694366"/>
             <a:ext cx="1250498" cy="887499"/>
           </a:xfrm>
           <a:prstGeom prst="roundRect">
@@ -11661,7 +11620,7 @@
         </p:nvCxnSpPr>
         <p:spPr>
           <a:xfrm flipV="1">
-            <a:off x="8760786" y="20202533"/>
+            <a:off x="15722397" y="23504757"/>
             <a:ext cx="0" cy="1189609"/>
           </a:xfrm>
           <a:prstGeom prst="straightConnector1">
@@ -11700,7 +11659,7 @@
         </p:nvSpPr>
         <p:spPr>
           <a:xfrm>
-            <a:off x="8466562" y="20706087"/>
+            <a:off x="15428173" y="24008310"/>
             <a:ext cx="1484002" cy="230832"/>
           </a:xfrm>
           <a:prstGeom prst="rect">
@@ -11759,8 +11718,8 @@
         </p:nvSpPr>
         <p:spPr>
           <a:xfrm>
-            <a:off x="5106282" y="19500343"/>
-            <a:ext cx="1062750" cy="508618"/>
+            <a:off x="6564803" y="23538181"/>
+            <a:ext cx="1062750" cy="636758"/>
           </a:xfrm>
           <a:prstGeom prst="roundRect">
             <a:avLst/>
@@ -11816,6 +11775,18 @@
               <a:latin typeface="Gill Sans Nova" panose="020B0602020104020203" pitchFamily="34" charset="0"/>
             </a:endParaRPr>
           </a:p>
+          <a:p>
+            <a:pPr algn="ctr"/>
+            <a:r>
+              <a:rPr lang="fr-FR" sz="900" i="1" dirty="0">
+                <a:solidFill>
+                  <a:schemeClr val="bg1"/>
+                </a:solidFill>
+                <a:latin typeface="Gill Sans Nova" panose="020B0602020104020203" pitchFamily="34" charset="0"/>
+              </a:rPr>
+              <a:t>« France contemporaine»</a:t>
+            </a:r>
+          </a:p>
         </p:txBody>
       </p:sp>
       <p:cxnSp>
@@ -11829,15 +11800,15 @@
           </p:cNvPr>
           <p:cNvCxnSpPr>
             <a:cxnSpLocks/>
-            <a:stCxn id="1436" idx="0"/>
+            <a:stCxn id="43" idx="0"/>
             <a:endCxn id="1323" idx="1"/>
           </p:cNvCxnSpPr>
           <p:nvPr/>
         </p:nvCxnSpPr>
         <p:spPr>
           <a:xfrm rot="5400000" flipH="1" flipV="1">
-            <a:off x="6059619" y="17499981"/>
-            <a:ext cx="1578403" cy="2422322"/>
+            <a:off x="11836146" y="20345834"/>
+            <a:ext cx="2307118" cy="4063776"/>
           </a:xfrm>
           <a:prstGeom prst="curvedConnector2">
             <a:avLst/>
@@ -11875,8 +11846,8 @@
         </p:nvSpPr>
         <p:spPr>
           <a:xfrm>
-            <a:off x="6125293" y="18476000"/>
-            <a:ext cx="1516372" cy="230832"/>
+            <a:off x="11959067" y="21346488"/>
+            <a:ext cx="1242988" cy="369332"/>
           </a:xfrm>
           <a:prstGeom prst="rect">
             <a:avLst/>
@@ -11913,7 +11884,7 @@
         </p:nvSpPr>
         <p:spPr>
           <a:xfrm>
-            <a:off x="5099642" y="21160149"/>
+            <a:off x="12221430" y="26073299"/>
             <a:ext cx="1125127" cy="790961"/>
           </a:xfrm>
           <a:prstGeom prst="roundRect">
@@ -11982,18 +11953,20 @@
           </p:cNvPr>
           <p:cNvCxnSpPr>
             <a:cxnSpLocks/>
-            <a:stCxn id="1436" idx="2"/>
+            <a:stCxn id="43" idx="2"/>
             <a:endCxn id="1443" idx="0"/>
           </p:cNvCxnSpPr>
           <p:nvPr/>
         </p:nvCxnSpPr>
         <p:spPr>
-          <a:xfrm>
-            <a:off x="5637659" y="20008961"/>
-            <a:ext cx="24547" cy="1151186"/>
-          </a:xfrm>
-          <a:prstGeom prst="straightConnector1">
-            <a:avLst/>
+          <a:xfrm rot="16200000" flipH="1">
+            <a:off x="10918276" y="24207580"/>
+            <a:ext cx="1905259" cy="1826177"/>
+          </a:xfrm>
+          <a:prstGeom prst="curvedConnector3">
+            <a:avLst>
+              <a:gd name="adj1" fmla="val 50000"/>
+            </a:avLst>
           </a:prstGeom>
           <a:ln>
             <a:tailEnd type="triangle"/>
@@ -12028,7 +12001,7 @@
         </p:nvSpPr>
         <p:spPr>
           <a:xfrm>
-            <a:off x="5517873" y="20449350"/>
+            <a:off x="11389917" y="24859266"/>
             <a:ext cx="1484002" cy="230832"/>
           </a:xfrm>
           <a:prstGeom prst="rect">
@@ -12066,10 +12039,10 @@
       </p:sp>
       <p:sp>
         <p:nvSpPr>
-          <p:cNvPr id="1491" name="Ellipse 1490">
-            <a:extLst>
-              <a:ext uri="{FF2B5EF4-FFF2-40B4-BE49-F238E27FC236}">
-                <a16:creationId xmlns:a16="http://schemas.microsoft.com/office/drawing/2014/main" id="{189CACE2-7C0A-436C-9722-73E55665358F}"/>
+          <p:cNvPr id="1501" name="Rectangle : coins arrondis 1500">
+            <a:extLst>
+              <a:ext uri="{FF2B5EF4-FFF2-40B4-BE49-F238E27FC236}">
+                <a16:creationId xmlns:a16="http://schemas.microsoft.com/office/drawing/2014/main" id="{54C4A96F-D3CE-44FC-86FC-60609751A2AE}"/>
               </a:ext>
             </a:extLst>
           </p:cNvPr>
@@ -12078,219 +12051,7 @@
         </p:nvSpPr>
         <p:spPr>
           <a:xfrm>
-            <a:off x="2374481" y="18869308"/>
-            <a:ext cx="4721227" cy="3796094"/>
-          </a:xfrm>
-          <a:custGeom>
-            <a:avLst/>
-            <a:gdLst>
-              <a:gd name="connsiteX0" fmla="*/ 0 w 4721227"/>
-              <a:gd name="connsiteY0" fmla="*/ 1898047 h 3796094"/>
-              <a:gd name="connsiteX1" fmla="*/ 2360614 w 4721227"/>
-              <a:gd name="connsiteY1" fmla="*/ 0 h 3796094"/>
-              <a:gd name="connsiteX2" fmla="*/ 4721228 w 4721227"/>
-              <a:gd name="connsiteY2" fmla="*/ 1898047 h 3796094"/>
-              <a:gd name="connsiteX3" fmla="*/ 2360614 w 4721227"/>
-              <a:gd name="connsiteY3" fmla="*/ 3796094 h 3796094"/>
-              <a:gd name="connsiteX4" fmla="*/ 0 w 4721227"/>
-              <a:gd name="connsiteY4" fmla="*/ 1898047 h 3796094"/>
-            </a:gdLst>
-            <a:ahLst/>
-            <a:cxnLst>
-              <a:cxn ang="0">
-                <a:pos x="connsiteX0" y="connsiteY0"/>
-              </a:cxn>
-              <a:cxn ang="0">
-                <a:pos x="connsiteX1" y="connsiteY1"/>
-              </a:cxn>
-              <a:cxn ang="0">
-                <a:pos x="connsiteX2" y="connsiteY2"/>
-              </a:cxn>
-              <a:cxn ang="0">
-                <a:pos x="connsiteX3" y="connsiteY3"/>
-              </a:cxn>
-              <a:cxn ang="0">
-                <a:pos x="connsiteX4" y="connsiteY4"/>
-              </a:cxn>
-            </a:cxnLst>
-            <a:rect l="l" t="t" r="r" b="b"/>
-            <a:pathLst>
-              <a:path w="4721227" h="3796094" extrusionOk="0">
-                <a:moveTo>
-                  <a:pt x="0" y="1898047"/>
-                </a:moveTo>
-                <a:cubicBezTo>
-                  <a:pt x="-182895" y="736971"/>
-                  <a:pt x="886259" y="64038"/>
-                  <a:pt x="2360614" y="0"/>
-                </a:cubicBezTo>
-                <a:cubicBezTo>
-                  <a:pt x="3740736" y="16082"/>
-                  <a:pt x="4527221" y="855954"/>
-                  <a:pt x="4721228" y="1898047"/>
-                </a:cubicBezTo>
-                <a:cubicBezTo>
-                  <a:pt x="4585690" y="3078669"/>
-                  <a:pt x="3653099" y="3858252"/>
-                  <a:pt x="2360614" y="3796094"/>
-                </a:cubicBezTo>
-                <a:cubicBezTo>
-                  <a:pt x="875166" y="3696673"/>
-                  <a:pt x="55816" y="2972979"/>
-                  <a:pt x="0" y="1898047"/>
-                </a:cubicBezTo>
-                <a:close/>
-              </a:path>
-            </a:pathLst>
-          </a:custGeom>
-          <a:noFill/>
-          <a:ln w="28575">
-            <a:solidFill>
-              <a:schemeClr val="bg2">
-                <a:lumMod val="75000"/>
-              </a:schemeClr>
-            </a:solidFill>
-            <a:prstDash val="dash"/>
-            <a:extLst>
-              <a:ext uri="{C807C97D-BFC1-408E-A445-0C87EB9F89A2}">
-                <ask:lineSketchStyleProps xmlns:ask="http://schemas.microsoft.com/office/drawing/2018/sketchyshapes" sd="1219033472">
-                  <a:prstGeom prst="ellipse">
-                    <a:avLst/>
-                  </a:prstGeom>
-                  <ask:type>
-                    <ask:lineSketchCurved/>
-                  </ask:type>
-                </ask:lineSketchStyleProps>
-              </a:ext>
-            </a:extLst>
-          </a:ln>
-        </p:spPr>
-        <p:style>
-          <a:lnRef idx="2">
-            <a:schemeClr val="accent1">
-              <a:shade val="50000"/>
-            </a:schemeClr>
-          </a:lnRef>
-          <a:fillRef idx="1">
-            <a:schemeClr val="accent1"/>
-          </a:fillRef>
-          <a:effectRef idx="0">
-            <a:schemeClr val="accent1"/>
-          </a:effectRef>
-          <a:fontRef idx="minor">
-            <a:schemeClr val="lt1"/>
-          </a:fontRef>
-        </p:style>
-        <p:txBody>
-          <a:bodyPr rtlCol="0" anchor="ctr"/>
-          <a:lstStyle/>
-          <a:p>
-            <a:pPr algn="ctr"/>
-            <a:endParaRPr lang="fr-FR"/>
-          </a:p>
-        </p:txBody>
-      </p:sp>
-      <p:sp>
-        <p:nvSpPr>
-          <p:cNvPr id="1493" name="ZoneTexte 1492">
-            <a:extLst>
-              <a:ext uri="{FF2B5EF4-FFF2-40B4-BE49-F238E27FC236}">
-                <a16:creationId xmlns:a16="http://schemas.microsoft.com/office/drawing/2014/main" id="{EAFDDDCF-F5EC-4DEE-89CB-B853B8E068EE}"/>
-              </a:ext>
-            </a:extLst>
-          </p:cNvPr>
-          <p:cNvSpPr txBox="1"/>
-          <p:nvPr/>
-        </p:nvSpPr>
-        <p:spPr>
-          <a:xfrm>
-            <a:off x="2630230" y="21433568"/>
-            <a:ext cx="2002038" cy="246221"/>
-          </a:xfrm>
-          <a:prstGeom prst="rect">
-            <a:avLst/>
-          </a:prstGeom>
-          <a:noFill/>
-        </p:spPr>
-        <p:txBody>
-          <a:bodyPr wrap="square" rtlCol="0">
-            <a:spAutoFit/>
-          </a:bodyPr>
-          <a:lstStyle/>
-          <a:p>
-            <a:pPr algn="ctr"/>
-            <a:r>
-              <a:rPr lang="fr-FR" sz="1000" b="1" i="1" dirty="0">
-                <a:solidFill>
-                  <a:schemeClr val="bg2">
-                    <a:lumMod val="75000"/>
-                  </a:schemeClr>
-                </a:solidFill>
-                <a:latin typeface="Gill Sans Nova" panose="020B0602020104020203" pitchFamily="34" charset="0"/>
-              </a:rPr>
-              <a:t>REPETE POUR CHAQUE E53</a:t>
-            </a:r>
-          </a:p>
-        </p:txBody>
-      </p:sp>
-      <p:cxnSp>
-        <p:nvCxnSpPr>
-          <p:cNvPr id="1496" name="Connecteur : en arc 1495">
-            <a:extLst>
-              <a:ext uri="{FF2B5EF4-FFF2-40B4-BE49-F238E27FC236}">
-                <a16:creationId xmlns:a16="http://schemas.microsoft.com/office/drawing/2014/main" id="{3C718001-7ECB-43DA-BE98-4F5D763C7354}"/>
-              </a:ext>
-            </a:extLst>
-          </p:cNvPr>
-          <p:cNvCxnSpPr>
-            <a:cxnSpLocks/>
-            <a:stCxn id="1436" idx="0"/>
-            <a:endCxn id="1326" idx="2"/>
-          </p:cNvCxnSpPr>
-          <p:nvPr/>
-        </p:nvCxnSpPr>
-        <p:spPr>
-          <a:xfrm rot="16200000" flipV="1">
-            <a:off x="3722140" y="17584827"/>
-            <a:ext cx="1610104" cy="2220931"/>
-          </a:xfrm>
-          <a:prstGeom prst="curvedConnector3">
-            <a:avLst/>
-          </a:prstGeom>
-          <a:ln>
-            <a:tailEnd type="triangle"/>
-          </a:ln>
-        </p:spPr>
-        <p:style>
-          <a:lnRef idx="1">
-            <a:schemeClr val="dk1"/>
-          </a:lnRef>
-          <a:fillRef idx="0">
-            <a:schemeClr val="dk1"/>
-          </a:fillRef>
-          <a:effectRef idx="0">
-            <a:schemeClr val="dk1"/>
-          </a:effectRef>
-          <a:fontRef idx="minor">
-            <a:schemeClr val="tx1"/>
-          </a:fontRef>
-        </p:style>
-      </p:cxnSp>
-      <p:sp>
-        <p:nvSpPr>
-          <p:cNvPr id="1501" name="Rectangle : coins arrondis 1500">
-            <a:extLst>
-              <a:ext uri="{FF2B5EF4-FFF2-40B4-BE49-F238E27FC236}">
-                <a16:creationId xmlns:a16="http://schemas.microsoft.com/office/drawing/2014/main" id="{54C4A96F-D3CE-44FC-86FC-60609751A2AE}"/>
-              </a:ext>
-            </a:extLst>
-          </p:cNvPr>
-          <p:cNvSpPr/>
-          <p:nvPr/>
-        </p:nvSpPr>
-        <p:spPr>
-          <a:xfrm>
-            <a:off x="12050527" y="22441276"/>
+            <a:off x="18364808" y="25806032"/>
             <a:ext cx="1328682" cy="856483"/>
           </a:xfrm>
           <a:prstGeom prst="roundRect">
@@ -12393,7 +12154,7 @@
         </p:nvSpPr>
         <p:spPr>
           <a:xfrm>
-            <a:off x="13542052" y="24154192"/>
+            <a:off x="19856333" y="27518947"/>
             <a:ext cx="1484002" cy="230832"/>
           </a:xfrm>
           <a:prstGeom prst="rect">
@@ -12444,7 +12205,7 @@
         </p:nvCxnSpPr>
         <p:spPr>
           <a:xfrm rot="10800000">
-            <a:off x="12714870" y="23297758"/>
+            <a:off x="19029152" y="26662513"/>
             <a:ext cx="3795187" cy="1399968"/>
           </a:xfrm>
           <a:prstGeom prst="curvedConnector2">
@@ -12483,7 +12244,7 @@
         </p:nvSpPr>
         <p:spPr>
           <a:xfrm>
-            <a:off x="9630997" y="17455114"/>
+            <a:off x="16592609" y="20757337"/>
             <a:ext cx="452413" cy="4843736"/>
           </a:xfrm>
           <a:prstGeom prst="rightBrace">
@@ -12530,7 +12291,7 @@
         </p:nvSpPr>
         <p:spPr>
           <a:xfrm>
-            <a:off x="10152504" y="22191167"/>
+            <a:off x="17354488" y="24833871"/>
             <a:ext cx="1484002" cy="230832"/>
           </a:xfrm>
           <a:prstGeom prst="rect">
@@ -12577,7 +12338,7 @@
         </p:nvSpPr>
         <p:spPr>
           <a:xfrm>
-            <a:off x="3159765" y="15220300"/>
+            <a:off x="9474047" y="18585055"/>
             <a:ext cx="3281579" cy="757130"/>
           </a:xfrm>
           <a:prstGeom prst="rect">
@@ -12624,7 +12385,7 @@
         </p:nvSpPr>
         <p:spPr>
           <a:xfrm>
-            <a:off x="2276182" y="11124379"/>
+            <a:off x="8590463" y="14489134"/>
             <a:ext cx="1484002" cy="230832"/>
           </a:xfrm>
           <a:prstGeom prst="rect">
@@ -12665,7 +12426,7 @@
         </p:nvSpPr>
         <p:spPr>
           <a:xfrm>
-            <a:off x="8488999" y="12496408"/>
+            <a:off x="14803280" y="15861163"/>
             <a:ext cx="1484002" cy="230832"/>
           </a:xfrm>
           <a:prstGeom prst="rect">
@@ -12706,7 +12467,7 @@
         </p:nvSpPr>
         <p:spPr>
           <a:xfrm>
-            <a:off x="14196601" y="20884613"/>
+            <a:off x="20510882" y="24249368"/>
             <a:ext cx="1484002" cy="230832"/>
           </a:xfrm>
           <a:prstGeom prst="rect">
@@ -12747,7 +12508,7 @@
         </p:nvSpPr>
         <p:spPr>
           <a:xfrm>
-            <a:off x="18918501" y="16031071"/>
+            <a:off x="25232782" y="19395827"/>
             <a:ext cx="976814" cy="458655"/>
           </a:xfrm>
           <a:prstGeom prst="roundRect">
@@ -12812,7 +12573,7 @@
         </p:nvCxnSpPr>
         <p:spPr>
           <a:xfrm>
-            <a:off x="18248769" y="16260397"/>
+            <a:off x="24563050" y="19625152"/>
             <a:ext cx="669732" cy="0"/>
           </a:xfrm>
           <a:prstGeom prst="straightConnector1">
@@ -12851,7 +12612,7 @@
         </p:nvSpPr>
         <p:spPr>
           <a:xfrm>
-            <a:off x="17811930" y="16304600"/>
+            <a:off x="24126211" y="19669355"/>
             <a:ext cx="1484002" cy="230832"/>
           </a:xfrm>
           <a:prstGeom prst="rect">
@@ -12889,7 +12650,7 @@
         </p:nvSpPr>
         <p:spPr>
           <a:xfrm>
-            <a:off x="3493085" y="19523606"/>
+            <a:off x="8879578" y="23610954"/>
             <a:ext cx="1045261" cy="450347"/>
           </a:xfrm>
           <a:prstGeom prst="roundRect">
@@ -12944,15 +12705,15 @@
           </p:cNvPr>
           <p:cNvCxnSpPr>
             <a:cxnSpLocks/>
-            <a:stCxn id="1436" idx="1"/>
+            <a:stCxn id="43" idx="1"/>
             <a:endCxn id="1585" idx="3"/>
           </p:cNvCxnSpPr>
           <p:nvPr/>
         </p:nvCxnSpPr>
         <p:spPr>
           <a:xfrm flipH="1" flipV="1">
-            <a:off x="4538344" y="19748778"/>
-            <a:ext cx="567938" cy="5874"/>
+            <a:off x="9924838" y="23836128"/>
+            <a:ext cx="501604" cy="13533"/>
           </a:xfrm>
           <a:prstGeom prst="straightConnector1">
             <a:avLst/>
@@ -12990,7 +12751,7 @@
         </p:nvSpPr>
         <p:spPr>
           <a:xfrm>
-            <a:off x="13792761" y="19095821"/>
+            <a:off x="20107043" y="22460577"/>
             <a:ext cx="1062749" cy="575143"/>
           </a:xfrm>
           <a:prstGeom prst="roundRect">
@@ -13066,7 +12827,7 @@
         </p:nvCxnSpPr>
         <p:spPr>
           <a:xfrm flipH="1">
-            <a:off x="13583215" y="17519419"/>
+            <a:off x="19897496" y="20884175"/>
             <a:ext cx="3035516" cy="1244325"/>
           </a:xfrm>
           <a:prstGeom prst="straightConnector1">
@@ -13108,7 +12869,7 @@
         </p:nvCxnSpPr>
         <p:spPr>
           <a:xfrm flipH="1">
-            <a:off x="14324136" y="17519417"/>
+            <a:off x="20638418" y="20884172"/>
             <a:ext cx="2294597" cy="1576402"/>
           </a:xfrm>
           <a:prstGeom prst="straightConnector1">
@@ -13147,7 +12908,7 @@
         </p:nvSpPr>
         <p:spPr>
           <a:xfrm>
-            <a:off x="13939326" y="18508989"/>
+            <a:off x="20253607" y="21873744"/>
             <a:ext cx="1484002" cy="230832"/>
           </a:xfrm>
           <a:prstGeom prst="rect">
@@ -13185,7 +12946,7 @@
         </p:nvSpPr>
         <p:spPr>
           <a:xfrm>
-            <a:off x="17339540" y="15089455"/>
+            <a:off x="23653822" y="18454210"/>
             <a:ext cx="960209" cy="437614"/>
           </a:xfrm>
           <a:prstGeom prst="roundRect">
@@ -13259,7 +13020,7 @@
         </p:nvCxnSpPr>
         <p:spPr>
           <a:xfrm flipV="1">
-            <a:off x="17819644" y="15527071"/>
+            <a:off x="24133926" y="18891827"/>
             <a:ext cx="1" cy="512655"/>
           </a:xfrm>
           <a:prstGeom prst="straightConnector1">
@@ -13298,7 +13059,7 @@
         </p:nvSpPr>
         <p:spPr>
           <a:xfrm>
-            <a:off x="17755178" y="15693476"/>
+            <a:off x="24069459" y="19058231"/>
             <a:ext cx="584724" cy="230832"/>
           </a:xfrm>
           <a:prstGeom prst="rect">
@@ -13332,6 +13093,7 @@
             </a:extLst>
           </p:cNvPr>
           <p:cNvCxnSpPr>
+            <a:cxnSpLocks/>
             <a:stCxn id="892" idx="2"/>
             <a:endCxn id="942" idx="0"/>
           </p:cNvCxnSpPr>
@@ -13339,12 +13101,12 @@
         </p:nvCxnSpPr>
         <p:spPr>
           <a:xfrm rot="16200000" flipH="1">
-            <a:off x="22063237" y="3988012"/>
-            <a:ext cx="2209536" cy="2296642"/>
+            <a:off x="29239863" y="6045275"/>
+            <a:ext cx="4618612" cy="2299389"/>
           </a:xfrm>
           <a:prstGeom prst="curvedConnector3">
             <a:avLst>
-              <a:gd name="adj1" fmla="val 13542"/>
+              <a:gd name="adj1" fmla="val 7433"/>
             </a:avLst>
           </a:prstGeom>
           <a:ln w="3175">
@@ -13386,7 +13148,7 @@
         </p:nvSpPr>
         <p:spPr>
           <a:xfrm>
-            <a:off x="22738257" y="4087047"/>
+            <a:off x="31451522" y="7067156"/>
             <a:ext cx="1052047" cy="230832"/>
           </a:xfrm>
           <a:prstGeom prst="rect">
@@ -13448,7 +13210,7 @@
         </p:nvSpPr>
         <p:spPr>
           <a:xfrm>
-            <a:off x="12781826" y="9664510"/>
+            <a:off x="19096108" y="13029265"/>
             <a:ext cx="1398361" cy="230832"/>
           </a:xfrm>
           <a:prstGeom prst="rect">
@@ -13513,7 +13275,7 @@
         </p:nvCxnSpPr>
         <p:spPr>
           <a:xfrm rot="5400000">
-            <a:off x="4374615" y="10265153"/>
+            <a:off x="10688896" y="13629909"/>
             <a:ext cx="1081142" cy="1174159"/>
           </a:xfrm>
           <a:prstGeom prst="curvedConnector2">
@@ -13548,6 +13310,7 @@
             </a:extLst>
           </p:cNvPr>
           <p:cNvCxnSpPr>
+            <a:cxnSpLocks/>
             <a:stCxn id="845" idx="2"/>
             <a:endCxn id="854" idx="0"/>
           </p:cNvCxnSpPr>
@@ -13555,8 +13318,8 @@
         </p:nvCxnSpPr>
         <p:spPr>
           <a:xfrm rot="16200000" flipH="1">
-            <a:off x="7110991" y="9328827"/>
-            <a:ext cx="1355028" cy="397217"/>
+            <a:off x="13373761" y="12745093"/>
+            <a:ext cx="1492171" cy="431334"/>
           </a:xfrm>
           <a:prstGeom prst="curvedConnector3">
             <a:avLst>
@@ -13599,12 +13362,12 @@
         </p:nvCxnSpPr>
         <p:spPr>
           <a:xfrm rot="10800000" flipH="1" flipV="1">
-            <a:off x="10083409" y="19814450"/>
-            <a:ext cx="1967119" cy="3055067"/>
+            <a:off x="17045021" y="23116672"/>
+            <a:ext cx="1319787" cy="3117601"/>
           </a:xfrm>
           <a:prstGeom prst="curvedConnector3">
             <a:avLst>
-              <a:gd name="adj1" fmla="val 45759"/>
+              <a:gd name="adj1" fmla="val 53769"/>
             </a:avLst>
           </a:prstGeom>
         </p:spPr>
@@ -13637,7 +13400,7 @@
         </p:nvSpPr>
         <p:spPr>
           <a:xfrm>
-            <a:off x="12394080" y="16705109"/>
+            <a:off x="18708361" y="20069865"/>
             <a:ext cx="1484002" cy="507831"/>
           </a:xfrm>
           <a:prstGeom prst="rect">
@@ -13680,7 +13443,7 @@
         </p:nvSpPr>
         <p:spPr>
           <a:xfrm>
-            <a:off x="19530802" y="17477662"/>
+            <a:off x="25845083" y="20842418"/>
             <a:ext cx="929018" cy="405191"/>
           </a:xfrm>
           <a:prstGeom prst="roundRect">
@@ -13753,7 +13516,7 @@
         </p:nvSpPr>
         <p:spPr>
           <a:xfrm>
-            <a:off x="19539433" y="18148471"/>
+            <a:off x="25853714" y="21513227"/>
             <a:ext cx="929018" cy="405191"/>
           </a:xfrm>
           <a:prstGeom prst="roundRect">
@@ -13826,7 +13589,7 @@
         </p:nvSpPr>
         <p:spPr>
           <a:xfrm>
-            <a:off x="17709605" y="18228977"/>
+            <a:off x="24023886" y="21593732"/>
             <a:ext cx="1484002" cy="230832"/>
           </a:xfrm>
           <a:prstGeom prst="rect">
@@ -13873,7 +13636,7 @@
         </p:nvSpPr>
         <p:spPr>
           <a:xfrm>
-            <a:off x="20598597" y="17290332"/>
+            <a:off x="27098135" y="20709275"/>
             <a:ext cx="1484002" cy="230832"/>
           </a:xfrm>
           <a:prstGeom prst="rect">
@@ -13932,7 +13695,7 @@
         </p:nvSpPr>
         <p:spPr>
           <a:xfrm>
-            <a:off x="21292909" y="18218523"/>
+            <a:off x="27607190" y="21583278"/>
             <a:ext cx="1484002" cy="230832"/>
           </a:xfrm>
           <a:prstGeom prst="rect">
@@ -13991,7 +13754,7 @@
         </p:nvSpPr>
         <p:spPr>
           <a:xfrm>
-            <a:off x="19515535" y="19121153"/>
+            <a:off x="25829816" y="22485909"/>
             <a:ext cx="976814" cy="458655"/>
           </a:xfrm>
           <a:prstGeom prst="roundRect">
@@ -14055,7 +13818,7 @@
         </p:nvCxnSpPr>
         <p:spPr>
           <a:xfrm>
-            <a:off x="20003942" y="18553662"/>
+            <a:off x="26318223" y="21918418"/>
             <a:ext cx="0" cy="567491"/>
           </a:xfrm>
           <a:prstGeom prst="straightConnector1">
@@ -14094,7 +13857,7 @@
         </p:nvSpPr>
         <p:spPr>
           <a:xfrm>
-            <a:off x="19392553" y="18706832"/>
+            <a:off x="25706834" y="22071587"/>
             <a:ext cx="1484002" cy="230832"/>
           </a:xfrm>
           <a:prstGeom prst="rect">
@@ -14135,7 +13898,7 @@
         </p:nvCxnSpPr>
         <p:spPr>
           <a:xfrm>
-            <a:off x="17681483" y="17519419"/>
+            <a:off x="23995765" y="20884175"/>
             <a:ext cx="1849321" cy="160839"/>
           </a:xfrm>
           <a:prstGeom prst="straightConnector1">
@@ -14177,7 +13940,7 @@
         </p:nvCxnSpPr>
         <p:spPr>
           <a:xfrm flipV="1">
-            <a:off x="20459820" y="17519417"/>
+            <a:off x="26774101" y="20884172"/>
             <a:ext cx="2129072" cy="160840"/>
           </a:xfrm>
           <a:prstGeom prst="straightConnector1">
@@ -14219,7 +13982,7 @@
         </p:nvCxnSpPr>
         <p:spPr>
           <a:xfrm>
-            <a:off x="17681481" y="17519417"/>
+            <a:off x="23995762" y="20884172"/>
             <a:ext cx="1857952" cy="831648"/>
           </a:xfrm>
           <a:prstGeom prst="straightConnector1">
@@ -14261,7 +14024,7 @@
         </p:nvCxnSpPr>
         <p:spPr>
           <a:xfrm flipV="1">
-            <a:off x="20468452" y="17519418"/>
+            <a:off x="26782734" y="20884174"/>
             <a:ext cx="2120441" cy="831649"/>
           </a:xfrm>
           <a:prstGeom prst="straightConnector1">
@@ -14288,10 +14051,10 @@
       </p:cxnSp>
       <p:sp>
         <p:nvSpPr>
-          <p:cNvPr id="1772" name="ZoneTexte 1771">
-            <a:extLst>
-              <a:ext uri="{FF2B5EF4-FFF2-40B4-BE49-F238E27FC236}">
-                <a16:creationId xmlns:a16="http://schemas.microsoft.com/office/drawing/2014/main" id="{84A8A8E9-574A-478A-814A-A8EFEF6F4341}"/>
+          <p:cNvPr id="1779" name="ZoneTexte 1778">
+            <a:extLst>
+              <a:ext uri="{FF2B5EF4-FFF2-40B4-BE49-F238E27FC236}">
+                <a16:creationId xmlns:a16="http://schemas.microsoft.com/office/drawing/2014/main" id="{78FD002E-82F3-4C2C-93FC-14B940995C1C}"/>
               </a:ext>
             </a:extLst>
           </p:cNvPr>
@@ -14300,7 +14063,7 @@
         </p:nvSpPr>
         <p:spPr>
           <a:xfrm>
-            <a:off x="2245920" y="19599609"/>
+            <a:off x="9428436" y="23643298"/>
             <a:ext cx="1484002" cy="230832"/>
           </a:xfrm>
           <a:prstGeom prst="rect">
@@ -14316,47 +14079,6 @@
           <a:p>
             <a:pPr algn="ctr"/>
             <a:r>
-              <a:rPr lang="fr-FR" sz="900" i="1" dirty="0" err="1">
-                <a:latin typeface="Gill Sans Nova" panose="020B0602020104020203" pitchFamily="34" charset="0"/>
-              </a:rPr>
-              <a:t>rdfs:label</a:t>
-            </a:r>
-            <a:endParaRPr lang="fr-FR" sz="900" i="1" dirty="0">
-              <a:latin typeface="Gill Sans Nova" panose="020B0602020104020203" pitchFamily="34" charset="0"/>
-            </a:endParaRPr>
-          </a:p>
-        </p:txBody>
-      </p:sp>
-      <p:sp>
-        <p:nvSpPr>
-          <p:cNvPr id="1779" name="ZoneTexte 1778">
-            <a:extLst>
-              <a:ext uri="{FF2B5EF4-FFF2-40B4-BE49-F238E27FC236}">
-                <a16:creationId xmlns:a16="http://schemas.microsoft.com/office/drawing/2014/main" id="{78FD002E-82F3-4C2C-93FC-14B940995C1C}"/>
-              </a:ext>
-            </a:extLst>
-          </p:cNvPr>
-          <p:cNvSpPr txBox="1"/>
-          <p:nvPr/>
-        </p:nvSpPr>
-        <p:spPr>
-          <a:xfrm>
-            <a:off x="4096702" y="19524647"/>
-            <a:ext cx="1484002" cy="230832"/>
-          </a:xfrm>
-          <a:prstGeom prst="rect">
-            <a:avLst/>
-          </a:prstGeom>
-          <a:noFill/>
-        </p:spPr>
-        <p:txBody>
-          <a:bodyPr wrap="square" rtlCol="0">
-            <a:spAutoFit/>
-          </a:bodyPr>
-          <a:lstStyle/>
-          <a:p>
-            <a:pPr algn="ctr"/>
-            <a:r>
               <a:rPr lang="fr-FR" sz="900" i="1" dirty="0">
                 <a:latin typeface="Gill Sans Nova" panose="020B0602020104020203" pitchFamily="34" charset="0"/>
               </a:rPr>
@@ -14379,7 +14101,7 @@
         </p:nvSpPr>
         <p:spPr>
           <a:xfrm>
-            <a:off x="2666270" y="20086307"/>
+            <a:off x="8118426" y="24288578"/>
             <a:ext cx="841674" cy="399893"/>
           </a:xfrm>
           <a:prstGeom prst="roundRect">
@@ -14433,6 +14155,7 @@
             </a:extLst>
           </p:cNvPr>
           <p:cNvCxnSpPr>
+            <a:cxnSpLocks/>
             <a:stCxn id="1585" idx="1"/>
             <a:endCxn id="1781" idx="0"/>
           </p:cNvCxnSpPr>
@@ -14440,8 +14163,8 @@
         </p:nvCxnSpPr>
         <p:spPr>
           <a:xfrm rot="10800000" flipV="1">
-            <a:off x="3087107" y="19748779"/>
-            <a:ext cx="405976" cy="337527"/>
+            <a:off x="8539263" y="23836127"/>
+            <a:ext cx="340314" cy="452450"/>
           </a:xfrm>
           <a:prstGeom prst="curvedConnector2">
             <a:avLst/>
@@ -14479,7 +14202,7 @@
         </p:nvSpPr>
         <p:spPr>
           <a:xfrm>
-            <a:off x="16444340" y="4803310"/>
+            <a:off x="23779808" y="5658380"/>
             <a:ext cx="699781" cy="571566"/>
           </a:xfrm>
           <a:prstGeom prst="roundRect">
@@ -14538,7 +14261,7 @@
         </p:nvCxnSpPr>
         <p:spPr>
           <a:xfrm flipH="1">
-            <a:off x="17144119" y="5078204"/>
+            <a:off x="24479586" y="5933275"/>
             <a:ext cx="776896" cy="10891"/>
           </a:xfrm>
           <a:prstGeom prst="straightConnector1">
@@ -14577,7 +14300,7 @@
         </p:nvSpPr>
         <p:spPr>
           <a:xfrm>
-            <a:off x="16891872" y="5098945"/>
+            <a:off x="24227340" y="5954015"/>
             <a:ext cx="1398361" cy="230832"/>
           </a:xfrm>
           <a:prstGeom prst="rect">
@@ -14618,7 +14341,7 @@
         </p:nvSpPr>
         <p:spPr>
           <a:xfrm>
-            <a:off x="17056940" y="6184689"/>
+            <a:off x="25439476" y="9447861"/>
             <a:ext cx="699781" cy="571566"/>
           </a:xfrm>
           <a:prstGeom prst="roundRect">
@@ -14678,7 +14401,7 @@
         </p:nvCxnSpPr>
         <p:spPr>
           <a:xfrm flipH="1">
-            <a:off x="17756719" y="6463074"/>
+            <a:off x="26139254" y="9726246"/>
             <a:ext cx="789292" cy="7398"/>
           </a:xfrm>
           <a:prstGeom prst="straightConnector1">
@@ -14717,7 +14440,7 @@
         </p:nvSpPr>
         <p:spPr>
           <a:xfrm>
-            <a:off x="17498213" y="6460097"/>
+            <a:off x="25880749" y="9723269"/>
             <a:ext cx="1398361" cy="230832"/>
           </a:xfrm>
           <a:prstGeom prst="rect">
@@ -14758,7 +14481,7 @@
         </p:nvSpPr>
         <p:spPr>
           <a:xfrm>
-            <a:off x="13604678" y="8216015"/>
+            <a:off x="19918959" y="11580770"/>
             <a:ext cx="1085890" cy="571566"/>
           </a:xfrm>
           <a:prstGeom prst="roundRect">
@@ -14814,7 +14537,7 @@
         </p:nvSpPr>
         <p:spPr>
           <a:xfrm>
-            <a:off x="12408104" y="8270966"/>
+            <a:off x="18722386" y="11635721"/>
             <a:ext cx="1398361" cy="230832"/>
           </a:xfrm>
           <a:prstGeom prst="rect">
@@ -14859,7 +14582,7 @@
         </p:nvCxnSpPr>
         <p:spPr>
           <a:xfrm>
-            <a:off x="12674434" y="8500645"/>
+            <a:off x="18988715" y="11865401"/>
             <a:ext cx="930244" cy="1155"/>
           </a:xfrm>
           <a:prstGeom prst="straightConnector1">
@@ -14898,7 +14621,7 @@
         </p:nvSpPr>
         <p:spPr>
           <a:xfrm>
-            <a:off x="26886946" y="16449480"/>
+            <a:off x="33201228" y="19814235"/>
             <a:ext cx="960209" cy="437614"/>
           </a:xfrm>
           <a:prstGeom prst="roundRect">
@@ -14968,7 +14691,7 @@
         </p:nvSpPr>
         <p:spPr>
           <a:xfrm>
-            <a:off x="27359155" y="16992206"/>
+            <a:off x="33673436" y="20356961"/>
             <a:ext cx="584724" cy="230832"/>
           </a:xfrm>
           <a:prstGeom prst="rect">
@@ -15009,7 +14732,7 @@
         </p:nvCxnSpPr>
         <p:spPr>
           <a:xfrm flipH="1" flipV="1">
-            <a:off x="27367051" y="16887095"/>
+            <a:off x="33681333" y="20251851"/>
             <a:ext cx="8689" cy="435655"/>
           </a:xfrm>
           <a:prstGeom prst="straightConnector1">
@@ -15048,7 +14771,7 @@
         </p:nvSpPr>
         <p:spPr>
           <a:xfrm>
-            <a:off x="19188379" y="16808963"/>
+            <a:off x="25502661" y="20173719"/>
             <a:ext cx="4912529" cy="3005487"/>
           </a:xfrm>
           <a:custGeom>
@@ -15212,7 +14935,7 @@
         </p:nvSpPr>
         <p:spPr>
           <a:xfrm>
-            <a:off x="21302932" y="19539168"/>
+            <a:off x="27617213" y="22903924"/>
             <a:ext cx="1484002" cy="276999"/>
           </a:xfrm>
           <a:prstGeom prst="rect">
@@ -15259,7 +14982,7 @@
         </p:nvCxnSpPr>
         <p:spPr>
           <a:xfrm flipV="1">
-            <a:off x="23826235" y="20852694"/>
+            <a:off x="30140517" y="24217450"/>
             <a:ext cx="877781" cy="1"/>
           </a:xfrm>
           <a:prstGeom prst="straightConnector1">
@@ -15301,7 +15024,7 @@
         </p:nvCxnSpPr>
         <p:spPr>
           <a:xfrm rot="5400000">
-            <a:off x="19511871" y="17977349"/>
+            <a:off x="25826152" y="21342104"/>
             <a:ext cx="8084768" cy="7642968"/>
           </a:xfrm>
           <a:prstGeom prst="curvedConnector2">
@@ -15325,10 +15048,95 @@
       </p:cxnSp>
       <p:sp>
         <p:nvSpPr>
-          <p:cNvPr id="62" name="Rectangle : coins arrondis 61">
-            <a:extLst>
-              <a:ext uri="{FF2B5EF4-FFF2-40B4-BE49-F238E27FC236}">
-                <a16:creationId xmlns:a16="http://schemas.microsoft.com/office/drawing/2014/main" id="{1D68ACB8-B0A2-42E6-95B9-0A954930F251}"/>
+          <p:cNvPr id="63" name="ZoneTexte 62">
+            <a:extLst>
+              <a:ext uri="{FF2B5EF4-FFF2-40B4-BE49-F238E27FC236}">
+                <a16:creationId xmlns:a16="http://schemas.microsoft.com/office/drawing/2014/main" id="{04D98324-7737-4601-98E2-15E6BCD64BC4}"/>
+              </a:ext>
+            </a:extLst>
+          </p:cNvPr>
+          <p:cNvSpPr txBox="1"/>
+          <p:nvPr/>
+        </p:nvSpPr>
+        <p:spPr>
+          <a:xfrm>
+            <a:off x="23138760" y="27282839"/>
+            <a:ext cx="1484002" cy="230832"/>
+          </a:xfrm>
+          <a:prstGeom prst="rect">
+            <a:avLst/>
+          </a:prstGeom>
+          <a:noFill/>
+        </p:spPr>
+        <p:txBody>
+          <a:bodyPr wrap="square" rtlCol="0">
+            <a:spAutoFit/>
+          </a:bodyPr>
+          <a:lstStyle/>
+          <a:p>
+            <a:pPr algn="ctr"/>
+            <a:r>
+              <a:rPr lang="fr-FR" sz="900" i="1" dirty="0">
+                <a:latin typeface="Gill Sans Nova" panose="020B0602020104020203" pitchFamily="34" charset="0"/>
+              </a:rPr>
+              <a:t>P71 </a:t>
+            </a:r>
+            <a:r>
+              <a:rPr lang="fr-FR" sz="900" i="1" dirty="0" err="1">
+                <a:latin typeface="Gill Sans Nova" panose="020B0602020104020203" pitchFamily="34" charset="0"/>
+              </a:rPr>
+              <a:t>lists</a:t>
+            </a:r>
+            <a:endParaRPr lang="fr-FR" sz="900" i="1" dirty="0">
+              <a:latin typeface="Gill Sans Nova" panose="020B0602020104020203" pitchFamily="34" charset="0"/>
+            </a:endParaRPr>
+          </a:p>
+        </p:txBody>
+      </p:sp>
+      <p:sp>
+        <p:nvSpPr>
+          <p:cNvPr id="198" name="ZoneTexte 197">
+            <a:extLst>
+              <a:ext uri="{FF2B5EF4-FFF2-40B4-BE49-F238E27FC236}">
+                <a16:creationId xmlns:a16="http://schemas.microsoft.com/office/drawing/2014/main" id="{094D8B2A-BB77-4976-AFB5-B2C552ECF2E2}"/>
+              </a:ext>
+            </a:extLst>
+          </p:cNvPr>
+          <p:cNvSpPr txBox="1"/>
+          <p:nvPr/>
+        </p:nvSpPr>
+        <p:spPr>
+          <a:xfrm>
+            <a:off x="29809350" y="24234188"/>
+            <a:ext cx="1484002" cy="230832"/>
+          </a:xfrm>
+          <a:prstGeom prst="rect">
+            <a:avLst/>
+          </a:prstGeom>
+          <a:noFill/>
+        </p:spPr>
+        <p:txBody>
+          <a:bodyPr wrap="square" rtlCol="0">
+            <a:spAutoFit/>
+          </a:bodyPr>
+          <a:lstStyle/>
+          <a:p>
+            <a:pPr algn="ctr"/>
+            <a:r>
+              <a:rPr lang="fr-FR" sz="900" i="1" dirty="0">
+                <a:latin typeface="Gill Sans Nova" panose="020B0602020104020203" pitchFamily="34" charset="0"/>
+              </a:rPr>
+              <a:t>P1</a:t>
+            </a:r>
+          </a:p>
+        </p:txBody>
+      </p:sp>
+      <p:sp>
+        <p:nvSpPr>
+          <p:cNvPr id="199" name="Accolade fermante 198">
+            <a:extLst>
+              <a:ext uri="{FF2B5EF4-FFF2-40B4-BE49-F238E27FC236}">
+                <a16:creationId xmlns:a16="http://schemas.microsoft.com/office/drawing/2014/main" id="{23401530-2A0E-4427-8682-96067A4347B0}"/>
               </a:ext>
             </a:extLst>
           </p:cNvPr>
@@ -15336,17 +15144,64 @@
           <p:nvPr/>
         </p:nvSpPr>
         <p:spPr>
-          <a:xfrm>
-            <a:off x="16523050" y="27245206"/>
-            <a:ext cx="1222784" cy="747738"/>
+          <a:xfrm rot="16200000">
+            <a:off x="27667791" y="19774861"/>
+            <a:ext cx="267704" cy="1904911"/>
+          </a:xfrm>
+          <a:prstGeom prst="rightBrace">
+            <a:avLst>
+              <a:gd name="adj1" fmla="val 127467"/>
+              <a:gd name="adj2" fmla="val 52080"/>
+            </a:avLst>
+          </a:prstGeom>
+        </p:spPr>
+        <p:style>
+          <a:lnRef idx="1">
+            <a:schemeClr val="dk1"/>
+          </a:lnRef>
+          <a:fillRef idx="0">
+            <a:schemeClr val="dk1"/>
+          </a:fillRef>
+          <a:effectRef idx="0">
+            <a:schemeClr val="dk1"/>
+          </a:effectRef>
+          <a:fontRef idx="minor">
+            <a:schemeClr val="tx1"/>
+          </a:fontRef>
+        </p:style>
+        <p:txBody>
+          <a:bodyPr rtlCol="0" anchor="ctr"/>
+          <a:lstStyle/>
+          <a:p>
+            <a:pPr algn="ctr"/>
+            <a:endParaRPr lang="fr-FR"/>
+          </a:p>
+        </p:txBody>
+      </p:sp>
+      <p:sp>
+        <p:nvSpPr>
+          <p:cNvPr id="200" name="Rectangle : coins arrondis 199">
+            <a:extLst>
+              <a:ext uri="{FF2B5EF4-FFF2-40B4-BE49-F238E27FC236}">
+                <a16:creationId xmlns:a16="http://schemas.microsoft.com/office/drawing/2014/main" id="{4D4EDFCB-E781-4137-842F-BAB2A811CECF}"/>
+              </a:ext>
+            </a:extLst>
+          </p:cNvPr>
+          <p:cNvSpPr/>
+          <p:nvPr/>
+        </p:nvSpPr>
+        <p:spPr>
+          <a:xfrm>
+            <a:off x="31018297" y="23855628"/>
+            <a:ext cx="1745658" cy="723643"/>
           </a:xfrm>
           <a:prstGeom prst="roundRect">
             <a:avLst/>
           </a:prstGeom>
           <a:solidFill>
-            <a:srgbClr val="ED9797"/>
+            <a:srgbClr val="F9C3E7"/>
           </a:solidFill>
-          <a:ln w="28575">
+          <a:ln w="38100">
             <a:noFill/>
           </a:ln>
         </p:spPr>
@@ -15372,245 +15227,33 @@
             <a:r>
               <a:rPr lang="fr-FR" sz="900" dirty="0">
                 <a:solidFill>
-                  <a:schemeClr val="bg1"/>
+                  <a:schemeClr val="tx1"/>
                 </a:solidFill>
                 <a:latin typeface="Gill Sans Nova" panose="020B0602020104020203" pitchFamily="34" charset="0"/>
               </a:rPr>
-              <a:t>E32 </a:t>
-            </a:r>
-            <a:r>
-              <a:rPr lang="fr-FR" sz="900" dirty="0" err="1">
+              <a:t>E41 Appellation</a:t>
+            </a:r>
+          </a:p>
+          <a:p>
+            <a:pPr algn="ctr"/>
+            <a:r>
+              <a:rPr lang="fr-FR" sz="900" i="1" dirty="0">
                 <a:solidFill>
-                  <a:schemeClr val="bg1"/>
+                  <a:schemeClr val="tx1"/>
                 </a:solidFill>
                 <a:latin typeface="Gill Sans Nova" panose="020B0602020104020203" pitchFamily="34" charset="0"/>
               </a:rPr>
-              <a:t>Authority</a:t>
-            </a:r>
-            <a:r>
-              <a:rPr lang="fr-FR" sz="900" dirty="0">
-                <a:solidFill>
-                  <a:schemeClr val="bg1"/>
-                </a:solidFill>
-                <a:latin typeface="Gill Sans Nova" panose="020B0602020104020203" pitchFamily="34" charset="0"/>
-              </a:rPr>
-              <a:t> Document</a:t>
-            </a:r>
-          </a:p>
-        </p:txBody>
-      </p:sp>
-      <p:sp>
-        <p:nvSpPr>
-          <p:cNvPr id="63" name="ZoneTexte 62">
-            <a:extLst>
-              <a:ext uri="{FF2B5EF4-FFF2-40B4-BE49-F238E27FC236}">
-                <a16:creationId xmlns:a16="http://schemas.microsoft.com/office/drawing/2014/main" id="{04D98324-7737-4601-98E2-15E6BCD64BC4}"/>
-              </a:ext>
-            </a:extLst>
-          </p:cNvPr>
-          <p:cNvSpPr txBox="1"/>
-          <p:nvPr/>
-        </p:nvSpPr>
-        <p:spPr>
-          <a:xfrm>
-            <a:off x="16824479" y="23918084"/>
-            <a:ext cx="1484002" cy="230832"/>
-          </a:xfrm>
-          <a:prstGeom prst="rect">
-            <a:avLst/>
-          </a:prstGeom>
-          <a:noFill/>
-        </p:spPr>
-        <p:txBody>
-          <a:bodyPr wrap="square" rtlCol="0">
-            <a:spAutoFit/>
-          </a:bodyPr>
-          <a:lstStyle/>
-          <a:p>
-            <a:pPr algn="ctr"/>
-            <a:r>
-              <a:rPr lang="fr-FR" sz="900" i="1" dirty="0">
-                <a:latin typeface="Gill Sans Nova" panose="020B0602020104020203" pitchFamily="34" charset="0"/>
-              </a:rPr>
-              <a:t>P71 </a:t>
-            </a:r>
-            <a:r>
-              <a:rPr lang="fr-FR" sz="900" i="1" dirty="0" err="1">
-                <a:latin typeface="Gill Sans Nova" panose="020B0602020104020203" pitchFamily="34" charset="0"/>
-              </a:rPr>
-              <a:t>lists</a:t>
-            </a:r>
-            <a:endParaRPr lang="fr-FR" sz="900" i="1" dirty="0">
-              <a:latin typeface="Gill Sans Nova" panose="020B0602020104020203" pitchFamily="34" charset="0"/>
-            </a:endParaRPr>
-          </a:p>
-        </p:txBody>
-      </p:sp>
-      <p:cxnSp>
-        <p:nvCxnSpPr>
-          <p:cNvPr id="193" name="Connecteur droit avec flèche 192">
-            <a:extLst>
-              <a:ext uri="{FF2B5EF4-FFF2-40B4-BE49-F238E27FC236}">
-                <a16:creationId xmlns:a16="http://schemas.microsoft.com/office/drawing/2014/main" id="{A4947989-E846-46EF-AD3A-7697872C64F4}"/>
-              </a:ext>
-            </a:extLst>
-          </p:cNvPr>
-          <p:cNvCxnSpPr>
-            <a:endCxn id="62" idx="0"/>
-          </p:cNvCxnSpPr>
-          <p:nvPr/>
-        </p:nvCxnSpPr>
-        <p:spPr>
-          <a:xfrm>
-            <a:off x="17118777" y="25071595"/>
-            <a:ext cx="15665" cy="2173611"/>
-          </a:xfrm>
-          <a:prstGeom prst="straightConnector1">
-            <a:avLst/>
-          </a:prstGeom>
-          <a:ln>
-            <a:tailEnd type="triangle"/>
-          </a:ln>
-        </p:spPr>
-        <p:style>
-          <a:lnRef idx="1">
-            <a:schemeClr val="dk1"/>
-          </a:lnRef>
-          <a:fillRef idx="0">
-            <a:schemeClr val="dk1"/>
-          </a:fillRef>
-          <a:effectRef idx="0">
-            <a:schemeClr val="dk1"/>
-          </a:effectRef>
-          <a:fontRef idx="minor">
-            <a:schemeClr val="tx1"/>
-          </a:fontRef>
-        </p:style>
-      </p:cxnSp>
-      <p:cxnSp>
-        <p:nvCxnSpPr>
-          <p:cNvPr id="196" name="Connecteur droit avec flèche 195">
-            <a:extLst>
-              <a:ext uri="{FF2B5EF4-FFF2-40B4-BE49-F238E27FC236}">
-                <a16:creationId xmlns:a16="http://schemas.microsoft.com/office/drawing/2014/main" id="{EAB0B565-F891-472D-80BE-21594441FC78}"/>
-              </a:ext>
-            </a:extLst>
-          </p:cNvPr>
-          <p:cNvCxnSpPr>
-            <a:cxnSpLocks/>
-            <a:stCxn id="62" idx="3"/>
-          </p:cNvCxnSpPr>
-          <p:nvPr/>
-        </p:nvCxnSpPr>
-        <p:spPr>
-          <a:xfrm flipV="1">
-            <a:off x="17745834" y="27617771"/>
-            <a:ext cx="817824" cy="1304"/>
-          </a:xfrm>
-          <a:prstGeom prst="straightConnector1">
-            <a:avLst/>
-          </a:prstGeom>
-          <a:ln>
-            <a:tailEnd type="triangle"/>
-          </a:ln>
-        </p:spPr>
-        <p:style>
-          <a:lnRef idx="1">
-            <a:schemeClr val="dk1"/>
-          </a:lnRef>
-          <a:fillRef idx="0">
-            <a:schemeClr val="dk1"/>
-          </a:fillRef>
-          <a:effectRef idx="0">
-            <a:schemeClr val="dk1"/>
-          </a:effectRef>
-          <a:fontRef idx="minor">
-            <a:schemeClr val="tx1"/>
-          </a:fontRef>
-        </p:style>
-      </p:cxnSp>
-      <p:sp>
-        <p:nvSpPr>
-          <p:cNvPr id="197" name="ZoneTexte 196">
-            <a:extLst>
-              <a:ext uri="{FF2B5EF4-FFF2-40B4-BE49-F238E27FC236}">
-                <a16:creationId xmlns:a16="http://schemas.microsoft.com/office/drawing/2014/main" id="{9590D96C-89CA-4929-BF05-6A81B6EB894A}"/>
-              </a:ext>
-            </a:extLst>
-          </p:cNvPr>
-          <p:cNvSpPr txBox="1"/>
-          <p:nvPr/>
-        </p:nvSpPr>
-        <p:spPr>
-          <a:xfrm>
-            <a:off x="17406225" y="27336844"/>
-            <a:ext cx="1484002" cy="230832"/>
-          </a:xfrm>
-          <a:prstGeom prst="rect">
-            <a:avLst/>
-          </a:prstGeom>
-          <a:noFill/>
-        </p:spPr>
-        <p:txBody>
-          <a:bodyPr wrap="square" rtlCol="0">
-            <a:spAutoFit/>
-          </a:bodyPr>
-          <a:lstStyle/>
-          <a:p>
-            <a:pPr algn="ctr"/>
-            <a:r>
-              <a:rPr lang="fr-FR" sz="900" i="1" dirty="0">
-                <a:latin typeface="Gill Sans Nova" panose="020B0602020104020203" pitchFamily="34" charset="0"/>
-              </a:rPr>
-              <a:t>P2</a:t>
-            </a:r>
-          </a:p>
-        </p:txBody>
-      </p:sp>
-      <p:sp>
-        <p:nvSpPr>
-          <p:cNvPr id="198" name="ZoneTexte 197">
-            <a:extLst>
-              <a:ext uri="{FF2B5EF4-FFF2-40B4-BE49-F238E27FC236}">
-                <a16:creationId xmlns:a16="http://schemas.microsoft.com/office/drawing/2014/main" id="{094D8B2A-BB77-4976-AFB5-B2C552ECF2E2}"/>
-              </a:ext>
-            </a:extLst>
-          </p:cNvPr>
-          <p:cNvSpPr txBox="1"/>
-          <p:nvPr/>
-        </p:nvSpPr>
-        <p:spPr>
-          <a:xfrm>
-            <a:off x="23495069" y="20869433"/>
-            <a:ext cx="1484002" cy="230832"/>
-          </a:xfrm>
-          <a:prstGeom prst="rect">
-            <a:avLst/>
-          </a:prstGeom>
-          <a:noFill/>
-        </p:spPr>
-        <p:txBody>
-          <a:bodyPr wrap="square" rtlCol="0">
-            <a:spAutoFit/>
-          </a:bodyPr>
-          <a:lstStyle/>
-          <a:p>
-            <a:pPr algn="ctr"/>
-            <a:r>
-              <a:rPr lang="fr-FR" sz="900" i="1" dirty="0">
-                <a:latin typeface="Gill Sans Nova" panose="020B0602020104020203" pitchFamily="34" charset="0"/>
-              </a:rPr>
-              <a:t>P1</a:t>
-            </a:r>
-          </a:p>
-        </p:txBody>
-      </p:sp>
-      <p:sp>
-        <p:nvSpPr>
-          <p:cNvPr id="199" name="Accolade fermante 198">
-            <a:extLst>
-              <a:ext uri="{FF2B5EF4-FFF2-40B4-BE49-F238E27FC236}">
-                <a16:creationId xmlns:a16="http://schemas.microsoft.com/office/drawing/2014/main" id="{23401530-2A0E-4427-8682-96067A4347B0}"/>
+              <a:t>« Communautés de marchands et de bourgeois »</a:t>
+            </a:r>
+          </a:p>
+        </p:txBody>
+      </p:sp>
+      <p:sp>
+        <p:nvSpPr>
+          <p:cNvPr id="10" name="Rectangle : coins arrondis 9">
+            <a:extLst>
+              <a:ext uri="{FF2B5EF4-FFF2-40B4-BE49-F238E27FC236}">
+                <a16:creationId xmlns:a16="http://schemas.microsoft.com/office/drawing/2014/main" id="{AC78E822-F524-4111-9F04-3E69337C8308}"/>
               </a:ext>
             </a:extLst>
           </p:cNvPr>
@@ -15618,64 +15261,20 @@
           <p:nvPr/>
         </p:nvSpPr>
         <p:spPr>
-          <a:xfrm rot="16200000">
-            <a:off x="21333607" y="16302218"/>
-            <a:ext cx="267704" cy="1904911"/>
-          </a:xfrm>
-          <a:prstGeom prst="rightBrace">
-            <a:avLst>
-              <a:gd name="adj1" fmla="val 127467"/>
-              <a:gd name="adj2" fmla="val 52080"/>
-            </a:avLst>
-          </a:prstGeom>
-        </p:spPr>
-        <p:style>
-          <a:lnRef idx="1">
-            <a:schemeClr val="dk1"/>
-          </a:lnRef>
-          <a:fillRef idx="0">
-            <a:schemeClr val="dk1"/>
-          </a:fillRef>
-          <a:effectRef idx="0">
-            <a:schemeClr val="dk1"/>
-          </a:effectRef>
-          <a:fontRef idx="minor">
-            <a:schemeClr val="tx1"/>
-          </a:fontRef>
-        </p:style>
-        <p:txBody>
-          <a:bodyPr rtlCol="0" anchor="ctr"/>
-          <a:lstStyle/>
-          <a:p>
-            <a:pPr algn="ctr"/>
-            <a:endParaRPr lang="fr-FR"/>
-          </a:p>
-        </p:txBody>
-      </p:sp>
-      <p:sp>
-        <p:nvSpPr>
-          <p:cNvPr id="200" name="Rectangle : coins arrondis 199">
-            <a:extLst>
-              <a:ext uri="{FF2B5EF4-FFF2-40B4-BE49-F238E27FC236}">
-                <a16:creationId xmlns:a16="http://schemas.microsoft.com/office/drawing/2014/main" id="{4D4EDFCB-E781-4137-842F-BAB2A811CECF}"/>
-              </a:ext>
-            </a:extLst>
-          </p:cNvPr>
-          <p:cNvSpPr/>
-          <p:nvPr/>
-        </p:nvSpPr>
-        <p:spPr>
-          <a:xfrm>
-            <a:off x="24704016" y="20490872"/>
-            <a:ext cx="1745658" cy="723643"/>
+          <a:xfrm>
+            <a:off x="9305199" y="20847046"/>
+            <a:ext cx="1062750" cy="508618"/>
           </a:xfrm>
           <a:prstGeom prst="roundRect">
             <a:avLst/>
           </a:prstGeom>
           <a:solidFill>
-            <a:srgbClr val="F9C3E7"/>
+            <a:schemeClr val="accent1">
+              <a:lumMod val="60000"/>
+              <a:lumOff val="40000"/>
+            </a:schemeClr>
           </a:solidFill>
-          <a:ln w="38100">
+          <a:ln w="28575">
             <a:noFill/>
           </a:ln>
         </p:spPr>
@@ -15701,23 +15300,1737 @@
             <a:r>
               <a:rPr lang="fr-FR" sz="900" dirty="0">
                 <a:solidFill>
-                  <a:schemeClr val="tx1"/>
+                  <a:schemeClr val="bg1"/>
                 </a:solidFill>
                 <a:latin typeface="Gill Sans Nova" panose="020B0602020104020203" pitchFamily="34" charset="0"/>
               </a:rPr>
-              <a:t>E41 Appellation</a:t>
-            </a:r>
+              <a:t>E4 </a:t>
+            </a:r>
+            <a:r>
+              <a:rPr lang="fr-FR" sz="900" dirty="0" err="1">
+                <a:solidFill>
+                  <a:schemeClr val="bg1"/>
+                </a:solidFill>
+                <a:latin typeface="Gill Sans Nova" panose="020B0602020104020203" pitchFamily="34" charset="0"/>
+              </a:rPr>
+              <a:t>Period</a:t>
+            </a:r>
+            <a:endParaRPr lang="fr-FR" sz="900" dirty="0">
+              <a:solidFill>
+                <a:schemeClr val="bg1"/>
+              </a:solidFill>
+              <a:latin typeface="Gill Sans Nova" panose="020B0602020104020203" pitchFamily="34" charset="0"/>
+            </a:endParaRPr>
           </a:p>
           <a:p>
             <a:pPr algn="ctr"/>
             <a:r>
               <a:rPr lang="fr-FR" sz="900" i="1" dirty="0">
+                <a:solidFill>
+                  <a:schemeClr val="bg1"/>
+                </a:solidFill>
+                <a:latin typeface="Gill Sans Nova" panose="020B0602020104020203" pitchFamily="34" charset="0"/>
+              </a:rPr>
+              <a:t>« France »</a:t>
+            </a:r>
+          </a:p>
+        </p:txBody>
+      </p:sp>
+      <p:sp>
+        <p:nvSpPr>
+          <p:cNvPr id="18" name="Rectangle : coins arrondis 17">
+            <a:extLst>
+              <a:ext uri="{FF2B5EF4-FFF2-40B4-BE49-F238E27FC236}">
+                <a16:creationId xmlns:a16="http://schemas.microsoft.com/office/drawing/2014/main" id="{087D9C2C-3891-41C6-BBB9-D15E7A8B2B1A}"/>
+              </a:ext>
+            </a:extLst>
+          </p:cNvPr>
+          <p:cNvSpPr/>
+          <p:nvPr/>
+        </p:nvSpPr>
+        <p:spPr>
+          <a:xfrm>
+            <a:off x="4380099" y="20854071"/>
+            <a:ext cx="1062750" cy="508618"/>
+          </a:xfrm>
+          <a:prstGeom prst="roundRect">
+            <a:avLst/>
+          </a:prstGeom>
+          <a:solidFill>
+            <a:schemeClr val="accent1">
+              <a:lumMod val="60000"/>
+              <a:lumOff val="40000"/>
+            </a:schemeClr>
+          </a:solidFill>
+          <a:ln w="28575">
+            <a:noFill/>
+          </a:ln>
+        </p:spPr>
+        <p:style>
+          <a:lnRef idx="2">
+            <a:schemeClr val="accent6"/>
+          </a:lnRef>
+          <a:fillRef idx="1">
+            <a:schemeClr val="lt1"/>
+          </a:fillRef>
+          <a:effectRef idx="0">
+            <a:schemeClr val="accent6"/>
+          </a:effectRef>
+          <a:fontRef idx="minor">
+            <a:schemeClr val="dk1"/>
+          </a:fontRef>
+        </p:style>
+        <p:txBody>
+          <a:bodyPr rtlCol="0" anchor="ctr"/>
+          <a:lstStyle/>
+          <a:p>
+            <a:pPr algn="ctr"/>
+            <a:r>
+              <a:rPr lang="fr-FR" sz="900" dirty="0">
+                <a:solidFill>
+                  <a:schemeClr val="bg1"/>
+                </a:solidFill>
+                <a:latin typeface="Gill Sans Nova" panose="020B0602020104020203" pitchFamily="34" charset="0"/>
+              </a:rPr>
+              <a:t>E4 </a:t>
+            </a:r>
+            <a:r>
+              <a:rPr lang="fr-FR" sz="900" dirty="0" err="1">
+                <a:solidFill>
+                  <a:schemeClr val="bg1"/>
+                </a:solidFill>
+                <a:latin typeface="Gill Sans Nova" panose="020B0602020104020203" pitchFamily="34" charset="0"/>
+              </a:rPr>
+              <a:t>Period</a:t>
+            </a:r>
+            <a:endParaRPr lang="fr-FR" sz="900" dirty="0">
+              <a:solidFill>
+                <a:schemeClr val="bg1"/>
+              </a:solidFill>
+              <a:latin typeface="Gill Sans Nova" panose="020B0602020104020203" pitchFamily="34" charset="0"/>
+            </a:endParaRPr>
+          </a:p>
+          <a:p>
+            <a:pPr algn="ctr"/>
+            <a:r>
+              <a:rPr lang="fr-FR" sz="900" i="1" dirty="0">
+                <a:solidFill>
+                  <a:schemeClr val="bg1"/>
+                </a:solidFill>
+                <a:latin typeface="Gill Sans Nova" panose="020B0602020104020203" pitchFamily="34" charset="0"/>
+              </a:rPr>
+              <a:t>« Ile-de-France »</a:t>
+            </a:r>
+          </a:p>
+        </p:txBody>
+      </p:sp>
+      <p:sp>
+        <p:nvSpPr>
+          <p:cNvPr id="25" name="ZoneTexte 24">
+            <a:extLst>
+              <a:ext uri="{FF2B5EF4-FFF2-40B4-BE49-F238E27FC236}">
+                <a16:creationId xmlns:a16="http://schemas.microsoft.com/office/drawing/2014/main" id="{06B2533C-0074-4CCE-B2A3-DCA5F032D8B5}"/>
+              </a:ext>
+            </a:extLst>
+          </p:cNvPr>
+          <p:cNvSpPr txBox="1"/>
+          <p:nvPr/>
+        </p:nvSpPr>
+        <p:spPr>
+          <a:xfrm>
+            <a:off x="6826054" y="20842418"/>
+            <a:ext cx="1516372" cy="230832"/>
+          </a:xfrm>
+          <a:prstGeom prst="rect">
+            <a:avLst/>
+          </a:prstGeom>
+          <a:noFill/>
+        </p:spPr>
+        <p:txBody>
+          <a:bodyPr wrap="square" rtlCol="0">
+            <a:spAutoFit/>
+          </a:bodyPr>
+          <a:lstStyle/>
+          <a:p>
+            <a:pPr algn="ctr"/>
+            <a:r>
+              <a:rPr lang="fr-FR" sz="900" i="1" dirty="0">
+                <a:latin typeface="Gill Sans Nova" panose="020B0602020104020203" pitchFamily="34" charset="0"/>
+              </a:rPr>
+              <a:t>P9 </a:t>
+            </a:r>
+            <a:r>
+              <a:rPr lang="fr-FR" sz="900" i="1" dirty="0" err="1">
+                <a:latin typeface="Gill Sans Nova" panose="020B0602020104020203" pitchFamily="34" charset="0"/>
+              </a:rPr>
+              <a:t>consists</a:t>
+            </a:r>
+            <a:r>
+              <a:rPr lang="fr-FR" sz="900" i="1" dirty="0">
+                <a:latin typeface="Gill Sans Nova" panose="020B0602020104020203" pitchFamily="34" charset="0"/>
+              </a:rPr>
+              <a:t> of</a:t>
+            </a:r>
+          </a:p>
+        </p:txBody>
+      </p:sp>
+      <p:cxnSp>
+        <p:nvCxnSpPr>
+          <p:cNvPr id="42" name="Connecteur droit avec flèche 41">
+            <a:extLst>
+              <a:ext uri="{FF2B5EF4-FFF2-40B4-BE49-F238E27FC236}">
+                <a16:creationId xmlns:a16="http://schemas.microsoft.com/office/drawing/2014/main" id="{5B97E80C-DA2E-4003-B5DD-7622242F351F}"/>
+              </a:ext>
+            </a:extLst>
+          </p:cNvPr>
+          <p:cNvCxnSpPr>
+            <a:stCxn id="10" idx="1"/>
+            <a:endCxn id="18" idx="3"/>
+          </p:cNvCxnSpPr>
+          <p:nvPr/>
+        </p:nvCxnSpPr>
+        <p:spPr>
+          <a:xfrm flipH="1">
+            <a:off x="5442849" y="21101355"/>
+            <a:ext cx="3862350" cy="7025"/>
+          </a:xfrm>
+          <a:prstGeom prst="straightConnector1">
+            <a:avLst/>
+          </a:prstGeom>
+          <a:ln>
+            <a:tailEnd type="triangle"/>
+          </a:ln>
+        </p:spPr>
+        <p:style>
+          <a:lnRef idx="1">
+            <a:schemeClr val="dk1"/>
+          </a:lnRef>
+          <a:fillRef idx="0">
+            <a:schemeClr val="dk1"/>
+          </a:fillRef>
+          <a:effectRef idx="0">
+            <a:schemeClr val="dk1"/>
+          </a:effectRef>
+          <a:fontRef idx="minor">
+            <a:schemeClr val="tx1"/>
+          </a:fontRef>
+        </p:style>
+      </p:cxnSp>
+      <p:sp>
+        <p:nvSpPr>
+          <p:cNvPr id="43" name="Rectangle : coins arrondis 42">
+            <a:extLst>
+              <a:ext uri="{FF2B5EF4-FFF2-40B4-BE49-F238E27FC236}">
+                <a16:creationId xmlns:a16="http://schemas.microsoft.com/office/drawing/2014/main" id="{340CF533-20C7-4B35-BFDB-32A23E9CA09F}"/>
+              </a:ext>
+            </a:extLst>
+          </p:cNvPr>
+          <p:cNvSpPr/>
+          <p:nvPr/>
+        </p:nvSpPr>
+        <p:spPr>
+          <a:xfrm>
+            <a:off x="10426442" y="23531281"/>
+            <a:ext cx="1062750" cy="636759"/>
+          </a:xfrm>
+          <a:prstGeom prst="roundRect">
+            <a:avLst/>
+          </a:prstGeom>
+          <a:solidFill>
+            <a:srgbClr val="8A6868"/>
+          </a:solidFill>
+          <a:ln w="28575">
+            <a:noFill/>
+          </a:ln>
+        </p:spPr>
+        <p:style>
+          <a:lnRef idx="2">
+            <a:schemeClr val="accent6"/>
+          </a:lnRef>
+          <a:fillRef idx="1">
+            <a:schemeClr val="lt1"/>
+          </a:fillRef>
+          <a:effectRef idx="0">
+            <a:schemeClr val="accent6"/>
+          </a:effectRef>
+          <a:fontRef idx="minor">
+            <a:schemeClr val="dk1"/>
+          </a:fontRef>
+        </p:style>
+        <p:txBody>
+          <a:bodyPr rtlCol="0" anchor="ctr"/>
+          <a:lstStyle/>
+          <a:p>
+            <a:pPr algn="ctr"/>
+            <a:r>
+              <a:rPr lang="fr-FR" sz="900" dirty="0">
+                <a:solidFill>
+                  <a:schemeClr val="bg1"/>
+                </a:solidFill>
+                <a:latin typeface="Gill Sans Nova" panose="020B0602020104020203" pitchFamily="34" charset="0"/>
+              </a:rPr>
+              <a:t>E93 </a:t>
+            </a:r>
+            <a:r>
+              <a:rPr lang="fr-FR" sz="900" dirty="0" err="1">
+                <a:solidFill>
+                  <a:schemeClr val="bg1"/>
+                </a:solidFill>
+                <a:latin typeface="Gill Sans Nova" panose="020B0602020104020203" pitchFamily="34" charset="0"/>
+              </a:rPr>
+              <a:t>Presence</a:t>
+            </a:r>
+            <a:endParaRPr lang="fr-FR" sz="900" dirty="0">
+              <a:solidFill>
+                <a:schemeClr val="bg1"/>
+              </a:solidFill>
+              <a:latin typeface="Gill Sans Nova" panose="020B0602020104020203" pitchFamily="34" charset="0"/>
+            </a:endParaRPr>
+          </a:p>
+          <a:p>
+            <a:pPr algn="ctr"/>
+            <a:r>
+              <a:rPr lang="fr-FR" sz="900" i="1" dirty="0">
+                <a:solidFill>
+                  <a:schemeClr val="bg1"/>
+                </a:solidFill>
+                <a:latin typeface="Gill Sans Nova" panose="020B0602020104020203" pitchFamily="34" charset="0"/>
+              </a:rPr>
+              <a:t>« Royaume de France »</a:t>
+            </a:r>
+          </a:p>
+        </p:txBody>
+      </p:sp>
+      <p:cxnSp>
+        <p:nvCxnSpPr>
+          <p:cNvPr id="54" name="Connecteur : en angle 53">
+            <a:extLst>
+              <a:ext uri="{FF2B5EF4-FFF2-40B4-BE49-F238E27FC236}">
+                <a16:creationId xmlns:a16="http://schemas.microsoft.com/office/drawing/2014/main" id="{114E59AC-0DC1-450C-B2E1-FD4649CEE25A}"/>
+              </a:ext>
+            </a:extLst>
+          </p:cNvPr>
+          <p:cNvCxnSpPr>
+            <a:stCxn id="10" idx="2"/>
+            <a:endCxn id="1436" idx="0"/>
+          </p:cNvCxnSpPr>
+          <p:nvPr/>
+        </p:nvCxnSpPr>
+        <p:spPr>
+          <a:xfrm rot="5400000">
+            <a:off x="7375118" y="21076724"/>
+            <a:ext cx="2182517" cy="2740396"/>
+          </a:xfrm>
+          <a:prstGeom prst="curvedConnector3">
+            <a:avLst/>
+          </a:prstGeom>
+          <a:ln>
+            <a:tailEnd type="triangle"/>
+          </a:ln>
+        </p:spPr>
+        <p:style>
+          <a:lnRef idx="1">
+            <a:schemeClr val="dk1"/>
+          </a:lnRef>
+          <a:fillRef idx="0">
+            <a:schemeClr val="dk1"/>
+          </a:fillRef>
+          <a:effectRef idx="0">
+            <a:schemeClr val="dk1"/>
+          </a:effectRef>
+          <a:fontRef idx="minor">
+            <a:schemeClr val="tx1"/>
+          </a:fontRef>
+        </p:style>
+      </p:cxnSp>
+      <p:cxnSp>
+        <p:nvCxnSpPr>
+          <p:cNvPr id="57" name="Connecteur : en angle 56">
+            <a:extLst>
+              <a:ext uri="{FF2B5EF4-FFF2-40B4-BE49-F238E27FC236}">
+                <a16:creationId xmlns:a16="http://schemas.microsoft.com/office/drawing/2014/main" id="{4F004246-B1C8-43E8-AB14-6C186AA10833}"/>
+              </a:ext>
+            </a:extLst>
+          </p:cNvPr>
+          <p:cNvCxnSpPr>
+            <a:stCxn id="10" idx="2"/>
+            <a:endCxn id="43" idx="0"/>
+          </p:cNvCxnSpPr>
+          <p:nvPr/>
+        </p:nvCxnSpPr>
+        <p:spPr>
+          <a:xfrm rot="16200000" flipH="1">
+            <a:off x="9309387" y="21882850"/>
+            <a:ext cx="2175617" cy="1121243"/>
+          </a:xfrm>
+          <a:prstGeom prst="curvedConnector3">
+            <a:avLst/>
+          </a:prstGeom>
+          <a:ln>
+            <a:tailEnd type="triangle"/>
+          </a:ln>
+        </p:spPr>
+        <p:style>
+          <a:lnRef idx="1">
+            <a:schemeClr val="dk1"/>
+          </a:lnRef>
+          <a:fillRef idx="0">
+            <a:schemeClr val="dk1"/>
+          </a:fillRef>
+          <a:effectRef idx="0">
+            <a:schemeClr val="dk1"/>
+          </a:effectRef>
+          <a:fontRef idx="minor">
+            <a:schemeClr val="tx1"/>
+          </a:fontRef>
+        </p:style>
+      </p:cxnSp>
+      <p:sp>
+        <p:nvSpPr>
+          <p:cNvPr id="231" name="ZoneTexte 230">
+            <a:extLst>
+              <a:ext uri="{FF2B5EF4-FFF2-40B4-BE49-F238E27FC236}">
+                <a16:creationId xmlns:a16="http://schemas.microsoft.com/office/drawing/2014/main" id="{C4558834-1780-4BF3-9DF5-806D33E05DC7}"/>
+              </a:ext>
+            </a:extLst>
+          </p:cNvPr>
+          <p:cNvSpPr txBox="1"/>
+          <p:nvPr/>
+        </p:nvSpPr>
+        <p:spPr>
+          <a:xfrm>
+            <a:off x="8886580" y="21748303"/>
+            <a:ext cx="1662746" cy="230832"/>
+          </a:xfrm>
+          <a:prstGeom prst="rect">
+            <a:avLst/>
+          </a:prstGeom>
+          <a:solidFill>
+            <a:schemeClr val="bg1"/>
+          </a:solidFill>
+        </p:spPr>
+        <p:txBody>
+          <a:bodyPr wrap="square" rtlCol="0" anchor="ctr">
+            <a:spAutoFit/>
+          </a:bodyPr>
+          <a:lstStyle/>
+          <a:p>
+            <a:pPr algn="ctr"/>
+            <a:r>
+              <a:rPr lang="fr-FR" sz="900" i="1" dirty="0">
+                <a:latin typeface="Gill Sans Nova" panose="020B0602020104020203" pitchFamily="34" charset="0"/>
+              </a:rPr>
+              <a:t>P195 </a:t>
+            </a:r>
+            <a:r>
+              <a:rPr lang="fr-FR" sz="900" i="1" dirty="0" err="1">
+                <a:latin typeface="Gill Sans Nova" panose="020B0602020104020203" pitchFamily="34" charset="0"/>
+              </a:rPr>
+              <a:t>was</a:t>
+            </a:r>
+            <a:r>
+              <a:rPr lang="fr-FR" sz="900" i="1" dirty="0">
+                <a:latin typeface="Gill Sans Nova" panose="020B0602020104020203" pitchFamily="34" charset="0"/>
+              </a:rPr>
+              <a:t> a </a:t>
+            </a:r>
+            <a:r>
+              <a:rPr lang="fr-FR" sz="900" i="1" dirty="0" err="1">
+                <a:latin typeface="Gill Sans Nova" panose="020B0602020104020203" pitchFamily="34" charset="0"/>
+              </a:rPr>
+              <a:t>presence</a:t>
+            </a:r>
+            <a:r>
+              <a:rPr lang="fr-FR" sz="900" i="1" dirty="0">
+                <a:latin typeface="Gill Sans Nova" panose="020B0602020104020203" pitchFamily="34" charset="0"/>
+              </a:rPr>
+              <a:t> of</a:t>
+            </a:r>
+          </a:p>
+        </p:txBody>
+      </p:sp>
+      <p:sp>
+        <p:nvSpPr>
+          <p:cNvPr id="232" name="Rectangle : coins arrondis 231">
+            <a:extLst>
+              <a:ext uri="{FF2B5EF4-FFF2-40B4-BE49-F238E27FC236}">
+                <a16:creationId xmlns:a16="http://schemas.microsoft.com/office/drawing/2014/main" id="{EFDE7289-EA18-43AF-89C5-E5FD2C7607E5}"/>
+              </a:ext>
+            </a:extLst>
+          </p:cNvPr>
+          <p:cNvSpPr/>
+          <p:nvPr/>
+        </p:nvSpPr>
+        <p:spPr>
+          <a:xfrm>
+            <a:off x="4380099" y="23495349"/>
+            <a:ext cx="1062750" cy="636758"/>
+          </a:xfrm>
+          <a:prstGeom prst="roundRect">
+            <a:avLst/>
+          </a:prstGeom>
+          <a:solidFill>
+            <a:srgbClr val="8A6868"/>
+          </a:solidFill>
+          <a:ln w="28575">
+            <a:noFill/>
+          </a:ln>
+        </p:spPr>
+        <p:style>
+          <a:lnRef idx="2">
+            <a:schemeClr val="accent6"/>
+          </a:lnRef>
+          <a:fillRef idx="1">
+            <a:schemeClr val="lt1"/>
+          </a:fillRef>
+          <a:effectRef idx="0">
+            <a:schemeClr val="accent6"/>
+          </a:effectRef>
+          <a:fontRef idx="minor">
+            <a:schemeClr val="dk1"/>
+          </a:fontRef>
+        </p:style>
+        <p:txBody>
+          <a:bodyPr rtlCol="0" anchor="ctr"/>
+          <a:lstStyle/>
+          <a:p>
+            <a:pPr algn="ctr"/>
+            <a:r>
+              <a:rPr lang="fr-FR" sz="900" dirty="0">
+                <a:solidFill>
+                  <a:schemeClr val="bg1"/>
+                </a:solidFill>
+                <a:latin typeface="Gill Sans Nova" panose="020B0602020104020203" pitchFamily="34" charset="0"/>
+              </a:rPr>
+              <a:t>E93 </a:t>
+            </a:r>
+            <a:r>
+              <a:rPr lang="fr-FR" sz="900" dirty="0" err="1">
+                <a:solidFill>
+                  <a:schemeClr val="bg1"/>
+                </a:solidFill>
+                <a:latin typeface="Gill Sans Nova" panose="020B0602020104020203" pitchFamily="34" charset="0"/>
+              </a:rPr>
+              <a:t>Presence</a:t>
+            </a:r>
+            <a:endParaRPr lang="fr-FR" sz="900" dirty="0">
+              <a:solidFill>
+                <a:schemeClr val="bg1"/>
+              </a:solidFill>
+              <a:latin typeface="Gill Sans Nova" panose="020B0602020104020203" pitchFamily="34" charset="0"/>
+            </a:endParaRPr>
+          </a:p>
+          <a:p>
+            <a:pPr algn="ctr"/>
+            <a:r>
+              <a:rPr lang="fr-FR" sz="900" i="1" dirty="0">
+                <a:solidFill>
+                  <a:schemeClr val="bg1"/>
+                </a:solidFill>
+                <a:latin typeface="Gill Sans Nova" panose="020B0602020104020203" pitchFamily="34" charset="0"/>
+              </a:rPr>
+              <a:t>« </a:t>
+            </a:r>
+            <a:r>
+              <a:rPr lang="fr-FR" sz="900" i="1" dirty="0" err="1">
+                <a:solidFill>
+                  <a:schemeClr val="bg1"/>
+                </a:solidFill>
+                <a:latin typeface="Gill Sans Nova" panose="020B0602020104020203" pitchFamily="34" charset="0"/>
+              </a:rPr>
+              <a:t>Isle-de-France</a:t>
+            </a:r>
+            <a:r>
+              <a:rPr lang="fr-FR" sz="900" i="1" dirty="0">
+                <a:solidFill>
+                  <a:schemeClr val="bg1"/>
+                </a:solidFill>
+                <a:latin typeface="Gill Sans Nova" panose="020B0602020104020203" pitchFamily="34" charset="0"/>
+              </a:rPr>
+              <a:t>»</a:t>
+            </a:r>
+          </a:p>
+        </p:txBody>
+      </p:sp>
+      <p:cxnSp>
+        <p:nvCxnSpPr>
+          <p:cNvPr id="236" name="Connecteur droit avec flèche 235">
+            <a:extLst>
+              <a:ext uri="{FF2B5EF4-FFF2-40B4-BE49-F238E27FC236}">
+                <a16:creationId xmlns:a16="http://schemas.microsoft.com/office/drawing/2014/main" id="{42D1A718-DF54-4B76-9528-36FE968B1297}"/>
+              </a:ext>
+            </a:extLst>
+          </p:cNvPr>
+          <p:cNvCxnSpPr>
+            <a:stCxn id="43" idx="2"/>
+            <a:endCxn id="1326" idx="0"/>
+          </p:cNvCxnSpPr>
+          <p:nvPr/>
+        </p:nvCxnSpPr>
+        <p:spPr>
+          <a:xfrm>
+            <a:off x="10957817" y="24168040"/>
+            <a:ext cx="20026" cy="2065161"/>
+          </a:xfrm>
+          <a:prstGeom prst="straightConnector1">
+            <a:avLst/>
+          </a:prstGeom>
+          <a:ln>
+            <a:tailEnd type="triangle"/>
+          </a:ln>
+        </p:spPr>
+        <p:style>
+          <a:lnRef idx="1">
+            <a:schemeClr val="dk1"/>
+          </a:lnRef>
+          <a:fillRef idx="0">
+            <a:schemeClr val="dk1"/>
+          </a:fillRef>
+          <a:effectRef idx="0">
+            <a:schemeClr val="dk1"/>
+          </a:effectRef>
+          <a:fontRef idx="minor">
+            <a:schemeClr val="tx1"/>
+          </a:fontRef>
+        </p:style>
+      </p:cxnSp>
+      <p:cxnSp>
+        <p:nvCxnSpPr>
+          <p:cNvPr id="239" name="Connecteur : en arc 238">
+            <a:extLst>
+              <a:ext uri="{FF2B5EF4-FFF2-40B4-BE49-F238E27FC236}">
+                <a16:creationId xmlns:a16="http://schemas.microsoft.com/office/drawing/2014/main" id="{B1F19F26-76D4-4339-8D16-1F8BC1737FD5}"/>
+              </a:ext>
+            </a:extLst>
+          </p:cNvPr>
+          <p:cNvCxnSpPr>
+            <a:stCxn id="232" idx="2"/>
+            <a:endCxn id="43" idx="2"/>
+          </p:cNvCxnSpPr>
+          <p:nvPr/>
+        </p:nvCxnSpPr>
+        <p:spPr>
+          <a:xfrm rot="16200000" flipH="1">
+            <a:off x="7916679" y="21126901"/>
+            <a:ext cx="35933" cy="6046343"/>
+          </a:xfrm>
+          <a:prstGeom prst="curvedConnector3">
+            <a:avLst>
+              <a:gd name="adj1" fmla="val 4376570"/>
+            </a:avLst>
+          </a:prstGeom>
+          <a:ln>
+            <a:tailEnd type="triangle"/>
+          </a:ln>
+        </p:spPr>
+        <p:style>
+          <a:lnRef idx="1">
+            <a:schemeClr val="dk1"/>
+          </a:lnRef>
+          <a:fillRef idx="0">
+            <a:schemeClr val="dk1"/>
+          </a:fillRef>
+          <a:effectRef idx="0">
+            <a:schemeClr val="dk1"/>
+          </a:effectRef>
+          <a:fontRef idx="minor">
+            <a:schemeClr val="tx1"/>
+          </a:fontRef>
+        </p:style>
+      </p:cxnSp>
+      <p:sp>
+        <p:nvSpPr>
+          <p:cNvPr id="242" name="ZoneTexte 241">
+            <a:extLst>
+              <a:ext uri="{FF2B5EF4-FFF2-40B4-BE49-F238E27FC236}">
+                <a16:creationId xmlns:a16="http://schemas.microsoft.com/office/drawing/2014/main" id="{60F94A66-4154-4979-B688-1FF997B4ECBA}"/>
+              </a:ext>
+            </a:extLst>
+          </p:cNvPr>
+          <p:cNvSpPr txBox="1"/>
+          <p:nvPr/>
+        </p:nvSpPr>
+        <p:spPr>
+          <a:xfrm>
+            <a:off x="7213854" y="25425997"/>
+            <a:ext cx="1324756" cy="230832"/>
+          </a:xfrm>
+          <a:prstGeom prst="rect">
+            <a:avLst/>
+          </a:prstGeom>
+          <a:noFill/>
+        </p:spPr>
+        <p:txBody>
+          <a:bodyPr wrap="square" rtlCol="0">
+            <a:spAutoFit/>
+          </a:bodyPr>
+          <a:lstStyle/>
+          <a:p>
+            <a:pPr algn="ctr"/>
+            <a:r>
+              <a:rPr lang="fr-FR" sz="900" i="1" dirty="0">
+                <a:latin typeface="Gill Sans Nova" panose="020B0602020104020203" pitchFamily="34" charset="0"/>
+              </a:rPr>
+              <a:t>P10 </a:t>
+            </a:r>
+            <a:r>
+              <a:rPr lang="fr-FR" sz="900" i="1" dirty="0" err="1">
+                <a:latin typeface="Gill Sans Nova" panose="020B0602020104020203" pitchFamily="34" charset="0"/>
+              </a:rPr>
+              <a:t>falls</a:t>
+            </a:r>
+            <a:r>
+              <a:rPr lang="fr-FR" sz="900" i="1" dirty="0">
+                <a:latin typeface="Gill Sans Nova" panose="020B0602020104020203" pitchFamily="34" charset="0"/>
+              </a:rPr>
+              <a:t> </a:t>
+            </a:r>
+            <a:r>
+              <a:rPr lang="fr-FR" sz="900" i="1" dirty="0" err="1">
+                <a:latin typeface="Gill Sans Nova" panose="020B0602020104020203" pitchFamily="34" charset="0"/>
+              </a:rPr>
+              <a:t>within</a:t>
+            </a:r>
+            <a:endParaRPr lang="fr-FR" sz="900" i="1" dirty="0">
+              <a:latin typeface="Gill Sans Nova" panose="020B0602020104020203" pitchFamily="34" charset="0"/>
+            </a:endParaRPr>
+          </a:p>
+        </p:txBody>
+      </p:sp>
+      <p:cxnSp>
+        <p:nvCxnSpPr>
+          <p:cNvPr id="245" name="Connecteur droit avec flèche 244">
+            <a:extLst>
+              <a:ext uri="{FF2B5EF4-FFF2-40B4-BE49-F238E27FC236}">
+                <a16:creationId xmlns:a16="http://schemas.microsoft.com/office/drawing/2014/main" id="{33AF4C4D-AB9F-4C9C-9A50-4CA102C13823}"/>
+              </a:ext>
+            </a:extLst>
+          </p:cNvPr>
+          <p:cNvCxnSpPr>
+            <a:stCxn id="18" idx="2"/>
+            <a:endCxn id="232" idx="0"/>
+          </p:cNvCxnSpPr>
+          <p:nvPr/>
+        </p:nvCxnSpPr>
+        <p:spPr>
+          <a:xfrm>
+            <a:off x="4911474" y="21362689"/>
+            <a:ext cx="0" cy="2132660"/>
+          </a:xfrm>
+          <a:prstGeom prst="straightConnector1">
+            <a:avLst/>
+          </a:prstGeom>
+          <a:ln>
+            <a:tailEnd type="triangle"/>
+          </a:ln>
+        </p:spPr>
+        <p:style>
+          <a:lnRef idx="1">
+            <a:schemeClr val="dk1"/>
+          </a:lnRef>
+          <a:fillRef idx="0">
+            <a:schemeClr val="dk1"/>
+          </a:fillRef>
+          <a:effectRef idx="0">
+            <a:schemeClr val="dk1"/>
+          </a:effectRef>
+          <a:fontRef idx="minor">
+            <a:schemeClr val="tx1"/>
+          </a:fontRef>
+        </p:style>
+      </p:cxnSp>
+      <p:sp>
+        <p:nvSpPr>
+          <p:cNvPr id="246" name="ZoneTexte 245">
+            <a:extLst>
+              <a:ext uri="{FF2B5EF4-FFF2-40B4-BE49-F238E27FC236}">
+                <a16:creationId xmlns:a16="http://schemas.microsoft.com/office/drawing/2014/main" id="{31BA01F3-3AE0-4E7D-A0FE-2A9C1694CA47}"/>
+              </a:ext>
+            </a:extLst>
+          </p:cNvPr>
+          <p:cNvSpPr txBox="1"/>
+          <p:nvPr/>
+        </p:nvSpPr>
+        <p:spPr>
+          <a:xfrm>
+            <a:off x="4081736" y="21863719"/>
+            <a:ext cx="960633" cy="369332"/>
+          </a:xfrm>
+          <a:prstGeom prst="rect">
+            <a:avLst/>
+          </a:prstGeom>
+          <a:noFill/>
+        </p:spPr>
+        <p:txBody>
+          <a:bodyPr wrap="square" rtlCol="0" anchor="ctr">
+            <a:spAutoFit/>
+          </a:bodyPr>
+          <a:lstStyle/>
+          <a:p>
+            <a:pPr algn="ctr"/>
+            <a:r>
+              <a:rPr lang="fr-FR" sz="900" i="1" dirty="0">
+                <a:latin typeface="Gill Sans Nova" panose="020B0602020104020203" pitchFamily="34" charset="0"/>
+              </a:rPr>
+              <a:t>P195 </a:t>
+            </a:r>
+            <a:r>
+              <a:rPr lang="fr-FR" sz="900" i="1" dirty="0" err="1">
+                <a:latin typeface="Gill Sans Nova" panose="020B0602020104020203" pitchFamily="34" charset="0"/>
+              </a:rPr>
+              <a:t>was</a:t>
+            </a:r>
+            <a:r>
+              <a:rPr lang="fr-FR" sz="900" i="1" dirty="0">
+                <a:latin typeface="Gill Sans Nova" panose="020B0602020104020203" pitchFamily="34" charset="0"/>
+              </a:rPr>
+              <a:t> a </a:t>
+            </a:r>
+            <a:r>
+              <a:rPr lang="fr-FR" sz="900" i="1" dirty="0" err="1">
+                <a:latin typeface="Gill Sans Nova" panose="020B0602020104020203" pitchFamily="34" charset="0"/>
+              </a:rPr>
+              <a:t>presence</a:t>
+            </a:r>
+            <a:r>
+              <a:rPr lang="fr-FR" sz="900" i="1" dirty="0">
+                <a:latin typeface="Gill Sans Nova" panose="020B0602020104020203" pitchFamily="34" charset="0"/>
+              </a:rPr>
+              <a:t> of</a:t>
+            </a:r>
+          </a:p>
+        </p:txBody>
+      </p:sp>
+      <p:cxnSp>
+        <p:nvCxnSpPr>
+          <p:cNvPr id="257" name="Connecteur : en arc 256">
+            <a:extLst>
+              <a:ext uri="{FF2B5EF4-FFF2-40B4-BE49-F238E27FC236}">
+                <a16:creationId xmlns:a16="http://schemas.microsoft.com/office/drawing/2014/main" id="{0281C721-B9A3-4EDD-9319-983B0288E8B3}"/>
+              </a:ext>
+            </a:extLst>
+          </p:cNvPr>
+          <p:cNvCxnSpPr>
+            <a:stCxn id="232" idx="2"/>
+            <a:endCxn id="1376" idx="1"/>
+          </p:cNvCxnSpPr>
+          <p:nvPr/>
+        </p:nvCxnSpPr>
+        <p:spPr>
+          <a:xfrm rot="5400000" flipH="1" flipV="1">
+            <a:off x="9452641" y="18572046"/>
+            <a:ext cx="1018893" cy="10101229"/>
+          </a:xfrm>
+          <a:prstGeom prst="curvedConnector4">
+            <a:avLst>
+              <a:gd name="adj1" fmla="val -406343"/>
+              <a:gd name="adj2" fmla="val 92486"/>
+            </a:avLst>
+          </a:prstGeom>
+          <a:ln>
+            <a:tailEnd type="triangle"/>
+          </a:ln>
+        </p:spPr>
+        <p:style>
+          <a:lnRef idx="1">
+            <a:schemeClr val="dk1"/>
+          </a:lnRef>
+          <a:fillRef idx="0">
+            <a:schemeClr val="dk1"/>
+          </a:fillRef>
+          <a:effectRef idx="0">
+            <a:schemeClr val="dk1"/>
+          </a:effectRef>
+          <a:fontRef idx="minor">
+            <a:schemeClr val="tx1"/>
+          </a:fontRef>
+        </p:style>
+      </p:cxnSp>
+      <p:sp>
+        <p:nvSpPr>
+          <p:cNvPr id="267" name="ZoneTexte 266">
+            <a:extLst>
+              <a:ext uri="{FF2B5EF4-FFF2-40B4-BE49-F238E27FC236}">
+                <a16:creationId xmlns:a16="http://schemas.microsoft.com/office/drawing/2014/main" id="{436CFC8F-1523-44B8-AC11-0DEEC2629B38}"/>
+              </a:ext>
+            </a:extLst>
+          </p:cNvPr>
+          <p:cNvSpPr txBox="1"/>
+          <p:nvPr/>
+        </p:nvSpPr>
+        <p:spPr>
+          <a:xfrm>
+            <a:off x="9007761" y="27749779"/>
+            <a:ext cx="1242988" cy="415498"/>
+          </a:xfrm>
+          <a:prstGeom prst="rect">
+            <a:avLst/>
+          </a:prstGeom>
+          <a:noFill/>
+        </p:spPr>
+        <p:txBody>
+          <a:bodyPr wrap="square" rtlCol="0">
+            <a:spAutoFit/>
+          </a:bodyPr>
+          <a:lstStyle/>
+          <a:p>
+            <a:pPr algn="ctr"/>
+            <a:r>
+              <a:rPr lang="fr-FR" sz="1050" i="1" dirty="0">
+                <a:latin typeface="Gill Sans Nova" panose="020B0602020104020203" pitchFamily="34" charset="0"/>
+              </a:rPr>
+              <a:t>P161 has spatial projection </a:t>
+            </a:r>
+          </a:p>
+        </p:txBody>
+      </p:sp>
+      <p:sp>
+        <p:nvSpPr>
+          <p:cNvPr id="268" name="ZoneTexte 267">
+            <a:extLst>
+              <a:ext uri="{FF2B5EF4-FFF2-40B4-BE49-F238E27FC236}">
+                <a16:creationId xmlns:a16="http://schemas.microsoft.com/office/drawing/2014/main" id="{1F725DB2-0531-4FB9-9B77-2C3004070CBB}"/>
+              </a:ext>
+            </a:extLst>
+          </p:cNvPr>
+          <p:cNvSpPr txBox="1"/>
+          <p:nvPr/>
+        </p:nvSpPr>
+        <p:spPr>
+          <a:xfrm>
+            <a:off x="27105618" y="20295219"/>
+            <a:ext cx="1484002" cy="230832"/>
+          </a:xfrm>
+          <a:prstGeom prst="rect">
+            <a:avLst/>
+          </a:prstGeom>
+          <a:noFill/>
+        </p:spPr>
+        <p:txBody>
+          <a:bodyPr wrap="square" rtlCol="0">
+            <a:spAutoFit/>
+          </a:bodyPr>
+          <a:lstStyle/>
+          <a:p>
+            <a:pPr algn="ctr"/>
+            <a:r>
+              <a:rPr lang="fr-FR" sz="900" i="1" dirty="0">
+                <a:latin typeface="Gill Sans Nova" panose="020B0602020104020203" pitchFamily="34" charset="0"/>
+              </a:rPr>
+              <a:t>P144.1 </a:t>
+            </a:r>
+            <a:r>
+              <a:rPr lang="fr-FR" sz="900" i="1" dirty="0" err="1">
+                <a:latin typeface="Gill Sans Nova" panose="020B0602020104020203" pitchFamily="34" charset="0"/>
+              </a:rPr>
+              <a:t>kind</a:t>
+            </a:r>
+            <a:r>
+              <a:rPr lang="fr-FR" sz="900" i="1" dirty="0">
+                <a:latin typeface="Gill Sans Nova" panose="020B0602020104020203" pitchFamily="34" charset="0"/>
+              </a:rPr>
+              <a:t> of </a:t>
+            </a:r>
+            <a:r>
+              <a:rPr lang="fr-FR" sz="900" i="1" dirty="0" err="1">
+                <a:latin typeface="Gill Sans Nova" panose="020B0602020104020203" pitchFamily="34" charset="0"/>
+              </a:rPr>
+              <a:t>member</a:t>
+            </a:r>
+            <a:endParaRPr lang="fr-FR" sz="900" i="1" dirty="0">
+              <a:latin typeface="Gill Sans Nova" panose="020B0602020104020203" pitchFamily="34" charset="0"/>
+            </a:endParaRPr>
+          </a:p>
+        </p:txBody>
+      </p:sp>
+      <p:sp>
+        <p:nvSpPr>
+          <p:cNvPr id="270" name="Rectangle : coins arrondis 269">
+            <a:extLst>
+              <a:ext uri="{FF2B5EF4-FFF2-40B4-BE49-F238E27FC236}">
+                <a16:creationId xmlns:a16="http://schemas.microsoft.com/office/drawing/2014/main" id="{17D53C07-2C39-41A7-BF83-0326882B9302}"/>
+              </a:ext>
+            </a:extLst>
+          </p:cNvPr>
+          <p:cNvSpPr/>
+          <p:nvPr/>
+        </p:nvSpPr>
+        <p:spPr>
+          <a:xfrm>
+            <a:off x="26598010" y="4204171"/>
+            <a:ext cx="1139308" cy="678712"/>
+          </a:xfrm>
+          <a:prstGeom prst="roundRect">
+            <a:avLst/>
+          </a:prstGeom>
+          <a:solidFill>
+            <a:srgbClr val="F6CACA"/>
+          </a:solidFill>
+          <a:ln w="12700">
+            <a:noFill/>
+          </a:ln>
+        </p:spPr>
+        <p:style>
+          <a:lnRef idx="2">
+            <a:schemeClr val="accent6"/>
+          </a:lnRef>
+          <a:fillRef idx="1">
+            <a:schemeClr val="lt1"/>
+          </a:fillRef>
+          <a:effectRef idx="0">
+            <a:schemeClr val="accent6"/>
+          </a:effectRef>
+          <a:fontRef idx="minor">
+            <a:schemeClr val="dk1"/>
+          </a:fontRef>
+        </p:style>
+        <p:txBody>
+          <a:bodyPr rtlCol="0" anchor="ctr"/>
+          <a:lstStyle/>
+          <a:p>
+            <a:pPr algn="ctr"/>
+            <a:r>
+              <a:rPr lang="fr-FR" sz="900" dirty="0">
                 <a:solidFill>
                   <a:schemeClr val="tx1"/>
                 </a:solidFill>
                 <a:latin typeface="Gill Sans Nova" panose="020B0602020104020203" pitchFamily="34" charset="0"/>
               </a:rPr>
-              <a:t>« Communautés de marchands et de bourgeois »</a:t>
+              <a:t>E55 Type</a:t>
+            </a:r>
+          </a:p>
+          <a:p>
+            <a:pPr algn="ctr"/>
+            <a:r>
+              <a:rPr lang="fr-FR" sz="900" dirty="0">
+                <a:solidFill>
+                  <a:schemeClr val="tx1"/>
+                </a:solidFill>
+                <a:latin typeface="Gill Sans Nova" panose="020B0602020104020203" pitchFamily="34" charset="0"/>
+              </a:rPr>
+              <a:t>« Tome »</a:t>
+            </a:r>
+          </a:p>
+        </p:txBody>
+      </p:sp>
+      <p:sp>
+        <p:nvSpPr>
+          <p:cNvPr id="273" name="ZoneTexte 272">
+            <a:extLst>
+              <a:ext uri="{FF2B5EF4-FFF2-40B4-BE49-F238E27FC236}">
+                <a16:creationId xmlns:a16="http://schemas.microsoft.com/office/drawing/2014/main" id="{FE6F1C7A-C0B2-4CA7-87BD-B8DCEE1355A9}"/>
+              </a:ext>
+            </a:extLst>
+          </p:cNvPr>
+          <p:cNvSpPr txBox="1"/>
+          <p:nvPr/>
+        </p:nvSpPr>
+        <p:spPr>
+          <a:xfrm>
+            <a:off x="26041324" y="4994909"/>
+            <a:ext cx="1398361" cy="230832"/>
+          </a:xfrm>
+          <a:prstGeom prst="rect">
+            <a:avLst/>
+          </a:prstGeom>
+          <a:noFill/>
+        </p:spPr>
+        <p:txBody>
+          <a:bodyPr wrap="square" rtlCol="0">
+            <a:spAutoFit/>
+          </a:bodyPr>
+          <a:lstStyle/>
+          <a:p>
+            <a:pPr algn="ctr"/>
+            <a:r>
+              <a:rPr lang="fr-FR" sz="900" i="1" dirty="0">
+                <a:latin typeface="Gill Sans Nova" panose="020B0602020104020203" pitchFamily="34" charset="0"/>
+              </a:rPr>
+              <a:t>P2 has type</a:t>
+            </a:r>
+          </a:p>
+        </p:txBody>
+      </p:sp>
+      <p:sp>
+        <p:nvSpPr>
+          <p:cNvPr id="274" name="ZoneTexte 273">
+            <a:extLst>
+              <a:ext uri="{FF2B5EF4-FFF2-40B4-BE49-F238E27FC236}">
+                <a16:creationId xmlns:a16="http://schemas.microsoft.com/office/drawing/2014/main" id="{B4F3720B-3EA9-4120-B562-3D61BB9D5FB7}"/>
+              </a:ext>
+            </a:extLst>
+          </p:cNvPr>
+          <p:cNvSpPr txBox="1"/>
+          <p:nvPr/>
+        </p:nvSpPr>
+        <p:spPr>
+          <a:xfrm>
+            <a:off x="29346217" y="10429760"/>
+            <a:ext cx="1398361" cy="230832"/>
+          </a:xfrm>
+          <a:prstGeom prst="rect">
+            <a:avLst/>
+          </a:prstGeom>
+          <a:noFill/>
+        </p:spPr>
+        <p:txBody>
+          <a:bodyPr wrap="square" rtlCol="0">
+            <a:spAutoFit/>
+          </a:bodyPr>
+          <a:lstStyle/>
+          <a:p>
+            <a:pPr algn="ctr"/>
+            <a:r>
+              <a:rPr lang="fr-FR" sz="900" i="1" dirty="0">
+                <a:latin typeface="Gill Sans Nova" panose="020B0602020104020203" pitchFamily="34" charset="0"/>
+              </a:rPr>
+              <a:t>P2 has type</a:t>
+            </a:r>
+          </a:p>
+        </p:txBody>
+      </p:sp>
+      <p:cxnSp>
+        <p:nvCxnSpPr>
+          <p:cNvPr id="278" name="Connecteur : en angle 277">
+            <a:extLst>
+              <a:ext uri="{FF2B5EF4-FFF2-40B4-BE49-F238E27FC236}">
+                <a16:creationId xmlns:a16="http://schemas.microsoft.com/office/drawing/2014/main" id="{4AB53C68-A6C2-41B0-A43B-679B8E4CE2BD}"/>
+              </a:ext>
+            </a:extLst>
+          </p:cNvPr>
+          <p:cNvCxnSpPr>
+            <a:cxnSpLocks/>
+            <a:stCxn id="885" idx="1"/>
+            <a:endCxn id="270" idx="2"/>
+          </p:cNvCxnSpPr>
+          <p:nvPr/>
+        </p:nvCxnSpPr>
+        <p:spPr>
+          <a:xfrm rot="10800000">
+            <a:off x="27167664" y="4882883"/>
+            <a:ext cx="1606154" cy="1045718"/>
+          </a:xfrm>
+          <a:prstGeom prst="bentConnector2">
+            <a:avLst/>
+          </a:prstGeom>
+          <a:ln>
+            <a:tailEnd type="triangle"/>
+          </a:ln>
+        </p:spPr>
+        <p:style>
+          <a:lnRef idx="1">
+            <a:schemeClr val="dk1"/>
+          </a:lnRef>
+          <a:fillRef idx="0">
+            <a:schemeClr val="dk1"/>
+          </a:fillRef>
+          <a:effectRef idx="0">
+            <a:schemeClr val="dk1"/>
+          </a:effectRef>
+          <a:fontRef idx="minor">
+            <a:schemeClr val="tx1"/>
+          </a:fontRef>
+        </p:style>
+      </p:cxnSp>
+      <p:cxnSp>
+        <p:nvCxnSpPr>
+          <p:cNvPr id="286" name="Connecteur droit avec flèche 285">
+            <a:extLst>
+              <a:ext uri="{FF2B5EF4-FFF2-40B4-BE49-F238E27FC236}">
+                <a16:creationId xmlns:a16="http://schemas.microsoft.com/office/drawing/2014/main" id="{222C9276-C0F0-4C07-9607-710E574559BF}"/>
+              </a:ext>
+            </a:extLst>
+          </p:cNvPr>
+          <p:cNvCxnSpPr>
+            <a:cxnSpLocks/>
+          </p:cNvCxnSpPr>
+          <p:nvPr/>
+        </p:nvCxnSpPr>
+        <p:spPr>
+          <a:xfrm>
+            <a:off x="29842823" y="10053212"/>
+            <a:ext cx="898482" cy="704938"/>
+          </a:xfrm>
+          <a:prstGeom prst="straightConnector1">
+            <a:avLst/>
+          </a:prstGeom>
+          <a:ln>
+            <a:tailEnd type="triangle"/>
+          </a:ln>
+        </p:spPr>
+        <p:style>
+          <a:lnRef idx="1">
+            <a:schemeClr val="dk1"/>
+          </a:lnRef>
+          <a:fillRef idx="0">
+            <a:schemeClr val="dk1"/>
+          </a:fillRef>
+          <a:effectRef idx="0">
+            <a:schemeClr val="dk1"/>
+          </a:effectRef>
+          <a:fontRef idx="minor">
+            <a:schemeClr val="tx1"/>
+          </a:fontRef>
+        </p:style>
+      </p:cxnSp>
+      <p:sp>
+        <p:nvSpPr>
+          <p:cNvPr id="292" name="Rectangle : coins arrondis 291">
+            <a:extLst>
+              <a:ext uri="{FF2B5EF4-FFF2-40B4-BE49-F238E27FC236}">
+                <a16:creationId xmlns:a16="http://schemas.microsoft.com/office/drawing/2014/main" id="{E8C496EE-D5E9-435A-9B61-1CA3D291F299}"/>
+              </a:ext>
+            </a:extLst>
+          </p:cNvPr>
+          <p:cNvSpPr/>
+          <p:nvPr/>
+        </p:nvSpPr>
+        <p:spPr>
+          <a:xfrm>
+            <a:off x="30713451" y="10723752"/>
+            <a:ext cx="1139308" cy="678712"/>
+          </a:xfrm>
+          <a:prstGeom prst="roundRect">
+            <a:avLst/>
+          </a:prstGeom>
+          <a:solidFill>
+            <a:srgbClr val="F6CACA"/>
+          </a:solidFill>
+          <a:ln w="12700">
+            <a:noFill/>
+          </a:ln>
+        </p:spPr>
+        <p:style>
+          <a:lnRef idx="2">
+            <a:schemeClr val="accent6"/>
+          </a:lnRef>
+          <a:fillRef idx="1">
+            <a:schemeClr val="lt1"/>
+          </a:fillRef>
+          <a:effectRef idx="0">
+            <a:schemeClr val="accent6"/>
+          </a:effectRef>
+          <a:fontRef idx="minor">
+            <a:schemeClr val="dk1"/>
+          </a:fontRef>
+        </p:style>
+        <p:txBody>
+          <a:bodyPr rtlCol="0" anchor="ctr"/>
+          <a:lstStyle/>
+          <a:p>
+            <a:pPr algn="ctr"/>
+            <a:r>
+              <a:rPr lang="fr-FR" sz="900" dirty="0">
+                <a:solidFill>
+                  <a:schemeClr val="tx1"/>
+                </a:solidFill>
+                <a:latin typeface="Gill Sans Nova" panose="020B0602020104020203" pitchFamily="34" charset="0"/>
+              </a:rPr>
+              <a:t>E55 Type</a:t>
+            </a:r>
+          </a:p>
+          <a:p>
+            <a:pPr algn="ctr"/>
+            <a:r>
+              <a:rPr lang="fr-FR" sz="900" dirty="0">
+                <a:solidFill>
+                  <a:schemeClr val="tx1"/>
+                </a:solidFill>
+                <a:latin typeface="Gill Sans Nova" panose="020B0602020104020203" pitchFamily="34" charset="0"/>
+              </a:rPr>
+              <a:t>« Article »</a:t>
+            </a:r>
+          </a:p>
+        </p:txBody>
+      </p:sp>
+      <p:sp>
+        <p:nvSpPr>
+          <p:cNvPr id="300" name="Rectangle : coins arrondis 299">
+            <a:extLst>
+              <a:ext uri="{FF2B5EF4-FFF2-40B4-BE49-F238E27FC236}">
+                <a16:creationId xmlns:a16="http://schemas.microsoft.com/office/drawing/2014/main" id="{F0973BD2-5791-4B69-92DD-DDC5E4C02D77}"/>
+              </a:ext>
+            </a:extLst>
+          </p:cNvPr>
+          <p:cNvSpPr/>
+          <p:nvPr/>
+        </p:nvSpPr>
+        <p:spPr>
+          <a:xfrm>
+            <a:off x="27211294" y="6962702"/>
+            <a:ext cx="1052047" cy="665980"/>
+          </a:xfrm>
+          <a:prstGeom prst="roundRect">
+            <a:avLst/>
+          </a:prstGeom>
+          <a:solidFill>
+            <a:schemeClr val="accent1">
+              <a:lumMod val="60000"/>
+              <a:lumOff val="40000"/>
+            </a:schemeClr>
+          </a:solidFill>
+          <a:ln w="12700">
+            <a:noFill/>
+          </a:ln>
+        </p:spPr>
+        <p:style>
+          <a:lnRef idx="2">
+            <a:schemeClr val="accent6"/>
+          </a:lnRef>
+          <a:fillRef idx="1">
+            <a:schemeClr val="lt1"/>
+          </a:fillRef>
+          <a:effectRef idx="0">
+            <a:schemeClr val="accent6"/>
+          </a:effectRef>
+          <a:fontRef idx="minor">
+            <a:schemeClr val="dk1"/>
+          </a:fontRef>
+        </p:style>
+        <p:txBody>
+          <a:bodyPr rtlCol="0" anchor="ctr"/>
+          <a:lstStyle/>
+          <a:p>
+            <a:pPr algn="ctr"/>
+            <a:r>
+              <a:rPr lang="fr-FR" sz="900" dirty="0">
+                <a:solidFill>
+                  <a:schemeClr val="bg1"/>
+                </a:solidFill>
+                <a:latin typeface="Gill Sans Nova" panose="020B0602020104020203" pitchFamily="34" charset="0"/>
+              </a:rPr>
+              <a:t>E63 </a:t>
+            </a:r>
+            <a:r>
+              <a:rPr lang="fr-FR" sz="900" dirty="0" err="1">
+                <a:solidFill>
+                  <a:schemeClr val="bg1"/>
+                </a:solidFill>
+                <a:latin typeface="Gill Sans Nova" panose="020B0602020104020203" pitchFamily="34" charset="0"/>
+              </a:rPr>
+              <a:t>Beginning</a:t>
+            </a:r>
+            <a:r>
+              <a:rPr lang="fr-FR" sz="900" dirty="0">
+                <a:solidFill>
+                  <a:schemeClr val="bg1"/>
+                </a:solidFill>
+                <a:latin typeface="Gill Sans Nova" panose="020B0602020104020203" pitchFamily="34" charset="0"/>
+              </a:rPr>
+              <a:t> of Existence</a:t>
+            </a:r>
+          </a:p>
+        </p:txBody>
+      </p:sp>
+      <p:sp>
+        <p:nvSpPr>
+          <p:cNvPr id="305" name="Rectangle : coins arrondis 304">
+            <a:extLst>
+              <a:ext uri="{FF2B5EF4-FFF2-40B4-BE49-F238E27FC236}">
+                <a16:creationId xmlns:a16="http://schemas.microsoft.com/office/drawing/2014/main" id="{064A9CBD-E352-42F1-A05C-0AB6D08774C6}"/>
+              </a:ext>
+            </a:extLst>
+          </p:cNvPr>
+          <p:cNvSpPr/>
+          <p:nvPr/>
+        </p:nvSpPr>
+        <p:spPr>
+          <a:xfrm>
+            <a:off x="24858028" y="7055777"/>
+            <a:ext cx="976814" cy="458655"/>
+          </a:xfrm>
+          <a:prstGeom prst="roundRect">
+            <a:avLst/>
+          </a:prstGeom>
+          <a:solidFill>
+            <a:schemeClr val="accent6">
+              <a:lumMod val="40000"/>
+              <a:lumOff val="60000"/>
+            </a:schemeClr>
+          </a:solidFill>
+          <a:ln w="12700">
+            <a:noFill/>
+          </a:ln>
+        </p:spPr>
+        <p:style>
+          <a:lnRef idx="2">
+            <a:schemeClr val="accent6"/>
+          </a:lnRef>
+          <a:fillRef idx="1">
+            <a:schemeClr val="lt1"/>
+          </a:fillRef>
+          <a:effectRef idx="0">
+            <a:schemeClr val="accent6"/>
+          </a:effectRef>
+          <a:fontRef idx="minor">
+            <a:schemeClr val="dk1"/>
+          </a:fontRef>
+        </p:style>
+        <p:txBody>
+          <a:bodyPr rtlCol="0" anchor="ctr"/>
+          <a:lstStyle/>
+          <a:p>
+            <a:pPr algn="ctr"/>
+            <a:r>
+              <a:rPr lang="fr-FR" sz="900" dirty="0">
+                <a:solidFill>
+                  <a:schemeClr val="tx1"/>
+                </a:solidFill>
+                <a:latin typeface="Gill Sans Nova" panose="020B0602020104020203" pitchFamily="34" charset="0"/>
+              </a:rPr>
+              <a:t>E52 Time-Span</a:t>
+            </a:r>
+          </a:p>
+        </p:txBody>
+      </p:sp>
+      <p:cxnSp>
+        <p:nvCxnSpPr>
+          <p:cNvPr id="307" name="Connecteur droit avec flèche 306">
+            <a:extLst>
+              <a:ext uri="{FF2B5EF4-FFF2-40B4-BE49-F238E27FC236}">
+                <a16:creationId xmlns:a16="http://schemas.microsoft.com/office/drawing/2014/main" id="{B47F3C41-FE45-4C1E-B52B-3B231B04F0F7}"/>
+              </a:ext>
+            </a:extLst>
+          </p:cNvPr>
+          <p:cNvCxnSpPr>
+            <a:cxnSpLocks/>
+          </p:cNvCxnSpPr>
+          <p:nvPr/>
+        </p:nvCxnSpPr>
+        <p:spPr>
+          <a:xfrm flipV="1">
+            <a:off x="28218821" y="6250274"/>
+            <a:ext cx="607720" cy="737599"/>
+          </a:xfrm>
+          <a:prstGeom prst="straightConnector1">
+            <a:avLst/>
+          </a:prstGeom>
+          <a:ln>
+            <a:tailEnd type="triangle"/>
+          </a:ln>
+        </p:spPr>
+        <p:style>
+          <a:lnRef idx="1">
+            <a:schemeClr val="dk1"/>
+          </a:lnRef>
+          <a:fillRef idx="0">
+            <a:schemeClr val="dk1"/>
+          </a:fillRef>
+          <a:effectRef idx="0">
+            <a:schemeClr val="dk1"/>
+          </a:effectRef>
+          <a:fontRef idx="minor">
+            <a:schemeClr val="tx1"/>
+          </a:fontRef>
+        </p:style>
+      </p:cxnSp>
+      <p:cxnSp>
+        <p:nvCxnSpPr>
+          <p:cNvPr id="309" name="Connecteur droit avec flèche 308">
+            <a:extLst>
+              <a:ext uri="{FF2B5EF4-FFF2-40B4-BE49-F238E27FC236}">
+                <a16:creationId xmlns:a16="http://schemas.microsoft.com/office/drawing/2014/main" id="{65C4FD4C-6066-4CF6-85CB-55DC36A5EBB1}"/>
+              </a:ext>
+            </a:extLst>
+          </p:cNvPr>
+          <p:cNvCxnSpPr>
+            <a:stCxn id="300" idx="1"/>
+            <a:endCxn id="305" idx="3"/>
+          </p:cNvCxnSpPr>
+          <p:nvPr/>
+        </p:nvCxnSpPr>
+        <p:spPr>
+          <a:xfrm flipH="1" flipV="1">
+            <a:off x="25834842" y="7285105"/>
+            <a:ext cx="1376452" cy="10587"/>
+          </a:xfrm>
+          <a:prstGeom prst="straightConnector1">
+            <a:avLst/>
+          </a:prstGeom>
+          <a:ln>
+            <a:tailEnd type="triangle"/>
+          </a:ln>
+        </p:spPr>
+        <p:style>
+          <a:lnRef idx="1">
+            <a:schemeClr val="dk1"/>
+          </a:lnRef>
+          <a:fillRef idx="0">
+            <a:schemeClr val="dk1"/>
+          </a:fillRef>
+          <a:effectRef idx="0">
+            <a:schemeClr val="dk1"/>
+          </a:effectRef>
+          <a:fontRef idx="minor">
+            <a:schemeClr val="tx1"/>
+          </a:fontRef>
+        </p:style>
+      </p:cxnSp>
+      <p:sp>
+        <p:nvSpPr>
+          <p:cNvPr id="312" name="ZoneTexte 311">
+            <a:extLst>
+              <a:ext uri="{FF2B5EF4-FFF2-40B4-BE49-F238E27FC236}">
+                <a16:creationId xmlns:a16="http://schemas.microsoft.com/office/drawing/2014/main" id="{1EB1E6F8-C471-4916-A2A7-D21E9AF50D29}"/>
+              </a:ext>
+            </a:extLst>
+          </p:cNvPr>
+          <p:cNvSpPr txBox="1"/>
+          <p:nvPr/>
+        </p:nvSpPr>
+        <p:spPr>
+          <a:xfrm>
+            <a:off x="25867412" y="7034904"/>
+            <a:ext cx="1398361" cy="230832"/>
+          </a:xfrm>
+          <a:prstGeom prst="rect">
+            <a:avLst/>
+          </a:prstGeom>
+          <a:noFill/>
+        </p:spPr>
+        <p:txBody>
+          <a:bodyPr wrap="square" rtlCol="0">
+            <a:spAutoFit/>
+          </a:bodyPr>
+          <a:lstStyle/>
+          <a:p>
+            <a:pPr algn="ctr"/>
+            <a:r>
+              <a:rPr lang="fr-FR" sz="900" i="1" dirty="0">
+                <a:latin typeface="Gill Sans Nova" panose="020B0602020104020203" pitchFamily="34" charset="0"/>
+              </a:rPr>
+              <a:t>P4 has time-</a:t>
+            </a:r>
+            <a:r>
+              <a:rPr lang="fr-FR" sz="900" i="1" dirty="0" err="1">
+                <a:latin typeface="Gill Sans Nova" panose="020B0602020104020203" pitchFamily="34" charset="0"/>
+              </a:rPr>
+              <a:t>span</a:t>
+            </a:r>
+            <a:endParaRPr lang="fr-FR" sz="900" i="1" dirty="0">
+              <a:latin typeface="Gill Sans Nova" panose="020B0602020104020203" pitchFamily="34" charset="0"/>
+            </a:endParaRPr>
+          </a:p>
+        </p:txBody>
+      </p:sp>
+      <p:sp>
+        <p:nvSpPr>
+          <p:cNvPr id="313" name="ZoneTexte 312">
+            <a:extLst>
+              <a:ext uri="{FF2B5EF4-FFF2-40B4-BE49-F238E27FC236}">
+                <a16:creationId xmlns:a16="http://schemas.microsoft.com/office/drawing/2014/main" id="{D97C9065-F969-4723-BBC2-9A23DD4DC14B}"/>
+              </a:ext>
+            </a:extLst>
+          </p:cNvPr>
+          <p:cNvSpPr txBox="1"/>
+          <p:nvPr/>
+        </p:nvSpPr>
+        <p:spPr>
+          <a:xfrm>
+            <a:off x="27619411" y="6417010"/>
+            <a:ext cx="984374" cy="369332"/>
+          </a:xfrm>
+          <a:prstGeom prst="rect">
+            <a:avLst/>
+          </a:prstGeom>
+          <a:noFill/>
+        </p:spPr>
+        <p:txBody>
+          <a:bodyPr wrap="square" rtlCol="0">
+            <a:spAutoFit/>
+          </a:bodyPr>
+          <a:lstStyle/>
+          <a:p>
+            <a:pPr algn="ctr"/>
+            <a:r>
+              <a:rPr lang="fr-FR" sz="900" i="1" dirty="0">
+                <a:latin typeface="Gill Sans Nova" panose="020B0602020104020203" pitchFamily="34" charset="0"/>
+              </a:rPr>
+              <a:t>P92 </a:t>
+            </a:r>
+            <a:r>
+              <a:rPr lang="fr-FR" sz="900" i="1" dirty="0" err="1">
+                <a:latin typeface="Gill Sans Nova" panose="020B0602020104020203" pitchFamily="34" charset="0"/>
+              </a:rPr>
+              <a:t>brought</a:t>
+            </a:r>
+            <a:r>
+              <a:rPr lang="fr-FR" sz="900" i="1" dirty="0">
+                <a:latin typeface="Gill Sans Nova" panose="020B0602020104020203" pitchFamily="34" charset="0"/>
+              </a:rPr>
+              <a:t> </a:t>
+            </a:r>
+            <a:r>
+              <a:rPr lang="fr-FR" sz="900" i="1" dirty="0" err="1">
+                <a:latin typeface="Gill Sans Nova" panose="020B0602020104020203" pitchFamily="34" charset="0"/>
+              </a:rPr>
+              <a:t>into</a:t>
+            </a:r>
+            <a:r>
+              <a:rPr lang="fr-FR" sz="900" i="1" dirty="0">
+                <a:latin typeface="Gill Sans Nova" panose="020B0602020104020203" pitchFamily="34" charset="0"/>
+              </a:rPr>
+              <a:t> existence</a:t>
+            </a:r>
+          </a:p>
+        </p:txBody>
+      </p:sp>
+      <p:sp>
+        <p:nvSpPr>
+          <p:cNvPr id="319" name="Rectangle : coins arrondis 318">
+            <a:extLst>
+              <a:ext uri="{FF2B5EF4-FFF2-40B4-BE49-F238E27FC236}">
+                <a16:creationId xmlns:a16="http://schemas.microsoft.com/office/drawing/2014/main" id="{158019D3-31C6-4759-AA6A-F4526287CEE9}"/>
+              </a:ext>
+            </a:extLst>
+          </p:cNvPr>
+          <p:cNvSpPr/>
+          <p:nvPr/>
+        </p:nvSpPr>
+        <p:spPr>
+          <a:xfrm>
+            <a:off x="23640415" y="7837167"/>
+            <a:ext cx="976814" cy="458655"/>
+          </a:xfrm>
+          <a:prstGeom prst="roundRect">
+            <a:avLst/>
+          </a:prstGeom>
+          <a:noFill/>
+          <a:ln w="12700">
+            <a:noFill/>
+          </a:ln>
+        </p:spPr>
+        <p:style>
+          <a:lnRef idx="2">
+            <a:schemeClr val="accent6"/>
+          </a:lnRef>
+          <a:fillRef idx="1">
+            <a:schemeClr val="lt1"/>
+          </a:fillRef>
+          <a:effectRef idx="0">
+            <a:schemeClr val="accent6"/>
+          </a:effectRef>
+          <a:fontRef idx="minor">
+            <a:schemeClr val="dk1"/>
+          </a:fontRef>
+        </p:style>
+        <p:txBody>
+          <a:bodyPr rtlCol="0" anchor="ctr"/>
+          <a:lstStyle/>
+          <a:p>
+            <a:pPr algn="ctr"/>
+            <a:r>
+              <a:rPr lang="fr-FR" sz="900" dirty="0">
+                <a:solidFill>
+                  <a:schemeClr val="tx1"/>
+                </a:solidFill>
+                <a:latin typeface="Gill Sans Nova" panose="020B0602020104020203" pitchFamily="34" charset="0"/>
+              </a:rPr>
+              <a:t>« 1672-01 »</a:t>
+            </a:r>
+          </a:p>
+        </p:txBody>
+      </p:sp>
+      <p:cxnSp>
+        <p:nvCxnSpPr>
+          <p:cNvPr id="321" name="Connecteur : en arc 320">
+            <a:extLst>
+              <a:ext uri="{FF2B5EF4-FFF2-40B4-BE49-F238E27FC236}">
+                <a16:creationId xmlns:a16="http://schemas.microsoft.com/office/drawing/2014/main" id="{B1A1698C-A8C1-4041-A2F8-00ABF52A32CF}"/>
+              </a:ext>
+            </a:extLst>
+          </p:cNvPr>
+          <p:cNvCxnSpPr>
+            <a:stCxn id="305" idx="1"/>
+            <a:endCxn id="319" idx="0"/>
+          </p:cNvCxnSpPr>
+          <p:nvPr/>
+        </p:nvCxnSpPr>
+        <p:spPr>
+          <a:xfrm rot="10800000" flipV="1">
+            <a:off x="24128822" y="7285105"/>
+            <a:ext cx="729206" cy="552062"/>
+          </a:xfrm>
+          <a:prstGeom prst="curvedConnector2">
+            <a:avLst/>
+          </a:prstGeom>
+          <a:ln>
+            <a:tailEnd type="triangle"/>
+          </a:ln>
+        </p:spPr>
+        <p:style>
+          <a:lnRef idx="1">
+            <a:schemeClr val="dk1"/>
+          </a:lnRef>
+          <a:fillRef idx="0">
+            <a:schemeClr val="dk1"/>
+          </a:fillRef>
+          <a:effectRef idx="0">
+            <a:schemeClr val="dk1"/>
+          </a:effectRef>
+          <a:fontRef idx="minor">
+            <a:schemeClr val="tx1"/>
+          </a:fontRef>
+        </p:style>
+      </p:cxnSp>
+      <p:sp>
+        <p:nvSpPr>
+          <p:cNvPr id="322" name="ZoneTexte 321">
+            <a:extLst>
+              <a:ext uri="{FF2B5EF4-FFF2-40B4-BE49-F238E27FC236}">
+                <a16:creationId xmlns:a16="http://schemas.microsoft.com/office/drawing/2014/main" id="{45FDA39D-27A0-4A78-9FC1-B7E5D03559DC}"/>
+              </a:ext>
+            </a:extLst>
+          </p:cNvPr>
+          <p:cNvSpPr txBox="1"/>
+          <p:nvPr/>
+        </p:nvSpPr>
+        <p:spPr>
+          <a:xfrm>
+            <a:off x="23638040" y="7081991"/>
+            <a:ext cx="976814" cy="369332"/>
+          </a:xfrm>
+          <a:prstGeom prst="rect">
+            <a:avLst/>
+          </a:prstGeom>
+          <a:noFill/>
+        </p:spPr>
+        <p:txBody>
+          <a:bodyPr wrap="square" rtlCol="0">
+            <a:spAutoFit/>
+          </a:bodyPr>
+          <a:lstStyle/>
+          <a:p>
+            <a:pPr algn="ctr"/>
+            <a:r>
+              <a:rPr lang="fr-FR" sz="900" i="1" dirty="0">
+                <a:latin typeface="Gill Sans Nova" panose="020B0602020104020203" pitchFamily="34" charset="0"/>
+              </a:rPr>
+              <a:t>P80 end </a:t>
+            </a:r>
+            <a:r>
+              <a:rPr lang="fr-FR" sz="900" i="1" dirty="0" err="1">
+                <a:latin typeface="Gill Sans Nova" panose="020B0602020104020203" pitchFamily="34" charset="0"/>
+              </a:rPr>
+              <a:t>is</a:t>
+            </a:r>
+            <a:r>
+              <a:rPr lang="fr-FR" sz="900" i="1" dirty="0">
+                <a:latin typeface="Gill Sans Nova" panose="020B0602020104020203" pitchFamily="34" charset="0"/>
+              </a:rPr>
+              <a:t> </a:t>
+            </a:r>
+            <a:r>
+              <a:rPr lang="fr-FR" sz="900" i="1" dirty="0" err="1">
+                <a:latin typeface="Gill Sans Nova" panose="020B0602020104020203" pitchFamily="34" charset="0"/>
+              </a:rPr>
+              <a:t>qualified</a:t>
+            </a:r>
+            <a:r>
+              <a:rPr lang="fr-FR" sz="900" i="1" dirty="0">
+                <a:latin typeface="Gill Sans Nova" panose="020B0602020104020203" pitchFamily="34" charset="0"/>
+              </a:rPr>
+              <a:t> by</a:t>
             </a:r>
           </a:p>
         </p:txBody>

--- a/modélisation/mercure-galant-thésaurus-ancien-régime/Modélisation.pptx
+++ b/modélisation/mercure-galant-thésaurus-ancien-régime/Modélisation.pptx
@@ -3232,7 +3232,7 @@
         </p:nvSpPr>
         <p:spPr>
           <a:xfrm>
-            <a:off x="23008920" y="2717167"/>
+            <a:off x="23814584" y="2185979"/>
             <a:ext cx="16470323" cy="13265008"/>
           </a:xfrm>
           <a:prstGeom prst="roundRect">
@@ -5939,11 +5939,26 @@
               <a:rPr lang="fr-FR" sz="900" i="1" dirty="0" err="1">
                 <a:latin typeface="Gill Sans Nova" panose="020B0602020104020203" pitchFamily="34" charset="0"/>
               </a:rPr>
-              <a:t>realises</a:t>
-            </a:r>
-            <a:endParaRPr lang="fr-FR" sz="900" i="1" dirty="0">
-              <a:latin typeface="Gill Sans Nova" panose="020B0602020104020203" pitchFamily="34" charset="0"/>
-            </a:endParaRPr>
+              <a:t>is</a:t>
+            </a:r>
+            <a:r>
+              <a:rPr lang="fr-FR" sz="900" i="1" dirty="0">
+                <a:latin typeface="Gill Sans Nova" panose="020B0602020104020203" pitchFamily="34" charset="0"/>
+              </a:rPr>
+              <a:t> </a:t>
+            </a:r>
+            <a:r>
+              <a:rPr lang="fr-FR" sz="900" i="1" dirty="0" err="1">
+                <a:latin typeface="Gill Sans Nova" panose="020B0602020104020203" pitchFamily="34" charset="0"/>
+              </a:rPr>
+              <a:t>realised</a:t>
+            </a:r>
+            <a:r>
+              <a:rPr lang="fr-FR" sz="900" i="1" dirty="0">
+                <a:latin typeface="Gill Sans Nova" panose="020B0602020104020203" pitchFamily="34" charset="0"/>
+              </a:rPr>
+              <a:t> in</a:t>
+            </a:r>
           </a:p>
         </p:txBody>
       </p:sp>
@@ -7401,7 +7416,7 @@
         </p:nvSpPr>
         <p:spPr>
           <a:xfrm>
-            <a:off x="27975506" y="4224514"/>
+            <a:off x="24519191" y="3864815"/>
             <a:ext cx="1139308" cy="678712"/>
           </a:xfrm>
           <a:prstGeom prst="roundRect">
@@ -7457,49 +7472,6 @@
           </a:p>
         </p:txBody>
       </p:sp>
-      <p:cxnSp>
-        <p:nvCxnSpPr>
-          <p:cNvPr id="927" name="Connecteur : en angle 926">
-            <a:extLst>
-              <a:ext uri="{FF2B5EF4-FFF2-40B4-BE49-F238E27FC236}">
-                <a16:creationId xmlns:a16="http://schemas.microsoft.com/office/drawing/2014/main" id="{E21CDC2B-833C-4378-837F-F4286826757E}"/>
-              </a:ext>
-            </a:extLst>
-          </p:cNvPr>
-          <p:cNvCxnSpPr>
-            <a:cxnSpLocks/>
-            <a:stCxn id="885" idx="1"/>
-            <a:endCxn id="926" idx="2"/>
-          </p:cNvCxnSpPr>
-          <p:nvPr/>
-        </p:nvCxnSpPr>
-        <p:spPr>
-          <a:xfrm rot="10800000">
-            <a:off x="28545168" y="4903227"/>
-            <a:ext cx="228657" cy="1025374"/>
-          </a:xfrm>
-          <a:prstGeom prst="bentConnector2">
-            <a:avLst/>
-          </a:prstGeom>
-          <a:ln>
-            <a:tailEnd type="triangle"/>
-          </a:ln>
-        </p:spPr>
-        <p:style>
-          <a:lnRef idx="1">
-            <a:schemeClr val="dk1"/>
-          </a:lnRef>
-          <a:fillRef idx="0">
-            <a:schemeClr val="dk1"/>
-          </a:fillRef>
-          <a:effectRef idx="0">
-            <a:schemeClr val="dk1"/>
-          </a:effectRef>
-          <a:fontRef idx="minor">
-            <a:schemeClr val="tx1"/>
-          </a:fontRef>
-        </p:style>
-      </p:cxnSp>
       <p:sp>
         <p:nvSpPr>
           <p:cNvPr id="928" name="ZoneTexte 927">
@@ -7514,7 +7486,7 @@
         </p:nvSpPr>
         <p:spPr>
           <a:xfrm>
-            <a:off x="27428180" y="5000096"/>
+            <a:off x="24113351" y="4867031"/>
             <a:ext cx="1398361" cy="230832"/>
           </a:xfrm>
           <a:prstGeom prst="rect">
@@ -7814,7 +7786,7 @@
         </p:nvSpPr>
         <p:spPr>
           <a:xfrm>
-            <a:off x="35480395" y="9173798"/>
+            <a:off x="34063580" y="7975714"/>
             <a:ext cx="1046048" cy="681696"/>
           </a:xfrm>
           <a:prstGeom prst="roundRect">
@@ -7884,7 +7856,7 @@
         </p:nvSpPr>
         <p:spPr>
           <a:xfrm>
-            <a:off x="34264081" y="9166922"/>
+            <a:off x="34543884" y="7194969"/>
             <a:ext cx="1398361" cy="230832"/>
           </a:xfrm>
           <a:prstGeom prst="rect">
@@ -8032,18 +8004,20 @@
           </p:cNvPr>
           <p:cNvCxnSpPr>
             <a:cxnSpLocks/>
-            <a:stCxn id="889" idx="2"/>
-            <a:endCxn id="934" idx="1"/>
+            <a:stCxn id="936" idx="2"/>
+            <a:endCxn id="934" idx="0"/>
           </p:cNvCxnSpPr>
           <p:nvPr/>
         </p:nvCxnSpPr>
         <p:spPr>
-          <a:xfrm rot="16200000" flipH="1">
-            <a:off x="32789298" y="6823548"/>
-            <a:ext cx="3237227" cy="2144967"/>
-          </a:xfrm>
-          <a:prstGeom prst="curvedConnector2">
-            <a:avLst/>
+          <a:xfrm rot="5400000">
+            <a:off x="34291305" y="6556890"/>
+            <a:ext cx="1714123" cy="1123524"/>
+          </a:xfrm>
+          <a:prstGeom prst="curvedConnector3">
+            <a:avLst>
+              <a:gd name="adj1" fmla="val 50000"/>
+            </a:avLst>
           </a:prstGeom>
           <a:ln>
             <a:tailEnd type="triangle"/>
@@ -8602,13 +8576,13 @@
           </p:cNvPr>
           <p:cNvCxnSpPr>
             <a:cxnSpLocks/>
-            <a:stCxn id="950" idx="0"/>
-            <a:endCxn id="947" idx="2"/>
+            <a:stCxn id="947" idx="2"/>
+            <a:endCxn id="950" idx="0"/>
           </p:cNvCxnSpPr>
           <p:nvPr/>
         </p:nvCxnSpPr>
         <p:spPr>
-          <a:xfrm flipH="1" flipV="1">
+          <a:xfrm>
             <a:off x="34630165" y="12487404"/>
             <a:ext cx="9729" cy="1023618"/>
           </a:xfrm>
@@ -8679,162 +8653,11 @@
               <a:rPr lang="fr-FR" sz="900" i="1" dirty="0">
                 <a:latin typeface="Gill Sans Nova" panose="020B0602020104020203" pitchFamily="34" charset="0"/>
               </a:rPr>
-              <a:t> out</a:t>
-            </a:r>
-          </a:p>
-        </p:txBody>
-      </p:sp>
-      <p:sp>
-        <p:nvSpPr>
-          <p:cNvPr id="953" name="Rectangle : coins arrondis 952">
-            <a:extLst>
-              <a:ext uri="{FF2B5EF4-FFF2-40B4-BE49-F238E27FC236}">
-                <a16:creationId xmlns:a16="http://schemas.microsoft.com/office/drawing/2014/main" id="{0FCD19F3-A891-4CD2-AC46-EBC67A4E9C96}"/>
-              </a:ext>
-            </a:extLst>
-          </p:cNvPr>
-          <p:cNvSpPr/>
-          <p:nvPr/>
-        </p:nvSpPr>
-        <p:spPr>
-          <a:xfrm>
-            <a:off x="36653653" y="11940300"/>
-            <a:ext cx="976814" cy="458655"/>
-          </a:xfrm>
-          <a:prstGeom prst="roundRect">
-            <a:avLst/>
-          </a:prstGeom>
-          <a:solidFill>
-            <a:schemeClr val="accent6">
-              <a:lumMod val="40000"/>
-              <a:lumOff val="60000"/>
-            </a:schemeClr>
-          </a:solidFill>
-          <a:ln w="12700">
-            <a:noFill/>
-          </a:ln>
-        </p:spPr>
-        <p:style>
-          <a:lnRef idx="2">
-            <a:schemeClr val="accent6"/>
-          </a:lnRef>
-          <a:fillRef idx="1">
-            <a:schemeClr val="lt1"/>
-          </a:fillRef>
-          <a:effectRef idx="0">
-            <a:schemeClr val="accent6"/>
-          </a:effectRef>
-          <a:fontRef idx="minor">
-            <a:schemeClr val="dk1"/>
-          </a:fontRef>
-        </p:style>
-        <p:txBody>
-          <a:bodyPr rtlCol="0" anchor="ctr"/>
-          <a:lstStyle/>
-          <a:p>
-            <a:pPr algn="ctr"/>
-            <a:r>
-              <a:rPr lang="fr-FR" sz="900" dirty="0">
-                <a:solidFill>
-                  <a:schemeClr val="tx1"/>
-                </a:solidFill>
-                <a:latin typeface="Gill Sans Nova" panose="020B0602020104020203" pitchFamily="34" charset="0"/>
-              </a:rPr>
-              <a:t>E52 Time-Span</a:t>
-            </a:r>
-          </a:p>
-        </p:txBody>
-      </p:sp>
-      <p:sp>
-        <p:nvSpPr>
-          <p:cNvPr id="954" name="ZoneTexte 953">
-            <a:extLst>
-              <a:ext uri="{FF2B5EF4-FFF2-40B4-BE49-F238E27FC236}">
-                <a16:creationId xmlns:a16="http://schemas.microsoft.com/office/drawing/2014/main" id="{2070EF21-FC81-4CE2-8E92-0F3361F5E47F}"/>
-              </a:ext>
-            </a:extLst>
-          </p:cNvPr>
-          <p:cNvSpPr txBox="1"/>
-          <p:nvPr/>
-        </p:nvSpPr>
-        <p:spPr>
-          <a:xfrm>
-            <a:off x="35426240" y="11908513"/>
-            <a:ext cx="976814" cy="230832"/>
-          </a:xfrm>
-          <a:prstGeom prst="rect">
-            <a:avLst/>
-          </a:prstGeom>
-          <a:noFill/>
-        </p:spPr>
-        <p:txBody>
-          <a:bodyPr wrap="square" rtlCol="0">
-            <a:spAutoFit/>
-          </a:bodyPr>
-          <a:lstStyle/>
-          <a:p>
-            <a:pPr algn="ctr"/>
-            <a:r>
-              <a:rPr lang="fr-FR" sz="900" i="1" dirty="0">
-                <a:latin typeface="Gill Sans Nova" panose="020B0602020104020203" pitchFamily="34" charset="0"/>
-              </a:rPr>
-              <a:t>P4 has time-</a:t>
-            </a:r>
-            <a:r>
-              <a:rPr lang="fr-FR" sz="900" i="1" dirty="0" err="1">
-                <a:latin typeface="Gill Sans Nova" panose="020B0602020104020203" pitchFamily="34" charset="0"/>
-              </a:rPr>
-              <a:t>span</a:t>
-            </a:r>
-            <a:endParaRPr lang="fr-FR" sz="900" i="1" dirty="0">
-              <a:latin typeface="Gill Sans Nova" panose="020B0602020104020203" pitchFamily="34" charset="0"/>
-            </a:endParaRPr>
-          </a:p>
-        </p:txBody>
-      </p:sp>
-      <p:cxnSp>
-        <p:nvCxnSpPr>
-          <p:cNvPr id="955" name="Connecteur droit avec flèche 954">
-            <a:extLst>
-              <a:ext uri="{FF2B5EF4-FFF2-40B4-BE49-F238E27FC236}">
-                <a16:creationId xmlns:a16="http://schemas.microsoft.com/office/drawing/2014/main" id="{58A9BD5F-C32E-4677-906A-C130735EFE80}"/>
-              </a:ext>
-            </a:extLst>
-          </p:cNvPr>
-          <p:cNvCxnSpPr>
-            <a:cxnSpLocks/>
-            <a:stCxn id="947" idx="3"/>
-            <a:endCxn id="953" idx="1"/>
-          </p:cNvCxnSpPr>
-          <p:nvPr/>
-        </p:nvCxnSpPr>
-        <p:spPr>
-          <a:xfrm>
-            <a:off x="35156188" y="12154414"/>
-            <a:ext cx="1497469" cy="15210"/>
-          </a:xfrm>
-          <a:prstGeom prst="straightConnector1">
-            <a:avLst/>
-          </a:prstGeom>
-          <a:ln>
-            <a:tailEnd type="triangle"/>
-          </a:ln>
-        </p:spPr>
-        <p:style>
-          <a:lnRef idx="1">
-            <a:schemeClr val="dk1"/>
-          </a:lnRef>
-          <a:fillRef idx="0">
-            <a:schemeClr val="dk1"/>
-          </a:fillRef>
-          <a:effectRef idx="0">
-            <a:schemeClr val="dk1"/>
-          </a:effectRef>
-          <a:fontRef idx="minor">
-            <a:schemeClr val="tx1"/>
-          </a:fontRef>
-        </p:style>
-      </p:cxnSp>
+              <a:t> out by</a:t>
+            </a:r>
+          </a:p>
+        </p:txBody>
+      </p:sp>
       <p:cxnSp>
         <p:nvCxnSpPr>
           <p:cNvPr id="956" name="Connecteur : en arc 955">
@@ -12001,8 +11824,8 @@
         </p:nvSpPr>
         <p:spPr>
           <a:xfrm>
-            <a:off x="11389917" y="24859266"/>
-            <a:ext cx="1484002" cy="230832"/>
+            <a:off x="11088008" y="24579955"/>
+            <a:ext cx="1045625" cy="369332"/>
           </a:xfrm>
           <a:prstGeom prst="rect">
             <a:avLst/>
@@ -12020,19 +11843,7 @@
               <a:rPr lang="fr-FR" sz="900" i="1" dirty="0">
                 <a:latin typeface="Gill Sans Nova" panose="020B0602020104020203" pitchFamily="34" charset="0"/>
               </a:rPr>
-              <a:t>P197 </a:t>
-            </a:r>
-            <a:r>
-              <a:rPr lang="fr-FR" sz="900" i="1" dirty="0" err="1">
-                <a:latin typeface="Gill Sans Nova" panose="020B0602020104020203" pitchFamily="34" charset="0"/>
-              </a:rPr>
-              <a:t>covered</a:t>
-            </a:r>
-            <a:r>
-              <a:rPr lang="fr-FR" sz="900" i="1" dirty="0">
-                <a:latin typeface="Gill Sans Nova" panose="020B0602020104020203" pitchFamily="34" charset="0"/>
-              </a:rPr>
-              <a:t> parts of</a:t>
+              <a:t>P161 has spatial projection</a:t>
             </a:r>
           </a:p>
         </p:txBody>
@@ -15269,10 +15080,7 @@
             <a:avLst/>
           </a:prstGeom>
           <a:solidFill>
-            <a:schemeClr val="accent1">
-              <a:lumMod val="60000"/>
-              <a:lumOff val="40000"/>
-            </a:schemeClr>
+            <a:srgbClr val="9E96DA"/>
           </a:solidFill>
           <a:ln w="28575">
             <a:noFill/>
@@ -15357,10 +15165,7 @@
             <a:avLst/>
           </a:prstGeom>
           <a:solidFill>
-            <a:schemeClr val="accent1">
-              <a:lumMod val="60000"/>
-              <a:lumOff val="40000"/>
-            </a:schemeClr>
+            <a:srgbClr val="9E96DA"/>
           </a:solidFill>
           <a:ln w="28575">
             <a:noFill/>
@@ -15611,18 +15416,21 @@
             </a:extLst>
           </p:cNvPr>
           <p:cNvCxnSpPr>
-            <a:stCxn id="10" idx="2"/>
-            <a:endCxn id="1436" idx="0"/>
+            <a:cxnSpLocks/>
+            <a:stCxn id="1436" idx="0"/>
+            <a:endCxn id="10" idx="2"/>
           </p:cNvCxnSpPr>
           <p:nvPr/>
         </p:nvCxnSpPr>
         <p:spPr>
-          <a:xfrm rot="5400000">
-            <a:off x="7375118" y="21076724"/>
+          <a:xfrm rot="5400000" flipH="1" flipV="1">
+            <a:off x="7375118" y="21076725"/>
             <a:ext cx="2182517" cy="2740396"/>
           </a:xfrm>
           <a:prstGeom prst="curvedConnector3">
-            <a:avLst/>
+            <a:avLst>
+              <a:gd name="adj1" fmla="val 50000"/>
+            </a:avLst>
           </a:prstGeom>
           <a:ln>
             <a:tailEnd type="triangle"/>
@@ -15653,18 +15461,21 @@
             </a:extLst>
           </p:cNvPr>
           <p:cNvCxnSpPr>
-            <a:stCxn id="10" idx="2"/>
-            <a:endCxn id="43" idx="0"/>
+            <a:cxnSpLocks/>
+            <a:stCxn id="43" idx="0"/>
+            <a:endCxn id="10" idx="2"/>
           </p:cNvCxnSpPr>
           <p:nvPr/>
         </p:nvCxnSpPr>
         <p:spPr>
-          <a:xfrm rot="16200000" flipH="1">
-            <a:off x="9309387" y="21882850"/>
+          <a:xfrm rot="16200000" flipV="1">
+            <a:off x="9309388" y="21882851"/>
             <a:ext cx="2175617" cy="1121243"/>
           </a:xfrm>
           <a:prstGeom prst="curvedConnector3">
-            <a:avLst/>
+            <a:avLst>
+              <a:gd name="adj1" fmla="val 50000"/>
+            </a:avLst>
           </a:prstGeom>
           <a:ln>
             <a:tailEnd type="triangle"/>
@@ -15699,7 +15510,7 @@
         </p:nvSpPr>
         <p:spPr>
           <a:xfrm>
-            <a:off x="8886580" y="21748303"/>
+            <a:off x="8979641" y="21758328"/>
             <a:ext cx="1662746" cy="230832"/>
           </a:xfrm>
           <a:prstGeom prst="rect">
@@ -15720,7 +15531,7 @@
               <a:rPr lang="fr-FR" sz="900" i="1" dirty="0">
                 <a:latin typeface="Gill Sans Nova" panose="020B0602020104020203" pitchFamily="34" charset="0"/>
               </a:rPr>
-              <a:t>P195 </a:t>
+              <a:t>P166 </a:t>
             </a:r>
             <a:r>
               <a:rPr lang="fr-FR" sz="900" i="1" dirty="0" err="1">
@@ -16072,7 +15883,7 @@
               <a:rPr lang="fr-FR" sz="900" i="1" dirty="0">
                 <a:latin typeface="Gill Sans Nova" panose="020B0602020104020203" pitchFamily="34" charset="0"/>
               </a:rPr>
-              <a:t>P195 </a:t>
+              <a:t>P166 </a:t>
             </a:r>
             <a:r>
               <a:rPr lang="fr-FR" sz="900" i="1" dirty="0" err="1">
@@ -16308,7 +16119,7 @@
                 </a:solidFill>
                 <a:latin typeface="Gill Sans Nova" panose="020B0602020104020203" pitchFamily="34" charset="0"/>
               </a:rPr>
-              <a:t>« Tome »</a:t>
+              <a:t>« Livraison du Mercure Galant »</a:t>
             </a:r>
           </a:p>
         </p:txBody>
@@ -16327,7 +16138,7 @@
         </p:nvSpPr>
         <p:spPr>
           <a:xfrm>
-            <a:off x="26041324" y="4994909"/>
+            <a:off x="27117105" y="5146625"/>
             <a:ext cx="1398361" cy="230832"/>
           </a:xfrm>
           <a:prstGeom prst="rect">
@@ -16389,49 +16200,6 @@
           </a:p>
         </p:txBody>
       </p:sp>
-      <p:cxnSp>
-        <p:nvCxnSpPr>
-          <p:cNvPr id="278" name="Connecteur : en angle 277">
-            <a:extLst>
-              <a:ext uri="{FF2B5EF4-FFF2-40B4-BE49-F238E27FC236}">
-                <a16:creationId xmlns:a16="http://schemas.microsoft.com/office/drawing/2014/main" id="{4AB53C68-A6C2-41B0-A43B-679B8E4CE2BD}"/>
-              </a:ext>
-            </a:extLst>
-          </p:cNvPr>
-          <p:cNvCxnSpPr>
-            <a:cxnSpLocks/>
-            <a:stCxn id="885" idx="1"/>
-            <a:endCxn id="270" idx="2"/>
-          </p:cNvCxnSpPr>
-          <p:nvPr/>
-        </p:nvCxnSpPr>
-        <p:spPr>
-          <a:xfrm rot="10800000">
-            <a:off x="27167664" y="4882883"/>
-            <a:ext cx="1606154" cy="1045718"/>
-          </a:xfrm>
-          <a:prstGeom prst="bentConnector2">
-            <a:avLst/>
-          </a:prstGeom>
-          <a:ln>
-            <a:tailEnd type="triangle"/>
-          </a:ln>
-        </p:spPr>
-        <p:style>
-          <a:lnRef idx="1">
-            <a:schemeClr val="dk1"/>
-          </a:lnRef>
-          <a:fillRef idx="0">
-            <a:schemeClr val="dk1"/>
-          </a:fillRef>
-          <a:effectRef idx="0">
-            <a:schemeClr val="dk1"/>
-          </a:effectRef>
-          <a:fontRef idx="minor">
-            <a:schemeClr val="tx1"/>
-          </a:fontRef>
-        </p:style>
-      </p:cxnSp>
       <p:cxnSp>
         <p:nvCxnSpPr>
           <p:cNvPr id="286" name="Connecteur droit avec flèche 285">
@@ -16538,8 +16306,23 @@
                 </a:solidFill>
                 <a:latin typeface="Gill Sans Nova" panose="020B0602020104020203" pitchFamily="34" charset="0"/>
               </a:rPr>
-              <a:t>« Article »</a:t>
-            </a:r>
+              <a:t>« Article du </a:t>
+            </a:r>
+            <a:r>
+              <a:rPr lang="fr-FR" sz="900">
+                <a:solidFill>
+                  <a:schemeClr val="tx1"/>
+                </a:solidFill>
+                <a:latin typeface="Gill Sans Nova" panose="020B0602020104020203" pitchFamily="34" charset="0"/>
+              </a:rPr>
+              <a:t>Mercure Galant »</a:t>
+            </a:r>
+            <a:endParaRPr lang="fr-FR" sz="900" dirty="0">
+              <a:solidFill>
+                <a:schemeClr val="tx1"/>
+              </a:solidFill>
+              <a:latin typeface="Gill Sans Nova" panose="020B0602020104020203" pitchFamily="34" charset="0"/>
+            </a:endParaRPr>
           </a:p>
         </p:txBody>
       </p:sp>
@@ -17035,6 +16818,189 @@
           </a:p>
         </p:txBody>
       </p:sp>
+      <p:cxnSp>
+        <p:nvCxnSpPr>
+          <p:cNvPr id="9" name="Connecteur : en arc 8">
+            <a:extLst>
+              <a:ext uri="{FF2B5EF4-FFF2-40B4-BE49-F238E27FC236}">
+                <a16:creationId xmlns:a16="http://schemas.microsoft.com/office/drawing/2014/main" id="{BD1A3EB3-1D6C-4945-BB45-A143C6513823}"/>
+              </a:ext>
+            </a:extLst>
+          </p:cNvPr>
+          <p:cNvCxnSpPr>
+            <a:endCxn id="1323" idx="1"/>
+          </p:cNvCxnSpPr>
+          <p:nvPr/>
+        </p:nvCxnSpPr>
+        <p:spPr>
+          <a:xfrm rot="5400000" flipH="1" flipV="1">
+            <a:off x="11496386" y="22511770"/>
+            <a:ext cx="4812814" cy="2237600"/>
+          </a:xfrm>
+          <a:prstGeom prst="curvedConnector2">
+            <a:avLst/>
+          </a:prstGeom>
+          <a:ln>
+            <a:tailEnd type="triangle"/>
+          </a:ln>
+        </p:spPr>
+        <p:style>
+          <a:lnRef idx="1">
+            <a:schemeClr val="dk1"/>
+          </a:lnRef>
+          <a:fillRef idx="0">
+            <a:schemeClr val="dk1"/>
+          </a:fillRef>
+          <a:effectRef idx="0">
+            <a:schemeClr val="dk1"/>
+          </a:effectRef>
+          <a:fontRef idx="minor">
+            <a:schemeClr val="tx1"/>
+          </a:fontRef>
+        </p:style>
+      </p:cxnSp>
+      <p:sp>
+        <p:nvSpPr>
+          <p:cNvPr id="11" name="ZoneTexte 10">
+            <a:extLst>
+              <a:ext uri="{FF2B5EF4-FFF2-40B4-BE49-F238E27FC236}">
+                <a16:creationId xmlns:a16="http://schemas.microsoft.com/office/drawing/2014/main" id="{9D318049-5AFA-4F4B-B9D2-8778294A518F}"/>
+              </a:ext>
+            </a:extLst>
+          </p:cNvPr>
+          <p:cNvSpPr txBox="1"/>
+          <p:nvPr/>
+        </p:nvSpPr>
+        <p:spPr>
+          <a:xfrm>
+            <a:off x="12205552" y="22903924"/>
+            <a:ext cx="1242988" cy="230832"/>
+          </a:xfrm>
+          <a:prstGeom prst="rect">
+            <a:avLst/>
+          </a:prstGeom>
+          <a:noFill/>
+        </p:spPr>
+        <p:txBody>
+          <a:bodyPr wrap="square" rtlCol="0">
+            <a:spAutoFit/>
+          </a:bodyPr>
+          <a:lstStyle/>
+          <a:p>
+            <a:pPr algn="ctr"/>
+            <a:r>
+              <a:rPr lang="fr-FR" sz="900" i="1" dirty="0">
+                <a:latin typeface="Gill Sans Nova" panose="020B0602020104020203" pitchFamily="34" charset="0"/>
+              </a:rPr>
+              <a:t>P121 </a:t>
+            </a:r>
+            <a:r>
+              <a:rPr lang="fr-FR" sz="900" i="1" dirty="0" err="1">
+                <a:latin typeface="Gill Sans Nova" panose="020B0602020104020203" pitchFamily="34" charset="0"/>
+              </a:rPr>
+              <a:t>overlaps</a:t>
+            </a:r>
+            <a:r>
+              <a:rPr lang="fr-FR" sz="900" i="1" dirty="0">
+                <a:latin typeface="Gill Sans Nova" panose="020B0602020104020203" pitchFamily="34" charset="0"/>
+              </a:rPr>
+              <a:t> </a:t>
+            </a:r>
+            <a:r>
+              <a:rPr lang="fr-FR" sz="900" i="1" dirty="0" err="1">
+                <a:latin typeface="Gill Sans Nova" panose="020B0602020104020203" pitchFamily="34" charset="0"/>
+              </a:rPr>
+              <a:t>with</a:t>
+            </a:r>
+            <a:endParaRPr lang="fr-FR" sz="900" i="1" dirty="0">
+              <a:latin typeface="Gill Sans Nova" panose="020B0602020104020203" pitchFamily="34" charset="0"/>
+            </a:endParaRPr>
+          </a:p>
+        </p:txBody>
+      </p:sp>
+      <p:cxnSp>
+        <p:nvCxnSpPr>
+          <p:cNvPr id="22" name="Connecteur : en arc 21">
+            <a:extLst>
+              <a:ext uri="{FF2B5EF4-FFF2-40B4-BE49-F238E27FC236}">
+                <a16:creationId xmlns:a16="http://schemas.microsoft.com/office/drawing/2014/main" id="{0D6C2BEB-0044-465F-8740-423945CB2ADF}"/>
+              </a:ext>
+            </a:extLst>
+          </p:cNvPr>
+          <p:cNvCxnSpPr>
+            <a:stCxn id="929" idx="0"/>
+            <a:endCxn id="926" idx="2"/>
+          </p:cNvCxnSpPr>
+          <p:nvPr/>
+        </p:nvCxnSpPr>
+        <p:spPr>
+          <a:xfrm rot="16200000" flipV="1">
+            <a:off x="24795630" y="4836742"/>
+            <a:ext cx="1103962" cy="517531"/>
+          </a:xfrm>
+          <a:prstGeom prst="curvedConnector3">
+            <a:avLst/>
+          </a:prstGeom>
+          <a:ln>
+            <a:tailEnd type="triangle"/>
+          </a:ln>
+        </p:spPr>
+        <p:style>
+          <a:lnRef idx="1">
+            <a:schemeClr val="dk1"/>
+          </a:lnRef>
+          <a:fillRef idx="0">
+            <a:schemeClr val="dk1"/>
+          </a:fillRef>
+          <a:effectRef idx="0">
+            <a:schemeClr val="dk1"/>
+          </a:effectRef>
+          <a:fontRef idx="minor">
+            <a:schemeClr val="tx1"/>
+          </a:fontRef>
+        </p:style>
+      </p:cxnSp>
+      <p:cxnSp>
+        <p:nvCxnSpPr>
+          <p:cNvPr id="24" name="Connecteur droit avec flèche 23">
+            <a:extLst>
+              <a:ext uri="{FF2B5EF4-FFF2-40B4-BE49-F238E27FC236}">
+                <a16:creationId xmlns:a16="http://schemas.microsoft.com/office/drawing/2014/main" id="{FFB4E7FA-7777-4CC0-8E17-624378203DD3}"/>
+              </a:ext>
+            </a:extLst>
+          </p:cNvPr>
+          <p:cNvCxnSpPr>
+            <a:cxnSpLocks/>
+          </p:cNvCxnSpPr>
+          <p:nvPr/>
+        </p:nvCxnSpPr>
+        <p:spPr>
+          <a:xfrm flipH="1" flipV="1">
+            <a:off x="27713541" y="4845819"/>
+            <a:ext cx="1088331" cy="801670"/>
+          </a:xfrm>
+          <a:prstGeom prst="straightConnector1">
+            <a:avLst/>
+          </a:prstGeom>
+          <a:ln>
+            <a:tailEnd type="triangle"/>
+          </a:ln>
+        </p:spPr>
+        <p:style>
+          <a:lnRef idx="1">
+            <a:schemeClr val="dk1"/>
+          </a:lnRef>
+          <a:fillRef idx="0">
+            <a:schemeClr val="dk1"/>
+          </a:fillRef>
+          <a:effectRef idx="0">
+            <a:schemeClr val="dk1"/>
+          </a:effectRef>
+          <a:fontRef idx="minor">
+            <a:schemeClr val="tx1"/>
+          </a:fontRef>
+        </p:style>
+      </p:cxnSp>
     </p:spTree>
     <p:extLst>
       <p:ext uri="{BB962C8B-B14F-4D97-AF65-F5344CB8AC3E}">

--- a/modélisation/mercure-galant-thésaurus-ancien-régime/Modélisation.pptx
+++ b/modélisation/mercure-galant-thésaurus-ancien-régime/Modélisation.pptx
@@ -243,7 +243,7 @@
           <a:p>
             <a:fld id="{F96D367F-7370-4214-86FB-91D90BAC4FAD}" type="datetimeFigureOut">
               <a:rPr lang="fr-FR" smtClean="0"/>
-              <a:t>09/11/2020</a:t>
+              <a:t>10/11/2020</a:t>
             </a:fld>
             <a:endParaRPr lang="fr-FR"/>
           </a:p>
@@ -413,7 +413,7 @@
           <a:p>
             <a:fld id="{F96D367F-7370-4214-86FB-91D90BAC4FAD}" type="datetimeFigureOut">
               <a:rPr lang="fr-FR" smtClean="0"/>
-              <a:t>09/11/2020</a:t>
+              <a:t>10/11/2020</a:t>
             </a:fld>
             <a:endParaRPr lang="fr-FR"/>
           </a:p>
@@ -593,7 +593,7 @@
           <a:p>
             <a:fld id="{F96D367F-7370-4214-86FB-91D90BAC4FAD}" type="datetimeFigureOut">
               <a:rPr lang="fr-FR" smtClean="0"/>
-              <a:t>09/11/2020</a:t>
+              <a:t>10/11/2020</a:t>
             </a:fld>
             <a:endParaRPr lang="fr-FR"/>
           </a:p>
@@ -763,7 +763,7 @@
           <a:p>
             <a:fld id="{F96D367F-7370-4214-86FB-91D90BAC4FAD}" type="datetimeFigureOut">
               <a:rPr lang="fr-FR" smtClean="0"/>
-              <a:t>09/11/2020</a:t>
+              <a:t>10/11/2020</a:t>
             </a:fld>
             <a:endParaRPr lang="fr-FR"/>
           </a:p>
@@ -1007,7 +1007,7 @@
           <a:p>
             <a:fld id="{F96D367F-7370-4214-86FB-91D90BAC4FAD}" type="datetimeFigureOut">
               <a:rPr lang="fr-FR" smtClean="0"/>
-              <a:t>09/11/2020</a:t>
+              <a:t>10/11/2020</a:t>
             </a:fld>
             <a:endParaRPr lang="fr-FR"/>
           </a:p>
@@ -1239,7 +1239,7 @@
           <a:p>
             <a:fld id="{F96D367F-7370-4214-86FB-91D90BAC4FAD}" type="datetimeFigureOut">
               <a:rPr lang="fr-FR" smtClean="0"/>
-              <a:t>09/11/2020</a:t>
+              <a:t>10/11/2020</a:t>
             </a:fld>
             <a:endParaRPr lang="fr-FR"/>
           </a:p>
@@ -1606,7 +1606,7 @@
           <a:p>
             <a:fld id="{F96D367F-7370-4214-86FB-91D90BAC4FAD}" type="datetimeFigureOut">
               <a:rPr lang="fr-FR" smtClean="0"/>
-              <a:t>09/11/2020</a:t>
+              <a:t>10/11/2020</a:t>
             </a:fld>
             <a:endParaRPr lang="fr-FR"/>
           </a:p>
@@ -1724,7 +1724,7 @@
           <a:p>
             <a:fld id="{F96D367F-7370-4214-86FB-91D90BAC4FAD}" type="datetimeFigureOut">
               <a:rPr lang="fr-FR" smtClean="0"/>
-              <a:t>09/11/2020</a:t>
+              <a:t>10/11/2020</a:t>
             </a:fld>
             <a:endParaRPr lang="fr-FR"/>
           </a:p>
@@ -1819,7 +1819,7 @@
           <a:p>
             <a:fld id="{F96D367F-7370-4214-86FB-91D90BAC4FAD}" type="datetimeFigureOut">
               <a:rPr lang="fr-FR" smtClean="0"/>
-              <a:t>09/11/2020</a:t>
+              <a:t>10/11/2020</a:t>
             </a:fld>
             <a:endParaRPr lang="fr-FR"/>
           </a:p>
@@ -2096,7 +2096,7 @@
           <a:p>
             <a:fld id="{F96D367F-7370-4214-86FB-91D90BAC4FAD}" type="datetimeFigureOut">
               <a:rPr lang="fr-FR" smtClean="0"/>
-              <a:t>09/11/2020</a:t>
+              <a:t>10/11/2020</a:t>
             </a:fld>
             <a:endParaRPr lang="fr-FR"/>
           </a:p>
@@ -2353,7 +2353,7 @@
           <a:p>
             <a:fld id="{F96D367F-7370-4214-86FB-91D90BAC4FAD}" type="datetimeFigureOut">
               <a:rPr lang="fr-FR" smtClean="0"/>
-              <a:t>09/11/2020</a:t>
+              <a:t>10/11/2020</a:t>
             </a:fld>
             <a:endParaRPr lang="fr-FR"/>
           </a:p>
@@ -2566,7 +2566,7 @@
           <a:p>
             <a:fld id="{F96D367F-7370-4214-86FB-91D90BAC4FAD}" type="datetimeFigureOut">
               <a:rPr lang="fr-FR" smtClean="0"/>
-              <a:t>09/11/2020</a:t>
+              <a:t>10/11/2020</a:t>
             </a:fld>
             <a:endParaRPr lang="fr-FR"/>
           </a:p>
@@ -3232,7 +3232,7 @@
         </p:nvSpPr>
         <p:spPr>
           <a:xfrm>
-            <a:off x="23814584" y="2185979"/>
+            <a:off x="23225355" y="2643140"/>
             <a:ext cx="16470323" cy="13265008"/>
           </a:xfrm>
           <a:prstGeom prst="roundRect">
@@ -15640,7 +15640,7 @@
                 </a:solidFill>
                 <a:latin typeface="Gill Sans Nova" panose="020B0602020104020203" pitchFamily="34" charset="0"/>
               </a:rPr>
-              <a:t>« </a:t>
+              <a:t>« Gouvernement d’</a:t>
             </a:r>
             <a:r>
               <a:rPr lang="fr-FR" sz="900" i="1" dirty="0" err="1">
@@ -15715,6 +15715,7 @@
             </a:extLst>
           </p:cNvPr>
           <p:cNvCxnSpPr>
+            <a:cxnSpLocks/>
             <a:stCxn id="232" idx="2"/>
             <a:endCxn id="43" idx="2"/>
           </p:cNvCxnSpPr>
@@ -15818,6 +15819,7 @@
             </a:extLst>
           </p:cNvPr>
           <p:cNvCxnSpPr>
+            <a:cxnSpLocks/>
             <a:stCxn id="18" idx="2"/>
             <a:endCxn id="232" idx="0"/>
           </p:cNvCxnSpPr>
@@ -15922,6 +15924,7 @@
             </a:extLst>
           </p:cNvPr>
           <p:cNvCxnSpPr>
+            <a:cxnSpLocks/>
             <a:stCxn id="232" idx="2"/>
             <a:endCxn id="1376" idx="1"/>
           </p:cNvCxnSpPr>

--- a/modélisation/mercure-galant-thésaurus-ancien-régime/Modélisation.pptx
+++ b/modélisation/mercure-galant-thésaurus-ancien-régime/Modélisation.pptx
@@ -243,7 +243,7 @@
           <a:p>
             <a:fld id="{F96D367F-7370-4214-86FB-91D90BAC4FAD}" type="datetimeFigureOut">
               <a:rPr lang="fr-FR" smtClean="0"/>
-              <a:t>10/11/2020</a:t>
+              <a:t>17/11/2020</a:t>
             </a:fld>
             <a:endParaRPr lang="fr-FR"/>
           </a:p>
@@ -413,7 +413,7 @@
           <a:p>
             <a:fld id="{F96D367F-7370-4214-86FB-91D90BAC4FAD}" type="datetimeFigureOut">
               <a:rPr lang="fr-FR" smtClean="0"/>
-              <a:t>10/11/2020</a:t>
+              <a:t>17/11/2020</a:t>
             </a:fld>
             <a:endParaRPr lang="fr-FR"/>
           </a:p>
@@ -593,7 +593,7 @@
           <a:p>
             <a:fld id="{F96D367F-7370-4214-86FB-91D90BAC4FAD}" type="datetimeFigureOut">
               <a:rPr lang="fr-FR" smtClean="0"/>
-              <a:t>10/11/2020</a:t>
+              <a:t>17/11/2020</a:t>
             </a:fld>
             <a:endParaRPr lang="fr-FR"/>
           </a:p>
@@ -763,7 +763,7 @@
           <a:p>
             <a:fld id="{F96D367F-7370-4214-86FB-91D90BAC4FAD}" type="datetimeFigureOut">
               <a:rPr lang="fr-FR" smtClean="0"/>
-              <a:t>10/11/2020</a:t>
+              <a:t>17/11/2020</a:t>
             </a:fld>
             <a:endParaRPr lang="fr-FR"/>
           </a:p>
@@ -1007,7 +1007,7 @@
           <a:p>
             <a:fld id="{F96D367F-7370-4214-86FB-91D90BAC4FAD}" type="datetimeFigureOut">
               <a:rPr lang="fr-FR" smtClean="0"/>
-              <a:t>10/11/2020</a:t>
+              <a:t>17/11/2020</a:t>
             </a:fld>
             <a:endParaRPr lang="fr-FR"/>
           </a:p>
@@ -1239,7 +1239,7 @@
           <a:p>
             <a:fld id="{F96D367F-7370-4214-86FB-91D90BAC4FAD}" type="datetimeFigureOut">
               <a:rPr lang="fr-FR" smtClean="0"/>
-              <a:t>10/11/2020</a:t>
+              <a:t>17/11/2020</a:t>
             </a:fld>
             <a:endParaRPr lang="fr-FR"/>
           </a:p>
@@ -1606,7 +1606,7 @@
           <a:p>
             <a:fld id="{F96D367F-7370-4214-86FB-91D90BAC4FAD}" type="datetimeFigureOut">
               <a:rPr lang="fr-FR" smtClean="0"/>
-              <a:t>10/11/2020</a:t>
+              <a:t>17/11/2020</a:t>
             </a:fld>
             <a:endParaRPr lang="fr-FR"/>
           </a:p>
@@ -1724,7 +1724,7 @@
           <a:p>
             <a:fld id="{F96D367F-7370-4214-86FB-91D90BAC4FAD}" type="datetimeFigureOut">
               <a:rPr lang="fr-FR" smtClean="0"/>
-              <a:t>10/11/2020</a:t>
+              <a:t>17/11/2020</a:t>
             </a:fld>
             <a:endParaRPr lang="fr-FR"/>
           </a:p>
@@ -1819,7 +1819,7 @@
           <a:p>
             <a:fld id="{F96D367F-7370-4214-86FB-91D90BAC4FAD}" type="datetimeFigureOut">
               <a:rPr lang="fr-FR" smtClean="0"/>
-              <a:t>10/11/2020</a:t>
+              <a:t>17/11/2020</a:t>
             </a:fld>
             <a:endParaRPr lang="fr-FR"/>
           </a:p>
@@ -2096,7 +2096,7 @@
           <a:p>
             <a:fld id="{F96D367F-7370-4214-86FB-91D90BAC4FAD}" type="datetimeFigureOut">
               <a:rPr lang="fr-FR" smtClean="0"/>
-              <a:t>10/11/2020</a:t>
+              <a:t>17/11/2020</a:t>
             </a:fld>
             <a:endParaRPr lang="fr-FR"/>
           </a:p>
@@ -2353,7 +2353,7 @@
           <a:p>
             <a:fld id="{F96D367F-7370-4214-86FB-91D90BAC4FAD}" type="datetimeFigureOut">
               <a:rPr lang="fr-FR" smtClean="0"/>
-              <a:t>10/11/2020</a:t>
+              <a:t>17/11/2020</a:t>
             </a:fld>
             <a:endParaRPr lang="fr-FR"/>
           </a:p>
@@ -2566,7 +2566,7 @@
           <a:p>
             <a:fld id="{F96D367F-7370-4214-86FB-91D90BAC4FAD}" type="datetimeFigureOut">
               <a:rPr lang="fr-FR" smtClean="0"/>
-              <a:t>10/11/2020</a:t>
+              <a:t>17/11/2020</a:t>
             </a:fld>
             <a:endParaRPr lang="fr-FR"/>
           </a:p>
@@ -4007,7 +4007,7 @@
                 </a:solidFill>
                 <a:latin typeface="Gill Sans Nova" panose="020B0602020104020203" pitchFamily="34" charset="0"/>
               </a:rPr>
-              <a:t>P177 </a:t>
+              <a:t>P67 </a:t>
             </a:r>
             <a:r>
               <a:rPr lang="fr-FR" sz="900" i="1" dirty="0" err="1">

--- a/modélisation/mercure-galant-thésaurus-ancien-régime/Modélisation.pptx
+++ b/modélisation/mercure-galant-thésaurus-ancien-régime/Modélisation.pptx
@@ -243,7 +243,7 @@
           <a:p>
             <a:fld id="{F96D367F-7370-4214-86FB-91D90BAC4FAD}" type="datetimeFigureOut">
               <a:rPr lang="fr-FR" smtClean="0"/>
-              <a:t>17/11/2020</a:t>
+              <a:t>18/11/2020</a:t>
             </a:fld>
             <a:endParaRPr lang="fr-FR"/>
           </a:p>
@@ -413,7 +413,7 @@
           <a:p>
             <a:fld id="{F96D367F-7370-4214-86FB-91D90BAC4FAD}" type="datetimeFigureOut">
               <a:rPr lang="fr-FR" smtClean="0"/>
-              <a:t>17/11/2020</a:t>
+              <a:t>18/11/2020</a:t>
             </a:fld>
             <a:endParaRPr lang="fr-FR"/>
           </a:p>
@@ -593,7 +593,7 @@
           <a:p>
             <a:fld id="{F96D367F-7370-4214-86FB-91D90BAC4FAD}" type="datetimeFigureOut">
               <a:rPr lang="fr-FR" smtClean="0"/>
-              <a:t>17/11/2020</a:t>
+              <a:t>18/11/2020</a:t>
             </a:fld>
             <a:endParaRPr lang="fr-FR"/>
           </a:p>
@@ -763,7 +763,7 @@
           <a:p>
             <a:fld id="{F96D367F-7370-4214-86FB-91D90BAC4FAD}" type="datetimeFigureOut">
               <a:rPr lang="fr-FR" smtClean="0"/>
-              <a:t>17/11/2020</a:t>
+              <a:t>18/11/2020</a:t>
             </a:fld>
             <a:endParaRPr lang="fr-FR"/>
           </a:p>
@@ -1007,7 +1007,7 @@
           <a:p>
             <a:fld id="{F96D367F-7370-4214-86FB-91D90BAC4FAD}" type="datetimeFigureOut">
               <a:rPr lang="fr-FR" smtClean="0"/>
-              <a:t>17/11/2020</a:t>
+              <a:t>18/11/2020</a:t>
             </a:fld>
             <a:endParaRPr lang="fr-FR"/>
           </a:p>
@@ -1239,7 +1239,7 @@
           <a:p>
             <a:fld id="{F96D367F-7370-4214-86FB-91D90BAC4FAD}" type="datetimeFigureOut">
               <a:rPr lang="fr-FR" smtClean="0"/>
-              <a:t>17/11/2020</a:t>
+              <a:t>18/11/2020</a:t>
             </a:fld>
             <a:endParaRPr lang="fr-FR"/>
           </a:p>
@@ -1606,7 +1606,7 @@
           <a:p>
             <a:fld id="{F96D367F-7370-4214-86FB-91D90BAC4FAD}" type="datetimeFigureOut">
               <a:rPr lang="fr-FR" smtClean="0"/>
-              <a:t>17/11/2020</a:t>
+              <a:t>18/11/2020</a:t>
             </a:fld>
             <a:endParaRPr lang="fr-FR"/>
           </a:p>
@@ -1724,7 +1724,7 @@
           <a:p>
             <a:fld id="{F96D367F-7370-4214-86FB-91D90BAC4FAD}" type="datetimeFigureOut">
               <a:rPr lang="fr-FR" smtClean="0"/>
-              <a:t>17/11/2020</a:t>
+              <a:t>18/11/2020</a:t>
             </a:fld>
             <a:endParaRPr lang="fr-FR"/>
           </a:p>
@@ -1819,7 +1819,7 @@
           <a:p>
             <a:fld id="{F96D367F-7370-4214-86FB-91D90BAC4FAD}" type="datetimeFigureOut">
               <a:rPr lang="fr-FR" smtClean="0"/>
-              <a:t>17/11/2020</a:t>
+              <a:t>18/11/2020</a:t>
             </a:fld>
             <a:endParaRPr lang="fr-FR"/>
           </a:p>
@@ -2096,7 +2096,7 @@
           <a:p>
             <a:fld id="{F96D367F-7370-4214-86FB-91D90BAC4FAD}" type="datetimeFigureOut">
               <a:rPr lang="fr-FR" smtClean="0"/>
-              <a:t>17/11/2020</a:t>
+              <a:t>18/11/2020</a:t>
             </a:fld>
             <a:endParaRPr lang="fr-FR"/>
           </a:p>
@@ -2353,7 +2353,7 @@
           <a:p>
             <a:fld id="{F96D367F-7370-4214-86FB-91D90BAC4FAD}" type="datetimeFigureOut">
               <a:rPr lang="fr-FR" smtClean="0"/>
-              <a:t>17/11/2020</a:t>
+              <a:t>18/11/2020</a:t>
             </a:fld>
             <a:endParaRPr lang="fr-FR"/>
           </a:p>
@@ -2566,7 +2566,7 @@
           <a:p>
             <a:fld id="{F96D367F-7370-4214-86FB-91D90BAC4FAD}" type="datetimeFigureOut">
               <a:rPr lang="fr-FR" smtClean="0"/>
-              <a:t>17/11/2020</a:t>
+              <a:t>18/11/2020</a:t>
             </a:fld>
             <a:endParaRPr lang="fr-FR"/>
           </a:p>
@@ -9565,7 +9565,7 @@
         </p:nvSpPr>
         <p:spPr>
           <a:xfrm>
-            <a:off x="23752003" y="20655087"/>
+            <a:off x="24140883" y="20629372"/>
             <a:ext cx="1484002" cy="230832"/>
           </a:xfrm>
           <a:prstGeom prst="rect">
@@ -13400,7 +13400,7 @@
         </p:nvSpPr>
         <p:spPr>
           <a:xfrm>
-            <a:off x="24023886" y="21593732"/>
+            <a:off x="24210534" y="21498926"/>
             <a:ext cx="1484002" cy="230832"/>
           </a:xfrm>
           <a:prstGeom prst="rect">
@@ -13506,7 +13506,7 @@
         </p:nvSpPr>
         <p:spPr>
           <a:xfrm>
-            <a:off x="27607190" y="21583278"/>
+            <a:off x="27262943" y="21493189"/>
             <a:ext cx="1484002" cy="230832"/>
           </a:xfrm>
           <a:prstGeom prst="rect">
@@ -13525,7 +13525,7 @@
               <a:rPr lang="fr-FR" sz="900" i="1" dirty="0">
                 <a:latin typeface="Gill Sans Nova" panose="020B0602020104020203" pitchFamily="34" charset="0"/>
               </a:rPr>
-              <a:t>P145 </a:t>
+              <a:t>P146 </a:t>
             </a:r>
             <a:r>
               <a:rPr lang="fr-FR" sz="900" i="1" dirty="0" err="1">
@@ -13702,15 +13702,15 @@
             </a:extLst>
           </p:cNvPr>
           <p:cNvCxnSpPr>
-            <a:stCxn id="896" idx="3"/>
-            <a:endCxn id="1726" idx="1"/>
+            <a:cxnSpLocks/>
+            <a:endCxn id="896" idx="3"/>
           </p:cNvCxnSpPr>
           <p:nvPr/>
         </p:nvCxnSpPr>
         <p:spPr>
-          <a:xfrm>
-            <a:off x="23995765" y="20884175"/>
-            <a:ext cx="1849321" cy="160839"/>
+          <a:xfrm flipH="1" flipV="1">
+            <a:off x="23995762" y="20884175"/>
+            <a:ext cx="1841786" cy="161211"/>
           </a:xfrm>
           <a:prstGeom prst="straightConnector1">
             <a:avLst/>
@@ -13786,14 +13786,15 @@
             </a:extLst>
           </p:cNvPr>
           <p:cNvCxnSpPr>
-            <a:stCxn id="896" idx="3"/>
-            <a:endCxn id="1728" idx="1"/>
+            <a:cxnSpLocks/>
+            <a:stCxn id="1728" idx="1"/>
+            <a:endCxn id="896" idx="3"/>
           </p:cNvCxnSpPr>
           <p:nvPr/>
         </p:nvCxnSpPr>
         <p:spPr>
-          <a:xfrm>
-            <a:off x="23995762" y="20884172"/>
+          <a:xfrm flipH="1" flipV="1">
+            <a:off x="23995762" y="20884175"/>
             <a:ext cx="1857952" cy="831648"/>
           </a:xfrm>
           <a:prstGeom prst="straightConnector1">

--- a/modélisation/mercure-galant-thésaurus-ancien-régime/Modélisation.pptx
+++ b/modélisation/mercure-galant-thésaurus-ancien-régime/Modélisation.pptx
@@ -3276,10 +3276,10 @@
       </p:sp>
       <p:sp>
         <p:nvSpPr>
-          <p:cNvPr id="843" name="Rectangle : coins arrondis 842">
-            <a:extLst>
-              <a:ext uri="{FF2B5EF4-FFF2-40B4-BE49-F238E27FC236}">
-                <a16:creationId xmlns:a16="http://schemas.microsoft.com/office/drawing/2014/main" id="{4FFCDB26-39A4-4A2E-A976-A953BA74760C}"/>
+          <p:cNvPr id="845" name="Rectangle : coins arrondis 844">
+            <a:extLst>
+              <a:ext uri="{FF2B5EF4-FFF2-40B4-BE49-F238E27FC236}">
+                <a16:creationId xmlns:a16="http://schemas.microsoft.com/office/drawing/2014/main" id="{C9CE794A-87A0-4373-AF28-DAA4A5B388EA}"/>
               </a:ext>
             </a:extLst>
           </p:cNvPr>
@@ -3288,14 +3288,14 @@
         </p:nvSpPr>
         <p:spPr>
           <a:xfrm>
-            <a:off x="10748067" y="10355965"/>
-            <a:ext cx="1159029" cy="563924"/>
+            <a:off x="13378155" y="11557727"/>
+            <a:ext cx="1052046" cy="656948"/>
           </a:xfrm>
           <a:prstGeom prst="roundRect">
             <a:avLst/>
           </a:prstGeom>
           <a:solidFill>
-            <a:srgbClr val="E0EBC3"/>
+            <a:srgbClr val="D5EAC8"/>
           </a:solidFill>
           <a:ln w="12700">
             <a:noFill/>
@@ -3327,35 +3327,35 @@
                 </a:solidFill>
                 <a:latin typeface="Gill Sans Nova" panose="020B0602020104020203" pitchFamily="34" charset="0"/>
               </a:rPr>
-              <a:t>E62 String</a:t>
-            </a:r>
-          </a:p>
-          <a:p>
-            <a:pPr algn="ctr"/>
-            <a:r>
-              <a:rPr lang="fr-FR" sz="900" i="1" dirty="0" err="1">
+              <a:t>E13 </a:t>
+            </a:r>
+            <a:r>
+              <a:rPr lang="fr-FR" sz="900" dirty="0" err="1">
                 <a:solidFill>
                   <a:schemeClr val="tx1"/>
                 </a:solidFill>
                 <a:latin typeface="Gill Sans Nova" panose="020B0602020104020203" pitchFamily="34" charset="0"/>
               </a:rPr>
-              <a:t>xsd:DateTime</a:t>
-            </a:r>
-            <a:endParaRPr lang="fr-FR" sz="900" i="1" dirty="0">
-              <a:solidFill>
-                <a:schemeClr val="tx1"/>
-              </a:solidFill>
-              <a:latin typeface="Gill Sans Nova" panose="020B0602020104020203" pitchFamily="34" charset="0"/>
-            </a:endParaRPr>
-          </a:p>
-        </p:txBody>
-      </p:sp>
-      <p:sp>
-        <p:nvSpPr>
-          <p:cNvPr id="844" name="Rectangle : coins arrondis 843">
-            <a:extLst>
-              <a:ext uri="{FF2B5EF4-FFF2-40B4-BE49-F238E27FC236}">
-                <a16:creationId xmlns:a16="http://schemas.microsoft.com/office/drawing/2014/main" id="{94A75E81-4DCE-4606-8091-BC8DAF7A5555}"/>
+              <a:t>Attribute</a:t>
+            </a:r>
+            <a:r>
+              <a:rPr lang="fr-FR" sz="900" dirty="0">
+                <a:solidFill>
+                  <a:schemeClr val="tx1"/>
+                </a:solidFill>
+                <a:latin typeface="Gill Sans Nova" panose="020B0602020104020203" pitchFamily="34" charset="0"/>
+              </a:rPr>
+              <a:t> Assignement</a:t>
+            </a:r>
+          </a:p>
+        </p:txBody>
+      </p:sp>
+      <p:sp>
+        <p:nvSpPr>
+          <p:cNvPr id="846" name="Rectangle : coins arrondis 845">
+            <a:extLst>
+              <a:ext uri="{FF2B5EF4-FFF2-40B4-BE49-F238E27FC236}">
+                <a16:creationId xmlns:a16="http://schemas.microsoft.com/office/drawing/2014/main" id="{9F6913E8-5922-4284-B4F7-CA2A57348BFC}"/>
               </a:ext>
             </a:extLst>
           </p:cNvPr>
@@ -3364,17 +3364,14 @@
         </p:nvSpPr>
         <p:spPr>
           <a:xfrm>
-            <a:off x="13324661" y="10401952"/>
-            <a:ext cx="1159028" cy="458655"/>
+            <a:off x="11028373" y="11604240"/>
+            <a:ext cx="976814" cy="563922"/>
           </a:xfrm>
           <a:prstGeom prst="roundRect">
             <a:avLst/>
           </a:prstGeom>
           <a:solidFill>
-            <a:schemeClr val="accent6">
-              <a:lumMod val="40000"/>
-              <a:lumOff val="60000"/>
-            </a:schemeClr>
+            <a:srgbClr val="FFC48F"/>
           </a:solidFill>
           <a:ln w="12700">
             <a:noFill/>
@@ -3406,17 +3403,205 @@
                 </a:solidFill>
                 <a:latin typeface="Gill Sans Nova" panose="020B0602020104020203" pitchFamily="34" charset="0"/>
               </a:rPr>
-              <a:t>E52 Time-Span</a:t>
-            </a:r>
-          </a:p>
-        </p:txBody>
-      </p:sp>
-      <p:sp>
-        <p:nvSpPr>
-          <p:cNvPr id="845" name="Rectangle : coins arrondis 844">
-            <a:extLst>
-              <a:ext uri="{FF2B5EF4-FFF2-40B4-BE49-F238E27FC236}">
-                <a16:creationId xmlns:a16="http://schemas.microsoft.com/office/drawing/2014/main" id="{C9CE794A-87A0-4373-AF28-DAA4A5B388EA}"/>
+              <a:t>E39 Actor</a:t>
+            </a:r>
+          </a:p>
+          <a:p>
+            <a:pPr algn="ctr"/>
+            <a:r>
+              <a:rPr lang="fr-FR" sz="900" i="1" dirty="0">
+                <a:solidFill>
+                  <a:schemeClr val="tx1"/>
+                </a:solidFill>
+                <a:latin typeface="Gill Sans Nova" panose="020B0602020104020203" pitchFamily="34" charset="0"/>
+              </a:rPr>
+              <a:t>Annotatrice n°1</a:t>
+            </a:r>
+          </a:p>
+        </p:txBody>
+      </p:sp>
+      <p:cxnSp>
+        <p:nvCxnSpPr>
+          <p:cNvPr id="847" name="Connecteur droit avec flèche 846">
+            <a:extLst>
+              <a:ext uri="{FF2B5EF4-FFF2-40B4-BE49-F238E27FC236}">
+                <a16:creationId xmlns:a16="http://schemas.microsoft.com/office/drawing/2014/main" id="{8B4D7560-A1C0-417C-A459-EEFD2375075F}"/>
+              </a:ext>
+            </a:extLst>
+          </p:cNvPr>
+          <p:cNvCxnSpPr>
+            <a:cxnSpLocks/>
+            <a:stCxn id="845" idx="1"/>
+            <a:endCxn id="846" idx="3"/>
+          </p:cNvCxnSpPr>
+          <p:nvPr/>
+        </p:nvCxnSpPr>
+        <p:spPr>
+          <a:xfrm flipH="1">
+            <a:off x="12005187" y="11886201"/>
+            <a:ext cx="1372968" cy="0"/>
+          </a:xfrm>
+          <a:prstGeom prst="straightConnector1">
+            <a:avLst/>
+          </a:prstGeom>
+          <a:ln>
+            <a:tailEnd type="triangle"/>
+          </a:ln>
+        </p:spPr>
+        <p:style>
+          <a:lnRef idx="1">
+            <a:schemeClr val="dk1"/>
+          </a:lnRef>
+          <a:fillRef idx="0">
+            <a:schemeClr val="dk1"/>
+          </a:fillRef>
+          <a:effectRef idx="0">
+            <a:schemeClr val="dk1"/>
+          </a:effectRef>
+          <a:fontRef idx="minor">
+            <a:schemeClr val="tx1"/>
+          </a:fontRef>
+        </p:style>
+      </p:cxnSp>
+      <p:sp>
+        <p:nvSpPr>
+          <p:cNvPr id="848" name="ZoneTexte 847">
+            <a:extLst>
+              <a:ext uri="{FF2B5EF4-FFF2-40B4-BE49-F238E27FC236}">
+                <a16:creationId xmlns:a16="http://schemas.microsoft.com/office/drawing/2014/main" id="{C460D1CA-2D01-43EA-BB23-639F8A2E2902}"/>
+              </a:ext>
+            </a:extLst>
+          </p:cNvPr>
+          <p:cNvSpPr txBox="1"/>
+          <p:nvPr/>
+        </p:nvSpPr>
+        <p:spPr>
+          <a:xfrm>
+            <a:off x="12097403" y="11655369"/>
+            <a:ext cx="1156233" cy="230832"/>
+          </a:xfrm>
+          <a:prstGeom prst="rect">
+            <a:avLst/>
+          </a:prstGeom>
+          <a:noFill/>
+        </p:spPr>
+        <p:txBody>
+          <a:bodyPr wrap="square" rtlCol="0">
+            <a:spAutoFit/>
+          </a:bodyPr>
+          <a:lstStyle/>
+          <a:p>
+            <a:pPr algn="ctr"/>
+            <a:r>
+              <a:rPr lang="fr-FR" sz="900" i="1" dirty="0">
+                <a:latin typeface="Gill Sans Nova" panose="020B0602020104020203" pitchFamily="34" charset="0"/>
+              </a:rPr>
+              <a:t>P14 </a:t>
+            </a:r>
+            <a:r>
+              <a:rPr lang="fr-FR" sz="900" i="1" dirty="0" err="1">
+                <a:latin typeface="Gill Sans Nova" panose="020B0602020104020203" pitchFamily="34" charset="0"/>
+              </a:rPr>
+              <a:t>carried</a:t>
+            </a:r>
+            <a:r>
+              <a:rPr lang="fr-FR" sz="900" i="1" dirty="0">
+                <a:latin typeface="Gill Sans Nova" panose="020B0602020104020203" pitchFamily="34" charset="0"/>
+              </a:rPr>
+              <a:t> out by</a:t>
+            </a:r>
+          </a:p>
+        </p:txBody>
+      </p:sp>
+      <p:cxnSp>
+        <p:nvCxnSpPr>
+          <p:cNvPr id="849" name="Connecteur droit avec flèche 848">
+            <a:extLst>
+              <a:ext uri="{FF2B5EF4-FFF2-40B4-BE49-F238E27FC236}">
+                <a16:creationId xmlns:a16="http://schemas.microsoft.com/office/drawing/2014/main" id="{43784783-02F0-485B-99B0-B948A4A1C47B}"/>
+              </a:ext>
+            </a:extLst>
+          </p:cNvPr>
+          <p:cNvCxnSpPr>
+            <a:cxnSpLocks/>
+            <a:stCxn id="845" idx="0"/>
+          </p:cNvCxnSpPr>
+          <p:nvPr/>
+        </p:nvCxnSpPr>
+        <p:spPr>
+          <a:xfrm flipH="1" flipV="1">
+            <a:off x="13904175" y="10860611"/>
+            <a:ext cx="2" cy="697127"/>
+          </a:xfrm>
+          <a:prstGeom prst="straightConnector1">
+            <a:avLst/>
+          </a:prstGeom>
+          <a:ln>
+            <a:tailEnd type="triangle"/>
+          </a:ln>
+        </p:spPr>
+        <p:style>
+          <a:lnRef idx="1">
+            <a:schemeClr val="dk1"/>
+          </a:lnRef>
+          <a:fillRef idx="0">
+            <a:schemeClr val="dk1"/>
+          </a:fillRef>
+          <a:effectRef idx="0">
+            <a:schemeClr val="dk1"/>
+          </a:effectRef>
+          <a:fontRef idx="minor">
+            <a:schemeClr val="tx1"/>
+          </a:fontRef>
+        </p:style>
+      </p:cxnSp>
+      <p:sp>
+        <p:nvSpPr>
+          <p:cNvPr id="850" name="ZoneTexte 849">
+            <a:extLst>
+              <a:ext uri="{FF2B5EF4-FFF2-40B4-BE49-F238E27FC236}">
+                <a16:creationId xmlns:a16="http://schemas.microsoft.com/office/drawing/2014/main" id="{25E94776-BB7F-4F75-95EE-27907C7B31AE}"/>
+              </a:ext>
+            </a:extLst>
+          </p:cNvPr>
+          <p:cNvSpPr txBox="1"/>
+          <p:nvPr/>
+        </p:nvSpPr>
+        <p:spPr>
+          <a:xfrm>
+            <a:off x="13904177" y="11118603"/>
+            <a:ext cx="976814" cy="230832"/>
+          </a:xfrm>
+          <a:prstGeom prst="rect">
+            <a:avLst/>
+          </a:prstGeom>
+          <a:noFill/>
+        </p:spPr>
+        <p:txBody>
+          <a:bodyPr wrap="square" rtlCol="0">
+            <a:spAutoFit/>
+          </a:bodyPr>
+          <a:lstStyle/>
+          <a:p>
+            <a:pPr algn="ctr"/>
+            <a:r>
+              <a:rPr lang="fr-FR" sz="900" i="1" dirty="0" err="1">
+                <a:latin typeface="Gill Sans Nova" panose="020B0602020104020203" pitchFamily="34" charset="0"/>
+              </a:rPr>
+              <a:t>dcterms:created</a:t>
+            </a:r>
+            <a:endParaRPr lang="fr-FR" sz="900" i="1" dirty="0">
+              <a:latin typeface="Gill Sans Nova" panose="020B0602020104020203" pitchFamily="34" charset="0"/>
+            </a:endParaRPr>
+          </a:p>
+        </p:txBody>
+      </p:sp>
+      <p:sp>
+        <p:nvSpPr>
+          <p:cNvPr id="851" name="Rectangle : coins arrondis 850">
+            <a:extLst>
+              <a:ext uri="{FF2B5EF4-FFF2-40B4-BE49-F238E27FC236}">
+                <a16:creationId xmlns:a16="http://schemas.microsoft.com/office/drawing/2014/main" id="{524BFE27-106C-4B8C-B86A-B2879DBBEC5A}"/>
               </a:ext>
             </a:extLst>
           </p:cNvPr>
@@ -3425,14 +3610,14 @@
         </p:nvSpPr>
         <p:spPr>
           <a:xfrm>
-            <a:off x="13378155" y="11557727"/>
-            <a:ext cx="1052046" cy="656948"/>
+            <a:off x="16068808" y="11514287"/>
+            <a:ext cx="1052047" cy="706334"/>
           </a:xfrm>
           <a:prstGeom prst="roundRect">
             <a:avLst/>
           </a:prstGeom>
           <a:solidFill>
-            <a:srgbClr val="D5EAC8"/>
+            <a:srgbClr val="E2E9F6"/>
           </a:solidFill>
           <a:ln w="12700">
             <a:noFill/>
@@ -3464,7 +3649,7 @@
                 </a:solidFill>
                 <a:latin typeface="Gill Sans Nova" panose="020B0602020104020203" pitchFamily="34" charset="0"/>
               </a:rPr>
-              <a:t>E13 </a:t>
+              <a:t>E33 </a:t>
             </a:r>
             <a:r>
               <a:rPr lang="fr-FR" sz="900" dirty="0" err="1">
@@ -3473,7 +3658,7 @@
                 </a:solidFill>
                 <a:latin typeface="Gill Sans Nova" panose="020B0602020104020203" pitchFamily="34" charset="0"/>
               </a:rPr>
-              <a:t>Attribute</a:t>
+              <a:t>Linguistic</a:t>
             </a:r>
             <a:r>
               <a:rPr lang="fr-FR" sz="900" dirty="0">
@@ -3482,17 +3667,155 @@
                 </a:solidFill>
                 <a:latin typeface="Gill Sans Nova" panose="020B0602020104020203" pitchFamily="34" charset="0"/>
               </a:rPr>
-              <a:t> Assignement</a:t>
-            </a:r>
-          </a:p>
-        </p:txBody>
-      </p:sp>
-      <p:sp>
-        <p:nvSpPr>
-          <p:cNvPr id="846" name="Rectangle : coins arrondis 845">
-            <a:extLst>
-              <a:ext uri="{FF2B5EF4-FFF2-40B4-BE49-F238E27FC236}">
-                <a16:creationId xmlns:a16="http://schemas.microsoft.com/office/drawing/2014/main" id="{9F6913E8-5922-4284-B4F7-CA2A57348BFC}"/>
+              <a:t> Object</a:t>
+            </a:r>
+          </a:p>
+          <a:p>
+            <a:pPr algn="ctr"/>
+            <a:r>
+              <a:rPr lang="fr-FR" sz="900" i="1" dirty="0">
+                <a:solidFill>
+                  <a:schemeClr val="tx1"/>
+                </a:solidFill>
+                <a:latin typeface="Gill Sans Nova" panose="020B0602020104020203" pitchFamily="34" charset="0"/>
+              </a:rPr>
+              <a:t>(« </a:t>
+            </a:r>
+            <a:r>
+              <a:rPr lang="fr-FR" sz="900" i="1" dirty="0"/>
+              <a:t>L’</a:t>
+            </a:r>
+            <a:r>
+              <a:rPr lang="fr-FR" sz="900" i="1" dirty="0" err="1"/>
+              <a:t>Autheur</a:t>
+            </a:r>
+            <a:r>
+              <a:rPr lang="fr-FR" sz="900" i="1" dirty="0"/>
+              <a:t> </a:t>
+            </a:r>
+            <a:r>
+              <a:rPr lang="fr-FR" sz="900" i="1" dirty="0">
+                <a:solidFill>
+                  <a:schemeClr val="tx1"/>
+                </a:solidFill>
+                <a:latin typeface="Gill Sans Nova" panose="020B0602020104020203" pitchFamily="34" charset="0"/>
+              </a:rPr>
+              <a:t>»)</a:t>
+            </a:r>
+          </a:p>
+        </p:txBody>
+      </p:sp>
+      <p:cxnSp>
+        <p:nvCxnSpPr>
+          <p:cNvPr id="852" name="Connecteur droit avec flèche 851">
+            <a:extLst>
+              <a:ext uri="{FF2B5EF4-FFF2-40B4-BE49-F238E27FC236}">
+                <a16:creationId xmlns:a16="http://schemas.microsoft.com/office/drawing/2014/main" id="{79D3AC0B-2D0A-485D-9764-870D493D630F}"/>
+              </a:ext>
+            </a:extLst>
+          </p:cNvPr>
+          <p:cNvCxnSpPr>
+            <a:cxnSpLocks/>
+            <a:stCxn id="845" idx="3"/>
+            <a:endCxn id="851" idx="1"/>
+          </p:cNvCxnSpPr>
+          <p:nvPr/>
+        </p:nvCxnSpPr>
+        <p:spPr>
+          <a:xfrm flipV="1">
+            <a:off x="14430200" y="11867458"/>
+            <a:ext cx="1638596" cy="18751"/>
+          </a:xfrm>
+          <a:prstGeom prst="straightConnector1">
+            <a:avLst/>
+          </a:prstGeom>
+          <a:ln>
+            <a:tailEnd type="triangle"/>
+          </a:ln>
+        </p:spPr>
+        <p:style>
+          <a:lnRef idx="1">
+            <a:schemeClr val="dk1"/>
+          </a:lnRef>
+          <a:fillRef idx="0">
+            <a:schemeClr val="dk1"/>
+          </a:fillRef>
+          <a:effectRef idx="0">
+            <a:schemeClr val="dk1"/>
+          </a:effectRef>
+          <a:fontRef idx="minor">
+            <a:schemeClr val="tx1"/>
+          </a:fontRef>
+        </p:style>
+      </p:cxnSp>
+      <p:sp>
+        <p:nvSpPr>
+          <p:cNvPr id="853" name="ZoneTexte 852">
+            <a:extLst>
+              <a:ext uri="{FF2B5EF4-FFF2-40B4-BE49-F238E27FC236}">
+                <a16:creationId xmlns:a16="http://schemas.microsoft.com/office/drawing/2014/main" id="{18D20BD6-00BA-4F81-A1BC-7B3FC98090C6}"/>
+              </a:ext>
+            </a:extLst>
+          </p:cNvPr>
+          <p:cNvSpPr txBox="1"/>
+          <p:nvPr/>
+        </p:nvSpPr>
+        <p:spPr>
+          <a:xfrm>
+            <a:off x="14514740" y="11631340"/>
+            <a:ext cx="1398361" cy="230832"/>
+          </a:xfrm>
+          <a:prstGeom prst="rect">
+            <a:avLst/>
+          </a:prstGeom>
+          <a:noFill/>
+        </p:spPr>
+        <p:txBody>
+          <a:bodyPr wrap="square" rtlCol="0">
+            <a:spAutoFit/>
+          </a:bodyPr>
+          <a:lstStyle/>
+          <a:p>
+            <a:pPr algn="ctr"/>
+            <a:r>
+              <a:rPr lang="fr-FR" sz="900" i="1" dirty="0">
+                <a:latin typeface="Gill Sans Nova" panose="020B0602020104020203" pitchFamily="34" charset="0"/>
+              </a:rPr>
+              <a:t>P140 </a:t>
+            </a:r>
+            <a:r>
+              <a:rPr lang="fr-FR" sz="900" i="1" dirty="0" err="1">
+                <a:latin typeface="Gill Sans Nova" panose="020B0602020104020203" pitchFamily="34" charset="0"/>
+              </a:rPr>
+              <a:t>assigned</a:t>
+            </a:r>
+            <a:r>
+              <a:rPr lang="fr-FR" sz="900" i="1" dirty="0">
+                <a:latin typeface="Gill Sans Nova" panose="020B0602020104020203" pitchFamily="34" charset="0"/>
+              </a:rPr>
+              <a:t> </a:t>
+            </a:r>
+            <a:r>
+              <a:rPr lang="fr-FR" sz="900" i="1" dirty="0" err="1">
+                <a:latin typeface="Gill Sans Nova" panose="020B0602020104020203" pitchFamily="34" charset="0"/>
+              </a:rPr>
+              <a:t>attribute</a:t>
+            </a:r>
+            <a:r>
+              <a:rPr lang="fr-FR" sz="900" i="1" dirty="0">
+                <a:latin typeface="Gill Sans Nova" panose="020B0602020104020203" pitchFamily="34" charset="0"/>
+              </a:rPr>
+              <a:t> to</a:t>
+            </a:r>
+          </a:p>
+        </p:txBody>
+      </p:sp>
+      <p:sp>
+        <p:nvSpPr>
+          <p:cNvPr id="854" name="Rectangle : coins arrondis 853">
+            <a:extLst>
+              <a:ext uri="{FF2B5EF4-FFF2-40B4-BE49-F238E27FC236}">
+                <a16:creationId xmlns:a16="http://schemas.microsoft.com/office/drawing/2014/main" id="{4D29A575-9DFB-4069-8BF7-F038E2C5069C}"/>
               </a:ext>
             </a:extLst>
           </p:cNvPr>
@@ -3501,14 +3824,14 @@
         </p:nvSpPr>
         <p:spPr>
           <a:xfrm>
-            <a:off x="11028373" y="11604240"/>
-            <a:ext cx="976814" cy="563922"/>
+            <a:off x="13867744" y="13706847"/>
+            <a:ext cx="935536" cy="378205"/>
           </a:xfrm>
           <a:prstGeom prst="roundRect">
             <a:avLst/>
           </a:prstGeom>
           <a:solidFill>
-            <a:srgbClr val="FFC48F"/>
+            <a:srgbClr val="F6CACA"/>
           </a:solidFill>
           <a:ln w="12700">
             <a:noFill/>
@@ -3534,17 +3857,23 @@
           <a:p>
             <a:pPr algn="ctr"/>
             <a:r>
-              <a:rPr lang="fr-FR" sz="900" dirty="0">
+              <a:rPr lang="fr-FR" sz="900" i="1" dirty="0">
                 <a:solidFill>
                   <a:schemeClr val="tx1"/>
                 </a:solidFill>
                 <a:latin typeface="Gill Sans Nova" panose="020B0602020104020203" pitchFamily="34" charset="0"/>
               </a:rPr>
-              <a:t>E39 Actor</a:t>
-            </a:r>
-          </a:p>
-          <a:p>
-            <a:pPr algn="ctr"/>
+              <a:t>P67 </a:t>
+            </a:r>
+            <a:r>
+              <a:rPr lang="fr-FR" sz="900" i="1" dirty="0" err="1">
+                <a:solidFill>
+                  <a:schemeClr val="tx1"/>
+                </a:solidFill>
+                <a:latin typeface="Gill Sans Nova" panose="020B0602020104020203" pitchFamily="34" charset="0"/>
+              </a:rPr>
+              <a:t>refers</a:t>
+            </a:r>
             <a:r>
               <a:rPr lang="fr-FR" sz="900" i="1" dirty="0">
                 <a:solidFill>
@@ -3552,60 +3881,17 @@
                 </a:solidFill>
                 <a:latin typeface="Gill Sans Nova" panose="020B0602020104020203" pitchFamily="34" charset="0"/>
               </a:rPr>
-              <a:t>Annotatrice n°1</a:t>
-            </a:r>
-          </a:p>
-        </p:txBody>
-      </p:sp>
-      <p:cxnSp>
-        <p:nvCxnSpPr>
-          <p:cNvPr id="847" name="Connecteur droit avec flèche 846">
-            <a:extLst>
-              <a:ext uri="{FF2B5EF4-FFF2-40B4-BE49-F238E27FC236}">
-                <a16:creationId xmlns:a16="http://schemas.microsoft.com/office/drawing/2014/main" id="{8B4D7560-A1C0-417C-A459-EEFD2375075F}"/>
-              </a:ext>
-            </a:extLst>
-          </p:cNvPr>
-          <p:cNvCxnSpPr>
-            <a:cxnSpLocks/>
-            <a:stCxn id="845" idx="1"/>
-            <a:endCxn id="846" idx="3"/>
-          </p:cNvCxnSpPr>
-          <p:nvPr/>
-        </p:nvCxnSpPr>
-        <p:spPr>
-          <a:xfrm flipH="1">
-            <a:off x="12005187" y="11886201"/>
-            <a:ext cx="1372968" cy="0"/>
-          </a:xfrm>
-          <a:prstGeom prst="straightConnector1">
-            <a:avLst/>
-          </a:prstGeom>
-          <a:ln>
-            <a:tailEnd type="triangle"/>
-          </a:ln>
-        </p:spPr>
-        <p:style>
-          <a:lnRef idx="1">
-            <a:schemeClr val="dk1"/>
-          </a:lnRef>
-          <a:fillRef idx="0">
-            <a:schemeClr val="dk1"/>
-          </a:fillRef>
-          <a:effectRef idx="0">
-            <a:schemeClr val="dk1"/>
-          </a:effectRef>
-          <a:fontRef idx="minor">
-            <a:schemeClr val="tx1"/>
-          </a:fontRef>
-        </p:style>
-      </p:cxnSp>
-      <p:sp>
-        <p:nvSpPr>
-          <p:cNvPr id="848" name="ZoneTexte 847">
-            <a:extLst>
-              <a:ext uri="{FF2B5EF4-FFF2-40B4-BE49-F238E27FC236}">
-                <a16:creationId xmlns:a16="http://schemas.microsoft.com/office/drawing/2014/main" id="{C460D1CA-2D01-43EA-BB23-639F8A2E2902}"/>
+              <a:t> to</a:t>
+            </a:r>
+          </a:p>
+        </p:txBody>
+      </p:sp>
+      <p:sp>
+        <p:nvSpPr>
+          <p:cNvPr id="855" name="ZoneTexte 854">
+            <a:extLst>
+              <a:ext uri="{FF2B5EF4-FFF2-40B4-BE49-F238E27FC236}">
+                <a16:creationId xmlns:a16="http://schemas.microsoft.com/office/drawing/2014/main" id="{F3E89FF2-7A35-4F1F-B525-13B4A7E9FDA5}"/>
               </a:ext>
             </a:extLst>
           </p:cNvPr>
@@ -3614,8 +3900,8 @@
         </p:nvSpPr>
         <p:spPr>
           <a:xfrm>
-            <a:off x="12097403" y="11655369"/>
-            <a:ext cx="1156233" cy="230832"/>
+            <a:off x="13382443" y="13095463"/>
+            <a:ext cx="908879" cy="369332"/>
           </a:xfrm>
           <a:prstGeom prst="rect">
             <a:avLst/>
@@ -3633,119 +3919,41 @@
               <a:rPr lang="fr-FR" sz="900" i="1" dirty="0">
                 <a:latin typeface="Gill Sans Nova" panose="020B0602020104020203" pitchFamily="34" charset="0"/>
               </a:rPr>
-              <a:t>P14 </a:t>
+              <a:t>P177 </a:t>
             </a:r>
             <a:r>
               <a:rPr lang="fr-FR" sz="900" i="1" dirty="0" err="1">
                 <a:latin typeface="Gill Sans Nova" panose="020B0602020104020203" pitchFamily="34" charset="0"/>
               </a:rPr>
-              <a:t>carried</a:t>
+              <a:t>assigned</a:t>
             </a:r>
             <a:r>
               <a:rPr lang="fr-FR" sz="900" i="1" dirty="0">
                 <a:latin typeface="Gill Sans Nova" panose="020B0602020104020203" pitchFamily="34" charset="0"/>
               </a:rPr>
-              <a:t> out by</a:t>
-            </a:r>
-          </a:p>
-        </p:txBody>
-      </p:sp>
-      <p:cxnSp>
-        <p:nvCxnSpPr>
-          <p:cNvPr id="849" name="Connecteur droit avec flèche 848">
-            <a:extLst>
-              <a:ext uri="{FF2B5EF4-FFF2-40B4-BE49-F238E27FC236}">
-                <a16:creationId xmlns:a16="http://schemas.microsoft.com/office/drawing/2014/main" id="{43784783-02F0-485B-99B0-B948A4A1C47B}"/>
-              </a:ext>
-            </a:extLst>
-          </p:cNvPr>
-          <p:cNvCxnSpPr>
-            <a:cxnSpLocks/>
-            <a:stCxn id="845" idx="0"/>
-            <a:endCxn id="844" idx="2"/>
-          </p:cNvCxnSpPr>
-          <p:nvPr/>
-        </p:nvCxnSpPr>
-        <p:spPr>
-          <a:xfrm flipH="1" flipV="1">
-            <a:off x="13904175" y="10860611"/>
-            <a:ext cx="2" cy="697127"/>
-          </a:xfrm>
-          <a:prstGeom prst="straightConnector1">
-            <a:avLst/>
-          </a:prstGeom>
-          <a:ln>
-            <a:tailEnd type="triangle"/>
-          </a:ln>
-        </p:spPr>
-        <p:style>
-          <a:lnRef idx="1">
-            <a:schemeClr val="dk1"/>
-          </a:lnRef>
-          <a:fillRef idx="0">
-            <a:schemeClr val="dk1"/>
-          </a:fillRef>
-          <a:effectRef idx="0">
-            <a:schemeClr val="dk1"/>
-          </a:effectRef>
-          <a:fontRef idx="minor">
-            <a:schemeClr val="tx1"/>
-          </a:fontRef>
-        </p:style>
-      </p:cxnSp>
-      <p:sp>
-        <p:nvSpPr>
-          <p:cNvPr id="850" name="ZoneTexte 849">
-            <a:extLst>
-              <a:ext uri="{FF2B5EF4-FFF2-40B4-BE49-F238E27FC236}">
-                <a16:creationId xmlns:a16="http://schemas.microsoft.com/office/drawing/2014/main" id="{25E94776-BB7F-4F75-95EE-27907C7B31AE}"/>
-              </a:ext>
-            </a:extLst>
-          </p:cNvPr>
-          <p:cNvSpPr txBox="1"/>
-          <p:nvPr/>
-        </p:nvSpPr>
-        <p:spPr>
-          <a:xfrm>
-            <a:off x="13904177" y="11118603"/>
-            <a:ext cx="976814" cy="230832"/>
-          </a:xfrm>
-          <a:prstGeom prst="rect">
-            <a:avLst/>
-          </a:prstGeom>
-          <a:noFill/>
-        </p:spPr>
-        <p:txBody>
-          <a:bodyPr wrap="square" rtlCol="0">
-            <a:spAutoFit/>
-          </a:bodyPr>
-          <a:lstStyle/>
-          <a:p>
-            <a:pPr algn="ctr"/>
+              <a:t> </a:t>
+            </a:r>
+            <a:r>
+              <a:rPr lang="fr-FR" sz="900" i="1" dirty="0" err="1">
+                <a:latin typeface="Gill Sans Nova" panose="020B0602020104020203" pitchFamily="34" charset="0"/>
+              </a:rPr>
+              <a:t>property</a:t>
+            </a:r>
             <a:r>
               <a:rPr lang="fr-FR" sz="900" i="1" dirty="0">
                 <a:latin typeface="Gill Sans Nova" panose="020B0602020104020203" pitchFamily="34" charset="0"/>
               </a:rPr>
-              <a:t>P4 has time-</a:t>
-            </a:r>
-            <a:r>
-              <a:rPr lang="fr-FR" sz="900" i="1" dirty="0" err="1">
-                <a:latin typeface="Gill Sans Nova" panose="020B0602020104020203" pitchFamily="34" charset="0"/>
-              </a:rPr>
-              <a:t>span</a:t>
-            </a:r>
-            <a:endParaRPr lang="fr-FR" sz="900" i="1" dirty="0">
-              <a:latin typeface="Gill Sans Nova" panose="020B0602020104020203" pitchFamily="34" charset="0"/>
-            </a:endParaRPr>
-          </a:p>
-        </p:txBody>
-      </p:sp>
-      <p:sp>
-        <p:nvSpPr>
-          <p:cNvPr id="851" name="Rectangle : coins arrondis 850">
-            <a:extLst>
-              <a:ext uri="{FF2B5EF4-FFF2-40B4-BE49-F238E27FC236}">
-                <a16:creationId xmlns:a16="http://schemas.microsoft.com/office/drawing/2014/main" id="{524BFE27-106C-4B8C-B86A-B2879DBBEC5A}"/>
+              <a:t> type</a:t>
+            </a:r>
+          </a:p>
+        </p:txBody>
+      </p:sp>
+      <p:sp>
+        <p:nvSpPr>
+          <p:cNvPr id="856" name="Rectangle : coins arrondis 855">
+            <a:extLst>
+              <a:ext uri="{FF2B5EF4-FFF2-40B4-BE49-F238E27FC236}">
+                <a16:creationId xmlns:a16="http://schemas.microsoft.com/office/drawing/2014/main" id="{B9C892D0-2403-42B4-9860-06F79C534E7A}"/>
               </a:ext>
             </a:extLst>
           </p:cNvPr>
@@ -3754,14 +3962,17 @@
         </p:nvSpPr>
         <p:spPr>
           <a:xfrm>
-            <a:off x="16068808" y="11514287"/>
-            <a:ext cx="1052047" cy="706334"/>
+            <a:off x="11304912" y="13185604"/>
+            <a:ext cx="1023273" cy="490810"/>
           </a:xfrm>
           <a:prstGeom prst="roundRect">
             <a:avLst/>
           </a:prstGeom>
           <a:solidFill>
-            <a:srgbClr val="E2E9F6"/>
+            <a:schemeClr val="accent4">
+              <a:lumMod val="40000"/>
+              <a:lumOff val="60000"/>
+            </a:schemeClr>
           </a:solidFill>
           <a:ln w="12700">
             <a:noFill/>
@@ -3793,111 +4004,17 @@
                 </a:solidFill>
                 <a:latin typeface="Gill Sans Nova" panose="020B0602020104020203" pitchFamily="34" charset="0"/>
               </a:rPr>
-              <a:t>E33 </a:t>
-            </a:r>
-            <a:r>
-              <a:rPr lang="fr-FR" sz="900" dirty="0" err="1">
-                <a:solidFill>
-                  <a:schemeClr val="tx1"/>
-                </a:solidFill>
-                <a:latin typeface="Gill Sans Nova" panose="020B0602020104020203" pitchFamily="34" charset="0"/>
-              </a:rPr>
-              <a:t>Linguistic</a:t>
-            </a:r>
-            <a:r>
-              <a:rPr lang="fr-FR" sz="900" dirty="0">
-                <a:solidFill>
-                  <a:schemeClr val="tx1"/>
-                </a:solidFill>
-                <a:latin typeface="Gill Sans Nova" panose="020B0602020104020203" pitchFamily="34" charset="0"/>
-              </a:rPr>
-              <a:t> Object</a:t>
-            </a:r>
-          </a:p>
-          <a:p>
-            <a:pPr algn="ctr"/>
-            <a:r>
-              <a:rPr lang="fr-FR" sz="900" i="1" dirty="0">
-                <a:solidFill>
-                  <a:schemeClr val="tx1"/>
-                </a:solidFill>
-                <a:latin typeface="Gill Sans Nova" panose="020B0602020104020203" pitchFamily="34" charset="0"/>
-              </a:rPr>
-              <a:t>(« </a:t>
-            </a:r>
-            <a:r>
-              <a:rPr lang="fr-FR" sz="900" i="1" dirty="0"/>
-              <a:t>L’</a:t>
-            </a:r>
-            <a:r>
-              <a:rPr lang="fr-FR" sz="900" i="1" dirty="0" err="1"/>
-              <a:t>Autheur</a:t>
-            </a:r>
-            <a:r>
-              <a:rPr lang="fr-FR" sz="900" i="1" dirty="0"/>
-              <a:t> </a:t>
-            </a:r>
-            <a:r>
-              <a:rPr lang="fr-FR" sz="900" i="1" dirty="0">
-                <a:solidFill>
-                  <a:schemeClr val="tx1"/>
-                </a:solidFill>
-                <a:latin typeface="Gill Sans Nova" panose="020B0602020104020203" pitchFamily="34" charset="0"/>
-              </a:rPr>
-              <a:t>»)</a:t>
-            </a:r>
-          </a:p>
-        </p:txBody>
-      </p:sp>
-      <p:cxnSp>
-        <p:nvCxnSpPr>
-          <p:cNvPr id="852" name="Connecteur droit avec flèche 851">
-            <a:extLst>
-              <a:ext uri="{FF2B5EF4-FFF2-40B4-BE49-F238E27FC236}">
-                <a16:creationId xmlns:a16="http://schemas.microsoft.com/office/drawing/2014/main" id="{79D3AC0B-2D0A-485D-9764-870D493D630F}"/>
-              </a:ext>
-            </a:extLst>
-          </p:cNvPr>
-          <p:cNvCxnSpPr>
-            <a:cxnSpLocks/>
-            <a:stCxn id="845" idx="3"/>
-            <a:endCxn id="851" idx="1"/>
-          </p:cNvCxnSpPr>
-          <p:nvPr/>
-        </p:nvCxnSpPr>
-        <p:spPr>
-          <a:xfrm flipV="1">
-            <a:off x="14430200" y="11867458"/>
-            <a:ext cx="1638596" cy="18751"/>
-          </a:xfrm>
-          <a:prstGeom prst="straightConnector1">
-            <a:avLst/>
-          </a:prstGeom>
-          <a:ln>
-            <a:tailEnd type="triangle"/>
-          </a:ln>
-        </p:spPr>
-        <p:style>
-          <a:lnRef idx="1">
-            <a:schemeClr val="dk1"/>
-          </a:lnRef>
-          <a:fillRef idx="0">
-            <a:schemeClr val="dk1"/>
-          </a:fillRef>
-          <a:effectRef idx="0">
-            <a:schemeClr val="dk1"/>
-          </a:effectRef>
-          <a:fontRef idx="minor">
-            <a:schemeClr val="tx1"/>
-          </a:fontRef>
-        </p:style>
-      </p:cxnSp>
-      <p:sp>
-        <p:nvSpPr>
-          <p:cNvPr id="853" name="ZoneTexte 852">
-            <a:extLst>
-              <a:ext uri="{FF2B5EF4-FFF2-40B4-BE49-F238E27FC236}">
-                <a16:creationId xmlns:a16="http://schemas.microsoft.com/office/drawing/2014/main" id="{18D20BD6-00BA-4F81-A1BC-7B3FC98090C6}"/>
+              <a:t>E21 Person</a:t>
+            </a:r>
+          </a:p>
+        </p:txBody>
+      </p:sp>
+      <p:sp>
+        <p:nvSpPr>
+          <p:cNvPr id="857" name="ZoneTexte 856">
+            <a:extLst>
+              <a:ext uri="{FF2B5EF4-FFF2-40B4-BE49-F238E27FC236}">
+                <a16:creationId xmlns:a16="http://schemas.microsoft.com/office/drawing/2014/main" id="{7DE159BD-3FF7-4C5F-830C-56DDE1451616}"/>
               </a:ext>
             </a:extLst>
           </p:cNvPr>
@@ -3906,8 +4023,8 @@
         </p:nvSpPr>
         <p:spPr>
           <a:xfrm>
-            <a:off x="14514740" y="11631340"/>
-            <a:ext cx="1398361" cy="230832"/>
+            <a:off x="16529818" y="14066754"/>
+            <a:ext cx="873752" cy="230832"/>
           </a:xfrm>
           <a:prstGeom prst="rect">
             <a:avLst/>
@@ -3925,7 +4042,7 @@
               <a:rPr lang="fr-FR" sz="900" i="1" dirty="0">
                 <a:latin typeface="Gill Sans Nova" panose="020B0602020104020203" pitchFamily="34" charset="0"/>
               </a:rPr>
-              <a:t>P140 </a:t>
+              <a:t>P141 </a:t>
             </a:r>
             <a:r>
               <a:rPr lang="fr-FR" sz="900" i="1" dirty="0" err="1">
@@ -3933,33 +4050,56 @@
               </a:rPr>
               <a:t>assigned</a:t>
             </a:r>
-            <a:r>
-              <a:rPr lang="fr-FR" sz="900" i="1" dirty="0">
-                <a:latin typeface="Gill Sans Nova" panose="020B0602020104020203" pitchFamily="34" charset="0"/>
-              </a:rPr>
-              <a:t> </a:t>
-            </a:r>
-            <a:r>
-              <a:rPr lang="fr-FR" sz="900" i="1" dirty="0" err="1">
-                <a:latin typeface="Gill Sans Nova" panose="020B0602020104020203" pitchFamily="34" charset="0"/>
-              </a:rPr>
-              <a:t>attribute</a:t>
-            </a:r>
-            <a:r>
-              <a:rPr lang="fr-FR" sz="900" i="1" dirty="0">
-                <a:latin typeface="Gill Sans Nova" panose="020B0602020104020203" pitchFamily="34" charset="0"/>
-              </a:rPr>
-              <a:t> to</a:t>
-            </a:r>
-          </a:p>
-        </p:txBody>
-      </p:sp>
-      <p:sp>
-        <p:nvSpPr>
-          <p:cNvPr id="854" name="Rectangle : coins arrondis 853">
-            <a:extLst>
-              <a:ext uri="{FF2B5EF4-FFF2-40B4-BE49-F238E27FC236}">
-                <a16:creationId xmlns:a16="http://schemas.microsoft.com/office/drawing/2014/main" id="{4D29A575-9DFB-4069-8BF7-F038E2C5069C}"/>
+            <a:endParaRPr lang="fr-FR" sz="900" i="1" dirty="0">
+              <a:latin typeface="Gill Sans Nova" panose="020B0602020104020203" pitchFamily="34" charset="0"/>
+            </a:endParaRPr>
+          </a:p>
+        </p:txBody>
+      </p:sp>
+      <p:sp>
+        <p:nvSpPr>
+          <p:cNvPr id="858" name="ZoneTexte 857">
+            <a:extLst>
+              <a:ext uri="{FF2B5EF4-FFF2-40B4-BE49-F238E27FC236}">
+                <a16:creationId xmlns:a16="http://schemas.microsoft.com/office/drawing/2014/main" id="{38568342-EA5E-4349-AF1F-0A2D8220E6F4}"/>
+              </a:ext>
+            </a:extLst>
+          </p:cNvPr>
+          <p:cNvSpPr txBox="1"/>
+          <p:nvPr/>
+        </p:nvSpPr>
+        <p:spPr>
+          <a:xfrm>
+            <a:off x="9822271" y="8418120"/>
+            <a:ext cx="3233372" cy="424732"/>
+          </a:xfrm>
+          <a:prstGeom prst="rect">
+            <a:avLst/>
+          </a:prstGeom>
+          <a:noFill/>
+        </p:spPr>
+        <p:txBody>
+          <a:bodyPr wrap="square" rtlCol="0">
+            <a:spAutoFit/>
+          </a:bodyPr>
+          <a:lstStyle/>
+          <a:p>
+            <a:pPr algn="ctr"/>
+            <a:r>
+              <a:rPr lang="fr-FR" sz="2160" dirty="0">
+                <a:latin typeface="Gill Sans Nova" panose="020B0602020104020203" pitchFamily="34" charset="0"/>
+              </a:rPr>
+              <a:t>ESPACE D’ANNOTATION</a:t>
+            </a:r>
+          </a:p>
+        </p:txBody>
+      </p:sp>
+      <p:sp>
+        <p:nvSpPr>
+          <p:cNvPr id="859" name="Rectangle : coins arrondis 858">
+            <a:extLst>
+              <a:ext uri="{FF2B5EF4-FFF2-40B4-BE49-F238E27FC236}">
+                <a16:creationId xmlns:a16="http://schemas.microsoft.com/office/drawing/2014/main" id="{302F5B6A-E1B1-4577-9FDB-568E60409D48}"/>
               </a:ext>
             </a:extLst>
           </p:cNvPr>
@@ -3968,16 +4108,16 @@
         </p:nvSpPr>
         <p:spPr>
           <a:xfrm>
-            <a:off x="13867744" y="13706847"/>
-            <a:ext cx="935536" cy="378205"/>
+            <a:off x="9629255" y="14529744"/>
+            <a:ext cx="1013135" cy="455629"/>
           </a:xfrm>
           <a:prstGeom prst="roundRect">
             <a:avLst/>
           </a:prstGeom>
           <a:solidFill>
-            <a:srgbClr val="F6CACA"/>
+            <a:srgbClr val="F9C3E7"/>
           </a:solidFill>
-          <a:ln w="12700">
+          <a:ln w="38100">
             <a:noFill/>
           </a:ln>
         </p:spPr>
@@ -4001,41 +4141,23 @@
           <a:p>
             <a:pPr algn="ctr"/>
             <a:r>
-              <a:rPr lang="fr-FR" sz="900" i="1" dirty="0">
+              <a:rPr lang="fr-FR" sz="900" dirty="0">
                 <a:solidFill>
                   <a:schemeClr val="tx1"/>
                 </a:solidFill>
                 <a:latin typeface="Gill Sans Nova" panose="020B0602020104020203" pitchFamily="34" charset="0"/>
               </a:rPr>
-              <a:t>P67 </a:t>
-            </a:r>
-            <a:r>
-              <a:rPr lang="fr-FR" sz="900" i="1" dirty="0" err="1">
-                <a:solidFill>
-                  <a:schemeClr val="tx1"/>
-                </a:solidFill>
-                <a:latin typeface="Gill Sans Nova" panose="020B0602020104020203" pitchFamily="34" charset="0"/>
-              </a:rPr>
-              <a:t>refers</a:t>
-            </a:r>
-            <a:r>
-              <a:rPr lang="fr-FR" sz="900" i="1" dirty="0">
-                <a:solidFill>
-                  <a:schemeClr val="tx1"/>
-                </a:solidFill>
-                <a:latin typeface="Gill Sans Nova" panose="020B0602020104020203" pitchFamily="34" charset="0"/>
-              </a:rPr>
-              <a:t> to</a:t>
-            </a:r>
-          </a:p>
-        </p:txBody>
-      </p:sp>
-      <p:sp>
-        <p:nvSpPr>
-          <p:cNvPr id="855" name="ZoneTexte 854">
-            <a:extLst>
-              <a:ext uri="{FF2B5EF4-FFF2-40B4-BE49-F238E27FC236}">
-                <a16:creationId xmlns:a16="http://schemas.microsoft.com/office/drawing/2014/main" id="{F3E89FF2-7A35-4F1F-B525-13B4A7E9FDA5}"/>
+              <a:t>E41 Appellation</a:t>
+            </a:r>
+          </a:p>
+        </p:txBody>
+      </p:sp>
+      <p:sp>
+        <p:nvSpPr>
+          <p:cNvPr id="861" name="ZoneTexte 860">
+            <a:extLst>
+              <a:ext uri="{FF2B5EF4-FFF2-40B4-BE49-F238E27FC236}">
+                <a16:creationId xmlns:a16="http://schemas.microsoft.com/office/drawing/2014/main" id="{36618155-814E-41AD-959F-C364FA058216}"/>
               </a:ext>
             </a:extLst>
           </p:cNvPr>
@@ -4044,8 +4166,8 @@
         </p:nvSpPr>
         <p:spPr>
           <a:xfrm>
-            <a:off x="13382443" y="13095463"/>
-            <a:ext cx="908879" cy="369332"/>
+            <a:off x="10376658" y="14118338"/>
+            <a:ext cx="1484002" cy="230832"/>
           </a:xfrm>
           <a:prstGeom prst="rect">
             <a:avLst/>
@@ -4063,13 +4185,13 @@
               <a:rPr lang="fr-FR" sz="900" i="1" dirty="0">
                 <a:latin typeface="Gill Sans Nova" panose="020B0602020104020203" pitchFamily="34" charset="0"/>
               </a:rPr>
-              <a:t>P177 </a:t>
+              <a:t>P1 </a:t>
             </a:r>
             <a:r>
               <a:rPr lang="fr-FR" sz="900" i="1" dirty="0" err="1">
                 <a:latin typeface="Gill Sans Nova" panose="020B0602020104020203" pitchFamily="34" charset="0"/>
               </a:rPr>
-              <a:t>assigned</a:t>
+              <a:t>is</a:t>
             </a:r>
             <a:r>
               <a:rPr lang="fr-FR" sz="900" i="1" dirty="0">
@@ -4081,23 +4203,23 @@
               <a:rPr lang="fr-FR" sz="900" i="1" dirty="0" err="1">
                 <a:latin typeface="Gill Sans Nova" panose="020B0602020104020203" pitchFamily="34" charset="0"/>
               </a:rPr>
-              <a:t>property</a:t>
+              <a:t>identified</a:t>
             </a:r>
             <a:r>
               <a:rPr lang="fr-FR" sz="900" i="1" dirty="0">
                 <a:latin typeface="Gill Sans Nova" panose="020B0602020104020203" pitchFamily="34" charset="0"/>
               </a:rPr>
-              <a:t> type</a:t>
-            </a:r>
-          </a:p>
-        </p:txBody>
-      </p:sp>
-      <p:sp>
-        <p:nvSpPr>
-          <p:cNvPr id="856" name="Rectangle : coins arrondis 855">
-            <a:extLst>
-              <a:ext uri="{FF2B5EF4-FFF2-40B4-BE49-F238E27FC236}">
-                <a16:creationId xmlns:a16="http://schemas.microsoft.com/office/drawing/2014/main" id="{B9C892D0-2403-42B4-9860-06F79C534E7A}"/>
+              <a:t> by</a:t>
+            </a:r>
+          </a:p>
+        </p:txBody>
+      </p:sp>
+      <p:sp>
+        <p:nvSpPr>
+          <p:cNvPr id="862" name="Rectangle : coins arrondis 861">
+            <a:extLst>
+              <a:ext uri="{FF2B5EF4-FFF2-40B4-BE49-F238E27FC236}">
+                <a16:creationId xmlns:a16="http://schemas.microsoft.com/office/drawing/2014/main" id="{D8CE00B4-C0E1-4F78-8908-486FC44AA631}"/>
               </a:ext>
             </a:extLst>
           </p:cNvPr>
@@ -4106,17 +4228,14 @@
         </p:nvSpPr>
         <p:spPr>
           <a:xfrm>
-            <a:off x="11304912" y="13185604"/>
-            <a:ext cx="1023273" cy="490810"/>
+            <a:off x="16062047" y="12871147"/>
+            <a:ext cx="1058800" cy="697636"/>
           </a:xfrm>
           <a:prstGeom prst="roundRect">
             <a:avLst/>
           </a:prstGeom>
           <a:solidFill>
-            <a:schemeClr val="accent4">
-              <a:lumMod val="40000"/>
-              <a:lumOff val="60000"/>
-            </a:schemeClr>
+            <a:srgbClr val="D5EAC8"/>
           </a:solidFill>
           <a:ln w="12700">
             <a:noFill/>
@@ -4148,17 +4267,78 @@
                 </a:solidFill>
                 <a:latin typeface="Gill Sans Nova" panose="020B0602020104020203" pitchFamily="34" charset="0"/>
               </a:rPr>
-              <a:t>E21 Person</a:t>
-            </a:r>
-          </a:p>
-        </p:txBody>
-      </p:sp>
-      <p:sp>
-        <p:nvSpPr>
-          <p:cNvPr id="857" name="ZoneTexte 856">
-            <a:extLst>
-              <a:ext uri="{FF2B5EF4-FFF2-40B4-BE49-F238E27FC236}">
-                <a16:creationId xmlns:a16="http://schemas.microsoft.com/office/drawing/2014/main" id="{7DE159BD-3FF7-4C5F-830C-56DDE1451616}"/>
+              <a:t>E13 </a:t>
+            </a:r>
+            <a:r>
+              <a:rPr lang="fr-FR" sz="900" dirty="0" err="1">
+                <a:solidFill>
+                  <a:schemeClr val="tx1"/>
+                </a:solidFill>
+                <a:latin typeface="Gill Sans Nova" panose="020B0602020104020203" pitchFamily="34" charset="0"/>
+              </a:rPr>
+              <a:t>Attribute</a:t>
+            </a:r>
+            <a:r>
+              <a:rPr lang="fr-FR" sz="900" dirty="0">
+                <a:solidFill>
+                  <a:schemeClr val="tx1"/>
+                </a:solidFill>
+                <a:latin typeface="Gill Sans Nova" panose="020B0602020104020203" pitchFamily="34" charset="0"/>
+              </a:rPr>
+              <a:t> Assignement</a:t>
+            </a:r>
+          </a:p>
+        </p:txBody>
+      </p:sp>
+      <p:cxnSp>
+        <p:nvCxnSpPr>
+          <p:cNvPr id="863" name="Connecteur droit avec flèche 862">
+            <a:extLst>
+              <a:ext uri="{FF2B5EF4-FFF2-40B4-BE49-F238E27FC236}">
+                <a16:creationId xmlns:a16="http://schemas.microsoft.com/office/drawing/2014/main" id="{4148B655-1AD9-44D5-B98D-4BF32F0E04C6}"/>
+              </a:ext>
+            </a:extLst>
+          </p:cNvPr>
+          <p:cNvCxnSpPr>
+            <a:cxnSpLocks/>
+            <a:stCxn id="862" idx="0"/>
+            <a:endCxn id="851" idx="2"/>
+          </p:cNvCxnSpPr>
+          <p:nvPr/>
+        </p:nvCxnSpPr>
+        <p:spPr>
+          <a:xfrm flipV="1">
+            <a:off x="16591445" y="12220617"/>
+            <a:ext cx="3376" cy="650530"/>
+          </a:xfrm>
+          <a:prstGeom prst="straightConnector1">
+            <a:avLst/>
+          </a:prstGeom>
+          <a:ln>
+            <a:tailEnd type="triangle"/>
+          </a:ln>
+        </p:spPr>
+        <p:style>
+          <a:lnRef idx="1">
+            <a:schemeClr val="dk1"/>
+          </a:lnRef>
+          <a:fillRef idx="0">
+            <a:schemeClr val="dk1"/>
+          </a:fillRef>
+          <a:effectRef idx="0">
+            <a:schemeClr val="dk1"/>
+          </a:effectRef>
+          <a:fontRef idx="minor">
+            <a:schemeClr val="tx1"/>
+          </a:fontRef>
+        </p:style>
+      </p:cxnSp>
+      <p:sp>
+        <p:nvSpPr>
+          <p:cNvPr id="864" name="ZoneTexte 863">
+            <a:extLst>
+              <a:ext uri="{FF2B5EF4-FFF2-40B4-BE49-F238E27FC236}">
+                <a16:creationId xmlns:a16="http://schemas.microsoft.com/office/drawing/2014/main" id="{AB000E24-AB6A-4BF9-9CE5-6A71262B78AB}"/>
               </a:ext>
             </a:extLst>
           </p:cNvPr>
@@ -4167,8 +4347,8 @@
         </p:nvSpPr>
         <p:spPr>
           <a:xfrm>
-            <a:off x="16529818" y="14066754"/>
-            <a:ext cx="873752" cy="230832"/>
+            <a:off x="15249579" y="12438533"/>
+            <a:ext cx="1398361" cy="230832"/>
           </a:xfrm>
           <a:prstGeom prst="rect">
             <a:avLst/>
@@ -4186,13 +4366,112 @@
               <a:rPr lang="fr-FR" sz="900" i="1" dirty="0">
                 <a:latin typeface="Gill Sans Nova" panose="020B0602020104020203" pitchFamily="34" charset="0"/>
               </a:rPr>
-              <a:t>P141 </a:t>
+              <a:t>P140 </a:t>
             </a:r>
             <a:r>
               <a:rPr lang="fr-FR" sz="900" i="1" dirty="0" err="1">
                 <a:latin typeface="Gill Sans Nova" panose="020B0602020104020203" pitchFamily="34" charset="0"/>
               </a:rPr>
               <a:t>assigned</a:t>
+            </a:r>
+            <a:r>
+              <a:rPr lang="fr-FR" sz="900" i="1" dirty="0">
+                <a:latin typeface="Gill Sans Nova" panose="020B0602020104020203" pitchFamily="34" charset="0"/>
+              </a:rPr>
+              <a:t> </a:t>
+            </a:r>
+            <a:r>
+              <a:rPr lang="fr-FR" sz="900" i="1" dirty="0" err="1">
+                <a:latin typeface="Gill Sans Nova" panose="020B0602020104020203" pitchFamily="34" charset="0"/>
+              </a:rPr>
+              <a:t>attribute</a:t>
+            </a:r>
+            <a:r>
+              <a:rPr lang="fr-FR" sz="900" i="1" dirty="0">
+                <a:latin typeface="Gill Sans Nova" panose="020B0602020104020203" pitchFamily="34" charset="0"/>
+              </a:rPr>
+              <a:t> to</a:t>
+            </a:r>
+          </a:p>
+        </p:txBody>
+      </p:sp>
+      <p:cxnSp>
+        <p:nvCxnSpPr>
+          <p:cNvPr id="865" name="Connecteur droit avec flèche 864">
+            <a:extLst>
+              <a:ext uri="{FF2B5EF4-FFF2-40B4-BE49-F238E27FC236}">
+                <a16:creationId xmlns:a16="http://schemas.microsoft.com/office/drawing/2014/main" id="{A95D9020-5E7A-4DFC-A6AD-E7CD3BAA3F9A}"/>
+              </a:ext>
+            </a:extLst>
+          </p:cNvPr>
+          <p:cNvCxnSpPr>
+            <a:cxnSpLocks/>
+            <a:stCxn id="862" idx="3"/>
+            <a:endCxn id="3" idx="1"/>
+          </p:cNvCxnSpPr>
+          <p:nvPr/>
+        </p:nvCxnSpPr>
+        <p:spPr>
+          <a:xfrm>
+            <a:off x="17120847" y="13219965"/>
+            <a:ext cx="1133993" cy="1874"/>
+          </a:xfrm>
+          <a:prstGeom prst="straightConnector1">
+            <a:avLst/>
+          </a:prstGeom>
+          <a:ln>
+            <a:tailEnd type="triangle"/>
+          </a:ln>
+        </p:spPr>
+        <p:style>
+          <a:lnRef idx="1">
+            <a:schemeClr val="dk1"/>
+          </a:lnRef>
+          <a:fillRef idx="0">
+            <a:schemeClr val="dk1"/>
+          </a:fillRef>
+          <a:effectRef idx="0">
+            <a:schemeClr val="dk1"/>
+          </a:effectRef>
+          <a:fontRef idx="minor">
+            <a:schemeClr val="tx1"/>
+          </a:fontRef>
+        </p:style>
+      </p:cxnSp>
+      <p:sp>
+        <p:nvSpPr>
+          <p:cNvPr id="867" name="ZoneTexte 866">
+            <a:extLst>
+              <a:ext uri="{FF2B5EF4-FFF2-40B4-BE49-F238E27FC236}">
+                <a16:creationId xmlns:a16="http://schemas.microsoft.com/office/drawing/2014/main" id="{254DE0CC-401E-4423-80CC-0B82CDA17F3F}"/>
+              </a:ext>
+            </a:extLst>
+          </p:cNvPr>
+          <p:cNvSpPr txBox="1"/>
+          <p:nvPr/>
+        </p:nvSpPr>
+        <p:spPr>
+          <a:xfrm>
+            <a:off x="17120839" y="13003337"/>
+            <a:ext cx="1224050" cy="230832"/>
+          </a:xfrm>
+          <a:prstGeom prst="rect">
+            <a:avLst/>
+          </a:prstGeom>
+          <a:noFill/>
+        </p:spPr>
+        <p:txBody>
+          <a:bodyPr wrap="square" rtlCol="0">
+            <a:spAutoFit/>
+          </a:bodyPr>
+          <a:lstStyle/>
+          <a:p>
+            <a:pPr algn="ctr"/>
+            <a:r>
+              <a:rPr lang="fr-FR" sz="900" i="1" dirty="0" err="1">
+                <a:latin typeface="Gill Sans Nova" panose="020B0602020104020203" pitchFamily="34" charset="0"/>
+              </a:rPr>
+              <a:t>dcterms:created</a:t>
             </a:r>
             <a:endParaRPr lang="fr-FR" sz="900" i="1" dirty="0">
               <a:latin typeface="Gill Sans Nova" panose="020B0602020104020203" pitchFamily="34" charset="0"/>
@@ -4202,48 +4481,10 @@
       </p:sp>
       <p:sp>
         <p:nvSpPr>
-          <p:cNvPr id="858" name="ZoneTexte 857">
-            <a:extLst>
-              <a:ext uri="{FF2B5EF4-FFF2-40B4-BE49-F238E27FC236}">
-                <a16:creationId xmlns:a16="http://schemas.microsoft.com/office/drawing/2014/main" id="{38568342-EA5E-4349-AF1F-0A2D8220E6F4}"/>
-              </a:ext>
-            </a:extLst>
-          </p:cNvPr>
-          <p:cNvSpPr txBox="1"/>
-          <p:nvPr/>
-        </p:nvSpPr>
-        <p:spPr>
-          <a:xfrm>
-            <a:off x="9822271" y="8418120"/>
-            <a:ext cx="3233372" cy="424732"/>
-          </a:xfrm>
-          <a:prstGeom prst="rect">
-            <a:avLst/>
-          </a:prstGeom>
-          <a:noFill/>
-        </p:spPr>
-        <p:txBody>
-          <a:bodyPr wrap="square" rtlCol="0">
-            <a:spAutoFit/>
-          </a:bodyPr>
-          <a:lstStyle/>
-          <a:p>
-            <a:pPr algn="ctr"/>
-            <a:r>
-              <a:rPr lang="fr-FR" sz="2160" dirty="0">
-                <a:latin typeface="Gill Sans Nova" panose="020B0602020104020203" pitchFamily="34" charset="0"/>
-              </a:rPr>
-              <a:t>ESPACE D’ANNOTATION</a:t>
-            </a:r>
-          </a:p>
-        </p:txBody>
-      </p:sp>
-      <p:sp>
-        <p:nvSpPr>
-          <p:cNvPr id="859" name="Rectangle : coins arrondis 858">
-            <a:extLst>
-              <a:ext uri="{FF2B5EF4-FFF2-40B4-BE49-F238E27FC236}">
-                <a16:creationId xmlns:a16="http://schemas.microsoft.com/office/drawing/2014/main" id="{302F5B6A-E1B1-4577-9FDB-568E60409D48}"/>
+          <p:cNvPr id="869" name="Rectangle : coins arrondis 868">
+            <a:extLst>
+              <a:ext uri="{FF2B5EF4-FFF2-40B4-BE49-F238E27FC236}">
+                <a16:creationId xmlns:a16="http://schemas.microsoft.com/office/drawing/2014/main" id="{76CDBA8E-44D5-44B7-B3D7-E45C7CFE0AD1}"/>
               </a:ext>
             </a:extLst>
           </p:cNvPr>
@@ -4252,16 +4493,16 @@
         </p:nvSpPr>
         <p:spPr>
           <a:xfrm>
-            <a:off x="9629255" y="14529744"/>
-            <a:ext cx="1013135" cy="455629"/>
+            <a:off x="18097653" y="14220204"/>
+            <a:ext cx="976814" cy="588025"/>
           </a:xfrm>
           <a:prstGeom prst="roundRect">
             <a:avLst/>
           </a:prstGeom>
           <a:solidFill>
-            <a:srgbClr val="F9C3E7"/>
+            <a:srgbClr val="FFC48F"/>
           </a:solidFill>
-          <a:ln w="38100">
+          <a:ln w="12700">
             <a:noFill/>
           </a:ln>
         </p:spPr>
@@ -4291,17 +4532,71 @@
                 </a:solidFill>
                 <a:latin typeface="Gill Sans Nova" panose="020B0602020104020203" pitchFamily="34" charset="0"/>
               </a:rPr>
-              <a:t>E41 Appellation</a:t>
-            </a:r>
-          </a:p>
-        </p:txBody>
-      </p:sp>
-      <p:sp>
-        <p:nvSpPr>
-          <p:cNvPr id="861" name="ZoneTexte 860">
-            <a:extLst>
-              <a:ext uri="{FF2B5EF4-FFF2-40B4-BE49-F238E27FC236}">
-                <a16:creationId xmlns:a16="http://schemas.microsoft.com/office/drawing/2014/main" id="{36618155-814E-41AD-959F-C364FA058216}"/>
+              <a:t>E39 Actor</a:t>
+            </a:r>
+          </a:p>
+          <a:p>
+            <a:pPr algn="ctr"/>
+            <a:r>
+              <a:rPr lang="fr-FR" sz="900" i="1" dirty="0">
+                <a:solidFill>
+                  <a:schemeClr val="tx1"/>
+                </a:solidFill>
+                <a:latin typeface="Gill Sans Nova" panose="020B0602020104020203" pitchFamily="34" charset="0"/>
+              </a:rPr>
+              <a:t>Annotateur n°2</a:t>
+            </a:r>
+          </a:p>
+        </p:txBody>
+      </p:sp>
+      <p:cxnSp>
+        <p:nvCxnSpPr>
+          <p:cNvPr id="870" name="Connecteur droit avec flèche 869">
+            <a:extLst>
+              <a:ext uri="{FF2B5EF4-FFF2-40B4-BE49-F238E27FC236}">
+                <a16:creationId xmlns:a16="http://schemas.microsoft.com/office/drawing/2014/main" id="{FB87A79E-A5FF-424A-AEF7-D0895B05D7F2}"/>
+              </a:ext>
+            </a:extLst>
+          </p:cNvPr>
+          <p:cNvCxnSpPr>
+            <a:cxnSpLocks/>
+            <a:endCxn id="869" idx="1"/>
+          </p:cNvCxnSpPr>
+          <p:nvPr/>
+        </p:nvCxnSpPr>
+        <p:spPr>
+          <a:xfrm>
+            <a:off x="17094863" y="13519372"/>
+            <a:ext cx="1002790" cy="994845"/>
+          </a:xfrm>
+          <a:prstGeom prst="straightConnector1">
+            <a:avLst/>
+          </a:prstGeom>
+          <a:ln>
+            <a:tailEnd type="triangle"/>
+          </a:ln>
+        </p:spPr>
+        <p:style>
+          <a:lnRef idx="1">
+            <a:schemeClr val="dk1"/>
+          </a:lnRef>
+          <a:fillRef idx="0">
+            <a:schemeClr val="dk1"/>
+          </a:fillRef>
+          <a:effectRef idx="0">
+            <a:schemeClr val="dk1"/>
+          </a:effectRef>
+          <a:fontRef idx="minor">
+            <a:schemeClr val="tx1"/>
+          </a:fontRef>
+        </p:style>
+      </p:cxnSp>
+      <p:sp>
+        <p:nvSpPr>
+          <p:cNvPr id="871" name="ZoneTexte 870">
+            <a:extLst>
+              <a:ext uri="{FF2B5EF4-FFF2-40B4-BE49-F238E27FC236}">
+                <a16:creationId xmlns:a16="http://schemas.microsoft.com/office/drawing/2014/main" id="{251161F6-1A58-4229-B1B1-935EC2867FB0}"/>
               </a:ext>
             </a:extLst>
           </p:cNvPr>
@@ -4310,8 +4605,8 @@
         </p:nvSpPr>
         <p:spPr>
           <a:xfrm>
-            <a:off x="10376658" y="14118338"/>
-            <a:ext cx="1484002" cy="230832"/>
+            <a:off x="17493122" y="13811049"/>
+            <a:ext cx="1023486" cy="230832"/>
           </a:xfrm>
           <a:prstGeom prst="rect">
             <a:avLst/>
@@ -4329,41 +4624,29 @@
               <a:rPr lang="fr-FR" sz="900" i="1" dirty="0">
                 <a:latin typeface="Gill Sans Nova" panose="020B0602020104020203" pitchFamily="34" charset="0"/>
               </a:rPr>
-              <a:t>P1 </a:t>
+              <a:t>P14 </a:t>
             </a:r>
             <a:r>
               <a:rPr lang="fr-FR" sz="900" i="1" dirty="0" err="1">
                 <a:latin typeface="Gill Sans Nova" panose="020B0602020104020203" pitchFamily="34" charset="0"/>
               </a:rPr>
-              <a:t>is</a:t>
+              <a:t>carried</a:t>
             </a:r>
             <a:r>
               <a:rPr lang="fr-FR" sz="900" i="1" dirty="0">
                 <a:latin typeface="Gill Sans Nova" panose="020B0602020104020203" pitchFamily="34" charset="0"/>
               </a:rPr>
-              <a:t> </a:t>
-            </a:r>
-            <a:r>
-              <a:rPr lang="fr-FR" sz="900" i="1" dirty="0" err="1">
-                <a:latin typeface="Gill Sans Nova" panose="020B0602020104020203" pitchFamily="34" charset="0"/>
-              </a:rPr>
-              <a:t>identified</a:t>
-            </a:r>
-            <a:r>
-              <a:rPr lang="fr-FR" sz="900" i="1" dirty="0">
-                <a:latin typeface="Gill Sans Nova" panose="020B0602020104020203" pitchFamily="34" charset="0"/>
-              </a:rPr>
-              <a:t> by</a:t>
-            </a:r>
-          </a:p>
-        </p:txBody>
-      </p:sp>
-      <p:sp>
-        <p:nvSpPr>
-          <p:cNvPr id="862" name="Rectangle : coins arrondis 861">
-            <a:extLst>
-              <a:ext uri="{FF2B5EF4-FFF2-40B4-BE49-F238E27FC236}">
-                <a16:creationId xmlns:a16="http://schemas.microsoft.com/office/drawing/2014/main" id="{D8CE00B4-C0E1-4F78-8908-486FC44AA631}"/>
+              <a:t> out by</a:t>
+            </a:r>
+          </a:p>
+        </p:txBody>
+      </p:sp>
+      <p:sp>
+        <p:nvSpPr>
+          <p:cNvPr id="872" name="Rectangle : coins arrondis 871">
+            <a:extLst>
+              <a:ext uri="{FF2B5EF4-FFF2-40B4-BE49-F238E27FC236}">
+                <a16:creationId xmlns:a16="http://schemas.microsoft.com/office/drawing/2014/main" id="{287624EC-B3E6-4950-A4D6-6CB961E1A33C}"/>
               </a:ext>
             </a:extLst>
           </p:cNvPr>
@@ -4372,14 +4655,14 @@
         </p:nvSpPr>
         <p:spPr>
           <a:xfrm>
-            <a:off x="16062047" y="12871147"/>
-            <a:ext cx="1058800" cy="697636"/>
+            <a:off x="16071594" y="14618325"/>
+            <a:ext cx="1023273" cy="487087"/>
           </a:xfrm>
           <a:prstGeom prst="roundRect">
             <a:avLst/>
           </a:prstGeom>
           <a:solidFill>
-            <a:srgbClr val="D5EAC8"/>
+            <a:srgbClr val="FFE699"/>
           </a:solidFill>
           <a:ln w="12700">
             <a:noFill/>
@@ -4411,78 +4694,17 @@
                 </a:solidFill>
                 <a:latin typeface="Gill Sans Nova" panose="020B0602020104020203" pitchFamily="34" charset="0"/>
               </a:rPr>
-              <a:t>E13 </a:t>
-            </a:r>
-            <a:r>
-              <a:rPr lang="fr-FR" sz="900" dirty="0" err="1">
-                <a:solidFill>
-                  <a:schemeClr val="tx1"/>
-                </a:solidFill>
-                <a:latin typeface="Gill Sans Nova" panose="020B0602020104020203" pitchFamily="34" charset="0"/>
-              </a:rPr>
-              <a:t>Attribute</a:t>
-            </a:r>
-            <a:r>
-              <a:rPr lang="fr-FR" sz="900" dirty="0">
-                <a:solidFill>
-                  <a:schemeClr val="tx1"/>
-                </a:solidFill>
-                <a:latin typeface="Gill Sans Nova" panose="020B0602020104020203" pitchFamily="34" charset="0"/>
-              </a:rPr>
-              <a:t> Assignement</a:t>
-            </a:r>
-          </a:p>
-        </p:txBody>
-      </p:sp>
-      <p:cxnSp>
-        <p:nvCxnSpPr>
-          <p:cNvPr id="863" name="Connecteur droit avec flèche 862">
-            <a:extLst>
-              <a:ext uri="{FF2B5EF4-FFF2-40B4-BE49-F238E27FC236}">
-                <a16:creationId xmlns:a16="http://schemas.microsoft.com/office/drawing/2014/main" id="{4148B655-1AD9-44D5-B98D-4BF32F0E04C6}"/>
-              </a:ext>
-            </a:extLst>
-          </p:cNvPr>
-          <p:cNvCxnSpPr>
-            <a:cxnSpLocks/>
-            <a:stCxn id="862" idx="0"/>
-            <a:endCxn id="851" idx="2"/>
-          </p:cNvCxnSpPr>
-          <p:nvPr/>
-        </p:nvCxnSpPr>
-        <p:spPr>
-          <a:xfrm flipV="1">
-            <a:off x="16591445" y="12220617"/>
-            <a:ext cx="3376" cy="650530"/>
-          </a:xfrm>
-          <a:prstGeom prst="straightConnector1">
-            <a:avLst/>
-          </a:prstGeom>
-          <a:ln>
-            <a:tailEnd type="triangle"/>
-          </a:ln>
-        </p:spPr>
-        <p:style>
-          <a:lnRef idx="1">
-            <a:schemeClr val="dk1"/>
-          </a:lnRef>
-          <a:fillRef idx="0">
-            <a:schemeClr val="dk1"/>
-          </a:fillRef>
-          <a:effectRef idx="0">
-            <a:schemeClr val="dk1"/>
-          </a:effectRef>
-          <a:fontRef idx="minor">
-            <a:schemeClr val="tx1"/>
-          </a:fontRef>
-        </p:style>
-      </p:cxnSp>
-      <p:sp>
-        <p:nvSpPr>
-          <p:cNvPr id="864" name="ZoneTexte 863">
-            <a:extLst>
-              <a:ext uri="{FF2B5EF4-FFF2-40B4-BE49-F238E27FC236}">
-                <a16:creationId xmlns:a16="http://schemas.microsoft.com/office/drawing/2014/main" id="{AB000E24-AB6A-4BF9-9CE5-6A71262B78AB}"/>
+              <a:t>E21 Person</a:t>
+            </a:r>
+          </a:p>
+        </p:txBody>
+      </p:sp>
+      <p:sp>
+        <p:nvSpPr>
+          <p:cNvPr id="873" name="ZoneTexte 872">
+            <a:extLst>
+              <a:ext uri="{FF2B5EF4-FFF2-40B4-BE49-F238E27FC236}">
+                <a16:creationId xmlns:a16="http://schemas.microsoft.com/office/drawing/2014/main" id="{45644DA8-B750-42B9-BC06-C00ECFA35354}"/>
               </a:ext>
             </a:extLst>
           </p:cNvPr>
@@ -4491,8 +4713,8 @@
         </p:nvSpPr>
         <p:spPr>
           <a:xfrm>
-            <a:off x="15249579" y="12438533"/>
-            <a:ext cx="1398361" cy="230832"/>
+            <a:off x="11221141" y="12680966"/>
+            <a:ext cx="873752" cy="230832"/>
           </a:xfrm>
           <a:prstGeom prst="rect">
             <a:avLst/>
@@ -4510,7 +4732,7 @@
               <a:rPr lang="fr-FR" sz="900" i="1" dirty="0">
                 <a:latin typeface="Gill Sans Nova" panose="020B0602020104020203" pitchFamily="34" charset="0"/>
               </a:rPr>
-              <a:t>P140 </a:t>
+              <a:t>P141 </a:t>
             </a:r>
             <a:r>
               <a:rPr lang="fr-FR" sz="900" i="1" dirty="0" err="1">
@@ -4518,76 +4740,18 @@
               </a:rPr>
               <a:t>assigned</a:t>
             </a:r>
-            <a:r>
-              <a:rPr lang="fr-FR" sz="900" i="1" dirty="0">
-                <a:latin typeface="Gill Sans Nova" panose="020B0602020104020203" pitchFamily="34" charset="0"/>
-              </a:rPr>
-              <a:t> </a:t>
-            </a:r>
-            <a:r>
-              <a:rPr lang="fr-FR" sz="900" i="1" dirty="0" err="1">
-                <a:latin typeface="Gill Sans Nova" panose="020B0602020104020203" pitchFamily="34" charset="0"/>
-              </a:rPr>
-              <a:t>attribute</a:t>
-            </a:r>
-            <a:r>
-              <a:rPr lang="fr-FR" sz="900" i="1" dirty="0">
-                <a:latin typeface="Gill Sans Nova" panose="020B0602020104020203" pitchFamily="34" charset="0"/>
-              </a:rPr>
-              <a:t> to</a:t>
-            </a:r>
-          </a:p>
-        </p:txBody>
-      </p:sp>
-      <p:cxnSp>
-        <p:nvCxnSpPr>
-          <p:cNvPr id="865" name="Connecteur droit avec flèche 864">
-            <a:extLst>
-              <a:ext uri="{FF2B5EF4-FFF2-40B4-BE49-F238E27FC236}">
-                <a16:creationId xmlns:a16="http://schemas.microsoft.com/office/drawing/2014/main" id="{A95D9020-5E7A-4DFC-A6AD-E7CD3BAA3F9A}"/>
-              </a:ext>
-            </a:extLst>
-          </p:cNvPr>
-          <p:cNvCxnSpPr>
-            <a:cxnSpLocks/>
-            <a:stCxn id="862" idx="3"/>
-            <a:endCxn id="866" idx="1"/>
-          </p:cNvCxnSpPr>
-          <p:nvPr/>
-        </p:nvCxnSpPr>
-        <p:spPr>
-          <a:xfrm>
-            <a:off x="17120844" y="13219968"/>
-            <a:ext cx="1007516" cy="16584"/>
-          </a:xfrm>
-          <a:prstGeom prst="straightConnector1">
-            <a:avLst/>
-          </a:prstGeom>
-          <a:ln>
-            <a:tailEnd type="triangle"/>
-          </a:ln>
-        </p:spPr>
-        <p:style>
-          <a:lnRef idx="1">
-            <a:schemeClr val="dk1"/>
-          </a:lnRef>
-          <a:fillRef idx="0">
-            <a:schemeClr val="dk1"/>
-          </a:fillRef>
-          <a:effectRef idx="0">
-            <a:schemeClr val="dk1"/>
-          </a:effectRef>
-          <a:fontRef idx="minor">
-            <a:schemeClr val="tx1"/>
-          </a:fontRef>
-        </p:style>
-      </p:cxnSp>
-      <p:sp>
-        <p:nvSpPr>
-          <p:cNvPr id="866" name="Rectangle : coins arrondis 865">
-            <a:extLst>
-              <a:ext uri="{FF2B5EF4-FFF2-40B4-BE49-F238E27FC236}">
-                <a16:creationId xmlns:a16="http://schemas.microsoft.com/office/drawing/2014/main" id="{0004BE61-EE52-4703-9E5C-2FBF9E7762C6}"/>
+            <a:endParaRPr lang="fr-FR" sz="900" i="1" dirty="0">
+              <a:latin typeface="Gill Sans Nova" panose="020B0602020104020203" pitchFamily="34" charset="0"/>
+            </a:endParaRPr>
+          </a:p>
+        </p:txBody>
+      </p:sp>
+      <p:sp>
+        <p:nvSpPr>
+          <p:cNvPr id="874" name="Rectangle : coins arrondis 873">
+            <a:extLst>
+              <a:ext uri="{FF2B5EF4-FFF2-40B4-BE49-F238E27FC236}">
+                <a16:creationId xmlns:a16="http://schemas.microsoft.com/office/drawing/2014/main" id="{F912DD3B-5995-4749-BA92-1E4498B270CC}"/>
               </a:ext>
             </a:extLst>
           </p:cNvPr>
@@ -4596,19 +4760,16 @@
         </p:nvSpPr>
         <p:spPr>
           <a:xfrm>
-            <a:off x="18128359" y="13007228"/>
-            <a:ext cx="976814" cy="458655"/>
+            <a:off x="16076659" y="15832267"/>
+            <a:ext cx="1013135" cy="526260"/>
           </a:xfrm>
           <a:prstGeom prst="roundRect">
             <a:avLst/>
           </a:prstGeom>
           <a:solidFill>
-            <a:schemeClr val="accent6">
-              <a:lumMod val="40000"/>
-              <a:lumOff val="60000"/>
-            </a:schemeClr>
+            <a:srgbClr val="F9C3E7"/>
           </a:solidFill>
-          <a:ln w="12700">
+          <a:ln w="38100">
             <a:noFill/>
           </a:ln>
         </p:spPr>
@@ -4638,17 +4799,105 @@
                 </a:solidFill>
                 <a:latin typeface="Gill Sans Nova" panose="020B0602020104020203" pitchFamily="34" charset="0"/>
               </a:rPr>
-              <a:t>E52 Time-Span</a:t>
-            </a:r>
-          </a:p>
-        </p:txBody>
-      </p:sp>
-      <p:sp>
-        <p:nvSpPr>
-          <p:cNvPr id="867" name="ZoneTexte 866">
-            <a:extLst>
-              <a:ext uri="{FF2B5EF4-FFF2-40B4-BE49-F238E27FC236}">
-                <a16:creationId xmlns:a16="http://schemas.microsoft.com/office/drawing/2014/main" id="{254DE0CC-401E-4423-80CC-0B82CDA17F3F}"/>
+              <a:t>E41 Appellation</a:t>
+            </a:r>
+          </a:p>
+        </p:txBody>
+      </p:sp>
+      <p:cxnSp>
+        <p:nvCxnSpPr>
+          <p:cNvPr id="875" name="Connecteur droit avec flèche 874">
+            <a:extLst>
+              <a:ext uri="{FF2B5EF4-FFF2-40B4-BE49-F238E27FC236}">
+                <a16:creationId xmlns:a16="http://schemas.microsoft.com/office/drawing/2014/main" id="{851D158E-4AE3-4D50-9058-8D1390C4D35B}"/>
+              </a:ext>
+            </a:extLst>
+          </p:cNvPr>
+          <p:cNvCxnSpPr>
+            <a:cxnSpLocks/>
+            <a:stCxn id="862" idx="2"/>
+            <a:endCxn id="872" idx="0"/>
+          </p:cNvCxnSpPr>
+          <p:nvPr/>
+        </p:nvCxnSpPr>
+        <p:spPr>
+          <a:xfrm flipH="1">
+            <a:off x="16583227" y="13568783"/>
+            <a:ext cx="8220" cy="1049538"/>
+          </a:xfrm>
+          <a:prstGeom prst="straightConnector1">
+            <a:avLst/>
+          </a:prstGeom>
+          <a:ln>
+            <a:tailEnd type="triangle"/>
+          </a:ln>
+        </p:spPr>
+        <p:style>
+          <a:lnRef idx="1">
+            <a:schemeClr val="dk1"/>
+          </a:lnRef>
+          <a:fillRef idx="0">
+            <a:schemeClr val="dk1"/>
+          </a:fillRef>
+          <a:effectRef idx="0">
+            <a:schemeClr val="dk1"/>
+          </a:effectRef>
+          <a:fontRef idx="minor">
+            <a:schemeClr val="tx1"/>
+          </a:fontRef>
+        </p:style>
+      </p:cxnSp>
+      <p:cxnSp>
+        <p:nvCxnSpPr>
+          <p:cNvPr id="876" name="Connecteur : en arc 875">
+            <a:extLst>
+              <a:ext uri="{FF2B5EF4-FFF2-40B4-BE49-F238E27FC236}">
+                <a16:creationId xmlns:a16="http://schemas.microsoft.com/office/drawing/2014/main" id="{24BBD175-B610-49F5-9993-76012CF5FDE4}"/>
+              </a:ext>
+            </a:extLst>
+          </p:cNvPr>
+          <p:cNvCxnSpPr>
+            <a:cxnSpLocks/>
+            <a:stCxn id="862" idx="2"/>
+            <a:endCxn id="854" idx="2"/>
+          </p:cNvCxnSpPr>
+          <p:nvPr/>
+        </p:nvCxnSpPr>
+        <p:spPr>
+          <a:xfrm rot="5400000">
+            <a:off x="15205346" y="12698951"/>
+            <a:ext cx="516268" cy="2255935"/>
+          </a:xfrm>
+          <a:prstGeom prst="curvedConnector3">
+            <a:avLst>
+              <a:gd name="adj1" fmla="val 144279"/>
+            </a:avLst>
+          </a:prstGeom>
+          <a:ln>
+            <a:tailEnd type="triangle"/>
+          </a:ln>
+        </p:spPr>
+        <p:style>
+          <a:lnRef idx="1">
+            <a:schemeClr val="dk1"/>
+          </a:lnRef>
+          <a:fillRef idx="0">
+            <a:schemeClr val="dk1"/>
+          </a:fillRef>
+          <a:effectRef idx="0">
+            <a:schemeClr val="dk1"/>
+          </a:effectRef>
+          <a:fontRef idx="minor">
+            <a:schemeClr val="tx1"/>
+          </a:fontRef>
+        </p:style>
+      </p:cxnSp>
+      <p:sp>
+        <p:nvSpPr>
+          <p:cNvPr id="877" name="ZoneTexte 876">
+            <a:extLst>
+              <a:ext uri="{FF2B5EF4-FFF2-40B4-BE49-F238E27FC236}">
+                <a16:creationId xmlns:a16="http://schemas.microsoft.com/office/drawing/2014/main" id="{2770DC00-0869-407E-8C75-18A270C7356D}"/>
               </a:ext>
             </a:extLst>
           </p:cNvPr>
@@ -4657,8 +4906,8 @@
         </p:nvSpPr>
         <p:spPr>
           <a:xfrm>
-            <a:off x="17120839" y="12989453"/>
-            <a:ext cx="976814" cy="230832"/>
+            <a:off x="14698775" y="14112533"/>
+            <a:ext cx="1484002" cy="230832"/>
           </a:xfrm>
           <a:prstGeom prst="rect">
             <a:avLst/>
@@ -4676,26 +4925,122 @@
               <a:rPr lang="fr-FR" sz="900" i="1" dirty="0">
                 <a:latin typeface="Gill Sans Nova" panose="020B0602020104020203" pitchFamily="34" charset="0"/>
               </a:rPr>
-              <a:t>P4 has time-</a:t>
+              <a:t>P177</a:t>
+            </a:r>
+          </a:p>
+        </p:txBody>
+      </p:sp>
+      <p:cxnSp>
+        <p:nvCxnSpPr>
+          <p:cNvPr id="879" name="Connecteur droit avec flèche 878">
+            <a:extLst>
+              <a:ext uri="{FF2B5EF4-FFF2-40B4-BE49-F238E27FC236}">
+                <a16:creationId xmlns:a16="http://schemas.microsoft.com/office/drawing/2014/main" id="{E1F16EAD-5FC8-44DA-97C5-4ACDC6E62F86}"/>
+              </a:ext>
+            </a:extLst>
+          </p:cNvPr>
+          <p:cNvCxnSpPr>
+            <a:cxnSpLocks/>
+            <a:stCxn id="872" idx="2"/>
+            <a:endCxn id="874" idx="0"/>
+          </p:cNvCxnSpPr>
+          <p:nvPr/>
+        </p:nvCxnSpPr>
+        <p:spPr>
+          <a:xfrm flipH="1">
+            <a:off x="16583223" y="15105412"/>
+            <a:ext cx="4" cy="726859"/>
+          </a:xfrm>
+          <a:prstGeom prst="straightConnector1">
+            <a:avLst/>
+          </a:prstGeom>
+          <a:ln>
+            <a:tailEnd type="triangle"/>
+          </a:ln>
+        </p:spPr>
+        <p:style>
+          <a:lnRef idx="1">
+            <a:schemeClr val="dk1"/>
+          </a:lnRef>
+          <a:fillRef idx="0">
+            <a:schemeClr val="dk1"/>
+          </a:fillRef>
+          <a:effectRef idx="0">
+            <a:schemeClr val="dk1"/>
+          </a:effectRef>
+          <a:fontRef idx="minor">
+            <a:schemeClr val="tx1"/>
+          </a:fontRef>
+        </p:style>
+      </p:cxnSp>
+      <p:sp>
+        <p:nvSpPr>
+          <p:cNvPr id="880" name="ZoneTexte 879">
+            <a:extLst>
+              <a:ext uri="{FF2B5EF4-FFF2-40B4-BE49-F238E27FC236}">
+                <a16:creationId xmlns:a16="http://schemas.microsoft.com/office/drawing/2014/main" id="{5F9F782B-627B-425F-BB09-C90AD4CB7CA0}"/>
+              </a:ext>
+            </a:extLst>
+          </p:cNvPr>
+          <p:cNvSpPr txBox="1"/>
+          <p:nvPr/>
+        </p:nvSpPr>
+        <p:spPr>
+          <a:xfrm>
+            <a:off x="16378838" y="15340673"/>
+            <a:ext cx="1484002" cy="230832"/>
+          </a:xfrm>
+          <a:prstGeom prst="rect">
+            <a:avLst/>
+          </a:prstGeom>
+          <a:noFill/>
+        </p:spPr>
+        <p:txBody>
+          <a:bodyPr wrap="square" rtlCol="0">
+            <a:spAutoFit/>
+          </a:bodyPr>
+          <a:lstStyle/>
+          <a:p>
+            <a:pPr algn="ctr"/>
+            <a:r>
+              <a:rPr lang="fr-FR" sz="900" i="1" dirty="0">
+                <a:latin typeface="Gill Sans Nova" panose="020B0602020104020203" pitchFamily="34" charset="0"/>
+              </a:rPr>
+              <a:t>P1 </a:t>
             </a:r>
             <a:r>
               <a:rPr lang="fr-FR" sz="900" i="1" dirty="0" err="1">
                 <a:latin typeface="Gill Sans Nova" panose="020B0602020104020203" pitchFamily="34" charset="0"/>
               </a:rPr>
-              <a:t>span</a:t>
-            </a:r>
-            <a:endParaRPr lang="fr-FR" sz="900" i="1" dirty="0">
-              <a:latin typeface="Gill Sans Nova" panose="020B0602020104020203" pitchFamily="34" charset="0"/>
-            </a:endParaRPr>
-          </a:p>
-        </p:txBody>
-      </p:sp>
-      <p:sp>
-        <p:nvSpPr>
-          <p:cNvPr id="868" name="Rectangle : coins arrondis 867">
-            <a:extLst>
-              <a:ext uri="{FF2B5EF4-FFF2-40B4-BE49-F238E27FC236}">
-                <a16:creationId xmlns:a16="http://schemas.microsoft.com/office/drawing/2014/main" id="{2431FA9E-2138-4F69-AEAA-6E2CC89D7560}"/>
+              <a:t>is</a:t>
+            </a:r>
+            <a:r>
+              <a:rPr lang="fr-FR" sz="900" i="1" dirty="0">
+                <a:latin typeface="Gill Sans Nova" panose="020B0602020104020203" pitchFamily="34" charset="0"/>
+              </a:rPr>
+              <a:t> </a:t>
+            </a:r>
+            <a:r>
+              <a:rPr lang="fr-FR" sz="900" i="1" dirty="0" err="1">
+                <a:latin typeface="Gill Sans Nova" panose="020B0602020104020203" pitchFamily="34" charset="0"/>
+              </a:rPr>
+              <a:t>identified</a:t>
+            </a:r>
+            <a:r>
+              <a:rPr lang="fr-FR" sz="900" i="1" dirty="0">
+                <a:latin typeface="Gill Sans Nova" panose="020B0602020104020203" pitchFamily="34" charset="0"/>
+              </a:rPr>
+              <a:t> by</a:t>
+            </a:r>
+          </a:p>
+        </p:txBody>
+      </p:sp>
+      <p:sp>
+        <p:nvSpPr>
+          <p:cNvPr id="881" name="Rectangle : coins arrondis 880">
+            <a:extLst>
+              <a:ext uri="{FF2B5EF4-FFF2-40B4-BE49-F238E27FC236}">
+                <a16:creationId xmlns:a16="http://schemas.microsoft.com/office/drawing/2014/main" id="{D40BB04C-7FC7-4B65-BF90-290CEBFF3480}"/>
               </a:ext>
             </a:extLst>
           </p:cNvPr>
@@ -4704,16 +5049,16 @@
         </p:nvSpPr>
         <p:spPr>
           <a:xfrm>
-            <a:off x="20627723" y="12943937"/>
-            <a:ext cx="1159029" cy="597333"/>
+            <a:off x="14179105" y="15905690"/>
+            <a:ext cx="841674" cy="399893"/>
           </a:xfrm>
           <a:prstGeom prst="roundRect">
             <a:avLst/>
           </a:prstGeom>
           <a:solidFill>
-            <a:srgbClr val="E0EBC3"/>
+            <a:schemeClr val="bg1"/>
           </a:solidFill>
-          <a:ln w="12700">
+          <a:ln w="19050">
             <a:noFill/>
           </a:ln>
         </p:spPr>
@@ -4732,7 +5077,7 @@
           </a:fontRef>
         </p:style>
         <p:txBody>
-          <a:bodyPr rtlCol="0" anchor="ctr"/>
+          <a:bodyPr rtlCol="0" anchor="t"/>
           <a:lstStyle/>
           <a:p>
             <a:pPr algn="ctr"/>
@@ -4743,35 +5088,60 @@
                 </a:solidFill>
                 <a:latin typeface="Gill Sans Nova" panose="020B0602020104020203" pitchFamily="34" charset="0"/>
               </a:rPr>
-              <a:t>E62 String</a:t>
-            </a:r>
-          </a:p>
-          <a:p>
-            <a:pPr algn="ctr"/>
-            <a:r>
-              <a:rPr lang="fr-FR" sz="900" i="1" dirty="0" err="1">
-                <a:solidFill>
-                  <a:schemeClr val="tx1"/>
-                </a:solidFill>
-                <a:latin typeface="Gill Sans Nova" panose="020B0602020104020203" pitchFamily="34" charset="0"/>
-              </a:rPr>
-              <a:t>xsd:DateTime</a:t>
-            </a:r>
-            <a:endParaRPr lang="fr-FR" sz="900" i="1" dirty="0">
-              <a:solidFill>
-                <a:schemeClr val="tx1"/>
-              </a:solidFill>
-              <a:latin typeface="Gill Sans Nova" panose="020B0602020104020203" pitchFamily="34" charset="0"/>
-            </a:endParaRPr>
-          </a:p>
-        </p:txBody>
-      </p:sp>
-      <p:sp>
-        <p:nvSpPr>
-          <p:cNvPr id="869" name="Rectangle : coins arrondis 868">
-            <a:extLst>
-              <a:ext uri="{FF2B5EF4-FFF2-40B4-BE49-F238E27FC236}">
-                <a16:creationId xmlns:a16="http://schemas.microsoft.com/office/drawing/2014/main" id="{76CDBA8E-44D5-44B7-B3D7-E45C7CFE0AD1}"/>
+              <a:t>« Charles Perrault »</a:t>
+            </a:r>
+          </a:p>
+        </p:txBody>
+      </p:sp>
+      <p:cxnSp>
+        <p:nvCxnSpPr>
+          <p:cNvPr id="883" name="Connecteur droit avec flèche 882">
+            <a:extLst>
+              <a:ext uri="{FF2B5EF4-FFF2-40B4-BE49-F238E27FC236}">
+                <a16:creationId xmlns:a16="http://schemas.microsoft.com/office/drawing/2014/main" id="{DABFE0E0-4A94-4985-98C5-B129E47340B0}"/>
+              </a:ext>
+            </a:extLst>
+          </p:cNvPr>
+          <p:cNvCxnSpPr>
+            <a:cxnSpLocks/>
+            <a:stCxn id="874" idx="1"/>
+            <a:endCxn id="881" idx="3"/>
+          </p:cNvCxnSpPr>
+          <p:nvPr/>
+        </p:nvCxnSpPr>
+        <p:spPr>
+          <a:xfrm flipH="1">
+            <a:off x="15020779" y="16095397"/>
+            <a:ext cx="1055876" cy="10236"/>
+          </a:xfrm>
+          <a:prstGeom prst="straightConnector1">
+            <a:avLst/>
+          </a:prstGeom>
+          <a:ln>
+            <a:tailEnd type="triangle"/>
+          </a:ln>
+        </p:spPr>
+        <p:style>
+          <a:lnRef idx="1">
+            <a:schemeClr val="dk1"/>
+          </a:lnRef>
+          <a:fillRef idx="0">
+            <a:schemeClr val="dk1"/>
+          </a:fillRef>
+          <a:effectRef idx="0">
+            <a:schemeClr val="dk1"/>
+          </a:effectRef>
+          <a:fontRef idx="minor">
+            <a:schemeClr val="tx1"/>
+          </a:fontRef>
+        </p:style>
+      </p:cxnSp>
+      <p:sp>
+        <p:nvSpPr>
+          <p:cNvPr id="885" name="Rectangle : coins arrondis 884">
+            <a:extLst>
+              <a:ext uri="{FF2B5EF4-FFF2-40B4-BE49-F238E27FC236}">
+                <a16:creationId xmlns:a16="http://schemas.microsoft.com/office/drawing/2014/main" id="{6EDE16F1-7653-4EBD-AB03-7DFA666C1B57}"/>
               </a:ext>
             </a:extLst>
           </p:cNvPr>
@@ -4780,14 +5150,14 @@
         </p:nvSpPr>
         <p:spPr>
           <a:xfrm>
-            <a:off x="18097653" y="14220204"/>
-            <a:ext cx="976814" cy="588025"/>
+            <a:off x="28773818" y="5579783"/>
+            <a:ext cx="1139308" cy="697636"/>
           </a:xfrm>
           <a:prstGeom prst="roundRect">
             <a:avLst/>
           </a:prstGeom>
           <a:solidFill>
-            <a:srgbClr val="FFC48F"/>
+            <a:srgbClr val="CFD0F1"/>
           </a:solidFill>
           <a:ln w="12700">
             <a:noFill/>
@@ -4819,7 +5189,7 @@
                 </a:solidFill>
                 <a:latin typeface="Gill Sans Nova" panose="020B0602020104020203" pitchFamily="34" charset="0"/>
               </a:rPr>
-              <a:t>E39 Actor</a:t>
+              <a:t>F2 Expression</a:t>
             </a:r>
           </a:p>
           <a:p>
@@ -4831,59 +5201,17 @@
                 </a:solidFill>
                 <a:latin typeface="Gill Sans Nova" panose="020B0602020104020203" pitchFamily="34" charset="0"/>
               </a:rPr>
-              <a:t>Annotateur n°2</a:t>
-            </a:r>
-          </a:p>
-        </p:txBody>
-      </p:sp>
-      <p:cxnSp>
-        <p:nvCxnSpPr>
-          <p:cNvPr id="870" name="Connecteur droit avec flèche 869">
-            <a:extLst>
-              <a:ext uri="{FF2B5EF4-FFF2-40B4-BE49-F238E27FC236}">
-                <a16:creationId xmlns:a16="http://schemas.microsoft.com/office/drawing/2014/main" id="{FB87A79E-A5FF-424A-AEF7-D0895B05D7F2}"/>
-              </a:ext>
-            </a:extLst>
-          </p:cNvPr>
-          <p:cNvCxnSpPr>
-            <a:cxnSpLocks/>
-            <a:endCxn id="869" idx="1"/>
-          </p:cNvCxnSpPr>
-          <p:nvPr/>
-        </p:nvCxnSpPr>
-        <p:spPr>
-          <a:xfrm>
-            <a:off x="17094863" y="13519372"/>
-            <a:ext cx="1002790" cy="994845"/>
-          </a:xfrm>
-          <a:prstGeom prst="straightConnector1">
-            <a:avLst/>
-          </a:prstGeom>
-          <a:ln>
-            <a:tailEnd type="triangle"/>
-          </a:ln>
-        </p:spPr>
-        <p:style>
-          <a:lnRef idx="1">
-            <a:schemeClr val="dk1"/>
-          </a:lnRef>
-          <a:fillRef idx="0">
-            <a:schemeClr val="dk1"/>
-          </a:fillRef>
-          <a:effectRef idx="0">
-            <a:schemeClr val="dk1"/>
-          </a:effectRef>
-          <a:fontRef idx="minor">
-            <a:schemeClr val="tx1"/>
-          </a:fontRef>
-        </p:style>
-      </p:cxnSp>
-      <p:sp>
-        <p:nvSpPr>
-          <p:cNvPr id="871" name="ZoneTexte 870">
-            <a:extLst>
-              <a:ext uri="{FF2B5EF4-FFF2-40B4-BE49-F238E27FC236}">
-                <a16:creationId xmlns:a16="http://schemas.microsoft.com/office/drawing/2014/main" id="{251161F6-1A58-4229-B1B1-935EC2867FB0}"/>
+              <a:t>(Tome 1)</a:t>
+            </a:r>
+          </a:p>
+        </p:txBody>
+      </p:sp>
+      <p:sp>
+        <p:nvSpPr>
+          <p:cNvPr id="886" name="ZoneTexte 885">
+            <a:extLst>
+              <a:ext uri="{FF2B5EF4-FFF2-40B4-BE49-F238E27FC236}">
+                <a16:creationId xmlns:a16="http://schemas.microsoft.com/office/drawing/2014/main" id="{CC8C37AB-D795-418F-A73D-F516EDAA60B2}"/>
               </a:ext>
             </a:extLst>
           </p:cNvPr>
@@ -4892,8 +5220,8 @@
         </p:nvSpPr>
         <p:spPr>
           <a:xfrm>
-            <a:off x="17493122" y="13811049"/>
-            <a:ext cx="1023486" cy="230832"/>
+            <a:off x="26800212" y="10687367"/>
+            <a:ext cx="1398361" cy="230832"/>
           </a:xfrm>
           <a:prstGeom prst="rect">
             <a:avLst/>
@@ -4911,782 +5239,19 @@
               <a:rPr lang="fr-FR" sz="900" i="1" dirty="0">
                 <a:latin typeface="Gill Sans Nova" panose="020B0602020104020203" pitchFamily="34" charset="0"/>
               </a:rPr>
-              <a:t>P14 </a:t>
+              <a:t>R15 </a:t>
             </a:r>
             <a:r>
               <a:rPr lang="fr-FR" sz="900" i="1" dirty="0" err="1">
                 <a:latin typeface="Gill Sans Nova" panose="020B0602020104020203" pitchFamily="34" charset="0"/>
               </a:rPr>
-              <a:t>carried</a:t>
+              <a:t>is</a:t>
             </a:r>
             <a:r>
               <a:rPr lang="fr-FR" sz="900" i="1" dirty="0">
                 <a:latin typeface="Gill Sans Nova" panose="020B0602020104020203" pitchFamily="34" charset="0"/>
               </a:rPr>
-              <a:t> out by</a:t>
-            </a:r>
-          </a:p>
-        </p:txBody>
-      </p:sp>
-      <p:sp>
-        <p:nvSpPr>
-          <p:cNvPr id="872" name="Rectangle : coins arrondis 871">
-            <a:extLst>
-              <a:ext uri="{FF2B5EF4-FFF2-40B4-BE49-F238E27FC236}">
-                <a16:creationId xmlns:a16="http://schemas.microsoft.com/office/drawing/2014/main" id="{287624EC-B3E6-4950-A4D6-6CB961E1A33C}"/>
-              </a:ext>
-            </a:extLst>
-          </p:cNvPr>
-          <p:cNvSpPr/>
-          <p:nvPr/>
-        </p:nvSpPr>
-        <p:spPr>
-          <a:xfrm>
-            <a:off x="16071594" y="14618325"/>
-            <a:ext cx="1023273" cy="487087"/>
-          </a:xfrm>
-          <a:prstGeom prst="roundRect">
-            <a:avLst/>
-          </a:prstGeom>
-          <a:solidFill>
-            <a:srgbClr val="FFE699"/>
-          </a:solidFill>
-          <a:ln w="12700">
-            <a:noFill/>
-          </a:ln>
-        </p:spPr>
-        <p:style>
-          <a:lnRef idx="2">
-            <a:schemeClr val="accent6"/>
-          </a:lnRef>
-          <a:fillRef idx="1">
-            <a:schemeClr val="lt1"/>
-          </a:fillRef>
-          <a:effectRef idx="0">
-            <a:schemeClr val="accent6"/>
-          </a:effectRef>
-          <a:fontRef idx="minor">
-            <a:schemeClr val="dk1"/>
-          </a:fontRef>
-        </p:style>
-        <p:txBody>
-          <a:bodyPr rtlCol="0" anchor="ctr"/>
-          <a:lstStyle/>
-          <a:p>
-            <a:pPr algn="ctr"/>
-            <a:r>
-              <a:rPr lang="fr-FR" sz="900" dirty="0">
-                <a:solidFill>
-                  <a:schemeClr val="tx1"/>
-                </a:solidFill>
-                <a:latin typeface="Gill Sans Nova" panose="020B0602020104020203" pitchFamily="34" charset="0"/>
-              </a:rPr>
-              <a:t>E21 Person</a:t>
-            </a:r>
-          </a:p>
-        </p:txBody>
-      </p:sp>
-      <p:sp>
-        <p:nvSpPr>
-          <p:cNvPr id="873" name="ZoneTexte 872">
-            <a:extLst>
-              <a:ext uri="{FF2B5EF4-FFF2-40B4-BE49-F238E27FC236}">
-                <a16:creationId xmlns:a16="http://schemas.microsoft.com/office/drawing/2014/main" id="{45644DA8-B750-42B9-BC06-C00ECFA35354}"/>
-              </a:ext>
-            </a:extLst>
-          </p:cNvPr>
-          <p:cNvSpPr txBox="1"/>
-          <p:nvPr/>
-        </p:nvSpPr>
-        <p:spPr>
-          <a:xfrm>
-            <a:off x="11221141" y="12680966"/>
-            <a:ext cx="873752" cy="230832"/>
-          </a:xfrm>
-          <a:prstGeom prst="rect">
-            <a:avLst/>
-          </a:prstGeom>
-          <a:noFill/>
-        </p:spPr>
-        <p:txBody>
-          <a:bodyPr wrap="square" rtlCol="0">
-            <a:spAutoFit/>
-          </a:bodyPr>
-          <a:lstStyle/>
-          <a:p>
-            <a:pPr algn="ctr"/>
-            <a:r>
-              <a:rPr lang="fr-FR" sz="900" i="1" dirty="0">
-                <a:latin typeface="Gill Sans Nova" panose="020B0602020104020203" pitchFamily="34" charset="0"/>
-              </a:rPr>
-              <a:t>P141 </a:t>
-            </a:r>
-            <a:r>
-              <a:rPr lang="fr-FR" sz="900" i="1" dirty="0" err="1">
-                <a:latin typeface="Gill Sans Nova" panose="020B0602020104020203" pitchFamily="34" charset="0"/>
-              </a:rPr>
-              <a:t>assigned</a:t>
-            </a:r>
-            <a:endParaRPr lang="fr-FR" sz="900" i="1" dirty="0">
-              <a:latin typeface="Gill Sans Nova" panose="020B0602020104020203" pitchFamily="34" charset="0"/>
-            </a:endParaRPr>
-          </a:p>
-        </p:txBody>
-      </p:sp>
-      <p:sp>
-        <p:nvSpPr>
-          <p:cNvPr id="874" name="Rectangle : coins arrondis 873">
-            <a:extLst>
-              <a:ext uri="{FF2B5EF4-FFF2-40B4-BE49-F238E27FC236}">
-                <a16:creationId xmlns:a16="http://schemas.microsoft.com/office/drawing/2014/main" id="{F912DD3B-5995-4749-BA92-1E4498B270CC}"/>
-              </a:ext>
-            </a:extLst>
-          </p:cNvPr>
-          <p:cNvSpPr/>
-          <p:nvPr/>
-        </p:nvSpPr>
-        <p:spPr>
-          <a:xfrm>
-            <a:off x="16076659" y="15832267"/>
-            <a:ext cx="1013135" cy="526260"/>
-          </a:xfrm>
-          <a:prstGeom prst="roundRect">
-            <a:avLst/>
-          </a:prstGeom>
-          <a:solidFill>
-            <a:srgbClr val="F9C3E7"/>
-          </a:solidFill>
-          <a:ln w="38100">
-            <a:noFill/>
-          </a:ln>
-        </p:spPr>
-        <p:style>
-          <a:lnRef idx="2">
-            <a:schemeClr val="accent6"/>
-          </a:lnRef>
-          <a:fillRef idx="1">
-            <a:schemeClr val="lt1"/>
-          </a:fillRef>
-          <a:effectRef idx="0">
-            <a:schemeClr val="accent6"/>
-          </a:effectRef>
-          <a:fontRef idx="minor">
-            <a:schemeClr val="dk1"/>
-          </a:fontRef>
-        </p:style>
-        <p:txBody>
-          <a:bodyPr rtlCol="0" anchor="ctr"/>
-          <a:lstStyle/>
-          <a:p>
-            <a:pPr algn="ctr"/>
-            <a:r>
-              <a:rPr lang="fr-FR" sz="900" dirty="0">
-                <a:solidFill>
-                  <a:schemeClr val="tx1"/>
-                </a:solidFill>
-                <a:latin typeface="Gill Sans Nova" panose="020B0602020104020203" pitchFamily="34" charset="0"/>
-              </a:rPr>
-              <a:t>E41 Appellation</a:t>
-            </a:r>
-          </a:p>
-        </p:txBody>
-      </p:sp>
-      <p:cxnSp>
-        <p:nvCxnSpPr>
-          <p:cNvPr id="875" name="Connecteur droit avec flèche 874">
-            <a:extLst>
-              <a:ext uri="{FF2B5EF4-FFF2-40B4-BE49-F238E27FC236}">
-                <a16:creationId xmlns:a16="http://schemas.microsoft.com/office/drawing/2014/main" id="{851D158E-4AE3-4D50-9058-8D1390C4D35B}"/>
-              </a:ext>
-            </a:extLst>
-          </p:cNvPr>
-          <p:cNvCxnSpPr>
-            <a:cxnSpLocks/>
-            <a:stCxn id="862" idx="2"/>
-            <a:endCxn id="872" idx="0"/>
-          </p:cNvCxnSpPr>
-          <p:nvPr/>
-        </p:nvCxnSpPr>
-        <p:spPr>
-          <a:xfrm flipH="1">
-            <a:off x="16583227" y="13568783"/>
-            <a:ext cx="8220" cy="1049538"/>
-          </a:xfrm>
-          <a:prstGeom prst="straightConnector1">
-            <a:avLst/>
-          </a:prstGeom>
-          <a:ln>
-            <a:tailEnd type="triangle"/>
-          </a:ln>
-        </p:spPr>
-        <p:style>
-          <a:lnRef idx="1">
-            <a:schemeClr val="dk1"/>
-          </a:lnRef>
-          <a:fillRef idx="0">
-            <a:schemeClr val="dk1"/>
-          </a:fillRef>
-          <a:effectRef idx="0">
-            <a:schemeClr val="dk1"/>
-          </a:effectRef>
-          <a:fontRef idx="minor">
-            <a:schemeClr val="tx1"/>
-          </a:fontRef>
-        </p:style>
-      </p:cxnSp>
-      <p:cxnSp>
-        <p:nvCxnSpPr>
-          <p:cNvPr id="876" name="Connecteur : en arc 875">
-            <a:extLst>
-              <a:ext uri="{FF2B5EF4-FFF2-40B4-BE49-F238E27FC236}">
-                <a16:creationId xmlns:a16="http://schemas.microsoft.com/office/drawing/2014/main" id="{24BBD175-B610-49F5-9993-76012CF5FDE4}"/>
-              </a:ext>
-            </a:extLst>
-          </p:cNvPr>
-          <p:cNvCxnSpPr>
-            <a:cxnSpLocks/>
-            <a:stCxn id="862" idx="2"/>
-            <a:endCxn id="854" idx="2"/>
-          </p:cNvCxnSpPr>
-          <p:nvPr/>
-        </p:nvCxnSpPr>
-        <p:spPr>
-          <a:xfrm rot="5400000">
-            <a:off x="15205346" y="12698951"/>
-            <a:ext cx="516268" cy="2255935"/>
-          </a:xfrm>
-          <a:prstGeom prst="curvedConnector3">
-            <a:avLst>
-              <a:gd name="adj1" fmla="val 144279"/>
-            </a:avLst>
-          </a:prstGeom>
-          <a:ln>
-            <a:tailEnd type="triangle"/>
-          </a:ln>
-        </p:spPr>
-        <p:style>
-          <a:lnRef idx="1">
-            <a:schemeClr val="dk1"/>
-          </a:lnRef>
-          <a:fillRef idx="0">
-            <a:schemeClr val="dk1"/>
-          </a:fillRef>
-          <a:effectRef idx="0">
-            <a:schemeClr val="dk1"/>
-          </a:effectRef>
-          <a:fontRef idx="minor">
-            <a:schemeClr val="tx1"/>
-          </a:fontRef>
-        </p:style>
-      </p:cxnSp>
-      <p:sp>
-        <p:nvSpPr>
-          <p:cNvPr id="877" name="ZoneTexte 876">
-            <a:extLst>
-              <a:ext uri="{FF2B5EF4-FFF2-40B4-BE49-F238E27FC236}">
-                <a16:creationId xmlns:a16="http://schemas.microsoft.com/office/drawing/2014/main" id="{2770DC00-0869-407E-8C75-18A270C7356D}"/>
-              </a:ext>
-            </a:extLst>
-          </p:cNvPr>
-          <p:cNvSpPr txBox="1"/>
-          <p:nvPr/>
-        </p:nvSpPr>
-        <p:spPr>
-          <a:xfrm>
-            <a:off x="14698775" y="14112533"/>
-            <a:ext cx="1484002" cy="230832"/>
-          </a:xfrm>
-          <a:prstGeom prst="rect">
-            <a:avLst/>
-          </a:prstGeom>
-          <a:noFill/>
-        </p:spPr>
-        <p:txBody>
-          <a:bodyPr wrap="square" rtlCol="0">
-            <a:spAutoFit/>
-          </a:bodyPr>
-          <a:lstStyle/>
-          <a:p>
-            <a:pPr algn="ctr"/>
-            <a:r>
-              <a:rPr lang="fr-FR" sz="900" i="1" dirty="0">
-                <a:latin typeface="Gill Sans Nova" panose="020B0602020104020203" pitchFamily="34" charset="0"/>
-              </a:rPr>
-              <a:t>P177</a:t>
-            </a:r>
-          </a:p>
-        </p:txBody>
-      </p:sp>
-      <p:cxnSp>
-        <p:nvCxnSpPr>
-          <p:cNvPr id="878" name="Connecteur droit avec flèche 877">
-            <a:extLst>
-              <a:ext uri="{FF2B5EF4-FFF2-40B4-BE49-F238E27FC236}">
-                <a16:creationId xmlns:a16="http://schemas.microsoft.com/office/drawing/2014/main" id="{BC382150-3A5B-48D9-A415-F7A184431AD0}"/>
-              </a:ext>
-            </a:extLst>
-          </p:cNvPr>
-          <p:cNvCxnSpPr>
-            <a:cxnSpLocks/>
-            <a:stCxn id="844" idx="1"/>
-            <a:endCxn id="843" idx="3"/>
-          </p:cNvCxnSpPr>
-          <p:nvPr/>
-        </p:nvCxnSpPr>
-        <p:spPr>
-          <a:xfrm flipH="1">
-            <a:off x="11907096" y="10631273"/>
-            <a:ext cx="1417577" cy="6654"/>
-          </a:xfrm>
-          <a:prstGeom prst="straightConnector1">
-            <a:avLst/>
-          </a:prstGeom>
-          <a:ln>
-            <a:tailEnd type="triangle"/>
-          </a:ln>
-        </p:spPr>
-        <p:style>
-          <a:lnRef idx="1">
-            <a:schemeClr val="dk1"/>
-          </a:lnRef>
-          <a:fillRef idx="0">
-            <a:schemeClr val="dk1"/>
-          </a:fillRef>
-          <a:effectRef idx="0">
-            <a:schemeClr val="dk1"/>
-          </a:effectRef>
-          <a:fontRef idx="minor">
-            <a:schemeClr val="tx1"/>
-          </a:fontRef>
-        </p:style>
-      </p:cxnSp>
-      <p:cxnSp>
-        <p:nvCxnSpPr>
-          <p:cNvPr id="879" name="Connecteur droit avec flèche 878">
-            <a:extLst>
-              <a:ext uri="{FF2B5EF4-FFF2-40B4-BE49-F238E27FC236}">
-                <a16:creationId xmlns:a16="http://schemas.microsoft.com/office/drawing/2014/main" id="{E1F16EAD-5FC8-44DA-97C5-4ACDC6E62F86}"/>
-              </a:ext>
-            </a:extLst>
-          </p:cNvPr>
-          <p:cNvCxnSpPr>
-            <a:cxnSpLocks/>
-            <a:stCxn id="872" idx="2"/>
-            <a:endCxn id="874" idx="0"/>
-          </p:cNvCxnSpPr>
-          <p:nvPr/>
-        </p:nvCxnSpPr>
-        <p:spPr>
-          <a:xfrm flipH="1">
-            <a:off x="16583223" y="15105412"/>
-            <a:ext cx="4" cy="726859"/>
-          </a:xfrm>
-          <a:prstGeom prst="straightConnector1">
-            <a:avLst/>
-          </a:prstGeom>
-          <a:ln>
-            <a:tailEnd type="triangle"/>
-          </a:ln>
-        </p:spPr>
-        <p:style>
-          <a:lnRef idx="1">
-            <a:schemeClr val="dk1"/>
-          </a:lnRef>
-          <a:fillRef idx="0">
-            <a:schemeClr val="dk1"/>
-          </a:fillRef>
-          <a:effectRef idx="0">
-            <a:schemeClr val="dk1"/>
-          </a:effectRef>
-          <a:fontRef idx="minor">
-            <a:schemeClr val="tx1"/>
-          </a:fontRef>
-        </p:style>
-      </p:cxnSp>
-      <p:sp>
-        <p:nvSpPr>
-          <p:cNvPr id="880" name="ZoneTexte 879">
-            <a:extLst>
-              <a:ext uri="{FF2B5EF4-FFF2-40B4-BE49-F238E27FC236}">
-                <a16:creationId xmlns:a16="http://schemas.microsoft.com/office/drawing/2014/main" id="{5F9F782B-627B-425F-BB09-C90AD4CB7CA0}"/>
-              </a:ext>
-            </a:extLst>
-          </p:cNvPr>
-          <p:cNvSpPr txBox="1"/>
-          <p:nvPr/>
-        </p:nvSpPr>
-        <p:spPr>
-          <a:xfrm>
-            <a:off x="16378838" y="15340673"/>
-            <a:ext cx="1484002" cy="230832"/>
-          </a:xfrm>
-          <a:prstGeom prst="rect">
-            <a:avLst/>
-          </a:prstGeom>
-          <a:noFill/>
-        </p:spPr>
-        <p:txBody>
-          <a:bodyPr wrap="square" rtlCol="0">
-            <a:spAutoFit/>
-          </a:bodyPr>
-          <a:lstStyle/>
-          <a:p>
-            <a:pPr algn="ctr"/>
-            <a:r>
-              <a:rPr lang="fr-FR" sz="900" i="1" dirty="0">
-                <a:latin typeface="Gill Sans Nova" panose="020B0602020104020203" pitchFamily="34" charset="0"/>
-              </a:rPr>
-              <a:t>P1 </a:t>
-            </a:r>
-            <a:r>
-              <a:rPr lang="fr-FR" sz="900" i="1" dirty="0" err="1">
-                <a:latin typeface="Gill Sans Nova" panose="020B0602020104020203" pitchFamily="34" charset="0"/>
-              </a:rPr>
-              <a:t>is</a:t>
-            </a:r>
-            <a:r>
-              <a:rPr lang="fr-FR" sz="900" i="1" dirty="0">
-                <a:latin typeface="Gill Sans Nova" panose="020B0602020104020203" pitchFamily="34" charset="0"/>
-              </a:rPr>
-              <a:t> </a:t>
-            </a:r>
-            <a:r>
-              <a:rPr lang="fr-FR" sz="900" i="1" dirty="0" err="1">
-                <a:latin typeface="Gill Sans Nova" panose="020B0602020104020203" pitchFamily="34" charset="0"/>
-              </a:rPr>
-              <a:t>identified</a:t>
-            </a:r>
-            <a:r>
-              <a:rPr lang="fr-FR" sz="900" i="1" dirty="0">
-                <a:latin typeface="Gill Sans Nova" panose="020B0602020104020203" pitchFamily="34" charset="0"/>
-              </a:rPr>
-              <a:t> by</a:t>
-            </a:r>
-          </a:p>
-        </p:txBody>
-      </p:sp>
-      <p:sp>
-        <p:nvSpPr>
-          <p:cNvPr id="881" name="Rectangle : coins arrondis 880">
-            <a:extLst>
-              <a:ext uri="{FF2B5EF4-FFF2-40B4-BE49-F238E27FC236}">
-                <a16:creationId xmlns:a16="http://schemas.microsoft.com/office/drawing/2014/main" id="{D40BB04C-7FC7-4B65-BF90-290CEBFF3480}"/>
-              </a:ext>
-            </a:extLst>
-          </p:cNvPr>
-          <p:cNvSpPr/>
-          <p:nvPr/>
-        </p:nvSpPr>
-        <p:spPr>
-          <a:xfrm>
-            <a:off x="14179105" y="15905690"/>
-            <a:ext cx="841674" cy="399893"/>
-          </a:xfrm>
-          <a:prstGeom prst="roundRect">
-            <a:avLst/>
-          </a:prstGeom>
-          <a:solidFill>
-            <a:schemeClr val="bg1"/>
-          </a:solidFill>
-          <a:ln w="19050">
-            <a:noFill/>
-          </a:ln>
-        </p:spPr>
-        <p:style>
-          <a:lnRef idx="2">
-            <a:schemeClr val="accent6"/>
-          </a:lnRef>
-          <a:fillRef idx="1">
-            <a:schemeClr val="lt1"/>
-          </a:fillRef>
-          <a:effectRef idx="0">
-            <a:schemeClr val="accent6"/>
-          </a:effectRef>
-          <a:fontRef idx="minor">
-            <a:schemeClr val="dk1"/>
-          </a:fontRef>
-        </p:style>
-        <p:txBody>
-          <a:bodyPr rtlCol="0" anchor="t"/>
-          <a:lstStyle/>
-          <a:p>
-            <a:pPr algn="ctr"/>
-            <a:r>
-              <a:rPr lang="fr-FR" sz="900" dirty="0">
-                <a:solidFill>
-                  <a:schemeClr val="tx1"/>
-                </a:solidFill>
-                <a:latin typeface="Gill Sans Nova" panose="020B0602020104020203" pitchFamily="34" charset="0"/>
-              </a:rPr>
-              <a:t>« Charles Perrault »</a:t>
-            </a:r>
-          </a:p>
-        </p:txBody>
-      </p:sp>
-      <p:cxnSp>
-        <p:nvCxnSpPr>
-          <p:cNvPr id="883" name="Connecteur droit avec flèche 882">
-            <a:extLst>
-              <a:ext uri="{FF2B5EF4-FFF2-40B4-BE49-F238E27FC236}">
-                <a16:creationId xmlns:a16="http://schemas.microsoft.com/office/drawing/2014/main" id="{DABFE0E0-4A94-4985-98C5-B129E47340B0}"/>
-              </a:ext>
-            </a:extLst>
-          </p:cNvPr>
-          <p:cNvCxnSpPr>
-            <a:cxnSpLocks/>
-            <a:stCxn id="874" idx="1"/>
-            <a:endCxn id="881" idx="3"/>
-          </p:cNvCxnSpPr>
-          <p:nvPr/>
-        </p:nvCxnSpPr>
-        <p:spPr>
-          <a:xfrm flipH="1">
-            <a:off x="15020779" y="16095397"/>
-            <a:ext cx="1055876" cy="10236"/>
-          </a:xfrm>
-          <a:prstGeom prst="straightConnector1">
-            <a:avLst/>
-          </a:prstGeom>
-          <a:ln>
-            <a:tailEnd type="triangle"/>
-          </a:ln>
-        </p:spPr>
-        <p:style>
-          <a:lnRef idx="1">
-            <a:schemeClr val="dk1"/>
-          </a:lnRef>
-          <a:fillRef idx="0">
-            <a:schemeClr val="dk1"/>
-          </a:fillRef>
-          <a:effectRef idx="0">
-            <a:schemeClr val="dk1"/>
-          </a:effectRef>
-          <a:fontRef idx="minor">
-            <a:schemeClr val="tx1"/>
-          </a:fontRef>
-        </p:style>
-      </p:cxnSp>
-      <p:cxnSp>
-        <p:nvCxnSpPr>
-          <p:cNvPr id="884" name="Connecteur droit avec flèche 883">
-            <a:extLst>
-              <a:ext uri="{FF2B5EF4-FFF2-40B4-BE49-F238E27FC236}">
-                <a16:creationId xmlns:a16="http://schemas.microsoft.com/office/drawing/2014/main" id="{48F84A35-D3E8-4786-A6A1-AC8C6C68FCDD}"/>
-              </a:ext>
-            </a:extLst>
-          </p:cNvPr>
-          <p:cNvCxnSpPr>
-            <a:cxnSpLocks/>
-            <a:stCxn id="866" idx="3"/>
-            <a:endCxn id="868" idx="1"/>
-          </p:cNvCxnSpPr>
-          <p:nvPr/>
-        </p:nvCxnSpPr>
-        <p:spPr>
-          <a:xfrm>
-            <a:off x="19105180" y="13236552"/>
-            <a:ext cx="1522541" cy="6048"/>
-          </a:xfrm>
-          <a:prstGeom prst="straightConnector1">
-            <a:avLst/>
-          </a:prstGeom>
-          <a:ln>
-            <a:tailEnd type="triangle"/>
-          </a:ln>
-        </p:spPr>
-        <p:style>
-          <a:lnRef idx="1">
-            <a:schemeClr val="dk1"/>
-          </a:lnRef>
-          <a:fillRef idx="0">
-            <a:schemeClr val="dk1"/>
-          </a:fillRef>
-          <a:effectRef idx="0">
-            <a:schemeClr val="dk1"/>
-          </a:effectRef>
-          <a:fontRef idx="minor">
-            <a:schemeClr val="tx1"/>
-          </a:fontRef>
-        </p:style>
-      </p:cxnSp>
-      <p:sp>
-        <p:nvSpPr>
-          <p:cNvPr id="885" name="Rectangle : coins arrondis 884">
-            <a:extLst>
-              <a:ext uri="{FF2B5EF4-FFF2-40B4-BE49-F238E27FC236}">
-                <a16:creationId xmlns:a16="http://schemas.microsoft.com/office/drawing/2014/main" id="{6EDE16F1-7653-4EBD-AB03-7DFA666C1B57}"/>
-              </a:ext>
-            </a:extLst>
-          </p:cNvPr>
-          <p:cNvSpPr/>
-          <p:nvPr/>
-        </p:nvSpPr>
-        <p:spPr>
-          <a:xfrm>
-            <a:off x="28773818" y="5579783"/>
-            <a:ext cx="1139308" cy="697636"/>
-          </a:xfrm>
-          <a:prstGeom prst="roundRect">
-            <a:avLst/>
-          </a:prstGeom>
-          <a:solidFill>
-            <a:srgbClr val="CFD0F1"/>
-          </a:solidFill>
-          <a:ln w="12700">
-            <a:noFill/>
-          </a:ln>
-        </p:spPr>
-        <p:style>
-          <a:lnRef idx="2">
-            <a:schemeClr val="accent6"/>
-          </a:lnRef>
-          <a:fillRef idx="1">
-            <a:schemeClr val="lt1"/>
-          </a:fillRef>
-          <a:effectRef idx="0">
-            <a:schemeClr val="accent6"/>
-          </a:effectRef>
-          <a:fontRef idx="minor">
-            <a:schemeClr val="dk1"/>
-          </a:fontRef>
-        </p:style>
-        <p:txBody>
-          <a:bodyPr rtlCol="0" anchor="ctr"/>
-          <a:lstStyle/>
-          <a:p>
-            <a:pPr algn="ctr"/>
-            <a:r>
-              <a:rPr lang="fr-FR" sz="900" dirty="0">
-                <a:solidFill>
-                  <a:schemeClr val="tx1"/>
-                </a:solidFill>
-                <a:latin typeface="Gill Sans Nova" panose="020B0602020104020203" pitchFamily="34" charset="0"/>
-              </a:rPr>
-              <a:t>F2 Expression</a:t>
-            </a:r>
-          </a:p>
-          <a:p>
-            <a:pPr algn="ctr"/>
-            <a:r>
-              <a:rPr lang="fr-FR" sz="900" i="1" dirty="0">
-                <a:solidFill>
-                  <a:schemeClr val="tx1"/>
-                </a:solidFill>
-                <a:latin typeface="Gill Sans Nova" panose="020B0602020104020203" pitchFamily="34" charset="0"/>
-              </a:rPr>
-              <a:t>(Tome 1)</a:t>
-            </a:r>
-          </a:p>
-        </p:txBody>
-      </p:sp>
-      <p:sp>
-        <p:nvSpPr>
-          <p:cNvPr id="886" name="ZoneTexte 885">
-            <a:extLst>
-              <a:ext uri="{FF2B5EF4-FFF2-40B4-BE49-F238E27FC236}">
-                <a16:creationId xmlns:a16="http://schemas.microsoft.com/office/drawing/2014/main" id="{CC8C37AB-D795-418F-A73D-F516EDAA60B2}"/>
-              </a:ext>
-            </a:extLst>
-          </p:cNvPr>
-          <p:cNvSpPr txBox="1"/>
-          <p:nvPr/>
-        </p:nvSpPr>
-        <p:spPr>
-          <a:xfrm>
-            <a:off x="26800212" y="10687367"/>
-            <a:ext cx="1398361" cy="230832"/>
-          </a:xfrm>
-          <a:prstGeom prst="rect">
-            <a:avLst/>
-          </a:prstGeom>
-          <a:noFill/>
-        </p:spPr>
-        <p:txBody>
-          <a:bodyPr wrap="square" rtlCol="0">
-            <a:spAutoFit/>
-          </a:bodyPr>
-          <a:lstStyle/>
-          <a:p>
-            <a:pPr algn="ctr"/>
-            <a:r>
-              <a:rPr lang="fr-FR" sz="900" i="1" dirty="0">
-                <a:latin typeface="Gill Sans Nova" panose="020B0602020104020203" pitchFamily="34" charset="0"/>
-              </a:rPr>
-              <a:t>R15 </a:t>
-            </a:r>
-            <a:r>
-              <a:rPr lang="fr-FR" sz="900" i="1" dirty="0" err="1">
-                <a:latin typeface="Gill Sans Nova" panose="020B0602020104020203" pitchFamily="34" charset="0"/>
-              </a:rPr>
-              <a:t>is</a:t>
-            </a:r>
-            <a:r>
-              <a:rPr lang="fr-FR" sz="900" i="1" dirty="0">
-                <a:latin typeface="Gill Sans Nova" panose="020B0602020104020203" pitchFamily="34" charset="0"/>
-              </a:rPr>
               <a:t> fragment of</a:t>
-            </a:r>
-          </a:p>
-        </p:txBody>
-      </p:sp>
-      <p:sp>
-        <p:nvSpPr>
-          <p:cNvPr id="887" name="ZoneTexte 886">
-            <a:extLst>
-              <a:ext uri="{FF2B5EF4-FFF2-40B4-BE49-F238E27FC236}">
-                <a16:creationId xmlns:a16="http://schemas.microsoft.com/office/drawing/2014/main" id="{50349285-FE82-4FA5-B807-802DCBF0E4CD}"/>
-              </a:ext>
-            </a:extLst>
-          </p:cNvPr>
-          <p:cNvSpPr txBox="1"/>
-          <p:nvPr/>
-        </p:nvSpPr>
-        <p:spPr>
-          <a:xfrm>
-            <a:off x="11917798" y="10401951"/>
-            <a:ext cx="1398361" cy="230832"/>
-          </a:xfrm>
-          <a:prstGeom prst="rect">
-            <a:avLst/>
-          </a:prstGeom>
-          <a:noFill/>
-        </p:spPr>
-        <p:txBody>
-          <a:bodyPr wrap="square" rtlCol="0">
-            <a:spAutoFit/>
-          </a:bodyPr>
-          <a:lstStyle/>
-          <a:p>
-            <a:pPr algn="ctr"/>
-            <a:r>
-              <a:rPr lang="fr-FR" sz="900" i="1" dirty="0">
-                <a:latin typeface="Gill Sans Nova" panose="020B0602020104020203" pitchFamily="34" charset="0"/>
-              </a:rPr>
-              <a:t>P80 end </a:t>
-            </a:r>
-            <a:r>
-              <a:rPr lang="fr-FR" sz="900" i="1" dirty="0" err="1">
-                <a:latin typeface="Gill Sans Nova" panose="020B0602020104020203" pitchFamily="34" charset="0"/>
-              </a:rPr>
-              <a:t>is</a:t>
-            </a:r>
-            <a:r>
-              <a:rPr lang="fr-FR" sz="900" i="1" dirty="0">
-                <a:latin typeface="Gill Sans Nova" panose="020B0602020104020203" pitchFamily="34" charset="0"/>
-              </a:rPr>
-              <a:t> </a:t>
-            </a:r>
-            <a:r>
-              <a:rPr lang="fr-FR" sz="900" i="1" dirty="0" err="1">
-                <a:latin typeface="Gill Sans Nova" panose="020B0602020104020203" pitchFamily="34" charset="0"/>
-              </a:rPr>
-              <a:t>qualified</a:t>
-            </a:r>
-            <a:r>
-              <a:rPr lang="fr-FR" sz="900" i="1" dirty="0">
-                <a:latin typeface="Gill Sans Nova" panose="020B0602020104020203" pitchFamily="34" charset="0"/>
-              </a:rPr>
-              <a:t> by</a:t>
             </a:r>
           </a:p>
         </p:txBody>
@@ -13007,68 +12572,6 @@
           </a:p>
         </p:txBody>
       </p:sp>
-      <p:sp>
-        <p:nvSpPr>
-          <p:cNvPr id="1664" name="ZoneTexte 1663">
-            <a:extLst>
-              <a:ext uri="{FF2B5EF4-FFF2-40B4-BE49-F238E27FC236}">
-                <a16:creationId xmlns:a16="http://schemas.microsoft.com/office/drawing/2014/main" id="{E04AC912-ACC9-4B60-B904-ECF5BC99B505}"/>
-              </a:ext>
-            </a:extLst>
-          </p:cNvPr>
-          <p:cNvSpPr txBox="1"/>
-          <p:nvPr/>
-        </p:nvSpPr>
-        <p:spPr>
-          <a:xfrm>
-            <a:off x="19096108" y="13029265"/>
-            <a:ext cx="1398361" cy="230832"/>
-          </a:xfrm>
-          <a:prstGeom prst="rect">
-            <a:avLst/>
-          </a:prstGeom>
-          <a:noFill/>
-        </p:spPr>
-        <p:txBody>
-          <a:bodyPr wrap="square" rtlCol="0">
-            <a:spAutoFit/>
-          </a:bodyPr>
-          <a:lstStyle/>
-          <a:p>
-            <a:pPr algn="ctr"/>
-            <a:r>
-              <a:rPr lang="fr-FR" sz="900" i="1" dirty="0">
-                <a:latin typeface="Gill Sans Nova" panose="020B0602020104020203" pitchFamily="34" charset="0"/>
-              </a:rPr>
-              <a:t>P80 end </a:t>
-            </a:r>
-            <a:r>
-              <a:rPr lang="fr-FR" sz="900" i="1" dirty="0" err="1">
-                <a:latin typeface="Gill Sans Nova" panose="020B0602020104020203" pitchFamily="34" charset="0"/>
-              </a:rPr>
-              <a:t>is</a:t>
-            </a:r>
-            <a:r>
-              <a:rPr lang="fr-FR" sz="900" i="1" dirty="0">
-                <a:latin typeface="Gill Sans Nova" panose="020B0602020104020203" pitchFamily="34" charset="0"/>
-              </a:rPr>
-              <a:t> </a:t>
-            </a:r>
-            <a:r>
-              <a:rPr lang="fr-FR" sz="900" i="1" dirty="0" err="1">
-                <a:latin typeface="Gill Sans Nova" panose="020B0602020104020203" pitchFamily="34" charset="0"/>
-              </a:rPr>
-              <a:t>qualified</a:t>
-            </a:r>
-            <a:r>
-              <a:rPr lang="fr-FR" sz="900" i="1" dirty="0">
-                <a:latin typeface="Gill Sans Nova" panose="020B0602020104020203" pitchFamily="34" charset="0"/>
-              </a:rPr>
-              <a:t> by</a:t>
-            </a:r>
-          </a:p>
-        </p:txBody>
-      </p:sp>
       <p:cxnSp>
         <p:nvCxnSpPr>
           <p:cNvPr id="1687" name="Connecteur : en arc 1686">
@@ -13565,7 +13068,7 @@
         </p:nvSpPr>
         <p:spPr>
           <a:xfrm>
-            <a:off x="25829816" y="22485909"/>
+            <a:off x="25241850" y="22612081"/>
             <a:ext cx="976814" cy="458655"/>
           </a:xfrm>
           <a:prstGeom prst="roundRect">
@@ -13628,12 +13131,14 @@
           <p:nvPr/>
         </p:nvCxnSpPr>
         <p:spPr>
-          <a:xfrm>
-            <a:off x="26318223" y="21918418"/>
-            <a:ext cx="0" cy="567491"/>
-          </a:xfrm>
-          <a:prstGeom prst="straightConnector1">
-            <a:avLst/>
+          <a:xfrm rot="5400000">
+            <a:off x="25677409" y="21971266"/>
+            <a:ext cx="693663" cy="587966"/>
+          </a:xfrm>
+          <a:prstGeom prst="curvedConnector3">
+            <a:avLst>
+              <a:gd name="adj1" fmla="val 50000"/>
+            </a:avLst>
           </a:prstGeom>
           <a:ln>
             <a:tailEnd type="triangle"/>
@@ -13668,7 +13173,7 @@
         </p:nvSpPr>
         <p:spPr>
           <a:xfrm>
-            <a:off x="25706834" y="22071587"/>
+            <a:off x="25019105" y="22164199"/>
             <a:ext cx="1484002" cy="230832"/>
           </a:xfrm>
           <a:prstGeom prst="rect">
@@ -14569,12 +14074,179 @@
           </a:fontRef>
         </p:style>
       </p:cxnSp>
-      <p:sp>
-        <p:nvSpPr>
-          <p:cNvPr id="35" name="Rectangle : coins arrondis 34">
-            <a:extLst>
-              <a:ext uri="{FF2B5EF4-FFF2-40B4-BE49-F238E27FC236}">
-                <a16:creationId xmlns:a16="http://schemas.microsoft.com/office/drawing/2014/main" id="{ABD94230-BB9A-40C0-BE5A-120F77E28169}"/>
+      <p:cxnSp>
+        <p:nvCxnSpPr>
+          <p:cNvPr id="48" name="Connecteur droit avec flèche 47">
+            <a:extLst>
+              <a:ext uri="{FF2B5EF4-FFF2-40B4-BE49-F238E27FC236}">
+                <a16:creationId xmlns:a16="http://schemas.microsoft.com/office/drawing/2014/main" id="{BEBBDA62-DE0E-4735-BE9C-EA71F7EAF73C}"/>
+              </a:ext>
+            </a:extLst>
+          </p:cNvPr>
+          <p:cNvCxnSpPr>
+            <a:cxnSpLocks/>
+            <a:stCxn id="1292" idx="3"/>
+            <a:endCxn id="200" idx="1"/>
+          </p:cNvCxnSpPr>
+          <p:nvPr/>
+        </p:nvCxnSpPr>
+        <p:spPr>
+          <a:xfrm flipV="1">
+            <a:off x="30140517" y="24217450"/>
+            <a:ext cx="877781" cy="1"/>
+          </a:xfrm>
+          <a:prstGeom prst="straightConnector1">
+            <a:avLst/>
+          </a:prstGeom>
+          <a:ln>
+            <a:tailEnd type="triangle"/>
+          </a:ln>
+        </p:spPr>
+        <p:style>
+          <a:lnRef idx="1">
+            <a:schemeClr val="dk1"/>
+          </a:lnRef>
+          <a:fillRef idx="0">
+            <a:schemeClr val="dk1"/>
+          </a:fillRef>
+          <a:effectRef idx="0">
+            <a:schemeClr val="dk1"/>
+          </a:effectRef>
+          <a:fontRef idx="minor">
+            <a:schemeClr val="tx1"/>
+          </a:fontRef>
+        </p:style>
+      </p:cxnSp>
+      <p:cxnSp>
+        <p:nvCxnSpPr>
+          <p:cNvPr id="55" name="Connecteur : en arc 54">
+            <a:extLst>
+              <a:ext uri="{FF2B5EF4-FFF2-40B4-BE49-F238E27FC236}">
+                <a16:creationId xmlns:a16="http://schemas.microsoft.com/office/drawing/2014/main" id="{156CBF43-9AB9-480C-A4D8-8FD85A1EA9A4}"/>
+              </a:ext>
+            </a:extLst>
+          </p:cNvPr>
+          <p:cNvCxnSpPr>
+            <a:stCxn id="1279" idx="2"/>
+            <a:endCxn id="1374" idx="3"/>
+          </p:cNvCxnSpPr>
+          <p:nvPr/>
+        </p:nvCxnSpPr>
+        <p:spPr>
+          <a:xfrm rot="5400000">
+            <a:off x="25826152" y="21342104"/>
+            <a:ext cx="8084768" cy="7642968"/>
+          </a:xfrm>
+          <a:prstGeom prst="curvedConnector2">
+            <a:avLst/>
+          </a:prstGeom>
+        </p:spPr>
+        <p:style>
+          <a:lnRef idx="1">
+            <a:schemeClr val="dk1"/>
+          </a:lnRef>
+          <a:fillRef idx="0">
+            <a:schemeClr val="dk1"/>
+          </a:fillRef>
+          <a:effectRef idx="0">
+            <a:schemeClr val="dk1"/>
+          </a:effectRef>
+          <a:fontRef idx="minor">
+            <a:schemeClr val="tx1"/>
+          </a:fontRef>
+        </p:style>
+      </p:cxnSp>
+      <p:sp>
+        <p:nvSpPr>
+          <p:cNvPr id="63" name="ZoneTexte 62">
+            <a:extLst>
+              <a:ext uri="{FF2B5EF4-FFF2-40B4-BE49-F238E27FC236}">
+                <a16:creationId xmlns:a16="http://schemas.microsoft.com/office/drawing/2014/main" id="{04D98324-7737-4601-98E2-15E6BCD64BC4}"/>
+              </a:ext>
+            </a:extLst>
+          </p:cNvPr>
+          <p:cNvSpPr txBox="1"/>
+          <p:nvPr/>
+        </p:nvSpPr>
+        <p:spPr>
+          <a:xfrm>
+            <a:off x="23138760" y="27282839"/>
+            <a:ext cx="1484002" cy="230832"/>
+          </a:xfrm>
+          <a:prstGeom prst="rect">
+            <a:avLst/>
+          </a:prstGeom>
+          <a:noFill/>
+        </p:spPr>
+        <p:txBody>
+          <a:bodyPr wrap="square" rtlCol="0">
+            <a:spAutoFit/>
+          </a:bodyPr>
+          <a:lstStyle/>
+          <a:p>
+            <a:pPr algn="ctr"/>
+            <a:r>
+              <a:rPr lang="fr-FR" sz="900" i="1" dirty="0">
+                <a:latin typeface="Gill Sans Nova" panose="020B0602020104020203" pitchFamily="34" charset="0"/>
+              </a:rPr>
+              <a:t>P71 </a:t>
+            </a:r>
+            <a:r>
+              <a:rPr lang="fr-FR" sz="900" i="1" dirty="0" err="1">
+                <a:latin typeface="Gill Sans Nova" panose="020B0602020104020203" pitchFamily="34" charset="0"/>
+              </a:rPr>
+              <a:t>lists</a:t>
+            </a:r>
+            <a:endParaRPr lang="fr-FR" sz="900" i="1" dirty="0">
+              <a:latin typeface="Gill Sans Nova" panose="020B0602020104020203" pitchFamily="34" charset="0"/>
+            </a:endParaRPr>
+          </a:p>
+        </p:txBody>
+      </p:sp>
+      <p:sp>
+        <p:nvSpPr>
+          <p:cNvPr id="198" name="ZoneTexte 197">
+            <a:extLst>
+              <a:ext uri="{FF2B5EF4-FFF2-40B4-BE49-F238E27FC236}">
+                <a16:creationId xmlns:a16="http://schemas.microsoft.com/office/drawing/2014/main" id="{094D8B2A-BB77-4976-AFB5-B2C552ECF2E2}"/>
+              </a:ext>
+            </a:extLst>
+          </p:cNvPr>
+          <p:cNvSpPr txBox="1"/>
+          <p:nvPr/>
+        </p:nvSpPr>
+        <p:spPr>
+          <a:xfrm>
+            <a:off x="29809350" y="24234188"/>
+            <a:ext cx="1484002" cy="230832"/>
+          </a:xfrm>
+          <a:prstGeom prst="rect">
+            <a:avLst/>
+          </a:prstGeom>
+          <a:noFill/>
+        </p:spPr>
+        <p:txBody>
+          <a:bodyPr wrap="square" rtlCol="0">
+            <a:spAutoFit/>
+          </a:bodyPr>
+          <a:lstStyle/>
+          <a:p>
+            <a:pPr algn="ctr"/>
+            <a:r>
+              <a:rPr lang="fr-FR" sz="900" i="1" dirty="0">
+                <a:latin typeface="Gill Sans Nova" panose="020B0602020104020203" pitchFamily="34" charset="0"/>
+              </a:rPr>
+              <a:t>P1</a:t>
+            </a:r>
+          </a:p>
+        </p:txBody>
+      </p:sp>
+      <p:sp>
+        <p:nvSpPr>
+          <p:cNvPr id="200" name="Rectangle : coins arrondis 199">
+            <a:extLst>
+              <a:ext uri="{FF2B5EF4-FFF2-40B4-BE49-F238E27FC236}">
+                <a16:creationId xmlns:a16="http://schemas.microsoft.com/office/drawing/2014/main" id="{4D4EDFCB-E781-4137-842F-BAB2A811CECF}"/>
               </a:ext>
             </a:extLst>
           </p:cNvPr>
@@ -14583,131 +14255,17 @@
         </p:nvSpPr>
         <p:spPr>
           <a:xfrm>
-            <a:off x="25502661" y="20173719"/>
-            <a:ext cx="4912529" cy="3005487"/>
-          </a:xfrm>
-          <a:custGeom>
-            <a:avLst/>
-            <a:gdLst>
-              <a:gd name="connsiteX0" fmla="*/ 0 w 4912529"/>
-              <a:gd name="connsiteY0" fmla="*/ 500925 h 3005487"/>
-              <a:gd name="connsiteX1" fmla="*/ 500925 w 4912529"/>
-              <a:gd name="connsiteY1" fmla="*/ 0 h 3005487"/>
-              <a:gd name="connsiteX2" fmla="*/ 4411604 w 4912529"/>
-              <a:gd name="connsiteY2" fmla="*/ 0 h 3005487"/>
-              <a:gd name="connsiteX3" fmla="*/ 4912529 w 4912529"/>
-              <a:gd name="connsiteY3" fmla="*/ 500925 h 3005487"/>
-              <a:gd name="connsiteX4" fmla="*/ 4912529 w 4912529"/>
-              <a:gd name="connsiteY4" fmla="*/ 2504562 h 3005487"/>
-              <a:gd name="connsiteX5" fmla="*/ 4411604 w 4912529"/>
-              <a:gd name="connsiteY5" fmla="*/ 3005487 h 3005487"/>
-              <a:gd name="connsiteX6" fmla="*/ 500925 w 4912529"/>
-              <a:gd name="connsiteY6" fmla="*/ 3005487 h 3005487"/>
-              <a:gd name="connsiteX7" fmla="*/ 0 w 4912529"/>
-              <a:gd name="connsiteY7" fmla="*/ 2504562 h 3005487"/>
-              <a:gd name="connsiteX8" fmla="*/ 0 w 4912529"/>
-              <a:gd name="connsiteY8" fmla="*/ 500925 h 3005487"/>
-            </a:gdLst>
-            <a:ahLst/>
-            <a:cxnLst>
-              <a:cxn ang="0">
-                <a:pos x="connsiteX0" y="connsiteY0"/>
-              </a:cxn>
-              <a:cxn ang="0">
-                <a:pos x="connsiteX1" y="connsiteY1"/>
-              </a:cxn>
-              <a:cxn ang="0">
-                <a:pos x="connsiteX2" y="connsiteY2"/>
-              </a:cxn>
-              <a:cxn ang="0">
-                <a:pos x="connsiteX3" y="connsiteY3"/>
-              </a:cxn>
-              <a:cxn ang="0">
-                <a:pos x="connsiteX4" y="connsiteY4"/>
-              </a:cxn>
-              <a:cxn ang="0">
-                <a:pos x="connsiteX5" y="connsiteY5"/>
-              </a:cxn>
-              <a:cxn ang="0">
-                <a:pos x="connsiteX6" y="connsiteY6"/>
-              </a:cxn>
-              <a:cxn ang="0">
-                <a:pos x="connsiteX7" y="connsiteY7"/>
-              </a:cxn>
-              <a:cxn ang="0">
-                <a:pos x="connsiteX8" y="connsiteY8"/>
-              </a:cxn>
-            </a:cxnLst>
-            <a:rect l="l" t="t" r="r" b="b"/>
-            <a:pathLst>
-              <a:path w="4912529" h="3005487" extrusionOk="0">
-                <a:moveTo>
-                  <a:pt x="0" y="500925"/>
-                </a:moveTo>
-                <a:cubicBezTo>
-                  <a:pt x="-30688" y="236963"/>
-                  <a:pt x="238138" y="1874"/>
-                  <a:pt x="500925" y="0"/>
-                </a:cubicBezTo>
-                <a:cubicBezTo>
-                  <a:pt x="2429322" y="-163030"/>
-                  <a:pt x="3541411" y="-73027"/>
-                  <a:pt x="4411604" y="0"/>
-                </a:cubicBezTo>
-                <a:cubicBezTo>
-                  <a:pt x="4691729" y="49297"/>
-                  <a:pt x="4934626" y="208573"/>
-                  <a:pt x="4912529" y="500925"/>
-                </a:cubicBezTo>
-                <a:cubicBezTo>
-                  <a:pt x="5076129" y="986035"/>
-                  <a:pt x="4980082" y="2006330"/>
-                  <a:pt x="4912529" y="2504562"/>
-                </a:cubicBezTo>
-                <a:cubicBezTo>
-                  <a:pt x="4958881" y="2767782"/>
-                  <a:pt x="4736819" y="3027058"/>
-                  <a:pt x="4411604" y="3005487"/>
-                </a:cubicBezTo>
-                <a:cubicBezTo>
-                  <a:pt x="3776040" y="3168769"/>
-                  <a:pt x="2373172" y="3137941"/>
-                  <a:pt x="500925" y="3005487"/>
-                </a:cubicBezTo>
-                <a:cubicBezTo>
-                  <a:pt x="224491" y="2999674"/>
-                  <a:pt x="16730" y="2810401"/>
-                  <a:pt x="0" y="2504562"/>
-                </a:cubicBezTo>
-                <a:cubicBezTo>
-                  <a:pt x="17112" y="2292478"/>
-                  <a:pt x="45439" y="1373435"/>
-                  <a:pt x="0" y="500925"/>
-                </a:cubicBezTo>
-                <a:close/>
-              </a:path>
-            </a:pathLst>
-          </a:custGeom>
-          <a:noFill/>
-          <a:ln w="28575">
-            <a:solidFill>
-              <a:schemeClr val="bg2">
-                <a:lumMod val="75000"/>
-              </a:schemeClr>
-            </a:solidFill>
-            <a:prstDash val="dash"/>
-            <a:extLst>
-              <a:ext uri="{C807C97D-BFC1-408E-A445-0C87EB9F89A2}">
-                <ask:lineSketchStyleProps xmlns:ask="http://schemas.microsoft.com/office/drawing/2018/sketchyshapes" sd="1543971826">
-                  <a:prstGeom prst="roundRect">
-                    <a:avLst/>
-                  </a:prstGeom>
-                  <ask:type>
-                    <ask:lineSketchCurved/>
-                  </ask:type>
-                </ask:lineSketchStyleProps>
-              </a:ext>
-            </a:extLst>
+            <a:off x="31018297" y="23855628"/>
+            <a:ext cx="1745658" cy="723643"/>
+          </a:xfrm>
+          <a:prstGeom prst="roundRect">
+            <a:avLst/>
+          </a:prstGeom>
+          <a:solidFill>
+            <a:srgbClr val="F9C3E7"/>
+          </a:solidFill>
+          <a:ln w="38100">
+            <a:noFill/>
           </a:ln>
         </p:spPr>
         <p:style>
@@ -14729,226 +14287,36 @@
           <a:lstStyle/>
           <a:p>
             <a:pPr algn="ctr"/>
-            <a:endParaRPr lang="fr-FR"/>
-          </a:p>
-        </p:txBody>
-      </p:sp>
-      <p:sp>
-        <p:nvSpPr>
-          <p:cNvPr id="36" name="ZoneTexte 35">
-            <a:extLst>
-              <a:ext uri="{FF2B5EF4-FFF2-40B4-BE49-F238E27FC236}">
-                <a16:creationId xmlns:a16="http://schemas.microsoft.com/office/drawing/2014/main" id="{072E0CFD-BB25-4AF6-9AE0-6CC36D787454}"/>
-              </a:ext>
-            </a:extLst>
-          </p:cNvPr>
-          <p:cNvSpPr txBox="1"/>
-          <p:nvPr/>
-        </p:nvSpPr>
-        <p:spPr>
-          <a:xfrm>
-            <a:off x="27617213" y="22903924"/>
-            <a:ext cx="1484002" cy="276999"/>
-          </a:xfrm>
-          <a:prstGeom prst="rect">
-            <a:avLst/>
-          </a:prstGeom>
-          <a:noFill/>
-        </p:spPr>
-        <p:txBody>
-          <a:bodyPr wrap="square" rtlCol="0">
-            <a:spAutoFit/>
-          </a:bodyPr>
-          <a:lstStyle/>
-          <a:p>
-            <a:pPr algn="ctr"/>
-            <a:r>
-              <a:rPr lang="fr-FR" sz="1200" b="1" i="1" dirty="0">
-                <a:solidFill>
-                  <a:schemeClr val="bg2">
-                    <a:lumMod val="75000"/>
-                  </a:schemeClr>
-                </a:solidFill>
-                <a:latin typeface="Gill Sans Nova" panose="020B0602020104020203" pitchFamily="34" charset="0"/>
-              </a:rPr>
-              <a:t>OPTIONNEL</a:t>
-            </a:r>
-          </a:p>
-        </p:txBody>
-      </p:sp>
-      <p:cxnSp>
-        <p:nvCxnSpPr>
-          <p:cNvPr id="48" name="Connecteur droit avec flèche 47">
-            <a:extLst>
-              <a:ext uri="{FF2B5EF4-FFF2-40B4-BE49-F238E27FC236}">
-                <a16:creationId xmlns:a16="http://schemas.microsoft.com/office/drawing/2014/main" id="{BEBBDA62-DE0E-4735-BE9C-EA71F7EAF73C}"/>
-              </a:ext>
-            </a:extLst>
-          </p:cNvPr>
-          <p:cNvCxnSpPr>
-            <a:cxnSpLocks/>
-            <a:stCxn id="1292" idx="3"/>
-            <a:endCxn id="200" idx="1"/>
-          </p:cNvCxnSpPr>
-          <p:nvPr/>
-        </p:nvCxnSpPr>
-        <p:spPr>
-          <a:xfrm flipV="1">
-            <a:off x="30140517" y="24217450"/>
-            <a:ext cx="877781" cy="1"/>
-          </a:xfrm>
-          <a:prstGeom prst="straightConnector1">
-            <a:avLst/>
-          </a:prstGeom>
-          <a:ln>
-            <a:tailEnd type="triangle"/>
-          </a:ln>
-        </p:spPr>
-        <p:style>
-          <a:lnRef idx="1">
-            <a:schemeClr val="dk1"/>
-          </a:lnRef>
-          <a:fillRef idx="0">
-            <a:schemeClr val="dk1"/>
-          </a:fillRef>
-          <a:effectRef idx="0">
-            <a:schemeClr val="dk1"/>
-          </a:effectRef>
-          <a:fontRef idx="minor">
-            <a:schemeClr val="tx1"/>
-          </a:fontRef>
-        </p:style>
-      </p:cxnSp>
-      <p:cxnSp>
-        <p:nvCxnSpPr>
-          <p:cNvPr id="55" name="Connecteur : en arc 54">
-            <a:extLst>
-              <a:ext uri="{FF2B5EF4-FFF2-40B4-BE49-F238E27FC236}">
-                <a16:creationId xmlns:a16="http://schemas.microsoft.com/office/drawing/2014/main" id="{156CBF43-9AB9-480C-A4D8-8FD85A1EA9A4}"/>
-              </a:ext>
-            </a:extLst>
-          </p:cNvPr>
-          <p:cNvCxnSpPr>
-            <a:stCxn id="1279" idx="2"/>
-            <a:endCxn id="1374" idx="3"/>
-          </p:cNvCxnSpPr>
-          <p:nvPr/>
-        </p:nvCxnSpPr>
-        <p:spPr>
-          <a:xfrm rot="5400000">
-            <a:off x="25826152" y="21342104"/>
-            <a:ext cx="8084768" cy="7642968"/>
-          </a:xfrm>
-          <a:prstGeom prst="curvedConnector2">
-            <a:avLst/>
-          </a:prstGeom>
-        </p:spPr>
-        <p:style>
-          <a:lnRef idx="1">
-            <a:schemeClr val="dk1"/>
-          </a:lnRef>
-          <a:fillRef idx="0">
-            <a:schemeClr val="dk1"/>
-          </a:fillRef>
-          <a:effectRef idx="0">
-            <a:schemeClr val="dk1"/>
-          </a:effectRef>
-          <a:fontRef idx="minor">
-            <a:schemeClr val="tx1"/>
-          </a:fontRef>
-        </p:style>
-      </p:cxnSp>
-      <p:sp>
-        <p:nvSpPr>
-          <p:cNvPr id="63" name="ZoneTexte 62">
-            <a:extLst>
-              <a:ext uri="{FF2B5EF4-FFF2-40B4-BE49-F238E27FC236}">
-                <a16:creationId xmlns:a16="http://schemas.microsoft.com/office/drawing/2014/main" id="{04D98324-7737-4601-98E2-15E6BCD64BC4}"/>
-              </a:ext>
-            </a:extLst>
-          </p:cNvPr>
-          <p:cNvSpPr txBox="1"/>
-          <p:nvPr/>
-        </p:nvSpPr>
-        <p:spPr>
-          <a:xfrm>
-            <a:off x="23138760" y="27282839"/>
-            <a:ext cx="1484002" cy="230832"/>
-          </a:xfrm>
-          <a:prstGeom prst="rect">
-            <a:avLst/>
-          </a:prstGeom>
-          <a:noFill/>
-        </p:spPr>
-        <p:txBody>
-          <a:bodyPr wrap="square" rtlCol="0">
-            <a:spAutoFit/>
-          </a:bodyPr>
-          <a:lstStyle/>
+            <a:r>
+              <a:rPr lang="fr-FR" sz="900" dirty="0">
+                <a:solidFill>
+                  <a:schemeClr val="tx1"/>
+                </a:solidFill>
+                <a:latin typeface="Gill Sans Nova" panose="020B0602020104020203" pitchFamily="34" charset="0"/>
+              </a:rPr>
+              <a:t>E41 Appellation</a:t>
+            </a:r>
+          </a:p>
           <a:p>
             <a:pPr algn="ctr"/>
             <a:r>
               <a:rPr lang="fr-FR" sz="900" i="1" dirty="0">
-                <a:latin typeface="Gill Sans Nova" panose="020B0602020104020203" pitchFamily="34" charset="0"/>
-              </a:rPr>
-              <a:t>P71 </a:t>
-            </a:r>
-            <a:r>
-              <a:rPr lang="fr-FR" sz="900" i="1" dirty="0" err="1">
-                <a:latin typeface="Gill Sans Nova" panose="020B0602020104020203" pitchFamily="34" charset="0"/>
-              </a:rPr>
-              <a:t>lists</a:t>
-            </a:r>
-            <a:endParaRPr lang="fr-FR" sz="900" i="1" dirty="0">
-              <a:latin typeface="Gill Sans Nova" panose="020B0602020104020203" pitchFamily="34" charset="0"/>
-            </a:endParaRPr>
-          </a:p>
-        </p:txBody>
-      </p:sp>
-      <p:sp>
-        <p:nvSpPr>
-          <p:cNvPr id="198" name="ZoneTexte 197">
-            <a:extLst>
-              <a:ext uri="{FF2B5EF4-FFF2-40B4-BE49-F238E27FC236}">
-                <a16:creationId xmlns:a16="http://schemas.microsoft.com/office/drawing/2014/main" id="{094D8B2A-BB77-4976-AFB5-B2C552ECF2E2}"/>
-              </a:ext>
-            </a:extLst>
-          </p:cNvPr>
-          <p:cNvSpPr txBox="1"/>
-          <p:nvPr/>
-        </p:nvSpPr>
-        <p:spPr>
-          <a:xfrm>
-            <a:off x="29809350" y="24234188"/>
-            <a:ext cx="1484002" cy="230832"/>
-          </a:xfrm>
-          <a:prstGeom prst="rect">
-            <a:avLst/>
-          </a:prstGeom>
-          <a:noFill/>
-        </p:spPr>
-        <p:txBody>
-          <a:bodyPr wrap="square" rtlCol="0">
-            <a:spAutoFit/>
-          </a:bodyPr>
-          <a:lstStyle/>
-          <a:p>
-            <a:pPr algn="ctr"/>
-            <a:r>
-              <a:rPr lang="fr-FR" sz="900" i="1" dirty="0">
-                <a:latin typeface="Gill Sans Nova" panose="020B0602020104020203" pitchFamily="34" charset="0"/>
-              </a:rPr>
-              <a:t>P1</a:t>
-            </a:r>
-          </a:p>
-        </p:txBody>
-      </p:sp>
-      <p:sp>
-        <p:nvSpPr>
-          <p:cNvPr id="199" name="Accolade fermante 198">
-            <a:extLst>
-              <a:ext uri="{FF2B5EF4-FFF2-40B4-BE49-F238E27FC236}">
-                <a16:creationId xmlns:a16="http://schemas.microsoft.com/office/drawing/2014/main" id="{23401530-2A0E-4427-8682-96067A4347B0}"/>
+                <a:solidFill>
+                  <a:schemeClr val="tx1"/>
+                </a:solidFill>
+                <a:latin typeface="Gill Sans Nova" panose="020B0602020104020203" pitchFamily="34" charset="0"/>
+              </a:rPr>
+              <a:t>« Communautés de marchands et de bourgeois »</a:t>
+            </a:r>
+          </a:p>
+        </p:txBody>
+      </p:sp>
+      <p:sp>
+        <p:nvSpPr>
+          <p:cNvPr id="10" name="Rectangle : coins arrondis 9">
+            <a:extLst>
+              <a:ext uri="{FF2B5EF4-FFF2-40B4-BE49-F238E27FC236}">
+                <a16:creationId xmlns:a16="http://schemas.microsoft.com/office/drawing/2014/main" id="{AC78E822-F524-4111-9F04-3E69337C8308}"/>
               </a:ext>
             </a:extLst>
           </p:cNvPr>
@@ -14956,64 +14324,17 @@
           <p:nvPr/>
         </p:nvSpPr>
         <p:spPr>
-          <a:xfrm rot="16200000">
-            <a:off x="27667791" y="19774861"/>
-            <a:ext cx="267704" cy="1904911"/>
-          </a:xfrm>
-          <a:prstGeom prst="rightBrace">
-            <a:avLst>
-              <a:gd name="adj1" fmla="val 127467"/>
-              <a:gd name="adj2" fmla="val 52080"/>
-            </a:avLst>
-          </a:prstGeom>
-        </p:spPr>
-        <p:style>
-          <a:lnRef idx="1">
-            <a:schemeClr val="dk1"/>
-          </a:lnRef>
-          <a:fillRef idx="0">
-            <a:schemeClr val="dk1"/>
-          </a:fillRef>
-          <a:effectRef idx="0">
-            <a:schemeClr val="dk1"/>
-          </a:effectRef>
-          <a:fontRef idx="minor">
-            <a:schemeClr val="tx1"/>
-          </a:fontRef>
-        </p:style>
-        <p:txBody>
-          <a:bodyPr rtlCol="0" anchor="ctr"/>
-          <a:lstStyle/>
-          <a:p>
-            <a:pPr algn="ctr"/>
-            <a:endParaRPr lang="fr-FR"/>
-          </a:p>
-        </p:txBody>
-      </p:sp>
-      <p:sp>
-        <p:nvSpPr>
-          <p:cNvPr id="200" name="Rectangle : coins arrondis 199">
-            <a:extLst>
-              <a:ext uri="{FF2B5EF4-FFF2-40B4-BE49-F238E27FC236}">
-                <a16:creationId xmlns:a16="http://schemas.microsoft.com/office/drawing/2014/main" id="{4D4EDFCB-E781-4137-842F-BAB2A811CECF}"/>
-              </a:ext>
-            </a:extLst>
-          </p:cNvPr>
-          <p:cNvSpPr/>
-          <p:nvPr/>
-        </p:nvSpPr>
-        <p:spPr>
-          <a:xfrm>
-            <a:off x="31018297" y="23855628"/>
-            <a:ext cx="1745658" cy="723643"/>
+          <a:xfrm>
+            <a:off x="9305199" y="20847046"/>
+            <a:ext cx="1062750" cy="508618"/>
           </a:xfrm>
           <a:prstGeom prst="roundRect">
             <a:avLst/>
           </a:prstGeom>
           <a:solidFill>
-            <a:srgbClr val="F9C3E7"/>
+            <a:srgbClr val="9E96DA"/>
           </a:solidFill>
-          <a:ln w="38100">
+          <a:ln w="28575">
             <a:noFill/>
           </a:ln>
         </p:spPr>
@@ -15039,33 +14360,48 @@
             <a:r>
               <a:rPr lang="fr-FR" sz="900" dirty="0">
                 <a:solidFill>
-                  <a:schemeClr val="tx1"/>
-                </a:solidFill>
-                <a:latin typeface="Gill Sans Nova" panose="020B0602020104020203" pitchFamily="34" charset="0"/>
-              </a:rPr>
-              <a:t>E41 Appellation</a:t>
-            </a:r>
+                  <a:schemeClr val="bg1"/>
+                </a:solidFill>
+                <a:latin typeface="Gill Sans Nova" panose="020B0602020104020203" pitchFamily="34" charset="0"/>
+              </a:rPr>
+              <a:t>E4 </a:t>
+            </a:r>
+            <a:r>
+              <a:rPr lang="fr-FR" sz="900" dirty="0" err="1">
+                <a:solidFill>
+                  <a:schemeClr val="bg1"/>
+                </a:solidFill>
+                <a:latin typeface="Gill Sans Nova" panose="020B0602020104020203" pitchFamily="34" charset="0"/>
+              </a:rPr>
+              <a:t>Period</a:t>
+            </a:r>
+            <a:endParaRPr lang="fr-FR" sz="900" dirty="0">
+              <a:solidFill>
+                <a:schemeClr val="bg1"/>
+              </a:solidFill>
+              <a:latin typeface="Gill Sans Nova" panose="020B0602020104020203" pitchFamily="34" charset="0"/>
+            </a:endParaRPr>
           </a:p>
           <a:p>
             <a:pPr algn="ctr"/>
             <a:r>
               <a:rPr lang="fr-FR" sz="900" i="1" dirty="0">
                 <a:solidFill>
-                  <a:schemeClr val="tx1"/>
-                </a:solidFill>
-                <a:latin typeface="Gill Sans Nova" panose="020B0602020104020203" pitchFamily="34" charset="0"/>
-              </a:rPr>
-              <a:t>« Communautés de marchands et de bourgeois »</a:t>
-            </a:r>
-          </a:p>
-        </p:txBody>
-      </p:sp>
-      <p:sp>
-        <p:nvSpPr>
-          <p:cNvPr id="10" name="Rectangle : coins arrondis 9">
-            <a:extLst>
-              <a:ext uri="{FF2B5EF4-FFF2-40B4-BE49-F238E27FC236}">
-                <a16:creationId xmlns:a16="http://schemas.microsoft.com/office/drawing/2014/main" id="{AC78E822-F524-4111-9F04-3E69337C8308}"/>
+                  <a:schemeClr val="bg1"/>
+                </a:solidFill>
+                <a:latin typeface="Gill Sans Nova" panose="020B0602020104020203" pitchFamily="34" charset="0"/>
+              </a:rPr>
+              <a:t>« France »</a:t>
+            </a:r>
+          </a:p>
+        </p:txBody>
+      </p:sp>
+      <p:sp>
+        <p:nvSpPr>
+          <p:cNvPr id="18" name="Rectangle : coins arrondis 17">
+            <a:extLst>
+              <a:ext uri="{FF2B5EF4-FFF2-40B4-BE49-F238E27FC236}">
+                <a16:creationId xmlns:a16="http://schemas.microsoft.com/office/drawing/2014/main" id="{087D9C2C-3891-41C6-BBB9-D15E7A8B2B1A}"/>
               </a:ext>
             </a:extLst>
           </p:cNvPr>
@@ -15074,7 +14410,7 @@
         </p:nvSpPr>
         <p:spPr>
           <a:xfrm>
-            <a:off x="9305199" y="20847046"/>
+            <a:off x="4380099" y="20854071"/>
             <a:ext cx="1062750" cy="508618"/>
           </a:xfrm>
           <a:prstGeom prst="roundRect">
@@ -15140,17 +14476,109 @@
                 </a:solidFill>
                 <a:latin typeface="Gill Sans Nova" panose="020B0602020104020203" pitchFamily="34" charset="0"/>
               </a:rPr>
-              <a:t>« France »</a:t>
-            </a:r>
-          </a:p>
-        </p:txBody>
-      </p:sp>
-      <p:sp>
-        <p:nvSpPr>
-          <p:cNvPr id="18" name="Rectangle : coins arrondis 17">
-            <a:extLst>
-              <a:ext uri="{FF2B5EF4-FFF2-40B4-BE49-F238E27FC236}">
-                <a16:creationId xmlns:a16="http://schemas.microsoft.com/office/drawing/2014/main" id="{087D9C2C-3891-41C6-BBB9-D15E7A8B2B1A}"/>
+              <a:t>« Ile-de-France »</a:t>
+            </a:r>
+          </a:p>
+        </p:txBody>
+      </p:sp>
+      <p:sp>
+        <p:nvSpPr>
+          <p:cNvPr id="25" name="ZoneTexte 24">
+            <a:extLst>
+              <a:ext uri="{FF2B5EF4-FFF2-40B4-BE49-F238E27FC236}">
+                <a16:creationId xmlns:a16="http://schemas.microsoft.com/office/drawing/2014/main" id="{06B2533C-0074-4CCE-B2A3-DCA5F032D8B5}"/>
+              </a:ext>
+            </a:extLst>
+          </p:cNvPr>
+          <p:cNvSpPr txBox="1"/>
+          <p:nvPr/>
+        </p:nvSpPr>
+        <p:spPr>
+          <a:xfrm>
+            <a:off x="6826054" y="20842418"/>
+            <a:ext cx="1516372" cy="230832"/>
+          </a:xfrm>
+          <a:prstGeom prst="rect">
+            <a:avLst/>
+          </a:prstGeom>
+          <a:noFill/>
+        </p:spPr>
+        <p:txBody>
+          <a:bodyPr wrap="square" rtlCol="0">
+            <a:spAutoFit/>
+          </a:bodyPr>
+          <a:lstStyle/>
+          <a:p>
+            <a:pPr algn="ctr"/>
+            <a:r>
+              <a:rPr lang="fr-FR" sz="900" i="1" dirty="0">
+                <a:latin typeface="Gill Sans Nova" panose="020B0602020104020203" pitchFamily="34" charset="0"/>
+              </a:rPr>
+              <a:t>P9 </a:t>
+            </a:r>
+            <a:r>
+              <a:rPr lang="fr-FR" sz="900" i="1" dirty="0" err="1">
+                <a:latin typeface="Gill Sans Nova" panose="020B0602020104020203" pitchFamily="34" charset="0"/>
+              </a:rPr>
+              <a:t>consists</a:t>
+            </a:r>
+            <a:r>
+              <a:rPr lang="fr-FR" sz="900" i="1" dirty="0">
+                <a:latin typeface="Gill Sans Nova" panose="020B0602020104020203" pitchFamily="34" charset="0"/>
+              </a:rPr>
+              <a:t> of</a:t>
+            </a:r>
+          </a:p>
+        </p:txBody>
+      </p:sp>
+      <p:cxnSp>
+        <p:nvCxnSpPr>
+          <p:cNvPr id="42" name="Connecteur droit avec flèche 41">
+            <a:extLst>
+              <a:ext uri="{FF2B5EF4-FFF2-40B4-BE49-F238E27FC236}">
+                <a16:creationId xmlns:a16="http://schemas.microsoft.com/office/drawing/2014/main" id="{5B97E80C-DA2E-4003-B5DD-7622242F351F}"/>
+              </a:ext>
+            </a:extLst>
+          </p:cNvPr>
+          <p:cNvCxnSpPr>
+            <a:stCxn id="10" idx="1"/>
+            <a:endCxn id="18" idx="3"/>
+          </p:cNvCxnSpPr>
+          <p:nvPr/>
+        </p:nvCxnSpPr>
+        <p:spPr>
+          <a:xfrm flipH="1">
+            <a:off x="5442849" y="21101355"/>
+            <a:ext cx="3862350" cy="7025"/>
+          </a:xfrm>
+          <a:prstGeom prst="straightConnector1">
+            <a:avLst/>
+          </a:prstGeom>
+          <a:ln>
+            <a:tailEnd type="triangle"/>
+          </a:ln>
+        </p:spPr>
+        <p:style>
+          <a:lnRef idx="1">
+            <a:schemeClr val="dk1"/>
+          </a:lnRef>
+          <a:fillRef idx="0">
+            <a:schemeClr val="dk1"/>
+          </a:fillRef>
+          <a:effectRef idx="0">
+            <a:schemeClr val="dk1"/>
+          </a:effectRef>
+          <a:fontRef idx="minor">
+            <a:schemeClr val="tx1"/>
+          </a:fontRef>
+        </p:style>
+      </p:cxnSp>
+      <p:sp>
+        <p:nvSpPr>
+          <p:cNvPr id="43" name="Rectangle : coins arrondis 42">
+            <a:extLst>
+              <a:ext uri="{FF2B5EF4-FFF2-40B4-BE49-F238E27FC236}">
+                <a16:creationId xmlns:a16="http://schemas.microsoft.com/office/drawing/2014/main" id="{340CF533-20C7-4B35-BFDB-32A23E9CA09F}"/>
               </a:ext>
             </a:extLst>
           </p:cNvPr>
@@ -15159,14 +14587,14 @@
         </p:nvSpPr>
         <p:spPr>
           <a:xfrm>
-            <a:off x="4380099" y="20854071"/>
-            <a:ext cx="1062750" cy="508618"/>
+            <a:off x="10426442" y="23531281"/>
+            <a:ext cx="1062750" cy="636759"/>
           </a:xfrm>
           <a:prstGeom prst="roundRect">
             <a:avLst/>
           </a:prstGeom>
           <a:solidFill>
-            <a:srgbClr val="9E96DA"/>
+            <a:srgbClr val="8A6868"/>
           </a:solidFill>
           <a:ln w="28575">
             <a:noFill/>
@@ -15198,7 +14626,7 @@
                 </a:solidFill>
                 <a:latin typeface="Gill Sans Nova" panose="020B0602020104020203" pitchFamily="34" charset="0"/>
               </a:rPr>
-              <a:t>E4 </a:t>
+              <a:t>E93 </a:t>
             </a:r>
             <a:r>
               <a:rPr lang="fr-FR" sz="900" dirty="0" err="1">
@@ -15207,7 +14635,7 @@
                 </a:solidFill>
                 <a:latin typeface="Gill Sans Nova" panose="020B0602020104020203" pitchFamily="34" charset="0"/>
               </a:rPr>
-              <a:t>Period</a:t>
+              <a:t>Presence</a:t>
             </a:r>
             <a:endParaRPr lang="fr-FR" sz="900" dirty="0">
               <a:solidFill>
@@ -15225,83 +14653,36 @@
                 </a:solidFill>
                 <a:latin typeface="Gill Sans Nova" panose="020B0602020104020203" pitchFamily="34" charset="0"/>
               </a:rPr>
-              <a:t>« Ile-de-France »</a:t>
-            </a:r>
-          </a:p>
-        </p:txBody>
-      </p:sp>
-      <p:sp>
-        <p:nvSpPr>
-          <p:cNvPr id="25" name="ZoneTexte 24">
-            <a:extLst>
-              <a:ext uri="{FF2B5EF4-FFF2-40B4-BE49-F238E27FC236}">
-                <a16:creationId xmlns:a16="http://schemas.microsoft.com/office/drawing/2014/main" id="{06B2533C-0074-4CCE-B2A3-DCA5F032D8B5}"/>
-              </a:ext>
-            </a:extLst>
-          </p:cNvPr>
-          <p:cNvSpPr txBox="1"/>
-          <p:nvPr/>
-        </p:nvSpPr>
-        <p:spPr>
-          <a:xfrm>
-            <a:off x="6826054" y="20842418"/>
-            <a:ext cx="1516372" cy="230832"/>
-          </a:xfrm>
-          <a:prstGeom prst="rect">
-            <a:avLst/>
-          </a:prstGeom>
-          <a:noFill/>
-        </p:spPr>
-        <p:txBody>
-          <a:bodyPr wrap="square" rtlCol="0">
-            <a:spAutoFit/>
-          </a:bodyPr>
-          <a:lstStyle/>
-          <a:p>
-            <a:pPr algn="ctr"/>
-            <a:r>
-              <a:rPr lang="fr-FR" sz="900" i="1" dirty="0">
-                <a:latin typeface="Gill Sans Nova" panose="020B0602020104020203" pitchFamily="34" charset="0"/>
-              </a:rPr>
-              <a:t>P9 </a:t>
-            </a:r>
-            <a:r>
-              <a:rPr lang="fr-FR" sz="900" i="1" dirty="0" err="1">
-                <a:latin typeface="Gill Sans Nova" panose="020B0602020104020203" pitchFamily="34" charset="0"/>
-              </a:rPr>
-              <a:t>consists</a:t>
-            </a:r>
-            <a:r>
-              <a:rPr lang="fr-FR" sz="900" i="1" dirty="0">
-                <a:latin typeface="Gill Sans Nova" panose="020B0602020104020203" pitchFamily="34" charset="0"/>
-              </a:rPr>
-              <a:t> of</a:t>
+              <a:t>« Royaume de France »</a:t>
             </a:r>
           </a:p>
         </p:txBody>
       </p:sp>
       <p:cxnSp>
         <p:nvCxnSpPr>
-          <p:cNvPr id="42" name="Connecteur droit avec flèche 41">
-            <a:extLst>
-              <a:ext uri="{FF2B5EF4-FFF2-40B4-BE49-F238E27FC236}">
-                <a16:creationId xmlns:a16="http://schemas.microsoft.com/office/drawing/2014/main" id="{5B97E80C-DA2E-4003-B5DD-7622242F351F}"/>
+          <p:cNvPr id="54" name="Connecteur : en angle 53">
+            <a:extLst>
+              <a:ext uri="{FF2B5EF4-FFF2-40B4-BE49-F238E27FC236}">
+                <a16:creationId xmlns:a16="http://schemas.microsoft.com/office/drawing/2014/main" id="{114E59AC-0DC1-450C-B2E1-FD4649CEE25A}"/>
               </a:ext>
             </a:extLst>
           </p:cNvPr>
           <p:cNvCxnSpPr>
-            <a:stCxn id="10" idx="1"/>
-            <a:endCxn id="18" idx="3"/>
+            <a:cxnSpLocks/>
+            <a:stCxn id="1436" idx="0"/>
+            <a:endCxn id="10" idx="2"/>
           </p:cNvCxnSpPr>
           <p:nvPr/>
         </p:nvCxnSpPr>
         <p:spPr>
-          <a:xfrm flipH="1">
-            <a:off x="5442849" y="21101355"/>
-            <a:ext cx="3862350" cy="7025"/>
-          </a:xfrm>
-          <a:prstGeom prst="straightConnector1">
-            <a:avLst/>
+          <a:xfrm rot="5400000" flipH="1" flipV="1">
+            <a:off x="7375118" y="21076725"/>
+            <a:ext cx="2182517" cy="2740396"/>
+          </a:xfrm>
+          <a:prstGeom prst="curvedConnector3">
+            <a:avLst>
+              <a:gd name="adj1" fmla="val 50000"/>
+            </a:avLst>
           </a:prstGeom>
           <a:ln>
             <a:tailEnd type="triangle"/>
@@ -15322,12 +14703,121 @@
           </a:fontRef>
         </p:style>
       </p:cxnSp>
-      <p:sp>
-        <p:nvSpPr>
-          <p:cNvPr id="43" name="Rectangle : coins arrondis 42">
-            <a:extLst>
-              <a:ext uri="{FF2B5EF4-FFF2-40B4-BE49-F238E27FC236}">
-                <a16:creationId xmlns:a16="http://schemas.microsoft.com/office/drawing/2014/main" id="{340CF533-20C7-4B35-BFDB-32A23E9CA09F}"/>
+      <p:cxnSp>
+        <p:nvCxnSpPr>
+          <p:cNvPr id="57" name="Connecteur : en angle 56">
+            <a:extLst>
+              <a:ext uri="{FF2B5EF4-FFF2-40B4-BE49-F238E27FC236}">
+                <a16:creationId xmlns:a16="http://schemas.microsoft.com/office/drawing/2014/main" id="{4F004246-B1C8-43E8-AB14-6C186AA10833}"/>
+              </a:ext>
+            </a:extLst>
+          </p:cNvPr>
+          <p:cNvCxnSpPr>
+            <a:cxnSpLocks/>
+            <a:stCxn id="43" idx="0"/>
+            <a:endCxn id="10" idx="2"/>
+          </p:cNvCxnSpPr>
+          <p:nvPr/>
+        </p:nvCxnSpPr>
+        <p:spPr>
+          <a:xfrm rot="16200000" flipV="1">
+            <a:off x="9309388" y="21882851"/>
+            <a:ext cx="2175617" cy="1121243"/>
+          </a:xfrm>
+          <a:prstGeom prst="curvedConnector3">
+            <a:avLst>
+              <a:gd name="adj1" fmla="val 50000"/>
+            </a:avLst>
+          </a:prstGeom>
+          <a:ln>
+            <a:tailEnd type="triangle"/>
+          </a:ln>
+        </p:spPr>
+        <p:style>
+          <a:lnRef idx="1">
+            <a:schemeClr val="dk1"/>
+          </a:lnRef>
+          <a:fillRef idx="0">
+            <a:schemeClr val="dk1"/>
+          </a:fillRef>
+          <a:effectRef idx="0">
+            <a:schemeClr val="dk1"/>
+          </a:effectRef>
+          <a:fontRef idx="minor">
+            <a:schemeClr val="tx1"/>
+          </a:fontRef>
+        </p:style>
+      </p:cxnSp>
+      <p:sp>
+        <p:nvSpPr>
+          <p:cNvPr id="231" name="ZoneTexte 230">
+            <a:extLst>
+              <a:ext uri="{FF2B5EF4-FFF2-40B4-BE49-F238E27FC236}">
+                <a16:creationId xmlns:a16="http://schemas.microsoft.com/office/drawing/2014/main" id="{C4558834-1780-4BF3-9DF5-806D33E05DC7}"/>
+              </a:ext>
+            </a:extLst>
+          </p:cNvPr>
+          <p:cNvSpPr txBox="1"/>
+          <p:nvPr/>
+        </p:nvSpPr>
+        <p:spPr>
+          <a:xfrm>
+            <a:off x="8979641" y="21758328"/>
+            <a:ext cx="1662746" cy="230832"/>
+          </a:xfrm>
+          <a:prstGeom prst="rect">
+            <a:avLst/>
+          </a:prstGeom>
+          <a:solidFill>
+            <a:schemeClr val="bg1"/>
+          </a:solidFill>
+        </p:spPr>
+        <p:txBody>
+          <a:bodyPr wrap="square" rtlCol="0" anchor="ctr">
+            <a:spAutoFit/>
+          </a:bodyPr>
+          <a:lstStyle/>
+          <a:p>
+            <a:pPr algn="ctr"/>
+            <a:r>
+              <a:rPr lang="fr-FR" sz="900" i="1" dirty="0">
+                <a:latin typeface="Gill Sans Nova" panose="020B0602020104020203" pitchFamily="34" charset="0"/>
+              </a:rPr>
+              <a:t>P166 </a:t>
+            </a:r>
+            <a:r>
+              <a:rPr lang="fr-FR" sz="900" i="1" dirty="0" err="1">
+                <a:latin typeface="Gill Sans Nova" panose="020B0602020104020203" pitchFamily="34" charset="0"/>
+              </a:rPr>
+              <a:t>was</a:t>
+            </a:r>
+            <a:r>
+              <a:rPr lang="fr-FR" sz="900" i="1" dirty="0">
+                <a:latin typeface="Gill Sans Nova" panose="020B0602020104020203" pitchFamily="34" charset="0"/>
+              </a:rPr>
+              <a:t> a </a:t>
+            </a:r>
+            <a:r>
+              <a:rPr lang="fr-FR" sz="900" i="1" dirty="0" err="1">
+                <a:latin typeface="Gill Sans Nova" panose="020B0602020104020203" pitchFamily="34" charset="0"/>
+              </a:rPr>
+              <a:t>presence</a:t>
+            </a:r>
+            <a:r>
+              <a:rPr lang="fr-FR" sz="900" i="1" dirty="0">
+                <a:latin typeface="Gill Sans Nova" panose="020B0602020104020203" pitchFamily="34" charset="0"/>
+              </a:rPr>
+              <a:t> of</a:t>
+            </a:r>
+          </a:p>
+        </p:txBody>
+      </p:sp>
+      <p:sp>
+        <p:nvSpPr>
+          <p:cNvPr id="232" name="Rectangle : coins arrondis 231">
+            <a:extLst>
+              <a:ext uri="{FF2B5EF4-FFF2-40B4-BE49-F238E27FC236}">
+                <a16:creationId xmlns:a16="http://schemas.microsoft.com/office/drawing/2014/main" id="{EFDE7289-EA18-43AF-89C5-E5FD2C7607E5}"/>
               </a:ext>
             </a:extLst>
           </p:cNvPr>
@@ -15336,8 +14826,8 @@
         </p:nvSpPr>
         <p:spPr>
           <a:xfrm>
-            <a:off x="10426442" y="23531281"/>
-            <a:ext cx="1062750" cy="636759"/>
+            <a:off x="4380099" y="23495349"/>
+            <a:ext cx="1062750" cy="636758"/>
           </a:xfrm>
           <a:prstGeom prst="roundRect">
             <a:avLst/>
@@ -15402,36 +14892,51 @@
                 </a:solidFill>
                 <a:latin typeface="Gill Sans Nova" panose="020B0602020104020203" pitchFamily="34" charset="0"/>
               </a:rPr>
-              <a:t>« Royaume de France »</a:t>
+              <a:t>« Gouvernement d’</a:t>
+            </a:r>
+            <a:r>
+              <a:rPr lang="fr-FR" sz="900" i="1" dirty="0" err="1">
+                <a:solidFill>
+                  <a:schemeClr val="bg1"/>
+                </a:solidFill>
+                <a:latin typeface="Gill Sans Nova" panose="020B0602020104020203" pitchFamily="34" charset="0"/>
+              </a:rPr>
+              <a:t>Isle-de-France</a:t>
+            </a:r>
+            <a:r>
+              <a:rPr lang="fr-FR" sz="900" i="1" dirty="0">
+                <a:solidFill>
+                  <a:schemeClr val="bg1"/>
+                </a:solidFill>
+                <a:latin typeface="Gill Sans Nova" panose="020B0602020104020203" pitchFamily="34" charset="0"/>
+              </a:rPr>
+              <a:t>»</a:t>
             </a:r>
           </a:p>
         </p:txBody>
       </p:sp>
       <p:cxnSp>
         <p:nvCxnSpPr>
-          <p:cNvPr id="54" name="Connecteur : en angle 53">
-            <a:extLst>
-              <a:ext uri="{FF2B5EF4-FFF2-40B4-BE49-F238E27FC236}">
-                <a16:creationId xmlns:a16="http://schemas.microsoft.com/office/drawing/2014/main" id="{114E59AC-0DC1-450C-B2E1-FD4649CEE25A}"/>
+          <p:cNvPr id="236" name="Connecteur droit avec flèche 235">
+            <a:extLst>
+              <a:ext uri="{FF2B5EF4-FFF2-40B4-BE49-F238E27FC236}">
+                <a16:creationId xmlns:a16="http://schemas.microsoft.com/office/drawing/2014/main" id="{42D1A718-DF54-4B76-9528-36FE968B1297}"/>
               </a:ext>
             </a:extLst>
           </p:cNvPr>
           <p:cNvCxnSpPr>
-            <a:cxnSpLocks/>
-            <a:stCxn id="1436" idx="0"/>
-            <a:endCxn id="10" idx="2"/>
+            <a:stCxn id="43" idx="2"/>
+            <a:endCxn id="1326" idx="0"/>
           </p:cNvCxnSpPr>
           <p:nvPr/>
         </p:nvCxnSpPr>
         <p:spPr>
-          <a:xfrm rot="5400000" flipH="1" flipV="1">
-            <a:off x="7375118" y="21076725"/>
-            <a:ext cx="2182517" cy="2740396"/>
-          </a:xfrm>
-          <a:prstGeom prst="curvedConnector3">
-            <a:avLst>
-              <a:gd name="adj1" fmla="val 50000"/>
-            </a:avLst>
+          <a:xfrm>
+            <a:off x="10957817" y="24168040"/>
+            <a:ext cx="20026" cy="2065161"/>
+          </a:xfrm>
+          <a:prstGeom prst="straightConnector1">
+            <a:avLst/>
           </a:prstGeom>
           <a:ln>
             <a:tailEnd type="triangle"/>
@@ -15454,28 +14959,28 @@
       </p:cxnSp>
       <p:cxnSp>
         <p:nvCxnSpPr>
-          <p:cNvPr id="57" name="Connecteur : en angle 56">
-            <a:extLst>
-              <a:ext uri="{FF2B5EF4-FFF2-40B4-BE49-F238E27FC236}">
-                <a16:creationId xmlns:a16="http://schemas.microsoft.com/office/drawing/2014/main" id="{4F004246-B1C8-43E8-AB14-6C186AA10833}"/>
+          <p:cNvPr id="239" name="Connecteur : en arc 238">
+            <a:extLst>
+              <a:ext uri="{FF2B5EF4-FFF2-40B4-BE49-F238E27FC236}">
+                <a16:creationId xmlns:a16="http://schemas.microsoft.com/office/drawing/2014/main" id="{B1F19F26-76D4-4339-8D16-1F8BC1737FD5}"/>
               </a:ext>
             </a:extLst>
           </p:cNvPr>
           <p:cNvCxnSpPr>
             <a:cxnSpLocks/>
-            <a:stCxn id="43" idx="0"/>
-            <a:endCxn id="10" idx="2"/>
+            <a:stCxn id="232" idx="2"/>
+            <a:endCxn id="43" idx="2"/>
           </p:cNvCxnSpPr>
           <p:nvPr/>
         </p:nvCxnSpPr>
         <p:spPr>
-          <a:xfrm rot="16200000" flipV="1">
-            <a:off x="9309388" y="21882851"/>
-            <a:ext cx="2175617" cy="1121243"/>
+          <a:xfrm rot="16200000" flipH="1">
+            <a:off x="7916679" y="21126901"/>
+            <a:ext cx="35933" cy="6046343"/>
           </a:xfrm>
           <a:prstGeom prst="curvedConnector3">
             <a:avLst>
-              <a:gd name="adj1" fmla="val 50000"/>
+              <a:gd name="adj1" fmla="val 4376570"/>
             </a:avLst>
           </a:prstGeom>
           <a:ln>
@@ -15499,10 +15004,10 @@
       </p:cxnSp>
       <p:sp>
         <p:nvSpPr>
-          <p:cNvPr id="231" name="ZoneTexte 230">
-            <a:extLst>
-              <a:ext uri="{FF2B5EF4-FFF2-40B4-BE49-F238E27FC236}">
-                <a16:creationId xmlns:a16="http://schemas.microsoft.com/office/drawing/2014/main" id="{C4558834-1780-4BF3-9DF5-806D33E05DC7}"/>
+          <p:cNvPr id="242" name="ZoneTexte 241">
+            <a:extLst>
+              <a:ext uri="{FF2B5EF4-FFF2-40B4-BE49-F238E27FC236}">
+                <a16:creationId xmlns:a16="http://schemas.microsoft.com/office/drawing/2014/main" id="{60F94A66-4154-4979-B688-1FF997B4ECBA}"/>
               </a:ext>
             </a:extLst>
           </p:cNvPr>
@@ -15511,15 +15016,115 @@
         </p:nvSpPr>
         <p:spPr>
           <a:xfrm>
-            <a:off x="8979641" y="21758328"/>
-            <a:ext cx="1662746" cy="230832"/>
+            <a:off x="7213854" y="25425997"/>
+            <a:ext cx="1324756" cy="230832"/>
           </a:xfrm>
           <a:prstGeom prst="rect">
             <a:avLst/>
           </a:prstGeom>
-          <a:solidFill>
-            <a:schemeClr val="bg1"/>
-          </a:solidFill>
+          <a:noFill/>
+        </p:spPr>
+        <p:txBody>
+          <a:bodyPr wrap="square" rtlCol="0">
+            <a:spAutoFit/>
+          </a:bodyPr>
+          <a:lstStyle/>
+          <a:p>
+            <a:pPr algn="ctr"/>
+            <a:r>
+              <a:rPr lang="fr-FR" sz="900" i="1" dirty="0">
+                <a:latin typeface="Gill Sans Nova" panose="020B0602020104020203" pitchFamily="34" charset="0"/>
+              </a:rPr>
+              <a:t>P10 </a:t>
+            </a:r>
+            <a:r>
+              <a:rPr lang="fr-FR" sz="900" i="1" dirty="0" err="1">
+                <a:latin typeface="Gill Sans Nova" panose="020B0602020104020203" pitchFamily="34" charset="0"/>
+              </a:rPr>
+              <a:t>falls</a:t>
+            </a:r>
+            <a:r>
+              <a:rPr lang="fr-FR" sz="900" i="1" dirty="0">
+                <a:latin typeface="Gill Sans Nova" panose="020B0602020104020203" pitchFamily="34" charset="0"/>
+              </a:rPr>
+              <a:t> </a:t>
+            </a:r>
+            <a:r>
+              <a:rPr lang="fr-FR" sz="900" i="1" dirty="0" err="1">
+                <a:latin typeface="Gill Sans Nova" panose="020B0602020104020203" pitchFamily="34" charset="0"/>
+              </a:rPr>
+              <a:t>within</a:t>
+            </a:r>
+            <a:endParaRPr lang="fr-FR" sz="900" i="1" dirty="0">
+              <a:latin typeface="Gill Sans Nova" panose="020B0602020104020203" pitchFamily="34" charset="0"/>
+            </a:endParaRPr>
+          </a:p>
+        </p:txBody>
+      </p:sp>
+      <p:cxnSp>
+        <p:nvCxnSpPr>
+          <p:cNvPr id="245" name="Connecteur droit avec flèche 244">
+            <a:extLst>
+              <a:ext uri="{FF2B5EF4-FFF2-40B4-BE49-F238E27FC236}">
+                <a16:creationId xmlns:a16="http://schemas.microsoft.com/office/drawing/2014/main" id="{33AF4C4D-AB9F-4C9C-9A50-4CA102C13823}"/>
+              </a:ext>
+            </a:extLst>
+          </p:cNvPr>
+          <p:cNvCxnSpPr>
+            <a:cxnSpLocks/>
+            <a:stCxn id="18" idx="2"/>
+            <a:endCxn id="232" idx="0"/>
+          </p:cNvCxnSpPr>
+          <p:nvPr/>
+        </p:nvCxnSpPr>
+        <p:spPr>
+          <a:xfrm>
+            <a:off x="4911474" y="21362689"/>
+            <a:ext cx="0" cy="2132660"/>
+          </a:xfrm>
+          <a:prstGeom prst="straightConnector1">
+            <a:avLst/>
+          </a:prstGeom>
+          <a:ln>
+            <a:tailEnd type="triangle"/>
+          </a:ln>
+        </p:spPr>
+        <p:style>
+          <a:lnRef idx="1">
+            <a:schemeClr val="dk1"/>
+          </a:lnRef>
+          <a:fillRef idx="0">
+            <a:schemeClr val="dk1"/>
+          </a:fillRef>
+          <a:effectRef idx="0">
+            <a:schemeClr val="dk1"/>
+          </a:effectRef>
+          <a:fontRef idx="minor">
+            <a:schemeClr val="tx1"/>
+          </a:fontRef>
+        </p:style>
+      </p:cxnSp>
+      <p:sp>
+        <p:nvSpPr>
+          <p:cNvPr id="246" name="ZoneTexte 245">
+            <a:extLst>
+              <a:ext uri="{FF2B5EF4-FFF2-40B4-BE49-F238E27FC236}">
+                <a16:creationId xmlns:a16="http://schemas.microsoft.com/office/drawing/2014/main" id="{31BA01F3-3AE0-4E7D-A0FE-2A9C1694CA47}"/>
+              </a:ext>
+            </a:extLst>
+          </p:cNvPr>
+          <p:cNvSpPr txBox="1"/>
+          <p:nvPr/>
+        </p:nvSpPr>
+        <p:spPr>
+          <a:xfrm>
+            <a:off x="4081736" y="21863719"/>
+            <a:ext cx="960633" cy="369332"/>
+          </a:xfrm>
+          <a:prstGeom prst="rect">
+            <a:avLst/>
+          </a:prstGeom>
+          <a:noFill/>
         </p:spPr>
         <p:txBody>
           <a:bodyPr wrap="square" rtlCol="0" anchor="ctr">
@@ -15561,12 +15166,96 @@
           </a:p>
         </p:txBody>
       </p:sp>
-      <p:sp>
-        <p:nvSpPr>
-          <p:cNvPr id="232" name="Rectangle : coins arrondis 231">
-            <a:extLst>
-              <a:ext uri="{FF2B5EF4-FFF2-40B4-BE49-F238E27FC236}">
-                <a16:creationId xmlns:a16="http://schemas.microsoft.com/office/drawing/2014/main" id="{EFDE7289-EA18-43AF-89C5-E5FD2C7607E5}"/>
+      <p:cxnSp>
+        <p:nvCxnSpPr>
+          <p:cNvPr id="257" name="Connecteur : en arc 256">
+            <a:extLst>
+              <a:ext uri="{FF2B5EF4-FFF2-40B4-BE49-F238E27FC236}">
+                <a16:creationId xmlns:a16="http://schemas.microsoft.com/office/drawing/2014/main" id="{0281C721-B9A3-4EDD-9319-983B0288E8B3}"/>
+              </a:ext>
+            </a:extLst>
+          </p:cNvPr>
+          <p:cNvCxnSpPr>
+            <a:cxnSpLocks/>
+            <a:stCxn id="232" idx="2"/>
+            <a:endCxn id="1376" idx="1"/>
+          </p:cNvCxnSpPr>
+          <p:nvPr/>
+        </p:nvCxnSpPr>
+        <p:spPr>
+          <a:xfrm rot="5400000" flipH="1" flipV="1">
+            <a:off x="9452641" y="18572046"/>
+            <a:ext cx="1018893" cy="10101229"/>
+          </a:xfrm>
+          <a:prstGeom prst="curvedConnector4">
+            <a:avLst>
+              <a:gd name="adj1" fmla="val -406343"/>
+              <a:gd name="adj2" fmla="val 92486"/>
+            </a:avLst>
+          </a:prstGeom>
+          <a:ln>
+            <a:tailEnd type="triangle"/>
+          </a:ln>
+        </p:spPr>
+        <p:style>
+          <a:lnRef idx="1">
+            <a:schemeClr val="dk1"/>
+          </a:lnRef>
+          <a:fillRef idx="0">
+            <a:schemeClr val="dk1"/>
+          </a:fillRef>
+          <a:effectRef idx="0">
+            <a:schemeClr val="dk1"/>
+          </a:effectRef>
+          <a:fontRef idx="minor">
+            <a:schemeClr val="tx1"/>
+          </a:fontRef>
+        </p:style>
+      </p:cxnSp>
+      <p:sp>
+        <p:nvSpPr>
+          <p:cNvPr id="267" name="ZoneTexte 266">
+            <a:extLst>
+              <a:ext uri="{FF2B5EF4-FFF2-40B4-BE49-F238E27FC236}">
+                <a16:creationId xmlns:a16="http://schemas.microsoft.com/office/drawing/2014/main" id="{436CFC8F-1523-44B8-AC11-0DEEC2629B38}"/>
+              </a:ext>
+            </a:extLst>
+          </p:cNvPr>
+          <p:cNvSpPr txBox="1"/>
+          <p:nvPr/>
+        </p:nvSpPr>
+        <p:spPr>
+          <a:xfrm>
+            <a:off x="9007761" y="27749779"/>
+            <a:ext cx="1242988" cy="415498"/>
+          </a:xfrm>
+          <a:prstGeom prst="rect">
+            <a:avLst/>
+          </a:prstGeom>
+          <a:noFill/>
+        </p:spPr>
+        <p:txBody>
+          <a:bodyPr wrap="square" rtlCol="0">
+            <a:spAutoFit/>
+          </a:bodyPr>
+          <a:lstStyle/>
+          <a:p>
+            <a:pPr algn="ctr"/>
+            <a:r>
+              <a:rPr lang="fr-FR" sz="1050" i="1" dirty="0">
+                <a:latin typeface="Gill Sans Nova" panose="020B0602020104020203" pitchFamily="34" charset="0"/>
+              </a:rPr>
+              <a:t>P161 has spatial projection </a:t>
+            </a:r>
+          </a:p>
+        </p:txBody>
+      </p:sp>
+      <p:sp>
+        <p:nvSpPr>
+          <p:cNvPr id="270" name="Rectangle : coins arrondis 269">
+            <a:extLst>
+              <a:ext uri="{FF2B5EF4-FFF2-40B4-BE49-F238E27FC236}">
+                <a16:creationId xmlns:a16="http://schemas.microsoft.com/office/drawing/2014/main" id="{17D53C07-2C39-41A7-BF83-0326882B9302}"/>
               </a:ext>
             </a:extLst>
           </p:cNvPr>
@@ -15575,16 +15264,16 @@
         </p:nvSpPr>
         <p:spPr>
           <a:xfrm>
-            <a:off x="4380099" y="23495349"/>
-            <a:ext cx="1062750" cy="636758"/>
+            <a:off x="26598010" y="4204171"/>
+            <a:ext cx="1139308" cy="678712"/>
           </a:xfrm>
           <a:prstGeom prst="roundRect">
             <a:avLst/>
           </a:prstGeom>
           <a:solidFill>
-            <a:srgbClr val="8A6868"/>
+            <a:srgbClr val="F6CACA"/>
           </a:solidFill>
-          <a:ln w="28575">
+          <a:ln w="12700">
             <a:noFill/>
           </a:ln>
         </p:spPr>
@@ -15610,79 +15299,121 @@
             <a:r>
               <a:rPr lang="fr-FR" sz="900" dirty="0">
                 <a:solidFill>
-                  <a:schemeClr val="bg1"/>
-                </a:solidFill>
-                <a:latin typeface="Gill Sans Nova" panose="020B0602020104020203" pitchFamily="34" charset="0"/>
-              </a:rPr>
-              <a:t>E93 </a:t>
-            </a:r>
-            <a:r>
-              <a:rPr lang="fr-FR" sz="900" dirty="0" err="1">
-                <a:solidFill>
-                  <a:schemeClr val="bg1"/>
-                </a:solidFill>
-                <a:latin typeface="Gill Sans Nova" panose="020B0602020104020203" pitchFamily="34" charset="0"/>
-              </a:rPr>
-              <a:t>Presence</a:t>
-            </a:r>
-            <a:endParaRPr lang="fr-FR" sz="900" dirty="0">
-              <a:solidFill>
-                <a:schemeClr val="bg1"/>
-              </a:solidFill>
-              <a:latin typeface="Gill Sans Nova" panose="020B0602020104020203" pitchFamily="34" charset="0"/>
-            </a:endParaRPr>
-          </a:p>
+                  <a:schemeClr val="tx1"/>
+                </a:solidFill>
+                <a:latin typeface="Gill Sans Nova" panose="020B0602020104020203" pitchFamily="34" charset="0"/>
+              </a:rPr>
+              <a:t>E55 Type</a:t>
+            </a:r>
+          </a:p>
+          <a:p>
+            <a:pPr algn="ctr"/>
+            <a:r>
+              <a:rPr lang="fr-FR" sz="900" dirty="0">
+                <a:solidFill>
+                  <a:schemeClr val="tx1"/>
+                </a:solidFill>
+                <a:latin typeface="Gill Sans Nova" panose="020B0602020104020203" pitchFamily="34" charset="0"/>
+              </a:rPr>
+              <a:t>« Livraison du Mercure Galant »</a:t>
+            </a:r>
+          </a:p>
+        </p:txBody>
+      </p:sp>
+      <p:sp>
+        <p:nvSpPr>
+          <p:cNvPr id="273" name="ZoneTexte 272">
+            <a:extLst>
+              <a:ext uri="{FF2B5EF4-FFF2-40B4-BE49-F238E27FC236}">
+                <a16:creationId xmlns:a16="http://schemas.microsoft.com/office/drawing/2014/main" id="{FE6F1C7A-C0B2-4CA7-87BD-B8DCEE1355A9}"/>
+              </a:ext>
+            </a:extLst>
+          </p:cNvPr>
+          <p:cNvSpPr txBox="1"/>
+          <p:nvPr/>
+        </p:nvSpPr>
+        <p:spPr>
+          <a:xfrm>
+            <a:off x="27117105" y="5146625"/>
+            <a:ext cx="1398361" cy="230832"/>
+          </a:xfrm>
+          <a:prstGeom prst="rect">
+            <a:avLst/>
+          </a:prstGeom>
+          <a:noFill/>
+        </p:spPr>
+        <p:txBody>
+          <a:bodyPr wrap="square" rtlCol="0">
+            <a:spAutoFit/>
+          </a:bodyPr>
+          <a:lstStyle/>
           <a:p>
             <a:pPr algn="ctr"/>
             <a:r>
               <a:rPr lang="fr-FR" sz="900" i="1" dirty="0">
-                <a:solidFill>
-                  <a:schemeClr val="bg1"/>
-                </a:solidFill>
-                <a:latin typeface="Gill Sans Nova" panose="020B0602020104020203" pitchFamily="34" charset="0"/>
-              </a:rPr>
-              <a:t>« Gouvernement d’</a:t>
-            </a:r>
-            <a:r>
-              <a:rPr lang="fr-FR" sz="900" i="1" dirty="0" err="1">
-                <a:solidFill>
-                  <a:schemeClr val="bg1"/>
-                </a:solidFill>
-                <a:latin typeface="Gill Sans Nova" panose="020B0602020104020203" pitchFamily="34" charset="0"/>
-              </a:rPr>
-              <a:t>Isle-de-France</a:t>
-            </a:r>
+                <a:latin typeface="Gill Sans Nova" panose="020B0602020104020203" pitchFamily="34" charset="0"/>
+              </a:rPr>
+              <a:t>P2 has type</a:t>
+            </a:r>
+          </a:p>
+        </p:txBody>
+      </p:sp>
+      <p:sp>
+        <p:nvSpPr>
+          <p:cNvPr id="274" name="ZoneTexte 273">
+            <a:extLst>
+              <a:ext uri="{FF2B5EF4-FFF2-40B4-BE49-F238E27FC236}">
+                <a16:creationId xmlns:a16="http://schemas.microsoft.com/office/drawing/2014/main" id="{B4F3720B-3EA9-4120-B562-3D61BB9D5FB7}"/>
+              </a:ext>
+            </a:extLst>
+          </p:cNvPr>
+          <p:cNvSpPr txBox="1"/>
+          <p:nvPr/>
+        </p:nvSpPr>
+        <p:spPr>
+          <a:xfrm>
+            <a:off x="29346217" y="10429760"/>
+            <a:ext cx="1398361" cy="230832"/>
+          </a:xfrm>
+          <a:prstGeom prst="rect">
+            <a:avLst/>
+          </a:prstGeom>
+          <a:noFill/>
+        </p:spPr>
+        <p:txBody>
+          <a:bodyPr wrap="square" rtlCol="0">
+            <a:spAutoFit/>
+          </a:bodyPr>
+          <a:lstStyle/>
+          <a:p>
+            <a:pPr algn="ctr"/>
             <a:r>
               <a:rPr lang="fr-FR" sz="900" i="1" dirty="0">
-                <a:solidFill>
-                  <a:schemeClr val="bg1"/>
-                </a:solidFill>
-                <a:latin typeface="Gill Sans Nova" panose="020B0602020104020203" pitchFamily="34" charset="0"/>
-              </a:rPr>
-              <a:t>»</a:t>
+                <a:latin typeface="Gill Sans Nova" panose="020B0602020104020203" pitchFamily="34" charset="0"/>
+              </a:rPr>
+              <a:t>P2 has type</a:t>
             </a:r>
           </a:p>
         </p:txBody>
       </p:sp>
       <p:cxnSp>
         <p:nvCxnSpPr>
-          <p:cNvPr id="236" name="Connecteur droit avec flèche 235">
-            <a:extLst>
-              <a:ext uri="{FF2B5EF4-FFF2-40B4-BE49-F238E27FC236}">
-                <a16:creationId xmlns:a16="http://schemas.microsoft.com/office/drawing/2014/main" id="{42D1A718-DF54-4B76-9528-36FE968B1297}"/>
+          <p:cNvPr id="286" name="Connecteur droit avec flèche 285">
+            <a:extLst>
+              <a:ext uri="{FF2B5EF4-FFF2-40B4-BE49-F238E27FC236}">
+                <a16:creationId xmlns:a16="http://schemas.microsoft.com/office/drawing/2014/main" id="{222C9276-C0F0-4C07-9607-710E574559BF}"/>
               </a:ext>
             </a:extLst>
           </p:cNvPr>
           <p:cNvCxnSpPr>
-            <a:stCxn id="43" idx="2"/>
-            <a:endCxn id="1326" idx="0"/>
+            <a:cxnSpLocks/>
           </p:cNvCxnSpPr>
           <p:nvPr/>
         </p:nvCxnSpPr>
         <p:spPr>
           <a:xfrm>
-            <a:off x="10957817" y="24168040"/>
-            <a:ext cx="20026" cy="2065161"/>
+            <a:off x="29842823" y="10053212"/>
+            <a:ext cx="898482" cy="704938"/>
           </a:xfrm>
           <a:prstGeom prst="straightConnector1">
             <a:avLst/>
@@ -15706,364 +15437,12 @@
           </a:fontRef>
         </p:style>
       </p:cxnSp>
-      <p:cxnSp>
-        <p:nvCxnSpPr>
-          <p:cNvPr id="239" name="Connecteur : en arc 238">
-            <a:extLst>
-              <a:ext uri="{FF2B5EF4-FFF2-40B4-BE49-F238E27FC236}">
-                <a16:creationId xmlns:a16="http://schemas.microsoft.com/office/drawing/2014/main" id="{B1F19F26-76D4-4339-8D16-1F8BC1737FD5}"/>
-              </a:ext>
-            </a:extLst>
-          </p:cNvPr>
-          <p:cNvCxnSpPr>
-            <a:cxnSpLocks/>
-            <a:stCxn id="232" idx="2"/>
-            <a:endCxn id="43" idx="2"/>
-          </p:cNvCxnSpPr>
-          <p:nvPr/>
-        </p:nvCxnSpPr>
-        <p:spPr>
-          <a:xfrm rot="16200000" flipH="1">
-            <a:off x="7916679" y="21126901"/>
-            <a:ext cx="35933" cy="6046343"/>
-          </a:xfrm>
-          <a:prstGeom prst="curvedConnector3">
-            <a:avLst>
-              <a:gd name="adj1" fmla="val 4376570"/>
-            </a:avLst>
-          </a:prstGeom>
-          <a:ln>
-            <a:tailEnd type="triangle"/>
-          </a:ln>
-        </p:spPr>
-        <p:style>
-          <a:lnRef idx="1">
-            <a:schemeClr val="dk1"/>
-          </a:lnRef>
-          <a:fillRef idx="0">
-            <a:schemeClr val="dk1"/>
-          </a:fillRef>
-          <a:effectRef idx="0">
-            <a:schemeClr val="dk1"/>
-          </a:effectRef>
-          <a:fontRef idx="minor">
-            <a:schemeClr val="tx1"/>
-          </a:fontRef>
-        </p:style>
-      </p:cxnSp>
-      <p:sp>
-        <p:nvSpPr>
-          <p:cNvPr id="242" name="ZoneTexte 241">
-            <a:extLst>
-              <a:ext uri="{FF2B5EF4-FFF2-40B4-BE49-F238E27FC236}">
-                <a16:creationId xmlns:a16="http://schemas.microsoft.com/office/drawing/2014/main" id="{60F94A66-4154-4979-B688-1FF997B4ECBA}"/>
-              </a:ext>
-            </a:extLst>
-          </p:cNvPr>
-          <p:cNvSpPr txBox="1"/>
-          <p:nvPr/>
-        </p:nvSpPr>
-        <p:spPr>
-          <a:xfrm>
-            <a:off x="7213854" y="25425997"/>
-            <a:ext cx="1324756" cy="230832"/>
-          </a:xfrm>
-          <a:prstGeom prst="rect">
-            <a:avLst/>
-          </a:prstGeom>
-          <a:noFill/>
-        </p:spPr>
-        <p:txBody>
-          <a:bodyPr wrap="square" rtlCol="0">
-            <a:spAutoFit/>
-          </a:bodyPr>
-          <a:lstStyle/>
-          <a:p>
-            <a:pPr algn="ctr"/>
-            <a:r>
-              <a:rPr lang="fr-FR" sz="900" i="1" dirty="0">
-                <a:latin typeface="Gill Sans Nova" panose="020B0602020104020203" pitchFamily="34" charset="0"/>
-              </a:rPr>
-              <a:t>P10 </a:t>
-            </a:r>
-            <a:r>
-              <a:rPr lang="fr-FR" sz="900" i="1" dirty="0" err="1">
-                <a:latin typeface="Gill Sans Nova" panose="020B0602020104020203" pitchFamily="34" charset="0"/>
-              </a:rPr>
-              <a:t>falls</a:t>
-            </a:r>
-            <a:r>
-              <a:rPr lang="fr-FR" sz="900" i="1" dirty="0">
-                <a:latin typeface="Gill Sans Nova" panose="020B0602020104020203" pitchFamily="34" charset="0"/>
-              </a:rPr>
-              <a:t> </a:t>
-            </a:r>
-            <a:r>
-              <a:rPr lang="fr-FR" sz="900" i="1" dirty="0" err="1">
-                <a:latin typeface="Gill Sans Nova" panose="020B0602020104020203" pitchFamily="34" charset="0"/>
-              </a:rPr>
-              <a:t>within</a:t>
-            </a:r>
-            <a:endParaRPr lang="fr-FR" sz="900" i="1" dirty="0">
-              <a:latin typeface="Gill Sans Nova" panose="020B0602020104020203" pitchFamily="34" charset="0"/>
-            </a:endParaRPr>
-          </a:p>
-        </p:txBody>
-      </p:sp>
-      <p:cxnSp>
-        <p:nvCxnSpPr>
-          <p:cNvPr id="245" name="Connecteur droit avec flèche 244">
-            <a:extLst>
-              <a:ext uri="{FF2B5EF4-FFF2-40B4-BE49-F238E27FC236}">
-                <a16:creationId xmlns:a16="http://schemas.microsoft.com/office/drawing/2014/main" id="{33AF4C4D-AB9F-4C9C-9A50-4CA102C13823}"/>
-              </a:ext>
-            </a:extLst>
-          </p:cNvPr>
-          <p:cNvCxnSpPr>
-            <a:cxnSpLocks/>
-            <a:stCxn id="18" idx="2"/>
-            <a:endCxn id="232" idx="0"/>
-          </p:cNvCxnSpPr>
-          <p:nvPr/>
-        </p:nvCxnSpPr>
-        <p:spPr>
-          <a:xfrm>
-            <a:off x="4911474" y="21362689"/>
-            <a:ext cx="0" cy="2132660"/>
-          </a:xfrm>
-          <a:prstGeom prst="straightConnector1">
-            <a:avLst/>
-          </a:prstGeom>
-          <a:ln>
-            <a:tailEnd type="triangle"/>
-          </a:ln>
-        </p:spPr>
-        <p:style>
-          <a:lnRef idx="1">
-            <a:schemeClr val="dk1"/>
-          </a:lnRef>
-          <a:fillRef idx="0">
-            <a:schemeClr val="dk1"/>
-          </a:fillRef>
-          <a:effectRef idx="0">
-            <a:schemeClr val="dk1"/>
-          </a:effectRef>
-          <a:fontRef idx="minor">
-            <a:schemeClr val="tx1"/>
-          </a:fontRef>
-        </p:style>
-      </p:cxnSp>
-      <p:sp>
-        <p:nvSpPr>
-          <p:cNvPr id="246" name="ZoneTexte 245">
-            <a:extLst>
-              <a:ext uri="{FF2B5EF4-FFF2-40B4-BE49-F238E27FC236}">
-                <a16:creationId xmlns:a16="http://schemas.microsoft.com/office/drawing/2014/main" id="{31BA01F3-3AE0-4E7D-A0FE-2A9C1694CA47}"/>
-              </a:ext>
-            </a:extLst>
-          </p:cNvPr>
-          <p:cNvSpPr txBox="1"/>
-          <p:nvPr/>
-        </p:nvSpPr>
-        <p:spPr>
-          <a:xfrm>
-            <a:off x="4081736" y="21863719"/>
-            <a:ext cx="960633" cy="369332"/>
-          </a:xfrm>
-          <a:prstGeom prst="rect">
-            <a:avLst/>
-          </a:prstGeom>
-          <a:noFill/>
-        </p:spPr>
-        <p:txBody>
-          <a:bodyPr wrap="square" rtlCol="0" anchor="ctr">
-            <a:spAutoFit/>
-          </a:bodyPr>
-          <a:lstStyle/>
-          <a:p>
-            <a:pPr algn="ctr"/>
-            <a:r>
-              <a:rPr lang="fr-FR" sz="900" i="1" dirty="0">
-                <a:latin typeface="Gill Sans Nova" panose="020B0602020104020203" pitchFamily="34" charset="0"/>
-              </a:rPr>
-              <a:t>P166 </a:t>
-            </a:r>
-            <a:r>
-              <a:rPr lang="fr-FR" sz="900" i="1" dirty="0" err="1">
-                <a:latin typeface="Gill Sans Nova" panose="020B0602020104020203" pitchFamily="34" charset="0"/>
-              </a:rPr>
-              <a:t>was</a:t>
-            </a:r>
-            <a:r>
-              <a:rPr lang="fr-FR" sz="900" i="1" dirty="0">
-                <a:latin typeface="Gill Sans Nova" panose="020B0602020104020203" pitchFamily="34" charset="0"/>
-              </a:rPr>
-              <a:t> a </a:t>
-            </a:r>
-            <a:r>
-              <a:rPr lang="fr-FR" sz="900" i="1" dirty="0" err="1">
-                <a:latin typeface="Gill Sans Nova" panose="020B0602020104020203" pitchFamily="34" charset="0"/>
-              </a:rPr>
-              <a:t>presence</a:t>
-            </a:r>
-            <a:r>
-              <a:rPr lang="fr-FR" sz="900" i="1" dirty="0">
-                <a:latin typeface="Gill Sans Nova" panose="020B0602020104020203" pitchFamily="34" charset="0"/>
-              </a:rPr>
-              <a:t> of</a:t>
-            </a:r>
-          </a:p>
-        </p:txBody>
-      </p:sp>
-      <p:cxnSp>
-        <p:nvCxnSpPr>
-          <p:cNvPr id="257" name="Connecteur : en arc 256">
-            <a:extLst>
-              <a:ext uri="{FF2B5EF4-FFF2-40B4-BE49-F238E27FC236}">
-                <a16:creationId xmlns:a16="http://schemas.microsoft.com/office/drawing/2014/main" id="{0281C721-B9A3-4EDD-9319-983B0288E8B3}"/>
-              </a:ext>
-            </a:extLst>
-          </p:cNvPr>
-          <p:cNvCxnSpPr>
-            <a:cxnSpLocks/>
-            <a:stCxn id="232" idx="2"/>
-            <a:endCxn id="1376" idx="1"/>
-          </p:cNvCxnSpPr>
-          <p:nvPr/>
-        </p:nvCxnSpPr>
-        <p:spPr>
-          <a:xfrm rot="5400000" flipH="1" flipV="1">
-            <a:off x="9452641" y="18572046"/>
-            <a:ext cx="1018893" cy="10101229"/>
-          </a:xfrm>
-          <a:prstGeom prst="curvedConnector4">
-            <a:avLst>
-              <a:gd name="adj1" fmla="val -406343"/>
-              <a:gd name="adj2" fmla="val 92486"/>
-            </a:avLst>
-          </a:prstGeom>
-          <a:ln>
-            <a:tailEnd type="triangle"/>
-          </a:ln>
-        </p:spPr>
-        <p:style>
-          <a:lnRef idx="1">
-            <a:schemeClr val="dk1"/>
-          </a:lnRef>
-          <a:fillRef idx="0">
-            <a:schemeClr val="dk1"/>
-          </a:fillRef>
-          <a:effectRef idx="0">
-            <a:schemeClr val="dk1"/>
-          </a:effectRef>
-          <a:fontRef idx="minor">
-            <a:schemeClr val="tx1"/>
-          </a:fontRef>
-        </p:style>
-      </p:cxnSp>
-      <p:sp>
-        <p:nvSpPr>
-          <p:cNvPr id="267" name="ZoneTexte 266">
-            <a:extLst>
-              <a:ext uri="{FF2B5EF4-FFF2-40B4-BE49-F238E27FC236}">
-                <a16:creationId xmlns:a16="http://schemas.microsoft.com/office/drawing/2014/main" id="{436CFC8F-1523-44B8-AC11-0DEEC2629B38}"/>
-              </a:ext>
-            </a:extLst>
-          </p:cNvPr>
-          <p:cNvSpPr txBox="1"/>
-          <p:nvPr/>
-        </p:nvSpPr>
-        <p:spPr>
-          <a:xfrm>
-            <a:off x="9007761" y="27749779"/>
-            <a:ext cx="1242988" cy="415498"/>
-          </a:xfrm>
-          <a:prstGeom prst="rect">
-            <a:avLst/>
-          </a:prstGeom>
-          <a:noFill/>
-        </p:spPr>
-        <p:txBody>
-          <a:bodyPr wrap="square" rtlCol="0">
-            <a:spAutoFit/>
-          </a:bodyPr>
-          <a:lstStyle/>
-          <a:p>
-            <a:pPr algn="ctr"/>
-            <a:r>
-              <a:rPr lang="fr-FR" sz="1050" i="1" dirty="0">
-                <a:latin typeface="Gill Sans Nova" panose="020B0602020104020203" pitchFamily="34" charset="0"/>
-              </a:rPr>
-              <a:t>P161 has spatial projection </a:t>
-            </a:r>
-          </a:p>
-        </p:txBody>
-      </p:sp>
-      <p:sp>
-        <p:nvSpPr>
-          <p:cNvPr id="268" name="ZoneTexte 267">
-            <a:extLst>
-              <a:ext uri="{FF2B5EF4-FFF2-40B4-BE49-F238E27FC236}">
-                <a16:creationId xmlns:a16="http://schemas.microsoft.com/office/drawing/2014/main" id="{1F725DB2-0531-4FB9-9B77-2C3004070CBB}"/>
-              </a:ext>
-            </a:extLst>
-          </p:cNvPr>
-          <p:cNvSpPr txBox="1"/>
-          <p:nvPr/>
-        </p:nvSpPr>
-        <p:spPr>
-          <a:xfrm>
-            <a:off x="27105618" y="20295219"/>
-            <a:ext cx="1484002" cy="230832"/>
-          </a:xfrm>
-          <a:prstGeom prst="rect">
-            <a:avLst/>
-          </a:prstGeom>
-          <a:noFill/>
-        </p:spPr>
-        <p:txBody>
-          <a:bodyPr wrap="square" rtlCol="0">
-            <a:spAutoFit/>
-          </a:bodyPr>
-          <a:lstStyle/>
-          <a:p>
-            <a:pPr algn="ctr"/>
-            <a:r>
-              <a:rPr lang="fr-FR" sz="900" i="1" dirty="0">
-                <a:latin typeface="Gill Sans Nova" panose="020B0602020104020203" pitchFamily="34" charset="0"/>
-              </a:rPr>
-              <a:t>P144.1 </a:t>
-            </a:r>
-            <a:r>
-              <a:rPr lang="fr-FR" sz="900" i="1" dirty="0" err="1">
-                <a:latin typeface="Gill Sans Nova" panose="020B0602020104020203" pitchFamily="34" charset="0"/>
-              </a:rPr>
-              <a:t>kind</a:t>
-            </a:r>
-            <a:r>
-              <a:rPr lang="fr-FR" sz="900" i="1" dirty="0">
-                <a:latin typeface="Gill Sans Nova" panose="020B0602020104020203" pitchFamily="34" charset="0"/>
-              </a:rPr>
-              <a:t> of </a:t>
-            </a:r>
-            <a:r>
-              <a:rPr lang="fr-FR" sz="900" i="1" dirty="0" err="1">
-                <a:latin typeface="Gill Sans Nova" panose="020B0602020104020203" pitchFamily="34" charset="0"/>
-              </a:rPr>
-              <a:t>member</a:t>
-            </a:r>
-            <a:endParaRPr lang="fr-FR" sz="900" i="1" dirty="0">
-              <a:latin typeface="Gill Sans Nova" panose="020B0602020104020203" pitchFamily="34" charset="0"/>
-            </a:endParaRPr>
-          </a:p>
-        </p:txBody>
-      </p:sp>
-      <p:sp>
-        <p:nvSpPr>
-          <p:cNvPr id="270" name="Rectangle : coins arrondis 269">
-            <a:extLst>
-              <a:ext uri="{FF2B5EF4-FFF2-40B4-BE49-F238E27FC236}">
-                <a16:creationId xmlns:a16="http://schemas.microsoft.com/office/drawing/2014/main" id="{17D53C07-2C39-41A7-BF83-0326882B9302}"/>
+      <p:sp>
+        <p:nvSpPr>
+          <p:cNvPr id="292" name="Rectangle : coins arrondis 291">
+            <a:extLst>
+              <a:ext uri="{FF2B5EF4-FFF2-40B4-BE49-F238E27FC236}">
+                <a16:creationId xmlns:a16="http://schemas.microsoft.com/office/drawing/2014/main" id="{E8C496EE-D5E9-435A-9B61-1CA3D291F299}"/>
               </a:ext>
             </a:extLst>
           </p:cNvPr>
@@ -16072,7 +15451,7 @@
         </p:nvSpPr>
         <p:spPr>
           <a:xfrm>
-            <a:off x="26598010" y="4204171"/>
+            <a:off x="30713451" y="10723752"/>
             <a:ext cx="1139308" cy="678712"/>
           </a:xfrm>
           <a:prstGeom prst="roundRect">
@@ -16123,134 +15502,32 @@
                 </a:solidFill>
                 <a:latin typeface="Gill Sans Nova" panose="020B0602020104020203" pitchFamily="34" charset="0"/>
               </a:rPr>
-              <a:t>« Livraison du Mercure Galant »</a:t>
-            </a:r>
-          </a:p>
-        </p:txBody>
-      </p:sp>
-      <p:sp>
-        <p:nvSpPr>
-          <p:cNvPr id="273" name="ZoneTexte 272">
-            <a:extLst>
-              <a:ext uri="{FF2B5EF4-FFF2-40B4-BE49-F238E27FC236}">
-                <a16:creationId xmlns:a16="http://schemas.microsoft.com/office/drawing/2014/main" id="{FE6F1C7A-C0B2-4CA7-87BD-B8DCEE1355A9}"/>
-              </a:ext>
-            </a:extLst>
-          </p:cNvPr>
-          <p:cNvSpPr txBox="1"/>
-          <p:nvPr/>
-        </p:nvSpPr>
-        <p:spPr>
-          <a:xfrm>
-            <a:off x="27117105" y="5146625"/>
-            <a:ext cx="1398361" cy="230832"/>
-          </a:xfrm>
-          <a:prstGeom prst="rect">
-            <a:avLst/>
-          </a:prstGeom>
-          <a:noFill/>
-        </p:spPr>
-        <p:txBody>
-          <a:bodyPr wrap="square" rtlCol="0">
-            <a:spAutoFit/>
-          </a:bodyPr>
-          <a:lstStyle/>
-          <a:p>
-            <a:pPr algn="ctr"/>
-            <a:r>
-              <a:rPr lang="fr-FR" sz="900" i="1" dirty="0">
-                <a:latin typeface="Gill Sans Nova" panose="020B0602020104020203" pitchFamily="34" charset="0"/>
-              </a:rPr>
-              <a:t>P2 has type</a:t>
-            </a:r>
-          </a:p>
-        </p:txBody>
-      </p:sp>
-      <p:sp>
-        <p:nvSpPr>
-          <p:cNvPr id="274" name="ZoneTexte 273">
-            <a:extLst>
-              <a:ext uri="{FF2B5EF4-FFF2-40B4-BE49-F238E27FC236}">
-                <a16:creationId xmlns:a16="http://schemas.microsoft.com/office/drawing/2014/main" id="{B4F3720B-3EA9-4120-B562-3D61BB9D5FB7}"/>
-              </a:ext>
-            </a:extLst>
-          </p:cNvPr>
-          <p:cNvSpPr txBox="1"/>
-          <p:nvPr/>
-        </p:nvSpPr>
-        <p:spPr>
-          <a:xfrm>
-            <a:off x="29346217" y="10429760"/>
-            <a:ext cx="1398361" cy="230832"/>
-          </a:xfrm>
-          <a:prstGeom prst="rect">
-            <a:avLst/>
-          </a:prstGeom>
-          <a:noFill/>
-        </p:spPr>
-        <p:txBody>
-          <a:bodyPr wrap="square" rtlCol="0">
-            <a:spAutoFit/>
-          </a:bodyPr>
-          <a:lstStyle/>
-          <a:p>
-            <a:pPr algn="ctr"/>
-            <a:r>
-              <a:rPr lang="fr-FR" sz="900" i="1" dirty="0">
-                <a:latin typeface="Gill Sans Nova" panose="020B0602020104020203" pitchFamily="34" charset="0"/>
-              </a:rPr>
-              <a:t>P2 has type</a:t>
-            </a:r>
-          </a:p>
-        </p:txBody>
-      </p:sp>
-      <p:cxnSp>
-        <p:nvCxnSpPr>
-          <p:cNvPr id="286" name="Connecteur droit avec flèche 285">
-            <a:extLst>
-              <a:ext uri="{FF2B5EF4-FFF2-40B4-BE49-F238E27FC236}">
-                <a16:creationId xmlns:a16="http://schemas.microsoft.com/office/drawing/2014/main" id="{222C9276-C0F0-4C07-9607-710E574559BF}"/>
-              </a:ext>
-            </a:extLst>
-          </p:cNvPr>
-          <p:cNvCxnSpPr>
-            <a:cxnSpLocks/>
-          </p:cNvCxnSpPr>
-          <p:nvPr/>
-        </p:nvCxnSpPr>
-        <p:spPr>
-          <a:xfrm>
-            <a:off x="29842823" y="10053212"/>
-            <a:ext cx="898482" cy="704938"/>
-          </a:xfrm>
-          <a:prstGeom prst="straightConnector1">
-            <a:avLst/>
-          </a:prstGeom>
-          <a:ln>
-            <a:tailEnd type="triangle"/>
-          </a:ln>
-        </p:spPr>
-        <p:style>
-          <a:lnRef idx="1">
-            <a:schemeClr val="dk1"/>
-          </a:lnRef>
-          <a:fillRef idx="0">
-            <a:schemeClr val="dk1"/>
-          </a:fillRef>
-          <a:effectRef idx="0">
-            <a:schemeClr val="dk1"/>
-          </a:effectRef>
-          <a:fontRef idx="minor">
-            <a:schemeClr val="tx1"/>
-          </a:fontRef>
-        </p:style>
-      </p:cxnSp>
-      <p:sp>
-        <p:nvSpPr>
-          <p:cNvPr id="292" name="Rectangle : coins arrondis 291">
-            <a:extLst>
-              <a:ext uri="{FF2B5EF4-FFF2-40B4-BE49-F238E27FC236}">
-                <a16:creationId xmlns:a16="http://schemas.microsoft.com/office/drawing/2014/main" id="{E8C496EE-D5E9-435A-9B61-1CA3D291F299}"/>
+              <a:t>« Article du </a:t>
+            </a:r>
+            <a:r>
+              <a:rPr lang="fr-FR" sz="900">
+                <a:solidFill>
+                  <a:schemeClr val="tx1"/>
+                </a:solidFill>
+                <a:latin typeface="Gill Sans Nova" panose="020B0602020104020203" pitchFamily="34" charset="0"/>
+              </a:rPr>
+              <a:t>Mercure Galant »</a:t>
+            </a:r>
+            <a:endParaRPr lang="fr-FR" sz="900" dirty="0">
+              <a:solidFill>
+                <a:schemeClr val="tx1"/>
+              </a:solidFill>
+              <a:latin typeface="Gill Sans Nova" panose="020B0602020104020203" pitchFamily="34" charset="0"/>
+            </a:endParaRPr>
+          </a:p>
+        </p:txBody>
+      </p:sp>
+      <p:sp>
+        <p:nvSpPr>
+          <p:cNvPr id="300" name="Rectangle : coins arrondis 299">
+            <a:extLst>
+              <a:ext uri="{FF2B5EF4-FFF2-40B4-BE49-F238E27FC236}">
+                <a16:creationId xmlns:a16="http://schemas.microsoft.com/office/drawing/2014/main" id="{F0973BD2-5791-4B69-92DD-DDC5E4C02D77}"/>
               </a:ext>
             </a:extLst>
           </p:cNvPr>
@@ -16259,14 +15536,17 @@
         </p:nvSpPr>
         <p:spPr>
           <a:xfrm>
-            <a:off x="30713451" y="10723752"/>
-            <a:ext cx="1139308" cy="678712"/>
+            <a:off x="27211294" y="6962702"/>
+            <a:ext cx="1052047" cy="665980"/>
           </a:xfrm>
           <a:prstGeom prst="roundRect">
             <a:avLst/>
           </a:prstGeom>
           <a:solidFill>
-            <a:srgbClr val="F6CACA"/>
+            <a:schemeClr val="accent1">
+              <a:lumMod val="60000"/>
+              <a:lumOff val="40000"/>
+            </a:schemeClr>
           </a:solidFill>
           <a:ln w="12700">
             <a:noFill/>
@@ -16294,48 +15574,39 @@
             <a:r>
               <a:rPr lang="fr-FR" sz="900" dirty="0">
                 <a:solidFill>
-                  <a:schemeClr val="tx1"/>
-                </a:solidFill>
-                <a:latin typeface="Gill Sans Nova" panose="020B0602020104020203" pitchFamily="34" charset="0"/>
-              </a:rPr>
-              <a:t>E55 Type</a:t>
-            </a:r>
-          </a:p>
-          <a:p>
-            <a:pPr algn="ctr"/>
+                  <a:schemeClr val="bg1"/>
+                </a:solidFill>
+                <a:latin typeface="Gill Sans Nova" panose="020B0602020104020203" pitchFamily="34" charset="0"/>
+              </a:rPr>
+              <a:t>E63 </a:t>
+            </a:r>
+            <a:r>
+              <a:rPr lang="fr-FR" sz="900" dirty="0" err="1">
+                <a:solidFill>
+                  <a:schemeClr val="bg1"/>
+                </a:solidFill>
+                <a:latin typeface="Gill Sans Nova" panose="020B0602020104020203" pitchFamily="34" charset="0"/>
+              </a:rPr>
+              <a:t>Beginning</a:t>
+            </a:r>
             <a:r>
               <a:rPr lang="fr-FR" sz="900" dirty="0">
                 <a:solidFill>
-                  <a:schemeClr val="tx1"/>
-                </a:solidFill>
-                <a:latin typeface="Gill Sans Nova" panose="020B0602020104020203" pitchFamily="34" charset="0"/>
-              </a:rPr>
-              <a:t>« Article du </a:t>
-            </a:r>
-            <a:r>
-              <a:rPr lang="fr-FR" sz="900">
-                <a:solidFill>
-                  <a:schemeClr val="tx1"/>
-                </a:solidFill>
-                <a:latin typeface="Gill Sans Nova" panose="020B0602020104020203" pitchFamily="34" charset="0"/>
-              </a:rPr>
-              <a:t>Mercure Galant »</a:t>
-            </a:r>
-            <a:endParaRPr lang="fr-FR" sz="900" dirty="0">
-              <a:solidFill>
-                <a:schemeClr val="tx1"/>
-              </a:solidFill>
-              <a:latin typeface="Gill Sans Nova" panose="020B0602020104020203" pitchFamily="34" charset="0"/>
-            </a:endParaRPr>
-          </a:p>
-        </p:txBody>
-      </p:sp>
-      <p:sp>
-        <p:nvSpPr>
-          <p:cNvPr id="300" name="Rectangle : coins arrondis 299">
-            <a:extLst>
-              <a:ext uri="{FF2B5EF4-FFF2-40B4-BE49-F238E27FC236}">
-                <a16:creationId xmlns:a16="http://schemas.microsoft.com/office/drawing/2014/main" id="{F0973BD2-5791-4B69-92DD-DDC5E4C02D77}"/>
+                  <a:schemeClr val="bg1"/>
+                </a:solidFill>
+                <a:latin typeface="Gill Sans Nova" panose="020B0602020104020203" pitchFamily="34" charset="0"/>
+              </a:rPr>
+              <a:t> of Existence</a:t>
+            </a:r>
+          </a:p>
+        </p:txBody>
+      </p:sp>
+      <p:sp>
+        <p:nvSpPr>
+          <p:cNvPr id="305" name="Rectangle : coins arrondis 304">
+            <a:extLst>
+              <a:ext uri="{FF2B5EF4-FFF2-40B4-BE49-F238E27FC236}">
+                <a16:creationId xmlns:a16="http://schemas.microsoft.com/office/drawing/2014/main" id="{064A9CBD-E352-42F1-A05C-0AB6D08774C6}"/>
               </a:ext>
             </a:extLst>
           </p:cNvPr>
@@ -16344,16 +15615,16 @@
         </p:nvSpPr>
         <p:spPr>
           <a:xfrm>
-            <a:off x="27211294" y="6962702"/>
-            <a:ext cx="1052047" cy="665980"/>
+            <a:off x="24858028" y="7055777"/>
+            <a:ext cx="976814" cy="458655"/>
           </a:xfrm>
           <a:prstGeom prst="roundRect">
             <a:avLst/>
           </a:prstGeom>
           <a:solidFill>
-            <a:schemeClr val="accent1">
-              <a:lumMod val="60000"/>
-              <a:lumOff val="40000"/>
+            <a:schemeClr val="accent6">
+              <a:lumMod val="40000"/>
+              <a:lumOff val="60000"/>
             </a:schemeClr>
           </a:solidFill>
           <a:ln w="12700">
@@ -16382,39 +15653,213 @@
             <a:r>
               <a:rPr lang="fr-FR" sz="900" dirty="0">
                 <a:solidFill>
-                  <a:schemeClr val="bg1"/>
-                </a:solidFill>
-                <a:latin typeface="Gill Sans Nova" panose="020B0602020104020203" pitchFamily="34" charset="0"/>
-              </a:rPr>
-              <a:t>E63 </a:t>
-            </a:r>
-            <a:r>
-              <a:rPr lang="fr-FR" sz="900" dirty="0" err="1">
-                <a:solidFill>
-                  <a:schemeClr val="bg1"/>
-                </a:solidFill>
-                <a:latin typeface="Gill Sans Nova" panose="020B0602020104020203" pitchFamily="34" charset="0"/>
-              </a:rPr>
-              <a:t>Beginning</a:t>
-            </a:r>
-            <a:r>
-              <a:rPr lang="fr-FR" sz="900" dirty="0">
-                <a:solidFill>
-                  <a:schemeClr val="bg1"/>
-                </a:solidFill>
-                <a:latin typeface="Gill Sans Nova" panose="020B0602020104020203" pitchFamily="34" charset="0"/>
-              </a:rPr>
-              <a:t> of Existence</a:t>
-            </a:r>
-          </a:p>
-        </p:txBody>
-      </p:sp>
-      <p:sp>
-        <p:nvSpPr>
-          <p:cNvPr id="305" name="Rectangle : coins arrondis 304">
-            <a:extLst>
-              <a:ext uri="{FF2B5EF4-FFF2-40B4-BE49-F238E27FC236}">
-                <a16:creationId xmlns:a16="http://schemas.microsoft.com/office/drawing/2014/main" id="{064A9CBD-E352-42F1-A05C-0AB6D08774C6}"/>
+                  <a:schemeClr val="tx1"/>
+                </a:solidFill>
+                <a:latin typeface="Gill Sans Nova" panose="020B0602020104020203" pitchFamily="34" charset="0"/>
+              </a:rPr>
+              <a:t>E52 Time-Span</a:t>
+            </a:r>
+          </a:p>
+        </p:txBody>
+      </p:sp>
+      <p:cxnSp>
+        <p:nvCxnSpPr>
+          <p:cNvPr id="307" name="Connecteur droit avec flèche 306">
+            <a:extLst>
+              <a:ext uri="{FF2B5EF4-FFF2-40B4-BE49-F238E27FC236}">
+                <a16:creationId xmlns:a16="http://schemas.microsoft.com/office/drawing/2014/main" id="{B47F3C41-FE45-4C1E-B52B-3B231B04F0F7}"/>
+              </a:ext>
+            </a:extLst>
+          </p:cNvPr>
+          <p:cNvCxnSpPr>
+            <a:cxnSpLocks/>
+          </p:cNvCxnSpPr>
+          <p:nvPr/>
+        </p:nvCxnSpPr>
+        <p:spPr>
+          <a:xfrm flipV="1">
+            <a:off x="28218821" y="6250274"/>
+            <a:ext cx="607720" cy="737599"/>
+          </a:xfrm>
+          <a:prstGeom prst="straightConnector1">
+            <a:avLst/>
+          </a:prstGeom>
+          <a:ln>
+            <a:tailEnd type="triangle"/>
+          </a:ln>
+        </p:spPr>
+        <p:style>
+          <a:lnRef idx="1">
+            <a:schemeClr val="dk1"/>
+          </a:lnRef>
+          <a:fillRef idx="0">
+            <a:schemeClr val="dk1"/>
+          </a:fillRef>
+          <a:effectRef idx="0">
+            <a:schemeClr val="dk1"/>
+          </a:effectRef>
+          <a:fontRef idx="minor">
+            <a:schemeClr val="tx1"/>
+          </a:fontRef>
+        </p:style>
+      </p:cxnSp>
+      <p:cxnSp>
+        <p:nvCxnSpPr>
+          <p:cNvPr id="309" name="Connecteur droit avec flèche 308">
+            <a:extLst>
+              <a:ext uri="{FF2B5EF4-FFF2-40B4-BE49-F238E27FC236}">
+                <a16:creationId xmlns:a16="http://schemas.microsoft.com/office/drawing/2014/main" id="{65C4FD4C-6066-4CF6-85CB-55DC36A5EBB1}"/>
+              </a:ext>
+            </a:extLst>
+          </p:cNvPr>
+          <p:cNvCxnSpPr>
+            <a:stCxn id="300" idx="1"/>
+            <a:endCxn id="305" idx="3"/>
+          </p:cNvCxnSpPr>
+          <p:nvPr/>
+        </p:nvCxnSpPr>
+        <p:spPr>
+          <a:xfrm flipH="1" flipV="1">
+            <a:off x="25834842" y="7285105"/>
+            <a:ext cx="1376452" cy="10587"/>
+          </a:xfrm>
+          <a:prstGeom prst="straightConnector1">
+            <a:avLst/>
+          </a:prstGeom>
+          <a:ln>
+            <a:tailEnd type="triangle"/>
+          </a:ln>
+        </p:spPr>
+        <p:style>
+          <a:lnRef idx="1">
+            <a:schemeClr val="dk1"/>
+          </a:lnRef>
+          <a:fillRef idx="0">
+            <a:schemeClr val="dk1"/>
+          </a:fillRef>
+          <a:effectRef idx="0">
+            <a:schemeClr val="dk1"/>
+          </a:effectRef>
+          <a:fontRef idx="minor">
+            <a:schemeClr val="tx1"/>
+          </a:fontRef>
+        </p:style>
+      </p:cxnSp>
+      <p:sp>
+        <p:nvSpPr>
+          <p:cNvPr id="312" name="ZoneTexte 311">
+            <a:extLst>
+              <a:ext uri="{FF2B5EF4-FFF2-40B4-BE49-F238E27FC236}">
+                <a16:creationId xmlns:a16="http://schemas.microsoft.com/office/drawing/2014/main" id="{1EB1E6F8-C471-4916-A2A7-D21E9AF50D29}"/>
+              </a:ext>
+            </a:extLst>
+          </p:cNvPr>
+          <p:cNvSpPr txBox="1"/>
+          <p:nvPr/>
+        </p:nvSpPr>
+        <p:spPr>
+          <a:xfrm>
+            <a:off x="25867412" y="7034904"/>
+            <a:ext cx="1398361" cy="230832"/>
+          </a:xfrm>
+          <a:prstGeom prst="rect">
+            <a:avLst/>
+          </a:prstGeom>
+          <a:noFill/>
+        </p:spPr>
+        <p:txBody>
+          <a:bodyPr wrap="square" rtlCol="0">
+            <a:spAutoFit/>
+          </a:bodyPr>
+          <a:lstStyle/>
+          <a:p>
+            <a:pPr algn="ctr"/>
+            <a:r>
+              <a:rPr lang="fr-FR" sz="900" i="1" dirty="0">
+                <a:latin typeface="Gill Sans Nova" panose="020B0602020104020203" pitchFamily="34" charset="0"/>
+              </a:rPr>
+              <a:t>P4 has time-</a:t>
+            </a:r>
+            <a:r>
+              <a:rPr lang="fr-FR" sz="900" i="1" dirty="0" err="1">
+                <a:latin typeface="Gill Sans Nova" panose="020B0602020104020203" pitchFamily="34" charset="0"/>
+              </a:rPr>
+              <a:t>span</a:t>
+            </a:r>
+            <a:endParaRPr lang="fr-FR" sz="900" i="1" dirty="0">
+              <a:latin typeface="Gill Sans Nova" panose="020B0602020104020203" pitchFamily="34" charset="0"/>
+            </a:endParaRPr>
+          </a:p>
+        </p:txBody>
+      </p:sp>
+      <p:sp>
+        <p:nvSpPr>
+          <p:cNvPr id="313" name="ZoneTexte 312">
+            <a:extLst>
+              <a:ext uri="{FF2B5EF4-FFF2-40B4-BE49-F238E27FC236}">
+                <a16:creationId xmlns:a16="http://schemas.microsoft.com/office/drawing/2014/main" id="{D97C9065-F969-4723-BBC2-9A23DD4DC14B}"/>
+              </a:ext>
+            </a:extLst>
+          </p:cNvPr>
+          <p:cNvSpPr txBox="1"/>
+          <p:nvPr/>
+        </p:nvSpPr>
+        <p:spPr>
+          <a:xfrm>
+            <a:off x="27619411" y="6417010"/>
+            <a:ext cx="984374" cy="369332"/>
+          </a:xfrm>
+          <a:prstGeom prst="rect">
+            <a:avLst/>
+          </a:prstGeom>
+          <a:noFill/>
+        </p:spPr>
+        <p:txBody>
+          <a:bodyPr wrap="square" rtlCol="0">
+            <a:spAutoFit/>
+          </a:bodyPr>
+          <a:lstStyle/>
+          <a:p>
+            <a:pPr algn="ctr"/>
+            <a:r>
+              <a:rPr lang="fr-FR" sz="900" i="1" dirty="0">
+                <a:latin typeface="Gill Sans Nova" panose="020B0602020104020203" pitchFamily="34" charset="0"/>
+              </a:rPr>
+              <a:t>P92 </a:t>
+            </a:r>
+            <a:r>
+              <a:rPr lang="fr-FR" sz="900" i="1" dirty="0" err="1">
+                <a:latin typeface="Gill Sans Nova" panose="020B0602020104020203" pitchFamily="34" charset="0"/>
+              </a:rPr>
+              <a:t>brought</a:t>
+            </a:r>
+            <a:r>
+              <a:rPr lang="fr-FR" sz="900" i="1" dirty="0">
+                <a:latin typeface="Gill Sans Nova" panose="020B0602020104020203" pitchFamily="34" charset="0"/>
+              </a:rPr>
+              <a:t> </a:t>
+            </a:r>
+            <a:r>
+              <a:rPr lang="fr-FR" sz="900" i="1" dirty="0" err="1">
+                <a:latin typeface="Gill Sans Nova" panose="020B0602020104020203" pitchFamily="34" charset="0"/>
+              </a:rPr>
+              <a:t>into</a:t>
+            </a:r>
+            <a:r>
+              <a:rPr lang="fr-FR" sz="900" i="1" dirty="0">
+                <a:latin typeface="Gill Sans Nova" panose="020B0602020104020203" pitchFamily="34" charset="0"/>
+              </a:rPr>
+              <a:t> existence</a:t>
+            </a:r>
+          </a:p>
+        </p:txBody>
+      </p:sp>
+      <p:sp>
+        <p:nvSpPr>
+          <p:cNvPr id="319" name="Rectangle : coins arrondis 318">
+            <a:extLst>
+              <a:ext uri="{FF2B5EF4-FFF2-40B4-BE49-F238E27FC236}">
+                <a16:creationId xmlns:a16="http://schemas.microsoft.com/office/drawing/2014/main" id="{158019D3-31C6-4759-AA6A-F4526287CEE9}"/>
               </a:ext>
             </a:extLst>
           </p:cNvPr>
@@ -16423,18 +15868,13 @@
         </p:nvSpPr>
         <p:spPr>
           <a:xfrm>
-            <a:off x="24858028" y="7055777"/>
+            <a:off x="23640415" y="7837167"/>
             <a:ext cx="976814" cy="458655"/>
           </a:xfrm>
           <a:prstGeom prst="roundRect">
             <a:avLst/>
           </a:prstGeom>
-          <a:solidFill>
-            <a:schemeClr val="accent6">
-              <a:lumMod val="40000"/>
-              <a:lumOff val="60000"/>
-            </a:schemeClr>
-          </a:solidFill>
+          <a:noFill/>
           <a:ln w="12700">
             <a:noFill/>
           </a:ln>
@@ -16465,31 +15905,236 @@
                 </a:solidFill>
                 <a:latin typeface="Gill Sans Nova" panose="020B0602020104020203" pitchFamily="34" charset="0"/>
               </a:rPr>
-              <a:t>E52 Time-Span</a:t>
+              <a:t>« 1672-01 »</a:t>
             </a:r>
           </a:p>
         </p:txBody>
       </p:sp>
       <p:cxnSp>
         <p:nvCxnSpPr>
-          <p:cNvPr id="307" name="Connecteur droit avec flèche 306">
-            <a:extLst>
-              <a:ext uri="{FF2B5EF4-FFF2-40B4-BE49-F238E27FC236}">
-                <a16:creationId xmlns:a16="http://schemas.microsoft.com/office/drawing/2014/main" id="{B47F3C41-FE45-4C1E-B52B-3B231B04F0F7}"/>
+          <p:cNvPr id="321" name="Connecteur : en arc 320">
+            <a:extLst>
+              <a:ext uri="{FF2B5EF4-FFF2-40B4-BE49-F238E27FC236}">
+                <a16:creationId xmlns:a16="http://schemas.microsoft.com/office/drawing/2014/main" id="{B1A1698C-A8C1-4041-A2F8-00ABF52A32CF}"/>
               </a:ext>
             </a:extLst>
           </p:cNvPr>
           <p:cNvCxnSpPr>
-            <a:cxnSpLocks/>
+            <a:stCxn id="305" idx="1"/>
+            <a:endCxn id="319" idx="0"/>
           </p:cNvCxnSpPr>
           <p:nvPr/>
         </p:nvCxnSpPr>
         <p:spPr>
-          <a:xfrm flipV="1">
-            <a:off x="28218821" y="6250274"/>
-            <a:ext cx="607720" cy="737599"/>
-          </a:xfrm>
-          <a:prstGeom prst="straightConnector1">
+          <a:xfrm rot="10800000" flipV="1">
+            <a:off x="24128822" y="7285105"/>
+            <a:ext cx="729206" cy="552062"/>
+          </a:xfrm>
+          <a:prstGeom prst="curvedConnector2">
+            <a:avLst/>
+          </a:prstGeom>
+          <a:ln>
+            <a:tailEnd type="triangle"/>
+          </a:ln>
+        </p:spPr>
+        <p:style>
+          <a:lnRef idx="1">
+            <a:schemeClr val="dk1"/>
+          </a:lnRef>
+          <a:fillRef idx="0">
+            <a:schemeClr val="dk1"/>
+          </a:fillRef>
+          <a:effectRef idx="0">
+            <a:schemeClr val="dk1"/>
+          </a:effectRef>
+          <a:fontRef idx="minor">
+            <a:schemeClr val="tx1"/>
+          </a:fontRef>
+        </p:style>
+      </p:cxnSp>
+      <p:sp>
+        <p:nvSpPr>
+          <p:cNvPr id="322" name="ZoneTexte 321">
+            <a:extLst>
+              <a:ext uri="{FF2B5EF4-FFF2-40B4-BE49-F238E27FC236}">
+                <a16:creationId xmlns:a16="http://schemas.microsoft.com/office/drawing/2014/main" id="{45FDA39D-27A0-4A78-9FC1-B7E5D03559DC}"/>
+              </a:ext>
+            </a:extLst>
+          </p:cNvPr>
+          <p:cNvSpPr txBox="1"/>
+          <p:nvPr/>
+        </p:nvSpPr>
+        <p:spPr>
+          <a:xfrm>
+            <a:off x="23638040" y="7081991"/>
+            <a:ext cx="976814" cy="369332"/>
+          </a:xfrm>
+          <a:prstGeom prst="rect">
+            <a:avLst/>
+          </a:prstGeom>
+          <a:noFill/>
+        </p:spPr>
+        <p:txBody>
+          <a:bodyPr wrap="square" rtlCol="0">
+            <a:spAutoFit/>
+          </a:bodyPr>
+          <a:lstStyle/>
+          <a:p>
+            <a:pPr algn="ctr"/>
+            <a:r>
+              <a:rPr lang="fr-FR" sz="900" i="1" dirty="0">
+                <a:latin typeface="Gill Sans Nova" panose="020B0602020104020203" pitchFamily="34" charset="0"/>
+              </a:rPr>
+              <a:t>P80 end </a:t>
+            </a:r>
+            <a:r>
+              <a:rPr lang="fr-FR" sz="900" i="1" dirty="0" err="1">
+                <a:latin typeface="Gill Sans Nova" panose="020B0602020104020203" pitchFamily="34" charset="0"/>
+              </a:rPr>
+              <a:t>is</a:t>
+            </a:r>
+            <a:r>
+              <a:rPr lang="fr-FR" sz="900" i="1" dirty="0">
+                <a:latin typeface="Gill Sans Nova" panose="020B0602020104020203" pitchFamily="34" charset="0"/>
+              </a:rPr>
+              <a:t> </a:t>
+            </a:r>
+            <a:r>
+              <a:rPr lang="fr-FR" sz="900" i="1" dirty="0" err="1">
+                <a:latin typeface="Gill Sans Nova" panose="020B0602020104020203" pitchFamily="34" charset="0"/>
+              </a:rPr>
+              <a:t>qualified</a:t>
+            </a:r>
+            <a:r>
+              <a:rPr lang="fr-FR" sz="900" i="1" dirty="0">
+                <a:latin typeface="Gill Sans Nova" panose="020B0602020104020203" pitchFamily="34" charset="0"/>
+              </a:rPr>
+              <a:t> by</a:t>
+            </a:r>
+          </a:p>
+        </p:txBody>
+      </p:sp>
+      <p:cxnSp>
+        <p:nvCxnSpPr>
+          <p:cNvPr id="9" name="Connecteur : en arc 8">
+            <a:extLst>
+              <a:ext uri="{FF2B5EF4-FFF2-40B4-BE49-F238E27FC236}">
+                <a16:creationId xmlns:a16="http://schemas.microsoft.com/office/drawing/2014/main" id="{BD1A3EB3-1D6C-4945-BB45-A143C6513823}"/>
+              </a:ext>
+            </a:extLst>
+          </p:cNvPr>
+          <p:cNvCxnSpPr>
+            <a:endCxn id="1323" idx="1"/>
+          </p:cNvCxnSpPr>
+          <p:nvPr/>
+        </p:nvCxnSpPr>
+        <p:spPr>
+          <a:xfrm rot="5400000" flipH="1" flipV="1">
+            <a:off x="11496386" y="22511770"/>
+            <a:ext cx="4812814" cy="2237600"/>
+          </a:xfrm>
+          <a:prstGeom prst="curvedConnector2">
+            <a:avLst/>
+          </a:prstGeom>
+          <a:ln>
+            <a:tailEnd type="triangle"/>
+          </a:ln>
+        </p:spPr>
+        <p:style>
+          <a:lnRef idx="1">
+            <a:schemeClr val="dk1"/>
+          </a:lnRef>
+          <a:fillRef idx="0">
+            <a:schemeClr val="dk1"/>
+          </a:fillRef>
+          <a:effectRef idx="0">
+            <a:schemeClr val="dk1"/>
+          </a:effectRef>
+          <a:fontRef idx="minor">
+            <a:schemeClr val="tx1"/>
+          </a:fontRef>
+        </p:style>
+      </p:cxnSp>
+      <p:sp>
+        <p:nvSpPr>
+          <p:cNvPr id="11" name="ZoneTexte 10">
+            <a:extLst>
+              <a:ext uri="{FF2B5EF4-FFF2-40B4-BE49-F238E27FC236}">
+                <a16:creationId xmlns:a16="http://schemas.microsoft.com/office/drawing/2014/main" id="{9D318049-5AFA-4F4B-B9D2-8778294A518F}"/>
+              </a:ext>
+            </a:extLst>
+          </p:cNvPr>
+          <p:cNvSpPr txBox="1"/>
+          <p:nvPr/>
+        </p:nvSpPr>
+        <p:spPr>
+          <a:xfrm>
+            <a:off x="12205552" y="22903924"/>
+            <a:ext cx="1242988" cy="230832"/>
+          </a:xfrm>
+          <a:prstGeom prst="rect">
+            <a:avLst/>
+          </a:prstGeom>
+          <a:noFill/>
+        </p:spPr>
+        <p:txBody>
+          <a:bodyPr wrap="square" rtlCol="0">
+            <a:spAutoFit/>
+          </a:bodyPr>
+          <a:lstStyle/>
+          <a:p>
+            <a:pPr algn="ctr"/>
+            <a:r>
+              <a:rPr lang="fr-FR" sz="900" i="1" dirty="0">
+                <a:latin typeface="Gill Sans Nova" panose="020B0602020104020203" pitchFamily="34" charset="0"/>
+              </a:rPr>
+              <a:t>P121 </a:t>
+            </a:r>
+            <a:r>
+              <a:rPr lang="fr-FR" sz="900" i="1" dirty="0" err="1">
+                <a:latin typeface="Gill Sans Nova" panose="020B0602020104020203" pitchFamily="34" charset="0"/>
+              </a:rPr>
+              <a:t>overlaps</a:t>
+            </a:r>
+            <a:r>
+              <a:rPr lang="fr-FR" sz="900" i="1" dirty="0">
+                <a:latin typeface="Gill Sans Nova" panose="020B0602020104020203" pitchFamily="34" charset="0"/>
+              </a:rPr>
+              <a:t> </a:t>
+            </a:r>
+            <a:r>
+              <a:rPr lang="fr-FR" sz="900" i="1" dirty="0" err="1">
+                <a:latin typeface="Gill Sans Nova" panose="020B0602020104020203" pitchFamily="34" charset="0"/>
+              </a:rPr>
+              <a:t>with</a:t>
+            </a:r>
+            <a:endParaRPr lang="fr-FR" sz="900" i="1" dirty="0">
+              <a:latin typeface="Gill Sans Nova" panose="020B0602020104020203" pitchFamily="34" charset="0"/>
+            </a:endParaRPr>
+          </a:p>
+        </p:txBody>
+      </p:sp>
+      <p:cxnSp>
+        <p:nvCxnSpPr>
+          <p:cNvPr id="22" name="Connecteur : en arc 21">
+            <a:extLst>
+              <a:ext uri="{FF2B5EF4-FFF2-40B4-BE49-F238E27FC236}">
+                <a16:creationId xmlns:a16="http://schemas.microsoft.com/office/drawing/2014/main" id="{0D6C2BEB-0044-465F-8740-423945CB2ADF}"/>
+              </a:ext>
+            </a:extLst>
+          </p:cNvPr>
+          <p:cNvCxnSpPr>
+            <a:stCxn id="929" idx="0"/>
+            <a:endCxn id="926" idx="2"/>
+          </p:cNvCxnSpPr>
+          <p:nvPr/>
+        </p:nvCxnSpPr>
+        <p:spPr>
+          <a:xfrm rot="16200000" flipV="1">
+            <a:off x="24795630" y="4836742"/>
+            <a:ext cx="1103962" cy="517531"/>
+          </a:xfrm>
+          <a:prstGeom prst="curvedConnector3">
             <a:avLst/>
           </a:prstGeom>
           <a:ln>
@@ -16513,23 +16158,22 @@
       </p:cxnSp>
       <p:cxnSp>
         <p:nvCxnSpPr>
-          <p:cNvPr id="309" name="Connecteur droit avec flèche 308">
-            <a:extLst>
-              <a:ext uri="{FF2B5EF4-FFF2-40B4-BE49-F238E27FC236}">
-                <a16:creationId xmlns:a16="http://schemas.microsoft.com/office/drawing/2014/main" id="{65C4FD4C-6066-4CF6-85CB-55DC36A5EBB1}"/>
+          <p:cNvPr id="24" name="Connecteur droit avec flèche 23">
+            <a:extLst>
+              <a:ext uri="{FF2B5EF4-FFF2-40B4-BE49-F238E27FC236}">
+                <a16:creationId xmlns:a16="http://schemas.microsoft.com/office/drawing/2014/main" id="{FFB4E7FA-7777-4CC0-8E17-624378203DD3}"/>
               </a:ext>
             </a:extLst>
           </p:cNvPr>
           <p:cNvCxnSpPr>
-            <a:stCxn id="300" idx="1"/>
-            <a:endCxn id="305" idx="3"/>
+            <a:cxnSpLocks/>
           </p:cNvCxnSpPr>
           <p:nvPr/>
         </p:nvCxnSpPr>
         <p:spPr>
           <a:xfrm flipH="1" flipV="1">
-            <a:off x="25834842" y="7285105"/>
-            <a:ext cx="1376452" cy="10587"/>
+            <a:off x="27713541" y="4845819"/>
+            <a:ext cx="1088331" cy="801670"/>
           </a:xfrm>
           <a:prstGeom prst="straightConnector1">
             <a:avLst/>
@@ -16555,119 +16199,10 @@
       </p:cxnSp>
       <p:sp>
         <p:nvSpPr>
-          <p:cNvPr id="312" name="ZoneTexte 311">
-            <a:extLst>
-              <a:ext uri="{FF2B5EF4-FFF2-40B4-BE49-F238E27FC236}">
-                <a16:creationId xmlns:a16="http://schemas.microsoft.com/office/drawing/2014/main" id="{1EB1E6F8-C471-4916-A2A7-D21E9AF50D29}"/>
-              </a:ext>
-            </a:extLst>
-          </p:cNvPr>
-          <p:cNvSpPr txBox="1"/>
-          <p:nvPr/>
-        </p:nvSpPr>
-        <p:spPr>
-          <a:xfrm>
-            <a:off x="25867412" y="7034904"/>
-            <a:ext cx="1398361" cy="230832"/>
-          </a:xfrm>
-          <a:prstGeom prst="rect">
-            <a:avLst/>
-          </a:prstGeom>
-          <a:noFill/>
-        </p:spPr>
-        <p:txBody>
-          <a:bodyPr wrap="square" rtlCol="0">
-            <a:spAutoFit/>
-          </a:bodyPr>
-          <a:lstStyle/>
-          <a:p>
-            <a:pPr algn="ctr"/>
-            <a:r>
-              <a:rPr lang="fr-FR" sz="900" i="1" dirty="0">
-                <a:latin typeface="Gill Sans Nova" panose="020B0602020104020203" pitchFamily="34" charset="0"/>
-              </a:rPr>
-              <a:t>P4 has time-</a:t>
-            </a:r>
-            <a:r>
-              <a:rPr lang="fr-FR" sz="900" i="1" dirty="0" err="1">
-                <a:latin typeface="Gill Sans Nova" panose="020B0602020104020203" pitchFamily="34" charset="0"/>
-              </a:rPr>
-              <a:t>span</a:t>
-            </a:r>
-            <a:endParaRPr lang="fr-FR" sz="900" i="1" dirty="0">
-              <a:latin typeface="Gill Sans Nova" panose="020B0602020104020203" pitchFamily="34" charset="0"/>
-            </a:endParaRPr>
-          </a:p>
-        </p:txBody>
-      </p:sp>
-      <p:sp>
-        <p:nvSpPr>
-          <p:cNvPr id="313" name="ZoneTexte 312">
-            <a:extLst>
-              <a:ext uri="{FF2B5EF4-FFF2-40B4-BE49-F238E27FC236}">
-                <a16:creationId xmlns:a16="http://schemas.microsoft.com/office/drawing/2014/main" id="{D97C9065-F969-4723-BBC2-9A23DD4DC14B}"/>
-              </a:ext>
-            </a:extLst>
-          </p:cNvPr>
-          <p:cNvSpPr txBox="1"/>
-          <p:nvPr/>
-        </p:nvSpPr>
-        <p:spPr>
-          <a:xfrm>
-            <a:off x="27619411" y="6417010"/>
-            <a:ext cx="984374" cy="369332"/>
-          </a:xfrm>
-          <a:prstGeom prst="rect">
-            <a:avLst/>
-          </a:prstGeom>
-          <a:noFill/>
-        </p:spPr>
-        <p:txBody>
-          <a:bodyPr wrap="square" rtlCol="0">
-            <a:spAutoFit/>
-          </a:bodyPr>
-          <a:lstStyle/>
-          <a:p>
-            <a:pPr algn="ctr"/>
-            <a:r>
-              <a:rPr lang="fr-FR" sz="900" i="1" dirty="0">
-                <a:latin typeface="Gill Sans Nova" panose="020B0602020104020203" pitchFamily="34" charset="0"/>
-              </a:rPr>
-              <a:t>P92 </a:t>
-            </a:r>
-            <a:r>
-              <a:rPr lang="fr-FR" sz="900" i="1" dirty="0" err="1">
-                <a:latin typeface="Gill Sans Nova" panose="020B0602020104020203" pitchFamily="34" charset="0"/>
-              </a:rPr>
-              <a:t>brought</a:t>
-            </a:r>
-            <a:r>
-              <a:rPr lang="fr-FR" sz="900" i="1" dirty="0">
-                <a:latin typeface="Gill Sans Nova" panose="020B0602020104020203" pitchFamily="34" charset="0"/>
-              </a:rPr>
-              <a:t> </a:t>
-            </a:r>
-            <a:r>
-              <a:rPr lang="fr-FR" sz="900" i="1" dirty="0" err="1">
-                <a:latin typeface="Gill Sans Nova" panose="020B0602020104020203" pitchFamily="34" charset="0"/>
-              </a:rPr>
-              <a:t>into</a:t>
-            </a:r>
-            <a:r>
-              <a:rPr lang="fr-FR" sz="900" i="1" dirty="0">
-                <a:latin typeface="Gill Sans Nova" panose="020B0602020104020203" pitchFamily="34" charset="0"/>
-              </a:rPr>
-              <a:t> existence</a:t>
-            </a:r>
-          </a:p>
-        </p:txBody>
-      </p:sp>
-      <p:sp>
-        <p:nvSpPr>
-          <p:cNvPr id="319" name="Rectangle : coins arrondis 318">
-            <a:extLst>
-              <a:ext uri="{FF2B5EF4-FFF2-40B4-BE49-F238E27FC236}">
-                <a16:creationId xmlns:a16="http://schemas.microsoft.com/office/drawing/2014/main" id="{158019D3-31C6-4759-AA6A-F4526287CEE9}"/>
+          <p:cNvPr id="2" name="Rectangle : coins arrondis 1">
+            <a:extLst>
+              <a:ext uri="{FF2B5EF4-FFF2-40B4-BE49-F238E27FC236}">
+                <a16:creationId xmlns:a16="http://schemas.microsoft.com/office/drawing/2014/main" id="{244EA3A0-42AF-427C-ABC0-D71EF28A7957}"/>
               </a:ext>
             </a:extLst>
           </p:cNvPr>
@@ -16676,14 +16211,16 @@
         </p:nvSpPr>
         <p:spPr>
           <a:xfrm>
-            <a:off x="23640415" y="7837167"/>
-            <a:ext cx="976814" cy="458655"/>
+            <a:off x="12989705" y="10603894"/>
+            <a:ext cx="1845216" cy="268547"/>
           </a:xfrm>
           <a:prstGeom prst="roundRect">
             <a:avLst/>
           </a:prstGeom>
-          <a:noFill/>
-          <a:ln w="12700">
+          <a:solidFill>
+            <a:schemeClr val="bg1"/>
+          </a:solidFill>
+          <a:ln w="19050">
             <a:noFill/>
           </a:ln>
         </p:spPr>
@@ -16702,6 +16239,153 @@
           </a:fontRef>
         </p:style>
         <p:txBody>
+          <a:bodyPr rtlCol="0" anchor="t"/>
+          <a:lstStyle/>
+          <a:p>
+            <a:pPr algn="ctr"/>
+            <a:r>
+              <a:rPr lang="fr-FR" sz="900" dirty="0">
+                <a:solidFill>
+                  <a:schemeClr val="tx1"/>
+                </a:solidFill>
+              </a:rPr>
+              <a:t>« </a:t>
+            </a:r>
+            <a:r>
+              <a:rPr lang="fr-FR" sz="900" b="0" dirty="0">
+                <a:solidFill>
+                  <a:schemeClr val="tx1"/>
+                </a:solidFill>
+                <a:effectLst/>
+              </a:rPr>
+              <a:t>2020-11-18T06:16:06+0000 </a:t>
+            </a:r>
+            <a:r>
+              <a:rPr lang="fr-FR" sz="900" dirty="0">
+                <a:solidFill>
+                  <a:schemeClr val="tx1"/>
+                </a:solidFill>
+              </a:rPr>
+              <a:t>»</a:t>
+            </a:r>
+          </a:p>
+        </p:txBody>
+      </p:sp>
+      <p:sp>
+        <p:nvSpPr>
+          <p:cNvPr id="3" name="Rectangle : coins arrondis 2">
+            <a:extLst>
+              <a:ext uri="{FF2B5EF4-FFF2-40B4-BE49-F238E27FC236}">
+                <a16:creationId xmlns:a16="http://schemas.microsoft.com/office/drawing/2014/main" id="{AA3911D9-F769-4D1D-9F1F-3EF9CADCCCE9}"/>
+              </a:ext>
+            </a:extLst>
+          </p:cNvPr>
+          <p:cNvSpPr/>
+          <p:nvPr/>
+        </p:nvSpPr>
+        <p:spPr>
+          <a:xfrm>
+            <a:off x="18254840" y="13087565"/>
+            <a:ext cx="1845216" cy="268547"/>
+          </a:xfrm>
+          <a:prstGeom prst="roundRect">
+            <a:avLst/>
+          </a:prstGeom>
+          <a:solidFill>
+            <a:schemeClr val="bg1"/>
+          </a:solidFill>
+          <a:ln w="19050">
+            <a:noFill/>
+          </a:ln>
+        </p:spPr>
+        <p:style>
+          <a:lnRef idx="2">
+            <a:schemeClr val="accent6"/>
+          </a:lnRef>
+          <a:fillRef idx="1">
+            <a:schemeClr val="lt1"/>
+          </a:fillRef>
+          <a:effectRef idx="0">
+            <a:schemeClr val="accent6"/>
+          </a:effectRef>
+          <a:fontRef idx="minor">
+            <a:schemeClr val="dk1"/>
+          </a:fontRef>
+        </p:style>
+        <p:txBody>
+          <a:bodyPr rtlCol="0" anchor="t"/>
+          <a:lstStyle/>
+          <a:p>
+            <a:r>
+              <a:rPr lang="fr-FR" sz="900" dirty="0">
+                <a:solidFill>
+                  <a:schemeClr val="tx1"/>
+                </a:solidFill>
+              </a:rPr>
+              <a:t>« </a:t>
+            </a:r>
+            <a:r>
+              <a:rPr lang="fr-FR" sz="900" b="0" dirty="0">
+                <a:solidFill>
+                  <a:schemeClr val="tx1"/>
+                </a:solidFill>
+                <a:effectLst/>
+              </a:rPr>
+              <a:t>2020-11-18T06:16:06+0000 </a:t>
+            </a:r>
+            <a:r>
+              <a:rPr lang="fr-FR" sz="900" dirty="0">
+                <a:solidFill>
+                  <a:schemeClr val="tx1"/>
+                </a:solidFill>
+              </a:rPr>
+              <a:t>»</a:t>
+            </a:r>
+          </a:p>
+        </p:txBody>
+      </p:sp>
+      <p:sp>
+        <p:nvSpPr>
+          <p:cNvPr id="7" name="Rectangle : coins arrondis 6">
+            <a:extLst>
+              <a:ext uri="{FF2B5EF4-FFF2-40B4-BE49-F238E27FC236}">
+                <a16:creationId xmlns:a16="http://schemas.microsoft.com/office/drawing/2014/main" id="{E2415057-E5BB-4388-A278-2FBCAE86AD2C}"/>
+              </a:ext>
+            </a:extLst>
+          </p:cNvPr>
+          <p:cNvSpPr/>
+          <p:nvPr/>
+        </p:nvSpPr>
+        <p:spPr>
+          <a:xfrm>
+            <a:off x="26393563" y="22634431"/>
+            <a:ext cx="960209" cy="437614"/>
+          </a:xfrm>
+          <a:prstGeom prst="roundRect">
+            <a:avLst/>
+          </a:prstGeom>
+          <a:solidFill>
+            <a:srgbClr val="F6CACA"/>
+          </a:solidFill>
+          <a:ln w="12700">
+            <a:noFill/>
+          </a:ln>
+        </p:spPr>
+        <p:style>
+          <a:lnRef idx="2">
+            <a:schemeClr val="accent6"/>
+          </a:lnRef>
+          <a:fillRef idx="1">
+            <a:schemeClr val="lt1"/>
+          </a:fillRef>
+          <a:effectRef idx="0">
+            <a:schemeClr val="accent6"/>
+          </a:effectRef>
+          <a:fontRef idx="minor">
+            <a:schemeClr val="dk1"/>
+          </a:fontRef>
+        </p:style>
+        <p:txBody>
           <a:bodyPr rtlCol="0" anchor="ctr"/>
           <a:lstStyle/>
           <a:p>
@@ -16713,33 +16397,57 @@
                 </a:solidFill>
                 <a:latin typeface="Gill Sans Nova" panose="020B0602020104020203" pitchFamily="34" charset="0"/>
               </a:rPr>
-              <a:t>« 1672-01 »</a:t>
+              <a:t>E55 Type</a:t>
+            </a:r>
+          </a:p>
+          <a:p>
+            <a:pPr algn="ctr"/>
+            <a:r>
+              <a:rPr lang="fr-FR" sz="900" i="1">
+                <a:solidFill>
+                  <a:schemeClr val="tx1"/>
+                </a:solidFill>
+                <a:latin typeface="Gill Sans Nova" panose="020B0602020104020203" pitchFamily="34" charset="0"/>
+              </a:rPr>
+              <a:t>« Adhérent </a:t>
+            </a:r>
+            <a:r>
+              <a:rPr lang="fr-FR" sz="900" i="1" dirty="0">
+                <a:solidFill>
+                  <a:schemeClr val="tx1"/>
+                </a:solidFill>
+                <a:latin typeface="Gill Sans Nova" panose="020B0602020104020203" pitchFamily="34" charset="0"/>
+              </a:rPr>
+              <a:t>»</a:t>
             </a:r>
           </a:p>
         </p:txBody>
       </p:sp>
       <p:cxnSp>
         <p:nvCxnSpPr>
-          <p:cNvPr id="321" name="Connecteur : en arc 320">
-            <a:extLst>
-              <a:ext uri="{FF2B5EF4-FFF2-40B4-BE49-F238E27FC236}">
-                <a16:creationId xmlns:a16="http://schemas.microsoft.com/office/drawing/2014/main" id="{B1A1698C-A8C1-4041-A2F8-00ABF52A32CF}"/>
+          <p:cNvPr id="271" name="Connecteur droit avec flèche 1749">
+            <a:extLst>
+              <a:ext uri="{FF2B5EF4-FFF2-40B4-BE49-F238E27FC236}">
+                <a16:creationId xmlns:a16="http://schemas.microsoft.com/office/drawing/2014/main" id="{F1BDEE82-3662-4037-8801-34CCA0A54C4E}"/>
               </a:ext>
             </a:extLst>
           </p:cNvPr>
           <p:cNvCxnSpPr>
-            <a:stCxn id="305" idx="1"/>
-            <a:endCxn id="319" idx="0"/>
+            <a:cxnSpLocks/>
+            <a:stCxn id="1728" idx="2"/>
+            <a:endCxn id="7" idx="0"/>
           </p:cNvCxnSpPr>
           <p:nvPr/>
         </p:nvCxnSpPr>
         <p:spPr>
-          <a:xfrm rot="10800000" flipV="1">
-            <a:off x="24128822" y="7285105"/>
-            <a:ext cx="729206" cy="552062"/>
-          </a:xfrm>
-          <a:prstGeom prst="curvedConnector2">
-            <a:avLst/>
+          <a:xfrm rot="16200000" flipH="1">
+            <a:off x="26237939" y="21998701"/>
+            <a:ext cx="716013" cy="555445"/>
+          </a:xfrm>
+          <a:prstGeom prst="curvedConnector3">
+            <a:avLst>
+              <a:gd name="adj1" fmla="val 50000"/>
+            </a:avLst>
           </a:prstGeom>
           <a:ln>
             <a:tailEnd type="triangle"/>
@@ -16762,10 +16470,10 @@
       </p:cxnSp>
       <p:sp>
         <p:nvSpPr>
-          <p:cNvPr id="322" name="ZoneTexte 321">
-            <a:extLst>
-              <a:ext uri="{FF2B5EF4-FFF2-40B4-BE49-F238E27FC236}">
-                <a16:creationId xmlns:a16="http://schemas.microsoft.com/office/drawing/2014/main" id="{45FDA39D-27A0-4A78-9FC1-B7E5D03559DC}"/>
+          <p:cNvPr id="15" name="ZoneTexte 14">
+            <a:extLst>
+              <a:ext uri="{FF2B5EF4-FFF2-40B4-BE49-F238E27FC236}">
+                <a16:creationId xmlns:a16="http://schemas.microsoft.com/office/drawing/2014/main" id="{C5B8EBF2-6D1B-4326-A6A2-A6346E9811B9}"/>
               </a:ext>
             </a:extLst>
           </p:cNvPr>
@@ -16774,8 +16482,8 @@
         </p:nvSpPr>
         <p:spPr>
           <a:xfrm>
-            <a:off x="23638040" y="7081991"/>
-            <a:ext cx="976814" cy="369332"/>
+            <a:off x="26157663" y="22157308"/>
+            <a:ext cx="1484002" cy="230832"/>
           </a:xfrm>
           <a:prstGeom prst="rect">
             <a:avLst/>
@@ -16793,218 +16501,11 @@
               <a:rPr lang="fr-FR" sz="900" i="1" dirty="0">
                 <a:latin typeface="Gill Sans Nova" panose="020B0602020104020203" pitchFamily="34" charset="0"/>
               </a:rPr>
-              <a:t>P80 end </a:t>
-            </a:r>
-            <a:r>
-              <a:rPr lang="fr-FR" sz="900" i="1" dirty="0" err="1">
-                <a:latin typeface="Gill Sans Nova" panose="020B0602020104020203" pitchFamily="34" charset="0"/>
-              </a:rPr>
-              <a:t>is</a:t>
-            </a:r>
-            <a:r>
-              <a:rPr lang="fr-FR" sz="900" i="1" dirty="0">
-                <a:latin typeface="Gill Sans Nova" panose="020B0602020104020203" pitchFamily="34" charset="0"/>
-              </a:rPr>
-              <a:t> </a:t>
-            </a:r>
-            <a:r>
-              <a:rPr lang="fr-FR" sz="900" i="1" dirty="0" err="1">
-                <a:latin typeface="Gill Sans Nova" panose="020B0602020104020203" pitchFamily="34" charset="0"/>
-              </a:rPr>
-              <a:t>qualified</a:t>
-            </a:r>
-            <a:r>
-              <a:rPr lang="fr-FR" sz="900" i="1" dirty="0">
-                <a:latin typeface="Gill Sans Nova" panose="020B0602020104020203" pitchFamily="34" charset="0"/>
-              </a:rPr>
-              <a:t> by</a:t>
-            </a:r>
-          </a:p>
-        </p:txBody>
-      </p:sp>
-      <p:cxnSp>
-        <p:nvCxnSpPr>
-          <p:cNvPr id="9" name="Connecteur : en arc 8">
-            <a:extLst>
-              <a:ext uri="{FF2B5EF4-FFF2-40B4-BE49-F238E27FC236}">
-                <a16:creationId xmlns:a16="http://schemas.microsoft.com/office/drawing/2014/main" id="{BD1A3EB3-1D6C-4945-BB45-A143C6513823}"/>
-              </a:ext>
-            </a:extLst>
-          </p:cNvPr>
-          <p:cNvCxnSpPr>
-            <a:endCxn id="1323" idx="1"/>
-          </p:cNvCxnSpPr>
-          <p:nvPr/>
-        </p:nvCxnSpPr>
-        <p:spPr>
-          <a:xfrm rot="5400000" flipH="1" flipV="1">
-            <a:off x="11496386" y="22511770"/>
-            <a:ext cx="4812814" cy="2237600"/>
-          </a:xfrm>
-          <a:prstGeom prst="curvedConnector2">
-            <a:avLst/>
-          </a:prstGeom>
-          <a:ln>
-            <a:tailEnd type="triangle"/>
-          </a:ln>
-        </p:spPr>
-        <p:style>
-          <a:lnRef idx="1">
-            <a:schemeClr val="dk1"/>
-          </a:lnRef>
-          <a:fillRef idx="0">
-            <a:schemeClr val="dk1"/>
-          </a:fillRef>
-          <a:effectRef idx="0">
-            <a:schemeClr val="dk1"/>
-          </a:effectRef>
-          <a:fontRef idx="minor">
-            <a:schemeClr val="tx1"/>
-          </a:fontRef>
-        </p:style>
-      </p:cxnSp>
-      <p:sp>
-        <p:nvSpPr>
-          <p:cNvPr id="11" name="ZoneTexte 10">
-            <a:extLst>
-              <a:ext uri="{FF2B5EF4-FFF2-40B4-BE49-F238E27FC236}">
-                <a16:creationId xmlns:a16="http://schemas.microsoft.com/office/drawing/2014/main" id="{9D318049-5AFA-4F4B-B9D2-8778294A518F}"/>
-              </a:ext>
-            </a:extLst>
-          </p:cNvPr>
-          <p:cNvSpPr txBox="1"/>
-          <p:nvPr/>
-        </p:nvSpPr>
-        <p:spPr>
-          <a:xfrm>
-            <a:off x="12205552" y="22903924"/>
-            <a:ext cx="1242988" cy="230832"/>
-          </a:xfrm>
-          <a:prstGeom prst="rect">
-            <a:avLst/>
-          </a:prstGeom>
-          <a:noFill/>
-        </p:spPr>
-        <p:txBody>
-          <a:bodyPr wrap="square" rtlCol="0">
-            <a:spAutoFit/>
-          </a:bodyPr>
-          <a:lstStyle/>
-          <a:p>
-            <a:pPr algn="ctr"/>
-            <a:r>
-              <a:rPr lang="fr-FR" sz="900" i="1" dirty="0">
-                <a:latin typeface="Gill Sans Nova" panose="020B0602020104020203" pitchFamily="34" charset="0"/>
-              </a:rPr>
-              <a:t>P121 </a:t>
-            </a:r>
-            <a:r>
-              <a:rPr lang="fr-FR" sz="900" i="1" dirty="0" err="1">
-                <a:latin typeface="Gill Sans Nova" panose="020B0602020104020203" pitchFamily="34" charset="0"/>
-              </a:rPr>
-              <a:t>overlaps</a:t>
-            </a:r>
-            <a:r>
-              <a:rPr lang="fr-FR" sz="900" i="1" dirty="0">
-                <a:latin typeface="Gill Sans Nova" panose="020B0602020104020203" pitchFamily="34" charset="0"/>
-              </a:rPr>
-              <a:t> </a:t>
-            </a:r>
-            <a:r>
-              <a:rPr lang="fr-FR" sz="900" i="1" dirty="0" err="1">
-                <a:latin typeface="Gill Sans Nova" panose="020B0602020104020203" pitchFamily="34" charset="0"/>
-              </a:rPr>
-              <a:t>with</a:t>
-            </a:r>
-            <a:endParaRPr lang="fr-FR" sz="900" i="1" dirty="0">
-              <a:latin typeface="Gill Sans Nova" panose="020B0602020104020203" pitchFamily="34" charset="0"/>
-            </a:endParaRPr>
-          </a:p>
-        </p:txBody>
-      </p:sp>
-      <p:cxnSp>
-        <p:nvCxnSpPr>
-          <p:cNvPr id="22" name="Connecteur : en arc 21">
-            <a:extLst>
-              <a:ext uri="{FF2B5EF4-FFF2-40B4-BE49-F238E27FC236}">
-                <a16:creationId xmlns:a16="http://schemas.microsoft.com/office/drawing/2014/main" id="{0D6C2BEB-0044-465F-8740-423945CB2ADF}"/>
-              </a:ext>
-            </a:extLst>
-          </p:cNvPr>
-          <p:cNvCxnSpPr>
-            <a:stCxn id="929" idx="0"/>
-            <a:endCxn id="926" idx="2"/>
-          </p:cNvCxnSpPr>
-          <p:nvPr/>
-        </p:nvCxnSpPr>
-        <p:spPr>
-          <a:xfrm rot="16200000" flipV="1">
-            <a:off x="24795630" y="4836742"/>
-            <a:ext cx="1103962" cy="517531"/>
-          </a:xfrm>
-          <a:prstGeom prst="curvedConnector3">
-            <a:avLst/>
-          </a:prstGeom>
-          <a:ln>
-            <a:tailEnd type="triangle"/>
-          </a:ln>
-        </p:spPr>
-        <p:style>
-          <a:lnRef idx="1">
-            <a:schemeClr val="dk1"/>
-          </a:lnRef>
-          <a:fillRef idx="0">
-            <a:schemeClr val="dk1"/>
-          </a:fillRef>
-          <a:effectRef idx="0">
-            <a:schemeClr val="dk1"/>
-          </a:effectRef>
-          <a:fontRef idx="minor">
-            <a:schemeClr val="tx1"/>
-          </a:fontRef>
-        </p:style>
-      </p:cxnSp>
-      <p:cxnSp>
-        <p:nvCxnSpPr>
-          <p:cNvPr id="24" name="Connecteur droit avec flèche 23">
-            <a:extLst>
-              <a:ext uri="{FF2B5EF4-FFF2-40B4-BE49-F238E27FC236}">
-                <a16:creationId xmlns:a16="http://schemas.microsoft.com/office/drawing/2014/main" id="{FFB4E7FA-7777-4CC0-8E17-624378203DD3}"/>
-              </a:ext>
-            </a:extLst>
-          </p:cNvPr>
-          <p:cNvCxnSpPr>
-            <a:cxnSpLocks/>
-          </p:cNvCxnSpPr>
-          <p:nvPr/>
-        </p:nvCxnSpPr>
-        <p:spPr>
-          <a:xfrm flipH="1" flipV="1">
-            <a:off x="27713541" y="4845819"/>
-            <a:ext cx="1088331" cy="801670"/>
-          </a:xfrm>
-          <a:prstGeom prst="straightConnector1">
-            <a:avLst/>
-          </a:prstGeom>
-          <a:ln>
-            <a:tailEnd type="triangle"/>
-          </a:ln>
-        </p:spPr>
-        <p:style>
-          <a:lnRef idx="1">
-            <a:schemeClr val="dk1"/>
-          </a:lnRef>
-          <a:fillRef idx="0">
-            <a:schemeClr val="dk1"/>
-          </a:fillRef>
-          <a:effectRef idx="0">
-            <a:schemeClr val="dk1"/>
-          </a:effectRef>
-          <a:fontRef idx="minor">
-            <a:schemeClr val="tx1"/>
-          </a:fontRef>
-        </p:style>
-      </p:cxnSp>
+              <a:t>P2</a:t>
+            </a:r>
+          </a:p>
+        </p:txBody>
+      </p:sp>
     </p:spTree>
     <p:extLst>
       <p:ext uri="{BB962C8B-B14F-4D97-AF65-F5344CB8AC3E}">

--- a/modélisation/mercure-galant-thésaurus-ancien-régime/Modélisation.pptx
+++ b/modélisation/mercure-galant-thésaurus-ancien-régime/Modélisation.pptx
@@ -243,7 +243,7 @@
           <a:p>
             <a:fld id="{F96D367F-7370-4214-86FB-91D90BAC4FAD}" type="datetimeFigureOut">
               <a:rPr lang="fr-FR" smtClean="0"/>
-              <a:t>18/11/2020</a:t>
+              <a:t>21/12/2020</a:t>
             </a:fld>
             <a:endParaRPr lang="fr-FR"/>
           </a:p>
@@ -413,7 +413,7 @@
           <a:p>
             <a:fld id="{F96D367F-7370-4214-86FB-91D90BAC4FAD}" type="datetimeFigureOut">
               <a:rPr lang="fr-FR" smtClean="0"/>
-              <a:t>18/11/2020</a:t>
+              <a:t>21/12/2020</a:t>
             </a:fld>
             <a:endParaRPr lang="fr-FR"/>
           </a:p>
@@ -593,7 +593,7 @@
           <a:p>
             <a:fld id="{F96D367F-7370-4214-86FB-91D90BAC4FAD}" type="datetimeFigureOut">
               <a:rPr lang="fr-FR" smtClean="0"/>
-              <a:t>18/11/2020</a:t>
+              <a:t>21/12/2020</a:t>
             </a:fld>
             <a:endParaRPr lang="fr-FR"/>
           </a:p>
@@ -763,7 +763,7 @@
           <a:p>
             <a:fld id="{F96D367F-7370-4214-86FB-91D90BAC4FAD}" type="datetimeFigureOut">
               <a:rPr lang="fr-FR" smtClean="0"/>
-              <a:t>18/11/2020</a:t>
+              <a:t>21/12/2020</a:t>
             </a:fld>
             <a:endParaRPr lang="fr-FR"/>
           </a:p>
@@ -1007,7 +1007,7 @@
           <a:p>
             <a:fld id="{F96D367F-7370-4214-86FB-91D90BAC4FAD}" type="datetimeFigureOut">
               <a:rPr lang="fr-FR" smtClean="0"/>
-              <a:t>18/11/2020</a:t>
+              <a:t>21/12/2020</a:t>
             </a:fld>
             <a:endParaRPr lang="fr-FR"/>
           </a:p>
@@ -1239,7 +1239,7 @@
           <a:p>
             <a:fld id="{F96D367F-7370-4214-86FB-91D90BAC4FAD}" type="datetimeFigureOut">
               <a:rPr lang="fr-FR" smtClean="0"/>
-              <a:t>18/11/2020</a:t>
+              <a:t>21/12/2020</a:t>
             </a:fld>
             <a:endParaRPr lang="fr-FR"/>
           </a:p>
@@ -1606,7 +1606,7 @@
           <a:p>
             <a:fld id="{F96D367F-7370-4214-86FB-91D90BAC4FAD}" type="datetimeFigureOut">
               <a:rPr lang="fr-FR" smtClean="0"/>
-              <a:t>18/11/2020</a:t>
+              <a:t>21/12/2020</a:t>
             </a:fld>
             <a:endParaRPr lang="fr-FR"/>
           </a:p>
@@ -1724,7 +1724,7 @@
           <a:p>
             <a:fld id="{F96D367F-7370-4214-86FB-91D90BAC4FAD}" type="datetimeFigureOut">
               <a:rPr lang="fr-FR" smtClean="0"/>
-              <a:t>18/11/2020</a:t>
+              <a:t>21/12/2020</a:t>
             </a:fld>
             <a:endParaRPr lang="fr-FR"/>
           </a:p>
@@ -1819,7 +1819,7 @@
           <a:p>
             <a:fld id="{F96D367F-7370-4214-86FB-91D90BAC4FAD}" type="datetimeFigureOut">
               <a:rPr lang="fr-FR" smtClean="0"/>
-              <a:t>18/11/2020</a:t>
+              <a:t>21/12/2020</a:t>
             </a:fld>
             <a:endParaRPr lang="fr-FR"/>
           </a:p>
@@ -2096,7 +2096,7 @@
           <a:p>
             <a:fld id="{F96D367F-7370-4214-86FB-91D90BAC4FAD}" type="datetimeFigureOut">
               <a:rPr lang="fr-FR" smtClean="0"/>
-              <a:t>18/11/2020</a:t>
+              <a:t>21/12/2020</a:t>
             </a:fld>
             <a:endParaRPr lang="fr-FR"/>
           </a:p>
@@ -2353,7 +2353,7 @@
           <a:p>
             <a:fld id="{F96D367F-7370-4214-86FB-91D90BAC4FAD}" type="datetimeFigureOut">
               <a:rPr lang="fr-FR" smtClean="0"/>
-              <a:t>18/11/2020</a:t>
+              <a:t>21/12/2020</a:t>
             </a:fld>
             <a:endParaRPr lang="fr-FR"/>
           </a:p>
@@ -2566,7 +2566,7 @@
           <a:p>
             <a:fld id="{F96D367F-7370-4214-86FB-91D90BAC4FAD}" type="datetimeFigureOut">
               <a:rPr lang="fr-FR" smtClean="0"/>
-              <a:t>18/11/2020</a:t>
+              <a:t>21/12/2020</a:t>
             </a:fld>
             <a:endParaRPr lang="fr-FR"/>
           </a:p>
@@ -7032,7 +7032,7 @@
                 </a:solidFill>
                 <a:latin typeface="Gill Sans Nova" panose="020B0602020104020203" pitchFamily="34" charset="0"/>
               </a:rPr>
-              <a:t>« Document TEI »</a:t>
+              <a:t>« Original»</a:t>
             </a:r>
           </a:p>
         </p:txBody>
@@ -7402,7 +7402,7 @@
                 </a:solidFill>
                 <a:latin typeface="Gill Sans Nova" panose="020B0602020104020203" pitchFamily="34" charset="0"/>
               </a:rPr>
-              <a:t>« Original »</a:t>
+              <a:t>« Document TEI »</a:t>
             </a:r>
           </a:p>
         </p:txBody>

--- a/modélisation/mercure-galant-thésaurus-ancien-régime/Modélisation.pptx
+++ b/modélisation/mercure-galant-thésaurus-ancien-régime/Modélisation.pptx
@@ -243,7 +243,7 @@
           <a:p>
             <a:fld id="{F96D367F-7370-4214-86FB-91D90BAC4FAD}" type="datetimeFigureOut">
               <a:rPr lang="fr-FR" smtClean="0"/>
-              <a:t>21/12/2020</a:t>
+              <a:t>08/01/2021</a:t>
             </a:fld>
             <a:endParaRPr lang="fr-FR"/>
           </a:p>
@@ -413,7 +413,7 @@
           <a:p>
             <a:fld id="{F96D367F-7370-4214-86FB-91D90BAC4FAD}" type="datetimeFigureOut">
               <a:rPr lang="fr-FR" smtClean="0"/>
-              <a:t>21/12/2020</a:t>
+              <a:t>08/01/2021</a:t>
             </a:fld>
             <a:endParaRPr lang="fr-FR"/>
           </a:p>
@@ -593,7 +593,7 @@
           <a:p>
             <a:fld id="{F96D367F-7370-4214-86FB-91D90BAC4FAD}" type="datetimeFigureOut">
               <a:rPr lang="fr-FR" smtClean="0"/>
-              <a:t>21/12/2020</a:t>
+              <a:t>08/01/2021</a:t>
             </a:fld>
             <a:endParaRPr lang="fr-FR"/>
           </a:p>
@@ -763,7 +763,7 @@
           <a:p>
             <a:fld id="{F96D367F-7370-4214-86FB-91D90BAC4FAD}" type="datetimeFigureOut">
               <a:rPr lang="fr-FR" smtClean="0"/>
-              <a:t>21/12/2020</a:t>
+              <a:t>08/01/2021</a:t>
             </a:fld>
             <a:endParaRPr lang="fr-FR"/>
           </a:p>
@@ -1007,7 +1007,7 @@
           <a:p>
             <a:fld id="{F96D367F-7370-4214-86FB-91D90BAC4FAD}" type="datetimeFigureOut">
               <a:rPr lang="fr-FR" smtClean="0"/>
-              <a:t>21/12/2020</a:t>
+              <a:t>08/01/2021</a:t>
             </a:fld>
             <a:endParaRPr lang="fr-FR"/>
           </a:p>
@@ -1239,7 +1239,7 @@
           <a:p>
             <a:fld id="{F96D367F-7370-4214-86FB-91D90BAC4FAD}" type="datetimeFigureOut">
               <a:rPr lang="fr-FR" smtClean="0"/>
-              <a:t>21/12/2020</a:t>
+              <a:t>08/01/2021</a:t>
             </a:fld>
             <a:endParaRPr lang="fr-FR"/>
           </a:p>
@@ -1606,7 +1606,7 @@
           <a:p>
             <a:fld id="{F96D367F-7370-4214-86FB-91D90BAC4FAD}" type="datetimeFigureOut">
               <a:rPr lang="fr-FR" smtClean="0"/>
-              <a:t>21/12/2020</a:t>
+              <a:t>08/01/2021</a:t>
             </a:fld>
             <a:endParaRPr lang="fr-FR"/>
           </a:p>
@@ -1724,7 +1724,7 @@
           <a:p>
             <a:fld id="{F96D367F-7370-4214-86FB-91D90BAC4FAD}" type="datetimeFigureOut">
               <a:rPr lang="fr-FR" smtClean="0"/>
-              <a:t>21/12/2020</a:t>
+              <a:t>08/01/2021</a:t>
             </a:fld>
             <a:endParaRPr lang="fr-FR"/>
           </a:p>
@@ -1819,7 +1819,7 @@
           <a:p>
             <a:fld id="{F96D367F-7370-4214-86FB-91D90BAC4FAD}" type="datetimeFigureOut">
               <a:rPr lang="fr-FR" smtClean="0"/>
-              <a:t>21/12/2020</a:t>
+              <a:t>08/01/2021</a:t>
             </a:fld>
             <a:endParaRPr lang="fr-FR"/>
           </a:p>
@@ -2096,7 +2096,7 @@
           <a:p>
             <a:fld id="{F96D367F-7370-4214-86FB-91D90BAC4FAD}" type="datetimeFigureOut">
               <a:rPr lang="fr-FR" smtClean="0"/>
-              <a:t>21/12/2020</a:t>
+              <a:t>08/01/2021</a:t>
             </a:fld>
             <a:endParaRPr lang="fr-FR"/>
           </a:p>
@@ -2353,7 +2353,7 @@
           <a:p>
             <a:fld id="{F96D367F-7370-4214-86FB-91D90BAC4FAD}" type="datetimeFigureOut">
               <a:rPr lang="fr-FR" smtClean="0"/>
-              <a:t>21/12/2020</a:t>
+              <a:t>08/01/2021</a:t>
             </a:fld>
             <a:endParaRPr lang="fr-FR"/>
           </a:p>
@@ -2566,7 +2566,7 @@
           <a:p>
             <a:fld id="{F96D367F-7370-4214-86FB-91D90BAC4FAD}" type="datetimeFigureOut">
               <a:rPr lang="fr-FR" smtClean="0"/>
-              <a:t>21/12/2020</a:t>
+              <a:t>08/01/2021</a:t>
             </a:fld>
             <a:endParaRPr lang="fr-FR"/>
           </a:p>
@@ -8572,11 +8572,8 @@
             <a:schemeClr val="bg1"/>
           </a:solidFill>
           <a:ln>
-            <a:solidFill>
-              <a:srgbClr val="FFF2CC">
-                <a:alpha val="7843"/>
-              </a:srgbClr>
-            </a:solidFill>
+            <a:noFill/>
+            <a:prstDash val="sysDot"/>
           </a:ln>
         </p:spPr>
         <p:style>
@@ -10822,7 +10819,11 @@
           <a:prstGeom prst="straightConnector1">
             <a:avLst/>
           </a:prstGeom>
-          <a:ln>
+          <a:ln w="12700">
+            <a:solidFill>
+              <a:srgbClr val="8A6868"/>
+            </a:solidFill>
+            <a:prstDash val="sysDot"/>
             <a:tailEnd type="triangle"/>
           </a:ln>
         </p:spPr>
@@ -10872,29 +10873,44 @@
             <a:pPr algn="ctr"/>
             <a:r>
               <a:rPr lang="fr-FR" sz="900" i="1" dirty="0">
+                <a:solidFill>
+                  <a:srgbClr val="8A6868"/>
+                </a:solidFill>
                 <a:latin typeface="Gill Sans Nova" panose="020B0602020104020203" pitchFamily="34" charset="0"/>
               </a:rPr>
               <a:t>P89 </a:t>
             </a:r>
             <a:r>
               <a:rPr lang="fr-FR" sz="900" i="1" dirty="0" err="1">
+                <a:solidFill>
+                  <a:srgbClr val="8A6868"/>
+                </a:solidFill>
                 <a:latin typeface="Gill Sans Nova" panose="020B0602020104020203" pitchFamily="34" charset="0"/>
               </a:rPr>
               <a:t>falls</a:t>
             </a:r>
             <a:r>
               <a:rPr lang="fr-FR" sz="900" i="1" dirty="0">
+                <a:solidFill>
+                  <a:srgbClr val="8A6868"/>
+                </a:solidFill>
                 <a:latin typeface="Gill Sans Nova" panose="020B0602020104020203" pitchFamily="34" charset="0"/>
               </a:rPr>
               <a:t> </a:t>
             </a:r>
             <a:r>
               <a:rPr lang="fr-FR" sz="900" i="1" dirty="0" err="1">
+                <a:solidFill>
+                  <a:srgbClr val="8A6868"/>
+                </a:solidFill>
                 <a:latin typeface="Gill Sans Nova" panose="020B0602020104020203" pitchFamily="34" charset="0"/>
               </a:rPr>
               <a:t>within</a:t>
             </a:r>
             <a:endParaRPr lang="fr-FR" sz="900" i="1" dirty="0">
+              <a:solidFill>
+                <a:srgbClr val="8A6868"/>
+              </a:solidFill>
               <a:latin typeface="Gill Sans Nova" panose="020B0602020104020203" pitchFamily="34" charset="0"/>
             </a:endParaRPr>
           </a:p>
@@ -11014,7 +11030,11 @@
           <a:prstGeom prst="straightConnector1">
             <a:avLst/>
           </a:prstGeom>
-          <a:ln>
+          <a:ln w="12700">
+            <a:solidFill>
+              <a:srgbClr val="8A6868"/>
+            </a:solidFill>
+            <a:prstDash val="sysDot"/>
             <a:tailEnd type="triangle"/>
           </a:ln>
         </p:spPr>
@@ -11064,29 +11084,44 @@
             <a:pPr algn="ctr"/>
             <a:r>
               <a:rPr lang="fr-FR" sz="900" i="1" dirty="0">
+                <a:solidFill>
+                  <a:srgbClr val="8A6868"/>
+                </a:solidFill>
                 <a:latin typeface="Gill Sans Nova" panose="020B0602020104020203" pitchFamily="34" charset="0"/>
               </a:rPr>
               <a:t>P89 </a:t>
             </a:r>
             <a:r>
               <a:rPr lang="fr-FR" sz="900" i="1" dirty="0" err="1">
+                <a:solidFill>
+                  <a:srgbClr val="8A6868"/>
+                </a:solidFill>
                 <a:latin typeface="Gill Sans Nova" panose="020B0602020104020203" pitchFamily="34" charset="0"/>
               </a:rPr>
               <a:t>falls</a:t>
             </a:r>
             <a:r>
               <a:rPr lang="fr-FR" sz="900" i="1" dirty="0">
+                <a:solidFill>
+                  <a:srgbClr val="8A6868"/>
+                </a:solidFill>
                 <a:latin typeface="Gill Sans Nova" panose="020B0602020104020203" pitchFamily="34" charset="0"/>
               </a:rPr>
               <a:t> </a:t>
             </a:r>
             <a:r>
               <a:rPr lang="fr-FR" sz="900" i="1" dirty="0" err="1">
+                <a:solidFill>
+                  <a:srgbClr val="8A6868"/>
+                </a:solidFill>
                 <a:latin typeface="Gill Sans Nova" panose="020B0602020104020203" pitchFamily="34" charset="0"/>
               </a:rPr>
               <a:t>within</a:t>
             </a:r>
             <a:endParaRPr lang="fr-FR" sz="900" i="1" dirty="0">
+              <a:solidFill>
+                <a:srgbClr val="8A6868"/>
+              </a:solidFill>
               <a:latin typeface="Gill Sans Nova" panose="020B0602020104020203" pitchFamily="34" charset="0"/>
             </a:endParaRPr>
           </a:p>
@@ -11201,7 +11236,11 @@
           <a:prstGeom prst="curvedConnector2">
             <a:avLst/>
           </a:prstGeom>
-          <a:ln>
+          <a:ln w="12700">
+            <a:solidFill>
+              <a:srgbClr val="8A6868"/>
+            </a:solidFill>
+            <a:prstDash val="sysDot"/>
             <a:tailEnd type="triangle"/>
           </a:ln>
         </p:spPr>
@@ -11234,7 +11273,7 @@
         </p:nvSpPr>
         <p:spPr>
           <a:xfrm>
-            <a:off x="11959067" y="21346488"/>
+            <a:off x="11362272" y="21720856"/>
             <a:ext cx="1242988" cy="369332"/>
           </a:xfrm>
           <a:prstGeom prst="rect">
@@ -11248,9 +11287,11 @@
           </a:bodyPr>
           <a:lstStyle/>
           <a:p>
-            <a:pPr algn="ctr"/>
             <a:r>
               <a:rPr lang="fr-FR" sz="900" i="1" dirty="0">
+                <a:solidFill>
+                  <a:srgbClr val="8A6868"/>
+                </a:solidFill>
                 <a:latin typeface="Gill Sans Nova" panose="020B0602020104020203" pitchFamily="34" charset="0"/>
               </a:rPr>
               <a:t>P161 has spatial projection </a:t>
@@ -11356,7 +11397,11 @@
               <a:gd name="adj1" fmla="val 50000"/>
             </a:avLst>
           </a:prstGeom>
-          <a:ln>
+          <a:ln w="12700">
+            <a:solidFill>
+              <a:srgbClr val="8A6868"/>
+            </a:solidFill>
+            <a:prstDash val="sysDot"/>
             <a:tailEnd type="triangle"/>
           </a:ln>
         </p:spPr>
@@ -11389,7 +11434,7 @@
         </p:nvSpPr>
         <p:spPr>
           <a:xfrm>
-            <a:off x="11088008" y="24579955"/>
+            <a:off x="11337455" y="24629851"/>
             <a:ext cx="1045625" cy="369332"/>
           </a:xfrm>
           <a:prstGeom prst="rect">
@@ -11406,6 +11451,9 @@
             <a:pPr algn="ctr"/>
             <a:r>
               <a:rPr lang="fr-FR" sz="900" i="1" dirty="0">
+                <a:solidFill>
+                  <a:srgbClr val="8A6868"/>
+                </a:solidFill>
                 <a:latin typeface="Gill Sans Nova" panose="020B0602020104020203" pitchFamily="34" charset="0"/>
               </a:rPr>
               <a:t>P161 has spatial projection</a:t>
@@ -15193,7 +15241,11 @@
               <a:gd name="adj2" fmla="val 92486"/>
             </a:avLst>
           </a:prstGeom>
-          <a:ln>
+          <a:ln w="12700">
+            <a:solidFill>
+              <a:srgbClr val="8A6868"/>
+            </a:solidFill>
+            <a:prstDash val="sysDot"/>
             <a:tailEnd type="triangle"/>
           </a:ln>
         </p:spPr>
@@ -15243,6 +15295,9 @@
             <a:pPr algn="ctr"/>
             <a:r>
               <a:rPr lang="fr-FR" sz="1050" i="1" dirty="0">
+                <a:solidFill>
+                  <a:srgbClr val="8A6868"/>
+                </a:solidFill>
                 <a:latin typeface="Gill Sans Nova" panose="020B0602020104020203" pitchFamily="34" charset="0"/>
               </a:rPr>
               <a:t>P161 has spatial projection </a:t>
@@ -16036,7 +16091,11 @@
           <a:prstGeom prst="curvedConnector2">
             <a:avLst/>
           </a:prstGeom>
-          <a:ln>
+          <a:ln w="12700">
+            <a:solidFill>
+              <a:srgbClr val="8A6868"/>
+            </a:solidFill>
+            <a:prstDash val="sysDot"/>
             <a:tailEnd type="triangle"/>
           </a:ln>
         </p:spPr>
@@ -16069,7 +16128,7 @@
         </p:nvSpPr>
         <p:spPr>
           <a:xfrm>
-            <a:off x="12205552" y="22903924"/>
+            <a:off x="12115300" y="22979637"/>
             <a:ext cx="1242988" cy="230832"/>
           </a:xfrm>
           <a:prstGeom prst="rect">
@@ -16086,29 +16145,44 @@
             <a:pPr algn="ctr"/>
             <a:r>
               <a:rPr lang="fr-FR" sz="900" i="1" dirty="0">
+                <a:solidFill>
+                  <a:srgbClr val="8A6868"/>
+                </a:solidFill>
                 <a:latin typeface="Gill Sans Nova" panose="020B0602020104020203" pitchFamily="34" charset="0"/>
               </a:rPr>
               <a:t>P121 </a:t>
             </a:r>
             <a:r>
               <a:rPr lang="fr-FR" sz="900" i="1" dirty="0" err="1">
+                <a:solidFill>
+                  <a:srgbClr val="8A6868"/>
+                </a:solidFill>
                 <a:latin typeface="Gill Sans Nova" panose="020B0602020104020203" pitchFamily="34" charset="0"/>
               </a:rPr>
               <a:t>overlaps</a:t>
             </a:r>
             <a:r>
               <a:rPr lang="fr-FR" sz="900" i="1" dirty="0">
+                <a:solidFill>
+                  <a:srgbClr val="8A6868"/>
+                </a:solidFill>
                 <a:latin typeface="Gill Sans Nova" panose="020B0602020104020203" pitchFamily="34" charset="0"/>
               </a:rPr>
               <a:t> </a:t>
             </a:r>
             <a:r>
               <a:rPr lang="fr-FR" sz="900" i="1" dirty="0" err="1">
+                <a:solidFill>
+                  <a:srgbClr val="8A6868"/>
+                </a:solidFill>
                 <a:latin typeface="Gill Sans Nova" panose="020B0602020104020203" pitchFamily="34" charset="0"/>
               </a:rPr>
               <a:t>with</a:t>
             </a:r>
             <a:endParaRPr lang="fr-FR" sz="900" i="1" dirty="0">
+              <a:solidFill>
+                <a:srgbClr val="8A6868"/>
+              </a:solidFill>
               <a:latin typeface="Gill Sans Nova" panose="020B0602020104020203" pitchFamily="34" charset="0"/>
             </a:endParaRPr>
           </a:p>

--- a/modélisation/mercure-galant-thésaurus-ancien-régime/Modélisation.pptx
+++ b/modélisation/mercure-galant-thésaurus-ancien-régime/Modélisation.pptx
@@ -243,7 +243,7 @@
           <a:p>
             <a:fld id="{F96D367F-7370-4214-86FB-91D90BAC4FAD}" type="datetimeFigureOut">
               <a:rPr lang="fr-FR" smtClean="0"/>
-              <a:t>08/01/2021</a:t>
+              <a:t>20/01/2021</a:t>
             </a:fld>
             <a:endParaRPr lang="fr-FR"/>
           </a:p>
@@ -413,7 +413,7 @@
           <a:p>
             <a:fld id="{F96D367F-7370-4214-86FB-91D90BAC4FAD}" type="datetimeFigureOut">
               <a:rPr lang="fr-FR" smtClean="0"/>
-              <a:t>08/01/2021</a:t>
+              <a:t>20/01/2021</a:t>
             </a:fld>
             <a:endParaRPr lang="fr-FR"/>
           </a:p>
@@ -593,7 +593,7 @@
           <a:p>
             <a:fld id="{F96D367F-7370-4214-86FB-91D90BAC4FAD}" type="datetimeFigureOut">
               <a:rPr lang="fr-FR" smtClean="0"/>
-              <a:t>08/01/2021</a:t>
+              <a:t>20/01/2021</a:t>
             </a:fld>
             <a:endParaRPr lang="fr-FR"/>
           </a:p>
@@ -763,7 +763,7 @@
           <a:p>
             <a:fld id="{F96D367F-7370-4214-86FB-91D90BAC4FAD}" type="datetimeFigureOut">
               <a:rPr lang="fr-FR" smtClean="0"/>
-              <a:t>08/01/2021</a:t>
+              <a:t>20/01/2021</a:t>
             </a:fld>
             <a:endParaRPr lang="fr-FR"/>
           </a:p>
@@ -1007,7 +1007,7 @@
           <a:p>
             <a:fld id="{F96D367F-7370-4214-86FB-91D90BAC4FAD}" type="datetimeFigureOut">
               <a:rPr lang="fr-FR" smtClean="0"/>
-              <a:t>08/01/2021</a:t>
+              <a:t>20/01/2021</a:t>
             </a:fld>
             <a:endParaRPr lang="fr-FR"/>
           </a:p>
@@ -1239,7 +1239,7 @@
           <a:p>
             <a:fld id="{F96D367F-7370-4214-86FB-91D90BAC4FAD}" type="datetimeFigureOut">
               <a:rPr lang="fr-FR" smtClean="0"/>
-              <a:t>08/01/2021</a:t>
+              <a:t>20/01/2021</a:t>
             </a:fld>
             <a:endParaRPr lang="fr-FR"/>
           </a:p>
@@ -1606,7 +1606,7 @@
           <a:p>
             <a:fld id="{F96D367F-7370-4214-86FB-91D90BAC4FAD}" type="datetimeFigureOut">
               <a:rPr lang="fr-FR" smtClean="0"/>
-              <a:t>08/01/2021</a:t>
+              <a:t>20/01/2021</a:t>
             </a:fld>
             <a:endParaRPr lang="fr-FR"/>
           </a:p>
@@ -1724,7 +1724,7 @@
           <a:p>
             <a:fld id="{F96D367F-7370-4214-86FB-91D90BAC4FAD}" type="datetimeFigureOut">
               <a:rPr lang="fr-FR" smtClean="0"/>
-              <a:t>08/01/2021</a:t>
+              <a:t>20/01/2021</a:t>
             </a:fld>
             <a:endParaRPr lang="fr-FR"/>
           </a:p>
@@ -1819,7 +1819,7 @@
           <a:p>
             <a:fld id="{F96D367F-7370-4214-86FB-91D90BAC4FAD}" type="datetimeFigureOut">
               <a:rPr lang="fr-FR" smtClean="0"/>
-              <a:t>08/01/2021</a:t>
+              <a:t>20/01/2021</a:t>
             </a:fld>
             <a:endParaRPr lang="fr-FR"/>
           </a:p>
@@ -2096,7 +2096,7 @@
           <a:p>
             <a:fld id="{F96D367F-7370-4214-86FB-91D90BAC4FAD}" type="datetimeFigureOut">
               <a:rPr lang="fr-FR" smtClean="0"/>
-              <a:t>08/01/2021</a:t>
+              <a:t>20/01/2021</a:t>
             </a:fld>
             <a:endParaRPr lang="fr-FR"/>
           </a:p>
@@ -2353,7 +2353,7 @@
           <a:p>
             <a:fld id="{F96D367F-7370-4214-86FB-91D90BAC4FAD}" type="datetimeFigureOut">
               <a:rPr lang="fr-FR" smtClean="0"/>
-              <a:t>08/01/2021</a:t>
+              <a:t>20/01/2021</a:t>
             </a:fld>
             <a:endParaRPr lang="fr-FR"/>
           </a:p>
@@ -2566,7 +2566,7 @@
           <a:p>
             <a:fld id="{F96D367F-7370-4214-86FB-91D90BAC4FAD}" type="datetimeFigureOut">
               <a:rPr lang="fr-FR" smtClean="0"/>
-              <a:t>08/01/2021</a:t>
+              <a:t>20/01/2021</a:t>
             </a:fld>
             <a:endParaRPr lang="fr-FR"/>
           </a:p>
@@ -9174,7 +9174,7 @@
         </p:nvSpPr>
         <p:spPr>
           <a:xfrm>
-            <a:off x="28903175" y="20455931"/>
+            <a:off x="30344616" y="20544411"/>
             <a:ext cx="1311925" cy="856482"/>
           </a:xfrm>
           <a:prstGeom prst="roundRect">
@@ -9227,7 +9227,7 @@
                 </a:solidFill>
                 <a:latin typeface="Gill Sans Nova" panose="020B0602020104020203" pitchFamily="34" charset="0"/>
               </a:rPr>
-              <a:t>(« Marchands du Pont Neuf »)</a:t>
+              <a:t>(« Marchands et artisans privilégiés selon la cour »)</a:t>
             </a:r>
           </a:p>
         </p:txBody>
@@ -9827,49 +9827,6 @@
           </a:p>
         </p:txBody>
       </p:sp>
-      <p:cxnSp>
-        <p:nvCxnSpPr>
-          <p:cNvPr id="1275" name="Connecteur droit avec flèche 1274">
-            <a:extLst>
-              <a:ext uri="{FF2B5EF4-FFF2-40B4-BE49-F238E27FC236}">
-                <a16:creationId xmlns:a16="http://schemas.microsoft.com/office/drawing/2014/main" id="{39CF7ED8-3163-4F7C-92E3-C369C4AB00EA}"/>
-              </a:ext>
-            </a:extLst>
-          </p:cNvPr>
-          <p:cNvCxnSpPr>
-            <a:cxnSpLocks/>
-            <a:stCxn id="1292" idx="0"/>
-            <a:endCxn id="1203" idx="2"/>
-          </p:cNvCxnSpPr>
-          <p:nvPr/>
-        </p:nvCxnSpPr>
-        <p:spPr>
-          <a:xfrm flipV="1">
-            <a:off x="29553558" y="21312415"/>
-            <a:ext cx="5578" cy="2593227"/>
-          </a:xfrm>
-          <a:prstGeom prst="straightConnector1">
-            <a:avLst/>
-          </a:prstGeom>
-          <a:ln>
-            <a:tailEnd type="triangle"/>
-          </a:ln>
-        </p:spPr>
-        <p:style>
-          <a:lnRef idx="1">
-            <a:schemeClr val="dk1"/>
-          </a:lnRef>
-          <a:fillRef idx="0">
-            <a:schemeClr val="dk1"/>
-          </a:fillRef>
-          <a:effectRef idx="0">
-            <a:schemeClr val="dk1"/>
-          </a:effectRef>
-          <a:fontRef idx="minor">
-            <a:schemeClr val="tx1"/>
-          </a:fontRef>
-        </p:style>
-      </p:cxnSp>
       <p:sp>
         <p:nvSpPr>
           <p:cNvPr id="1279" name="Rectangle : coins arrondis 1278">
@@ -9884,8 +9841,8 @@
         </p:nvSpPr>
         <p:spPr>
           <a:xfrm>
-            <a:off x="33261830" y="20687506"/>
-            <a:ext cx="856380" cy="433699"/>
+            <a:off x="34161647" y="20561948"/>
+            <a:ext cx="1094908" cy="821407"/>
           </a:xfrm>
           <a:prstGeom prst="roundRect">
             <a:avLst/>
@@ -9926,6 +9883,18 @@
               <a:t>E7 Activity</a:t>
             </a:r>
           </a:p>
+          <a:p>
+            <a:pPr algn="ctr"/>
+            <a:r>
+              <a:rPr lang="fr-FR" sz="900" dirty="0">
+                <a:solidFill>
+                  <a:schemeClr val="bg1"/>
+                </a:solidFill>
+                <a:latin typeface="Gill Sans Nova" panose="020B0602020104020203" pitchFamily="34" charset="0"/>
+              </a:rPr>
+              <a:t>(« Marchand de vin du roi »)</a:t>
+            </a:r>
+          </a:p>
         </p:txBody>
       </p:sp>
       <p:cxnSp>
@@ -9945,9 +9914,9 @@
           <p:nvPr/>
         </p:nvCxnSpPr>
         <p:spPr>
-          <a:xfrm flipH="1" flipV="1">
-            <a:off x="30215098" y="20884172"/>
-            <a:ext cx="3046732" cy="20182"/>
+          <a:xfrm flipH="1">
+            <a:off x="31656541" y="20972652"/>
+            <a:ext cx="2505106" cy="0"/>
           </a:xfrm>
           <a:prstGeom prst="straightConnector1">
             <a:avLst/>
@@ -9985,7 +9954,7 @@
         </p:nvSpPr>
         <p:spPr>
           <a:xfrm>
-            <a:off x="30489082" y="20656448"/>
+            <a:off x="31930523" y="20744928"/>
             <a:ext cx="1484002" cy="230832"/>
           </a:xfrm>
           <a:prstGeom prst="rect">
@@ -10021,82 +9990,6 @@
           </a:p>
         </p:txBody>
       </p:sp>
-      <p:sp>
-        <p:nvSpPr>
-          <p:cNvPr id="1292" name="Rectangle : coins arrondis 1291">
-            <a:extLst>
-              <a:ext uri="{FF2B5EF4-FFF2-40B4-BE49-F238E27FC236}">
-                <a16:creationId xmlns:a16="http://schemas.microsoft.com/office/drawing/2014/main" id="{0F09B883-DF28-4074-96F1-E2F16E68559B}"/>
-              </a:ext>
-            </a:extLst>
-          </p:cNvPr>
-          <p:cNvSpPr/>
-          <p:nvPr/>
-        </p:nvSpPr>
-        <p:spPr>
-          <a:xfrm>
-            <a:off x="28966602" y="23905642"/>
-            <a:ext cx="1173915" cy="623617"/>
-          </a:xfrm>
-          <a:prstGeom prst="roundRect">
-            <a:avLst/>
-          </a:prstGeom>
-          <a:solidFill>
-            <a:srgbClr val="ED9797"/>
-          </a:solidFill>
-          <a:ln w="28575">
-            <a:noFill/>
-          </a:ln>
-        </p:spPr>
-        <p:style>
-          <a:lnRef idx="2">
-            <a:schemeClr val="accent6"/>
-          </a:lnRef>
-          <a:fillRef idx="1">
-            <a:schemeClr val="lt1"/>
-          </a:fillRef>
-          <a:effectRef idx="0">
-            <a:schemeClr val="accent6"/>
-          </a:effectRef>
-          <a:fontRef idx="minor">
-            <a:schemeClr val="dk1"/>
-          </a:fontRef>
-        </p:style>
-        <p:txBody>
-          <a:bodyPr rtlCol="0" anchor="ctr"/>
-          <a:lstStyle/>
-          <a:p>
-            <a:pPr algn="ctr"/>
-            <a:r>
-              <a:rPr lang="fr-FR" sz="900" dirty="0">
-                <a:solidFill>
-                  <a:schemeClr val="bg1"/>
-                </a:solidFill>
-                <a:latin typeface="Gill Sans Nova" panose="020B0602020104020203" pitchFamily="34" charset="0"/>
-              </a:rPr>
-              <a:t>E32 </a:t>
-            </a:r>
-            <a:r>
-              <a:rPr lang="fr-FR" sz="900" dirty="0" err="1">
-                <a:solidFill>
-                  <a:schemeClr val="bg1"/>
-                </a:solidFill>
-                <a:latin typeface="Gill Sans Nova" panose="020B0602020104020203" pitchFamily="34" charset="0"/>
-              </a:rPr>
-              <a:t>Authority</a:t>
-            </a:r>
-            <a:r>
-              <a:rPr lang="fr-FR" sz="900" dirty="0">
-                <a:solidFill>
-                  <a:schemeClr val="bg1"/>
-                </a:solidFill>
-                <a:latin typeface="Gill Sans Nova" panose="020B0602020104020203" pitchFamily="34" charset="0"/>
-              </a:rPr>
-              <a:t> Document</a:t>
-            </a:r>
-          </a:p>
-        </p:txBody>
-      </p:sp>
       <p:cxnSp>
         <p:nvCxnSpPr>
           <p:cNvPr id="1295" name="Connecteur droit avec flèche 1294">
@@ -10109,14 +10002,14 @@
           <p:cNvCxnSpPr>
             <a:cxnSpLocks/>
             <a:stCxn id="1261" idx="0"/>
-            <a:endCxn id="1292" idx="2"/>
+            <a:endCxn id="256" idx="2"/>
           </p:cNvCxnSpPr>
           <p:nvPr/>
         </p:nvCxnSpPr>
         <p:spPr>
           <a:xfrm flipV="1">
-            <a:off x="29553558" y="24529259"/>
-            <a:ext cx="0" cy="1276773"/>
+            <a:off x="29553558" y="23309221"/>
+            <a:ext cx="27995" cy="2496809"/>
           </a:xfrm>
           <a:prstGeom prst="straightConnector1">
             <a:avLst/>
@@ -10192,53 +10085,6 @@
       </p:sp>
       <p:sp>
         <p:nvSpPr>
-          <p:cNvPr id="1301" name="ZoneTexte 1300">
-            <a:extLst>
-              <a:ext uri="{FF2B5EF4-FFF2-40B4-BE49-F238E27FC236}">
-                <a16:creationId xmlns:a16="http://schemas.microsoft.com/office/drawing/2014/main" id="{6A0F3D55-582D-42B3-AFB6-93EDC2645C4B}"/>
-              </a:ext>
-            </a:extLst>
-          </p:cNvPr>
-          <p:cNvSpPr txBox="1"/>
-          <p:nvPr/>
-        </p:nvSpPr>
-        <p:spPr>
-          <a:xfrm>
-            <a:off x="29123809" y="23437908"/>
-            <a:ext cx="1484002" cy="230832"/>
-          </a:xfrm>
-          <a:prstGeom prst="rect">
-            <a:avLst/>
-          </a:prstGeom>
-          <a:noFill/>
-        </p:spPr>
-        <p:txBody>
-          <a:bodyPr wrap="square" rtlCol="0">
-            <a:spAutoFit/>
-          </a:bodyPr>
-          <a:lstStyle/>
-          <a:p>
-            <a:pPr algn="ctr"/>
-            <a:r>
-              <a:rPr lang="fr-FR" sz="900" i="1" dirty="0">
-                <a:latin typeface="Gill Sans Nova" panose="020B0602020104020203" pitchFamily="34" charset="0"/>
-              </a:rPr>
-              <a:t>P71 </a:t>
-            </a:r>
-            <a:r>
-              <a:rPr lang="fr-FR" sz="900" i="1" dirty="0" err="1">
-                <a:latin typeface="Gill Sans Nova" panose="020B0602020104020203" pitchFamily="34" charset="0"/>
-              </a:rPr>
-              <a:t>lists</a:t>
-            </a:r>
-            <a:endParaRPr lang="fr-FR" sz="900" i="1" dirty="0">
-              <a:latin typeface="Gill Sans Nova" panose="020B0602020104020203" pitchFamily="34" charset="0"/>
-            </a:endParaRPr>
-          </a:p>
-        </p:txBody>
-      </p:sp>
-      <p:sp>
-        <p:nvSpPr>
           <p:cNvPr id="1317" name="Rectangle : coins arrondis 1316">
             <a:extLst>
               <a:ext uri="{FF2B5EF4-FFF2-40B4-BE49-F238E27FC236}">
@@ -10251,7 +10097,7 @@
         </p:nvSpPr>
         <p:spPr>
           <a:xfrm>
-            <a:off x="35190945" y="23408737"/>
+            <a:off x="35564204" y="22562026"/>
             <a:ext cx="976814" cy="458655"/>
           </a:xfrm>
           <a:prstGeom prst="roundRect">
@@ -10312,7 +10158,7 @@
         </p:nvSpPr>
         <p:spPr>
           <a:xfrm>
-            <a:off x="34169928" y="22034136"/>
+            <a:off x="34902440" y="21709148"/>
             <a:ext cx="1484002" cy="230832"/>
           </a:xfrm>
           <a:prstGeom prst="rect">
@@ -10363,8 +10209,8 @@
         </p:nvCxnSpPr>
         <p:spPr>
           <a:xfrm rot="16200000" flipH="1">
-            <a:off x="33540920" y="21270303"/>
-            <a:ext cx="2287532" cy="1989332"/>
+            <a:off x="34791521" y="21300935"/>
+            <a:ext cx="1178671" cy="1343510"/>
           </a:xfrm>
           <a:prstGeom prst="curvedConnector3">
             <a:avLst>
@@ -12998,7 +12844,7 @@
         </p:nvSpPr>
         <p:spPr>
           <a:xfrm>
-            <a:off x="27098135" y="20709275"/>
+            <a:off x="27571868" y="20720402"/>
             <a:ext cx="1484002" cy="230832"/>
           </a:xfrm>
           <a:prstGeom prst="rect">
@@ -13057,7 +12903,7 @@
         </p:nvSpPr>
         <p:spPr>
           <a:xfrm>
-            <a:off x="27262943" y="21493189"/>
+            <a:off x="27640010" y="21677351"/>
             <a:ext cx="1484002" cy="230832"/>
           </a:xfrm>
           <a:prstGeom prst="rect">
@@ -13289,48 +13135,6 @@
       </p:cxnSp>
       <p:cxnSp>
         <p:nvCxnSpPr>
-          <p:cNvPr id="1766" name="Connecteur droit avec flèche 1765">
-            <a:extLst>
-              <a:ext uri="{FF2B5EF4-FFF2-40B4-BE49-F238E27FC236}">
-                <a16:creationId xmlns:a16="http://schemas.microsoft.com/office/drawing/2014/main" id="{904CF09C-AFA1-411E-82EA-94F0EC5666D6}"/>
-              </a:ext>
-            </a:extLst>
-          </p:cNvPr>
-          <p:cNvCxnSpPr>
-            <a:stCxn id="1726" idx="3"/>
-            <a:endCxn id="1203" idx="1"/>
-          </p:cNvCxnSpPr>
-          <p:nvPr/>
-        </p:nvCxnSpPr>
-        <p:spPr>
-          <a:xfrm flipV="1">
-            <a:off x="26774101" y="20884172"/>
-            <a:ext cx="2129072" cy="160840"/>
-          </a:xfrm>
-          <a:prstGeom prst="straightConnector1">
-            <a:avLst/>
-          </a:prstGeom>
-          <a:ln>
-            <a:tailEnd type="triangle"/>
-          </a:ln>
-        </p:spPr>
-        <p:style>
-          <a:lnRef idx="1">
-            <a:schemeClr val="dk1"/>
-          </a:lnRef>
-          <a:fillRef idx="0">
-            <a:schemeClr val="dk1"/>
-          </a:fillRef>
-          <a:effectRef idx="0">
-            <a:schemeClr val="dk1"/>
-          </a:effectRef>
-          <a:fontRef idx="minor">
-            <a:schemeClr val="tx1"/>
-          </a:fontRef>
-        </p:style>
-      </p:cxnSp>
-      <p:cxnSp>
-        <p:nvCxnSpPr>
           <p:cNvPr id="1768" name="Connecteur droit avec flèche 1767">
             <a:extLst>
               <a:ext uri="{FF2B5EF4-FFF2-40B4-BE49-F238E27FC236}">
@@ -13349,48 +13153,6 @@
           <a:xfrm flipH="1" flipV="1">
             <a:off x="23995762" y="20884175"/>
             <a:ext cx="1857952" cy="831648"/>
-          </a:xfrm>
-          <a:prstGeom prst="straightConnector1">
-            <a:avLst/>
-          </a:prstGeom>
-          <a:ln>
-            <a:tailEnd type="triangle"/>
-          </a:ln>
-        </p:spPr>
-        <p:style>
-          <a:lnRef idx="1">
-            <a:schemeClr val="dk1"/>
-          </a:lnRef>
-          <a:fillRef idx="0">
-            <a:schemeClr val="dk1"/>
-          </a:fillRef>
-          <a:effectRef idx="0">
-            <a:schemeClr val="dk1"/>
-          </a:effectRef>
-          <a:fontRef idx="minor">
-            <a:schemeClr val="tx1"/>
-          </a:fontRef>
-        </p:style>
-      </p:cxnSp>
-      <p:cxnSp>
-        <p:nvCxnSpPr>
-          <p:cNvPr id="1770" name="Connecteur droit avec flèche 1769">
-            <a:extLst>
-              <a:ext uri="{FF2B5EF4-FFF2-40B4-BE49-F238E27FC236}">
-                <a16:creationId xmlns:a16="http://schemas.microsoft.com/office/drawing/2014/main" id="{A7C6861D-4A46-45F0-9707-06C08ED409FA}"/>
-              </a:ext>
-            </a:extLst>
-          </p:cNvPr>
-          <p:cNvCxnSpPr>
-            <a:stCxn id="1728" idx="3"/>
-            <a:endCxn id="1203" idx="1"/>
-          </p:cNvCxnSpPr>
-          <p:nvPr/>
-        </p:nvCxnSpPr>
-        <p:spPr>
-          <a:xfrm flipV="1">
-            <a:off x="26782734" y="20884174"/>
-            <a:ext cx="2120441" cy="831649"/>
           </a:xfrm>
           <a:prstGeom prst="straightConnector1">
             <a:avLst/>
@@ -13972,12 +13734,99 @@
           </a:fontRef>
         </p:style>
       </p:cxnSp>
-      <p:sp>
-        <p:nvSpPr>
-          <p:cNvPr id="30" name="Rectangle : coins arrondis 29">
-            <a:extLst>
-              <a:ext uri="{FF2B5EF4-FFF2-40B4-BE49-F238E27FC236}">
-                <a16:creationId xmlns:a16="http://schemas.microsoft.com/office/drawing/2014/main" id="{E1108952-A148-4B6F-980E-3BDBA44CA185}"/>
+      <p:cxnSp>
+        <p:nvCxnSpPr>
+          <p:cNvPr id="55" name="Connecteur : en arc 54">
+            <a:extLst>
+              <a:ext uri="{FF2B5EF4-FFF2-40B4-BE49-F238E27FC236}">
+                <a16:creationId xmlns:a16="http://schemas.microsoft.com/office/drawing/2014/main" id="{156CBF43-9AB9-480C-A4D8-8FD85A1EA9A4}"/>
+              </a:ext>
+            </a:extLst>
+          </p:cNvPr>
+          <p:cNvCxnSpPr>
+            <a:cxnSpLocks/>
+            <a:stCxn id="1279" idx="2"/>
+            <a:endCxn id="1374" idx="3"/>
+          </p:cNvCxnSpPr>
+          <p:nvPr/>
+        </p:nvCxnSpPr>
+        <p:spPr>
+          <a:xfrm rot="5400000">
+            <a:off x="26466768" y="20963640"/>
+            <a:ext cx="7822618" cy="8662049"/>
+          </a:xfrm>
+          <a:prstGeom prst="curvedConnector2">
+            <a:avLst/>
+          </a:prstGeom>
+        </p:spPr>
+        <p:style>
+          <a:lnRef idx="1">
+            <a:schemeClr val="dk1"/>
+          </a:lnRef>
+          <a:fillRef idx="0">
+            <a:schemeClr val="dk1"/>
+          </a:fillRef>
+          <a:effectRef idx="0">
+            <a:schemeClr val="dk1"/>
+          </a:effectRef>
+          <a:fontRef idx="minor">
+            <a:schemeClr val="tx1"/>
+          </a:fontRef>
+        </p:style>
+      </p:cxnSp>
+      <p:sp>
+        <p:nvSpPr>
+          <p:cNvPr id="63" name="ZoneTexte 62">
+            <a:extLst>
+              <a:ext uri="{FF2B5EF4-FFF2-40B4-BE49-F238E27FC236}">
+                <a16:creationId xmlns:a16="http://schemas.microsoft.com/office/drawing/2014/main" id="{04D98324-7737-4601-98E2-15E6BCD64BC4}"/>
+              </a:ext>
+            </a:extLst>
+          </p:cNvPr>
+          <p:cNvSpPr txBox="1"/>
+          <p:nvPr/>
+        </p:nvSpPr>
+        <p:spPr>
+          <a:xfrm>
+            <a:off x="23138760" y="27282839"/>
+            <a:ext cx="1484002" cy="230832"/>
+          </a:xfrm>
+          <a:prstGeom prst="rect">
+            <a:avLst/>
+          </a:prstGeom>
+          <a:noFill/>
+        </p:spPr>
+        <p:txBody>
+          <a:bodyPr wrap="square" rtlCol="0">
+            <a:spAutoFit/>
+          </a:bodyPr>
+          <a:lstStyle/>
+          <a:p>
+            <a:pPr algn="ctr"/>
+            <a:r>
+              <a:rPr lang="fr-FR" sz="900" i="1" dirty="0">
+                <a:latin typeface="Gill Sans Nova" panose="020B0602020104020203" pitchFamily="34" charset="0"/>
+              </a:rPr>
+              <a:t>P71 </a:t>
+            </a:r>
+            <a:r>
+              <a:rPr lang="fr-FR" sz="900" i="1" dirty="0" err="1">
+                <a:latin typeface="Gill Sans Nova" panose="020B0602020104020203" pitchFamily="34" charset="0"/>
+              </a:rPr>
+              <a:t>lists</a:t>
+            </a:r>
+            <a:endParaRPr lang="fr-FR" sz="900" i="1" dirty="0">
+              <a:latin typeface="Gill Sans Nova" panose="020B0602020104020203" pitchFamily="34" charset="0"/>
+            </a:endParaRPr>
+          </a:p>
+        </p:txBody>
+      </p:sp>
+      <p:sp>
+        <p:nvSpPr>
+          <p:cNvPr id="10" name="Rectangle : coins arrondis 9">
+            <a:extLst>
+              <a:ext uri="{FF2B5EF4-FFF2-40B4-BE49-F238E27FC236}">
+                <a16:creationId xmlns:a16="http://schemas.microsoft.com/office/drawing/2014/main" id="{AC78E822-F524-4111-9F04-3E69337C8308}"/>
               </a:ext>
             </a:extLst>
           </p:cNvPr>
@@ -13986,16 +13835,16 @@
         </p:nvSpPr>
         <p:spPr>
           <a:xfrm>
-            <a:off x="33201228" y="19814235"/>
-            <a:ext cx="960209" cy="437614"/>
+            <a:off x="9305199" y="20847046"/>
+            <a:ext cx="1062750" cy="508618"/>
           </a:xfrm>
           <a:prstGeom prst="roundRect">
             <a:avLst/>
           </a:prstGeom>
           <a:solidFill>
-            <a:srgbClr val="F6CACA"/>
+            <a:srgbClr val="9E96DA"/>
           </a:solidFill>
-          <a:ln w="12700">
+          <a:ln w="28575">
             <a:noFill/>
           </a:ln>
         </p:spPr>
@@ -14021,280 +13870,48 @@
             <a:r>
               <a:rPr lang="fr-FR" sz="900" dirty="0">
                 <a:solidFill>
-                  <a:schemeClr val="tx1"/>
-                </a:solidFill>
-                <a:latin typeface="Gill Sans Nova" panose="020B0602020104020203" pitchFamily="34" charset="0"/>
-              </a:rPr>
-              <a:t>E55 Type</a:t>
-            </a:r>
-          </a:p>
-          <a:p>
-            <a:pPr algn="ctr"/>
-            <a:r>
-              <a:rPr lang="fr-FR" sz="900" i="1" dirty="0">
-                <a:solidFill>
-                  <a:schemeClr val="tx1"/>
-                </a:solidFill>
-                <a:latin typeface="Gill Sans Nova" panose="020B0602020104020203" pitchFamily="34" charset="0"/>
-              </a:rPr>
-              <a:t>« Marchand »</a:t>
-            </a:r>
-          </a:p>
-        </p:txBody>
-      </p:sp>
-      <p:sp>
-        <p:nvSpPr>
-          <p:cNvPr id="31" name="ZoneTexte 30">
-            <a:extLst>
-              <a:ext uri="{FF2B5EF4-FFF2-40B4-BE49-F238E27FC236}">
-                <a16:creationId xmlns:a16="http://schemas.microsoft.com/office/drawing/2014/main" id="{E0A8A2CF-12CB-4426-BF31-2DB8F1593B69}"/>
-              </a:ext>
-            </a:extLst>
-          </p:cNvPr>
-          <p:cNvSpPr txBox="1"/>
-          <p:nvPr/>
-        </p:nvSpPr>
-        <p:spPr>
-          <a:xfrm>
-            <a:off x="33673436" y="20356961"/>
-            <a:ext cx="584724" cy="230832"/>
-          </a:xfrm>
-          <a:prstGeom prst="rect">
-            <a:avLst/>
-          </a:prstGeom>
-          <a:noFill/>
-        </p:spPr>
-        <p:txBody>
-          <a:bodyPr wrap="square" rtlCol="0">
-            <a:spAutoFit/>
-          </a:bodyPr>
-          <a:lstStyle/>
-          <a:p>
-            <a:pPr algn="ctr"/>
-            <a:r>
-              <a:rPr lang="fr-FR" sz="900" i="1" dirty="0">
-                <a:latin typeface="Gill Sans Nova" panose="020B0602020104020203" pitchFamily="34" charset="0"/>
-              </a:rPr>
-              <a:t>P14.1</a:t>
-            </a:r>
-          </a:p>
-        </p:txBody>
-      </p:sp>
-      <p:cxnSp>
-        <p:nvCxnSpPr>
-          <p:cNvPr id="33" name="Connecteur droit avec flèche 32">
-            <a:extLst>
-              <a:ext uri="{FF2B5EF4-FFF2-40B4-BE49-F238E27FC236}">
-                <a16:creationId xmlns:a16="http://schemas.microsoft.com/office/drawing/2014/main" id="{93556B79-91E7-4C5D-9780-8AD0A84809DC}"/>
-              </a:ext>
-            </a:extLst>
-          </p:cNvPr>
-          <p:cNvCxnSpPr>
-            <a:stCxn id="1279" idx="0"/>
-            <a:endCxn id="30" idx="2"/>
-          </p:cNvCxnSpPr>
-          <p:nvPr/>
-        </p:nvCxnSpPr>
-        <p:spPr>
-          <a:xfrm flipH="1" flipV="1">
-            <a:off x="33681333" y="20251851"/>
-            <a:ext cx="8689" cy="435655"/>
-          </a:xfrm>
-          <a:prstGeom prst="straightConnector1">
-            <a:avLst/>
-          </a:prstGeom>
-          <a:ln>
-            <a:tailEnd type="triangle"/>
-          </a:ln>
-        </p:spPr>
-        <p:style>
-          <a:lnRef idx="1">
-            <a:schemeClr val="dk1"/>
-          </a:lnRef>
-          <a:fillRef idx="0">
-            <a:schemeClr val="dk1"/>
-          </a:fillRef>
-          <a:effectRef idx="0">
-            <a:schemeClr val="dk1"/>
-          </a:effectRef>
-          <a:fontRef idx="minor">
-            <a:schemeClr val="tx1"/>
-          </a:fontRef>
-        </p:style>
-      </p:cxnSp>
-      <p:cxnSp>
-        <p:nvCxnSpPr>
-          <p:cNvPr id="48" name="Connecteur droit avec flèche 47">
-            <a:extLst>
-              <a:ext uri="{FF2B5EF4-FFF2-40B4-BE49-F238E27FC236}">
-                <a16:creationId xmlns:a16="http://schemas.microsoft.com/office/drawing/2014/main" id="{BEBBDA62-DE0E-4735-BE9C-EA71F7EAF73C}"/>
-              </a:ext>
-            </a:extLst>
-          </p:cNvPr>
-          <p:cNvCxnSpPr>
-            <a:cxnSpLocks/>
-            <a:stCxn id="1292" idx="3"/>
-            <a:endCxn id="200" idx="1"/>
-          </p:cNvCxnSpPr>
-          <p:nvPr/>
-        </p:nvCxnSpPr>
-        <p:spPr>
-          <a:xfrm flipV="1">
-            <a:off x="30140517" y="24217450"/>
-            <a:ext cx="877781" cy="1"/>
-          </a:xfrm>
-          <a:prstGeom prst="straightConnector1">
-            <a:avLst/>
-          </a:prstGeom>
-          <a:ln>
-            <a:tailEnd type="triangle"/>
-          </a:ln>
-        </p:spPr>
-        <p:style>
-          <a:lnRef idx="1">
-            <a:schemeClr val="dk1"/>
-          </a:lnRef>
-          <a:fillRef idx="0">
-            <a:schemeClr val="dk1"/>
-          </a:fillRef>
-          <a:effectRef idx="0">
-            <a:schemeClr val="dk1"/>
-          </a:effectRef>
-          <a:fontRef idx="minor">
-            <a:schemeClr val="tx1"/>
-          </a:fontRef>
-        </p:style>
-      </p:cxnSp>
-      <p:cxnSp>
-        <p:nvCxnSpPr>
-          <p:cNvPr id="55" name="Connecteur : en arc 54">
-            <a:extLst>
-              <a:ext uri="{FF2B5EF4-FFF2-40B4-BE49-F238E27FC236}">
-                <a16:creationId xmlns:a16="http://schemas.microsoft.com/office/drawing/2014/main" id="{156CBF43-9AB9-480C-A4D8-8FD85A1EA9A4}"/>
-              </a:ext>
-            </a:extLst>
-          </p:cNvPr>
-          <p:cNvCxnSpPr>
-            <a:stCxn id="1279" idx="2"/>
-            <a:endCxn id="1374" idx="3"/>
-          </p:cNvCxnSpPr>
-          <p:nvPr/>
-        </p:nvCxnSpPr>
-        <p:spPr>
-          <a:xfrm rot="5400000">
-            <a:off x="25826152" y="21342104"/>
-            <a:ext cx="8084768" cy="7642968"/>
-          </a:xfrm>
-          <a:prstGeom prst="curvedConnector2">
-            <a:avLst/>
-          </a:prstGeom>
-        </p:spPr>
-        <p:style>
-          <a:lnRef idx="1">
-            <a:schemeClr val="dk1"/>
-          </a:lnRef>
-          <a:fillRef idx="0">
-            <a:schemeClr val="dk1"/>
-          </a:fillRef>
-          <a:effectRef idx="0">
-            <a:schemeClr val="dk1"/>
-          </a:effectRef>
-          <a:fontRef idx="minor">
-            <a:schemeClr val="tx1"/>
-          </a:fontRef>
-        </p:style>
-      </p:cxnSp>
-      <p:sp>
-        <p:nvSpPr>
-          <p:cNvPr id="63" name="ZoneTexte 62">
-            <a:extLst>
-              <a:ext uri="{FF2B5EF4-FFF2-40B4-BE49-F238E27FC236}">
-                <a16:creationId xmlns:a16="http://schemas.microsoft.com/office/drawing/2014/main" id="{04D98324-7737-4601-98E2-15E6BCD64BC4}"/>
-              </a:ext>
-            </a:extLst>
-          </p:cNvPr>
-          <p:cNvSpPr txBox="1"/>
-          <p:nvPr/>
-        </p:nvSpPr>
-        <p:spPr>
-          <a:xfrm>
-            <a:off x="23138760" y="27282839"/>
-            <a:ext cx="1484002" cy="230832"/>
-          </a:xfrm>
-          <a:prstGeom prst="rect">
-            <a:avLst/>
-          </a:prstGeom>
-          <a:noFill/>
-        </p:spPr>
-        <p:txBody>
-          <a:bodyPr wrap="square" rtlCol="0">
-            <a:spAutoFit/>
-          </a:bodyPr>
-          <a:lstStyle/>
-          <a:p>
-            <a:pPr algn="ctr"/>
-            <a:r>
-              <a:rPr lang="fr-FR" sz="900" i="1" dirty="0">
-                <a:latin typeface="Gill Sans Nova" panose="020B0602020104020203" pitchFamily="34" charset="0"/>
-              </a:rPr>
-              <a:t>P71 </a:t>
-            </a:r>
-            <a:r>
-              <a:rPr lang="fr-FR" sz="900" i="1" dirty="0" err="1">
-                <a:latin typeface="Gill Sans Nova" panose="020B0602020104020203" pitchFamily="34" charset="0"/>
-              </a:rPr>
-              <a:t>lists</a:t>
-            </a:r>
-            <a:endParaRPr lang="fr-FR" sz="900" i="1" dirty="0">
+                  <a:schemeClr val="bg1"/>
+                </a:solidFill>
+                <a:latin typeface="Gill Sans Nova" panose="020B0602020104020203" pitchFamily="34" charset="0"/>
+              </a:rPr>
+              <a:t>E4 </a:t>
+            </a:r>
+            <a:r>
+              <a:rPr lang="fr-FR" sz="900" dirty="0" err="1">
+                <a:solidFill>
+                  <a:schemeClr val="bg1"/>
+                </a:solidFill>
+                <a:latin typeface="Gill Sans Nova" panose="020B0602020104020203" pitchFamily="34" charset="0"/>
+              </a:rPr>
+              <a:t>Period</a:t>
+            </a:r>
+            <a:endParaRPr lang="fr-FR" sz="900" dirty="0">
+              <a:solidFill>
+                <a:schemeClr val="bg1"/>
+              </a:solidFill>
               <a:latin typeface="Gill Sans Nova" panose="020B0602020104020203" pitchFamily="34" charset="0"/>
             </a:endParaRPr>
           </a:p>
-        </p:txBody>
-      </p:sp>
-      <p:sp>
-        <p:nvSpPr>
-          <p:cNvPr id="198" name="ZoneTexte 197">
-            <a:extLst>
-              <a:ext uri="{FF2B5EF4-FFF2-40B4-BE49-F238E27FC236}">
-                <a16:creationId xmlns:a16="http://schemas.microsoft.com/office/drawing/2014/main" id="{094D8B2A-BB77-4976-AFB5-B2C552ECF2E2}"/>
-              </a:ext>
-            </a:extLst>
-          </p:cNvPr>
-          <p:cNvSpPr txBox="1"/>
-          <p:nvPr/>
-        </p:nvSpPr>
-        <p:spPr>
-          <a:xfrm>
-            <a:off x="29809350" y="24234188"/>
-            <a:ext cx="1484002" cy="230832"/>
-          </a:xfrm>
-          <a:prstGeom prst="rect">
-            <a:avLst/>
-          </a:prstGeom>
-          <a:noFill/>
-        </p:spPr>
-        <p:txBody>
-          <a:bodyPr wrap="square" rtlCol="0">
-            <a:spAutoFit/>
-          </a:bodyPr>
-          <a:lstStyle/>
           <a:p>
             <a:pPr algn="ctr"/>
             <a:r>
               <a:rPr lang="fr-FR" sz="900" i="1" dirty="0">
-                <a:latin typeface="Gill Sans Nova" panose="020B0602020104020203" pitchFamily="34" charset="0"/>
-              </a:rPr>
-              <a:t>P1</a:t>
-            </a:r>
-          </a:p>
-        </p:txBody>
-      </p:sp>
-      <p:sp>
-        <p:nvSpPr>
-          <p:cNvPr id="200" name="Rectangle : coins arrondis 199">
-            <a:extLst>
-              <a:ext uri="{FF2B5EF4-FFF2-40B4-BE49-F238E27FC236}">
-                <a16:creationId xmlns:a16="http://schemas.microsoft.com/office/drawing/2014/main" id="{4D4EDFCB-E781-4137-842F-BAB2A811CECF}"/>
+                <a:solidFill>
+                  <a:schemeClr val="bg1"/>
+                </a:solidFill>
+                <a:latin typeface="Gill Sans Nova" panose="020B0602020104020203" pitchFamily="34" charset="0"/>
+              </a:rPr>
+              <a:t>« France »</a:t>
+            </a:r>
+          </a:p>
+        </p:txBody>
+      </p:sp>
+      <p:sp>
+        <p:nvSpPr>
+          <p:cNvPr id="18" name="Rectangle : coins arrondis 17">
+            <a:extLst>
+              <a:ext uri="{FF2B5EF4-FFF2-40B4-BE49-F238E27FC236}">
+                <a16:creationId xmlns:a16="http://schemas.microsoft.com/office/drawing/2014/main" id="{087D9C2C-3891-41C6-BBB9-D15E7A8B2B1A}"/>
               </a:ext>
             </a:extLst>
           </p:cNvPr>
@@ -14303,16 +13920,16 @@
         </p:nvSpPr>
         <p:spPr>
           <a:xfrm>
-            <a:off x="31018297" y="23855628"/>
-            <a:ext cx="1745658" cy="723643"/>
+            <a:off x="4380099" y="20854071"/>
+            <a:ext cx="1062750" cy="508618"/>
           </a:xfrm>
           <a:prstGeom prst="roundRect">
             <a:avLst/>
           </a:prstGeom>
           <a:solidFill>
-            <a:srgbClr val="F9C3E7"/>
+            <a:srgbClr val="9E96DA"/>
           </a:solidFill>
-          <a:ln w="38100">
+          <a:ln w="28575">
             <a:noFill/>
           </a:ln>
         </p:spPr>
@@ -14338,33 +13955,140 @@
             <a:r>
               <a:rPr lang="fr-FR" sz="900" dirty="0">
                 <a:solidFill>
-                  <a:schemeClr val="tx1"/>
-                </a:solidFill>
-                <a:latin typeface="Gill Sans Nova" panose="020B0602020104020203" pitchFamily="34" charset="0"/>
-              </a:rPr>
-              <a:t>E41 Appellation</a:t>
-            </a:r>
+                  <a:schemeClr val="bg1"/>
+                </a:solidFill>
+                <a:latin typeface="Gill Sans Nova" panose="020B0602020104020203" pitchFamily="34" charset="0"/>
+              </a:rPr>
+              <a:t>E4 </a:t>
+            </a:r>
+            <a:r>
+              <a:rPr lang="fr-FR" sz="900" dirty="0" err="1">
+                <a:solidFill>
+                  <a:schemeClr val="bg1"/>
+                </a:solidFill>
+                <a:latin typeface="Gill Sans Nova" panose="020B0602020104020203" pitchFamily="34" charset="0"/>
+              </a:rPr>
+              <a:t>Period</a:t>
+            </a:r>
+            <a:endParaRPr lang="fr-FR" sz="900" dirty="0">
+              <a:solidFill>
+                <a:schemeClr val="bg1"/>
+              </a:solidFill>
+              <a:latin typeface="Gill Sans Nova" panose="020B0602020104020203" pitchFamily="34" charset="0"/>
+            </a:endParaRPr>
           </a:p>
           <a:p>
             <a:pPr algn="ctr"/>
             <a:r>
               <a:rPr lang="fr-FR" sz="900" i="1" dirty="0">
                 <a:solidFill>
-                  <a:schemeClr val="tx1"/>
-                </a:solidFill>
-                <a:latin typeface="Gill Sans Nova" panose="020B0602020104020203" pitchFamily="34" charset="0"/>
-              </a:rPr>
-              <a:t>« Communautés de marchands et de bourgeois »</a:t>
-            </a:r>
-          </a:p>
-        </p:txBody>
-      </p:sp>
-      <p:sp>
-        <p:nvSpPr>
-          <p:cNvPr id="10" name="Rectangle : coins arrondis 9">
-            <a:extLst>
-              <a:ext uri="{FF2B5EF4-FFF2-40B4-BE49-F238E27FC236}">
-                <a16:creationId xmlns:a16="http://schemas.microsoft.com/office/drawing/2014/main" id="{AC78E822-F524-4111-9F04-3E69337C8308}"/>
+                  <a:schemeClr val="bg1"/>
+                </a:solidFill>
+                <a:latin typeface="Gill Sans Nova" panose="020B0602020104020203" pitchFamily="34" charset="0"/>
+              </a:rPr>
+              <a:t>« Ile-de-France »</a:t>
+            </a:r>
+          </a:p>
+        </p:txBody>
+      </p:sp>
+      <p:sp>
+        <p:nvSpPr>
+          <p:cNvPr id="25" name="ZoneTexte 24">
+            <a:extLst>
+              <a:ext uri="{FF2B5EF4-FFF2-40B4-BE49-F238E27FC236}">
+                <a16:creationId xmlns:a16="http://schemas.microsoft.com/office/drawing/2014/main" id="{06B2533C-0074-4CCE-B2A3-DCA5F032D8B5}"/>
+              </a:ext>
+            </a:extLst>
+          </p:cNvPr>
+          <p:cNvSpPr txBox="1"/>
+          <p:nvPr/>
+        </p:nvSpPr>
+        <p:spPr>
+          <a:xfrm>
+            <a:off x="6826054" y="20842418"/>
+            <a:ext cx="1516372" cy="230832"/>
+          </a:xfrm>
+          <a:prstGeom prst="rect">
+            <a:avLst/>
+          </a:prstGeom>
+          <a:noFill/>
+        </p:spPr>
+        <p:txBody>
+          <a:bodyPr wrap="square" rtlCol="0">
+            <a:spAutoFit/>
+          </a:bodyPr>
+          <a:lstStyle/>
+          <a:p>
+            <a:pPr algn="ctr"/>
+            <a:r>
+              <a:rPr lang="fr-FR" sz="900" i="1" dirty="0">
+                <a:latin typeface="Gill Sans Nova" panose="020B0602020104020203" pitchFamily="34" charset="0"/>
+              </a:rPr>
+              <a:t>P9 </a:t>
+            </a:r>
+            <a:r>
+              <a:rPr lang="fr-FR" sz="900" i="1" dirty="0" err="1">
+                <a:latin typeface="Gill Sans Nova" panose="020B0602020104020203" pitchFamily="34" charset="0"/>
+              </a:rPr>
+              <a:t>consists</a:t>
+            </a:r>
+            <a:r>
+              <a:rPr lang="fr-FR" sz="900" i="1" dirty="0">
+                <a:latin typeface="Gill Sans Nova" panose="020B0602020104020203" pitchFamily="34" charset="0"/>
+              </a:rPr>
+              <a:t> of</a:t>
+            </a:r>
+          </a:p>
+        </p:txBody>
+      </p:sp>
+      <p:cxnSp>
+        <p:nvCxnSpPr>
+          <p:cNvPr id="42" name="Connecteur droit avec flèche 41">
+            <a:extLst>
+              <a:ext uri="{FF2B5EF4-FFF2-40B4-BE49-F238E27FC236}">
+                <a16:creationId xmlns:a16="http://schemas.microsoft.com/office/drawing/2014/main" id="{5B97E80C-DA2E-4003-B5DD-7622242F351F}"/>
+              </a:ext>
+            </a:extLst>
+          </p:cNvPr>
+          <p:cNvCxnSpPr>
+            <a:stCxn id="10" idx="1"/>
+            <a:endCxn id="18" idx="3"/>
+          </p:cNvCxnSpPr>
+          <p:nvPr/>
+        </p:nvCxnSpPr>
+        <p:spPr>
+          <a:xfrm flipH="1">
+            <a:off x="5442849" y="21101355"/>
+            <a:ext cx="3862350" cy="7025"/>
+          </a:xfrm>
+          <a:prstGeom prst="straightConnector1">
+            <a:avLst/>
+          </a:prstGeom>
+          <a:ln>
+            <a:tailEnd type="triangle"/>
+          </a:ln>
+        </p:spPr>
+        <p:style>
+          <a:lnRef idx="1">
+            <a:schemeClr val="dk1"/>
+          </a:lnRef>
+          <a:fillRef idx="0">
+            <a:schemeClr val="dk1"/>
+          </a:fillRef>
+          <a:effectRef idx="0">
+            <a:schemeClr val="dk1"/>
+          </a:effectRef>
+          <a:fontRef idx="minor">
+            <a:schemeClr val="tx1"/>
+          </a:fontRef>
+        </p:style>
+      </p:cxnSp>
+      <p:sp>
+        <p:nvSpPr>
+          <p:cNvPr id="43" name="Rectangle : coins arrondis 42">
+            <a:extLst>
+              <a:ext uri="{FF2B5EF4-FFF2-40B4-BE49-F238E27FC236}">
+                <a16:creationId xmlns:a16="http://schemas.microsoft.com/office/drawing/2014/main" id="{340CF533-20C7-4B35-BFDB-32A23E9CA09F}"/>
               </a:ext>
             </a:extLst>
           </p:cNvPr>
@@ -14373,14 +14097,14 @@
         </p:nvSpPr>
         <p:spPr>
           <a:xfrm>
-            <a:off x="9305199" y="20847046"/>
-            <a:ext cx="1062750" cy="508618"/>
+            <a:off x="10426442" y="23531281"/>
+            <a:ext cx="1062750" cy="636759"/>
           </a:xfrm>
           <a:prstGeom prst="roundRect">
             <a:avLst/>
           </a:prstGeom>
           <a:solidFill>
-            <a:srgbClr val="9E96DA"/>
+            <a:srgbClr val="8A6868"/>
           </a:solidFill>
           <a:ln w="28575">
             <a:noFill/>
@@ -14412,7 +14136,7 @@
                 </a:solidFill>
                 <a:latin typeface="Gill Sans Nova" panose="020B0602020104020203" pitchFamily="34" charset="0"/>
               </a:rPr>
-              <a:t>E4 </a:t>
+              <a:t>E93 </a:t>
             </a:r>
             <a:r>
               <a:rPr lang="fr-FR" sz="900" dirty="0" err="1">
@@ -14421,7 +14145,7 @@
                 </a:solidFill>
                 <a:latin typeface="Gill Sans Nova" panose="020B0602020104020203" pitchFamily="34" charset="0"/>
               </a:rPr>
-              <a:t>Period</a:t>
+              <a:t>Presence</a:t>
             </a:r>
             <a:endParaRPr lang="fr-FR" sz="900" dirty="0">
               <a:solidFill>
@@ -14439,17 +14163,171 @@
                 </a:solidFill>
                 <a:latin typeface="Gill Sans Nova" panose="020B0602020104020203" pitchFamily="34" charset="0"/>
               </a:rPr>
-              <a:t>« France »</a:t>
-            </a:r>
-          </a:p>
-        </p:txBody>
-      </p:sp>
-      <p:sp>
-        <p:nvSpPr>
-          <p:cNvPr id="18" name="Rectangle : coins arrondis 17">
-            <a:extLst>
-              <a:ext uri="{FF2B5EF4-FFF2-40B4-BE49-F238E27FC236}">
-                <a16:creationId xmlns:a16="http://schemas.microsoft.com/office/drawing/2014/main" id="{087D9C2C-3891-41C6-BBB9-D15E7A8B2B1A}"/>
+              <a:t>« Royaume de France »</a:t>
+            </a:r>
+          </a:p>
+        </p:txBody>
+      </p:sp>
+      <p:cxnSp>
+        <p:nvCxnSpPr>
+          <p:cNvPr id="54" name="Connecteur : en angle 53">
+            <a:extLst>
+              <a:ext uri="{FF2B5EF4-FFF2-40B4-BE49-F238E27FC236}">
+                <a16:creationId xmlns:a16="http://schemas.microsoft.com/office/drawing/2014/main" id="{114E59AC-0DC1-450C-B2E1-FD4649CEE25A}"/>
+              </a:ext>
+            </a:extLst>
+          </p:cNvPr>
+          <p:cNvCxnSpPr>
+            <a:cxnSpLocks/>
+            <a:stCxn id="1436" idx="0"/>
+            <a:endCxn id="10" idx="2"/>
+          </p:cNvCxnSpPr>
+          <p:nvPr/>
+        </p:nvCxnSpPr>
+        <p:spPr>
+          <a:xfrm rot="5400000" flipH="1" flipV="1">
+            <a:off x="7375118" y="21076725"/>
+            <a:ext cx="2182517" cy="2740396"/>
+          </a:xfrm>
+          <a:prstGeom prst="curvedConnector3">
+            <a:avLst>
+              <a:gd name="adj1" fmla="val 50000"/>
+            </a:avLst>
+          </a:prstGeom>
+          <a:ln>
+            <a:tailEnd type="triangle"/>
+          </a:ln>
+        </p:spPr>
+        <p:style>
+          <a:lnRef idx="1">
+            <a:schemeClr val="dk1"/>
+          </a:lnRef>
+          <a:fillRef idx="0">
+            <a:schemeClr val="dk1"/>
+          </a:fillRef>
+          <a:effectRef idx="0">
+            <a:schemeClr val="dk1"/>
+          </a:effectRef>
+          <a:fontRef idx="minor">
+            <a:schemeClr val="tx1"/>
+          </a:fontRef>
+        </p:style>
+      </p:cxnSp>
+      <p:cxnSp>
+        <p:nvCxnSpPr>
+          <p:cNvPr id="57" name="Connecteur : en angle 56">
+            <a:extLst>
+              <a:ext uri="{FF2B5EF4-FFF2-40B4-BE49-F238E27FC236}">
+                <a16:creationId xmlns:a16="http://schemas.microsoft.com/office/drawing/2014/main" id="{4F004246-B1C8-43E8-AB14-6C186AA10833}"/>
+              </a:ext>
+            </a:extLst>
+          </p:cNvPr>
+          <p:cNvCxnSpPr>
+            <a:cxnSpLocks/>
+            <a:stCxn id="43" idx="0"/>
+            <a:endCxn id="10" idx="2"/>
+          </p:cNvCxnSpPr>
+          <p:nvPr/>
+        </p:nvCxnSpPr>
+        <p:spPr>
+          <a:xfrm rot="16200000" flipV="1">
+            <a:off x="9309388" y="21882851"/>
+            <a:ext cx="2175617" cy="1121243"/>
+          </a:xfrm>
+          <a:prstGeom prst="curvedConnector3">
+            <a:avLst>
+              <a:gd name="adj1" fmla="val 50000"/>
+            </a:avLst>
+          </a:prstGeom>
+          <a:ln>
+            <a:tailEnd type="triangle"/>
+          </a:ln>
+        </p:spPr>
+        <p:style>
+          <a:lnRef idx="1">
+            <a:schemeClr val="dk1"/>
+          </a:lnRef>
+          <a:fillRef idx="0">
+            <a:schemeClr val="dk1"/>
+          </a:fillRef>
+          <a:effectRef idx="0">
+            <a:schemeClr val="dk1"/>
+          </a:effectRef>
+          <a:fontRef idx="minor">
+            <a:schemeClr val="tx1"/>
+          </a:fontRef>
+        </p:style>
+      </p:cxnSp>
+      <p:sp>
+        <p:nvSpPr>
+          <p:cNvPr id="231" name="ZoneTexte 230">
+            <a:extLst>
+              <a:ext uri="{FF2B5EF4-FFF2-40B4-BE49-F238E27FC236}">
+                <a16:creationId xmlns:a16="http://schemas.microsoft.com/office/drawing/2014/main" id="{C4558834-1780-4BF3-9DF5-806D33E05DC7}"/>
+              </a:ext>
+            </a:extLst>
+          </p:cNvPr>
+          <p:cNvSpPr txBox="1"/>
+          <p:nvPr/>
+        </p:nvSpPr>
+        <p:spPr>
+          <a:xfrm>
+            <a:off x="8979641" y="21758328"/>
+            <a:ext cx="1662746" cy="230832"/>
+          </a:xfrm>
+          <a:prstGeom prst="rect">
+            <a:avLst/>
+          </a:prstGeom>
+          <a:solidFill>
+            <a:schemeClr val="bg1"/>
+          </a:solidFill>
+        </p:spPr>
+        <p:txBody>
+          <a:bodyPr wrap="square" rtlCol="0" anchor="ctr">
+            <a:spAutoFit/>
+          </a:bodyPr>
+          <a:lstStyle/>
+          <a:p>
+            <a:pPr algn="ctr"/>
+            <a:r>
+              <a:rPr lang="fr-FR" sz="900" i="1" dirty="0">
+                <a:latin typeface="Gill Sans Nova" panose="020B0602020104020203" pitchFamily="34" charset="0"/>
+              </a:rPr>
+              <a:t>P166 </a:t>
+            </a:r>
+            <a:r>
+              <a:rPr lang="fr-FR" sz="900" i="1" dirty="0" err="1">
+                <a:latin typeface="Gill Sans Nova" panose="020B0602020104020203" pitchFamily="34" charset="0"/>
+              </a:rPr>
+              <a:t>was</a:t>
+            </a:r>
+            <a:r>
+              <a:rPr lang="fr-FR" sz="900" i="1" dirty="0">
+                <a:latin typeface="Gill Sans Nova" panose="020B0602020104020203" pitchFamily="34" charset="0"/>
+              </a:rPr>
+              <a:t> a </a:t>
+            </a:r>
+            <a:r>
+              <a:rPr lang="fr-FR" sz="900" i="1" dirty="0" err="1">
+                <a:latin typeface="Gill Sans Nova" panose="020B0602020104020203" pitchFamily="34" charset="0"/>
+              </a:rPr>
+              <a:t>presence</a:t>
+            </a:r>
+            <a:r>
+              <a:rPr lang="fr-FR" sz="900" i="1" dirty="0">
+                <a:latin typeface="Gill Sans Nova" panose="020B0602020104020203" pitchFamily="34" charset="0"/>
+              </a:rPr>
+              <a:t> of</a:t>
+            </a:r>
+          </a:p>
+        </p:txBody>
+      </p:sp>
+      <p:sp>
+        <p:nvSpPr>
+          <p:cNvPr id="232" name="Rectangle : coins arrondis 231">
+            <a:extLst>
+              <a:ext uri="{FF2B5EF4-FFF2-40B4-BE49-F238E27FC236}">
+                <a16:creationId xmlns:a16="http://schemas.microsoft.com/office/drawing/2014/main" id="{EFDE7289-EA18-43AF-89C5-E5FD2C7607E5}"/>
               </a:ext>
             </a:extLst>
           </p:cNvPr>
@@ -14458,14 +14336,14 @@
         </p:nvSpPr>
         <p:spPr>
           <a:xfrm>
-            <a:off x="4380099" y="20854071"/>
-            <a:ext cx="1062750" cy="508618"/>
+            <a:off x="4380099" y="23495349"/>
+            <a:ext cx="1062750" cy="636758"/>
           </a:xfrm>
           <a:prstGeom prst="roundRect">
             <a:avLst/>
           </a:prstGeom>
           <a:solidFill>
-            <a:srgbClr val="9E96DA"/>
+            <a:srgbClr val="8A6868"/>
           </a:solidFill>
           <a:ln w="28575">
             <a:noFill/>
@@ -14497,7 +14375,7 @@
                 </a:solidFill>
                 <a:latin typeface="Gill Sans Nova" panose="020B0602020104020203" pitchFamily="34" charset="0"/>
               </a:rPr>
-              <a:t>E4 </a:t>
+              <a:t>E93 </a:t>
             </a:r>
             <a:r>
               <a:rPr lang="fr-FR" sz="900" dirty="0" err="1">
@@ -14506,7 +14384,7 @@
                 </a:solidFill>
                 <a:latin typeface="Gill Sans Nova" panose="020B0602020104020203" pitchFamily="34" charset="0"/>
               </a:rPr>
-              <a:t>Period</a:t>
+              <a:t>Presence</a:t>
             </a:r>
             <a:endParaRPr lang="fr-FR" sz="900" dirty="0">
               <a:solidFill>
@@ -14524,80 +14402,48 @@
                 </a:solidFill>
                 <a:latin typeface="Gill Sans Nova" panose="020B0602020104020203" pitchFamily="34" charset="0"/>
               </a:rPr>
-              <a:t>« Ile-de-France »</a:t>
-            </a:r>
-          </a:p>
-        </p:txBody>
-      </p:sp>
-      <p:sp>
-        <p:nvSpPr>
-          <p:cNvPr id="25" name="ZoneTexte 24">
-            <a:extLst>
-              <a:ext uri="{FF2B5EF4-FFF2-40B4-BE49-F238E27FC236}">
-                <a16:creationId xmlns:a16="http://schemas.microsoft.com/office/drawing/2014/main" id="{06B2533C-0074-4CCE-B2A3-DCA5F032D8B5}"/>
-              </a:ext>
-            </a:extLst>
-          </p:cNvPr>
-          <p:cNvSpPr txBox="1"/>
-          <p:nvPr/>
-        </p:nvSpPr>
-        <p:spPr>
-          <a:xfrm>
-            <a:off x="6826054" y="20842418"/>
-            <a:ext cx="1516372" cy="230832"/>
-          </a:xfrm>
-          <a:prstGeom prst="rect">
-            <a:avLst/>
-          </a:prstGeom>
-          <a:noFill/>
-        </p:spPr>
-        <p:txBody>
-          <a:bodyPr wrap="square" rtlCol="0">
-            <a:spAutoFit/>
-          </a:bodyPr>
-          <a:lstStyle/>
-          <a:p>
-            <a:pPr algn="ctr"/>
+              <a:t>« Gouvernement d’</a:t>
+            </a:r>
+            <a:r>
+              <a:rPr lang="fr-FR" sz="900" i="1" dirty="0" err="1">
+                <a:solidFill>
+                  <a:schemeClr val="bg1"/>
+                </a:solidFill>
+                <a:latin typeface="Gill Sans Nova" panose="020B0602020104020203" pitchFamily="34" charset="0"/>
+              </a:rPr>
+              <a:t>Isle-de-France</a:t>
+            </a:r>
             <a:r>
               <a:rPr lang="fr-FR" sz="900" i="1" dirty="0">
-                <a:latin typeface="Gill Sans Nova" panose="020B0602020104020203" pitchFamily="34" charset="0"/>
-              </a:rPr>
-              <a:t>P9 </a:t>
-            </a:r>
-            <a:r>
-              <a:rPr lang="fr-FR" sz="900" i="1" dirty="0" err="1">
-                <a:latin typeface="Gill Sans Nova" panose="020B0602020104020203" pitchFamily="34" charset="0"/>
-              </a:rPr>
-              <a:t>consists</a:t>
-            </a:r>
-            <a:r>
-              <a:rPr lang="fr-FR" sz="900" i="1" dirty="0">
-                <a:latin typeface="Gill Sans Nova" panose="020B0602020104020203" pitchFamily="34" charset="0"/>
-              </a:rPr>
-              <a:t> of</a:t>
+                <a:solidFill>
+                  <a:schemeClr val="bg1"/>
+                </a:solidFill>
+                <a:latin typeface="Gill Sans Nova" panose="020B0602020104020203" pitchFamily="34" charset="0"/>
+              </a:rPr>
+              <a:t>»</a:t>
             </a:r>
           </a:p>
         </p:txBody>
       </p:sp>
       <p:cxnSp>
         <p:nvCxnSpPr>
-          <p:cNvPr id="42" name="Connecteur droit avec flèche 41">
-            <a:extLst>
-              <a:ext uri="{FF2B5EF4-FFF2-40B4-BE49-F238E27FC236}">
-                <a16:creationId xmlns:a16="http://schemas.microsoft.com/office/drawing/2014/main" id="{5B97E80C-DA2E-4003-B5DD-7622242F351F}"/>
+          <p:cNvPr id="236" name="Connecteur droit avec flèche 235">
+            <a:extLst>
+              <a:ext uri="{FF2B5EF4-FFF2-40B4-BE49-F238E27FC236}">
+                <a16:creationId xmlns:a16="http://schemas.microsoft.com/office/drawing/2014/main" id="{42D1A718-DF54-4B76-9528-36FE968B1297}"/>
               </a:ext>
             </a:extLst>
           </p:cNvPr>
           <p:cNvCxnSpPr>
-            <a:stCxn id="10" idx="1"/>
-            <a:endCxn id="18" idx="3"/>
+            <a:stCxn id="43" idx="2"/>
+            <a:endCxn id="1326" idx="0"/>
           </p:cNvCxnSpPr>
           <p:nvPr/>
         </p:nvCxnSpPr>
         <p:spPr>
-          <a:xfrm flipH="1">
-            <a:off x="5442849" y="21101355"/>
-            <a:ext cx="3862350" cy="7025"/>
+          <a:xfrm>
+            <a:off x="10957817" y="24168040"/>
+            <a:ext cx="20026" cy="2065161"/>
           </a:xfrm>
           <a:prstGeom prst="straightConnector1">
             <a:avLst/>
@@ -14621,12 +14467,312 @@
           </a:fontRef>
         </p:style>
       </p:cxnSp>
-      <p:sp>
-        <p:nvSpPr>
-          <p:cNvPr id="43" name="Rectangle : coins arrondis 42">
-            <a:extLst>
-              <a:ext uri="{FF2B5EF4-FFF2-40B4-BE49-F238E27FC236}">
-                <a16:creationId xmlns:a16="http://schemas.microsoft.com/office/drawing/2014/main" id="{340CF533-20C7-4B35-BFDB-32A23E9CA09F}"/>
+      <p:cxnSp>
+        <p:nvCxnSpPr>
+          <p:cNvPr id="239" name="Connecteur : en arc 238">
+            <a:extLst>
+              <a:ext uri="{FF2B5EF4-FFF2-40B4-BE49-F238E27FC236}">
+                <a16:creationId xmlns:a16="http://schemas.microsoft.com/office/drawing/2014/main" id="{B1F19F26-76D4-4339-8D16-1F8BC1737FD5}"/>
+              </a:ext>
+            </a:extLst>
+          </p:cNvPr>
+          <p:cNvCxnSpPr>
+            <a:cxnSpLocks/>
+            <a:stCxn id="232" idx="2"/>
+            <a:endCxn id="43" idx="2"/>
+          </p:cNvCxnSpPr>
+          <p:nvPr/>
+        </p:nvCxnSpPr>
+        <p:spPr>
+          <a:xfrm rot="16200000" flipH="1">
+            <a:off x="7916679" y="21126901"/>
+            <a:ext cx="35933" cy="6046343"/>
+          </a:xfrm>
+          <a:prstGeom prst="curvedConnector3">
+            <a:avLst>
+              <a:gd name="adj1" fmla="val 4376570"/>
+            </a:avLst>
+          </a:prstGeom>
+          <a:ln>
+            <a:tailEnd type="triangle"/>
+          </a:ln>
+        </p:spPr>
+        <p:style>
+          <a:lnRef idx="1">
+            <a:schemeClr val="dk1"/>
+          </a:lnRef>
+          <a:fillRef idx="0">
+            <a:schemeClr val="dk1"/>
+          </a:fillRef>
+          <a:effectRef idx="0">
+            <a:schemeClr val="dk1"/>
+          </a:effectRef>
+          <a:fontRef idx="minor">
+            <a:schemeClr val="tx1"/>
+          </a:fontRef>
+        </p:style>
+      </p:cxnSp>
+      <p:sp>
+        <p:nvSpPr>
+          <p:cNvPr id="242" name="ZoneTexte 241">
+            <a:extLst>
+              <a:ext uri="{FF2B5EF4-FFF2-40B4-BE49-F238E27FC236}">
+                <a16:creationId xmlns:a16="http://schemas.microsoft.com/office/drawing/2014/main" id="{60F94A66-4154-4979-B688-1FF997B4ECBA}"/>
+              </a:ext>
+            </a:extLst>
+          </p:cNvPr>
+          <p:cNvSpPr txBox="1"/>
+          <p:nvPr/>
+        </p:nvSpPr>
+        <p:spPr>
+          <a:xfrm>
+            <a:off x="7213854" y="25425997"/>
+            <a:ext cx="1324756" cy="230832"/>
+          </a:xfrm>
+          <a:prstGeom prst="rect">
+            <a:avLst/>
+          </a:prstGeom>
+          <a:noFill/>
+        </p:spPr>
+        <p:txBody>
+          <a:bodyPr wrap="square" rtlCol="0">
+            <a:spAutoFit/>
+          </a:bodyPr>
+          <a:lstStyle/>
+          <a:p>
+            <a:pPr algn="ctr"/>
+            <a:r>
+              <a:rPr lang="fr-FR" sz="900" i="1" dirty="0">
+                <a:latin typeface="Gill Sans Nova" panose="020B0602020104020203" pitchFamily="34" charset="0"/>
+              </a:rPr>
+              <a:t>P10 </a:t>
+            </a:r>
+            <a:r>
+              <a:rPr lang="fr-FR" sz="900" i="1" dirty="0" err="1">
+                <a:latin typeface="Gill Sans Nova" panose="020B0602020104020203" pitchFamily="34" charset="0"/>
+              </a:rPr>
+              <a:t>falls</a:t>
+            </a:r>
+            <a:r>
+              <a:rPr lang="fr-FR" sz="900" i="1" dirty="0">
+                <a:latin typeface="Gill Sans Nova" panose="020B0602020104020203" pitchFamily="34" charset="0"/>
+              </a:rPr>
+              <a:t> </a:t>
+            </a:r>
+            <a:r>
+              <a:rPr lang="fr-FR" sz="900" i="1" dirty="0" err="1">
+                <a:latin typeface="Gill Sans Nova" panose="020B0602020104020203" pitchFamily="34" charset="0"/>
+              </a:rPr>
+              <a:t>within</a:t>
+            </a:r>
+            <a:endParaRPr lang="fr-FR" sz="900" i="1" dirty="0">
+              <a:latin typeface="Gill Sans Nova" panose="020B0602020104020203" pitchFamily="34" charset="0"/>
+            </a:endParaRPr>
+          </a:p>
+        </p:txBody>
+      </p:sp>
+      <p:cxnSp>
+        <p:nvCxnSpPr>
+          <p:cNvPr id="245" name="Connecteur droit avec flèche 244">
+            <a:extLst>
+              <a:ext uri="{FF2B5EF4-FFF2-40B4-BE49-F238E27FC236}">
+                <a16:creationId xmlns:a16="http://schemas.microsoft.com/office/drawing/2014/main" id="{33AF4C4D-AB9F-4C9C-9A50-4CA102C13823}"/>
+              </a:ext>
+            </a:extLst>
+          </p:cNvPr>
+          <p:cNvCxnSpPr>
+            <a:cxnSpLocks/>
+            <a:stCxn id="18" idx="2"/>
+            <a:endCxn id="232" idx="0"/>
+          </p:cNvCxnSpPr>
+          <p:nvPr/>
+        </p:nvCxnSpPr>
+        <p:spPr>
+          <a:xfrm>
+            <a:off x="4911474" y="21362689"/>
+            <a:ext cx="0" cy="2132660"/>
+          </a:xfrm>
+          <a:prstGeom prst="straightConnector1">
+            <a:avLst/>
+          </a:prstGeom>
+          <a:ln>
+            <a:tailEnd type="triangle"/>
+          </a:ln>
+        </p:spPr>
+        <p:style>
+          <a:lnRef idx="1">
+            <a:schemeClr val="dk1"/>
+          </a:lnRef>
+          <a:fillRef idx="0">
+            <a:schemeClr val="dk1"/>
+          </a:fillRef>
+          <a:effectRef idx="0">
+            <a:schemeClr val="dk1"/>
+          </a:effectRef>
+          <a:fontRef idx="minor">
+            <a:schemeClr val="tx1"/>
+          </a:fontRef>
+        </p:style>
+      </p:cxnSp>
+      <p:sp>
+        <p:nvSpPr>
+          <p:cNvPr id="246" name="ZoneTexte 245">
+            <a:extLst>
+              <a:ext uri="{FF2B5EF4-FFF2-40B4-BE49-F238E27FC236}">
+                <a16:creationId xmlns:a16="http://schemas.microsoft.com/office/drawing/2014/main" id="{31BA01F3-3AE0-4E7D-A0FE-2A9C1694CA47}"/>
+              </a:ext>
+            </a:extLst>
+          </p:cNvPr>
+          <p:cNvSpPr txBox="1"/>
+          <p:nvPr/>
+        </p:nvSpPr>
+        <p:spPr>
+          <a:xfrm>
+            <a:off x="4081736" y="21863719"/>
+            <a:ext cx="960633" cy="369332"/>
+          </a:xfrm>
+          <a:prstGeom prst="rect">
+            <a:avLst/>
+          </a:prstGeom>
+          <a:noFill/>
+        </p:spPr>
+        <p:txBody>
+          <a:bodyPr wrap="square" rtlCol="0" anchor="ctr">
+            <a:spAutoFit/>
+          </a:bodyPr>
+          <a:lstStyle/>
+          <a:p>
+            <a:pPr algn="ctr"/>
+            <a:r>
+              <a:rPr lang="fr-FR" sz="900" i="1" dirty="0">
+                <a:latin typeface="Gill Sans Nova" panose="020B0602020104020203" pitchFamily="34" charset="0"/>
+              </a:rPr>
+              <a:t>P166 </a:t>
+            </a:r>
+            <a:r>
+              <a:rPr lang="fr-FR" sz="900" i="1" dirty="0" err="1">
+                <a:latin typeface="Gill Sans Nova" panose="020B0602020104020203" pitchFamily="34" charset="0"/>
+              </a:rPr>
+              <a:t>was</a:t>
+            </a:r>
+            <a:r>
+              <a:rPr lang="fr-FR" sz="900" i="1" dirty="0">
+                <a:latin typeface="Gill Sans Nova" panose="020B0602020104020203" pitchFamily="34" charset="0"/>
+              </a:rPr>
+              <a:t> a </a:t>
+            </a:r>
+            <a:r>
+              <a:rPr lang="fr-FR" sz="900" i="1" dirty="0" err="1">
+                <a:latin typeface="Gill Sans Nova" panose="020B0602020104020203" pitchFamily="34" charset="0"/>
+              </a:rPr>
+              <a:t>presence</a:t>
+            </a:r>
+            <a:r>
+              <a:rPr lang="fr-FR" sz="900" i="1" dirty="0">
+                <a:latin typeface="Gill Sans Nova" panose="020B0602020104020203" pitchFamily="34" charset="0"/>
+              </a:rPr>
+              <a:t> of</a:t>
+            </a:r>
+          </a:p>
+        </p:txBody>
+      </p:sp>
+      <p:cxnSp>
+        <p:nvCxnSpPr>
+          <p:cNvPr id="257" name="Connecteur : en arc 256">
+            <a:extLst>
+              <a:ext uri="{FF2B5EF4-FFF2-40B4-BE49-F238E27FC236}">
+                <a16:creationId xmlns:a16="http://schemas.microsoft.com/office/drawing/2014/main" id="{0281C721-B9A3-4EDD-9319-983B0288E8B3}"/>
+              </a:ext>
+            </a:extLst>
+          </p:cNvPr>
+          <p:cNvCxnSpPr>
+            <a:cxnSpLocks/>
+            <a:stCxn id="232" idx="2"/>
+            <a:endCxn id="1376" idx="1"/>
+          </p:cNvCxnSpPr>
+          <p:nvPr/>
+        </p:nvCxnSpPr>
+        <p:spPr>
+          <a:xfrm rot="5400000" flipH="1" flipV="1">
+            <a:off x="9452641" y="18572046"/>
+            <a:ext cx="1018893" cy="10101229"/>
+          </a:xfrm>
+          <a:prstGeom prst="curvedConnector4">
+            <a:avLst>
+              <a:gd name="adj1" fmla="val -406343"/>
+              <a:gd name="adj2" fmla="val 92486"/>
+            </a:avLst>
+          </a:prstGeom>
+          <a:ln w="12700">
+            <a:solidFill>
+              <a:srgbClr val="8A6868"/>
+            </a:solidFill>
+            <a:prstDash val="sysDot"/>
+            <a:tailEnd type="triangle"/>
+          </a:ln>
+        </p:spPr>
+        <p:style>
+          <a:lnRef idx="1">
+            <a:schemeClr val="dk1"/>
+          </a:lnRef>
+          <a:fillRef idx="0">
+            <a:schemeClr val="dk1"/>
+          </a:fillRef>
+          <a:effectRef idx="0">
+            <a:schemeClr val="dk1"/>
+          </a:effectRef>
+          <a:fontRef idx="minor">
+            <a:schemeClr val="tx1"/>
+          </a:fontRef>
+        </p:style>
+      </p:cxnSp>
+      <p:sp>
+        <p:nvSpPr>
+          <p:cNvPr id="267" name="ZoneTexte 266">
+            <a:extLst>
+              <a:ext uri="{FF2B5EF4-FFF2-40B4-BE49-F238E27FC236}">
+                <a16:creationId xmlns:a16="http://schemas.microsoft.com/office/drawing/2014/main" id="{436CFC8F-1523-44B8-AC11-0DEEC2629B38}"/>
+              </a:ext>
+            </a:extLst>
+          </p:cNvPr>
+          <p:cNvSpPr txBox="1"/>
+          <p:nvPr/>
+        </p:nvSpPr>
+        <p:spPr>
+          <a:xfrm>
+            <a:off x="9007761" y="27749779"/>
+            <a:ext cx="1242988" cy="415498"/>
+          </a:xfrm>
+          <a:prstGeom prst="rect">
+            <a:avLst/>
+          </a:prstGeom>
+          <a:noFill/>
+        </p:spPr>
+        <p:txBody>
+          <a:bodyPr wrap="square" rtlCol="0">
+            <a:spAutoFit/>
+          </a:bodyPr>
+          <a:lstStyle/>
+          <a:p>
+            <a:pPr algn="ctr"/>
+            <a:r>
+              <a:rPr lang="fr-FR" sz="1050" i="1" dirty="0">
+                <a:solidFill>
+                  <a:srgbClr val="8A6868"/>
+                </a:solidFill>
+                <a:latin typeface="Gill Sans Nova" panose="020B0602020104020203" pitchFamily="34" charset="0"/>
+              </a:rPr>
+              <a:t>P161 has spatial projection </a:t>
+            </a:r>
+          </a:p>
+        </p:txBody>
+      </p:sp>
+      <p:sp>
+        <p:nvSpPr>
+          <p:cNvPr id="270" name="Rectangle : coins arrondis 269">
+            <a:extLst>
+              <a:ext uri="{FF2B5EF4-FFF2-40B4-BE49-F238E27FC236}">
+                <a16:creationId xmlns:a16="http://schemas.microsoft.com/office/drawing/2014/main" id="{17D53C07-2C39-41A7-BF83-0326882B9302}"/>
               </a:ext>
             </a:extLst>
           </p:cNvPr>
@@ -14635,16 +14781,16 @@
         </p:nvSpPr>
         <p:spPr>
           <a:xfrm>
-            <a:off x="10426442" y="23531281"/>
-            <a:ext cx="1062750" cy="636759"/>
+            <a:off x="26598010" y="4204171"/>
+            <a:ext cx="1139308" cy="678712"/>
           </a:xfrm>
           <a:prstGeom prst="roundRect">
             <a:avLst/>
           </a:prstGeom>
           <a:solidFill>
-            <a:srgbClr val="8A6868"/>
+            <a:srgbClr val="F6CACA"/>
           </a:solidFill>
-          <a:ln w="28575">
+          <a:ln w="12700">
             <a:noFill/>
           </a:ln>
         </p:spPr>
@@ -14670,67 +14816,124 @@
             <a:r>
               <a:rPr lang="fr-FR" sz="900" dirty="0">
                 <a:solidFill>
-                  <a:schemeClr val="bg1"/>
-                </a:solidFill>
-                <a:latin typeface="Gill Sans Nova" panose="020B0602020104020203" pitchFamily="34" charset="0"/>
-              </a:rPr>
-              <a:t>E93 </a:t>
-            </a:r>
-            <a:r>
-              <a:rPr lang="fr-FR" sz="900" dirty="0" err="1">
-                <a:solidFill>
-                  <a:schemeClr val="bg1"/>
-                </a:solidFill>
-                <a:latin typeface="Gill Sans Nova" panose="020B0602020104020203" pitchFamily="34" charset="0"/>
-              </a:rPr>
-              <a:t>Presence</a:t>
-            </a:r>
-            <a:endParaRPr lang="fr-FR" sz="900" dirty="0">
-              <a:solidFill>
-                <a:schemeClr val="bg1"/>
-              </a:solidFill>
-              <a:latin typeface="Gill Sans Nova" panose="020B0602020104020203" pitchFamily="34" charset="0"/>
-            </a:endParaRPr>
-          </a:p>
+                  <a:schemeClr val="tx1"/>
+                </a:solidFill>
+                <a:latin typeface="Gill Sans Nova" panose="020B0602020104020203" pitchFamily="34" charset="0"/>
+              </a:rPr>
+              <a:t>E55 Type</a:t>
+            </a:r>
+          </a:p>
+          <a:p>
+            <a:pPr algn="ctr"/>
+            <a:r>
+              <a:rPr lang="fr-FR" sz="900" dirty="0">
+                <a:solidFill>
+                  <a:schemeClr val="tx1"/>
+                </a:solidFill>
+                <a:latin typeface="Gill Sans Nova" panose="020B0602020104020203" pitchFamily="34" charset="0"/>
+              </a:rPr>
+              <a:t>« Livraison du Mercure Galant »</a:t>
+            </a:r>
+          </a:p>
+        </p:txBody>
+      </p:sp>
+      <p:sp>
+        <p:nvSpPr>
+          <p:cNvPr id="273" name="ZoneTexte 272">
+            <a:extLst>
+              <a:ext uri="{FF2B5EF4-FFF2-40B4-BE49-F238E27FC236}">
+                <a16:creationId xmlns:a16="http://schemas.microsoft.com/office/drawing/2014/main" id="{FE6F1C7A-C0B2-4CA7-87BD-B8DCEE1355A9}"/>
+              </a:ext>
+            </a:extLst>
+          </p:cNvPr>
+          <p:cNvSpPr txBox="1"/>
+          <p:nvPr/>
+        </p:nvSpPr>
+        <p:spPr>
+          <a:xfrm>
+            <a:off x="27117105" y="5146625"/>
+            <a:ext cx="1398361" cy="230832"/>
+          </a:xfrm>
+          <a:prstGeom prst="rect">
+            <a:avLst/>
+          </a:prstGeom>
+          <a:noFill/>
+        </p:spPr>
+        <p:txBody>
+          <a:bodyPr wrap="square" rtlCol="0">
+            <a:spAutoFit/>
+          </a:bodyPr>
+          <a:lstStyle/>
           <a:p>
             <a:pPr algn="ctr"/>
             <a:r>
               <a:rPr lang="fr-FR" sz="900" i="1" dirty="0">
-                <a:solidFill>
-                  <a:schemeClr val="bg1"/>
-                </a:solidFill>
-                <a:latin typeface="Gill Sans Nova" panose="020B0602020104020203" pitchFamily="34" charset="0"/>
-              </a:rPr>
-              <a:t>« Royaume de France »</a:t>
+                <a:latin typeface="Gill Sans Nova" panose="020B0602020104020203" pitchFamily="34" charset="0"/>
+              </a:rPr>
+              <a:t>P2 has type</a:t>
+            </a:r>
+          </a:p>
+        </p:txBody>
+      </p:sp>
+      <p:sp>
+        <p:nvSpPr>
+          <p:cNvPr id="274" name="ZoneTexte 273">
+            <a:extLst>
+              <a:ext uri="{FF2B5EF4-FFF2-40B4-BE49-F238E27FC236}">
+                <a16:creationId xmlns:a16="http://schemas.microsoft.com/office/drawing/2014/main" id="{B4F3720B-3EA9-4120-B562-3D61BB9D5FB7}"/>
+              </a:ext>
+            </a:extLst>
+          </p:cNvPr>
+          <p:cNvSpPr txBox="1"/>
+          <p:nvPr/>
+        </p:nvSpPr>
+        <p:spPr>
+          <a:xfrm>
+            <a:off x="29346217" y="10429760"/>
+            <a:ext cx="1398361" cy="230832"/>
+          </a:xfrm>
+          <a:prstGeom prst="rect">
+            <a:avLst/>
+          </a:prstGeom>
+          <a:noFill/>
+        </p:spPr>
+        <p:txBody>
+          <a:bodyPr wrap="square" rtlCol="0">
+            <a:spAutoFit/>
+          </a:bodyPr>
+          <a:lstStyle/>
+          <a:p>
+            <a:pPr algn="ctr"/>
+            <a:r>
+              <a:rPr lang="fr-FR" sz="900" i="1" dirty="0">
+                <a:latin typeface="Gill Sans Nova" panose="020B0602020104020203" pitchFamily="34" charset="0"/>
+              </a:rPr>
+              <a:t>P2 has type</a:t>
             </a:r>
           </a:p>
         </p:txBody>
       </p:sp>
       <p:cxnSp>
         <p:nvCxnSpPr>
-          <p:cNvPr id="54" name="Connecteur : en angle 53">
-            <a:extLst>
-              <a:ext uri="{FF2B5EF4-FFF2-40B4-BE49-F238E27FC236}">
-                <a16:creationId xmlns:a16="http://schemas.microsoft.com/office/drawing/2014/main" id="{114E59AC-0DC1-450C-B2E1-FD4649CEE25A}"/>
+          <p:cNvPr id="286" name="Connecteur droit avec flèche 285">
+            <a:extLst>
+              <a:ext uri="{FF2B5EF4-FFF2-40B4-BE49-F238E27FC236}">
+                <a16:creationId xmlns:a16="http://schemas.microsoft.com/office/drawing/2014/main" id="{222C9276-C0F0-4C07-9607-710E574559BF}"/>
               </a:ext>
             </a:extLst>
           </p:cNvPr>
           <p:cNvCxnSpPr>
             <a:cxnSpLocks/>
-            <a:stCxn id="1436" idx="0"/>
-            <a:endCxn id="10" idx="2"/>
           </p:cNvCxnSpPr>
           <p:nvPr/>
         </p:nvCxnSpPr>
         <p:spPr>
-          <a:xfrm rot="5400000" flipH="1" flipV="1">
-            <a:off x="7375118" y="21076725"/>
-            <a:ext cx="2182517" cy="2740396"/>
-          </a:xfrm>
-          <a:prstGeom prst="curvedConnector3">
-            <a:avLst>
-              <a:gd name="adj1" fmla="val 50000"/>
-            </a:avLst>
+          <a:xfrm>
+            <a:off x="29842823" y="10053212"/>
+            <a:ext cx="898482" cy="704938"/>
+          </a:xfrm>
+          <a:prstGeom prst="straightConnector1">
+            <a:avLst/>
           </a:prstGeom>
           <a:ln>
             <a:tailEnd type="triangle"/>
@@ -14751,139 +14954,30 @@
           </a:fontRef>
         </p:style>
       </p:cxnSp>
-      <p:cxnSp>
-        <p:nvCxnSpPr>
-          <p:cNvPr id="57" name="Connecteur : en angle 56">
-            <a:extLst>
-              <a:ext uri="{FF2B5EF4-FFF2-40B4-BE49-F238E27FC236}">
-                <a16:creationId xmlns:a16="http://schemas.microsoft.com/office/drawing/2014/main" id="{4F004246-B1C8-43E8-AB14-6C186AA10833}"/>
-              </a:ext>
-            </a:extLst>
-          </p:cNvPr>
-          <p:cNvCxnSpPr>
-            <a:cxnSpLocks/>
-            <a:stCxn id="43" idx="0"/>
-            <a:endCxn id="10" idx="2"/>
-          </p:cNvCxnSpPr>
-          <p:nvPr/>
-        </p:nvCxnSpPr>
-        <p:spPr>
-          <a:xfrm rot="16200000" flipV="1">
-            <a:off x="9309388" y="21882851"/>
-            <a:ext cx="2175617" cy="1121243"/>
-          </a:xfrm>
-          <a:prstGeom prst="curvedConnector3">
-            <a:avLst>
-              <a:gd name="adj1" fmla="val 50000"/>
-            </a:avLst>
-          </a:prstGeom>
-          <a:ln>
-            <a:tailEnd type="triangle"/>
-          </a:ln>
-        </p:spPr>
-        <p:style>
-          <a:lnRef idx="1">
-            <a:schemeClr val="dk1"/>
-          </a:lnRef>
-          <a:fillRef idx="0">
-            <a:schemeClr val="dk1"/>
-          </a:fillRef>
-          <a:effectRef idx="0">
-            <a:schemeClr val="dk1"/>
-          </a:effectRef>
-          <a:fontRef idx="minor">
-            <a:schemeClr val="tx1"/>
-          </a:fontRef>
-        </p:style>
-      </p:cxnSp>
-      <p:sp>
-        <p:nvSpPr>
-          <p:cNvPr id="231" name="ZoneTexte 230">
-            <a:extLst>
-              <a:ext uri="{FF2B5EF4-FFF2-40B4-BE49-F238E27FC236}">
-                <a16:creationId xmlns:a16="http://schemas.microsoft.com/office/drawing/2014/main" id="{C4558834-1780-4BF3-9DF5-806D33E05DC7}"/>
-              </a:ext>
-            </a:extLst>
-          </p:cNvPr>
-          <p:cNvSpPr txBox="1"/>
-          <p:nvPr/>
-        </p:nvSpPr>
-        <p:spPr>
-          <a:xfrm>
-            <a:off x="8979641" y="21758328"/>
-            <a:ext cx="1662746" cy="230832"/>
-          </a:xfrm>
-          <a:prstGeom prst="rect">
+      <p:sp>
+        <p:nvSpPr>
+          <p:cNvPr id="292" name="Rectangle : coins arrondis 291">
+            <a:extLst>
+              <a:ext uri="{FF2B5EF4-FFF2-40B4-BE49-F238E27FC236}">
+                <a16:creationId xmlns:a16="http://schemas.microsoft.com/office/drawing/2014/main" id="{E8C496EE-D5E9-435A-9B61-1CA3D291F299}"/>
+              </a:ext>
+            </a:extLst>
+          </p:cNvPr>
+          <p:cNvSpPr/>
+          <p:nvPr/>
+        </p:nvSpPr>
+        <p:spPr>
+          <a:xfrm>
+            <a:off x="30713451" y="10723752"/>
+            <a:ext cx="1139308" cy="678712"/>
+          </a:xfrm>
+          <a:prstGeom prst="roundRect">
             <a:avLst/>
           </a:prstGeom>
           <a:solidFill>
-            <a:schemeClr val="bg1"/>
+            <a:srgbClr val="F6CACA"/>
           </a:solidFill>
-        </p:spPr>
-        <p:txBody>
-          <a:bodyPr wrap="square" rtlCol="0" anchor="ctr">
-            <a:spAutoFit/>
-          </a:bodyPr>
-          <a:lstStyle/>
-          <a:p>
-            <a:pPr algn="ctr"/>
-            <a:r>
-              <a:rPr lang="fr-FR" sz="900" i="1" dirty="0">
-                <a:latin typeface="Gill Sans Nova" panose="020B0602020104020203" pitchFamily="34" charset="0"/>
-              </a:rPr>
-              <a:t>P166 </a:t>
-            </a:r>
-            <a:r>
-              <a:rPr lang="fr-FR" sz="900" i="1" dirty="0" err="1">
-                <a:latin typeface="Gill Sans Nova" panose="020B0602020104020203" pitchFamily="34" charset="0"/>
-              </a:rPr>
-              <a:t>was</a:t>
-            </a:r>
-            <a:r>
-              <a:rPr lang="fr-FR" sz="900" i="1" dirty="0">
-                <a:latin typeface="Gill Sans Nova" panose="020B0602020104020203" pitchFamily="34" charset="0"/>
-              </a:rPr>
-              <a:t> a </a:t>
-            </a:r>
-            <a:r>
-              <a:rPr lang="fr-FR" sz="900" i="1" dirty="0" err="1">
-                <a:latin typeface="Gill Sans Nova" panose="020B0602020104020203" pitchFamily="34" charset="0"/>
-              </a:rPr>
-              <a:t>presence</a:t>
-            </a:r>
-            <a:r>
-              <a:rPr lang="fr-FR" sz="900" i="1" dirty="0">
-                <a:latin typeface="Gill Sans Nova" panose="020B0602020104020203" pitchFamily="34" charset="0"/>
-              </a:rPr>
-              <a:t> of</a:t>
-            </a:r>
-          </a:p>
-        </p:txBody>
-      </p:sp>
-      <p:sp>
-        <p:nvSpPr>
-          <p:cNvPr id="232" name="Rectangle : coins arrondis 231">
-            <a:extLst>
-              <a:ext uri="{FF2B5EF4-FFF2-40B4-BE49-F238E27FC236}">
-                <a16:creationId xmlns:a16="http://schemas.microsoft.com/office/drawing/2014/main" id="{EFDE7289-EA18-43AF-89C5-E5FD2C7607E5}"/>
-              </a:ext>
-            </a:extLst>
-          </p:cNvPr>
-          <p:cNvSpPr/>
-          <p:nvPr/>
-        </p:nvSpPr>
-        <p:spPr>
-          <a:xfrm>
-            <a:off x="4380099" y="23495349"/>
-            <a:ext cx="1062750" cy="636758"/>
-          </a:xfrm>
-          <a:prstGeom prst="roundRect">
-            <a:avLst/>
-          </a:prstGeom>
-          <a:solidFill>
-            <a:srgbClr val="8A6868"/>
-          </a:solidFill>
-          <a:ln w="28575">
+          <a:ln w="12700">
             <a:noFill/>
           </a:ln>
         </p:spPr>
@@ -14909,408 +15003,48 @@
             <a:r>
               <a:rPr lang="fr-FR" sz="900" dirty="0">
                 <a:solidFill>
-                  <a:schemeClr val="bg1"/>
-                </a:solidFill>
-                <a:latin typeface="Gill Sans Nova" panose="020B0602020104020203" pitchFamily="34" charset="0"/>
-              </a:rPr>
-              <a:t>E93 </a:t>
-            </a:r>
-            <a:r>
-              <a:rPr lang="fr-FR" sz="900" dirty="0" err="1">
-                <a:solidFill>
-                  <a:schemeClr val="bg1"/>
-                </a:solidFill>
-                <a:latin typeface="Gill Sans Nova" panose="020B0602020104020203" pitchFamily="34" charset="0"/>
-              </a:rPr>
-              <a:t>Presence</a:t>
+                  <a:schemeClr val="tx1"/>
+                </a:solidFill>
+                <a:latin typeface="Gill Sans Nova" panose="020B0602020104020203" pitchFamily="34" charset="0"/>
+              </a:rPr>
+              <a:t>E55 Type</a:t>
+            </a:r>
+          </a:p>
+          <a:p>
+            <a:pPr algn="ctr"/>
+            <a:r>
+              <a:rPr lang="fr-FR" sz="900" dirty="0">
+                <a:solidFill>
+                  <a:schemeClr val="tx1"/>
+                </a:solidFill>
+                <a:latin typeface="Gill Sans Nova" panose="020B0602020104020203" pitchFamily="34" charset="0"/>
+              </a:rPr>
+              <a:t>« Article du </a:t>
+            </a:r>
+            <a:r>
+              <a:rPr lang="fr-FR" sz="900">
+                <a:solidFill>
+                  <a:schemeClr val="tx1"/>
+                </a:solidFill>
+                <a:latin typeface="Gill Sans Nova" panose="020B0602020104020203" pitchFamily="34" charset="0"/>
+              </a:rPr>
+              <a:t>Mercure Galant »</a:t>
             </a:r>
             <a:endParaRPr lang="fr-FR" sz="900" dirty="0">
               <a:solidFill>
-                <a:schemeClr val="bg1"/>
+                <a:schemeClr val="tx1"/>
               </a:solidFill>
               <a:latin typeface="Gill Sans Nova" panose="020B0602020104020203" pitchFamily="34" charset="0"/>
             </a:endParaRPr>
           </a:p>
-          <a:p>
-            <a:pPr algn="ctr"/>
-            <a:r>
-              <a:rPr lang="fr-FR" sz="900" i="1" dirty="0">
-                <a:solidFill>
-                  <a:schemeClr val="bg1"/>
-                </a:solidFill>
-                <a:latin typeface="Gill Sans Nova" panose="020B0602020104020203" pitchFamily="34" charset="0"/>
-              </a:rPr>
-              <a:t>« Gouvernement d’</a:t>
-            </a:r>
-            <a:r>
-              <a:rPr lang="fr-FR" sz="900" i="1" dirty="0" err="1">
-                <a:solidFill>
-                  <a:schemeClr val="bg1"/>
-                </a:solidFill>
-                <a:latin typeface="Gill Sans Nova" panose="020B0602020104020203" pitchFamily="34" charset="0"/>
-              </a:rPr>
-              <a:t>Isle-de-France</a:t>
-            </a:r>
-            <a:r>
-              <a:rPr lang="fr-FR" sz="900" i="1" dirty="0">
-                <a:solidFill>
-                  <a:schemeClr val="bg1"/>
-                </a:solidFill>
-                <a:latin typeface="Gill Sans Nova" panose="020B0602020104020203" pitchFamily="34" charset="0"/>
-              </a:rPr>
-              <a:t>»</a:t>
-            </a:r>
-          </a:p>
-        </p:txBody>
-      </p:sp>
-      <p:cxnSp>
-        <p:nvCxnSpPr>
-          <p:cNvPr id="236" name="Connecteur droit avec flèche 235">
-            <a:extLst>
-              <a:ext uri="{FF2B5EF4-FFF2-40B4-BE49-F238E27FC236}">
-                <a16:creationId xmlns:a16="http://schemas.microsoft.com/office/drawing/2014/main" id="{42D1A718-DF54-4B76-9528-36FE968B1297}"/>
-              </a:ext>
-            </a:extLst>
-          </p:cNvPr>
-          <p:cNvCxnSpPr>
-            <a:stCxn id="43" idx="2"/>
-            <a:endCxn id="1326" idx="0"/>
-          </p:cNvCxnSpPr>
-          <p:nvPr/>
-        </p:nvCxnSpPr>
-        <p:spPr>
-          <a:xfrm>
-            <a:off x="10957817" y="24168040"/>
-            <a:ext cx="20026" cy="2065161"/>
-          </a:xfrm>
-          <a:prstGeom prst="straightConnector1">
-            <a:avLst/>
-          </a:prstGeom>
-          <a:ln>
-            <a:tailEnd type="triangle"/>
-          </a:ln>
-        </p:spPr>
-        <p:style>
-          <a:lnRef idx="1">
-            <a:schemeClr val="dk1"/>
-          </a:lnRef>
-          <a:fillRef idx="0">
-            <a:schemeClr val="dk1"/>
-          </a:fillRef>
-          <a:effectRef idx="0">
-            <a:schemeClr val="dk1"/>
-          </a:effectRef>
-          <a:fontRef idx="minor">
-            <a:schemeClr val="tx1"/>
-          </a:fontRef>
-        </p:style>
-      </p:cxnSp>
-      <p:cxnSp>
-        <p:nvCxnSpPr>
-          <p:cNvPr id="239" name="Connecteur : en arc 238">
-            <a:extLst>
-              <a:ext uri="{FF2B5EF4-FFF2-40B4-BE49-F238E27FC236}">
-                <a16:creationId xmlns:a16="http://schemas.microsoft.com/office/drawing/2014/main" id="{B1F19F26-76D4-4339-8D16-1F8BC1737FD5}"/>
-              </a:ext>
-            </a:extLst>
-          </p:cNvPr>
-          <p:cNvCxnSpPr>
-            <a:cxnSpLocks/>
-            <a:stCxn id="232" idx="2"/>
-            <a:endCxn id="43" idx="2"/>
-          </p:cNvCxnSpPr>
-          <p:nvPr/>
-        </p:nvCxnSpPr>
-        <p:spPr>
-          <a:xfrm rot="16200000" flipH="1">
-            <a:off x="7916679" y="21126901"/>
-            <a:ext cx="35933" cy="6046343"/>
-          </a:xfrm>
-          <a:prstGeom prst="curvedConnector3">
-            <a:avLst>
-              <a:gd name="adj1" fmla="val 4376570"/>
-            </a:avLst>
-          </a:prstGeom>
-          <a:ln>
-            <a:tailEnd type="triangle"/>
-          </a:ln>
-        </p:spPr>
-        <p:style>
-          <a:lnRef idx="1">
-            <a:schemeClr val="dk1"/>
-          </a:lnRef>
-          <a:fillRef idx="0">
-            <a:schemeClr val="dk1"/>
-          </a:fillRef>
-          <a:effectRef idx="0">
-            <a:schemeClr val="dk1"/>
-          </a:effectRef>
-          <a:fontRef idx="minor">
-            <a:schemeClr val="tx1"/>
-          </a:fontRef>
-        </p:style>
-      </p:cxnSp>
-      <p:sp>
-        <p:nvSpPr>
-          <p:cNvPr id="242" name="ZoneTexte 241">
-            <a:extLst>
-              <a:ext uri="{FF2B5EF4-FFF2-40B4-BE49-F238E27FC236}">
-                <a16:creationId xmlns:a16="http://schemas.microsoft.com/office/drawing/2014/main" id="{60F94A66-4154-4979-B688-1FF997B4ECBA}"/>
-              </a:ext>
-            </a:extLst>
-          </p:cNvPr>
-          <p:cNvSpPr txBox="1"/>
-          <p:nvPr/>
-        </p:nvSpPr>
-        <p:spPr>
-          <a:xfrm>
-            <a:off x="7213854" y="25425997"/>
-            <a:ext cx="1324756" cy="230832"/>
-          </a:xfrm>
-          <a:prstGeom prst="rect">
-            <a:avLst/>
-          </a:prstGeom>
-          <a:noFill/>
-        </p:spPr>
-        <p:txBody>
-          <a:bodyPr wrap="square" rtlCol="0">
-            <a:spAutoFit/>
-          </a:bodyPr>
-          <a:lstStyle/>
-          <a:p>
-            <a:pPr algn="ctr"/>
-            <a:r>
-              <a:rPr lang="fr-FR" sz="900" i="1" dirty="0">
-                <a:latin typeface="Gill Sans Nova" panose="020B0602020104020203" pitchFamily="34" charset="0"/>
-              </a:rPr>
-              <a:t>P10 </a:t>
-            </a:r>
-            <a:r>
-              <a:rPr lang="fr-FR" sz="900" i="1" dirty="0" err="1">
-                <a:latin typeface="Gill Sans Nova" panose="020B0602020104020203" pitchFamily="34" charset="0"/>
-              </a:rPr>
-              <a:t>falls</a:t>
-            </a:r>
-            <a:r>
-              <a:rPr lang="fr-FR" sz="900" i="1" dirty="0">
-                <a:latin typeface="Gill Sans Nova" panose="020B0602020104020203" pitchFamily="34" charset="0"/>
-              </a:rPr>
-              <a:t> </a:t>
-            </a:r>
-            <a:r>
-              <a:rPr lang="fr-FR" sz="900" i="1" dirty="0" err="1">
-                <a:latin typeface="Gill Sans Nova" panose="020B0602020104020203" pitchFamily="34" charset="0"/>
-              </a:rPr>
-              <a:t>within</a:t>
-            </a:r>
-            <a:endParaRPr lang="fr-FR" sz="900" i="1" dirty="0">
-              <a:latin typeface="Gill Sans Nova" panose="020B0602020104020203" pitchFamily="34" charset="0"/>
-            </a:endParaRPr>
-          </a:p>
-        </p:txBody>
-      </p:sp>
-      <p:cxnSp>
-        <p:nvCxnSpPr>
-          <p:cNvPr id="245" name="Connecteur droit avec flèche 244">
-            <a:extLst>
-              <a:ext uri="{FF2B5EF4-FFF2-40B4-BE49-F238E27FC236}">
-                <a16:creationId xmlns:a16="http://schemas.microsoft.com/office/drawing/2014/main" id="{33AF4C4D-AB9F-4C9C-9A50-4CA102C13823}"/>
-              </a:ext>
-            </a:extLst>
-          </p:cNvPr>
-          <p:cNvCxnSpPr>
-            <a:cxnSpLocks/>
-            <a:stCxn id="18" idx="2"/>
-            <a:endCxn id="232" idx="0"/>
-          </p:cNvCxnSpPr>
-          <p:nvPr/>
-        </p:nvCxnSpPr>
-        <p:spPr>
-          <a:xfrm>
-            <a:off x="4911474" y="21362689"/>
-            <a:ext cx="0" cy="2132660"/>
-          </a:xfrm>
-          <a:prstGeom prst="straightConnector1">
-            <a:avLst/>
-          </a:prstGeom>
-          <a:ln>
-            <a:tailEnd type="triangle"/>
-          </a:ln>
-        </p:spPr>
-        <p:style>
-          <a:lnRef idx="1">
-            <a:schemeClr val="dk1"/>
-          </a:lnRef>
-          <a:fillRef idx="0">
-            <a:schemeClr val="dk1"/>
-          </a:fillRef>
-          <a:effectRef idx="0">
-            <a:schemeClr val="dk1"/>
-          </a:effectRef>
-          <a:fontRef idx="minor">
-            <a:schemeClr val="tx1"/>
-          </a:fontRef>
-        </p:style>
-      </p:cxnSp>
-      <p:sp>
-        <p:nvSpPr>
-          <p:cNvPr id="246" name="ZoneTexte 245">
-            <a:extLst>
-              <a:ext uri="{FF2B5EF4-FFF2-40B4-BE49-F238E27FC236}">
-                <a16:creationId xmlns:a16="http://schemas.microsoft.com/office/drawing/2014/main" id="{31BA01F3-3AE0-4E7D-A0FE-2A9C1694CA47}"/>
-              </a:ext>
-            </a:extLst>
-          </p:cNvPr>
-          <p:cNvSpPr txBox="1"/>
-          <p:nvPr/>
-        </p:nvSpPr>
-        <p:spPr>
-          <a:xfrm>
-            <a:off x="4081736" y="21863719"/>
-            <a:ext cx="960633" cy="369332"/>
-          </a:xfrm>
-          <a:prstGeom prst="rect">
-            <a:avLst/>
-          </a:prstGeom>
-          <a:noFill/>
-        </p:spPr>
-        <p:txBody>
-          <a:bodyPr wrap="square" rtlCol="0" anchor="ctr">
-            <a:spAutoFit/>
-          </a:bodyPr>
-          <a:lstStyle/>
-          <a:p>
-            <a:pPr algn="ctr"/>
-            <a:r>
-              <a:rPr lang="fr-FR" sz="900" i="1" dirty="0">
-                <a:latin typeface="Gill Sans Nova" panose="020B0602020104020203" pitchFamily="34" charset="0"/>
-              </a:rPr>
-              <a:t>P166 </a:t>
-            </a:r>
-            <a:r>
-              <a:rPr lang="fr-FR" sz="900" i="1" dirty="0" err="1">
-                <a:latin typeface="Gill Sans Nova" panose="020B0602020104020203" pitchFamily="34" charset="0"/>
-              </a:rPr>
-              <a:t>was</a:t>
-            </a:r>
-            <a:r>
-              <a:rPr lang="fr-FR" sz="900" i="1" dirty="0">
-                <a:latin typeface="Gill Sans Nova" panose="020B0602020104020203" pitchFamily="34" charset="0"/>
-              </a:rPr>
-              <a:t> a </a:t>
-            </a:r>
-            <a:r>
-              <a:rPr lang="fr-FR" sz="900" i="1" dirty="0" err="1">
-                <a:latin typeface="Gill Sans Nova" panose="020B0602020104020203" pitchFamily="34" charset="0"/>
-              </a:rPr>
-              <a:t>presence</a:t>
-            </a:r>
-            <a:r>
-              <a:rPr lang="fr-FR" sz="900" i="1" dirty="0">
-                <a:latin typeface="Gill Sans Nova" panose="020B0602020104020203" pitchFamily="34" charset="0"/>
-              </a:rPr>
-              <a:t> of</a:t>
-            </a:r>
-          </a:p>
-        </p:txBody>
-      </p:sp>
-      <p:cxnSp>
-        <p:nvCxnSpPr>
-          <p:cNvPr id="257" name="Connecteur : en arc 256">
-            <a:extLst>
-              <a:ext uri="{FF2B5EF4-FFF2-40B4-BE49-F238E27FC236}">
-                <a16:creationId xmlns:a16="http://schemas.microsoft.com/office/drawing/2014/main" id="{0281C721-B9A3-4EDD-9319-983B0288E8B3}"/>
-              </a:ext>
-            </a:extLst>
-          </p:cNvPr>
-          <p:cNvCxnSpPr>
-            <a:cxnSpLocks/>
-            <a:stCxn id="232" idx="2"/>
-            <a:endCxn id="1376" idx="1"/>
-          </p:cNvCxnSpPr>
-          <p:nvPr/>
-        </p:nvCxnSpPr>
-        <p:spPr>
-          <a:xfrm rot="5400000" flipH="1" flipV="1">
-            <a:off x="9452641" y="18572046"/>
-            <a:ext cx="1018893" cy="10101229"/>
-          </a:xfrm>
-          <a:prstGeom prst="curvedConnector4">
-            <a:avLst>
-              <a:gd name="adj1" fmla="val -406343"/>
-              <a:gd name="adj2" fmla="val 92486"/>
-            </a:avLst>
-          </a:prstGeom>
-          <a:ln w="12700">
-            <a:solidFill>
-              <a:srgbClr val="8A6868"/>
-            </a:solidFill>
-            <a:prstDash val="sysDot"/>
-            <a:tailEnd type="triangle"/>
-          </a:ln>
-        </p:spPr>
-        <p:style>
-          <a:lnRef idx="1">
-            <a:schemeClr val="dk1"/>
-          </a:lnRef>
-          <a:fillRef idx="0">
-            <a:schemeClr val="dk1"/>
-          </a:fillRef>
-          <a:effectRef idx="0">
-            <a:schemeClr val="dk1"/>
-          </a:effectRef>
-          <a:fontRef idx="minor">
-            <a:schemeClr val="tx1"/>
-          </a:fontRef>
-        </p:style>
-      </p:cxnSp>
-      <p:sp>
-        <p:nvSpPr>
-          <p:cNvPr id="267" name="ZoneTexte 266">
-            <a:extLst>
-              <a:ext uri="{FF2B5EF4-FFF2-40B4-BE49-F238E27FC236}">
-                <a16:creationId xmlns:a16="http://schemas.microsoft.com/office/drawing/2014/main" id="{436CFC8F-1523-44B8-AC11-0DEEC2629B38}"/>
-              </a:ext>
-            </a:extLst>
-          </p:cNvPr>
-          <p:cNvSpPr txBox="1"/>
-          <p:nvPr/>
-        </p:nvSpPr>
-        <p:spPr>
-          <a:xfrm>
-            <a:off x="9007761" y="27749779"/>
-            <a:ext cx="1242988" cy="415498"/>
-          </a:xfrm>
-          <a:prstGeom prst="rect">
-            <a:avLst/>
-          </a:prstGeom>
-          <a:noFill/>
-        </p:spPr>
-        <p:txBody>
-          <a:bodyPr wrap="square" rtlCol="0">
-            <a:spAutoFit/>
-          </a:bodyPr>
-          <a:lstStyle/>
-          <a:p>
-            <a:pPr algn="ctr"/>
-            <a:r>
-              <a:rPr lang="fr-FR" sz="1050" i="1" dirty="0">
-                <a:solidFill>
-                  <a:srgbClr val="8A6868"/>
-                </a:solidFill>
-                <a:latin typeface="Gill Sans Nova" panose="020B0602020104020203" pitchFamily="34" charset="0"/>
-              </a:rPr>
-              <a:t>P161 has spatial projection </a:t>
-            </a:r>
-          </a:p>
-        </p:txBody>
-      </p:sp>
-      <p:sp>
-        <p:nvSpPr>
-          <p:cNvPr id="270" name="Rectangle : coins arrondis 269">
-            <a:extLst>
-              <a:ext uri="{FF2B5EF4-FFF2-40B4-BE49-F238E27FC236}">
-                <a16:creationId xmlns:a16="http://schemas.microsoft.com/office/drawing/2014/main" id="{17D53C07-2C39-41A7-BF83-0326882B9302}"/>
+        </p:txBody>
+      </p:sp>
+      <p:sp>
+        <p:nvSpPr>
+          <p:cNvPr id="300" name="Rectangle : coins arrondis 299">
+            <a:extLst>
+              <a:ext uri="{FF2B5EF4-FFF2-40B4-BE49-F238E27FC236}">
+                <a16:creationId xmlns:a16="http://schemas.microsoft.com/office/drawing/2014/main" id="{F0973BD2-5791-4B69-92DD-DDC5E4C02D77}"/>
               </a:ext>
             </a:extLst>
           </p:cNvPr>
@@ -15319,14 +15053,17 @@
         </p:nvSpPr>
         <p:spPr>
           <a:xfrm>
-            <a:off x="26598010" y="4204171"/>
-            <a:ext cx="1139308" cy="678712"/>
+            <a:off x="27211294" y="6962702"/>
+            <a:ext cx="1052047" cy="665980"/>
           </a:xfrm>
           <a:prstGeom prst="roundRect">
             <a:avLst/>
           </a:prstGeom>
           <a:solidFill>
-            <a:srgbClr val="F6CACA"/>
+            <a:schemeClr val="accent1">
+              <a:lumMod val="60000"/>
+              <a:lumOff val="40000"/>
+            </a:schemeClr>
           </a:solidFill>
           <a:ln w="12700">
             <a:noFill/>
@@ -15354,150 +15091,39 @@
             <a:r>
               <a:rPr lang="fr-FR" sz="900" dirty="0">
                 <a:solidFill>
-                  <a:schemeClr val="tx1"/>
-                </a:solidFill>
-                <a:latin typeface="Gill Sans Nova" panose="020B0602020104020203" pitchFamily="34" charset="0"/>
-              </a:rPr>
-              <a:t>E55 Type</a:t>
-            </a:r>
-          </a:p>
-          <a:p>
-            <a:pPr algn="ctr"/>
+                  <a:schemeClr val="bg1"/>
+                </a:solidFill>
+                <a:latin typeface="Gill Sans Nova" panose="020B0602020104020203" pitchFamily="34" charset="0"/>
+              </a:rPr>
+              <a:t>E63 </a:t>
+            </a:r>
+            <a:r>
+              <a:rPr lang="fr-FR" sz="900" dirty="0" err="1">
+                <a:solidFill>
+                  <a:schemeClr val="bg1"/>
+                </a:solidFill>
+                <a:latin typeface="Gill Sans Nova" panose="020B0602020104020203" pitchFamily="34" charset="0"/>
+              </a:rPr>
+              <a:t>Beginning</a:t>
+            </a:r>
             <a:r>
               <a:rPr lang="fr-FR" sz="900" dirty="0">
                 <a:solidFill>
-                  <a:schemeClr val="tx1"/>
-                </a:solidFill>
-                <a:latin typeface="Gill Sans Nova" panose="020B0602020104020203" pitchFamily="34" charset="0"/>
-              </a:rPr>
-              <a:t>« Livraison du Mercure Galant »</a:t>
-            </a:r>
-          </a:p>
-        </p:txBody>
-      </p:sp>
-      <p:sp>
-        <p:nvSpPr>
-          <p:cNvPr id="273" name="ZoneTexte 272">
-            <a:extLst>
-              <a:ext uri="{FF2B5EF4-FFF2-40B4-BE49-F238E27FC236}">
-                <a16:creationId xmlns:a16="http://schemas.microsoft.com/office/drawing/2014/main" id="{FE6F1C7A-C0B2-4CA7-87BD-B8DCEE1355A9}"/>
-              </a:ext>
-            </a:extLst>
-          </p:cNvPr>
-          <p:cNvSpPr txBox="1"/>
-          <p:nvPr/>
-        </p:nvSpPr>
-        <p:spPr>
-          <a:xfrm>
-            <a:off x="27117105" y="5146625"/>
-            <a:ext cx="1398361" cy="230832"/>
-          </a:xfrm>
-          <a:prstGeom prst="rect">
-            <a:avLst/>
-          </a:prstGeom>
-          <a:noFill/>
-        </p:spPr>
-        <p:txBody>
-          <a:bodyPr wrap="square" rtlCol="0">
-            <a:spAutoFit/>
-          </a:bodyPr>
-          <a:lstStyle/>
-          <a:p>
-            <a:pPr algn="ctr"/>
-            <a:r>
-              <a:rPr lang="fr-FR" sz="900" i="1" dirty="0">
-                <a:latin typeface="Gill Sans Nova" panose="020B0602020104020203" pitchFamily="34" charset="0"/>
-              </a:rPr>
-              <a:t>P2 has type</a:t>
-            </a:r>
-          </a:p>
-        </p:txBody>
-      </p:sp>
-      <p:sp>
-        <p:nvSpPr>
-          <p:cNvPr id="274" name="ZoneTexte 273">
-            <a:extLst>
-              <a:ext uri="{FF2B5EF4-FFF2-40B4-BE49-F238E27FC236}">
-                <a16:creationId xmlns:a16="http://schemas.microsoft.com/office/drawing/2014/main" id="{B4F3720B-3EA9-4120-B562-3D61BB9D5FB7}"/>
-              </a:ext>
-            </a:extLst>
-          </p:cNvPr>
-          <p:cNvSpPr txBox="1"/>
-          <p:nvPr/>
-        </p:nvSpPr>
-        <p:spPr>
-          <a:xfrm>
-            <a:off x="29346217" y="10429760"/>
-            <a:ext cx="1398361" cy="230832"/>
-          </a:xfrm>
-          <a:prstGeom prst="rect">
-            <a:avLst/>
-          </a:prstGeom>
-          <a:noFill/>
-        </p:spPr>
-        <p:txBody>
-          <a:bodyPr wrap="square" rtlCol="0">
-            <a:spAutoFit/>
-          </a:bodyPr>
-          <a:lstStyle/>
-          <a:p>
-            <a:pPr algn="ctr"/>
-            <a:r>
-              <a:rPr lang="fr-FR" sz="900" i="1" dirty="0">
-                <a:latin typeface="Gill Sans Nova" panose="020B0602020104020203" pitchFamily="34" charset="0"/>
-              </a:rPr>
-              <a:t>P2 has type</a:t>
-            </a:r>
-          </a:p>
-        </p:txBody>
-      </p:sp>
-      <p:cxnSp>
-        <p:nvCxnSpPr>
-          <p:cNvPr id="286" name="Connecteur droit avec flèche 285">
-            <a:extLst>
-              <a:ext uri="{FF2B5EF4-FFF2-40B4-BE49-F238E27FC236}">
-                <a16:creationId xmlns:a16="http://schemas.microsoft.com/office/drawing/2014/main" id="{222C9276-C0F0-4C07-9607-710E574559BF}"/>
-              </a:ext>
-            </a:extLst>
-          </p:cNvPr>
-          <p:cNvCxnSpPr>
-            <a:cxnSpLocks/>
-          </p:cNvCxnSpPr>
-          <p:nvPr/>
-        </p:nvCxnSpPr>
-        <p:spPr>
-          <a:xfrm>
-            <a:off x="29842823" y="10053212"/>
-            <a:ext cx="898482" cy="704938"/>
-          </a:xfrm>
-          <a:prstGeom prst="straightConnector1">
-            <a:avLst/>
-          </a:prstGeom>
-          <a:ln>
-            <a:tailEnd type="triangle"/>
-          </a:ln>
-        </p:spPr>
-        <p:style>
-          <a:lnRef idx="1">
-            <a:schemeClr val="dk1"/>
-          </a:lnRef>
-          <a:fillRef idx="0">
-            <a:schemeClr val="dk1"/>
-          </a:fillRef>
-          <a:effectRef idx="0">
-            <a:schemeClr val="dk1"/>
-          </a:effectRef>
-          <a:fontRef idx="minor">
-            <a:schemeClr val="tx1"/>
-          </a:fontRef>
-        </p:style>
-      </p:cxnSp>
-      <p:sp>
-        <p:nvSpPr>
-          <p:cNvPr id="292" name="Rectangle : coins arrondis 291">
-            <a:extLst>
-              <a:ext uri="{FF2B5EF4-FFF2-40B4-BE49-F238E27FC236}">
-                <a16:creationId xmlns:a16="http://schemas.microsoft.com/office/drawing/2014/main" id="{E8C496EE-D5E9-435A-9B61-1CA3D291F299}"/>
+                  <a:schemeClr val="bg1"/>
+                </a:solidFill>
+                <a:latin typeface="Gill Sans Nova" panose="020B0602020104020203" pitchFamily="34" charset="0"/>
+              </a:rPr>
+              <a:t> of Existence</a:t>
+            </a:r>
+          </a:p>
+        </p:txBody>
+      </p:sp>
+      <p:sp>
+        <p:nvSpPr>
+          <p:cNvPr id="305" name="Rectangle : coins arrondis 304">
+            <a:extLst>
+              <a:ext uri="{FF2B5EF4-FFF2-40B4-BE49-F238E27FC236}">
+                <a16:creationId xmlns:a16="http://schemas.microsoft.com/office/drawing/2014/main" id="{064A9CBD-E352-42F1-A05C-0AB6D08774C6}"/>
               </a:ext>
             </a:extLst>
           </p:cNvPr>
@@ -15506,14 +15132,17 @@
         </p:nvSpPr>
         <p:spPr>
           <a:xfrm>
-            <a:off x="30713451" y="10723752"/>
-            <a:ext cx="1139308" cy="678712"/>
+            <a:off x="24858028" y="7055777"/>
+            <a:ext cx="976814" cy="458655"/>
           </a:xfrm>
           <a:prstGeom prst="roundRect">
             <a:avLst/>
           </a:prstGeom>
           <a:solidFill>
-            <a:srgbClr val="F6CACA"/>
+            <a:schemeClr val="accent6">
+              <a:lumMod val="40000"/>
+              <a:lumOff val="60000"/>
+            </a:schemeClr>
           </a:solidFill>
           <a:ln w="12700">
             <a:noFill/>
@@ -15545,33 +15174,136 @@
                 </a:solidFill>
                 <a:latin typeface="Gill Sans Nova" panose="020B0602020104020203" pitchFamily="34" charset="0"/>
               </a:rPr>
-              <a:t>E55 Type</a:t>
-            </a:r>
-          </a:p>
-          <a:p>
-            <a:pPr algn="ctr"/>
-            <a:r>
-              <a:rPr lang="fr-FR" sz="900" dirty="0">
-                <a:solidFill>
-                  <a:schemeClr val="tx1"/>
-                </a:solidFill>
-                <a:latin typeface="Gill Sans Nova" panose="020B0602020104020203" pitchFamily="34" charset="0"/>
-              </a:rPr>
-              <a:t>« Article du </a:t>
-            </a:r>
-            <a:r>
-              <a:rPr lang="fr-FR" sz="900">
-                <a:solidFill>
-                  <a:schemeClr val="tx1"/>
-                </a:solidFill>
-                <a:latin typeface="Gill Sans Nova" panose="020B0602020104020203" pitchFamily="34" charset="0"/>
-              </a:rPr>
-              <a:t>Mercure Galant »</a:t>
-            </a:r>
-            <a:endParaRPr lang="fr-FR" sz="900" dirty="0">
-              <a:solidFill>
-                <a:schemeClr val="tx1"/>
-              </a:solidFill>
+              <a:t>E52 Time-Span</a:t>
+            </a:r>
+          </a:p>
+        </p:txBody>
+      </p:sp>
+      <p:cxnSp>
+        <p:nvCxnSpPr>
+          <p:cNvPr id="307" name="Connecteur droit avec flèche 306">
+            <a:extLst>
+              <a:ext uri="{FF2B5EF4-FFF2-40B4-BE49-F238E27FC236}">
+                <a16:creationId xmlns:a16="http://schemas.microsoft.com/office/drawing/2014/main" id="{B47F3C41-FE45-4C1E-B52B-3B231B04F0F7}"/>
+              </a:ext>
+            </a:extLst>
+          </p:cNvPr>
+          <p:cNvCxnSpPr>
+            <a:cxnSpLocks/>
+          </p:cNvCxnSpPr>
+          <p:nvPr/>
+        </p:nvCxnSpPr>
+        <p:spPr>
+          <a:xfrm flipV="1">
+            <a:off x="28218821" y="6250274"/>
+            <a:ext cx="607720" cy="737599"/>
+          </a:xfrm>
+          <a:prstGeom prst="straightConnector1">
+            <a:avLst/>
+          </a:prstGeom>
+          <a:ln>
+            <a:tailEnd type="triangle"/>
+          </a:ln>
+        </p:spPr>
+        <p:style>
+          <a:lnRef idx="1">
+            <a:schemeClr val="dk1"/>
+          </a:lnRef>
+          <a:fillRef idx="0">
+            <a:schemeClr val="dk1"/>
+          </a:fillRef>
+          <a:effectRef idx="0">
+            <a:schemeClr val="dk1"/>
+          </a:effectRef>
+          <a:fontRef idx="minor">
+            <a:schemeClr val="tx1"/>
+          </a:fontRef>
+        </p:style>
+      </p:cxnSp>
+      <p:cxnSp>
+        <p:nvCxnSpPr>
+          <p:cNvPr id="309" name="Connecteur droit avec flèche 308">
+            <a:extLst>
+              <a:ext uri="{FF2B5EF4-FFF2-40B4-BE49-F238E27FC236}">
+                <a16:creationId xmlns:a16="http://schemas.microsoft.com/office/drawing/2014/main" id="{65C4FD4C-6066-4CF6-85CB-55DC36A5EBB1}"/>
+              </a:ext>
+            </a:extLst>
+          </p:cNvPr>
+          <p:cNvCxnSpPr>
+            <a:stCxn id="300" idx="1"/>
+            <a:endCxn id="305" idx="3"/>
+          </p:cNvCxnSpPr>
+          <p:nvPr/>
+        </p:nvCxnSpPr>
+        <p:spPr>
+          <a:xfrm flipH="1" flipV="1">
+            <a:off x="25834842" y="7285105"/>
+            <a:ext cx="1376452" cy="10587"/>
+          </a:xfrm>
+          <a:prstGeom prst="straightConnector1">
+            <a:avLst/>
+          </a:prstGeom>
+          <a:ln>
+            <a:tailEnd type="triangle"/>
+          </a:ln>
+        </p:spPr>
+        <p:style>
+          <a:lnRef idx="1">
+            <a:schemeClr val="dk1"/>
+          </a:lnRef>
+          <a:fillRef idx="0">
+            <a:schemeClr val="dk1"/>
+          </a:fillRef>
+          <a:effectRef idx="0">
+            <a:schemeClr val="dk1"/>
+          </a:effectRef>
+          <a:fontRef idx="minor">
+            <a:schemeClr val="tx1"/>
+          </a:fontRef>
+        </p:style>
+      </p:cxnSp>
+      <p:sp>
+        <p:nvSpPr>
+          <p:cNvPr id="312" name="ZoneTexte 311">
+            <a:extLst>
+              <a:ext uri="{FF2B5EF4-FFF2-40B4-BE49-F238E27FC236}">
+                <a16:creationId xmlns:a16="http://schemas.microsoft.com/office/drawing/2014/main" id="{1EB1E6F8-C471-4916-A2A7-D21E9AF50D29}"/>
+              </a:ext>
+            </a:extLst>
+          </p:cNvPr>
+          <p:cNvSpPr txBox="1"/>
+          <p:nvPr/>
+        </p:nvSpPr>
+        <p:spPr>
+          <a:xfrm>
+            <a:off x="25867412" y="7034904"/>
+            <a:ext cx="1398361" cy="230832"/>
+          </a:xfrm>
+          <a:prstGeom prst="rect">
+            <a:avLst/>
+          </a:prstGeom>
+          <a:noFill/>
+        </p:spPr>
+        <p:txBody>
+          <a:bodyPr wrap="square" rtlCol="0">
+            <a:spAutoFit/>
+          </a:bodyPr>
+          <a:lstStyle/>
+          <a:p>
+            <a:pPr algn="ctr"/>
+            <a:r>
+              <a:rPr lang="fr-FR" sz="900" i="1" dirty="0">
+                <a:latin typeface="Gill Sans Nova" panose="020B0602020104020203" pitchFamily="34" charset="0"/>
+              </a:rPr>
+              <a:t>P4 has time-</a:t>
+            </a:r>
+            <a:r>
+              <a:rPr lang="fr-FR" sz="900" i="1" dirty="0" err="1">
+                <a:latin typeface="Gill Sans Nova" panose="020B0602020104020203" pitchFamily="34" charset="0"/>
+              </a:rPr>
+              <a:t>span</a:t>
+            </a:r>
+            <a:endParaRPr lang="fr-FR" sz="900" i="1" dirty="0">
               <a:latin typeface="Gill Sans Nova" panose="020B0602020104020203" pitchFamily="34" charset="0"/>
             </a:endParaRPr>
           </a:p>
@@ -15579,10 +15311,72 @@
       </p:sp>
       <p:sp>
         <p:nvSpPr>
-          <p:cNvPr id="300" name="Rectangle : coins arrondis 299">
-            <a:extLst>
-              <a:ext uri="{FF2B5EF4-FFF2-40B4-BE49-F238E27FC236}">
-                <a16:creationId xmlns:a16="http://schemas.microsoft.com/office/drawing/2014/main" id="{F0973BD2-5791-4B69-92DD-DDC5E4C02D77}"/>
+          <p:cNvPr id="313" name="ZoneTexte 312">
+            <a:extLst>
+              <a:ext uri="{FF2B5EF4-FFF2-40B4-BE49-F238E27FC236}">
+                <a16:creationId xmlns:a16="http://schemas.microsoft.com/office/drawing/2014/main" id="{D97C9065-F969-4723-BBC2-9A23DD4DC14B}"/>
+              </a:ext>
+            </a:extLst>
+          </p:cNvPr>
+          <p:cNvSpPr txBox="1"/>
+          <p:nvPr/>
+        </p:nvSpPr>
+        <p:spPr>
+          <a:xfrm>
+            <a:off x="27619411" y="6417010"/>
+            <a:ext cx="984374" cy="369332"/>
+          </a:xfrm>
+          <a:prstGeom prst="rect">
+            <a:avLst/>
+          </a:prstGeom>
+          <a:noFill/>
+        </p:spPr>
+        <p:txBody>
+          <a:bodyPr wrap="square" rtlCol="0">
+            <a:spAutoFit/>
+          </a:bodyPr>
+          <a:lstStyle/>
+          <a:p>
+            <a:pPr algn="ctr"/>
+            <a:r>
+              <a:rPr lang="fr-FR" sz="900" i="1" dirty="0">
+                <a:latin typeface="Gill Sans Nova" panose="020B0602020104020203" pitchFamily="34" charset="0"/>
+              </a:rPr>
+              <a:t>P92 </a:t>
+            </a:r>
+            <a:r>
+              <a:rPr lang="fr-FR" sz="900" i="1" dirty="0" err="1">
+                <a:latin typeface="Gill Sans Nova" panose="020B0602020104020203" pitchFamily="34" charset="0"/>
+              </a:rPr>
+              <a:t>brought</a:t>
+            </a:r>
+            <a:r>
+              <a:rPr lang="fr-FR" sz="900" i="1" dirty="0">
+                <a:latin typeface="Gill Sans Nova" panose="020B0602020104020203" pitchFamily="34" charset="0"/>
+              </a:rPr>
+              <a:t> </a:t>
+            </a:r>
+            <a:r>
+              <a:rPr lang="fr-FR" sz="900" i="1" dirty="0" err="1">
+                <a:latin typeface="Gill Sans Nova" panose="020B0602020104020203" pitchFamily="34" charset="0"/>
+              </a:rPr>
+              <a:t>into</a:t>
+            </a:r>
+            <a:r>
+              <a:rPr lang="fr-FR" sz="900" i="1" dirty="0">
+                <a:latin typeface="Gill Sans Nova" panose="020B0602020104020203" pitchFamily="34" charset="0"/>
+              </a:rPr>
+              <a:t> existence</a:t>
+            </a:r>
+          </a:p>
+        </p:txBody>
+      </p:sp>
+      <p:sp>
+        <p:nvSpPr>
+          <p:cNvPr id="319" name="Rectangle : coins arrondis 318">
+            <a:extLst>
+              <a:ext uri="{FF2B5EF4-FFF2-40B4-BE49-F238E27FC236}">
+                <a16:creationId xmlns:a16="http://schemas.microsoft.com/office/drawing/2014/main" id="{158019D3-31C6-4759-AA6A-F4526287CEE9}"/>
               </a:ext>
             </a:extLst>
           </p:cNvPr>
@@ -15591,18 +15385,13 @@
         </p:nvSpPr>
         <p:spPr>
           <a:xfrm>
-            <a:off x="27211294" y="6962702"/>
-            <a:ext cx="1052047" cy="665980"/>
+            <a:off x="23640415" y="7837167"/>
+            <a:ext cx="976814" cy="458655"/>
           </a:xfrm>
           <a:prstGeom prst="roundRect">
             <a:avLst/>
           </a:prstGeom>
-          <a:solidFill>
-            <a:schemeClr val="accent1">
-              <a:lumMod val="60000"/>
-              <a:lumOff val="40000"/>
-            </a:schemeClr>
-          </a:solidFill>
+          <a:noFill/>
           <a:ln w="12700">
             <a:noFill/>
           </a:ln>
@@ -15629,39 +15418,327 @@
             <a:r>
               <a:rPr lang="fr-FR" sz="900" dirty="0">
                 <a:solidFill>
-                  <a:schemeClr val="bg1"/>
-                </a:solidFill>
-                <a:latin typeface="Gill Sans Nova" panose="020B0602020104020203" pitchFamily="34" charset="0"/>
-              </a:rPr>
-              <a:t>E63 </a:t>
-            </a:r>
-            <a:r>
-              <a:rPr lang="fr-FR" sz="900" dirty="0" err="1">
-                <a:solidFill>
-                  <a:schemeClr val="bg1"/>
-                </a:solidFill>
-                <a:latin typeface="Gill Sans Nova" panose="020B0602020104020203" pitchFamily="34" charset="0"/>
-              </a:rPr>
-              <a:t>Beginning</a:t>
-            </a:r>
-            <a:r>
-              <a:rPr lang="fr-FR" sz="900" dirty="0">
-                <a:solidFill>
-                  <a:schemeClr val="bg1"/>
-                </a:solidFill>
-                <a:latin typeface="Gill Sans Nova" panose="020B0602020104020203" pitchFamily="34" charset="0"/>
-              </a:rPr>
-              <a:t> of Existence</a:t>
-            </a:r>
-          </a:p>
-        </p:txBody>
-      </p:sp>
-      <p:sp>
-        <p:nvSpPr>
-          <p:cNvPr id="305" name="Rectangle : coins arrondis 304">
-            <a:extLst>
-              <a:ext uri="{FF2B5EF4-FFF2-40B4-BE49-F238E27FC236}">
-                <a16:creationId xmlns:a16="http://schemas.microsoft.com/office/drawing/2014/main" id="{064A9CBD-E352-42F1-A05C-0AB6D08774C6}"/>
+                  <a:schemeClr val="tx1"/>
+                </a:solidFill>
+                <a:latin typeface="Gill Sans Nova" panose="020B0602020104020203" pitchFamily="34" charset="0"/>
+              </a:rPr>
+              <a:t>« 1672-01 »</a:t>
+            </a:r>
+          </a:p>
+        </p:txBody>
+      </p:sp>
+      <p:cxnSp>
+        <p:nvCxnSpPr>
+          <p:cNvPr id="321" name="Connecteur : en arc 320">
+            <a:extLst>
+              <a:ext uri="{FF2B5EF4-FFF2-40B4-BE49-F238E27FC236}">
+                <a16:creationId xmlns:a16="http://schemas.microsoft.com/office/drawing/2014/main" id="{B1A1698C-A8C1-4041-A2F8-00ABF52A32CF}"/>
+              </a:ext>
+            </a:extLst>
+          </p:cNvPr>
+          <p:cNvCxnSpPr>
+            <a:stCxn id="305" idx="1"/>
+            <a:endCxn id="319" idx="0"/>
+          </p:cNvCxnSpPr>
+          <p:nvPr/>
+        </p:nvCxnSpPr>
+        <p:spPr>
+          <a:xfrm rot="10800000" flipV="1">
+            <a:off x="24128822" y="7285105"/>
+            <a:ext cx="729206" cy="552062"/>
+          </a:xfrm>
+          <a:prstGeom prst="curvedConnector2">
+            <a:avLst/>
+          </a:prstGeom>
+          <a:ln>
+            <a:tailEnd type="triangle"/>
+          </a:ln>
+        </p:spPr>
+        <p:style>
+          <a:lnRef idx="1">
+            <a:schemeClr val="dk1"/>
+          </a:lnRef>
+          <a:fillRef idx="0">
+            <a:schemeClr val="dk1"/>
+          </a:fillRef>
+          <a:effectRef idx="0">
+            <a:schemeClr val="dk1"/>
+          </a:effectRef>
+          <a:fontRef idx="minor">
+            <a:schemeClr val="tx1"/>
+          </a:fontRef>
+        </p:style>
+      </p:cxnSp>
+      <p:sp>
+        <p:nvSpPr>
+          <p:cNvPr id="322" name="ZoneTexte 321">
+            <a:extLst>
+              <a:ext uri="{FF2B5EF4-FFF2-40B4-BE49-F238E27FC236}">
+                <a16:creationId xmlns:a16="http://schemas.microsoft.com/office/drawing/2014/main" id="{45FDA39D-27A0-4A78-9FC1-B7E5D03559DC}"/>
+              </a:ext>
+            </a:extLst>
+          </p:cNvPr>
+          <p:cNvSpPr txBox="1"/>
+          <p:nvPr/>
+        </p:nvSpPr>
+        <p:spPr>
+          <a:xfrm>
+            <a:off x="23638040" y="7081991"/>
+            <a:ext cx="976814" cy="369332"/>
+          </a:xfrm>
+          <a:prstGeom prst="rect">
+            <a:avLst/>
+          </a:prstGeom>
+          <a:noFill/>
+        </p:spPr>
+        <p:txBody>
+          <a:bodyPr wrap="square" rtlCol="0">
+            <a:spAutoFit/>
+          </a:bodyPr>
+          <a:lstStyle/>
+          <a:p>
+            <a:pPr algn="ctr"/>
+            <a:r>
+              <a:rPr lang="fr-FR" sz="900" i="1" dirty="0">
+                <a:latin typeface="Gill Sans Nova" panose="020B0602020104020203" pitchFamily="34" charset="0"/>
+              </a:rPr>
+              <a:t>P80 end </a:t>
+            </a:r>
+            <a:r>
+              <a:rPr lang="fr-FR" sz="900" i="1" dirty="0" err="1">
+                <a:latin typeface="Gill Sans Nova" panose="020B0602020104020203" pitchFamily="34" charset="0"/>
+              </a:rPr>
+              <a:t>is</a:t>
+            </a:r>
+            <a:r>
+              <a:rPr lang="fr-FR" sz="900" i="1" dirty="0">
+                <a:latin typeface="Gill Sans Nova" panose="020B0602020104020203" pitchFamily="34" charset="0"/>
+              </a:rPr>
+              <a:t> </a:t>
+            </a:r>
+            <a:r>
+              <a:rPr lang="fr-FR" sz="900" i="1" dirty="0" err="1">
+                <a:latin typeface="Gill Sans Nova" panose="020B0602020104020203" pitchFamily="34" charset="0"/>
+              </a:rPr>
+              <a:t>qualified</a:t>
+            </a:r>
+            <a:r>
+              <a:rPr lang="fr-FR" sz="900" i="1" dirty="0">
+                <a:latin typeface="Gill Sans Nova" panose="020B0602020104020203" pitchFamily="34" charset="0"/>
+              </a:rPr>
+              <a:t> by</a:t>
+            </a:r>
+          </a:p>
+        </p:txBody>
+      </p:sp>
+      <p:cxnSp>
+        <p:nvCxnSpPr>
+          <p:cNvPr id="9" name="Connecteur : en arc 8">
+            <a:extLst>
+              <a:ext uri="{FF2B5EF4-FFF2-40B4-BE49-F238E27FC236}">
+                <a16:creationId xmlns:a16="http://schemas.microsoft.com/office/drawing/2014/main" id="{BD1A3EB3-1D6C-4945-BB45-A143C6513823}"/>
+              </a:ext>
+            </a:extLst>
+          </p:cNvPr>
+          <p:cNvCxnSpPr>
+            <a:endCxn id="1323" idx="1"/>
+          </p:cNvCxnSpPr>
+          <p:nvPr/>
+        </p:nvCxnSpPr>
+        <p:spPr>
+          <a:xfrm rot="5400000" flipH="1" flipV="1">
+            <a:off x="11496386" y="22511770"/>
+            <a:ext cx="4812814" cy="2237600"/>
+          </a:xfrm>
+          <a:prstGeom prst="curvedConnector2">
+            <a:avLst/>
+          </a:prstGeom>
+          <a:ln w="12700">
+            <a:solidFill>
+              <a:srgbClr val="8A6868"/>
+            </a:solidFill>
+            <a:prstDash val="sysDot"/>
+            <a:tailEnd type="triangle"/>
+          </a:ln>
+        </p:spPr>
+        <p:style>
+          <a:lnRef idx="1">
+            <a:schemeClr val="dk1"/>
+          </a:lnRef>
+          <a:fillRef idx="0">
+            <a:schemeClr val="dk1"/>
+          </a:fillRef>
+          <a:effectRef idx="0">
+            <a:schemeClr val="dk1"/>
+          </a:effectRef>
+          <a:fontRef idx="minor">
+            <a:schemeClr val="tx1"/>
+          </a:fontRef>
+        </p:style>
+      </p:cxnSp>
+      <p:sp>
+        <p:nvSpPr>
+          <p:cNvPr id="11" name="ZoneTexte 10">
+            <a:extLst>
+              <a:ext uri="{FF2B5EF4-FFF2-40B4-BE49-F238E27FC236}">
+                <a16:creationId xmlns:a16="http://schemas.microsoft.com/office/drawing/2014/main" id="{9D318049-5AFA-4F4B-B9D2-8778294A518F}"/>
+              </a:ext>
+            </a:extLst>
+          </p:cNvPr>
+          <p:cNvSpPr txBox="1"/>
+          <p:nvPr/>
+        </p:nvSpPr>
+        <p:spPr>
+          <a:xfrm>
+            <a:off x="12115300" y="22979637"/>
+            <a:ext cx="1242988" cy="230832"/>
+          </a:xfrm>
+          <a:prstGeom prst="rect">
+            <a:avLst/>
+          </a:prstGeom>
+          <a:noFill/>
+        </p:spPr>
+        <p:txBody>
+          <a:bodyPr wrap="square" rtlCol="0">
+            <a:spAutoFit/>
+          </a:bodyPr>
+          <a:lstStyle/>
+          <a:p>
+            <a:pPr algn="ctr"/>
+            <a:r>
+              <a:rPr lang="fr-FR" sz="900" i="1" dirty="0">
+                <a:solidFill>
+                  <a:srgbClr val="8A6868"/>
+                </a:solidFill>
+                <a:latin typeface="Gill Sans Nova" panose="020B0602020104020203" pitchFamily="34" charset="0"/>
+              </a:rPr>
+              <a:t>P121 </a:t>
+            </a:r>
+            <a:r>
+              <a:rPr lang="fr-FR" sz="900" i="1" dirty="0" err="1">
+                <a:solidFill>
+                  <a:srgbClr val="8A6868"/>
+                </a:solidFill>
+                <a:latin typeface="Gill Sans Nova" panose="020B0602020104020203" pitchFamily="34" charset="0"/>
+              </a:rPr>
+              <a:t>overlaps</a:t>
+            </a:r>
+            <a:r>
+              <a:rPr lang="fr-FR" sz="900" i="1" dirty="0">
+                <a:solidFill>
+                  <a:srgbClr val="8A6868"/>
+                </a:solidFill>
+                <a:latin typeface="Gill Sans Nova" panose="020B0602020104020203" pitchFamily="34" charset="0"/>
+              </a:rPr>
+              <a:t> </a:t>
+            </a:r>
+            <a:r>
+              <a:rPr lang="fr-FR" sz="900" i="1" dirty="0" err="1">
+                <a:solidFill>
+                  <a:srgbClr val="8A6868"/>
+                </a:solidFill>
+                <a:latin typeface="Gill Sans Nova" panose="020B0602020104020203" pitchFamily="34" charset="0"/>
+              </a:rPr>
+              <a:t>with</a:t>
+            </a:r>
+            <a:endParaRPr lang="fr-FR" sz="900" i="1" dirty="0">
+              <a:solidFill>
+                <a:srgbClr val="8A6868"/>
+              </a:solidFill>
+              <a:latin typeface="Gill Sans Nova" panose="020B0602020104020203" pitchFamily="34" charset="0"/>
+            </a:endParaRPr>
+          </a:p>
+        </p:txBody>
+      </p:sp>
+      <p:cxnSp>
+        <p:nvCxnSpPr>
+          <p:cNvPr id="22" name="Connecteur : en arc 21">
+            <a:extLst>
+              <a:ext uri="{FF2B5EF4-FFF2-40B4-BE49-F238E27FC236}">
+                <a16:creationId xmlns:a16="http://schemas.microsoft.com/office/drawing/2014/main" id="{0D6C2BEB-0044-465F-8740-423945CB2ADF}"/>
+              </a:ext>
+            </a:extLst>
+          </p:cNvPr>
+          <p:cNvCxnSpPr>
+            <a:stCxn id="929" idx="0"/>
+            <a:endCxn id="926" idx="2"/>
+          </p:cNvCxnSpPr>
+          <p:nvPr/>
+        </p:nvCxnSpPr>
+        <p:spPr>
+          <a:xfrm rot="16200000" flipV="1">
+            <a:off x="24795630" y="4836742"/>
+            <a:ext cx="1103962" cy="517531"/>
+          </a:xfrm>
+          <a:prstGeom prst="curvedConnector3">
+            <a:avLst/>
+          </a:prstGeom>
+          <a:ln>
+            <a:tailEnd type="triangle"/>
+          </a:ln>
+        </p:spPr>
+        <p:style>
+          <a:lnRef idx="1">
+            <a:schemeClr val="dk1"/>
+          </a:lnRef>
+          <a:fillRef idx="0">
+            <a:schemeClr val="dk1"/>
+          </a:fillRef>
+          <a:effectRef idx="0">
+            <a:schemeClr val="dk1"/>
+          </a:effectRef>
+          <a:fontRef idx="minor">
+            <a:schemeClr val="tx1"/>
+          </a:fontRef>
+        </p:style>
+      </p:cxnSp>
+      <p:cxnSp>
+        <p:nvCxnSpPr>
+          <p:cNvPr id="24" name="Connecteur droit avec flèche 23">
+            <a:extLst>
+              <a:ext uri="{FF2B5EF4-FFF2-40B4-BE49-F238E27FC236}">
+                <a16:creationId xmlns:a16="http://schemas.microsoft.com/office/drawing/2014/main" id="{FFB4E7FA-7777-4CC0-8E17-624378203DD3}"/>
+              </a:ext>
+            </a:extLst>
+          </p:cNvPr>
+          <p:cNvCxnSpPr>
+            <a:cxnSpLocks/>
+          </p:cNvCxnSpPr>
+          <p:nvPr/>
+        </p:nvCxnSpPr>
+        <p:spPr>
+          <a:xfrm flipH="1" flipV="1">
+            <a:off x="27713541" y="4845819"/>
+            <a:ext cx="1088331" cy="801670"/>
+          </a:xfrm>
+          <a:prstGeom prst="straightConnector1">
+            <a:avLst/>
+          </a:prstGeom>
+          <a:ln>
+            <a:tailEnd type="triangle"/>
+          </a:ln>
+        </p:spPr>
+        <p:style>
+          <a:lnRef idx="1">
+            <a:schemeClr val="dk1"/>
+          </a:lnRef>
+          <a:fillRef idx="0">
+            <a:schemeClr val="dk1"/>
+          </a:fillRef>
+          <a:effectRef idx="0">
+            <a:schemeClr val="dk1"/>
+          </a:effectRef>
+          <a:fontRef idx="minor">
+            <a:schemeClr val="tx1"/>
+          </a:fontRef>
+        </p:style>
+      </p:cxnSp>
+      <p:sp>
+        <p:nvSpPr>
+          <p:cNvPr id="2" name="Rectangle : coins arrondis 1">
+            <a:extLst>
+              <a:ext uri="{FF2B5EF4-FFF2-40B4-BE49-F238E27FC236}">
+                <a16:creationId xmlns:a16="http://schemas.microsoft.com/office/drawing/2014/main" id="{244EA3A0-42AF-427C-ABC0-D71EF28A7957}"/>
               </a:ext>
             </a:extLst>
           </p:cNvPr>
@@ -15670,19 +15747,16 @@
         </p:nvSpPr>
         <p:spPr>
           <a:xfrm>
-            <a:off x="24858028" y="7055777"/>
-            <a:ext cx="976814" cy="458655"/>
+            <a:off x="12989705" y="10603894"/>
+            <a:ext cx="1845216" cy="268547"/>
           </a:xfrm>
           <a:prstGeom prst="roundRect">
             <a:avLst/>
           </a:prstGeom>
           <a:solidFill>
-            <a:schemeClr val="accent6">
-              <a:lumMod val="40000"/>
-              <a:lumOff val="60000"/>
-            </a:schemeClr>
+            <a:schemeClr val="bg1"/>
           </a:solidFill>
-          <a:ln w="12700">
+          <a:ln w="19050">
             <a:noFill/>
           </a:ln>
         </p:spPr>
@@ -15701,7 +15775,7 @@
           </a:fontRef>
         </p:style>
         <p:txBody>
-          <a:bodyPr rtlCol="0" anchor="ctr"/>
+          <a:bodyPr rtlCol="0" anchor="t"/>
           <a:lstStyle/>
           <a:p>
             <a:pPr algn="ctr"/>
@@ -15710,211 +15784,35 @@
                 <a:solidFill>
                   <a:schemeClr val="tx1"/>
                 </a:solidFill>
-                <a:latin typeface="Gill Sans Nova" panose="020B0602020104020203" pitchFamily="34" charset="0"/>
-              </a:rPr>
-              <a:t>E52 Time-Span</a:t>
-            </a:r>
-          </a:p>
-        </p:txBody>
-      </p:sp>
-      <p:cxnSp>
-        <p:nvCxnSpPr>
-          <p:cNvPr id="307" name="Connecteur droit avec flèche 306">
-            <a:extLst>
-              <a:ext uri="{FF2B5EF4-FFF2-40B4-BE49-F238E27FC236}">
-                <a16:creationId xmlns:a16="http://schemas.microsoft.com/office/drawing/2014/main" id="{B47F3C41-FE45-4C1E-B52B-3B231B04F0F7}"/>
-              </a:ext>
-            </a:extLst>
-          </p:cNvPr>
-          <p:cNvCxnSpPr>
-            <a:cxnSpLocks/>
-          </p:cNvCxnSpPr>
-          <p:nvPr/>
-        </p:nvCxnSpPr>
-        <p:spPr>
-          <a:xfrm flipV="1">
-            <a:off x="28218821" y="6250274"/>
-            <a:ext cx="607720" cy="737599"/>
-          </a:xfrm>
-          <a:prstGeom prst="straightConnector1">
-            <a:avLst/>
-          </a:prstGeom>
-          <a:ln>
-            <a:tailEnd type="triangle"/>
-          </a:ln>
-        </p:spPr>
-        <p:style>
-          <a:lnRef idx="1">
-            <a:schemeClr val="dk1"/>
-          </a:lnRef>
-          <a:fillRef idx="0">
-            <a:schemeClr val="dk1"/>
-          </a:fillRef>
-          <a:effectRef idx="0">
-            <a:schemeClr val="dk1"/>
-          </a:effectRef>
-          <a:fontRef idx="minor">
-            <a:schemeClr val="tx1"/>
-          </a:fontRef>
-        </p:style>
-      </p:cxnSp>
-      <p:cxnSp>
-        <p:nvCxnSpPr>
-          <p:cNvPr id="309" name="Connecteur droit avec flèche 308">
-            <a:extLst>
-              <a:ext uri="{FF2B5EF4-FFF2-40B4-BE49-F238E27FC236}">
-                <a16:creationId xmlns:a16="http://schemas.microsoft.com/office/drawing/2014/main" id="{65C4FD4C-6066-4CF6-85CB-55DC36A5EBB1}"/>
-              </a:ext>
-            </a:extLst>
-          </p:cNvPr>
-          <p:cNvCxnSpPr>
-            <a:stCxn id="300" idx="1"/>
-            <a:endCxn id="305" idx="3"/>
-          </p:cNvCxnSpPr>
-          <p:nvPr/>
-        </p:nvCxnSpPr>
-        <p:spPr>
-          <a:xfrm flipH="1" flipV="1">
-            <a:off x="25834842" y="7285105"/>
-            <a:ext cx="1376452" cy="10587"/>
-          </a:xfrm>
-          <a:prstGeom prst="straightConnector1">
-            <a:avLst/>
-          </a:prstGeom>
-          <a:ln>
-            <a:tailEnd type="triangle"/>
-          </a:ln>
-        </p:spPr>
-        <p:style>
-          <a:lnRef idx="1">
-            <a:schemeClr val="dk1"/>
-          </a:lnRef>
-          <a:fillRef idx="0">
-            <a:schemeClr val="dk1"/>
-          </a:fillRef>
-          <a:effectRef idx="0">
-            <a:schemeClr val="dk1"/>
-          </a:effectRef>
-          <a:fontRef idx="minor">
-            <a:schemeClr val="tx1"/>
-          </a:fontRef>
-        </p:style>
-      </p:cxnSp>
-      <p:sp>
-        <p:nvSpPr>
-          <p:cNvPr id="312" name="ZoneTexte 311">
-            <a:extLst>
-              <a:ext uri="{FF2B5EF4-FFF2-40B4-BE49-F238E27FC236}">
-                <a16:creationId xmlns:a16="http://schemas.microsoft.com/office/drawing/2014/main" id="{1EB1E6F8-C471-4916-A2A7-D21E9AF50D29}"/>
-              </a:ext>
-            </a:extLst>
-          </p:cNvPr>
-          <p:cNvSpPr txBox="1"/>
-          <p:nvPr/>
-        </p:nvSpPr>
-        <p:spPr>
-          <a:xfrm>
-            <a:off x="25867412" y="7034904"/>
-            <a:ext cx="1398361" cy="230832"/>
-          </a:xfrm>
-          <a:prstGeom prst="rect">
-            <a:avLst/>
-          </a:prstGeom>
-          <a:noFill/>
-        </p:spPr>
-        <p:txBody>
-          <a:bodyPr wrap="square" rtlCol="0">
-            <a:spAutoFit/>
-          </a:bodyPr>
-          <a:lstStyle/>
-          <a:p>
-            <a:pPr algn="ctr"/>
-            <a:r>
-              <a:rPr lang="fr-FR" sz="900" i="1" dirty="0">
-                <a:latin typeface="Gill Sans Nova" panose="020B0602020104020203" pitchFamily="34" charset="0"/>
-              </a:rPr>
-              <a:t>P4 has time-</a:t>
-            </a:r>
-            <a:r>
-              <a:rPr lang="fr-FR" sz="900" i="1" dirty="0" err="1">
-                <a:latin typeface="Gill Sans Nova" panose="020B0602020104020203" pitchFamily="34" charset="0"/>
-              </a:rPr>
-              <a:t>span</a:t>
-            </a:r>
-            <a:endParaRPr lang="fr-FR" sz="900" i="1" dirty="0">
-              <a:latin typeface="Gill Sans Nova" panose="020B0602020104020203" pitchFamily="34" charset="0"/>
-            </a:endParaRPr>
-          </a:p>
-        </p:txBody>
-      </p:sp>
-      <p:sp>
-        <p:nvSpPr>
-          <p:cNvPr id="313" name="ZoneTexte 312">
-            <a:extLst>
-              <a:ext uri="{FF2B5EF4-FFF2-40B4-BE49-F238E27FC236}">
-                <a16:creationId xmlns:a16="http://schemas.microsoft.com/office/drawing/2014/main" id="{D97C9065-F969-4723-BBC2-9A23DD4DC14B}"/>
-              </a:ext>
-            </a:extLst>
-          </p:cNvPr>
-          <p:cNvSpPr txBox="1"/>
-          <p:nvPr/>
-        </p:nvSpPr>
-        <p:spPr>
-          <a:xfrm>
-            <a:off x="27619411" y="6417010"/>
-            <a:ext cx="984374" cy="369332"/>
-          </a:xfrm>
-          <a:prstGeom prst="rect">
-            <a:avLst/>
-          </a:prstGeom>
-          <a:noFill/>
-        </p:spPr>
-        <p:txBody>
-          <a:bodyPr wrap="square" rtlCol="0">
-            <a:spAutoFit/>
-          </a:bodyPr>
-          <a:lstStyle/>
-          <a:p>
-            <a:pPr algn="ctr"/>
-            <a:r>
-              <a:rPr lang="fr-FR" sz="900" i="1" dirty="0">
-                <a:latin typeface="Gill Sans Nova" panose="020B0602020104020203" pitchFamily="34" charset="0"/>
-              </a:rPr>
-              <a:t>P92 </a:t>
-            </a:r>
-            <a:r>
-              <a:rPr lang="fr-FR" sz="900" i="1" dirty="0" err="1">
-                <a:latin typeface="Gill Sans Nova" panose="020B0602020104020203" pitchFamily="34" charset="0"/>
-              </a:rPr>
-              <a:t>brought</a:t>
-            </a:r>
-            <a:r>
-              <a:rPr lang="fr-FR" sz="900" i="1" dirty="0">
-                <a:latin typeface="Gill Sans Nova" panose="020B0602020104020203" pitchFamily="34" charset="0"/>
-              </a:rPr>
-              <a:t> </a:t>
-            </a:r>
-            <a:r>
-              <a:rPr lang="fr-FR" sz="900" i="1" dirty="0" err="1">
-                <a:latin typeface="Gill Sans Nova" panose="020B0602020104020203" pitchFamily="34" charset="0"/>
-              </a:rPr>
-              <a:t>into</a:t>
-            </a:r>
-            <a:r>
-              <a:rPr lang="fr-FR" sz="900" i="1" dirty="0">
-                <a:latin typeface="Gill Sans Nova" panose="020B0602020104020203" pitchFamily="34" charset="0"/>
-              </a:rPr>
-              <a:t> existence</a:t>
-            </a:r>
-          </a:p>
-        </p:txBody>
-      </p:sp>
-      <p:sp>
-        <p:nvSpPr>
-          <p:cNvPr id="319" name="Rectangle : coins arrondis 318">
-            <a:extLst>
-              <a:ext uri="{FF2B5EF4-FFF2-40B4-BE49-F238E27FC236}">
-                <a16:creationId xmlns:a16="http://schemas.microsoft.com/office/drawing/2014/main" id="{158019D3-31C6-4759-AA6A-F4526287CEE9}"/>
+              </a:rPr>
+              <a:t>« </a:t>
+            </a:r>
+            <a:r>
+              <a:rPr lang="fr-FR" sz="900" b="0" dirty="0">
+                <a:solidFill>
+                  <a:schemeClr val="tx1"/>
+                </a:solidFill>
+                <a:effectLst/>
+              </a:rPr>
+              <a:t>2020-11-18T06:16:06+0000 </a:t>
+            </a:r>
+            <a:r>
+              <a:rPr lang="fr-FR" sz="900" dirty="0">
+                <a:solidFill>
+                  <a:schemeClr val="tx1"/>
+                </a:solidFill>
+              </a:rPr>
+              <a:t>»</a:t>
+            </a:r>
+          </a:p>
+        </p:txBody>
+      </p:sp>
+      <p:sp>
+        <p:nvSpPr>
+          <p:cNvPr id="3" name="Rectangle : coins arrondis 2">
+            <a:extLst>
+              <a:ext uri="{FF2B5EF4-FFF2-40B4-BE49-F238E27FC236}">
+                <a16:creationId xmlns:a16="http://schemas.microsoft.com/office/drawing/2014/main" id="{AA3911D9-F769-4D1D-9F1F-3EF9CADCCCE9}"/>
               </a:ext>
             </a:extLst>
           </p:cNvPr>
@@ -15923,14 +15821,16 @@
         </p:nvSpPr>
         <p:spPr>
           <a:xfrm>
-            <a:off x="23640415" y="7837167"/>
-            <a:ext cx="976814" cy="458655"/>
+            <a:off x="18254840" y="13087565"/>
+            <a:ext cx="1845216" cy="268547"/>
           </a:xfrm>
           <a:prstGeom prst="roundRect">
             <a:avLst/>
           </a:prstGeom>
-          <a:noFill/>
-          <a:ln w="12700">
+          <a:solidFill>
+            <a:schemeClr val="bg1"/>
+          </a:solidFill>
+          <a:ln w="19050">
             <a:noFill/>
           </a:ln>
         </p:spPr>
@@ -15949,352 +15849,61 @@
           </a:fontRef>
         </p:style>
         <p:txBody>
-          <a:bodyPr rtlCol="0" anchor="ctr"/>
-          <a:lstStyle/>
-          <a:p>
-            <a:pPr algn="ctr"/>
+          <a:bodyPr rtlCol="0" anchor="t"/>
+          <a:lstStyle/>
+          <a:p>
             <a:r>
               <a:rPr lang="fr-FR" sz="900" dirty="0">
                 <a:solidFill>
                   <a:schemeClr val="tx1"/>
                 </a:solidFill>
-                <a:latin typeface="Gill Sans Nova" panose="020B0602020104020203" pitchFamily="34" charset="0"/>
-              </a:rPr>
-              <a:t>« 1672-01 »</a:t>
-            </a:r>
-          </a:p>
-        </p:txBody>
-      </p:sp>
-      <p:cxnSp>
-        <p:nvCxnSpPr>
-          <p:cNvPr id="321" name="Connecteur : en arc 320">
-            <a:extLst>
-              <a:ext uri="{FF2B5EF4-FFF2-40B4-BE49-F238E27FC236}">
-                <a16:creationId xmlns:a16="http://schemas.microsoft.com/office/drawing/2014/main" id="{B1A1698C-A8C1-4041-A2F8-00ABF52A32CF}"/>
-              </a:ext>
-            </a:extLst>
-          </p:cNvPr>
-          <p:cNvCxnSpPr>
-            <a:stCxn id="305" idx="1"/>
-            <a:endCxn id="319" idx="0"/>
-          </p:cNvCxnSpPr>
-          <p:nvPr/>
-        </p:nvCxnSpPr>
-        <p:spPr>
-          <a:xfrm rot="10800000" flipV="1">
-            <a:off x="24128822" y="7285105"/>
-            <a:ext cx="729206" cy="552062"/>
-          </a:xfrm>
-          <a:prstGeom prst="curvedConnector2">
-            <a:avLst/>
-          </a:prstGeom>
-          <a:ln>
-            <a:tailEnd type="triangle"/>
-          </a:ln>
-        </p:spPr>
-        <p:style>
-          <a:lnRef idx="1">
-            <a:schemeClr val="dk1"/>
-          </a:lnRef>
-          <a:fillRef idx="0">
-            <a:schemeClr val="dk1"/>
-          </a:fillRef>
-          <a:effectRef idx="0">
-            <a:schemeClr val="dk1"/>
-          </a:effectRef>
-          <a:fontRef idx="minor">
-            <a:schemeClr val="tx1"/>
-          </a:fontRef>
-        </p:style>
-      </p:cxnSp>
-      <p:sp>
-        <p:nvSpPr>
-          <p:cNvPr id="322" name="ZoneTexte 321">
-            <a:extLst>
-              <a:ext uri="{FF2B5EF4-FFF2-40B4-BE49-F238E27FC236}">
-                <a16:creationId xmlns:a16="http://schemas.microsoft.com/office/drawing/2014/main" id="{45FDA39D-27A0-4A78-9FC1-B7E5D03559DC}"/>
-              </a:ext>
-            </a:extLst>
-          </p:cNvPr>
-          <p:cNvSpPr txBox="1"/>
-          <p:nvPr/>
-        </p:nvSpPr>
-        <p:spPr>
-          <a:xfrm>
-            <a:off x="23638040" y="7081991"/>
-            <a:ext cx="976814" cy="369332"/>
-          </a:xfrm>
-          <a:prstGeom prst="rect">
-            <a:avLst/>
-          </a:prstGeom>
-          <a:noFill/>
-        </p:spPr>
-        <p:txBody>
-          <a:bodyPr wrap="square" rtlCol="0">
-            <a:spAutoFit/>
-          </a:bodyPr>
-          <a:lstStyle/>
-          <a:p>
-            <a:pPr algn="ctr"/>
-            <a:r>
-              <a:rPr lang="fr-FR" sz="900" i="1" dirty="0">
-                <a:latin typeface="Gill Sans Nova" panose="020B0602020104020203" pitchFamily="34" charset="0"/>
-              </a:rPr>
-              <a:t>P80 end </a:t>
-            </a:r>
-            <a:r>
-              <a:rPr lang="fr-FR" sz="900" i="1" dirty="0" err="1">
-                <a:latin typeface="Gill Sans Nova" panose="020B0602020104020203" pitchFamily="34" charset="0"/>
-              </a:rPr>
-              <a:t>is</a:t>
-            </a:r>
-            <a:r>
-              <a:rPr lang="fr-FR" sz="900" i="1" dirty="0">
-                <a:latin typeface="Gill Sans Nova" panose="020B0602020104020203" pitchFamily="34" charset="0"/>
-              </a:rPr>
-              <a:t> </a:t>
-            </a:r>
-            <a:r>
-              <a:rPr lang="fr-FR" sz="900" i="1" dirty="0" err="1">
-                <a:latin typeface="Gill Sans Nova" panose="020B0602020104020203" pitchFamily="34" charset="0"/>
-              </a:rPr>
-              <a:t>qualified</a:t>
-            </a:r>
-            <a:r>
-              <a:rPr lang="fr-FR" sz="900" i="1" dirty="0">
-                <a:latin typeface="Gill Sans Nova" panose="020B0602020104020203" pitchFamily="34" charset="0"/>
-              </a:rPr>
-              <a:t> by</a:t>
-            </a:r>
-          </a:p>
-        </p:txBody>
-      </p:sp>
-      <p:cxnSp>
-        <p:nvCxnSpPr>
-          <p:cNvPr id="9" name="Connecteur : en arc 8">
-            <a:extLst>
-              <a:ext uri="{FF2B5EF4-FFF2-40B4-BE49-F238E27FC236}">
-                <a16:creationId xmlns:a16="http://schemas.microsoft.com/office/drawing/2014/main" id="{BD1A3EB3-1D6C-4945-BB45-A143C6513823}"/>
-              </a:ext>
-            </a:extLst>
-          </p:cNvPr>
-          <p:cNvCxnSpPr>
-            <a:endCxn id="1323" idx="1"/>
-          </p:cNvCxnSpPr>
-          <p:nvPr/>
-        </p:nvCxnSpPr>
-        <p:spPr>
-          <a:xfrm rot="5400000" flipH="1" flipV="1">
-            <a:off x="11496386" y="22511770"/>
-            <a:ext cx="4812814" cy="2237600"/>
-          </a:xfrm>
-          <a:prstGeom prst="curvedConnector2">
-            <a:avLst/>
-          </a:prstGeom>
+              </a:rPr>
+              <a:t>« </a:t>
+            </a:r>
+            <a:r>
+              <a:rPr lang="fr-FR" sz="900" b="0" dirty="0">
+                <a:solidFill>
+                  <a:schemeClr val="tx1"/>
+                </a:solidFill>
+                <a:effectLst/>
+              </a:rPr>
+              <a:t>2020-11-18T06:16:06+0000 </a:t>
+            </a:r>
+            <a:r>
+              <a:rPr lang="fr-FR" sz="900" dirty="0">
+                <a:solidFill>
+                  <a:schemeClr val="tx1"/>
+                </a:solidFill>
+              </a:rPr>
+              <a:t>»</a:t>
+            </a:r>
+          </a:p>
+        </p:txBody>
+      </p:sp>
+      <p:sp>
+        <p:nvSpPr>
+          <p:cNvPr id="7" name="Rectangle : coins arrondis 6">
+            <a:extLst>
+              <a:ext uri="{FF2B5EF4-FFF2-40B4-BE49-F238E27FC236}">
+                <a16:creationId xmlns:a16="http://schemas.microsoft.com/office/drawing/2014/main" id="{E2415057-E5BB-4388-A278-2FBCAE86AD2C}"/>
+              </a:ext>
+            </a:extLst>
+          </p:cNvPr>
+          <p:cNvSpPr/>
+          <p:nvPr/>
+        </p:nvSpPr>
+        <p:spPr>
+          <a:xfrm>
+            <a:off x="26393563" y="22634431"/>
+            <a:ext cx="960209" cy="437614"/>
+          </a:xfrm>
+          <a:prstGeom prst="roundRect">
+            <a:avLst/>
+          </a:prstGeom>
+          <a:solidFill>
+            <a:srgbClr val="F6CACA"/>
+          </a:solidFill>
           <a:ln w="12700">
-            <a:solidFill>
-              <a:srgbClr val="8A6868"/>
-            </a:solidFill>
-            <a:prstDash val="sysDot"/>
-            <a:tailEnd type="triangle"/>
-          </a:ln>
-        </p:spPr>
-        <p:style>
-          <a:lnRef idx="1">
-            <a:schemeClr val="dk1"/>
-          </a:lnRef>
-          <a:fillRef idx="0">
-            <a:schemeClr val="dk1"/>
-          </a:fillRef>
-          <a:effectRef idx="0">
-            <a:schemeClr val="dk1"/>
-          </a:effectRef>
-          <a:fontRef idx="minor">
-            <a:schemeClr val="tx1"/>
-          </a:fontRef>
-        </p:style>
-      </p:cxnSp>
-      <p:sp>
-        <p:nvSpPr>
-          <p:cNvPr id="11" name="ZoneTexte 10">
-            <a:extLst>
-              <a:ext uri="{FF2B5EF4-FFF2-40B4-BE49-F238E27FC236}">
-                <a16:creationId xmlns:a16="http://schemas.microsoft.com/office/drawing/2014/main" id="{9D318049-5AFA-4F4B-B9D2-8778294A518F}"/>
-              </a:ext>
-            </a:extLst>
-          </p:cNvPr>
-          <p:cNvSpPr txBox="1"/>
-          <p:nvPr/>
-        </p:nvSpPr>
-        <p:spPr>
-          <a:xfrm>
-            <a:off x="12115300" y="22979637"/>
-            <a:ext cx="1242988" cy="230832"/>
-          </a:xfrm>
-          <a:prstGeom prst="rect">
-            <a:avLst/>
-          </a:prstGeom>
-          <a:noFill/>
-        </p:spPr>
-        <p:txBody>
-          <a:bodyPr wrap="square" rtlCol="0">
-            <a:spAutoFit/>
-          </a:bodyPr>
-          <a:lstStyle/>
-          <a:p>
-            <a:pPr algn="ctr"/>
-            <a:r>
-              <a:rPr lang="fr-FR" sz="900" i="1" dirty="0">
-                <a:solidFill>
-                  <a:srgbClr val="8A6868"/>
-                </a:solidFill>
-                <a:latin typeface="Gill Sans Nova" panose="020B0602020104020203" pitchFamily="34" charset="0"/>
-              </a:rPr>
-              <a:t>P121 </a:t>
-            </a:r>
-            <a:r>
-              <a:rPr lang="fr-FR" sz="900" i="1" dirty="0" err="1">
-                <a:solidFill>
-                  <a:srgbClr val="8A6868"/>
-                </a:solidFill>
-                <a:latin typeface="Gill Sans Nova" panose="020B0602020104020203" pitchFamily="34" charset="0"/>
-              </a:rPr>
-              <a:t>overlaps</a:t>
-            </a:r>
-            <a:r>
-              <a:rPr lang="fr-FR" sz="900" i="1" dirty="0">
-                <a:solidFill>
-                  <a:srgbClr val="8A6868"/>
-                </a:solidFill>
-                <a:latin typeface="Gill Sans Nova" panose="020B0602020104020203" pitchFamily="34" charset="0"/>
-              </a:rPr>
-              <a:t> </a:t>
-            </a:r>
-            <a:r>
-              <a:rPr lang="fr-FR" sz="900" i="1" dirty="0" err="1">
-                <a:solidFill>
-                  <a:srgbClr val="8A6868"/>
-                </a:solidFill>
-                <a:latin typeface="Gill Sans Nova" panose="020B0602020104020203" pitchFamily="34" charset="0"/>
-              </a:rPr>
-              <a:t>with</a:t>
-            </a:r>
-            <a:endParaRPr lang="fr-FR" sz="900" i="1" dirty="0">
-              <a:solidFill>
-                <a:srgbClr val="8A6868"/>
-              </a:solidFill>
-              <a:latin typeface="Gill Sans Nova" panose="020B0602020104020203" pitchFamily="34" charset="0"/>
-            </a:endParaRPr>
-          </a:p>
-        </p:txBody>
-      </p:sp>
-      <p:cxnSp>
-        <p:nvCxnSpPr>
-          <p:cNvPr id="22" name="Connecteur : en arc 21">
-            <a:extLst>
-              <a:ext uri="{FF2B5EF4-FFF2-40B4-BE49-F238E27FC236}">
-                <a16:creationId xmlns:a16="http://schemas.microsoft.com/office/drawing/2014/main" id="{0D6C2BEB-0044-465F-8740-423945CB2ADF}"/>
-              </a:ext>
-            </a:extLst>
-          </p:cNvPr>
-          <p:cNvCxnSpPr>
-            <a:stCxn id="929" idx="0"/>
-            <a:endCxn id="926" idx="2"/>
-          </p:cNvCxnSpPr>
-          <p:nvPr/>
-        </p:nvCxnSpPr>
-        <p:spPr>
-          <a:xfrm rot="16200000" flipV="1">
-            <a:off x="24795630" y="4836742"/>
-            <a:ext cx="1103962" cy="517531"/>
-          </a:xfrm>
-          <a:prstGeom prst="curvedConnector3">
-            <a:avLst/>
-          </a:prstGeom>
-          <a:ln>
-            <a:tailEnd type="triangle"/>
-          </a:ln>
-        </p:spPr>
-        <p:style>
-          <a:lnRef idx="1">
-            <a:schemeClr val="dk1"/>
-          </a:lnRef>
-          <a:fillRef idx="0">
-            <a:schemeClr val="dk1"/>
-          </a:fillRef>
-          <a:effectRef idx="0">
-            <a:schemeClr val="dk1"/>
-          </a:effectRef>
-          <a:fontRef idx="minor">
-            <a:schemeClr val="tx1"/>
-          </a:fontRef>
-        </p:style>
-      </p:cxnSp>
-      <p:cxnSp>
-        <p:nvCxnSpPr>
-          <p:cNvPr id="24" name="Connecteur droit avec flèche 23">
-            <a:extLst>
-              <a:ext uri="{FF2B5EF4-FFF2-40B4-BE49-F238E27FC236}">
-                <a16:creationId xmlns:a16="http://schemas.microsoft.com/office/drawing/2014/main" id="{FFB4E7FA-7777-4CC0-8E17-624378203DD3}"/>
-              </a:ext>
-            </a:extLst>
-          </p:cNvPr>
-          <p:cNvCxnSpPr>
-            <a:cxnSpLocks/>
-          </p:cNvCxnSpPr>
-          <p:nvPr/>
-        </p:nvCxnSpPr>
-        <p:spPr>
-          <a:xfrm flipH="1" flipV="1">
-            <a:off x="27713541" y="4845819"/>
-            <a:ext cx="1088331" cy="801670"/>
-          </a:xfrm>
-          <a:prstGeom prst="straightConnector1">
-            <a:avLst/>
-          </a:prstGeom>
-          <a:ln>
-            <a:tailEnd type="triangle"/>
-          </a:ln>
-        </p:spPr>
-        <p:style>
-          <a:lnRef idx="1">
-            <a:schemeClr val="dk1"/>
-          </a:lnRef>
-          <a:fillRef idx="0">
-            <a:schemeClr val="dk1"/>
-          </a:fillRef>
-          <a:effectRef idx="0">
-            <a:schemeClr val="dk1"/>
-          </a:effectRef>
-          <a:fontRef idx="minor">
-            <a:schemeClr val="tx1"/>
-          </a:fontRef>
-        </p:style>
-      </p:cxnSp>
-      <p:sp>
-        <p:nvSpPr>
-          <p:cNvPr id="2" name="Rectangle : coins arrondis 1">
-            <a:extLst>
-              <a:ext uri="{FF2B5EF4-FFF2-40B4-BE49-F238E27FC236}">
-                <a16:creationId xmlns:a16="http://schemas.microsoft.com/office/drawing/2014/main" id="{244EA3A0-42AF-427C-ABC0-D71EF28A7957}"/>
-              </a:ext>
-            </a:extLst>
-          </p:cNvPr>
-          <p:cNvSpPr/>
-          <p:nvPr/>
-        </p:nvSpPr>
-        <p:spPr>
-          <a:xfrm>
-            <a:off x="12989705" y="10603894"/>
-            <a:ext cx="1845216" cy="268547"/>
-          </a:xfrm>
-          <a:prstGeom prst="roundRect">
-            <a:avLst/>
-          </a:prstGeom>
-          <a:solidFill>
-            <a:schemeClr val="bg1"/>
-          </a:solidFill>
-          <a:ln w="19050">
             <a:noFill/>
           </a:ln>
         </p:spPr>
@@ -16313,7 +15922,7 @@
           </a:fontRef>
         </p:style>
         <p:txBody>
-          <a:bodyPr rtlCol="0" anchor="t"/>
+          <a:bodyPr rtlCol="0" anchor="ctr"/>
           <a:lstStyle/>
           <a:p>
             <a:pPr algn="ctr"/>
@@ -16322,35 +15931,123 @@
                 <a:solidFill>
                   <a:schemeClr val="tx1"/>
                 </a:solidFill>
-              </a:rPr>
-              <a:t>« </a:t>
-            </a:r>
-            <a:r>
-              <a:rPr lang="fr-FR" sz="900" b="0" dirty="0">
+                <a:latin typeface="Gill Sans Nova" panose="020B0602020104020203" pitchFamily="34" charset="0"/>
+              </a:rPr>
+              <a:t>E55 Type</a:t>
+            </a:r>
+          </a:p>
+          <a:p>
+            <a:pPr algn="ctr"/>
+            <a:r>
+              <a:rPr lang="fr-FR" sz="900" i="1">
                 <a:solidFill>
                   <a:schemeClr val="tx1"/>
                 </a:solidFill>
-                <a:effectLst/>
-              </a:rPr>
-              <a:t>2020-11-18T06:16:06+0000 </a:t>
-            </a:r>
-            <a:r>
-              <a:rPr lang="fr-FR" sz="900" dirty="0">
+                <a:latin typeface="Gill Sans Nova" panose="020B0602020104020203" pitchFamily="34" charset="0"/>
+              </a:rPr>
+              <a:t>« Adhérent </a:t>
+            </a:r>
+            <a:r>
+              <a:rPr lang="fr-FR" sz="900" i="1" dirty="0">
                 <a:solidFill>
                   <a:schemeClr val="tx1"/>
                 </a:solidFill>
+                <a:latin typeface="Gill Sans Nova" panose="020B0602020104020203" pitchFamily="34" charset="0"/>
               </a:rPr>
               <a:t>»</a:t>
             </a:r>
           </a:p>
         </p:txBody>
       </p:sp>
-      <p:sp>
-        <p:nvSpPr>
-          <p:cNvPr id="3" name="Rectangle : coins arrondis 2">
-            <a:extLst>
-              <a:ext uri="{FF2B5EF4-FFF2-40B4-BE49-F238E27FC236}">
-                <a16:creationId xmlns:a16="http://schemas.microsoft.com/office/drawing/2014/main" id="{AA3911D9-F769-4D1D-9F1F-3EF9CADCCCE9}"/>
+      <p:cxnSp>
+        <p:nvCxnSpPr>
+          <p:cNvPr id="271" name="Connecteur droit avec flèche 1749">
+            <a:extLst>
+              <a:ext uri="{FF2B5EF4-FFF2-40B4-BE49-F238E27FC236}">
+                <a16:creationId xmlns:a16="http://schemas.microsoft.com/office/drawing/2014/main" id="{F1BDEE82-3662-4037-8801-34CCA0A54C4E}"/>
+              </a:ext>
+            </a:extLst>
+          </p:cNvPr>
+          <p:cNvCxnSpPr>
+            <a:cxnSpLocks/>
+            <a:stCxn id="1728" idx="2"/>
+            <a:endCxn id="7" idx="0"/>
+          </p:cNvCxnSpPr>
+          <p:nvPr/>
+        </p:nvCxnSpPr>
+        <p:spPr>
+          <a:xfrm rot="16200000" flipH="1">
+            <a:off x="26237939" y="21998701"/>
+            <a:ext cx="716013" cy="555445"/>
+          </a:xfrm>
+          <a:prstGeom prst="curvedConnector3">
+            <a:avLst>
+              <a:gd name="adj1" fmla="val 50000"/>
+            </a:avLst>
+          </a:prstGeom>
+          <a:ln>
+            <a:tailEnd type="triangle"/>
+          </a:ln>
+        </p:spPr>
+        <p:style>
+          <a:lnRef idx="1">
+            <a:schemeClr val="dk1"/>
+          </a:lnRef>
+          <a:fillRef idx="0">
+            <a:schemeClr val="dk1"/>
+          </a:fillRef>
+          <a:effectRef idx="0">
+            <a:schemeClr val="dk1"/>
+          </a:effectRef>
+          <a:fontRef idx="minor">
+            <a:schemeClr val="tx1"/>
+          </a:fontRef>
+        </p:style>
+      </p:cxnSp>
+      <p:sp>
+        <p:nvSpPr>
+          <p:cNvPr id="15" name="ZoneTexte 14">
+            <a:extLst>
+              <a:ext uri="{FF2B5EF4-FFF2-40B4-BE49-F238E27FC236}">
+                <a16:creationId xmlns:a16="http://schemas.microsoft.com/office/drawing/2014/main" id="{C5B8EBF2-6D1B-4326-A6A2-A6346E9811B9}"/>
+              </a:ext>
+            </a:extLst>
+          </p:cNvPr>
+          <p:cNvSpPr txBox="1"/>
+          <p:nvPr/>
+        </p:nvSpPr>
+        <p:spPr>
+          <a:xfrm>
+            <a:off x="26157663" y="22157308"/>
+            <a:ext cx="1484002" cy="230832"/>
+          </a:xfrm>
+          <a:prstGeom prst="rect">
+            <a:avLst/>
+          </a:prstGeom>
+          <a:noFill/>
+        </p:spPr>
+        <p:txBody>
+          <a:bodyPr wrap="square" rtlCol="0">
+            <a:spAutoFit/>
+          </a:bodyPr>
+          <a:lstStyle/>
+          <a:p>
+            <a:pPr algn="ctr"/>
+            <a:r>
+              <a:rPr lang="fr-FR" sz="900" i="1" dirty="0">
+                <a:latin typeface="Gill Sans Nova" panose="020B0602020104020203" pitchFamily="34" charset="0"/>
+              </a:rPr>
+              <a:t>P2</a:t>
+            </a:r>
+          </a:p>
+        </p:txBody>
+      </p:sp>
+      <p:sp>
+        <p:nvSpPr>
+          <p:cNvPr id="256" name="Rectangle : coins arrondis 255">
+            <a:extLst>
+              <a:ext uri="{FF2B5EF4-FFF2-40B4-BE49-F238E27FC236}">
+                <a16:creationId xmlns:a16="http://schemas.microsoft.com/office/drawing/2014/main" id="{93A6A91A-76BC-4A4F-B849-B2CB9CDA7C4A}"/>
               </a:ext>
             </a:extLst>
           </p:cNvPr>
@@ -16359,17 +16056,19 @@
         </p:nvSpPr>
         <p:spPr>
           <a:xfrm>
-            <a:off x="18254840" y="13087565"/>
-            <a:ext cx="1845216" cy="268547"/>
+            <a:off x="28925590" y="22452739"/>
+            <a:ext cx="1311925" cy="856482"/>
           </a:xfrm>
           <a:prstGeom prst="roundRect">
             <a:avLst/>
           </a:prstGeom>
           <a:solidFill>
-            <a:schemeClr val="bg1"/>
+            <a:srgbClr val="FFD1A7"/>
           </a:solidFill>
-          <a:ln w="19050">
-            <a:noFill/>
+          <a:ln w="28575">
+            <a:solidFill>
+              <a:srgbClr val="FFB36D"/>
+            </a:solidFill>
           </a:ln>
         </p:spPr>
         <p:style>
@@ -16387,43 +16086,82 @@
           </a:fontRef>
         </p:style>
         <p:txBody>
-          <a:bodyPr rtlCol="0" anchor="t"/>
-          <a:lstStyle/>
-          <a:p>
+          <a:bodyPr rtlCol="0" anchor="ctr"/>
+          <a:lstStyle/>
+          <a:p>
+            <a:pPr algn="ctr"/>
             <a:r>
               <a:rPr lang="fr-FR" sz="900" dirty="0">
                 <a:solidFill>
                   <a:schemeClr val="tx1"/>
                 </a:solidFill>
-              </a:rPr>
-              <a:t>« </a:t>
-            </a:r>
-            <a:r>
-              <a:rPr lang="fr-FR" sz="900" b="0" dirty="0">
+                <a:latin typeface="Gill Sans Nova" panose="020B0602020104020203" pitchFamily="34" charset="0"/>
+              </a:rPr>
+              <a:t>E74 Group</a:t>
+            </a:r>
+          </a:p>
+          <a:p>
+            <a:pPr algn="ctr"/>
+            <a:r>
+              <a:rPr lang="fr-FR" sz="900" i="1" dirty="0">
                 <a:solidFill>
                   <a:schemeClr val="tx1"/>
                 </a:solidFill>
-                <a:effectLst/>
-              </a:rPr>
-              <a:t>2020-11-18T06:16:06+0000 </a:t>
-            </a:r>
-            <a:r>
-              <a:rPr lang="fr-FR" sz="900" dirty="0">
-                <a:solidFill>
-                  <a:schemeClr val="tx1"/>
-                </a:solidFill>
-              </a:rPr>
-              <a:t>»</a:t>
-            </a:r>
-          </a:p>
-        </p:txBody>
-      </p:sp>
-      <p:sp>
-        <p:nvSpPr>
-          <p:cNvPr id="7" name="Rectangle : coins arrondis 6">
-            <a:extLst>
-              <a:ext uri="{FF2B5EF4-FFF2-40B4-BE49-F238E27FC236}">
-                <a16:creationId xmlns:a16="http://schemas.microsoft.com/office/drawing/2014/main" id="{E2415057-E5BB-4388-A278-2FBCAE86AD2C}"/>
+                <a:latin typeface="Gill Sans Nova" panose="020B0602020104020203" pitchFamily="34" charset="0"/>
+              </a:rPr>
+              <a:t>(« Communautés de marchands et de bourgeois »)</a:t>
+            </a:r>
+          </a:p>
+        </p:txBody>
+      </p:sp>
+      <p:cxnSp>
+        <p:nvCxnSpPr>
+          <p:cNvPr id="19" name="Connecteur : en arc 18">
+            <a:extLst>
+              <a:ext uri="{FF2B5EF4-FFF2-40B4-BE49-F238E27FC236}">
+                <a16:creationId xmlns:a16="http://schemas.microsoft.com/office/drawing/2014/main" id="{D3B6888C-8D28-4F9E-841A-3042CFC6367F}"/>
+              </a:ext>
+            </a:extLst>
+          </p:cNvPr>
+          <p:cNvCxnSpPr>
+            <a:stCxn id="256" idx="3"/>
+            <a:endCxn id="1203" idx="2"/>
+          </p:cNvCxnSpPr>
+          <p:nvPr/>
+        </p:nvCxnSpPr>
+        <p:spPr>
+          <a:xfrm flipV="1">
+            <a:off x="30237515" y="21400893"/>
+            <a:ext cx="763064" cy="1480087"/>
+          </a:xfrm>
+          <a:prstGeom prst="curvedConnector2">
+            <a:avLst/>
+          </a:prstGeom>
+          <a:ln>
+            <a:tailEnd type="triangle"/>
+          </a:ln>
+        </p:spPr>
+        <p:style>
+          <a:lnRef idx="1">
+            <a:schemeClr val="dk1"/>
+          </a:lnRef>
+          <a:fillRef idx="0">
+            <a:schemeClr val="dk1"/>
+          </a:fillRef>
+          <a:effectRef idx="0">
+            <a:schemeClr val="dk1"/>
+          </a:effectRef>
+          <a:fontRef idx="minor">
+            <a:schemeClr val="tx1"/>
+          </a:fontRef>
+        </p:style>
+      </p:cxnSp>
+      <p:sp>
+        <p:nvSpPr>
+          <p:cNvPr id="266" name="Rectangle : coins arrondis 265">
+            <a:extLst>
+              <a:ext uri="{FF2B5EF4-FFF2-40B4-BE49-F238E27FC236}">
+                <a16:creationId xmlns:a16="http://schemas.microsoft.com/office/drawing/2014/main" id="{F5A61602-C9C4-408F-B8A6-6BBE1FE9BC99}"/>
               </a:ext>
             </a:extLst>
           </p:cNvPr>
@@ -16432,17 +16170,19 @@
         </p:nvSpPr>
         <p:spPr>
           <a:xfrm>
-            <a:off x="26393563" y="22634431"/>
-            <a:ext cx="960209" cy="437614"/>
+            <a:off x="30351866" y="23988531"/>
+            <a:ext cx="1386807" cy="856482"/>
           </a:xfrm>
           <a:prstGeom prst="roundRect">
             <a:avLst/>
           </a:prstGeom>
           <a:solidFill>
-            <a:srgbClr val="F6CACA"/>
+            <a:srgbClr val="FFD1A7"/>
           </a:solidFill>
-          <a:ln w="12700">
-            <a:noFill/>
+          <a:ln w="28575">
+            <a:solidFill>
+              <a:srgbClr val="FFB36D"/>
+            </a:solidFill>
           </a:ln>
         </p:spPr>
         <p:style>
@@ -16471,57 +16211,46 @@
                 </a:solidFill>
                 <a:latin typeface="Gill Sans Nova" panose="020B0602020104020203" pitchFamily="34" charset="0"/>
               </a:rPr>
-              <a:t>E55 Type</a:t>
-            </a:r>
-          </a:p>
-          <a:p>
-            <a:pPr algn="ctr"/>
-            <a:r>
-              <a:rPr lang="fr-FR" sz="900" i="1">
+              <a:t>E74 Group</a:t>
+            </a:r>
+          </a:p>
+          <a:p>
+            <a:pPr algn="ctr"/>
+            <a:r>
+              <a:rPr lang="fr-FR" sz="900" i="1" dirty="0">
                 <a:solidFill>
                   <a:schemeClr val="tx1"/>
                 </a:solidFill>
                 <a:latin typeface="Gill Sans Nova" panose="020B0602020104020203" pitchFamily="34" charset="0"/>
               </a:rPr>
-              <a:t>« Adhérent </a:t>
-            </a:r>
-            <a:r>
-              <a:rPr lang="fr-FR" sz="900" i="1" dirty="0">
-                <a:solidFill>
-                  <a:schemeClr val="tx1"/>
-                </a:solidFill>
-                <a:latin typeface="Gill Sans Nova" panose="020B0602020104020203" pitchFamily="34" charset="0"/>
-              </a:rPr>
-              <a:t>»</a:t>
+              <a:t>(« Bourgeois de Saint-Denis en Ile-de-France »)</a:t>
             </a:r>
           </a:p>
         </p:txBody>
       </p:sp>
       <p:cxnSp>
         <p:nvCxnSpPr>
-          <p:cNvPr id="271" name="Connecteur droit avec flèche 1749">
-            <a:extLst>
-              <a:ext uri="{FF2B5EF4-FFF2-40B4-BE49-F238E27FC236}">
-                <a16:creationId xmlns:a16="http://schemas.microsoft.com/office/drawing/2014/main" id="{F1BDEE82-3662-4037-8801-34CCA0A54C4E}"/>
+          <p:cNvPr id="28" name="Connecteur : en arc 27">
+            <a:extLst>
+              <a:ext uri="{FF2B5EF4-FFF2-40B4-BE49-F238E27FC236}">
+                <a16:creationId xmlns:a16="http://schemas.microsoft.com/office/drawing/2014/main" id="{FD2E284F-FA93-4F49-AF10-05DCAF7BA321}"/>
               </a:ext>
             </a:extLst>
           </p:cNvPr>
           <p:cNvCxnSpPr>
             <a:cxnSpLocks/>
-            <a:stCxn id="1728" idx="2"/>
-            <a:endCxn id="7" idx="0"/>
+            <a:stCxn id="256" idx="3"/>
+            <a:endCxn id="266" idx="0"/>
           </p:cNvCxnSpPr>
           <p:nvPr/>
         </p:nvCxnSpPr>
         <p:spPr>
-          <a:xfrm rot="16200000" flipH="1">
-            <a:off x="26237939" y="21998701"/>
-            <a:ext cx="716013" cy="555445"/>
-          </a:xfrm>
-          <a:prstGeom prst="curvedConnector3">
-            <a:avLst>
-              <a:gd name="adj1" fmla="val 50000"/>
-            </a:avLst>
+          <a:xfrm>
+            <a:off x="30237515" y="22880980"/>
+            <a:ext cx="807755" cy="1107551"/>
+          </a:xfrm>
+          <a:prstGeom prst="curvedConnector2">
+            <a:avLst/>
           </a:prstGeom>
           <a:ln>
             <a:tailEnd type="triangle"/>
@@ -16544,10 +16273,10 @@
       </p:cxnSp>
       <p:sp>
         <p:nvSpPr>
-          <p:cNvPr id="15" name="ZoneTexte 14">
-            <a:extLst>
-              <a:ext uri="{FF2B5EF4-FFF2-40B4-BE49-F238E27FC236}">
-                <a16:creationId xmlns:a16="http://schemas.microsoft.com/office/drawing/2014/main" id="{C5B8EBF2-6D1B-4326-A6A2-A6346E9811B9}"/>
+          <p:cNvPr id="275" name="ZoneTexte 274">
+            <a:extLst>
+              <a:ext uri="{FF2B5EF4-FFF2-40B4-BE49-F238E27FC236}">
+                <a16:creationId xmlns:a16="http://schemas.microsoft.com/office/drawing/2014/main" id="{360D258C-5B47-4FF1-BA85-65FF8B322F49}"/>
               </a:ext>
             </a:extLst>
           </p:cNvPr>
@@ -16556,8 +16285,8 @@
         </p:nvSpPr>
         <p:spPr>
           <a:xfrm>
-            <a:off x="26157663" y="22157308"/>
-            <a:ext cx="1484002" cy="230832"/>
+            <a:off x="30532305" y="22746319"/>
+            <a:ext cx="1484002" cy="369332"/>
           </a:xfrm>
           <a:prstGeom prst="rect">
             <a:avLst/>
@@ -16575,11 +16304,116 @@
               <a:rPr lang="fr-FR" sz="900" i="1" dirty="0">
                 <a:latin typeface="Gill Sans Nova" panose="020B0602020104020203" pitchFamily="34" charset="0"/>
               </a:rPr>
-              <a:t>P2</a:t>
-            </a:r>
-          </a:p>
-        </p:txBody>
-      </p:sp>
+              <a:t>P107 has </a:t>
+            </a:r>
+            <a:r>
+              <a:rPr lang="fr-FR" sz="900" i="1" dirty="0" err="1">
+                <a:latin typeface="Gill Sans Nova" panose="020B0602020104020203" pitchFamily="34" charset="0"/>
+              </a:rPr>
+              <a:t>current</a:t>
+            </a:r>
+            <a:r>
+              <a:rPr lang="fr-FR" sz="900" i="1" dirty="0">
+                <a:latin typeface="Gill Sans Nova" panose="020B0602020104020203" pitchFamily="34" charset="0"/>
+              </a:rPr>
+              <a:t> or former </a:t>
+            </a:r>
+            <a:r>
+              <a:rPr lang="fr-FR" sz="900" i="1" dirty="0" err="1">
+                <a:latin typeface="Gill Sans Nova" panose="020B0602020104020203" pitchFamily="34" charset="0"/>
+              </a:rPr>
+              <a:t>member</a:t>
+            </a:r>
+            <a:endParaRPr lang="fr-FR" sz="900" i="1" dirty="0">
+              <a:latin typeface="Gill Sans Nova" panose="020B0602020104020203" pitchFamily="34" charset="0"/>
+            </a:endParaRPr>
+          </a:p>
+        </p:txBody>
+      </p:sp>
+      <p:cxnSp>
+        <p:nvCxnSpPr>
+          <p:cNvPr id="59" name="Connecteur : en arc 58">
+            <a:extLst>
+              <a:ext uri="{FF2B5EF4-FFF2-40B4-BE49-F238E27FC236}">
+                <a16:creationId xmlns:a16="http://schemas.microsoft.com/office/drawing/2014/main" id="{70C10507-CEC1-4DDA-B9C7-10E2E294D05E}"/>
+              </a:ext>
+            </a:extLst>
+          </p:cNvPr>
+          <p:cNvCxnSpPr>
+            <a:stCxn id="1728" idx="3"/>
+            <a:endCxn id="1203" idx="1"/>
+          </p:cNvCxnSpPr>
+          <p:nvPr/>
+        </p:nvCxnSpPr>
+        <p:spPr>
+          <a:xfrm flipV="1">
+            <a:off x="26782732" y="20972652"/>
+            <a:ext cx="3561884" cy="743171"/>
+          </a:xfrm>
+          <a:prstGeom prst="curvedConnector3">
+            <a:avLst/>
+          </a:prstGeom>
+          <a:ln>
+            <a:tailEnd type="triangle"/>
+          </a:ln>
+        </p:spPr>
+        <p:style>
+          <a:lnRef idx="1">
+            <a:schemeClr val="dk1"/>
+          </a:lnRef>
+          <a:fillRef idx="0">
+            <a:schemeClr val="dk1"/>
+          </a:fillRef>
+          <a:effectRef idx="0">
+            <a:schemeClr val="dk1"/>
+          </a:effectRef>
+          <a:fontRef idx="minor">
+            <a:schemeClr val="tx1"/>
+          </a:fontRef>
+        </p:style>
+      </p:cxnSp>
+      <p:cxnSp>
+        <p:nvCxnSpPr>
+          <p:cNvPr id="195" name="Connecteur droit avec flèche 194">
+            <a:extLst>
+              <a:ext uri="{FF2B5EF4-FFF2-40B4-BE49-F238E27FC236}">
+                <a16:creationId xmlns:a16="http://schemas.microsoft.com/office/drawing/2014/main" id="{0719A202-FA65-4F14-817A-458EE6176A47}"/>
+              </a:ext>
+            </a:extLst>
+          </p:cNvPr>
+          <p:cNvCxnSpPr>
+            <a:stCxn id="1726" idx="3"/>
+            <a:endCxn id="1203" idx="1"/>
+          </p:cNvCxnSpPr>
+          <p:nvPr/>
+        </p:nvCxnSpPr>
+        <p:spPr>
+          <a:xfrm flipV="1">
+            <a:off x="26774101" y="20972652"/>
+            <a:ext cx="3570515" cy="72362"/>
+          </a:xfrm>
+          <a:prstGeom prst="straightConnector1">
+            <a:avLst/>
+          </a:prstGeom>
+          <a:ln>
+            <a:tailEnd type="triangle"/>
+          </a:ln>
+        </p:spPr>
+        <p:style>
+          <a:lnRef idx="1">
+            <a:schemeClr val="dk1"/>
+          </a:lnRef>
+          <a:fillRef idx="0">
+            <a:schemeClr val="dk1"/>
+          </a:fillRef>
+          <a:effectRef idx="0">
+            <a:schemeClr val="dk1"/>
+          </a:effectRef>
+          <a:fontRef idx="minor">
+            <a:schemeClr val="tx1"/>
+          </a:fontRef>
+        </p:style>
+      </p:cxnSp>
     </p:spTree>
     <p:extLst>
       <p:ext uri="{BB962C8B-B14F-4D97-AF65-F5344CB8AC3E}">

--- a/modélisation/mercure-galant-thésaurus-ancien-régime/Modélisation.pptx
+++ b/modélisation/mercure-galant-thésaurus-ancien-régime/Modélisation.pptx
@@ -243,7 +243,7 @@
           <a:p>
             <a:fld id="{F96D367F-7370-4214-86FB-91D90BAC4FAD}" type="datetimeFigureOut">
               <a:rPr lang="fr-FR" smtClean="0"/>
-              <a:t>22/01/2021</a:t>
+              <a:t>27/01/2021</a:t>
             </a:fld>
             <a:endParaRPr lang="fr-FR"/>
           </a:p>
@@ -413,7 +413,7 @@
           <a:p>
             <a:fld id="{F96D367F-7370-4214-86FB-91D90BAC4FAD}" type="datetimeFigureOut">
               <a:rPr lang="fr-FR" smtClean="0"/>
-              <a:t>22/01/2021</a:t>
+              <a:t>27/01/2021</a:t>
             </a:fld>
             <a:endParaRPr lang="fr-FR"/>
           </a:p>
@@ -593,7 +593,7 @@
           <a:p>
             <a:fld id="{F96D367F-7370-4214-86FB-91D90BAC4FAD}" type="datetimeFigureOut">
               <a:rPr lang="fr-FR" smtClean="0"/>
-              <a:t>22/01/2021</a:t>
+              <a:t>27/01/2021</a:t>
             </a:fld>
             <a:endParaRPr lang="fr-FR"/>
           </a:p>
@@ -763,7 +763,7 @@
           <a:p>
             <a:fld id="{F96D367F-7370-4214-86FB-91D90BAC4FAD}" type="datetimeFigureOut">
               <a:rPr lang="fr-FR" smtClean="0"/>
-              <a:t>22/01/2021</a:t>
+              <a:t>27/01/2021</a:t>
             </a:fld>
             <a:endParaRPr lang="fr-FR"/>
           </a:p>
@@ -1007,7 +1007,7 @@
           <a:p>
             <a:fld id="{F96D367F-7370-4214-86FB-91D90BAC4FAD}" type="datetimeFigureOut">
               <a:rPr lang="fr-FR" smtClean="0"/>
-              <a:t>22/01/2021</a:t>
+              <a:t>27/01/2021</a:t>
             </a:fld>
             <a:endParaRPr lang="fr-FR"/>
           </a:p>
@@ -1239,7 +1239,7 @@
           <a:p>
             <a:fld id="{F96D367F-7370-4214-86FB-91D90BAC4FAD}" type="datetimeFigureOut">
               <a:rPr lang="fr-FR" smtClean="0"/>
-              <a:t>22/01/2021</a:t>
+              <a:t>27/01/2021</a:t>
             </a:fld>
             <a:endParaRPr lang="fr-FR"/>
           </a:p>
@@ -1606,7 +1606,7 @@
           <a:p>
             <a:fld id="{F96D367F-7370-4214-86FB-91D90BAC4FAD}" type="datetimeFigureOut">
               <a:rPr lang="fr-FR" smtClean="0"/>
-              <a:t>22/01/2021</a:t>
+              <a:t>27/01/2021</a:t>
             </a:fld>
             <a:endParaRPr lang="fr-FR"/>
           </a:p>
@@ -1724,7 +1724,7 @@
           <a:p>
             <a:fld id="{F96D367F-7370-4214-86FB-91D90BAC4FAD}" type="datetimeFigureOut">
               <a:rPr lang="fr-FR" smtClean="0"/>
-              <a:t>22/01/2021</a:t>
+              <a:t>27/01/2021</a:t>
             </a:fld>
             <a:endParaRPr lang="fr-FR"/>
           </a:p>
@@ -1819,7 +1819,7 @@
           <a:p>
             <a:fld id="{F96D367F-7370-4214-86FB-91D90BAC4FAD}" type="datetimeFigureOut">
               <a:rPr lang="fr-FR" smtClean="0"/>
-              <a:t>22/01/2021</a:t>
+              <a:t>27/01/2021</a:t>
             </a:fld>
             <a:endParaRPr lang="fr-FR"/>
           </a:p>
@@ -2096,7 +2096,7 @@
           <a:p>
             <a:fld id="{F96D367F-7370-4214-86FB-91D90BAC4FAD}" type="datetimeFigureOut">
               <a:rPr lang="fr-FR" smtClean="0"/>
-              <a:t>22/01/2021</a:t>
+              <a:t>27/01/2021</a:t>
             </a:fld>
             <a:endParaRPr lang="fr-FR"/>
           </a:p>
@@ -2353,7 +2353,7 @@
           <a:p>
             <a:fld id="{F96D367F-7370-4214-86FB-91D90BAC4FAD}" type="datetimeFigureOut">
               <a:rPr lang="fr-FR" smtClean="0"/>
-              <a:t>22/01/2021</a:t>
+              <a:t>27/01/2021</a:t>
             </a:fld>
             <a:endParaRPr lang="fr-FR"/>
           </a:p>
@@ -2566,7 +2566,7 @@
           <a:p>
             <a:fld id="{F96D367F-7370-4214-86FB-91D90BAC4FAD}" type="datetimeFigureOut">
               <a:rPr lang="fr-FR" smtClean="0"/>
-              <a:t>22/01/2021</a:t>
+              <a:t>27/01/2021</a:t>
             </a:fld>
             <a:endParaRPr lang="fr-FR"/>
           </a:p>
@@ -8459,7 +8459,7 @@
         </p:nvSpPr>
         <p:spPr>
           <a:xfrm>
-            <a:off x="19176873" y="23858474"/>
+            <a:off x="19150338" y="24411766"/>
             <a:ext cx="1484002" cy="230832"/>
           </a:xfrm>
           <a:prstGeom prst="rect">
@@ -16130,6 +16130,581 @@
               </a:rPr>
               <a:t> by</a:t>
             </a:r>
+          </a:p>
+        </p:txBody>
+      </p:sp>
+      <p:sp>
+        <p:nvSpPr>
+          <p:cNvPr id="247" name="Rectangle : coins arrondis 246">
+            <a:extLst>
+              <a:ext uri="{FF2B5EF4-FFF2-40B4-BE49-F238E27FC236}">
+                <a16:creationId xmlns:a16="http://schemas.microsoft.com/office/drawing/2014/main" id="{8FD31BDF-F5E3-4EED-A1A0-A4F7FBCE2038}"/>
+              </a:ext>
+            </a:extLst>
+          </p:cNvPr>
+          <p:cNvSpPr/>
+          <p:nvPr/>
+        </p:nvSpPr>
+        <p:spPr>
+          <a:xfrm>
+            <a:off x="37586462" y="21468221"/>
+            <a:ext cx="1062749" cy="575143"/>
+          </a:xfrm>
+          <a:prstGeom prst="roundRect">
+            <a:avLst/>
+          </a:prstGeom>
+          <a:solidFill>
+            <a:srgbClr val="A5E9E1"/>
+          </a:solidFill>
+          <a:ln w="28575">
+            <a:solidFill>
+              <a:srgbClr val="5ED8C9"/>
+            </a:solidFill>
+          </a:ln>
+        </p:spPr>
+        <p:style>
+          <a:lnRef idx="2">
+            <a:schemeClr val="accent6"/>
+          </a:lnRef>
+          <a:fillRef idx="1">
+            <a:schemeClr val="lt1"/>
+          </a:fillRef>
+          <a:effectRef idx="0">
+            <a:schemeClr val="accent6"/>
+          </a:effectRef>
+          <a:fontRef idx="minor">
+            <a:schemeClr val="dk1"/>
+          </a:fontRef>
+        </p:style>
+        <p:txBody>
+          <a:bodyPr rtlCol="0" anchor="ctr"/>
+          <a:lstStyle/>
+          <a:p>
+            <a:pPr algn="ctr"/>
+            <a:r>
+              <a:rPr lang="fr-FR" sz="900" dirty="0">
+                <a:solidFill>
+                  <a:schemeClr val="tx1"/>
+                </a:solidFill>
+                <a:latin typeface="Gill Sans Nova" panose="020B0602020104020203" pitchFamily="34" charset="0"/>
+              </a:rPr>
+              <a:t>E66 Formation</a:t>
+            </a:r>
+          </a:p>
+        </p:txBody>
+      </p:sp>
+      <p:sp>
+        <p:nvSpPr>
+          <p:cNvPr id="250" name="ZoneTexte 249">
+            <a:extLst>
+              <a:ext uri="{FF2B5EF4-FFF2-40B4-BE49-F238E27FC236}">
+                <a16:creationId xmlns:a16="http://schemas.microsoft.com/office/drawing/2014/main" id="{C1440861-E564-4CCB-97CE-60377A4AC8B9}"/>
+              </a:ext>
+            </a:extLst>
+          </p:cNvPr>
+          <p:cNvSpPr txBox="1"/>
+          <p:nvPr/>
+        </p:nvSpPr>
+        <p:spPr>
+          <a:xfrm>
+            <a:off x="36027738" y="21571126"/>
+            <a:ext cx="1002663" cy="369332"/>
+          </a:xfrm>
+          <a:prstGeom prst="rect">
+            <a:avLst/>
+          </a:prstGeom>
+          <a:noFill/>
+        </p:spPr>
+        <p:txBody>
+          <a:bodyPr wrap="square" rtlCol="0">
+            <a:spAutoFit/>
+          </a:bodyPr>
+          <a:lstStyle/>
+          <a:p>
+            <a:pPr algn="ctr"/>
+            <a:r>
+              <a:rPr lang="fr-FR" sz="900" i="1" dirty="0">
+                <a:latin typeface="Gill Sans Nova" panose="020B0602020104020203" pitchFamily="34" charset="0"/>
+              </a:rPr>
+              <a:t>P151 </a:t>
+            </a:r>
+            <a:r>
+              <a:rPr lang="fr-FR" sz="900" i="1" dirty="0" err="1">
+                <a:latin typeface="Gill Sans Nova" panose="020B0602020104020203" pitchFamily="34" charset="0"/>
+              </a:rPr>
+              <a:t>was</a:t>
+            </a:r>
+            <a:r>
+              <a:rPr lang="fr-FR" sz="900" i="1" dirty="0">
+                <a:latin typeface="Gill Sans Nova" panose="020B0602020104020203" pitchFamily="34" charset="0"/>
+              </a:rPr>
+              <a:t> </a:t>
+            </a:r>
+            <a:r>
+              <a:rPr lang="fr-FR" sz="900" i="1" dirty="0" err="1">
+                <a:latin typeface="Gill Sans Nova" panose="020B0602020104020203" pitchFamily="34" charset="0"/>
+              </a:rPr>
+              <a:t>formed</a:t>
+            </a:r>
+            <a:r>
+              <a:rPr lang="fr-FR" sz="900" i="1" dirty="0">
+                <a:latin typeface="Gill Sans Nova" panose="020B0602020104020203" pitchFamily="34" charset="0"/>
+              </a:rPr>
+              <a:t> </a:t>
+            </a:r>
+            <a:r>
+              <a:rPr lang="fr-FR" sz="900" i="1" dirty="0" err="1">
+                <a:latin typeface="Gill Sans Nova" panose="020B0602020104020203" pitchFamily="34" charset="0"/>
+              </a:rPr>
+              <a:t>from</a:t>
+            </a:r>
+            <a:endParaRPr lang="fr-FR" sz="900" i="1" dirty="0">
+              <a:latin typeface="Gill Sans Nova" panose="020B0602020104020203" pitchFamily="34" charset="0"/>
+            </a:endParaRPr>
+          </a:p>
+        </p:txBody>
+      </p:sp>
+      <p:cxnSp>
+        <p:nvCxnSpPr>
+          <p:cNvPr id="20" name="Connecteur : en arc 19">
+            <a:extLst>
+              <a:ext uri="{FF2B5EF4-FFF2-40B4-BE49-F238E27FC236}">
+                <a16:creationId xmlns:a16="http://schemas.microsoft.com/office/drawing/2014/main" id="{479237A6-6C4E-4958-A794-6D03C4C414C9}"/>
+              </a:ext>
+            </a:extLst>
+          </p:cNvPr>
+          <p:cNvCxnSpPr>
+            <a:stCxn id="1203" idx="3"/>
+            <a:endCxn id="247" idx="1"/>
+          </p:cNvCxnSpPr>
+          <p:nvPr/>
+        </p:nvCxnSpPr>
+        <p:spPr>
+          <a:xfrm flipV="1">
+            <a:off x="35758896" y="21755793"/>
+            <a:ext cx="1827566" cy="648751"/>
+          </a:xfrm>
+          <a:prstGeom prst="curvedConnector3">
+            <a:avLst/>
+          </a:prstGeom>
+          <a:ln>
+            <a:tailEnd type="triangle"/>
+          </a:ln>
+        </p:spPr>
+        <p:style>
+          <a:lnRef idx="1">
+            <a:schemeClr val="dk1"/>
+          </a:lnRef>
+          <a:fillRef idx="0">
+            <a:schemeClr val="dk1"/>
+          </a:fillRef>
+          <a:effectRef idx="0">
+            <a:schemeClr val="dk1"/>
+          </a:effectRef>
+          <a:fontRef idx="minor">
+            <a:schemeClr val="tx1"/>
+          </a:fontRef>
+        </p:style>
+      </p:cxnSp>
+      <p:sp>
+        <p:nvSpPr>
+          <p:cNvPr id="257" name="Rectangle : coins arrondis 256">
+            <a:extLst>
+              <a:ext uri="{FF2B5EF4-FFF2-40B4-BE49-F238E27FC236}">
+                <a16:creationId xmlns:a16="http://schemas.microsoft.com/office/drawing/2014/main" id="{7C67B9CE-0BD7-45F9-B5DD-740F03FA40BD}"/>
+              </a:ext>
+            </a:extLst>
+          </p:cNvPr>
+          <p:cNvSpPr/>
+          <p:nvPr/>
+        </p:nvSpPr>
+        <p:spPr>
+          <a:xfrm>
+            <a:off x="37586462" y="22599222"/>
+            <a:ext cx="1062749" cy="575143"/>
+          </a:xfrm>
+          <a:prstGeom prst="roundRect">
+            <a:avLst/>
+          </a:prstGeom>
+          <a:solidFill>
+            <a:srgbClr val="37CDBB"/>
+          </a:solidFill>
+          <a:ln w="28575">
+            <a:solidFill>
+              <a:srgbClr val="2AAC9D"/>
+            </a:solidFill>
+          </a:ln>
+        </p:spPr>
+        <p:style>
+          <a:lnRef idx="2">
+            <a:schemeClr val="accent6"/>
+          </a:lnRef>
+          <a:fillRef idx="1">
+            <a:schemeClr val="lt1"/>
+          </a:fillRef>
+          <a:effectRef idx="0">
+            <a:schemeClr val="accent6"/>
+          </a:effectRef>
+          <a:fontRef idx="minor">
+            <a:schemeClr val="dk1"/>
+          </a:fontRef>
+        </p:style>
+        <p:txBody>
+          <a:bodyPr rtlCol="0" anchor="ctr"/>
+          <a:lstStyle/>
+          <a:p>
+            <a:pPr algn="ctr"/>
+            <a:r>
+              <a:rPr lang="fr-FR" sz="900" dirty="0">
+                <a:solidFill>
+                  <a:schemeClr val="bg1"/>
+                </a:solidFill>
+                <a:latin typeface="Gill Sans Nova" panose="020B0602020104020203" pitchFamily="34" charset="0"/>
+              </a:rPr>
+              <a:t>E68 Dissolution</a:t>
+            </a:r>
+          </a:p>
+        </p:txBody>
+      </p:sp>
+      <p:cxnSp>
+        <p:nvCxnSpPr>
+          <p:cNvPr id="23" name="Connecteur : en arc 22">
+            <a:extLst>
+              <a:ext uri="{FF2B5EF4-FFF2-40B4-BE49-F238E27FC236}">
+                <a16:creationId xmlns:a16="http://schemas.microsoft.com/office/drawing/2014/main" id="{9A437E44-B224-43A2-A941-BDF85F70E746}"/>
+              </a:ext>
+            </a:extLst>
+          </p:cNvPr>
+          <p:cNvCxnSpPr>
+            <a:cxnSpLocks/>
+            <a:stCxn id="257" idx="1"/>
+            <a:endCxn id="1203" idx="3"/>
+          </p:cNvCxnSpPr>
+          <p:nvPr/>
+        </p:nvCxnSpPr>
+        <p:spPr>
+          <a:xfrm rot="10800000">
+            <a:off x="35758896" y="22404544"/>
+            <a:ext cx="1827566" cy="482250"/>
+          </a:xfrm>
+          <a:prstGeom prst="curvedConnector3">
+            <a:avLst>
+              <a:gd name="adj1" fmla="val 50000"/>
+            </a:avLst>
+          </a:prstGeom>
+          <a:ln>
+            <a:tailEnd type="triangle"/>
+          </a:ln>
+        </p:spPr>
+        <p:style>
+          <a:lnRef idx="1">
+            <a:schemeClr val="dk1"/>
+          </a:lnRef>
+          <a:fillRef idx="0">
+            <a:schemeClr val="dk1"/>
+          </a:fillRef>
+          <a:effectRef idx="0">
+            <a:schemeClr val="dk1"/>
+          </a:effectRef>
+          <a:fontRef idx="minor">
+            <a:schemeClr val="tx1"/>
+          </a:fontRef>
+        </p:style>
+      </p:cxnSp>
+      <p:sp>
+        <p:nvSpPr>
+          <p:cNvPr id="262" name="ZoneTexte 261">
+            <a:extLst>
+              <a:ext uri="{FF2B5EF4-FFF2-40B4-BE49-F238E27FC236}">
+                <a16:creationId xmlns:a16="http://schemas.microsoft.com/office/drawing/2014/main" id="{D693F609-B1A5-4A21-85E1-ECBA60C0DF23}"/>
+              </a:ext>
+            </a:extLst>
+          </p:cNvPr>
+          <p:cNvSpPr txBox="1"/>
+          <p:nvPr/>
+        </p:nvSpPr>
+        <p:spPr>
+          <a:xfrm>
+            <a:off x="36091130" y="22849589"/>
+            <a:ext cx="1002663" cy="230832"/>
+          </a:xfrm>
+          <a:prstGeom prst="rect">
+            <a:avLst/>
+          </a:prstGeom>
+          <a:noFill/>
+        </p:spPr>
+        <p:txBody>
+          <a:bodyPr wrap="square" rtlCol="0">
+            <a:spAutoFit/>
+          </a:bodyPr>
+          <a:lstStyle/>
+          <a:p>
+            <a:pPr algn="ctr"/>
+            <a:r>
+              <a:rPr lang="fr-FR" sz="900" i="1" dirty="0">
+                <a:latin typeface="Gill Sans Nova" panose="020B0602020104020203" pitchFamily="34" charset="0"/>
+              </a:rPr>
+              <a:t>P99 </a:t>
+            </a:r>
+            <a:r>
+              <a:rPr lang="fr-FR" sz="900" i="1" dirty="0" err="1">
+                <a:latin typeface="Gill Sans Nova" panose="020B0602020104020203" pitchFamily="34" charset="0"/>
+              </a:rPr>
+              <a:t>dissolved</a:t>
+            </a:r>
+            <a:endParaRPr lang="fr-FR" sz="900" i="1" dirty="0">
+              <a:latin typeface="Gill Sans Nova" panose="020B0602020104020203" pitchFamily="34" charset="0"/>
+            </a:endParaRPr>
+          </a:p>
+        </p:txBody>
+      </p:sp>
+      <p:cxnSp>
+        <p:nvCxnSpPr>
+          <p:cNvPr id="31" name="Connecteur : en arc 30">
+            <a:extLst>
+              <a:ext uri="{FF2B5EF4-FFF2-40B4-BE49-F238E27FC236}">
+                <a16:creationId xmlns:a16="http://schemas.microsoft.com/office/drawing/2014/main" id="{B1720472-2DBE-468A-AE6F-C9C7ABCE09DF}"/>
+              </a:ext>
+            </a:extLst>
+          </p:cNvPr>
+          <p:cNvCxnSpPr>
+            <a:stCxn id="1610" idx="3"/>
+            <a:endCxn id="1203" idx="0"/>
+          </p:cNvCxnSpPr>
+          <p:nvPr/>
+        </p:nvCxnSpPr>
+        <p:spPr>
+          <a:xfrm>
+            <a:off x="25731206" y="19873961"/>
+            <a:ext cx="9371728" cy="2102342"/>
+          </a:xfrm>
+          <a:prstGeom prst="curvedConnector2">
+            <a:avLst/>
+          </a:prstGeom>
+          <a:ln>
+            <a:tailEnd type="triangle"/>
+          </a:ln>
+        </p:spPr>
+        <p:style>
+          <a:lnRef idx="1">
+            <a:schemeClr val="dk1"/>
+          </a:lnRef>
+          <a:fillRef idx="0">
+            <a:schemeClr val="dk1"/>
+          </a:fillRef>
+          <a:effectRef idx="0">
+            <a:schemeClr val="dk1"/>
+          </a:effectRef>
+          <a:fontRef idx="minor">
+            <a:schemeClr val="tx1"/>
+          </a:fontRef>
+        </p:style>
+      </p:cxnSp>
+      <p:sp>
+        <p:nvSpPr>
+          <p:cNvPr id="32" name="Ellipse 31">
+            <a:extLst>
+              <a:ext uri="{FF2B5EF4-FFF2-40B4-BE49-F238E27FC236}">
+                <a16:creationId xmlns:a16="http://schemas.microsoft.com/office/drawing/2014/main" id="{15A57189-6AE0-4557-9DA0-C68F4828C861}"/>
+              </a:ext>
+            </a:extLst>
+          </p:cNvPr>
+          <p:cNvSpPr/>
+          <p:nvPr/>
+        </p:nvSpPr>
+        <p:spPr>
+          <a:xfrm>
+            <a:off x="29957123" y="20349103"/>
+            <a:ext cx="1187339" cy="289717"/>
+          </a:xfrm>
+          <a:prstGeom prst="ellipse">
+            <a:avLst/>
+          </a:prstGeom>
+          <a:noFill/>
+          <a:ln w="3175">
+            <a:solidFill>
+              <a:schemeClr val="tx1"/>
+            </a:solidFill>
+          </a:ln>
+        </p:spPr>
+        <p:style>
+          <a:lnRef idx="2">
+            <a:schemeClr val="accent1">
+              <a:shade val="50000"/>
+            </a:schemeClr>
+          </a:lnRef>
+          <a:fillRef idx="1">
+            <a:schemeClr val="accent1"/>
+          </a:fillRef>
+          <a:effectRef idx="0">
+            <a:schemeClr val="accent1"/>
+          </a:effectRef>
+          <a:fontRef idx="minor">
+            <a:schemeClr val="lt1"/>
+          </a:fontRef>
+        </p:style>
+        <p:txBody>
+          <a:bodyPr rtlCol="0" anchor="ctr"/>
+          <a:lstStyle/>
+          <a:p>
+            <a:pPr algn="ctr"/>
+            <a:r>
+              <a:rPr lang="fr-FR" sz="1050" i="1" dirty="0" err="1">
+                <a:solidFill>
+                  <a:schemeClr val="tx1"/>
+                </a:solidFill>
+                <a:latin typeface="Gill Sans Nova" panose="020B0602020104020203" pitchFamily="34" charset="0"/>
+              </a:rPr>
+              <a:t>sheP</a:t>
+            </a:r>
+            <a:r>
+              <a:rPr lang="fr-FR" sz="900" i="1" dirty="0">
+                <a:solidFill>
+                  <a:schemeClr val="tx1"/>
+                </a:solidFill>
+                <a:latin typeface="Gill Sans Nova" panose="020B0602020104020203" pitchFamily="34" charset="0"/>
+              </a:rPr>
+              <a:t> </a:t>
+            </a:r>
+            <a:r>
+              <a:rPr lang="fr-FR" sz="1050" i="1" dirty="0">
+                <a:solidFill>
+                  <a:schemeClr val="tx1"/>
+                </a:solidFill>
+                <a:latin typeface="Gill Sans Nova" panose="020B0602020104020203" pitchFamily="34" charset="0"/>
+              </a:rPr>
+              <a:t>associe</a:t>
+            </a:r>
+            <a:endParaRPr lang="fr-FR" sz="1050" dirty="0">
+              <a:solidFill>
+                <a:schemeClr val="tx1"/>
+              </a:solidFill>
+            </a:endParaRPr>
+          </a:p>
+        </p:txBody>
+      </p:sp>
+      <p:sp>
+        <p:nvSpPr>
+          <p:cNvPr id="33" name="Rectangle : coins arrondis 32">
+            <a:extLst>
+              <a:ext uri="{FF2B5EF4-FFF2-40B4-BE49-F238E27FC236}">
+                <a16:creationId xmlns:a16="http://schemas.microsoft.com/office/drawing/2014/main" id="{23E3FA34-3944-4780-AF7B-E220849355D9}"/>
+              </a:ext>
+            </a:extLst>
+          </p:cNvPr>
+          <p:cNvSpPr/>
+          <p:nvPr/>
+        </p:nvSpPr>
+        <p:spPr>
+          <a:xfrm>
+            <a:off x="38600232" y="32867600"/>
+            <a:ext cx="4122568" cy="2514600"/>
+          </a:xfrm>
+          <a:prstGeom prst="roundRect">
+            <a:avLst/>
+          </a:prstGeom>
+          <a:solidFill>
+            <a:schemeClr val="bg1"/>
+          </a:solidFill>
+          <a:ln>
+            <a:noFill/>
+          </a:ln>
+        </p:spPr>
+        <p:style>
+          <a:lnRef idx="2">
+            <a:schemeClr val="accent1">
+              <a:shade val="50000"/>
+            </a:schemeClr>
+          </a:lnRef>
+          <a:fillRef idx="1">
+            <a:schemeClr val="accent1"/>
+          </a:fillRef>
+          <a:effectRef idx="0">
+            <a:schemeClr val="accent1"/>
+          </a:effectRef>
+          <a:fontRef idx="minor">
+            <a:schemeClr val="lt1"/>
+          </a:fontRef>
+        </p:style>
+        <p:txBody>
+          <a:bodyPr rtlCol="0" anchor="t"/>
+          <a:lstStyle/>
+          <a:p>
+            <a:pPr>
+              <a:lnSpc>
+                <a:spcPct val="150000"/>
+              </a:lnSpc>
+            </a:pPr>
+            <a:r>
+              <a:rPr lang="fr-FR" dirty="0"/>
+              <a:t>     		</a:t>
+            </a:r>
+            <a:r>
+              <a:rPr lang="fr-FR" sz="1200" dirty="0">
+                <a:solidFill>
+                  <a:schemeClr val="tx1"/>
+                </a:solidFill>
+                <a:latin typeface="Gill Sans Nova" panose="020B0602020104020203" pitchFamily="34" charset="0"/>
+              </a:rPr>
+              <a:t>Propriété SHERLOCK</a:t>
+            </a:r>
+            <a:endParaRPr lang="fr-FR" dirty="0">
+              <a:latin typeface="Gill Sans Nova" panose="020B0602020104020203" pitchFamily="34" charset="0"/>
+            </a:endParaRPr>
+          </a:p>
+        </p:txBody>
+      </p:sp>
+      <p:sp>
+        <p:nvSpPr>
+          <p:cNvPr id="34" name="Ellipse 33">
+            <a:extLst>
+              <a:ext uri="{FF2B5EF4-FFF2-40B4-BE49-F238E27FC236}">
+                <a16:creationId xmlns:a16="http://schemas.microsoft.com/office/drawing/2014/main" id="{81CDD935-6267-4225-83BC-DF31C9A776AD}"/>
+              </a:ext>
+            </a:extLst>
+          </p:cNvPr>
+          <p:cNvSpPr/>
+          <p:nvPr/>
+        </p:nvSpPr>
+        <p:spPr>
+          <a:xfrm>
+            <a:off x="38881050" y="33185100"/>
+            <a:ext cx="742950" cy="247650"/>
+          </a:xfrm>
+          <a:prstGeom prst="ellipse">
+            <a:avLst/>
+          </a:prstGeom>
+          <a:solidFill>
+            <a:schemeClr val="bg1"/>
+          </a:solidFill>
+          <a:ln>
+            <a:solidFill>
+              <a:schemeClr val="tx1"/>
+            </a:solidFill>
+          </a:ln>
+        </p:spPr>
+        <p:style>
+          <a:lnRef idx="2">
+            <a:schemeClr val="accent1">
+              <a:shade val="50000"/>
+            </a:schemeClr>
+          </a:lnRef>
+          <a:fillRef idx="1">
+            <a:schemeClr val="accent1"/>
+          </a:fillRef>
+          <a:effectRef idx="0">
+            <a:schemeClr val="accent1"/>
+          </a:effectRef>
+          <a:fontRef idx="minor">
+            <a:schemeClr val="lt1"/>
+          </a:fontRef>
+        </p:style>
+        <p:txBody>
+          <a:bodyPr rtlCol="0" anchor="ctr"/>
+          <a:lstStyle/>
+          <a:p>
+            <a:pPr algn="ctr"/>
+            <a:endParaRPr lang="fr-FR"/>
           </a:p>
         </p:txBody>
       </p:sp>

--- a/modélisation/mercure-galant-thésaurus-ancien-régime/Modélisation.pptx
+++ b/modélisation/mercure-galant-thésaurus-ancien-régime/Modélisation.pptx
@@ -243,7 +243,7 @@
           <a:p>
             <a:fld id="{F96D367F-7370-4214-86FB-91D90BAC4FAD}" type="datetimeFigureOut">
               <a:rPr lang="fr-FR" smtClean="0"/>
-              <a:t>27/01/2021</a:t>
+              <a:t>01/02/2021</a:t>
             </a:fld>
             <a:endParaRPr lang="fr-FR"/>
           </a:p>
@@ -413,7 +413,7 @@
           <a:p>
             <a:fld id="{F96D367F-7370-4214-86FB-91D90BAC4FAD}" type="datetimeFigureOut">
               <a:rPr lang="fr-FR" smtClean="0"/>
-              <a:t>27/01/2021</a:t>
+              <a:t>01/02/2021</a:t>
             </a:fld>
             <a:endParaRPr lang="fr-FR"/>
           </a:p>
@@ -593,7 +593,7 @@
           <a:p>
             <a:fld id="{F96D367F-7370-4214-86FB-91D90BAC4FAD}" type="datetimeFigureOut">
               <a:rPr lang="fr-FR" smtClean="0"/>
-              <a:t>27/01/2021</a:t>
+              <a:t>01/02/2021</a:t>
             </a:fld>
             <a:endParaRPr lang="fr-FR"/>
           </a:p>
@@ -763,7 +763,7 @@
           <a:p>
             <a:fld id="{F96D367F-7370-4214-86FB-91D90BAC4FAD}" type="datetimeFigureOut">
               <a:rPr lang="fr-FR" smtClean="0"/>
-              <a:t>27/01/2021</a:t>
+              <a:t>01/02/2021</a:t>
             </a:fld>
             <a:endParaRPr lang="fr-FR"/>
           </a:p>
@@ -1007,7 +1007,7 @@
           <a:p>
             <a:fld id="{F96D367F-7370-4214-86FB-91D90BAC4FAD}" type="datetimeFigureOut">
               <a:rPr lang="fr-FR" smtClean="0"/>
-              <a:t>27/01/2021</a:t>
+              <a:t>01/02/2021</a:t>
             </a:fld>
             <a:endParaRPr lang="fr-FR"/>
           </a:p>
@@ -1239,7 +1239,7 @@
           <a:p>
             <a:fld id="{F96D367F-7370-4214-86FB-91D90BAC4FAD}" type="datetimeFigureOut">
               <a:rPr lang="fr-FR" smtClean="0"/>
-              <a:t>27/01/2021</a:t>
+              <a:t>01/02/2021</a:t>
             </a:fld>
             <a:endParaRPr lang="fr-FR"/>
           </a:p>
@@ -1606,7 +1606,7 @@
           <a:p>
             <a:fld id="{F96D367F-7370-4214-86FB-91D90BAC4FAD}" type="datetimeFigureOut">
               <a:rPr lang="fr-FR" smtClean="0"/>
-              <a:t>27/01/2021</a:t>
+              <a:t>01/02/2021</a:t>
             </a:fld>
             <a:endParaRPr lang="fr-FR"/>
           </a:p>
@@ -1724,7 +1724,7 @@
           <a:p>
             <a:fld id="{F96D367F-7370-4214-86FB-91D90BAC4FAD}" type="datetimeFigureOut">
               <a:rPr lang="fr-FR" smtClean="0"/>
-              <a:t>27/01/2021</a:t>
+              <a:t>01/02/2021</a:t>
             </a:fld>
             <a:endParaRPr lang="fr-FR"/>
           </a:p>
@@ -1819,7 +1819,7 @@
           <a:p>
             <a:fld id="{F96D367F-7370-4214-86FB-91D90BAC4FAD}" type="datetimeFigureOut">
               <a:rPr lang="fr-FR" smtClean="0"/>
-              <a:t>27/01/2021</a:t>
+              <a:t>01/02/2021</a:t>
             </a:fld>
             <a:endParaRPr lang="fr-FR"/>
           </a:p>
@@ -2096,7 +2096,7 @@
           <a:p>
             <a:fld id="{F96D367F-7370-4214-86FB-91D90BAC4FAD}" type="datetimeFigureOut">
               <a:rPr lang="fr-FR" smtClean="0"/>
-              <a:t>27/01/2021</a:t>
+              <a:t>01/02/2021</a:t>
             </a:fld>
             <a:endParaRPr lang="fr-FR"/>
           </a:p>
@@ -2353,7 +2353,7 @@
           <a:p>
             <a:fld id="{F96D367F-7370-4214-86FB-91D90BAC4FAD}" type="datetimeFigureOut">
               <a:rPr lang="fr-FR" smtClean="0"/>
-              <a:t>27/01/2021</a:t>
+              <a:t>01/02/2021</a:t>
             </a:fld>
             <a:endParaRPr lang="fr-FR"/>
           </a:p>
@@ -2566,7 +2566,7 @@
           <a:p>
             <a:fld id="{F96D367F-7370-4214-86FB-91D90BAC4FAD}" type="datetimeFigureOut">
               <a:rPr lang="fr-FR" smtClean="0"/>
-              <a:t>27/01/2021</a:t>
+              <a:t>01/02/2021</a:t>
             </a:fld>
             <a:endParaRPr lang="fr-FR"/>
           </a:p>
@@ -11846,11 +11846,14 @@
           <a:p>
             <a:pPr algn="ctr"/>
             <a:r>
-              <a:rPr lang="fr-FR" sz="900" i="1" dirty="0">
-                <a:latin typeface="Gill Sans Nova" panose="020B0602020104020203" pitchFamily="34" charset="0"/>
-              </a:rPr>
-              <a:t>P14.1</a:t>
-            </a:r>
+              <a:rPr lang="fr-FR" sz="900" i="1">
+                <a:latin typeface="Gill Sans Nova" panose="020B0602020104020203" pitchFamily="34" charset="0"/>
+              </a:rPr>
+              <a:t>P2</a:t>
+            </a:r>
+            <a:endParaRPr lang="fr-FR" sz="900" i="1" dirty="0">
+              <a:latin typeface="Gill Sans Nova" panose="020B0602020104020203" pitchFamily="34" charset="0"/>
+            </a:endParaRPr>
           </a:p>
         </p:txBody>
       </p:sp>

--- a/modélisation/mercure-galant-thésaurus-ancien-régime/Modélisation.pptx
+++ b/modélisation/mercure-galant-thésaurus-ancien-régime/Modélisation.pptx
@@ -243,7 +243,7 @@
           <a:p>
             <a:fld id="{F96D367F-7370-4214-86FB-91D90BAC4FAD}" type="datetimeFigureOut">
               <a:rPr lang="fr-FR" smtClean="0"/>
-              <a:t>01/02/2021</a:t>
+              <a:t>11/02/2021</a:t>
             </a:fld>
             <a:endParaRPr lang="fr-FR"/>
           </a:p>
@@ -413,7 +413,7 @@
           <a:p>
             <a:fld id="{F96D367F-7370-4214-86FB-91D90BAC4FAD}" type="datetimeFigureOut">
               <a:rPr lang="fr-FR" smtClean="0"/>
-              <a:t>01/02/2021</a:t>
+              <a:t>11/02/2021</a:t>
             </a:fld>
             <a:endParaRPr lang="fr-FR"/>
           </a:p>
@@ -593,7 +593,7 @@
           <a:p>
             <a:fld id="{F96D367F-7370-4214-86FB-91D90BAC4FAD}" type="datetimeFigureOut">
               <a:rPr lang="fr-FR" smtClean="0"/>
-              <a:t>01/02/2021</a:t>
+              <a:t>11/02/2021</a:t>
             </a:fld>
             <a:endParaRPr lang="fr-FR"/>
           </a:p>
@@ -763,7 +763,7 @@
           <a:p>
             <a:fld id="{F96D367F-7370-4214-86FB-91D90BAC4FAD}" type="datetimeFigureOut">
               <a:rPr lang="fr-FR" smtClean="0"/>
-              <a:t>01/02/2021</a:t>
+              <a:t>11/02/2021</a:t>
             </a:fld>
             <a:endParaRPr lang="fr-FR"/>
           </a:p>
@@ -1007,7 +1007,7 @@
           <a:p>
             <a:fld id="{F96D367F-7370-4214-86FB-91D90BAC4FAD}" type="datetimeFigureOut">
               <a:rPr lang="fr-FR" smtClean="0"/>
-              <a:t>01/02/2021</a:t>
+              <a:t>11/02/2021</a:t>
             </a:fld>
             <a:endParaRPr lang="fr-FR"/>
           </a:p>
@@ -1239,7 +1239,7 @@
           <a:p>
             <a:fld id="{F96D367F-7370-4214-86FB-91D90BAC4FAD}" type="datetimeFigureOut">
               <a:rPr lang="fr-FR" smtClean="0"/>
-              <a:t>01/02/2021</a:t>
+              <a:t>11/02/2021</a:t>
             </a:fld>
             <a:endParaRPr lang="fr-FR"/>
           </a:p>
@@ -1606,7 +1606,7 @@
           <a:p>
             <a:fld id="{F96D367F-7370-4214-86FB-91D90BAC4FAD}" type="datetimeFigureOut">
               <a:rPr lang="fr-FR" smtClean="0"/>
-              <a:t>01/02/2021</a:t>
+              <a:t>11/02/2021</a:t>
             </a:fld>
             <a:endParaRPr lang="fr-FR"/>
           </a:p>
@@ -1724,7 +1724,7 @@
           <a:p>
             <a:fld id="{F96D367F-7370-4214-86FB-91D90BAC4FAD}" type="datetimeFigureOut">
               <a:rPr lang="fr-FR" smtClean="0"/>
-              <a:t>01/02/2021</a:t>
+              <a:t>11/02/2021</a:t>
             </a:fld>
             <a:endParaRPr lang="fr-FR"/>
           </a:p>
@@ -1819,7 +1819,7 @@
           <a:p>
             <a:fld id="{F96D367F-7370-4214-86FB-91D90BAC4FAD}" type="datetimeFigureOut">
               <a:rPr lang="fr-FR" smtClean="0"/>
-              <a:t>01/02/2021</a:t>
+              <a:t>11/02/2021</a:t>
             </a:fld>
             <a:endParaRPr lang="fr-FR"/>
           </a:p>
@@ -2096,7 +2096,7 @@
           <a:p>
             <a:fld id="{F96D367F-7370-4214-86FB-91D90BAC4FAD}" type="datetimeFigureOut">
               <a:rPr lang="fr-FR" smtClean="0"/>
-              <a:t>01/02/2021</a:t>
+              <a:t>11/02/2021</a:t>
             </a:fld>
             <a:endParaRPr lang="fr-FR"/>
           </a:p>
@@ -2353,7 +2353,7 @@
           <a:p>
             <a:fld id="{F96D367F-7370-4214-86FB-91D90BAC4FAD}" type="datetimeFigureOut">
               <a:rPr lang="fr-FR" smtClean="0"/>
-              <a:t>01/02/2021</a:t>
+              <a:t>11/02/2021</a:t>
             </a:fld>
             <a:endParaRPr lang="fr-FR"/>
           </a:p>
@@ -2566,7 +2566,7 @@
           <a:p>
             <a:fld id="{F96D367F-7370-4214-86FB-91D90BAC4FAD}" type="datetimeFigureOut">
               <a:rPr lang="fr-FR" smtClean="0"/>
-              <a:t>01/02/2021</a:t>
+              <a:t>11/02/2021</a:t>
             </a:fld>
             <a:endParaRPr lang="fr-FR"/>
           </a:p>
@@ -14222,7 +14222,7 @@
         </p:nvSpPr>
         <p:spPr>
           <a:xfrm>
-            <a:off x="29727222" y="11630705"/>
+            <a:off x="29615213" y="11698075"/>
             <a:ext cx="1398361" cy="230832"/>
           </a:xfrm>
           <a:prstGeom prst="rect">
@@ -14241,7 +14241,7 @@
               <a:rPr lang="fr-FR" sz="900" i="1" dirty="0">
                 <a:latin typeface="Gill Sans Nova" panose="020B0602020104020203" pitchFamily="34" charset="0"/>
               </a:rPr>
-              <a:t>P2 has type</a:t>
+              <a:t>R15 has fragment</a:t>
             </a:r>
           </a:p>
         </p:txBody>
@@ -14301,8 +14301,8 @@
         </p:nvSpPr>
         <p:spPr>
           <a:xfrm>
-            <a:off x="31094451" y="11924697"/>
-            <a:ext cx="1139308" cy="678712"/>
+            <a:off x="31053202" y="13329620"/>
+            <a:ext cx="1153211" cy="758314"/>
           </a:xfrm>
           <a:prstGeom prst="roundRect">
             <a:avLst/>
@@ -14346,29 +14346,14 @@
           <a:p>
             <a:pPr algn="ctr"/>
             <a:r>
-              <a:rPr lang="fr-FR" sz="900" dirty="0">
+              <a:rPr lang="fr-FR" sz="900" i="1" dirty="0">
                 <a:solidFill>
                   <a:schemeClr val="tx1"/>
                 </a:solidFill>
                 <a:latin typeface="Gill Sans Nova" panose="020B0602020104020203" pitchFamily="34" charset="0"/>
               </a:rPr>
-              <a:t>« Article du </a:t>
-            </a:r>
-            <a:r>
-              <a:rPr lang="fr-FR" sz="900">
-                <a:solidFill>
-                  <a:schemeClr val="tx1"/>
-                </a:solidFill>
-                <a:latin typeface="Gill Sans Nova" panose="020B0602020104020203" pitchFamily="34" charset="0"/>
-              </a:rPr>
-              <a:t>Mercure Galant »</a:t>
-            </a:r>
-            <a:endParaRPr lang="fr-FR" sz="900" dirty="0">
-              <a:solidFill>
-                <a:schemeClr val="tx1"/>
-              </a:solidFill>
-              <a:latin typeface="Gill Sans Nova" panose="020B0602020104020203" pitchFamily="34" charset="0"/>
-            </a:endParaRPr>
+              <a:t>(«  http://www.iconclass.org/rkd/32/ »)</a:t>
+            </a:r>
           </a:p>
         </p:txBody>
       </p:sp>
@@ -16708,6 +16693,166 @@
           <a:p>
             <a:pPr algn="ctr"/>
             <a:endParaRPr lang="fr-FR"/>
+          </a:p>
+        </p:txBody>
+      </p:sp>
+      <p:sp>
+        <p:nvSpPr>
+          <p:cNvPr id="258" name="Rectangle : coins arrondis 257">
+            <a:extLst>
+              <a:ext uri="{FF2B5EF4-FFF2-40B4-BE49-F238E27FC236}">
+                <a16:creationId xmlns:a16="http://schemas.microsoft.com/office/drawing/2014/main" id="{EA50A966-EAEF-4AA2-893B-418A325ADA27}"/>
+              </a:ext>
+            </a:extLst>
+          </p:cNvPr>
+          <p:cNvSpPr/>
+          <p:nvPr/>
+        </p:nvSpPr>
+        <p:spPr>
+          <a:xfrm>
+            <a:off x="31103785" y="11926395"/>
+            <a:ext cx="1052047" cy="697636"/>
+          </a:xfrm>
+          <a:prstGeom prst="roundRect">
+            <a:avLst/>
+          </a:prstGeom>
+          <a:solidFill>
+            <a:srgbClr val="DF5BCC"/>
+          </a:solidFill>
+          <a:ln w="12700">
+            <a:noFill/>
+          </a:ln>
+        </p:spPr>
+        <p:style>
+          <a:lnRef idx="2">
+            <a:schemeClr val="accent6"/>
+          </a:lnRef>
+          <a:fillRef idx="1">
+            <a:schemeClr val="lt1"/>
+          </a:fillRef>
+          <a:effectRef idx="0">
+            <a:schemeClr val="accent6"/>
+          </a:effectRef>
+          <a:fontRef idx="minor">
+            <a:schemeClr val="dk1"/>
+          </a:fontRef>
+        </p:style>
+        <p:txBody>
+          <a:bodyPr rtlCol="0" anchor="ctr"/>
+          <a:lstStyle/>
+          <a:p>
+            <a:pPr algn="ctr"/>
+            <a:r>
+              <a:rPr lang="fr-FR" sz="900" dirty="0">
+                <a:solidFill>
+                  <a:schemeClr val="bg1"/>
+                </a:solidFill>
+                <a:latin typeface="Gill Sans Nova" panose="020B0602020104020203" pitchFamily="34" charset="0"/>
+              </a:rPr>
+              <a:t>E36 Visual Item</a:t>
+            </a:r>
+          </a:p>
+          <a:p>
+            <a:pPr algn="ctr"/>
+            <a:r>
+              <a:rPr lang="fr-FR" sz="900" i="1" dirty="0">
+                <a:solidFill>
+                  <a:schemeClr val="bg1"/>
+                </a:solidFill>
+                <a:latin typeface="Gill Sans Nova" panose="020B0602020104020203" pitchFamily="34" charset="0"/>
+              </a:rPr>
+              <a:t>(Gravure)</a:t>
+            </a:r>
+          </a:p>
+        </p:txBody>
+      </p:sp>
+      <p:cxnSp>
+        <p:nvCxnSpPr>
+          <p:cNvPr id="8" name="Connecteur droit avec flèche 7">
+            <a:extLst>
+              <a:ext uri="{FF2B5EF4-FFF2-40B4-BE49-F238E27FC236}">
+                <a16:creationId xmlns:a16="http://schemas.microsoft.com/office/drawing/2014/main" id="{DCFF6C89-3050-4686-A940-FEFBF6463689}"/>
+              </a:ext>
+            </a:extLst>
+          </p:cNvPr>
+          <p:cNvCxnSpPr>
+            <a:cxnSpLocks/>
+            <a:stCxn id="258" idx="2"/>
+            <a:endCxn id="292" idx="0"/>
+          </p:cNvCxnSpPr>
+          <p:nvPr/>
+        </p:nvCxnSpPr>
+        <p:spPr>
+          <a:xfrm flipH="1">
+            <a:off x="31629808" y="12624031"/>
+            <a:ext cx="1" cy="705589"/>
+          </a:xfrm>
+          <a:prstGeom prst="straightConnector1">
+            <a:avLst/>
+          </a:prstGeom>
+          <a:ln>
+            <a:tailEnd type="triangle"/>
+          </a:ln>
+        </p:spPr>
+        <p:style>
+          <a:lnRef idx="1">
+            <a:schemeClr val="dk1"/>
+          </a:lnRef>
+          <a:fillRef idx="0">
+            <a:schemeClr val="dk1"/>
+          </a:fillRef>
+          <a:effectRef idx="0">
+            <a:schemeClr val="dk1"/>
+          </a:effectRef>
+          <a:fontRef idx="minor">
+            <a:schemeClr val="tx1"/>
+          </a:fontRef>
+        </p:style>
+      </p:cxnSp>
+      <p:sp>
+        <p:nvSpPr>
+          <p:cNvPr id="261" name="ZoneTexte 260">
+            <a:extLst>
+              <a:ext uri="{FF2B5EF4-FFF2-40B4-BE49-F238E27FC236}">
+                <a16:creationId xmlns:a16="http://schemas.microsoft.com/office/drawing/2014/main" id="{624F9947-9ED6-41C5-94F0-25C4E5ADDF83}"/>
+              </a:ext>
+            </a:extLst>
+          </p:cNvPr>
+          <p:cNvSpPr txBox="1"/>
+          <p:nvPr/>
+        </p:nvSpPr>
+        <p:spPr>
+          <a:xfrm>
+            <a:off x="30434164" y="12865386"/>
+            <a:ext cx="1398361" cy="230832"/>
+          </a:xfrm>
+          <a:prstGeom prst="rect">
+            <a:avLst/>
+          </a:prstGeom>
+          <a:noFill/>
+        </p:spPr>
+        <p:txBody>
+          <a:bodyPr wrap="square" rtlCol="0">
+            <a:spAutoFit/>
+          </a:bodyPr>
+          <a:lstStyle/>
+          <a:p>
+            <a:pPr algn="ctr"/>
+            <a:r>
+              <a:rPr lang="fr-FR" sz="900" i="1" dirty="0">
+                <a:latin typeface="Gill Sans Nova" panose="020B0602020104020203" pitchFamily="34" charset="0"/>
+              </a:rPr>
+              <a:t>P138 </a:t>
+            </a:r>
+            <a:r>
+              <a:rPr lang="fr-FR" sz="900" i="1" dirty="0" err="1">
+                <a:latin typeface="Gill Sans Nova" panose="020B0602020104020203" pitchFamily="34" charset="0"/>
+              </a:rPr>
+              <a:t>represents</a:t>
+            </a:r>
+            <a:endParaRPr lang="fr-FR" sz="900" i="1" dirty="0">
+              <a:latin typeface="Gill Sans Nova" panose="020B0602020104020203" pitchFamily="34" charset="0"/>
+            </a:endParaRPr>
           </a:p>
         </p:txBody>
       </p:sp>

--- a/modélisation/mercure-galant-thésaurus-ancien-régime/Modélisation.pptx
+++ b/modélisation/mercure-galant-thésaurus-ancien-régime/Modélisation.pptx
@@ -141,15 +141,15 @@
         </p:nvSpPr>
         <p:spPr>
           <a:xfrm>
-            <a:off x="3250645" y="5894484"/>
-            <a:ext cx="36840636" cy="12539321"/>
+            <a:off x="3250659" y="5894488"/>
+            <a:ext cx="36840633" cy="12539321"/>
           </a:xfrm>
         </p:spPr>
         <p:txBody>
           <a:bodyPr anchor="b"/>
           <a:lstStyle>
             <a:lvl1pPr algn="ctr">
-              <a:defRPr sz="28439"/>
+              <a:defRPr sz="28426"/>
             </a:lvl1pPr>
           </a:lstStyle>
           <a:p>
@@ -173,8 +173,8 @@
         </p:nvSpPr>
         <p:spPr>
           <a:xfrm>
-            <a:off x="5417741" y="18917371"/>
-            <a:ext cx="32506444" cy="8695817"/>
+            <a:off x="5417738" y="18917375"/>
+            <a:ext cx="32506450" cy="8695817"/>
           </a:xfrm>
         </p:spPr>
         <p:txBody>
@@ -182,39 +182,39 @@
           <a:lstStyle>
             <a:lvl1pPr marL="0" indent="0" algn="ctr">
               <a:buNone/>
-              <a:defRPr sz="11376"/>
+              <a:defRPr sz="11375"/>
             </a:lvl1pPr>
-            <a:lvl2pPr marL="2167082" indent="0" algn="ctr">
+            <a:lvl2pPr marL="2166316" indent="0" algn="ctr">
               <a:buNone/>
-              <a:defRPr sz="9480"/>
+              <a:defRPr sz="9475"/>
             </a:lvl2pPr>
-            <a:lvl3pPr marL="4334165" indent="0" algn="ctr">
+            <a:lvl3pPr marL="4332632" indent="0" algn="ctr">
               <a:buNone/>
-              <a:defRPr sz="8532"/>
+              <a:defRPr sz="8525"/>
             </a:lvl3pPr>
-            <a:lvl4pPr marL="6501247" indent="0" algn="ctr">
+            <a:lvl4pPr marL="6498959" indent="0" algn="ctr">
               <a:buNone/>
-              <a:defRPr sz="7584"/>
+              <a:defRPr sz="7576"/>
             </a:lvl4pPr>
-            <a:lvl5pPr marL="8668329" indent="0" algn="ctr">
+            <a:lvl5pPr marL="8665275" indent="0" algn="ctr">
               <a:buNone/>
-              <a:defRPr sz="7584"/>
+              <a:defRPr sz="7576"/>
             </a:lvl5pPr>
-            <a:lvl6pPr marL="10835411" indent="0" algn="ctr">
+            <a:lvl6pPr marL="10831591" indent="0" algn="ctr">
               <a:buNone/>
-              <a:defRPr sz="7584"/>
+              <a:defRPr sz="7576"/>
             </a:lvl6pPr>
-            <a:lvl7pPr marL="13002494" indent="0" algn="ctr">
+            <a:lvl7pPr marL="12997907" indent="0" algn="ctr">
               <a:buNone/>
-              <a:defRPr sz="7584"/>
+              <a:defRPr sz="7576"/>
             </a:lvl7pPr>
-            <a:lvl8pPr marL="15169576" indent="0" algn="ctr">
+            <a:lvl8pPr marL="15164223" indent="0" algn="ctr">
               <a:buNone/>
-              <a:defRPr sz="7584"/>
+              <a:defRPr sz="7576"/>
             </a:lvl8pPr>
-            <a:lvl9pPr marL="17336658" indent="0" algn="ctr">
+            <a:lvl9pPr marL="17330550" indent="0" algn="ctr">
               <a:buNone/>
-              <a:defRPr sz="7584"/>
+              <a:defRPr sz="7576"/>
             </a:lvl9pPr>
           </a:lstStyle>
           <a:p>
@@ -243,7 +243,7 @@
           <a:p>
             <a:fld id="{F96D367F-7370-4214-86FB-91D90BAC4FAD}" type="datetimeFigureOut">
               <a:rPr lang="fr-FR" smtClean="0"/>
-              <a:t>11/02/2021</a:t>
+              <a:t>01/03/2021</a:t>
             </a:fld>
             <a:endParaRPr lang="fr-FR"/>
           </a:p>
@@ -413,7 +413,7 @@
           <a:p>
             <a:fld id="{F96D367F-7370-4214-86FB-91D90BAC4FAD}" type="datetimeFigureOut">
               <a:rPr lang="fr-FR" smtClean="0"/>
-              <a:t>11/02/2021</a:t>
+              <a:t>01/03/2021</a:t>
             </a:fld>
             <a:endParaRPr lang="fr-FR"/>
           </a:p>
@@ -503,8 +503,8 @@
         </p:nvSpPr>
         <p:spPr>
           <a:xfrm>
-            <a:off x="31016569" y="1917582"/>
-            <a:ext cx="9345603" cy="30522912"/>
+            <a:off x="31016574" y="1917582"/>
+            <a:ext cx="9345600" cy="30522912"/>
           </a:xfrm>
         </p:spPr>
         <p:txBody>
@@ -531,8 +531,8 @@
         </p:nvSpPr>
         <p:spPr>
           <a:xfrm>
-            <a:off x="2979760" y="1917582"/>
-            <a:ext cx="27495034" cy="30522912"/>
+            <a:off x="2979770" y="1917582"/>
+            <a:ext cx="27495033" cy="30522912"/>
           </a:xfrm>
         </p:spPr>
         <p:txBody>
@@ -593,7 +593,7 @@
           <a:p>
             <a:fld id="{F96D367F-7370-4214-86FB-91D90BAC4FAD}" type="datetimeFigureOut">
               <a:rPr lang="fr-FR" smtClean="0"/>
-              <a:t>11/02/2021</a:t>
+              <a:t>01/03/2021</a:t>
             </a:fld>
             <a:endParaRPr lang="fr-FR"/>
           </a:p>
@@ -763,7 +763,7 @@
           <a:p>
             <a:fld id="{F96D367F-7370-4214-86FB-91D90BAC4FAD}" type="datetimeFigureOut">
               <a:rPr lang="fr-FR" smtClean="0"/>
-              <a:t>11/02/2021</a:t>
+              <a:t>01/03/2021</a:t>
             </a:fld>
             <a:endParaRPr lang="fr-FR"/>
           </a:p>
@@ -853,7 +853,7 @@
         </p:nvSpPr>
         <p:spPr>
           <a:xfrm>
-            <a:off x="2957186" y="8979299"/>
+            <a:off x="2957193" y="8979299"/>
             <a:ext cx="37382410" cy="14982152"/>
           </a:xfrm>
         </p:spPr>
@@ -861,7 +861,7 @@
           <a:bodyPr anchor="b"/>
           <a:lstStyle>
             <a:lvl1pPr>
-              <a:defRPr sz="28439"/>
+              <a:defRPr sz="28426"/>
             </a:lvl1pPr>
           </a:lstStyle>
           <a:p>
@@ -885,7 +885,7 @@
         </p:nvSpPr>
         <p:spPr>
           <a:xfrm>
-            <a:off x="2957186" y="24103189"/>
+            <a:off x="2957193" y="24103189"/>
             <a:ext cx="37382410" cy="7878760"/>
           </a:xfrm>
         </p:spPr>
@@ -894,15 +894,15 @@
           <a:lstStyle>
             <a:lvl1pPr marL="0" indent="0">
               <a:buNone/>
-              <a:defRPr sz="11376">
+              <a:defRPr sz="11375">
                 <a:solidFill>
                   <a:schemeClr val="tx1"/>
                 </a:solidFill>
               </a:defRPr>
             </a:lvl1pPr>
-            <a:lvl2pPr marL="2167082" indent="0">
+            <a:lvl2pPr marL="2166316" indent="0">
               <a:buNone/>
-              <a:defRPr sz="9480">
+              <a:defRPr sz="9475">
                 <a:solidFill>
                   <a:schemeClr val="tx1">
                     <a:tint val="75000"/>
@@ -910,9 +910,9 @@
                 </a:solidFill>
               </a:defRPr>
             </a:lvl2pPr>
-            <a:lvl3pPr marL="4334165" indent="0">
+            <a:lvl3pPr marL="4332632" indent="0">
               <a:buNone/>
-              <a:defRPr sz="8532">
+              <a:defRPr sz="8525">
                 <a:solidFill>
                   <a:schemeClr val="tx1">
                     <a:tint val="75000"/>
@@ -920,9 +920,9 @@
                 </a:solidFill>
               </a:defRPr>
             </a:lvl3pPr>
-            <a:lvl4pPr marL="6501247" indent="0">
+            <a:lvl4pPr marL="6498959" indent="0">
               <a:buNone/>
-              <a:defRPr sz="7584">
+              <a:defRPr sz="7576">
                 <a:solidFill>
                   <a:schemeClr val="tx1">
                     <a:tint val="75000"/>
@@ -930,9 +930,9 @@
                 </a:solidFill>
               </a:defRPr>
             </a:lvl4pPr>
-            <a:lvl5pPr marL="8668329" indent="0">
+            <a:lvl5pPr marL="8665275" indent="0">
               <a:buNone/>
-              <a:defRPr sz="7584">
+              <a:defRPr sz="7576">
                 <a:solidFill>
                   <a:schemeClr val="tx1">
                     <a:tint val="75000"/>
@@ -940,9 +940,9 @@
                 </a:solidFill>
               </a:defRPr>
             </a:lvl5pPr>
-            <a:lvl6pPr marL="10835411" indent="0">
+            <a:lvl6pPr marL="10831591" indent="0">
               <a:buNone/>
-              <a:defRPr sz="7584">
+              <a:defRPr sz="7576">
                 <a:solidFill>
                   <a:schemeClr val="tx1">
                     <a:tint val="75000"/>
@@ -950,9 +950,9 @@
                 </a:solidFill>
               </a:defRPr>
             </a:lvl6pPr>
-            <a:lvl7pPr marL="13002494" indent="0">
+            <a:lvl7pPr marL="12997907" indent="0">
               <a:buNone/>
-              <a:defRPr sz="7584">
+              <a:defRPr sz="7576">
                 <a:solidFill>
                   <a:schemeClr val="tx1">
                     <a:tint val="75000"/>
@@ -960,9 +960,9 @@
                 </a:solidFill>
               </a:defRPr>
             </a:lvl7pPr>
-            <a:lvl8pPr marL="15169576" indent="0">
+            <a:lvl8pPr marL="15164223" indent="0">
               <a:buNone/>
-              <a:defRPr sz="7584">
+              <a:defRPr sz="7576">
                 <a:solidFill>
                   <a:schemeClr val="tx1">
                     <a:tint val="75000"/>
@@ -970,9 +970,9 @@
                 </a:solidFill>
               </a:defRPr>
             </a:lvl8pPr>
-            <a:lvl9pPr marL="17336658" indent="0">
+            <a:lvl9pPr marL="17330550" indent="0">
               <a:buNone/>
-              <a:defRPr sz="7584">
+              <a:defRPr sz="7576">
                 <a:solidFill>
                   <a:schemeClr val="tx1">
                     <a:tint val="75000"/>
@@ -1007,7 +1007,7 @@
           <a:p>
             <a:fld id="{F96D367F-7370-4214-86FB-91D90BAC4FAD}" type="datetimeFigureOut">
               <a:rPr lang="fr-FR" smtClean="0"/>
-              <a:t>11/02/2021</a:t>
+              <a:t>01/03/2021</a:t>
             </a:fld>
             <a:endParaRPr lang="fr-FR"/>
           </a:p>
@@ -1120,8 +1120,8 @@
         </p:nvSpPr>
         <p:spPr>
           <a:xfrm>
-            <a:off x="2979757" y="9587912"/>
-            <a:ext cx="18420318" cy="22852584"/>
+            <a:off x="2979759" y="9587912"/>
+            <a:ext cx="18420322" cy="22852584"/>
           </a:xfrm>
         </p:spPr>
         <p:txBody>
@@ -1177,8 +1177,8 @@
         </p:nvSpPr>
         <p:spPr>
           <a:xfrm>
-            <a:off x="21941850" y="9587912"/>
-            <a:ext cx="18420318" cy="22852584"/>
+            <a:off x="21941857" y="9587912"/>
+            <a:ext cx="18420322" cy="22852584"/>
           </a:xfrm>
         </p:spPr>
         <p:txBody>
@@ -1239,7 +1239,7 @@
           <a:p>
             <a:fld id="{F96D367F-7370-4214-86FB-91D90BAC4FAD}" type="datetimeFigureOut">
               <a:rPr lang="fr-FR" smtClean="0"/>
-              <a:t>11/02/2021</a:t>
+              <a:t>01/03/2021</a:t>
             </a:fld>
             <a:endParaRPr lang="fr-FR"/>
           </a:p>
@@ -1329,7 +1329,7 @@
         </p:nvSpPr>
         <p:spPr>
           <a:xfrm>
-            <a:off x="2985403" y="1917592"/>
+            <a:off x="2985411" y="1917592"/>
             <a:ext cx="37382410" cy="6961660"/>
           </a:xfrm>
         </p:spPr>
@@ -1357,8 +1357,8 @@
         </p:nvSpPr>
         <p:spPr>
           <a:xfrm>
-            <a:off x="2985409" y="8829219"/>
-            <a:ext cx="18335663" cy="4327064"/>
+            <a:off x="2985417" y="8829219"/>
+            <a:ext cx="18335659" cy="4327064"/>
           </a:xfrm>
         </p:spPr>
         <p:txBody>
@@ -1366,39 +1366,39 @@
           <a:lstStyle>
             <a:lvl1pPr marL="0" indent="0">
               <a:buNone/>
-              <a:defRPr sz="11376" b="1"/>
+              <a:defRPr sz="11375" b="1"/>
             </a:lvl1pPr>
-            <a:lvl2pPr marL="2167082" indent="0">
+            <a:lvl2pPr marL="2166316" indent="0">
               <a:buNone/>
-              <a:defRPr sz="9480" b="1"/>
+              <a:defRPr sz="9475" b="1"/>
             </a:lvl2pPr>
-            <a:lvl3pPr marL="4334165" indent="0">
+            <a:lvl3pPr marL="4332632" indent="0">
               <a:buNone/>
-              <a:defRPr sz="8532" b="1"/>
+              <a:defRPr sz="8525" b="1"/>
             </a:lvl3pPr>
-            <a:lvl4pPr marL="6501247" indent="0">
+            <a:lvl4pPr marL="6498959" indent="0">
               <a:buNone/>
-              <a:defRPr sz="7584" b="1"/>
+              <a:defRPr sz="7576" b="1"/>
             </a:lvl4pPr>
-            <a:lvl5pPr marL="8668329" indent="0">
+            <a:lvl5pPr marL="8665275" indent="0">
               <a:buNone/>
-              <a:defRPr sz="7584" b="1"/>
+              <a:defRPr sz="7576" b="1"/>
             </a:lvl5pPr>
-            <a:lvl6pPr marL="10835411" indent="0">
+            <a:lvl6pPr marL="10831591" indent="0">
               <a:buNone/>
-              <a:defRPr sz="7584" b="1"/>
+              <a:defRPr sz="7576" b="1"/>
             </a:lvl6pPr>
-            <a:lvl7pPr marL="13002494" indent="0">
+            <a:lvl7pPr marL="12997907" indent="0">
               <a:buNone/>
-              <a:defRPr sz="7584" b="1"/>
+              <a:defRPr sz="7576" b="1"/>
             </a:lvl7pPr>
-            <a:lvl8pPr marL="15169576" indent="0">
+            <a:lvl8pPr marL="15164223" indent="0">
               <a:buNone/>
-              <a:defRPr sz="7584" b="1"/>
+              <a:defRPr sz="7576" b="1"/>
             </a:lvl8pPr>
-            <a:lvl9pPr marL="17336658" indent="0">
+            <a:lvl9pPr marL="17330550" indent="0">
               <a:buNone/>
-              <a:defRPr sz="7584" b="1"/>
+              <a:defRPr sz="7576" b="1"/>
             </a:lvl9pPr>
           </a:lstStyle>
           <a:p>
@@ -1422,8 +1422,8 @@
         </p:nvSpPr>
         <p:spPr>
           <a:xfrm>
-            <a:off x="2985409" y="13156283"/>
-            <a:ext cx="18335663" cy="19350910"/>
+            <a:off x="2985417" y="13156283"/>
+            <a:ext cx="18335659" cy="19350910"/>
           </a:xfrm>
         </p:spPr>
         <p:txBody>
@@ -1488,39 +1488,39 @@
           <a:lstStyle>
             <a:lvl1pPr marL="0" indent="0">
               <a:buNone/>
-              <a:defRPr sz="11376" b="1"/>
+              <a:defRPr sz="11375" b="1"/>
             </a:lvl1pPr>
-            <a:lvl2pPr marL="2167082" indent="0">
+            <a:lvl2pPr marL="2166316" indent="0">
               <a:buNone/>
-              <a:defRPr sz="9480" b="1"/>
+              <a:defRPr sz="9475" b="1"/>
             </a:lvl2pPr>
-            <a:lvl3pPr marL="4334165" indent="0">
+            <a:lvl3pPr marL="4332632" indent="0">
               <a:buNone/>
-              <a:defRPr sz="8532" b="1"/>
+              <a:defRPr sz="8525" b="1"/>
             </a:lvl3pPr>
-            <a:lvl4pPr marL="6501247" indent="0">
+            <a:lvl4pPr marL="6498959" indent="0">
               <a:buNone/>
-              <a:defRPr sz="7584" b="1"/>
+              <a:defRPr sz="7576" b="1"/>
             </a:lvl4pPr>
-            <a:lvl5pPr marL="8668329" indent="0">
+            <a:lvl5pPr marL="8665275" indent="0">
               <a:buNone/>
-              <a:defRPr sz="7584" b="1"/>
+              <a:defRPr sz="7576" b="1"/>
             </a:lvl5pPr>
-            <a:lvl6pPr marL="10835411" indent="0">
+            <a:lvl6pPr marL="10831591" indent="0">
               <a:buNone/>
-              <a:defRPr sz="7584" b="1"/>
+              <a:defRPr sz="7576" b="1"/>
             </a:lvl6pPr>
-            <a:lvl7pPr marL="13002494" indent="0">
+            <a:lvl7pPr marL="12997907" indent="0">
               <a:buNone/>
-              <a:defRPr sz="7584" b="1"/>
+              <a:defRPr sz="7576" b="1"/>
             </a:lvl7pPr>
-            <a:lvl8pPr marL="15169576" indent="0">
+            <a:lvl8pPr marL="15164223" indent="0">
               <a:buNone/>
-              <a:defRPr sz="7584" b="1"/>
+              <a:defRPr sz="7576" b="1"/>
             </a:lvl8pPr>
-            <a:lvl9pPr marL="17336658" indent="0">
+            <a:lvl9pPr marL="17330550" indent="0">
               <a:buNone/>
-              <a:defRPr sz="7584" b="1"/>
+              <a:defRPr sz="7576" b="1"/>
             </a:lvl9pPr>
           </a:lstStyle>
           <a:p>
@@ -1606,7 +1606,7 @@
           <a:p>
             <a:fld id="{F96D367F-7370-4214-86FB-91D90BAC4FAD}" type="datetimeFigureOut">
               <a:rPr lang="fr-FR" smtClean="0"/>
-              <a:t>11/02/2021</a:t>
+              <a:t>01/03/2021</a:t>
             </a:fld>
             <a:endParaRPr lang="fr-FR"/>
           </a:p>
@@ -1724,7 +1724,7 @@
           <a:p>
             <a:fld id="{F96D367F-7370-4214-86FB-91D90BAC4FAD}" type="datetimeFigureOut">
               <a:rPr lang="fr-FR" smtClean="0"/>
-              <a:t>11/02/2021</a:t>
+              <a:t>01/03/2021</a:t>
             </a:fld>
             <a:endParaRPr lang="fr-FR"/>
           </a:p>
@@ -1819,7 +1819,7 @@
           <a:p>
             <a:fld id="{F96D367F-7370-4214-86FB-91D90BAC4FAD}" type="datetimeFigureOut">
               <a:rPr lang="fr-FR" smtClean="0"/>
-              <a:t>11/02/2021</a:t>
+              <a:t>01/03/2021</a:t>
             </a:fld>
             <a:endParaRPr lang="fr-FR"/>
           </a:p>
@@ -1909,15 +1909,15 @@
         </p:nvSpPr>
         <p:spPr>
           <a:xfrm>
-            <a:off x="2985405" y="2401147"/>
-            <a:ext cx="13978899" cy="8404013"/>
+            <a:off x="2985404" y="2401151"/>
+            <a:ext cx="13978900" cy="8404013"/>
           </a:xfrm>
         </p:spPr>
         <p:txBody>
           <a:bodyPr anchor="b"/>
           <a:lstStyle>
             <a:lvl1pPr>
-              <a:defRPr sz="15168"/>
+              <a:defRPr sz="15163"/>
             </a:lvl1pPr>
           </a:lstStyle>
           <a:p>
@@ -1941,39 +1941,39 @@
         </p:nvSpPr>
         <p:spPr>
           <a:xfrm>
-            <a:off x="18425963" y="5185818"/>
-            <a:ext cx="21941850" cy="25595556"/>
+            <a:off x="18425970" y="5185818"/>
+            <a:ext cx="21941851" cy="25595556"/>
           </a:xfrm>
         </p:spPr>
         <p:txBody>
           <a:bodyPr/>
           <a:lstStyle>
             <a:lvl1pPr>
-              <a:defRPr sz="15168"/>
+              <a:defRPr sz="15163"/>
             </a:lvl1pPr>
             <a:lvl2pPr>
-              <a:defRPr sz="13272"/>
+              <a:defRPr sz="13263"/>
             </a:lvl2pPr>
             <a:lvl3pPr>
-              <a:defRPr sz="11376"/>
+              <a:defRPr sz="11375"/>
             </a:lvl3pPr>
             <a:lvl4pPr>
-              <a:defRPr sz="9480"/>
+              <a:defRPr sz="9475"/>
             </a:lvl4pPr>
             <a:lvl5pPr>
-              <a:defRPr sz="9480"/>
+              <a:defRPr sz="9475"/>
             </a:lvl5pPr>
             <a:lvl6pPr>
-              <a:defRPr sz="9480"/>
+              <a:defRPr sz="9475"/>
             </a:lvl6pPr>
             <a:lvl7pPr>
-              <a:defRPr sz="9480"/>
+              <a:defRPr sz="9475"/>
             </a:lvl7pPr>
             <a:lvl8pPr>
-              <a:defRPr sz="9480"/>
+              <a:defRPr sz="9475"/>
             </a:lvl8pPr>
             <a:lvl9pPr>
-              <a:defRPr sz="9480"/>
+              <a:defRPr sz="9475"/>
             </a:lvl9pPr>
           </a:lstStyle>
           <a:p>
@@ -2026,8 +2026,8 @@
         </p:nvSpPr>
         <p:spPr>
           <a:xfrm>
-            <a:off x="2985405" y="10805161"/>
-            <a:ext cx="13978899" cy="20017895"/>
+            <a:off x="2985404" y="10805163"/>
+            <a:ext cx="13978900" cy="20017895"/>
           </a:xfrm>
         </p:spPr>
         <p:txBody>
@@ -2035,39 +2035,39 @@
           <a:lstStyle>
             <a:lvl1pPr marL="0" indent="0">
               <a:buNone/>
-              <a:defRPr sz="7584"/>
+              <a:defRPr sz="7576"/>
             </a:lvl1pPr>
-            <a:lvl2pPr marL="2167082" indent="0">
+            <a:lvl2pPr marL="2166316" indent="0">
               <a:buNone/>
-              <a:defRPr sz="6636"/>
+              <a:defRPr sz="6637"/>
             </a:lvl2pPr>
-            <a:lvl3pPr marL="4334165" indent="0">
+            <a:lvl3pPr marL="4332632" indent="0">
               <a:buNone/>
-              <a:defRPr sz="5688"/>
+              <a:defRPr sz="5687"/>
             </a:lvl3pPr>
-            <a:lvl4pPr marL="6501247" indent="0">
+            <a:lvl4pPr marL="6498959" indent="0">
               <a:buNone/>
-              <a:defRPr sz="4740"/>
+              <a:defRPr sz="4738"/>
             </a:lvl4pPr>
-            <a:lvl5pPr marL="8668329" indent="0">
+            <a:lvl5pPr marL="8665275" indent="0">
               <a:buNone/>
-              <a:defRPr sz="4740"/>
+              <a:defRPr sz="4738"/>
             </a:lvl5pPr>
-            <a:lvl6pPr marL="10835411" indent="0">
+            <a:lvl6pPr marL="10831591" indent="0">
               <a:buNone/>
-              <a:defRPr sz="4740"/>
+              <a:defRPr sz="4738"/>
             </a:lvl6pPr>
-            <a:lvl7pPr marL="13002494" indent="0">
+            <a:lvl7pPr marL="12997907" indent="0">
               <a:buNone/>
-              <a:defRPr sz="4740"/>
+              <a:defRPr sz="4738"/>
             </a:lvl7pPr>
-            <a:lvl8pPr marL="15169576" indent="0">
+            <a:lvl8pPr marL="15164223" indent="0">
               <a:buNone/>
-              <a:defRPr sz="4740"/>
+              <a:defRPr sz="4738"/>
             </a:lvl8pPr>
-            <a:lvl9pPr marL="17336658" indent="0">
+            <a:lvl9pPr marL="17330550" indent="0">
               <a:buNone/>
-              <a:defRPr sz="4740"/>
+              <a:defRPr sz="4738"/>
             </a:lvl9pPr>
           </a:lstStyle>
           <a:p>
@@ -2096,7 +2096,7 @@
           <a:p>
             <a:fld id="{F96D367F-7370-4214-86FB-91D90BAC4FAD}" type="datetimeFigureOut">
               <a:rPr lang="fr-FR" smtClean="0"/>
-              <a:t>11/02/2021</a:t>
+              <a:t>01/03/2021</a:t>
             </a:fld>
             <a:endParaRPr lang="fr-FR"/>
           </a:p>
@@ -2186,15 +2186,15 @@
         </p:nvSpPr>
         <p:spPr>
           <a:xfrm>
-            <a:off x="2985405" y="2401147"/>
-            <a:ext cx="13978899" cy="8404013"/>
+            <a:off x="2985404" y="2401151"/>
+            <a:ext cx="13978900" cy="8404013"/>
           </a:xfrm>
         </p:spPr>
         <p:txBody>
           <a:bodyPr anchor="b"/>
           <a:lstStyle>
             <a:lvl1pPr>
-              <a:defRPr sz="15168"/>
+              <a:defRPr sz="15163"/>
             </a:lvl1pPr>
           </a:lstStyle>
           <a:p>
@@ -2218,8 +2218,8 @@
         </p:nvSpPr>
         <p:spPr>
           <a:xfrm>
-            <a:off x="18425963" y="5185818"/>
-            <a:ext cx="21941850" cy="25595556"/>
+            <a:off x="18425970" y="5185818"/>
+            <a:ext cx="21941851" cy="25595556"/>
           </a:xfrm>
         </p:spPr>
         <p:txBody>
@@ -2227,39 +2227,39 @@
           <a:lstStyle>
             <a:lvl1pPr marL="0" indent="0">
               <a:buNone/>
-              <a:defRPr sz="15168"/>
+              <a:defRPr sz="15163"/>
             </a:lvl1pPr>
-            <a:lvl2pPr marL="2167082" indent="0">
+            <a:lvl2pPr marL="2166316" indent="0">
               <a:buNone/>
-              <a:defRPr sz="13272"/>
+              <a:defRPr sz="13263"/>
             </a:lvl2pPr>
-            <a:lvl3pPr marL="4334165" indent="0">
+            <a:lvl3pPr marL="4332632" indent="0">
               <a:buNone/>
-              <a:defRPr sz="11376"/>
+              <a:defRPr sz="11375"/>
             </a:lvl3pPr>
-            <a:lvl4pPr marL="6501247" indent="0">
+            <a:lvl4pPr marL="6498959" indent="0">
               <a:buNone/>
-              <a:defRPr sz="9480"/>
+              <a:defRPr sz="9475"/>
             </a:lvl4pPr>
-            <a:lvl5pPr marL="8668329" indent="0">
+            <a:lvl5pPr marL="8665275" indent="0">
               <a:buNone/>
-              <a:defRPr sz="9480"/>
+              <a:defRPr sz="9475"/>
             </a:lvl5pPr>
-            <a:lvl6pPr marL="10835411" indent="0">
+            <a:lvl6pPr marL="10831591" indent="0">
               <a:buNone/>
-              <a:defRPr sz="9480"/>
+              <a:defRPr sz="9475"/>
             </a:lvl6pPr>
-            <a:lvl7pPr marL="13002494" indent="0">
+            <a:lvl7pPr marL="12997907" indent="0">
               <a:buNone/>
-              <a:defRPr sz="9480"/>
+              <a:defRPr sz="9475"/>
             </a:lvl7pPr>
-            <a:lvl8pPr marL="15169576" indent="0">
+            <a:lvl8pPr marL="15164223" indent="0">
               <a:buNone/>
-              <a:defRPr sz="9480"/>
+              <a:defRPr sz="9475"/>
             </a:lvl8pPr>
-            <a:lvl9pPr marL="17336658" indent="0">
+            <a:lvl9pPr marL="17330550" indent="0">
               <a:buNone/>
-              <a:defRPr sz="9480"/>
+              <a:defRPr sz="9475"/>
             </a:lvl9pPr>
           </a:lstStyle>
           <a:p>
@@ -2283,8 +2283,8 @@
         </p:nvSpPr>
         <p:spPr>
           <a:xfrm>
-            <a:off x="2985405" y="10805161"/>
-            <a:ext cx="13978899" cy="20017895"/>
+            <a:off x="2985404" y="10805163"/>
+            <a:ext cx="13978900" cy="20017895"/>
           </a:xfrm>
         </p:spPr>
         <p:txBody>
@@ -2292,39 +2292,39 @@
           <a:lstStyle>
             <a:lvl1pPr marL="0" indent="0">
               <a:buNone/>
-              <a:defRPr sz="7584"/>
+              <a:defRPr sz="7576"/>
             </a:lvl1pPr>
-            <a:lvl2pPr marL="2167082" indent="0">
+            <a:lvl2pPr marL="2166316" indent="0">
               <a:buNone/>
-              <a:defRPr sz="6636"/>
+              <a:defRPr sz="6637"/>
             </a:lvl2pPr>
-            <a:lvl3pPr marL="4334165" indent="0">
+            <a:lvl3pPr marL="4332632" indent="0">
               <a:buNone/>
-              <a:defRPr sz="5688"/>
+              <a:defRPr sz="5687"/>
             </a:lvl3pPr>
-            <a:lvl4pPr marL="6501247" indent="0">
+            <a:lvl4pPr marL="6498959" indent="0">
               <a:buNone/>
-              <a:defRPr sz="4740"/>
+              <a:defRPr sz="4738"/>
             </a:lvl4pPr>
-            <a:lvl5pPr marL="8668329" indent="0">
+            <a:lvl5pPr marL="8665275" indent="0">
               <a:buNone/>
-              <a:defRPr sz="4740"/>
+              <a:defRPr sz="4738"/>
             </a:lvl5pPr>
-            <a:lvl6pPr marL="10835411" indent="0">
+            <a:lvl6pPr marL="10831591" indent="0">
               <a:buNone/>
-              <a:defRPr sz="4740"/>
+              <a:defRPr sz="4738"/>
             </a:lvl6pPr>
-            <a:lvl7pPr marL="13002494" indent="0">
+            <a:lvl7pPr marL="12997907" indent="0">
               <a:buNone/>
-              <a:defRPr sz="4740"/>
+              <a:defRPr sz="4738"/>
             </a:lvl7pPr>
-            <a:lvl8pPr marL="15169576" indent="0">
+            <a:lvl8pPr marL="15164223" indent="0">
               <a:buNone/>
-              <a:defRPr sz="4740"/>
+              <a:defRPr sz="4738"/>
             </a:lvl8pPr>
-            <a:lvl9pPr marL="17336658" indent="0">
+            <a:lvl9pPr marL="17330550" indent="0">
               <a:buNone/>
-              <a:defRPr sz="4740"/>
+              <a:defRPr sz="4738"/>
             </a:lvl9pPr>
           </a:lstStyle>
           <a:p>
@@ -2353,7 +2353,7 @@
           <a:p>
             <a:fld id="{F96D367F-7370-4214-86FB-91D90BAC4FAD}" type="datetimeFigureOut">
               <a:rPr lang="fr-FR" smtClean="0"/>
-              <a:t>11/02/2021</a:t>
+              <a:t>01/03/2021</a:t>
             </a:fld>
             <a:endParaRPr lang="fr-FR"/>
           </a:p>
@@ -2448,7 +2448,7 @@
         </p:nvSpPr>
         <p:spPr>
           <a:xfrm>
-            <a:off x="2979758" y="1917592"/>
+            <a:off x="2979770" y="1917592"/>
             <a:ext cx="37382410" cy="6961660"/>
           </a:xfrm>
           <a:prstGeom prst="rect">
@@ -2481,7 +2481,7 @@
         </p:nvSpPr>
         <p:spPr>
           <a:xfrm>
-            <a:off x="2979758" y="9587912"/>
+            <a:off x="2979770" y="9587912"/>
             <a:ext cx="37382410" cy="22852584"/>
           </a:xfrm>
           <a:prstGeom prst="rect">
@@ -2543,7 +2543,7 @@
         </p:nvSpPr>
         <p:spPr>
           <a:xfrm>
-            <a:off x="2979757" y="33382618"/>
+            <a:off x="2979769" y="33382618"/>
             <a:ext cx="9751933" cy="1917582"/>
           </a:xfrm>
           <a:prstGeom prst="rect">
@@ -2554,7 +2554,7 @@
           <a:bodyPr vert="horz" lIns="91440" tIns="45720" rIns="91440" bIns="45720" rtlCol="0" anchor="ctr"/>
           <a:lstStyle>
             <a:lvl1pPr algn="l">
-              <a:defRPr sz="5688">
+              <a:defRPr sz="5687">
                 <a:solidFill>
                   <a:schemeClr val="tx1">
                     <a:tint val="75000"/>
@@ -2566,7 +2566,7 @@
           <a:p>
             <a:fld id="{F96D367F-7370-4214-86FB-91D90BAC4FAD}" type="datetimeFigureOut">
               <a:rPr lang="fr-FR" smtClean="0"/>
-              <a:t>11/02/2021</a:t>
+              <a:t>01/03/2021</a:t>
             </a:fld>
             <a:endParaRPr lang="fr-FR"/>
           </a:p>
@@ -2584,8 +2584,8 @@
         </p:nvSpPr>
         <p:spPr>
           <a:xfrm>
-            <a:off x="14357013" y="33382618"/>
-            <a:ext cx="14627900" cy="1917582"/>
+            <a:off x="14357023" y="33382618"/>
+            <a:ext cx="14627905" cy="1917582"/>
           </a:xfrm>
           <a:prstGeom prst="rect">
             <a:avLst/>
@@ -2595,7 +2595,7 @@
           <a:bodyPr vert="horz" lIns="91440" tIns="45720" rIns="91440" bIns="45720" rtlCol="0" anchor="ctr"/>
           <a:lstStyle>
             <a:lvl1pPr algn="ctr">
-              <a:defRPr sz="5688">
+              <a:defRPr sz="5687">
                 <a:solidFill>
                   <a:schemeClr val="tx1">
                     <a:tint val="75000"/>
@@ -2621,7 +2621,7 @@
         </p:nvSpPr>
         <p:spPr>
           <a:xfrm>
-            <a:off x="30610237" y="33382618"/>
+            <a:off x="30610246" y="33382618"/>
             <a:ext cx="9751933" cy="1917582"/>
           </a:xfrm>
           <a:prstGeom prst="rect">
@@ -2632,7 +2632,7 @@
           <a:bodyPr vert="horz" lIns="91440" tIns="45720" rIns="91440" bIns="45720" rtlCol="0" anchor="ctr"/>
           <a:lstStyle>
             <a:lvl1pPr algn="r">
-              <a:defRPr sz="5688">
+              <a:defRPr sz="5687">
                 <a:solidFill>
                   <a:schemeClr val="tx1">
                     <a:tint val="75000"/>
@@ -2673,7 +2673,7 @@
   </p:sldLayoutIdLst>
   <p:txStyles>
     <p:titleStyle>
-      <a:lvl1pPr algn="l" defTabSz="4334165" rtl="0" eaLnBrk="1" latinLnBrk="0" hangingPunct="1">
+      <a:lvl1pPr algn="l" defTabSz="4332632" rtl="0" eaLnBrk="1" latinLnBrk="0" hangingPunct="1">
         <a:lnSpc>
           <a:spcPct val="90000"/>
         </a:lnSpc>
@@ -2681,7 +2681,7 @@
           <a:spcPct val="0"/>
         </a:spcBef>
         <a:buNone/>
-        <a:defRPr sz="20856" kern="1200">
+        <a:defRPr sz="20850" kern="1200">
           <a:solidFill>
             <a:schemeClr val="tx1"/>
           </a:solidFill>
@@ -2692,16 +2692,16 @@
       </a:lvl1pPr>
     </p:titleStyle>
     <p:bodyStyle>
-      <a:lvl1pPr marL="1083541" indent="-1083541" algn="l" defTabSz="4334165" rtl="0" eaLnBrk="1" latinLnBrk="0" hangingPunct="1">
+      <a:lvl1pPr marL="1083164" indent="-1083164" algn="l" defTabSz="4332632" rtl="0" eaLnBrk="1" latinLnBrk="0" hangingPunct="1">
         <a:lnSpc>
           <a:spcPct val="90000"/>
         </a:lnSpc>
         <a:spcBef>
-          <a:spcPts val="4740"/>
+          <a:spcPts val="4738"/>
         </a:spcBef>
         <a:buFont typeface="Arial" panose="020B0604020202020204" pitchFamily="34" charset="0"/>
         <a:buChar char="•"/>
-        <a:defRPr sz="13272" kern="1200">
+        <a:defRPr sz="13263" kern="1200">
           <a:solidFill>
             <a:schemeClr val="tx1"/>
           </a:solidFill>
@@ -2710,16 +2710,16 @@
           <a:cs typeface="+mn-cs"/>
         </a:defRPr>
       </a:lvl1pPr>
-      <a:lvl2pPr marL="3250623" indent="-1083541" algn="l" defTabSz="4334165" rtl="0" eaLnBrk="1" latinLnBrk="0" hangingPunct="1">
+      <a:lvl2pPr marL="3249480" indent="-1083164" algn="l" defTabSz="4332632" rtl="0" eaLnBrk="1" latinLnBrk="0" hangingPunct="1">
         <a:lnSpc>
           <a:spcPct val="90000"/>
         </a:lnSpc>
         <a:spcBef>
-          <a:spcPts val="2370"/>
+          <a:spcPts val="2375"/>
         </a:spcBef>
         <a:buFont typeface="Arial" panose="020B0604020202020204" pitchFamily="34" charset="0"/>
         <a:buChar char="•"/>
-        <a:defRPr sz="11376" kern="1200">
+        <a:defRPr sz="11375" kern="1200">
           <a:solidFill>
             <a:schemeClr val="tx1"/>
           </a:solidFill>
@@ -2728,16 +2728,16 @@
           <a:cs typeface="+mn-cs"/>
         </a:defRPr>
       </a:lvl2pPr>
-      <a:lvl3pPr marL="5417706" indent="-1083541" algn="l" defTabSz="4334165" rtl="0" eaLnBrk="1" latinLnBrk="0" hangingPunct="1">
+      <a:lvl3pPr marL="5415796" indent="-1083164" algn="l" defTabSz="4332632" rtl="0" eaLnBrk="1" latinLnBrk="0" hangingPunct="1">
         <a:lnSpc>
           <a:spcPct val="90000"/>
         </a:lnSpc>
         <a:spcBef>
-          <a:spcPts val="2370"/>
+          <a:spcPts val="2375"/>
         </a:spcBef>
         <a:buFont typeface="Arial" panose="020B0604020202020204" pitchFamily="34" charset="0"/>
         <a:buChar char="•"/>
-        <a:defRPr sz="9480" kern="1200">
+        <a:defRPr sz="9475" kern="1200">
           <a:solidFill>
             <a:schemeClr val="tx1"/>
           </a:solidFill>
@@ -2746,16 +2746,16 @@
           <a:cs typeface="+mn-cs"/>
         </a:defRPr>
       </a:lvl3pPr>
-      <a:lvl4pPr marL="7584788" indent="-1083541" algn="l" defTabSz="4334165" rtl="0" eaLnBrk="1" latinLnBrk="0" hangingPunct="1">
+      <a:lvl4pPr marL="7582111" indent="-1083164" algn="l" defTabSz="4332632" rtl="0" eaLnBrk="1" latinLnBrk="0" hangingPunct="1">
         <a:lnSpc>
           <a:spcPct val="90000"/>
         </a:lnSpc>
         <a:spcBef>
-          <a:spcPts val="2370"/>
+          <a:spcPts val="2375"/>
         </a:spcBef>
         <a:buFont typeface="Arial" panose="020B0604020202020204" pitchFamily="34" charset="0"/>
         <a:buChar char="•"/>
-        <a:defRPr sz="8532" kern="1200">
+        <a:defRPr sz="8525" kern="1200">
           <a:solidFill>
             <a:schemeClr val="tx1"/>
           </a:solidFill>
@@ -2764,16 +2764,16 @@
           <a:cs typeface="+mn-cs"/>
         </a:defRPr>
       </a:lvl4pPr>
-      <a:lvl5pPr marL="9751870" indent="-1083541" algn="l" defTabSz="4334165" rtl="0" eaLnBrk="1" latinLnBrk="0" hangingPunct="1">
+      <a:lvl5pPr marL="9748427" indent="-1083164" algn="l" defTabSz="4332632" rtl="0" eaLnBrk="1" latinLnBrk="0" hangingPunct="1">
         <a:lnSpc>
           <a:spcPct val="90000"/>
         </a:lnSpc>
         <a:spcBef>
-          <a:spcPts val="2370"/>
+          <a:spcPts val="2375"/>
         </a:spcBef>
         <a:buFont typeface="Arial" panose="020B0604020202020204" pitchFamily="34" charset="0"/>
         <a:buChar char="•"/>
-        <a:defRPr sz="8532" kern="1200">
+        <a:defRPr sz="8525" kern="1200">
           <a:solidFill>
             <a:schemeClr val="tx1"/>
           </a:solidFill>
@@ -2782,16 +2782,16 @@
           <a:cs typeface="+mn-cs"/>
         </a:defRPr>
       </a:lvl5pPr>
-      <a:lvl6pPr marL="11918953" indent="-1083541" algn="l" defTabSz="4334165" rtl="0" eaLnBrk="1" latinLnBrk="0" hangingPunct="1">
+      <a:lvl6pPr marL="11914755" indent="-1083164" algn="l" defTabSz="4332632" rtl="0" eaLnBrk="1" latinLnBrk="0" hangingPunct="1">
         <a:lnSpc>
           <a:spcPct val="90000"/>
         </a:lnSpc>
         <a:spcBef>
-          <a:spcPts val="2370"/>
+          <a:spcPts val="2375"/>
         </a:spcBef>
         <a:buFont typeface="Arial" panose="020B0604020202020204" pitchFamily="34" charset="0"/>
         <a:buChar char="•"/>
-        <a:defRPr sz="8532" kern="1200">
+        <a:defRPr sz="8525" kern="1200">
           <a:solidFill>
             <a:schemeClr val="tx1"/>
           </a:solidFill>
@@ -2800,16 +2800,16 @@
           <a:cs typeface="+mn-cs"/>
         </a:defRPr>
       </a:lvl6pPr>
-      <a:lvl7pPr marL="14086035" indent="-1083541" algn="l" defTabSz="4334165" rtl="0" eaLnBrk="1" latinLnBrk="0" hangingPunct="1">
+      <a:lvl7pPr marL="14081071" indent="-1083164" algn="l" defTabSz="4332632" rtl="0" eaLnBrk="1" latinLnBrk="0" hangingPunct="1">
         <a:lnSpc>
           <a:spcPct val="90000"/>
         </a:lnSpc>
         <a:spcBef>
-          <a:spcPts val="2370"/>
+          <a:spcPts val="2375"/>
         </a:spcBef>
         <a:buFont typeface="Arial" panose="020B0604020202020204" pitchFamily="34" charset="0"/>
         <a:buChar char="•"/>
-        <a:defRPr sz="8532" kern="1200">
+        <a:defRPr sz="8525" kern="1200">
           <a:solidFill>
             <a:schemeClr val="tx1"/>
           </a:solidFill>
@@ -2818,16 +2818,16 @@
           <a:cs typeface="+mn-cs"/>
         </a:defRPr>
       </a:lvl7pPr>
-      <a:lvl8pPr marL="16253117" indent="-1083541" algn="l" defTabSz="4334165" rtl="0" eaLnBrk="1" latinLnBrk="0" hangingPunct="1">
+      <a:lvl8pPr marL="16247387" indent="-1083164" algn="l" defTabSz="4332632" rtl="0" eaLnBrk="1" latinLnBrk="0" hangingPunct="1">
         <a:lnSpc>
           <a:spcPct val="90000"/>
         </a:lnSpc>
         <a:spcBef>
-          <a:spcPts val="2370"/>
+          <a:spcPts val="2375"/>
         </a:spcBef>
         <a:buFont typeface="Arial" panose="020B0604020202020204" pitchFamily="34" charset="0"/>
         <a:buChar char="•"/>
-        <a:defRPr sz="8532" kern="1200">
+        <a:defRPr sz="8525" kern="1200">
           <a:solidFill>
             <a:schemeClr val="tx1"/>
           </a:solidFill>
@@ -2836,16 +2836,16 @@
           <a:cs typeface="+mn-cs"/>
         </a:defRPr>
       </a:lvl8pPr>
-      <a:lvl9pPr marL="18420199" indent="-1083541" algn="l" defTabSz="4334165" rtl="0" eaLnBrk="1" latinLnBrk="0" hangingPunct="1">
+      <a:lvl9pPr marL="18413702" indent="-1083164" algn="l" defTabSz="4332632" rtl="0" eaLnBrk="1" latinLnBrk="0" hangingPunct="1">
         <a:lnSpc>
           <a:spcPct val="90000"/>
         </a:lnSpc>
         <a:spcBef>
-          <a:spcPts val="2370"/>
+          <a:spcPts val="2375"/>
         </a:spcBef>
         <a:buFont typeface="Arial" panose="020B0604020202020204" pitchFamily="34" charset="0"/>
         <a:buChar char="•"/>
-        <a:defRPr sz="8532" kern="1200">
+        <a:defRPr sz="8525" kern="1200">
           <a:solidFill>
             <a:schemeClr val="tx1"/>
           </a:solidFill>
@@ -2859,8 +2859,8 @@
       <a:defPPr>
         <a:defRPr lang="en-US"/>
       </a:defPPr>
-      <a:lvl1pPr marL="0" algn="l" defTabSz="4334165" rtl="0" eaLnBrk="1" latinLnBrk="0" hangingPunct="1">
-        <a:defRPr sz="8532" kern="1200">
+      <a:lvl1pPr marL="0" algn="l" defTabSz="4332632" rtl="0" eaLnBrk="1" latinLnBrk="0" hangingPunct="1">
+        <a:defRPr sz="8525" kern="1200">
           <a:solidFill>
             <a:schemeClr val="tx1"/>
           </a:solidFill>
@@ -2869,8 +2869,8 @@
           <a:cs typeface="+mn-cs"/>
         </a:defRPr>
       </a:lvl1pPr>
-      <a:lvl2pPr marL="2167082" algn="l" defTabSz="4334165" rtl="0" eaLnBrk="1" latinLnBrk="0" hangingPunct="1">
-        <a:defRPr sz="8532" kern="1200">
+      <a:lvl2pPr marL="2166316" algn="l" defTabSz="4332632" rtl="0" eaLnBrk="1" latinLnBrk="0" hangingPunct="1">
+        <a:defRPr sz="8525" kern="1200">
           <a:solidFill>
             <a:schemeClr val="tx1"/>
           </a:solidFill>
@@ -2879,8 +2879,8 @@
           <a:cs typeface="+mn-cs"/>
         </a:defRPr>
       </a:lvl2pPr>
-      <a:lvl3pPr marL="4334165" algn="l" defTabSz="4334165" rtl="0" eaLnBrk="1" latinLnBrk="0" hangingPunct="1">
-        <a:defRPr sz="8532" kern="1200">
+      <a:lvl3pPr marL="4332632" algn="l" defTabSz="4332632" rtl="0" eaLnBrk="1" latinLnBrk="0" hangingPunct="1">
+        <a:defRPr sz="8525" kern="1200">
           <a:solidFill>
             <a:schemeClr val="tx1"/>
           </a:solidFill>
@@ -2889,8 +2889,8 @@
           <a:cs typeface="+mn-cs"/>
         </a:defRPr>
       </a:lvl3pPr>
-      <a:lvl4pPr marL="6501247" algn="l" defTabSz="4334165" rtl="0" eaLnBrk="1" latinLnBrk="0" hangingPunct="1">
-        <a:defRPr sz="8532" kern="1200">
+      <a:lvl4pPr marL="6498959" algn="l" defTabSz="4332632" rtl="0" eaLnBrk="1" latinLnBrk="0" hangingPunct="1">
+        <a:defRPr sz="8525" kern="1200">
           <a:solidFill>
             <a:schemeClr val="tx1"/>
           </a:solidFill>
@@ -2899,8 +2899,8 @@
           <a:cs typeface="+mn-cs"/>
         </a:defRPr>
       </a:lvl4pPr>
-      <a:lvl5pPr marL="8668329" algn="l" defTabSz="4334165" rtl="0" eaLnBrk="1" latinLnBrk="0" hangingPunct="1">
-        <a:defRPr sz="8532" kern="1200">
+      <a:lvl5pPr marL="8665275" algn="l" defTabSz="4332632" rtl="0" eaLnBrk="1" latinLnBrk="0" hangingPunct="1">
+        <a:defRPr sz="8525" kern="1200">
           <a:solidFill>
             <a:schemeClr val="tx1"/>
           </a:solidFill>
@@ -2909,8 +2909,8 @@
           <a:cs typeface="+mn-cs"/>
         </a:defRPr>
       </a:lvl5pPr>
-      <a:lvl6pPr marL="10835411" algn="l" defTabSz="4334165" rtl="0" eaLnBrk="1" latinLnBrk="0" hangingPunct="1">
-        <a:defRPr sz="8532" kern="1200">
+      <a:lvl6pPr marL="10831591" algn="l" defTabSz="4332632" rtl="0" eaLnBrk="1" latinLnBrk="0" hangingPunct="1">
+        <a:defRPr sz="8525" kern="1200">
           <a:solidFill>
             <a:schemeClr val="tx1"/>
           </a:solidFill>
@@ -2919,8 +2919,8 @@
           <a:cs typeface="+mn-cs"/>
         </a:defRPr>
       </a:lvl6pPr>
-      <a:lvl7pPr marL="13002494" algn="l" defTabSz="4334165" rtl="0" eaLnBrk="1" latinLnBrk="0" hangingPunct="1">
-        <a:defRPr sz="8532" kern="1200">
+      <a:lvl7pPr marL="12997907" algn="l" defTabSz="4332632" rtl="0" eaLnBrk="1" latinLnBrk="0" hangingPunct="1">
+        <a:defRPr sz="8525" kern="1200">
           <a:solidFill>
             <a:schemeClr val="tx1"/>
           </a:solidFill>
@@ -2929,8 +2929,8 @@
           <a:cs typeface="+mn-cs"/>
         </a:defRPr>
       </a:lvl7pPr>
-      <a:lvl8pPr marL="15169576" algn="l" defTabSz="4334165" rtl="0" eaLnBrk="1" latinLnBrk="0" hangingPunct="1">
-        <a:defRPr sz="8532" kern="1200">
+      <a:lvl8pPr marL="15164223" algn="l" defTabSz="4332632" rtl="0" eaLnBrk="1" latinLnBrk="0" hangingPunct="1">
+        <a:defRPr sz="8525" kern="1200">
           <a:solidFill>
             <a:schemeClr val="tx1"/>
           </a:solidFill>
@@ -2939,8 +2939,8 @@
           <a:cs typeface="+mn-cs"/>
         </a:defRPr>
       </a:lvl8pPr>
-      <a:lvl9pPr marL="17336658" algn="l" defTabSz="4334165" rtl="0" eaLnBrk="1" latinLnBrk="0" hangingPunct="1">
-        <a:defRPr sz="8532" kern="1200">
+      <a:lvl9pPr marL="17330550" algn="l" defTabSz="4332632" rtl="0" eaLnBrk="1" latinLnBrk="0" hangingPunct="1">
+        <a:defRPr sz="8525" kern="1200">
           <a:solidFill>
             <a:schemeClr val="tx1"/>
           </a:solidFill>
@@ -2985,8 +2985,8 @@
         </p:nvSpPr>
         <p:spPr>
           <a:xfrm>
-            <a:off x="0" y="65855"/>
-            <a:ext cx="43308114" cy="35951346"/>
+            <a:off x="33806" y="32926"/>
+            <a:ext cx="43308119" cy="35951348"/>
           </a:xfrm>
           <a:prstGeom prst="rect">
             <a:avLst/>
@@ -3019,7 +3019,7 @@
           <a:lstStyle/>
           <a:p>
             <a:pPr algn="ctr"/>
-            <a:endParaRPr lang="fr-FR" sz="1621"/>
+            <a:endParaRPr lang="fr-FR" sz="1622"/>
           </a:p>
         </p:txBody>
       </p:sp>
@@ -3037,8 +3037,8 @@
         </p:nvSpPr>
         <p:spPr>
           <a:xfrm>
-            <a:off x="8781481" y="8891180"/>
-            <a:ext cx="13634161" cy="9498794"/>
+            <a:off x="8781487" y="8891188"/>
+            <a:ext cx="13634158" cy="9498791"/>
           </a:xfrm>
           <a:prstGeom prst="roundRect">
             <a:avLst/>
@@ -3075,7 +3075,7 @@
           <a:lstStyle/>
           <a:p>
             <a:pPr algn="ctr"/>
-            <a:endParaRPr lang="fr-FR" sz="1621" dirty="0"/>
+            <a:endParaRPr lang="fr-FR" sz="1622" dirty="0"/>
           </a:p>
         </p:txBody>
       </p:sp>
@@ -3093,8 +3093,8 @@
         </p:nvSpPr>
         <p:spPr>
           <a:xfrm>
-            <a:off x="8079591" y="2316710"/>
-            <a:ext cx="25647510" cy="535659"/>
+            <a:off x="8079601" y="2316720"/>
+            <a:ext cx="25647513" cy="536172"/>
           </a:xfrm>
           <a:prstGeom prst="rect">
             <a:avLst/>
@@ -3109,7 +3109,7 @@
           <a:p>
             <a:pPr algn="ctr"/>
             <a:r>
-              <a:rPr lang="fr-FR" sz="2881" dirty="0">
+              <a:rPr lang="fr-FR" sz="2884" dirty="0">
                 <a:latin typeface="Gill Sans Nova" panose="020B0602020104020203" pitchFamily="34" charset="0"/>
               </a:rPr>
               <a:t>MODELISATION DE DEUX ANNOTATIONS  D’UN MEME FRAGMENT DE TEXTE</a:t>
@@ -3131,8 +3131,8 @@
         </p:nvSpPr>
         <p:spPr>
           <a:xfrm>
-            <a:off x="9196532" y="16328825"/>
-            <a:ext cx="841673" cy="399893"/>
+            <a:off x="9196533" y="16328834"/>
+            <a:ext cx="841671" cy="399893"/>
           </a:xfrm>
           <a:prstGeom prst="roundRect">
             <a:avLst/>
@@ -3164,7 +3164,7 @@
           <a:p>
             <a:pPr algn="ctr"/>
             <a:r>
-              <a:rPr lang="fr-FR" sz="900" dirty="0">
+              <a:rPr lang="fr-FR" sz="1158" dirty="0">
                 <a:solidFill>
                   <a:schemeClr val="tx1"/>
                 </a:solidFill>
@@ -3193,8 +3193,8 @@
         </p:nvCxnSpPr>
         <p:spPr>
           <a:xfrm rot="10800000" flipV="1">
-            <a:off x="9617372" y="15958507"/>
-            <a:ext cx="392889" cy="370317"/>
+            <a:off x="9617380" y="15958506"/>
+            <a:ext cx="392885" cy="370320"/>
           </a:xfrm>
           <a:prstGeom prst="bentConnector2">
             <a:avLst/>
@@ -3232,8 +3232,8 @@
         </p:nvSpPr>
         <p:spPr>
           <a:xfrm>
-            <a:off x="23606358" y="3844085"/>
-            <a:ext cx="16470323" cy="13265008"/>
+            <a:off x="23534736" y="3993218"/>
+            <a:ext cx="16470322" cy="13265007"/>
           </a:xfrm>
           <a:prstGeom prst="roundRect">
             <a:avLst/>
@@ -3270,7 +3270,7 @@
           <a:lstStyle/>
           <a:p>
             <a:pPr algn="ctr"/>
-            <a:endParaRPr lang="fr-FR" sz="1621" dirty="0"/>
+            <a:endParaRPr lang="fr-FR" sz="1622" dirty="0"/>
           </a:p>
         </p:txBody>
       </p:sp>
@@ -3288,8 +3288,8 @@
         </p:nvSpPr>
         <p:spPr>
           <a:xfrm>
-            <a:off x="13759157" y="12758671"/>
-            <a:ext cx="1052046" cy="656948"/>
+            <a:off x="13759150" y="12758677"/>
+            <a:ext cx="1052048" cy="656951"/>
           </a:xfrm>
           <a:prstGeom prst="roundRect">
             <a:avLst/>
@@ -3321,7 +3321,7 @@
           <a:p>
             <a:pPr algn="ctr"/>
             <a:r>
-              <a:rPr lang="fr-FR" sz="900" dirty="0">
+              <a:rPr lang="fr-FR" sz="1158" dirty="0">
                 <a:solidFill>
                   <a:schemeClr val="tx1"/>
                 </a:solidFill>
@@ -3330,7 +3330,7 @@
               <a:t>E13 </a:t>
             </a:r>
             <a:r>
-              <a:rPr lang="fr-FR" sz="900" dirty="0" err="1">
+              <a:rPr lang="fr-FR" sz="1158" dirty="0" err="1">
                 <a:solidFill>
                   <a:schemeClr val="tx1"/>
                 </a:solidFill>
@@ -3339,7 +3339,7 @@
               <a:t>Attribute</a:t>
             </a:r>
             <a:r>
-              <a:rPr lang="fr-FR" sz="900" dirty="0">
+              <a:rPr lang="fr-FR" sz="1158" dirty="0">
                 <a:solidFill>
                   <a:schemeClr val="tx1"/>
                 </a:solidFill>
@@ -3364,8 +3364,8 @@
         </p:nvSpPr>
         <p:spPr>
           <a:xfrm>
-            <a:off x="11409373" y="12805185"/>
-            <a:ext cx="976814" cy="563922"/>
+            <a:off x="11409377" y="12805190"/>
+            <a:ext cx="976814" cy="563925"/>
           </a:xfrm>
           <a:prstGeom prst="roundRect">
             <a:avLst/>
@@ -3397,7 +3397,7 @@
           <a:p>
             <a:pPr algn="ctr"/>
             <a:r>
-              <a:rPr lang="fr-FR" sz="900" dirty="0">
+              <a:rPr lang="fr-FR" sz="1158" dirty="0">
                 <a:solidFill>
                   <a:schemeClr val="tx1"/>
                 </a:solidFill>
@@ -3409,7 +3409,7 @@
           <a:p>
             <a:pPr algn="ctr"/>
             <a:r>
-              <a:rPr lang="fr-FR" sz="900" i="1" dirty="0">
+              <a:rPr lang="fr-FR" sz="1158" i="1" dirty="0">
                 <a:solidFill>
                   <a:schemeClr val="tx1"/>
                 </a:solidFill>
@@ -3438,8 +3438,8 @@
         </p:nvCxnSpPr>
         <p:spPr>
           <a:xfrm flipH="1">
-            <a:off x="12386188" y="13087145"/>
-            <a:ext cx="1372966" cy="0"/>
+            <a:off x="12386193" y="13087139"/>
+            <a:ext cx="1372965" cy="0"/>
           </a:xfrm>
           <a:prstGeom prst="straightConnector1">
             <a:avLst/>
@@ -3477,8 +3477,8 @@
         </p:nvSpPr>
         <p:spPr>
           <a:xfrm>
-            <a:off x="12478408" y="12856315"/>
-            <a:ext cx="1156233" cy="230832"/>
+            <a:off x="12478414" y="12856325"/>
+            <a:ext cx="1156229" cy="448713"/>
           </a:xfrm>
           <a:prstGeom prst="rect">
             <a:avLst/>
@@ -3493,19 +3493,19 @@
           <a:p>
             <a:pPr algn="ctr"/>
             <a:r>
-              <a:rPr lang="fr-FR" sz="900" i="1" dirty="0">
+              <a:rPr lang="fr-FR" sz="1158" i="1" dirty="0">
                 <a:latin typeface="Gill Sans Nova" panose="020B0602020104020203" pitchFamily="34" charset="0"/>
               </a:rPr>
               <a:t>P14 </a:t>
             </a:r>
             <a:r>
-              <a:rPr lang="fr-FR" sz="900" i="1" dirty="0" err="1">
+              <a:rPr lang="fr-FR" sz="1158" i="1" dirty="0" err="1">
                 <a:latin typeface="Gill Sans Nova" panose="020B0602020104020203" pitchFamily="34" charset="0"/>
               </a:rPr>
               <a:t>carried</a:t>
             </a:r>
             <a:r>
-              <a:rPr lang="fr-FR" sz="900" i="1" dirty="0">
+              <a:rPr lang="fr-FR" sz="1158" i="1" dirty="0">
                 <a:latin typeface="Gill Sans Nova" panose="020B0602020104020203" pitchFamily="34" charset="0"/>
               </a:rPr>
               <a:t> out by</a:t>
@@ -3530,8 +3530,8 @@
         </p:nvCxnSpPr>
         <p:spPr>
           <a:xfrm flipH="1" flipV="1">
-            <a:off x="14285175" y="12061559"/>
-            <a:ext cx="2" cy="697127"/>
+            <a:off x="14285174" y="12061565"/>
+            <a:ext cx="0" cy="697122"/>
           </a:xfrm>
           <a:prstGeom prst="straightConnector1">
             <a:avLst/>
@@ -3569,8 +3569,8 @@
         </p:nvSpPr>
         <p:spPr>
           <a:xfrm>
-            <a:off x="14285176" y="12319549"/>
-            <a:ext cx="976814" cy="230832"/>
+            <a:off x="14285180" y="12319552"/>
+            <a:ext cx="976814" cy="448713"/>
           </a:xfrm>
           <a:prstGeom prst="rect">
             <a:avLst/>
@@ -3585,12 +3585,12 @@
           <a:p>
             <a:pPr algn="ctr"/>
             <a:r>
-              <a:rPr lang="fr-FR" sz="900" i="1" dirty="0" err="1">
+              <a:rPr lang="fr-FR" sz="1158" i="1" dirty="0" err="1">
                 <a:latin typeface="Gill Sans Nova" panose="020B0602020104020203" pitchFamily="34" charset="0"/>
               </a:rPr>
               <a:t>dcterms:created</a:t>
             </a:r>
-            <a:endParaRPr lang="fr-FR" sz="900" i="1" dirty="0">
+            <a:endParaRPr lang="fr-FR" sz="1158" i="1" dirty="0">
               <a:latin typeface="Gill Sans Nova" panose="020B0602020104020203" pitchFamily="34" charset="0"/>
             </a:endParaRPr>
           </a:p>
@@ -3610,8 +3610,8 @@
         </p:nvSpPr>
         <p:spPr>
           <a:xfrm>
-            <a:off x="16449814" y="12715231"/>
-            <a:ext cx="1052047" cy="706334"/>
+            <a:off x="16449816" y="12715234"/>
+            <a:ext cx="1052048" cy="706331"/>
           </a:xfrm>
           <a:prstGeom prst="roundRect">
             <a:avLst/>
@@ -3643,7 +3643,7 @@
           <a:p>
             <a:pPr algn="ctr"/>
             <a:r>
-              <a:rPr lang="fr-FR" sz="900" dirty="0">
+              <a:rPr lang="fr-FR" sz="1158" dirty="0">
                 <a:solidFill>
                   <a:schemeClr val="tx1"/>
                 </a:solidFill>
@@ -3652,7 +3652,7 @@
               <a:t>E33 </a:t>
             </a:r>
             <a:r>
-              <a:rPr lang="fr-FR" sz="900" dirty="0" err="1">
+              <a:rPr lang="fr-FR" sz="1158" dirty="0" err="1">
                 <a:solidFill>
                   <a:schemeClr val="tx1"/>
                 </a:solidFill>
@@ -3661,7 +3661,7 @@
               <a:t>Linguistic</a:t>
             </a:r>
             <a:r>
-              <a:rPr lang="fr-FR" sz="900" dirty="0">
+              <a:rPr lang="fr-FR" sz="1158" dirty="0">
                 <a:solidFill>
                   <a:schemeClr val="tx1"/>
                 </a:solidFill>
@@ -3673,7 +3673,7 @@
           <a:p>
             <a:pPr algn="ctr"/>
             <a:r>
-              <a:rPr lang="fr-FR" sz="900" i="1" dirty="0">
+              <a:rPr lang="fr-FR" sz="1158" i="1" dirty="0">
                 <a:solidFill>
                   <a:schemeClr val="tx1"/>
                 </a:solidFill>
@@ -3682,19 +3682,19 @@
               <a:t>(« </a:t>
             </a:r>
             <a:r>
-              <a:rPr lang="fr-FR" sz="900" i="1" dirty="0"/>
+              <a:rPr lang="fr-FR" sz="1158" i="1" dirty="0"/>
               <a:t>L’</a:t>
             </a:r>
             <a:r>
-              <a:rPr lang="fr-FR" sz="900" i="1" dirty="0" err="1"/>
+              <a:rPr lang="fr-FR" sz="1158" i="1" dirty="0" err="1"/>
               <a:t>Autheur</a:t>
             </a:r>
             <a:r>
-              <a:rPr lang="fr-FR" sz="900" i="1" dirty="0"/>
+              <a:rPr lang="fr-FR" sz="1158" i="1" dirty="0"/>
               <a:t> </a:t>
             </a:r>
             <a:r>
-              <a:rPr lang="fr-FR" sz="900" i="1" dirty="0">
+              <a:rPr lang="fr-FR" sz="1158" i="1" dirty="0">
                 <a:solidFill>
                   <a:schemeClr val="tx1"/>
                 </a:solidFill>
@@ -3723,8 +3723,8 @@
         </p:nvCxnSpPr>
         <p:spPr>
           <a:xfrm flipV="1">
-            <a:off x="14811202" y="13068407"/>
-            <a:ext cx="1638594" cy="18751"/>
+            <a:off x="14811206" y="13068417"/>
+            <a:ext cx="1638595" cy="18753"/>
           </a:xfrm>
           <a:prstGeom prst="straightConnector1">
             <a:avLst/>
@@ -3762,8 +3762,8 @@
         </p:nvSpPr>
         <p:spPr>
           <a:xfrm>
-            <a:off x="14895745" y="12832286"/>
-            <a:ext cx="1398361" cy="230832"/>
+            <a:off x="14895751" y="12832290"/>
+            <a:ext cx="1398356" cy="448713"/>
           </a:xfrm>
           <a:prstGeom prst="rect">
             <a:avLst/>
@@ -3778,31 +3778,31 @@
           <a:p>
             <a:pPr algn="ctr"/>
             <a:r>
-              <a:rPr lang="fr-FR" sz="900" i="1" dirty="0">
+              <a:rPr lang="fr-FR" sz="1158" i="1" dirty="0">
                 <a:latin typeface="Gill Sans Nova" panose="020B0602020104020203" pitchFamily="34" charset="0"/>
               </a:rPr>
               <a:t>P140 </a:t>
             </a:r>
             <a:r>
-              <a:rPr lang="fr-FR" sz="900" i="1" dirty="0" err="1">
+              <a:rPr lang="fr-FR" sz="1158" i="1" dirty="0" err="1">
                 <a:latin typeface="Gill Sans Nova" panose="020B0602020104020203" pitchFamily="34" charset="0"/>
               </a:rPr>
               <a:t>assigned</a:t>
             </a:r>
             <a:r>
-              <a:rPr lang="fr-FR" sz="900" i="1" dirty="0">
+              <a:rPr lang="fr-FR" sz="1158" i="1" dirty="0">
                 <a:latin typeface="Gill Sans Nova" panose="020B0602020104020203" pitchFamily="34" charset="0"/>
               </a:rPr>
               <a:t> </a:t>
             </a:r>
             <a:r>
-              <a:rPr lang="fr-FR" sz="900" i="1" dirty="0" err="1">
+              <a:rPr lang="fr-FR" sz="1158" i="1" dirty="0" err="1">
                 <a:latin typeface="Gill Sans Nova" panose="020B0602020104020203" pitchFamily="34" charset="0"/>
               </a:rPr>
               <a:t>attribute</a:t>
             </a:r>
             <a:r>
-              <a:rPr lang="fr-FR" sz="900" i="1" dirty="0">
+              <a:rPr lang="fr-FR" sz="1158" i="1" dirty="0">
                 <a:latin typeface="Gill Sans Nova" panose="020B0602020104020203" pitchFamily="34" charset="0"/>
               </a:rPr>
               <a:t> to</a:t>
@@ -3824,8 +3824,8 @@
         </p:nvSpPr>
         <p:spPr>
           <a:xfrm>
-            <a:off x="14248745" y="14907795"/>
-            <a:ext cx="935536" cy="378205"/>
+            <a:off x="14248752" y="14907798"/>
+            <a:ext cx="935531" cy="378209"/>
           </a:xfrm>
           <a:prstGeom prst="roundRect">
             <a:avLst/>
@@ -3857,7 +3857,7 @@
           <a:p>
             <a:pPr algn="ctr"/>
             <a:r>
-              <a:rPr lang="fr-FR" sz="900" i="1" dirty="0">
+              <a:rPr lang="fr-FR" sz="1158" i="1" dirty="0">
                 <a:solidFill>
                   <a:schemeClr val="tx1"/>
                 </a:solidFill>
@@ -3866,7 +3866,7 @@
               <a:t>P67 </a:t>
             </a:r>
             <a:r>
-              <a:rPr lang="fr-FR" sz="900" i="1" dirty="0" err="1">
+              <a:rPr lang="fr-FR" sz="1158" i="1" dirty="0" err="1">
                 <a:solidFill>
                   <a:schemeClr val="tx1"/>
                 </a:solidFill>
@@ -3875,7 +3875,7 @@
               <a:t>refers</a:t>
             </a:r>
             <a:r>
-              <a:rPr lang="fr-FR" sz="900" i="1" dirty="0">
+              <a:rPr lang="fr-FR" sz="1158" i="1" dirty="0">
                 <a:solidFill>
                   <a:schemeClr val="tx1"/>
                 </a:solidFill>
@@ -3900,8 +3900,8 @@
         </p:nvSpPr>
         <p:spPr>
           <a:xfrm>
-            <a:off x="13763447" y="14296408"/>
-            <a:ext cx="908881" cy="369332"/>
+            <a:off x="13763450" y="14296409"/>
+            <a:ext cx="908877" cy="805092"/>
           </a:xfrm>
           <a:prstGeom prst="rect">
             <a:avLst/>
@@ -3916,31 +3916,31 @@
           <a:p>
             <a:pPr algn="ctr"/>
             <a:r>
-              <a:rPr lang="fr-FR" sz="900" i="1" dirty="0">
+              <a:rPr lang="fr-FR" sz="1158" i="1" dirty="0">
                 <a:latin typeface="Gill Sans Nova" panose="020B0602020104020203" pitchFamily="34" charset="0"/>
               </a:rPr>
               <a:t>P177 </a:t>
             </a:r>
             <a:r>
-              <a:rPr lang="fr-FR" sz="900" i="1" dirty="0" err="1">
+              <a:rPr lang="fr-FR" sz="1158" i="1" dirty="0" err="1">
                 <a:latin typeface="Gill Sans Nova" panose="020B0602020104020203" pitchFamily="34" charset="0"/>
               </a:rPr>
               <a:t>assigned</a:t>
             </a:r>
             <a:r>
-              <a:rPr lang="fr-FR" sz="900" i="1" dirty="0">
+              <a:rPr lang="fr-FR" sz="1158" i="1" dirty="0">
                 <a:latin typeface="Gill Sans Nova" panose="020B0602020104020203" pitchFamily="34" charset="0"/>
               </a:rPr>
               <a:t> </a:t>
             </a:r>
             <a:r>
-              <a:rPr lang="fr-FR" sz="900" i="1" dirty="0" err="1">
+              <a:rPr lang="fr-FR" sz="1158" i="1" dirty="0" err="1">
                 <a:latin typeface="Gill Sans Nova" panose="020B0602020104020203" pitchFamily="34" charset="0"/>
               </a:rPr>
               <a:t>property</a:t>
             </a:r>
             <a:r>
-              <a:rPr lang="fr-FR" sz="900" i="1" dirty="0">
+              <a:rPr lang="fr-FR" sz="1158" i="1" dirty="0">
                 <a:latin typeface="Gill Sans Nova" panose="020B0602020104020203" pitchFamily="34" charset="0"/>
               </a:rPr>
               <a:t> type</a:t>
@@ -3962,8 +3962,8 @@
         </p:nvSpPr>
         <p:spPr>
           <a:xfrm>
-            <a:off x="11685916" y="14386548"/>
-            <a:ext cx="1023273" cy="490810"/>
+            <a:off x="11685915" y="14386550"/>
+            <a:ext cx="1023275" cy="490810"/>
           </a:xfrm>
           <a:prstGeom prst="roundRect">
             <a:avLst/>
@@ -3998,7 +3998,7 @@
           <a:p>
             <a:pPr algn="ctr"/>
             <a:r>
-              <a:rPr lang="fr-FR" sz="900" dirty="0">
+              <a:rPr lang="fr-FR" sz="1158" dirty="0">
                 <a:solidFill>
                   <a:schemeClr val="tx1"/>
                 </a:solidFill>
@@ -4023,8 +4023,8 @@
         </p:nvSpPr>
         <p:spPr>
           <a:xfrm>
-            <a:off x="16910817" y="15267700"/>
-            <a:ext cx="873752" cy="230832"/>
+            <a:off x="16910813" y="15267705"/>
+            <a:ext cx="873757" cy="448713"/>
           </a:xfrm>
           <a:prstGeom prst="rect">
             <a:avLst/>
@@ -4039,18 +4039,18 @@
           <a:p>
             <a:pPr algn="ctr"/>
             <a:r>
-              <a:rPr lang="fr-FR" sz="900" i="1" dirty="0">
+              <a:rPr lang="fr-FR" sz="1158" i="1" dirty="0">
                 <a:latin typeface="Gill Sans Nova" panose="020B0602020104020203" pitchFamily="34" charset="0"/>
               </a:rPr>
               <a:t>P141 </a:t>
             </a:r>
             <a:r>
-              <a:rPr lang="fr-FR" sz="900" i="1" dirty="0" err="1">
+              <a:rPr lang="fr-FR" sz="1158" i="1" dirty="0" err="1">
                 <a:latin typeface="Gill Sans Nova" panose="020B0602020104020203" pitchFamily="34" charset="0"/>
               </a:rPr>
               <a:t>assigned</a:t>
             </a:r>
-            <a:endParaRPr lang="fr-FR" sz="900" i="1" dirty="0">
+            <a:endParaRPr lang="fr-FR" sz="1158" i="1" dirty="0">
               <a:latin typeface="Gill Sans Nova" panose="020B0602020104020203" pitchFamily="34" charset="0"/>
             </a:endParaRPr>
           </a:p>
@@ -4070,8 +4070,8 @@
         </p:nvSpPr>
         <p:spPr>
           <a:xfrm>
-            <a:off x="10203271" y="9619063"/>
-            <a:ext cx="3233372" cy="424732"/>
+            <a:off x="10203282" y="9619073"/>
+            <a:ext cx="3233370" cy="423962"/>
           </a:xfrm>
           <a:prstGeom prst="rect">
             <a:avLst/>
@@ -4086,7 +4086,7 @@
           <a:p>
             <a:pPr algn="ctr"/>
             <a:r>
-              <a:rPr lang="fr-FR" sz="2160" dirty="0">
+              <a:rPr lang="fr-FR" sz="2155" dirty="0">
                 <a:latin typeface="Gill Sans Nova" panose="020B0602020104020203" pitchFamily="34" charset="0"/>
               </a:rPr>
               <a:t>ESPACE D’ANNOTATION</a:t>
@@ -4108,8 +4108,8 @@
         </p:nvSpPr>
         <p:spPr>
           <a:xfrm>
-            <a:off x="10010260" y="15730692"/>
-            <a:ext cx="1013135" cy="455629"/>
+            <a:off x="10010271" y="15730701"/>
+            <a:ext cx="1013139" cy="455632"/>
           </a:xfrm>
           <a:prstGeom prst="roundRect">
             <a:avLst/>
@@ -4141,7 +4141,7 @@
           <a:p>
             <a:pPr algn="ctr"/>
             <a:r>
-              <a:rPr lang="fr-FR" sz="900" dirty="0">
+              <a:rPr lang="fr-FR" sz="1158" dirty="0">
                 <a:solidFill>
                   <a:schemeClr val="tx1"/>
                 </a:solidFill>
@@ -4166,8 +4166,8 @@
         </p:nvSpPr>
         <p:spPr>
           <a:xfrm>
-            <a:off x="10757659" y="15319285"/>
-            <a:ext cx="1484002" cy="230832"/>
+            <a:off x="10757664" y="15319280"/>
+            <a:ext cx="1484003" cy="270523"/>
           </a:xfrm>
           <a:prstGeom prst="rect">
             <a:avLst/>
@@ -4182,31 +4182,31 @@
           <a:p>
             <a:pPr algn="ctr"/>
             <a:r>
-              <a:rPr lang="fr-FR" sz="900" i="1" dirty="0">
+              <a:rPr lang="fr-FR" sz="1158" i="1" dirty="0">
                 <a:latin typeface="Gill Sans Nova" panose="020B0602020104020203" pitchFamily="34" charset="0"/>
               </a:rPr>
               <a:t>P1 </a:t>
             </a:r>
             <a:r>
-              <a:rPr lang="fr-FR" sz="900" i="1" dirty="0" err="1">
+              <a:rPr lang="fr-FR" sz="1158" i="1" dirty="0" err="1">
                 <a:latin typeface="Gill Sans Nova" panose="020B0602020104020203" pitchFamily="34" charset="0"/>
               </a:rPr>
               <a:t>is</a:t>
             </a:r>
             <a:r>
-              <a:rPr lang="fr-FR" sz="900" i="1" dirty="0">
+              <a:rPr lang="fr-FR" sz="1158" i="1" dirty="0">
                 <a:latin typeface="Gill Sans Nova" panose="020B0602020104020203" pitchFamily="34" charset="0"/>
               </a:rPr>
               <a:t> </a:t>
             </a:r>
             <a:r>
-              <a:rPr lang="fr-FR" sz="900" i="1" dirty="0" err="1">
+              <a:rPr lang="fr-FR" sz="1158" i="1" dirty="0" err="1">
                 <a:latin typeface="Gill Sans Nova" panose="020B0602020104020203" pitchFamily="34" charset="0"/>
               </a:rPr>
               <a:t>identified</a:t>
             </a:r>
             <a:r>
-              <a:rPr lang="fr-FR" sz="900" i="1" dirty="0">
+              <a:rPr lang="fr-FR" sz="1158" i="1" dirty="0">
                 <a:latin typeface="Gill Sans Nova" panose="020B0602020104020203" pitchFamily="34" charset="0"/>
               </a:rPr>
               <a:t> by</a:t>
@@ -4228,8 +4228,8 @@
         </p:nvSpPr>
         <p:spPr>
           <a:xfrm>
-            <a:off x="16443049" y="14072092"/>
-            <a:ext cx="1058800" cy="697636"/>
+            <a:off x="16443060" y="14072102"/>
+            <a:ext cx="1058801" cy="697632"/>
           </a:xfrm>
           <a:prstGeom prst="roundRect">
             <a:avLst/>
@@ -4261,7 +4261,7 @@
           <a:p>
             <a:pPr algn="ctr"/>
             <a:r>
-              <a:rPr lang="fr-FR" sz="900" dirty="0">
+              <a:rPr lang="fr-FR" sz="1158" dirty="0">
                 <a:solidFill>
                   <a:schemeClr val="tx1"/>
                 </a:solidFill>
@@ -4270,7 +4270,7 @@
               <a:t>E13 </a:t>
             </a:r>
             <a:r>
-              <a:rPr lang="fr-FR" sz="900" dirty="0" err="1">
+              <a:rPr lang="fr-FR" sz="1158" dirty="0" err="1">
                 <a:solidFill>
                   <a:schemeClr val="tx1"/>
                 </a:solidFill>
@@ -4279,7 +4279,7 @@
               <a:t>Attribute</a:t>
             </a:r>
             <a:r>
-              <a:rPr lang="fr-FR" sz="900" dirty="0">
+              <a:rPr lang="fr-FR" sz="1158" dirty="0">
                 <a:solidFill>
                   <a:schemeClr val="tx1"/>
                 </a:solidFill>
@@ -4308,8 +4308,8 @@
         </p:nvCxnSpPr>
         <p:spPr>
           <a:xfrm flipV="1">
-            <a:off x="16972447" y="13421562"/>
-            <a:ext cx="3376" cy="650530"/>
+            <a:off x="16972454" y="13421568"/>
+            <a:ext cx="3371" cy="650534"/>
           </a:xfrm>
           <a:prstGeom prst="straightConnector1">
             <a:avLst/>
@@ -4347,8 +4347,8 @@
         </p:nvSpPr>
         <p:spPr>
           <a:xfrm>
-            <a:off x="15630584" y="13639479"/>
-            <a:ext cx="1398361" cy="230832"/>
+            <a:off x="15630588" y="13639488"/>
+            <a:ext cx="1398356" cy="448713"/>
           </a:xfrm>
           <a:prstGeom prst="rect">
             <a:avLst/>
@@ -4363,31 +4363,31 @@
           <a:p>
             <a:pPr algn="ctr"/>
             <a:r>
-              <a:rPr lang="fr-FR" sz="900" i="1" dirty="0">
+              <a:rPr lang="fr-FR" sz="1158" i="1" dirty="0">
                 <a:latin typeface="Gill Sans Nova" panose="020B0602020104020203" pitchFamily="34" charset="0"/>
               </a:rPr>
               <a:t>P140 </a:t>
             </a:r>
             <a:r>
-              <a:rPr lang="fr-FR" sz="900" i="1" dirty="0" err="1">
+              <a:rPr lang="fr-FR" sz="1158" i="1" dirty="0" err="1">
                 <a:latin typeface="Gill Sans Nova" panose="020B0602020104020203" pitchFamily="34" charset="0"/>
               </a:rPr>
               <a:t>assigned</a:t>
             </a:r>
             <a:r>
-              <a:rPr lang="fr-FR" sz="900" i="1" dirty="0">
+              <a:rPr lang="fr-FR" sz="1158" i="1" dirty="0">
                 <a:latin typeface="Gill Sans Nova" panose="020B0602020104020203" pitchFamily="34" charset="0"/>
               </a:rPr>
               <a:t> </a:t>
             </a:r>
             <a:r>
-              <a:rPr lang="fr-FR" sz="900" i="1" dirty="0" err="1">
+              <a:rPr lang="fr-FR" sz="1158" i="1" dirty="0" err="1">
                 <a:latin typeface="Gill Sans Nova" panose="020B0602020104020203" pitchFamily="34" charset="0"/>
               </a:rPr>
               <a:t>attribute</a:t>
             </a:r>
             <a:r>
-              <a:rPr lang="fr-FR" sz="900" i="1" dirty="0">
+              <a:rPr lang="fr-FR" sz="1158" i="1" dirty="0">
                 <a:latin typeface="Gill Sans Nova" panose="020B0602020104020203" pitchFamily="34" charset="0"/>
               </a:rPr>
               <a:t> to</a:t>
@@ -4413,8 +4413,8 @@
         </p:nvCxnSpPr>
         <p:spPr>
           <a:xfrm>
-            <a:off x="17501851" y="14420907"/>
-            <a:ext cx="1133993" cy="1874"/>
+            <a:off x="17501855" y="14420908"/>
+            <a:ext cx="1133989" cy="1877"/>
           </a:xfrm>
           <a:prstGeom prst="straightConnector1">
             <a:avLst/>
@@ -4452,8 +4452,8 @@
         </p:nvSpPr>
         <p:spPr>
           <a:xfrm>
-            <a:off x="17501837" y="14204284"/>
-            <a:ext cx="1224050" cy="230832"/>
+            <a:off x="17501849" y="14204294"/>
+            <a:ext cx="1224049" cy="270523"/>
           </a:xfrm>
           <a:prstGeom prst="rect">
             <a:avLst/>
@@ -4468,12 +4468,12 @@
           <a:p>
             <a:pPr algn="ctr"/>
             <a:r>
-              <a:rPr lang="fr-FR" sz="900" i="1" dirty="0" err="1">
+              <a:rPr lang="fr-FR" sz="1158" i="1" dirty="0" err="1">
                 <a:latin typeface="Gill Sans Nova" panose="020B0602020104020203" pitchFamily="34" charset="0"/>
               </a:rPr>
               <a:t>dcterms:created</a:t>
             </a:r>
-            <a:endParaRPr lang="fr-FR" sz="900" i="1" dirty="0">
+            <a:endParaRPr lang="fr-FR" sz="1158" i="1" dirty="0">
               <a:latin typeface="Gill Sans Nova" panose="020B0602020104020203" pitchFamily="34" charset="0"/>
             </a:endParaRPr>
           </a:p>
@@ -4493,8 +4493,8 @@
         </p:nvSpPr>
         <p:spPr>
           <a:xfrm>
-            <a:off x="18478653" y="15421150"/>
-            <a:ext cx="976814" cy="588024"/>
+            <a:off x="18478661" y="15421147"/>
+            <a:ext cx="976814" cy="588030"/>
           </a:xfrm>
           <a:prstGeom prst="roundRect">
             <a:avLst/>
@@ -4526,7 +4526,7 @@
           <a:p>
             <a:pPr algn="ctr"/>
             <a:r>
-              <a:rPr lang="fr-FR" sz="900" dirty="0">
+              <a:rPr lang="fr-FR" sz="1158" dirty="0">
                 <a:solidFill>
                   <a:schemeClr val="tx1"/>
                 </a:solidFill>
@@ -4538,7 +4538,7 @@
           <a:p>
             <a:pPr algn="ctr"/>
             <a:r>
-              <a:rPr lang="fr-FR" sz="900" i="1" dirty="0">
+              <a:rPr lang="fr-FR" sz="1158" i="1" dirty="0">
                 <a:solidFill>
                   <a:schemeClr val="tx1"/>
                 </a:solidFill>
@@ -4566,8 +4566,8 @@
         </p:nvCxnSpPr>
         <p:spPr>
           <a:xfrm>
-            <a:off x="17475863" y="14720320"/>
-            <a:ext cx="1002790" cy="994847"/>
+            <a:off x="17475862" y="14720327"/>
+            <a:ext cx="1002795" cy="994849"/>
           </a:xfrm>
           <a:prstGeom prst="straightConnector1">
             <a:avLst/>
@@ -4605,8 +4605,8 @@
         </p:nvSpPr>
         <p:spPr>
           <a:xfrm>
-            <a:off x="17874122" y="15011996"/>
-            <a:ext cx="1023484" cy="230832"/>
+            <a:off x="17874121" y="15012002"/>
+            <a:ext cx="1023483" cy="448713"/>
           </a:xfrm>
           <a:prstGeom prst="rect">
             <a:avLst/>
@@ -4621,19 +4621,19 @@
           <a:p>
             <a:pPr algn="ctr"/>
             <a:r>
-              <a:rPr lang="fr-FR" sz="900" i="1" dirty="0">
+              <a:rPr lang="fr-FR" sz="1158" i="1" dirty="0">
                 <a:latin typeface="Gill Sans Nova" panose="020B0602020104020203" pitchFamily="34" charset="0"/>
               </a:rPr>
               <a:t>P14 </a:t>
             </a:r>
             <a:r>
-              <a:rPr lang="fr-FR" sz="900" i="1" dirty="0" err="1">
+              <a:rPr lang="fr-FR" sz="1158" i="1" dirty="0" err="1">
                 <a:latin typeface="Gill Sans Nova" panose="020B0602020104020203" pitchFamily="34" charset="0"/>
               </a:rPr>
               <a:t>carried</a:t>
             </a:r>
             <a:r>
-              <a:rPr lang="fr-FR" sz="900" i="1" dirty="0">
+              <a:rPr lang="fr-FR" sz="1158" i="1" dirty="0">
                 <a:latin typeface="Gill Sans Nova" panose="020B0602020104020203" pitchFamily="34" charset="0"/>
               </a:rPr>
               <a:t> out by</a:t>
@@ -4655,8 +4655,8 @@
         </p:nvSpPr>
         <p:spPr>
           <a:xfrm>
-            <a:off x="16452599" y="15819274"/>
-            <a:ext cx="1023273" cy="487087"/>
+            <a:off x="16452598" y="15819280"/>
+            <a:ext cx="1023275" cy="487092"/>
           </a:xfrm>
           <a:prstGeom prst="roundRect">
             <a:avLst/>
@@ -4688,7 +4688,7 @@
           <a:p>
             <a:pPr algn="ctr"/>
             <a:r>
-              <a:rPr lang="fr-FR" sz="900" dirty="0">
+              <a:rPr lang="fr-FR" sz="1158" dirty="0">
                 <a:solidFill>
                   <a:schemeClr val="tx1"/>
                 </a:solidFill>
@@ -4713,8 +4713,8 @@
         </p:nvSpPr>
         <p:spPr>
           <a:xfrm>
-            <a:off x="11602140" y="13881912"/>
-            <a:ext cx="873752" cy="230832"/>
+            <a:off x="11602144" y="13881917"/>
+            <a:ext cx="873757" cy="448713"/>
           </a:xfrm>
           <a:prstGeom prst="rect">
             <a:avLst/>
@@ -4729,18 +4729,18 @@
           <a:p>
             <a:pPr algn="ctr"/>
             <a:r>
-              <a:rPr lang="fr-FR" sz="900" i="1" dirty="0">
+              <a:rPr lang="fr-FR" sz="1158" i="1" dirty="0">
                 <a:latin typeface="Gill Sans Nova" panose="020B0602020104020203" pitchFamily="34" charset="0"/>
               </a:rPr>
               <a:t>P141 </a:t>
             </a:r>
             <a:r>
-              <a:rPr lang="fr-FR" sz="900" i="1" dirty="0" err="1">
+              <a:rPr lang="fr-FR" sz="1158" i="1" dirty="0" err="1">
                 <a:latin typeface="Gill Sans Nova" panose="020B0602020104020203" pitchFamily="34" charset="0"/>
               </a:rPr>
               <a:t>assigned</a:t>
             </a:r>
-            <a:endParaRPr lang="fr-FR" sz="900" i="1" dirty="0">
+            <a:endParaRPr lang="fr-FR" sz="1158" i="1" dirty="0">
               <a:latin typeface="Gill Sans Nova" panose="020B0602020104020203" pitchFamily="34" charset="0"/>
             </a:endParaRPr>
           </a:p>
@@ -4760,8 +4760,8 @@
         </p:nvSpPr>
         <p:spPr>
           <a:xfrm>
-            <a:off x="16457664" y="17033211"/>
-            <a:ext cx="1013135" cy="526260"/>
+            <a:off x="16457666" y="17033211"/>
+            <a:ext cx="1013139" cy="526256"/>
           </a:xfrm>
           <a:prstGeom prst="roundRect">
             <a:avLst/>
@@ -4793,7 +4793,7 @@
           <a:p>
             <a:pPr algn="ctr"/>
             <a:r>
-              <a:rPr lang="fr-FR" sz="900" dirty="0">
+              <a:rPr lang="fr-FR" sz="1158" dirty="0">
                 <a:solidFill>
                   <a:schemeClr val="tx1"/>
                 </a:solidFill>
@@ -4822,8 +4822,8 @@
         </p:nvCxnSpPr>
         <p:spPr>
           <a:xfrm flipH="1">
-            <a:off x="16964228" y="14769728"/>
-            <a:ext cx="8220" cy="1049538"/>
+            <a:off x="16964222" y="14769734"/>
+            <a:ext cx="8224" cy="1049534"/>
           </a:xfrm>
           <a:prstGeom prst="straightConnector1">
             <a:avLst/>
@@ -4865,8 +4865,8 @@
         </p:nvCxnSpPr>
         <p:spPr>
           <a:xfrm rot="5400000">
-            <a:off x="15586347" y="13899901"/>
-            <a:ext cx="516268" cy="2255935"/>
+            <a:off x="15586348" y="13899900"/>
+            <a:ext cx="516271" cy="2255931"/>
           </a:xfrm>
           <a:prstGeom prst="curvedConnector3">
             <a:avLst>
@@ -4906,8 +4906,8 @@
         </p:nvSpPr>
         <p:spPr>
           <a:xfrm>
-            <a:off x="15079776" y="15313479"/>
-            <a:ext cx="1484002" cy="230832"/>
+            <a:off x="15079778" y="15313477"/>
+            <a:ext cx="1484003" cy="270523"/>
           </a:xfrm>
           <a:prstGeom prst="rect">
             <a:avLst/>
@@ -4922,7 +4922,7 @@
           <a:p>
             <a:pPr algn="ctr"/>
             <a:r>
-              <a:rPr lang="fr-FR" sz="900" i="1" dirty="0">
+              <a:rPr lang="fr-FR" sz="1158" i="1" dirty="0">
                 <a:latin typeface="Gill Sans Nova" panose="020B0602020104020203" pitchFamily="34" charset="0"/>
               </a:rPr>
               <a:t>P177</a:t>
@@ -4948,8 +4948,8 @@
         </p:nvCxnSpPr>
         <p:spPr>
           <a:xfrm flipH="1">
-            <a:off x="16964223" y="16306361"/>
-            <a:ext cx="4" cy="726859"/>
+            <a:off x="16964222" y="16306366"/>
+            <a:ext cx="0" cy="726856"/>
           </a:xfrm>
           <a:prstGeom prst="straightConnector1">
             <a:avLst/>
@@ -4987,8 +4987,8 @@
         </p:nvSpPr>
         <p:spPr>
           <a:xfrm>
-            <a:off x="16759839" y="16541620"/>
-            <a:ext cx="1484002" cy="230832"/>
+            <a:off x="16759842" y="16541615"/>
+            <a:ext cx="1484003" cy="270523"/>
           </a:xfrm>
           <a:prstGeom prst="rect">
             <a:avLst/>
@@ -5003,31 +5003,31 @@
           <a:p>
             <a:pPr algn="ctr"/>
             <a:r>
-              <a:rPr lang="fr-FR" sz="900" i="1" dirty="0">
+              <a:rPr lang="fr-FR" sz="1158" i="1" dirty="0">
                 <a:latin typeface="Gill Sans Nova" panose="020B0602020104020203" pitchFamily="34" charset="0"/>
               </a:rPr>
               <a:t>P1 </a:t>
             </a:r>
             <a:r>
-              <a:rPr lang="fr-FR" sz="900" i="1" dirty="0" err="1">
+              <a:rPr lang="fr-FR" sz="1158" i="1" dirty="0" err="1">
                 <a:latin typeface="Gill Sans Nova" panose="020B0602020104020203" pitchFamily="34" charset="0"/>
               </a:rPr>
               <a:t>is</a:t>
             </a:r>
             <a:r>
-              <a:rPr lang="fr-FR" sz="900" i="1" dirty="0">
+              <a:rPr lang="fr-FR" sz="1158" i="1" dirty="0">
                 <a:latin typeface="Gill Sans Nova" panose="020B0602020104020203" pitchFamily="34" charset="0"/>
               </a:rPr>
               <a:t> </a:t>
             </a:r>
             <a:r>
-              <a:rPr lang="fr-FR" sz="900" i="1" dirty="0" err="1">
+              <a:rPr lang="fr-FR" sz="1158" i="1" dirty="0" err="1">
                 <a:latin typeface="Gill Sans Nova" panose="020B0602020104020203" pitchFamily="34" charset="0"/>
               </a:rPr>
               <a:t>identified</a:t>
             </a:r>
             <a:r>
-              <a:rPr lang="fr-FR" sz="900" i="1" dirty="0">
+              <a:rPr lang="fr-FR" sz="1158" i="1" dirty="0">
                 <a:latin typeface="Gill Sans Nova" panose="020B0602020104020203" pitchFamily="34" charset="0"/>
               </a:rPr>
               <a:t> by</a:t>
@@ -5049,8 +5049,8 @@
         </p:nvSpPr>
         <p:spPr>
           <a:xfrm>
-            <a:off x="14560111" y="17106639"/>
-            <a:ext cx="841673" cy="399893"/>
+            <a:off x="14560119" y="17106645"/>
+            <a:ext cx="841671" cy="399893"/>
           </a:xfrm>
           <a:prstGeom prst="roundRect">
             <a:avLst/>
@@ -5082,7 +5082,7 @@
           <a:p>
             <a:pPr algn="ctr"/>
             <a:r>
-              <a:rPr lang="fr-FR" sz="900" dirty="0">
+              <a:rPr lang="fr-FR" sz="1158" dirty="0">
                 <a:solidFill>
                   <a:schemeClr val="tx1"/>
                 </a:solidFill>
@@ -5111,8 +5111,8 @@
         </p:nvCxnSpPr>
         <p:spPr>
           <a:xfrm flipH="1">
-            <a:off x="15401780" y="17296342"/>
-            <a:ext cx="1055876" cy="10236"/>
+            <a:off x="15401788" y="17296339"/>
+            <a:ext cx="1055870" cy="10240"/>
           </a:xfrm>
           <a:prstGeom prst="straightConnector1">
             <a:avLst/>
@@ -5150,8 +5150,8 @@
         </p:nvSpPr>
         <p:spPr>
           <a:xfrm>
-            <a:off x="29154820" y="6780728"/>
-            <a:ext cx="1139308" cy="697636"/>
+            <a:off x="29154834" y="6780730"/>
+            <a:ext cx="1139305" cy="697632"/>
           </a:xfrm>
           <a:prstGeom prst="roundRect">
             <a:avLst/>
@@ -5183,7 +5183,7 @@
           <a:p>
             <a:pPr algn="ctr"/>
             <a:r>
-              <a:rPr lang="fr-FR" sz="900" dirty="0">
+              <a:rPr lang="fr-FR" sz="1158" dirty="0">
                 <a:solidFill>
                   <a:schemeClr val="tx1"/>
                 </a:solidFill>
@@ -5195,7 +5195,7 @@
           <a:p>
             <a:pPr algn="ctr"/>
             <a:r>
-              <a:rPr lang="fr-FR" sz="900" i="1" dirty="0">
+              <a:rPr lang="fr-FR" sz="1158" i="1" dirty="0">
                 <a:solidFill>
                   <a:schemeClr val="tx1"/>
                 </a:solidFill>
@@ -5220,8 +5220,8 @@
         </p:nvSpPr>
         <p:spPr>
           <a:xfrm>
-            <a:off x="27181217" y="11888313"/>
-            <a:ext cx="1398361" cy="230832"/>
+            <a:off x="27181223" y="11888315"/>
+            <a:ext cx="1398356" cy="270523"/>
           </a:xfrm>
           <a:prstGeom prst="rect">
             <a:avLst/>
@@ -5236,19 +5236,19 @@
           <a:p>
             <a:pPr algn="ctr"/>
             <a:r>
-              <a:rPr lang="fr-FR" sz="900" i="1" dirty="0">
+              <a:rPr lang="fr-FR" sz="1158" i="1" dirty="0">
                 <a:latin typeface="Gill Sans Nova" panose="020B0602020104020203" pitchFamily="34" charset="0"/>
               </a:rPr>
               <a:t>R15 </a:t>
             </a:r>
             <a:r>
-              <a:rPr lang="fr-FR" sz="900" i="1" dirty="0" err="1">
+              <a:rPr lang="fr-FR" sz="1158" i="1" dirty="0" err="1">
                 <a:latin typeface="Gill Sans Nova" panose="020B0602020104020203" pitchFamily="34" charset="0"/>
               </a:rPr>
               <a:t>is</a:t>
             </a:r>
             <a:r>
-              <a:rPr lang="fr-FR" sz="900" i="1" dirty="0">
+              <a:rPr lang="fr-FR" sz="1158" i="1" dirty="0">
                 <a:latin typeface="Gill Sans Nova" panose="020B0602020104020203" pitchFamily="34" charset="0"/>
               </a:rPr>
               <a:t> fragment of</a:t>
@@ -5270,8 +5270,8 @@
         </p:nvSpPr>
         <p:spPr>
           <a:xfrm>
-            <a:off x="33190409" y="6780728"/>
-            <a:ext cx="1052047" cy="697636"/>
+            <a:off x="33190414" y="6780730"/>
+            <a:ext cx="1052048" cy="697632"/>
           </a:xfrm>
           <a:prstGeom prst="roundRect">
             <a:avLst/>
@@ -5303,7 +5303,7 @@
           <a:p>
             <a:pPr algn="ctr"/>
             <a:r>
-              <a:rPr lang="fr-FR" sz="900" dirty="0">
+              <a:rPr lang="fr-FR" sz="1158" dirty="0">
                 <a:solidFill>
                   <a:schemeClr val="tx1"/>
                 </a:solidFill>
@@ -5315,7 +5315,7 @@
           <a:p>
             <a:pPr algn="ctr"/>
             <a:r>
-              <a:rPr lang="fr-FR" sz="900" i="1" dirty="0">
+              <a:rPr lang="fr-FR" sz="1158" i="1" dirty="0">
                 <a:solidFill>
                   <a:schemeClr val="tx1"/>
                 </a:solidFill>
@@ -5344,8 +5344,8 @@
         </p:nvCxnSpPr>
         <p:spPr>
           <a:xfrm flipH="1">
-            <a:off x="29718339" y="7478366"/>
-            <a:ext cx="6135" cy="3110855"/>
+            <a:off x="29718336" y="7478370"/>
+            <a:ext cx="6139" cy="3110853"/>
           </a:xfrm>
           <a:prstGeom prst="straightConnector1">
             <a:avLst/>
@@ -5383,8 +5383,8 @@
         </p:nvSpPr>
         <p:spPr>
           <a:xfrm>
-            <a:off x="29588716" y="8560086"/>
-            <a:ext cx="1398361" cy="230832"/>
+            <a:off x="29588721" y="8560083"/>
+            <a:ext cx="1398356" cy="270523"/>
           </a:xfrm>
           <a:prstGeom prst="rect">
             <a:avLst/>
@@ -5399,7 +5399,7 @@
           <a:p>
             <a:pPr algn="ctr"/>
             <a:r>
-              <a:rPr lang="fr-FR" sz="900" i="1" dirty="0">
+              <a:rPr lang="fr-FR" sz="1158" i="1" dirty="0">
                 <a:latin typeface="Gill Sans Nova" panose="020B0602020104020203" pitchFamily="34" charset="0"/>
               </a:rPr>
               <a:t>R5 has component</a:t>
@@ -5421,8 +5421,8 @@
         </p:nvSpPr>
         <p:spPr>
           <a:xfrm>
-            <a:off x="30254454" y="5664355"/>
-            <a:ext cx="1052047" cy="422255"/>
+            <a:off x="30254458" y="5664355"/>
+            <a:ext cx="1052048" cy="422260"/>
           </a:xfrm>
           <a:prstGeom prst="roundRect">
             <a:avLst/>
@@ -5454,7 +5454,7 @@
           <a:p>
             <a:pPr algn="ctr"/>
             <a:r>
-              <a:rPr lang="fr-FR" sz="900" dirty="0">
+              <a:rPr lang="fr-FR" sz="1158" dirty="0">
                 <a:solidFill>
                   <a:schemeClr val="tx1"/>
                 </a:solidFill>
@@ -5479,8 +5479,8 @@
         </p:nvSpPr>
         <p:spPr>
           <a:xfrm>
-            <a:off x="30254445" y="6494522"/>
-            <a:ext cx="1052047" cy="230832"/>
+            <a:off x="30254447" y="6494525"/>
+            <a:ext cx="1052048" cy="448713"/>
           </a:xfrm>
           <a:prstGeom prst="rect">
             <a:avLst/>
@@ -5495,31 +5495,31 @@
           <a:p>
             <a:pPr algn="ctr"/>
             <a:r>
-              <a:rPr lang="fr-FR" sz="900" i="1" dirty="0">
+              <a:rPr lang="fr-FR" sz="1158" i="1" dirty="0">
                 <a:latin typeface="Gill Sans Nova" panose="020B0602020104020203" pitchFamily="34" charset="0"/>
               </a:rPr>
               <a:t>R3 </a:t>
             </a:r>
             <a:r>
-              <a:rPr lang="fr-FR" sz="900" i="1" dirty="0" err="1">
+              <a:rPr lang="fr-FR" sz="1158" i="1" dirty="0" err="1">
                 <a:latin typeface="Gill Sans Nova" panose="020B0602020104020203" pitchFamily="34" charset="0"/>
               </a:rPr>
               <a:t>is</a:t>
             </a:r>
             <a:r>
-              <a:rPr lang="fr-FR" sz="900" i="1" dirty="0">
+              <a:rPr lang="fr-FR" sz="1158" i="1" dirty="0">
                 <a:latin typeface="Gill Sans Nova" panose="020B0602020104020203" pitchFamily="34" charset="0"/>
               </a:rPr>
               <a:t> </a:t>
             </a:r>
             <a:r>
-              <a:rPr lang="fr-FR" sz="900" i="1" dirty="0" err="1">
+              <a:rPr lang="fr-FR" sz="1158" i="1" dirty="0" err="1">
                 <a:latin typeface="Gill Sans Nova" panose="020B0602020104020203" pitchFamily="34" charset="0"/>
               </a:rPr>
               <a:t>realised</a:t>
             </a:r>
             <a:r>
-              <a:rPr lang="fr-FR" sz="900" i="1" dirty="0">
+              <a:rPr lang="fr-FR" sz="1158" i="1" dirty="0">
                 <a:latin typeface="Gill Sans Nova" panose="020B0602020104020203" pitchFamily="34" charset="0"/>
               </a:rPr>
               <a:t> in</a:t>
@@ -5541,8 +5541,8 @@
         </p:nvSpPr>
         <p:spPr>
           <a:xfrm>
-            <a:off x="19219488" y="19267989"/>
-            <a:ext cx="10068722" cy="9379082"/>
+            <a:off x="19219483" y="19267992"/>
+            <a:ext cx="10068727" cy="9379077"/>
           </a:xfrm>
           <a:prstGeom prst="roundRect">
             <a:avLst/>
@@ -5579,7 +5579,7 @@
           <a:lstStyle/>
           <a:p>
             <a:pPr algn="ctr"/>
-            <a:endParaRPr lang="fr-FR" sz="1621" dirty="0"/>
+            <a:endParaRPr lang="fr-FR" sz="1622" dirty="0"/>
           </a:p>
         </p:txBody>
       </p:sp>
@@ -5597,8 +5597,8 @@
         </p:nvSpPr>
         <p:spPr>
           <a:xfrm>
-            <a:off x="19898046" y="19786001"/>
-            <a:ext cx="3281579" cy="757130"/>
+            <a:off x="19898052" y="19786006"/>
+            <a:ext cx="3281580" cy="755591"/>
           </a:xfrm>
           <a:prstGeom prst="rect">
             <a:avLst/>
@@ -5613,7 +5613,7 @@
           <a:p>
             <a:pPr algn="ctr"/>
             <a:r>
-              <a:rPr lang="fr-FR" sz="2160" dirty="0">
+              <a:rPr lang="fr-FR" sz="2155" dirty="0">
                 <a:latin typeface="Gill Sans Nova" panose="020B0602020104020203" pitchFamily="34" charset="0"/>
               </a:rPr>
               <a:t>EDITEUR DE THESAURUS</a:t>
@@ -5622,7 +5622,7 @@
           <a:p>
             <a:pPr algn="ctr"/>
             <a:r>
-              <a:rPr lang="fr-FR" sz="2160" i="1" dirty="0">
+              <a:rPr lang="fr-FR" sz="2155" i="1" dirty="0">
                 <a:latin typeface="Gill Sans Nova" panose="020B0602020104020203" pitchFamily="34" charset="0"/>
               </a:rPr>
               <a:t>PERSONNES</a:t>
@@ -5644,8 +5644,8 @@
         </p:nvSpPr>
         <p:spPr>
           <a:xfrm>
-            <a:off x="23937248" y="22309188"/>
-            <a:ext cx="1062750" cy="575143"/>
+            <a:off x="23937250" y="22309194"/>
+            <a:ext cx="1062751" cy="575137"/>
           </a:xfrm>
           <a:prstGeom prst="roundRect">
             <a:avLst/>
@@ -5677,7 +5677,7 @@
           <a:p>
             <a:pPr algn="ctr"/>
             <a:r>
-              <a:rPr lang="fr-FR" sz="900" dirty="0">
+              <a:rPr lang="fr-FR" sz="1158" dirty="0">
                 <a:solidFill>
                   <a:schemeClr val="tx1"/>
                 </a:solidFill>
@@ -5706,8 +5706,8 @@
         </p:nvCxnSpPr>
         <p:spPr>
           <a:xfrm>
-            <a:off x="17475867" y="16062814"/>
-            <a:ext cx="6992756" cy="6246370"/>
+            <a:off x="17475877" y="16062820"/>
+            <a:ext cx="6992752" cy="6246366"/>
           </a:xfrm>
           <a:prstGeom prst="curvedConnector2">
             <a:avLst/>
@@ -5753,8 +5753,8 @@
         </p:nvCxnSpPr>
         <p:spPr>
           <a:xfrm flipH="1">
-            <a:off x="30244358" y="10916353"/>
-            <a:ext cx="2309480" cy="21691"/>
+            <a:off x="30244364" y="10916352"/>
+            <a:ext cx="2309480" cy="21696"/>
           </a:xfrm>
           <a:prstGeom prst="straightConnector1">
             <a:avLst/>
@@ -5796,8 +5796,8 @@
         </p:nvCxnSpPr>
         <p:spPr>
           <a:xfrm rot="5400000">
-            <a:off x="12755906" y="12857268"/>
-            <a:ext cx="970929" cy="2087632"/>
+            <a:off x="12755909" y="12857273"/>
+            <a:ext cx="970930" cy="2087636"/>
           </a:xfrm>
           <a:prstGeom prst="curvedConnector3">
             <a:avLst>
@@ -5837,8 +5837,8 @@
         </p:nvSpPr>
         <p:spPr>
           <a:xfrm>
-            <a:off x="18692573" y="12780559"/>
-            <a:ext cx="677142" cy="571566"/>
+            <a:off x="18692579" y="12780562"/>
+            <a:ext cx="677141" cy="571570"/>
           </a:xfrm>
           <a:prstGeom prst="roundRect">
             <a:avLst/>
@@ -5870,7 +5870,7 @@
           <a:p>
             <a:pPr algn="ctr"/>
             <a:r>
-              <a:rPr lang="fr-FR" sz="900" dirty="0">
+              <a:rPr lang="fr-FR" sz="1158" dirty="0">
                 <a:solidFill>
                   <a:schemeClr val="tx1"/>
                 </a:solidFill>
@@ -5878,7 +5878,7 @@
               </a:rPr>
               <a:t>E42 Identifier</a:t>
             </a:r>
-            <a:endParaRPr lang="fr-FR" sz="900" i="1" dirty="0">
+            <a:endParaRPr lang="fr-FR" sz="1158" i="1" dirty="0">
               <a:solidFill>
                 <a:schemeClr val="tx1"/>
               </a:solidFill>
@@ -5905,8 +5905,8 @@
         </p:nvCxnSpPr>
         <p:spPr>
           <a:xfrm flipV="1">
-            <a:off x="17501859" y="13066343"/>
-            <a:ext cx="1190721" cy="2056"/>
+            <a:off x="17501853" y="13066353"/>
+            <a:ext cx="1190724" cy="2050"/>
           </a:xfrm>
           <a:prstGeom prst="straightConnector1">
             <a:avLst/>
@@ -5944,8 +5944,8 @@
         </p:nvSpPr>
         <p:spPr>
           <a:xfrm>
-            <a:off x="17327533" y="13074822"/>
-            <a:ext cx="1398361" cy="230832"/>
+            <a:off x="17327540" y="13074817"/>
+            <a:ext cx="1398356" cy="270523"/>
           </a:xfrm>
           <a:prstGeom prst="rect">
             <a:avLst/>
@@ -5960,31 +5960,31 @@
           <a:p>
             <a:pPr algn="ctr"/>
             <a:r>
-              <a:rPr lang="fr-FR" sz="900" i="1" dirty="0">
+              <a:rPr lang="fr-FR" sz="1158" i="1" dirty="0">
                 <a:latin typeface="Gill Sans Nova" panose="020B0602020104020203" pitchFamily="34" charset="0"/>
               </a:rPr>
               <a:t>P1 </a:t>
             </a:r>
             <a:r>
-              <a:rPr lang="fr-FR" sz="900" i="1" dirty="0" err="1">
+              <a:rPr lang="fr-FR" sz="1158" i="1" dirty="0" err="1">
                 <a:latin typeface="Gill Sans Nova" panose="020B0602020104020203" pitchFamily="34" charset="0"/>
               </a:rPr>
               <a:t>is</a:t>
             </a:r>
             <a:r>
-              <a:rPr lang="fr-FR" sz="900" i="1" dirty="0">
+              <a:rPr lang="fr-FR" sz="1158" i="1" dirty="0">
                 <a:latin typeface="Gill Sans Nova" panose="020B0602020104020203" pitchFamily="34" charset="0"/>
               </a:rPr>
               <a:t> </a:t>
             </a:r>
             <a:r>
-              <a:rPr lang="fr-FR" sz="900" i="1" dirty="0" err="1">
+              <a:rPr lang="fr-FR" sz="1158" i="1" dirty="0" err="1">
                 <a:latin typeface="Gill Sans Nova" panose="020B0602020104020203" pitchFamily="34" charset="0"/>
               </a:rPr>
               <a:t>identified</a:t>
             </a:r>
             <a:r>
-              <a:rPr lang="fr-FR" sz="900" i="1" dirty="0">
+              <a:rPr lang="fr-FR" sz="1158" i="1" dirty="0">
                 <a:latin typeface="Gill Sans Nova" panose="020B0602020104020203" pitchFamily="34" charset="0"/>
               </a:rPr>
               <a:t> by</a:t>
@@ -6006,8 +6006,8 @@
         </p:nvSpPr>
         <p:spPr>
           <a:xfrm>
-            <a:off x="19838991" y="23553515"/>
-            <a:ext cx="1062749" cy="575143"/>
+            <a:off x="19838996" y="23553526"/>
+            <a:ext cx="1062751" cy="575137"/>
           </a:xfrm>
           <a:prstGeom prst="roundRect">
             <a:avLst/>
@@ -6039,7 +6039,7 @@
           <a:p>
             <a:pPr algn="ctr"/>
             <a:r>
-              <a:rPr lang="fr-FR" sz="900" dirty="0">
+              <a:rPr lang="fr-FR" sz="1158" dirty="0">
                 <a:solidFill>
                   <a:schemeClr val="tx1"/>
                 </a:solidFill>
@@ -6064,8 +6064,8 @@
         </p:nvSpPr>
         <p:spPr>
           <a:xfrm>
-            <a:off x="22592753" y="25942319"/>
-            <a:ext cx="1013135" cy="532942"/>
+            <a:off x="22592763" y="25942324"/>
+            <a:ext cx="1013139" cy="532939"/>
           </a:xfrm>
           <a:prstGeom prst="roundRect">
             <a:avLst/>
@@ -6097,7 +6097,7 @@
           <a:p>
             <a:pPr algn="ctr"/>
             <a:r>
-              <a:rPr lang="fr-FR" sz="900" dirty="0">
+              <a:rPr lang="fr-FR" sz="1158" dirty="0">
                 <a:solidFill>
                   <a:schemeClr val="tx1"/>
                 </a:solidFill>
@@ -6122,8 +6122,8 @@
         </p:nvSpPr>
         <p:spPr>
           <a:xfrm>
-            <a:off x="21046625" y="26014262"/>
-            <a:ext cx="841673" cy="399893"/>
+            <a:off x="21046632" y="26014268"/>
+            <a:ext cx="841671" cy="399893"/>
           </a:xfrm>
           <a:prstGeom prst="roundRect">
             <a:avLst/>
@@ -6155,7 +6155,7 @@
           <a:p>
             <a:pPr algn="ctr"/>
             <a:r>
-              <a:rPr lang="fr-FR" sz="900" dirty="0">
+              <a:rPr lang="fr-FR" sz="1158" dirty="0">
                 <a:solidFill>
                   <a:schemeClr val="tx1"/>
                 </a:solidFill>
@@ -6164,7 +6164,7 @@
               <a:t>« Charles </a:t>
             </a:r>
             <a:r>
-              <a:rPr lang="fr-FR" sz="900" dirty="0" err="1">
+              <a:rPr lang="fr-FR" sz="1158" dirty="0" err="1">
                 <a:solidFill>
                   <a:schemeClr val="tx1"/>
                 </a:solidFill>
@@ -6173,7 +6173,7 @@
               <a:t>Perraut</a:t>
             </a:r>
             <a:r>
-              <a:rPr lang="fr-FR" sz="900" dirty="0">
+              <a:rPr lang="fr-FR" sz="1158" dirty="0">
                 <a:solidFill>
                   <a:schemeClr val="tx1"/>
                 </a:solidFill>
@@ -6198,8 +6198,8 @@
         </p:nvSpPr>
         <p:spPr>
           <a:xfrm>
-            <a:off x="24874429" y="21620555"/>
-            <a:ext cx="1484002" cy="230832"/>
+            <a:off x="24874432" y="21620557"/>
+            <a:ext cx="1484003" cy="270523"/>
           </a:xfrm>
           <a:prstGeom prst="rect">
             <a:avLst/>
@@ -6214,19 +6214,19 @@
           <a:p>
             <a:pPr algn="ctr"/>
             <a:r>
-              <a:rPr lang="fr-FR" sz="900" i="1" dirty="0">
+              <a:rPr lang="fr-FR" sz="1158" i="1" dirty="0">
                 <a:latin typeface="Gill Sans Nova" panose="020B0602020104020203" pitchFamily="34" charset="0"/>
               </a:rPr>
               <a:t>P14 </a:t>
             </a:r>
             <a:r>
-              <a:rPr lang="fr-FR" sz="900" i="1" dirty="0" err="1">
+              <a:rPr lang="fr-FR" sz="1158" i="1" dirty="0" err="1">
                 <a:latin typeface="Gill Sans Nova" panose="020B0602020104020203" pitchFamily="34" charset="0"/>
               </a:rPr>
               <a:t>carried</a:t>
             </a:r>
             <a:r>
-              <a:rPr lang="fr-FR" sz="900" i="1" dirty="0">
+              <a:rPr lang="fr-FR" sz="1158" i="1" dirty="0">
                 <a:latin typeface="Gill Sans Nova" panose="020B0602020104020203" pitchFamily="34" charset="0"/>
               </a:rPr>
               <a:t> out by</a:t>
@@ -6252,8 +6252,8 @@
         </p:nvCxnSpPr>
         <p:spPr>
           <a:xfrm flipH="1">
-            <a:off x="21888301" y="26208788"/>
-            <a:ext cx="704449" cy="5414"/>
+            <a:off x="21888301" y="26208799"/>
+            <a:ext cx="704454" cy="5409"/>
           </a:xfrm>
           <a:prstGeom prst="straightConnector1">
             <a:avLst/>
@@ -6291,8 +6291,8 @@
         </p:nvSpPr>
         <p:spPr>
           <a:xfrm>
-            <a:off x="37375394" y="5664352"/>
-            <a:ext cx="1052047" cy="422255"/>
+            <a:off x="37375392" y="5664355"/>
+            <a:ext cx="1052048" cy="422260"/>
           </a:xfrm>
           <a:prstGeom prst="roundRect">
             <a:avLst/>
@@ -6324,7 +6324,7 @@
           <a:p>
             <a:pPr algn="ctr"/>
             <a:r>
-              <a:rPr lang="fr-FR" sz="900" dirty="0">
+              <a:rPr lang="fr-FR" sz="1158" dirty="0">
                 <a:solidFill>
                   <a:schemeClr val="tx1"/>
                 </a:solidFill>
@@ -6349,8 +6349,8 @@
         </p:nvSpPr>
         <p:spPr>
           <a:xfrm>
-            <a:off x="31593662" y="4672047"/>
-            <a:ext cx="1052047" cy="422255"/>
+            <a:off x="31593658" y="4672042"/>
+            <a:ext cx="1052048" cy="422260"/>
           </a:xfrm>
           <a:prstGeom prst="roundRect">
             <a:avLst/>
@@ -6382,7 +6382,7 @@
           <a:p>
             <a:pPr algn="ctr"/>
             <a:r>
-              <a:rPr lang="fr-FR" sz="900" dirty="0">
+              <a:rPr lang="fr-FR" sz="1158" dirty="0">
                 <a:solidFill>
                   <a:schemeClr val="tx1"/>
                 </a:solidFill>
@@ -6411,8 +6411,8 @@
         </p:nvCxnSpPr>
         <p:spPr>
           <a:xfrm rot="5400000">
-            <a:off x="31165044" y="4709716"/>
-            <a:ext cx="570052" cy="1339206"/>
+            <a:off x="31165044" y="4709719"/>
+            <a:ext cx="570052" cy="1339211"/>
           </a:xfrm>
           <a:prstGeom prst="bentConnector3">
             <a:avLst>
@@ -6452,8 +6452,8 @@
         </p:nvSpPr>
         <p:spPr>
           <a:xfrm>
-            <a:off x="31832525" y="5452510"/>
-            <a:ext cx="1052047" cy="230832"/>
+            <a:off x="31832530" y="5452514"/>
+            <a:ext cx="1052048" cy="448713"/>
           </a:xfrm>
           <a:prstGeom prst="rect">
             <a:avLst/>
@@ -6468,18 +6468,18 @@
           <a:p>
             <a:pPr algn="ctr"/>
             <a:r>
-              <a:rPr lang="fr-FR" sz="900" i="1" dirty="0">
+              <a:rPr lang="fr-FR" sz="1158" i="1" dirty="0">
                 <a:latin typeface="Gill Sans Nova" panose="020B0602020104020203" pitchFamily="34" charset="0"/>
               </a:rPr>
               <a:t>R10 has </a:t>
             </a:r>
             <a:r>
-              <a:rPr lang="fr-FR" sz="900" i="1" dirty="0" err="1">
+              <a:rPr lang="fr-FR" sz="1158" i="1" dirty="0" err="1">
                 <a:latin typeface="Gill Sans Nova" panose="020B0602020104020203" pitchFamily="34" charset="0"/>
               </a:rPr>
               <a:t>member</a:t>
             </a:r>
-            <a:endParaRPr lang="fr-FR" sz="900" i="1" dirty="0">
+            <a:endParaRPr lang="fr-FR" sz="1158" i="1" dirty="0">
               <a:latin typeface="Gill Sans Nova" panose="020B0602020104020203" pitchFamily="34" charset="0"/>
             </a:endParaRPr>
           </a:p>
@@ -6503,8 +6503,8 @@
         </p:nvCxnSpPr>
         <p:spPr>
           <a:xfrm rot="5400000">
-            <a:off x="29905405" y="5905666"/>
-            <a:ext cx="694128" cy="1055996"/>
+            <a:off x="29905413" y="5905665"/>
+            <a:ext cx="694133" cy="1055998"/>
           </a:xfrm>
           <a:prstGeom prst="bentConnector3">
             <a:avLst>
@@ -6548,8 +6548,8 @@
         </p:nvCxnSpPr>
         <p:spPr>
           <a:xfrm rot="16200000" flipH="1">
-            <a:off x="31901388" y="4965695"/>
-            <a:ext cx="694122" cy="2935953"/>
+            <a:off x="31901393" y="4965700"/>
+            <a:ext cx="694122" cy="2935955"/>
           </a:xfrm>
           <a:prstGeom prst="bentConnector3">
             <a:avLst>
@@ -6589,8 +6589,8 @@
         </p:nvSpPr>
         <p:spPr>
           <a:xfrm>
-            <a:off x="29192318" y="10589219"/>
-            <a:ext cx="1052047" cy="697636"/>
+            <a:off x="29192321" y="10589226"/>
+            <a:ext cx="1052048" cy="697632"/>
           </a:xfrm>
           <a:prstGeom prst="roundRect">
             <a:avLst/>
@@ -6622,7 +6622,7 @@
           <a:p>
             <a:pPr algn="ctr"/>
             <a:r>
-              <a:rPr lang="fr-FR" sz="900" dirty="0">
+              <a:rPr lang="fr-FR" sz="1158" dirty="0">
                 <a:solidFill>
                   <a:schemeClr val="tx1"/>
                 </a:solidFill>
@@ -6634,7 +6634,7 @@
           <a:p>
             <a:pPr algn="ctr"/>
             <a:r>
-              <a:rPr lang="fr-FR" sz="900" i="1" dirty="0">
+              <a:rPr lang="fr-FR" sz="1158" i="1" dirty="0">
                 <a:solidFill>
                   <a:schemeClr val="tx1"/>
                 </a:solidFill>
@@ -6663,8 +6663,8 @@
         </p:nvCxnSpPr>
         <p:spPr>
           <a:xfrm rot="16200000" flipH="1">
-            <a:off x="34725527" y="2488459"/>
-            <a:ext cx="570049" cy="5781733"/>
+            <a:off x="34725529" y="2488467"/>
+            <a:ext cx="570052" cy="5781734"/>
           </a:xfrm>
           <a:prstGeom prst="bentConnector3">
             <a:avLst>
@@ -6704,8 +6704,8 @@
         </p:nvSpPr>
         <p:spPr>
           <a:xfrm>
-            <a:off x="36978529" y="7808120"/>
-            <a:ext cx="1139308" cy="697636"/>
+            <a:off x="36978542" y="7808129"/>
+            <a:ext cx="1139305" cy="697632"/>
           </a:xfrm>
           <a:prstGeom prst="roundRect">
             <a:avLst/>
@@ -6737,7 +6737,7 @@
           <a:p>
             <a:pPr algn="ctr"/>
             <a:r>
-              <a:rPr lang="fr-FR" sz="900" dirty="0">
+              <a:rPr lang="fr-FR" sz="1158" dirty="0">
                 <a:solidFill>
                   <a:schemeClr val="tx1"/>
                 </a:solidFill>
@@ -6749,7 +6749,7 @@
           <a:p>
             <a:pPr algn="ctr"/>
             <a:r>
-              <a:rPr lang="fr-FR" sz="900" i="1" dirty="0">
+              <a:rPr lang="fr-FR" sz="1158" i="1" dirty="0">
                 <a:solidFill>
                   <a:schemeClr val="tx1"/>
                 </a:solidFill>
@@ -6774,8 +6774,8 @@
         </p:nvSpPr>
         <p:spPr>
           <a:xfrm>
-            <a:off x="38446965" y="7808120"/>
-            <a:ext cx="1052047" cy="697636"/>
+            <a:off x="38446969" y="7808129"/>
+            <a:ext cx="1052048" cy="697632"/>
           </a:xfrm>
           <a:prstGeom prst="roundRect">
             <a:avLst/>
@@ -6807,7 +6807,7 @@
           <a:p>
             <a:pPr algn="ctr"/>
             <a:r>
-              <a:rPr lang="fr-FR" sz="900" dirty="0">
+              <a:rPr lang="fr-FR" sz="1158" dirty="0">
                 <a:solidFill>
                   <a:schemeClr val="tx1"/>
                 </a:solidFill>
@@ -6819,7 +6819,7 @@
           <a:p>
             <a:pPr algn="ctr"/>
             <a:r>
-              <a:rPr lang="fr-FR" sz="900" i="1" dirty="0">
+              <a:rPr lang="fr-FR" sz="1158" i="1" dirty="0">
                 <a:solidFill>
                   <a:schemeClr val="tx1"/>
                 </a:solidFill>
@@ -6844,8 +6844,8 @@
         </p:nvSpPr>
         <p:spPr>
           <a:xfrm>
-            <a:off x="37548185" y="7014131"/>
-            <a:ext cx="1052047" cy="230832"/>
+            <a:off x="37548181" y="7014137"/>
+            <a:ext cx="1052048" cy="270523"/>
           </a:xfrm>
           <a:prstGeom prst="rect">
             <a:avLst/>
@@ -6860,18 +6860,18 @@
           <a:p>
             <a:pPr algn="ctr"/>
             <a:r>
-              <a:rPr lang="fr-FR" sz="900" i="1" dirty="0">
+              <a:rPr lang="fr-FR" sz="1158" i="1" dirty="0">
                 <a:latin typeface="Gill Sans Nova" panose="020B0602020104020203" pitchFamily="34" charset="0"/>
               </a:rPr>
               <a:t>R3 </a:t>
             </a:r>
             <a:r>
-              <a:rPr lang="fr-FR" sz="900" i="1" dirty="0" err="1">
+              <a:rPr lang="fr-FR" sz="1158" i="1" dirty="0" err="1">
                 <a:latin typeface="Gill Sans Nova" panose="020B0602020104020203" pitchFamily="34" charset="0"/>
               </a:rPr>
               <a:t>realises</a:t>
             </a:r>
-            <a:endParaRPr lang="fr-FR" sz="900" i="1" dirty="0">
+            <a:endParaRPr lang="fr-FR" sz="1158" i="1" dirty="0">
               <a:latin typeface="Gill Sans Nova" panose="020B0602020104020203" pitchFamily="34" charset="0"/>
             </a:endParaRPr>
           </a:p>
@@ -6895,8 +6895,8 @@
         </p:nvCxnSpPr>
         <p:spPr>
           <a:xfrm rot="5400000">
-            <a:off x="36864043" y="6770746"/>
-            <a:ext cx="1721514" cy="353234"/>
+            <a:off x="36864052" y="6770748"/>
+            <a:ext cx="1721509" cy="353235"/>
           </a:xfrm>
           <a:prstGeom prst="bentConnector3">
             <a:avLst>
@@ -6940,8 +6940,8 @@
         </p:nvCxnSpPr>
         <p:spPr>
           <a:xfrm rot="16200000" flipH="1">
-            <a:off x="37576445" y="6411578"/>
-            <a:ext cx="1721514" cy="1071571"/>
+            <a:off x="37576452" y="6411592"/>
+            <a:ext cx="1721509" cy="1071566"/>
           </a:xfrm>
           <a:prstGeom prst="bentConnector3">
             <a:avLst>
@@ -6981,8 +6981,8 @@
         </p:nvSpPr>
         <p:spPr>
           <a:xfrm>
-            <a:off x="24900191" y="5065760"/>
-            <a:ext cx="1139308" cy="678712"/>
+            <a:off x="24900205" y="5065761"/>
+            <a:ext cx="1139305" cy="678716"/>
           </a:xfrm>
           <a:prstGeom prst="roundRect">
             <a:avLst/>
@@ -7014,7 +7014,7 @@
           <a:p>
             <a:pPr algn="ctr"/>
             <a:r>
-              <a:rPr lang="fr-FR" sz="900" dirty="0">
+              <a:rPr lang="fr-FR" sz="1158" dirty="0">
                 <a:solidFill>
                   <a:schemeClr val="tx1"/>
                 </a:solidFill>
@@ -7026,7 +7026,7 @@
           <a:p>
             <a:pPr algn="ctr"/>
             <a:r>
-              <a:rPr lang="fr-FR" sz="900" dirty="0">
+              <a:rPr lang="fr-FR" sz="1158" dirty="0">
                 <a:solidFill>
                   <a:schemeClr val="tx1"/>
                 </a:solidFill>
@@ -7051,8 +7051,8 @@
         </p:nvSpPr>
         <p:spPr>
           <a:xfrm>
-            <a:off x="24494354" y="6067977"/>
-            <a:ext cx="1398361" cy="230832"/>
+            <a:off x="24494368" y="6067979"/>
+            <a:ext cx="1398356" cy="270523"/>
           </a:xfrm>
           <a:prstGeom prst="rect">
             <a:avLst/>
@@ -7067,7 +7067,7 @@
           <a:p>
             <a:pPr algn="ctr"/>
             <a:r>
-              <a:rPr lang="fr-FR" sz="900" i="1" dirty="0">
+              <a:rPr lang="fr-FR" sz="1158" i="1" dirty="0">
                 <a:latin typeface="Gill Sans Nova" panose="020B0602020104020203" pitchFamily="34" charset="0"/>
               </a:rPr>
               <a:t>P2 has type</a:t>
@@ -7089,8 +7089,8 @@
         </p:nvSpPr>
         <p:spPr>
           <a:xfrm>
-            <a:off x="25637490" y="6848433"/>
-            <a:ext cx="699781" cy="571566"/>
+            <a:off x="25637496" y="6848430"/>
+            <a:ext cx="699786" cy="571570"/>
           </a:xfrm>
           <a:prstGeom prst="roundRect">
             <a:avLst/>
@@ -7122,7 +7122,7 @@
           <a:p>
             <a:pPr algn="ctr"/>
             <a:r>
-              <a:rPr lang="fr-FR" sz="900" dirty="0">
+              <a:rPr lang="fr-FR" sz="1158" dirty="0">
                 <a:solidFill>
                   <a:schemeClr val="tx1"/>
                 </a:solidFill>
@@ -7130,7 +7130,7 @@
               </a:rPr>
               <a:t>E42 Identifier</a:t>
             </a:r>
-            <a:endParaRPr lang="fr-FR" sz="900" i="1" dirty="0">
+            <a:endParaRPr lang="fr-FR" sz="1158" i="1" dirty="0">
               <a:solidFill>
                 <a:schemeClr val="tx1"/>
               </a:solidFill>
@@ -7153,8 +7153,8 @@
         </p:nvSpPr>
         <p:spPr>
           <a:xfrm>
-            <a:off x="26250975" y="7193450"/>
-            <a:ext cx="1398361" cy="230832"/>
+            <a:off x="26250985" y="7193454"/>
+            <a:ext cx="1398356" cy="270523"/>
           </a:xfrm>
           <a:prstGeom prst="rect">
             <a:avLst/>
@@ -7169,31 +7169,31 @@
           <a:p>
             <a:pPr algn="ctr"/>
             <a:r>
-              <a:rPr lang="fr-FR" sz="900" i="1" dirty="0">
+              <a:rPr lang="fr-FR" sz="1158" i="1" dirty="0">
                 <a:latin typeface="Gill Sans Nova" panose="020B0602020104020203" pitchFamily="34" charset="0"/>
               </a:rPr>
               <a:t>P1 </a:t>
             </a:r>
             <a:r>
-              <a:rPr lang="fr-FR" sz="900" i="1" dirty="0" err="1">
+              <a:rPr lang="fr-FR" sz="1158" i="1" dirty="0" err="1">
                 <a:latin typeface="Gill Sans Nova" panose="020B0602020104020203" pitchFamily="34" charset="0"/>
               </a:rPr>
               <a:t>is</a:t>
             </a:r>
             <a:r>
-              <a:rPr lang="fr-FR" sz="900" i="1" dirty="0">
+              <a:rPr lang="fr-FR" sz="1158" i="1" dirty="0">
                 <a:latin typeface="Gill Sans Nova" panose="020B0602020104020203" pitchFamily="34" charset="0"/>
               </a:rPr>
               <a:t> </a:t>
             </a:r>
             <a:r>
-              <a:rPr lang="fr-FR" sz="900" i="1" dirty="0" err="1">
+              <a:rPr lang="fr-FR" sz="1158" i="1" dirty="0" err="1">
                 <a:latin typeface="Gill Sans Nova" panose="020B0602020104020203" pitchFamily="34" charset="0"/>
               </a:rPr>
               <a:t>identified</a:t>
             </a:r>
             <a:r>
-              <a:rPr lang="fr-FR" sz="900" i="1" dirty="0">
+              <a:rPr lang="fr-FR" sz="1158" i="1" dirty="0">
                 <a:latin typeface="Gill Sans Nova" panose="020B0602020104020203" pitchFamily="34" charset="0"/>
               </a:rPr>
               <a:t> by</a:t>
@@ -7219,8 +7219,8 @@
         </p:nvCxnSpPr>
         <p:spPr>
           <a:xfrm flipH="1">
-            <a:off x="26337266" y="7129547"/>
-            <a:ext cx="2817552" cy="4671"/>
+            <a:off x="26337270" y="7129552"/>
+            <a:ext cx="2817550" cy="4668"/>
           </a:xfrm>
           <a:prstGeom prst="straightConnector1">
             <a:avLst/>
@@ -7258,8 +7258,8 @@
         </p:nvSpPr>
         <p:spPr>
           <a:xfrm>
-            <a:off x="31103785" y="7209403"/>
-            <a:ext cx="1398361" cy="230832"/>
+            <a:off x="31103791" y="7209404"/>
+            <a:ext cx="1398356" cy="448713"/>
           </a:xfrm>
           <a:prstGeom prst="rect">
             <a:avLst/>
@@ -7274,19 +7274,19 @@
           <a:p>
             <a:pPr algn="ctr"/>
             <a:r>
-              <a:rPr lang="fr-FR" sz="900" i="1" dirty="0">
+              <a:rPr lang="fr-FR" sz="1158" i="1" dirty="0">
                 <a:latin typeface="Gill Sans Nova" panose="020B0602020104020203" pitchFamily="34" charset="0"/>
               </a:rPr>
               <a:t>P130 shows </a:t>
             </a:r>
             <a:r>
-              <a:rPr lang="fr-FR" sz="900" i="1" dirty="0" err="1">
+              <a:rPr lang="fr-FR" sz="1158" i="1" dirty="0" err="1">
                 <a:latin typeface="Gill Sans Nova" panose="020B0602020104020203" pitchFamily="34" charset="0"/>
               </a:rPr>
               <a:t>features</a:t>
             </a:r>
             <a:r>
-              <a:rPr lang="fr-FR" sz="900" i="1" dirty="0">
+              <a:rPr lang="fr-FR" sz="1158" i="1" dirty="0">
                 <a:latin typeface="Gill Sans Nova" panose="020B0602020104020203" pitchFamily="34" charset="0"/>
               </a:rPr>
               <a:t> of</a:t>
@@ -7312,8 +7312,8 @@
         </p:nvCxnSpPr>
         <p:spPr>
           <a:xfrm>
-            <a:off x="30294132" y="7129545"/>
-            <a:ext cx="2896275" cy="0"/>
+            <a:off x="30294139" y="7129546"/>
+            <a:ext cx="2896271" cy="0"/>
           </a:xfrm>
           <a:prstGeom prst="straightConnector1">
             <a:avLst/>
@@ -7351,8 +7351,8 @@
         </p:nvSpPr>
         <p:spPr>
           <a:xfrm>
-            <a:off x="34444580" y="9176659"/>
-            <a:ext cx="1046048" cy="681696"/>
+            <a:off x="34444580" y="9176671"/>
+            <a:ext cx="1046048" cy="681693"/>
           </a:xfrm>
           <a:prstGeom prst="roundRect">
             <a:avLst/>
@@ -7384,7 +7384,7 @@
           <a:p>
             <a:pPr algn="ctr"/>
             <a:r>
-              <a:rPr lang="fr-FR" sz="900" dirty="0">
+              <a:rPr lang="fr-FR" sz="1158" dirty="0">
                 <a:solidFill>
                   <a:schemeClr val="tx1"/>
                 </a:solidFill>
@@ -7396,7 +7396,7 @@
           <a:p>
             <a:pPr algn="ctr"/>
             <a:r>
-              <a:rPr lang="fr-FR" sz="900" dirty="0">
+              <a:rPr lang="fr-FR" sz="1158" dirty="0">
                 <a:solidFill>
                   <a:schemeClr val="tx1"/>
                 </a:solidFill>
@@ -7421,8 +7421,8 @@
         </p:nvSpPr>
         <p:spPr>
           <a:xfrm>
-            <a:off x="34924887" y="8395915"/>
-            <a:ext cx="1398361" cy="230832"/>
+            <a:off x="34924901" y="8395912"/>
+            <a:ext cx="1398356" cy="270523"/>
           </a:xfrm>
           <a:prstGeom prst="rect">
             <a:avLst/>
@@ -7437,7 +7437,7 @@
           <a:p>
             <a:pPr algn="ctr"/>
             <a:r>
-              <a:rPr lang="fr-FR" sz="900" i="1" dirty="0">
+              <a:rPr lang="fr-FR" sz="1158" i="1" dirty="0">
                 <a:latin typeface="Gill Sans Nova" panose="020B0602020104020203" pitchFamily="34" charset="0"/>
               </a:rPr>
               <a:t>P2 has type</a:t>
@@ -7459,8 +7459,8 @@
         </p:nvSpPr>
         <p:spPr>
           <a:xfrm>
-            <a:off x="35584563" y="6796555"/>
-            <a:ext cx="1013135" cy="665980"/>
+            <a:off x="35584565" y="6796553"/>
+            <a:ext cx="1013139" cy="665986"/>
           </a:xfrm>
           <a:prstGeom prst="roundRect">
             <a:avLst/>
@@ -7492,7 +7492,7 @@
           <a:p>
             <a:pPr algn="ctr"/>
             <a:r>
-              <a:rPr lang="fr-FR" sz="900" dirty="0">
+              <a:rPr lang="fr-FR" sz="1158" dirty="0">
                 <a:solidFill>
                   <a:schemeClr val="tx1"/>
                 </a:solidFill>
@@ -7504,7 +7504,7 @@
           <a:p>
             <a:pPr algn="ctr"/>
             <a:r>
-              <a:rPr lang="fr-FR" sz="900" i="1" dirty="0">
+              <a:rPr lang="fr-FR" sz="1158" i="1" dirty="0">
                 <a:solidFill>
                   <a:schemeClr val="tx1"/>
                 </a:solidFill>
@@ -7533,8 +7533,8 @@
         </p:nvCxnSpPr>
         <p:spPr>
           <a:xfrm>
-            <a:off x="34242454" y="7129545"/>
-            <a:ext cx="1342109" cy="0"/>
+            <a:off x="34242458" y="7129546"/>
+            <a:ext cx="1342107" cy="0"/>
           </a:xfrm>
           <a:prstGeom prst="straightConnector1">
             <a:avLst/>
@@ -7576,8 +7576,8 @@
         </p:nvCxnSpPr>
         <p:spPr>
           <a:xfrm rot="5400000">
-            <a:off x="34672307" y="7757835"/>
-            <a:ext cx="1714123" cy="1123524"/>
+            <a:off x="34672315" y="7757836"/>
+            <a:ext cx="1714118" cy="1123529"/>
           </a:xfrm>
           <a:prstGeom prst="curvedConnector3">
             <a:avLst>
@@ -7617,8 +7617,8 @@
         </p:nvSpPr>
         <p:spPr>
           <a:xfrm>
-            <a:off x="34214327" y="7174415"/>
-            <a:ext cx="1398361" cy="230832"/>
+            <a:off x="34214331" y="7174417"/>
+            <a:ext cx="1398356" cy="270523"/>
           </a:xfrm>
           <a:prstGeom prst="rect">
             <a:avLst/>
@@ -7633,7 +7633,7 @@
           <a:p>
             <a:pPr algn="ctr"/>
             <a:r>
-              <a:rPr lang="fr-FR" sz="900" i="1" dirty="0">
+              <a:rPr lang="fr-FR" sz="1158" i="1" dirty="0">
                 <a:latin typeface="Gill Sans Nova" panose="020B0602020104020203" pitchFamily="34" charset="0"/>
               </a:rPr>
               <a:t>P1 has identifier</a:t>
@@ -7655,8 +7655,8 @@
         </p:nvSpPr>
         <p:spPr>
           <a:xfrm>
-            <a:off x="32553845" y="10705224"/>
-            <a:ext cx="1052047" cy="422255"/>
+            <a:off x="32553850" y="10705217"/>
+            <a:ext cx="1052048" cy="422260"/>
           </a:xfrm>
           <a:prstGeom prst="roundRect">
             <a:avLst/>
@@ -7688,7 +7688,7 @@
           <a:p>
             <a:pPr algn="ctr"/>
             <a:r>
-              <a:rPr lang="fr-FR" sz="900" dirty="0">
+              <a:rPr lang="fr-FR" sz="1158" dirty="0">
                 <a:solidFill>
                   <a:schemeClr val="tx1"/>
                 </a:solidFill>
@@ -7713,8 +7713,8 @@
         </p:nvSpPr>
         <p:spPr>
           <a:xfrm>
-            <a:off x="27309550" y="10655536"/>
-            <a:ext cx="668795" cy="543321"/>
+            <a:off x="27309551" y="10655541"/>
+            <a:ext cx="668801" cy="543318"/>
           </a:xfrm>
           <a:prstGeom prst="roundRect">
             <a:avLst/>
@@ -7746,7 +7746,7 @@
           <a:p>
             <a:pPr algn="ctr"/>
             <a:r>
-              <a:rPr lang="fr-FR" sz="900" dirty="0">
+              <a:rPr lang="fr-FR" sz="1158" dirty="0">
                 <a:solidFill>
                   <a:schemeClr val="tx1"/>
                 </a:solidFill>
@@ -7775,8 +7775,8 @@
         </p:nvCxnSpPr>
         <p:spPr>
           <a:xfrm flipH="1" flipV="1">
-            <a:off x="27978340" y="10927190"/>
-            <a:ext cx="1213970" cy="10846"/>
+            <a:off x="27978344" y="10927189"/>
+            <a:ext cx="1213972" cy="10842"/>
           </a:xfrm>
           <a:prstGeom prst="straightConnector1">
             <a:avLst/>
@@ -7814,8 +7814,8 @@
         </p:nvSpPr>
         <p:spPr>
           <a:xfrm>
-            <a:off x="27894043" y="10705425"/>
-            <a:ext cx="1398361" cy="230832"/>
+            <a:off x="27894051" y="10705427"/>
+            <a:ext cx="1398356" cy="270523"/>
           </a:xfrm>
           <a:prstGeom prst="rect">
             <a:avLst/>
@@ -7830,31 +7830,31 @@
           <a:p>
             <a:pPr algn="ctr"/>
             <a:r>
-              <a:rPr lang="fr-FR" sz="900" i="1" dirty="0">
+              <a:rPr lang="fr-FR" sz="1158" i="1" dirty="0">
                 <a:latin typeface="Gill Sans Nova" panose="020B0602020104020203" pitchFamily="34" charset="0"/>
               </a:rPr>
               <a:t>P1 </a:t>
             </a:r>
             <a:r>
-              <a:rPr lang="fr-FR" sz="900" i="1" dirty="0" err="1">
+              <a:rPr lang="fr-FR" sz="1158" i="1" dirty="0" err="1">
                 <a:latin typeface="Gill Sans Nova" panose="020B0602020104020203" pitchFamily="34" charset="0"/>
               </a:rPr>
               <a:t>is</a:t>
             </a:r>
             <a:r>
-              <a:rPr lang="fr-FR" sz="900" i="1" dirty="0">
+              <a:rPr lang="fr-FR" sz="1158" i="1" dirty="0">
                 <a:latin typeface="Gill Sans Nova" panose="020B0602020104020203" pitchFamily="34" charset="0"/>
               </a:rPr>
               <a:t> </a:t>
             </a:r>
             <a:r>
-              <a:rPr lang="fr-FR" sz="900" i="1" dirty="0" err="1">
+              <a:rPr lang="fr-FR" sz="1158" i="1" dirty="0" err="1">
                 <a:latin typeface="Gill Sans Nova" panose="020B0602020104020203" pitchFamily="34" charset="0"/>
               </a:rPr>
               <a:t>identified</a:t>
             </a:r>
             <a:r>
-              <a:rPr lang="fr-FR" sz="900" i="1" dirty="0">
+              <a:rPr lang="fr-FR" sz="1158" i="1" dirty="0">
                 <a:latin typeface="Gill Sans Nova" panose="020B0602020104020203" pitchFamily="34" charset="0"/>
               </a:rPr>
               <a:t> by</a:t>
@@ -7876,8 +7876,8 @@
         </p:nvSpPr>
         <p:spPr>
           <a:xfrm>
-            <a:off x="30783221" y="10934874"/>
-            <a:ext cx="1052047" cy="230832"/>
+            <a:off x="30783216" y="10934876"/>
+            <a:ext cx="1052048" cy="270523"/>
           </a:xfrm>
           <a:prstGeom prst="rect">
             <a:avLst/>
@@ -7892,18 +7892,18 @@
           <a:p>
             <a:pPr algn="ctr"/>
             <a:r>
-              <a:rPr lang="fr-FR" sz="900" i="1" dirty="0">
+              <a:rPr lang="fr-FR" sz="1158" i="1" dirty="0">
                 <a:latin typeface="Gill Sans Nova" panose="020B0602020104020203" pitchFamily="34" charset="0"/>
               </a:rPr>
               <a:t>R3 </a:t>
             </a:r>
             <a:r>
-              <a:rPr lang="fr-FR" sz="900" i="1" dirty="0" err="1">
+              <a:rPr lang="fr-FR" sz="1158" i="1" dirty="0" err="1">
                 <a:latin typeface="Gill Sans Nova" panose="020B0602020104020203" pitchFamily="34" charset="0"/>
               </a:rPr>
               <a:t>realises</a:t>
             </a:r>
-            <a:endParaRPr lang="fr-FR" sz="900" i="1" dirty="0">
+            <a:endParaRPr lang="fr-FR" sz="1158" i="1" dirty="0">
               <a:latin typeface="Gill Sans Nova" panose="020B0602020104020203" pitchFamily="34" charset="0"/>
             </a:endParaRPr>
           </a:p>
@@ -7923,8 +7923,8 @@
         </p:nvSpPr>
         <p:spPr>
           <a:xfrm>
-            <a:off x="34485148" y="13022368"/>
-            <a:ext cx="1052047" cy="665980"/>
+            <a:off x="34485145" y="13022371"/>
+            <a:ext cx="1052048" cy="665986"/>
           </a:xfrm>
           <a:prstGeom prst="roundRect">
             <a:avLst/>
@@ -7956,7 +7956,7 @@
           <a:p>
             <a:pPr algn="ctr"/>
             <a:r>
-              <a:rPr lang="fr-FR" sz="900" dirty="0">
+              <a:rPr lang="fr-FR" sz="1158" dirty="0">
                 <a:solidFill>
                   <a:schemeClr val="tx1"/>
                 </a:solidFill>
@@ -7985,8 +7985,8 @@
         </p:nvCxnSpPr>
         <p:spPr>
           <a:xfrm rot="16200000" flipH="1">
-            <a:off x="32668560" y="11538785"/>
-            <a:ext cx="2227888" cy="1405277"/>
+            <a:off x="32668568" y="11538787"/>
+            <a:ext cx="2227887" cy="1405283"/>
           </a:xfrm>
           <a:prstGeom prst="curvedConnector2">
             <a:avLst/>
@@ -8024,8 +8024,8 @@
         </p:nvSpPr>
         <p:spPr>
           <a:xfrm>
-            <a:off x="33128414" y="12038167"/>
-            <a:ext cx="1398361" cy="230832"/>
+            <a:off x="33128425" y="12038163"/>
+            <a:ext cx="1398356" cy="270523"/>
           </a:xfrm>
           <a:prstGeom prst="rect">
             <a:avLst/>
@@ -8040,31 +8040,31 @@
           <a:p>
             <a:pPr algn="ctr"/>
             <a:r>
-              <a:rPr lang="fr-FR" sz="900" i="1" dirty="0">
+              <a:rPr lang="fr-FR" sz="1158" i="1" dirty="0">
                 <a:latin typeface="Gill Sans Nova" panose="020B0602020104020203" pitchFamily="34" charset="0"/>
               </a:rPr>
               <a:t>R16 </a:t>
             </a:r>
             <a:r>
-              <a:rPr lang="fr-FR" sz="900" i="1" dirty="0" err="1">
+              <a:rPr lang="fr-FR" sz="1158" i="1" dirty="0" err="1">
                 <a:latin typeface="Gill Sans Nova" panose="020B0602020104020203" pitchFamily="34" charset="0"/>
               </a:rPr>
               <a:t>was</a:t>
             </a:r>
             <a:r>
-              <a:rPr lang="fr-FR" sz="900" i="1" dirty="0">
+              <a:rPr lang="fr-FR" sz="1158" i="1" dirty="0">
                 <a:latin typeface="Gill Sans Nova" panose="020B0602020104020203" pitchFamily="34" charset="0"/>
               </a:rPr>
               <a:t> </a:t>
             </a:r>
             <a:r>
-              <a:rPr lang="fr-FR" sz="900" i="1" dirty="0" err="1">
+              <a:rPr lang="fr-FR" sz="1158" i="1" dirty="0" err="1">
                 <a:latin typeface="Gill Sans Nova" panose="020B0602020104020203" pitchFamily="34" charset="0"/>
               </a:rPr>
               <a:t>initiated</a:t>
             </a:r>
             <a:r>
-              <a:rPr lang="fr-FR" sz="900" i="1" dirty="0">
+              <a:rPr lang="fr-FR" sz="1158" i="1" dirty="0">
                 <a:latin typeface="Gill Sans Nova" panose="020B0602020104020203" pitchFamily="34" charset="0"/>
               </a:rPr>
               <a:t> by</a:t>
@@ -8086,8 +8086,8 @@
         </p:nvSpPr>
         <p:spPr>
           <a:xfrm>
-            <a:off x="34509262" y="14711966"/>
-            <a:ext cx="1023273" cy="446228"/>
+            <a:off x="34509263" y="14711968"/>
+            <a:ext cx="1023275" cy="446226"/>
           </a:xfrm>
           <a:prstGeom prst="roundRect">
             <a:avLst/>
@@ -8119,7 +8119,7 @@
           <a:p>
             <a:pPr algn="ctr"/>
             <a:r>
-              <a:rPr lang="fr-FR" sz="900" dirty="0">
+              <a:rPr lang="fr-FR" sz="1158" dirty="0">
                 <a:solidFill>
                   <a:schemeClr val="tx1"/>
                 </a:solidFill>
@@ -8148,8 +8148,8 @@
         </p:nvCxnSpPr>
         <p:spPr>
           <a:xfrm>
-            <a:off x="35011166" y="13688350"/>
-            <a:ext cx="9730" cy="1023616"/>
+            <a:off x="35011169" y="13688359"/>
+            <a:ext cx="9730" cy="1023611"/>
           </a:xfrm>
           <a:prstGeom prst="straightConnector1">
             <a:avLst/>
@@ -8187,8 +8187,8 @@
         </p:nvSpPr>
         <p:spPr>
           <a:xfrm>
-            <a:off x="34780823" y="14121498"/>
-            <a:ext cx="1398361" cy="230832"/>
+            <a:off x="34780827" y="14121507"/>
+            <a:ext cx="1398356" cy="270523"/>
           </a:xfrm>
           <a:prstGeom prst="rect">
             <a:avLst/>
@@ -8203,19 +8203,19 @@
           <a:p>
             <a:pPr algn="ctr"/>
             <a:r>
-              <a:rPr lang="fr-FR" sz="900" i="1" dirty="0">
+              <a:rPr lang="fr-FR" sz="1158" i="1" dirty="0">
                 <a:latin typeface="Gill Sans Nova" panose="020B0602020104020203" pitchFamily="34" charset="0"/>
               </a:rPr>
               <a:t>P14 </a:t>
             </a:r>
             <a:r>
-              <a:rPr lang="fr-FR" sz="900" i="1" dirty="0" err="1">
+              <a:rPr lang="fr-FR" sz="1158" i="1" dirty="0" err="1">
                 <a:latin typeface="Gill Sans Nova" panose="020B0602020104020203" pitchFamily="34" charset="0"/>
               </a:rPr>
               <a:t>carried</a:t>
             </a:r>
             <a:r>
-              <a:rPr lang="fr-FR" sz="900" i="1" dirty="0">
+              <a:rPr lang="fr-FR" sz="1158" i="1" dirty="0">
                 <a:latin typeface="Gill Sans Nova" panose="020B0602020104020203" pitchFamily="34" charset="0"/>
               </a:rPr>
               <a:t> out by</a:t>
@@ -8240,8 +8240,8 @@
         </p:nvCxnSpPr>
         <p:spPr>
           <a:xfrm rot="5400000" flipH="1" flipV="1">
-            <a:off x="22632898" y="5629795"/>
-            <a:ext cx="1428377" cy="12742505"/>
+            <a:off x="22632897" y="5629809"/>
+            <a:ext cx="1428380" cy="12742505"/>
           </a:xfrm>
           <a:prstGeom prst="curvedConnector3">
             <a:avLst/>
@@ -8279,8 +8279,8 @@
         </p:nvSpPr>
         <p:spPr>
           <a:xfrm>
-            <a:off x="33099082" y="16406629"/>
-            <a:ext cx="4571683" cy="424732"/>
+            <a:off x="33099090" y="16406637"/>
+            <a:ext cx="4571678" cy="423962"/>
           </a:xfrm>
           <a:prstGeom prst="rect">
             <a:avLst/>
@@ -8295,7 +8295,7 @@
           <a:p>
             <a:pPr algn="ctr"/>
             <a:r>
-              <a:rPr lang="fr-FR" sz="2160" dirty="0">
+              <a:rPr lang="fr-FR" sz="2155" dirty="0">
                 <a:latin typeface="Gill Sans Nova" panose="020B0602020104020203" pitchFamily="34" charset="0"/>
               </a:rPr>
               <a:t>CORPUS MERCURE GALANT</a:t>
@@ -8317,8 +8317,8 @@
         </p:nvSpPr>
         <p:spPr>
           <a:xfrm>
-            <a:off x="20784746" y="23306313"/>
-            <a:ext cx="1484002" cy="230832"/>
+            <a:off x="20784750" y="23306319"/>
+            <a:ext cx="1484003" cy="270523"/>
           </a:xfrm>
           <a:prstGeom prst="rect">
             <a:avLst/>
@@ -8333,7 +8333,7 @@
           <a:p>
             <a:pPr algn="ctr"/>
             <a:r>
-              <a:rPr lang="fr-FR" sz="900" i="1" dirty="0">
+              <a:rPr lang="fr-FR" sz="1158" i="1" dirty="0">
                 <a:latin typeface="Gill Sans Nova" panose="020B0602020104020203" pitchFamily="34" charset="0"/>
               </a:rPr>
               <a:t>P98</a:t>
@@ -8355,8 +8355,8 @@
         </p:nvSpPr>
         <p:spPr>
           <a:xfrm>
-            <a:off x="19878259" y="24941176"/>
-            <a:ext cx="976814" cy="458657"/>
+            <a:off x="19878268" y="24941179"/>
+            <a:ext cx="976814" cy="458655"/>
           </a:xfrm>
           <a:prstGeom prst="roundRect">
             <a:avLst/>
@@ -8391,7 +8391,7 @@
           <a:p>
             <a:pPr algn="ctr"/>
             <a:r>
-              <a:rPr lang="fr-FR" sz="900" dirty="0">
+              <a:rPr lang="fr-FR" sz="1158" dirty="0">
                 <a:solidFill>
                   <a:schemeClr val="tx1"/>
                 </a:solidFill>
@@ -8420,8 +8420,8 @@
         </p:nvCxnSpPr>
         <p:spPr>
           <a:xfrm flipH="1">
-            <a:off x="20366671" y="24128655"/>
-            <a:ext cx="3692" cy="812521"/>
+            <a:off x="20366683" y="24128669"/>
+            <a:ext cx="3695" cy="812515"/>
           </a:xfrm>
           <a:prstGeom prst="straightConnector1">
             <a:avLst/>
@@ -8459,8 +8459,8 @@
         </p:nvSpPr>
         <p:spPr>
           <a:xfrm>
-            <a:off x="19150338" y="24411766"/>
-            <a:ext cx="1484002" cy="230832"/>
+            <a:off x="19150348" y="24411761"/>
+            <a:ext cx="1484003" cy="270523"/>
           </a:xfrm>
           <a:prstGeom prst="rect">
             <a:avLst/>
@@ -8475,18 +8475,18 @@
           <a:p>
             <a:pPr algn="ctr"/>
             <a:r>
-              <a:rPr lang="fr-FR" sz="900" i="1" dirty="0">
+              <a:rPr lang="fr-FR" sz="1158" i="1" dirty="0">
                 <a:latin typeface="Gill Sans Nova" panose="020B0602020104020203" pitchFamily="34" charset="0"/>
               </a:rPr>
               <a:t>P4 has time-</a:t>
             </a:r>
             <a:r>
-              <a:rPr lang="fr-FR" sz="900" i="1" dirty="0" err="1">
+              <a:rPr lang="fr-FR" sz="1158" i="1" dirty="0" err="1">
                 <a:latin typeface="Gill Sans Nova" panose="020B0602020104020203" pitchFamily="34" charset="0"/>
               </a:rPr>
               <a:t>span</a:t>
             </a:r>
-            <a:endParaRPr lang="fr-FR" sz="900" i="1" dirty="0">
+            <a:endParaRPr lang="fr-FR" sz="1158" i="1" dirty="0">
               <a:latin typeface="Gill Sans Nova" panose="020B0602020104020203" pitchFamily="34" charset="0"/>
             </a:endParaRPr>
           </a:p>
@@ -8506,8 +8506,8 @@
         </p:nvSpPr>
         <p:spPr>
           <a:xfrm>
-            <a:off x="29850124" y="19275342"/>
-            <a:ext cx="9962337" cy="9379082"/>
+            <a:off x="29850135" y="19275348"/>
+            <a:ext cx="9962334" cy="9379077"/>
           </a:xfrm>
           <a:prstGeom prst="roundRect">
             <a:avLst/>
@@ -8544,7 +8544,7 @@
           <a:lstStyle/>
           <a:p>
             <a:pPr algn="ctr"/>
-            <a:endParaRPr lang="fr-FR" sz="1621" dirty="0"/>
+            <a:endParaRPr lang="fr-FR" sz="1622" dirty="0"/>
           </a:p>
         </p:txBody>
       </p:sp>
@@ -8562,8 +8562,8 @@
         </p:nvSpPr>
         <p:spPr>
           <a:xfrm>
-            <a:off x="3963795" y="19270760"/>
-            <a:ext cx="13787360" cy="9674521"/>
+            <a:off x="3963793" y="19270759"/>
+            <a:ext cx="13787359" cy="9674522"/>
           </a:xfrm>
           <a:prstGeom prst="roundRect">
             <a:avLst/>
@@ -8597,7 +8597,7 @@
           <a:lstStyle/>
           <a:p>
             <a:pPr algn="ctr"/>
-            <a:endParaRPr lang="fr-FR" sz="1621" dirty="0"/>
+            <a:endParaRPr lang="fr-FR" sz="1622" dirty="0"/>
           </a:p>
         </p:txBody>
       </p:sp>
@@ -8618,8 +8618,8 @@
         </p:nvCxnSpPr>
         <p:spPr>
           <a:xfrm rot="5400000">
-            <a:off x="22254972" y="23728663"/>
-            <a:ext cx="3057992" cy="1369312"/>
+            <a:off x="22254978" y="23728665"/>
+            <a:ext cx="3057998" cy="1369316"/>
           </a:xfrm>
           <a:prstGeom prst="curvedConnector3">
             <a:avLst/>
@@ -8657,8 +8657,8 @@
         </p:nvSpPr>
         <p:spPr>
           <a:xfrm>
-            <a:off x="19923221" y="22314216"/>
-            <a:ext cx="1062750" cy="575143"/>
+            <a:off x="19923219" y="22314221"/>
+            <a:ext cx="1062751" cy="575137"/>
           </a:xfrm>
           <a:prstGeom prst="roundRect">
             <a:avLst/>
@@ -8696,7 +8696,7 @@
           <a:p>
             <a:pPr algn="ctr"/>
             <a:r>
-              <a:rPr lang="fr-FR" sz="900" i="1" dirty="0">
+              <a:rPr lang="fr-FR" sz="1158" i="1" dirty="0">
                 <a:solidFill>
                   <a:schemeClr val="tx1"/>
                 </a:solidFill>
@@ -8725,8 +8725,8 @@
         </p:nvCxnSpPr>
         <p:spPr>
           <a:xfrm flipH="1">
-            <a:off x="20985983" y="22596754"/>
-            <a:ext cx="2951275" cy="5028"/>
+            <a:off x="20985980" y="22596751"/>
+            <a:ext cx="2951280" cy="5027"/>
           </a:xfrm>
           <a:prstGeom prst="straightConnector1">
             <a:avLst/>
@@ -8764,8 +8764,8 @@
         </p:nvSpPr>
         <p:spPr>
           <a:xfrm>
-            <a:off x="21582682" y="22309180"/>
-            <a:ext cx="1484002" cy="230832"/>
+            <a:off x="21582693" y="22309188"/>
+            <a:ext cx="1484003" cy="270523"/>
           </a:xfrm>
           <a:prstGeom prst="rect">
             <a:avLst/>
@@ -8780,12 +8780,12 @@
           <a:p>
             <a:pPr algn="ctr"/>
             <a:r>
-              <a:rPr lang="fr-FR" sz="900" i="1" dirty="0" err="1">
+              <a:rPr lang="fr-FR" sz="1158" i="1" dirty="0" err="1">
                 <a:latin typeface="Gill Sans Nova" panose="020B0602020104020203" pitchFamily="34" charset="0"/>
               </a:rPr>
               <a:t>rdfs:seeAlso</a:t>
             </a:r>
-            <a:endParaRPr lang="fr-FR" sz="900" i="1" dirty="0">
+            <a:endParaRPr lang="fr-FR" sz="1158" i="1" dirty="0">
               <a:latin typeface="Gill Sans Nova" panose="020B0602020104020203" pitchFamily="34" charset="0"/>
             </a:endParaRPr>
           </a:p>
@@ -8805,8 +8805,8 @@
         </p:nvSpPr>
         <p:spPr>
           <a:xfrm>
-            <a:off x="32969724" y="19905719"/>
-            <a:ext cx="3701982" cy="757130"/>
+            <a:off x="32969735" y="19905720"/>
+            <a:ext cx="3701987" cy="755591"/>
           </a:xfrm>
           <a:prstGeom prst="rect">
             <a:avLst/>
@@ -8821,7 +8821,7 @@
           <a:p>
             <a:pPr algn="ctr"/>
             <a:r>
-              <a:rPr lang="fr-FR" sz="2160" dirty="0">
+              <a:rPr lang="fr-FR" sz="2155" dirty="0">
                 <a:latin typeface="Gill Sans Nova" panose="020B0602020104020203" pitchFamily="34" charset="0"/>
               </a:rPr>
               <a:t>EDITEUR DE THESAURUS</a:t>
@@ -8830,7 +8830,7 @@
           <a:p>
             <a:pPr algn="ctr"/>
             <a:r>
-              <a:rPr lang="fr-FR" sz="2160" i="1" dirty="0">
+              <a:rPr lang="fr-FR" sz="2155" i="1" dirty="0">
                 <a:latin typeface="Gill Sans Nova" panose="020B0602020104020203" pitchFamily="34" charset="0"/>
               </a:rPr>
               <a:t>CORPORATIONS/INSTITUTIONS</a:t>
@@ -8852,8 +8852,8 @@
         </p:nvSpPr>
         <p:spPr>
           <a:xfrm>
-            <a:off x="25206986" y="25903353"/>
-            <a:ext cx="1201439" cy="668273"/>
+            <a:off x="25206990" y="25903361"/>
+            <a:ext cx="1201439" cy="668268"/>
           </a:xfrm>
           <a:prstGeom prst="roundRect">
             <a:avLst/>
@@ -8887,7 +8887,7 @@
           <a:p>
             <a:pPr algn="ctr"/>
             <a:r>
-              <a:rPr lang="fr-FR" sz="900" dirty="0">
+              <a:rPr lang="fr-FR" sz="1158" dirty="0">
                 <a:solidFill>
                   <a:schemeClr val="tx1"/>
                 </a:solidFill>
@@ -8899,7 +8899,7 @@
           <a:p>
             <a:pPr algn="ctr"/>
             <a:r>
-              <a:rPr lang="fr-FR" sz="900" i="1" dirty="0">
+              <a:rPr lang="fr-FR" sz="1158" i="1" dirty="0">
                 <a:solidFill>
                   <a:schemeClr val="tx1"/>
                 </a:solidFill>
@@ -8928,8 +8928,8 @@
         </p:nvCxnSpPr>
         <p:spPr>
           <a:xfrm rot="16200000" flipV="1">
-            <a:off x="23628659" y="23724304"/>
-            <a:ext cx="3019021" cy="1339075"/>
+            <a:off x="23628655" y="23724315"/>
+            <a:ext cx="3019020" cy="1339072"/>
           </a:xfrm>
           <a:prstGeom prst="curvedConnector3">
             <a:avLst>
@@ -8969,8 +8969,8 @@
         </p:nvSpPr>
         <p:spPr>
           <a:xfrm>
-            <a:off x="24624057" y="24093831"/>
-            <a:ext cx="1484002" cy="230832"/>
+            <a:off x="24624069" y="24093838"/>
+            <a:ext cx="1484003" cy="270523"/>
           </a:xfrm>
           <a:prstGeom prst="rect">
             <a:avLst/>
@@ -8985,7 +8985,7 @@
           <a:p>
             <a:pPr algn="ctr"/>
             <a:r>
-              <a:rPr lang="fr-FR" sz="900" i="1" dirty="0">
+              <a:rPr lang="fr-FR" sz="1158" i="1" dirty="0">
                 <a:latin typeface="Gill Sans Nova" panose="020B0602020104020203" pitchFamily="34" charset="0"/>
               </a:rPr>
               <a:t>P70 documents</a:t>
@@ -9007,8 +9007,8 @@
         </p:nvSpPr>
         <p:spPr>
           <a:xfrm>
-            <a:off x="24821973" y="20605424"/>
-            <a:ext cx="858255" cy="441346"/>
+            <a:off x="24821974" y="20605417"/>
+            <a:ext cx="858258" cy="441350"/>
           </a:xfrm>
           <a:prstGeom prst="roundRect">
             <a:avLst/>
@@ -9040,7 +9040,7 @@
           <a:p>
             <a:pPr algn="ctr"/>
             <a:r>
-              <a:rPr lang="fr-FR" sz="900" dirty="0">
+              <a:rPr lang="fr-FR" sz="1158" dirty="0">
                 <a:solidFill>
                   <a:schemeClr val="bg1"/>
                 </a:solidFill>
@@ -9065,8 +9065,8 @@
         </p:nvSpPr>
         <p:spPr>
           <a:xfrm>
-            <a:off x="22718935" y="24093831"/>
-            <a:ext cx="1484002" cy="230832"/>
+            <a:off x="22718940" y="24093832"/>
+            <a:ext cx="1484003" cy="270523"/>
           </a:xfrm>
           <a:prstGeom prst="rect">
             <a:avLst/>
@@ -9081,31 +9081,31 @@
           <a:p>
             <a:pPr algn="ctr"/>
             <a:r>
-              <a:rPr lang="fr-FR" sz="900" i="1" dirty="0">
+              <a:rPr lang="fr-FR" sz="1158" i="1" dirty="0">
                 <a:latin typeface="Gill Sans Nova" panose="020B0602020104020203" pitchFamily="34" charset="0"/>
               </a:rPr>
               <a:t>P1 </a:t>
             </a:r>
             <a:r>
-              <a:rPr lang="fr-FR" sz="900" i="1" dirty="0" err="1">
+              <a:rPr lang="fr-FR" sz="1158" i="1" dirty="0" err="1">
                 <a:latin typeface="Gill Sans Nova" panose="020B0602020104020203" pitchFamily="34" charset="0"/>
               </a:rPr>
               <a:t>is</a:t>
             </a:r>
             <a:r>
-              <a:rPr lang="fr-FR" sz="900" i="1" dirty="0">
+              <a:rPr lang="fr-FR" sz="1158" i="1" dirty="0">
                 <a:latin typeface="Gill Sans Nova" panose="020B0602020104020203" pitchFamily="34" charset="0"/>
               </a:rPr>
               <a:t> </a:t>
             </a:r>
             <a:r>
-              <a:rPr lang="fr-FR" sz="900" i="1" dirty="0" err="1">
+              <a:rPr lang="fr-FR" sz="1158" i="1" dirty="0" err="1">
                 <a:latin typeface="Gill Sans Nova" panose="020B0602020104020203" pitchFamily="34" charset="0"/>
               </a:rPr>
               <a:t>identified</a:t>
             </a:r>
             <a:r>
-              <a:rPr lang="fr-FR" sz="900" i="1" dirty="0">
+              <a:rPr lang="fr-FR" sz="1158" i="1" dirty="0">
                 <a:latin typeface="Gill Sans Nova" panose="020B0602020104020203" pitchFamily="34" charset="0"/>
               </a:rPr>
               <a:t> by</a:t>
@@ -9127,8 +9127,8 @@
         </p:nvSpPr>
         <p:spPr>
           <a:xfrm>
-            <a:off x="25663058" y="22206795"/>
-            <a:ext cx="1484002" cy="230832"/>
+            <a:off x="25663062" y="22206803"/>
+            <a:ext cx="1484003" cy="270523"/>
           </a:xfrm>
           <a:prstGeom prst="rect">
             <a:avLst/>
@@ -9143,18 +9143,18 @@
           <a:p>
             <a:pPr algn="ctr"/>
             <a:r>
-              <a:rPr lang="fr-FR" sz="900" i="1" dirty="0">
+              <a:rPr lang="fr-FR" sz="1158" i="1" dirty="0">
                 <a:latin typeface="Gill Sans Nova" panose="020B0602020104020203" pitchFamily="34" charset="0"/>
               </a:rPr>
               <a:t>P143 </a:t>
             </a:r>
             <a:r>
-              <a:rPr lang="fr-FR" sz="900" i="1" dirty="0" err="1">
+              <a:rPr lang="fr-FR" sz="1158" i="1" dirty="0" err="1">
                 <a:latin typeface="Gill Sans Nova" panose="020B0602020104020203" pitchFamily="34" charset="0"/>
               </a:rPr>
               <a:t>joined</a:t>
             </a:r>
-            <a:endParaRPr lang="fr-FR" sz="900" i="1" dirty="0">
+            <a:endParaRPr lang="fr-FR" sz="1158" i="1" dirty="0">
               <a:latin typeface="Gill Sans Nova" panose="020B0602020104020203" pitchFamily="34" charset="0"/>
             </a:endParaRPr>
           </a:p>
@@ -9174,8 +9174,8 @@
         </p:nvSpPr>
         <p:spPr>
           <a:xfrm>
-            <a:off x="34446971" y="21976303"/>
-            <a:ext cx="1311925" cy="856482"/>
+            <a:off x="34446985" y="21976303"/>
+            <a:ext cx="1311921" cy="856486"/>
           </a:xfrm>
           <a:prstGeom prst="roundRect">
             <a:avLst/>
@@ -9209,7 +9209,7 @@
           <a:p>
             <a:pPr algn="ctr"/>
             <a:r>
-              <a:rPr lang="fr-FR" sz="900" dirty="0">
+              <a:rPr lang="fr-FR" sz="1158" dirty="0">
                 <a:solidFill>
                   <a:schemeClr val="tx1"/>
                 </a:solidFill>
@@ -9221,7 +9221,7 @@
           <a:p>
             <a:pPr algn="ctr"/>
             <a:r>
-              <a:rPr lang="fr-FR" sz="900" i="1" dirty="0">
+              <a:rPr lang="fr-FR" sz="1158" i="1" dirty="0">
                 <a:solidFill>
                   <a:schemeClr val="tx1"/>
                 </a:solidFill>
@@ -9246,8 +9246,8 @@
         </p:nvSpPr>
         <p:spPr>
           <a:xfrm>
-            <a:off x="23825907" y="31079028"/>
-            <a:ext cx="1222783" cy="747737"/>
+            <a:off x="23825911" y="31079038"/>
+            <a:ext cx="1222787" cy="747741"/>
           </a:xfrm>
           <a:prstGeom prst="roundRect">
             <a:avLst/>
@@ -9279,7 +9279,7 @@
           <a:p>
             <a:pPr algn="ctr"/>
             <a:r>
-              <a:rPr lang="fr-FR" sz="900" dirty="0">
+              <a:rPr lang="fr-FR" sz="1158" dirty="0">
                 <a:solidFill>
                   <a:schemeClr val="bg1"/>
                 </a:solidFill>
@@ -9288,7 +9288,7 @@
               <a:t>E32 </a:t>
             </a:r>
             <a:r>
-              <a:rPr lang="fr-FR" sz="900" dirty="0" err="1">
+              <a:rPr lang="fr-FR" sz="1158" dirty="0" err="1">
                 <a:solidFill>
                   <a:schemeClr val="bg1"/>
                 </a:solidFill>
@@ -9297,7 +9297,7 @@
               <a:t>Authority</a:t>
             </a:r>
             <a:r>
-              <a:rPr lang="fr-FR" sz="900" dirty="0">
+              <a:rPr lang="fr-FR" sz="1158" dirty="0">
                 <a:solidFill>
                   <a:schemeClr val="bg1"/>
                 </a:solidFill>
@@ -9309,7 +9309,7 @@
           <a:p>
             <a:pPr algn="ctr"/>
             <a:r>
-              <a:rPr lang="fr-FR" sz="900" dirty="0">
+              <a:rPr lang="fr-FR" sz="1158" dirty="0">
                 <a:solidFill>
                   <a:schemeClr val="bg1"/>
                 </a:solidFill>
@@ -9318,7 +9318,7 @@
               <a:t>(« </a:t>
             </a:r>
             <a:r>
-              <a:rPr lang="fr-FR" sz="900" i="1" dirty="0">
+              <a:rPr lang="fr-FR" sz="1158" i="1" dirty="0">
                 <a:solidFill>
                   <a:schemeClr val="bg1"/>
                 </a:solidFill>
@@ -9326,7 +9326,7 @@
               </a:rPr>
               <a:t>Ancien Régime »)</a:t>
             </a:r>
-            <a:endParaRPr lang="fr-FR" sz="900" dirty="0">
+            <a:endParaRPr lang="fr-FR" sz="1158" dirty="0">
               <a:solidFill>
                 <a:schemeClr val="bg1"/>
               </a:solidFill>
@@ -9353,8 +9353,8 @@
         </p:nvCxnSpPr>
         <p:spPr>
           <a:xfrm rot="5400000">
-            <a:off x="24228653" y="21286740"/>
-            <a:ext cx="1262414" cy="782474"/>
+            <a:off x="24228659" y="21286740"/>
+            <a:ext cx="1262413" cy="782480"/>
           </a:xfrm>
           <a:prstGeom prst="curvedConnector3">
             <a:avLst>
@@ -9398,8 +9398,8 @@
         </p:nvCxnSpPr>
         <p:spPr>
           <a:xfrm flipV="1">
-            <a:off x="24437301" y="22884330"/>
-            <a:ext cx="31329" cy="4627681"/>
+            <a:off x="24437310" y="22884337"/>
+            <a:ext cx="31333" cy="4627683"/>
           </a:xfrm>
           <a:prstGeom prst="straightConnector1">
             <a:avLst/>
@@ -9437,8 +9437,8 @@
         </p:nvSpPr>
         <p:spPr>
           <a:xfrm>
-            <a:off x="23691038" y="27512009"/>
-            <a:ext cx="1492523" cy="747737"/>
+            <a:off x="23691040" y="27512021"/>
+            <a:ext cx="1492529" cy="747741"/>
           </a:xfrm>
           <a:prstGeom prst="roundRect">
             <a:avLst/>
@@ -9470,7 +9470,7 @@
           <a:p>
             <a:pPr algn="ctr"/>
             <a:r>
-              <a:rPr lang="fr-FR" sz="900" dirty="0">
+              <a:rPr lang="fr-FR" sz="1158" dirty="0">
                 <a:solidFill>
                   <a:schemeClr val="bg1"/>
                 </a:solidFill>
@@ -9479,7 +9479,7 @@
               <a:t>E32 </a:t>
             </a:r>
             <a:r>
-              <a:rPr lang="fr-FR" sz="900" dirty="0" err="1">
+              <a:rPr lang="fr-FR" sz="1158" dirty="0" err="1">
                 <a:solidFill>
                   <a:schemeClr val="bg1"/>
                 </a:solidFill>
@@ -9488,7 +9488,7 @@
               <a:t>Authority</a:t>
             </a:r>
             <a:r>
-              <a:rPr lang="fr-FR" sz="900" dirty="0">
+              <a:rPr lang="fr-FR" sz="1158" dirty="0">
                 <a:solidFill>
                   <a:schemeClr val="bg1"/>
                 </a:solidFill>
@@ -9500,7 +9500,7 @@
           <a:p>
             <a:pPr algn="ctr"/>
             <a:r>
-              <a:rPr lang="fr-FR" sz="900" dirty="0">
+              <a:rPr lang="fr-FR" sz="1158" dirty="0">
                 <a:solidFill>
                   <a:schemeClr val="bg1"/>
                 </a:solidFill>
@@ -9509,7 +9509,7 @@
               <a:t>(« </a:t>
             </a:r>
             <a:r>
-              <a:rPr lang="fr-FR" sz="900" i="1" dirty="0">
+              <a:rPr lang="fr-FR" sz="1158" i="1" dirty="0">
                 <a:solidFill>
                   <a:schemeClr val="bg1"/>
                 </a:solidFill>
@@ -9517,7 +9517,7 @@
               </a:rPr>
               <a:t>Noms de personnes »)</a:t>
             </a:r>
-            <a:endParaRPr lang="fr-FR" sz="900" dirty="0">
+            <a:endParaRPr lang="fr-FR" sz="1158" dirty="0">
               <a:solidFill>
                 <a:schemeClr val="bg1"/>
               </a:solidFill>
@@ -9544,8 +9544,8 @@
         </p:nvCxnSpPr>
         <p:spPr>
           <a:xfrm flipV="1">
-            <a:off x="24437300" y="28259743"/>
-            <a:ext cx="1" cy="2819280"/>
+            <a:off x="24437302" y="28259742"/>
+            <a:ext cx="0" cy="2819276"/>
           </a:xfrm>
           <a:prstGeom prst="straightConnector1">
             <a:avLst/>
@@ -9583,8 +9583,8 @@
         </p:nvSpPr>
         <p:spPr>
           <a:xfrm>
-            <a:off x="24012325" y="26956898"/>
-            <a:ext cx="1484002" cy="230832"/>
+            <a:off x="24012328" y="26956899"/>
+            <a:ext cx="1484003" cy="270523"/>
           </a:xfrm>
           <a:prstGeom prst="rect">
             <a:avLst/>
@@ -9599,18 +9599,18 @@
           <a:p>
             <a:pPr algn="ctr"/>
             <a:r>
-              <a:rPr lang="fr-FR" sz="900" i="1" dirty="0">
+              <a:rPr lang="fr-FR" sz="1158" i="1" dirty="0">
                 <a:latin typeface="Gill Sans Nova" panose="020B0602020104020203" pitchFamily="34" charset="0"/>
               </a:rPr>
               <a:t>P71 </a:t>
             </a:r>
             <a:r>
-              <a:rPr lang="fr-FR" sz="900" i="1" dirty="0" err="1">
+              <a:rPr lang="fr-FR" sz="1158" i="1" dirty="0" err="1">
                 <a:latin typeface="Gill Sans Nova" panose="020B0602020104020203" pitchFamily="34" charset="0"/>
               </a:rPr>
               <a:t>lists</a:t>
             </a:r>
-            <a:endParaRPr lang="fr-FR" sz="900" i="1" dirty="0">
+            <a:endParaRPr lang="fr-FR" sz="1158" i="1" dirty="0">
               <a:latin typeface="Gill Sans Nova" panose="020B0602020104020203" pitchFamily="34" charset="0"/>
             </a:endParaRPr>
           </a:p>
@@ -9630,8 +9630,8 @@
         </p:nvSpPr>
         <p:spPr>
           <a:xfrm>
-            <a:off x="32907458" y="27237921"/>
-            <a:ext cx="1496900" cy="713004"/>
+            <a:off x="32907455" y="27237929"/>
+            <a:ext cx="1496896" cy="713003"/>
           </a:xfrm>
           <a:prstGeom prst="roundRect">
             <a:avLst/>
@@ -9663,7 +9663,7 @@
           <a:p>
             <a:pPr algn="ctr"/>
             <a:r>
-              <a:rPr lang="fr-FR" sz="900" dirty="0">
+              <a:rPr lang="fr-FR" sz="1158" dirty="0">
                 <a:solidFill>
                   <a:schemeClr val="bg1"/>
                 </a:solidFill>
@@ -9672,7 +9672,7 @@
               <a:t>E32 </a:t>
             </a:r>
             <a:r>
-              <a:rPr lang="fr-FR" sz="900" dirty="0" err="1">
+              <a:rPr lang="fr-FR" sz="1158" dirty="0" err="1">
                 <a:solidFill>
                   <a:schemeClr val="bg1"/>
                 </a:solidFill>
@@ -9681,7 +9681,7 @@
               <a:t>Authority</a:t>
             </a:r>
             <a:r>
-              <a:rPr lang="fr-FR" sz="900" dirty="0">
+              <a:rPr lang="fr-FR" sz="1158" dirty="0">
                 <a:solidFill>
                   <a:schemeClr val="bg1"/>
                 </a:solidFill>
@@ -9693,7 +9693,7 @@
           <a:p>
             <a:pPr algn="ctr"/>
             <a:r>
-              <a:rPr lang="fr-FR" sz="900" dirty="0">
+              <a:rPr lang="fr-FR" sz="1158" dirty="0">
                 <a:solidFill>
                   <a:schemeClr val="bg1"/>
                 </a:solidFill>
@@ -9702,7 +9702,7 @@
               <a:t>(« </a:t>
             </a:r>
             <a:r>
-              <a:rPr lang="fr-FR" sz="900" i="1" dirty="0">
+              <a:rPr lang="fr-FR" sz="1158" i="1" dirty="0">
                 <a:solidFill>
                   <a:schemeClr val="bg1"/>
                 </a:solidFill>
@@ -9711,7 +9711,7 @@
               <a:t>Corporations</a:t>
             </a:r>
             <a:r>
-              <a:rPr lang="fr-FR" sz="900" dirty="0">
+              <a:rPr lang="fr-FR" sz="1158" dirty="0">
                 <a:solidFill>
                   <a:schemeClr val="bg1"/>
                 </a:solidFill>
@@ -9720,7 +9720,7 @@
               <a:t> </a:t>
             </a:r>
             <a:r>
-              <a:rPr lang="fr-FR" sz="900" i="1" dirty="0">
+              <a:rPr lang="fr-FR" sz="1158" i="1" dirty="0">
                 <a:solidFill>
                   <a:schemeClr val="bg1"/>
                 </a:solidFill>
@@ -9728,7 +9728,7 @@
               </a:rPr>
               <a:t>»)</a:t>
             </a:r>
-            <a:endParaRPr lang="fr-FR" sz="900" dirty="0">
+            <a:endParaRPr lang="fr-FR" sz="1158" dirty="0">
               <a:solidFill>
                 <a:schemeClr val="bg1"/>
               </a:solidFill>
@@ -9755,8 +9755,8 @@
         </p:nvCxnSpPr>
         <p:spPr>
           <a:xfrm flipV="1">
-            <a:off x="25048694" y="27950931"/>
-            <a:ext cx="8607221" cy="3501965"/>
+            <a:off x="25048703" y="27950938"/>
+            <a:ext cx="8607219" cy="3501965"/>
           </a:xfrm>
           <a:prstGeom prst="curvedConnector2">
             <a:avLst/>
@@ -9798,8 +9798,8 @@
         </p:nvCxnSpPr>
         <p:spPr>
           <a:xfrm flipV="1">
-            <a:off x="33655913" y="24741117"/>
-            <a:ext cx="27995" cy="2496809"/>
+            <a:off x="33655922" y="24741128"/>
+            <a:ext cx="27997" cy="2496807"/>
           </a:xfrm>
           <a:prstGeom prst="straightConnector1">
             <a:avLst/>
@@ -9840,8 +9840,8 @@
         </p:nvSpPr>
         <p:spPr>
           <a:xfrm>
-            <a:off x="33226160" y="26576993"/>
-            <a:ext cx="1484002" cy="230832"/>
+            <a:off x="33226168" y="26576999"/>
+            <a:ext cx="1484003" cy="270523"/>
           </a:xfrm>
           <a:prstGeom prst="rect">
             <a:avLst/>
@@ -9856,18 +9856,18 @@
           <a:p>
             <a:pPr algn="ctr"/>
             <a:r>
-              <a:rPr lang="fr-FR" sz="900" i="1" dirty="0">
+              <a:rPr lang="fr-FR" sz="1158" i="1" dirty="0">
                 <a:latin typeface="Gill Sans Nova" panose="020B0602020104020203" pitchFamily="34" charset="0"/>
               </a:rPr>
               <a:t>P71 </a:t>
             </a:r>
             <a:r>
-              <a:rPr lang="fr-FR" sz="900" i="1" dirty="0" err="1">
+              <a:rPr lang="fr-FR" sz="1158" i="1" dirty="0" err="1">
                 <a:latin typeface="Gill Sans Nova" panose="020B0602020104020203" pitchFamily="34" charset="0"/>
               </a:rPr>
               <a:t>lists</a:t>
             </a:r>
-            <a:endParaRPr lang="fr-FR" sz="900" i="1" dirty="0">
+            <a:endParaRPr lang="fr-FR" sz="1158" i="1" dirty="0">
               <a:latin typeface="Gill Sans Nova" panose="020B0602020104020203" pitchFamily="34" charset="0"/>
             </a:endParaRPr>
           </a:p>
@@ -9887,8 +9887,8 @@
         </p:nvSpPr>
         <p:spPr>
           <a:xfrm>
-            <a:off x="15402598" y="22000747"/>
-            <a:ext cx="1419389" cy="848718"/>
+            <a:off x="15402607" y="22000752"/>
+            <a:ext cx="1419391" cy="848713"/>
           </a:xfrm>
           <a:prstGeom prst="roundRect">
             <a:avLst/>
@@ -9922,7 +9922,7 @@
           <a:p>
             <a:pPr algn="ctr"/>
             <a:r>
-              <a:rPr lang="fr-FR" sz="900" dirty="0">
+              <a:rPr lang="fr-FR" sz="1158" dirty="0">
                 <a:solidFill>
                   <a:schemeClr val="tx1"/>
                 </a:solidFill>
@@ -9934,7 +9934,7 @@
           <a:p>
             <a:pPr algn="ctr"/>
             <a:r>
-              <a:rPr lang="fr-FR" sz="900" i="1" dirty="0">
+              <a:rPr lang="fr-FR" sz="1158" i="1" dirty="0">
                 <a:solidFill>
                   <a:schemeClr val="tx1"/>
                 </a:solidFill>
@@ -9959,8 +9959,8 @@
         </p:nvSpPr>
         <p:spPr>
           <a:xfrm>
-            <a:off x="10870436" y="27434148"/>
-            <a:ext cx="976814" cy="458657"/>
+            <a:off x="10870438" y="27434151"/>
+            <a:ext cx="976814" cy="458655"/>
           </a:xfrm>
           <a:prstGeom prst="roundRect">
             <a:avLst/>
@@ -9995,7 +9995,7 @@
           <a:p>
             <a:pPr algn="ctr"/>
             <a:r>
-              <a:rPr lang="fr-FR" sz="900" dirty="0">
+              <a:rPr lang="fr-FR" sz="1158" dirty="0">
                 <a:solidFill>
                   <a:schemeClr val="tx1"/>
                 </a:solidFill>
@@ -10020,8 +10020,8 @@
         </p:nvSpPr>
         <p:spPr>
           <a:xfrm>
-            <a:off x="10213935" y="26868591"/>
-            <a:ext cx="1324756" cy="369332"/>
+            <a:off x="10213941" y="26868593"/>
+            <a:ext cx="1324755" cy="448713"/>
           </a:xfrm>
           <a:prstGeom prst="rect">
             <a:avLst/>
@@ -10036,43 +10036,43 @@
           <a:p>
             <a:pPr algn="ctr"/>
             <a:r>
-              <a:rPr lang="fr-FR" sz="900" i="1" dirty="0">
+              <a:rPr lang="fr-FR" sz="1158" i="1" dirty="0">
                 <a:latin typeface="Gill Sans Nova" panose="020B0602020104020203" pitchFamily="34" charset="0"/>
               </a:rPr>
               <a:t>P164 </a:t>
             </a:r>
             <a:r>
-              <a:rPr lang="fr-FR" sz="900" i="1" dirty="0" err="1">
+              <a:rPr lang="fr-FR" sz="1158" i="1" dirty="0" err="1">
                 <a:latin typeface="Gill Sans Nova" panose="020B0602020104020203" pitchFamily="34" charset="0"/>
               </a:rPr>
               <a:t>is</a:t>
             </a:r>
             <a:r>
-              <a:rPr lang="fr-FR" sz="900" i="1" dirty="0">
+              <a:rPr lang="fr-FR" sz="1158" i="1" dirty="0">
                 <a:latin typeface="Gill Sans Nova" panose="020B0602020104020203" pitchFamily="34" charset="0"/>
               </a:rPr>
               <a:t> </a:t>
             </a:r>
             <a:r>
-              <a:rPr lang="fr-FR" sz="900" i="1" dirty="0" err="1">
+              <a:rPr lang="fr-FR" sz="1158" i="1" dirty="0" err="1">
                 <a:latin typeface="Gill Sans Nova" panose="020B0602020104020203" pitchFamily="34" charset="0"/>
               </a:rPr>
               <a:t>temporally</a:t>
             </a:r>
             <a:r>
-              <a:rPr lang="fr-FR" sz="900" i="1" dirty="0">
+              <a:rPr lang="fr-FR" sz="1158" i="1" dirty="0">
                 <a:latin typeface="Gill Sans Nova" panose="020B0602020104020203" pitchFamily="34" charset="0"/>
               </a:rPr>
               <a:t> </a:t>
             </a:r>
             <a:r>
-              <a:rPr lang="fr-FR" sz="900" i="1" dirty="0" err="1">
+              <a:rPr lang="fr-FR" sz="1158" i="1" dirty="0" err="1">
                 <a:latin typeface="Gill Sans Nova" panose="020B0602020104020203" pitchFamily="34" charset="0"/>
               </a:rPr>
               <a:t>specified</a:t>
             </a:r>
             <a:r>
-              <a:rPr lang="fr-FR" sz="900" i="1" dirty="0">
+              <a:rPr lang="fr-FR" sz="1158" i="1" dirty="0">
                 <a:latin typeface="Gill Sans Nova" panose="020B0602020104020203" pitchFamily="34" charset="0"/>
               </a:rPr>
               <a:t> by</a:t>
@@ -10094,8 +10094,8 @@
         </p:nvSpPr>
         <p:spPr>
           <a:xfrm>
-            <a:off x="17793770" y="20769845"/>
-            <a:ext cx="1484002" cy="246221"/>
+            <a:off x="17793773" y="20769851"/>
+            <a:ext cx="1484003" cy="270523"/>
           </a:xfrm>
           <a:prstGeom prst="rect">
             <a:avLst/>
@@ -10110,34 +10110,22 @@
           <a:p>
             <a:pPr algn="ctr"/>
             <a:r>
-              <a:rPr lang="fr-FR" sz="1000" i="1" dirty="0">
+              <a:rPr lang="fr-FR" sz="1158" i="1" dirty="0">
                 <a:latin typeface="Gill Sans Nova" panose="020B0602020104020203" pitchFamily="34" charset="0"/>
               </a:rPr>
               <a:t>P7 </a:t>
             </a:r>
             <a:r>
-              <a:rPr lang="fr-FR" sz="1000" i="1" dirty="0" err="1">
+              <a:rPr lang="fr-FR" sz="1158" i="1" dirty="0" err="1">
                 <a:latin typeface="Gill Sans Nova" panose="020B0602020104020203" pitchFamily="34" charset="0"/>
               </a:rPr>
               <a:t>took</a:t>
             </a:r>
             <a:r>
-              <a:rPr lang="fr-FR" sz="1000" i="1" dirty="0">
-                <a:latin typeface="Gill Sans Nova" panose="020B0602020104020203" pitchFamily="34" charset="0"/>
-              </a:rPr>
-              <a:t> </a:t>
-            </a:r>
-            <a:r>
-              <a:rPr lang="fr-FR" sz="900" i="1" dirty="0">
-                <a:latin typeface="Gill Sans Nova" panose="020B0602020104020203" pitchFamily="34" charset="0"/>
-              </a:rPr>
-              <a:t>place</a:t>
-            </a:r>
-            <a:r>
-              <a:rPr lang="fr-FR" sz="1000" i="1" dirty="0">
-                <a:latin typeface="Gill Sans Nova" panose="020B0602020104020203" pitchFamily="34" charset="0"/>
-              </a:rPr>
-              <a:t> at</a:t>
+              <a:rPr lang="fr-FR" sz="1158" i="1" dirty="0">
+                <a:latin typeface="Gill Sans Nova" panose="020B0602020104020203" pitchFamily="34" charset="0"/>
+              </a:rPr>
+              <a:t> place at</a:t>
             </a:r>
           </a:p>
         </p:txBody>
@@ -10156,8 +10144,8 @@
         </p:nvSpPr>
         <p:spPr>
           <a:xfrm>
-            <a:off x="15393703" y="23922616"/>
-            <a:ext cx="1419388" cy="783086"/>
+            <a:off x="15393711" y="23922616"/>
+            <a:ext cx="1419391" cy="783082"/>
           </a:xfrm>
           <a:prstGeom prst="roundRect">
             <a:avLst/>
@@ -10191,7 +10179,7 @@
           <a:p>
             <a:pPr algn="ctr"/>
             <a:r>
-              <a:rPr lang="fr-FR" sz="900" dirty="0">
+              <a:rPr lang="fr-FR" sz="1158" dirty="0">
                 <a:solidFill>
                   <a:schemeClr val="tx1"/>
                 </a:solidFill>
@@ -10203,7 +10191,7 @@
           <a:p>
             <a:pPr algn="ctr"/>
             <a:r>
-              <a:rPr lang="fr-FR" sz="900" i="1" dirty="0">
+              <a:rPr lang="fr-FR" sz="1158" i="1" dirty="0">
                 <a:solidFill>
                   <a:schemeClr val="tx1"/>
                 </a:solidFill>
@@ -10212,7 +10200,7 @@
               <a:t>(Espace géographique du « Gouvernement d’</a:t>
             </a:r>
             <a:r>
-              <a:rPr lang="fr-FR" sz="900" i="1" dirty="0" err="1">
+              <a:rPr lang="fr-FR" sz="1158" i="1" dirty="0" err="1">
                 <a:solidFill>
                   <a:schemeClr val="tx1"/>
                 </a:solidFill>
@@ -10221,7 +10209,7 @@
               <a:t>Isle-de-France</a:t>
             </a:r>
             <a:r>
-              <a:rPr lang="fr-FR" sz="900" i="1" dirty="0">
+              <a:rPr lang="fr-FR" sz="1158" i="1" dirty="0">
                 <a:solidFill>
                   <a:schemeClr val="tx1"/>
                 </a:solidFill>
@@ -10250,8 +10238,8 @@
         </p:nvCxnSpPr>
         <p:spPr>
           <a:xfrm flipV="1">
-            <a:off x="16103403" y="22849474"/>
-            <a:ext cx="8887" cy="1073145"/>
+            <a:off x="16103410" y="22849483"/>
+            <a:ext cx="8884" cy="1073141"/>
           </a:xfrm>
           <a:prstGeom prst="straightConnector1">
             <a:avLst/>
@@ -10293,8 +10281,8 @@
         </p:nvSpPr>
         <p:spPr>
           <a:xfrm>
-            <a:off x="15809174" y="23271924"/>
-            <a:ext cx="1484002" cy="230832"/>
+            <a:off x="15809183" y="23271923"/>
+            <a:ext cx="1484003" cy="270523"/>
           </a:xfrm>
           <a:prstGeom prst="rect">
             <a:avLst/>
@@ -10309,7 +10297,7 @@
           <a:p>
             <a:pPr algn="ctr"/>
             <a:r>
-              <a:rPr lang="fr-FR" sz="900" i="1" dirty="0">
+              <a:rPr lang="fr-FR" sz="1158" i="1" dirty="0">
                 <a:solidFill>
                   <a:srgbClr val="8A6868"/>
                 </a:solidFill>
@@ -10318,7 +10306,7 @@
               <a:t>P89 </a:t>
             </a:r>
             <a:r>
-              <a:rPr lang="fr-FR" sz="900" i="1" dirty="0" err="1">
+              <a:rPr lang="fr-FR" sz="1158" i="1" dirty="0" err="1">
                 <a:solidFill>
                   <a:srgbClr val="8A6868"/>
                 </a:solidFill>
@@ -10327,7 +10315,7 @@
               <a:t>falls</a:t>
             </a:r>
             <a:r>
-              <a:rPr lang="fr-FR" sz="900" i="1" dirty="0">
+              <a:rPr lang="fr-FR" sz="1158" i="1" dirty="0">
                 <a:solidFill>
                   <a:srgbClr val="8A6868"/>
                 </a:solidFill>
@@ -10336,7 +10324,7 @@
               <a:t> </a:t>
             </a:r>
             <a:r>
-              <a:rPr lang="fr-FR" sz="900" i="1" dirty="0" err="1">
+              <a:rPr lang="fr-FR" sz="1158" i="1" dirty="0" err="1">
                 <a:solidFill>
                   <a:srgbClr val="8A6868"/>
                 </a:solidFill>
@@ -10344,7 +10332,7 @@
               </a:rPr>
               <a:t>within</a:t>
             </a:r>
-            <a:endParaRPr lang="fr-FR" sz="900" i="1" dirty="0">
+            <a:endParaRPr lang="fr-FR" sz="1158" i="1" dirty="0">
               <a:solidFill>
                 <a:srgbClr val="8A6868"/>
               </a:solidFill>
@@ -10367,8 +10355,8 @@
         </p:nvSpPr>
         <p:spPr>
           <a:xfrm>
-            <a:off x="15478149" y="25895314"/>
-            <a:ext cx="1250498" cy="887499"/>
+            <a:off x="15478146" y="25895324"/>
+            <a:ext cx="1250494" cy="887495"/>
           </a:xfrm>
           <a:prstGeom prst="roundRect">
             <a:avLst/>
@@ -10402,7 +10390,7 @@
           <a:p>
             <a:pPr algn="ctr"/>
             <a:r>
-              <a:rPr lang="fr-FR" sz="900" dirty="0">
+              <a:rPr lang="fr-FR" sz="1158" dirty="0">
                 <a:solidFill>
                   <a:schemeClr val="tx1"/>
                 </a:solidFill>
@@ -10414,7 +10402,7 @@
           <a:p>
             <a:pPr algn="ctr"/>
             <a:r>
-              <a:rPr lang="fr-FR" sz="900" i="1" dirty="0">
+              <a:rPr lang="fr-FR" sz="1158" i="1" dirty="0">
                 <a:solidFill>
                   <a:schemeClr val="tx1"/>
                 </a:solidFill>
@@ -10423,7 +10411,7 @@
               <a:t>(Espace </a:t>
             </a:r>
             <a:r>
-              <a:rPr lang="fr-FR" sz="900" i="1" dirty="0" err="1">
+              <a:rPr lang="fr-FR" sz="1158" i="1" dirty="0" err="1">
                 <a:solidFill>
                   <a:schemeClr val="tx1"/>
                 </a:solidFill>
@@ -10432,7 +10420,7 @@
               <a:t>géographqiue</a:t>
             </a:r>
             <a:r>
-              <a:rPr lang="fr-FR" sz="900" i="1" dirty="0">
+              <a:rPr lang="fr-FR" sz="1158" i="1" dirty="0">
                 <a:solidFill>
                   <a:schemeClr val="tx1"/>
                 </a:solidFill>
@@ -10461,8 +10449,8 @@
         </p:nvCxnSpPr>
         <p:spPr>
           <a:xfrm flipV="1">
-            <a:off x="16103397" y="24705706"/>
-            <a:ext cx="0" cy="1189609"/>
+            <a:off x="16103393" y="24705710"/>
+            <a:ext cx="0" cy="1189612"/>
           </a:xfrm>
           <a:prstGeom prst="straightConnector1">
             <a:avLst/>
@@ -10504,8 +10492,8 @@
         </p:nvSpPr>
         <p:spPr>
           <a:xfrm>
-            <a:off x="15809174" y="25209256"/>
-            <a:ext cx="1484002" cy="230832"/>
+            <a:off x="15809183" y="25209253"/>
+            <a:ext cx="1484003" cy="270523"/>
           </a:xfrm>
           <a:prstGeom prst="rect">
             <a:avLst/>
@@ -10520,7 +10508,7 @@
           <a:p>
             <a:pPr algn="ctr"/>
             <a:r>
-              <a:rPr lang="fr-FR" sz="900" i="1" dirty="0">
+              <a:rPr lang="fr-FR" sz="1158" i="1" dirty="0">
                 <a:solidFill>
                   <a:srgbClr val="8A6868"/>
                 </a:solidFill>
@@ -10529,7 +10517,7 @@
               <a:t>P89 </a:t>
             </a:r>
             <a:r>
-              <a:rPr lang="fr-FR" sz="900" i="1" dirty="0" err="1">
+              <a:rPr lang="fr-FR" sz="1158" i="1" dirty="0" err="1">
                 <a:solidFill>
                   <a:srgbClr val="8A6868"/>
                 </a:solidFill>
@@ -10538,7 +10526,7 @@
               <a:t>falls</a:t>
             </a:r>
             <a:r>
-              <a:rPr lang="fr-FR" sz="900" i="1" dirty="0">
+              <a:rPr lang="fr-FR" sz="1158" i="1" dirty="0">
                 <a:solidFill>
                   <a:srgbClr val="8A6868"/>
                 </a:solidFill>
@@ -10547,7 +10535,7 @@
               <a:t> </a:t>
             </a:r>
             <a:r>
-              <a:rPr lang="fr-FR" sz="900" i="1" dirty="0" err="1">
+              <a:rPr lang="fr-FR" sz="1158" i="1" dirty="0" err="1">
                 <a:solidFill>
                   <a:srgbClr val="8A6868"/>
                 </a:solidFill>
@@ -10555,7 +10543,7 @@
               </a:rPr>
               <a:t>within</a:t>
             </a:r>
-            <a:endParaRPr lang="fr-FR" sz="900" i="1" dirty="0">
+            <a:endParaRPr lang="fr-FR" sz="1158" i="1" dirty="0">
               <a:solidFill>
                 <a:srgbClr val="8A6868"/>
               </a:solidFill>
@@ -10578,8 +10566,8 @@
         </p:nvSpPr>
         <p:spPr>
           <a:xfrm>
-            <a:off x="6945803" y="24739129"/>
-            <a:ext cx="1062750" cy="636759"/>
+            <a:off x="6945803" y="24739130"/>
+            <a:ext cx="1062751" cy="636761"/>
           </a:xfrm>
           <a:prstGeom prst="roundRect">
             <a:avLst/>
@@ -10611,7 +10599,7 @@
           <a:p>
             <a:pPr algn="ctr"/>
             <a:r>
-              <a:rPr lang="fr-FR" sz="900" dirty="0">
+              <a:rPr lang="fr-FR" sz="1158" dirty="0">
                 <a:solidFill>
                   <a:schemeClr val="bg1"/>
                 </a:solidFill>
@@ -10620,7 +10608,7 @@
               <a:t>E93 </a:t>
             </a:r>
             <a:r>
-              <a:rPr lang="fr-FR" sz="900" dirty="0" err="1">
+              <a:rPr lang="fr-FR" sz="1158" dirty="0" err="1">
                 <a:solidFill>
                   <a:schemeClr val="bg1"/>
                 </a:solidFill>
@@ -10628,7 +10616,7 @@
               </a:rPr>
               <a:t>Presence</a:t>
             </a:r>
-            <a:endParaRPr lang="fr-FR" sz="900" dirty="0">
+            <a:endParaRPr lang="fr-FR" sz="1158" dirty="0">
               <a:solidFill>
                 <a:schemeClr val="bg1"/>
               </a:solidFill>
@@ -10638,7 +10626,7 @@
           <a:p>
             <a:pPr algn="ctr"/>
             <a:r>
-              <a:rPr lang="fr-FR" sz="900" i="1" dirty="0">
+              <a:rPr lang="fr-FR" sz="1158" i="1" dirty="0">
                 <a:solidFill>
                   <a:schemeClr val="bg1"/>
                 </a:solidFill>
@@ -10667,8 +10655,8 @@
         </p:nvCxnSpPr>
         <p:spPr>
           <a:xfrm rot="5400000" flipH="1" flipV="1">
-            <a:off x="12217146" y="21546779"/>
-            <a:ext cx="2307118" cy="4063776"/>
+            <a:off x="12217157" y="21546780"/>
+            <a:ext cx="2307117" cy="4063782"/>
           </a:xfrm>
           <a:prstGeom prst="curvedConnector2">
             <a:avLst/>
@@ -10710,8 +10698,8 @@
         </p:nvSpPr>
         <p:spPr>
           <a:xfrm>
-            <a:off x="11743272" y="22921802"/>
-            <a:ext cx="1242988" cy="369332"/>
+            <a:off x="11743274" y="22921804"/>
+            <a:ext cx="1242988" cy="448713"/>
           </a:xfrm>
           <a:prstGeom prst="rect">
             <a:avLst/>
@@ -10725,7 +10713,7 @@
           <a:lstStyle/>
           <a:p>
             <a:r>
-              <a:rPr lang="fr-FR" sz="900" i="1" dirty="0">
+              <a:rPr lang="fr-FR" sz="1158" i="1" dirty="0">
                 <a:solidFill>
                   <a:srgbClr val="8A6868"/>
                 </a:solidFill>
@@ -10750,8 +10738,8 @@
         </p:nvSpPr>
         <p:spPr>
           <a:xfrm>
-            <a:off x="12602432" y="27274245"/>
-            <a:ext cx="1125126" cy="790960"/>
+            <a:off x="12602443" y="27274243"/>
+            <a:ext cx="1125127" cy="790959"/>
           </a:xfrm>
           <a:prstGeom prst="roundRect">
             <a:avLst/>
@@ -10785,7 +10773,7 @@
           <a:p>
             <a:pPr algn="ctr"/>
             <a:r>
-              <a:rPr lang="fr-FR" sz="900" dirty="0">
+              <a:rPr lang="fr-FR" sz="1158" dirty="0">
                 <a:solidFill>
                   <a:schemeClr val="tx1"/>
                 </a:solidFill>
@@ -10797,7 +10785,7 @@
           <a:p>
             <a:pPr algn="ctr"/>
             <a:r>
-              <a:rPr lang="fr-FR" sz="900" i="1" dirty="0">
+              <a:rPr lang="fr-FR" sz="1158" i="1" dirty="0">
                 <a:solidFill>
                   <a:schemeClr val="tx1"/>
                 </a:solidFill>
@@ -10826,8 +10814,8 @@
         </p:nvCxnSpPr>
         <p:spPr>
           <a:xfrm rot="16200000" flipH="1">
-            <a:off x="11299280" y="25408529"/>
-            <a:ext cx="1905259" cy="1826177"/>
+            <a:off x="11299283" y="25408537"/>
+            <a:ext cx="1905256" cy="1826176"/>
           </a:xfrm>
           <a:prstGeom prst="curvedConnector3">
             <a:avLst>
@@ -10871,8 +10859,8 @@
         </p:nvSpPr>
         <p:spPr>
           <a:xfrm>
-            <a:off x="11718459" y="25830797"/>
-            <a:ext cx="1045625" cy="369332"/>
+            <a:off x="11718464" y="25830793"/>
+            <a:ext cx="1045631" cy="626903"/>
           </a:xfrm>
           <a:prstGeom prst="rect">
             <a:avLst/>
@@ -10887,7 +10875,7 @@
           <a:p>
             <a:pPr algn="ctr"/>
             <a:r>
-              <a:rPr lang="fr-FR" sz="900" i="1" dirty="0">
+              <a:rPr lang="fr-FR" sz="1158" i="1" dirty="0">
                 <a:solidFill>
                   <a:srgbClr val="8A6868"/>
                 </a:solidFill>
@@ -10912,8 +10900,8 @@
         </p:nvSpPr>
         <p:spPr>
           <a:xfrm>
-            <a:off x="9617365" y="31079027"/>
-            <a:ext cx="1328682" cy="856483"/>
+            <a:off x="9617366" y="31079036"/>
+            <a:ext cx="1328682" cy="856486"/>
           </a:xfrm>
           <a:prstGeom prst="roundRect">
             <a:avLst/>
@@ -10945,7 +10933,7 @@
           <a:p>
             <a:pPr algn="ctr"/>
             <a:r>
-              <a:rPr lang="fr-FR" sz="900" dirty="0">
+              <a:rPr lang="fr-FR" sz="1158" dirty="0">
                 <a:solidFill>
                   <a:schemeClr val="bg1"/>
                 </a:solidFill>
@@ -10954,7 +10942,7 @@
               <a:t>E32 </a:t>
             </a:r>
             <a:r>
-              <a:rPr lang="fr-FR" sz="900" dirty="0" err="1">
+              <a:rPr lang="fr-FR" sz="1158" dirty="0" err="1">
                 <a:solidFill>
                   <a:schemeClr val="bg1"/>
                 </a:solidFill>
@@ -10963,7 +10951,7 @@
               <a:t>Authority</a:t>
             </a:r>
             <a:r>
-              <a:rPr lang="fr-FR" sz="900" dirty="0">
+              <a:rPr lang="fr-FR" sz="1158" dirty="0">
                 <a:solidFill>
                   <a:schemeClr val="bg1"/>
                 </a:solidFill>
@@ -10975,7 +10963,7 @@
           <a:p>
             <a:pPr algn="ctr"/>
             <a:r>
-              <a:rPr lang="fr-FR" sz="900" dirty="0">
+              <a:rPr lang="fr-FR" sz="1158" dirty="0">
                 <a:solidFill>
                   <a:schemeClr val="bg1"/>
                 </a:solidFill>
@@ -10984,7 +10972,7 @@
               <a:t>(« </a:t>
             </a:r>
             <a:r>
-              <a:rPr lang="fr-FR" sz="900" i="1" dirty="0">
+              <a:rPr lang="fr-FR" sz="1158" i="1" dirty="0">
                 <a:solidFill>
                   <a:schemeClr val="bg1"/>
                 </a:solidFill>
@@ -10992,7 +10980,7 @@
               </a:rPr>
               <a:t>Lieux »)</a:t>
             </a:r>
-            <a:endParaRPr lang="fr-FR" sz="900" dirty="0">
+            <a:endParaRPr lang="fr-FR" sz="1158" dirty="0">
               <a:solidFill>
                 <a:schemeClr val="bg1"/>
               </a:solidFill>
@@ -11015,8 +11003,8 @@
         </p:nvSpPr>
         <p:spPr>
           <a:xfrm>
-            <a:off x="16536243" y="31133400"/>
-            <a:ext cx="1484002" cy="276999"/>
+            <a:off x="16536248" y="31133402"/>
+            <a:ext cx="1484003" cy="277768"/>
           </a:xfrm>
           <a:prstGeom prst="rect">
             <a:avLst/>
@@ -11031,18 +11019,18 @@
           <a:p>
             <a:pPr algn="ctr"/>
             <a:r>
-              <a:rPr lang="fr-FR" sz="1200" i="1" dirty="0">
+              <a:rPr lang="fr-FR" sz="1205" i="1" dirty="0">
                 <a:latin typeface="Gill Sans Nova" panose="020B0602020104020203" pitchFamily="34" charset="0"/>
               </a:rPr>
               <a:t>P71 </a:t>
             </a:r>
             <a:r>
-              <a:rPr lang="fr-FR" sz="1200" i="1" dirty="0" err="1">
+              <a:rPr lang="fr-FR" sz="1205" i="1" dirty="0" err="1">
                 <a:latin typeface="Gill Sans Nova" panose="020B0602020104020203" pitchFamily="34" charset="0"/>
               </a:rPr>
               <a:t>lists</a:t>
             </a:r>
-            <a:endParaRPr lang="fr-FR" sz="1200" i="1" dirty="0">
+            <a:endParaRPr lang="fr-FR" sz="1205" i="1" dirty="0">
               <a:latin typeface="Gill Sans Nova" panose="020B0602020104020203" pitchFamily="34" charset="0"/>
             </a:endParaRPr>
           </a:p>
@@ -11062,8 +11050,8 @@
         </p:nvSpPr>
         <p:spPr>
           <a:xfrm flipH="1">
-            <a:off x="4328576" y="24488147"/>
-            <a:ext cx="387168" cy="1053050"/>
+            <a:off x="4328576" y="24488145"/>
+            <a:ext cx="387163" cy="1053056"/>
           </a:xfrm>
           <a:prstGeom prst="rightBrace">
             <a:avLst>
@@ -11091,7 +11079,7 @@
           <a:lstStyle/>
           <a:p>
             <a:pPr algn="ctr"/>
-            <a:endParaRPr lang="fr-FR"/>
+            <a:endParaRPr lang="fr-FR" sz="1795"/>
           </a:p>
         </p:txBody>
       </p:sp>
@@ -11109,8 +11097,8 @@
         </p:nvSpPr>
         <p:spPr>
           <a:xfrm>
-            <a:off x="9855051" y="19786001"/>
-            <a:ext cx="3281579" cy="757130"/>
+            <a:off x="9855051" y="19786000"/>
+            <a:ext cx="3281580" cy="755591"/>
           </a:xfrm>
           <a:prstGeom prst="rect">
             <a:avLst/>
@@ -11125,7 +11113,7 @@
           <a:p>
             <a:pPr algn="ctr"/>
             <a:r>
-              <a:rPr lang="fr-FR" sz="2160" dirty="0">
+              <a:rPr lang="fr-FR" sz="2155" dirty="0">
                 <a:latin typeface="Gill Sans Nova" panose="020B0602020104020203" pitchFamily="34" charset="0"/>
               </a:rPr>
               <a:t>EDITEUR DE THESAURUS</a:t>
@@ -11134,7 +11122,7 @@
           <a:p>
             <a:pPr algn="ctr"/>
             <a:r>
-              <a:rPr lang="fr-FR" sz="2160" i="1" dirty="0">
+              <a:rPr lang="fr-FR" sz="2155" i="1" dirty="0">
                 <a:latin typeface="Gill Sans Nova" panose="020B0602020104020203" pitchFamily="34" charset="0"/>
               </a:rPr>
               <a:t>LIEUX</a:t>
@@ -11156,8 +11144,8 @@
         </p:nvSpPr>
         <p:spPr>
           <a:xfrm>
-            <a:off x="8971464" y="15690079"/>
-            <a:ext cx="1484002" cy="230832"/>
+            <a:off x="8971474" y="15690081"/>
+            <a:ext cx="1484003" cy="270523"/>
           </a:xfrm>
           <a:prstGeom prst="rect">
             <a:avLst/>
@@ -11172,12 +11160,12 @@
           <a:p>
             <a:pPr algn="ctr"/>
             <a:r>
-              <a:rPr lang="fr-FR" sz="900" i="1" dirty="0" err="1">
+              <a:rPr lang="fr-FR" sz="1158" i="1" dirty="0" err="1">
                 <a:latin typeface="Gill Sans Nova" panose="020B0602020104020203" pitchFamily="34" charset="0"/>
               </a:rPr>
               <a:t>rdfs:label</a:t>
             </a:r>
-            <a:endParaRPr lang="fr-FR" sz="900" i="1" dirty="0">
+            <a:endParaRPr lang="fr-FR" sz="1158" i="1" dirty="0">
               <a:latin typeface="Gill Sans Nova" panose="020B0602020104020203" pitchFamily="34" charset="0"/>
             </a:endParaRPr>
           </a:p>
@@ -11197,8 +11185,8 @@
         </p:nvSpPr>
         <p:spPr>
           <a:xfrm>
-            <a:off x="15184281" y="17062110"/>
-            <a:ext cx="1484002" cy="230832"/>
+            <a:off x="15184283" y="17062119"/>
+            <a:ext cx="1484003" cy="270523"/>
           </a:xfrm>
           <a:prstGeom prst="rect">
             <a:avLst/>
@@ -11213,12 +11201,12 @@
           <a:p>
             <a:pPr algn="ctr"/>
             <a:r>
-              <a:rPr lang="fr-FR" sz="900" i="1" dirty="0" err="1">
+              <a:rPr lang="fr-FR" sz="1158" i="1" dirty="0" err="1">
                 <a:latin typeface="Gill Sans Nova" panose="020B0602020104020203" pitchFamily="34" charset="0"/>
               </a:rPr>
               <a:t>rdfs:label</a:t>
             </a:r>
-            <a:endParaRPr lang="fr-FR" sz="900" i="1" dirty="0">
+            <a:endParaRPr lang="fr-FR" sz="1158" i="1" dirty="0">
               <a:latin typeface="Gill Sans Nova" panose="020B0602020104020203" pitchFamily="34" charset="0"/>
             </a:endParaRPr>
           </a:p>
@@ -11238,8 +11226,8 @@
         </p:nvSpPr>
         <p:spPr>
           <a:xfrm>
-            <a:off x="21515119" y="25961949"/>
-            <a:ext cx="1484002" cy="230832"/>
+            <a:off x="21515127" y="25961957"/>
+            <a:ext cx="1484003" cy="270523"/>
           </a:xfrm>
           <a:prstGeom prst="rect">
             <a:avLst/>
@@ -11254,12 +11242,12 @@
           <a:p>
             <a:pPr algn="ctr"/>
             <a:r>
-              <a:rPr lang="fr-FR" sz="900" i="1" dirty="0" err="1">
+              <a:rPr lang="fr-FR" sz="1158" i="1" dirty="0" err="1">
                 <a:latin typeface="Gill Sans Nova" panose="020B0602020104020203" pitchFamily="34" charset="0"/>
               </a:rPr>
               <a:t>rdfs:label</a:t>
             </a:r>
-            <a:endParaRPr lang="fr-FR" sz="900" i="1" dirty="0">
+            <a:endParaRPr lang="fr-FR" sz="1158" i="1" dirty="0">
               <a:latin typeface="Gill Sans Nova" panose="020B0602020104020203" pitchFamily="34" charset="0"/>
             </a:endParaRPr>
           </a:p>
@@ -11279,8 +11267,8 @@
         </p:nvSpPr>
         <p:spPr>
           <a:xfrm>
-            <a:off x="26349953" y="20596775"/>
-            <a:ext cx="976814" cy="458657"/>
+            <a:off x="26349954" y="20596778"/>
+            <a:ext cx="976814" cy="458655"/>
           </a:xfrm>
           <a:prstGeom prst="roundRect">
             <a:avLst/>
@@ -11315,7 +11303,7 @@
           <a:p>
             <a:pPr algn="ctr"/>
             <a:r>
-              <a:rPr lang="fr-FR" sz="900" dirty="0">
+              <a:rPr lang="fr-FR" sz="1158" dirty="0">
                 <a:solidFill>
                   <a:schemeClr val="tx1"/>
                 </a:solidFill>
@@ -11344,8 +11332,8 @@
         </p:nvCxnSpPr>
         <p:spPr>
           <a:xfrm>
-            <a:off x="25680222" y="20826096"/>
-            <a:ext cx="669732" cy="0"/>
+            <a:off x="25680223" y="20826092"/>
+            <a:ext cx="669727" cy="0"/>
           </a:xfrm>
           <a:prstGeom prst="straightConnector1">
             <a:avLst/>
@@ -11383,8 +11371,8 @@
         </p:nvSpPr>
         <p:spPr>
           <a:xfrm>
-            <a:off x="25243383" y="20870301"/>
-            <a:ext cx="1484002" cy="230832"/>
+            <a:off x="25243385" y="20870302"/>
+            <a:ext cx="1484003" cy="270523"/>
           </a:xfrm>
           <a:prstGeom prst="rect">
             <a:avLst/>
@@ -11399,7 +11387,7 @@
           <a:p>
             <a:pPr algn="ctr"/>
             <a:r>
-              <a:rPr lang="fr-FR" sz="900" i="1" dirty="0">
+              <a:rPr lang="fr-FR" sz="1158" i="1" dirty="0">
                 <a:latin typeface="Gill Sans Nova" panose="020B0602020104020203" pitchFamily="34" charset="0"/>
               </a:rPr>
               <a:t>P4</a:t>
@@ -11421,8 +11409,8 @@
         </p:nvSpPr>
         <p:spPr>
           <a:xfrm>
-            <a:off x="9260582" y="24811902"/>
-            <a:ext cx="1045261" cy="450347"/>
+            <a:off x="9260587" y="24811912"/>
+            <a:ext cx="1045260" cy="450350"/>
           </a:xfrm>
           <a:prstGeom prst="roundRect">
             <a:avLst/>
@@ -11454,7 +11442,7 @@
           <a:p>
             <a:pPr algn="ctr"/>
             <a:r>
-              <a:rPr lang="fr-FR" sz="900" dirty="0">
+              <a:rPr lang="fr-FR" sz="1158" dirty="0">
                 <a:solidFill>
                   <a:schemeClr val="tx1"/>
                 </a:solidFill>
@@ -11483,8 +11471,8 @@
         </p:nvCxnSpPr>
         <p:spPr>
           <a:xfrm flipH="1" flipV="1">
-            <a:off x="10305838" y="25037074"/>
-            <a:ext cx="501604" cy="13532"/>
+            <a:off x="10305836" y="25037078"/>
+            <a:ext cx="501606" cy="13529"/>
           </a:xfrm>
           <a:prstGeom prst="straightConnector1">
             <a:avLst/>
@@ -11522,8 +11510,8 @@
         </p:nvSpPr>
         <p:spPr>
           <a:xfrm>
-            <a:off x="21111284" y="24173162"/>
-            <a:ext cx="1062749" cy="575143"/>
+            <a:off x="21111290" y="24173167"/>
+            <a:ext cx="1062751" cy="575137"/>
           </a:xfrm>
           <a:prstGeom prst="roundRect">
             <a:avLst/>
@@ -11555,7 +11543,7 @@
           <a:p>
             <a:pPr algn="ctr"/>
             <a:r>
-              <a:rPr lang="fr-FR" sz="900" dirty="0">
+              <a:rPr lang="fr-FR" sz="1158" dirty="0">
                 <a:solidFill>
                   <a:schemeClr val="tx1"/>
                 </a:solidFill>
@@ -11564,7 +11552,7 @@
               <a:t>E69 </a:t>
             </a:r>
             <a:r>
-              <a:rPr lang="fr-FR" sz="900" dirty="0" err="1">
+              <a:rPr lang="fr-FR" sz="1158" dirty="0" err="1">
                 <a:solidFill>
                   <a:schemeClr val="tx1"/>
                 </a:solidFill>
@@ -11572,7 +11560,7 @@
               </a:rPr>
               <a:t>Death</a:t>
             </a:r>
-            <a:endParaRPr lang="fr-FR" sz="900" dirty="0">
+            <a:endParaRPr lang="fr-FR" sz="1158" dirty="0">
               <a:solidFill>
                 <a:schemeClr val="tx1"/>
               </a:solidFill>
@@ -11598,8 +11586,8 @@
         </p:nvCxnSpPr>
         <p:spPr>
           <a:xfrm flipH="1">
-            <a:off x="20901734" y="22596759"/>
-            <a:ext cx="3035516" cy="1244325"/>
+            <a:off x="20901734" y="22596767"/>
+            <a:ext cx="3035514" cy="1244320"/>
           </a:xfrm>
           <a:prstGeom prst="straightConnector1">
             <a:avLst/>
@@ -11640,8 +11628,8 @@
         </p:nvCxnSpPr>
         <p:spPr>
           <a:xfrm flipH="1">
-            <a:off x="21642659" y="22596753"/>
-            <a:ext cx="2294597" cy="1576402"/>
+            <a:off x="21642664" y="22596749"/>
+            <a:ext cx="2294596" cy="1576404"/>
           </a:xfrm>
           <a:prstGeom prst="straightConnector1">
             <a:avLst/>
@@ -11679,8 +11667,8 @@
         </p:nvSpPr>
         <p:spPr>
           <a:xfrm>
-            <a:off x="21257845" y="23586327"/>
-            <a:ext cx="1484002" cy="230832"/>
+            <a:off x="21257849" y="23586330"/>
+            <a:ext cx="1484003" cy="270523"/>
           </a:xfrm>
           <a:prstGeom prst="rect">
             <a:avLst/>
@@ -11695,7 +11683,7 @@
           <a:p>
             <a:pPr algn="ctr"/>
             <a:r>
-              <a:rPr lang="fr-FR" sz="900" i="1" dirty="0">
+              <a:rPr lang="fr-FR" sz="1158" i="1" dirty="0">
                 <a:latin typeface="Gill Sans Nova" panose="020B0602020104020203" pitchFamily="34" charset="0"/>
               </a:rPr>
               <a:t>P100</a:t>
@@ -11717,8 +11705,8 @@
         </p:nvSpPr>
         <p:spPr>
           <a:xfrm>
-            <a:off x="24770997" y="19655153"/>
-            <a:ext cx="960209" cy="437616"/>
+            <a:off x="24771004" y="19655153"/>
+            <a:ext cx="960203" cy="437620"/>
           </a:xfrm>
           <a:prstGeom prst="roundRect">
             <a:avLst/>
@@ -11750,7 +11738,7 @@
           <a:p>
             <a:pPr algn="ctr"/>
             <a:r>
-              <a:rPr lang="fr-FR" sz="900" dirty="0">
+              <a:rPr lang="fr-FR" sz="1158" dirty="0">
                 <a:solidFill>
                   <a:schemeClr val="tx1"/>
                 </a:solidFill>
@@ -11762,7 +11750,7 @@
           <a:p>
             <a:pPr algn="ctr"/>
             <a:r>
-              <a:rPr lang="fr-FR" sz="900" i="1" dirty="0">
+              <a:rPr lang="fr-FR" sz="1158" i="1" dirty="0">
                 <a:solidFill>
                   <a:schemeClr val="tx1"/>
                 </a:solidFill>
@@ -11791,8 +11779,8 @@
         </p:nvCxnSpPr>
         <p:spPr>
           <a:xfrm flipV="1">
-            <a:off x="25251102" y="20092776"/>
-            <a:ext cx="1" cy="512655"/>
+            <a:off x="25251103" y="20092774"/>
+            <a:ext cx="0" cy="512657"/>
           </a:xfrm>
           <a:prstGeom prst="straightConnector1">
             <a:avLst/>
@@ -11830,8 +11818,8 @@
         </p:nvSpPr>
         <p:spPr>
           <a:xfrm>
-            <a:off x="25186635" y="20259177"/>
-            <a:ext cx="584723" cy="230832"/>
+            <a:off x="25186630" y="20259187"/>
+            <a:ext cx="584728" cy="270523"/>
           </a:xfrm>
           <a:prstGeom prst="rect">
             <a:avLst/>
@@ -11846,12 +11834,12 @@
           <a:p>
             <a:pPr algn="ctr"/>
             <a:r>
-              <a:rPr lang="fr-FR" sz="900" i="1">
+              <a:rPr lang="fr-FR" sz="1158" i="1">
                 <a:latin typeface="Gill Sans Nova" panose="020B0602020104020203" pitchFamily="34" charset="0"/>
               </a:rPr>
               <a:t>P2</a:t>
             </a:r>
-            <a:endParaRPr lang="fr-FR" sz="900" i="1" dirty="0">
+            <a:endParaRPr lang="fr-FR" sz="1158" i="1" dirty="0">
               <a:latin typeface="Gill Sans Nova" panose="020B0602020104020203" pitchFamily="34" charset="0"/>
             </a:endParaRPr>
           </a:p>
@@ -11875,8 +11863,8 @@
         </p:nvCxnSpPr>
         <p:spPr>
           <a:xfrm rot="16200000" flipH="1">
-            <a:off x="29620864" y="7246221"/>
-            <a:ext cx="4618612" cy="2299388"/>
+            <a:off x="29620862" y="7246216"/>
+            <a:ext cx="4618613" cy="2299391"/>
           </a:xfrm>
           <a:prstGeom prst="curvedConnector3">
             <a:avLst>
@@ -11922,8 +11910,8 @@
         </p:nvSpPr>
         <p:spPr>
           <a:xfrm>
-            <a:off x="31832525" y="8268101"/>
-            <a:ext cx="1052047" cy="230832"/>
+            <a:off x="31832530" y="8268107"/>
+            <a:ext cx="1052048" cy="448713"/>
           </a:xfrm>
           <a:prstGeom prst="rect">
             <a:avLst/>
@@ -11938,7 +11926,7 @@
           <a:p>
             <a:pPr algn="ctr"/>
             <a:r>
-              <a:rPr lang="fr-FR" sz="900" i="1" dirty="0">
+              <a:rPr lang="fr-FR" sz="1158" i="1" dirty="0">
                 <a:solidFill>
                   <a:schemeClr val="bg2">
                     <a:lumMod val="50000"/>
@@ -11949,7 +11937,7 @@
               <a:t>R10 has </a:t>
             </a:r>
             <a:r>
-              <a:rPr lang="fr-FR" sz="900" i="1" dirty="0" err="1">
+              <a:rPr lang="fr-FR" sz="1158" i="1" dirty="0" err="1">
                 <a:solidFill>
                   <a:schemeClr val="bg2">
                     <a:lumMod val="50000"/>
@@ -11959,7 +11947,7 @@
               </a:rPr>
               <a:t>member</a:t>
             </a:r>
-            <a:endParaRPr lang="fr-FR" sz="900" i="1" dirty="0">
+            <a:endParaRPr lang="fr-FR" sz="1158" i="1" dirty="0">
               <a:solidFill>
                 <a:schemeClr val="bg2">
                   <a:lumMod val="50000"/>
@@ -11987,8 +11975,8 @@
         </p:nvCxnSpPr>
         <p:spPr>
           <a:xfrm rot="5400000">
-            <a:off x="11069896" y="14830857"/>
-            <a:ext cx="1081142" cy="1174161"/>
+            <a:off x="11069900" y="14830853"/>
+            <a:ext cx="1081145" cy="1174160"/>
           </a:xfrm>
           <a:prstGeom prst="curvedConnector2">
             <a:avLst/>
@@ -12030,8 +12018,8 @@
         </p:nvCxnSpPr>
         <p:spPr>
           <a:xfrm rot="16200000" flipH="1">
-            <a:off x="13754766" y="13946038"/>
-            <a:ext cx="1492171" cy="431334"/>
+            <a:off x="13754772" y="13946040"/>
+            <a:ext cx="1492170" cy="431330"/>
           </a:xfrm>
           <a:prstGeom prst="curvedConnector3">
             <a:avLst>
@@ -12071,8 +12059,8 @@
         </p:nvSpPr>
         <p:spPr>
           <a:xfrm>
-            <a:off x="19712598" y="21782449"/>
-            <a:ext cx="1484002" cy="507831"/>
+            <a:off x="19712605" y="21782456"/>
+            <a:ext cx="1484003" cy="805092"/>
           </a:xfrm>
           <a:prstGeom prst="rect">
             <a:avLst/>
@@ -12087,7 +12075,7 @@
           <a:p>
             <a:pPr algn="ctr"/>
             <a:r>
-              <a:rPr lang="fr-FR" sz="900" b="1" i="1" dirty="0">
+              <a:rPr lang="fr-FR" sz="1158" b="1" i="1" dirty="0">
                 <a:solidFill>
                   <a:schemeClr val="bg1">
                     <a:lumMod val="65000"/>
@@ -12114,8 +12102,8 @@
         </p:nvSpPr>
         <p:spPr>
           <a:xfrm>
-            <a:off x="27513716" y="22286213"/>
-            <a:ext cx="918802" cy="289895"/>
+            <a:off x="27513723" y="22286218"/>
+            <a:ext cx="918804" cy="289897"/>
           </a:xfrm>
           <a:prstGeom prst="roundRect">
             <a:avLst/>
@@ -12147,7 +12135,7 @@
           <a:p>
             <a:pPr algn="ctr"/>
             <a:r>
-              <a:rPr lang="fr-FR" sz="900" dirty="0">
+              <a:rPr lang="fr-FR" sz="1158" dirty="0">
                 <a:solidFill>
                   <a:schemeClr val="bg1"/>
                 </a:solidFill>
@@ -12156,7 +12144,7 @@
               <a:t>E85 </a:t>
             </a:r>
             <a:r>
-              <a:rPr lang="fr-FR" sz="900" dirty="0" err="1">
+              <a:rPr lang="fr-FR" sz="1158" dirty="0" err="1">
                 <a:solidFill>
                   <a:schemeClr val="bg1"/>
                 </a:solidFill>
@@ -12164,7 +12152,7 @@
               </a:rPr>
               <a:t>Joining</a:t>
             </a:r>
-            <a:endParaRPr lang="fr-FR" sz="900" i="1" dirty="0">
+            <a:endParaRPr lang="fr-FR" sz="1158" i="1" dirty="0">
               <a:solidFill>
                 <a:schemeClr val="bg1"/>
               </a:solidFill>
@@ -12187,8 +12175,8 @@
         </p:nvSpPr>
         <p:spPr>
           <a:xfrm>
-            <a:off x="27522347" y="22957022"/>
-            <a:ext cx="918802" cy="289895"/>
+            <a:off x="27522353" y="22957034"/>
+            <a:ext cx="918804" cy="289897"/>
           </a:xfrm>
           <a:prstGeom prst="roundRect">
             <a:avLst/>
@@ -12220,7 +12208,7 @@
           <a:p>
             <a:pPr algn="ctr"/>
             <a:r>
-              <a:rPr lang="fr-FR" sz="900" dirty="0">
+              <a:rPr lang="fr-FR" sz="1158" dirty="0">
                 <a:solidFill>
                   <a:schemeClr val="bg1"/>
                 </a:solidFill>
@@ -12229,7 +12217,7 @@
               <a:t>E86 </a:t>
             </a:r>
             <a:r>
-              <a:rPr lang="fr-FR" sz="900" dirty="0" err="1">
+              <a:rPr lang="fr-FR" sz="1158" dirty="0" err="1">
                 <a:solidFill>
                   <a:schemeClr val="bg1"/>
                 </a:solidFill>
@@ -12237,7 +12225,7 @@
               </a:rPr>
               <a:t>Leaving</a:t>
             </a:r>
-            <a:endParaRPr lang="fr-FR" sz="900" i="1" dirty="0">
+            <a:endParaRPr lang="fr-FR" sz="1158" i="1" dirty="0">
               <a:solidFill>
                 <a:schemeClr val="bg1"/>
               </a:solidFill>
@@ -12260,8 +12248,8 @@
         </p:nvSpPr>
         <p:spPr>
           <a:xfrm>
-            <a:off x="25690789" y="23058949"/>
-            <a:ext cx="1484002" cy="230832"/>
+            <a:off x="25690793" y="23058957"/>
+            <a:ext cx="1484003" cy="270523"/>
           </a:xfrm>
           <a:prstGeom prst="rect">
             <a:avLst/>
@@ -12276,18 +12264,18 @@
           <a:p>
             <a:pPr algn="ctr"/>
             <a:r>
-              <a:rPr lang="fr-FR" sz="900" i="1" dirty="0">
+              <a:rPr lang="fr-FR" sz="1158" i="1" dirty="0">
                 <a:latin typeface="Gill Sans Nova" panose="020B0602020104020203" pitchFamily="34" charset="0"/>
               </a:rPr>
               <a:t>P145 </a:t>
             </a:r>
             <a:r>
-              <a:rPr lang="fr-FR" sz="900" i="1" dirty="0" err="1">
+              <a:rPr lang="fr-FR" sz="1158" i="1" dirty="0" err="1">
                 <a:latin typeface="Gill Sans Nova" panose="020B0602020104020203" pitchFamily="34" charset="0"/>
               </a:rPr>
               <a:t>separated</a:t>
             </a:r>
-            <a:endParaRPr lang="fr-FR" sz="900" i="1" dirty="0">
+            <a:endParaRPr lang="fr-FR" sz="1158" i="1" dirty="0">
               <a:latin typeface="Gill Sans Nova" panose="020B0602020104020203" pitchFamily="34" charset="0"/>
             </a:endParaRPr>
           </a:p>
@@ -12307,8 +12295,8 @@
         </p:nvSpPr>
         <p:spPr>
           <a:xfrm>
-            <a:off x="29986696" y="22078348"/>
-            <a:ext cx="1484002" cy="230832"/>
+            <a:off x="29986705" y="22078349"/>
+            <a:ext cx="1484003" cy="270523"/>
           </a:xfrm>
           <a:prstGeom prst="rect">
             <a:avLst/>
@@ -12323,30 +12311,30 @@
           <a:p>
             <a:pPr algn="ctr"/>
             <a:r>
-              <a:rPr lang="fr-FR" sz="900" i="1" dirty="0">
+              <a:rPr lang="fr-FR" sz="1158" i="1" dirty="0">
                 <a:latin typeface="Gill Sans Nova" panose="020B0602020104020203" pitchFamily="34" charset="0"/>
               </a:rPr>
               <a:t>P144 </a:t>
             </a:r>
             <a:r>
-              <a:rPr lang="fr-FR" sz="900" i="1" dirty="0" err="1">
+              <a:rPr lang="fr-FR" sz="1158" i="1" dirty="0" err="1">
                 <a:latin typeface="Gill Sans Nova" panose="020B0602020104020203" pitchFamily="34" charset="0"/>
               </a:rPr>
               <a:t>joined</a:t>
             </a:r>
             <a:r>
-              <a:rPr lang="fr-FR" sz="900" i="1" dirty="0">
+              <a:rPr lang="fr-FR" sz="1158" i="1" dirty="0">
                 <a:latin typeface="Gill Sans Nova" panose="020B0602020104020203" pitchFamily="34" charset="0"/>
               </a:rPr>
               <a:t> </a:t>
             </a:r>
             <a:r>
-              <a:rPr lang="fr-FR" sz="900" i="1" dirty="0" err="1">
+              <a:rPr lang="fr-FR" sz="1158" i="1" dirty="0" err="1">
                 <a:latin typeface="Gill Sans Nova" panose="020B0602020104020203" pitchFamily="34" charset="0"/>
               </a:rPr>
               <a:t>with</a:t>
             </a:r>
-            <a:endParaRPr lang="fr-FR" sz="900" i="1" dirty="0">
+            <a:endParaRPr lang="fr-FR" sz="1158" i="1" dirty="0">
               <a:latin typeface="Gill Sans Nova" panose="020B0602020104020203" pitchFamily="34" charset="0"/>
             </a:endParaRPr>
           </a:p>
@@ -12366,8 +12354,8 @@
         </p:nvSpPr>
         <p:spPr>
           <a:xfrm>
-            <a:off x="29981616" y="23087604"/>
-            <a:ext cx="1484002" cy="230832"/>
+            <a:off x="29981620" y="23087608"/>
+            <a:ext cx="1484003" cy="270523"/>
           </a:xfrm>
           <a:prstGeom prst="rect">
             <a:avLst/>
@@ -12382,30 +12370,30 @@
           <a:p>
             <a:pPr algn="ctr"/>
             <a:r>
-              <a:rPr lang="fr-FR" sz="900" i="1" dirty="0">
+              <a:rPr lang="fr-FR" sz="1158" i="1" dirty="0">
                 <a:latin typeface="Gill Sans Nova" panose="020B0602020104020203" pitchFamily="34" charset="0"/>
               </a:rPr>
               <a:t>P146 </a:t>
             </a:r>
             <a:r>
-              <a:rPr lang="fr-FR" sz="900" i="1" dirty="0" err="1">
+              <a:rPr lang="fr-FR" sz="1158" i="1" dirty="0" err="1">
                 <a:latin typeface="Gill Sans Nova" panose="020B0602020104020203" pitchFamily="34" charset="0"/>
               </a:rPr>
               <a:t>separated</a:t>
             </a:r>
             <a:r>
-              <a:rPr lang="fr-FR" sz="900" i="1" dirty="0">
+              <a:rPr lang="fr-FR" sz="1158" i="1" dirty="0">
                 <a:latin typeface="Gill Sans Nova" panose="020B0602020104020203" pitchFamily="34" charset="0"/>
               </a:rPr>
               <a:t> </a:t>
             </a:r>
             <a:r>
-              <a:rPr lang="fr-FR" sz="900" i="1" dirty="0" err="1">
+              <a:rPr lang="fr-FR" sz="1158" i="1" dirty="0" err="1">
                 <a:latin typeface="Gill Sans Nova" panose="020B0602020104020203" pitchFamily="34" charset="0"/>
               </a:rPr>
               <a:t>from</a:t>
             </a:r>
-            <a:endParaRPr lang="fr-FR" sz="900" i="1" dirty="0">
+            <a:endParaRPr lang="fr-FR" sz="1158" i="1" dirty="0">
               <a:latin typeface="Gill Sans Nova" panose="020B0602020104020203" pitchFamily="34" charset="0"/>
             </a:endParaRPr>
           </a:p>
@@ -12425,8 +12413,8 @@
         </p:nvSpPr>
         <p:spPr>
           <a:xfrm>
-            <a:off x="26910483" y="24071089"/>
-            <a:ext cx="966072" cy="328145"/>
+            <a:off x="26910479" y="24071100"/>
+            <a:ext cx="966076" cy="328145"/>
           </a:xfrm>
           <a:prstGeom prst="roundRect">
             <a:avLst/>
@@ -12461,7 +12449,7 @@
           <a:p>
             <a:pPr algn="ctr"/>
             <a:r>
-              <a:rPr lang="fr-FR" sz="900" dirty="0">
+              <a:rPr lang="fr-FR" sz="1158" dirty="0">
                 <a:solidFill>
                   <a:schemeClr val="tx1"/>
                 </a:solidFill>
@@ -12489,8 +12477,8 @@
         </p:nvCxnSpPr>
         <p:spPr>
           <a:xfrm rot="5400000">
-            <a:off x="27275548" y="23364885"/>
-            <a:ext cx="824172" cy="588228"/>
+            <a:off x="27275558" y="23364890"/>
+            <a:ext cx="824168" cy="588227"/>
           </a:xfrm>
           <a:prstGeom prst="curvedConnector3">
             <a:avLst>
@@ -12530,8 +12518,8 @@
         </p:nvSpPr>
         <p:spPr>
           <a:xfrm>
-            <a:off x="26023342" y="23876781"/>
-            <a:ext cx="1484002" cy="230832"/>
+            <a:off x="26023351" y="23876789"/>
+            <a:ext cx="1484003" cy="270523"/>
           </a:xfrm>
           <a:prstGeom prst="rect">
             <a:avLst/>
@@ -12546,7 +12534,7 @@
           <a:p>
             <a:pPr algn="ctr"/>
             <a:r>
-              <a:rPr lang="fr-FR" sz="900" i="1" dirty="0">
+              <a:rPr lang="fr-FR" sz="1158" i="1" dirty="0">
                 <a:latin typeface="Gill Sans Nova" panose="020B0602020104020203" pitchFamily="34" charset="0"/>
               </a:rPr>
               <a:t>P4</a:t>
@@ -12572,8 +12560,8 @@
         </p:nvCxnSpPr>
         <p:spPr>
           <a:xfrm flipH="1">
-            <a:off x="25000003" y="22431161"/>
-            <a:ext cx="2513715" cy="165599"/>
+            <a:off x="25000005" y="22431165"/>
+            <a:ext cx="2513718" cy="165596"/>
           </a:xfrm>
           <a:prstGeom prst="straightConnector1">
             <a:avLst/>
@@ -12615,8 +12603,8 @@
         </p:nvCxnSpPr>
         <p:spPr>
           <a:xfrm flipH="1" flipV="1">
-            <a:off x="24999998" y="22596755"/>
-            <a:ext cx="2522348" cy="505210"/>
+            <a:off x="24999999" y="22596768"/>
+            <a:ext cx="2522348" cy="505209"/>
           </a:xfrm>
           <a:prstGeom prst="straightConnector1">
             <a:avLst/>
@@ -12654,8 +12642,8 @@
         </p:nvSpPr>
         <p:spPr>
           <a:xfrm>
-            <a:off x="9809437" y="24844243"/>
-            <a:ext cx="1484002" cy="230832"/>
+            <a:off x="9809450" y="24844255"/>
+            <a:ext cx="1484003" cy="270523"/>
           </a:xfrm>
           <a:prstGeom prst="rect">
             <a:avLst/>
@@ -12670,7 +12658,7 @@
           <a:p>
             <a:pPr algn="ctr"/>
             <a:r>
-              <a:rPr lang="fr-FR" sz="900" i="1" dirty="0">
+              <a:rPr lang="fr-FR" sz="1158" i="1" dirty="0">
                 <a:latin typeface="Gill Sans Nova" panose="020B0602020104020203" pitchFamily="34" charset="0"/>
               </a:rPr>
               <a:t>P1</a:t>
@@ -12692,8 +12680,8 @@
         </p:nvSpPr>
         <p:spPr>
           <a:xfrm>
-            <a:off x="8499430" y="25489527"/>
-            <a:ext cx="841673" cy="399893"/>
+            <a:off x="8499434" y="25489541"/>
+            <a:ext cx="841671" cy="399893"/>
           </a:xfrm>
           <a:prstGeom prst="roundRect">
             <a:avLst/>
@@ -12725,7 +12713,7 @@
           <a:p>
             <a:pPr algn="ctr"/>
             <a:r>
-              <a:rPr lang="fr-FR" sz="900" dirty="0">
+              <a:rPr lang="fr-FR" sz="1158" dirty="0">
                 <a:solidFill>
                   <a:schemeClr val="tx1"/>
                 </a:solidFill>
@@ -12754,8 +12742,8 @@
         </p:nvCxnSpPr>
         <p:spPr>
           <a:xfrm rot="10800000" flipV="1">
-            <a:off x="8920263" y="25037076"/>
-            <a:ext cx="340314" cy="452449"/>
+            <a:off x="8920258" y="25037076"/>
+            <a:ext cx="340319" cy="452446"/>
           </a:xfrm>
           <a:prstGeom prst="curvedConnector2">
             <a:avLst/>
@@ -12793,8 +12781,8 @@
         </p:nvSpPr>
         <p:spPr>
           <a:xfrm>
-            <a:off x="24160811" y="6859322"/>
-            <a:ext cx="699781" cy="571566"/>
+            <a:off x="24160813" y="6859318"/>
+            <a:ext cx="699786" cy="571570"/>
           </a:xfrm>
           <a:prstGeom prst="roundRect">
             <a:avLst/>
@@ -12824,7 +12812,7 @@
           <a:p>
             <a:pPr algn="ctr"/>
             <a:r>
-              <a:rPr lang="fr-FR" sz="900" i="1" dirty="0">
+              <a:rPr lang="fr-FR" sz="1158" i="1" dirty="0">
                 <a:solidFill>
                   <a:schemeClr val="tx1"/>
                 </a:solidFill>
@@ -12852,8 +12840,8 @@
         </p:nvCxnSpPr>
         <p:spPr>
           <a:xfrm flipH="1">
-            <a:off x="24860587" y="7134221"/>
-            <a:ext cx="776896" cy="10891"/>
+            <a:off x="24860583" y="7134226"/>
+            <a:ext cx="776897" cy="10888"/>
           </a:xfrm>
           <a:prstGeom prst="straightConnector1">
             <a:avLst/>
@@ -12891,8 +12879,8 @@
         </p:nvSpPr>
         <p:spPr>
           <a:xfrm>
-            <a:off x="24608343" y="7154960"/>
-            <a:ext cx="1398361" cy="230832"/>
+            <a:off x="24608348" y="7154968"/>
+            <a:ext cx="1398356" cy="270523"/>
           </a:xfrm>
           <a:prstGeom prst="rect">
             <a:avLst/>
@@ -12907,12 +12895,12 @@
           <a:p>
             <a:pPr algn="ctr"/>
             <a:r>
-              <a:rPr lang="fr-FR" sz="900" i="1" dirty="0" err="1">
+              <a:rPr lang="fr-FR" sz="1158" i="1" dirty="0" err="1">
                 <a:latin typeface="Gill Sans Nova" panose="020B0602020104020203" pitchFamily="34" charset="0"/>
               </a:rPr>
               <a:t>rdfs:label</a:t>
             </a:r>
-            <a:endParaRPr lang="fr-FR" sz="900" i="1" dirty="0">
+            <a:endParaRPr lang="fr-FR" sz="1158" i="1" dirty="0">
               <a:latin typeface="Gill Sans Nova" panose="020B0602020104020203" pitchFamily="34" charset="0"/>
             </a:endParaRPr>
           </a:p>
@@ -12932,8 +12920,8 @@
         </p:nvSpPr>
         <p:spPr>
           <a:xfrm>
-            <a:off x="25820481" y="10648807"/>
-            <a:ext cx="699781" cy="571566"/>
+            <a:off x="25820490" y="10648805"/>
+            <a:ext cx="699786" cy="571570"/>
           </a:xfrm>
           <a:prstGeom prst="roundRect">
             <a:avLst/>
@@ -12963,7 +12951,7 @@
           <a:p>
             <a:pPr algn="ctr"/>
             <a:r>
-              <a:rPr lang="fr-FR" sz="900" i="1" dirty="0">
+              <a:rPr lang="fr-FR" sz="1158" i="1" dirty="0">
                 <a:solidFill>
                   <a:schemeClr val="tx1"/>
                 </a:solidFill>
@@ -12992,8 +12980,8 @@
         </p:nvCxnSpPr>
         <p:spPr>
           <a:xfrm flipH="1">
-            <a:off x="26520254" y="10927190"/>
-            <a:ext cx="789294" cy="7398"/>
+            <a:off x="26520260" y="10927194"/>
+            <a:ext cx="789291" cy="7402"/>
           </a:xfrm>
           <a:prstGeom prst="straightConnector1">
             <a:avLst/>
@@ -13031,8 +13019,8 @@
         </p:nvSpPr>
         <p:spPr>
           <a:xfrm>
-            <a:off x="26261754" y="10924215"/>
-            <a:ext cx="1398361" cy="230832"/>
+            <a:off x="26261758" y="10924219"/>
+            <a:ext cx="1398356" cy="270523"/>
           </a:xfrm>
           <a:prstGeom prst="rect">
             <a:avLst/>
@@ -13047,12 +13035,12 @@
           <a:p>
             <a:pPr algn="ctr"/>
             <a:r>
-              <a:rPr lang="fr-FR" sz="900" i="1" dirty="0" err="1">
+              <a:rPr lang="fr-FR" sz="1158" i="1" dirty="0" err="1">
                 <a:latin typeface="Gill Sans Nova" panose="020B0602020104020203" pitchFamily="34" charset="0"/>
               </a:rPr>
               <a:t>rdfs:label</a:t>
             </a:r>
-            <a:endParaRPr lang="fr-FR" sz="900" i="1" dirty="0">
+            <a:endParaRPr lang="fr-FR" sz="1158" i="1" dirty="0">
               <a:latin typeface="Gill Sans Nova" panose="020B0602020104020203" pitchFamily="34" charset="0"/>
             </a:endParaRPr>
           </a:p>
@@ -13072,8 +13060,8 @@
         </p:nvSpPr>
         <p:spPr>
           <a:xfrm>
-            <a:off x="20299961" y="12781714"/>
-            <a:ext cx="1085888" cy="571566"/>
+            <a:off x="20299974" y="12781709"/>
+            <a:ext cx="1085883" cy="571570"/>
           </a:xfrm>
           <a:prstGeom prst="roundRect">
             <a:avLst/>
@@ -13103,7 +13091,7 @@
           <a:p>
             <a:pPr algn="ctr"/>
             <a:r>
-              <a:rPr lang="fr-FR" sz="900" i="1" dirty="0">
+              <a:rPr lang="fr-FR" sz="1158" i="1" dirty="0">
                 <a:solidFill>
                   <a:schemeClr val="tx1"/>
                 </a:solidFill>
@@ -13128,8 +13116,8 @@
         </p:nvSpPr>
         <p:spPr>
           <a:xfrm>
-            <a:off x="19103391" y="12836667"/>
-            <a:ext cx="1398361" cy="230832"/>
+            <a:off x="19103398" y="12836668"/>
+            <a:ext cx="1398356" cy="270523"/>
           </a:xfrm>
           <a:prstGeom prst="rect">
             <a:avLst/>
@@ -13144,12 +13132,12 @@
           <a:p>
             <a:pPr algn="ctr"/>
             <a:r>
-              <a:rPr lang="fr-FR" sz="900" i="1" dirty="0" err="1">
+              <a:rPr lang="fr-FR" sz="1158" i="1" dirty="0" err="1">
                 <a:latin typeface="Gill Sans Nova" panose="020B0602020104020203" pitchFamily="34" charset="0"/>
               </a:rPr>
               <a:t>rdfs:label</a:t>
             </a:r>
-            <a:endParaRPr lang="fr-FR" sz="900" i="1" dirty="0">
+            <a:endParaRPr lang="fr-FR" sz="1158" i="1" dirty="0">
               <a:latin typeface="Gill Sans Nova" panose="020B0602020104020203" pitchFamily="34" charset="0"/>
             </a:endParaRPr>
           </a:p>
@@ -13173,8 +13161,8 @@
         </p:nvCxnSpPr>
         <p:spPr>
           <a:xfrm>
-            <a:off x="19369715" y="13066350"/>
-            <a:ext cx="930244" cy="1155"/>
+            <a:off x="19369725" y="13066347"/>
+            <a:ext cx="930249" cy="1158"/>
           </a:xfrm>
           <a:prstGeom prst="straightConnector1">
             <a:avLst/>
@@ -13212,8 +13200,8 @@
         </p:nvSpPr>
         <p:spPr>
           <a:xfrm>
-            <a:off x="23994991" y="29394810"/>
-            <a:ext cx="1484002" cy="230832"/>
+            <a:off x="23994999" y="29394816"/>
+            <a:ext cx="1484003" cy="270523"/>
           </a:xfrm>
           <a:prstGeom prst="rect">
             <a:avLst/>
@@ -13228,18 +13216,18 @@
           <a:p>
             <a:pPr algn="ctr"/>
             <a:r>
-              <a:rPr lang="fr-FR" sz="900" i="1" dirty="0">
+              <a:rPr lang="fr-FR" sz="1158" i="1" dirty="0">
                 <a:latin typeface="Gill Sans Nova" panose="020B0602020104020203" pitchFamily="34" charset="0"/>
               </a:rPr>
               <a:t>P71 </a:t>
             </a:r>
             <a:r>
-              <a:rPr lang="fr-FR" sz="900" i="1" dirty="0" err="1">
+              <a:rPr lang="fr-FR" sz="1158" i="1" dirty="0" err="1">
                 <a:latin typeface="Gill Sans Nova" panose="020B0602020104020203" pitchFamily="34" charset="0"/>
               </a:rPr>
               <a:t>lists</a:t>
             </a:r>
-            <a:endParaRPr lang="fr-FR" sz="900" i="1" dirty="0">
+            <a:endParaRPr lang="fr-FR" sz="1158" i="1" dirty="0">
               <a:latin typeface="Gill Sans Nova" panose="020B0602020104020203" pitchFamily="34" charset="0"/>
             </a:endParaRPr>
           </a:p>
@@ -13259,8 +13247,8 @@
         </p:nvSpPr>
         <p:spPr>
           <a:xfrm>
-            <a:off x="9686199" y="22047990"/>
-            <a:ext cx="1062750" cy="508618"/>
+            <a:off x="9686197" y="22047993"/>
+            <a:ext cx="1062751" cy="508614"/>
           </a:xfrm>
           <a:prstGeom prst="roundRect">
             <a:avLst/>
@@ -13292,7 +13280,7 @@
           <a:p>
             <a:pPr algn="ctr"/>
             <a:r>
-              <a:rPr lang="fr-FR" sz="900" dirty="0">
+              <a:rPr lang="fr-FR" sz="1158" dirty="0">
                 <a:solidFill>
                   <a:schemeClr val="bg1"/>
                 </a:solidFill>
@@ -13301,7 +13289,7 @@
               <a:t>E4 </a:t>
             </a:r>
             <a:r>
-              <a:rPr lang="fr-FR" sz="900" dirty="0" err="1">
+              <a:rPr lang="fr-FR" sz="1158" dirty="0" err="1">
                 <a:solidFill>
                   <a:schemeClr val="bg1"/>
                 </a:solidFill>
@@ -13309,7 +13297,7 @@
               </a:rPr>
               <a:t>Period</a:t>
             </a:r>
-            <a:endParaRPr lang="fr-FR" sz="900" dirty="0">
+            <a:endParaRPr lang="fr-FR" sz="1158" dirty="0">
               <a:solidFill>
                 <a:schemeClr val="bg1"/>
               </a:solidFill>
@@ -13319,7 +13307,7 @@
           <a:p>
             <a:pPr algn="ctr"/>
             <a:r>
-              <a:rPr lang="fr-FR" sz="900" i="1" dirty="0">
+              <a:rPr lang="fr-FR" sz="1158" i="1" dirty="0">
                 <a:solidFill>
                   <a:schemeClr val="bg1"/>
                 </a:solidFill>
@@ -13344,8 +13332,8 @@
         </p:nvSpPr>
         <p:spPr>
           <a:xfrm>
-            <a:off x="4761099" y="22055015"/>
-            <a:ext cx="1062750" cy="508618"/>
+            <a:off x="4761099" y="22055024"/>
+            <a:ext cx="1062751" cy="508614"/>
           </a:xfrm>
           <a:prstGeom prst="roundRect">
             <a:avLst/>
@@ -13377,7 +13365,7 @@
           <a:p>
             <a:pPr algn="ctr"/>
             <a:r>
-              <a:rPr lang="fr-FR" sz="900" dirty="0">
+              <a:rPr lang="fr-FR" sz="1158" dirty="0">
                 <a:solidFill>
                   <a:schemeClr val="bg1"/>
                 </a:solidFill>
@@ -13386,7 +13374,7 @@
               <a:t>E4 </a:t>
             </a:r>
             <a:r>
-              <a:rPr lang="fr-FR" sz="900" dirty="0" err="1">
+              <a:rPr lang="fr-FR" sz="1158" dirty="0" err="1">
                 <a:solidFill>
                   <a:schemeClr val="bg1"/>
                 </a:solidFill>
@@ -13394,7 +13382,7 @@
               </a:rPr>
               <a:t>Period</a:t>
             </a:r>
-            <a:endParaRPr lang="fr-FR" sz="900" dirty="0">
+            <a:endParaRPr lang="fr-FR" sz="1158" dirty="0">
               <a:solidFill>
                 <a:schemeClr val="bg1"/>
               </a:solidFill>
@@ -13404,7 +13392,7 @@
           <a:p>
             <a:pPr algn="ctr"/>
             <a:r>
-              <a:rPr lang="fr-FR" sz="900" i="1" dirty="0">
+              <a:rPr lang="fr-FR" sz="1158" i="1" dirty="0">
                 <a:solidFill>
                   <a:schemeClr val="bg1"/>
                 </a:solidFill>
@@ -13429,8 +13417,8 @@
         </p:nvSpPr>
         <p:spPr>
           <a:xfrm>
-            <a:off x="7207054" y="22043364"/>
-            <a:ext cx="1516372" cy="230832"/>
+            <a:off x="7207061" y="22043373"/>
+            <a:ext cx="1516367" cy="270523"/>
           </a:xfrm>
           <a:prstGeom prst="rect">
             <a:avLst/>
@@ -13445,19 +13433,19 @@
           <a:p>
             <a:pPr algn="ctr"/>
             <a:r>
-              <a:rPr lang="fr-FR" sz="900" i="1" dirty="0">
+              <a:rPr lang="fr-FR" sz="1158" i="1" dirty="0">
                 <a:latin typeface="Gill Sans Nova" panose="020B0602020104020203" pitchFamily="34" charset="0"/>
               </a:rPr>
               <a:t>P9 </a:t>
             </a:r>
             <a:r>
-              <a:rPr lang="fr-FR" sz="900" i="1" dirty="0" err="1">
+              <a:rPr lang="fr-FR" sz="1158" i="1" dirty="0" err="1">
                 <a:latin typeface="Gill Sans Nova" panose="020B0602020104020203" pitchFamily="34" charset="0"/>
               </a:rPr>
               <a:t>consists</a:t>
             </a:r>
             <a:r>
-              <a:rPr lang="fr-FR" sz="900" i="1" dirty="0">
+              <a:rPr lang="fr-FR" sz="1158" i="1" dirty="0">
                 <a:latin typeface="Gill Sans Nova" panose="020B0602020104020203" pitchFamily="34" charset="0"/>
               </a:rPr>
               <a:t> of</a:t>
@@ -13482,8 +13470,8 @@
         </p:nvCxnSpPr>
         <p:spPr>
           <a:xfrm flipH="1">
-            <a:off x="5823849" y="22302303"/>
-            <a:ext cx="3862350" cy="7025"/>
+            <a:off x="5823856" y="22302311"/>
+            <a:ext cx="3862347" cy="7020"/>
           </a:xfrm>
           <a:prstGeom prst="straightConnector1">
             <a:avLst/>
@@ -13521,8 +13509,8 @@
         </p:nvSpPr>
         <p:spPr>
           <a:xfrm>
-            <a:off x="10807441" y="24732230"/>
-            <a:ext cx="1062750" cy="636759"/>
+            <a:off x="10807444" y="24732226"/>
+            <a:ext cx="1062751" cy="636761"/>
           </a:xfrm>
           <a:prstGeom prst="roundRect">
             <a:avLst/>
@@ -13554,7 +13542,7 @@
           <a:p>
             <a:pPr algn="ctr"/>
             <a:r>
-              <a:rPr lang="fr-FR" sz="900" dirty="0">
+              <a:rPr lang="fr-FR" sz="1158" dirty="0">
                 <a:solidFill>
                   <a:schemeClr val="bg1"/>
                 </a:solidFill>
@@ -13563,7 +13551,7 @@
               <a:t>E93 </a:t>
             </a:r>
             <a:r>
-              <a:rPr lang="fr-FR" sz="900" dirty="0" err="1">
+              <a:rPr lang="fr-FR" sz="1158" dirty="0" err="1">
                 <a:solidFill>
                   <a:schemeClr val="bg1"/>
                 </a:solidFill>
@@ -13571,7 +13559,7 @@
               </a:rPr>
               <a:t>Presence</a:t>
             </a:r>
-            <a:endParaRPr lang="fr-FR" sz="900" dirty="0">
+            <a:endParaRPr lang="fr-FR" sz="1158" dirty="0">
               <a:solidFill>
                 <a:schemeClr val="bg1"/>
               </a:solidFill>
@@ -13581,7 +13569,7 @@
           <a:p>
             <a:pPr algn="ctr"/>
             <a:r>
-              <a:rPr lang="fr-FR" sz="900" i="1" dirty="0">
+              <a:rPr lang="fr-FR" sz="1158" i="1" dirty="0">
                 <a:solidFill>
                   <a:schemeClr val="bg1"/>
                 </a:solidFill>
@@ -13610,8 +13598,8 @@
         </p:nvCxnSpPr>
         <p:spPr>
           <a:xfrm rot="5400000" flipH="1" flipV="1">
-            <a:off x="7756125" y="22277669"/>
-            <a:ext cx="2182517" cy="2740396"/>
+            <a:off x="7756130" y="22277676"/>
+            <a:ext cx="2182515" cy="2740393"/>
           </a:xfrm>
           <a:prstGeom prst="curvedConnector3">
             <a:avLst>
@@ -13655,8 +13643,8 @@
         </p:nvCxnSpPr>
         <p:spPr>
           <a:xfrm rot="16200000" flipV="1">
-            <a:off x="9690392" y="23083799"/>
-            <a:ext cx="2175617" cy="1121243"/>
+            <a:off x="9690402" y="23083797"/>
+            <a:ext cx="2175611" cy="1121247"/>
           </a:xfrm>
           <a:prstGeom prst="curvedConnector3">
             <a:avLst>
@@ -13696,8 +13684,8 @@
         </p:nvSpPr>
         <p:spPr>
           <a:xfrm>
-            <a:off x="9360644" y="22959274"/>
-            <a:ext cx="1662747" cy="230832"/>
+            <a:off x="9360644" y="22939443"/>
+            <a:ext cx="1662746" cy="270523"/>
           </a:xfrm>
           <a:prstGeom prst="rect">
             <a:avLst/>
@@ -13714,31 +13702,31 @@
           <a:p>
             <a:pPr algn="ctr"/>
             <a:r>
-              <a:rPr lang="fr-FR" sz="900" i="1" dirty="0">
+              <a:rPr lang="fr-FR" sz="1158" i="1" dirty="0">
                 <a:latin typeface="Gill Sans Nova" panose="020B0602020104020203" pitchFamily="34" charset="0"/>
               </a:rPr>
               <a:t>P166 </a:t>
             </a:r>
             <a:r>
-              <a:rPr lang="fr-FR" sz="900" i="1" dirty="0" err="1">
+              <a:rPr lang="fr-FR" sz="1158" i="1" dirty="0" err="1">
                 <a:latin typeface="Gill Sans Nova" panose="020B0602020104020203" pitchFamily="34" charset="0"/>
               </a:rPr>
               <a:t>was</a:t>
             </a:r>
             <a:r>
-              <a:rPr lang="fr-FR" sz="900" i="1" dirty="0">
+              <a:rPr lang="fr-FR" sz="1158" i="1" dirty="0">
                 <a:latin typeface="Gill Sans Nova" panose="020B0602020104020203" pitchFamily="34" charset="0"/>
               </a:rPr>
               <a:t> a </a:t>
             </a:r>
             <a:r>
-              <a:rPr lang="fr-FR" sz="900" i="1" dirty="0" err="1">
+              <a:rPr lang="fr-FR" sz="1158" i="1" dirty="0" err="1">
                 <a:latin typeface="Gill Sans Nova" panose="020B0602020104020203" pitchFamily="34" charset="0"/>
               </a:rPr>
               <a:t>presence</a:t>
             </a:r>
             <a:r>
-              <a:rPr lang="fr-FR" sz="900" i="1" dirty="0">
+              <a:rPr lang="fr-FR" sz="1158" i="1" dirty="0">
                 <a:latin typeface="Gill Sans Nova" panose="020B0602020104020203" pitchFamily="34" charset="0"/>
               </a:rPr>
               <a:t> of</a:t>
@@ -13760,8 +13748,8 @@
         </p:nvSpPr>
         <p:spPr>
           <a:xfrm>
-            <a:off x="4761099" y="24696297"/>
-            <a:ext cx="1062750" cy="636759"/>
+            <a:off x="4761099" y="24696295"/>
+            <a:ext cx="1062751" cy="636761"/>
           </a:xfrm>
           <a:prstGeom prst="roundRect">
             <a:avLst/>
@@ -13793,7 +13781,7 @@
           <a:p>
             <a:pPr algn="ctr"/>
             <a:r>
-              <a:rPr lang="fr-FR" sz="900" dirty="0">
+              <a:rPr lang="fr-FR" sz="1158" dirty="0">
                 <a:solidFill>
                   <a:schemeClr val="bg1"/>
                 </a:solidFill>
@@ -13802,7 +13790,7 @@
               <a:t>E93 </a:t>
             </a:r>
             <a:r>
-              <a:rPr lang="fr-FR" sz="900" dirty="0" err="1">
+              <a:rPr lang="fr-FR" sz="1158" dirty="0" err="1">
                 <a:solidFill>
                   <a:schemeClr val="bg1"/>
                 </a:solidFill>
@@ -13810,7 +13798,7 @@
               </a:rPr>
               <a:t>Presence</a:t>
             </a:r>
-            <a:endParaRPr lang="fr-FR" sz="900" dirty="0">
+            <a:endParaRPr lang="fr-FR" sz="1158" dirty="0">
               <a:solidFill>
                 <a:schemeClr val="bg1"/>
               </a:solidFill>
@@ -13820,7 +13808,7 @@
           <a:p>
             <a:pPr algn="ctr"/>
             <a:r>
-              <a:rPr lang="fr-FR" sz="900" i="1" dirty="0">
+              <a:rPr lang="fr-FR" sz="1158" i="1" dirty="0">
                 <a:solidFill>
                   <a:schemeClr val="bg1"/>
                 </a:solidFill>
@@ -13829,7 +13817,7 @@
               <a:t>« Gouvernement d’</a:t>
             </a:r>
             <a:r>
-              <a:rPr lang="fr-FR" sz="900" i="1" dirty="0" err="1">
+              <a:rPr lang="fr-FR" sz="1158" i="1" dirty="0" err="1">
                 <a:solidFill>
                   <a:schemeClr val="bg1"/>
                 </a:solidFill>
@@ -13838,7 +13826,7 @@
               <a:t>Isle-de-France</a:t>
             </a:r>
             <a:r>
-              <a:rPr lang="fr-FR" sz="900" i="1" dirty="0">
+              <a:rPr lang="fr-FR" sz="1158" i="1" dirty="0">
                 <a:solidFill>
                   <a:schemeClr val="bg1"/>
                 </a:solidFill>
@@ -13866,8 +13854,8 @@
         </p:nvCxnSpPr>
         <p:spPr>
           <a:xfrm>
-            <a:off x="11338817" y="25368986"/>
-            <a:ext cx="20026" cy="2065160"/>
+            <a:off x="11338823" y="25368991"/>
+            <a:ext cx="20028" cy="2065164"/>
           </a:xfrm>
           <a:prstGeom prst="straightConnector1">
             <a:avLst/>
@@ -13909,8 +13897,8 @@
         </p:nvCxnSpPr>
         <p:spPr>
           <a:xfrm rot="16200000" flipH="1">
-            <a:off x="8297684" y="22327850"/>
-            <a:ext cx="35933" cy="6046343"/>
+            <a:off x="8297685" y="22327860"/>
+            <a:ext cx="35932" cy="6046345"/>
           </a:xfrm>
           <a:prstGeom prst="curvedConnector3">
             <a:avLst>
@@ -13950,8 +13938,8 @@
         </p:nvSpPr>
         <p:spPr>
           <a:xfrm>
-            <a:off x="7594854" y="26626942"/>
-            <a:ext cx="1324756" cy="230832"/>
+            <a:off x="7594860" y="26626941"/>
+            <a:ext cx="1324755" cy="270523"/>
           </a:xfrm>
           <a:prstGeom prst="rect">
             <a:avLst/>
@@ -13966,30 +13954,30 @@
           <a:p>
             <a:pPr algn="ctr"/>
             <a:r>
-              <a:rPr lang="fr-FR" sz="900" i="1" dirty="0">
+              <a:rPr lang="fr-FR" sz="1158" i="1" dirty="0">
                 <a:latin typeface="Gill Sans Nova" panose="020B0602020104020203" pitchFamily="34" charset="0"/>
               </a:rPr>
               <a:t>P10 </a:t>
             </a:r>
             <a:r>
-              <a:rPr lang="fr-FR" sz="900" i="1" dirty="0" err="1">
+              <a:rPr lang="fr-FR" sz="1158" i="1" dirty="0" err="1">
                 <a:latin typeface="Gill Sans Nova" panose="020B0602020104020203" pitchFamily="34" charset="0"/>
               </a:rPr>
               <a:t>falls</a:t>
             </a:r>
             <a:r>
-              <a:rPr lang="fr-FR" sz="900" i="1" dirty="0">
+              <a:rPr lang="fr-FR" sz="1158" i="1" dirty="0">
                 <a:latin typeface="Gill Sans Nova" panose="020B0602020104020203" pitchFamily="34" charset="0"/>
               </a:rPr>
               <a:t> </a:t>
             </a:r>
             <a:r>
-              <a:rPr lang="fr-FR" sz="900" i="1" dirty="0" err="1">
+              <a:rPr lang="fr-FR" sz="1158" i="1" dirty="0" err="1">
                 <a:latin typeface="Gill Sans Nova" panose="020B0602020104020203" pitchFamily="34" charset="0"/>
               </a:rPr>
               <a:t>within</a:t>
             </a:r>
-            <a:endParaRPr lang="fr-FR" sz="900" i="1" dirty="0">
+            <a:endParaRPr lang="fr-FR" sz="1158" i="1" dirty="0">
               <a:latin typeface="Gill Sans Nova" panose="020B0602020104020203" pitchFamily="34" charset="0"/>
             </a:endParaRPr>
           </a:p>
@@ -14013,7 +14001,7 @@
         </p:nvCxnSpPr>
         <p:spPr>
           <a:xfrm>
-            <a:off x="5292474" y="22563633"/>
+            <a:off x="5292473" y="22563632"/>
             <a:ext cx="0" cy="2132660"/>
           </a:xfrm>
           <a:prstGeom prst="straightConnector1">
@@ -14052,8 +14040,8 @@
         </p:nvSpPr>
         <p:spPr>
           <a:xfrm>
-            <a:off x="4462741" y="23064665"/>
-            <a:ext cx="960633" cy="369332"/>
+            <a:off x="4462744" y="23024990"/>
+            <a:ext cx="960632" cy="448713"/>
           </a:xfrm>
           <a:prstGeom prst="rect">
             <a:avLst/>
@@ -14068,31 +14056,31 @@
           <a:p>
             <a:pPr algn="ctr"/>
             <a:r>
-              <a:rPr lang="fr-FR" sz="900" i="1" dirty="0">
+              <a:rPr lang="fr-FR" sz="1158" i="1" dirty="0">
                 <a:latin typeface="Gill Sans Nova" panose="020B0602020104020203" pitchFamily="34" charset="0"/>
               </a:rPr>
               <a:t>P166 </a:t>
             </a:r>
             <a:r>
-              <a:rPr lang="fr-FR" sz="900" i="1" dirty="0" err="1">
+              <a:rPr lang="fr-FR" sz="1158" i="1" dirty="0" err="1">
                 <a:latin typeface="Gill Sans Nova" panose="020B0602020104020203" pitchFamily="34" charset="0"/>
               </a:rPr>
               <a:t>was</a:t>
             </a:r>
             <a:r>
-              <a:rPr lang="fr-FR" sz="900" i="1" dirty="0">
+              <a:rPr lang="fr-FR" sz="1158" i="1" dirty="0">
                 <a:latin typeface="Gill Sans Nova" panose="020B0602020104020203" pitchFamily="34" charset="0"/>
               </a:rPr>
               <a:t> a </a:t>
             </a:r>
             <a:r>
-              <a:rPr lang="fr-FR" sz="900" i="1" dirty="0" err="1">
+              <a:rPr lang="fr-FR" sz="1158" i="1" dirty="0" err="1">
                 <a:latin typeface="Gill Sans Nova" panose="020B0602020104020203" pitchFamily="34" charset="0"/>
               </a:rPr>
               <a:t>presence</a:t>
             </a:r>
             <a:r>
-              <a:rPr lang="fr-FR" sz="900" i="1" dirty="0">
+              <a:rPr lang="fr-FR" sz="1158" i="1" dirty="0">
                 <a:latin typeface="Gill Sans Nova" panose="020B0602020104020203" pitchFamily="34" charset="0"/>
               </a:rPr>
               <a:t> of</a:t>
@@ -14114,8 +14102,8 @@
         </p:nvSpPr>
         <p:spPr>
           <a:xfrm>
-            <a:off x="26979010" y="5405116"/>
-            <a:ext cx="1139308" cy="678712"/>
+            <a:off x="26979014" y="5405119"/>
+            <a:ext cx="1139305" cy="678716"/>
           </a:xfrm>
           <a:prstGeom prst="roundRect">
             <a:avLst/>
@@ -14147,7 +14135,7 @@
           <a:p>
             <a:pPr algn="ctr"/>
             <a:r>
-              <a:rPr lang="fr-FR" sz="900" dirty="0">
+              <a:rPr lang="fr-FR" sz="1158" dirty="0">
                 <a:solidFill>
                   <a:schemeClr val="tx1"/>
                 </a:solidFill>
@@ -14159,7 +14147,7 @@
           <a:p>
             <a:pPr algn="ctr"/>
             <a:r>
-              <a:rPr lang="fr-FR" sz="900" dirty="0">
+              <a:rPr lang="fr-FR" sz="1158" dirty="0">
                 <a:solidFill>
                   <a:schemeClr val="tx1"/>
                 </a:solidFill>
@@ -14184,8 +14172,8 @@
         </p:nvSpPr>
         <p:spPr>
           <a:xfrm>
-            <a:off x="27498108" y="6347571"/>
-            <a:ext cx="1398361" cy="230832"/>
+            <a:off x="27498120" y="6347567"/>
+            <a:ext cx="1398356" cy="270523"/>
           </a:xfrm>
           <a:prstGeom prst="rect">
             <a:avLst/>
@@ -14200,7 +14188,7 @@
           <a:p>
             <a:pPr algn="ctr"/>
             <a:r>
-              <a:rPr lang="fr-FR" sz="900" i="1" dirty="0">
+              <a:rPr lang="fr-FR" sz="1158" i="1" dirty="0">
                 <a:latin typeface="Gill Sans Nova" panose="020B0602020104020203" pitchFamily="34" charset="0"/>
               </a:rPr>
               <a:t>P2 has type</a:t>
@@ -14210,85 +14198,6 @@
       </p:sp>
       <p:sp>
         <p:nvSpPr>
-          <p:cNvPr id="274" name="ZoneTexte 273">
-            <a:extLst>
-              <a:ext uri="{FF2B5EF4-FFF2-40B4-BE49-F238E27FC236}">
-                <a16:creationId xmlns:a16="http://schemas.microsoft.com/office/drawing/2014/main" id="{B4F3720B-3EA9-4120-B562-3D61BB9D5FB7}"/>
-              </a:ext>
-            </a:extLst>
-          </p:cNvPr>
-          <p:cNvSpPr txBox="1"/>
-          <p:nvPr/>
-        </p:nvSpPr>
-        <p:spPr>
-          <a:xfrm>
-            <a:off x="29615213" y="11698075"/>
-            <a:ext cx="1398361" cy="230832"/>
-          </a:xfrm>
-          <a:prstGeom prst="rect">
-            <a:avLst/>
-          </a:prstGeom>
-          <a:noFill/>
-        </p:spPr>
-        <p:txBody>
-          <a:bodyPr wrap="square" rtlCol="0">
-            <a:spAutoFit/>
-          </a:bodyPr>
-          <a:lstStyle/>
-          <a:p>
-            <a:pPr algn="ctr"/>
-            <a:r>
-              <a:rPr lang="fr-FR" sz="900" i="1" dirty="0">
-                <a:latin typeface="Gill Sans Nova" panose="020B0602020104020203" pitchFamily="34" charset="0"/>
-              </a:rPr>
-              <a:t>R15 has fragment</a:t>
-            </a:r>
-          </a:p>
-        </p:txBody>
-      </p:sp>
-      <p:cxnSp>
-        <p:nvCxnSpPr>
-          <p:cNvPr id="286" name="Connecteur droit avec flèche 285">
-            <a:extLst>
-              <a:ext uri="{FF2B5EF4-FFF2-40B4-BE49-F238E27FC236}">
-                <a16:creationId xmlns:a16="http://schemas.microsoft.com/office/drawing/2014/main" id="{222C9276-C0F0-4C07-9607-710E574559BF}"/>
-              </a:ext>
-            </a:extLst>
-          </p:cNvPr>
-          <p:cNvCxnSpPr>
-            <a:cxnSpLocks/>
-          </p:cNvCxnSpPr>
-          <p:nvPr/>
-        </p:nvCxnSpPr>
-        <p:spPr>
-          <a:xfrm>
-            <a:off x="30223825" y="11254156"/>
-            <a:ext cx="898482" cy="704938"/>
-          </a:xfrm>
-          <a:prstGeom prst="straightConnector1">
-            <a:avLst/>
-          </a:prstGeom>
-          <a:ln>
-            <a:tailEnd type="triangle"/>
-          </a:ln>
-        </p:spPr>
-        <p:style>
-          <a:lnRef idx="1">
-            <a:schemeClr val="dk1"/>
-          </a:lnRef>
-          <a:fillRef idx="0">
-            <a:schemeClr val="dk1"/>
-          </a:fillRef>
-          <a:effectRef idx="0">
-            <a:schemeClr val="dk1"/>
-          </a:effectRef>
-          <a:fontRef idx="minor">
-            <a:schemeClr val="tx1"/>
-          </a:fontRef>
-        </p:style>
-      </p:cxnSp>
-      <p:sp>
-        <p:nvSpPr>
           <p:cNvPr id="292" name="Rectangle : coins arrondis 291">
             <a:extLst>
               <a:ext uri="{FF2B5EF4-FFF2-40B4-BE49-F238E27FC236}">
@@ -14301,8 +14210,8 @@
         </p:nvSpPr>
         <p:spPr>
           <a:xfrm>
-            <a:off x="31053202" y="13329620"/>
-            <a:ext cx="1153211" cy="758314"/>
+            <a:off x="30727139" y="14422368"/>
+            <a:ext cx="1153205" cy="758317"/>
           </a:xfrm>
           <a:prstGeom prst="roundRect">
             <a:avLst/>
@@ -14334,7 +14243,7 @@
           <a:p>
             <a:pPr algn="ctr"/>
             <a:r>
-              <a:rPr lang="fr-FR" sz="900" dirty="0">
+              <a:rPr lang="fr-FR" sz="1158" dirty="0">
                 <a:solidFill>
                   <a:schemeClr val="tx1"/>
                 </a:solidFill>
@@ -14346,7 +14255,7 @@
           <a:p>
             <a:pPr algn="ctr"/>
             <a:r>
-              <a:rPr lang="fr-FR" sz="900" i="1" dirty="0">
+              <a:rPr lang="fr-FR" sz="1158" i="1" dirty="0">
                 <a:solidFill>
                   <a:schemeClr val="tx1"/>
                 </a:solidFill>
@@ -14371,8 +14280,8 @@
         </p:nvSpPr>
         <p:spPr>
           <a:xfrm>
-            <a:off x="27592297" y="8163646"/>
-            <a:ext cx="1052047" cy="665980"/>
+            <a:off x="27592299" y="8163646"/>
+            <a:ext cx="1052048" cy="665986"/>
           </a:xfrm>
           <a:prstGeom prst="roundRect">
             <a:avLst/>
@@ -14407,7 +14316,7 @@
           <a:p>
             <a:pPr algn="ctr"/>
             <a:r>
-              <a:rPr lang="fr-FR" sz="900" dirty="0">
+              <a:rPr lang="fr-FR" sz="1158" dirty="0">
                 <a:solidFill>
                   <a:schemeClr val="bg1"/>
                 </a:solidFill>
@@ -14416,7 +14325,7 @@
               <a:t>E63 </a:t>
             </a:r>
             <a:r>
-              <a:rPr lang="fr-FR" sz="900" dirty="0" err="1">
+              <a:rPr lang="fr-FR" sz="1158" dirty="0" err="1">
                 <a:solidFill>
                   <a:schemeClr val="bg1"/>
                 </a:solidFill>
@@ -14425,7 +14334,7 @@
               <a:t>Beginning</a:t>
             </a:r>
             <a:r>
-              <a:rPr lang="fr-FR" sz="900" dirty="0">
+              <a:rPr lang="fr-FR" sz="1158" dirty="0">
                 <a:solidFill>
                   <a:schemeClr val="bg1"/>
                 </a:solidFill>
@@ -14450,8 +14359,8 @@
         </p:nvSpPr>
         <p:spPr>
           <a:xfrm>
-            <a:off x="25239028" y="8256724"/>
-            <a:ext cx="976814" cy="458657"/>
+            <a:off x="25239039" y="8256726"/>
+            <a:ext cx="976814" cy="458655"/>
           </a:xfrm>
           <a:prstGeom prst="roundRect">
             <a:avLst/>
@@ -14486,7 +14395,7 @@
           <a:p>
             <a:pPr algn="ctr"/>
             <a:r>
-              <a:rPr lang="fr-FR" sz="900" dirty="0">
+              <a:rPr lang="fr-FR" sz="1158" dirty="0">
                 <a:solidFill>
                   <a:schemeClr val="tx1"/>
                 </a:solidFill>
@@ -14513,8 +14422,8 @@
         </p:nvCxnSpPr>
         <p:spPr>
           <a:xfrm flipV="1">
-            <a:off x="28599821" y="7451220"/>
-            <a:ext cx="607720" cy="737599"/>
+            <a:off x="28599828" y="7451234"/>
+            <a:ext cx="607721" cy="737594"/>
           </a:xfrm>
           <a:prstGeom prst="straightConnector1">
             <a:avLst/>
@@ -14555,7 +14464,7 @@
         </p:nvCxnSpPr>
         <p:spPr>
           <a:xfrm flipH="1" flipV="1">
-            <a:off x="26215843" y="8486054"/>
+            <a:off x="26215847" y="8486054"/>
             <a:ext cx="1376452" cy="10587"/>
           </a:xfrm>
           <a:prstGeom prst="straightConnector1">
@@ -14594,8 +14503,8 @@
         </p:nvSpPr>
         <p:spPr>
           <a:xfrm>
-            <a:off x="26248415" y="8235849"/>
-            <a:ext cx="1398361" cy="230832"/>
+            <a:off x="26248425" y="8235853"/>
+            <a:ext cx="1398356" cy="270523"/>
           </a:xfrm>
           <a:prstGeom prst="rect">
             <a:avLst/>
@@ -14610,18 +14519,18 @@
           <a:p>
             <a:pPr algn="ctr"/>
             <a:r>
-              <a:rPr lang="fr-FR" sz="900" i="1" dirty="0">
+              <a:rPr lang="fr-FR" sz="1158" i="1" dirty="0">
                 <a:latin typeface="Gill Sans Nova" panose="020B0602020104020203" pitchFamily="34" charset="0"/>
               </a:rPr>
               <a:t>P4 has time-</a:t>
             </a:r>
             <a:r>
-              <a:rPr lang="fr-FR" sz="900" i="1" dirty="0" err="1">
+              <a:rPr lang="fr-FR" sz="1158" i="1" dirty="0" err="1">
                 <a:latin typeface="Gill Sans Nova" panose="020B0602020104020203" pitchFamily="34" charset="0"/>
               </a:rPr>
               <a:t>span</a:t>
             </a:r>
-            <a:endParaRPr lang="fr-FR" sz="900" i="1" dirty="0">
+            <a:endParaRPr lang="fr-FR" sz="1158" i="1" dirty="0">
               <a:latin typeface="Gill Sans Nova" panose="020B0602020104020203" pitchFamily="34" charset="0"/>
             </a:endParaRPr>
           </a:p>
@@ -14641,8 +14550,8 @@
         </p:nvSpPr>
         <p:spPr>
           <a:xfrm>
-            <a:off x="28000411" y="7617956"/>
-            <a:ext cx="984374" cy="369332"/>
+            <a:off x="28000404" y="7617967"/>
+            <a:ext cx="984378" cy="448713"/>
           </a:xfrm>
           <a:prstGeom prst="rect">
             <a:avLst/>
@@ -14657,31 +14566,31 @@
           <a:p>
             <a:pPr algn="ctr"/>
             <a:r>
-              <a:rPr lang="fr-FR" sz="900" i="1" dirty="0">
+              <a:rPr lang="fr-FR" sz="1158" i="1" dirty="0">
                 <a:latin typeface="Gill Sans Nova" panose="020B0602020104020203" pitchFamily="34" charset="0"/>
               </a:rPr>
               <a:t>P92 </a:t>
             </a:r>
             <a:r>
-              <a:rPr lang="fr-FR" sz="900" i="1" dirty="0" err="1">
+              <a:rPr lang="fr-FR" sz="1158" i="1" dirty="0" err="1">
                 <a:latin typeface="Gill Sans Nova" panose="020B0602020104020203" pitchFamily="34" charset="0"/>
               </a:rPr>
               <a:t>brought</a:t>
             </a:r>
             <a:r>
-              <a:rPr lang="fr-FR" sz="900" i="1" dirty="0">
+              <a:rPr lang="fr-FR" sz="1158" i="1" dirty="0">
                 <a:latin typeface="Gill Sans Nova" panose="020B0602020104020203" pitchFamily="34" charset="0"/>
               </a:rPr>
               <a:t> </a:t>
             </a:r>
             <a:r>
-              <a:rPr lang="fr-FR" sz="900" i="1" dirty="0" err="1">
+              <a:rPr lang="fr-FR" sz="1158" i="1" dirty="0" err="1">
                 <a:latin typeface="Gill Sans Nova" panose="020B0602020104020203" pitchFamily="34" charset="0"/>
               </a:rPr>
               <a:t>into</a:t>
             </a:r>
             <a:r>
-              <a:rPr lang="fr-FR" sz="900" i="1" dirty="0">
+              <a:rPr lang="fr-FR" sz="1158" i="1" dirty="0">
                 <a:latin typeface="Gill Sans Nova" panose="020B0602020104020203" pitchFamily="34" charset="0"/>
               </a:rPr>
               <a:t> existence</a:t>
@@ -14703,8 +14612,8 @@
         </p:nvSpPr>
         <p:spPr>
           <a:xfrm>
-            <a:off x="24021415" y="9038115"/>
-            <a:ext cx="976814" cy="458657"/>
+            <a:off x="24021419" y="9038117"/>
+            <a:ext cx="976814" cy="458655"/>
           </a:xfrm>
           <a:prstGeom prst="roundRect">
             <a:avLst/>
@@ -14734,7 +14643,7 @@
           <a:p>
             <a:pPr algn="ctr"/>
             <a:r>
-              <a:rPr lang="fr-FR" sz="900" dirty="0">
+              <a:rPr lang="fr-FR" sz="1158" dirty="0">
                 <a:solidFill>
                   <a:schemeClr val="tx1"/>
                 </a:solidFill>
@@ -14762,8 +14671,8 @@
         </p:nvCxnSpPr>
         <p:spPr>
           <a:xfrm rot="10800000" flipV="1">
-            <a:off x="24509825" y="8486050"/>
-            <a:ext cx="729207" cy="552062"/>
+            <a:off x="24509831" y="8486054"/>
+            <a:ext cx="729208" cy="552063"/>
           </a:xfrm>
           <a:prstGeom prst="curvedConnector2">
             <a:avLst/>
@@ -14801,8 +14710,8 @@
         </p:nvSpPr>
         <p:spPr>
           <a:xfrm>
-            <a:off x="24019040" y="8282936"/>
-            <a:ext cx="976814" cy="369332"/>
+            <a:off x="24019044" y="8282939"/>
+            <a:ext cx="976814" cy="448713"/>
           </a:xfrm>
           <a:prstGeom prst="rect">
             <a:avLst/>
@@ -14817,31 +14726,31 @@
           <a:p>
             <a:pPr algn="ctr"/>
             <a:r>
-              <a:rPr lang="fr-FR" sz="900" i="1" dirty="0">
+              <a:rPr lang="fr-FR" sz="1158" i="1" dirty="0">
                 <a:latin typeface="Gill Sans Nova" panose="020B0602020104020203" pitchFamily="34" charset="0"/>
               </a:rPr>
               <a:t>P80 end </a:t>
             </a:r>
             <a:r>
-              <a:rPr lang="fr-FR" sz="900" i="1" dirty="0" err="1">
+              <a:rPr lang="fr-FR" sz="1158" i="1" dirty="0" err="1">
                 <a:latin typeface="Gill Sans Nova" panose="020B0602020104020203" pitchFamily="34" charset="0"/>
               </a:rPr>
               <a:t>is</a:t>
             </a:r>
             <a:r>
-              <a:rPr lang="fr-FR" sz="900" i="1" dirty="0">
+              <a:rPr lang="fr-FR" sz="1158" i="1" dirty="0">
                 <a:latin typeface="Gill Sans Nova" panose="020B0602020104020203" pitchFamily="34" charset="0"/>
               </a:rPr>
               <a:t> </a:t>
             </a:r>
             <a:r>
-              <a:rPr lang="fr-FR" sz="900" i="1" dirty="0" err="1">
+              <a:rPr lang="fr-FR" sz="1158" i="1" dirty="0" err="1">
                 <a:latin typeface="Gill Sans Nova" panose="020B0602020104020203" pitchFamily="34" charset="0"/>
               </a:rPr>
               <a:t>qualified</a:t>
             </a:r>
             <a:r>
-              <a:rPr lang="fr-FR" sz="900" i="1" dirty="0">
+              <a:rPr lang="fr-FR" sz="1158" i="1" dirty="0">
                 <a:latin typeface="Gill Sans Nova" panose="020B0602020104020203" pitchFamily="34" charset="0"/>
               </a:rPr>
               <a:t> by</a:t>
@@ -14865,8 +14774,8 @@
         </p:nvCxnSpPr>
         <p:spPr>
           <a:xfrm rot="5400000" flipH="1" flipV="1">
-            <a:off x="11877387" y="23712715"/>
-            <a:ext cx="4812814" cy="2237600"/>
+            <a:off x="11877394" y="23712714"/>
+            <a:ext cx="4812809" cy="2237606"/>
           </a:xfrm>
           <a:prstGeom prst="curvedConnector2">
             <a:avLst/>
@@ -14908,8 +14817,8 @@
         </p:nvSpPr>
         <p:spPr>
           <a:xfrm>
-            <a:off x="12496302" y="24180582"/>
-            <a:ext cx="1242988" cy="230832"/>
+            <a:off x="12496297" y="24180580"/>
+            <a:ext cx="1242988" cy="448713"/>
           </a:xfrm>
           <a:prstGeom prst="rect">
             <a:avLst/>
@@ -14924,7 +14833,7 @@
           <a:p>
             <a:pPr algn="ctr"/>
             <a:r>
-              <a:rPr lang="fr-FR" sz="900" i="1" dirty="0">
+              <a:rPr lang="fr-FR" sz="1158" i="1" dirty="0">
                 <a:solidFill>
                   <a:srgbClr val="8A6868"/>
                 </a:solidFill>
@@ -14933,7 +14842,7 @@
               <a:t>P121 </a:t>
             </a:r>
             <a:r>
-              <a:rPr lang="fr-FR" sz="900" i="1" dirty="0" err="1">
+              <a:rPr lang="fr-FR" sz="1158" i="1" dirty="0" err="1">
                 <a:solidFill>
                   <a:srgbClr val="8A6868"/>
                 </a:solidFill>
@@ -14942,7 +14851,7 @@
               <a:t>overlaps</a:t>
             </a:r>
             <a:r>
-              <a:rPr lang="fr-FR" sz="900" i="1" dirty="0">
+              <a:rPr lang="fr-FR" sz="1158" i="1" dirty="0">
                 <a:solidFill>
                   <a:srgbClr val="8A6868"/>
                 </a:solidFill>
@@ -14951,7 +14860,7 @@
               <a:t> </a:t>
             </a:r>
             <a:r>
-              <a:rPr lang="fr-FR" sz="900" i="1" dirty="0" err="1">
+              <a:rPr lang="fr-FR" sz="1158" i="1" dirty="0" err="1">
                 <a:solidFill>
                   <a:srgbClr val="8A6868"/>
                 </a:solidFill>
@@ -14959,7 +14868,7 @@
               </a:rPr>
               <a:t>with</a:t>
             </a:r>
-            <a:endParaRPr lang="fr-FR" sz="900" i="1" dirty="0">
+            <a:endParaRPr lang="fr-FR" sz="1158" i="1" dirty="0">
               <a:solidFill>
                 <a:srgbClr val="8A6868"/>
               </a:solidFill>
@@ -14985,8 +14894,8 @@
         </p:nvCxnSpPr>
         <p:spPr>
           <a:xfrm rot="16200000" flipV="1">
-            <a:off x="25176631" y="6037688"/>
-            <a:ext cx="1103962" cy="517530"/>
+            <a:off x="25176636" y="6037695"/>
+            <a:ext cx="1103965" cy="517533"/>
           </a:xfrm>
           <a:prstGeom prst="curvedConnector3">
             <a:avLst/>
@@ -15026,8 +14935,8 @@
         </p:nvCxnSpPr>
         <p:spPr>
           <a:xfrm flipH="1" flipV="1">
-            <a:off x="28094543" y="6046764"/>
-            <a:ext cx="1088331" cy="801670"/>
+            <a:off x="28094544" y="6046776"/>
+            <a:ext cx="1088327" cy="801673"/>
           </a:xfrm>
           <a:prstGeom prst="straightConnector1">
             <a:avLst/>
@@ -15065,8 +14974,8 @@
         </p:nvSpPr>
         <p:spPr>
           <a:xfrm>
-            <a:off x="13370710" y="11804842"/>
-            <a:ext cx="1845215" cy="268547"/>
+            <a:off x="13370722" y="11804839"/>
+            <a:ext cx="1845219" cy="268549"/>
           </a:xfrm>
           <a:prstGeom prst="roundRect">
             <a:avLst/>
@@ -15098,7 +15007,7 @@
           <a:p>
             <a:pPr algn="ctr"/>
             <a:r>
-              <a:rPr lang="fr-FR" sz="900" dirty="0">
+              <a:rPr lang="fr-FR" sz="1158" dirty="0">
                 <a:solidFill>
                   <a:schemeClr val="tx1"/>
                 </a:solidFill>
@@ -15122,8 +15031,8 @@
         </p:nvSpPr>
         <p:spPr>
           <a:xfrm>
-            <a:off x="18635844" y="14288513"/>
-            <a:ext cx="1845215" cy="268547"/>
+            <a:off x="18635849" y="14288510"/>
+            <a:ext cx="1845219" cy="268549"/>
           </a:xfrm>
           <a:prstGeom prst="roundRect">
             <a:avLst/>
@@ -15154,7 +15063,7 @@
           <a:lstStyle/>
           <a:p>
             <a:r>
-              <a:rPr lang="fr-FR" sz="900" dirty="0">
+              <a:rPr lang="fr-FR" sz="1158" dirty="0">
                 <a:solidFill>
                   <a:schemeClr val="tx1"/>
                 </a:solidFill>
@@ -15178,8 +15087,8 @@
         </p:nvSpPr>
         <p:spPr>
           <a:xfrm>
-            <a:off x="28062197" y="24087447"/>
-            <a:ext cx="949650" cy="313092"/>
+            <a:off x="28062203" y="24087455"/>
+            <a:ext cx="949651" cy="313087"/>
           </a:xfrm>
           <a:prstGeom prst="roundRect">
             <a:avLst/>
@@ -15211,7 +15120,7 @@
           <a:p>
             <a:pPr algn="ctr"/>
             <a:r>
-              <a:rPr lang="fr-FR" sz="900" dirty="0">
+              <a:rPr lang="fr-FR" sz="1158" dirty="0">
                 <a:solidFill>
                   <a:schemeClr val="tx1"/>
                 </a:solidFill>
@@ -15223,7 +15132,7 @@
           <a:p>
             <a:pPr algn="ctr"/>
             <a:r>
-              <a:rPr lang="fr-FR" sz="900" i="1">
+              <a:rPr lang="fr-FR" sz="1158" i="1">
                 <a:solidFill>
                   <a:schemeClr val="tx1"/>
                 </a:solidFill>
@@ -15232,7 +15141,7 @@
               <a:t>« Adhérent </a:t>
             </a:r>
             <a:r>
-              <a:rPr lang="fr-FR" sz="900" i="1" dirty="0">
+              <a:rPr lang="fr-FR" sz="1158" i="1" dirty="0">
                 <a:solidFill>
                   <a:schemeClr val="tx1"/>
                 </a:solidFill>
@@ -15261,8 +15170,8 @@
         </p:nvCxnSpPr>
         <p:spPr>
           <a:xfrm rot="16200000" flipH="1">
-            <a:off x="27839123" y="23389543"/>
-            <a:ext cx="840533" cy="555274"/>
+            <a:off x="27839117" y="23389555"/>
+            <a:ext cx="840536" cy="555272"/>
           </a:xfrm>
           <a:prstGeom prst="curvedConnector3">
             <a:avLst>
@@ -15302,8 +15211,8 @@
         </p:nvSpPr>
         <p:spPr>
           <a:xfrm>
-            <a:off x="27826297" y="23551486"/>
-            <a:ext cx="1467682" cy="230832"/>
+            <a:off x="27826295" y="23551493"/>
+            <a:ext cx="1467682" cy="270523"/>
           </a:xfrm>
           <a:prstGeom prst="rect">
             <a:avLst/>
@@ -15318,7 +15227,7 @@
           <a:p>
             <a:pPr algn="ctr"/>
             <a:r>
-              <a:rPr lang="fr-FR" sz="900" i="1" dirty="0">
+              <a:rPr lang="fr-FR" sz="1158" i="1" dirty="0">
                 <a:latin typeface="Gill Sans Nova" panose="020B0602020104020203" pitchFamily="34" charset="0"/>
               </a:rPr>
               <a:t>P2</a:t>
@@ -15340,8 +15249,8 @@
         </p:nvSpPr>
         <p:spPr>
           <a:xfrm>
-            <a:off x="33027944" y="23884631"/>
-            <a:ext cx="1311925" cy="856482"/>
+            <a:off x="33027953" y="23884640"/>
+            <a:ext cx="1311921" cy="856486"/>
           </a:xfrm>
           <a:prstGeom prst="roundRect">
             <a:avLst/>
@@ -15375,7 +15284,7 @@
           <a:p>
             <a:pPr algn="ctr"/>
             <a:r>
-              <a:rPr lang="fr-FR" sz="900" dirty="0">
+              <a:rPr lang="fr-FR" sz="1158" dirty="0">
                 <a:solidFill>
                   <a:schemeClr val="tx1"/>
                 </a:solidFill>
@@ -15387,7 +15296,7 @@
           <a:p>
             <a:pPr algn="ctr"/>
             <a:r>
-              <a:rPr lang="fr-FR" sz="900" i="1" dirty="0">
+              <a:rPr lang="fr-FR" sz="1158" i="1" dirty="0">
                 <a:solidFill>
                   <a:schemeClr val="tx1"/>
                 </a:solidFill>
@@ -15415,8 +15324,8 @@
         </p:nvCxnSpPr>
         <p:spPr>
           <a:xfrm flipV="1">
-            <a:off x="34339865" y="22832788"/>
-            <a:ext cx="763064" cy="1480087"/>
+            <a:off x="34339866" y="22832789"/>
+            <a:ext cx="763066" cy="1480088"/>
           </a:xfrm>
           <a:prstGeom prst="curvedConnector2">
             <a:avLst/>
@@ -15454,8 +15363,8 @@
         </p:nvSpPr>
         <p:spPr>
           <a:xfrm>
-            <a:off x="34454216" y="25420424"/>
-            <a:ext cx="1386808" cy="856482"/>
+            <a:off x="34454219" y="25420433"/>
+            <a:ext cx="1386807" cy="856486"/>
           </a:xfrm>
           <a:prstGeom prst="roundRect">
             <a:avLst/>
@@ -15489,7 +15398,7 @@
           <a:p>
             <a:pPr algn="ctr"/>
             <a:r>
-              <a:rPr lang="fr-FR" sz="900" dirty="0">
+              <a:rPr lang="fr-FR" sz="1158" dirty="0">
                 <a:solidFill>
                   <a:schemeClr val="tx1"/>
                 </a:solidFill>
@@ -15501,7 +15410,7 @@
           <a:p>
             <a:pPr algn="ctr"/>
             <a:r>
-              <a:rPr lang="fr-FR" sz="900" i="1" dirty="0">
+              <a:rPr lang="fr-FR" sz="1158" i="1" dirty="0">
                 <a:solidFill>
                   <a:schemeClr val="tx1"/>
                 </a:solidFill>
@@ -15530,8 +15439,8 @@
         </p:nvCxnSpPr>
         <p:spPr>
           <a:xfrm>
-            <a:off x="34339870" y="24312876"/>
-            <a:ext cx="807755" cy="1107551"/>
+            <a:off x="34339868" y="24312874"/>
+            <a:ext cx="807755" cy="1107555"/>
           </a:xfrm>
           <a:prstGeom prst="curvedConnector2">
             <a:avLst/>
@@ -15569,8 +15478,8 @@
         </p:nvSpPr>
         <p:spPr>
           <a:xfrm>
-            <a:off x="34634656" y="24178212"/>
-            <a:ext cx="1484002" cy="369332"/>
+            <a:off x="34634659" y="24178217"/>
+            <a:ext cx="1484003" cy="448713"/>
           </a:xfrm>
           <a:prstGeom prst="rect">
             <a:avLst/>
@@ -15585,30 +15494,30 @@
           <a:p>
             <a:pPr algn="ctr"/>
             <a:r>
-              <a:rPr lang="fr-FR" sz="900" i="1" dirty="0">
+              <a:rPr lang="fr-FR" sz="1158" i="1" dirty="0">
                 <a:latin typeface="Gill Sans Nova" panose="020B0602020104020203" pitchFamily="34" charset="0"/>
               </a:rPr>
               <a:t>P107 has </a:t>
             </a:r>
             <a:r>
-              <a:rPr lang="fr-FR" sz="900" i="1" dirty="0" err="1">
+              <a:rPr lang="fr-FR" sz="1158" i="1" dirty="0" err="1">
                 <a:latin typeface="Gill Sans Nova" panose="020B0602020104020203" pitchFamily="34" charset="0"/>
               </a:rPr>
               <a:t>current</a:t>
             </a:r>
             <a:r>
-              <a:rPr lang="fr-FR" sz="900" i="1" dirty="0">
+              <a:rPr lang="fr-FR" sz="1158" i="1" dirty="0">
                 <a:latin typeface="Gill Sans Nova" panose="020B0602020104020203" pitchFamily="34" charset="0"/>
               </a:rPr>
               <a:t> or former </a:t>
             </a:r>
             <a:r>
-              <a:rPr lang="fr-FR" sz="900" i="1" dirty="0" err="1">
+              <a:rPr lang="fr-FR" sz="1158" i="1" dirty="0" err="1">
                 <a:latin typeface="Gill Sans Nova" panose="020B0602020104020203" pitchFamily="34" charset="0"/>
               </a:rPr>
               <a:t>member</a:t>
             </a:r>
-            <a:endParaRPr lang="fr-FR" sz="900" i="1" dirty="0">
+            <a:endParaRPr lang="fr-FR" sz="1158" i="1" dirty="0">
               <a:latin typeface="Gill Sans Nova" panose="020B0602020104020203" pitchFamily="34" charset="0"/>
             </a:endParaRPr>
           </a:p>
@@ -15632,8 +15541,8 @@
         </p:nvCxnSpPr>
         <p:spPr>
           <a:xfrm flipV="1">
-            <a:off x="28441148" y="22404545"/>
-            <a:ext cx="6005818" cy="697420"/>
+            <a:off x="28441152" y="22404554"/>
+            <a:ext cx="6005814" cy="697423"/>
           </a:xfrm>
           <a:prstGeom prst="curvedConnector3">
             <a:avLst/>
@@ -15675,8 +15584,8 @@
         </p:nvCxnSpPr>
         <p:spPr>
           <a:xfrm flipV="1">
-            <a:off x="28432521" y="22404547"/>
-            <a:ext cx="6014449" cy="26613"/>
+            <a:off x="28432528" y="22404548"/>
+            <a:ext cx="6014444" cy="26619"/>
           </a:xfrm>
           <a:prstGeom prst="straightConnector1">
             <a:avLst/>
@@ -15718,8 +15627,8 @@
         </p:nvCxnSpPr>
         <p:spPr>
           <a:xfrm rot="10800000" flipV="1">
-            <a:off x="16112294" y="20826101"/>
-            <a:ext cx="8709681" cy="1174651"/>
+            <a:off x="16112294" y="20826104"/>
+            <a:ext cx="8709686" cy="1174646"/>
           </a:xfrm>
           <a:prstGeom prst="curvedConnector2">
             <a:avLst/>
@@ -15760,8 +15669,8 @@
         </p:nvCxnSpPr>
         <p:spPr>
           <a:xfrm flipH="1">
-            <a:off x="10946048" y="31452897"/>
-            <a:ext cx="12879859" cy="54373"/>
+            <a:off x="10946054" y="31452895"/>
+            <a:ext cx="12879860" cy="54372"/>
           </a:xfrm>
           <a:prstGeom prst="straightConnector1">
             <a:avLst/>
@@ -15802,8 +15711,8 @@
         </p:nvCxnSpPr>
         <p:spPr>
           <a:xfrm rot="10800000">
-            <a:off x="4328581" y="25015762"/>
-            <a:ext cx="5288787" cy="6491509"/>
+            <a:off x="4328580" y="25015764"/>
+            <a:ext cx="5288792" cy="6491505"/>
           </a:xfrm>
           <a:prstGeom prst="curvedConnector3">
             <a:avLst>
@@ -15840,8 +15749,8 @@
         </p:nvSpPr>
         <p:spPr>
           <a:xfrm>
-            <a:off x="30269463" y="30009668"/>
-            <a:ext cx="1484002" cy="276999"/>
+            <a:off x="30269467" y="30009665"/>
+            <a:ext cx="1484003" cy="277768"/>
           </a:xfrm>
           <a:prstGeom prst="rect">
             <a:avLst/>
@@ -15856,18 +15765,18 @@
           <a:p>
             <a:pPr algn="ctr"/>
             <a:r>
-              <a:rPr lang="fr-FR" sz="1200" i="1" dirty="0">
+              <a:rPr lang="fr-FR" sz="1205" i="1" dirty="0">
                 <a:latin typeface="Gill Sans Nova" panose="020B0602020104020203" pitchFamily="34" charset="0"/>
               </a:rPr>
               <a:t>P71 </a:t>
             </a:r>
             <a:r>
-              <a:rPr lang="fr-FR" sz="1200" i="1" dirty="0" err="1">
+              <a:rPr lang="fr-FR" sz="1205" i="1" dirty="0" err="1">
                 <a:latin typeface="Gill Sans Nova" panose="020B0602020104020203" pitchFamily="34" charset="0"/>
               </a:rPr>
               <a:t>lists</a:t>
             </a:r>
-            <a:endParaRPr lang="fr-FR" sz="1200" i="1" dirty="0">
+            <a:endParaRPr lang="fr-FR" sz="1205" i="1" dirty="0">
               <a:latin typeface="Gill Sans Nova" panose="020B0602020104020203" pitchFamily="34" charset="0"/>
             </a:endParaRPr>
           </a:p>
@@ -15887,8 +15796,8 @@
         </p:nvSpPr>
         <p:spPr>
           <a:xfrm>
-            <a:off x="1791314" y="27594426"/>
-            <a:ext cx="1484002" cy="276999"/>
+            <a:off x="1791326" y="27594428"/>
+            <a:ext cx="1484003" cy="277768"/>
           </a:xfrm>
           <a:prstGeom prst="rect">
             <a:avLst/>
@@ -15903,18 +15812,18 @@
           <a:p>
             <a:pPr algn="ctr"/>
             <a:r>
-              <a:rPr lang="fr-FR" sz="1200" i="1" dirty="0">
+              <a:rPr lang="fr-FR" sz="1205" i="1" dirty="0">
                 <a:latin typeface="Gill Sans Nova" panose="020B0602020104020203" pitchFamily="34" charset="0"/>
               </a:rPr>
               <a:t>P71 </a:t>
             </a:r>
             <a:r>
-              <a:rPr lang="fr-FR" sz="1200" i="1" dirty="0" err="1">
+              <a:rPr lang="fr-FR" sz="1205" i="1" dirty="0" err="1">
                 <a:latin typeface="Gill Sans Nova" panose="020B0602020104020203" pitchFamily="34" charset="0"/>
               </a:rPr>
               <a:t>lists</a:t>
             </a:r>
-            <a:endParaRPr lang="fr-FR" sz="1200" i="1" dirty="0">
+            <a:endParaRPr lang="fr-FR" sz="1205" i="1" dirty="0">
               <a:latin typeface="Gill Sans Nova" panose="020B0602020104020203" pitchFamily="34" charset="0"/>
             </a:endParaRPr>
           </a:p>
@@ -15938,8 +15847,8 @@
         </p:nvCxnSpPr>
         <p:spPr>
           <a:xfrm>
-            <a:off x="16103398" y="26782813"/>
-            <a:ext cx="12615" cy="1012624"/>
+            <a:off x="16103410" y="26782810"/>
+            <a:ext cx="12614" cy="1012630"/>
           </a:xfrm>
           <a:prstGeom prst="straightConnector1">
             <a:avLst/>
@@ -15981,8 +15890,8 @@
         </p:nvSpPr>
         <p:spPr>
           <a:xfrm>
-            <a:off x="15393703" y="27795437"/>
-            <a:ext cx="1444619" cy="374489"/>
+            <a:off x="15393709" y="27795435"/>
+            <a:ext cx="1444620" cy="374490"/>
           </a:xfrm>
           <a:prstGeom prst="roundRect">
             <a:avLst/>
@@ -16014,32 +15923,13 @@
           <a:p>
             <a:pPr algn="ctr"/>
             <a:r>
-              <a:rPr lang="fr-FR" sz="900" dirty="0">
+              <a:rPr lang="fr-FR" sz="1158" dirty="0">
                 <a:solidFill>
                   <a:schemeClr val="tx1"/>
                 </a:solidFill>
                 <a:latin typeface="Gill Sans Nova" panose="020B0602020104020203" pitchFamily="34" charset="0"/>
               </a:rPr>
-              <a:t>« </a:t>
-            </a:r>
-            <a:r>
-              <a:rPr lang="fr-FR" sz="900" b="0" dirty="0">
-                <a:solidFill>
-                  <a:schemeClr val="tx1"/>
-                </a:solidFill>
-                <a:effectLst/>
-                <a:latin typeface="Gill Sans Nova" panose="020B0602020104020203" pitchFamily="34" charset="0"/>
-              </a:rPr>
-              <a:t>47.3280 -2.42917 </a:t>
-            </a:r>
-            <a:r>
-              <a:rPr lang="fr-FR" sz="900" dirty="0">
-                <a:solidFill>
-                  <a:schemeClr val="tx1"/>
-                </a:solidFill>
-                <a:latin typeface="Gill Sans Nova" panose="020B0602020104020203" pitchFamily="34" charset="0"/>
-              </a:rPr>
-              <a:t>»</a:t>
+              <a:t>« 47.3280 -2.42917 »</a:t>
             </a:r>
           </a:p>
         </p:txBody>
@@ -16058,8 +15948,8 @@
         </p:nvSpPr>
         <p:spPr>
           <a:xfrm>
-            <a:off x="15160739" y="27028338"/>
-            <a:ext cx="1045625" cy="369332"/>
+            <a:off x="15160740" y="27028345"/>
+            <a:ext cx="1045631" cy="448713"/>
           </a:xfrm>
           <a:prstGeom prst="rect">
             <a:avLst/>
@@ -16074,7 +15964,7 @@
           <a:p>
             <a:pPr algn="ctr"/>
             <a:r>
-              <a:rPr lang="fr-FR" sz="900" i="1" dirty="0">
+              <a:rPr lang="fr-FR" sz="1158" i="1" dirty="0">
                 <a:solidFill>
                   <a:srgbClr val="8A6868"/>
                 </a:solidFill>
@@ -16083,7 +15973,7 @@
               <a:t>P168 place </a:t>
             </a:r>
             <a:r>
-              <a:rPr lang="fr-FR" sz="900" i="1" dirty="0" err="1">
+              <a:rPr lang="fr-FR" sz="1158" i="1" dirty="0" err="1">
                 <a:solidFill>
                   <a:srgbClr val="8A6868"/>
                 </a:solidFill>
@@ -16092,7 +15982,7 @@
               <a:t>is</a:t>
             </a:r>
             <a:r>
-              <a:rPr lang="fr-FR" sz="900" i="1" dirty="0">
+              <a:rPr lang="fr-FR" sz="1158" i="1" dirty="0">
                 <a:solidFill>
                   <a:srgbClr val="8A6868"/>
                 </a:solidFill>
@@ -16101,7 +15991,7 @@
               <a:t> </a:t>
             </a:r>
             <a:r>
-              <a:rPr lang="fr-FR" sz="900" i="1" dirty="0" err="1">
+              <a:rPr lang="fr-FR" sz="1158" i="1" dirty="0" err="1">
                 <a:solidFill>
                   <a:srgbClr val="8A6868"/>
                 </a:solidFill>
@@ -16110,7 +16000,7 @@
               <a:t>defined</a:t>
             </a:r>
             <a:r>
-              <a:rPr lang="fr-FR" sz="900" i="1" dirty="0">
+              <a:rPr lang="fr-FR" sz="1158" i="1" dirty="0">
                 <a:solidFill>
                   <a:srgbClr val="8A6868"/>
                 </a:solidFill>
@@ -16135,8 +16025,8 @@
         </p:nvSpPr>
         <p:spPr>
           <a:xfrm>
-            <a:off x="37586462" y="21468221"/>
-            <a:ext cx="1062749" cy="575143"/>
+            <a:off x="37586466" y="21468230"/>
+            <a:ext cx="1062751" cy="575137"/>
           </a:xfrm>
           <a:prstGeom prst="roundRect">
             <a:avLst/>
@@ -16170,7 +16060,7 @@
           <a:p>
             <a:pPr algn="ctr"/>
             <a:r>
-              <a:rPr lang="fr-FR" sz="900" dirty="0">
+              <a:rPr lang="fr-FR" sz="1158" dirty="0">
                 <a:solidFill>
                   <a:schemeClr val="tx1"/>
                 </a:solidFill>
@@ -16195,8 +16085,8 @@
         </p:nvSpPr>
         <p:spPr>
           <a:xfrm>
-            <a:off x="36027738" y="21571126"/>
-            <a:ext cx="1002663" cy="369332"/>
+            <a:off x="36027742" y="21571125"/>
+            <a:ext cx="1002668" cy="448713"/>
           </a:xfrm>
           <a:prstGeom prst="rect">
             <a:avLst/>
@@ -16211,42 +16101,42 @@
           <a:p>
             <a:pPr algn="ctr"/>
             <a:r>
-              <a:rPr lang="fr-FR" sz="900" i="1" dirty="0">
+              <a:rPr lang="fr-FR" sz="1158" i="1" dirty="0">
                 <a:latin typeface="Gill Sans Nova" panose="020B0602020104020203" pitchFamily="34" charset="0"/>
               </a:rPr>
               <a:t>P151 </a:t>
             </a:r>
             <a:r>
-              <a:rPr lang="fr-FR" sz="900" i="1" dirty="0" err="1">
+              <a:rPr lang="fr-FR" sz="1158" i="1" dirty="0" err="1">
                 <a:latin typeface="Gill Sans Nova" panose="020B0602020104020203" pitchFamily="34" charset="0"/>
               </a:rPr>
               <a:t>was</a:t>
             </a:r>
             <a:r>
-              <a:rPr lang="fr-FR" sz="900" i="1" dirty="0">
+              <a:rPr lang="fr-FR" sz="1158" i="1" dirty="0">
                 <a:latin typeface="Gill Sans Nova" panose="020B0602020104020203" pitchFamily="34" charset="0"/>
               </a:rPr>
               <a:t> </a:t>
             </a:r>
             <a:r>
-              <a:rPr lang="fr-FR" sz="900" i="1" dirty="0" err="1">
+              <a:rPr lang="fr-FR" sz="1158" i="1" dirty="0" err="1">
                 <a:latin typeface="Gill Sans Nova" panose="020B0602020104020203" pitchFamily="34" charset="0"/>
               </a:rPr>
               <a:t>formed</a:t>
             </a:r>
             <a:r>
-              <a:rPr lang="fr-FR" sz="900" i="1" dirty="0">
+              <a:rPr lang="fr-FR" sz="1158" i="1" dirty="0">
                 <a:latin typeface="Gill Sans Nova" panose="020B0602020104020203" pitchFamily="34" charset="0"/>
               </a:rPr>
               <a:t> </a:t>
             </a:r>
             <a:r>
-              <a:rPr lang="fr-FR" sz="900" i="1" dirty="0" err="1">
+              <a:rPr lang="fr-FR" sz="1158" i="1" dirty="0" err="1">
                 <a:latin typeface="Gill Sans Nova" panose="020B0602020104020203" pitchFamily="34" charset="0"/>
               </a:rPr>
               <a:t>from</a:t>
             </a:r>
-            <a:endParaRPr lang="fr-FR" sz="900" i="1" dirty="0">
+            <a:endParaRPr lang="fr-FR" sz="1158" i="1" dirty="0">
               <a:latin typeface="Gill Sans Nova" panose="020B0602020104020203" pitchFamily="34" charset="0"/>
             </a:endParaRPr>
           </a:p>
@@ -16269,8 +16159,8 @@
         </p:nvCxnSpPr>
         <p:spPr>
           <a:xfrm flipV="1">
-            <a:off x="35758896" y="21755793"/>
-            <a:ext cx="1827566" cy="648751"/>
+            <a:off x="35758904" y="21755802"/>
+            <a:ext cx="1827566" cy="648750"/>
           </a:xfrm>
           <a:prstGeom prst="curvedConnector3">
             <a:avLst/>
@@ -16308,8 +16198,8 @@
         </p:nvSpPr>
         <p:spPr>
           <a:xfrm>
-            <a:off x="37586462" y="22599222"/>
-            <a:ext cx="1062749" cy="575143"/>
+            <a:off x="37586466" y="22599230"/>
+            <a:ext cx="1062751" cy="575137"/>
           </a:xfrm>
           <a:prstGeom prst="roundRect">
             <a:avLst/>
@@ -16343,7 +16233,7 @@
           <a:p>
             <a:pPr algn="ctr"/>
             <a:r>
-              <a:rPr lang="fr-FR" sz="900" dirty="0">
+              <a:rPr lang="fr-FR" sz="1158" dirty="0">
                 <a:solidFill>
                   <a:schemeClr val="bg1"/>
                 </a:solidFill>
@@ -16372,7 +16262,7 @@
         </p:nvCxnSpPr>
         <p:spPr>
           <a:xfrm rot="10800000">
-            <a:off x="35758896" y="22404544"/>
+            <a:off x="35758904" y="22404552"/>
             <a:ext cx="1827566" cy="482250"/>
           </a:xfrm>
           <a:prstGeom prst="curvedConnector3">
@@ -16413,8 +16303,8 @@
         </p:nvSpPr>
         <p:spPr>
           <a:xfrm>
-            <a:off x="36091130" y="22849589"/>
-            <a:ext cx="1002663" cy="230832"/>
+            <a:off x="36091138" y="22849599"/>
+            <a:ext cx="1002668" cy="270523"/>
           </a:xfrm>
           <a:prstGeom prst="rect">
             <a:avLst/>
@@ -16429,18 +16319,18 @@
           <a:p>
             <a:pPr algn="ctr"/>
             <a:r>
-              <a:rPr lang="fr-FR" sz="900" i="1" dirty="0">
+              <a:rPr lang="fr-FR" sz="1158" i="1" dirty="0">
                 <a:latin typeface="Gill Sans Nova" panose="020B0602020104020203" pitchFamily="34" charset="0"/>
               </a:rPr>
               <a:t>P99 </a:t>
             </a:r>
             <a:r>
-              <a:rPr lang="fr-FR" sz="900" i="1" dirty="0" err="1">
+              <a:rPr lang="fr-FR" sz="1158" i="1" dirty="0" err="1">
                 <a:latin typeface="Gill Sans Nova" panose="020B0602020104020203" pitchFamily="34" charset="0"/>
               </a:rPr>
               <a:t>dissolved</a:t>
             </a:r>
-            <a:endParaRPr lang="fr-FR" sz="900" i="1" dirty="0">
+            <a:endParaRPr lang="fr-FR" sz="1158" i="1" dirty="0">
               <a:latin typeface="Gill Sans Nova" panose="020B0602020104020203" pitchFamily="34" charset="0"/>
             </a:endParaRPr>
           </a:p>
@@ -16463,8 +16353,8 @@
         </p:nvCxnSpPr>
         <p:spPr>
           <a:xfrm>
-            <a:off x="25731206" y="19873961"/>
-            <a:ext cx="9371728" cy="2102342"/>
+            <a:off x="25731201" y="19873970"/>
+            <a:ext cx="9371733" cy="2102347"/>
           </a:xfrm>
           <a:prstGeom prst="curvedConnector2">
             <a:avLst/>
@@ -16502,8 +16392,8 @@
         </p:nvSpPr>
         <p:spPr>
           <a:xfrm>
-            <a:off x="29957123" y="20349103"/>
-            <a:ext cx="1187339" cy="289717"/>
+            <a:off x="29957125" y="20349106"/>
+            <a:ext cx="1187342" cy="289712"/>
           </a:xfrm>
           <a:prstGeom prst="ellipse">
             <a:avLst/>
@@ -16537,7 +16427,7 @@
           <a:p>
             <a:pPr algn="ctr"/>
             <a:r>
-              <a:rPr lang="fr-FR" sz="1050" i="1" dirty="0" err="1">
+              <a:rPr lang="fr-FR" sz="1158" i="1" dirty="0" err="1">
                 <a:solidFill>
                   <a:schemeClr val="tx1"/>
                 </a:solidFill>
@@ -16546,24 +16436,15 @@
               <a:t>sheP</a:t>
             </a:r>
             <a:r>
-              <a:rPr lang="fr-FR" sz="900" i="1" dirty="0">
+              <a:rPr lang="fr-FR" sz="1158" i="1" dirty="0">
                 <a:solidFill>
                   <a:schemeClr val="tx1"/>
                 </a:solidFill>
                 <a:latin typeface="Gill Sans Nova" panose="020B0602020104020203" pitchFamily="34" charset="0"/>
               </a:rPr>
-              <a:t> </a:t>
-            </a:r>
-            <a:r>
-              <a:rPr lang="fr-FR" sz="1050" i="1" dirty="0">
-                <a:solidFill>
-                  <a:schemeClr val="tx1"/>
-                </a:solidFill>
-                <a:latin typeface="Gill Sans Nova" panose="020B0602020104020203" pitchFamily="34" charset="0"/>
-              </a:rPr>
-              <a:t>associe</a:t>
-            </a:r>
-            <a:endParaRPr lang="fr-FR" sz="1050" dirty="0">
+              <a:t> associe</a:t>
+            </a:r>
+            <a:endParaRPr lang="fr-FR" sz="1158" dirty="0">
               <a:solidFill>
                 <a:schemeClr val="tx1"/>
               </a:solidFill>
@@ -16585,8 +16466,8 @@
         </p:nvSpPr>
         <p:spPr>
           <a:xfrm>
-            <a:off x="38600232" y="32867600"/>
-            <a:ext cx="4122568" cy="2514600"/>
+            <a:off x="38600231" y="32867614"/>
+            <a:ext cx="4122567" cy="2514599"/>
           </a:xfrm>
           <a:prstGeom prst="roundRect">
             <a:avLst/>
@@ -16624,11 +16505,11 @@
               </a:lnSpc>
             </a:pPr>
             <a:r>
-              <a:rPr lang="fr-FR" dirty="0"/>
+              <a:rPr lang="fr-FR" sz="1795" dirty="0"/>
               <a:t>     		</a:t>
             </a:r>
             <a:r>
-              <a:rPr lang="fr-FR" sz="1200" dirty="0">
+              <a:rPr lang="fr-FR" sz="1205" dirty="0">
                 <a:solidFill>
                   <a:schemeClr val="tx1"/>
                 </a:solidFill>
@@ -16636,7 +16517,7 @@
               </a:rPr>
               <a:t>Propriété SHERLOCK</a:t>
             </a:r>
-            <a:endParaRPr lang="fr-FR" dirty="0">
+            <a:endParaRPr lang="fr-FR" sz="1795" dirty="0">
               <a:latin typeface="Gill Sans Nova" panose="020B0602020104020203" pitchFamily="34" charset="0"/>
             </a:endParaRPr>
           </a:p>
@@ -16656,8 +16537,8 @@
         </p:nvSpPr>
         <p:spPr>
           <a:xfrm>
-            <a:off x="38881050" y="33185100"/>
-            <a:ext cx="742950" cy="247650"/>
+            <a:off x="38881062" y="33185095"/>
+            <a:ext cx="742946" cy="247652"/>
           </a:xfrm>
           <a:prstGeom prst="ellipse">
             <a:avLst/>
@@ -16692,7 +16573,7 @@
           <a:lstStyle/>
           <a:p>
             <a:pPr algn="ctr"/>
-            <a:endParaRPr lang="fr-FR"/>
+            <a:endParaRPr lang="fr-FR" sz="1795"/>
           </a:p>
         </p:txBody>
       </p:sp>
@@ -16710,8 +16591,8 @@
         </p:nvSpPr>
         <p:spPr>
           <a:xfrm>
-            <a:off x="31103785" y="11926395"/>
-            <a:ext cx="1052047" cy="697636"/>
+            <a:off x="30761918" y="12903914"/>
+            <a:ext cx="1052048" cy="697632"/>
           </a:xfrm>
           <a:prstGeom prst="roundRect">
             <a:avLst/>
@@ -16743,7 +16624,7 @@
           <a:p>
             <a:pPr algn="ctr"/>
             <a:r>
-              <a:rPr lang="fr-FR" sz="900" dirty="0">
+              <a:rPr lang="fr-FR" sz="1158" dirty="0">
                 <a:solidFill>
                   <a:schemeClr val="bg1"/>
                 </a:solidFill>
@@ -16755,7 +16636,7 @@
           <a:p>
             <a:pPr algn="ctr"/>
             <a:r>
-              <a:rPr lang="fr-FR" sz="900" i="1" dirty="0">
+              <a:rPr lang="fr-FR" sz="1158" i="1" dirty="0">
                 <a:solidFill>
                   <a:schemeClr val="bg1"/>
                 </a:solidFill>
@@ -16783,9 +16664,9 @@
           <p:nvPr/>
         </p:nvCxnSpPr>
         <p:spPr>
-          <a:xfrm flipH="1">
-            <a:off x="31629808" y="12624031"/>
-            <a:ext cx="1" cy="705589"/>
+          <a:xfrm>
+            <a:off x="31287942" y="13601546"/>
+            <a:ext cx="15800" cy="820822"/>
           </a:xfrm>
           <a:prstGeom prst="straightConnector1">
             <a:avLst/>
@@ -16823,8 +16704,8 @@
         </p:nvSpPr>
         <p:spPr>
           <a:xfrm>
-            <a:off x="30434164" y="12865386"/>
-            <a:ext cx="1398361" cy="230832"/>
+            <a:off x="29917119" y="13843265"/>
+            <a:ext cx="1398356" cy="270523"/>
           </a:xfrm>
           <a:prstGeom prst="rect">
             <a:avLst/>
@@ -16839,23 +16720,127 @@
           <a:p>
             <a:pPr algn="ctr"/>
             <a:r>
-              <a:rPr lang="fr-FR" sz="900" i="1" dirty="0">
+              <a:rPr lang="fr-FR" sz="1158" i="1" dirty="0">
                 <a:latin typeface="Gill Sans Nova" panose="020B0602020104020203" pitchFamily="34" charset="0"/>
               </a:rPr>
               <a:t>P138 </a:t>
             </a:r>
             <a:r>
-              <a:rPr lang="fr-FR" sz="900" i="1" dirty="0" err="1">
+              <a:rPr lang="fr-FR" sz="1158" i="1" dirty="0" err="1">
                 <a:latin typeface="Gill Sans Nova" panose="020B0602020104020203" pitchFamily="34" charset="0"/>
               </a:rPr>
               <a:t>represents</a:t>
             </a:r>
-            <a:endParaRPr lang="fr-FR" sz="900" i="1" dirty="0">
+            <a:endParaRPr lang="fr-FR" sz="1158" i="1" dirty="0">
               <a:latin typeface="Gill Sans Nova" panose="020B0602020104020203" pitchFamily="34" charset="0"/>
             </a:endParaRPr>
           </a:p>
         </p:txBody>
       </p:sp>
+      <p:sp>
+        <p:nvSpPr>
+          <p:cNvPr id="260" name="ZoneTexte 259">
+            <a:extLst>
+              <a:ext uri="{FF2B5EF4-FFF2-40B4-BE49-F238E27FC236}">
+                <a16:creationId xmlns:a16="http://schemas.microsoft.com/office/drawing/2014/main" id="{8E7B1969-307E-4B11-A74D-89F27DD4D94D}"/>
+              </a:ext>
+            </a:extLst>
+          </p:cNvPr>
+          <p:cNvSpPr txBox="1"/>
+          <p:nvPr/>
+        </p:nvSpPr>
+        <p:spPr>
+          <a:xfrm>
+            <a:off x="30033817" y="11740121"/>
+            <a:ext cx="1134622" cy="448713"/>
+          </a:xfrm>
+          <a:prstGeom prst="rect">
+            <a:avLst/>
+          </a:prstGeom>
+          <a:noFill/>
+        </p:spPr>
+        <p:txBody>
+          <a:bodyPr wrap="square" rtlCol="0">
+            <a:spAutoFit/>
+          </a:bodyPr>
+          <a:lstStyle/>
+          <a:p>
+            <a:pPr algn="ctr"/>
+            <a:r>
+              <a:rPr lang="fr-FR" sz="1158" i="1" dirty="0">
+                <a:latin typeface="Gill Sans Nova" panose="020B0602020104020203" pitchFamily="34" charset="0"/>
+              </a:rPr>
+              <a:t>P106 </a:t>
+            </a:r>
+            <a:r>
+              <a:rPr lang="fr-FR" sz="1158" i="1" dirty="0" err="1">
+                <a:latin typeface="Gill Sans Nova" panose="020B0602020104020203" pitchFamily="34" charset="0"/>
+              </a:rPr>
+              <a:t>is</a:t>
+            </a:r>
+            <a:r>
+              <a:rPr lang="fr-FR" sz="1158" i="1" dirty="0">
+                <a:latin typeface="Gill Sans Nova" panose="020B0602020104020203" pitchFamily="34" charset="0"/>
+              </a:rPr>
+              <a:t> </a:t>
+            </a:r>
+            <a:r>
+              <a:rPr lang="fr-FR" sz="1158" i="1" dirty="0" err="1">
+                <a:latin typeface="Gill Sans Nova" panose="020B0602020104020203" pitchFamily="34" charset="0"/>
+              </a:rPr>
+              <a:t>composed</a:t>
+            </a:r>
+            <a:r>
+              <a:rPr lang="fr-FR" sz="1158" i="1" dirty="0">
+                <a:latin typeface="Gill Sans Nova" panose="020B0602020104020203" pitchFamily="34" charset="0"/>
+              </a:rPr>
+              <a:t> of</a:t>
+            </a:r>
+          </a:p>
+        </p:txBody>
+      </p:sp>
+      <p:cxnSp>
+        <p:nvCxnSpPr>
+          <p:cNvPr id="13" name="Connecteur : en arc 12">
+            <a:extLst>
+              <a:ext uri="{FF2B5EF4-FFF2-40B4-BE49-F238E27FC236}">
+                <a16:creationId xmlns:a16="http://schemas.microsoft.com/office/drawing/2014/main" id="{7F15B779-F7F2-4FB0-881F-DCDD26B2889C}"/>
+              </a:ext>
+            </a:extLst>
+          </p:cNvPr>
+          <p:cNvCxnSpPr>
+            <a:stCxn id="919" idx="3"/>
+            <a:endCxn id="258" idx="0"/>
+          </p:cNvCxnSpPr>
+          <p:nvPr/>
+        </p:nvCxnSpPr>
+        <p:spPr>
+          <a:xfrm>
+            <a:off x="30244369" y="10938042"/>
+            <a:ext cx="1043573" cy="1965872"/>
+          </a:xfrm>
+          <a:prstGeom prst="curvedConnector2">
+            <a:avLst/>
+          </a:prstGeom>
+          <a:ln>
+            <a:tailEnd type="triangle"/>
+          </a:ln>
+        </p:spPr>
+        <p:style>
+          <a:lnRef idx="1">
+            <a:schemeClr val="dk1"/>
+          </a:lnRef>
+          <a:fillRef idx="0">
+            <a:schemeClr val="dk1"/>
+          </a:fillRef>
+          <a:effectRef idx="0">
+            <a:schemeClr val="dk1"/>
+          </a:effectRef>
+          <a:fontRef idx="minor">
+            <a:schemeClr val="tx1"/>
+          </a:fontRef>
+        </p:style>
+      </p:cxnSp>
     </p:spTree>
     <p:extLst>
       <p:ext uri="{BB962C8B-B14F-4D97-AF65-F5344CB8AC3E}">

--- a/modélisation/mercure-galant-thésaurus-ancien-régime/Modélisation.pptx
+++ b/modélisation/mercure-galant-thésaurus-ancien-régime/Modélisation.pptx
@@ -243,7 +243,7 @@
           <a:p>
             <a:fld id="{F96D367F-7370-4214-86FB-91D90BAC4FAD}" type="datetimeFigureOut">
               <a:rPr lang="fr-FR" smtClean="0"/>
-              <a:t>01/03/2021</a:t>
+              <a:t>02/03/2021</a:t>
             </a:fld>
             <a:endParaRPr lang="fr-FR"/>
           </a:p>
@@ -413,7 +413,7 @@
           <a:p>
             <a:fld id="{F96D367F-7370-4214-86FB-91D90BAC4FAD}" type="datetimeFigureOut">
               <a:rPr lang="fr-FR" smtClean="0"/>
-              <a:t>01/03/2021</a:t>
+              <a:t>02/03/2021</a:t>
             </a:fld>
             <a:endParaRPr lang="fr-FR"/>
           </a:p>
@@ -593,7 +593,7 @@
           <a:p>
             <a:fld id="{F96D367F-7370-4214-86FB-91D90BAC4FAD}" type="datetimeFigureOut">
               <a:rPr lang="fr-FR" smtClean="0"/>
-              <a:t>01/03/2021</a:t>
+              <a:t>02/03/2021</a:t>
             </a:fld>
             <a:endParaRPr lang="fr-FR"/>
           </a:p>
@@ -763,7 +763,7 @@
           <a:p>
             <a:fld id="{F96D367F-7370-4214-86FB-91D90BAC4FAD}" type="datetimeFigureOut">
               <a:rPr lang="fr-FR" smtClean="0"/>
-              <a:t>01/03/2021</a:t>
+              <a:t>02/03/2021</a:t>
             </a:fld>
             <a:endParaRPr lang="fr-FR"/>
           </a:p>
@@ -1007,7 +1007,7 @@
           <a:p>
             <a:fld id="{F96D367F-7370-4214-86FB-91D90BAC4FAD}" type="datetimeFigureOut">
               <a:rPr lang="fr-FR" smtClean="0"/>
-              <a:t>01/03/2021</a:t>
+              <a:t>02/03/2021</a:t>
             </a:fld>
             <a:endParaRPr lang="fr-FR"/>
           </a:p>
@@ -1239,7 +1239,7 @@
           <a:p>
             <a:fld id="{F96D367F-7370-4214-86FB-91D90BAC4FAD}" type="datetimeFigureOut">
               <a:rPr lang="fr-FR" smtClean="0"/>
-              <a:t>01/03/2021</a:t>
+              <a:t>02/03/2021</a:t>
             </a:fld>
             <a:endParaRPr lang="fr-FR"/>
           </a:p>
@@ -1606,7 +1606,7 @@
           <a:p>
             <a:fld id="{F96D367F-7370-4214-86FB-91D90BAC4FAD}" type="datetimeFigureOut">
               <a:rPr lang="fr-FR" smtClean="0"/>
-              <a:t>01/03/2021</a:t>
+              <a:t>02/03/2021</a:t>
             </a:fld>
             <a:endParaRPr lang="fr-FR"/>
           </a:p>
@@ -1724,7 +1724,7 @@
           <a:p>
             <a:fld id="{F96D367F-7370-4214-86FB-91D90BAC4FAD}" type="datetimeFigureOut">
               <a:rPr lang="fr-FR" smtClean="0"/>
-              <a:t>01/03/2021</a:t>
+              <a:t>02/03/2021</a:t>
             </a:fld>
             <a:endParaRPr lang="fr-FR"/>
           </a:p>
@@ -1819,7 +1819,7 @@
           <a:p>
             <a:fld id="{F96D367F-7370-4214-86FB-91D90BAC4FAD}" type="datetimeFigureOut">
               <a:rPr lang="fr-FR" smtClean="0"/>
-              <a:t>01/03/2021</a:t>
+              <a:t>02/03/2021</a:t>
             </a:fld>
             <a:endParaRPr lang="fr-FR"/>
           </a:p>
@@ -2096,7 +2096,7 @@
           <a:p>
             <a:fld id="{F96D367F-7370-4214-86FB-91D90BAC4FAD}" type="datetimeFigureOut">
               <a:rPr lang="fr-FR" smtClean="0"/>
-              <a:t>01/03/2021</a:t>
+              <a:t>02/03/2021</a:t>
             </a:fld>
             <a:endParaRPr lang="fr-FR"/>
           </a:p>
@@ -2353,7 +2353,7 @@
           <a:p>
             <a:fld id="{F96D367F-7370-4214-86FB-91D90BAC4FAD}" type="datetimeFigureOut">
               <a:rPr lang="fr-FR" smtClean="0"/>
-              <a:t>01/03/2021</a:t>
+              <a:t>02/03/2021</a:t>
             </a:fld>
             <a:endParaRPr lang="fr-FR"/>
           </a:p>
@@ -2566,7 +2566,7 @@
           <a:p>
             <a:fld id="{F96D367F-7370-4214-86FB-91D90BAC4FAD}" type="datetimeFigureOut">
               <a:rPr lang="fr-FR" smtClean="0"/>
-              <a:t>01/03/2021</a:t>
+              <a:t>02/03/2021</a:t>
             </a:fld>
             <a:endParaRPr lang="fr-FR"/>
           </a:p>
@@ -3019,7 +3019,7 @@
           <a:lstStyle/>
           <a:p>
             <a:pPr algn="ctr"/>
-            <a:endParaRPr lang="fr-FR" sz="1622"/>
+            <a:endParaRPr lang="fr-FR" sz="1200"/>
           </a:p>
         </p:txBody>
       </p:sp>
@@ -3075,7 +3075,7 @@
           <a:lstStyle/>
           <a:p>
             <a:pPr algn="ctr"/>
-            <a:endParaRPr lang="fr-FR" sz="1622" dirty="0"/>
+            <a:endParaRPr lang="fr-FR" sz="1200" dirty="0"/>
           </a:p>
         </p:txBody>
       </p:sp>
@@ -3094,7 +3094,7 @@
         <p:spPr>
           <a:xfrm>
             <a:off x="8079601" y="2316720"/>
-            <a:ext cx="25647513" cy="536172"/>
+            <a:ext cx="25647513" cy="400110"/>
           </a:xfrm>
           <a:prstGeom prst="rect">
             <a:avLst/>
@@ -3109,7 +3109,7 @@
           <a:p>
             <a:pPr algn="ctr"/>
             <a:r>
-              <a:rPr lang="fr-FR" sz="2884" dirty="0">
+              <a:rPr lang="fr-FR" sz="2000" dirty="0">
                 <a:latin typeface="Gill Sans Nova" panose="020B0602020104020203" pitchFamily="34" charset="0"/>
               </a:rPr>
               <a:t>MODELISATION DE DEUX ANNOTATIONS  D’UN MEME FRAGMENT DE TEXTE</a:t>
@@ -3164,7 +3164,7 @@
           <a:p>
             <a:pPr algn="ctr"/>
             <a:r>
-              <a:rPr lang="fr-FR" sz="1158" dirty="0">
+              <a:rPr lang="fr-FR" sz="1000" dirty="0">
                 <a:solidFill>
                   <a:schemeClr val="tx1"/>
                 </a:solidFill>
@@ -3270,7 +3270,7 @@
           <a:lstStyle/>
           <a:p>
             <a:pPr algn="ctr"/>
-            <a:endParaRPr lang="fr-FR" sz="1622" dirty="0"/>
+            <a:endParaRPr lang="fr-FR" sz="1200" dirty="0"/>
           </a:p>
         </p:txBody>
       </p:sp>
@@ -3321,7 +3321,7 @@
           <a:p>
             <a:pPr algn="ctr"/>
             <a:r>
-              <a:rPr lang="fr-FR" sz="1158" dirty="0">
+              <a:rPr lang="fr-FR" sz="1000" dirty="0">
                 <a:solidFill>
                   <a:schemeClr val="tx1"/>
                 </a:solidFill>
@@ -3330,7 +3330,7 @@
               <a:t>E13 </a:t>
             </a:r>
             <a:r>
-              <a:rPr lang="fr-FR" sz="1158" dirty="0" err="1">
+              <a:rPr lang="fr-FR" sz="1000" dirty="0" err="1">
                 <a:solidFill>
                   <a:schemeClr val="tx1"/>
                 </a:solidFill>
@@ -3339,7 +3339,7 @@
               <a:t>Attribute</a:t>
             </a:r>
             <a:r>
-              <a:rPr lang="fr-FR" sz="1158" dirty="0">
+              <a:rPr lang="fr-FR" sz="1000" dirty="0">
                 <a:solidFill>
                   <a:schemeClr val="tx1"/>
                 </a:solidFill>
@@ -3397,7 +3397,7 @@
           <a:p>
             <a:pPr algn="ctr"/>
             <a:r>
-              <a:rPr lang="fr-FR" sz="1158" dirty="0">
+              <a:rPr lang="fr-FR" sz="1000" dirty="0">
                 <a:solidFill>
                   <a:schemeClr val="tx1"/>
                 </a:solidFill>
@@ -3409,7 +3409,7 @@
           <a:p>
             <a:pPr algn="ctr"/>
             <a:r>
-              <a:rPr lang="fr-FR" sz="1158" i="1" dirty="0">
+              <a:rPr lang="fr-FR" sz="1000" i="1" dirty="0">
                 <a:solidFill>
                   <a:schemeClr val="tx1"/>
                 </a:solidFill>
@@ -3478,7 +3478,7 @@
         <p:spPr>
           <a:xfrm>
             <a:off x="12478414" y="12856325"/>
-            <a:ext cx="1156229" cy="448713"/>
+            <a:ext cx="1156229" cy="253916"/>
           </a:xfrm>
           <a:prstGeom prst="rect">
             <a:avLst/>
@@ -3493,19 +3493,19 @@
           <a:p>
             <a:pPr algn="ctr"/>
             <a:r>
-              <a:rPr lang="fr-FR" sz="1158" i="1" dirty="0">
+              <a:rPr lang="fr-FR" sz="1000" i="1" dirty="0">
                 <a:latin typeface="Gill Sans Nova" panose="020B0602020104020203" pitchFamily="34" charset="0"/>
               </a:rPr>
               <a:t>P14 </a:t>
             </a:r>
             <a:r>
-              <a:rPr lang="fr-FR" sz="1158" i="1" dirty="0" err="1">
+              <a:rPr lang="fr-FR" sz="1000" i="1" dirty="0" err="1">
                 <a:latin typeface="Gill Sans Nova" panose="020B0602020104020203" pitchFamily="34" charset="0"/>
               </a:rPr>
               <a:t>carried</a:t>
             </a:r>
             <a:r>
-              <a:rPr lang="fr-FR" sz="1158" i="1" dirty="0">
+              <a:rPr lang="fr-FR" sz="1000" i="1" dirty="0">
                 <a:latin typeface="Gill Sans Nova" panose="020B0602020104020203" pitchFamily="34" charset="0"/>
               </a:rPr>
               <a:t> out by</a:t>
@@ -3570,7 +3570,7 @@
         <p:spPr>
           <a:xfrm>
             <a:off x="14285180" y="12319552"/>
-            <a:ext cx="976814" cy="448713"/>
+            <a:ext cx="976814" cy="246221"/>
           </a:xfrm>
           <a:prstGeom prst="rect">
             <a:avLst/>
@@ -3585,12 +3585,12 @@
           <a:p>
             <a:pPr algn="ctr"/>
             <a:r>
-              <a:rPr lang="fr-FR" sz="1158" i="1" dirty="0" err="1">
+              <a:rPr lang="fr-FR" sz="1000" i="1" dirty="0" err="1">
                 <a:latin typeface="Gill Sans Nova" panose="020B0602020104020203" pitchFamily="34" charset="0"/>
               </a:rPr>
               <a:t>dcterms:created</a:t>
             </a:r>
-            <a:endParaRPr lang="fr-FR" sz="1158" i="1" dirty="0">
+            <a:endParaRPr lang="fr-FR" sz="1000" i="1" dirty="0">
               <a:latin typeface="Gill Sans Nova" panose="020B0602020104020203" pitchFamily="34" charset="0"/>
             </a:endParaRPr>
           </a:p>
@@ -3643,7 +3643,7 @@
           <a:p>
             <a:pPr algn="ctr"/>
             <a:r>
-              <a:rPr lang="fr-FR" sz="1158" dirty="0">
+              <a:rPr lang="fr-FR" sz="1000" dirty="0">
                 <a:solidFill>
                   <a:schemeClr val="tx1"/>
                 </a:solidFill>
@@ -3652,7 +3652,7 @@
               <a:t>E33 </a:t>
             </a:r>
             <a:r>
-              <a:rPr lang="fr-FR" sz="1158" dirty="0" err="1">
+              <a:rPr lang="fr-FR" sz="1000" dirty="0" err="1">
                 <a:solidFill>
                   <a:schemeClr val="tx1"/>
                 </a:solidFill>
@@ -3661,7 +3661,7 @@
               <a:t>Linguistic</a:t>
             </a:r>
             <a:r>
-              <a:rPr lang="fr-FR" sz="1158" dirty="0">
+              <a:rPr lang="fr-FR" sz="1000" dirty="0">
                 <a:solidFill>
                   <a:schemeClr val="tx1"/>
                 </a:solidFill>
@@ -3673,7 +3673,7 @@
           <a:p>
             <a:pPr algn="ctr"/>
             <a:r>
-              <a:rPr lang="fr-FR" sz="1158" i="1" dirty="0">
+              <a:rPr lang="fr-FR" sz="1000" i="1" dirty="0">
                 <a:solidFill>
                   <a:schemeClr val="tx1"/>
                 </a:solidFill>
@@ -3682,19 +3682,19 @@
               <a:t>(« </a:t>
             </a:r>
             <a:r>
-              <a:rPr lang="fr-FR" sz="1158" i="1" dirty="0"/>
+              <a:rPr lang="fr-FR" sz="1000" i="1" dirty="0"/>
               <a:t>L’</a:t>
             </a:r>
             <a:r>
-              <a:rPr lang="fr-FR" sz="1158" i="1" dirty="0" err="1"/>
+              <a:rPr lang="fr-FR" sz="1000" i="1" dirty="0" err="1"/>
               <a:t>Autheur</a:t>
             </a:r>
             <a:r>
-              <a:rPr lang="fr-FR" sz="1158" i="1" dirty="0"/>
+              <a:rPr lang="fr-FR" sz="1000" i="1" dirty="0"/>
               <a:t> </a:t>
             </a:r>
             <a:r>
-              <a:rPr lang="fr-FR" sz="1158" i="1" dirty="0">
+              <a:rPr lang="fr-FR" sz="1000" i="1" dirty="0">
                 <a:solidFill>
                   <a:schemeClr val="tx1"/>
                 </a:solidFill>
@@ -3763,7 +3763,7 @@
         <p:spPr>
           <a:xfrm>
             <a:off x="14895751" y="12832290"/>
-            <a:ext cx="1398356" cy="448713"/>
+            <a:ext cx="1398356" cy="400110"/>
           </a:xfrm>
           <a:prstGeom prst="rect">
             <a:avLst/>
@@ -3778,31 +3778,31 @@
           <a:p>
             <a:pPr algn="ctr"/>
             <a:r>
-              <a:rPr lang="fr-FR" sz="1158" i="1" dirty="0">
+              <a:rPr lang="fr-FR" sz="1000" i="1" dirty="0">
                 <a:latin typeface="Gill Sans Nova" panose="020B0602020104020203" pitchFamily="34" charset="0"/>
               </a:rPr>
               <a:t>P140 </a:t>
             </a:r>
             <a:r>
-              <a:rPr lang="fr-FR" sz="1158" i="1" dirty="0" err="1">
+              <a:rPr lang="fr-FR" sz="1000" i="1" dirty="0" err="1">
                 <a:latin typeface="Gill Sans Nova" panose="020B0602020104020203" pitchFamily="34" charset="0"/>
               </a:rPr>
               <a:t>assigned</a:t>
             </a:r>
             <a:r>
-              <a:rPr lang="fr-FR" sz="1158" i="1" dirty="0">
+              <a:rPr lang="fr-FR" sz="1000" i="1" dirty="0">
                 <a:latin typeface="Gill Sans Nova" panose="020B0602020104020203" pitchFamily="34" charset="0"/>
               </a:rPr>
               <a:t> </a:t>
             </a:r>
             <a:r>
-              <a:rPr lang="fr-FR" sz="1158" i="1" dirty="0" err="1">
+              <a:rPr lang="fr-FR" sz="1000" i="1" dirty="0" err="1">
                 <a:latin typeface="Gill Sans Nova" panose="020B0602020104020203" pitchFamily="34" charset="0"/>
               </a:rPr>
               <a:t>attribute</a:t>
             </a:r>
             <a:r>
-              <a:rPr lang="fr-FR" sz="1158" i="1" dirty="0">
+              <a:rPr lang="fr-FR" sz="1000" i="1" dirty="0">
                 <a:latin typeface="Gill Sans Nova" panose="020B0602020104020203" pitchFamily="34" charset="0"/>
               </a:rPr>
               <a:t> to</a:t>
@@ -3857,7 +3857,7 @@
           <a:p>
             <a:pPr algn="ctr"/>
             <a:r>
-              <a:rPr lang="fr-FR" sz="1158" i="1" dirty="0">
+              <a:rPr lang="fr-FR" sz="1000" i="1" dirty="0">
                 <a:solidFill>
                   <a:schemeClr val="tx1"/>
                 </a:solidFill>
@@ -3866,7 +3866,7 @@
               <a:t>P67 </a:t>
             </a:r>
             <a:r>
-              <a:rPr lang="fr-FR" sz="1158" i="1" dirty="0" err="1">
+              <a:rPr lang="fr-FR" sz="1000" i="1" dirty="0" err="1">
                 <a:solidFill>
                   <a:schemeClr val="tx1"/>
                 </a:solidFill>
@@ -3875,7 +3875,7 @@
               <a:t>refers</a:t>
             </a:r>
             <a:r>
-              <a:rPr lang="fr-FR" sz="1158" i="1" dirty="0">
+              <a:rPr lang="fr-FR" sz="1000" i="1" dirty="0">
                 <a:solidFill>
                   <a:schemeClr val="tx1"/>
                 </a:solidFill>
@@ -3901,7 +3901,7 @@
         <p:spPr>
           <a:xfrm>
             <a:off x="13763450" y="14296409"/>
-            <a:ext cx="908877" cy="805092"/>
+            <a:ext cx="908877" cy="400110"/>
           </a:xfrm>
           <a:prstGeom prst="rect">
             <a:avLst/>
@@ -3916,31 +3916,31 @@
           <a:p>
             <a:pPr algn="ctr"/>
             <a:r>
-              <a:rPr lang="fr-FR" sz="1158" i="1" dirty="0">
+              <a:rPr lang="fr-FR" sz="1000" i="1" dirty="0">
                 <a:latin typeface="Gill Sans Nova" panose="020B0602020104020203" pitchFamily="34" charset="0"/>
               </a:rPr>
               <a:t>P177 </a:t>
             </a:r>
             <a:r>
-              <a:rPr lang="fr-FR" sz="1158" i="1" dirty="0" err="1">
+              <a:rPr lang="fr-FR" sz="1000" i="1" dirty="0" err="1">
                 <a:latin typeface="Gill Sans Nova" panose="020B0602020104020203" pitchFamily="34" charset="0"/>
               </a:rPr>
               <a:t>assigned</a:t>
             </a:r>
             <a:r>
-              <a:rPr lang="fr-FR" sz="1158" i="1" dirty="0">
+              <a:rPr lang="fr-FR" sz="1000" i="1" dirty="0">
                 <a:latin typeface="Gill Sans Nova" panose="020B0602020104020203" pitchFamily="34" charset="0"/>
               </a:rPr>
               <a:t> </a:t>
             </a:r>
             <a:r>
-              <a:rPr lang="fr-FR" sz="1158" i="1" dirty="0" err="1">
+              <a:rPr lang="fr-FR" sz="1000" i="1" dirty="0" err="1">
                 <a:latin typeface="Gill Sans Nova" panose="020B0602020104020203" pitchFamily="34" charset="0"/>
               </a:rPr>
               <a:t>property</a:t>
             </a:r>
             <a:r>
-              <a:rPr lang="fr-FR" sz="1158" i="1" dirty="0">
+              <a:rPr lang="fr-FR" sz="1000" i="1" dirty="0">
                 <a:latin typeface="Gill Sans Nova" panose="020B0602020104020203" pitchFamily="34" charset="0"/>
               </a:rPr>
               <a:t> type</a:t>
@@ -3998,7 +3998,7 @@
           <a:p>
             <a:pPr algn="ctr"/>
             <a:r>
-              <a:rPr lang="fr-FR" sz="1158" dirty="0">
+              <a:rPr lang="fr-FR" sz="1000" dirty="0">
                 <a:solidFill>
                   <a:schemeClr val="tx1"/>
                 </a:solidFill>
@@ -4024,7 +4024,7 @@
         <p:spPr>
           <a:xfrm>
             <a:off x="16910813" y="15267705"/>
-            <a:ext cx="873757" cy="448713"/>
+            <a:ext cx="873757" cy="400110"/>
           </a:xfrm>
           <a:prstGeom prst="rect">
             <a:avLst/>
@@ -4039,18 +4039,18 @@
           <a:p>
             <a:pPr algn="ctr"/>
             <a:r>
-              <a:rPr lang="fr-FR" sz="1158" i="1" dirty="0">
+              <a:rPr lang="fr-FR" sz="1000" i="1" dirty="0">
                 <a:latin typeface="Gill Sans Nova" panose="020B0602020104020203" pitchFamily="34" charset="0"/>
               </a:rPr>
               <a:t>P141 </a:t>
             </a:r>
             <a:r>
-              <a:rPr lang="fr-FR" sz="1158" i="1" dirty="0" err="1">
+              <a:rPr lang="fr-FR" sz="1000" i="1" dirty="0" err="1">
                 <a:latin typeface="Gill Sans Nova" panose="020B0602020104020203" pitchFamily="34" charset="0"/>
               </a:rPr>
               <a:t>assigned</a:t>
             </a:r>
-            <a:endParaRPr lang="fr-FR" sz="1158" i="1" dirty="0">
+            <a:endParaRPr lang="fr-FR" sz="1000" i="1" dirty="0">
               <a:latin typeface="Gill Sans Nova" panose="020B0602020104020203" pitchFamily="34" charset="0"/>
             </a:endParaRPr>
           </a:p>
@@ -4071,7 +4071,7 @@
         <p:spPr>
           <a:xfrm>
             <a:off x="10203282" y="9619073"/>
-            <a:ext cx="3233370" cy="423962"/>
+            <a:ext cx="3233370" cy="338554"/>
           </a:xfrm>
           <a:prstGeom prst="rect">
             <a:avLst/>
@@ -4086,7 +4086,7 @@
           <a:p>
             <a:pPr algn="ctr"/>
             <a:r>
-              <a:rPr lang="fr-FR" sz="2155" dirty="0">
+              <a:rPr lang="fr-FR" sz="1600" dirty="0">
                 <a:latin typeface="Gill Sans Nova" panose="020B0602020104020203" pitchFamily="34" charset="0"/>
               </a:rPr>
               <a:t>ESPACE D’ANNOTATION</a:t>
@@ -4141,7 +4141,7 @@
           <a:p>
             <a:pPr algn="ctr"/>
             <a:r>
-              <a:rPr lang="fr-FR" sz="1158" dirty="0">
+              <a:rPr lang="fr-FR" sz="1000" dirty="0">
                 <a:solidFill>
                   <a:schemeClr val="tx1"/>
                 </a:solidFill>
@@ -4167,7 +4167,7 @@
         <p:spPr>
           <a:xfrm>
             <a:off x="10757664" y="15319280"/>
-            <a:ext cx="1484003" cy="270523"/>
+            <a:ext cx="1484003" cy="253916"/>
           </a:xfrm>
           <a:prstGeom prst="rect">
             <a:avLst/>
@@ -4182,31 +4182,31 @@
           <a:p>
             <a:pPr algn="ctr"/>
             <a:r>
-              <a:rPr lang="fr-FR" sz="1158" i="1" dirty="0">
+              <a:rPr lang="fr-FR" sz="1000" i="1" dirty="0">
                 <a:latin typeface="Gill Sans Nova" panose="020B0602020104020203" pitchFamily="34" charset="0"/>
               </a:rPr>
               <a:t>P1 </a:t>
             </a:r>
             <a:r>
-              <a:rPr lang="fr-FR" sz="1158" i="1" dirty="0" err="1">
+              <a:rPr lang="fr-FR" sz="1000" i="1" dirty="0" err="1">
                 <a:latin typeface="Gill Sans Nova" panose="020B0602020104020203" pitchFamily="34" charset="0"/>
               </a:rPr>
               <a:t>is</a:t>
             </a:r>
             <a:r>
-              <a:rPr lang="fr-FR" sz="1158" i="1" dirty="0">
+              <a:rPr lang="fr-FR" sz="1000" i="1" dirty="0">
                 <a:latin typeface="Gill Sans Nova" panose="020B0602020104020203" pitchFamily="34" charset="0"/>
               </a:rPr>
               <a:t> </a:t>
             </a:r>
             <a:r>
-              <a:rPr lang="fr-FR" sz="1158" i="1" dirty="0" err="1">
+              <a:rPr lang="fr-FR" sz="1000" i="1" dirty="0" err="1">
                 <a:latin typeface="Gill Sans Nova" panose="020B0602020104020203" pitchFamily="34" charset="0"/>
               </a:rPr>
               <a:t>identified</a:t>
             </a:r>
             <a:r>
-              <a:rPr lang="fr-FR" sz="1158" i="1" dirty="0">
+              <a:rPr lang="fr-FR" sz="1000" i="1" dirty="0">
                 <a:latin typeface="Gill Sans Nova" panose="020B0602020104020203" pitchFamily="34" charset="0"/>
               </a:rPr>
               <a:t> by</a:t>
@@ -4261,7 +4261,7 @@
           <a:p>
             <a:pPr algn="ctr"/>
             <a:r>
-              <a:rPr lang="fr-FR" sz="1158" dirty="0">
+              <a:rPr lang="fr-FR" sz="1000" dirty="0">
                 <a:solidFill>
                   <a:schemeClr val="tx1"/>
                 </a:solidFill>
@@ -4270,7 +4270,7 @@
               <a:t>E13 </a:t>
             </a:r>
             <a:r>
-              <a:rPr lang="fr-FR" sz="1158" dirty="0" err="1">
+              <a:rPr lang="fr-FR" sz="1000" dirty="0" err="1">
                 <a:solidFill>
                   <a:schemeClr val="tx1"/>
                 </a:solidFill>
@@ -4279,7 +4279,7 @@
               <a:t>Attribute</a:t>
             </a:r>
             <a:r>
-              <a:rPr lang="fr-FR" sz="1158" dirty="0">
+              <a:rPr lang="fr-FR" sz="1000" dirty="0">
                 <a:solidFill>
                   <a:schemeClr val="tx1"/>
                 </a:solidFill>
@@ -4348,7 +4348,7 @@
         <p:spPr>
           <a:xfrm>
             <a:off x="15630588" y="13639488"/>
-            <a:ext cx="1398356" cy="448713"/>
+            <a:ext cx="1398356" cy="400110"/>
           </a:xfrm>
           <a:prstGeom prst="rect">
             <a:avLst/>
@@ -4363,31 +4363,31 @@
           <a:p>
             <a:pPr algn="ctr"/>
             <a:r>
-              <a:rPr lang="fr-FR" sz="1158" i="1" dirty="0">
+              <a:rPr lang="fr-FR" sz="1000" i="1" dirty="0">
                 <a:latin typeface="Gill Sans Nova" panose="020B0602020104020203" pitchFamily="34" charset="0"/>
               </a:rPr>
               <a:t>P140 </a:t>
             </a:r>
             <a:r>
-              <a:rPr lang="fr-FR" sz="1158" i="1" dirty="0" err="1">
+              <a:rPr lang="fr-FR" sz="1000" i="1" dirty="0" err="1">
                 <a:latin typeface="Gill Sans Nova" panose="020B0602020104020203" pitchFamily="34" charset="0"/>
               </a:rPr>
               <a:t>assigned</a:t>
             </a:r>
             <a:r>
-              <a:rPr lang="fr-FR" sz="1158" i="1" dirty="0">
+              <a:rPr lang="fr-FR" sz="1000" i="1" dirty="0">
                 <a:latin typeface="Gill Sans Nova" panose="020B0602020104020203" pitchFamily="34" charset="0"/>
               </a:rPr>
               <a:t> </a:t>
             </a:r>
             <a:r>
-              <a:rPr lang="fr-FR" sz="1158" i="1" dirty="0" err="1">
+              <a:rPr lang="fr-FR" sz="1000" i="1" dirty="0" err="1">
                 <a:latin typeface="Gill Sans Nova" panose="020B0602020104020203" pitchFamily="34" charset="0"/>
               </a:rPr>
               <a:t>attribute</a:t>
             </a:r>
             <a:r>
-              <a:rPr lang="fr-FR" sz="1158" i="1" dirty="0">
+              <a:rPr lang="fr-FR" sz="1000" i="1" dirty="0">
                 <a:latin typeface="Gill Sans Nova" panose="020B0602020104020203" pitchFamily="34" charset="0"/>
               </a:rPr>
               <a:t> to</a:t>
@@ -4453,7 +4453,7 @@
         <p:spPr>
           <a:xfrm>
             <a:off x="17501849" y="14204294"/>
-            <a:ext cx="1224049" cy="270523"/>
+            <a:ext cx="1224049" cy="253916"/>
           </a:xfrm>
           <a:prstGeom prst="rect">
             <a:avLst/>
@@ -4468,12 +4468,12 @@
           <a:p>
             <a:pPr algn="ctr"/>
             <a:r>
-              <a:rPr lang="fr-FR" sz="1158" i="1" dirty="0" err="1">
+              <a:rPr lang="fr-FR" sz="1000" i="1" dirty="0" err="1">
                 <a:latin typeface="Gill Sans Nova" panose="020B0602020104020203" pitchFamily="34" charset="0"/>
               </a:rPr>
               <a:t>dcterms:created</a:t>
             </a:r>
-            <a:endParaRPr lang="fr-FR" sz="1158" i="1" dirty="0">
+            <a:endParaRPr lang="fr-FR" sz="1000" i="1" dirty="0">
               <a:latin typeface="Gill Sans Nova" panose="020B0602020104020203" pitchFamily="34" charset="0"/>
             </a:endParaRPr>
           </a:p>
@@ -4526,7 +4526,7 @@
           <a:p>
             <a:pPr algn="ctr"/>
             <a:r>
-              <a:rPr lang="fr-FR" sz="1158" dirty="0">
+              <a:rPr lang="fr-FR" sz="1000" dirty="0">
                 <a:solidFill>
                   <a:schemeClr val="tx1"/>
                 </a:solidFill>
@@ -4538,7 +4538,7 @@
           <a:p>
             <a:pPr algn="ctr"/>
             <a:r>
-              <a:rPr lang="fr-FR" sz="1158" i="1" dirty="0">
+              <a:rPr lang="fr-FR" sz="1000" i="1" dirty="0">
                 <a:solidFill>
                   <a:schemeClr val="tx1"/>
                 </a:solidFill>
@@ -4606,7 +4606,7 @@
         <p:spPr>
           <a:xfrm>
             <a:off x="17874121" y="15012002"/>
-            <a:ext cx="1023483" cy="448713"/>
+            <a:ext cx="1023483" cy="400110"/>
           </a:xfrm>
           <a:prstGeom prst="rect">
             <a:avLst/>
@@ -4621,19 +4621,19 @@
           <a:p>
             <a:pPr algn="ctr"/>
             <a:r>
-              <a:rPr lang="fr-FR" sz="1158" i="1" dirty="0">
+              <a:rPr lang="fr-FR" sz="1000" i="1" dirty="0">
                 <a:latin typeface="Gill Sans Nova" panose="020B0602020104020203" pitchFamily="34" charset="0"/>
               </a:rPr>
               <a:t>P14 </a:t>
             </a:r>
             <a:r>
-              <a:rPr lang="fr-FR" sz="1158" i="1" dirty="0" err="1">
+              <a:rPr lang="fr-FR" sz="1000" i="1" dirty="0" err="1">
                 <a:latin typeface="Gill Sans Nova" panose="020B0602020104020203" pitchFamily="34" charset="0"/>
               </a:rPr>
               <a:t>carried</a:t>
             </a:r>
             <a:r>
-              <a:rPr lang="fr-FR" sz="1158" i="1" dirty="0">
+              <a:rPr lang="fr-FR" sz="1000" i="1" dirty="0">
                 <a:latin typeface="Gill Sans Nova" panose="020B0602020104020203" pitchFamily="34" charset="0"/>
               </a:rPr>
               <a:t> out by</a:t>
@@ -4688,7 +4688,7 @@
           <a:p>
             <a:pPr algn="ctr"/>
             <a:r>
-              <a:rPr lang="fr-FR" sz="1158" dirty="0">
+              <a:rPr lang="fr-FR" sz="1000" dirty="0">
                 <a:solidFill>
                   <a:schemeClr val="tx1"/>
                 </a:solidFill>
@@ -4714,7 +4714,7 @@
         <p:spPr>
           <a:xfrm>
             <a:off x="11602144" y="13881917"/>
-            <a:ext cx="873757" cy="448713"/>
+            <a:ext cx="873757" cy="400110"/>
           </a:xfrm>
           <a:prstGeom prst="rect">
             <a:avLst/>
@@ -4729,18 +4729,18 @@
           <a:p>
             <a:pPr algn="ctr"/>
             <a:r>
-              <a:rPr lang="fr-FR" sz="1158" i="1" dirty="0">
+              <a:rPr lang="fr-FR" sz="1000" i="1" dirty="0">
                 <a:latin typeface="Gill Sans Nova" panose="020B0602020104020203" pitchFamily="34" charset="0"/>
               </a:rPr>
               <a:t>P141 </a:t>
             </a:r>
             <a:r>
-              <a:rPr lang="fr-FR" sz="1158" i="1" dirty="0" err="1">
+              <a:rPr lang="fr-FR" sz="1000" i="1" dirty="0" err="1">
                 <a:latin typeface="Gill Sans Nova" panose="020B0602020104020203" pitchFamily="34" charset="0"/>
               </a:rPr>
               <a:t>assigned</a:t>
             </a:r>
-            <a:endParaRPr lang="fr-FR" sz="1158" i="1" dirty="0">
+            <a:endParaRPr lang="fr-FR" sz="1000" i="1" dirty="0">
               <a:latin typeface="Gill Sans Nova" panose="020B0602020104020203" pitchFamily="34" charset="0"/>
             </a:endParaRPr>
           </a:p>
@@ -4793,7 +4793,7 @@
           <a:p>
             <a:pPr algn="ctr"/>
             <a:r>
-              <a:rPr lang="fr-FR" sz="1158" dirty="0">
+              <a:rPr lang="fr-FR" sz="1000" dirty="0">
                 <a:solidFill>
                   <a:schemeClr val="tx1"/>
                 </a:solidFill>
@@ -4907,7 +4907,7 @@
         <p:spPr>
           <a:xfrm>
             <a:off x="15079778" y="15313477"/>
-            <a:ext cx="1484003" cy="270523"/>
+            <a:ext cx="1484003" cy="253916"/>
           </a:xfrm>
           <a:prstGeom prst="rect">
             <a:avLst/>
@@ -4922,7 +4922,7 @@
           <a:p>
             <a:pPr algn="ctr"/>
             <a:r>
-              <a:rPr lang="fr-FR" sz="1158" i="1" dirty="0">
+              <a:rPr lang="fr-FR" sz="1000" i="1" dirty="0">
                 <a:latin typeface="Gill Sans Nova" panose="020B0602020104020203" pitchFamily="34" charset="0"/>
               </a:rPr>
               <a:t>P177</a:t>
@@ -4988,7 +4988,7 @@
         <p:spPr>
           <a:xfrm>
             <a:off x="16759842" y="16541615"/>
-            <a:ext cx="1484003" cy="270523"/>
+            <a:ext cx="1484003" cy="253916"/>
           </a:xfrm>
           <a:prstGeom prst="rect">
             <a:avLst/>
@@ -5003,31 +5003,31 @@
           <a:p>
             <a:pPr algn="ctr"/>
             <a:r>
-              <a:rPr lang="fr-FR" sz="1158" i="1" dirty="0">
+              <a:rPr lang="fr-FR" sz="1000" i="1" dirty="0">
                 <a:latin typeface="Gill Sans Nova" panose="020B0602020104020203" pitchFamily="34" charset="0"/>
               </a:rPr>
               <a:t>P1 </a:t>
             </a:r>
             <a:r>
-              <a:rPr lang="fr-FR" sz="1158" i="1" dirty="0" err="1">
+              <a:rPr lang="fr-FR" sz="1000" i="1" dirty="0" err="1">
                 <a:latin typeface="Gill Sans Nova" panose="020B0602020104020203" pitchFamily="34" charset="0"/>
               </a:rPr>
               <a:t>is</a:t>
             </a:r>
             <a:r>
-              <a:rPr lang="fr-FR" sz="1158" i="1" dirty="0">
+              <a:rPr lang="fr-FR" sz="1000" i="1" dirty="0">
                 <a:latin typeface="Gill Sans Nova" panose="020B0602020104020203" pitchFamily="34" charset="0"/>
               </a:rPr>
               <a:t> </a:t>
             </a:r>
             <a:r>
-              <a:rPr lang="fr-FR" sz="1158" i="1" dirty="0" err="1">
+              <a:rPr lang="fr-FR" sz="1000" i="1" dirty="0" err="1">
                 <a:latin typeface="Gill Sans Nova" panose="020B0602020104020203" pitchFamily="34" charset="0"/>
               </a:rPr>
               <a:t>identified</a:t>
             </a:r>
             <a:r>
-              <a:rPr lang="fr-FR" sz="1158" i="1" dirty="0">
+              <a:rPr lang="fr-FR" sz="1000" i="1" dirty="0">
                 <a:latin typeface="Gill Sans Nova" panose="020B0602020104020203" pitchFamily="34" charset="0"/>
               </a:rPr>
               <a:t> by</a:t>
@@ -5082,7 +5082,7 @@
           <a:p>
             <a:pPr algn="ctr"/>
             <a:r>
-              <a:rPr lang="fr-FR" sz="1158" dirty="0">
+              <a:rPr lang="fr-FR" sz="1000" dirty="0">
                 <a:solidFill>
                   <a:schemeClr val="tx1"/>
                 </a:solidFill>
@@ -5183,7 +5183,7 @@
           <a:p>
             <a:pPr algn="ctr"/>
             <a:r>
-              <a:rPr lang="fr-FR" sz="1158" dirty="0">
+              <a:rPr lang="fr-FR" sz="1000" dirty="0">
                 <a:solidFill>
                   <a:schemeClr val="tx1"/>
                 </a:solidFill>
@@ -5195,7 +5195,7 @@
           <a:p>
             <a:pPr algn="ctr"/>
             <a:r>
-              <a:rPr lang="fr-FR" sz="1158" i="1" dirty="0">
+              <a:rPr lang="fr-FR" sz="1000" i="1" dirty="0">
                 <a:solidFill>
                   <a:schemeClr val="tx1"/>
                 </a:solidFill>
@@ -5221,7 +5221,7 @@
         <p:spPr>
           <a:xfrm>
             <a:off x="27181223" y="11888315"/>
-            <a:ext cx="1398356" cy="270523"/>
+            <a:ext cx="1398356" cy="253916"/>
           </a:xfrm>
           <a:prstGeom prst="rect">
             <a:avLst/>
@@ -5236,19 +5236,19 @@
           <a:p>
             <a:pPr algn="ctr"/>
             <a:r>
-              <a:rPr lang="fr-FR" sz="1158" i="1" dirty="0">
+              <a:rPr lang="fr-FR" sz="1000" i="1" dirty="0">
                 <a:latin typeface="Gill Sans Nova" panose="020B0602020104020203" pitchFamily="34" charset="0"/>
               </a:rPr>
               <a:t>R15 </a:t>
             </a:r>
             <a:r>
-              <a:rPr lang="fr-FR" sz="1158" i="1" dirty="0" err="1">
+              <a:rPr lang="fr-FR" sz="1000" i="1" dirty="0" err="1">
                 <a:latin typeface="Gill Sans Nova" panose="020B0602020104020203" pitchFamily="34" charset="0"/>
               </a:rPr>
               <a:t>is</a:t>
             </a:r>
             <a:r>
-              <a:rPr lang="fr-FR" sz="1158" i="1" dirty="0">
+              <a:rPr lang="fr-FR" sz="1000" i="1" dirty="0">
                 <a:latin typeface="Gill Sans Nova" panose="020B0602020104020203" pitchFamily="34" charset="0"/>
               </a:rPr>
               <a:t> fragment of</a:t>
@@ -5303,7 +5303,7 @@
           <a:p>
             <a:pPr algn="ctr"/>
             <a:r>
-              <a:rPr lang="fr-FR" sz="1158" dirty="0">
+              <a:rPr lang="fr-FR" sz="1000" dirty="0">
                 <a:solidFill>
                   <a:schemeClr val="tx1"/>
                 </a:solidFill>
@@ -5315,7 +5315,7 @@
           <a:p>
             <a:pPr algn="ctr"/>
             <a:r>
-              <a:rPr lang="fr-FR" sz="1158" i="1" dirty="0">
+              <a:rPr lang="fr-FR" sz="1000" i="1" dirty="0">
                 <a:solidFill>
                   <a:schemeClr val="tx1"/>
                 </a:solidFill>
@@ -5384,7 +5384,7 @@
         <p:spPr>
           <a:xfrm>
             <a:off x="29588721" y="8560083"/>
-            <a:ext cx="1398356" cy="270523"/>
+            <a:ext cx="1398356" cy="253916"/>
           </a:xfrm>
           <a:prstGeom prst="rect">
             <a:avLst/>
@@ -5399,7 +5399,7 @@
           <a:p>
             <a:pPr algn="ctr"/>
             <a:r>
-              <a:rPr lang="fr-FR" sz="1158" i="1" dirty="0">
+              <a:rPr lang="fr-FR" sz="1000" i="1" dirty="0">
                 <a:latin typeface="Gill Sans Nova" panose="020B0602020104020203" pitchFamily="34" charset="0"/>
               </a:rPr>
               <a:t>R5 has component</a:t>
@@ -5454,7 +5454,7 @@
           <a:p>
             <a:pPr algn="ctr"/>
             <a:r>
-              <a:rPr lang="fr-FR" sz="1158" dirty="0">
+              <a:rPr lang="fr-FR" sz="1000" dirty="0">
                 <a:solidFill>
                   <a:schemeClr val="tx1"/>
                 </a:solidFill>
@@ -5480,7 +5480,7 @@
         <p:spPr>
           <a:xfrm>
             <a:off x="30254447" y="6494525"/>
-            <a:ext cx="1052048" cy="448713"/>
+            <a:ext cx="1052048" cy="246221"/>
           </a:xfrm>
           <a:prstGeom prst="rect">
             <a:avLst/>
@@ -5495,31 +5495,31 @@
           <a:p>
             <a:pPr algn="ctr"/>
             <a:r>
-              <a:rPr lang="fr-FR" sz="1158" i="1" dirty="0">
+              <a:rPr lang="fr-FR" sz="1000" i="1" dirty="0">
                 <a:latin typeface="Gill Sans Nova" panose="020B0602020104020203" pitchFamily="34" charset="0"/>
               </a:rPr>
               <a:t>R3 </a:t>
             </a:r>
             <a:r>
-              <a:rPr lang="fr-FR" sz="1158" i="1" dirty="0" err="1">
+              <a:rPr lang="fr-FR" sz="1000" i="1" dirty="0" err="1">
                 <a:latin typeface="Gill Sans Nova" panose="020B0602020104020203" pitchFamily="34" charset="0"/>
               </a:rPr>
               <a:t>is</a:t>
             </a:r>
             <a:r>
-              <a:rPr lang="fr-FR" sz="1158" i="1" dirty="0">
+              <a:rPr lang="fr-FR" sz="1000" i="1" dirty="0">
                 <a:latin typeface="Gill Sans Nova" panose="020B0602020104020203" pitchFamily="34" charset="0"/>
               </a:rPr>
               <a:t> </a:t>
             </a:r>
             <a:r>
-              <a:rPr lang="fr-FR" sz="1158" i="1" dirty="0" err="1">
+              <a:rPr lang="fr-FR" sz="1000" i="1" dirty="0" err="1">
                 <a:latin typeface="Gill Sans Nova" panose="020B0602020104020203" pitchFamily="34" charset="0"/>
               </a:rPr>
               <a:t>realised</a:t>
             </a:r>
             <a:r>
-              <a:rPr lang="fr-FR" sz="1158" i="1" dirty="0">
+              <a:rPr lang="fr-FR" sz="1000" i="1" dirty="0">
                 <a:latin typeface="Gill Sans Nova" panose="020B0602020104020203" pitchFamily="34" charset="0"/>
               </a:rPr>
               <a:t> in</a:t>
@@ -5579,7 +5579,7 @@
           <a:lstStyle/>
           <a:p>
             <a:pPr algn="ctr"/>
-            <a:endParaRPr lang="fr-FR" sz="1622" dirty="0"/>
+            <a:endParaRPr lang="fr-FR" sz="1200" dirty="0"/>
           </a:p>
         </p:txBody>
       </p:sp>
@@ -5598,7 +5598,7 @@
         <p:spPr>
           <a:xfrm>
             <a:off x="19898052" y="19786006"/>
-            <a:ext cx="3281580" cy="755591"/>
+            <a:ext cx="3281580" cy="584775"/>
           </a:xfrm>
           <a:prstGeom prst="rect">
             <a:avLst/>
@@ -5613,7 +5613,7 @@
           <a:p>
             <a:pPr algn="ctr"/>
             <a:r>
-              <a:rPr lang="fr-FR" sz="2155" dirty="0">
+              <a:rPr lang="fr-FR" sz="1600" dirty="0">
                 <a:latin typeface="Gill Sans Nova" panose="020B0602020104020203" pitchFamily="34" charset="0"/>
               </a:rPr>
               <a:t>EDITEUR DE THESAURUS</a:t>
@@ -5622,7 +5622,7 @@
           <a:p>
             <a:pPr algn="ctr"/>
             <a:r>
-              <a:rPr lang="fr-FR" sz="2155" i="1" dirty="0">
+              <a:rPr lang="fr-FR" sz="1600" i="1" dirty="0">
                 <a:latin typeface="Gill Sans Nova" panose="020B0602020104020203" pitchFamily="34" charset="0"/>
               </a:rPr>
               <a:t>PERSONNES</a:t>
@@ -5677,7 +5677,7 @@
           <a:p>
             <a:pPr algn="ctr"/>
             <a:r>
-              <a:rPr lang="fr-FR" sz="1158" dirty="0">
+              <a:rPr lang="fr-FR" sz="1000" dirty="0">
                 <a:solidFill>
                   <a:schemeClr val="tx1"/>
                 </a:solidFill>
@@ -5870,7 +5870,7 @@
           <a:p>
             <a:pPr algn="ctr"/>
             <a:r>
-              <a:rPr lang="fr-FR" sz="1158" dirty="0">
+              <a:rPr lang="fr-FR" sz="1000" dirty="0">
                 <a:solidFill>
                   <a:schemeClr val="tx1"/>
                 </a:solidFill>
@@ -5878,7 +5878,7 @@
               </a:rPr>
               <a:t>E42 Identifier</a:t>
             </a:r>
-            <a:endParaRPr lang="fr-FR" sz="1158" i="1" dirty="0">
+            <a:endParaRPr lang="fr-FR" sz="1000" i="1" dirty="0">
               <a:solidFill>
                 <a:schemeClr val="tx1"/>
               </a:solidFill>
@@ -5945,7 +5945,7 @@
         <p:spPr>
           <a:xfrm>
             <a:off x="17327540" y="13074817"/>
-            <a:ext cx="1398356" cy="270523"/>
+            <a:ext cx="1398356" cy="253916"/>
           </a:xfrm>
           <a:prstGeom prst="rect">
             <a:avLst/>
@@ -5960,31 +5960,31 @@
           <a:p>
             <a:pPr algn="ctr"/>
             <a:r>
-              <a:rPr lang="fr-FR" sz="1158" i="1" dirty="0">
+              <a:rPr lang="fr-FR" sz="1000" i="1" dirty="0">
                 <a:latin typeface="Gill Sans Nova" panose="020B0602020104020203" pitchFamily="34" charset="0"/>
               </a:rPr>
               <a:t>P1 </a:t>
             </a:r>
             <a:r>
-              <a:rPr lang="fr-FR" sz="1158" i="1" dirty="0" err="1">
+              <a:rPr lang="fr-FR" sz="1000" i="1" dirty="0" err="1">
                 <a:latin typeface="Gill Sans Nova" panose="020B0602020104020203" pitchFamily="34" charset="0"/>
               </a:rPr>
               <a:t>is</a:t>
             </a:r>
             <a:r>
-              <a:rPr lang="fr-FR" sz="1158" i="1" dirty="0">
+              <a:rPr lang="fr-FR" sz="1000" i="1" dirty="0">
                 <a:latin typeface="Gill Sans Nova" panose="020B0602020104020203" pitchFamily="34" charset="0"/>
               </a:rPr>
               <a:t> </a:t>
             </a:r>
             <a:r>
-              <a:rPr lang="fr-FR" sz="1158" i="1" dirty="0" err="1">
+              <a:rPr lang="fr-FR" sz="1000" i="1" dirty="0" err="1">
                 <a:latin typeface="Gill Sans Nova" panose="020B0602020104020203" pitchFamily="34" charset="0"/>
               </a:rPr>
               <a:t>identified</a:t>
             </a:r>
             <a:r>
-              <a:rPr lang="fr-FR" sz="1158" i="1" dirty="0">
+              <a:rPr lang="fr-FR" sz="1000" i="1" dirty="0">
                 <a:latin typeface="Gill Sans Nova" panose="020B0602020104020203" pitchFamily="34" charset="0"/>
               </a:rPr>
               <a:t> by</a:t>
@@ -6039,7 +6039,7 @@
           <a:p>
             <a:pPr algn="ctr"/>
             <a:r>
-              <a:rPr lang="fr-FR" sz="1158" dirty="0">
+              <a:rPr lang="fr-FR" sz="1000" dirty="0">
                 <a:solidFill>
                   <a:schemeClr val="tx1"/>
                 </a:solidFill>
@@ -6097,7 +6097,7 @@
           <a:p>
             <a:pPr algn="ctr"/>
             <a:r>
-              <a:rPr lang="fr-FR" sz="1158" dirty="0">
+              <a:rPr lang="fr-FR" sz="1000" dirty="0">
                 <a:solidFill>
                   <a:schemeClr val="tx1"/>
                 </a:solidFill>
@@ -6155,7 +6155,7 @@
           <a:p>
             <a:pPr algn="ctr"/>
             <a:r>
-              <a:rPr lang="fr-FR" sz="1158" dirty="0">
+              <a:rPr lang="fr-FR" sz="1000" dirty="0">
                 <a:solidFill>
                   <a:schemeClr val="tx1"/>
                 </a:solidFill>
@@ -6164,7 +6164,7 @@
               <a:t>« Charles </a:t>
             </a:r>
             <a:r>
-              <a:rPr lang="fr-FR" sz="1158" dirty="0" err="1">
+              <a:rPr lang="fr-FR" sz="1000" dirty="0" err="1">
                 <a:solidFill>
                   <a:schemeClr val="tx1"/>
                 </a:solidFill>
@@ -6173,7 +6173,7 @@
               <a:t>Perraut</a:t>
             </a:r>
             <a:r>
-              <a:rPr lang="fr-FR" sz="1158" dirty="0">
+              <a:rPr lang="fr-FR" sz="1000" dirty="0">
                 <a:solidFill>
                   <a:schemeClr val="tx1"/>
                 </a:solidFill>
@@ -6199,7 +6199,7 @@
         <p:spPr>
           <a:xfrm>
             <a:off x="24874432" y="21620557"/>
-            <a:ext cx="1484003" cy="270523"/>
+            <a:ext cx="1484003" cy="253916"/>
           </a:xfrm>
           <a:prstGeom prst="rect">
             <a:avLst/>
@@ -6214,19 +6214,19 @@
           <a:p>
             <a:pPr algn="ctr"/>
             <a:r>
-              <a:rPr lang="fr-FR" sz="1158" i="1" dirty="0">
+              <a:rPr lang="fr-FR" sz="1000" i="1" dirty="0">
                 <a:latin typeface="Gill Sans Nova" panose="020B0602020104020203" pitchFamily="34" charset="0"/>
               </a:rPr>
               <a:t>P14 </a:t>
             </a:r>
             <a:r>
-              <a:rPr lang="fr-FR" sz="1158" i="1" dirty="0" err="1">
+              <a:rPr lang="fr-FR" sz="1000" i="1" dirty="0" err="1">
                 <a:latin typeface="Gill Sans Nova" panose="020B0602020104020203" pitchFamily="34" charset="0"/>
               </a:rPr>
               <a:t>carried</a:t>
             </a:r>
             <a:r>
-              <a:rPr lang="fr-FR" sz="1158" i="1" dirty="0">
+              <a:rPr lang="fr-FR" sz="1000" i="1" dirty="0">
                 <a:latin typeface="Gill Sans Nova" panose="020B0602020104020203" pitchFamily="34" charset="0"/>
               </a:rPr>
               <a:t> out by</a:t>
@@ -6324,7 +6324,7 @@
           <a:p>
             <a:pPr algn="ctr"/>
             <a:r>
-              <a:rPr lang="fr-FR" sz="1158" dirty="0">
+              <a:rPr lang="fr-FR" sz="1000" dirty="0">
                 <a:solidFill>
                   <a:schemeClr val="tx1"/>
                 </a:solidFill>
@@ -6382,7 +6382,7 @@
           <a:p>
             <a:pPr algn="ctr"/>
             <a:r>
-              <a:rPr lang="fr-FR" sz="1158" dirty="0">
+              <a:rPr lang="fr-FR" sz="1000" dirty="0">
                 <a:solidFill>
                   <a:schemeClr val="tx1"/>
                 </a:solidFill>
@@ -6453,7 +6453,7 @@
         <p:spPr>
           <a:xfrm>
             <a:off x="31832530" y="5452514"/>
-            <a:ext cx="1052048" cy="448713"/>
+            <a:ext cx="1052048" cy="246221"/>
           </a:xfrm>
           <a:prstGeom prst="rect">
             <a:avLst/>
@@ -6468,18 +6468,18 @@
           <a:p>
             <a:pPr algn="ctr"/>
             <a:r>
-              <a:rPr lang="fr-FR" sz="1158" i="1" dirty="0">
+              <a:rPr lang="fr-FR" sz="1000" i="1" dirty="0">
                 <a:latin typeface="Gill Sans Nova" panose="020B0602020104020203" pitchFamily="34" charset="0"/>
               </a:rPr>
               <a:t>R10 has </a:t>
             </a:r>
             <a:r>
-              <a:rPr lang="fr-FR" sz="1158" i="1" dirty="0" err="1">
+              <a:rPr lang="fr-FR" sz="1000" i="1" dirty="0" err="1">
                 <a:latin typeface="Gill Sans Nova" panose="020B0602020104020203" pitchFamily="34" charset="0"/>
               </a:rPr>
               <a:t>member</a:t>
             </a:r>
-            <a:endParaRPr lang="fr-FR" sz="1158" i="1" dirty="0">
+            <a:endParaRPr lang="fr-FR" sz="1000" i="1" dirty="0">
               <a:latin typeface="Gill Sans Nova" panose="020B0602020104020203" pitchFamily="34" charset="0"/>
             </a:endParaRPr>
           </a:p>
@@ -6622,7 +6622,7 @@
           <a:p>
             <a:pPr algn="ctr"/>
             <a:r>
-              <a:rPr lang="fr-FR" sz="1158" dirty="0">
+              <a:rPr lang="fr-FR" sz="1000" dirty="0">
                 <a:solidFill>
                   <a:schemeClr val="tx1"/>
                 </a:solidFill>
@@ -6634,7 +6634,7 @@
           <a:p>
             <a:pPr algn="ctr"/>
             <a:r>
-              <a:rPr lang="fr-FR" sz="1158" i="1" dirty="0">
+              <a:rPr lang="fr-FR" sz="1000" i="1" dirty="0">
                 <a:solidFill>
                   <a:schemeClr val="tx1"/>
                 </a:solidFill>
@@ -6737,7 +6737,7 @@
           <a:p>
             <a:pPr algn="ctr"/>
             <a:r>
-              <a:rPr lang="fr-FR" sz="1158" dirty="0">
+              <a:rPr lang="fr-FR" sz="1000" dirty="0">
                 <a:solidFill>
                   <a:schemeClr val="tx1"/>
                 </a:solidFill>
@@ -6749,7 +6749,7 @@
           <a:p>
             <a:pPr algn="ctr"/>
             <a:r>
-              <a:rPr lang="fr-FR" sz="1158" i="1" dirty="0">
+              <a:rPr lang="fr-FR" sz="1000" i="1" dirty="0">
                 <a:solidFill>
                   <a:schemeClr val="tx1"/>
                 </a:solidFill>
@@ -6807,7 +6807,7 @@
           <a:p>
             <a:pPr algn="ctr"/>
             <a:r>
-              <a:rPr lang="fr-FR" sz="1158" dirty="0">
+              <a:rPr lang="fr-FR" sz="1000" dirty="0">
                 <a:solidFill>
                   <a:schemeClr val="tx1"/>
                 </a:solidFill>
@@ -6819,7 +6819,7 @@
           <a:p>
             <a:pPr algn="ctr"/>
             <a:r>
-              <a:rPr lang="fr-FR" sz="1158" i="1" dirty="0">
+              <a:rPr lang="fr-FR" sz="1000" i="1" dirty="0">
                 <a:solidFill>
                   <a:schemeClr val="tx1"/>
                 </a:solidFill>
@@ -6845,7 +6845,7 @@
         <p:spPr>
           <a:xfrm>
             <a:off x="37548181" y="7014137"/>
-            <a:ext cx="1052048" cy="270523"/>
+            <a:ext cx="1052048" cy="253916"/>
           </a:xfrm>
           <a:prstGeom prst="rect">
             <a:avLst/>
@@ -6860,18 +6860,18 @@
           <a:p>
             <a:pPr algn="ctr"/>
             <a:r>
-              <a:rPr lang="fr-FR" sz="1158" i="1" dirty="0">
+              <a:rPr lang="fr-FR" sz="1000" i="1" dirty="0">
                 <a:latin typeface="Gill Sans Nova" panose="020B0602020104020203" pitchFamily="34" charset="0"/>
               </a:rPr>
               <a:t>R3 </a:t>
             </a:r>
             <a:r>
-              <a:rPr lang="fr-FR" sz="1158" i="1" dirty="0" err="1">
+              <a:rPr lang="fr-FR" sz="1000" i="1" dirty="0" err="1">
                 <a:latin typeface="Gill Sans Nova" panose="020B0602020104020203" pitchFamily="34" charset="0"/>
               </a:rPr>
               <a:t>realises</a:t>
             </a:r>
-            <a:endParaRPr lang="fr-FR" sz="1158" i="1" dirty="0">
+            <a:endParaRPr lang="fr-FR" sz="1000" i="1" dirty="0">
               <a:latin typeface="Gill Sans Nova" panose="020B0602020104020203" pitchFamily="34" charset="0"/>
             </a:endParaRPr>
           </a:p>
@@ -7014,7 +7014,7 @@
           <a:p>
             <a:pPr algn="ctr"/>
             <a:r>
-              <a:rPr lang="fr-FR" sz="1158" dirty="0">
+              <a:rPr lang="fr-FR" sz="1000" dirty="0">
                 <a:solidFill>
                   <a:schemeClr val="tx1"/>
                 </a:solidFill>
@@ -7026,7 +7026,7 @@
           <a:p>
             <a:pPr algn="ctr"/>
             <a:r>
-              <a:rPr lang="fr-FR" sz="1158" dirty="0">
+              <a:rPr lang="fr-FR" sz="1000" dirty="0">
                 <a:solidFill>
                   <a:schemeClr val="tx1"/>
                 </a:solidFill>
@@ -7052,7 +7052,7 @@
         <p:spPr>
           <a:xfrm>
             <a:off x="24494368" y="6067979"/>
-            <a:ext cx="1398356" cy="270523"/>
+            <a:ext cx="1398356" cy="253916"/>
           </a:xfrm>
           <a:prstGeom prst="rect">
             <a:avLst/>
@@ -7067,7 +7067,7 @@
           <a:p>
             <a:pPr algn="ctr"/>
             <a:r>
-              <a:rPr lang="fr-FR" sz="1158" i="1" dirty="0">
+              <a:rPr lang="fr-FR" sz="1000" i="1" dirty="0">
                 <a:latin typeface="Gill Sans Nova" panose="020B0602020104020203" pitchFamily="34" charset="0"/>
               </a:rPr>
               <a:t>P2 has type</a:t>
@@ -7122,7 +7122,7 @@
           <a:p>
             <a:pPr algn="ctr"/>
             <a:r>
-              <a:rPr lang="fr-FR" sz="1158" dirty="0">
+              <a:rPr lang="fr-FR" sz="1000" dirty="0">
                 <a:solidFill>
                   <a:schemeClr val="tx1"/>
                 </a:solidFill>
@@ -7130,7 +7130,7 @@
               </a:rPr>
               <a:t>E42 Identifier</a:t>
             </a:r>
-            <a:endParaRPr lang="fr-FR" sz="1158" i="1" dirty="0">
+            <a:endParaRPr lang="fr-FR" sz="1000" i="1" dirty="0">
               <a:solidFill>
                 <a:schemeClr val="tx1"/>
               </a:solidFill>
@@ -7154,7 +7154,7 @@
         <p:spPr>
           <a:xfrm>
             <a:off x="26250985" y="7193454"/>
-            <a:ext cx="1398356" cy="270523"/>
+            <a:ext cx="1398356" cy="253916"/>
           </a:xfrm>
           <a:prstGeom prst="rect">
             <a:avLst/>
@@ -7169,31 +7169,31 @@
           <a:p>
             <a:pPr algn="ctr"/>
             <a:r>
-              <a:rPr lang="fr-FR" sz="1158" i="1" dirty="0">
+              <a:rPr lang="fr-FR" sz="1000" i="1" dirty="0">
                 <a:latin typeface="Gill Sans Nova" panose="020B0602020104020203" pitchFamily="34" charset="0"/>
               </a:rPr>
               <a:t>P1 </a:t>
             </a:r>
             <a:r>
-              <a:rPr lang="fr-FR" sz="1158" i="1" dirty="0" err="1">
+              <a:rPr lang="fr-FR" sz="1000" i="1" dirty="0" err="1">
                 <a:latin typeface="Gill Sans Nova" panose="020B0602020104020203" pitchFamily="34" charset="0"/>
               </a:rPr>
               <a:t>is</a:t>
             </a:r>
             <a:r>
-              <a:rPr lang="fr-FR" sz="1158" i="1" dirty="0">
+              <a:rPr lang="fr-FR" sz="1000" i="1" dirty="0">
                 <a:latin typeface="Gill Sans Nova" panose="020B0602020104020203" pitchFamily="34" charset="0"/>
               </a:rPr>
               <a:t> </a:t>
             </a:r>
             <a:r>
-              <a:rPr lang="fr-FR" sz="1158" i="1" dirty="0" err="1">
+              <a:rPr lang="fr-FR" sz="1000" i="1" dirty="0" err="1">
                 <a:latin typeface="Gill Sans Nova" panose="020B0602020104020203" pitchFamily="34" charset="0"/>
               </a:rPr>
               <a:t>identified</a:t>
             </a:r>
             <a:r>
-              <a:rPr lang="fr-FR" sz="1158" i="1" dirty="0">
+              <a:rPr lang="fr-FR" sz="1000" i="1" dirty="0">
                 <a:latin typeface="Gill Sans Nova" panose="020B0602020104020203" pitchFamily="34" charset="0"/>
               </a:rPr>
               <a:t> by</a:t>
@@ -7259,7 +7259,7 @@
         <p:spPr>
           <a:xfrm>
             <a:off x="31103791" y="7209404"/>
-            <a:ext cx="1398356" cy="448713"/>
+            <a:ext cx="1398356" cy="253916"/>
           </a:xfrm>
           <a:prstGeom prst="rect">
             <a:avLst/>
@@ -7274,19 +7274,19 @@
           <a:p>
             <a:pPr algn="ctr"/>
             <a:r>
-              <a:rPr lang="fr-FR" sz="1158" i="1" dirty="0">
+              <a:rPr lang="fr-FR" sz="1000" i="1" dirty="0">
                 <a:latin typeface="Gill Sans Nova" panose="020B0602020104020203" pitchFamily="34" charset="0"/>
               </a:rPr>
               <a:t>P130 shows </a:t>
             </a:r>
             <a:r>
-              <a:rPr lang="fr-FR" sz="1158" i="1" dirty="0" err="1">
+              <a:rPr lang="fr-FR" sz="1000" i="1" dirty="0" err="1">
                 <a:latin typeface="Gill Sans Nova" panose="020B0602020104020203" pitchFamily="34" charset="0"/>
               </a:rPr>
               <a:t>features</a:t>
             </a:r>
             <a:r>
-              <a:rPr lang="fr-FR" sz="1158" i="1" dirty="0">
+              <a:rPr lang="fr-FR" sz="1000" i="1" dirty="0">
                 <a:latin typeface="Gill Sans Nova" panose="020B0602020104020203" pitchFamily="34" charset="0"/>
               </a:rPr>
               <a:t> of</a:t>
@@ -7384,7 +7384,7 @@
           <a:p>
             <a:pPr algn="ctr"/>
             <a:r>
-              <a:rPr lang="fr-FR" sz="1158" dirty="0">
+              <a:rPr lang="fr-FR" sz="1000" dirty="0">
                 <a:solidFill>
                   <a:schemeClr val="tx1"/>
                 </a:solidFill>
@@ -7396,7 +7396,7 @@
           <a:p>
             <a:pPr algn="ctr"/>
             <a:r>
-              <a:rPr lang="fr-FR" sz="1158" dirty="0">
+              <a:rPr lang="fr-FR" sz="1000" dirty="0">
                 <a:solidFill>
                   <a:schemeClr val="tx1"/>
                 </a:solidFill>
@@ -7422,7 +7422,7 @@
         <p:spPr>
           <a:xfrm>
             <a:off x="34924901" y="8395912"/>
-            <a:ext cx="1398356" cy="270523"/>
+            <a:ext cx="1398356" cy="253916"/>
           </a:xfrm>
           <a:prstGeom prst="rect">
             <a:avLst/>
@@ -7437,7 +7437,7 @@
           <a:p>
             <a:pPr algn="ctr"/>
             <a:r>
-              <a:rPr lang="fr-FR" sz="1158" i="1" dirty="0">
+              <a:rPr lang="fr-FR" sz="1000" i="1" dirty="0">
                 <a:latin typeface="Gill Sans Nova" panose="020B0602020104020203" pitchFamily="34" charset="0"/>
               </a:rPr>
               <a:t>P2 has type</a:t>
@@ -7492,7 +7492,7 @@
           <a:p>
             <a:pPr algn="ctr"/>
             <a:r>
-              <a:rPr lang="fr-FR" sz="1158" dirty="0">
+              <a:rPr lang="fr-FR" sz="1000" dirty="0">
                 <a:solidFill>
                   <a:schemeClr val="tx1"/>
                 </a:solidFill>
@@ -7504,7 +7504,7 @@
           <a:p>
             <a:pPr algn="ctr"/>
             <a:r>
-              <a:rPr lang="fr-FR" sz="1158" i="1" dirty="0">
+              <a:rPr lang="fr-FR" sz="1000" i="1" dirty="0">
                 <a:solidFill>
                   <a:schemeClr val="tx1"/>
                 </a:solidFill>
@@ -7618,7 +7618,7 @@
         <p:spPr>
           <a:xfrm>
             <a:off x="34214331" y="7174417"/>
-            <a:ext cx="1398356" cy="270523"/>
+            <a:ext cx="1398356" cy="253916"/>
           </a:xfrm>
           <a:prstGeom prst="rect">
             <a:avLst/>
@@ -7633,7 +7633,7 @@
           <a:p>
             <a:pPr algn="ctr"/>
             <a:r>
-              <a:rPr lang="fr-FR" sz="1158" i="1" dirty="0">
+              <a:rPr lang="fr-FR" sz="1000" i="1" dirty="0">
                 <a:latin typeface="Gill Sans Nova" panose="020B0602020104020203" pitchFamily="34" charset="0"/>
               </a:rPr>
               <a:t>P1 has identifier</a:t>
@@ -7688,7 +7688,7 @@
           <a:p>
             <a:pPr algn="ctr"/>
             <a:r>
-              <a:rPr lang="fr-FR" sz="1158" dirty="0">
+              <a:rPr lang="fr-FR" sz="1000" dirty="0">
                 <a:solidFill>
                   <a:schemeClr val="tx1"/>
                 </a:solidFill>
@@ -7746,7 +7746,7 @@
           <a:p>
             <a:pPr algn="ctr"/>
             <a:r>
-              <a:rPr lang="fr-FR" sz="1158" dirty="0">
+              <a:rPr lang="fr-FR" sz="1000" dirty="0">
                 <a:solidFill>
                   <a:schemeClr val="tx1"/>
                 </a:solidFill>
@@ -7815,7 +7815,7 @@
         <p:spPr>
           <a:xfrm>
             <a:off x="27894051" y="10705427"/>
-            <a:ext cx="1398356" cy="270523"/>
+            <a:ext cx="1398356" cy="253916"/>
           </a:xfrm>
           <a:prstGeom prst="rect">
             <a:avLst/>
@@ -7830,31 +7830,31 @@
           <a:p>
             <a:pPr algn="ctr"/>
             <a:r>
-              <a:rPr lang="fr-FR" sz="1158" i="1" dirty="0">
+              <a:rPr lang="fr-FR" sz="1000" i="1" dirty="0">
                 <a:latin typeface="Gill Sans Nova" panose="020B0602020104020203" pitchFamily="34" charset="0"/>
               </a:rPr>
               <a:t>P1 </a:t>
             </a:r>
             <a:r>
-              <a:rPr lang="fr-FR" sz="1158" i="1" dirty="0" err="1">
+              <a:rPr lang="fr-FR" sz="1000" i="1" dirty="0" err="1">
                 <a:latin typeface="Gill Sans Nova" panose="020B0602020104020203" pitchFamily="34" charset="0"/>
               </a:rPr>
               <a:t>is</a:t>
             </a:r>
             <a:r>
-              <a:rPr lang="fr-FR" sz="1158" i="1" dirty="0">
+              <a:rPr lang="fr-FR" sz="1000" i="1" dirty="0">
                 <a:latin typeface="Gill Sans Nova" panose="020B0602020104020203" pitchFamily="34" charset="0"/>
               </a:rPr>
               <a:t> </a:t>
             </a:r>
             <a:r>
-              <a:rPr lang="fr-FR" sz="1158" i="1" dirty="0" err="1">
+              <a:rPr lang="fr-FR" sz="1000" i="1" dirty="0" err="1">
                 <a:latin typeface="Gill Sans Nova" panose="020B0602020104020203" pitchFamily="34" charset="0"/>
               </a:rPr>
               <a:t>identified</a:t>
             </a:r>
             <a:r>
-              <a:rPr lang="fr-FR" sz="1158" i="1" dirty="0">
+              <a:rPr lang="fr-FR" sz="1000" i="1" dirty="0">
                 <a:latin typeface="Gill Sans Nova" panose="020B0602020104020203" pitchFamily="34" charset="0"/>
               </a:rPr>
               <a:t> by</a:t>
@@ -7877,7 +7877,7 @@
         <p:spPr>
           <a:xfrm>
             <a:off x="30783216" y="10934876"/>
-            <a:ext cx="1052048" cy="270523"/>
+            <a:ext cx="1052048" cy="253916"/>
           </a:xfrm>
           <a:prstGeom prst="rect">
             <a:avLst/>
@@ -7892,18 +7892,18 @@
           <a:p>
             <a:pPr algn="ctr"/>
             <a:r>
-              <a:rPr lang="fr-FR" sz="1158" i="1" dirty="0">
+              <a:rPr lang="fr-FR" sz="1000" i="1" dirty="0">
                 <a:latin typeface="Gill Sans Nova" panose="020B0602020104020203" pitchFamily="34" charset="0"/>
               </a:rPr>
               <a:t>R3 </a:t>
             </a:r>
             <a:r>
-              <a:rPr lang="fr-FR" sz="1158" i="1" dirty="0" err="1">
+              <a:rPr lang="fr-FR" sz="1000" i="1" dirty="0" err="1">
                 <a:latin typeface="Gill Sans Nova" panose="020B0602020104020203" pitchFamily="34" charset="0"/>
               </a:rPr>
               <a:t>realises</a:t>
             </a:r>
-            <a:endParaRPr lang="fr-FR" sz="1158" i="1" dirty="0">
+            <a:endParaRPr lang="fr-FR" sz="1000" i="1" dirty="0">
               <a:latin typeface="Gill Sans Nova" panose="020B0602020104020203" pitchFamily="34" charset="0"/>
             </a:endParaRPr>
           </a:p>
@@ -7956,7 +7956,7 @@
           <a:p>
             <a:pPr algn="ctr"/>
             <a:r>
-              <a:rPr lang="fr-FR" sz="1158" dirty="0">
+              <a:rPr lang="fr-FR" sz="1000" dirty="0">
                 <a:solidFill>
                   <a:schemeClr val="tx1"/>
                 </a:solidFill>
@@ -8025,7 +8025,7 @@
         <p:spPr>
           <a:xfrm>
             <a:off x="33128425" y="12038163"/>
-            <a:ext cx="1398356" cy="270523"/>
+            <a:ext cx="1398356" cy="253916"/>
           </a:xfrm>
           <a:prstGeom prst="rect">
             <a:avLst/>
@@ -8040,31 +8040,31 @@
           <a:p>
             <a:pPr algn="ctr"/>
             <a:r>
-              <a:rPr lang="fr-FR" sz="1158" i="1" dirty="0">
+              <a:rPr lang="fr-FR" sz="1000" i="1" dirty="0">
                 <a:latin typeface="Gill Sans Nova" panose="020B0602020104020203" pitchFamily="34" charset="0"/>
               </a:rPr>
               <a:t>R16 </a:t>
             </a:r>
             <a:r>
-              <a:rPr lang="fr-FR" sz="1158" i="1" dirty="0" err="1">
+              <a:rPr lang="fr-FR" sz="1000" i="1" dirty="0" err="1">
                 <a:latin typeface="Gill Sans Nova" panose="020B0602020104020203" pitchFamily="34" charset="0"/>
               </a:rPr>
               <a:t>was</a:t>
             </a:r>
             <a:r>
-              <a:rPr lang="fr-FR" sz="1158" i="1" dirty="0">
+              <a:rPr lang="fr-FR" sz="1000" i="1" dirty="0">
                 <a:latin typeface="Gill Sans Nova" panose="020B0602020104020203" pitchFamily="34" charset="0"/>
               </a:rPr>
               <a:t> </a:t>
             </a:r>
             <a:r>
-              <a:rPr lang="fr-FR" sz="1158" i="1" dirty="0" err="1">
+              <a:rPr lang="fr-FR" sz="1000" i="1" dirty="0" err="1">
                 <a:latin typeface="Gill Sans Nova" panose="020B0602020104020203" pitchFamily="34" charset="0"/>
               </a:rPr>
               <a:t>initiated</a:t>
             </a:r>
             <a:r>
-              <a:rPr lang="fr-FR" sz="1158" i="1" dirty="0">
+              <a:rPr lang="fr-FR" sz="1000" i="1" dirty="0">
                 <a:latin typeface="Gill Sans Nova" panose="020B0602020104020203" pitchFamily="34" charset="0"/>
               </a:rPr>
               <a:t> by</a:t>
@@ -8119,7 +8119,7 @@
           <a:p>
             <a:pPr algn="ctr"/>
             <a:r>
-              <a:rPr lang="fr-FR" sz="1158" dirty="0">
+              <a:rPr lang="fr-FR" sz="1000" dirty="0">
                 <a:solidFill>
                   <a:schemeClr val="tx1"/>
                 </a:solidFill>
@@ -8188,7 +8188,7 @@
         <p:spPr>
           <a:xfrm>
             <a:off x="34780827" y="14121507"/>
-            <a:ext cx="1398356" cy="270523"/>
+            <a:ext cx="1398356" cy="253916"/>
           </a:xfrm>
           <a:prstGeom prst="rect">
             <a:avLst/>
@@ -8203,19 +8203,19 @@
           <a:p>
             <a:pPr algn="ctr"/>
             <a:r>
-              <a:rPr lang="fr-FR" sz="1158" i="1" dirty="0">
+              <a:rPr lang="fr-FR" sz="1000" i="1" dirty="0">
                 <a:latin typeface="Gill Sans Nova" panose="020B0602020104020203" pitchFamily="34" charset="0"/>
               </a:rPr>
               <a:t>P14 </a:t>
             </a:r>
             <a:r>
-              <a:rPr lang="fr-FR" sz="1158" i="1" dirty="0" err="1">
+              <a:rPr lang="fr-FR" sz="1000" i="1" dirty="0" err="1">
                 <a:latin typeface="Gill Sans Nova" panose="020B0602020104020203" pitchFamily="34" charset="0"/>
               </a:rPr>
               <a:t>carried</a:t>
             </a:r>
             <a:r>
-              <a:rPr lang="fr-FR" sz="1158" i="1" dirty="0">
+              <a:rPr lang="fr-FR" sz="1000" i="1" dirty="0">
                 <a:latin typeface="Gill Sans Nova" panose="020B0602020104020203" pitchFamily="34" charset="0"/>
               </a:rPr>
               <a:t> out by</a:t>
@@ -8280,7 +8280,7 @@
         <p:spPr>
           <a:xfrm>
             <a:off x="33099090" y="16406637"/>
-            <a:ext cx="4571678" cy="423962"/>
+            <a:ext cx="4571678" cy="338554"/>
           </a:xfrm>
           <a:prstGeom prst="rect">
             <a:avLst/>
@@ -8295,7 +8295,7 @@
           <a:p>
             <a:pPr algn="ctr"/>
             <a:r>
-              <a:rPr lang="fr-FR" sz="2155" dirty="0">
+              <a:rPr lang="fr-FR" sz="1600" dirty="0">
                 <a:latin typeface="Gill Sans Nova" panose="020B0602020104020203" pitchFamily="34" charset="0"/>
               </a:rPr>
               <a:t>CORPUS MERCURE GALANT</a:t>
@@ -8318,7 +8318,7 @@
         <p:spPr>
           <a:xfrm>
             <a:off x="20784750" y="23306319"/>
-            <a:ext cx="1484003" cy="270523"/>
+            <a:ext cx="1484003" cy="253916"/>
           </a:xfrm>
           <a:prstGeom prst="rect">
             <a:avLst/>
@@ -8333,7 +8333,7 @@
           <a:p>
             <a:pPr algn="ctr"/>
             <a:r>
-              <a:rPr lang="fr-FR" sz="1158" i="1" dirty="0">
+              <a:rPr lang="fr-FR" sz="1000" i="1" dirty="0">
                 <a:latin typeface="Gill Sans Nova" panose="020B0602020104020203" pitchFamily="34" charset="0"/>
               </a:rPr>
               <a:t>P98</a:t>
@@ -8391,7 +8391,7 @@
           <a:p>
             <a:pPr algn="ctr"/>
             <a:r>
-              <a:rPr lang="fr-FR" sz="1158" dirty="0">
+              <a:rPr lang="fr-FR" sz="1000" dirty="0">
                 <a:solidFill>
                   <a:schemeClr val="tx1"/>
                 </a:solidFill>
@@ -8460,7 +8460,7 @@
         <p:spPr>
           <a:xfrm>
             <a:off x="19150348" y="24411761"/>
-            <a:ext cx="1484003" cy="270523"/>
+            <a:ext cx="1484003" cy="253916"/>
           </a:xfrm>
           <a:prstGeom prst="rect">
             <a:avLst/>
@@ -8475,18 +8475,18 @@
           <a:p>
             <a:pPr algn="ctr"/>
             <a:r>
-              <a:rPr lang="fr-FR" sz="1158" i="1" dirty="0">
+              <a:rPr lang="fr-FR" sz="1000" i="1" dirty="0">
                 <a:latin typeface="Gill Sans Nova" panose="020B0602020104020203" pitchFamily="34" charset="0"/>
               </a:rPr>
               <a:t>P4 has time-</a:t>
             </a:r>
             <a:r>
-              <a:rPr lang="fr-FR" sz="1158" i="1" dirty="0" err="1">
+              <a:rPr lang="fr-FR" sz="1000" i="1" dirty="0" err="1">
                 <a:latin typeface="Gill Sans Nova" panose="020B0602020104020203" pitchFamily="34" charset="0"/>
               </a:rPr>
               <a:t>span</a:t>
             </a:r>
-            <a:endParaRPr lang="fr-FR" sz="1158" i="1" dirty="0">
+            <a:endParaRPr lang="fr-FR" sz="1000" i="1" dirty="0">
               <a:latin typeface="Gill Sans Nova" panose="020B0602020104020203" pitchFamily="34" charset="0"/>
             </a:endParaRPr>
           </a:p>
@@ -8544,7 +8544,7 @@
           <a:lstStyle/>
           <a:p>
             <a:pPr algn="ctr"/>
-            <a:endParaRPr lang="fr-FR" sz="1622" dirty="0"/>
+            <a:endParaRPr lang="fr-FR" sz="1200" dirty="0"/>
           </a:p>
         </p:txBody>
       </p:sp>
@@ -8597,7 +8597,7 @@
           <a:lstStyle/>
           <a:p>
             <a:pPr algn="ctr"/>
-            <a:endParaRPr lang="fr-FR" sz="1622" dirty="0"/>
+            <a:endParaRPr lang="fr-FR" sz="1200" dirty="0"/>
           </a:p>
         </p:txBody>
       </p:sp>
@@ -8696,7 +8696,7 @@
           <a:p>
             <a:pPr algn="ctr"/>
             <a:r>
-              <a:rPr lang="fr-FR" sz="1158" i="1" dirty="0">
+              <a:rPr lang="fr-FR" sz="1000" i="1" dirty="0">
                 <a:solidFill>
                   <a:schemeClr val="tx1"/>
                 </a:solidFill>
@@ -8765,7 +8765,7 @@
         <p:spPr>
           <a:xfrm>
             <a:off x="21582693" y="22309188"/>
-            <a:ext cx="1484003" cy="270523"/>
+            <a:ext cx="1484003" cy="253916"/>
           </a:xfrm>
           <a:prstGeom prst="rect">
             <a:avLst/>
@@ -8780,12 +8780,12 @@
           <a:p>
             <a:pPr algn="ctr"/>
             <a:r>
-              <a:rPr lang="fr-FR" sz="1158" i="1" dirty="0" err="1">
+              <a:rPr lang="fr-FR" sz="1000" i="1" dirty="0" err="1">
                 <a:latin typeface="Gill Sans Nova" panose="020B0602020104020203" pitchFamily="34" charset="0"/>
               </a:rPr>
               <a:t>rdfs:seeAlso</a:t>
             </a:r>
-            <a:endParaRPr lang="fr-FR" sz="1158" i="1" dirty="0">
+            <a:endParaRPr lang="fr-FR" sz="1000" i="1" dirty="0">
               <a:latin typeface="Gill Sans Nova" panose="020B0602020104020203" pitchFamily="34" charset="0"/>
             </a:endParaRPr>
           </a:p>
@@ -8806,7 +8806,7 @@
         <p:spPr>
           <a:xfrm>
             <a:off x="32969735" y="19905720"/>
-            <a:ext cx="3701987" cy="755591"/>
+            <a:ext cx="3701987" cy="584775"/>
           </a:xfrm>
           <a:prstGeom prst="rect">
             <a:avLst/>
@@ -8821,7 +8821,7 @@
           <a:p>
             <a:pPr algn="ctr"/>
             <a:r>
-              <a:rPr lang="fr-FR" sz="2155" dirty="0">
+              <a:rPr lang="fr-FR" sz="1600" dirty="0">
                 <a:latin typeface="Gill Sans Nova" panose="020B0602020104020203" pitchFamily="34" charset="0"/>
               </a:rPr>
               <a:t>EDITEUR DE THESAURUS</a:t>
@@ -8830,7 +8830,7 @@
           <a:p>
             <a:pPr algn="ctr"/>
             <a:r>
-              <a:rPr lang="fr-FR" sz="2155" i="1" dirty="0">
+              <a:rPr lang="fr-FR" sz="1600" i="1" dirty="0">
                 <a:latin typeface="Gill Sans Nova" panose="020B0602020104020203" pitchFamily="34" charset="0"/>
               </a:rPr>
               <a:t>CORPORATIONS/INSTITUTIONS</a:t>
@@ -8887,7 +8887,7 @@
           <a:p>
             <a:pPr algn="ctr"/>
             <a:r>
-              <a:rPr lang="fr-FR" sz="1158" dirty="0">
+              <a:rPr lang="fr-FR" sz="1000" dirty="0">
                 <a:solidFill>
                   <a:schemeClr val="tx1"/>
                 </a:solidFill>
@@ -8899,7 +8899,7 @@
           <a:p>
             <a:pPr algn="ctr"/>
             <a:r>
-              <a:rPr lang="fr-FR" sz="1158" i="1" dirty="0">
+              <a:rPr lang="fr-FR" sz="1000" i="1" dirty="0">
                 <a:solidFill>
                   <a:schemeClr val="tx1"/>
                 </a:solidFill>
@@ -8970,7 +8970,7 @@
         <p:spPr>
           <a:xfrm>
             <a:off x="24624069" y="24093838"/>
-            <a:ext cx="1484003" cy="270523"/>
+            <a:ext cx="1484003" cy="253916"/>
           </a:xfrm>
           <a:prstGeom prst="rect">
             <a:avLst/>
@@ -8985,7 +8985,7 @@
           <a:p>
             <a:pPr algn="ctr"/>
             <a:r>
-              <a:rPr lang="fr-FR" sz="1158" i="1" dirty="0">
+              <a:rPr lang="fr-FR" sz="1000" i="1" dirty="0">
                 <a:latin typeface="Gill Sans Nova" panose="020B0602020104020203" pitchFamily="34" charset="0"/>
               </a:rPr>
               <a:t>P70 documents</a:t>
@@ -9040,7 +9040,7 @@
           <a:p>
             <a:pPr algn="ctr"/>
             <a:r>
-              <a:rPr lang="fr-FR" sz="1158" dirty="0">
+              <a:rPr lang="fr-FR" sz="1000" dirty="0">
                 <a:solidFill>
                   <a:schemeClr val="bg1"/>
                 </a:solidFill>
@@ -9066,7 +9066,7 @@
         <p:spPr>
           <a:xfrm>
             <a:off x="22718940" y="24093832"/>
-            <a:ext cx="1484003" cy="270523"/>
+            <a:ext cx="1484003" cy="253916"/>
           </a:xfrm>
           <a:prstGeom prst="rect">
             <a:avLst/>
@@ -9081,31 +9081,31 @@
           <a:p>
             <a:pPr algn="ctr"/>
             <a:r>
-              <a:rPr lang="fr-FR" sz="1158" i="1" dirty="0">
+              <a:rPr lang="fr-FR" sz="1000" i="1" dirty="0">
                 <a:latin typeface="Gill Sans Nova" panose="020B0602020104020203" pitchFamily="34" charset="0"/>
               </a:rPr>
               <a:t>P1 </a:t>
             </a:r>
             <a:r>
-              <a:rPr lang="fr-FR" sz="1158" i="1" dirty="0" err="1">
+              <a:rPr lang="fr-FR" sz="1000" i="1" dirty="0" err="1">
                 <a:latin typeface="Gill Sans Nova" panose="020B0602020104020203" pitchFamily="34" charset="0"/>
               </a:rPr>
               <a:t>is</a:t>
             </a:r>
             <a:r>
-              <a:rPr lang="fr-FR" sz="1158" i="1" dirty="0">
+              <a:rPr lang="fr-FR" sz="1000" i="1" dirty="0">
                 <a:latin typeface="Gill Sans Nova" panose="020B0602020104020203" pitchFamily="34" charset="0"/>
               </a:rPr>
               <a:t> </a:t>
             </a:r>
             <a:r>
-              <a:rPr lang="fr-FR" sz="1158" i="1" dirty="0" err="1">
+              <a:rPr lang="fr-FR" sz="1000" i="1" dirty="0" err="1">
                 <a:latin typeface="Gill Sans Nova" panose="020B0602020104020203" pitchFamily="34" charset="0"/>
               </a:rPr>
               <a:t>identified</a:t>
             </a:r>
             <a:r>
-              <a:rPr lang="fr-FR" sz="1158" i="1" dirty="0">
+              <a:rPr lang="fr-FR" sz="1000" i="1" dirty="0">
                 <a:latin typeface="Gill Sans Nova" panose="020B0602020104020203" pitchFamily="34" charset="0"/>
               </a:rPr>
               <a:t> by</a:t>
@@ -9128,7 +9128,7 @@
         <p:spPr>
           <a:xfrm>
             <a:off x="25663062" y="22206803"/>
-            <a:ext cx="1484003" cy="270523"/>
+            <a:ext cx="1484003" cy="253916"/>
           </a:xfrm>
           <a:prstGeom prst="rect">
             <a:avLst/>
@@ -9143,18 +9143,18 @@
           <a:p>
             <a:pPr algn="ctr"/>
             <a:r>
-              <a:rPr lang="fr-FR" sz="1158" i="1" dirty="0">
+              <a:rPr lang="fr-FR" sz="1000" i="1" dirty="0">
                 <a:latin typeface="Gill Sans Nova" panose="020B0602020104020203" pitchFamily="34" charset="0"/>
               </a:rPr>
               <a:t>P143 </a:t>
             </a:r>
             <a:r>
-              <a:rPr lang="fr-FR" sz="1158" i="1" dirty="0" err="1">
+              <a:rPr lang="fr-FR" sz="1000" i="1" dirty="0" err="1">
                 <a:latin typeface="Gill Sans Nova" panose="020B0602020104020203" pitchFamily="34" charset="0"/>
               </a:rPr>
               <a:t>joined</a:t>
             </a:r>
-            <a:endParaRPr lang="fr-FR" sz="1158" i="1" dirty="0">
+            <a:endParaRPr lang="fr-FR" sz="1000" i="1" dirty="0">
               <a:latin typeface="Gill Sans Nova" panose="020B0602020104020203" pitchFamily="34" charset="0"/>
             </a:endParaRPr>
           </a:p>
@@ -9209,7 +9209,7 @@
           <a:p>
             <a:pPr algn="ctr"/>
             <a:r>
-              <a:rPr lang="fr-FR" sz="1158" dirty="0">
+              <a:rPr lang="fr-FR" sz="1000" dirty="0">
                 <a:solidFill>
                   <a:schemeClr val="tx1"/>
                 </a:solidFill>
@@ -9221,7 +9221,7 @@
           <a:p>
             <a:pPr algn="ctr"/>
             <a:r>
-              <a:rPr lang="fr-FR" sz="1158" i="1" dirty="0">
+              <a:rPr lang="fr-FR" sz="1000" i="1" dirty="0">
                 <a:solidFill>
                   <a:schemeClr val="tx1"/>
                 </a:solidFill>
@@ -9279,7 +9279,7 @@
           <a:p>
             <a:pPr algn="ctr"/>
             <a:r>
-              <a:rPr lang="fr-FR" sz="1158" dirty="0">
+              <a:rPr lang="fr-FR" sz="1000" dirty="0">
                 <a:solidFill>
                   <a:schemeClr val="bg1"/>
                 </a:solidFill>
@@ -9288,7 +9288,7 @@
               <a:t>E32 </a:t>
             </a:r>
             <a:r>
-              <a:rPr lang="fr-FR" sz="1158" dirty="0" err="1">
+              <a:rPr lang="fr-FR" sz="1000" dirty="0" err="1">
                 <a:solidFill>
                   <a:schemeClr val="bg1"/>
                 </a:solidFill>
@@ -9297,7 +9297,7 @@
               <a:t>Authority</a:t>
             </a:r>
             <a:r>
-              <a:rPr lang="fr-FR" sz="1158" dirty="0">
+              <a:rPr lang="fr-FR" sz="1000" dirty="0">
                 <a:solidFill>
                   <a:schemeClr val="bg1"/>
                 </a:solidFill>
@@ -9309,7 +9309,7 @@
           <a:p>
             <a:pPr algn="ctr"/>
             <a:r>
-              <a:rPr lang="fr-FR" sz="1158" dirty="0">
+              <a:rPr lang="fr-FR" sz="1000" dirty="0">
                 <a:solidFill>
                   <a:schemeClr val="bg1"/>
                 </a:solidFill>
@@ -9318,7 +9318,7 @@
               <a:t>(« </a:t>
             </a:r>
             <a:r>
-              <a:rPr lang="fr-FR" sz="1158" i="1" dirty="0">
+              <a:rPr lang="fr-FR" sz="1000" i="1" dirty="0">
                 <a:solidFill>
                   <a:schemeClr val="bg1"/>
                 </a:solidFill>
@@ -9326,7 +9326,7 @@
               </a:rPr>
               <a:t>Ancien Régime »)</a:t>
             </a:r>
-            <a:endParaRPr lang="fr-FR" sz="1158" dirty="0">
+            <a:endParaRPr lang="fr-FR" sz="1000" dirty="0">
               <a:solidFill>
                 <a:schemeClr val="bg1"/>
               </a:solidFill>
@@ -9470,7 +9470,7 @@
           <a:p>
             <a:pPr algn="ctr"/>
             <a:r>
-              <a:rPr lang="fr-FR" sz="1158" dirty="0">
+              <a:rPr lang="fr-FR" sz="1000" dirty="0">
                 <a:solidFill>
                   <a:schemeClr val="bg1"/>
                 </a:solidFill>
@@ -9479,7 +9479,7 @@
               <a:t>E32 </a:t>
             </a:r>
             <a:r>
-              <a:rPr lang="fr-FR" sz="1158" dirty="0" err="1">
+              <a:rPr lang="fr-FR" sz="1000" dirty="0" err="1">
                 <a:solidFill>
                   <a:schemeClr val="bg1"/>
                 </a:solidFill>
@@ -9488,7 +9488,7 @@
               <a:t>Authority</a:t>
             </a:r>
             <a:r>
-              <a:rPr lang="fr-FR" sz="1158" dirty="0">
+              <a:rPr lang="fr-FR" sz="1000" dirty="0">
                 <a:solidFill>
                   <a:schemeClr val="bg1"/>
                 </a:solidFill>
@@ -9500,7 +9500,7 @@
           <a:p>
             <a:pPr algn="ctr"/>
             <a:r>
-              <a:rPr lang="fr-FR" sz="1158" dirty="0">
+              <a:rPr lang="fr-FR" sz="1000" dirty="0">
                 <a:solidFill>
                   <a:schemeClr val="bg1"/>
                 </a:solidFill>
@@ -9509,7 +9509,7 @@
               <a:t>(« </a:t>
             </a:r>
             <a:r>
-              <a:rPr lang="fr-FR" sz="1158" i="1" dirty="0">
+              <a:rPr lang="fr-FR" sz="1000" i="1" dirty="0">
                 <a:solidFill>
                   <a:schemeClr val="bg1"/>
                 </a:solidFill>
@@ -9517,7 +9517,7 @@
               </a:rPr>
               <a:t>Noms de personnes »)</a:t>
             </a:r>
-            <a:endParaRPr lang="fr-FR" sz="1158" dirty="0">
+            <a:endParaRPr lang="fr-FR" sz="1000" dirty="0">
               <a:solidFill>
                 <a:schemeClr val="bg1"/>
               </a:solidFill>
@@ -9584,7 +9584,7 @@
         <p:spPr>
           <a:xfrm>
             <a:off x="24012328" y="26956899"/>
-            <a:ext cx="1484003" cy="270523"/>
+            <a:ext cx="1484003" cy="253916"/>
           </a:xfrm>
           <a:prstGeom prst="rect">
             <a:avLst/>
@@ -9599,18 +9599,18 @@
           <a:p>
             <a:pPr algn="ctr"/>
             <a:r>
-              <a:rPr lang="fr-FR" sz="1158" i="1" dirty="0">
+              <a:rPr lang="fr-FR" sz="1000" i="1" dirty="0">
                 <a:latin typeface="Gill Sans Nova" panose="020B0602020104020203" pitchFamily="34" charset="0"/>
               </a:rPr>
               <a:t>P71 </a:t>
             </a:r>
             <a:r>
-              <a:rPr lang="fr-FR" sz="1158" i="1" dirty="0" err="1">
+              <a:rPr lang="fr-FR" sz="1000" i="1" dirty="0" err="1">
                 <a:latin typeface="Gill Sans Nova" panose="020B0602020104020203" pitchFamily="34" charset="0"/>
               </a:rPr>
               <a:t>lists</a:t>
             </a:r>
-            <a:endParaRPr lang="fr-FR" sz="1158" i="1" dirty="0">
+            <a:endParaRPr lang="fr-FR" sz="1000" i="1" dirty="0">
               <a:latin typeface="Gill Sans Nova" panose="020B0602020104020203" pitchFamily="34" charset="0"/>
             </a:endParaRPr>
           </a:p>
@@ -9663,7 +9663,7 @@
           <a:p>
             <a:pPr algn="ctr"/>
             <a:r>
-              <a:rPr lang="fr-FR" sz="1158" dirty="0">
+              <a:rPr lang="fr-FR" sz="1000" dirty="0">
                 <a:solidFill>
                   <a:schemeClr val="bg1"/>
                 </a:solidFill>
@@ -9672,7 +9672,7 @@
               <a:t>E32 </a:t>
             </a:r>
             <a:r>
-              <a:rPr lang="fr-FR" sz="1158" dirty="0" err="1">
+              <a:rPr lang="fr-FR" sz="1000" dirty="0" err="1">
                 <a:solidFill>
                   <a:schemeClr val="bg1"/>
                 </a:solidFill>
@@ -9681,7 +9681,7 @@
               <a:t>Authority</a:t>
             </a:r>
             <a:r>
-              <a:rPr lang="fr-FR" sz="1158" dirty="0">
+              <a:rPr lang="fr-FR" sz="1000" dirty="0">
                 <a:solidFill>
                   <a:schemeClr val="bg1"/>
                 </a:solidFill>
@@ -9693,7 +9693,7 @@
           <a:p>
             <a:pPr algn="ctr"/>
             <a:r>
-              <a:rPr lang="fr-FR" sz="1158" dirty="0">
+              <a:rPr lang="fr-FR" sz="1000" dirty="0">
                 <a:solidFill>
                   <a:schemeClr val="bg1"/>
                 </a:solidFill>
@@ -9702,7 +9702,7 @@
               <a:t>(« </a:t>
             </a:r>
             <a:r>
-              <a:rPr lang="fr-FR" sz="1158" i="1" dirty="0">
+              <a:rPr lang="fr-FR" sz="1000" i="1" dirty="0">
                 <a:solidFill>
                   <a:schemeClr val="bg1"/>
                 </a:solidFill>
@@ -9711,7 +9711,7 @@
               <a:t>Corporations</a:t>
             </a:r>
             <a:r>
-              <a:rPr lang="fr-FR" sz="1158" dirty="0">
+              <a:rPr lang="fr-FR" sz="1000" dirty="0">
                 <a:solidFill>
                   <a:schemeClr val="bg1"/>
                 </a:solidFill>
@@ -9720,7 +9720,7 @@
               <a:t> </a:t>
             </a:r>
             <a:r>
-              <a:rPr lang="fr-FR" sz="1158" i="1" dirty="0">
+              <a:rPr lang="fr-FR" sz="1000" i="1" dirty="0">
                 <a:solidFill>
                   <a:schemeClr val="bg1"/>
                 </a:solidFill>
@@ -9728,7 +9728,7 @@
               </a:rPr>
               <a:t>»)</a:t>
             </a:r>
-            <a:endParaRPr lang="fr-FR" sz="1158" dirty="0">
+            <a:endParaRPr lang="fr-FR" sz="1000" dirty="0">
               <a:solidFill>
                 <a:schemeClr val="bg1"/>
               </a:solidFill>
@@ -9841,7 +9841,7 @@
         <p:spPr>
           <a:xfrm>
             <a:off x="33226168" y="26576999"/>
-            <a:ext cx="1484003" cy="270523"/>
+            <a:ext cx="1484003" cy="253916"/>
           </a:xfrm>
           <a:prstGeom prst="rect">
             <a:avLst/>
@@ -9856,18 +9856,18 @@
           <a:p>
             <a:pPr algn="ctr"/>
             <a:r>
-              <a:rPr lang="fr-FR" sz="1158" i="1" dirty="0">
+              <a:rPr lang="fr-FR" sz="1000" i="1" dirty="0">
                 <a:latin typeface="Gill Sans Nova" panose="020B0602020104020203" pitchFamily="34" charset="0"/>
               </a:rPr>
               <a:t>P71 </a:t>
             </a:r>
             <a:r>
-              <a:rPr lang="fr-FR" sz="1158" i="1" dirty="0" err="1">
+              <a:rPr lang="fr-FR" sz="1000" i="1" dirty="0" err="1">
                 <a:latin typeface="Gill Sans Nova" panose="020B0602020104020203" pitchFamily="34" charset="0"/>
               </a:rPr>
               <a:t>lists</a:t>
             </a:r>
-            <a:endParaRPr lang="fr-FR" sz="1158" i="1" dirty="0">
+            <a:endParaRPr lang="fr-FR" sz="1000" i="1" dirty="0">
               <a:latin typeface="Gill Sans Nova" panose="020B0602020104020203" pitchFamily="34" charset="0"/>
             </a:endParaRPr>
           </a:p>
@@ -9922,7 +9922,7 @@
           <a:p>
             <a:pPr algn="ctr"/>
             <a:r>
-              <a:rPr lang="fr-FR" sz="1158" dirty="0">
+              <a:rPr lang="fr-FR" sz="1000" dirty="0">
                 <a:solidFill>
                   <a:schemeClr val="tx1"/>
                 </a:solidFill>
@@ -9934,7 +9934,7 @@
           <a:p>
             <a:pPr algn="ctr"/>
             <a:r>
-              <a:rPr lang="fr-FR" sz="1158" i="1" dirty="0">
+              <a:rPr lang="fr-FR" sz="1000" i="1" dirty="0">
                 <a:solidFill>
                   <a:schemeClr val="tx1"/>
                 </a:solidFill>
@@ -9995,7 +9995,7 @@
           <a:p>
             <a:pPr algn="ctr"/>
             <a:r>
-              <a:rPr lang="fr-FR" sz="1158" dirty="0">
+              <a:rPr lang="fr-FR" sz="1000" dirty="0">
                 <a:solidFill>
                   <a:schemeClr val="tx1"/>
                 </a:solidFill>
@@ -10021,7 +10021,7 @@
         <p:spPr>
           <a:xfrm>
             <a:off x="10213941" y="26868593"/>
-            <a:ext cx="1324755" cy="448713"/>
+            <a:ext cx="1324755" cy="400110"/>
           </a:xfrm>
           <a:prstGeom prst="rect">
             <a:avLst/>
@@ -10036,43 +10036,43 @@
           <a:p>
             <a:pPr algn="ctr"/>
             <a:r>
-              <a:rPr lang="fr-FR" sz="1158" i="1" dirty="0">
+              <a:rPr lang="fr-FR" sz="1000" i="1" dirty="0">
                 <a:latin typeface="Gill Sans Nova" panose="020B0602020104020203" pitchFamily="34" charset="0"/>
               </a:rPr>
               <a:t>P164 </a:t>
             </a:r>
             <a:r>
-              <a:rPr lang="fr-FR" sz="1158" i="1" dirty="0" err="1">
+              <a:rPr lang="fr-FR" sz="1000" i="1" dirty="0" err="1">
                 <a:latin typeface="Gill Sans Nova" panose="020B0602020104020203" pitchFamily="34" charset="0"/>
               </a:rPr>
               <a:t>is</a:t>
             </a:r>
             <a:r>
-              <a:rPr lang="fr-FR" sz="1158" i="1" dirty="0">
+              <a:rPr lang="fr-FR" sz="1000" i="1" dirty="0">
                 <a:latin typeface="Gill Sans Nova" panose="020B0602020104020203" pitchFamily="34" charset="0"/>
               </a:rPr>
               <a:t> </a:t>
             </a:r>
             <a:r>
-              <a:rPr lang="fr-FR" sz="1158" i="1" dirty="0" err="1">
+              <a:rPr lang="fr-FR" sz="1000" i="1" dirty="0" err="1">
                 <a:latin typeface="Gill Sans Nova" panose="020B0602020104020203" pitchFamily="34" charset="0"/>
               </a:rPr>
               <a:t>temporally</a:t>
             </a:r>
             <a:r>
-              <a:rPr lang="fr-FR" sz="1158" i="1" dirty="0">
+              <a:rPr lang="fr-FR" sz="1000" i="1" dirty="0">
                 <a:latin typeface="Gill Sans Nova" panose="020B0602020104020203" pitchFamily="34" charset="0"/>
               </a:rPr>
               <a:t> </a:t>
             </a:r>
             <a:r>
-              <a:rPr lang="fr-FR" sz="1158" i="1" dirty="0" err="1">
+              <a:rPr lang="fr-FR" sz="1000" i="1" dirty="0" err="1">
                 <a:latin typeface="Gill Sans Nova" panose="020B0602020104020203" pitchFamily="34" charset="0"/>
               </a:rPr>
               <a:t>specified</a:t>
             </a:r>
             <a:r>
-              <a:rPr lang="fr-FR" sz="1158" i="1" dirty="0">
+              <a:rPr lang="fr-FR" sz="1000" i="1" dirty="0">
                 <a:latin typeface="Gill Sans Nova" panose="020B0602020104020203" pitchFamily="34" charset="0"/>
               </a:rPr>
               <a:t> by</a:t>
@@ -10095,7 +10095,7 @@
         <p:spPr>
           <a:xfrm>
             <a:off x="17793773" y="20769851"/>
-            <a:ext cx="1484003" cy="270523"/>
+            <a:ext cx="1484003" cy="253916"/>
           </a:xfrm>
           <a:prstGeom prst="rect">
             <a:avLst/>
@@ -10110,19 +10110,19 @@
           <a:p>
             <a:pPr algn="ctr"/>
             <a:r>
-              <a:rPr lang="fr-FR" sz="1158" i="1" dirty="0">
+              <a:rPr lang="fr-FR" sz="1000" i="1" dirty="0">
                 <a:latin typeface="Gill Sans Nova" panose="020B0602020104020203" pitchFamily="34" charset="0"/>
               </a:rPr>
               <a:t>P7 </a:t>
             </a:r>
             <a:r>
-              <a:rPr lang="fr-FR" sz="1158" i="1" dirty="0" err="1">
+              <a:rPr lang="fr-FR" sz="1000" i="1" dirty="0" err="1">
                 <a:latin typeface="Gill Sans Nova" panose="020B0602020104020203" pitchFamily="34" charset="0"/>
               </a:rPr>
               <a:t>took</a:t>
             </a:r>
             <a:r>
-              <a:rPr lang="fr-FR" sz="1158" i="1" dirty="0">
+              <a:rPr lang="fr-FR" sz="1000" i="1" dirty="0">
                 <a:latin typeface="Gill Sans Nova" panose="020B0602020104020203" pitchFamily="34" charset="0"/>
               </a:rPr>
               <a:t> place at</a:t>
@@ -10179,7 +10179,7 @@
           <a:p>
             <a:pPr algn="ctr"/>
             <a:r>
-              <a:rPr lang="fr-FR" sz="1158" dirty="0">
+              <a:rPr lang="fr-FR" sz="1000" dirty="0">
                 <a:solidFill>
                   <a:schemeClr val="tx1"/>
                 </a:solidFill>
@@ -10191,7 +10191,7 @@
           <a:p>
             <a:pPr algn="ctr"/>
             <a:r>
-              <a:rPr lang="fr-FR" sz="1158" i="1" dirty="0">
+              <a:rPr lang="fr-FR" sz="1000" i="1" dirty="0">
                 <a:solidFill>
                   <a:schemeClr val="tx1"/>
                 </a:solidFill>
@@ -10200,7 +10200,7 @@
               <a:t>(Espace géographique du « Gouvernement d’</a:t>
             </a:r>
             <a:r>
-              <a:rPr lang="fr-FR" sz="1158" i="1" dirty="0" err="1">
+              <a:rPr lang="fr-FR" sz="1000" i="1" dirty="0" err="1">
                 <a:solidFill>
                   <a:schemeClr val="tx1"/>
                 </a:solidFill>
@@ -10209,7 +10209,7 @@
               <a:t>Isle-de-France</a:t>
             </a:r>
             <a:r>
-              <a:rPr lang="fr-FR" sz="1158" i="1" dirty="0">
+              <a:rPr lang="fr-FR" sz="1000" i="1" dirty="0">
                 <a:solidFill>
                   <a:schemeClr val="tx1"/>
                 </a:solidFill>
@@ -10282,7 +10282,7 @@
         <p:spPr>
           <a:xfrm>
             <a:off x="15809183" y="23271923"/>
-            <a:ext cx="1484003" cy="270523"/>
+            <a:ext cx="1484003" cy="253916"/>
           </a:xfrm>
           <a:prstGeom prst="rect">
             <a:avLst/>
@@ -10297,7 +10297,7 @@
           <a:p>
             <a:pPr algn="ctr"/>
             <a:r>
-              <a:rPr lang="fr-FR" sz="1158" i="1" dirty="0">
+              <a:rPr lang="fr-FR" sz="1000" i="1" dirty="0">
                 <a:solidFill>
                   <a:srgbClr val="8A6868"/>
                 </a:solidFill>
@@ -10306,7 +10306,7 @@
               <a:t>P89 </a:t>
             </a:r>
             <a:r>
-              <a:rPr lang="fr-FR" sz="1158" i="1" dirty="0" err="1">
+              <a:rPr lang="fr-FR" sz="1000" i="1" dirty="0" err="1">
                 <a:solidFill>
                   <a:srgbClr val="8A6868"/>
                 </a:solidFill>
@@ -10315,7 +10315,7 @@
               <a:t>falls</a:t>
             </a:r>
             <a:r>
-              <a:rPr lang="fr-FR" sz="1158" i="1" dirty="0">
+              <a:rPr lang="fr-FR" sz="1000" i="1" dirty="0">
                 <a:solidFill>
                   <a:srgbClr val="8A6868"/>
                 </a:solidFill>
@@ -10324,7 +10324,7 @@
               <a:t> </a:t>
             </a:r>
             <a:r>
-              <a:rPr lang="fr-FR" sz="1158" i="1" dirty="0" err="1">
+              <a:rPr lang="fr-FR" sz="1000" i="1" dirty="0" err="1">
                 <a:solidFill>
                   <a:srgbClr val="8A6868"/>
                 </a:solidFill>
@@ -10332,7 +10332,7 @@
               </a:rPr>
               <a:t>within</a:t>
             </a:r>
-            <a:endParaRPr lang="fr-FR" sz="1158" i="1" dirty="0">
+            <a:endParaRPr lang="fr-FR" sz="1000" i="1" dirty="0">
               <a:solidFill>
                 <a:srgbClr val="8A6868"/>
               </a:solidFill>
@@ -10390,7 +10390,7 @@
           <a:p>
             <a:pPr algn="ctr"/>
             <a:r>
-              <a:rPr lang="fr-FR" sz="1158" dirty="0">
+              <a:rPr lang="fr-FR" sz="1000" dirty="0">
                 <a:solidFill>
                   <a:schemeClr val="tx1"/>
                 </a:solidFill>
@@ -10402,7 +10402,7 @@
           <a:p>
             <a:pPr algn="ctr"/>
             <a:r>
-              <a:rPr lang="fr-FR" sz="1158" i="1" dirty="0">
+              <a:rPr lang="fr-FR" sz="1000" i="1" dirty="0">
                 <a:solidFill>
                   <a:schemeClr val="tx1"/>
                 </a:solidFill>
@@ -10411,7 +10411,7 @@
               <a:t>(Espace </a:t>
             </a:r>
             <a:r>
-              <a:rPr lang="fr-FR" sz="1158" i="1" dirty="0" err="1">
+              <a:rPr lang="fr-FR" sz="1000" i="1" dirty="0" err="1">
                 <a:solidFill>
                   <a:schemeClr val="tx1"/>
                 </a:solidFill>
@@ -10420,7 +10420,7 @@
               <a:t>géographqiue</a:t>
             </a:r>
             <a:r>
-              <a:rPr lang="fr-FR" sz="1158" i="1" dirty="0">
+              <a:rPr lang="fr-FR" sz="1000" i="1" dirty="0">
                 <a:solidFill>
                   <a:schemeClr val="tx1"/>
                 </a:solidFill>
@@ -10493,7 +10493,7 @@
         <p:spPr>
           <a:xfrm>
             <a:off x="15809183" y="25209253"/>
-            <a:ext cx="1484003" cy="270523"/>
+            <a:ext cx="1484003" cy="253916"/>
           </a:xfrm>
           <a:prstGeom prst="rect">
             <a:avLst/>
@@ -10508,7 +10508,7 @@
           <a:p>
             <a:pPr algn="ctr"/>
             <a:r>
-              <a:rPr lang="fr-FR" sz="1158" i="1" dirty="0">
+              <a:rPr lang="fr-FR" sz="1000" i="1" dirty="0">
                 <a:solidFill>
                   <a:srgbClr val="8A6868"/>
                 </a:solidFill>
@@ -10517,7 +10517,7 @@
               <a:t>P89 </a:t>
             </a:r>
             <a:r>
-              <a:rPr lang="fr-FR" sz="1158" i="1" dirty="0" err="1">
+              <a:rPr lang="fr-FR" sz="1000" i="1" dirty="0" err="1">
                 <a:solidFill>
                   <a:srgbClr val="8A6868"/>
                 </a:solidFill>
@@ -10526,7 +10526,7 @@
               <a:t>falls</a:t>
             </a:r>
             <a:r>
-              <a:rPr lang="fr-FR" sz="1158" i="1" dirty="0">
+              <a:rPr lang="fr-FR" sz="1000" i="1" dirty="0">
                 <a:solidFill>
                   <a:srgbClr val="8A6868"/>
                 </a:solidFill>
@@ -10535,7 +10535,7 @@
               <a:t> </a:t>
             </a:r>
             <a:r>
-              <a:rPr lang="fr-FR" sz="1158" i="1" dirty="0" err="1">
+              <a:rPr lang="fr-FR" sz="1000" i="1" dirty="0" err="1">
                 <a:solidFill>
                   <a:srgbClr val="8A6868"/>
                 </a:solidFill>
@@ -10543,7 +10543,7 @@
               </a:rPr>
               <a:t>within</a:t>
             </a:r>
-            <a:endParaRPr lang="fr-FR" sz="1158" i="1" dirty="0">
+            <a:endParaRPr lang="fr-FR" sz="1000" i="1" dirty="0">
               <a:solidFill>
                 <a:srgbClr val="8A6868"/>
               </a:solidFill>
@@ -10599,7 +10599,7 @@
           <a:p>
             <a:pPr algn="ctr"/>
             <a:r>
-              <a:rPr lang="fr-FR" sz="1158" dirty="0">
+              <a:rPr lang="fr-FR" sz="1000" dirty="0">
                 <a:solidFill>
                   <a:schemeClr val="bg1"/>
                 </a:solidFill>
@@ -10608,7 +10608,7 @@
               <a:t>E93 </a:t>
             </a:r>
             <a:r>
-              <a:rPr lang="fr-FR" sz="1158" dirty="0" err="1">
+              <a:rPr lang="fr-FR" sz="1000" dirty="0" err="1">
                 <a:solidFill>
                   <a:schemeClr val="bg1"/>
                 </a:solidFill>
@@ -10616,7 +10616,7 @@
               </a:rPr>
               <a:t>Presence</a:t>
             </a:r>
-            <a:endParaRPr lang="fr-FR" sz="1158" dirty="0">
+            <a:endParaRPr lang="fr-FR" sz="1000" dirty="0">
               <a:solidFill>
                 <a:schemeClr val="bg1"/>
               </a:solidFill>
@@ -10626,7 +10626,7 @@
           <a:p>
             <a:pPr algn="ctr"/>
             <a:r>
-              <a:rPr lang="fr-FR" sz="1158" i="1" dirty="0">
+              <a:rPr lang="fr-FR" sz="1000" i="1" dirty="0">
                 <a:solidFill>
                   <a:schemeClr val="bg1"/>
                 </a:solidFill>
@@ -10699,7 +10699,7 @@
         <p:spPr>
           <a:xfrm>
             <a:off x="11743274" y="22921804"/>
-            <a:ext cx="1242988" cy="448713"/>
+            <a:ext cx="1242988" cy="400110"/>
           </a:xfrm>
           <a:prstGeom prst="rect">
             <a:avLst/>
@@ -10713,7 +10713,7 @@
           <a:lstStyle/>
           <a:p>
             <a:r>
-              <a:rPr lang="fr-FR" sz="1158" i="1" dirty="0">
+              <a:rPr lang="fr-FR" sz="1000" i="1" dirty="0">
                 <a:solidFill>
                   <a:srgbClr val="8A6868"/>
                 </a:solidFill>
@@ -10773,7 +10773,7 @@
           <a:p>
             <a:pPr algn="ctr"/>
             <a:r>
-              <a:rPr lang="fr-FR" sz="1158" dirty="0">
+              <a:rPr lang="fr-FR" sz="1000" dirty="0">
                 <a:solidFill>
                   <a:schemeClr val="tx1"/>
                 </a:solidFill>
@@ -10785,7 +10785,7 @@
           <a:p>
             <a:pPr algn="ctr"/>
             <a:r>
-              <a:rPr lang="fr-FR" sz="1158" i="1" dirty="0">
+              <a:rPr lang="fr-FR" sz="1000" i="1" dirty="0">
                 <a:solidFill>
                   <a:schemeClr val="tx1"/>
                 </a:solidFill>
@@ -10860,7 +10860,7 @@
         <p:spPr>
           <a:xfrm>
             <a:off x="11718464" y="25830793"/>
-            <a:ext cx="1045631" cy="626903"/>
+            <a:ext cx="1045631" cy="415498"/>
           </a:xfrm>
           <a:prstGeom prst="rect">
             <a:avLst/>
@@ -10875,7 +10875,7 @@
           <a:p>
             <a:pPr algn="ctr"/>
             <a:r>
-              <a:rPr lang="fr-FR" sz="1158" i="1" dirty="0">
+              <a:rPr lang="fr-FR" sz="1000" i="1" dirty="0">
                 <a:solidFill>
                   <a:srgbClr val="8A6868"/>
                 </a:solidFill>
@@ -10933,7 +10933,7 @@
           <a:p>
             <a:pPr algn="ctr"/>
             <a:r>
-              <a:rPr lang="fr-FR" sz="1158" dirty="0">
+              <a:rPr lang="fr-FR" sz="1000" dirty="0">
                 <a:solidFill>
                   <a:schemeClr val="bg1"/>
                 </a:solidFill>
@@ -10942,7 +10942,7 @@
               <a:t>E32 </a:t>
             </a:r>
             <a:r>
-              <a:rPr lang="fr-FR" sz="1158" dirty="0" err="1">
+              <a:rPr lang="fr-FR" sz="1000" dirty="0" err="1">
                 <a:solidFill>
                   <a:schemeClr val="bg1"/>
                 </a:solidFill>
@@ -10951,7 +10951,7 @@
               <a:t>Authority</a:t>
             </a:r>
             <a:r>
-              <a:rPr lang="fr-FR" sz="1158" dirty="0">
+              <a:rPr lang="fr-FR" sz="1000" dirty="0">
                 <a:solidFill>
                   <a:schemeClr val="bg1"/>
                 </a:solidFill>
@@ -10963,7 +10963,7 @@
           <a:p>
             <a:pPr algn="ctr"/>
             <a:r>
-              <a:rPr lang="fr-FR" sz="1158" dirty="0">
+              <a:rPr lang="fr-FR" sz="1000" dirty="0">
                 <a:solidFill>
                   <a:schemeClr val="bg1"/>
                 </a:solidFill>
@@ -10972,7 +10972,7 @@
               <a:t>(« </a:t>
             </a:r>
             <a:r>
-              <a:rPr lang="fr-FR" sz="1158" i="1" dirty="0">
+              <a:rPr lang="fr-FR" sz="1000" i="1" dirty="0">
                 <a:solidFill>
                   <a:schemeClr val="bg1"/>
                 </a:solidFill>
@@ -10980,7 +10980,7 @@
               </a:rPr>
               <a:t>Lieux »)</a:t>
             </a:r>
-            <a:endParaRPr lang="fr-FR" sz="1158" dirty="0">
+            <a:endParaRPr lang="fr-FR" sz="1000" dirty="0">
               <a:solidFill>
                 <a:schemeClr val="bg1"/>
               </a:solidFill>
@@ -11004,7 +11004,7 @@
         <p:spPr>
           <a:xfrm>
             <a:off x="16536248" y="31133402"/>
-            <a:ext cx="1484003" cy="277768"/>
+            <a:ext cx="1484003" cy="261610"/>
           </a:xfrm>
           <a:prstGeom prst="rect">
             <a:avLst/>
@@ -11019,18 +11019,18 @@
           <a:p>
             <a:pPr algn="ctr"/>
             <a:r>
-              <a:rPr lang="fr-FR" sz="1205" i="1" dirty="0">
+              <a:rPr lang="fr-FR" sz="1050" i="1" dirty="0">
                 <a:latin typeface="Gill Sans Nova" panose="020B0602020104020203" pitchFamily="34" charset="0"/>
               </a:rPr>
               <a:t>P71 </a:t>
             </a:r>
             <a:r>
-              <a:rPr lang="fr-FR" sz="1205" i="1" dirty="0" err="1">
+              <a:rPr lang="fr-FR" sz="1050" i="1" dirty="0" err="1">
                 <a:latin typeface="Gill Sans Nova" panose="020B0602020104020203" pitchFamily="34" charset="0"/>
               </a:rPr>
               <a:t>lists</a:t>
             </a:r>
-            <a:endParaRPr lang="fr-FR" sz="1205" i="1" dirty="0">
+            <a:endParaRPr lang="fr-FR" sz="1050" i="1" dirty="0">
               <a:latin typeface="Gill Sans Nova" panose="020B0602020104020203" pitchFamily="34" charset="0"/>
             </a:endParaRPr>
           </a:p>
@@ -11079,7 +11079,7 @@
           <a:lstStyle/>
           <a:p>
             <a:pPr algn="ctr"/>
-            <a:endParaRPr lang="fr-FR" sz="1795"/>
+            <a:endParaRPr lang="fr-FR" sz="1200"/>
           </a:p>
         </p:txBody>
       </p:sp>
@@ -11098,7 +11098,7 @@
         <p:spPr>
           <a:xfrm>
             <a:off x="9855051" y="19786000"/>
-            <a:ext cx="3281580" cy="755591"/>
+            <a:ext cx="3281580" cy="584775"/>
           </a:xfrm>
           <a:prstGeom prst="rect">
             <a:avLst/>
@@ -11113,7 +11113,7 @@
           <a:p>
             <a:pPr algn="ctr"/>
             <a:r>
-              <a:rPr lang="fr-FR" sz="2155" dirty="0">
+              <a:rPr lang="fr-FR" sz="1600" dirty="0">
                 <a:latin typeface="Gill Sans Nova" panose="020B0602020104020203" pitchFamily="34" charset="0"/>
               </a:rPr>
               <a:t>EDITEUR DE THESAURUS</a:t>
@@ -11122,7 +11122,7 @@
           <a:p>
             <a:pPr algn="ctr"/>
             <a:r>
-              <a:rPr lang="fr-FR" sz="2155" i="1" dirty="0">
+              <a:rPr lang="fr-FR" sz="1600" i="1" dirty="0">
                 <a:latin typeface="Gill Sans Nova" panose="020B0602020104020203" pitchFamily="34" charset="0"/>
               </a:rPr>
               <a:t>LIEUX</a:t>
@@ -11145,7 +11145,7 @@
         <p:spPr>
           <a:xfrm>
             <a:off x="8971474" y="15690081"/>
-            <a:ext cx="1484003" cy="270523"/>
+            <a:ext cx="1484003" cy="253916"/>
           </a:xfrm>
           <a:prstGeom prst="rect">
             <a:avLst/>
@@ -11160,12 +11160,12 @@
           <a:p>
             <a:pPr algn="ctr"/>
             <a:r>
-              <a:rPr lang="fr-FR" sz="1158" i="1" dirty="0" err="1">
+              <a:rPr lang="fr-FR" sz="1000" i="1" dirty="0" err="1">
                 <a:latin typeface="Gill Sans Nova" panose="020B0602020104020203" pitchFamily="34" charset="0"/>
               </a:rPr>
               <a:t>rdfs:label</a:t>
             </a:r>
-            <a:endParaRPr lang="fr-FR" sz="1158" i="1" dirty="0">
+            <a:endParaRPr lang="fr-FR" sz="1000" i="1" dirty="0">
               <a:latin typeface="Gill Sans Nova" panose="020B0602020104020203" pitchFamily="34" charset="0"/>
             </a:endParaRPr>
           </a:p>
@@ -11186,7 +11186,7 @@
         <p:spPr>
           <a:xfrm>
             <a:off x="15184283" y="17062119"/>
-            <a:ext cx="1484003" cy="270523"/>
+            <a:ext cx="1484003" cy="253916"/>
           </a:xfrm>
           <a:prstGeom prst="rect">
             <a:avLst/>
@@ -11201,12 +11201,12 @@
           <a:p>
             <a:pPr algn="ctr"/>
             <a:r>
-              <a:rPr lang="fr-FR" sz="1158" i="1" dirty="0" err="1">
+              <a:rPr lang="fr-FR" sz="1000" i="1" dirty="0" err="1">
                 <a:latin typeface="Gill Sans Nova" panose="020B0602020104020203" pitchFamily="34" charset="0"/>
               </a:rPr>
               <a:t>rdfs:label</a:t>
             </a:r>
-            <a:endParaRPr lang="fr-FR" sz="1158" i="1" dirty="0">
+            <a:endParaRPr lang="fr-FR" sz="1000" i="1" dirty="0">
               <a:latin typeface="Gill Sans Nova" panose="020B0602020104020203" pitchFamily="34" charset="0"/>
             </a:endParaRPr>
           </a:p>
@@ -11227,7 +11227,7 @@
         <p:spPr>
           <a:xfrm>
             <a:off x="21515127" y="25961957"/>
-            <a:ext cx="1484003" cy="270523"/>
+            <a:ext cx="1484003" cy="253916"/>
           </a:xfrm>
           <a:prstGeom prst="rect">
             <a:avLst/>
@@ -11242,12 +11242,12 @@
           <a:p>
             <a:pPr algn="ctr"/>
             <a:r>
-              <a:rPr lang="fr-FR" sz="1158" i="1" dirty="0" err="1">
+              <a:rPr lang="fr-FR" sz="1000" i="1" dirty="0" err="1">
                 <a:latin typeface="Gill Sans Nova" panose="020B0602020104020203" pitchFamily="34" charset="0"/>
               </a:rPr>
               <a:t>rdfs:label</a:t>
             </a:r>
-            <a:endParaRPr lang="fr-FR" sz="1158" i="1" dirty="0">
+            <a:endParaRPr lang="fr-FR" sz="1000" i="1" dirty="0">
               <a:latin typeface="Gill Sans Nova" panose="020B0602020104020203" pitchFamily="34" charset="0"/>
             </a:endParaRPr>
           </a:p>
@@ -11303,7 +11303,7 @@
           <a:p>
             <a:pPr algn="ctr"/>
             <a:r>
-              <a:rPr lang="fr-FR" sz="1158" dirty="0">
+              <a:rPr lang="fr-FR" sz="1000" dirty="0">
                 <a:solidFill>
                   <a:schemeClr val="tx1"/>
                 </a:solidFill>
@@ -11372,7 +11372,7 @@
         <p:spPr>
           <a:xfrm>
             <a:off x="25243385" y="20870302"/>
-            <a:ext cx="1484003" cy="270523"/>
+            <a:ext cx="1484003" cy="253916"/>
           </a:xfrm>
           <a:prstGeom prst="rect">
             <a:avLst/>
@@ -11387,7 +11387,7 @@
           <a:p>
             <a:pPr algn="ctr"/>
             <a:r>
-              <a:rPr lang="fr-FR" sz="1158" i="1" dirty="0">
+              <a:rPr lang="fr-FR" sz="1000" i="1" dirty="0">
                 <a:latin typeface="Gill Sans Nova" panose="020B0602020104020203" pitchFamily="34" charset="0"/>
               </a:rPr>
               <a:t>P4</a:t>
@@ -11442,7 +11442,7 @@
           <a:p>
             <a:pPr algn="ctr"/>
             <a:r>
-              <a:rPr lang="fr-FR" sz="1158" dirty="0">
+              <a:rPr lang="fr-FR" sz="1000" dirty="0">
                 <a:solidFill>
                   <a:schemeClr val="tx1"/>
                 </a:solidFill>
@@ -11543,7 +11543,7 @@
           <a:p>
             <a:pPr algn="ctr"/>
             <a:r>
-              <a:rPr lang="fr-FR" sz="1158" dirty="0">
+              <a:rPr lang="fr-FR" sz="1000" dirty="0">
                 <a:solidFill>
                   <a:schemeClr val="tx1"/>
                 </a:solidFill>
@@ -11552,7 +11552,7 @@
               <a:t>E69 </a:t>
             </a:r>
             <a:r>
-              <a:rPr lang="fr-FR" sz="1158" dirty="0" err="1">
+              <a:rPr lang="fr-FR" sz="1000" dirty="0" err="1">
                 <a:solidFill>
                   <a:schemeClr val="tx1"/>
                 </a:solidFill>
@@ -11560,7 +11560,7 @@
               </a:rPr>
               <a:t>Death</a:t>
             </a:r>
-            <a:endParaRPr lang="fr-FR" sz="1158" dirty="0">
+            <a:endParaRPr lang="fr-FR" sz="1000" dirty="0">
               <a:solidFill>
                 <a:schemeClr val="tx1"/>
               </a:solidFill>
@@ -11668,7 +11668,7 @@
         <p:spPr>
           <a:xfrm>
             <a:off x="21257849" y="23586330"/>
-            <a:ext cx="1484003" cy="270523"/>
+            <a:ext cx="1484003" cy="253916"/>
           </a:xfrm>
           <a:prstGeom prst="rect">
             <a:avLst/>
@@ -11683,7 +11683,7 @@
           <a:p>
             <a:pPr algn="ctr"/>
             <a:r>
-              <a:rPr lang="fr-FR" sz="1158" i="1" dirty="0">
+              <a:rPr lang="fr-FR" sz="1000" i="1" dirty="0">
                 <a:latin typeface="Gill Sans Nova" panose="020B0602020104020203" pitchFamily="34" charset="0"/>
               </a:rPr>
               <a:t>P100</a:t>
@@ -11738,7 +11738,7 @@
           <a:p>
             <a:pPr algn="ctr"/>
             <a:r>
-              <a:rPr lang="fr-FR" sz="1158" dirty="0">
+              <a:rPr lang="fr-FR" sz="1000" dirty="0">
                 <a:solidFill>
                   <a:schemeClr val="tx1"/>
                 </a:solidFill>
@@ -11750,7 +11750,7 @@
           <a:p>
             <a:pPr algn="ctr"/>
             <a:r>
-              <a:rPr lang="fr-FR" sz="1158" i="1" dirty="0">
+              <a:rPr lang="fr-FR" sz="1000" i="1" dirty="0">
                 <a:solidFill>
                   <a:schemeClr val="tx1"/>
                 </a:solidFill>
@@ -11819,7 +11819,7 @@
         <p:spPr>
           <a:xfrm>
             <a:off x="25186630" y="20259187"/>
-            <a:ext cx="584728" cy="270523"/>
+            <a:ext cx="584728" cy="253916"/>
           </a:xfrm>
           <a:prstGeom prst="rect">
             <a:avLst/>
@@ -11834,12 +11834,12 @@
           <a:p>
             <a:pPr algn="ctr"/>
             <a:r>
-              <a:rPr lang="fr-FR" sz="1158" i="1">
+              <a:rPr lang="fr-FR" sz="1000" i="1">
                 <a:latin typeface="Gill Sans Nova" panose="020B0602020104020203" pitchFamily="34" charset="0"/>
               </a:rPr>
               <a:t>P2</a:t>
             </a:r>
-            <a:endParaRPr lang="fr-FR" sz="1158" i="1" dirty="0">
+            <a:endParaRPr lang="fr-FR" sz="1000" i="1" dirty="0">
               <a:latin typeface="Gill Sans Nova" panose="020B0602020104020203" pitchFamily="34" charset="0"/>
             </a:endParaRPr>
           </a:p>
@@ -11911,7 +11911,7 @@
         <p:spPr>
           <a:xfrm>
             <a:off x="31832530" y="8268107"/>
-            <a:ext cx="1052048" cy="448713"/>
+            <a:ext cx="1052048" cy="246221"/>
           </a:xfrm>
           <a:prstGeom prst="rect">
             <a:avLst/>
@@ -11926,7 +11926,7 @@
           <a:p>
             <a:pPr algn="ctr"/>
             <a:r>
-              <a:rPr lang="fr-FR" sz="1158" i="1" dirty="0">
+              <a:rPr lang="fr-FR" sz="1000" i="1" dirty="0">
                 <a:solidFill>
                   <a:schemeClr val="bg2">
                     <a:lumMod val="50000"/>
@@ -11937,7 +11937,7 @@
               <a:t>R10 has </a:t>
             </a:r>
             <a:r>
-              <a:rPr lang="fr-FR" sz="1158" i="1" dirty="0" err="1">
+              <a:rPr lang="fr-FR" sz="1000" i="1" dirty="0" err="1">
                 <a:solidFill>
                   <a:schemeClr val="bg2">
                     <a:lumMod val="50000"/>
@@ -11947,7 +11947,7 @@
               </a:rPr>
               <a:t>member</a:t>
             </a:r>
-            <a:endParaRPr lang="fr-FR" sz="1158" i="1" dirty="0">
+            <a:endParaRPr lang="fr-FR" sz="1000" i="1" dirty="0">
               <a:solidFill>
                 <a:schemeClr val="bg2">
                   <a:lumMod val="50000"/>
@@ -12060,7 +12060,7 @@
         <p:spPr>
           <a:xfrm>
             <a:off x="19712605" y="21782456"/>
-            <a:ext cx="1484003" cy="805092"/>
+            <a:ext cx="1484003" cy="707886"/>
           </a:xfrm>
           <a:prstGeom prst="rect">
             <a:avLst/>
@@ -12075,7 +12075,7 @@
           <a:p>
             <a:pPr algn="ctr"/>
             <a:r>
-              <a:rPr lang="fr-FR" sz="1158" b="1" i="1" dirty="0">
+              <a:rPr lang="fr-FR" sz="1000" b="1" i="1" dirty="0">
                 <a:solidFill>
                   <a:schemeClr val="bg1">
                     <a:lumMod val="65000"/>
@@ -12135,7 +12135,7 @@
           <a:p>
             <a:pPr algn="ctr"/>
             <a:r>
-              <a:rPr lang="fr-FR" sz="1158" dirty="0">
+              <a:rPr lang="fr-FR" sz="1000" dirty="0">
                 <a:solidFill>
                   <a:schemeClr val="bg1"/>
                 </a:solidFill>
@@ -12144,7 +12144,7 @@
               <a:t>E85 </a:t>
             </a:r>
             <a:r>
-              <a:rPr lang="fr-FR" sz="1158" dirty="0" err="1">
+              <a:rPr lang="fr-FR" sz="1000" dirty="0" err="1">
                 <a:solidFill>
                   <a:schemeClr val="bg1"/>
                 </a:solidFill>
@@ -12152,7 +12152,7 @@
               </a:rPr>
               <a:t>Joining</a:t>
             </a:r>
-            <a:endParaRPr lang="fr-FR" sz="1158" i="1" dirty="0">
+            <a:endParaRPr lang="fr-FR" sz="1000" i="1" dirty="0">
               <a:solidFill>
                 <a:schemeClr val="bg1"/>
               </a:solidFill>
@@ -12208,7 +12208,7 @@
           <a:p>
             <a:pPr algn="ctr"/>
             <a:r>
-              <a:rPr lang="fr-FR" sz="1158" dirty="0">
+              <a:rPr lang="fr-FR" sz="1000" dirty="0">
                 <a:solidFill>
                   <a:schemeClr val="bg1"/>
                 </a:solidFill>
@@ -12217,7 +12217,7 @@
               <a:t>E86 </a:t>
             </a:r>
             <a:r>
-              <a:rPr lang="fr-FR" sz="1158" dirty="0" err="1">
+              <a:rPr lang="fr-FR" sz="1000" dirty="0" err="1">
                 <a:solidFill>
                   <a:schemeClr val="bg1"/>
                 </a:solidFill>
@@ -12225,7 +12225,7 @@
               </a:rPr>
               <a:t>Leaving</a:t>
             </a:r>
-            <a:endParaRPr lang="fr-FR" sz="1158" i="1" dirty="0">
+            <a:endParaRPr lang="fr-FR" sz="1000" i="1" dirty="0">
               <a:solidFill>
                 <a:schemeClr val="bg1"/>
               </a:solidFill>
@@ -12249,7 +12249,7 @@
         <p:spPr>
           <a:xfrm>
             <a:off x="25690793" y="23058957"/>
-            <a:ext cx="1484003" cy="270523"/>
+            <a:ext cx="1484003" cy="253916"/>
           </a:xfrm>
           <a:prstGeom prst="rect">
             <a:avLst/>
@@ -12264,18 +12264,18 @@
           <a:p>
             <a:pPr algn="ctr"/>
             <a:r>
-              <a:rPr lang="fr-FR" sz="1158" i="1" dirty="0">
+              <a:rPr lang="fr-FR" sz="1000" i="1" dirty="0">
                 <a:latin typeface="Gill Sans Nova" panose="020B0602020104020203" pitchFamily="34" charset="0"/>
               </a:rPr>
               <a:t>P145 </a:t>
             </a:r>
             <a:r>
-              <a:rPr lang="fr-FR" sz="1158" i="1" dirty="0" err="1">
+              <a:rPr lang="fr-FR" sz="1000" i="1" dirty="0" err="1">
                 <a:latin typeface="Gill Sans Nova" panose="020B0602020104020203" pitchFamily="34" charset="0"/>
               </a:rPr>
               <a:t>separated</a:t>
             </a:r>
-            <a:endParaRPr lang="fr-FR" sz="1158" i="1" dirty="0">
+            <a:endParaRPr lang="fr-FR" sz="1000" i="1" dirty="0">
               <a:latin typeface="Gill Sans Nova" panose="020B0602020104020203" pitchFamily="34" charset="0"/>
             </a:endParaRPr>
           </a:p>
@@ -12296,7 +12296,7 @@
         <p:spPr>
           <a:xfrm>
             <a:off x="29986705" y="22078349"/>
-            <a:ext cx="1484003" cy="270523"/>
+            <a:ext cx="1484003" cy="253916"/>
           </a:xfrm>
           <a:prstGeom prst="rect">
             <a:avLst/>
@@ -12311,30 +12311,30 @@
           <a:p>
             <a:pPr algn="ctr"/>
             <a:r>
-              <a:rPr lang="fr-FR" sz="1158" i="1" dirty="0">
+              <a:rPr lang="fr-FR" sz="1000" i="1" dirty="0">
                 <a:latin typeface="Gill Sans Nova" panose="020B0602020104020203" pitchFamily="34" charset="0"/>
               </a:rPr>
               <a:t>P144 </a:t>
             </a:r>
             <a:r>
-              <a:rPr lang="fr-FR" sz="1158" i="1" dirty="0" err="1">
+              <a:rPr lang="fr-FR" sz="1000" i="1" dirty="0" err="1">
                 <a:latin typeface="Gill Sans Nova" panose="020B0602020104020203" pitchFamily="34" charset="0"/>
               </a:rPr>
               <a:t>joined</a:t>
             </a:r>
             <a:r>
-              <a:rPr lang="fr-FR" sz="1158" i="1" dirty="0">
+              <a:rPr lang="fr-FR" sz="1000" i="1" dirty="0">
                 <a:latin typeface="Gill Sans Nova" panose="020B0602020104020203" pitchFamily="34" charset="0"/>
               </a:rPr>
               <a:t> </a:t>
             </a:r>
             <a:r>
-              <a:rPr lang="fr-FR" sz="1158" i="1" dirty="0" err="1">
+              <a:rPr lang="fr-FR" sz="1000" i="1" dirty="0" err="1">
                 <a:latin typeface="Gill Sans Nova" panose="020B0602020104020203" pitchFamily="34" charset="0"/>
               </a:rPr>
               <a:t>with</a:t>
             </a:r>
-            <a:endParaRPr lang="fr-FR" sz="1158" i="1" dirty="0">
+            <a:endParaRPr lang="fr-FR" sz="1000" i="1" dirty="0">
               <a:latin typeface="Gill Sans Nova" panose="020B0602020104020203" pitchFamily="34" charset="0"/>
             </a:endParaRPr>
           </a:p>
@@ -12355,7 +12355,7 @@
         <p:spPr>
           <a:xfrm>
             <a:off x="29981620" y="23087608"/>
-            <a:ext cx="1484003" cy="270523"/>
+            <a:ext cx="1484003" cy="253916"/>
           </a:xfrm>
           <a:prstGeom prst="rect">
             <a:avLst/>
@@ -12370,30 +12370,30 @@
           <a:p>
             <a:pPr algn="ctr"/>
             <a:r>
-              <a:rPr lang="fr-FR" sz="1158" i="1" dirty="0">
+              <a:rPr lang="fr-FR" sz="1000" i="1" dirty="0">
                 <a:latin typeface="Gill Sans Nova" panose="020B0602020104020203" pitchFamily="34" charset="0"/>
               </a:rPr>
               <a:t>P146 </a:t>
             </a:r>
             <a:r>
-              <a:rPr lang="fr-FR" sz="1158" i="1" dirty="0" err="1">
+              <a:rPr lang="fr-FR" sz="1000" i="1" dirty="0" err="1">
                 <a:latin typeface="Gill Sans Nova" panose="020B0602020104020203" pitchFamily="34" charset="0"/>
               </a:rPr>
               <a:t>separated</a:t>
             </a:r>
             <a:r>
-              <a:rPr lang="fr-FR" sz="1158" i="1" dirty="0">
+              <a:rPr lang="fr-FR" sz="1000" i="1" dirty="0">
                 <a:latin typeface="Gill Sans Nova" panose="020B0602020104020203" pitchFamily="34" charset="0"/>
               </a:rPr>
               <a:t> </a:t>
             </a:r>
             <a:r>
-              <a:rPr lang="fr-FR" sz="1158" i="1" dirty="0" err="1">
+              <a:rPr lang="fr-FR" sz="1000" i="1" dirty="0" err="1">
                 <a:latin typeface="Gill Sans Nova" panose="020B0602020104020203" pitchFamily="34" charset="0"/>
               </a:rPr>
               <a:t>from</a:t>
             </a:r>
-            <a:endParaRPr lang="fr-FR" sz="1158" i="1" dirty="0">
+            <a:endParaRPr lang="fr-FR" sz="1000" i="1" dirty="0">
               <a:latin typeface="Gill Sans Nova" panose="020B0602020104020203" pitchFamily="34" charset="0"/>
             </a:endParaRPr>
           </a:p>
@@ -12449,7 +12449,7 @@
           <a:p>
             <a:pPr algn="ctr"/>
             <a:r>
-              <a:rPr lang="fr-FR" sz="1158" dirty="0">
+              <a:rPr lang="fr-FR" sz="1000" dirty="0">
                 <a:solidFill>
                   <a:schemeClr val="tx1"/>
                 </a:solidFill>
@@ -12519,7 +12519,7 @@
         <p:spPr>
           <a:xfrm>
             <a:off x="26023351" y="23876789"/>
-            <a:ext cx="1484003" cy="270523"/>
+            <a:ext cx="1484003" cy="253916"/>
           </a:xfrm>
           <a:prstGeom prst="rect">
             <a:avLst/>
@@ -12534,7 +12534,7 @@
           <a:p>
             <a:pPr algn="ctr"/>
             <a:r>
-              <a:rPr lang="fr-FR" sz="1158" i="1" dirty="0">
+              <a:rPr lang="fr-FR" sz="1000" i="1" dirty="0">
                 <a:latin typeface="Gill Sans Nova" panose="020B0602020104020203" pitchFamily="34" charset="0"/>
               </a:rPr>
               <a:t>P4</a:t>
@@ -12643,7 +12643,7 @@
         <p:spPr>
           <a:xfrm>
             <a:off x="9809450" y="24844255"/>
-            <a:ext cx="1484003" cy="270523"/>
+            <a:ext cx="1484003" cy="253916"/>
           </a:xfrm>
           <a:prstGeom prst="rect">
             <a:avLst/>
@@ -12658,7 +12658,7 @@
           <a:p>
             <a:pPr algn="ctr"/>
             <a:r>
-              <a:rPr lang="fr-FR" sz="1158" i="1" dirty="0">
+              <a:rPr lang="fr-FR" sz="1000" i="1" dirty="0">
                 <a:latin typeface="Gill Sans Nova" panose="020B0602020104020203" pitchFamily="34" charset="0"/>
               </a:rPr>
               <a:t>P1</a:t>
@@ -12713,7 +12713,7 @@
           <a:p>
             <a:pPr algn="ctr"/>
             <a:r>
-              <a:rPr lang="fr-FR" sz="1158" dirty="0">
+              <a:rPr lang="fr-FR" sz="1000" dirty="0">
                 <a:solidFill>
                   <a:schemeClr val="tx1"/>
                 </a:solidFill>
@@ -12812,7 +12812,7 @@
           <a:p>
             <a:pPr algn="ctr"/>
             <a:r>
-              <a:rPr lang="fr-FR" sz="1158" i="1" dirty="0">
+              <a:rPr lang="fr-FR" sz="1000" i="1" dirty="0">
                 <a:solidFill>
                   <a:schemeClr val="tx1"/>
                 </a:solidFill>
@@ -12880,7 +12880,7 @@
         <p:spPr>
           <a:xfrm>
             <a:off x="24608348" y="7154968"/>
-            <a:ext cx="1398356" cy="270523"/>
+            <a:ext cx="1398356" cy="253916"/>
           </a:xfrm>
           <a:prstGeom prst="rect">
             <a:avLst/>
@@ -12895,12 +12895,12 @@
           <a:p>
             <a:pPr algn="ctr"/>
             <a:r>
-              <a:rPr lang="fr-FR" sz="1158" i="1" dirty="0" err="1">
+              <a:rPr lang="fr-FR" sz="1000" i="1" dirty="0" err="1">
                 <a:latin typeface="Gill Sans Nova" panose="020B0602020104020203" pitchFamily="34" charset="0"/>
               </a:rPr>
               <a:t>rdfs:label</a:t>
             </a:r>
-            <a:endParaRPr lang="fr-FR" sz="1158" i="1" dirty="0">
+            <a:endParaRPr lang="fr-FR" sz="1000" i="1" dirty="0">
               <a:latin typeface="Gill Sans Nova" panose="020B0602020104020203" pitchFamily="34" charset="0"/>
             </a:endParaRPr>
           </a:p>
@@ -12951,7 +12951,7 @@
           <a:p>
             <a:pPr algn="ctr"/>
             <a:r>
-              <a:rPr lang="fr-FR" sz="1158" i="1" dirty="0">
+              <a:rPr lang="fr-FR" sz="1000" i="1" dirty="0">
                 <a:solidFill>
                   <a:schemeClr val="tx1"/>
                 </a:solidFill>
@@ -13020,7 +13020,7 @@
         <p:spPr>
           <a:xfrm>
             <a:off x="26261758" y="10924219"/>
-            <a:ext cx="1398356" cy="270523"/>
+            <a:ext cx="1398356" cy="253916"/>
           </a:xfrm>
           <a:prstGeom prst="rect">
             <a:avLst/>
@@ -13035,12 +13035,12 @@
           <a:p>
             <a:pPr algn="ctr"/>
             <a:r>
-              <a:rPr lang="fr-FR" sz="1158" i="1" dirty="0" err="1">
+              <a:rPr lang="fr-FR" sz="1000" i="1" dirty="0" err="1">
                 <a:latin typeface="Gill Sans Nova" panose="020B0602020104020203" pitchFamily="34" charset="0"/>
               </a:rPr>
               <a:t>rdfs:label</a:t>
             </a:r>
-            <a:endParaRPr lang="fr-FR" sz="1158" i="1" dirty="0">
+            <a:endParaRPr lang="fr-FR" sz="1000" i="1" dirty="0">
               <a:latin typeface="Gill Sans Nova" panose="020B0602020104020203" pitchFamily="34" charset="0"/>
             </a:endParaRPr>
           </a:p>
@@ -13091,7 +13091,7 @@
           <a:p>
             <a:pPr algn="ctr"/>
             <a:r>
-              <a:rPr lang="fr-FR" sz="1158" i="1" dirty="0">
+              <a:rPr lang="fr-FR" sz="1000" i="1" dirty="0">
                 <a:solidFill>
                   <a:schemeClr val="tx1"/>
                 </a:solidFill>
@@ -13117,7 +13117,7 @@
         <p:spPr>
           <a:xfrm>
             <a:off x="19103398" y="12836668"/>
-            <a:ext cx="1398356" cy="270523"/>
+            <a:ext cx="1398356" cy="253916"/>
           </a:xfrm>
           <a:prstGeom prst="rect">
             <a:avLst/>
@@ -13132,12 +13132,12 @@
           <a:p>
             <a:pPr algn="ctr"/>
             <a:r>
-              <a:rPr lang="fr-FR" sz="1158" i="1" dirty="0" err="1">
+              <a:rPr lang="fr-FR" sz="1000" i="1" dirty="0" err="1">
                 <a:latin typeface="Gill Sans Nova" panose="020B0602020104020203" pitchFamily="34" charset="0"/>
               </a:rPr>
               <a:t>rdfs:label</a:t>
             </a:r>
-            <a:endParaRPr lang="fr-FR" sz="1158" i="1" dirty="0">
+            <a:endParaRPr lang="fr-FR" sz="1000" i="1" dirty="0">
               <a:latin typeface="Gill Sans Nova" panose="020B0602020104020203" pitchFamily="34" charset="0"/>
             </a:endParaRPr>
           </a:p>
@@ -13201,7 +13201,7 @@
         <p:spPr>
           <a:xfrm>
             <a:off x="23994999" y="29394816"/>
-            <a:ext cx="1484003" cy="270523"/>
+            <a:ext cx="1484003" cy="253916"/>
           </a:xfrm>
           <a:prstGeom prst="rect">
             <a:avLst/>
@@ -13216,18 +13216,18 @@
           <a:p>
             <a:pPr algn="ctr"/>
             <a:r>
-              <a:rPr lang="fr-FR" sz="1158" i="1" dirty="0">
+              <a:rPr lang="fr-FR" sz="1000" i="1" dirty="0">
                 <a:latin typeface="Gill Sans Nova" panose="020B0602020104020203" pitchFamily="34" charset="0"/>
               </a:rPr>
               <a:t>P71 </a:t>
             </a:r>
             <a:r>
-              <a:rPr lang="fr-FR" sz="1158" i="1" dirty="0" err="1">
+              <a:rPr lang="fr-FR" sz="1000" i="1" dirty="0" err="1">
                 <a:latin typeface="Gill Sans Nova" panose="020B0602020104020203" pitchFamily="34" charset="0"/>
               </a:rPr>
               <a:t>lists</a:t>
             </a:r>
-            <a:endParaRPr lang="fr-FR" sz="1158" i="1" dirty="0">
+            <a:endParaRPr lang="fr-FR" sz="1000" i="1" dirty="0">
               <a:latin typeface="Gill Sans Nova" panose="020B0602020104020203" pitchFamily="34" charset="0"/>
             </a:endParaRPr>
           </a:p>
@@ -13280,7 +13280,7 @@
           <a:p>
             <a:pPr algn="ctr"/>
             <a:r>
-              <a:rPr lang="fr-FR" sz="1158" dirty="0">
+              <a:rPr lang="fr-FR" sz="1000" dirty="0">
                 <a:solidFill>
                   <a:schemeClr val="bg1"/>
                 </a:solidFill>
@@ -13289,7 +13289,7 @@
               <a:t>E4 </a:t>
             </a:r>
             <a:r>
-              <a:rPr lang="fr-FR" sz="1158" dirty="0" err="1">
+              <a:rPr lang="fr-FR" sz="1000" dirty="0" err="1">
                 <a:solidFill>
                   <a:schemeClr val="bg1"/>
                 </a:solidFill>
@@ -13297,7 +13297,7 @@
               </a:rPr>
               <a:t>Period</a:t>
             </a:r>
-            <a:endParaRPr lang="fr-FR" sz="1158" dirty="0">
+            <a:endParaRPr lang="fr-FR" sz="1000" dirty="0">
               <a:solidFill>
                 <a:schemeClr val="bg1"/>
               </a:solidFill>
@@ -13307,7 +13307,7 @@
           <a:p>
             <a:pPr algn="ctr"/>
             <a:r>
-              <a:rPr lang="fr-FR" sz="1158" i="1" dirty="0">
+              <a:rPr lang="fr-FR" sz="1000" i="1" dirty="0">
                 <a:solidFill>
                   <a:schemeClr val="bg1"/>
                 </a:solidFill>
@@ -13365,7 +13365,7 @@
           <a:p>
             <a:pPr algn="ctr"/>
             <a:r>
-              <a:rPr lang="fr-FR" sz="1158" dirty="0">
+              <a:rPr lang="fr-FR" sz="1000" dirty="0">
                 <a:solidFill>
                   <a:schemeClr val="bg1"/>
                 </a:solidFill>
@@ -13374,7 +13374,7 @@
               <a:t>E4 </a:t>
             </a:r>
             <a:r>
-              <a:rPr lang="fr-FR" sz="1158" dirty="0" err="1">
+              <a:rPr lang="fr-FR" sz="1000" dirty="0" err="1">
                 <a:solidFill>
                   <a:schemeClr val="bg1"/>
                 </a:solidFill>
@@ -13382,7 +13382,7 @@
               </a:rPr>
               <a:t>Period</a:t>
             </a:r>
-            <a:endParaRPr lang="fr-FR" sz="1158" dirty="0">
+            <a:endParaRPr lang="fr-FR" sz="1000" dirty="0">
               <a:solidFill>
                 <a:schemeClr val="bg1"/>
               </a:solidFill>
@@ -13392,7 +13392,7 @@
           <a:p>
             <a:pPr algn="ctr"/>
             <a:r>
-              <a:rPr lang="fr-FR" sz="1158" i="1" dirty="0">
+              <a:rPr lang="fr-FR" sz="1000" i="1" dirty="0">
                 <a:solidFill>
                   <a:schemeClr val="bg1"/>
                 </a:solidFill>
@@ -13418,7 +13418,7 @@
         <p:spPr>
           <a:xfrm>
             <a:off x="7207061" y="22043373"/>
-            <a:ext cx="1516367" cy="270523"/>
+            <a:ext cx="1516367" cy="253916"/>
           </a:xfrm>
           <a:prstGeom prst="rect">
             <a:avLst/>
@@ -13433,19 +13433,19 @@
           <a:p>
             <a:pPr algn="ctr"/>
             <a:r>
-              <a:rPr lang="fr-FR" sz="1158" i="1" dirty="0">
+              <a:rPr lang="fr-FR" sz="1000" i="1" dirty="0">
                 <a:latin typeface="Gill Sans Nova" panose="020B0602020104020203" pitchFamily="34" charset="0"/>
               </a:rPr>
               <a:t>P9 </a:t>
             </a:r>
             <a:r>
-              <a:rPr lang="fr-FR" sz="1158" i="1" dirty="0" err="1">
+              <a:rPr lang="fr-FR" sz="1000" i="1" dirty="0" err="1">
                 <a:latin typeface="Gill Sans Nova" panose="020B0602020104020203" pitchFamily="34" charset="0"/>
               </a:rPr>
               <a:t>consists</a:t>
             </a:r>
             <a:r>
-              <a:rPr lang="fr-FR" sz="1158" i="1" dirty="0">
+              <a:rPr lang="fr-FR" sz="1000" i="1" dirty="0">
                 <a:latin typeface="Gill Sans Nova" panose="020B0602020104020203" pitchFamily="34" charset="0"/>
               </a:rPr>
               <a:t> of</a:t>
@@ -13542,7 +13542,7 @@
           <a:p>
             <a:pPr algn="ctr"/>
             <a:r>
-              <a:rPr lang="fr-FR" sz="1158" dirty="0">
+              <a:rPr lang="fr-FR" sz="1000" dirty="0">
                 <a:solidFill>
                   <a:schemeClr val="bg1"/>
                 </a:solidFill>
@@ -13551,7 +13551,7 @@
               <a:t>E93 </a:t>
             </a:r>
             <a:r>
-              <a:rPr lang="fr-FR" sz="1158" dirty="0" err="1">
+              <a:rPr lang="fr-FR" sz="1000" dirty="0" err="1">
                 <a:solidFill>
                   <a:schemeClr val="bg1"/>
                 </a:solidFill>
@@ -13559,7 +13559,7 @@
               </a:rPr>
               <a:t>Presence</a:t>
             </a:r>
-            <a:endParaRPr lang="fr-FR" sz="1158" dirty="0">
+            <a:endParaRPr lang="fr-FR" sz="1000" dirty="0">
               <a:solidFill>
                 <a:schemeClr val="bg1"/>
               </a:solidFill>
@@ -13569,7 +13569,7 @@
           <a:p>
             <a:pPr algn="ctr"/>
             <a:r>
-              <a:rPr lang="fr-FR" sz="1158" i="1" dirty="0">
+              <a:rPr lang="fr-FR" sz="1000" i="1" dirty="0">
                 <a:solidFill>
                   <a:schemeClr val="bg1"/>
                 </a:solidFill>
@@ -13684,8 +13684,8 @@
         </p:nvSpPr>
         <p:spPr>
           <a:xfrm>
-            <a:off x="9360644" y="22939443"/>
-            <a:ext cx="1662746" cy="270523"/>
+            <a:off x="9360644" y="22947746"/>
+            <a:ext cx="1662746" cy="253916"/>
           </a:xfrm>
           <a:prstGeom prst="rect">
             <a:avLst/>
@@ -13702,31 +13702,31 @@
           <a:p>
             <a:pPr algn="ctr"/>
             <a:r>
-              <a:rPr lang="fr-FR" sz="1158" i="1" dirty="0">
+              <a:rPr lang="fr-FR" sz="1000" i="1" dirty="0">
                 <a:latin typeface="Gill Sans Nova" panose="020B0602020104020203" pitchFamily="34" charset="0"/>
               </a:rPr>
               <a:t>P166 </a:t>
             </a:r>
             <a:r>
-              <a:rPr lang="fr-FR" sz="1158" i="1" dirty="0" err="1">
+              <a:rPr lang="fr-FR" sz="1000" i="1" dirty="0" err="1">
                 <a:latin typeface="Gill Sans Nova" panose="020B0602020104020203" pitchFamily="34" charset="0"/>
               </a:rPr>
               <a:t>was</a:t>
             </a:r>
             <a:r>
-              <a:rPr lang="fr-FR" sz="1158" i="1" dirty="0">
+              <a:rPr lang="fr-FR" sz="1000" i="1" dirty="0">
                 <a:latin typeface="Gill Sans Nova" panose="020B0602020104020203" pitchFamily="34" charset="0"/>
               </a:rPr>
               <a:t> a </a:t>
             </a:r>
             <a:r>
-              <a:rPr lang="fr-FR" sz="1158" i="1" dirty="0" err="1">
+              <a:rPr lang="fr-FR" sz="1000" i="1" dirty="0" err="1">
                 <a:latin typeface="Gill Sans Nova" panose="020B0602020104020203" pitchFamily="34" charset="0"/>
               </a:rPr>
               <a:t>presence</a:t>
             </a:r>
             <a:r>
-              <a:rPr lang="fr-FR" sz="1158" i="1" dirty="0">
+              <a:rPr lang="fr-FR" sz="1000" i="1" dirty="0">
                 <a:latin typeface="Gill Sans Nova" panose="020B0602020104020203" pitchFamily="34" charset="0"/>
               </a:rPr>
               <a:t> of</a:t>
@@ -13781,7 +13781,7 @@
           <a:p>
             <a:pPr algn="ctr"/>
             <a:r>
-              <a:rPr lang="fr-FR" sz="1158" dirty="0">
+              <a:rPr lang="fr-FR" sz="1000" dirty="0">
                 <a:solidFill>
                   <a:schemeClr val="bg1"/>
                 </a:solidFill>
@@ -13790,7 +13790,7 @@
               <a:t>E93 </a:t>
             </a:r>
             <a:r>
-              <a:rPr lang="fr-FR" sz="1158" dirty="0" err="1">
+              <a:rPr lang="fr-FR" sz="1000" dirty="0" err="1">
                 <a:solidFill>
                   <a:schemeClr val="bg1"/>
                 </a:solidFill>
@@ -13798,7 +13798,7 @@
               </a:rPr>
               <a:t>Presence</a:t>
             </a:r>
-            <a:endParaRPr lang="fr-FR" sz="1158" dirty="0">
+            <a:endParaRPr lang="fr-FR" sz="1000" dirty="0">
               <a:solidFill>
                 <a:schemeClr val="bg1"/>
               </a:solidFill>
@@ -13808,7 +13808,7 @@
           <a:p>
             <a:pPr algn="ctr"/>
             <a:r>
-              <a:rPr lang="fr-FR" sz="1158" i="1" dirty="0">
+              <a:rPr lang="fr-FR" sz="1000" i="1" dirty="0">
                 <a:solidFill>
                   <a:schemeClr val="bg1"/>
                 </a:solidFill>
@@ -13817,7 +13817,7 @@
               <a:t>« Gouvernement d’</a:t>
             </a:r>
             <a:r>
-              <a:rPr lang="fr-FR" sz="1158" i="1" dirty="0" err="1">
+              <a:rPr lang="fr-FR" sz="1000" i="1" dirty="0" err="1">
                 <a:solidFill>
                   <a:schemeClr val="bg1"/>
                 </a:solidFill>
@@ -13826,7 +13826,7 @@
               <a:t>Isle-de-France</a:t>
             </a:r>
             <a:r>
-              <a:rPr lang="fr-FR" sz="1158" i="1" dirty="0">
+              <a:rPr lang="fr-FR" sz="1000" i="1" dirty="0">
                 <a:solidFill>
                   <a:schemeClr val="bg1"/>
                 </a:solidFill>
@@ -13939,7 +13939,7 @@
         <p:spPr>
           <a:xfrm>
             <a:off x="7594860" y="26626941"/>
-            <a:ext cx="1324755" cy="270523"/>
+            <a:ext cx="1324755" cy="253916"/>
           </a:xfrm>
           <a:prstGeom prst="rect">
             <a:avLst/>
@@ -13954,30 +13954,30 @@
           <a:p>
             <a:pPr algn="ctr"/>
             <a:r>
-              <a:rPr lang="fr-FR" sz="1158" i="1" dirty="0">
+              <a:rPr lang="fr-FR" sz="1000" i="1" dirty="0">
                 <a:latin typeface="Gill Sans Nova" panose="020B0602020104020203" pitchFamily="34" charset="0"/>
               </a:rPr>
               <a:t>P10 </a:t>
             </a:r>
             <a:r>
-              <a:rPr lang="fr-FR" sz="1158" i="1" dirty="0" err="1">
+              <a:rPr lang="fr-FR" sz="1000" i="1" dirty="0" err="1">
                 <a:latin typeface="Gill Sans Nova" panose="020B0602020104020203" pitchFamily="34" charset="0"/>
               </a:rPr>
               <a:t>falls</a:t>
             </a:r>
             <a:r>
-              <a:rPr lang="fr-FR" sz="1158" i="1" dirty="0">
+              <a:rPr lang="fr-FR" sz="1000" i="1" dirty="0">
                 <a:latin typeface="Gill Sans Nova" panose="020B0602020104020203" pitchFamily="34" charset="0"/>
               </a:rPr>
               <a:t> </a:t>
             </a:r>
             <a:r>
-              <a:rPr lang="fr-FR" sz="1158" i="1" dirty="0" err="1">
+              <a:rPr lang="fr-FR" sz="1000" i="1" dirty="0" err="1">
                 <a:latin typeface="Gill Sans Nova" panose="020B0602020104020203" pitchFamily="34" charset="0"/>
               </a:rPr>
               <a:t>within</a:t>
             </a:r>
-            <a:endParaRPr lang="fr-FR" sz="1158" i="1" dirty="0">
+            <a:endParaRPr lang="fr-FR" sz="1000" i="1" dirty="0">
               <a:latin typeface="Gill Sans Nova" panose="020B0602020104020203" pitchFamily="34" charset="0"/>
             </a:endParaRPr>
           </a:p>
@@ -14040,8 +14040,8 @@
         </p:nvSpPr>
         <p:spPr>
           <a:xfrm>
-            <a:off x="4462744" y="23024990"/>
-            <a:ext cx="960632" cy="448713"/>
+            <a:off x="4462744" y="23049291"/>
+            <a:ext cx="960632" cy="400110"/>
           </a:xfrm>
           <a:prstGeom prst="rect">
             <a:avLst/>
@@ -14056,31 +14056,31 @@
           <a:p>
             <a:pPr algn="ctr"/>
             <a:r>
-              <a:rPr lang="fr-FR" sz="1158" i="1" dirty="0">
+              <a:rPr lang="fr-FR" sz="1000" i="1" dirty="0">
                 <a:latin typeface="Gill Sans Nova" panose="020B0602020104020203" pitchFamily="34" charset="0"/>
               </a:rPr>
               <a:t>P166 </a:t>
             </a:r>
             <a:r>
-              <a:rPr lang="fr-FR" sz="1158" i="1" dirty="0" err="1">
+              <a:rPr lang="fr-FR" sz="1000" i="1" dirty="0" err="1">
                 <a:latin typeface="Gill Sans Nova" panose="020B0602020104020203" pitchFamily="34" charset="0"/>
               </a:rPr>
               <a:t>was</a:t>
             </a:r>
             <a:r>
-              <a:rPr lang="fr-FR" sz="1158" i="1" dirty="0">
+              <a:rPr lang="fr-FR" sz="1000" i="1" dirty="0">
                 <a:latin typeface="Gill Sans Nova" panose="020B0602020104020203" pitchFamily="34" charset="0"/>
               </a:rPr>
               <a:t> a </a:t>
             </a:r>
             <a:r>
-              <a:rPr lang="fr-FR" sz="1158" i="1" dirty="0" err="1">
+              <a:rPr lang="fr-FR" sz="1000" i="1" dirty="0" err="1">
                 <a:latin typeface="Gill Sans Nova" panose="020B0602020104020203" pitchFamily="34" charset="0"/>
               </a:rPr>
               <a:t>presence</a:t>
             </a:r>
             <a:r>
-              <a:rPr lang="fr-FR" sz="1158" i="1" dirty="0">
+              <a:rPr lang="fr-FR" sz="1000" i="1" dirty="0">
                 <a:latin typeface="Gill Sans Nova" panose="020B0602020104020203" pitchFamily="34" charset="0"/>
               </a:rPr>
               <a:t> of</a:t>
@@ -14135,7 +14135,7 @@
           <a:p>
             <a:pPr algn="ctr"/>
             <a:r>
-              <a:rPr lang="fr-FR" sz="1158" dirty="0">
+              <a:rPr lang="fr-FR" sz="1000" dirty="0">
                 <a:solidFill>
                   <a:schemeClr val="tx1"/>
                 </a:solidFill>
@@ -14147,7 +14147,7 @@
           <a:p>
             <a:pPr algn="ctr"/>
             <a:r>
-              <a:rPr lang="fr-FR" sz="1158" dirty="0">
+              <a:rPr lang="fr-FR" sz="1000" dirty="0">
                 <a:solidFill>
                   <a:schemeClr val="tx1"/>
                 </a:solidFill>
@@ -14173,7 +14173,7 @@
         <p:spPr>
           <a:xfrm>
             <a:off x="27498120" y="6347567"/>
-            <a:ext cx="1398356" cy="270523"/>
+            <a:ext cx="1398356" cy="253916"/>
           </a:xfrm>
           <a:prstGeom prst="rect">
             <a:avLst/>
@@ -14188,7 +14188,7 @@
           <a:p>
             <a:pPr algn="ctr"/>
             <a:r>
-              <a:rPr lang="fr-FR" sz="1158" i="1" dirty="0">
+              <a:rPr lang="fr-FR" sz="1000" i="1" dirty="0">
                 <a:latin typeface="Gill Sans Nova" panose="020B0602020104020203" pitchFamily="34" charset="0"/>
               </a:rPr>
               <a:t>P2 has type</a:t>
@@ -14243,7 +14243,7 @@
           <a:p>
             <a:pPr algn="ctr"/>
             <a:r>
-              <a:rPr lang="fr-FR" sz="1158" dirty="0">
+              <a:rPr lang="fr-FR" sz="1000" dirty="0">
                 <a:solidFill>
                   <a:schemeClr val="tx1"/>
                 </a:solidFill>
@@ -14255,7 +14255,7 @@
           <a:p>
             <a:pPr algn="ctr"/>
             <a:r>
-              <a:rPr lang="fr-FR" sz="1158" i="1" dirty="0">
+              <a:rPr lang="fr-FR" sz="1000" i="1" dirty="0">
                 <a:solidFill>
                   <a:schemeClr val="tx1"/>
                 </a:solidFill>
@@ -14316,7 +14316,7 @@
           <a:p>
             <a:pPr algn="ctr"/>
             <a:r>
-              <a:rPr lang="fr-FR" sz="1158" dirty="0">
+              <a:rPr lang="fr-FR" sz="1000" dirty="0">
                 <a:solidFill>
                   <a:schemeClr val="bg1"/>
                 </a:solidFill>
@@ -14325,7 +14325,7 @@
               <a:t>E63 </a:t>
             </a:r>
             <a:r>
-              <a:rPr lang="fr-FR" sz="1158" dirty="0" err="1">
+              <a:rPr lang="fr-FR" sz="1000" dirty="0" err="1">
                 <a:solidFill>
                   <a:schemeClr val="bg1"/>
                 </a:solidFill>
@@ -14334,7 +14334,7 @@
               <a:t>Beginning</a:t>
             </a:r>
             <a:r>
-              <a:rPr lang="fr-FR" sz="1158" dirty="0">
+              <a:rPr lang="fr-FR" sz="1000" dirty="0">
                 <a:solidFill>
                   <a:schemeClr val="bg1"/>
                 </a:solidFill>
@@ -14395,7 +14395,7 @@
           <a:p>
             <a:pPr algn="ctr"/>
             <a:r>
-              <a:rPr lang="fr-FR" sz="1158" dirty="0">
+              <a:rPr lang="fr-FR" sz="1000" dirty="0">
                 <a:solidFill>
                   <a:schemeClr val="tx1"/>
                 </a:solidFill>
@@ -14504,7 +14504,7 @@
         <p:spPr>
           <a:xfrm>
             <a:off x="26248425" y="8235853"/>
-            <a:ext cx="1398356" cy="270523"/>
+            <a:ext cx="1398356" cy="253916"/>
           </a:xfrm>
           <a:prstGeom prst="rect">
             <a:avLst/>
@@ -14519,18 +14519,18 @@
           <a:p>
             <a:pPr algn="ctr"/>
             <a:r>
-              <a:rPr lang="fr-FR" sz="1158" i="1" dirty="0">
+              <a:rPr lang="fr-FR" sz="1000" i="1" dirty="0">
                 <a:latin typeface="Gill Sans Nova" panose="020B0602020104020203" pitchFamily="34" charset="0"/>
               </a:rPr>
               <a:t>P4 has time-</a:t>
             </a:r>
             <a:r>
-              <a:rPr lang="fr-FR" sz="1158" i="1" dirty="0" err="1">
+              <a:rPr lang="fr-FR" sz="1000" i="1" dirty="0" err="1">
                 <a:latin typeface="Gill Sans Nova" panose="020B0602020104020203" pitchFamily="34" charset="0"/>
               </a:rPr>
               <a:t>span</a:t>
             </a:r>
-            <a:endParaRPr lang="fr-FR" sz="1158" i="1" dirty="0">
+            <a:endParaRPr lang="fr-FR" sz="1000" i="1" dirty="0">
               <a:latin typeface="Gill Sans Nova" panose="020B0602020104020203" pitchFamily="34" charset="0"/>
             </a:endParaRPr>
           </a:p>
@@ -14551,7 +14551,7 @@
         <p:spPr>
           <a:xfrm>
             <a:off x="28000404" y="7617967"/>
-            <a:ext cx="984378" cy="448713"/>
+            <a:ext cx="984378" cy="400110"/>
           </a:xfrm>
           <a:prstGeom prst="rect">
             <a:avLst/>
@@ -14566,31 +14566,31 @@
           <a:p>
             <a:pPr algn="ctr"/>
             <a:r>
-              <a:rPr lang="fr-FR" sz="1158" i="1" dirty="0">
+              <a:rPr lang="fr-FR" sz="1000" i="1" dirty="0">
                 <a:latin typeface="Gill Sans Nova" panose="020B0602020104020203" pitchFamily="34" charset="0"/>
               </a:rPr>
               <a:t>P92 </a:t>
             </a:r>
             <a:r>
-              <a:rPr lang="fr-FR" sz="1158" i="1" dirty="0" err="1">
+              <a:rPr lang="fr-FR" sz="1000" i="1" dirty="0" err="1">
                 <a:latin typeface="Gill Sans Nova" panose="020B0602020104020203" pitchFamily="34" charset="0"/>
               </a:rPr>
               <a:t>brought</a:t>
             </a:r>
             <a:r>
-              <a:rPr lang="fr-FR" sz="1158" i="1" dirty="0">
+              <a:rPr lang="fr-FR" sz="1000" i="1" dirty="0">
                 <a:latin typeface="Gill Sans Nova" panose="020B0602020104020203" pitchFamily="34" charset="0"/>
               </a:rPr>
               <a:t> </a:t>
             </a:r>
             <a:r>
-              <a:rPr lang="fr-FR" sz="1158" i="1" dirty="0" err="1">
+              <a:rPr lang="fr-FR" sz="1000" i="1" dirty="0" err="1">
                 <a:latin typeface="Gill Sans Nova" panose="020B0602020104020203" pitchFamily="34" charset="0"/>
               </a:rPr>
               <a:t>into</a:t>
             </a:r>
             <a:r>
-              <a:rPr lang="fr-FR" sz="1158" i="1" dirty="0">
+              <a:rPr lang="fr-FR" sz="1000" i="1" dirty="0">
                 <a:latin typeface="Gill Sans Nova" panose="020B0602020104020203" pitchFamily="34" charset="0"/>
               </a:rPr>
               <a:t> existence</a:t>
@@ -14643,7 +14643,7 @@
           <a:p>
             <a:pPr algn="ctr"/>
             <a:r>
-              <a:rPr lang="fr-FR" sz="1158" dirty="0">
+              <a:rPr lang="fr-FR" sz="1000" dirty="0">
                 <a:solidFill>
                   <a:schemeClr val="tx1"/>
                 </a:solidFill>
@@ -14711,7 +14711,7 @@
         <p:spPr>
           <a:xfrm>
             <a:off x="24019044" y="8282939"/>
-            <a:ext cx="976814" cy="448713"/>
+            <a:ext cx="976814" cy="400110"/>
           </a:xfrm>
           <a:prstGeom prst="rect">
             <a:avLst/>
@@ -14726,31 +14726,31 @@
           <a:p>
             <a:pPr algn="ctr"/>
             <a:r>
-              <a:rPr lang="fr-FR" sz="1158" i="1" dirty="0">
+              <a:rPr lang="fr-FR" sz="1000" i="1" dirty="0">
                 <a:latin typeface="Gill Sans Nova" panose="020B0602020104020203" pitchFamily="34" charset="0"/>
               </a:rPr>
               <a:t>P80 end </a:t>
             </a:r>
             <a:r>
-              <a:rPr lang="fr-FR" sz="1158" i="1" dirty="0" err="1">
+              <a:rPr lang="fr-FR" sz="1000" i="1" dirty="0" err="1">
                 <a:latin typeface="Gill Sans Nova" panose="020B0602020104020203" pitchFamily="34" charset="0"/>
               </a:rPr>
               <a:t>is</a:t>
             </a:r>
             <a:r>
-              <a:rPr lang="fr-FR" sz="1158" i="1" dirty="0">
+              <a:rPr lang="fr-FR" sz="1000" i="1" dirty="0">
                 <a:latin typeface="Gill Sans Nova" panose="020B0602020104020203" pitchFamily="34" charset="0"/>
               </a:rPr>
               <a:t> </a:t>
             </a:r>
             <a:r>
-              <a:rPr lang="fr-FR" sz="1158" i="1" dirty="0" err="1">
+              <a:rPr lang="fr-FR" sz="1000" i="1" dirty="0" err="1">
                 <a:latin typeface="Gill Sans Nova" panose="020B0602020104020203" pitchFamily="34" charset="0"/>
               </a:rPr>
               <a:t>qualified</a:t>
             </a:r>
             <a:r>
-              <a:rPr lang="fr-FR" sz="1158" i="1" dirty="0">
+              <a:rPr lang="fr-FR" sz="1000" i="1" dirty="0">
                 <a:latin typeface="Gill Sans Nova" panose="020B0602020104020203" pitchFamily="34" charset="0"/>
               </a:rPr>
               <a:t> by</a:t>
@@ -14818,7 +14818,7 @@
         <p:spPr>
           <a:xfrm>
             <a:off x="12496297" y="24180580"/>
-            <a:ext cx="1242988" cy="448713"/>
+            <a:ext cx="1242988" cy="246221"/>
           </a:xfrm>
           <a:prstGeom prst="rect">
             <a:avLst/>
@@ -14833,7 +14833,7 @@
           <a:p>
             <a:pPr algn="ctr"/>
             <a:r>
-              <a:rPr lang="fr-FR" sz="1158" i="1" dirty="0">
+              <a:rPr lang="fr-FR" sz="1000" i="1" dirty="0">
                 <a:solidFill>
                   <a:srgbClr val="8A6868"/>
                 </a:solidFill>
@@ -14842,7 +14842,7 @@
               <a:t>P121 </a:t>
             </a:r>
             <a:r>
-              <a:rPr lang="fr-FR" sz="1158" i="1" dirty="0" err="1">
+              <a:rPr lang="fr-FR" sz="1000" i="1" dirty="0" err="1">
                 <a:solidFill>
                   <a:srgbClr val="8A6868"/>
                 </a:solidFill>
@@ -14851,7 +14851,7 @@
               <a:t>overlaps</a:t>
             </a:r>
             <a:r>
-              <a:rPr lang="fr-FR" sz="1158" i="1" dirty="0">
+              <a:rPr lang="fr-FR" sz="1000" i="1" dirty="0">
                 <a:solidFill>
                   <a:srgbClr val="8A6868"/>
                 </a:solidFill>
@@ -14860,7 +14860,7 @@
               <a:t> </a:t>
             </a:r>
             <a:r>
-              <a:rPr lang="fr-FR" sz="1158" i="1" dirty="0" err="1">
+              <a:rPr lang="fr-FR" sz="1000" i="1" dirty="0" err="1">
                 <a:solidFill>
                   <a:srgbClr val="8A6868"/>
                 </a:solidFill>
@@ -14868,7 +14868,7 @@
               </a:rPr>
               <a:t>with</a:t>
             </a:r>
-            <a:endParaRPr lang="fr-FR" sz="1158" i="1" dirty="0">
+            <a:endParaRPr lang="fr-FR" sz="1000" i="1" dirty="0">
               <a:solidFill>
                 <a:srgbClr val="8A6868"/>
               </a:solidFill>
@@ -15007,7 +15007,7 @@
           <a:p>
             <a:pPr algn="ctr"/>
             <a:r>
-              <a:rPr lang="fr-FR" sz="1158" dirty="0">
+              <a:rPr lang="fr-FR" sz="1000" dirty="0">
                 <a:solidFill>
                   <a:schemeClr val="tx1"/>
                 </a:solidFill>
@@ -15063,7 +15063,7 @@
           <a:lstStyle/>
           <a:p>
             <a:r>
-              <a:rPr lang="fr-FR" sz="1158" dirty="0">
+              <a:rPr lang="fr-FR" sz="1000" dirty="0">
                 <a:solidFill>
                   <a:schemeClr val="tx1"/>
                 </a:solidFill>
@@ -15120,7 +15120,7 @@
           <a:p>
             <a:pPr algn="ctr"/>
             <a:r>
-              <a:rPr lang="fr-FR" sz="1158" dirty="0">
+              <a:rPr lang="fr-FR" sz="1000" dirty="0">
                 <a:solidFill>
                   <a:schemeClr val="tx1"/>
                 </a:solidFill>
@@ -15132,7 +15132,7 @@
           <a:p>
             <a:pPr algn="ctr"/>
             <a:r>
-              <a:rPr lang="fr-FR" sz="1158" i="1">
+              <a:rPr lang="fr-FR" sz="1000" i="1">
                 <a:solidFill>
                   <a:schemeClr val="tx1"/>
                 </a:solidFill>
@@ -15141,7 +15141,7 @@
               <a:t>« Adhérent </a:t>
             </a:r>
             <a:r>
-              <a:rPr lang="fr-FR" sz="1158" i="1" dirty="0">
+              <a:rPr lang="fr-FR" sz="1000" i="1" dirty="0">
                 <a:solidFill>
                   <a:schemeClr val="tx1"/>
                 </a:solidFill>
@@ -15212,7 +15212,7 @@
         <p:spPr>
           <a:xfrm>
             <a:off x="27826295" y="23551493"/>
-            <a:ext cx="1467682" cy="270523"/>
+            <a:ext cx="1467682" cy="253916"/>
           </a:xfrm>
           <a:prstGeom prst="rect">
             <a:avLst/>
@@ -15227,7 +15227,7 @@
           <a:p>
             <a:pPr algn="ctr"/>
             <a:r>
-              <a:rPr lang="fr-FR" sz="1158" i="1" dirty="0">
+              <a:rPr lang="fr-FR" sz="1000" i="1" dirty="0">
                 <a:latin typeface="Gill Sans Nova" panose="020B0602020104020203" pitchFamily="34" charset="0"/>
               </a:rPr>
               <a:t>P2</a:t>
@@ -15284,7 +15284,7 @@
           <a:p>
             <a:pPr algn="ctr"/>
             <a:r>
-              <a:rPr lang="fr-FR" sz="1158" dirty="0">
+              <a:rPr lang="fr-FR" sz="1000" dirty="0">
                 <a:solidFill>
                   <a:schemeClr val="tx1"/>
                 </a:solidFill>
@@ -15296,7 +15296,7 @@
           <a:p>
             <a:pPr algn="ctr"/>
             <a:r>
-              <a:rPr lang="fr-FR" sz="1158" i="1" dirty="0">
+              <a:rPr lang="fr-FR" sz="1000" i="1" dirty="0">
                 <a:solidFill>
                   <a:schemeClr val="tx1"/>
                 </a:solidFill>
@@ -15398,7 +15398,7 @@
           <a:p>
             <a:pPr algn="ctr"/>
             <a:r>
-              <a:rPr lang="fr-FR" sz="1158" dirty="0">
+              <a:rPr lang="fr-FR" sz="1000" dirty="0">
                 <a:solidFill>
                   <a:schemeClr val="tx1"/>
                 </a:solidFill>
@@ -15410,7 +15410,7 @@
           <a:p>
             <a:pPr algn="ctr"/>
             <a:r>
-              <a:rPr lang="fr-FR" sz="1158" i="1" dirty="0">
+              <a:rPr lang="fr-FR" sz="1000" i="1" dirty="0">
                 <a:solidFill>
                   <a:schemeClr val="tx1"/>
                 </a:solidFill>
@@ -15479,7 +15479,7 @@
         <p:spPr>
           <a:xfrm>
             <a:off x="34634659" y="24178217"/>
-            <a:ext cx="1484003" cy="448713"/>
+            <a:ext cx="1484003" cy="400110"/>
           </a:xfrm>
           <a:prstGeom prst="rect">
             <a:avLst/>
@@ -15494,30 +15494,30 @@
           <a:p>
             <a:pPr algn="ctr"/>
             <a:r>
-              <a:rPr lang="fr-FR" sz="1158" i="1" dirty="0">
+              <a:rPr lang="fr-FR" sz="1000" i="1" dirty="0">
                 <a:latin typeface="Gill Sans Nova" panose="020B0602020104020203" pitchFamily="34" charset="0"/>
               </a:rPr>
               <a:t>P107 has </a:t>
             </a:r>
             <a:r>
-              <a:rPr lang="fr-FR" sz="1158" i="1" dirty="0" err="1">
+              <a:rPr lang="fr-FR" sz="1000" i="1" dirty="0" err="1">
                 <a:latin typeface="Gill Sans Nova" panose="020B0602020104020203" pitchFamily="34" charset="0"/>
               </a:rPr>
               <a:t>current</a:t>
             </a:r>
             <a:r>
-              <a:rPr lang="fr-FR" sz="1158" i="1" dirty="0">
+              <a:rPr lang="fr-FR" sz="1000" i="1" dirty="0">
                 <a:latin typeface="Gill Sans Nova" panose="020B0602020104020203" pitchFamily="34" charset="0"/>
               </a:rPr>
               <a:t> or former </a:t>
             </a:r>
             <a:r>
-              <a:rPr lang="fr-FR" sz="1158" i="1" dirty="0" err="1">
+              <a:rPr lang="fr-FR" sz="1000" i="1" dirty="0" err="1">
                 <a:latin typeface="Gill Sans Nova" panose="020B0602020104020203" pitchFamily="34" charset="0"/>
               </a:rPr>
               <a:t>member</a:t>
             </a:r>
-            <a:endParaRPr lang="fr-FR" sz="1158" i="1" dirty="0">
+            <a:endParaRPr lang="fr-FR" sz="1000" i="1" dirty="0">
               <a:latin typeface="Gill Sans Nova" panose="020B0602020104020203" pitchFamily="34" charset="0"/>
             </a:endParaRPr>
           </a:p>
@@ -15750,7 +15750,7 @@
         <p:spPr>
           <a:xfrm>
             <a:off x="30269467" y="30009665"/>
-            <a:ext cx="1484003" cy="277768"/>
+            <a:ext cx="1484003" cy="261610"/>
           </a:xfrm>
           <a:prstGeom prst="rect">
             <a:avLst/>
@@ -15765,18 +15765,18 @@
           <a:p>
             <a:pPr algn="ctr"/>
             <a:r>
-              <a:rPr lang="fr-FR" sz="1205" i="1" dirty="0">
+              <a:rPr lang="fr-FR" sz="1050" i="1" dirty="0">
                 <a:latin typeface="Gill Sans Nova" panose="020B0602020104020203" pitchFamily="34" charset="0"/>
               </a:rPr>
               <a:t>P71 </a:t>
             </a:r>
             <a:r>
-              <a:rPr lang="fr-FR" sz="1205" i="1" dirty="0" err="1">
+              <a:rPr lang="fr-FR" sz="1050" i="1" dirty="0" err="1">
                 <a:latin typeface="Gill Sans Nova" panose="020B0602020104020203" pitchFamily="34" charset="0"/>
               </a:rPr>
               <a:t>lists</a:t>
             </a:r>
-            <a:endParaRPr lang="fr-FR" sz="1205" i="1" dirty="0">
+            <a:endParaRPr lang="fr-FR" sz="1050" i="1" dirty="0">
               <a:latin typeface="Gill Sans Nova" panose="020B0602020104020203" pitchFamily="34" charset="0"/>
             </a:endParaRPr>
           </a:p>
@@ -15797,7 +15797,7 @@
         <p:spPr>
           <a:xfrm>
             <a:off x="1791326" y="27594428"/>
-            <a:ext cx="1484003" cy="277768"/>
+            <a:ext cx="1484003" cy="261610"/>
           </a:xfrm>
           <a:prstGeom prst="rect">
             <a:avLst/>
@@ -15812,18 +15812,18 @@
           <a:p>
             <a:pPr algn="ctr"/>
             <a:r>
-              <a:rPr lang="fr-FR" sz="1205" i="1" dirty="0">
+              <a:rPr lang="fr-FR" sz="1050" i="1" dirty="0">
                 <a:latin typeface="Gill Sans Nova" panose="020B0602020104020203" pitchFamily="34" charset="0"/>
               </a:rPr>
               <a:t>P71 </a:t>
             </a:r>
             <a:r>
-              <a:rPr lang="fr-FR" sz="1205" i="1" dirty="0" err="1">
+              <a:rPr lang="fr-FR" sz="1050" i="1" dirty="0" err="1">
                 <a:latin typeface="Gill Sans Nova" panose="020B0602020104020203" pitchFamily="34" charset="0"/>
               </a:rPr>
               <a:t>lists</a:t>
             </a:r>
-            <a:endParaRPr lang="fr-FR" sz="1205" i="1" dirty="0">
+            <a:endParaRPr lang="fr-FR" sz="1050" i="1" dirty="0">
               <a:latin typeface="Gill Sans Nova" panose="020B0602020104020203" pitchFamily="34" charset="0"/>
             </a:endParaRPr>
           </a:p>
@@ -15923,7 +15923,7 @@
           <a:p>
             <a:pPr algn="ctr"/>
             <a:r>
-              <a:rPr lang="fr-FR" sz="1158" dirty="0">
+              <a:rPr lang="fr-FR" sz="1000" dirty="0">
                 <a:solidFill>
                   <a:schemeClr val="tx1"/>
                 </a:solidFill>
@@ -15949,7 +15949,7 @@
         <p:spPr>
           <a:xfrm>
             <a:off x="15160740" y="27028345"/>
-            <a:ext cx="1045631" cy="448713"/>
+            <a:ext cx="1045631" cy="400110"/>
           </a:xfrm>
           <a:prstGeom prst="rect">
             <a:avLst/>
@@ -15964,7 +15964,7 @@
           <a:p>
             <a:pPr algn="ctr"/>
             <a:r>
-              <a:rPr lang="fr-FR" sz="1158" i="1" dirty="0">
+              <a:rPr lang="fr-FR" sz="1000" i="1" dirty="0">
                 <a:solidFill>
                   <a:srgbClr val="8A6868"/>
                 </a:solidFill>
@@ -15973,7 +15973,7 @@
               <a:t>P168 place </a:t>
             </a:r>
             <a:r>
-              <a:rPr lang="fr-FR" sz="1158" i="1" dirty="0" err="1">
+              <a:rPr lang="fr-FR" sz="1000" i="1" dirty="0" err="1">
                 <a:solidFill>
                   <a:srgbClr val="8A6868"/>
                 </a:solidFill>
@@ -15982,7 +15982,7 @@
               <a:t>is</a:t>
             </a:r>
             <a:r>
-              <a:rPr lang="fr-FR" sz="1158" i="1" dirty="0">
+              <a:rPr lang="fr-FR" sz="1000" i="1" dirty="0">
                 <a:solidFill>
                   <a:srgbClr val="8A6868"/>
                 </a:solidFill>
@@ -15991,7 +15991,7 @@
               <a:t> </a:t>
             </a:r>
             <a:r>
-              <a:rPr lang="fr-FR" sz="1158" i="1" dirty="0" err="1">
+              <a:rPr lang="fr-FR" sz="1000" i="1" dirty="0" err="1">
                 <a:solidFill>
                   <a:srgbClr val="8A6868"/>
                 </a:solidFill>
@@ -16000,7 +16000,7 @@
               <a:t>defined</a:t>
             </a:r>
             <a:r>
-              <a:rPr lang="fr-FR" sz="1158" i="1" dirty="0">
+              <a:rPr lang="fr-FR" sz="1000" i="1" dirty="0">
                 <a:solidFill>
                   <a:srgbClr val="8A6868"/>
                 </a:solidFill>
@@ -16060,7 +16060,7 @@
           <a:p>
             <a:pPr algn="ctr"/>
             <a:r>
-              <a:rPr lang="fr-FR" sz="1158" dirty="0">
+              <a:rPr lang="fr-FR" sz="1000" dirty="0">
                 <a:solidFill>
                   <a:schemeClr val="tx1"/>
                 </a:solidFill>
@@ -16086,7 +16086,7 @@
         <p:spPr>
           <a:xfrm>
             <a:off x="36027742" y="21571125"/>
-            <a:ext cx="1002668" cy="448713"/>
+            <a:ext cx="1002668" cy="400110"/>
           </a:xfrm>
           <a:prstGeom prst="rect">
             <a:avLst/>
@@ -16101,42 +16101,42 @@
           <a:p>
             <a:pPr algn="ctr"/>
             <a:r>
-              <a:rPr lang="fr-FR" sz="1158" i="1" dirty="0">
+              <a:rPr lang="fr-FR" sz="1000" i="1" dirty="0">
                 <a:latin typeface="Gill Sans Nova" panose="020B0602020104020203" pitchFamily="34" charset="0"/>
               </a:rPr>
               <a:t>P151 </a:t>
             </a:r>
             <a:r>
-              <a:rPr lang="fr-FR" sz="1158" i="1" dirty="0" err="1">
+              <a:rPr lang="fr-FR" sz="1000" i="1" dirty="0" err="1">
                 <a:latin typeface="Gill Sans Nova" panose="020B0602020104020203" pitchFamily="34" charset="0"/>
               </a:rPr>
               <a:t>was</a:t>
             </a:r>
             <a:r>
-              <a:rPr lang="fr-FR" sz="1158" i="1" dirty="0">
+              <a:rPr lang="fr-FR" sz="1000" i="1" dirty="0">
                 <a:latin typeface="Gill Sans Nova" panose="020B0602020104020203" pitchFamily="34" charset="0"/>
               </a:rPr>
               <a:t> </a:t>
             </a:r>
             <a:r>
-              <a:rPr lang="fr-FR" sz="1158" i="1" dirty="0" err="1">
+              <a:rPr lang="fr-FR" sz="1000" i="1" dirty="0" err="1">
                 <a:latin typeface="Gill Sans Nova" panose="020B0602020104020203" pitchFamily="34" charset="0"/>
               </a:rPr>
               <a:t>formed</a:t>
             </a:r>
             <a:r>
-              <a:rPr lang="fr-FR" sz="1158" i="1" dirty="0">
+              <a:rPr lang="fr-FR" sz="1000" i="1" dirty="0">
                 <a:latin typeface="Gill Sans Nova" panose="020B0602020104020203" pitchFamily="34" charset="0"/>
               </a:rPr>
               <a:t> </a:t>
             </a:r>
             <a:r>
-              <a:rPr lang="fr-FR" sz="1158" i="1" dirty="0" err="1">
+              <a:rPr lang="fr-FR" sz="1000" i="1" dirty="0" err="1">
                 <a:latin typeface="Gill Sans Nova" panose="020B0602020104020203" pitchFamily="34" charset="0"/>
               </a:rPr>
               <a:t>from</a:t>
             </a:r>
-            <a:endParaRPr lang="fr-FR" sz="1158" i="1" dirty="0">
+            <a:endParaRPr lang="fr-FR" sz="1000" i="1" dirty="0">
               <a:latin typeface="Gill Sans Nova" panose="020B0602020104020203" pitchFamily="34" charset="0"/>
             </a:endParaRPr>
           </a:p>
@@ -16233,7 +16233,7 @@
           <a:p>
             <a:pPr algn="ctr"/>
             <a:r>
-              <a:rPr lang="fr-FR" sz="1158" dirty="0">
+              <a:rPr lang="fr-FR" sz="1000" dirty="0">
                 <a:solidFill>
                   <a:schemeClr val="bg1"/>
                 </a:solidFill>
@@ -16304,7 +16304,7 @@
         <p:spPr>
           <a:xfrm>
             <a:off x="36091138" y="22849599"/>
-            <a:ext cx="1002668" cy="270523"/>
+            <a:ext cx="1002668" cy="253916"/>
           </a:xfrm>
           <a:prstGeom prst="rect">
             <a:avLst/>
@@ -16319,18 +16319,18 @@
           <a:p>
             <a:pPr algn="ctr"/>
             <a:r>
-              <a:rPr lang="fr-FR" sz="1158" i="1" dirty="0">
+              <a:rPr lang="fr-FR" sz="1000" i="1" dirty="0">
                 <a:latin typeface="Gill Sans Nova" panose="020B0602020104020203" pitchFamily="34" charset="0"/>
               </a:rPr>
               <a:t>P99 </a:t>
             </a:r>
             <a:r>
-              <a:rPr lang="fr-FR" sz="1158" i="1" dirty="0" err="1">
+              <a:rPr lang="fr-FR" sz="1000" i="1" dirty="0" err="1">
                 <a:latin typeface="Gill Sans Nova" panose="020B0602020104020203" pitchFamily="34" charset="0"/>
               </a:rPr>
               <a:t>dissolved</a:t>
             </a:r>
-            <a:endParaRPr lang="fr-FR" sz="1158" i="1" dirty="0">
+            <a:endParaRPr lang="fr-FR" sz="1000" i="1" dirty="0">
               <a:latin typeface="Gill Sans Nova" panose="020B0602020104020203" pitchFamily="34" charset="0"/>
             </a:endParaRPr>
           </a:p>
@@ -16427,7 +16427,7 @@
           <a:p>
             <a:pPr algn="ctr"/>
             <a:r>
-              <a:rPr lang="fr-FR" sz="1158" i="1" dirty="0" err="1">
+              <a:rPr lang="fr-FR" sz="1000" i="1" dirty="0" err="1">
                 <a:solidFill>
                   <a:schemeClr val="tx1"/>
                 </a:solidFill>
@@ -16436,7 +16436,7 @@
               <a:t>sheP</a:t>
             </a:r>
             <a:r>
-              <a:rPr lang="fr-FR" sz="1158" i="1" dirty="0">
+              <a:rPr lang="fr-FR" sz="1000" i="1" dirty="0">
                 <a:solidFill>
                   <a:schemeClr val="tx1"/>
                 </a:solidFill>
@@ -16444,7 +16444,7 @@
               </a:rPr>
               <a:t> associe</a:t>
             </a:r>
-            <a:endParaRPr lang="fr-FR" sz="1158" dirty="0">
+            <a:endParaRPr lang="fr-FR" sz="1000" dirty="0">
               <a:solidFill>
                 <a:schemeClr val="tx1"/>
               </a:solidFill>
@@ -16505,11 +16505,11 @@
               </a:lnSpc>
             </a:pPr>
             <a:r>
-              <a:rPr lang="fr-FR" sz="1795" dirty="0"/>
+              <a:rPr lang="fr-FR" sz="1200" dirty="0"/>
               <a:t>     		</a:t>
             </a:r>
             <a:r>
-              <a:rPr lang="fr-FR" sz="1205" dirty="0">
+              <a:rPr lang="fr-FR" sz="1050" dirty="0">
                 <a:solidFill>
                   <a:schemeClr val="tx1"/>
                 </a:solidFill>
@@ -16517,7 +16517,7 @@
               </a:rPr>
               <a:t>Propriété SHERLOCK</a:t>
             </a:r>
-            <a:endParaRPr lang="fr-FR" sz="1795" dirty="0">
+            <a:endParaRPr lang="fr-FR" sz="1200" dirty="0">
               <a:latin typeface="Gill Sans Nova" panose="020B0602020104020203" pitchFamily="34" charset="0"/>
             </a:endParaRPr>
           </a:p>
@@ -16573,7 +16573,7 @@
           <a:lstStyle/>
           <a:p>
             <a:pPr algn="ctr"/>
-            <a:endParaRPr lang="fr-FR" sz="1795"/>
+            <a:endParaRPr lang="fr-FR" sz="1200"/>
           </a:p>
         </p:txBody>
       </p:sp>
@@ -16624,7 +16624,7 @@
           <a:p>
             <a:pPr algn="ctr"/>
             <a:r>
-              <a:rPr lang="fr-FR" sz="1158" dirty="0">
+              <a:rPr lang="fr-FR" sz="1000" dirty="0">
                 <a:solidFill>
                   <a:schemeClr val="bg1"/>
                 </a:solidFill>
@@ -16636,7 +16636,7 @@
           <a:p>
             <a:pPr algn="ctr"/>
             <a:r>
-              <a:rPr lang="fr-FR" sz="1158" i="1" dirty="0">
+              <a:rPr lang="fr-FR" sz="1000" i="1" dirty="0">
                 <a:solidFill>
                   <a:schemeClr val="bg1"/>
                 </a:solidFill>
@@ -16705,7 +16705,7 @@
         <p:spPr>
           <a:xfrm>
             <a:off x="29917119" y="13843265"/>
-            <a:ext cx="1398356" cy="270523"/>
+            <a:ext cx="1398356" cy="253916"/>
           </a:xfrm>
           <a:prstGeom prst="rect">
             <a:avLst/>
@@ -16720,18 +16720,18 @@
           <a:p>
             <a:pPr algn="ctr"/>
             <a:r>
-              <a:rPr lang="fr-FR" sz="1158" i="1" dirty="0">
+              <a:rPr lang="fr-FR" sz="1000" i="1" dirty="0">
                 <a:latin typeface="Gill Sans Nova" panose="020B0602020104020203" pitchFamily="34" charset="0"/>
               </a:rPr>
               <a:t>P138 </a:t>
             </a:r>
             <a:r>
-              <a:rPr lang="fr-FR" sz="1158" i="1" dirty="0" err="1">
+              <a:rPr lang="fr-FR" sz="1000" i="1" dirty="0" err="1">
                 <a:latin typeface="Gill Sans Nova" panose="020B0602020104020203" pitchFamily="34" charset="0"/>
               </a:rPr>
               <a:t>represents</a:t>
             </a:r>
-            <a:endParaRPr lang="fr-FR" sz="1158" i="1" dirty="0">
+            <a:endParaRPr lang="fr-FR" sz="1000" i="1" dirty="0">
               <a:latin typeface="Gill Sans Nova" panose="020B0602020104020203" pitchFamily="34" charset="0"/>
             </a:endParaRPr>
           </a:p>
@@ -16752,7 +16752,7 @@
         <p:spPr>
           <a:xfrm>
             <a:off x="30033817" y="11740121"/>
-            <a:ext cx="1134622" cy="448713"/>
+            <a:ext cx="1134622" cy="400110"/>
           </a:xfrm>
           <a:prstGeom prst="rect">
             <a:avLst/>
@@ -16767,31 +16767,31 @@
           <a:p>
             <a:pPr algn="ctr"/>
             <a:r>
-              <a:rPr lang="fr-FR" sz="1158" i="1" dirty="0">
+              <a:rPr lang="fr-FR" sz="1000" i="1" dirty="0">
                 <a:latin typeface="Gill Sans Nova" panose="020B0602020104020203" pitchFamily="34" charset="0"/>
               </a:rPr>
               <a:t>P106 </a:t>
             </a:r>
             <a:r>
-              <a:rPr lang="fr-FR" sz="1158" i="1" dirty="0" err="1">
+              <a:rPr lang="fr-FR" sz="1000" i="1" dirty="0" err="1">
                 <a:latin typeface="Gill Sans Nova" panose="020B0602020104020203" pitchFamily="34" charset="0"/>
               </a:rPr>
               <a:t>is</a:t>
             </a:r>
             <a:r>
-              <a:rPr lang="fr-FR" sz="1158" i="1" dirty="0">
+              <a:rPr lang="fr-FR" sz="1000" i="1" dirty="0">
                 <a:latin typeface="Gill Sans Nova" panose="020B0602020104020203" pitchFamily="34" charset="0"/>
               </a:rPr>
               <a:t> </a:t>
             </a:r>
             <a:r>
-              <a:rPr lang="fr-FR" sz="1158" i="1" dirty="0" err="1">
+              <a:rPr lang="fr-FR" sz="1000" i="1" dirty="0" err="1">
                 <a:latin typeface="Gill Sans Nova" panose="020B0602020104020203" pitchFamily="34" charset="0"/>
               </a:rPr>
               <a:t>composed</a:t>
             </a:r>
             <a:r>
-              <a:rPr lang="fr-FR" sz="1158" i="1" dirty="0">
+              <a:rPr lang="fr-FR" sz="1000" i="1" dirty="0">
                 <a:latin typeface="Gill Sans Nova" panose="020B0602020104020203" pitchFamily="34" charset="0"/>
               </a:rPr>
               <a:t> of</a:t>

--- a/modélisation/mercure-galant-thésaurus-ancien-régime/Modélisation.pptx
+++ b/modélisation/mercure-galant-thésaurus-ancien-régime/Modélisation.pptx
@@ -243,7 +243,7 @@
           <a:p>
             <a:fld id="{F96D367F-7370-4214-86FB-91D90BAC4FAD}" type="datetimeFigureOut">
               <a:rPr lang="fr-FR" smtClean="0"/>
-              <a:t>02/03/2021</a:t>
+              <a:t>12/03/2021</a:t>
             </a:fld>
             <a:endParaRPr lang="fr-FR"/>
           </a:p>
@@ -413,7 +413,7 @@
           <a:p>
             <a:fld id="{F96D367F-7370-4214-86FB-91D90BAC4FAD}" type="datetimeFigureOut">
               <a:rPr lang="fr-FR" smtClean="0"/>
-              <a:t>02/03/2021</a:t>
+              <a:t>12/03/2021</a:t>
             </a:fld>
             <a:endParaRPr lang="fr-FR"/>
           </a:p>
@@ -593,7 +593,7 @@
           <a:p>
             <a:fld id="{F96D367F-7370-4214-86FB-91D90BAC4FAD}" type="datetimeFigureOut">
               <a:rPr lang="fr-FR" smtClean="0"/>
-              <a:t>02/03/2021</a:t>
+              <a:t>12/03/2021</a:t>
             </a:fld>
             <a:endParaRPr lang="fr-FR"/>
           </a:p>
@@ -763,7 +763,7 @@
           <a:p>
             <a:fld id="{F96D367F-7370-4214-86FB-91D90BAC4FAD}" type="datetimeFigureOut">
               <a:rPr lang="fr-FR" smtClean="0"/>
-              <a:t>02/03/2021</a:t>
+              <a:t>12/03/2021</a:t>
             </a:fld>
             <a:endParaRPr lang="fr-FR"/>
           </a:p>
@@ -1007,7 +1007,7 @@
           <a:p>
             <a:fld id="{F96D367F-7370-4214-86FB-91D90BAC4FAD}" type="datetimeFigureOut">
               <a:rPr lang="fr-FR" smtClean="0"/>
-              <a:t>02/03/2021</a:t>
+              <a:t>12/03/2021</a:t>
             </a:fld>
             <a:endParaRPr lang="fr-FR"/>
           </a:p>
@@ -1239,7 +1239,7 @@
           <a:p>
             <a:fld id="{F96D367F-7370-4214-86FB-91D90BAC4FAD}" type="datetimeFigureOut">
               <a:rPr lang="fr-FR" smtClean="0"/>
-              <a:t>02/03/2021</a:t>
+              <a:t>12/03/2021</a:t>
             </a:fld>
             <a:endParaRPr lang="fr-FR"/>
           </a:p>
@@ -1606,7 +1606,7 @@
           <a:p>
             <a:fld id="{F96D367F-7370-4214-86FB-91D90BAC4FAD}" type="datetimeFigureOut">
               <a:rPr lang="fr-FR" smtClean="0"/>
-              <a:t>02/03/2021</a:t>
+              <a:t>12/03/2021</a:t>
             </a:fld>
             <a:endParaRPr lang="fr-FR"/>
           </a:p>
@@ -1724,7 +1724,7 @@
           <a:p>
             <a:fld id="{F96D367F-7370-4214-86FB-91D90BAC4FAD}" type="datetimeFigureOut">
               <a:rPr lang="fr-FR" smtClean="0"/>
-              <a:t>02/03/2021</a:t>
+              <a:t>12/03/2021</a:t>
             </a:fld>
             <a:endParaRPr lang="fr-FR"/>
           </a:p>
@@ -1819,7 +1819,7 @@
           <a:p>
             <a:fld id="{F96D367F-7370-4214-86FB-91D90BAC4FAD}" type="datetimeFigureOut">
               <a:rPr lang="fr-FR" smtClean="0"/>
-              <a:t>02/03/2021</a:t>
+              <a:t>12/03/2021</a:t>
             </a:fld>
             <a:endParaRPr lang="fr-FR"/>
           </a:p>
@@ -2096,7 +2096,7 @@
           <a:p>
             <a:fld id="{F96D367F-7370-4214-86FB-91D90BAC4FAD}" type="datetimeFigureOut">
               <a:rPr lang="fr-FR" smtClean="0"/>
-              <a:t>02/03/2021</a:t>
+              <a:t>12/03/2021</a:t>
             </a:fld>
             <a:endParaRPr lang="fr-FR"/>
           </a:p>
@@ -2353,7 +2353,7 @@
           <a:p>
             <a:fld id="{F96D367F-7370-4214-86FB-91D90BAC4FAD}" type="datetimeFigureOut">
               <a:rPr lang="fr-FR" smtClean="0"/>
-              <a:t>02/03/2021</a:t>
+              <a:t>12/03/2021</a:t>
             </a:fld>
             <a:endParaRPr lang="fr-FR"/>
           </a:p>
@@ -2566,7 +2566,7 @@
           <a:p>
             <a:fld id="{F96D367F-7370-4214-86FB-91D90BAC4FAD}" type="datetimeFigureOut">
               <a:rPr lang="fr-FR" smtClean="0"/>
-              <a:t>02/03/2021</a:t>
+              <a:t>12/03/2021</a:t>
             </a:fld>
             <a:endParaRPr lang="fr-FR"/>
           </a:p>
@@ -2973,114 +2973,6 @@
       </p:grpSpPr>
       <p:sp>
         <p:nvSpPr>
-          <p:cNvPr id="254" name="Rectangle 253">
-            <a:extLst>
-              <a:ext uri="{FF2B5EF4-FFF2-40B4-BE49-F238E27FC236}">
-                <a16:creationId xmlns:a16="http://schemas.microsoft.com/office/drawing/2014/main" id="{70261160-5E1A-440B-B3CB-81D5BEE729FD}"/>
-              </a:ext>
-            </a:extLst>
-          </p:cNvPr>
-          <p:cNvSpPr/>
-          <p:nvPr/>
-        </p:nvSpPr>
-        <p:spPr>
-          <a:xfrm>
-            <a:off x="33806" y="32926"/>
-            <a:ext cx="43308119" cy="35951348"/>
-          </a:xfrm>
-          <a:prstGeom prst="rect">
-            <a:avLst/>
-          </a:prstGeom>
-          <a:solidFill>
-            <a:srgbClr val="F8F8F8"/>
-          </a:solidFill>
-          <a:ln>
-            <a:noFill/>
-          </a:ln>
-        </p:spPr>
-        <p:style>
-          <a:lnRef idx="2">
-            <a:schemeClr val="accent1">
-              <a:shade val="50000"/>
-            </a:schemeClr>
-          </a:lnRef>
-          <a:fillRef idx="1">
-            <a:schemeClr val="accent1"/>
-          </a:fillRef>
-          <a:effectRef idx="0">
-            <a:schemeClr val="accent1"/>
-          </a:effectRef>
-          <a:fontRef idx="minor">
-            <a:schemeClr val="lt1"/>
-          </a:fontRef>
-        </p:style>
-        <p:txBody>
-          <a:bodyPr rtlCol="0" anchor="ctr"/>
-          <a:lstStyle/>
-          <a:p>
-            <a:pPr algn="ctr"/>
-            <a:endParaRPr lang="fr-FR" sz="1200"/>
-          </a:p>
-        </p:txBody>
-      </p:sp>
-      <p:sp>
-        <p:nvSpPr>
-          <p:cNvPr id="255" name="Rectangle : coins arrondis 254">
-            <a:extLst>
-              <a:ext uri="{FF2B5EF4-FFF2-40B4-BE49-F238E27FC236}">
-                <a16:creationId xmlns:a16="http://schemas.microsoft.com/office/drawing/2014/main" id="{CB161B5E-4097-42CC-9839-5B3F1E90A2BE}"/>
-              </a:ext>
-            </a:extLst>
-          </p:cNvPr>
-          <p:cNvSpPr/>
-          <p:nvPr/>
-        </p:nvSpPr>
-        <p:spPr>
-          <a:xfrm>
-            <a:off x="8781487" y="8891188"/>
-            <a:ext cx="13634158" cy="9498791"/>
-          </a:xfrm>
-          <a:prstGeom prst="roundRect">
-            <a:avLst/>
-          </a:prstGeom>
-          <a:solidFill>
-            <a:srgbClr val="FFFFFF"/>
-          </a:solidFill>
-          <a:ln>
-            <a:solidFill>
-              <a:srgbClr val="FFF2CC">
-                <a:alpha val="7843"/>
-              </a:srgbClr>
-            </a:solidFill>
-          </a:ln>
-        </p:spPr>
-        <p:style>
-          <a:lnRef idx="2">
-            <a:schemeClr val="accent1">
-              <a:shade val="50000"/>
-            </a:schemeClr>
-          </a:lnRef>
-          <a:fillRef idx="1">
-            <a:schemeClr val="accent1"/>
-          </a:fillRef>
-          <a:effectRef idx="0">
-            <a:schemeClr val="accent1"/>
-          </a:effectRef>
-          <a:fontRef idx="minor">
-            <a:schemeClr val="lt1"/>
-          </a:fontRef>
-        </p:style>
-        <p:txBody>
-          <a:bodyPr rtlCol="0" anchor="ctr"/>
-          <a:lstStyle/>
-          <a:p>
-            <a:pPr algn="ctr"/>
-            <a:endParaRPr lang="fr-FR" sz="1200" dirty="0"/>
-          </a:p>
-        </p:txBody>
-      </p:sp>
-      <p:sp>
-        <p:nvSpPr>
           <p:cNvPr id="276" name="ZoneTexte 275">
             <a:extLst>
               <a:ext uri="{FF2B5EF4-FFF2-40B4-BE49-F238E27FC236}">
@@ -3093,8 +2985,8 @@
         </p:nvSpPr>
         <p:spPr>
           <a:xfrm>
-            <a:off x="8079601" y="2316720"/>
-            <a:ext cx="25647513" cy="400110"/>
+            <a:off x="8698728" y="1402320"/>
+            <a:ext cx="25647513" cy="461665"/>
           </a:xfrm>
           <a:prstGeom prst="rect">
             <a:avLst/>
@@ -3109,7 +3001,7 @@
           <a:p>
             <a:pPr algn="ctr"/>
             <a:r>
-              <a:rPr lang="fr-FR" sz="2000" dirty="0">
+              <a:rPr lang="fr-FR" sz="2400" dirty="0">
                 <a:latin typeface="Gill Sans Nova" panose="020B0602020104020203" pitchFamily="34" charset="0"/>
               </a:rPr>
               <a:t>MODELISATION DE DEUX ANNOTATIONS  D’UN MEME FRAGMENT DE TEXTE</a:t>
@@ -3131,7 +3023,7 @@
         </p:nvSpPr>
         <p:spPr>
           <a:xfrm>
-            <a:off x="9196533" y="16328834"/>
+            <a:off x="9815660" y="15414434"/>
             <a:ext cx="841671" cy="399893"/>
           </a:xfrm>
           <a:prstGeom prst="roundRect">
@@ -3193,7 +3085,7 @@
         </p:nvCxnSpPr>
         <p:spPr>
           <a:xfrm rot="10800000" flipV="1">
-            <a:off x="9617380" y="15958506"/>
+            <a:off x="10236507" y="15044106"/>
             <a:ext cx="392885" cy="370320"/>
           </a:xfrm>
           <a:prstGeom prst="bentConnector2">
@@ -3220,10 +3112,10 @@
       </p:cxnSp>
       <p:sp>
         <p:nvSpPr>
-          <p:cNvPr id="722" name="Rectangle : coins arrondis 721">
-            <a:extLst>
-              <a:ext uri="{FF2B5EF4-FFF2-40B4-BE49-F238E27FC236}">
-                <a16:creationId xmlns:a16="http://schemas.microsoft.com/office/drawing/2014/main" id="{02DDDEBD-694F-4FBB-BAA6-9BDB3816366D}"/>
+          <p:cNvPr id="845" name="Rectangle : coins arrondis 844">
+            <a:extLst>
+              <a:ext uri="{FF2B5EF4-FFF2-40B4-BE49-F238E27FC236}">
+                <a16:creationId xmlns:a16="http://schemas.microsoft.com/office/drawing/2014/main" id="{C9CE794A-87A0-4373-AF28-DAA4A5B388EA}"/>
               </a:ext>
             </a:extLst>
           </p:cNvPr>
@@ -3232,63 +3124,7 @@
         </p:nvSpPr>
         <p:spPr>
           <a:xfrm>
-            <a:off x="23534736" y="3993218"/>
-            <a:ext cx="16470322" cy="13265007"/>
-          </a:xfrm>
-          <a:prstGeom prst="roundRect">
-            <a:avLst/>
-          </a:prstGeom>
-          <a:solidFill>
-            <a:schemeClr val="bg1"/>
-          </a:solidFill>
-          <a:ln>
-            <a:solidFill>
-              <a:srgbClr val="FFF2CC">
-                <a:alpha val="7843"/>
-              </a:srgbClr>
-            </a:solidFill>
-          </a:ln>
-        </p:spPr>
-        <p:style>
-          <a:lnRef idx="2">
-            <a:schemeClr val="accent1">
-              <a:shade val="50000"/>
-            </a:schemeClr>
-          </a:lnRef>
-          <a:fillRef idx="1">
-            <a:schemeClr val="accent1"/>
-          </a:fillRef>
-          <a:effectRef idx="0">
-            <a:schemeClr val="accent1"/>
-          </a:effectRef>
-          <a:fontRef idx="minor">
-            <a:schemeClr val="lt1"/>
-          </a:fontRef>
-        </p:style>
-        <p:txBody>
-          <a:bodyPr rtlCol="0" anchor="ctr"/>
-          <a:lstStyle/>
-          <a:p>
-            <a:pPr algn="ctr"/>
-            <a:endParaRPr lang="fr-FR" sz="1200" dirty="0"/>
-          </a:p>
-        </p:txBody>
-      </p:sp>
-      <p:sp>
-        <p:nvSpPr>
-          <p:cNvPr id="845" name="Rectangle : coins arrondis 844">
-            <a:extLst>
-              <a:ext uri="{FF2B5EF4-FFF2-40B4-BE49-F238E27FC236}">
-                <a16:creationId xmlns:a16="http://schemas.microsoft.com/office/drawing/2014/main" id="{C9CE794A-87A0-4373-AF28-DAA4A5B388EA}"/>
-              </a:ext>
-            </a:extLst>
-          </p:cNvPr>
-          <p:cNvSpPr/>
-          <p:nvPr/>
-        </p:nvSpPr>
-        <p:spPr>
-          <a:xfrm>
-            <a:off x="13759150" y="12758677"/>
+            <a:off x="14378277" y="11844277"/>
             <a:ext cx="1052048" cy="656951"/>
           </a:xfrm>
           <a:prstGeom prst="roundRect">
@@ -3364,7 +3200,7 @@
         </p:nvSpPr>
         <p:spPr>
           <a:xfrm>
-            <a:off x="11409377" y="12805190"/>
+            <a:off x="12028504" y="11890790"/>
             <a:ext cx="976814" cy="563925"/>
           </a:xfrm>
           <a:prstGeom prst="roundRect">
@@ -3438,7 +3274,7 @@
         </p:nvCxnSpPr>
         <p:spPr>
           <a:xfrm flipH="1">
-            <a:off x="12386193" y="13087139"/>
+            <a:off x="13005320" y="12172739"/>
             <a:ext cx="1372965" cy="0"/>
           </a:xfrm>
           <a:prstGeom prst="straightConnector1">
@@ -3477,7 +3313,7 @@
         </p:nvSpPr>
         <p:spPr>
           <a:xfrm>
-            <a:off x="12478414" y="12856325"/>
+            <a:off x="13097541" y="11941925"/>
             <a:ext cx="1156229" cy="253916"/>
           </a:xfrm>
           <a:prstGeom prst="rect">
@@ -3530,7 +3366,7 @@
         </p:nvCxnSpPr>
         <p:spPr>
           <a:xfrm flipH="1" flipV="1">
-            <a:off x="14285174" y="12061565"/>
+            <a:off x="14904301" y="11147165"/>
             <a:ext cx="0" cy="697122"/>
           </a:xfrm>
           <a:prstGeom prst="straightConnector1">
@@ -3569,7 +3405,7 @@
         </p:nvSpPr>
         <p:spPr>
           <a:xfrm>
-            <a:off x="14285180" y="12319552"/>
+            <a:off x="14904307" y="11405152"/>
             <a:ext cx="976814" cy="246221"/>
           </a:xfrm>
           <a:prstGeom prst="rect">
@@ -3610,7 +3446,7 @@
         </p:nvSpPr>
         <p:spPr>
           <a:xfrm>
-            <a:off x="16449816" y="12715234"/>
+            <a:off x="17068943" y="11800834"/>
             <a:ext cx="1052048" cy="706331"/>
           </a:xfrm>
           <a:prstGeom prst="roundRect">
@@ -3723,7 +3559,7 @@
         </p:nvCxnSpPr>
         <p:spPr>
           <a:xfrm flipV="1">
-            <a:off x="14811206" y="13068417"/>
+            <a:off x="15430333" y="12154017"/>
             <a:ext cx="1638595" cy="18753"/>
           </a:xfrm>
           <a:prstGeom prst="straightConnector1">
@@ -3762,7 +3598,7 @@
         </p:nvSpPr>
         <p:spPr>
           <a:xfrm>
-            <a:off x="14895751" y="12832290"/>
+            <a:off x="15514878" y="11917890"/>
             <a:ext cx="1398356" cy="400110"/>
           </a:xfrm>
           <a:prstGeom prst="rect">
@@ -3824,7 +3660,7 @@
         </p:nvSpPr>
         <p:spPr>
           <a:xfrm>
-            <a:off x="14248752" y="14907798"/>
+            <a:off x="14867879" y="13993398"/>
             <a:ext cx="935531" cy="378209"/>
           </a:xfrm>
           <a:prstGeom prst="roundRect">
@@ -3900,7 +3736,7 @@
         </p:nvSpPr>
         <p:spPr>
           <a:xfrm>
-            <a:off x="13763450" y="14296409"/>
+            <a:off x="14382577" y="13382009"/>
             <a:ext cx="908877" cy="400110"/>
           </a:xfrm>
           <a:prstGeom prst="rect">
@@ -3962,7 +3798,7 @@
         </p:nvSpPr>
         <p:spPr>
           <a:xfrm>
-            <a:off x="11685915" y="14386550"/>
+            <a:off x="12305042" y="13472150"/>
             <a:ext cx="1023275" cy="490810"/>
           </a:xfrm>
           <a:prstGeom prst="roundRect">
@@ -4023,7 +3859,7 @@
         </p:nvSpPr>
         <p:spPr>
           <a:xfrm>
-            <a:off x="16910813" y="15267705"/>
+            <a:off x="17529940" y="14353305"/>
             <a:ext cx="873757" cy="400110"/>
           </a:xfrm>
           <a:prstGeom prst="rect">
@@ -4070,7 +3906,7 @@
         </p:nvSpPr>
         <p:spPr>
           <a:xfrm>
-            <a:off x="10203282" y="9619073"/>
+            <a:off x="14741127" y="9580549"/>
             <a:ext cx="3233370" cy="338554"/>
           </a:xfrm>
           <a:prstGeom prst="rect">
@@ -4108,7 +3944,7 @@
         </p:nvSpPr>
         <p:spPr>
           <a:xfrm>
-            <a:off x="10010271" y="15730701"/>
+            <a:off x="10629398" y="14816301"/>
             <a:ext cx="1013139" cy="455632"/>
           </a:xfrm>
           <a:prstGeom prst="roundRect">
@@ -4166,7 +4002,7 @@
         </p:nvSpPr>
         <p:spPr>
           <a:xfrm>
-            <a:off x="10757664" y="15319280"/>
+            <a:off x="11376791" y="14404880"/>
             <a:ext cx="1484003" cy="253916"/>
           </a:xfrm>
           <a:prstGeom prst="rect">
@@ -4228,7 +4064,7 @@
         </p:nvSpPr>
         <p:spPr>
           <a:xfrm>
-            <a:off x="16443060" y="14072102"/>
+            <a:off x="17062187" y="13157702"/>
             <a:ext cx="1058801" cy="697632"/>
           </a:xfrm>
           <a:prstGeom prst="roundRect">
@@ -4308,7 +4144,7 @@
         </p:nvCxnSpPr>
         <p:spPr>
           <a:xfrm flipV="1">
-            <a:off x="16972454" y="13421568"/>
+            <a:off x="17591581" y="12507168"/>
             <a:ext cx="3371" cy="650534"/>
           </a:xfrm>
           <a:prstGeom prst="straightConnector1">
@@ -4347,7 +4183,7 @@
         </p:nvSpPr>
         <p:spPr>
           <a:xfrm>
-            <a:off x="15630588" y="13639488"/>
+            <a:off x="16249715" y="12725088"/>
             <a:ext cx="1398356" cy="400110"/>
           </a:xfrm>
           <a:prstGeom prst="rect">
@@ -4413,7 +4249,7 @@
         </p:nvCxnSpPr>
         <p:spPr>
           <a:xfrm>
-            <a:off x="17501855" y="14420908"/>
+            <a:off x="18120982" y="13506508"/>
             <a:ext cx="1133989" cy="1877"/>
           </a:xfrm>
           <a:prstGeom prst="straightConnector1">
@@ -4452,7 +4288,7 @@
         </p:nvSpPr>
         <p:spPr>
           <a:xfrm>
-            <a:off x="17501849" y="14204294"/>
+            <a:off x="18120976" y="13289894"/>
             <a:ext cx="1224049" cy="253916"/>
           </a:xfrm>
           <a:prstGeom prst="rect">
@@ -4493,7 +4329,7 @@
         </p:nvSpPr>
         <p:spPr>
           <a:xfrm>
-            <a:off x="18478661" y="15421147"/>
+            <a:off x="19097788" y="14506747"/>
             <a:ext cx="976814" cy="588030"/>
           </a:xfrm>
           <a:prstGeom prst="roundRect">
@@ -4566,7 +4402,7 @@
         </p:nvCxnSpPr>
         <p:spPr>
           <a:xfrm>
-            <a:off x="17475862" y="14720327"/>
+            <a:off x="18094989" y="13805927"/>
             <a:ext cx="1002795" cy="994849"/>
           </a:xfrm>
           <a:prstGeom prst="straightConnector1">
@@ -4605,7 +4441,7 @@
         </p:nvSpPr>
         <p:spPr>
           <a:xfrm>
-            <a:off x="17874121" y="15012002"/>
+            <a:off x="18493248" y="14097602"/>
             <a:ext cx="1023483" cy="400110"/>
           </a:xfrm>
           <a:prstGeom prst="rect">
@@ -4655,7 +4491,7 @@
         </p:nvSpPr>
         <p:spPr>
           <a:xfrm>
-            <a:off x="16452598" y="15819280"/>
+            <a:off x="17071725" y="14904880"/>
             <a:ext cx="1023275" cy="487092"/>
           </a:xfrm>
           <a:prstGeom prst="roundRect">
@@ -4713,7 +4549,7 @@
         </p:nvSpPr>
         <p:spPr>
           <a:xfrm>
-            <a:off x="11602144" y="13881917"/>
+            <a:off x="12221271" y="12967517"/>
             <a:ext cx="873757" cy="400110"/>
           </a:xfrm>
           <a:prstGeom prst="rect">
@@ -4760,7 +4596,7 @@
         </p:nvSpPr>
         <p:spPr>
           <a:xfrm>
-            <a:off x="16457666" y="17033211"/>
+            <a:off x="17076793" y="16118811"/>
             <a:ext cx="1013139" cy="526256"/>
           </a:xfrm>
           <a:prstGeom prst="roundRect">
@@ -4822,7 +4658,7 @@
         </p:nvCxnSpPr>
         <p:spPr>
           <a:xfrm flipH="1">
-            <a:off x="16964222" y="14769734"/>
+            <a:off x="17583349" y="13855334"/>
             <a:ext cx="8224" cy="1049534"/>
           </a:xfrm>
           <a:prstGeom prst="straightConnector1">
@@ -4865,7 +4701,7 @@
         </p:nvCxnSpPr>
         <p:spPr>
           <a:xfrm rot="5400000">
-            <a:off x="15586348" y="13899900"/>
+            <a:off x="16205475" y="12985500"/>
             <a:ext cx="516271" cy="2255931"/>
           </a:xfrm>
           <a:prstGeom prst="curvedConnector3">
@@ -4906,7 +4742,7 @@
         </p:nvSpPr>
         <p:spPr>
           <a:xfrm>
-            <a:off x="15079778" y="15313477"/>
+            <a:off x="15698905" y="14399077"/>
             <a:ext cx="1484003" cy="253916"/>
           </a:xfrm>
           <a:prstGeom prst="rect">
@@ -4948,7 +4784,7 @@
         </p:nvCxnSpPr>
         <p:spPr>
           <a:xfrm flipH="1">
-            <a:off x="16964222" y="16306366"/>
+            <a:off x="17583349" y="15391966"/>
             <a:ext cx="0" cy="726856"/>
           </a:xfrm>
           <a:prstGeom prst="straightConnector1">
@@ -4987,7 +4823,7 @@
         </p:nvSpPr>
         <p:spPr>
           <a:xfrm>
-            <a:off x="16759842" y="16541615"/>
+            <a:off x="17378969" y="15627215"/>
             <a:ext cx="1484003" cy="253916"/>
           </a:xfrm>
           <a:prstGeom prst="rect">
@@ -5049,7 +4885,7 @@
         </p:nvSpPr>
         <p:spPr>
           <a:xfrm>
-            <a:off x="14560119" y="17106645"/>
+            <a:off x="15179246" y="16192245"/>
             <a:ext cx="841671" cy="399893"/>
           </a:xfrm>
           <a:prstGeom prst="roundRect">
@@ -5111,7 +4947,7 @@
         </p:nvCxnSpPr>
         <p:spPr>
           <a:xfrm flipH="1">
-            <a:off x="15401788" y="17296339"/>
+            <a:off x="16020915" y="16381939"/>
             <a:ext cx="1055870" cy="10240"/>
           </a:xfrm>
           <a:prstGeom prst="straightConnector1">
@@ -5150,7 +4986,7 @@
         </p:nvSpPr>
         <p:spPr>
           <a:xfrm>
-            <a:off x="29154834" y="6780730"/>
+            <a:off x="29773961" y="5866330"/>
             <a:ext cx="1139305" cy="697632"/>
           </a:xfrm>
           <a:prstGeom prst="roundRect">
@@ -5220,7 +5056,7 @@
         </p:nvSpPr>
         <p:spPr>
           <a:xfrm>
-            <a:off x="27181223" y="11888315"/>
+            <a:off x="27800350" y="10973915"/>
             <a:ext cx="1398356" cy="253916"/>
           </a:xfrm>
           <a:prstGeom prst="rect">
@@ -5270,7 +5106,7 @@
         </p:nvSpPr>
         <p:spPr>
           <a:xfrm>
-            <a:off x="33190414" y="6780730"/>
+            <a:off x="33809541" y="5866330"/>
             <a:ext cx="1052048" cy="697632"/>
           </a:xfrm>
           <a:prstGeom prst="roundRect">
@@ -5344,7 +5180,7 @@
         </p:nvCxnSpPr>
         <p:spPr>
           <a:xfrm flipH="1">
-            <a:off x="29718336" y="7478370"/>
+            <a:off x="30337463" y="6563970"/>
             <a:ext cx="6139" cy="3110853"/>
           </a:xfrm>
           <a:prstGeom prst="straightConnector1">
@@ -5383,7 +5219,7 @@
         </p:nvSpPr>
         <p:spPr>
           <a:xfrm>
-            <a:off x="29588721" y="8560083"/>
+            <a:off x="30207848" y="7645683"/>
             <a:ext cx="1398356" cy="253916"/>
           </a:xfrm>
           <a:prstGeom prst="rect">
@@ -5421,7 +5257,7 @@
         </p:nvSpPr>
         <p:spPr>
           <a:xfrm>
-            <a:off x="30254458" y="5664355"/>
+            <a:off x="30873585" y="4749955"/>
             <a:ext cx="1052048" cy="422260"/>
           </a:xfrm>
           <a:prstGeom prst="roundRect">
@@ -5479,7 +5315,7 @@
         </p:nvSpPr>
         <p:spPr>
           <a:xfrm>
-            <a:off x="30254447" y="6494525"/>
+            <a:off x="30873574" y="5580125"/>
             <a:ext cx="1052048" cy="246221"/>
           </a:xfrm>
           <a:prstGeom prst="rect">
@@ -5529,62 +5365,6 @@
       </p:sp>
       <p:sp>
         <p:nvSpPr>
-          <p:cNvPr id="894" name="Rectangle : coins arrondis 893">
-            <a:extLst>
-              <a:ext uri="{FF2B5EF4-FFF2-40B4-BE49-F238E27FC236}">
-                <a16:creationId xmlns:a16="http://schemas.microsoft.com/office/drawing/2014/main" id="{2D416A98-FE54-4B44-8DFC-1532B020FE3A}"/>
-              </a:ext>
-            </a:extLst>
-          </p:cNvPr>
-          <p:cNvSpPr/>
-          <p:nvPr/>
-        </p:nvSpPr>
-        <p:spPr>
-          <a:xfrm>
-            <a:off x="19219483" y="19267992"/>
-            <a:ext cx="10068727" cy="9379077"/>
-          </a:xfrm>
-          <a:prstGeom prst="roundRect">
-            <a:avLst/>
-          </a:prstGeom>
-          <a:solidFill>
-            <a:schemeClr val="bg1"/>
-          </a:solidFill>
-          <a:ln>
-            <a:solidFill>
-              <a:srgbClr val="FFF2CC">
-                <a:alpha val="7843"/>
-              </a:srgbClr>
-            </a:solidFill>
-          </a:ln>
-        </p:spPr>
-        <p:style>
-          <a:lnRef idx="2">
-            <a:schemeClr val="accent1">
-              <a:shade val="50000"/>
-            </a:schemeClr>
-          </a:lnRef>
-          <a:fillRef idx="1">
-            <a:schemeClr val="accent1"/>
-          </a:fillRef>
-          <a:effectRef idx="0">
-            <a:schemeClr val="accent1"/>
-          </a:effectRef>
-          <a:fontRef idx="minor">
-            <a:schemeClr val="lt1"/>
-          </a:fontRef>
-        </p:style>
-        <p:txBody>
-          <a:bodyPr rtlCol="0" anchor="ctr"/>
-          <a:lstStyle/>
-          <a:p>
-            <a:pPr algn="ctr"/>
-            <a:endParaRPr lang="fr-FR" sz="1200" dirty="0"/>
-          </a:p>
-        </p:txBody>
-      </p:sp>
-      <p:sp>
-        <p:nvSpPr>
           <p:cNvPr id="895" name="ZoneTexte 894">
             <a:extLst>
               <a:ext uri="{FF2B5EF4-FFF2-40B4-BE49-F238E27FC236}">
@@ -5597,7 +5377,7 @@
         </p:nvSpPr>
         <p:spPr>
           <a:xfrm>
-            <a:off x="19898052" y="19786006"/>
+            <a:off x="20719769" y="21845297"/>
             <a:ext cx="3281580" cy="584775"/>
           </a:xfrm>
           <a:prstGeom prst="rect">
@@ -5644,7 +5424,7 @@
         </p:nvSpPr>
         <p:spPr>
           <a:xfrm>
-            <a:off x="23937250" y="22309194"/>
+            <a:off x="24795390" y="24062596"/>
             <a:ext cx="1062751" cy="575137"/>
           </a:xfrm>
           <a:prstGeom prst="roundRect">
@@ -5706,8 +5486,8 @@
         </p:nvCxnSpPr>
         <p:spPr>
           <a:xfrm>
-            <a:off x="17475877" y="16062820"/>
-            <a:ext cx="6992752" cy="6246366"/>
+            <a:off x="18095000" y="15148426"/>
+            <a:ext cx="7231766" cy="8914170"/>
           </a:xfrm>
           <a:prstGeom prst="curvedConnector2">
             <a:avLst/>
@@ -5753,7 +5533,7 @@
         </p:nvCxnSpPr>
         <p:spPr>
           <a:xfrm flipH="1">
-            <a:off x="30244364" y="10916352"/>
+            <a:off x="30863491" y="10001952"/>
             <a:ext cx="2309480" cy="21696"/>
           </a:xfrm>
           <a:prstGeom prst="straightConnector1">
@@ -5796,7 +5576,7 @@
         </p:nvCxnSpPr>
         <p:spPr>
           <a:xfrm rot="5400000">
-            <a:off x="12755909" y="12857273"/>
+            <a:off x="13375036" y="11942873"/>
             <a:ext cx="970930" cy="2087636"/>
           </a:xfrm>
           <a:prstGeom prst="curvedConnector3">
@@ -5837,7 +5617,7 @@
         </p:nvSpPr>
         <p:spPr>
           <a:xfrm>
-            <a:off x="18692579" y="12780562"/>
+            <a:off x="19311706" y="11866162"/>
             <a:ext cx="677141" cy="571570"/>
           </a:xfrm>
           <a:prstGeom prst="roundRect">
@@ -5905,7 +5685,7 @@
         </p:nvCxnSpPr>
         <p:spPr>
           <a:xfrm flipV="1">
-            <a:off x="17501853" y="13066353"/>
+            <a:off x="18120980" y="12151953"/>
             <a:ext cx="1190724" cy="2050"/>
           </a:xfrm>
           <a:prstGeom prst="straightConnector1">
@@ -5944,7 +5724,7 @@
         </p:nvSpPr>
         <p:spPr>
           <a:xfrm>
-            <a:off x="17327540" y="13074817"/>
+            <a:off x="17946667" y="12160417"/>
             <a:ext cx="1398356" cy="253916"/>
           </a:xfrm>
           <a:prstGeom prst="rect">
@@ -6006,7 +5786,7 @@
         </p:nvSpPr>
         <p:spPr>
           <a:xfrm>
-            <a:off x="19838996" y="23553526"/>
+            <a:off x="20697136" y="25306928"/>
             <a:ext cx="1062751" cy="575137"/>
           </a:xfrm>
           <a:prstGeom prst="roundRect">
@@ -6064,7 +5844,7 @@
         </p:nvSpPr>
         <p:spPr>
           <a:xfrm>
-            <a:off x="22592763" y="25942324"/>
+            <a:off x="23450903" y="27695726"/>
             <a:ext cx="1013139" cy="532939"/>
           </a:xfrm>
           <a:prstGeom prst="roundRect">
@@ -6122,7 +5902,7 @@
         </p:nvSpPr>
         <p:spPr>
           <a:xfrm>
-            <a:off x="21046632" y="26014268"/>
+            <a:off x="21904772" y="27767670"/>
             <a:ext cx="841671" cy="399893"/>
           </a:xfrm>
           <a:prstGeom prst="roundRect">
@@ -6198,7 +5978,7 @@
         </p:nvSpPr>
         <p:spPr>
           <a:xfrm>
-            <a:off x="24874432" y="21620557"/>
+            <a:off x="25732572" y="23373959"/>
             <a:ext cx="1484003" cy="253916"/>
           </a:xfrm>
           <a:prstGeom prst="rect">
@@ -6252,7 +6032,7 @@
         </p:nvCxnSpPr>
         <p:spPr>
           <a:xfrm flipH="1">
-            <a:off x="21888301" y="26208799"/>
+            <a:off x="22746441" y="27962201"/>
             <a:ext cx="704454" cy="5409"/>
           </a:xfrm>
           <a:prstGeom prst="straightConnector1">
@@ -6291,7 +6071,7 @@
         </p:nvSpPr>
         <p:spPr>
           <a:xfrm>
-            <a:off x="37375392" y="5664355"/>
+            <a:off x="37994519" y="4749955"/>
             <a:ext cx="1052048" cy="422260"/>
           </a:xfrm>
           <a:prstGeom prst="roundRect">
@@ -6349,7 +6129,7 @@
         </p:nvSpPr>
         <p:spPr>
           <a:xfrm>
-            <a:off x="31593658" y="4672042"/>
+            <a:off x="32212785" y="3757642"/>
             <a:ext cx="1052048" cy="422260"/>
           </a:xfrm>
           <a:prstGeom prst="roundRect">
@@ -6411,7 +6191,7 @@
         </p:nvCxnSpPr>
         <p:spPr>
           <a:xfrm rot="5400000">
-            <a:off x="31165044" y="4709719"/>
+            <a:off x="31784171" y="3795319"/>
             <a:ext cx="570052" cy="1339211"/>
           </a:xfrm>
           <a:prstGeom prst="bentConnector3">
@@ -6452,7 +6232,7 @@
         </p:nvSpPr>
         <p:spPr>
           <a:xfrm>
-            <a:off x="31832530" y="5452514"/>
+            <a:off x="32451657" y="4538114"/>
             <a:ext cx="1052048" cy="246221"/>
           </a:xfrm>
           <a:prstGeom prst="rect">
@@ -6503,7 +6283,7 @@
         </p:nvCxnSpPr>
         <p:spPr>
           <a:xfrm rot="5400000">
-            <a:off x="29905413" y="5905665"/>
+            <a:off x="30524540" y="4991265"/>
             <a:ext cx="694133" cy="1055998"/>
           </a:xfrm>
           <a:prstGeom prst="bentConnector3">
@@ -6548,7 +6328,7 @@
         </p:nvCxnSpPr>
         <p:spPr>
           <a:xfrm rot="16200000" flipH="1">
-            <a:off x="31901393" y="4965700"/>
+            <a:off x="32520520" y="4051300"/>
             <a:ext cx="694122" cy="2935955"/>
           </a:xfrm>
           <a:prstGeom prst="bentConnector3">
@@ -6589,7 +6369,7 @@
         </p:nvSpPr>
         <p:spPr>
           <a:xfrm>
-            <a:off x="29192321" y="10589226"/>
+            <a:off x="29811448" y="9674826"/>
             <a:ext cx="1052048" cy="697632"/>
           </a:xfrm>
           <a:prstGeom prst="roundRect">
@@ -6663,7 +6443,7 @@
         </p:nvCxnSpPr>
         <p:spPr>
           <a:xfrm rot="16200000" flipH="1">
-            <a:off x="34725529" y="2488467"/>
+            <a:off x="35344656" y="1574067"/>
             <a:ext cx="570052" cy="5781734"/>
           </a:xfrm>
           <a:prstGeom prst="bentConnector3">
@@ -6704,7 +6484,7 @@
         </p:nvSpPr>
         <p:spPr>
           <a:xfrm>
-            <a:off x="36978542" y="7808129"/>
+            <a:off x="37597669" y="6893729"/>
             <a:ext cx="1139305" cy="697632"/>
           </a:xfrm>
           <a:prstGeom prst="roundRect">
@@ -6774,7 +6554,7 @@
         </p:nvSpPr>
         <p:spPr>
           <a:xfrm>
-            <a:off x="38446969" y="7808129"/>
+            <a:off x="39066096" y="6893729"/>
             <a:ext cx="1052048" cy="697632"/>
           </a:xfrm>
           <a:prstGeom prst="roundRect">
@@ -6844,7 +6624,7 @@
         </p:nvSpPr>
         <p:spPr>
           <a:xfrm>
-            <a:off x="37548181" y="7014137"/>
+            <a:off x="38167308" y="6099737"/>
             <a:ext cx="1052048" cy="253916"/>
           </a:xfrm>
           <a:prstGeom prst="rect">
@@ -6895,7 +6675,7 @@
         </p:nvCxnSpPr>
         <p:spPr>
           <a:xfrm rot="5400000">
-            <a:off x="36864052" y="6770748"/>
+            <a:off x="37483179" y="5856348"/>
             <a:ext cx="1721509" cy="353235"/>
           </a:xfrm>
           <a:prstGeom prst="bentConnector3">
@@ -6940,7 +6720,7 @@
         </p:nvCxnSpPr>
         <p:spPr>
           <a:xfrm rot="16200000" flipH="1">
-            <a:off x="37576452" y="6411592"/>
+            <a:off x="38195579" y="5497192"/>
             <a:ext cx="1721509" cy="1071566"/>
           </a:xfrm>
           <a:prstGeom prst="bentConnector3">
@@ -6981,7 +6761,7 @@
         </p:nvSpPr>
         <p:spPr>
           <a:xfrm>
-            <a:off x="24900205" y="5065761"/>
+            <a:off x="25519332" y="4151361"/>
             <a:ext cx="1139305" cy="678716"/>
           </a:xfrm>
           <a:prstGeom prst="roundRect">
@@ -7032,7 +6812,25 @@
                 </a:solidFill>
                 <a:latin typeface="Gill Sans Nova" panose="020B0602020104020203" pitchFamily="34" charset="0"/>
               </a:rPr>
-              <a:t>« Original»</a:t>
+              <a:t>« </a:t>
+            </a:r>
+            <a:r>
+              <a:rPr lang="fr-FR" sz="1000" i="1" dirty="0">
+                <a:solidFill>
+                  <a:schemeClr val="tx1"/>
+                </a:solidFill>
+                <a:latin typeface="Gill Sans Nova" panose="020B0602020104020203" pitchFamily="34" charset="0"/>
+              </a:rPr>
+              <a:t>Original </a:t>
+            </a:r>
+            <a:r>
+              <a:rPr lang="fr-FR" sz="1000" dirty="0">
+                <a:solidFill>
+                  <a:schemeClr val="tx1"/>
+                </a:solidFill>
+                <a:latin typeface="Gill Sans Nova" panose="020B0602020104020203" pitchFamily="34" charset="0"/>
+              </a:rPr>
+              <a:t>»</a:t>
             </a:r>
           </a:p>
         </p:txBody>
@@ -7051,7 +6849,7 @@
         </p:nvSpPr>
         <p:spPr>
           <a:xfrm>
-            <a:off x="24494368" y="6067979"/>
+            <a:off x="25113495" y="5153579"/>
             <a:ext cx="1398356" cy="253916"/>
           </a:xfrm>
           <a:prstGeom prst="rect">
@@ -7089,8 +6887,8 @@
         </p:nvSpPr>
         <p:spPr>
           <a:xfrm>
-            <a:off x="25637496" y="6848430"/>
-            <a:ext cx="699786" cy="571570"/>
+            <a:off x="26003526" y="5943970"/>
+            <a:ext cx="864026" cy="571570"/>
           </a:xfrm>
           <a:prstGeom prst="roundRect">
             <a:avLst/>
@@ -7153,7 +6951,7 @@
         </p:nvSpPr>
         <p:spPr>
           <a:xfrm>
-            <a:off x="26250985" y="7193454"/>
+            <a:off x="26870112" y="6279054"/>
             <a:ext cx="1398356" cy="253916"/>
           </a:xfrm>
           <a:prstGeom prst="rect">
@@ -7219,8 +7017,8 @@
         </p:nvCxnSpPr>
         <p:spPr>
           <a:xfrm flipH="1">
-            <a:off x="26337270" y="7129552"/>
-            <a:ext cx="2817550" cy="4668"/>
+            <a:off x="26867552" y="6215146"/>
+            <a:ext cx="2906409" cy="14609"/>
           </a:xfrm>
           <a:prstGeom prst="straightConnector1">
             <a:avLst/>
@@ -7258,7 +7056,7 @@
         </p:nvSpPr>
         <p:spPr>
           <a:xfrm>
-            <a:off x="31103791" y="7209404"/>
+            <a:off x="31722918" y="6295004"/>
             <a:ext cx="1398356" cy="253916"/>
           </a:xfrm>
           <a:prstGeom prst="rect">
@@ -7312,7 +7110,7 @@
         </p:nvCxnSpPr>
         <p:spPr>
           <a:xfrm>
-            <a:off x="30294139" y="7129546"/>
+            <a:off x="30913266" y="6215146"/>
             <a:ext cx="2896271" cy="0"/>
           </a:xfrm>
           <a:prstGeom prst="straightConnector1">
@@ -7351,7 +7149,7 @@
         </p:nvSpPr>
         <p:spPr>
           <a:xfrm>
-            <a:off x="34444580" y="9176671"/>
+            <a:off x="35063707" y="8262271"/>
             <a:ext cx="1046048" cy="681693"/>
           </a:xfrm>
           <a:prstGeom prst="roundRect">
@@ -7402,7 +7200,25 @@
                 </a:solidFill>
                 <a:latin typeface="Gill Sans Nova" panose="020B0602020104020203" pitchFamily="34" charset="0"/>
               </a:rPr>
-              <a:t>« Document TEI »</a:t>
+              <a:t>« </a:t>
+            </a:r>
+            <a:r>
+              <a:rPr lang="fr-FR" sz="1000" i="1" dirty="0">
+                <a:solidFill>
+                  <a:schemeClr val="tx1"/>
+                </a:solidFill>
+                <a:latin typeface="Gill Sans Nova" panose="020B0602020104020203" pitchFamily="34" charset="0"/>
+              </a:rPr>
+              <a:t>Document TEI </a:t>
+            </a:r>
+            <a:r>
+              <a:rPr lang="fr-FR" sz="1000" dirty="0">
+                <a:solidFill>
+                  <a:schemeClr val="tx1"/>
+                </a:solidFill>
+                <a:latin typeface="Gill Sans Nova" panose="020B0602020104020203" pitchFamily="34" charset="0"/>
+              </a:rPr>
+              <a:t>»</a:t>
             </a:r>
           </a:p>
         </p:txBody>
@@ -7421,7 +7237,7 @@
         </p:nvSpPr>
         <p:spPr>
           <a:xfrm>
-            <a:off x="34924901" y="8395912"/>
+            <a:off x="35544028" y="7481512"/>
             <a:ext cx="1398356" cy="253916"/>
           </a:xfrm>
           <a:prstGeom prst="rect">
@@ -7459,7 +7275,7 @@
         </p:nvSpPr>
         <p:spPr>
           <a:xfrm>
-            <a:off x="35584565" y="6796553"/>
+            <a:off x="36203692" y="5882153"/>
             <a:ext cx="1013139" cy="665986"/>
           </a:xfrm>
           <a:prstGeom prst="roundRect">
@@ -7533,7 +7349,7 @@
         </p:nvCxnSpPr>
         <p:spPr>
           <a:xfrm>
-            <a:off x="34242458" y="7129546"/>
+            <a:off x="34861585" y="6215146"/>
             <a:ext cx="1342107" cy="0"/>
           </a:xfrm>
           <a:prstGeom prst="straightConnector1">
@@ -7576,7 +7392,7 @@
         </p:nvCxnSpPr>
         <p:spPr>
           <a:xfrm rot="5400000">
-            <a:off x="34672315" y="7757836"/>
+            <a:off x="35291442" y="6843436"/>
             <a:ext cx="1714118" cy="1123529"/>
           </a:xfrm>
           <a:prstGeom prst="curvedConnector3">
@@ -7617,7 +7433,7 @@
         </p:nvSpPr>
         <p:spPr>
           <a:xfrm>
-            <a:off x="34214331" y="7174417"/>
+            <a:off x="34833458" y="6260017"/>
             <a:ext cx="1398356" cy="253916"/>
           </a:xfrm>
           <a:prstGeom prst="rect">
@@ -7655,7 +7471,7 @@
         </p:nvSpPr>
         <p:spPr>
           <a:xfrm>
-            <a:off x="32553850" y="10705217"/>
+            <a:off x="33172977" y="9790817"/>
             <a:ext cx="1052048" cy="422260"/>
           </a:xfrm>
           <a:prstGeom prst="roundRect">
@@ -7713,8 +7529,8 @@
         </p:nvSpPr>
         <p:spPr>
           <a:xfrm>
-            <a:off x="27309551" y="10655541"/>
-            <a:ext cx="668801" cy="543318"/>
+            <a:off x="27795773" y="9741068"/>
+            <a:ext cx="783649" cy="543318"/>
           </a:xfrm>
           <a:prstGeom prst="roundRect">
             <a:avLst/>
@@ -7775,8 +7591,8 @@
         </p:nvCxnSpPr>
         <p:spPr>
           <a:xfrm flipH="1" flipV="1">
-            <a:off x="27978344" y="10927189"/>
-            <a:ext cx="1213972" cy="10842"/>
+            <a:off x="28579422" y="10012727"/>
+            <a:ext cx="1232026" cy="10915"/>
           </a:xfrm>
           <a:prstGeom prst="straightConnector1">
             <a:avLst/>
@@ -7814,7 +7630,7 @@
         </p:nvSpPr>
         <p:spPr>
           <a:xfrm>
-            <a:off x="27894051" y="10705427"/>
+            <a:off x="28513178" y="9791027"/>
             <a:ext cx="1398356" cy="253916"/>
           </a:xfrm>
           <a:prstGeom prst="rect">
@@ -7876,7 +7692,7 @@
         </p:nvSpPr>
         <p:spPr>
           <a:xfrm>
-            <a:off x="30783216" y="10934876"/>
+            <a:off x="31402343" y="10020476"/>
             <a:ext cx="1052048" cy="253916"/>
           </a:xfrm>
           <a:prstGeom prst="rect">
@@ -7923,7 +7739,7 @@
         </p:nvSpPr>
         <p:spPr>
           <a:xfrm>
-            <a:off x="34485145" y="13022371"/>
+            <a:off x="37736291" y="9662997"/>
             <a:ext cx="1052048" cy="665986"/>
           </a:xfrm>
           <a:prstGeom prst="roundRect">
@@ -7967,49 +7783,6 @@
           </a:p>
         </p:txBody>
       </p:sp>
-      <p:cxnSp>
-        <p:nvCxnSpPr>
-          <p:cNvPr id="948" name="Connecteur : en arc 947">
-            <a:extLst>
-              <a:ext uri="{FF2B5EF4-FFF2-40B4-BE49-F238E27FC236}">
-                <a16:creationId xmlns:a16="http://schemas.microsoft.com/office/drawing/2014/main" id="{5921D0BB-E1F4-4143-B146-FF13A838BBBE}"/>
-              </a:ext>
-            </a:extLst>
-          </p:cNvPr>
-          <p:cNvCxnSpPr>
-            <a:cxnSpLocks/>
-            <a:stCxn id="942" idx="2"/>
-            <a:endCxn id="947" idx="1"/>
-          </p:cNvCxnSpPr>
-          <p:nvPr/>
-        </p:nvCxnSpPr>
-        <p:spPr>
-          <a:xfrm rot="16200000" flipH="1">
-            <a:off x="32668568" y="11538787"/>
-            <a:ext cx="2227887" cy="1405283"/>
-          </a:xfrm>
-          <a:prstGeom prst="curvedConnector2">
-            <a:avLst/>
-          </a:prstGeom>
-          <a:ln>
-            <a:tailEnd type="triangle"/>
-          </a:ln>
-        </p:spPr>
-        <p:style>
-          <a:lnRef idx="1">
-            <a:schemeClr val="dk1"/>
-          </a:lnRef>
-          <a:fillRef idx="0">
-            <a:schemeClr val="dk1"/>
-          </a:fillRef>
-          <a:effectRef idx="0">
-            <a:schemeClr val="dk1"/>
-          </a:effectRef>
-          <a:fontRef idx="minor">
-            <a:schemeClr val="tx1"/>
-          </a:fontRef>
-        </p:style>
-      </p:cxnSp>
       <p:sp>
         <p:nvSpPr>
           <p:cNvPr id="949" name="ZoneTexte 948">
@@ -8024,7 +7797,7 @@
         </p:nvSpPr>
         <p:spPr>
           <a:xfrm>
-            <a:off x="33128425" y="12038163"/>
+            <a:off x="35271915" y="9700164"/>
             <a:ext cx="1398356" cy="253916"/>
           </a:xfrm>
           <a:prstGeom prst="rect">
@@ -8086,7 +7859,7 @@
         </p:nvSpPr>
         <p:spPr>
           <a:xfrm>
-            <a:off x="34509263" y="14711968"/>
+            <a:off x="39456869" y="11205147"/>
             <a:ext cx="1023275" cy="446226"/>
           </a:xfrm>
           <a:prstGeom prst="roundRect">
@@ -8130,28 +7903,77 @@
           </a:p>
         </p:txBody>
       </p:sp>
+      <p:sp>
+        <p:nvSpPr>
+          <p:cNvPr id="952" name="ZoneTexte 951">
+            <a:extLst>
+              <a:ext uri="{FF2B5EF4-FFF2-40B4-BE49-F238E27FC236}">
+                <a16:creationId xmlns:a16="http://schemas.microsoft.com/office/drawing/2014/main" id="{ED945225-6EEF-47CA-AD4A-D75AD1A83C55}"/>
+              </a:ext>
+            </a:extLst>
+          </p:cNvPr>
+          <p:cNvSpPr txBox="1"/>
+          <p:nvPr/>
+        </p:nvSpPr>
+        <p:spPr>
+          <a:xfrm>
+            <a:off x="37835143" y="10810887"/>
+            <a:ext cx="1398356" cy="253916"/>
+          </a:xfrm>
+          <a:prstGeom prst="rect">
+            <a:avLst/>
+          </a:prstGeom>
+          <a:noFill/>
+        </p:spPr>
+        <p:txBody>
+          <a:bodyPr wrap="square" rtlCol="0">
+            <a:spAutoFit/>
+          </a:bodyPr>
+          <a:lstStyle/>
+          <a:p>
+            <a:pPr algn="ctr"/>
+            <a:r>
+              <a:rPr lang="fr-FR" sz="1000" i="1" dirty="0">
+                <a:latin typeface="Gill Sans Nova" panose="020B0602020104020203" pitchFamily="34" charset="0"/>
+              </a:rPr>
+              <a:t>P14 </a:t>
+            </a:r>
+            <a:r>
+              <a:rPr lang="fr-FR" sz="1000" i="1" dirty="0" err="1">
+                <a:latin typeface="Gill Sans Nova" panose="020B0602020104020203" pitchFamily="34" charset="0"/>
+              </a:rPr>
+              <a:t>carried</a:t>
+            </a:r>
+            <a:r>
+              <a:rPr lang="fr-FR" sz="1000" i="1" dirty="0">
+                <a:latin typeface="Gill Sans Nova" panose="020B0602020104020203" pitchFamily="34" charset="0"/>
+              </a:rPr>
+              <a:t> out by</a:t>
+            </a:r>
+          </a:p>
+        </p:txBody>
+      </p:sp>
       <p:cxnSp>
         <p:nvCxnSpPr>
-          <p:cNvPr id="951" name="Connecteur droit avec flèche 950">
-            <a:extLst>
-              <a:ext uri="{FF2B5EF4-FFF2-40B4-BE49-F238E27FC236}">
-                <a16:creationId xmlns:a16="http://schemas.microsoft.com/office/drawing/2014/main" id="{EEA7B522-E8B3-41C7-BD82-4C22EC89F834}"/>
+          <p:cNvPr id="956" name="Connecteur : en arc 955">
+            <a:extLst>
+              <a:ext uri="{FF2B5EF4-FFF2-40B4-BE49-F238E27FC236}">
+                <a16:creationId xmlns:a16="http://schemas.microsoft.com/office/drawing/2014/main" id="{A79D1ADF-E730-40FF-BE14-57B52B5153C4}"/>
               </a:ext>
             </a:extLst>
           </p:cNvPr>
           <p:cNvCxnSpPr>
-            <a:cxnSpLocks/>
-            <a:stCxn id="947" idx="2"/>
-            <a:endCxn id="950" idx="0"/>
+            <a:stCxn id="851" idx="0"/>
+            <a:endCxn id="919" idx="2"/>
           </p:cNvCxnSpPr>
           <p:nvPr/>
         </p:nvCxnSpPr>
         <p:spPr>
-          <a:xfrm>
-            <a:off x="35011169" y="13688359"/>
-            <a:ext cx="9730" cy="1023611"/>
-          </a:xfrm>
-          <a:prstGeom prst="straightConnector1">
+          <a:xfrm rot="5400000" flipH="1" flipV="1">
+            <a:off x="23252024" y="4715409"/>
+            <a:ext cx="1428380" cy="12742505"/>
+          </a:xfrm>
+          <a:prstGeom prst="curvedConnector3">
             <a:avLst/>
           </a:prstGeom>
           <a:ln>
@@ -8175,10 +7997,10 @@
       </p:cxnSp>
       <p:sp>
         <p:nvSpPr>
-          <p:cNvPr id="952" name="ZoneTexte 951">
-            <a:extLst>
-              <a:ext uri="{FF2B5EF4-FFF2-40B4-BE49-F238E27FC236}">
-                <a16:creationId xmlns:a16="http://schemas.microsoft.com/office/drawing/2014/main" id="{ED945225-6EEF-47CA-AD4A-D75AD1A83C55}"/>
+          <p:cNvPr id="1072" name="ZoneTexte 1071">
+            <a:extLst>
+              <a:ext uri="{FF2B5EF4-FFF2-40B4-BE49-F238E27FC236}">
+                <a16:creationId xmlns:a16="http://schemas.microsoft.com/office/drawing/2014/main" id="{4D75BAFB-CF29-45E9-B965-7712EBE6FA9C}"/>
               </a:ext>
             </a:extLst>
           </p:cNvPr>
@@ -8187,8 +8009,8 @@
         </p:nvSpPr>
         <p:spPr>
           <a:xfrm>
-            <a:off x="34780827" y="14121507"/>
-            <a:ext cx="1398356" cy="253916"/>
+            <a:off x="30368059" y="2652605"/>
+            <a:ext cx="4571678" cy="338554"/>
           </a:xfrm>
           <a:prstGeom prst="rect">
             <a:avLst/>
@@ -8203,74 +8025,20 @@
           <a:p>
             <a:pPr algn="ctr"/>
             <a:r>
-              <a:rPr lang="fr-FR" sz="1000" i="1" dirty="0">
-                <a:latin typeface="Gill Sans Nova" panose="020B0602020104020203" pitchFamily="34" charset="0"/>
-              </a:rPr>
-              <a:t>P14 </a:t>
-            </a:r>
-            <a:r>
-              <a:rPr lang="fr-FR" sz="1000" i="1" dirty="0" err="1">
-                <a:latin typeface="Gill Sans Nova" panose="020B0602020104020203" pitchFamily="34" charset="0"/>
-              </a:rPr>
-              <a:t>carried</a:t>
-            </a:r>
-            <a:r>
-              <a:rPr lang="fr-FR" sz="1000" i="1" dirty="0">
-                <a:latin typeface="Gill Sans Nova" panose="020B0602020104020203" pitchFamily="34" charset="0"/>
-              </a:rPr>
-              <a:t> out by</a:t>
-            </a:r>
-          </a:p>
-        </p:txBody>
-      </p:sp>
-      <p:cxnSp>
-        <p:nvCxnSpPr>
-          <p:cNvPr id="956" name="Connecteur : en arc 955">
-            <a:extLst>
-              <a:ext uri="{FF2B5EF4-FFF2-40B4-BE49-F238E27FC236}">
-                <a16:creationId xmlns:a16="http://schemas.microsoft.com/office/drawing/2014/main" id="{A79D1ADF-E730-40FF-BE14-57B52B5153C4}"/>
-              </a:ext>
-            </a:extLst>
-          </p:cNvPr>
-          <p:cNvCxnSpPr>
-            <a:stCxn id="851" idx="0"/>
-            <a:endCxn id="919" idx="2"/>
-          </p:cNvCxnSpPr>
-          <p:nvPr/>
-        </p:nvCxnSpPr>
-        <p:spPr>
-          <a:xfrm rot="5400000" flipH="1" flipV="1">
-            <a:off x="22632897" y="5629809"/>
-            <a:ext cx="1428380" cy="12742505"/>
-          </a:xfrm>
-          <a:prstGeom prst="curvedConnector3">
-            <a:avLst/>
-          </a:prstGeom>
-          <a:ln>
-            <a:tailEnd type="triangle"/>
-          </a:ln>
-        </p:spPr>
-        <p:style>
-          <a:lnRef idx="1">
-            <a:schemeClr val="dk1"/>
-          </a:lnRef>
-          <a:fillRef idx="0">
-            <a:schemeClr val="dk1"/>
-          </a:fillRef>
-          <a:effectRef idx="0">
-            <a:schemeClr val="dk1"/>
-          </a:effectRef>
-          <a:fontRef idx="minor">
-            <a:schemeClr val="tx1"/>
-          </a:fontRef>
-        </p:style>
-      </p:cxnSp>
-      <p:sp>
-        <p:nvSpPr>
-          <p:cNvPr id="1072" name="ZoneTexte 1071">
-            <a:extLst>
-              <a:ext uri="{FF2B5EF4-FFF2-40B4-BE49-F238E27FC236}">
-                <a16:creationId xmlns:a16="http://schemas.microsoft.com/office/drawing/2014/main" id="{4D75BAFB-CF29-45E9-B965-7712EBE6FA9C}"/>
+              <a:rPr lang="fr-FR" sz="1600" dirty="0">
+                <a:latin typeface="Gill Sans Nova" panose="020B0602020104020203" pitchFamily="34" charset="0"/>
+              </a:rPr>
+              <a:t>CORPUS MERCURE GALANT</a:t>
+            </a:r>
+          </a:p>
+        </p:txBody>
+      </p:sp>
+      <p:sp>
+        <p:nvSpPr>
+          <p:cNvPr id="1121" name="ZoneTexte 1120">
+            <a:extLst>
+              <a:ext uri="{FF2B5EF4-FFF2-40B4-BE49-F238E27FC236}">
+                <a16:creationId xmlns:a16="http://schemas.microsoft.com/office/drawing/2014/main" id="{B2B339DE-4FEA-4F42-BF8D-8CDAA48B288A}"/>
               </a:ext>
             </a:extLst>
           </p:cNvPr>
@@ -8279,8 +8047,8 @@
         </p:nvSpPr>
         <p:spPr>
           <a:xfrm>
-            <a:off x="33099090" y="16406637"/>
-            <a:ext cx="4571678" cy="338554"/>
+            <a:off x="21642890" y="25059721"/>
+            <a:ext cx="1484003" cy="253916"/>
           </a:xfrm>
           <a:prstGeom prst="rect">
             <a:avLst/>
@@ -8295,44 +8063,6 @@
           <a:p>
             <a:pPr algn="ctr"/>
             <a:r>
-              <a:rPr lang="fr-FR" sz="1600" dirty="0">
-                <a:latin typeface="Gill Sans Nova" panose="020B0602020104020203" pitchFamily="34" charset="0"/>
-              </a:rPr>
-              <a:t>CORPUS MERCURE GALANT</a:t>
-            </a:r>
-          </a:p>
-        </p:txBody>
-      </p:sp>
-      <p:sp>
-        <p:nvSpPr>
-          <p:cNvPr id="1121" name="ZoneTexte 1120">
-            <a:extLst>
-              <a:ext uri="{FF2B5EF4-FFF2-40B4-BE49-F238E27FC236}">
-                <a16:creationId xmlns:a16="http://schemas.microsoft.com/office/drawing/2014/main" id="{B2B339DE-4FEA-4F42-BF8D-8CDAA48B288A}"/>
-              </a:ext>
-            </a:extLst>
-          </p:cNvPr>
-          <p:cNvSpPr txBox="1"/>
-          <p:nvPr/>
-        </p:nvSpPr>
-        <p:spPr>
-          <a:xfrm>
-            <a:off x="20784750" y="23306319"/>
-            <a:ext cx="1484003" cy="253916"/>
-          </a:xfrm>
-          <a:prstGeom prst="rect">
-            <a:avLst/>
-          </a:prstGeom>
-          <a:noFill/>
-        </p:spPr>
-        <p:txBody>
-          <a:bodyPr wrap="square" rtlCol="0">
-            <a:spAutoFit/>
-          </a:bodyPr>
-          <a:lstStyle/>
-          <a:p>
-            <a:pPr algn="ctr"/>
-            <a:r>
               <a:rPr lang="fr-FR" sz="1000" i="1" dirty="0">
                 <a:latin typeface="Gill Sans Nova" panose="020B0602020104020203" pitchFamily="34" charset="0"/>
               </a:rPr>
@@ -8355,7 +8085,7 @@
         </p:nvSpPr>
         <p:spPr>
           <a:xfrm>
-            <a:off x="19878268" y="24941179"/>
+            <a:off x="20736408" y="26694581"/>
             <a:ext cx="976814" cy="458655"/>
           </a:xfrm>
           <a:prstGeom prst="roundRect">
@@ -8420,7 +8150,7 @@
         </p:nvCxnSpPr>
         <p:spPr>
           <a:xfrm flipH="1">
-            <a:off x="20366683" y="24128669"/>
+            <a:off x="21224823" y="25882071"/>
             <a:ext cx="3695" cy="812515"/>
           </a:xfrm>
           <a:prstGeom prst="straightConnector1">
@@ -8459,7 +8189,7 @@
         </p:nvSpPr>
         <p:spPr>
           <a:xfrm>
-            <a:off x="19150348" y="24411761"/>
+            <a:off x="20008488" y="26165163"/>
             <a:ext cx="1484003" cy="253916"/>
           </a:xfrm>
           <a:prstGeom prst="rect">
@@ -8489,115 +8219,6 @@
             <a:endParaRPr lang="fr-FR" sz="1000" i="1" dirty="0">
               <a:latin typeface="Gill Sans Nova" panose="020B0602020104020203" pitchFamily="34" charset="0"/>
             </a:endParaRPr>
-          </a:p>
-        </p:txBody>
-      </p:sp>
-      <p:sp>
-        <p:nvSpPr>
-          <p:cNvPr id="1135" name="Rectangle : coins arrondis 1134">
-            <a:extLst>
-              <a:ext uri="{FF2B5EF4-FFF2-40B4-BE49-F238E27FC236}">
-                <a16:creationId xmlns:a16="http://schemas.microsoft.com/office/drawing/2014/main" id="{DCC880C1-9CDC-4194-B56F-5D0695389797}"/>
-              </a:ext>
-            </a:extLst>
-          </p:cNvPr>
-          <p:cNvSpPr/>
-          <p:nvPr/>
-        </p:nvSpPr>
-        <p:spPr>
-          <a:xfrm>
-            <a:off x="29850135" y="19275348"/>
-            <a:ext cx="9962334" cy="9379077"/>
-          </a:xfrm>
-          <a:prstGeom prst="roundRect">
-            <a:avLst/>
-          </a:prstGeom>
-          <a:solidFill>
-            <a:schemeClr val="bg1"/>
-          </a:solidFill>
-          <a:ln>
-            <a:solidFill>
-              <a:srgbClr val="FFF2CC">
-                <a:alpha val="7843"/>
-              </a:srgbClr>
-            </a:solidFill>
-          </a:ln>
-        </p:spPr>
-        <p:style>
-          <a:lnRef idx="2">
-            <a:schemeClr val="accent1">
-              <a:shade val="50000"/>
-            </a:schemeClr>
-          </a:lnRef>
-          <a:fillRef idx="1">
-            <a:schemeClr val="accent1"/>
-          </a:fillRef>
-          <a:effectRef idx="0">
-            <a:schemeClr val="accent1"/>
-          </a:effectRef>
-          <a:fontRef idx="minor">
-            <a:schemeClr val="lt1"/>
-          </a:fontRef>
-        </p:style>
-        <p:txBody>
-          <a:bodyPr rtlCol="0" anchor="ctr"/>
-          <a:lstStyle/>
-          <a:p>
-            <a:pPr algn="ctr"/>
-            <a:endParaRPr lang="fr-FR" sz="1200" dirty="0"/>
-          </a:p>
-        </p:txBody>
-      </p:sp>
-      <p:sp>
-        <p:nvSpPr>
-          <p:cNvPr id="1139" name="Rectangle : coins arrondis 1138">
-            <a:extLst>
-              <a:ext uri="{FF2B5EF4-FFF2-40B4-BE49-F238E27FC236}">
-                <a16:creationId xmlns:a16="http://schemas.microsoft.com/office/drawing/2014/main" id="{CBE943C3-3838-4174-9A69-C15FBC1AA9E8}"/>
-              </a:ext>
-            </a:extLst>
-          </p:cNvPr>
-          <p:cNvSpPr/>
-          <p:nvPr/>
-        </p:nvSpPr>
-        <p:spPr>
-          <a:xfrm>
-            <a:off x="3963793" y="19270759"/>
-            <a:ext cx="13787359" cy="9674522"/>
-          </a:xfrm>
-          <a:prstGeom prst="roundRect">
-            <a:avLst/>
-          </a:prstGeom>
-          <a:solidFill>
-            <a:schemeClr val="bg1"/>
-          </a:solidFill>
-          <a:ln>
-            <a:noFill/>
-            <a:prstDash val="sysDot"/>
-          </a:ln>
-        </p:spPr>
-        <p:style>
-          <a:lnRef idx="2">
-            <a:schemeClr val="accent1">
-              <a:shade val="50000"/>
-            </a:schemeClr>
-          </a:lnRef>
-          <a:fillRef idx="1">
-            <a:schemeClr val="accent1"/>
-          </a:fillRef>
-          <a:effectRef idx="0">
-            <a:schemeClr val="accent1"/>
-          </a:effectRef>
-          <a:fontRef idx="minor">
-            <a:schemeClr val="lt1"/>
-          </a:fontRef>
-        </p:style>
-        <p:txBody>
-          <a:bodyPr rtlCol="0" anchor="ctr"/>
-          <a:lstStyle/>
-          <a:p>
-            <a:pPr algn="ctr"/>
-            <a:endParaRPr lang="fr-FR" sz="1200" dirty="0"/>
           </a:p>
         </p:txBody>
       </p:sp>
@@ -8618,7 +8239,7 @@
         </p:nvCxnSpPr>
         <p:spPr>
           <a:xfrm rot="5400000">
-            <a:off x="22254978" y="23728665"/>
+            <a:off x="23113118" y="25482067"/>
             <a:ext cx="3057998" cy="1369316"/>
           </a:xfrm>
           <a:prstGeom prst="curvedConnector3">
@@ -8657,7 +8278,7 @@
         </p:nvSpPr>
         <p:spPr>
           <a:xfrm>
-            <a:off x="19923219" y="22314221"/>
+            <a:off x="20781359" y="24067623"/>
             <a:ext cx="1062751" cy="575137"/>
           </a:xfrm>
           <a:prstGeom prst="roundRect">
@@ -8725,7 +8346,7 @@
         </p:nvCxnSpPr>
         <p:spPr>
           <a:xfrm flipH="1">
-            <a:off x="20985980" y="22596751"/>
+            <a:off x="21844120" y="24350153"/>
             <a:ext cx="2951280" cy="5027"/>
           </a:xfrm>
           <a:prstGeom prst="straightConnector1">
@@ -8764,7 +8385,7 @@
         </p:nvSpPr>
         <p:spPr>
           <a:xfrm>
-            <a:off x="21582693" y="22309188"/>
+            <a:off x="22440833" y="24062590"/>
             <a:ext cx="1484003" cy="253916"/>
           </a:xfrm>
           <a:prstGeom prst="rect">
@@ -8805,7 +8426,7 @@
         </p:nvSpPr>
         <p:spPr>
           <a:xfrm>
-            <a:off x="32969735" y="19905720"/>
+            <a:off x="33771667" y="21621513"/>
             <a:ext cx="3701987" cy="584775"/>
           </a:xfrm>
           <a:prstGeom prst="rect">
@@ -8852,7 +8473,7 @@
         </p:nvSpPr>
         <p:spPr>
           <a:xfrm>
-            <a:off x="25206990" y="25903361"/>
+            <a:off x="26065130" y="27656763"/>
             <a:ext cx="1201439" cy="668268"/>
           </a:xfrm>
           <a:prstGeom prst="roundRect">
@@ -8928,7 +8549,7 @@
         </p:nvCxnSpPr>
         <p:spPr>
           <a:xfrm rot="16200000" flipV="1">
-            <a:off x="23628655" y="23724315"/>
+            <a:off x="24486795" y="25477717"/>
             <a:ext cx="3019020" cy="1339072"/>
           </a:xfrm>
           <a:prstGeom prst="curvedConnector3">
@@ -8969,7 +8590,7 @@
         </p:nvSpPr>
         <p:spPr>
           <a:xfrm>
-            <a:off x="24624069" y="24093838"/>
+            <a:off x="25482209" y="25847240"/>
             <a:ext cx="1484003" cy="253916"/>
           </a:xfrm>
           <a:prstGeom prst="rect">
@@ -9007,7 +8628,7 @@
         </p:nvSpPr>
         <p:spPr>
           <a:xfrm>
-            <a:off x="24821974" y="20605417"/>
+            <a:off x="25680114" y="22358819"/>
             <a:ext cx="858258" cy="441350"/>
           </a:xfrm>
           <a:prstGeom prst="roundRect">
@@ -9065,7 +8686,7 @@
         </p:nvSpPr>
         <p:spPr>
           <a:xfrm>
-            <a:off x="22718940" y="24093832"/>
+            <a:off x="23577080" y="25847234"/>
             <a:ext cx="1484003" cy="253916"/>
           </a:xfrm>
           <a:prstGeom prst="rect">
@@ -9127,7 +8748,7 @@
         </p:nvSpPr>
         <p:spPr>
           <a:xfrm>
-            <a:off x="25663062" y="22206803"/>
+            <a:off x="26521202" y="23960205"/>
             <a:ext cx="1484003" cy="253916"/>
           </a:xfrm>
           <a:prstGeom prst="rect">
@@ -9174,7 +8795,7 @@
         </p:nvSpPr>
         <p:spPr>
           <a:xfrm>
-            <a:off x="34446985" y="21976303"/>
+            <a:off x="35305125" y="23729705"/>
             <a:ext cx="1311921" cy="856486"/>
           </a:xfrm>
           <a:prstGeom prst="roundRect">
@@ -9246,7 +8867,7 @@
         </p:nvSpPr>
         <p:spPr>
           <a:xfrm>
-            <a:off x="23825911" y="31079038"/>
+            <a:off x="24684051" y="32832440"/>
             <a:ext cx="1222787" cy="747741"/>
           </a:xfrm>
           <a:prstGeom prst="roundRect">
@@ -9353,7 +8974,7 @@
         </p:nvCxnSpPr>
         <p:spPr>
           <a:xfrm rot="5400000">
-            <a:off x="24228659" y="21286740"/>
+            <a:off x="25086799" y="23040142"/>
             <a:ext cx="1262413" cy="782480"/>
           </a:xfrm>
           <a:prstGeom prst="curvedConnector3">
@@ -9398,7 +9019,7 @@
         </p:nvCxnSpPr>
         <p:spPr>
           <a:xfrm flipV="1">
-            <a:off x="24437310" y="22884337"/>
+            <a:off x="25295450" y="24637739"/>
             <a:ext cx="31333" cy="4627683"/>
           </a:xfrm>
           <a:prstGeom prst="straightConnector1">
@@ -9437,7 +9058,7 @@
         </p:nvSpPr>
         <p:spPr>
           <a:xfrm>
-            <a:off x="23691040" y="27512021"/>
+            <a:off x="24549180" y="29265423"/>
             <a:ext cx="1492529" cy="747741"/>
           </a:xfrm>
           <a:prstGeom prst="roundRect">
@@ -9544,7 +9165,7 @@
         </p:nvCxnSpPr>
         <p:spPr>
           <a:xfrm flipV="1">
-            <a:off x="24437302" y="28259742"/>
+            <a:off x="25295442" y="30013144"/>
             <a:ext cx="0" cy="2819276"/>
           </a:xfrm>
           <a:prstGeom prst="straightConnector1">
@@ -9583,7 +9204,7 @@
         </p:nvSpPr>
         <p:spPr>
           <a:xfrm>
-            <a:off x="24012328" y="26956899"/>
+            <a:off x="24870468" y="28710301"/>
             <a:ext cx="1484003" cy="253916"/>
           </a:xfrm>
           <a:prstGeom prst="rect">
@@ -9630,7 +9251,7 @@
         </p:nvSpPr>
         <p:spPr>
           <a:xfrm>
-            <a:off x="32907455" y="27237929"/>
+            <a:off x="33765595" y="28991331"/>
             <a:ext cx="1496896" cy="713003"/>
           </a:xfrm>
           <a:prstGeom prst="roundRect">
@@ -9755,7 +9376,7 @@
         </p:nvCxnSpPr>
         <p:spPr>
           <a:xfrm flipV="1">
-            <a:off x="25048703" y="27950938"/>
+            <a:off x="25906843" y="29704340"/>
             <a:ext cx="8607219" cy="3501965"/>
           </a:xfrm>
           <a:prstGeom prst="curvedConnector2">
@@ -9798,7 +9419,7 @@
         </p:nvCxnSpPr>
         <p:spPr>
           <a:xfrm flipV="1">
-            <a:off x="33655922" y="24741128"/>
+            <a:off x="34514062" y="26494530"/>
             <a:ext cx="27997" cy="2496807"/>
           </a:xfrm>
           <a:prstGeom prst="straightConnector1">
@@ -9840,7 +9461,7 @@
         </p:nvSpPr>
         <p:spPr>
           <a:xfrm>
-            <a:off x="33226168" y="26576999"/>
+            <a:off x="34084308" y="28330401"/>
             <a:ext cx="1484003" cy="253916"/>
           </a:xfrm>
           <a:prstGeom prst="rect">
@@ -9887,7 +9508,7 @@
         </p:nvSpPr>
         <p:spPr>
           <a:xfrm>
-            <a:off x="15402607" y="22000752"/>
+            <a:off x="16260747" y="23754154"/>
             <a:ext cx="1419391" cy="848713"/>
           </a:xfrm>
           <a:prstGeom prst="roundRect">
@@ -9959,7 +9580,7 @@
         </p:nvSpPr>
         <p:spPr>
           <a:xfrm>
-            <a:off x="10870438" y="27434151"/>
+            <a:off x="11728578" y="29187553"/>
             <a:ext cx="976814" cy="458655"/>
           </a:xfrm>
           <a:prstGeom prst="roundRect">
@@ -10020,7 +9641,7 @@
         </p:nvSpPr>
         <p:spPr>
           <a:xfrm>
-            <a:off x="10213941" y="26868593"/>
+            <a:off x="11072081" y="28621995"/>
             <a:ext cx="1324755" cy="400110"/>
           </a:xfrm>
           <a:prstGeom prst="rect">
@@ -10082,56 +9703,6 @@
       </p:sp>
       <p:sp>
         <p:nvSpPr>
-          <p:cNvPr id="1374" name="ZoneTexte 1373">
-            <a:extLst>
-              <a:ext uri="{FF2B5EF4-FFF2-40B4-BE49-F238E27FC236}">
-                <a16:creationId xmlns:a16="http://schemas.microsoft.com/office/drawing/2014/main" id="{E4C90BCE-5F84-41F7-8FCB-0D9DFA94071A}"/>
-              </a:ext>
-            </a:extLst>
-          </p:cNvPr>
-          <p:cNvSpPr txBox="1"/>
-          <p:nvPr/>
-        </p:nvSpPr>
-        <p:spPr>
-          <a:xfrm>
-            <a:off x="17793773" y="20769851"/>
-            <a:ext cx="1484003" cy="253916"/>
-          </a:xfrm>
-          <a:prstGeom prst="rect">
-            <a:avLst/>
-          </a:prstGeom>
-          <a:noFill/>
-        </p:spPr>
-        <p:txBody>
-          <a:bodyPr wrap="square" rtlCol="0">
-            <a:spAutoFit/>
-          </a:bodyPr>
-          <a:lstStyle/>
-          <a:p>
-            <a:pPr algn="ctr"/>
-            <a:r>
-              <a:rPr lang="fr-FR" sz="1000" i="1" dirty="0">
-                <a:latin typeface="Gill Sans Nova" panose="020B0602020104020203" pitchFamily="34" charset="0"/>
-              </a:rPr>
-              <a:t>P7 </a:t>
-            </a:r>
-            <a:r>
-              <a:rPr lang="fr-FR" sz="1000" i="1" dirty="0" err="1">
-                <a:latin typeface="Gill Sans Nova" panose="020B0602020104020203" pitchFamily="34" charset="0"/>
-              </a:rPr>
-              <a:t>took</a:t>
-            </a:r>
-            <a:r>
-              <a:rPr lang="fr-FR" sz="1000" i="1" dirty="0">
-                <a:latin typeface="Gill Sans Nova" panose="020B0602020104020203" pitchFamily="34" charset="0"/>
-              </a:rPr>
-              <a:t> place at</a:t>
-            </a:r>
-          </a:p>
-        </p:txBody>
-      </p:sp>
-      <p:sp>
-        <p:nvSpPr>
           <p:cNvPr id="1376" name="Rectangle : coins arrondis 1375">
             <a:extLst>
               <a:ext uri="{FF2B5EF4-FFF2-40B4-BE49-F238E27FC236}">
@@ -10144,7 +9715,7 @@
         </p:nvSpPr>
         <p:spPr>
           <a:xfrm>
-            <a:off x="15393711" y="23922616"/>
+            <a:off x="16251851" y="25676018"/>
             <a:ext cx="1419391" cy="783082"/>
           </a:xfrm>
           <a:prstGeom prst="roundRect">
@@ -10238,7 +9809,7 @@
         </p:nvCxnSpPr>
         <p:spPr>
           <a:xfrm flipV="1">
-            <a:off x="16103410" y="22849483"/>
+            <a:off x="16961550" y="24602885"/>
             <a:ext cx="8884" cy="1073141"/>
           </a:xfrm>
           <a:prstGeom prst="straightConnector1">
@@ -10281,7 +9852,7 @@
         </p:nvSpPr>
         <p:spPr>
           <a:xfrm>
-            <a:off x="15809183" y="23271923"/>
+            <a:off x="16667323" y="25025325"/>
             <a:ext cx="1484003" cy="253916"/>
           </a:xfrm>
           <a:prstGeom prst="rect">
@@ -10355,7 +9926,7 @@
         </p:nvSpPr>
         <p:spPr>
           <a:xfrm>
-            <a:off x="15478146" y="25895324"/>
+            <a:off x="16336286" y="27648726"/>
             <a:ext cx="1250494" cy="887495"/>
           </a:xfrm>
           <a:prstGeom prst="roundRect">
@@ -10449,7 +10020,7 @@
         </p:nvCxnSpPr>
         <p:spPr>
           <a:xfrm flipV="1">
-            <a:off x="16103393" y="24705710"/>
+            <a:off x="16961533" y="26459112"/>
             <a:ext cx="0" cy="1189612"/>
           </a:xfrm>
           <a:prstGeom prst="straightConnector1">
@@ -10492,7 +10063,7 @@
         </p:nvSpPr>
         <p:spPr>
           <a:xfrm>
-            <a:off x="15809183" y="25209253"/>
+            <a:off x="16667323" y="26962655"/>
             <a:ext cx="1484003" cy="253916"/>
           </a:xfrm>
           <a:prstGeom prst="rect">
@@ -10566,7 +10137,7 @@
         </p:nvSpPr>
         <p:spPr>
           <a:xfrm>
-            <a:off x="6945803" y="24739130"/>
+            <a:off x="7803943" y="26492532"/>
             <a:ext cx="1062751" cy="636761"/>
           </a:xfrm>
           <a:prstGeom prst="roundRect">
@@ -10655,7 +10226,7 @@
         </p:nvCxnSpPr>
         <p:spPr>
           <a:xfrm rot="5400000" flipH="1" flipV="1">
-            <a:off x="12217157" y="21546780"/>
+            <a:off x="13075297" y="23300182"/>
             <a:ext cx="2307117" cy="4063782"/>
           </a:xfrm>
           <a:prstGeom prst="curvedConnector2">
@@ -10698,7 +10269,7 @@
         </p:nvSpPr>
         <p:spPr>
           <a:xfrm>
-            <a:off x="11743274" y="22921804"/>
+            <a:off x="12601414" y="24675206"/>
             <a:ext cx="1242988" cy="400110"/>
           </a:xfrm>
           <a:prstGeom prst="rect">
@@ -10738,7 +10309,7 @@
         </p:nvSpPr>
         <p:spPr>
           <a:xfrm>
-            <a:off x="12602443" y="27274243"/>
+            <a:off x="13460583" y="29027645"/>
             <a:ext cx="1125127" cy="790959"/>
           </a:xfrm>
           <a:prstGeom prst="roundRect">
@@ -10814,7 +10385,7 @@
         </p:nvCxnSpPr>
         <p:spPr>
           <a:xfrm rot="16200000" flipH="1">
-            <a:off x="11299283" y="25408537"/>
+            <a:off x="12157423" y="27161939"/>
             <a:ext cx="1905256" cy="1826176"/>
           </a:xfrm>
           <a:prstGeom prst="curvedConnector3">
@@ -10859,7 +10430,7 @@
         </p:nvSpPr>
         <p:spPr>
           <a:xfrm>
-            <a:off x="11718464" y="25830793"/>
+            <a:off x="12576604" y="27584195"/>
             <a:ext cx="1045631" cy="415498"/>
           </a:xfrm>
           <a:prstGeom prst="rect">
@@ -10900,7 +10471,7 @@
         </p:nvSpPr>
         <p:spPr>
           <a:xfrm>
-            <a:off x="9617366" y="31079036"/>
+            <a:off x="10475506" y="32832438"/>
             <a:ext cx="1328682" cy="856486"/>
           </a:xfrm>
           <a:prstGeom prst="roundRect">
@@ -10991,53 +10562,6 @@
       </p:sp>
       <p:sp>
         <p:nvSpPr>
-          <p:cNvPr id="1503" name="ZoneTexte 1502">
-            <a:extLst>
-              <a:ext uri="{FF2B5EF4-FFF2-40B4-BE49-F238E27FC236}">
-                <a16:creationId xmlns:a16="http://schemas.microsoft.com/office/drawing/2014/main" id="{88649817-4C87-4AF5-931D-A3FB841E7E25}"/>
-              </a:ext>
-            </a:extLst>
-          </p:cNvPr>
-          <p:cNvSpPr txBox="1"/>
-          <p:nvPr/>
-        </p:nvSpPr>
-        <p:spPr>
-          <a:xfrm>
-            <a:off x="16536248" y="31133402"/>
-            <a:ext cx="1484003" cy="261610"/>
-          </a:xfrm>
-          <a:prstGeom prst="rect">
-            <a:avLst/>
-          </a:prstGeom>
-          <a:noFill/>
-        </p:spPr>
-        <p:txBody>
-          <a:bodyPr wrap="square" rtlCol="0">
-            <a:spAutoFit/>
-          </a:bodyPr>
-          <a:lstStyle/>
-          <a:p>
-            <a:pPr algn="ctr"/>
-            <a:r>
-              <a:rPr lang="fr-FR" sz="1050" i="1" dirty="0">
-                <a:latin typeface="Gill Sans Nova" panose="020B0602020104020203" pitchFamily="34" charset="0"/>
-              </a:rPr>
-              <a:t>P71 </a:t>
-            </a:r>
-            <a:r>
-              <a:rPr lang="fr-FR" sz="1050" i="1" dirty="0" err="1">
-                <a:latin typeface="Gill Sans Nova" panose="020B0602020104020203" pitchFamily="34" charset="0"/>
-              </a:rPr>
-              <a:t>lists</a:t>
-            </a:r>
-            <a:endParaRPr lang="fr-FR" sz="1050" i="1" dirty="0">
-              <a:latin typeface="Gill Sans Nova" panose="020B0602020104020203" pitchFamily="34" charset="0"/>
-            </a:endParaRPr>
-          </a:p>
-        </p:txBody>
-      </p:sp>
-      <p:sp>
-        <p:nvSpPr>
           <p:cNvPr id="1529" name="Accolade fermante 1528">
             <a:extLst>
               <a:ext uri="{FF2B5EF4-FFF2-40B4-BE49-F238E27FC236}">
@@ -11050,7 +10574,7 @@
         </p:nvSpPr>
         <p:spPr>
           <a:xfrm flipH="1">
-            <a:off x="4328576" y="24488145"/>
+            <a:off x="5186716" y="26241547"/>
             <a:ext cx="387163" cy="1053056"/>
           </a:xfrm>
           <a:prstGeom prst="rightBrace">
@@ -11097,7 +10621,7 @@
         </p:nvSpPr>
         <p:spPr>
           <a:xfrm>
-            <a:off x="9855051" y="19786000"/>
+            <a:off x="9452189" y="21919945"/>
             <a:ext cx="3281580" cy="584775"/>
           </a:xfrm>
           <a:prstGeom prst="rect">
@@ -11144,7 +10668,7 @@
         </p:nvSpPr>
         <p:spPr>
           <a:xfrm>
-            <a:off x="8971474" y="15690081"/>
+            <a:off x="9590601" y="14775681"/>
             <a:ext cx="1484003" cy="253916"/>
           </a:xfrm>
           <a:prstGeom prst="rect">
@@ -11185,7 +10709,7 @@
         </p:nvSpPr>
         <p:spPr>
           <a:xfrm>
-            <a:off x="15184283" y="17062119"/>
+            <a:off x="15803410" y="16147719"/>
             <a:ext cx="1484003" cy="253916"/>
           </a:xfrm>
           <a:prstGeom prst="rect">
@@ -11226,7 +10750,7 @@
         </p:nvSpPr>
         <p:spPr>
           <a:xfrm>
-            <a:off x="21515127" y="25961957"/>
+            <a:off x="22373267" y="27715359"/>
             <a:ext cx="1484003" cy="253916"/>
           </a:xfrm>
           <a:prstGeom prst="rect">
@@ -11267,7 +10791,7 @@
         </p:nvSpPr>
         <p:spPr>
           <a:xfrm>
-            <a:off x="26349954" y="20596778"/>
+            <a:off x="27208094" y="22350180"/>
             <a:ext cx="976814" cy="458655"/>
           </a:xfrm>
           <a:prstGeom prst="roundRect">
@@ -11332,7 +10856,7 @@
         </p:nvCxnSpPr>
         <p:spPr>
           <a:xfrm>
-            <a:off x="25680223" y="20826092"/>
+            <a:off x="26538363" y="22579494"/>
             <a:ext cx="669727" cy="0"/>
           </a:xfrm>
           <a:prstGeom prst="straightConnector1">
@@ -11371,7 +10895,7 @@
         </p:nvSpPr>
         <p:spPr>
           <a:xfrm>
-            <a:off x="25243385" y="20870302"/>
+            <a:off x="26101525" y="22623704"/>
             <a:ext cx="1484003" cy="253916"/>
           </a:xfrm>
           <a:prstGeom prst="rect">
@@ -11409,7 +10933,7 @@
         </p:nvSpPr>
         <p:spPr>
           <a:xfrm>
-            <a:off x="9260587" y="24811912"/>
+            <a:off x="10118727" y="26565314"/>
             <a:ext cx="1045260" cy="450350"/>
           </a:xfrm>
           <a:prstGeom prst="roundRect">
@@ -11471,7 +10995,7 @@
         </p:nvCxnSpPr>
         <p:spPr>
           <a:xfrm flipH="1" flipV="1">
-            <a:off x="10305836" y="25037078"/>
+            <a:off x="11163976" y="26790480"/>
             <a:ext cx="501606" cy="13529"/>
           </a:xfrm>
           <a:prstGeom prst="straightConnector1">
@@ -11510,7 +11034,7 @@
         </p:nvSpPr>
         <p:spPr>
           <a:xfrm>
-            <a:off x="21111290" y="24173167"/>
+            <a:off x="21969430" y="25926569"/>
             <a:ext cx="1062751" cy="575137"/>
           </a:xfrm>
           <a:prstGeom prst="roundRect">
@@ -11586,7 +11110,7 @@
         </p:nvCxnSpPr>
         <p:spPr>
           <a:xfrm flipH="1">
-            <a:off x="20901734" y="22596767"/>
+            <a:off x="21759874" y="24350169"/>
             <a:ext cx="3035514" cy="1244320"/>
           </a:xfrm>
           <a:prstGeom prst="straightConnector1">
@@ -11628,7 +11152,7 @@
         </p:nvCxnSpPr>
         <p:spPr>
           <a:xfrm flipH="1">
-            <a:off x="21642664" y="22596749"/>
+            <a:off x="22500804" y="24350151"/>
             <a:ext cx="2294596" cy="1576404"/>
           </a:xfrm>
           <a:prstGeom prst="straightConnector1">
@@ -11667,7 +11191,7 @@
         </p:nvSpPr>
         <p:spPr>
           <a:xfrm>
-            <a:off x="21257849" y="23586330"/>
+            <a:off x="22115989" y="25339732"/>
             <a:ext cx="1484003" cy="253916"/>
           </a:xfrm>
           <a:prstGeom prst="rect">
@@ -11705,7 +11229,7 @@
         </p:nvSpPr>
         <p:spPr>
           <a:xfrm>
-            <a:off x="24771004" y="19655153"/>
+            <a:off x="25629144" y="21408555"/>
             <a:ext cx="960203" cy="437620"/>
           </a:xfrm>
           <a:prstGeom prst="roundRect">
@@ -11779,7 +11303,7 @@
         </p:nvCxnSpPr>
         <p:spPr>
           <a:xfrm flipV="1">
-            <a:off x="25251103" y="20092774"/>
+            <a:off x="26109243" y="21846176"/>
             <a:ext cx="0" cy="512657"/>
           </a:xfrm>
           <a:prstGeom prst="straightConnector1">
@@ -11818,7 +11342,7 @@
         </p:nvSpPr>
         <p:spPr>
           <a:xfrm>
-            <a:off x="25186630" y="20259187"/>
+            <a:off x="26044770" y="22012589"/>
             <a:ext cx="584728" cy="253916"/>
           </a:xfrm>
           <a:prstGeom prst="rect">
@@ -11863,7 +11387,7 @@
         </p:nvCxnSpPr>
         <p:spPr>
           <a:xfrm rot="16200000" flipH="1">
-            <a:off x="29620862" y="7246216"/>
+            <a:off x="30239989" y="6331816"/>
             <a:ext cx="4618613" cy="2299391"/>
           </a:xfrm>
           <a:prstGeom prst="curvedConnector3">
@@ -11910,7 +11434,7 @@
         </p:nvSpPr>
         <p:spPr>
           <a:xfrm>
-            <a:off x="31832530" y="8268107"/>
+            <a:off x="32451657" y="7353707"/>
             <a:ext cx="1052048" cy="246221"/>
           </a:xfrm>
           <a:prstGeom prst="rect">
@@ -11975,7 +11499,7 @@
         </p:nvCxnSpPr>
         <p:spPr>
           <a:xfrm rot="5400000">
-            <a:off x="11069900" y="14830853"/>
+            <a:off x="11689027" y="13916453"/>
             <a:ext cx="1081145" cy="1174160"/>
           </a:xfrm>
           <a:prstGeom prst="curvedConnector2">
@@ -12018,7 +11542,7 @@
         </p:nvCxnSpPr>
         <p:spPr>
           <a:xfrm rot="16200000" flipH="1">
-            <a:off x="13754772" y="13946040"/>
+            <a:off x="14373899" y="13031640"/>
             <a:ext cx="1492170" cy="431330"/>
           </a:xfrm>
           <a:prstGeom prst="curvedConnector3">
@@ -12059,7 +11583,7 @@
         </p:nvSpPr>
         <p:spPr>
           <a:xfrm>
-            <a:off x="19712605" y="21782456"/>
+            <a:off x="20570745" y="23535858"/>
             <a:ext cx="1484003" cy="707886"/>
           </a:xfrm>
           <a:prstGeom prst="rect">
@@ -12102,7 +11626,7 @@
         </p:nvSpPr>
         <p:spPr>
           <a:xfrm>
-            <a:off x="27513723" y="22286218"/>
+            <a:off x="28371863" y="24039620"/>
             <a:ext cx="918804" cy="289897"/>
           </a:xfrm>
           <a:prstGeom prst="roundRect">
@@ -12175,7 +11699,7 @@
         </p:nvSpPr>
         <p:spPr>
           <a:xfrm>
-            <a:off x="27522353" y="22957034"/>
+            <a:off x="28380493" y="24710436"/>
             <a:ext cx="918804" cy="289897"/>
           </a:xfrm>
           <a:prstGeom prst="roundRect">
@@ -12248,7 +11772,7 @@
         </p:nvSpPr>
         <p:spPr>
           <a:xfrm>
-            <a:off x="25690793" y="23058957"/>
+            <a:off x="26548933" y="24812359"/>
             <a:ext cx="1484003" cy="253916"/>
           </a:xfrm>
           <a:prstGeom prst="rect">
@@ -12295,7 +11819,7 @@
         </p:nvSpPr>
         <p:spPr>
           <a:xfrm>
-            <a:off x="29986705" y="22078349"/>
+            <a:off x="30844845" y="23831751"/>
             <a:ext cx="1484003" cy="253916"/>
           </a:xfrm>
           <a:prstGeom prst="rect">
@@ -12354,7 +11878,7 @@
         </p:nvSpPr>
         <p:spPr>
           <a:xfrm>
-            <a:off x="29981620" y="23087608"/>
+            <a:off x="30839760" y="24841010"/>
             <a:ext cx="1484003" cy="253916"/>
           </a:xfrm>
           <a:prstGeom prst="rect">
@@ -12413,8 +11937,8 @@
         </p:nvSpPr>
         <p:spPr>
           <a:xfrm>
-            <a:off x="26910479" y="24071100"/>
-            <a:ext cx="966076" cy="328145"/>
+            <a:off x="27768619" y="25824502"/>
+            <a:ext cx="966076" cy="634598"/>
           </a:xfrm>
           <a:prstGeom prst="roundRect">
             <a:avLst/>
@@ -12470,6 +11994,7 @@
             </a:extLst>
           </p:cNvPr>
           <p:cNvCxnSpPr>
+            <a:cxnSpLocks/>
             <a:stCxn id="1728" idx="2"/>
             <a:endCxn id="1748" idx="0"/>
           </p:cNvCxnSpPr>
@@ -12477,8 +12002,8 @@
         </p:nvCxnSpPr>
         <p:spPr>
           <a:xfrm rot="5400000">
-            <a:off x="27275558" y="23364890"/>
-            <a:ext cx="824168" cy="588227"/>
+            <a:off x="28133692" y="25118298"/>
+            <a:ext cx="824169" cy="588238"/>
           </a:xfrm>
           <a:prstGeom prst="curvedConnector3">
             <a:avLst>
@@ -12518,7 +12043,7 @@
         </p:nvSpPr>
         <p:spPr>
           <a:xfrm>
-            <a:off x="26023351" y="23876789"/>
+            <a:off x="26881491" y="25630191"/>
             <a:ext cx="1484003" cy="253916"/>
           </a:xfrm>
           <a:prstGeom prst="rect">
@@ -12560,7 +12085,7 @@
         </p:nvCxnSpPr>
         <p:spPr>
           <a:xfrm flipH="1">
-            <a:off x="25000005" y="22431165"/>
+            <a:off x="25858145" y="24184567"/>
             <a:ext cx="2513718" cy="165596"/>
           </a:xfrm>
           <a:prstGeom prst="straightConnector1">
@@ -12603,7 +12128,7 @@
         </p:nvCxnSpPr>
         <p:spPr>
           <a:xfrm flipH="1" flipV="1">
-            <a:off x="24999999" y="22596768"/>
+            <a:off x="25858139" y="24350170"/>
             <a:ext cx="2522348" cy="505209"/>
           </a:xfrm>
           <a:prstGeom prst="straightConnector1">
@@ -12642,7 +12167,7 @@
         </p:nvSpPr>
         <p:spPr>
           <a:xfrm>
-            <a:off x="9809450" y="24844255"/>
+            <a:off x="10667590" y="26597657"/>
             <a:ext cx="1484003" cy="253916"/>
           </a:xfrm>
           <a:prstGeom prst="rect">
@@ -12680,7 +12205,7 @@
         </p:nvSpPr>
         <p:spPr>
           <a:xfrm>
-            <a:off x="8499434" y="25489541"/>
+            <a:off x="9357574" y="27242943"/>
             <a:ext cx="841671" cy="399893"/>
           </a:xfrm>
           <a:prstGeom prst="roundRect">
@@ -12742,7 +12267,7 @@
         </p:nvCxnSpPr>
         <p:spPr>
           <a:xfrm rot="10800000" flipV="1">
-            <a:off x="8920258" y="25037076"/>
+            <a:off x="9778398" y="26790478"/>
             <a:ext cx="340319" cy="452446"/>
           </a:xfrm>
           <a:prstGeom prst="curvedConnector2">
@@ -12781,7 +12306,7 @@
         </p:nvSpPr>
         <p:spPr>
           <a:xfrm>
-            <a:off x="24160813" y="6859318"/>
+            <a:off x="24526843" y="5954858"/>
             <a:ext cx="699786" cy="571570"/>
           </a:xfrm>
           <a:prstGeom prst="roundRect">
@@ -12833,6 +12358,7 @@
             </a:extLst>
           </p:cNvPr>
           <p:cNvCxnSpPr>
+            <a:cxnSpLocks/>
             <a:stCxn id="929" idx="1"/>
             <a:endCxn id="1789" idx="3"/>
           </p:cNvCxnSpPr>
@@ -12840,7 +12366,7 @@
         </p:nvCxnSpPr>
         <p:spPr>
           <a:xfrm flipH="1">
-            <a:off x="24860583" y="7134226"/>
+            <a:off x="25226629" y="6229755"/>
             <a:ext cx="776897" cy="10888"/>
           </a:xfrm>
           <a:prstGeom prst="straightConnector1">
@@ -12879,7 +12405,7 @@
         </p:nvSpPr>
         <p:spPr>
           <a:xfrm>
-            <a:off x="24608348" y="7154968"/>
+            <a:off x="24974378" y="6250508"/>
             <a:ext cx="1398356" cy="253916"/>
           </a:xfrm>
           <a:prstGeom prst="rect">
@@ -12920,7 +12446,7 @@
         </p:nvSpPr>
         <p:spPr>
           <a:xfrm>
-            <a:off x="25820490" y="10648805"/>
+            <a:off x="26306712" y="9734332"/>
             <a:ext cx="699786" cy="571570"/>
           </a:xfrm>
           <a:prstGeom prst="roundRect">
@@ -12980,8 +12506,8 @@
         </p:nvCxnSpPr>
         <p:spPr>
           <a:xfrm flipH="1">
-            <a:off x="26520260" y="10927194"/>
-            <a:ext cx="789291" cy="7402"/>
+            <a:off x="27006498" y="10012727"/>
+            <a:ext cx="789275" cy="7390"/>
           </a:xfrm>
           <a:prstGeom prst="straightConnector1">
             <a:avLst/>
@@ -13019,7 +12545,7 @@
         </p:nvSpPr>
         <p:spPr>
           <a:xfrm>
-            <a:off x="26261758" y="10924219"/>
+            <a:off x="26747980" y="10009746"/>
             <a:ext cx="1398356" cy="253916"/>
           </a:xfrm>
           <a:prstGeom prst="rect">
@@ -13060,7 +12586,7 @@
         </p:nvSpPr>
         <p:spPr>
           <a:xfrm>
-            <a:off x="20299974" y="12781709"/>
+            <a:off x="20919101" y="11867309"/>
             <a:ext cx="1085883" cy="571570"/>
           </a:xfrm>
           <a:prstGeom prst="roundRect">
@@ -13116,7 +12642,7 @@
         </p:nvSpPr>
         <p:spPr>
           <a:xfrm>
-            <a:off x="19103398" y="12836668"/>
+            <a:off x="19722525" y="11922268"/>
             <a:ext cx="1398356" cy="253916"/>
           </a:xfrm>
           <a:prstGeom prst="rect">
@@ -13161,7 +12687,7 @@
         </p:nvCxnSpPr>
         <p:spPr>
           <a:xfrm>
-            <a:off x="19369725" y="13066347"/>
+            <a:off x="19988852" y="12151947"/>
             <a:ext cx="930249" cy="1158"/>
           </a:xfrm>
           <a:prstGeom prst="straightConnector1">
@@ -13188,53 +12714,6 @@
       </p:cxnSp>
       <p:sp>
         <p:nvSpPr>
-          <p:cNvPr id="63" name="ZoneTexte 62">
-            <a:extLst>
-              <a:ext uri="{FF2B5EF4-FFF2-40B4-BE49-F238E27FC236}">
-                <a16:creationId xmlns:a16="http://schemas.microsoft.com/office/drawing/2014/main" id="{04D98324-7737-4601-98E2-15E6BCD64BC4}"/>
-              </a:ext>
-            </a:extLst>
-          </p:cNvPr>
-          <p:cNvSpPr txBox="1"/>
-          <p:nvPr/>
-        </p:nvSpPr>
-        <p:spPr>
-          <a:xfrm>
-            <a:off x="23994999" y="29394816"/>
-            <a:ext cx="1484003" cy="253916"/>
-          </a:xfrm>
-          <a:prstGeom prst="rect">
-            <a:avLst/>
-          </a:prstGeom>
-          <a:noFill/>
-        </p:spPr>
-        <p:txBody>
-          <a:bodyPr wrap="square" rtlCol="0">
-            <a:spAutoFit/>
-          </a:bodyPr>
-          <a:lstStyle/>
-          <a:p>
-            <a:pPr algn="ctr"/>
-            <a:r>
-              <a:rPr lang="fr-FR" sz="1000" i="1" dirty="0">
-                <a:latin typeface="Gill Sans Nova" panose="020B0602020104020203" pitchFamily="34" charset="0"/>
-              </a:rPr>
-              <a:t>P71 </a:t>
-            </a:r>
-            <a:r>
-              <a:rPr lang="fr-FR" sz="1000" i="1" dirty="0" err="1">
-                <a:latin typeface="Gill Sans Nova" panose="020B0602020104020203" pitchFamily="34" charset="0"/>
-              </a:rPr>
-              <a:t>lists</a:t>
-            </a:r>
-            <a:endParaRPr lang="fr-FR" sz="1000" i="1" dirty="0">
-              <a:latin typeface="Gill Sans Nova" panose="020B0602020104020203" pitchFamily="34" charset="0"/>
-            </a:endParaRPr>
-          </a:p>
-        </p:txBody>
-      </p:sp>
-      <p:sp>
-        <p:nvSpPr>
           <p:cNvPr id="10" name="Rectangle : coins arrondis 9">
             <a:extLst>
               <a:ext uri="{FF2B5EF4-FFF2-40B4-BE49-F238E27FC236}">
@@ -13247,7 +12726,7 @@
         </p:nvSpPr>
         <p:spPr>
           <a:xfrm>
-            <a:off x="9686197" y="22047993"/>
+            <a:off x="10544337" y="23801395"/>
             <a:ext cx="1062751" cy="508614"/>
           </a:xfrm>
           <a:prstGeom prst="roundRect">
@@ -13332,7 +12811,7 @@
         </p:nvSpPr>
         <p:spPr>
           <a:xfrm>
-            <a:off x="4761099" y="22055024"/>
+            <a:off x="5619239" y="23808426"/>
             <a:ext cx="1062751" cy="508614"/>
           </a:xfrm>
           <a:prstGeom prst="roundRect">
@@ -13417,7 +12896,7 @@
         </p:nvSpPr>
         <p:spPr>
           <a:xfrm>
-            <a:off x="7207061" y="22043373"/>
+            <a:off x="8065201" y="23796775"/>
             <a:ext cx="1516367" cy="253916"/>
           </a:xfrm>
           <a:prstGeom prst="rect">
@@ -13470,7 +12949,7 @@
         </p:nvCxnSpPr>
         <p:spPr>
           <a:xfrm flipH="1">
-            <a:off x="5823856" y="22302311"/>
+            <a:off x="6681996" y="24055713"/>
             <a:ext cx="3862347" cy="7020"/>
           </a:xfrm>
           <a:prstGeom prst="straightConnector1">
@@ -13509,7 +12988,7 @@
         </p:nvSpPr>
         <p:spPr>
           <a:xfrm>
-            <a:off x="10807444" y="24732226"/>
+            <a:off x="11665584" y="26485628"/>
             <a:ext cx="1062751" cy="636761"/>
           </a:xfrm>
           <a:prstGeom prst="roundRect">
@@ -13598,7 +13077,7 @@
         </p:nvCxnSpPr>
         <p:spPr>
           <a:xfrm rot="5400000" flipH="1" flipV="1">
-            <a:off x="7756130" y="22277676"/>
+            <a:off x="8614270" y="24031078"/>
             <a:ext cx="2182515" cy="2740393"/>
           </a:xfrm>
           <a:prstGeom prst="curvedConnector3">
@@ -13643,7 +13122,7 @@
         </p:nvCxnSpPr>
         <p:spPr>
           <a:xfrm rot="16200000" flipV="1">
-            <a:off x="9690402" y="23083797"/>
+            <a:off x="10548542" y="24837199"/>
             <a:ext cx="2175611" cy="1121247"/>
           </a:xfrm>
           <a:prstGeom prst="curvedConnector3">
@@ -13684,7 +13163,7 @@
         </p:nvSpPr>
         <p:spPr>
           <a:xfrm>
-            <a:off x="9360644" y="22947746"/>
+            <a:off x="10218784" y="24701148"/>
             <a:ext cx="1662746" cy="253916"/>
           </a:xfrm>
           <a:prstGeom prst="rect">
@@ -13748,7 +13227,7 @@
         </p:nvSpPr>
         <p:spPr>
           <a:xfrm>
-            <a:off x="4761099" y="24696295"/>
+            <a:off x="5619239" y="26449697"/>
             <a:ext cx="1062751" cy="636761"/>
           </a:xfrm>
           <a:prstGeom prst="roundRect">
@@ -13854,7 +13333,7 @@
         </p:nvCxnSpPr>
         <p:spPr>
           <a:xfrm>
-            <a:off x="11338823" y="25368991"/>
+            <a:off x="12196963" y="27122393"/>
             <a:ext cx="20028" cy="2065164"/>
           </a:xfrm>
           <a:prstGeom prst="straightConnector1">
@@ -13897,7 +13376,7 @@
         </p:nvCxnSpPr>
         <p:spPr>
           <a:xfrm rot="16200000" flipH="1">
-            <a:off x="8297685" y="22327860"/>
+            <a:off x="9155825" y="24081262"/>
             <a:ext cx="35932" cy="6046345"/>
           </a:xfrm>
           <a:prstGeom prst="curvedConnector3">
@@ -13938,7 +13417,7 @@
         </p:nvSpPr>
         <p:spPr>
           <a:xfrm>
-            <a:off x="7594860" y="26626941"/>
+            <a:off x="8453000" y="28380343"/>
             <a:ext cx="1324755" cy="253916"/>
           </a:xfrm>
           <a:prstGeom prst="rect">
@@ -14001,7 +13480,7 @@
         </p:nvCxnSpPr>
         <p:spPr>
           <a:xfrm>
-            <a:off x="5292473" y="22563632"/>
+            <a:off x="6150613" y="24317034"/>
             <a:ext cx="0" cy="2132660"/>
           </a:xfrm>
           <a:prstGeom prst="straightConnector1">
@@ -14040,7 +13519,7 @@
         </p:nvSpPr>
         <p:spPr>
           <a:xfrm>
-            <a:off x="4462744" y="23049291"/>
+            <a:off x="5320884" y="24802693"/>
             <a:ext cx="960632" cy="400110"/>
           </a:xfrm>
           <a:prstGeom prst="rect">
@@ -14102,7 +13581,7 @@
         </p:nvSpPr>
         <p:spPr>
           <a:xfrm>
-            <a:off x="26979014" y="5405119"/>
+            <a:off x="27598141" y="4490719"/>
             <a:ext cx="1139305" cy="678716"/>
           </a:xfrm>
           <a:prstGeom prst="roundRect">
@@ -14153,7 +13632,25 @@
                 </a:solidFill>
                 <a:latin typeface="Gill Sans Nova" panose="020B0602020104020203" pitchFamily="34" charset="0"/>
               </a:rPr>
-              <a:t>« Livraison du Mercure Galant »</a:t>
+              <a:t>« </a:t>
+            </a:r>
+            <a:r>
+              <a:rPr lang="fr-FR" sz="1000" i="1" dirty="0">
+                <a:solidFill>
+                  <a:schemeClr val="tx1"/>
+                </a:solidFill>
+                <a:latin typeface="Gill Sans Nova" panose="020B0602020104020203" pitchFamily="34" charset="0"/>
+              </a:rPr>
+              <a:t>Livraison du Mercure Galant </a:t>
+            </a:r>
+            <a:r>
+              <a:rPr lang="fr-FR" sz="1000" dirty="0">
+                <a:solidFill>
+                  <a:schemeClr val="tx1"/>
+                </a:solidFill>
+                <a:latin typeface="Gill Sans Nova" panose="020B0602020104020203" pitchFamily="34" charset="0"/>
+              </a:rPr>
+              <a:t>»</a:t>
             </a:r>
           </a:p>
         </p:txBody>
@@ -14172,7 +13669,7 @@
         </p:nvSpPr>
         <p:spPr>
           <a:xfrm>
-            <a:off x="27498120" y="6347567"/>
+            <a:off x="28117247" y="5433167"/>
             <a:ext cx="1398356" cy="253916"/>
           </a:xfrm>
           <a:prstGeom prst="rect">
@@ -14198,10 +13695,10 @@
       </p:sp>
       <p:sp>
         <p:nvSpPr>
-          <p:cNvPr id="292" name="Rectangle : coins arrondis 291">
-            <a:extLst>
-              <a:ext uri="{FF2B5EF4-FFF2-40B4-BE49-F238E27FC236}">
-                <a16:creationId xmlns:a16="http://schemas.microsoft.com/office/drawing/2014/main" id="{E8C496EE-D5E9-435A-9B61-1CA3D291F299}"/>
+          <p:cNvPr id="300" name="Rectangle : coins arrondis 299">
+            <a:extLst>
+              <a:ext uri="{FF2B5EF4-FFF2-40B4-BE49-F238E27FC236}">
+                <a16:creationId xmlns:a16="http://schemas.microsoft.com/office/drawing/2014/main" id="{F0973BD2-5791-4B69-92DD-DDC5E4C02D77}"/>
               </a:ext>
             </a:extLst>
           </p:cNvPr>
@@ -14210,14 +13707,17 @@
         </p:nvSpPr>
         <p:spPr>
           <a:xfrm>
-            <a:off x="30727139" y="14422368"/>
-            <a:ext cx="1153205" cy="758317"/>
+            <a:off x="28211426" y="7249246"/>
+            <a:ext cx="1052048" cy="665986"/>
           </a:xfrm>
           <a:prstGeom prst="roundRect">
             <a:avLst/>
           </a:prstGeom>
           <a:solidFill>
-            <a:srgbClr val="F6CACA"/>
+            <a:schemeClr val="accent1">
+              <a:lumMod val="60000"/>
+              <a:lumOff val="40000"/>
+            </a:schemeClr>
           </a:solidFill>
           <a:ln w="12700">
             <a:noFill/>
@@ -14245,33 +13745,39 @@
             <a:r>
               <a:rPr lang="fr-FR" sz="1000" dirty="0">
                 <a:solidFill>
-                  <a:schemeClr val="tx1"/>
-                </a:solidFill>
-                <a:latin typeface="Gill Sans Nova" panose="020B0602020104020203" pitchFamily="34" charset="0"/>
-              </a:rPr>
-              <a:t>E55 Type</a:t>
-            </a:r>
-          </a:p>
-          <a:p>
-            <a:pPr algn="ctr"/>
-            <a:r>
-              <a:rPr lang="fr-FR" sz="1000" i="1" dirty="0">
-                <a:solidFill>
-                  <a:schemeClr val="tx1"/>
-                </a:solidFill>
-                <a:latin typeface="Gill Sans Nova" panose="020B0602020104020203" pitchFamily="34" charset="0"/>
-              </a:rPr>
-              <a:t>(«  http://www.iconclass.org/rkd/32/ »)</a:t>
-            </a:r>
-          </a:p>
-        </p:txBody>
-      </p:sp>
-      <p:sp>
-        <p:nvSpPr>
-          <p:cNvPr id="300" name="Rectangle : coins arrondis 299">
-            <a:extLst>
-              <a:ext uri="{FF2B5EF4-FFF2-40B4-BE49-F238E27FC236}">
-                <a16:creationId xmlns:a16="http://schemas.microsoft.com/office/drawing/2014/main" id="{F0973BD2-5791-4B69-92DD-DDC5E4C02D77}"/>
+                  <a:schemeClr val="bg1"/>
+                </a:solidFill>
+                <a:latin typeface="Gill Sans Nova" panose="020B0602020104020203" pitchFamily="34" charset="0"/>
+              </a:rPr>
+              <a:t>E63 </a:t>
+            </a:r>
+            <a:r>
+              <a:rPr lang="fr-FR" sz="1000" dirty="0" err="1">
+                <a:solidFill>
+                  <a:schemeClr val="bg1"/>
+                </a:solidFill>
+                <a:latin typeface="Gill Sans Nova" panose="020B0602020104020203" pitchFamily="34" charset="0"/>
+              </a:rPr>
+              <a:t>Beginning</a:t>
+            </a:r>
+            <a:r>
+              <a:rPr lang="fr-FR" sz="1000" dirty="0">
+                <a:solidFill>
+                  <a:schemeClr val="bg1"/>
+                </a:solidFill>
+                <a:latin typeface="Gill Sans Nova" panose="020B0602020104020203" pitchFamily="34" charset="0"/>
+              </a:rPr>
+              <a:t> of Existence</a:t>
+            </a:r>
+          </a:p>
+        </p:txBody>
+      </p:sp>
+      <p:sp>
+        <p:nvSpPr>
+          <p:cNvPr id="305" name="Rectangle : coins arrondis 304">
+            <a:extLst>
+              <a:ext uri="{FF2B5EF4-FFF2-40B4-BE49-F238E27FC236}">
+                <a16:creationId xmlns:a16="http://schemas.microsoft.com/office/drawing/2014/main" id="{064A9CBD-E352-42F1-A05C-0AB6D08774C6}"/>
               </a:ext>
             </a:extLst>
           </p:cNvPr>
@@ -14280,16 +13786,16 @@
         </p:nvSpPr>
         <p:spPr>
           <a:xfrm>
-            <a:off x="27592299" y="8163646"/>
-            <a:ext cx="1052048" cy="665986"/>
+            <a:off x="25858166" y="7342326"/>
+            <a:ext cx="976814" cy="458655"/>
           </a:xfrm>
           <a:prstGeom prst="roundRect">
             <a:avLst/>
           </a:prstGeom>
           <a:solidFill>
-            <a:schemeClr val="accent1">
-              <a:lumMod val="60000"/>
-              <a:lumOff val="40000"/>
+            <a:schemeClr val="accent6">
+              <a:lumMod val="40000"/>
+              <a:lumOff val="60000"/>
             </a:schemeClr>
           </a:solidFill>
           <a:ln w="12700">
@@ -14318,39 +13824,213 @@
             <a:r>
               <a:rPr lang="fr-FR" sz="1000" dirty="0">
                 <a:solidFill>
-                  <a:schemeClr val="bg1"/>
-                </a:solidFill>
-                <a:latin typeface="Gill Sans Nova" panose="020B0602020104020203" pitchFamily="34" charset="0"/>
-              </a:rPr>
-              <a:t>E63 </a:t>
-            </a:r>
-            <a:r>
-              <a:rPr lang="fr-FR" sz="1000" dirty="0" err="1">
-                <a:solidFill>
-                  <a:schemeClr val="bg1"/>
-                </a:solidFill>
-                <a:latin typeface="Gill Sans Nova" panose="020B0602020104020203" pitchFamily="34" charset="0"/>
-              </a:rPr>
-              <a:t>Beginning</a:t>
-            </a:r>
-            <a:r>
-              <a:rPr lang="fr-FR" sz="1000" dirty="0">
-                <a:solidFill>
-                  <a:schemeClr val="bg1"/>
-                </a:solidFill>
-                <a:latin typeface="Gill Sans Nova" panose="020B0602020104020203" pitchFamily="34" charset="0"/>
-              </a:rPr>
-              <a:t> of Existence</a:t>
-            </a:r>
-          </a:p>
-        </p:txBody>
-      </p:sp>
-      <p:sp>
-        <p:nvSpPr>
-          <p:cNvPr id="305" name="Rectangle : coins arrondis 304">
-            <a:extLst>
-              <a:ext uri="{FF2B5EF4-FFF2-40B4-BE49-F238E27FC236}">
-                <a16:creationId xmlns:a16="http://schemas.microsoft.com/office/drawing/2014/main" id="{064A9CBD-E352-42F1-A05C-0AB6D08774C6}"/>
+                  <a:schemeClr val="tx1"/>
+                </a:solidFill>
+                <a:latin typeface="Gill Sans Nova" panose="020B0602020104020203" pitchFamily="34" charset="0"/>
+              </a:rPr>
+              <a:t>E52 Time-Span</a:t>
+            </a:r>
+          </a:p>
+        </p:txBody>
+      </p:sp>
+      <p:cxnSp>
+        <p:nvCxnSpPr>
+          <p:cNvPr id="307" name="Connecteur droit avec flèche 306">
+            <a:extLst>
+              <a:ext uri="{FF2B5EF4-FFF2-40B4-BE49-F238E27FC236}">
+                <a16:creationId xmlns:a16="http://schemas.microsoft.com/office/drawing/2014/main" id="{B47F3C41-FE45-4C1E-B52B-3B231B04F0F7}"/>
+              </a:ext>
+            </a:extLst>
+          </p:cNvPr>
+          <p:cNvCxnSpPr>
+            <a:cxnSpLocks/>
+          </p:cNvCxnSpPr>
+          <p:nvPr/>
+        </p:nvCxnSpPr>
+        <p:spPr>
+          <a:xfrm flipV="1">
+            <a:off x="29218955" y="6536834"/>
+            <a:ext cx="607721" cy="737594"/>
+          </a:xfrm>
+          <a:prstGeom prst="straightConnector1">
+            <a:avLst/>
+          </a:prstGeom>
+          <a:ln>
+            <a:tailEnd type="triangle"/>
+          </a:ln>
+        </p:spPr>
+        <p:style>
+          <a:lnRef idx="1">
+            <a:schemeClr val="dk1"/>
+          </a:lnRef>
+          <a:fillRef idx="0">
+            <a:schemeClr val="dk1"/>
+          </a:fillRef>
+          <a:effectRef idx="0">
+            <a:schemeClr val="dk1"/>
+          </a:effectRef>
+          <a:fontRef idx="minor">
+            <a:schemeClr val="tx1"/>
+          </a:fontRef>
+        </p:style>
+      </p:cxnSp>
+      <p:cxnSp>
+        <p:nvCxnSpPr>
+          <p:cNvPr id="309" name="Connecteur droit avec flèche 308">
+            <a:extLst>
+              <a:ext uri="{FF2B5EF4-FFF2-40B4-BE49-F238E27FC236}">
+                <a16:creationId xmlns:a16="http://schemas.microsoft.com/office/drawing/2014/main" id="{65C4FD4C-6066-4CF6-85CB-55DC36A5EBB1}"/>
+              </a:ext>
+            </a:extLst>
+          </p:cNvPr>
+          <p:cNvCxnSpPr>
+            <a:stCxn id="300" idx="1"/>
+            <a:endCxn id="305" idx="3"/>
+          </p:cNvCxnSpPr>
+          <p:nvPr/>
+        </p:nvCxnSpPr>
+        <p:spPr>
+          <a:xfrm flipH="1" flipV="1">
+            <a:off x="26834974" y="7571654"/>
+            <a:ext cx="1376452" cy="10587"/>
+          </a:xfrm>
+          <a:prstGeom prst="straightConnector1">
+            <a:avLst/>
+          </a:prstGeom>
+          <a:ln>
+            <a:tailEnd type="triangle"/>
+          </a:ln>
+        </p:spPr>
+        <p:style>
+          <a:lnRef idx="1">
+            <a:schemeClr val="dk1"/>
+          </a:lnRef>
+          <a:fillRef idx="0">
+            <a:schemeClr val="dk1"/>
+          </a:fillRef>
+          <a:effectRef idx="0">
+            <a:schemeClr val="dk1"/>
+          </a:effectRef>
+          <a:fontRef idx="minor">
+            <a:schemeClr val="tx1"/>
+          </a:fontRef>
+        </p:style>
+      </p:cxnSp>
+      <p:sp>
+        <p:nvSpPr>
+          <p:cNvPr id="312" name="ZoneTexte 311">
+            <a:extLst>
+              <a:ext uri="{FF2B5EF4-FFF2-40B4-BE49-F238E27FC236}">
+                <a16:creationId xmlns:a16="http://schemas.microsoft.com/office/drawing/2014/main" id="{1EB1E6F8-C471-4916-A2A7-D21E9AF50D29}"/>
+              </a:ext>
+            </a:extLst>
+          </p:cNvPr>
+          <p:cNvSpPr txBox="1"/>
+          <p:nvPr/>
+        </p:nvSpPr>
+        <p:spPr>
+          <a:xfrm>
+            <a:off x="26867552" y="7321453"/>
+            <a:ext cx="1398356" cy="253916"/>
+          </a:xfrm>
+          <a:prstGeom prst="rect">
+            <a:avLst/>
+          </a:prstGeom>
+          <a:noFill/>
+        </p:spPr>
+        <p:txBody>
+          <a:bodyPr wrap="square" rtlCol="0">
+            <a:spAutoFit/>
+          </a:bodyPr>
+          <a:lstStyle/>
+          <a:p>
+            <a:pPr algn="ctr"/>
+            <a:r>
+              <a:rPr lang="fr-FR" sz="1000" i="1" dirty="0">
+                <a:latin typeface="Gill Sans Nova" panose="020B0602020104020203" pitchFamily="34" charset="0"/>
+              </a:rPr>
+              <a:t>P4 has time-</a:t>
+            </a:r>
+            <a:r>
+              <a:rPr lang="fr-FR" sz="1000" i="1" dirty="0" err="1">
+                <a:latin typeface="Gill Sans Nova" panose="020B0602020104020203" pitchFamily="34" charset="0"/>
+              </a:rPr>
+              <a:t>span</a:t>
+            </a:r>
+            <a:endParaRPr lang="fr-FR" sz="1000" i="1" dirty="0">
+              <a:latin typeface="Gill Sans Nova" panose="020B0602020104020203" pitchFamily="34" charset="0"/>
+            </a:endParaRPr>
+          </a:p>
+        </p:txBody>
+      </p:sp>
+      <p:sp>
+        <p:nvSpPr>
+          <p:cNvPr id="313" name="ZoneTexte 312">
+            <a:extLst>
+              <a:ext uri="{FF2B5EF4-FFF2-40B4-BE49-F238E27FC236}">
+                <a16:creationId xmlns:a16="http://schemas.microsoft.com/office/drawing/2014/main" id="{D97C9065-F969-4723-BBC2-9A23DD4DC14B}"/>
+              </a:ext>
+            </a:extLst>
+          </p:cNvPr>
+          <p:cNvSpPr txBox="1"/>
+          <p:nvPr/>
+        </p:nvSpPr>
+        <p:spPr>
+          <a:xfrm>
+            <a:off x="28619531" y="6703567"/>
+            <a:ext cx="984378" cy="400110"/>
+          </a:xfrm>
+          <a:prstGeom prst="rect">
+            <a:avLst/>
+          </a:prstGeom>
+          <a:noFill/>
+        </p:spPr>
+        <p:txBody>
+          <a:bodyPr wrap="square" rtlCol="0">
+            <a:spAutoFit/>
+          </a:bodyPr>
+          <a:lstStyle/>
+          <a:p>
+            <a:pPr algn="ctr"/>
+            <a:r>
+              <a:rPr lang="fr-FR" sz="1000" i="1" dirty="0">
+                <a:latin typeface="Gill Sans Nova" panose="020B0602020104020203" pitchFamily="34" charset="0"/>
+              </a:rPr>
+              <a:t>P92 </a:t>
+            </a:r>
+            <a:r>
+              <a:rPr lang="fr-FR" sz="1000" i="1" dirty="0" err="1">
+                <a:latin typeface="Gill Sans Nova" panose="020B0602020104020203" pitchFamily="34" charset="0"/>
+              </a:rPr>
+              <a:t>brought</a:t>
+            </a:r>
+            <a:r>
+              <a:rPr lang="fr-FR" sz="1000" i="1" dirty="0">
+                <a:latin typeface="Gill Sans Nova" panose="020B0602020104020203" pitchFamily="34" charset="0"/>
+              </a:rPr>
+              <a:t> </a:t>
+            </a:r>
+            <a:r>
+              <a:rPr lang="fr-FR" sz="1000" i="1" dirty="0" err="1">
+                <a:latin typeface="Gill Sans Nova" panose="020B0602020104020203" pitchFamily="34" charset="0"/>
+              </a:rPr>
+              <a:t>into</a:t>
+            </a:r>
+            <a:r>
+              <a:rPr lang="fr-FR" sz="1000" i="1" dirty="0">
+                <a:latin typeface="Gill Sans Nova" panose="020B0602020104020203" pitchFamily="34" charset="0"/>
+              </a:rPr>
+              <a:t> existence</a:t>
+            </a:r>
+          </a:p>
+        </p:txBody>
+      </p:sp>
+      <p:sp>
+        <p:nvSpPr>
+          <p:cNvPr id="319" name="Rectangle : coins arrondis 318">
+            <a:extLst>
+              <a:ext uri="{FF2B5EF4-FFF2-40B4-BE49-F238E27FC236}">
+                <a16:creationId xmlns:a16="http://schemas.microsoft.com/office/drawing/2014/main" id="{158019D3-31C6-4759-AA6A-F4526287CEE9}"/>
               </a:ext>
             </a:extLst>
           </p:cNvPr>
@@ -14359,18 +14039,13 @@
         </p:nvSpPr>
         <p:spPr>
           <a:xfrm>
-            <a:off x="25239039" y="8256726"/>
+            <a:off x="24640546" y="8123717"/>
             <a:ext cx="976814" cy="458655"/>
           </a:xfrm>
           <a:prstGeom prst="roundRect">
             <a:avLst/>
           </a:prstGeom>
-          <a:solidFill>
-            <a:schemeClr val="accent6">
-              <a:lumMod val="40000"/>
-              <a:lumOff val="60000"/>
-            </a:schemeClr>
-          </a:solidFill>
+          <a:noFill/>
           <a:ln w="12700">
             <a:noFill/>
           </a:ln>
@@ -14401,31 +14076,256 @@
                 </a:solidFill>
                 <a:latin typeface="Gill Sans Nova" panose="020B0602020104020203" pitchFamily="34" charset="0"/>
               </a:rPr>
-              <a:t>E52 Time-Span</a:t>
+              <a:t>« 1672-01 »</a:t>
             </a:r>
           </a:p>
         </p:txBody>
       </p:sp>
       <p:cxnSp>
         <p:nvCxnSpPr>
-          <p:cNvPr id="307" name="Connecteur droit avec flèche 306">
-            <a:extLst>
-              <a:ext uri="{FF2B5EF4-FFF2-40B4-BE49-F238E27FC236}">
-                <a16:creationId xmlns:a16="http://schemas.microsoft.com/office/drawing/2014/main" id="{B47F3C41-FE45-4C1E-B52B-3B231B04F0F7}"/>
+          <p:cNvPr id="321" name="Connecteur : en arc 320">
+            <a:extLst>
+              <a:ext uri="{FF2B5EF4-FFF2-40B4-BE49-F238E27FC236}">
+                <a16:creationId xmlns:a16="http://schemas.microsoft.com/office/drawing/2014/main" id="{B1A1698C-A8C1-4041-A2F8-00ABF52A32CF}"/>
+              </a:ext>
+            </a:extLst>
+          </p:cNvPr>
+          <p:cNvCxnSpPr>
+            <a:stCxn id="305" idx="1"/>
+            <a:endCxn id="319" idx="0"/>
+          </p:cNvCxnSpPr>
+          <p:nvPr/>
+        </p:nvCxnSpPr>
+        <p:spPr>
+          <a:xfrm rot="10800000" flipV="1">
+            <a:off x="25128958" y="7571654"/>
+            <a:ext cx="729208" cy="552063"/>
+          </a:xfrm>
+          <a:prstGeom prst="curvedConnector2">
+            <a:avLst/>
+          </a:prstGeom>
+          <a:ln>
+            <a:tailEnd type="triangle"/>
+          </a:ln>
+        </p:spPr>
+        <p:style>
+          <a:lnRef idx="1">
+            <a:schemeClr val="dk1"/>
+          </a:lnRef>
+          <a:fillRef idx="0">
+            <a:schemeClr val="dk1"/>
+          </a:fillRef>
+          <a:effectRef idx="0">
+            <a:schemeClr val="dk1"/>
+          </a:effectRef>
+          <a:fontRef idx="minor">
+            <a:schemeClr val="tx1"/>
+          </a:fontRef>
+        </p:style>
+      </p:cxnSp>
+      <p:sp>
+        <p:nvSpPr>
+          <p:cNvPr id="322" name="ZoneTexte 321">
+            <a:extLst>
+              <a:ext uri="{FF2B5EF4-FFF2-40B4-BE49-F238E27FC236}">
+                <a16:creationId xmlns:a16="http://schemas.microsoft.com/office/drawing/2014/main" id="{45FDA39D-27A0-4A78-9FC1-B7E5D03559DC}"/>
+              </a:ext>
+            </a:extLst>
+          </p:cNvPr>
+          <p:cNvSpPr txBox="1"/>
+          <p:nvPr/>
+        </p:nvSpPr>
+        <p:spPr>
+          <a:xfrm>
+            <a:off x="24638171" y="7368539"/>
+            <a:ext cx="976814" cy="400110"/>
+          </a:xfrm>
+          <a:prstGeom prst="rect">
+            <a:avLst/>
+          </a:prstGeom>
+          <a:noFill/>
+        </p:spPr>
+        <p:txBody>
+          <a:bodyPr wrap="square" rtlCol="0">
+            <a:spAutoFit/>
+          </a:bodyPr>
+          <a:lstStyle/>
+          <a:p>
+            <a:pPr algn="ctr"/>
+            <a:r>
+              <a:rPr lang="fr-FR" sz="1000" i="1" dirty="0">
+                <a:latin typeface="Gill Sans Nova" panose="020B0602020104020203" pitchFamily="34" charset="0"/>
+              </a:rPr>
+              <a:t>P80 end </a:t>
+            </a:r>
+            <a:r>
+              <a:rPr lang="fr-FR" sz="1000" i="1" dirty="0" err="1">
+                <a:latin typeface="Gill Sans Nova" panose="020B0602020104020203" pitchFamily="34" charset="0"/>
+              </a:rPr>
+              <a:t>is</a:t>
+            </a:r>
+            <a:r>
+              <a:rPr lang="fr-FR" sz="1000" i="1" dirty="0">
+                <a:latin typeface="Gill Sans Nova" panose="020B0602020104020203" pitchFamily="34" charset="0"/>
+              </a:rPr>
+              <a:t> </a:t>
+            </a:r>
+            <a:r>
+              <a:rPr lang="fr-FR" sz="1000" i="1" dirty="0" err="1">
+                <a:latin typeface="Gill Sans Nova" panose="020B0602020104020203" pitchFamily="34" charset="0"/>
+              </a:rPr>
+              <a:t>qualified</a:t>
+            </a:r>
+            <a:r>
+              <a:rPr lang="fr-FR" sz="1000" i="1" dirty="0">
+                <a:latin typeface="Gill Sans Nova" panose="020B0602020104020203" pitchFamily="34" charset="0"/>
+              </a:rPr>
+              <a:t> by</a:t>
+            </a:r>
+          </a:p>
+        </p:txBody>
+      </p:sp>
+      <p:cxnSp>
+        <p:nvCxnSpPr>
+          <p:cNvPr id="9" name="Connecteur : en arc 8">
+            <a:extLst>
+              <a:ext uri="{FF2B5EF4-FFF2-40B4-BE49-F238E27FC236}">
+                <a16:creationId xmlns:a16="http://schemas.microsoft.com/office/drawing/2014/main" id="{BD1A3EB3-1D6C-4945-BB45-A143C6513823}"/>
+              </a:ext>
+            </a:extLst>
+          </p:cNvPr>
+          <p:cNvCxnSpPr>
+            <a:endCxn id="1323" idx="1"/>
+          </p:cNvCxnSpPr>
+          <p:nvPr/>
+        </p:nvCxnSpPr>
+        <p:spPr>
+          <a:xfrm rot="5400000" flipH="1" flipV="1">
+            <a:off x="12735534" y="25466116"/>
+            <a:ext cx="4812809" cy="2237606"/>
+          </a:xfrm>
+          <a:prstGeom prst="curvedConnector2">
+            <a:avLst/>
+          </a:prstGeom>
+          <a:ln w="12700">
+            <a:solidFill>
+              <a:srgbClr val="8A6868"/>
+            </a:solidFill>
+            <a:prstDash val="sysDot"/>
+            <a:tailEnd type="triangle"/>
+          </a:ln>
+        </p:spPr>
+        <p:style>
+          <a:lnRef idx="1">
+            <a:schemeClr val="dk1"/>
+          </a:lnRef>
+          <a:fillRef idx="0">
+            <a:schemeClr val="dk1"/>
+          </a:fillRef>
+          <a:effectRef idx="0">
+            <a:schemeClr val="dk1"/>
+          </a:effectRef>
+          <a:fontRef idx="minor">
+            <a:schemeClr val="tx1"/>
+          </a:fontRef>
+        </p:style>
+      </p:cxnSp>
+      <p:sp>
+        <p:nvSpPr>
+          <p:cNvPr id="11" name="ZoneTexte 10">
+            <a:extLst>
+              <a:ext uri="{FF2B5EF4-FFF2-40B4-BE49-F238E27FC236}">
+                <a16:creationId xmlns:a16="http://schemas.microsoft.com/office/drawing/2014/main" id="{9D318049-5AFA-4F4B-B9D2-8778294A518F}"/>
+              </a:ext>
+            </a:extLst>
+          </p:cNvPr>
+          <p:cNvSpPr txBox="1"/>
+          <p:nvPr/>
+        </p:nvSpPr>
+        <p:spPr>
+          <a:xfrm>
+            <a:off x="13354437" y="25933982"/>
+            <a:ext cx="1242988" cy="246221"/>
+          </a:xfrm>
+          <a:prstGeom prst="rect">
+            <a:avLst/>
+          </a:prstGeom>
+          <a:noFill/>
+        </p:spPr>
+        <p:txBody>
+          <a:bodyPr wrap="square" rtlCol="0">
+            <a:spAutoFit/>
+          </a:bodyPr>
+          <a:lstStyle/>
+          <a:p>
+            <a:pPr algn="ctr"/>
+            <a:r>
+              <a:rPr lang="fr-FR" sz="1000" i="1" dirty="0">
+                <a:solidFill>
+                  <a:srgbClr val="8A6868"/>
+                </a:solidFill>
+                <a:latin typeface="Gill Sans Nova" panose="020B0602020104020203" pitchFamily="34" charset="0"/>
+              </a:rPr>
+              <a:t>P121 </a:t>
+            </a:r>
+            <a:r>
+              <a:rPr lang="fr-FR" sz="1000" i="1" dirty="0" err="1">
+                <a:solidFill>
+                  <a:srgbClr val="8A6868"/>
+                </a:solidFill>
+                <a:latin typeface="Gill Sans Nova" panose="020B0602020104020203" pitchFamily="34" charset="0"/>
+              </a:rPr>
+              <a:t>overlaps</a:t>
+            </a:r>
+            <a:r>
+              <a:rPr lang="fr-FR" sz="1000" i="1" dirty="0">
+                <a:solidFill>
+                  <a:srgbClr val="8A6868"/>
+                </a:solidFill>
+                <a:latin typeface="Gill Sans Nova" panose="020B0602020104020203" pitchFamily="34" charset="0"/>
+              </a:rPr>
+              <a:t> </a:t>
+            </a:r>
+            <a:r>
+              <a:rPr lang="fr-FR" sz="1000" i="1" dirty="0" err="1">
+                <a:solidFill>
+                  <a:srgbClr val="8A6868"/>
+                </a:solidFill>
+                <a:latin typeface="Gill Sans Nova" panose="020B0602020104020203" pitchFamily="34" charset="0"/>
+              </a:rPr>
+              <a:t>with</a:t>
+            </a:r>
+            <a:endParaRPr lang="fr-FR" sz="1000" i="1" dirty="0">
+              <a:solidFill>
+                <a:srgbClr val="8A6868"/>
+              </a:solidFill>
+              <a:latin typeface="Gill Sans Nova" panose="020B0602020104020203" pitchFamily="34" charset="0"/>
+            </a:endParaRPr>
+          </a:p>
+        </p:txBody>
+      </p:sp>
+      <p:cxnSp>
+        <p:nvCxnSpPr>
+          <p:cNvPr id="22" name="Connecteur : en arc 21">
+            <a:extLst>
+              <a:ext uri="{FF2B5EF4-FFF2-40B4-BE49-F238E27FC236}">
+                <a16:creationId xmlns:a16="http://schemas.microsoft.com/office/drawing/2014/main" id="{0D6C2BEB-0044-465F-8740-423945CB2ADF}"/>
               </a:ext>
             </a:extLst>
           </p:cNvPr>
           <p:cNvCxnSpPr>
             <a:cxnSpLocks/>
+            <a:stCxn id="929" idx="0"/>
+            <a:endCxn id="926" idx="2"/>
           </p:cNvCxnSpPr>
           <p:nvPr/>
         </p:nvCxnSpPr>
         <p:spPr>
-          <a:xfrm flipV="1">
-            <a:off x="28599828" y="7451234"/>
-            <a:ext cx="607721" cy="737594"/>
-          </a:xfrm>
-          <a:prstGeom prst="straightConnector1">
+          <a:xfrm rot="16200000" flipV="1">
+            <a:off x="25705316" y="5213747"/>
+            <a:ext cx="1113893" cy="346554"/>
+          </a:xfrm>
+          <a:prstGeom prst="curvedConnector3">
             <a:avLst/>
           </a:prstGeom>
           <a:ln>
@@ -14449,23 +14349,22 @@
       </p:cxnSp>
       <p:cxnSp>
         <p:nvCxnSpPr>
-          <p:cNvPr id="309" name="Connecteur droit avec flèche 308">
-            <a:extLst>
-              <a:ext uri="{FF2B5EF4-FFF2-40B4-BE49-F238E27FC236}">
-                <a16:creationId xmlns:a16="http://schemas.microsoft.com/office/drawing/2014/main" id="{65C4FD4C-6066-4CF6-85CB-55DC36A5EBB1}"/>
+          <p:cNvPr id="24" name="Connecteur droit avec flèche 23">
+            <a:extLst>
+              <a:ext uri="{FF2B5EF4-FFF2-40B4-BE49-F238E27FC236}">
+                <a16:creationId xmlns:a16="http://schemas.microsoft.com/office/drawing/2014/main" id="{FFB4E7FA-7777-4CC0-8E17-624378203DD3}"/>
               </a:ext>
             </a:extLst>
           </p:cNvPr>
           <p:cNvCxnSpPr>
-            <a:stCxn id="300" idx="1"/>
-            <a:endCxn id="305" idx="3"/>
+            <a:cxnSpLocks/>
           </p:cNvCxnSpPr>
           <p:nvPr/>
         </p:nvCxnSpPr>
         <p:spPr>
           <a:xfrm flipH="1" flipV="1">
-            <a:off x="26215847" y="8486054"/>
-            <a:ext cx="1376452" cy="10587"/>
+            <a:off x="28713671" y="5132376"/>
+            <a:ext cx="1088327" cy="801673"/>
           </a:xfrm>
           <a:prstGeom prst="straightConnector1">
             <a:avLst/>
@@ -14491,119 +14390,10 @@
       </p:cxnSp>
       <p:sp>
         <p:nvSpPr>
-          <p:cNvPr id="312" name="ZoneTexte 311">
-            <a:extLst>
-              <a:ext uri="{FF2B5EF4-FFF2-40B4-BE49-F238E27FC236}">
-                <a16:creationId xmlns:a16="http://schemas.microsoft.com/office/drawing/2014/main" id="{1EB1E6F8-C471-4916-A2A7-D21E9AF50D29}"/>
-              </a:ext>
-            </a:extLst>
-          </p:cNvPr>
-          <p:cNvSpPr txBox="1"/>
-          <p:nvPr/>
-        </p:nvSpPr>
-        <p:spPr>
-          <a:xfrm>
-            <a:off x="26248425" y="8235853"/>
-            <a:ext cx="1398356" cy="253916"/>
-          </a:xfrm>
-          <a:prstGeom prst="rect">
-            <a:avLst/>
-          </a:prstGeom>
-          <a:noFill/>
-        </p:spPr>
-        <p:txBody>
-          <a:bodyPr wrap="square" rtlCol="0">
-            <a:spAutoFit/>
-          </a:bodyPr>
-          <a:lstStyle/>
-          <a:p>
-            <a:pPr algn="ctr"/>
-            <a:r>
-              <a:rPr lang="fr-FR" sz="1000" i="1" dirty="0">
-                <a:latin typeface="Gill Sans Nova" panose="020B0602020104020203" pitchFamily="34" charset="0"/>
-              </a:rPr>
-              <a:t>P4 has time-</a:t>
-            </a:r>
-            <a:r>
-              <a:rPr lang="fr-FR" sz="1000" i="1" dirty="0" err="1">
-                <a:latin typeface="Gill Sans Nova" panose="020B0602020104020203" pitchFamily="34" charset="0"/>
-              </a:rPr>
-              <a:t>span</a:t>
-            </a:r>
-            <a:endParaRPr lang="fr-FR" sz="1000" i="1" dirty="0">
-              <a:latin typeface="Gill Sans Nova" panose="020B0602020104020203" pitchFamily="34" charset="0"/>
-            </a:endParaRPr>
-          </a:p>
-        </p:txBody>
-      </p:sp>
-      <p:sp>
-        <p:nvSpPr>
-          <p:cNvPr id="313" name="ZoneTexte 312">
-            <a:extLst>
-              <a:ext uri="{FF2B5EF4-FFF2-40B4-BE49-F238E27FC236}">
-                <a16:creationId xmlns:a16="http://schemas.microsoft.com/office/drawing/2014/main" id="{D97C9065-F969-4723-BBC2-9A23DD4DC14B}"/>
-              </a:ext>
-            </a:extLst>
-          </p:cNvPr>
-          <p:cNvSpPr txBox="1"/>
-          <p:nvPr/>
-        </p:nvSpPr>
-        <p:spPr>
-          <a:xfrm>
-            <a:off x="28000404" y="7617967"/>
-            <a:ext cx="984378" cy="400110"/>
-          </a:xfrm>
-          <a:prstGeom prst="rect">
-            <a:avLst/>
-          </a:prstGeom>
-          <a:noFill/>
-        </p:spPr>
-        <p:txBody>
-          <a:bodyPr wrap="square" rtlCol="0">
-            <a:spAutoFit/>
-          </a:bodyPr>
-          <a:lstStyle/>
-          <a:p>
-            <a:pPr algn="ctr"/>
-            <a:r>
-              <a:rPr lang="fr-FR" sz="1000" i="1" dirty="0">
-                <a:latin typeface="Gill Sans Nova" panose="020B0602020104020203" pitchFamily="34" charset="0"/>
-              </a:rPr>
-              <a:t>P92 </a:t>
-            </a:r>
-            <a:r>
-              <a:rPr lang="fr-FR" sz="1000" i="1" dirty="0" err="1">
-                <a:latin typeface="Gill Sans Nova" panose="020B0602020104020203" pitchFamily="34" charset="0"/>
-              </a:rPr>
-              <a:t>brought</a:t>
-            </a:r>
-            <a:r>
-              <a:rPr lang="fr-FR" sz="1000" i="1" dirty="0">
-                <a:latin typeface="Gill Sans Nova" panose="020B0602020104020203" pitchFamily="34" charset="0"/>
-              </a:rPr>
-              <a:t> </a:t>
-            </a:r>
-            <a:r>
-              <a:rPr lang="fr-FR" sz="1000" i="1" dirty="0" err="1">
-                <a:latin typeface="Gill Sans Nova" panose="020B0602020104020203" pitchFamily="34" charset="0"/>
-              </a:rPr>
-              <a:t>into</a:t>
-            </a:r>
-            <a:r>
-              <a:rPr lang="fr-FR" sz="1000" i="1" dirty="0">
-                <a:latin typeface="Gill Sans Nova" panose="020B0602020104020203" pitchFamily="34" charset="0"/>
-              </a:rPr>
-              <a:t> existence</a:t>
-            </a:r>
-          </a:p>
-        </p:txBody>
-      </p:sp>
-      <p:sp>
-        <p:nvSpPr>
-          <p:cNvPr id="319" name="Rectangle : coins arrondis 318">
-            <a:extLst>
-              <a:ext uri="{FF2B5EF4-FFF2-40B4-BE49-F238E27FC236}">
-                <a16:creationId xmlns:a16="http://schemas.microsoft.com/office/drawing/2014/main" id="{158019D3-31C6-4759-AA6A-F4526287CEE9}"/>
+          <p:cNvPr id="2" name="Rectangle : coins arrondis 1">
+            <a:extLst>
+              <a:ext uri="{FF2B5EF4-FFF2-40B4-BE49-F238E27FC236}">
+                <a16:creationId xmlns:a16="http://schemas.microsoft.com/office/drawing/2014/main" id="{244EA3A0-42AF-427C-ABC0-D71EF28A7957}"/>
               </a:ext>
             </a:extLst>
           </p:cNvPr>
@@ -14612,14 +14402,16 @@
         </p:nvSpPr>
         <p:spPr>
           <a:xfrm>
-            <a:off x="24021419" y="9038117"/>
-            <a:ext cx="976814" cy="458655"/>
+            <a:off x="13989849" y="10890439"/>
+            <a:ext cx="1845219" cy="268549"/>
           </a:xfrm>
           <a:prstGeom prst="roundRect">
             <a:avLst/>
           </a:prstGeom>
-          <a:noFill/>
-          <a:ln w="12700">
+          <a:solidFill>
+            <a:schemeClr val="bg1"/>
+          </a:solidFill>
+          <a:ln w="19050">
             <a:noFill/>
           </a:ln>
         </p:spPr>
@@ -14638,7 +14430,7 @@
           </a:fontRef>
         </p:style>
         <p:txBody>
-          <a:bodyPr rtlCol="0" anchor="ctr"/>
+          <a:bodyPr rtlCol="0" anchor="t"/>
           <a:lstStyle/>
           <a:p>
             <a:pPr algn="ctr"/>
@@ -14647,325 +14439,18 @@
                 <a:solidFill>
                   <a:schemeClr val="tx1"/>
                 </a:solidFill>
-                <a:latin typeface="Gill Sans Nova" panose="020B0602020104020203" pitchFamily="34" charset="0"/>
-              </a:rPr>
-              <a:t>« 1672-01 »</a:t>
-            </a:r>
-          </a:p>
-        </p:txBody>
-      </p:sp>
-      <p:cxnSp>
-        <p:nvCxnSpPr>
-          <p:cNvPr id="321" name="Connecteur : en arc 320">
-            <a:extLst>
-              <a:ext uri="{FF2B5EF4-FFF2-40B4-BE49-F238E27FC236}">
-                <a16:creationId xmlns:a16="http://schemas.microsoft.com/office/drawing/2014/main" id="{B1A1698C-A8C1-4041-A2F8-00ABF52A32CF}"/>
-              </a:ext>
-            </a:extLst>
-          </p:cNvPr>
-          <p:cNvCxnSpPr>
-            <a:stCxn id="305" idx="1"/>
-            <a:endCxn id="319" idx="0"/>
-          </p:cNvCxnSpPr>
-          <p:nvPr/>
-        </p:nvCxnSpPr>
-        <p:spPr>
-          <a:xfrm rot="10800000" flipV="1">
-            <a:off x="24509831" y="8486054"/>
-            <a:ext cx="729208" cy="552063"/>
-          </a:xfrm>
-          <a:prstGeom prst="curvedConnector2">
-            <a:avLst/>
-          </a:prstGeom>
-          <a:ln>
-            <a:tailEnd type="triangle"/>
-          </a:ln>
-        </p:spPr>
-        <p:style>
-          <a:lnRef idx="1">
-            <a:schemeClr val="dk1"/>
-          </a:lnRef>
-          <a:fillRef idx="0">
-            <a:schemeClr val="dk1"/>
-          </a:fillRef>
-          <a:effectRef idx="0">
-            <a:schemeClr val="dk1"/>
-          </a:effectRef>
-          <a:fontRef idx="minor">
-            <a:schemeClr val="tx1"/>
-          </a:fontRef>
-        </p:style>
-      </p:cxnSp>
-      <p:sp>
-        <p:nvSpPr>
-          <p:cNvPr id="322" name="ZoneTexte 321">
-            <a:extLst>
-              <a:ext uri="{FF2B5EF4-FFF2-40B4-BE49-F238E27FC236}">
-                <a16:creationId xmlns:a16="http://schemas.microsoft.com/office/drawing/2014/main" id="{45FDA39D-27A0-4A78-9FC1-B7E5D03559DC}"/>
-              </a:ext>
-            </a:extLst>
-          </p:cNvPr>
-          <p:cNvSpPr txBox="1"/>
-          <p:nvPr/>
-        </p:nvSpPr>
-        <p:spPr>
-          <a:xfrm>
-            <a:off x="24019044" y="8282939"/>
-            <a:ext cx="976814" cy="400110"/>
-          </a:xfrm>
-          <a:prstGeom prst="rect">
-            <a:avLst/>
-          </a:prstGeom>
-          <a:noFill/>
-        </p:spPr>
-        <p:txBody>
-          <a:bodyPr wrap="square" rtlCol="0">
-            <a:spAutoFit/>
-          </a:bodyPr>
-          <a:lstStyle/>
-          <a:p>
-            <a:pPr algn="ctr"/>
-            <a:r>
-              <a:rPr lang="fr-FR" sz="1000" i="1" dirty="0">
-                <a:latin typeface="Gill Sans Nova" panose="020B0602020104020203" pitchFamily="34" charset="0"/>
-              </a:rPr>
-              <a:t>P80 end </a:t>
-            </a:r>
-            <a:r>
-              <a:rPr lang="fr-FR" sz="1000" i="1" dirty="0" err="1">
-                <a:latin typeface="Gill Sans Nova" panose="020B0602020104020203" pitchFamily="34" charset="0"/>
-              </a:rPr>
-              <a:t>is</a:t>
-            </a:r>
-            <a:r>
-              <a:rPr lang="fr-FR" sz="1000" i="1" dirty="0">
-                <a:latin typeface="Gill Sans Nova" panose="020B0602020104020203" pitchFamily="34" charset="0"/>
-              </a:rPr>
-              <a:t> </a:t>
-            </a:r>
-            <a:r>
-              <a:rPr lang="fr-FR" sz="1000" i="1" dirty="0" err="1">
-                <a:latin typeface="Gill Sans Nova" panose="020B0602020104020203" pitchFamily="34" charset="0"/>
-              </a:rPr>
-              <a:t>qualified</a:t>
-            </a:r>
-            <a:r>
-              <a:rPr lang="fr-FR" sz="1000" i="1" dirty="0">
-                <a:latin typeface="Gill Sans Nova" panose="020B0602020104020203" pitchFamily="34" charset="0"/>
-              </a:rPr>
-              <a:t> by</a:t>
-            </a:r>
-          </a:p>
-        </p:txBody>
-      </p:sp>
-      <p:cxnSp>
-        <p:nvCxnSpPr>
-          <p:cNvPr id="9" name="Connecteur : en arc 8">
-            <a:extLst>
-              <a:ext uri="{FF2B5EF4-FFF2-40B4-BE49-F238E27FC236}">
-                <a16:creationId xmlns:a16="http://schemas.microsoft.com/office/drawing/2014/main" id="{BD1A3EB3-1D6C-4945-BB45-A143C6513823}"/>
-              </a:ext>
-            </a:extLst>
-          </p:cNvPr>
-          <p:cNvCxnSpPr>
-            <a:endCxn id="1323" idx="1"/>
-          </p:cNvCxnSpPr>
-          <p:nvPr/>
-        </p:nvCxnSpPr>
-        <p:spPr>
-          <a:xfrm rot="5400000" flipH="1" flipV="1">
-            <a:off x="11877394" y="23712714"/>
-            <a:ext cx="4812809" cy="2237606"/>
-          </a:xfrm>
-          <a:prstGeom prst="curvedConnector2">
-            <a:avLst/>
-          </a:prstGeom>
-          <a:ln w="12700">
-            <a:solidFill>
-              <a:srgbClr val="8A6868"/>
-            </a:solidFill>
-            <a:prstDash val="sysDot"/>
-            <a:tailEnd type="triangle"/>
-          </a:ln>
-        </p:spPr>
-        <p:style>
-          <a:lnRef idx="1">
-            <a:schemeClr val="dk1"/>
-          </a:lnRef>
-          <a:fillRef idx="0">
-            <a:schemeClr val="dk1"/>
-          </a:fillRef>
-          <a:effectRef idx="0">
-            <a:schemeClr val="dk1"/>
-          </a:effectRef>
-          <a:fontRef idx="minor">
-            <a:schemeClr val="tx1"/>
-          </a:fontRef>
-        </p:style>
-      </p:cxnSp>
-      <p:sp>
-        <p:nvSpPr>
-          <p:cNvPr id="11" name="ZoneTexte 10">
-            <a:extLst>
-              <a:ext uri="{FF2B5EF4-FFF2-40B4-BE49-F238E27FC236}">
-                <a16:creationId xmlns:a16="http://schemas.microsoft.com/office/drawing/2014/main" id="{9D318049-5AFA-4F4B-B9D2-8778294A518F}"/>
-              </a:ext>
-            </a:extLst>
-          </p:cNvPr>
-          <p:cNvSpPr txBox="1"/>
-          <p:nvPr/>
-        </p:nvSpPr>
-        <p:spPr>
-          <a:xfrm>
-            <a:off x="12496297" y="24180580"/>
-            <a:ext cx="1242988" cy="246221"/>
-          </a:xfrm>
-          <a:prstGeom prst="rect">
-            <a:avLst/>
-          </a:prstGeom>
-          <a:noFill/>
-        </p:spPr>
-        <p:txBody>
-          <a:bodyPr wrap="square" rtlCol="0">
-            <a:spAutoFit/>
-          </a:bodyPr>
-          <a:lstStyle/>
-          <a:p>
-            <a:pPr algn="ctr"/>
-            <a:r>
-              <a:rPr lang="fr-FR" sz="1000" i="1" dirty="0">
-                <a:solidFill>
-                  <a:srgbClr val="8A6868"/>
-                </a:solidFill>
-                <a:latin typeface="Gill Sans Nova" panose="020B0602020104020203" pitchFamily="34" charset="0"/>
-              </a:rPr>
-              <a:t>P121 </a:t>
-            </a:r>
-            <a:r>
-              <a:rPr lang="fr-FR" sz="1000" i="1" dirty="0" err="1">
-                <a:solidFill>
-                  <a:srgbClr val="8A6868"/>
-                </a:solidFill>
-                <a:latin typeface="Gill Sans Nova" panose="020B0602020104020203" pitchFamily="34" charset="0"/>
-              </a:rPr>
-              <a:t>overlaps</a:t>
-            </a:r>
-            <a:r>
-              <a:rPr lang="fr-FR" sz="1000" i="1" dirty="0">
-                <a:solidFill>
-                  <a:srgbClr val="8A6868"/>
-                </a:solidFill>
-                <a:latin typeface="Gill Sans Nova" panose="020B0602020104020203" pitchFamily="34" charset="0"/>
-              </a:rPr>
-              <a:t> </a:t>
-            </a:r>
-            <a:r>
-              <a:rPr lang="fr-FR" sz="1000" i="1" dirty="0" err="1">
-                <a:solidFill>
-                  <a:srgbClr val="8A6868"/>
-                </a:solidFill>
-                <a:latin typeface="Gill Sans Nova" panose="020B0602020104020203" pitchFamily="34" charset="0"/>
-              </a:rPr>
-              <a:t>with</a:t>
-            </a:r>
-            <a:endParaRPr lang="fr-FR" sz="1000" i="1" dirty="0">
-              <a:solidFill>
-                <a:srgbClr val="8A6868"/>
-              </a:solidFill>
-              <a:latin typeface="Gill Sans Nova" panose="020B0602020104020203" pitchFamily="34" charset="0"/>
-            </a:endParaRPr>
-          </a:p>
-        </p:txBody>
-      </p:sp>
-      <p:cxnSp>
-        <p:nvCxnSpPr>
-          <p:cNvPr id="22" name="Connecteur : en arc 21">
-            <a:extLst>
-              <a:ext uri="{FF2B5EF4-FFF2-40B4-BE49-F238E27FC236}">
-                <a16:creationId xmlns:a16="http://schemas.microsoft.com/office/drawing/2014/main" id="{0D6C2BEB-0044-465F-8740-423945CB2ADF}"/>
-              </a:ext>
-            </a:extLst>
-          </p:cNvPr>
-          <p:cNvCxnSpPr>
-            <a:stCxn id="929" idx="0"/>
-            <a:endCxn id="926" idx="2"/>
-          </p:cNvCxnSpPr>
-          <p:nvPr/>
-        </p:nvCxnSpPr>
-        <p:spPr>
-          <a:xfrm rot="16200000" flipV="1">
-            <a:off x="25176636" y="6037695"/>
-            <a:ext cx="1103965" cy="517533"/>
-          </a:xfrm>
-          <a:prstGeom prst="curvedConnector3">
-            <a:avLst/>
-          </a:prstGeom>
-          <a:ln>
-            <a:tailEnd type="triangle"/>
-          </a:ln>
-        </p:spPr>
-        <p:style>
-          <a:lnRef idx="1">
-            <a:schemeClr val="dk1"/>
-          </a:lnRef>
-          <a:fillRef idx="0">
-            <a:schemeClr val="dk1"/>
-          </a:fillRef>
-          <a:effectRef idx="0">
-            <a:schemeClr val="dk1"/>
-          </a:effectRef>
-          <a:fontRef idx="minor">
-            <a:schemeClr val="tx1"/>
-          </a:fontRef>
-        </p:style>
-      </p:cxnSp>
-      <p:cxnSp>
-        <p:nvCxnSpPr>
-          <p:cNvPr id="24" name="Connecteur droit avec flèche 23">
-            <a:extLst>
-              <a:ext uri="{FF2B5EF4-FFF2-40B4-BE49-F238E27FC236}">
-                <a16:creationId xmlns:a16="http://schemas.microsoft.com/office/drawing/2014/main" id="{FFB4E7FA-7777-4CC0-8E17-624378203DD3}"/>
-              </a:ext>
-            </a:extLst>
-          </p:cNvPr>
-          <p:cNvCxnSpPr>
-            <a:cxnSpLocks/>
-          </p:cNvCxnSpPr>
-          <p:nvPr/>
-        </p:nvCxnSpPr>
-        <p:spPr>
-          <a:xfrm flipH="1" flipV="1">
-            <a:off x="28094544" y="6046776"/>
-            <a:ext cx="1088327" cy="801673"/>
-          </a:xfrm>
-          <a:prstGeom prst="straightConnector1">
-            <a:avLst/>
-          </a:prstGeom>
-          <a:ln>
-            <a:tailEnd type="triangle"/>
-          </a:ln>
-        </p:spPr>
-        <p:style>
-          <a:lnRef idx="1">
-            <a:schemeClr val="dk1"/>
-          </a:lnRef>
-          <a:fillRef idx="0">
-            <a:schemeClr val="dk1"/>
-          </a:fillRef>
-          <a:effectRef idx="0">
-            <a:schemeClr val="dk1"/>
-          </a:effectRef>
-          <a:fontRef idx="minor">
-            <a:schemeClr val="tx1"/>
-          </a:fontRef>
-        </p:style>
-      </p:cxnSp>
-      <p:sp>
-        <p:nvSpPr>
-          <p:cNvPr id="2" name="Rectangle : coins arrondis 1">
-            <a:extLst>
-              <a:ext uri="{FF2B5EF4-FFF2-40B4-BE49-F238E27FC236}">
-                <a16:creationId xmlns:a16="http://schemas.microsoft.com/office/drawing/2014/main" id="{244EA3A0-42AF-427C-ABC0-D71EF28A7957}"/>
+              </a:rPr>
+              <a:t>« 2020-11-18T06:16:06+0000 »</a:t>
+            </a:r>
+          </a:p>
+        </p:txBody>
+      </p:sp>
+      <p:sp>
+        <p:nvSpPr>
+          <p:cNvPr id="3" name="Rectangle : coins arrondis 2">
+            <a:extLst>
+              <a:ext uri="{FF2B5EF4-FFF2-40B4-BE49-F238E27FC236}">
+                <a16:creationId xmlns:a16="http://schemas.microsoft.com/office/drawing/2014/main" id="{AA3911D9-F769-4D1D-9F1F-3EF9CADCCCE9}"/>
               </a:ext>
             </a:extLst>
           </p:cNvPr>
@@ -14974,7 +14459,7 @@
         </p:nvSpPr>
         <p:spPr>
           <a:xfrm>
-            <a:off x="13370722" y="11804839"/>
+            <a:off x="19254976" y="13374110"/>
             <a:ext cx="1845219" cy="268549"/>
           </a:xfrm>
           <a:prstGeom prst="roundRect">
@@ -15005,7 +14490,6 @@
           <a:bodyPr rtlCol="0" anchor="t"/>
           <a:lstStyle/>
           <a:p>
-            <a:pPr algn="ctr"/>
             <a:r>
               <a:rPr lang="fr-FR" sz="1000" dirty="0">
                 <a:solidFill>
@@ -15019,10 +14503,10 @@
       </p:sp>
       <p:sp>
         <p:nvSpPr>
-          <p:cNvPr id="3" name="Rectangle : coins arrondis 2">
-            <a:extLst>
-              <a:ext uri="{FF2B5EF4-FFF2-40B4-BE49-F238E27FC236}">
-                <a16:creationId xmlns:a16="http://schemas.microsoft.com/office/drawing/2014/main" id="{AA3911D9-F769-4D1D-9F1F-3EF9CADCCCE9}"/>
+          <p:cNvPr id="7" name="Rectangle : coins arrondis 6">
+            <a:extLst>
+              <a:ext uri="{FF2B5EF4-FFF2-40B4-BE49-F238E27FC236}">
+                <a16:creationId xmlns:a16="http://schemas.microsoft.com/office/drawing/2014/main" id="{E2415057-E5BB-4388-A278-2FBCAE86AD2C}"/>
               </a:ext>
             </a:extLst>
           </p:cNvPr>
@@ -15031,16 +14515,16 @@
         </p:nvSpPr>
         <p:spPr>
           <a:xfrm>
-            <a:off x="18635849" y="14288510"/>
-            <a:ext cx="1845219" cy="268549"/>
+            <a:off x="28920343" y="25840857"/>
+            <a:ext cx="949651" cy="608837"/>
           </a:xfrm>
           <a:prstGeom prst="roundRect">
             <a:avLst/>
           </a:prstGeom>
           <a:solidFill>
-            <a:schemeClr val="bg1"/>
+            <a:srgbClr val="F6CACA"/>
           </a:solidFill>
-          <a:ln w="19050">
+          <a:ln w="12700">
             <a:noFill/>
           </a:ln>
         </p:spPr>
@@ -15059,26 +14543,132 @@
           </a:fontRef>
         </p:style>
         <p:txBody>
-          <a:bodyPr rtlCol="0" anchor="t"/>
-          <a:lstStyle/>
-          <a:p>
+          <a:bodyPr rtlCol="0" anchor="ctr"/>
+          <a:lstStyle/>
+          <a:p>
+            <a:pPr algn="ctr"/>
             <a:r>
               <a:rPr lang="fr-FR" sz="1000" dirty="0">
                 <a:solidFill>
                   <a:schemeClr val="tx1"/>
                 </a:solidFill>
-              </a:rPr>
-              <a:t>« 2020-11-18T06:16:06+0000 »</a:t>
-            </a:r>
-          </a:p>
-        </p:txBody>
-      </p:sp>
-      <p:sp>
-        <p:nvSpPr>
-          <p:cNvPr id="7" name="Rectangle : coins arrondis 6">
-            <a:extLst>
-              <a:ext uri="{FF2B5EF4-FFF2-40B4-BE49-F238E27FC236}">
-                <a16:creationId xmlns:a16="http://schemas.microsoft.com/office/drawing/2014/main" id="{E2415057-E5BB-4388-A278-2FBCAE86AD2C}"/>
+                <a:latin typeface="Gill Sans Nova" panose="020B0602020104020203" pitchFamily="34" charset="0"/>
+              </a:rPr>
+              <a:t>E55 Type</a:t>
+            </a:r>
+          </a:p>
+          <a:p>
+            <a:pPr algn="ctr"/>
+            <a:r>
+              <a:rPr lang="fr-FR" sz="1000" i="1">
+                <a:solidFill>
+                  <a:schemeClr val="tx1"/>
+                </a:solidFill>
+                <a:latin typeface="Gill Sans Nova" panose="020B0602020104020203" pitchFamily="34" charset="0"/>
+              </a:rPr>
+              <a:t>« Adhérent </a:t>
+            </a:r>
+            <a:r>
+              <a:rPr lang="fr-FR" sz="1000" i="1" dirty="0">
+                <a:solidFill>
+                  <a:schemeClr val="tx1"/>
+                </a:solidFill>
+                <a:latin typeface="Gill Sans Nova" panose="020B0602020104020203" pitchFamily="34" charset="0"/>
+              </a:rPr>
+              <a:t>»</a:t>
+            </a:r>
+          </a:p>
+        </p:txBody>
+      </p:sp>
+      <p:cxnSp>
+        <p:nvCxnSpPr>
+          <p:cNvPr id="271" name="Connecteur droit avec flèche 1749">
+            <a:extLst>
+              <a:ext uri="{FF2B5EF4-FFF2-40B4-BE49-F238E27FC236}">
+                <a16:creationId xmlns:a16="http://schemas.microsoft.com/office/drawing/2014/main" id="{F1BDEE82-3662-4037-8801-34CCA0A54C4E}"/>
+              </a:ext>
+            </a:extLst>
+          </p:cNvPr>
+          <p:cNvCxnSpPr>
+            <a:cxnSpLocks/>
+            <a:stCxn id="1728" idx="2"/>
+            <a:endCxn id="7" idx="0"/>
+          </p:cNvCxnSpPr>
+          <p:nvPr/>
+        </p:nvCxnSpPr>
+        <p:spPr>
+          <a:xfrm rot="16200000" flipH="1">
+            <a:off x="28697270" y="25142958"/>
+            <a:ext cx="840524" cy="555274"/>
+          </a:xfrm>
+          <a:prstGeom prst="curvedConnector3">
+            <a:avLst>
+              <a:gd name="adj1" fmla="val 50000"/>
+            </a:avLst>
+          </a:prstGeom>
+          <a:ln>
+            <a:tailEnd type="triangle"/>
+          </a:ln>
+        </p:spPr>
+        <p:style>
+          <a:lnRef idx="1">
+            <a:schemeClr val="dk1"/>
+          </a:lnRef>
+          <a:fillRef idx="0">
+            <a:schemeClr val="dk1"/>
+          </a:fillRef>
+          <a:effectRef idx="0">
+            <a:schemeClr val="dk1"/>
+          </a:effectRef>
+          <a:fontRef idx="minor">
+            <a:schemeClr val="tx1"/>
+          </a:fontRef>
+        </p:style>
+      </p:cxnSp>
+      <p:sp>
+        <p:nvSpPr>
+          <p:cNvPr id="15" name="ZoneTexte 14">
+            <a:extLst>
+              <a:ext uri="{FF2B5EF4-FFF2-40B4-BE49-F238E27FC236}">
+                <a16:creationId xmlns:a16="http://schemas.microsoft.com/office/drawing/2014/main" id="{C5B8EBF2-6D1B-4326-A6A2-A6346E9811B9}"/>
+              </a:ext>
+            </a:extLst>
+          </p:cNvPr>
+          <p:cNvSpPr txBox="1"/>
+          <p:nvPr/>
+        </p:nvSpPr>
+        <p:spPr>
+          <a:xfrm>
+            <a:off x="28684435" y="25304895"/>
+            <a:ext cx="1467682" cy="253916"/>
+          </a:xfrm>
+          <a:prstGeom prst="rect">
+            <a:avLst/>
+          </a:prstGeom>
+          <a:noFill/>
+        </p:spPr>
+        <p:txBody>
+          <a:bodyPr wrap="square" rtlCol="0">
+            <a:spAutoFit/>
+          </a:bodyPr>
+          <a:lstStyle/>
+          <a:p>
+            <a:pPr algn="ctr"/>
+            <a:r>
+              <a:rPr lang="fr-FR" sz="1000" i="1" dirty="0">
+                <a:latin typeface="Gill Sans Nova" panose="020B0602020104020203" pitchFamily="34" charset="0"/>
+              </a:rPr>
+              <a:t>P2</a:t>
+            </a:r>
+          </a:p>
+        </p:txBody>
+      </p:sp>
+      <p:sp>
+        <p:nvSpPr>
+          <p:cNvPr id="256" name="Rectangle : coins arrondis 255">
+            <a:extLst>
+              <a:ext uri="{FF2B5EF4-FFF2-40B4-BE49-F238E27FC236}">
+                <a16:creationId xmlns:a16="http://schemas.microsoft.com/office/drawing/2014/main" id="{93A6A91A-76BC-4A4F-B849-B2CB9CDA7C4A}"/>
               </a:ext>
             </a:extLst>
           </p:cNvPr>
@@ -15087,17 +14677,19 @@
         </p:nvSpPr>
         <p:spPr>
           <a:xfrm>
-            <a:off x="28062203" y="24087455"/>
-            <a:ext cx="949651" cy="313087"/>
+            <a:off x="33886093" y="25638042"/>
+            <a:ext cx="1311921" cy="856486"/>
           </a:xfrm>
           <a:prstGeom prst="roundRect">
             <a:avLst/>
           </a:prstGeom>
           <a:solidFill>
-            <a:srgbClr val="F6CACA"/>
+            <a:srgbClr val="FFD1A7"/>
           </a:solidFill>
-          <a:ln w="12700">
-            <a:noFill/>
+          <a:ln w="28575">
+            <a:solidFill>
+              <a:srgbClr val="FFB36D"/>
+            </a:solidFill>
           </a:ln>
         </p:spPr>
         <p:style>
@@ -15126,57 +14718,45 @@
                 </a:solidFill>
                 <a:latin typeface="Gill Sans Nova" panose="020B0602020104020203" pitchFamily="34" charset="0"/>
               </a:rPr>
-              <a:t>E55 Type</a:t>
-            </a:r>
-          </a:p>
-          <a:p>
-            <a:pPr algn="ctr"/>
-            <a:r>
-              <a:rPr lang="fr-FR" sz="1000" i="1">
+              <a:t>E74 Group</a:t>
+            </a:r>
+          </a:p>
+          <a:p>
+            <a:pPr algn="ctr"/>
+            <a:r>
+              <a:rPr lang="fr-FR" sz="1000" i="1" dirty="0">
                 <a:solidFill>
                   <a:schemeClr val="tx1"/>
                 </a:solidFill>
                 <a:latin typeface="Gill Sans Nova" panose="020B0602020104020203" pitchFamily="34" charset="0"/>
               </a:rPr>
-              <a:t>« Adhérent </a:t>
-            </a:r>
-            <a:r>
-              <a:rPr lang="fr-FR" sz="1000" i="1" dirty="0">
-                <a:solidFill>
-                  <a:schemeClr val="tx1"/>
-                </a:solidFill>
-                <a:latin typeface="Gill Sans Nova" panose="020B0602020104020203" pitchFamily="34" charset="0"/>
-              </a:rPr>
-              <a:t>»</a:t>
+              <a:t>(« Communautés de marchands et de bourgeois »)</a:t>
             </a:r>
           </a:p>
         </p:txBody>
       </p:sp>
       <p:cxnSp>
         <p:nvCxnSpPr>
-          <p:cNvPr id="271" name="Connecteur droit avec flèche 1749">
-            <a:extLst>
-              <a:ext uri="{FF2B5EF4-FFF2-40B4-BE49-F238E27FC236}">
-                <a16:creationId xmlns:a16="http://schemas.microsoft.com/office/drawing/2014/main" id="{F1BDEE82-3662-4037-8801-34CCA0A54C4E}"/>
+          <p:cNvPr id="19" name="Connecteur : en arc 18">
+            <a:extLst>
+              <a:ext uri="{FF2B5EF4-FFF2-40B4-BE49-F238E27FC236}">
+                <a16:creationId xmlns:a16="http://schemas.microsoft.com/office/drawing/2014/main" id="{D3B6888C-8D28-4F9E-841A-3042CFC6367F}"/>
               </a:ext>
             </a:extLst>
           </p:cNvPr>
           <p:cNvCxnSpPr>
-            <a:cxnSpLocks/>
-            <a:stCxn id="1728" idx="2"/>
-            <a:endCxn id="7" idx="0"/>
+            <a:stCxn id="256" idx="3"/>
+            <a:endCxn id="1203" idx="2"/>
           </p:cNvCxnSpPr>
           <p:nvPr/>
         </p:nvCxnSpPr>
         <p:spPr>
-          <a:xfrm rot="16200000" flipH="1">
-            <a:off x="27839117" y="23389555"/>
-            <a:ext cx="840536" cy="555272"/>
-          </a:xfrm>
-          <a:prstGeom prst="curvedConnector3">
-            <a:avLst>
-              <a:gd name="adj1" fmla="val 50000"/>
-            </a:avLst>
+          <a:xfrm flipV="1">
+            <a:off x="35198006" y="24586191"/>
+            <a:ext cx="763066" cy="1480088"/>
+          </a:xfrm>
+          <a:prstGeom prst="curvedConnector2">
+            <a:avLst/>
           </a:prstGeom>
           <a:ln>
             <a:tailEnd type="triangle"/>
@@ -15199,48 +14779,10 @@
       </p:cxnSp>
       <p:sp>
         <p:nvSpPr>
-          <p:cNvPr id="15" name="ZoneTexte 14">
-            <a:extLst>
-              <a:ext uri="{FF2B5EF4-FFF2-40B4-BE49-F238E27FC236}">
-                <a16:creationId xmlns:a16="http://schemas.microsoft.com/office/drawing/2014/main" id="{C5B8EBF2-6D1B-4326-A6A2-A6346E9811B9}"/>
-              </a:ext>
-            </a:extLst>
-          </p:cNvPr>
-          <p:cNvSpPr txBox="1"/>
-          <p:nvPr/>
-        </p:nvSpPr>
-        <p:spPr>
-          <a:xfrm>
-            <a:off x="27826295" y="23551493"/>
-            <a:ext cx="1467682" cy="253916"/>
-          </a:xfrm>
-          <a:prstGeom prst="rect">
-            <a:avLst/>
-          </a:prstGeom>
-          <a:noFill/>
-        </p:spPr>
-        <p:txBody>
-          <a:bodyPr wrap="square" rtlCol="0">
-            <a:spAutoFit/>
-          </a:bodyPr>
-          <a:lstStyle/>
-          <a:p>
-            <a:pPr algn="ctr"/>
-            <a:r>
-              <a:rPr lang="fr-FR" sz="1000" i="1" dirty="0">
-                <a:latin typeface="Gill Sans Nova" panose="020B0602020104020203" pitchFamily="34" charset="0"/>
-              </a:rPr>
-              <a:t>P2</a:t>
-            </a:r>
-          </a:p>
-        </p:txBody>
-      </p:sp>
-      <p:sp>
-        <p:nvSpPr>
-          <p:cNvPr id="256" name="Rectangle : coins arrondis 255">
-            <a:extLst>
-              <a:ext uri="{FF2B5EF4-FFF2-40B4-BE49-F238E27FC236}">
-                <a16:creationId xmlns:a16="http://schemas.microsoft.com/office/drawing/2014/main" id="{93A6A91A-76BC-4A4F-B849-B2CB9CDA7C4A}"/>
+          <p:cNvPr id="266" name="Rectangle : coins arrondis 265">
+            <a:extLst>
+              <a:ext uri="{FF2B5EF4-FFF2-40B4-BE49-F238E27FC236}">
+                <a16:creationId xmlns:a16="http://schemas.microsoft.com/office/drawing/2014/main" id="{F5A61602-C9C4-408F-B8A6-6BBE1FE9BC99}"/>
               </a:ext>
             </a:extLst>
           </p:cNvPr>
@@ -15249,8 +14791,8 @@
         </p:nvSpPr>
         <p:spPr>
           <a:xfrm>
-            <a:off x="33027953" y="23884640"/>
-            <a:ext cx="1311921" cy="856486"/>
+            <a:off x="35312359" y="27173835"/>
+            <a:ext cx="1386807" cy="856486"/>
           </a:xfrm>
           <a:prstGeom prst="roundRect">
             <a:avLst/>
@@ -15302,30 +14844,31 @@
                 </a:solidFill>
                 <a:latin typeface="Gill Sans Nova" panose="020B0602020104020203" pitchFamily="34" charset="0"/>
               </a:rPr>
-              <a:t>(« Communautés de marchands et de bourgeois »)</a:t>
+              <a:t>(« Bourgeois de Saint-Denis en Ile-de-France »)</a:t>
             </a:r>
           </a:p>
         </p:txBody>
       </p:sp>
       <p:cxnSp>
         <p:nvCxnSpPr>
-          <p:cNvPr id="19" name="Connecteur : en arc 18">
-            <a:extLst>
-              <a:ext uri="{FF2B5EF4-FFF2-40B4-BE49-F238E27FC236}">
-                <a16:creationId xmlns:a16="http://schemas.microsoft.com/office/drawing/2014/main" id="{D3B6888C-8D28-4F9E-841A-3042CFC6367F}"/>
+          <p:cNvPr id="28" name="Connecteur : en arc 27">
+            <a:extLst>
+              <a:ext uri="{FF2B5EF4-FFF2-40B4-BE49-F238E27FC236}">
+                <a16:creationId xmlns:a16="http://schemas.microsoft.com/office/drawing/2014/main" id="{FD2E284F-FA93-4F49-AF10-05DCAF7BA321}"/>
               </a:ext>
             </a:extLst>
           </p:cNvPr>
           <p:cNvCxnSpPr>
+            <a:cxnSpLocks/>
             <a:stCxn id="256" idx="3"/>
-            <a:endCxn id="1203" idx="2"/>
+            <a:endCxn id="266" idx="0"/>
           </p:cNvCxnSpPr>
           <p:nvPr/>
         </p:nvCxnSpPr>
         <p:spPr>
-          <a:xfrm flipV="1">
-            <a:off x="34339866" y="22832789"/>
-            <a:ext cx="763066" cy="1480088"/>
+          <a:xfrm>
+            <a:off x="35198008" y="26066276"/>
+            <a:ext cx="807755" cy="1107555"/>
           </a:xfrm>
           <a:prstGeom prst="curvedConnector2">
             <a:avLst/>
@@ -15351,10 +14894,332 @@
       </p:cxnSp>
       <p:sp>
         <p:nvSpPr>
-          <p:cNvPr id="266" name="Rectangle : coins arrondis 265">
-            <a:extLst>
-              <a:ext uri="{FF2B5EF4-FFF2-40B4-BE49-F238E27FC236}">
-                <a16:creationId xmlns:a16="http://schemas.microsoft.com/office/drawing/2014/main" id="{F5A61602-C9C4-408F-B8A6-6BBE1FE9BC99}"/>
+          <p:cNvPr id="275" name="ZoneTexte 274">
+            <a:extLst>
+              <a:ext uri="{FF2B5EF4-FFF2-40B4-BE49-F238E27FC236}">
+                <a16:creationId xmlns:a16="http://schemas.microsoft.com/office/drawing/2014/main" id="{360D258C-5B47-4FF1-BA85-65FF8B322F49}"/>
+              </a:ext>
+            </a:extLst>
+          </p:cNvPr>
+          <p:cNvSpPr txBox="1"/>
+          <p:nvPr/>
+        </p:nvSpPr>
+        <p:spPr>
+          <a:xfrm>
+            <a:off x="35492799" y="25931619"/>
+            <a:ext cx="1484003" cy="400110"/>
+          </a:xfrm>
+          <a:prstGeom prst="rect">
+            <a:avLst/>
+          </a:prstGeom>
+          <a:noFill/>
+        </p:spPr>
+        <p:txBody>
+          <a:bodyPr wrap="square" rtlCol="0">
+            <a:spAutoFit/>
+          </a:bodyPr>
+          <a:lstStyle/>
+          <a:p>
+            <a:pPr algn="ctr"/>
+            <a:r>
+              <a:rPr lang="fr-FR" sz="1000" i="1" dirty="0">
+                <a:latin typeface="Gill Sans Nova" panose="020B0602020104020203" pitchFamily="34" charset="0"/>
+              </a:rPr>
+              <a:t>P107 has </a:t>
+            </a:r>
+            <a:r>
+              <a:rPr lang="fr-FR" sz="1000" i="1" dirty="0" err="1">
+                <a:latin typeface="Gill Sans Nova" panose="020B0602020104020203" pitchFamily="34" charset="0"/>
+              </a:rPr>
+              <a:t>current</a:t>
+            </a:r>
+            <a:r>
+              <a:rPr lang="fr-FR" sz="1000" i="1" dirty="0">
+                <a:latin typeface="Gill Sans Nova" panose="020B0602020104020203" pitchFamily="34" charset="0"/>
+              </a:rPr>
+              <a:t> or former </a:t>
+            </a:r>
+            <a:r>
+              <a:rPr lang="fr-FR" sz="1000" i="1" dirty="0" err="1">
+                <a:latin typeface="Gill Sans Nova" panose="020B0602020104020203" pitchFamily="34" charset="0"/>
+              </a:rPr>
+              <a:t>member</a:t>
+            </a:r>
+            <a:endParaRPr lang="fr-FR" sz="1000" i="1" dirty="0">
+              <a:latin typeface="Gill Sans Nova" panose="020B0602020104020203" pitchFamily="34" charset="0"/>
+            </a:endParaRPr>
+          </a:p>
+        </p:txBody>
+      </p:sp>
+      <p:cxnSp>
+        <p:nvCxnSpPr>
+          <p:cNvPr id="59" name="Connecteur : en arc 58">
+            <a:extLst>
+              <a:ext uri="{FF2B5EF4-FFF2-40B4-BE49-F238E27FC236}">
+                <a16:creationId xmlns:a16="http://schemas.microsoft.com/office/drawing/2014/main" id="{70C10507-CEC1-4DDA-B9C7-10E2E294D05E}"/>
+              </a:ext>
+            </a:extLst>
+          </p:cNvPr>
+          <p:cNvCxnSpPr>
+            <a:cxnSpLocks/>
+            <a:stCxn id="1728" idx="3"/>
+            <a:endCxn id="1203" idx="1"/>
+          </p:cNvCxnSpPr>
+          <p:nvPr/>
+        </p:nvCxnSpPr>
+        <p:spPr>
+          <a:xfrm flipV="1">
+            <a:off x="29299292" y="24157956"/>
+            <a:ext cx="6005814" cy="697423"/>
+          </a:xfrm>
+          <a:prstGeom prst="curvedConnector3">
+            <a:avLst/>
+          </a:prstGeom>
+          <a:ln>
+            <a:tailEnd type="triangle"/>
+          </a:ln>
+        </p:spPr>
+        <p:style>
+          <a:lnRef idx="1">
+            <a:schemeClr val="dk1"/>
+          </a:lnRef>
+          <a:fillRef idx="0">
+            <a:schemeClr val="dk1"/>
+          </a:fillRef>
+          <a:effectRef idx="0">
+            <a:schemeClr val="dk1"/>
+          </a:effectRef>
+          <a:fontRef idx="minor">
+            <a:schemeClr val="tx1"/>
+          </a:fontRef>
+        </p:style>
+      </p:cxnSp>
+      <p:cxnSp>
+        <p:nvCxnSpPr>
+          <p:cNvPr id="195" name="Connecteur droit avec flèche 194">
+            <a:extLst>
+              <a:ext uri="{FF2B5EF4-FFF2-40B4-BE49-F238E27FC236}">
+                <a16:creationId xmlns:a16="http://schemas.microsoft.com/office/drawing/2014/main" id="{0719A202-FA65-4F14-817A-458EE6176A47}"/>
+              </a:ext>
+            </a:extLst>
+          </p:cNvPr>
+          <p:cNvCxnSpPr>
+            <a:cxnSpLocks/>
+            <a:stCxn id="1726" idx="3"/>
+            <a:endCxn id="1203" idx="1"/>
+          </p:cNvCxnSpPr>
+          <p:nvPr/>
+        </p:nvCxnSpPr>
+        <p:spPr>
+          <a:xfrm flipV="1">
+            <a:off x="29290668" y="24157950"/>
+            <a:ext cx="6014444" cy="26619"/>
+          </a:xfrm>
+          <a:prstGeom prst="straightConnector1">
+            <a:avLst/>
+          </a:prstGeom>
+          <a:ln>
+            <a:tailEnd type="triangle"/>
+          </a:ln>
+        </p:spPr>
+        <p:style>
+          <a:lnRef idx="1">
+            <a:schemeClr val="dk1"/>
+          </a:lnRef>
+          <a:fillRef idx="0">
+            <a:schemeClr val="dk1"/>
+          </a:fillRef>
+          <a:effectRef idx="0">
+            <a:schemeClr val="dk1"/>
+          </a:effectRef>
+          <a:fontRef idx="minor">
+            <a:schemeClr val="tx1"/>
+          </a:fontRef>
+        </p:style>
+      </p:cxnSp>
+      <p:cxnSp>
+        <p:nvCxnSpPr>
+          <p:cNvPr id="204" name="Connecteur droit avec flèche 203">
+            <a:extLst>
+              <a:ext uri="{FF2B5EF4-FFF2-40B4-BE49-F238E27FC236}">
+                <a16:creationId xmlns:a16="http://schemas.microsoft.com/office/drawing/2014/main" id="{E16F5E86-46B7-401B-BD90-6041A07FDB54}"/>
+              </a:ext>
+            </a:extLst>
+          </p:cNvPr>
+          <p:cNvCxnSpPr>
+            <a:stCxn id="1212" idx="1"/>
+            <a:endCxn id="1501" idx="3"/>
+          </p:cNvCxnSpPr>
+          <p:nvPr/>
+        </p:nvCxnSpPr>
+        <p:spPr>
+          <a:xfrm flipH="1">
+            <a:off x="11804194" y="33206297"/>
+            <a:ext cx="12879860" cy="54372"/>
+          </a:xfrm>
+          <a:prstGeom prst="straightConnector1">
+            <a:avLst/>
+          </a:prstGeom>
+          <a:ln>
+            <a:tailEnd type="triangle"/>
+          </a:ln>
+        </p:spPr>
+        <p:style>
+          <a:lnRef idx="1">
+            <a:schemeClr val="dk1"/>
+          </a:lnRef>
+          <a:fillRef idx="0">
+            <a:schemeClr val="dk1"/>
+          </a:fillRef>
+          <a:effectRef idx="0">
+            <a:schemeClr val="dk1"/>
+          </a:effectRef>
+          <a:fontRef idx="minor">
+            <a:schemeClr val="tx1"/>
+          </a:fontRef>
+        </p:style>
+      </p:cxnSp>
+      <p:cxnSp>
+        <p:nvCxnSpPr>
+          <p:cNvPr id="215" name="Connecteur : en arc 214">
+            <a:extLst>
+              <a:ext uri="{FF2B5EF4-FFF2-40B4-BE49-F238E27FC236}">
+                <a16:creationId xmlns:a16="http://schemas.microsoft.com/office/drawing/2014/main" id="{47FC1421-D81B-49D5-B866-9290A41A883C}"/>
+              </a:ext>
+            </a:extLst>
+          </p:cNvPr>
+          <p:cNvCxnSpPr>
+            <a:stCxn id="1501" idx="1"/>
+            <a:endCxn id="1529" idx="1"/>
+          </p:cNvCxnSpPr>
+          <p:nvPr/>
+        </p:nvCxnSpPr>
+        <p:spPr>
+          <a:xfrm rot="10800000">
+            <a:off x="5186720" y="26769166"/>
+            <a:ext cx="5288792" cy="6491505"/>
+          </a:xfrm>
+          <a:prstGeom prst="curvedConnector3">
+            <a:avLst>
+              <a:gd name="adj1" fmla="val 126001"/>
+            </a:avLst>
+          </a:prstGeom>
+        </p:spPr>
+        <p:style>
+          <a:lnRef idx="1">
+            <a:schemeClr val="dk1"/>
+          </a:lnRef>
+          <a:fillRef idx="0">
+            <a:schemeClr val="dk1"/>
+          </a:fillRef>
+          <a:effectRef idx="0">
+            <a:schemeClr val="dk1"/>
+          </a:effectRef>
+          <a:fontRef idx="minor">
+            <a:schemeClr val="tx1"/>
+          </a:fontRef>
+        </p:style>
+      </p:cxnSp>
+      <p:sp>
+        <p:nvSpPr>
+          <p:cNvPr id="327" name="ZoneTexte 326">
+            <a:extLst>
+              <a:ext uri="{FF2B5EF4-FFF2-40B4-BE49-F238E27FC236}">
+                <a16:creationId xmlns:a16="http://schemas.microsoft.com/office/drawing/2014/main" id="{3E358BEF-ADDB-4E90-B351-7CC22B7B59E1}"/>
+              </a:ext>
+            </a:extLst>
+          </p:cNvPr>
+          <p:cNvSpPr txBox="1"/>
+          <p:nvPr/>
+        </p:nvSpPr>
+        <p:spPr>
+          <a:xfrm>
+            <a:off x="2649466" y="29347830"/>
+            <a:ext cx="1484003" cy="261610"/>
+          </a:xfrm>
+          <a:prstGeom prst="rect">
+            <a:avLst/>
+          </a:prstGeom>
+          <a:noFill/>
+        </p:spPr>
+        <p:txBody>
+          <a:bodyPr wrap="square" rtlCol="0">
+            <a:spAutoFit/>
+          </a:bodyPr>
+          <a:lstStyle/>
+          <a:p>
+            <a:pPr algn="ctr"/>
+            <a:r>
+              <a:rPr lang="fr-FR" sz="1050" i="1" dirty="0">
+                <a:latin typeface="Gill Sans Nova" panose="020B0602020104020203" pitchFamily="34" charset="0"/>
+              </a:rPr>
+              <a:t>P71 </a:t>
+            </a:r>
+            <a:r>
+              <a:rPr lang="fr-FR" sz="1050" i="1" dirty="0" err="1">
+                <a:latin typeface="Gill Sans Nova" panose="020B0602020104020203" pitchFamily="34" charset="0"/>
+              </a:rPr>
+              <a:t>lists</a:t>
+            </a:r>
+            <a:endParaRPr lang="fr-FR" sz="1050" i="1" dirty="0">
+              <a:latin typeface="Gill Sans Nova" panose="020B0602020104020203" pitchFamily="34" charset="0"/>
+            </a:endParaRPr>
+          </a:p>
+        </p:txBody>
+      </p:sp>
+      <p:cxnSp>
+        <p:nvCxnSpPr>
+          <p:cNvPr id="329" name="Connecteur droit avec flèche 328">
+            <a:extLst>
+              <a:ext uri="{FF2B5EF4-FFF2-40B4-BE49-F238E27FC236}">
+                <a16:creationId xmlns:a16="http://schemas.microsoft.com/office/drawing/2014/main" id="{970B38A2-5F35-4E84-82C2-54F06FE0DF59}"/>
+              </a:ext>
+            </a:extLst>
+          </p:cNvPr>
+          <p:cNvCxnSpPr>
+            <a:cxnSpLocks/>
+            <a:stCxn id="1410" idx="2"/>
+            <a:endCxn id="337" idx="0"/>
+          </p:cNvCxnSpPr>
+          <p:nvPr/>
+        </p:nvCxnSpPr>
+        <p:spPr>
+          <a:xfrm>
+            <a:off x="16961550" y="28536212"/>
+            <a:ext cx="12614" cy="1012630"/>
+          </a:xfrm>
+          <a:prstGeom prst="straightConnector1">
+            <a:avLst/>
+          </a:prstGeom>
+          <a:ln w="12700">
+            <a:solidFill>
+              <a:srgbClr val="8A6868"/>
+            </a:solidFill>
+            <a:prstDash val="sysDot"/>
+            <a:tailEnd type="triangle"/>
+          </a:ln>
+        </p:spPr>
+        <p:style>
+          <a:lnRef idx="1">
+            <a:schemeClr val="dk1"/>
+          </a:lnRef>
+          <a:fillRef idx="0">
+            <a:schemeClr val="dk1"/>
+          </a:fillRef>
+          <a:effectRef idx="0">
+            <a:schemeClr val="dk1"/>
+          </a:effectRef>
+          <a:fontRef idx="minor">
+            <a:schemeClr val="tx1"/>
+          </a:fontRef>
+        </p:style>
+      </p:cxnSp>
+      <p:sp>
+        <p:nvSpPr>
+          <p:cNvPr id="337" name="Rectangle : coins arrondis 336">
+            <a:extLst>
+              <a:ext uri="{FF2B5EF4-FFF2-40B4-BE49-F238E27FC236}">
+                <a16:creationId xmlns:a16="http://schemas.microsoft.com/office/drawing/2014/main" id="{0EF26280-C1E0-41D3-8019-A696A33A9175}"/>
               </a:ext>
             </a:extLst>
           </p:cNvPr>
@@ -15363,19 +15228,17 @@
         </p:nvSpPr>
         <p:spPr>
           <a:xfrm>
-            <a:off x="34454219" y="25420433"/>
-            <a:ext cx="1386807" cy="856486"/>
+            <a:off x="16251849" y="29548837"/>
+            <a:ext cx="1444620" cy="374490"/>
           </a:xfrm>
           <a:prstGeom prst="roundRect">
             <a:avLst/>
           </a:prstGeom>
           <a:solidFill>
-            <a:srgbClr val="FFD1A7"/>
+            <a:schemeClr val="bg1"/>
           </a:solidFill>
-          <a:ln w="28575">
-            <a:solidFill>
-              <a:srgbClr val="FFB36D"/>
-            </a:solidFill>
+          <a:ln w="19050">
+            <a:noFill/>
           </a:ln>
         </p:spPr>
         <p:style>
@@ -15393,7 +15256,7 @@
           </a:fontRef>
         </p:style>
         <p:txBody>
-          <a:bodyPr rtlCol="0" anchor="ctr"/>
+          <a:bodyPr rtlCol="0" anchor="t"/>
           <a:lstStyle/>
           <a:p>
             <a:pPr algn="ctr"/>
@@ -15404,72 +15267,17 @@
                 </a:solidFill>
                 <a:latin typeface="Gill Sans Nova" panose="020B0602020104020203" pitchFamily="34" charset="0"/>
               </a:rPr>
-              <a:t>E74 Group</a:t>
-            </a:r>
-          </a:p>
-          <a:p>
-            <a:pPr algn="ctr"/>
-            <a:r>
-              <a:rPr lang="fr-FR" sz="1000" i="1" dirty="0">
-                <a:solidFill>
-                  <a:schemeClr val="tx1"/>
-                </a:solidFill>
-                <a:latin typeface="Gill Sans Nova" panose="020B0602020104020203" pitchFamily="34" charset="0"/>
-              </a:rPr>
-              <a:t>(« Bourgeois de Saint-Denis en Ile-de-France »)</a:t>
-            </a:r>
-          </a:p>
-        </p:txBody>
-      </p:sp>
-      <p:cxnSp>
-        <p:nvCxnSpPr>
-          <p:cNvPr id="28" name="Connecteur : en arc 27">
-            <a:extLst>
-              <a:ext uri="{FF2B5EF4-FFF2-40B4-BE49-F238E27FC236}">
-                <a16:creationId xmlns:a16="http://schemas.microsoft.com/office/drawing/2014/main" id="{FD2E284F-FA93-4F49-AF10-05DCAF7BA321}"/>
-              </a:ext>
-            </a:extLst>
-          </p:cNvPr>
-          <p:cNvCxnSpPr>
-            <a:cxnSpLocks/>
-            <a:stCxn id="256" idx="3"/>
-            <a:endCxn id="266" idx="0"/>
-          </p:cNvCxnSpPr>
-          <p:nvPr/>
-        </p:nvCxnSpPr>
-        <p:spPr>
-          <a:xfrm>
-            <a:off x="34339868" y="24312874"/>
-            <a:ext cx="807755" cy="1107555"/>
-          </a:xfrm>
-          <a:prstGeom prst="curvedConnector2">
-            <a:avLst/>
-          </a:prstGeom>
-          <a:ln>
-            <a:tailEnd type="triangle"/>
-          </a:ln>
-        </p:spPr>
-        <p:style>
-          <a:lnRef idx="1">
-            <a:schemeClr val="dk1"/>
-          </a:lnRef>
-          <a:fillRef idx="0">
-            <a:schemeClr val="dk1"/>
-          </a:fillRef>
-          <a:effectRef idx="0">
-            <a:schemeClr val="dk1"/>
-          </a:effectRef>
-          <a:fontRef idx="minor">
-            <a:schemeClr val="tx1"/>
-          </a:fontRef>
-        </p:style>
-      </p:cxnSp>
-      <p:sp>
-        <p:nvSpPr>
-          <p:cNvPr id="275" name="ZoneTexte 274">
-            <a:extLst>
-              <a:ext uri="{FF2B5EF4-FFF2-40B4-BE49-F238E27FC236}">
-                <a16:creationId xmlns:a16="http://schemas.microsoft.com/office/drawing/2014/main" id="{360D258C-5B47-4FF1-BA85-65FF8B322F49}"/>
+              <a:t>« 47.3280 -2.42917 »</a:t>
+            </a:r>
+          </a:p>
+        </p:txBody>
+      </p:sp>
+      <p:sp>
+        <p:nvSpPr>
+          <p:cNvPr id="340" name="ZoneTexte 339">
+            <a:extLst>
+              <a:ext uri="{FF2B5EF4-FFF2-40B4-BE49-F238E27FC236}">
+                <a16:creationId xmlns:a16="http://schemas.microsoft.com/office/drawing/2014/main" id="{11F4BC7B-A7E1-4487-953C-42790FFA3213}"/>
               </a:ext>
             </a:extLst>
           </p:cNvPr>
@@ -15478,8 +15286,8 @@
         </p:nvSpPr>
         <p:spPr>
           <a:xfrm>
-            <a:off x="34634659" y="24178217"/>
-            <a:ext cx="1484003" cy="400110"/>
+            <a:off x="16018880" y="28781747"/>
+            <a:ext cx="1045631" cy="400110"/>
           </a:xfrm>
           <a:prstGeom prst="rect">
             <a:avLst/>
@@ -15495,412 +15303,79 @@
             <a:pPr algn="ctr"/>
             <a:r>
               <a:rPr lang="fr-FR" sz="1000" i="1" dirty="0">
-                <a:latin typeface="Gill Sans Nova" panose="020B0602020104020203" pitchFamily="34" charset="0"/>
-              </a:rPr>
-              <a:t>P107 has </a:t>
+                <a:solidFill>
+                  <a:srgbClr val="8A6868"/>
+                </a:solidFill>
+                <a:latin typeface="Gill Sans Nova" panose="020B0602020104020203" pitchFamily="34" charset="0"/>
+              </a:rPr>
+              <a:t>P168 place </a:t>
             </a:r>
             <a:r>
               <a:rPr lang="fr-FR" sz="1000" i="1" dirty="0" err="1">
-                <a:latin typeface="Gill Sans Nova" panose="020B0602020104020203" pitchFamily="34" charset="0"/>
-              </a:rPr>
-              <a:t>current</a:t>
+                <a:solidFill>
+                  <a:srgbClr val="8A6868"/>
+                </a:solidFill>
+                <a:latin typeface="Gill Sans Nova" panose="020B0602020104020203" pitchFamily="34" charset="0"/>
+              </a:rPr>
+              <a:t>is</a:t>
             </a:r>
             <a:r>
               <a:rPr lang="fr-FR" sz="1000" i="1" dirty="0">
-                <a:latin typeface="Gill Sans Nova" panose="020B0602020104020203" pitchFamily="34" charset="0"/>
-              </a:rPr>
-              <a:t> or former </a:t>
+                <a:solidFill>
+                  <a:srgbClr val="8A6868"/>
+                </a:solidFill>
+                <a:latin typeface="Gill Sans Nova" panose="020B0602020104020203" pitchFamily="34" charset="0"/>
+              </a:rPr>
+              <a:t> </a:t>
             </a:r>
             <a:r>
               <a:rPr lang="fr-FR" sz="1000" i="1" dirty="0" err="1">
-                <a:latin typeface="Gill Sans Nova" panose="020B0602020104020203" pitchFamily="34" charset="0"/>
-              </a:rPr>
-              <a:t>member</a:t>
-            </a:r>
-            <a:endParaRPr lang="fr-FR" sz="1000" i="1" dirty="0">
-              <a:latin typeface="Gill Sans Nova" panose="020B0602020104020203" pitchFamily="34" charset="0"/>
-            </a:endParaRPr>
-          </a:p>
-        </p:txBody>
-      </p:sp>
-      <p:cxnSp>
-        <p:nvCxnSpPr>
-          <p:cNvPr id="59" name="Connecteur : en arc 58">
-            <a:extLst>
-              <a:ext uri="{FF2B5EF4-FFF2-40B4-BE49-F238E27FC236}">
-                <a16:creationId xmlns:a16="http://schemas.microsoft.com/office/drawing/2014/main" id="{70C10507-CEC1-4DDA-B9C7-10E2E294D05E}"/>
-              </a:ext>
-            </a:extLst>
-          </p:cNvPr>
-          <p:cNvCxnSpPr>
-            <a:cxnSpLocks/>
-            <a:stCxn id="1728" idx="3"/>
-            <a:endCxn id="1203" idx="1"/>
-          </p:cNvCxnSpPr>
-          <p:nvPr/>
-        </p:nvCxnSpPr>
-        <p:spPr>
-          <a:xfrm flipV="1">
-            <a:off x="28441152" y="22404554"/>
-            <a:ext cx="6005814" cy="697423"/>
-          </a:xfrm>
-          <a:prstGeom prst="curvedConnector3">
-            <a:avLst/>
-          </a:prstGeom>
-          <a:ln>
-            <a:tailEnd type="triangle"/>
-          </a:ln>
-        </p:spPr>
-        <p:style>
-          <a:lnRef idx="1">
-            <a:schemeClr val="dk1"/>
-          </a:lnRef>
-          <a:fillRef idx="0">
-            <a:schemeClr val="dk1"/>
-          </a:fillRef>
-          <a:effectRef idx="0">
-            <a:schemeClr val="dk1"/>
-          </a:effectRef>
-          <a:fontRef idx="minor">
-            <a:schemeClr val="tx1"/>
-          </a:fontRef>
-        </p:style>
-      </p:cxnSp>
-      <p:cxnSp>
-        <p:nvCxnSpPr>
-          <p:cNvPr id="195" name="Connecteur droit avec flèche 194">
-            <a:extLst>
-              <a:ext uri="{FF2B5EF4-FFF2-40B4-BE49-F238E27FC236}">
-                <a16:creationId xmlns:a16="http://schemas.microsoft.com/office/drawing/2014/main" id="{0719A202-FA65-4F14-817A-458EE6176A47}"/>
-              </a:ext>
-            </a:extLst>
-          </p:cNvPr>
-          <p:cNvCxnSpPr>
-            <a:cxnSpLocks/>
-            <a:stCxn id="1726" idx="3"/>
-            <a:endCxn id="1203" idx="1"/>
-          </p:cNvCxnSpPr>
-          <p:nvPr/>
-        </p:nvCxnSpPr>
-        <p:spPr>
-          <a:xfrm flipV="1">
-            <a:off x="28432528" y="22404548"/>
-            <a:ext cx="6014444" cy="26619"/>
-          </a:xfrm>
-          <a:prstGeom prst="straightConnector1">
-            <a:avLst/>
-          </a:prstGeom>
-          <a:ln>
-            <a:tailEnd type="triangle"/>
-          </a:ln>
-        </p:spPr>
-        <p:style>
-          <a:lnRef idx="1">
-            <a:schemeClr val="dk1"/>
-          </a:lnRef>
-          <a:fillRef idx="0">
-            <a:schemeClr val="dk1"/>
-          </a:fillRef>
-          <a:effectRef idx="0">
-            <a:schemeClr val="dk1"/>
-          </a:effectRef>
-          <a:fontRef idx="minor">
-            <a:schemeClr val="tx1"/>
-          </a:fontRef>
-        </p:style>
-      </p:cxnSp>
-      <p:cxnSp>
-        <p:nvCxnSpPr>
-          <p:cNvPr id="5" name="Connecteur : en arc 4">
-            <a:extLst>
-              <a:ext uri="{FF2B5EF4-FFF2-40B4-BE49-F238E27FC236}">
-                <a16:creationId xmlns:a16="http://schemas.microsoft.com/office/drawing/2014/main" id="{956BC173-B64B-46B1-8747-6CAD8E77910C}"/>
-              </a:ext>
-            </a:extLst>
-          </p:cNvPr>
-          <p:cNvCxnSpPr>
-            <a:cxnSpLocks/>
-            <a:stCxn id="1193" idx="1"/>
-            <a:endCxn id="1323" idx="0"/>
-          </p:cNvCxnSpPr>
-          <p:nvPr/>
-        </p:nvCxnSpPr>
-        <p:spPr>
-          <a:xfrm rot="10800000" flipV="1">
-            <a:off x="16112294" y="20826104"/>
-            <a:ext cx="8709686" cy="1174646"/>
-          </a:xfrm>
-          <a:prstGeom prst="curvedConnector2">
-            <a:avLst/>
-          </a:prstGeom>
-          <a:ln>
-            <a:tailEnd type="triangle"/>
-          </a:ln>
-        </p:spPr>
-        <p:style>
-          <a:lnRef idx="1">
-            <a:schemeClr val="dk1"/>
-          </a:lnRef>
-          <a:fillRef idx="0">
-            <a:schemeClr val="dk1"/>
-          </a:fillRef>
-          <a:effectRef idx="0">
-            <a:schemeClr val="dk1"/>
-          </a:effectRef>
-          <a:fontRef idx="minor">
-            <a:schemeClr val="tx1"/>
-          </a:fontRef>
-        </p:style>
-      </p:cxnSp>
-      <p:cxnSp>
-        <p:nvCxnSpPr>
-          <p:cNvPr id="204" name="Connecteur droit avec flèche 203">
-            <a:extLst>
-              <a:ext uri="{FF2B5EF4-FFF2-40B4-BE49-F238E27FC236}">
-                <a16:creationId xmlns:a16="http://schemas.microsoft.com/office/drawing/2014/main" id="{E16F5E86-46B7-401B-BD90-6041A07FDB54}"/>
-              </a:ext>
-            </a:extLst>
-          </p:cNvPr>
-          <p:cNvCxnSpPr>
-            <a:stCxn id="1212" idx="1"/>
-            <a:endCxn id="1501" idx="3"/>
-          </p:cNvCxnSpPr>
-          <p:nvPr/>
-        </p:nvCxnSpPr>
-        <p:spPr>
-          <a:xfrm flipH="1">
-            <a:off x="10946054" y="31452895"/>
-            <a:ext cx="12879860" cy="54372"/>
-          </a:xfrm>
-          <a:prstGeom prst="straightConnector1">
-            <a:avLst/>
-          </a:prstGeom>
-          <a:ln>
-            <a:tailEnd type="triangle"/>
-          </a:ln>
-        </p:spPr>
-        <p:style>
-          <a:lnRef idx="1">
-            <a:schemeClr val="dk1"/>
-          </a:lnRef>
-          <a:fillRef idx="0">
-            <a:schemeClr val="dk1"/>
-          </a:fillRef>
-          <a:effectRef idx="0">
-            <a:schemeClr val="dk1"/>
-          </a:effectRef>
-          <a:fontRef idx="minor">
-            <a:schemeClr val="tx1"/>
-          </a:fontRef>
-        </p:style>
-      </p:cxnSp>
-      <p:cxnSp>
-        <p:nvCxnSpPr>
-          <p:cNvPr id="215" name="Connecteur : en arc 214">
-            <a:extLst>
-              <a:ext uri="{FF2B5EF4-FFF2-40B4-BE49-F238E27FC236}">
-                <a16:creationId xmlns:a16="http://schemas.microsoft.com/office/drawing/2014/main" id="{47FC1421-D81B-49D5-B866-9290A41A883C}"/>
-              </a:ext>
-            </a:extLst>
-          </p:cNvPr>
-          <p:cNvCxnSpPr>
-            <a:stCxn id="1501" idx="1"/>
-            <a:endCxn id="1529" idx="1"/>
-          </p:cNvCxnSpPr>
-          <p:nvPr/>
-        </p:nvCxnSpPr>
-        <p:spPr>
-          <a:xfrm rot="10800000">
-            <a:off x="4328580" y="25015764"/>
-            <a:ext cx="5288792" cy="6491505"/>
-          </a:xfrm>
-          <a:prstGeom prst="curvedConnector3">
-            <a:avLst>
-              <a:gd name="adj1" fmla="val 126001"/>
-            </a:avLst>
-          </a:prstGeom>
-        </p:spPr>
-        <p:style>
-          <a:lnRef idx="1">
-            <a:schemeClr val="dk1"/>
-          </a:lnRef>
-          <a:fillRef idx="0">
-            <a:schemeClr val="dk1"/>
-          </a:fillRef>
-          <a:effectRef idx="0">
-            <a:schemeClr val="dk1"/>
-          </a:effectRef>
-          <a:fontRef idx="minor">
-            <a:schemeClr val="tx1"/>
-          </a:fontRef>
-        </p:style>
-      </p:cxnSp>
-      <p:sp>
-        <p:nvSpPr>
-          <p:cNvPr id="320" name="ZoneTexte 319">
-            <a:extLst>
-              <a:ext uri="{FF2B5EF4-FFF2-40B4-BE49-F238E27FC236}">
-                <a16:creationId xmlns:a16="http://schemas.microsoft.com/office/drawing/2014/main" id="{467A75B4-C3E9-43EE-B745-6F43024691F7}"/>
-              </a:ext>
-            </a:extLst>
-          </p:cNvPr>
-          <p:cNvSpPr txBox="1"/>
-          <p:nvPr/>
-        </p:nvSpPr>
-        <p:spPr>
-          <a:xfrm>
-            <a:off x="30269467" y="30009665"/>
-            <a:ext cx="1484003" cy="261610"/>
-          </a:xfrm>
-          <a:prstGeom prst="rect">
-            <a:avLst/>
-          </a:prstGeom>
-          <a:noFill/>
-        </p:spPr>
-        <p:txBody>
-          <a:bodyPr wrap="square" rtlCol="0">
-            <a:spAutoFit/>
-          </a:bodyPr>
-          <a:lstStyle/>
-          <a:p>
-            <a:pPr algn="ctr"/>
-            <a:r>
-              <a:rPr lang="fr-FR" sz="1050" i="1" dirty="0">
-                <a:latin typeface="Gill Sans Nova" panose="020B0602020104020203" pitchFamily="34" charset="0"/>
-              </a:rPr>
-              <a:t>P71 </a:t>
-            </a:r>
-            <a:r>
-              <a:rPr lang="fr-FR" sz="1050" i="1" dirty="0" err="1">
-                <a:latin typeface="Gill Sans Nova" panose="020B0602020104020203" pitchFamily="34" charset="0"/>
-              </a:rPr>
-              <a:t>lists</a:t>
-            </a:r>
-            <a:endParaRPr lang="fr-FR" sz="1050" i="1" dirty="0">
-              <a:latin typeface="Gill Sans Nova" panose="020B0602020104020203" pitchFamily="34" charset="0"/>
-            </a:endParaRPr>
-          </a:p>
-        </p:txBody>
-      </p:sp>
-      <p:sp>
-        <p:nvSpPr>
-          <p:cNvPr id="327" name="ZoneTexte 326">
-            <a:extLst>
-              <a:ext uri="{FF2B5EF4-FFF2-40B4-BE49-F238E27FC236}">
-                <a16:creationId xmlns:a16="http://schemas.microsoft.com/office/drawing/2014/main" id="{3E358BEF-ADDB-4E90-B351-7CC22B7B59E1}"/>
-              </a:ext>
-            </a:extLst>
-          </p:cNvPr>
-          <p:cNvSpPr txBox="1"/>
-          <p:nvPr/>
-        </p:nvSpPr>
-        <p:spPr>
-          <a:xfrm>
-            <a:off x="1791326" y="27594428"/>
-            <a:ext cx="1484003" cy="261610"/>
-          </a:xfrm>
-          <a:prstGeom prst="rect">
-            <a:avLst/>
-          </a:prstGeom>
-          <a:noFill/>
-        </p:spPr>
-        <p:txBody>
-          <a:bodyPr wrap="square" rtlCol="0">
-            <a:spAutoFit/>
-          </a:bodyPr>
-          <a:lstStyle/>
-          <a:p>
-            <a:pPr algn="ctr"/>
-            <a:r>
-              <a:rPr lang="fr-FR" sz="1050" i="1" dirty="0">
-                <a:latin typeface="Gill Sans Nova" panose="020B0602020104020203" pitchFamily="34" charset="0"/>
-              </a:rPr>
-              <a:t>P71 </a:t>
-            </a:r>
-            <a:r>
-              <a:rPr lang="fr-FR" sz="1050" i="1" dirty="0" err="1">
-                <a:latin typeface="Gill Sans Nova" panose="020B0602020104020203" pitchFamily="34" charset="0"/>
-              </a:rPr>
-              <a:t>lists</a:t>
-            </a:r>
-            <a:endParaRPr lang="fr-FR" sz="1050" i="1" dirty="0">
-              <a:latin typeface="Gill Sans Nova" panose="020B0602020104020203" pitchFamily="34" charset="0"/>
-            </a:endParaRPr>
-          </a:p>
-        </p:txBody>
-      </p:sp>
-      <p:cxnSp>
-        <p:nvCxnSpPr>
-          <p:cNvPr id="329" name="Connecteur droit avec flèche 328">
-            <a:extLst>
-              <a:ext uri="{FF2B5EF4-FFF2-40B4-BE49-F238E27FC236}">
-                <a16:creationId xmlns:a16="http://schemas.microsoft.com/office/drawing/2014/main" id="{970B38A2-5F35-4E84-82C2-54F06FE0DF59}"/>
-              </a:ext>
-            </a:extLst>
-          </p:cNvPr>
-          <p:cNvCxnSpPr>
-            <a:cxnSpLocks/>
-            <a:stCxn id="1410" idx="2"/>
-            <a:endCxn id="337" idx="0"/>
-          </p:cNvCxnSpPr>
-          <p:nvPr/>
-        </p:nvCxnSpPr>
-        <p:spPr>
-          <a:xfrm>
-            <a:off x="16103410" y="26782810"/>
-            <a:ext cx="12614" cy="1012630"/>
-          </a:xfrm>
-          <a:prstGeom prst="straightConnector1">
-            <a:avLst/>
-          </a:prstGeom>
-          <a:ln w="12700">
+                <a:solidFill>
+                  <a:srgbClr val="8A6868"/>
+                </a:solidFill>
+                <a:latin typeface="Gill Sans Nova" panose="020B0602020104020203" pitchFamily="34" charset="0"/>
+              </a:rPr>
+              <a:t>defined</a:t>
+            </a:r>
+            <a:r>
+              <a:rPr lang="fr-FR" sz="1000" i="1" dirty="0">
+                <a:solidFill>
+                  <a:srgbClr val="8A6868"/>
+                </a:solidFill>
+                <a:latin typeface="Gill Sans Nova" panose="020B0602020104020203" pitchFamily="34" charset="0"/>
+              </a:rPr>
+              <a:t> by</a:t>
+            </a:r>
+          </a:p>
+        </p:txBody>
+      </p:sp>
+      <p:sp>
+        <p:nvSpPr>
+          <p:cNvPr id="247" name="Rectangle : coins arrondis 246">
+            <a:extLst>
+              <a:ext uri="{FF2B5EF4-FFF2-40B4-BE49-F238E27FC236}">
+                <a16:creationId xmlns:a16="http://schemas.microsoft.com/office/drawing/2014/main" id="{8FD31BDF-F5E3-4EED-A1A0-A4F7FBCE2038}"/>
+              </a:ext>
+            </a:extLst>
+          </p:cNvPr>
+          <p:cNvSpPr/>
+          <p:nvPr/>
+        </p:nvSpPr>
+        <p:spPr>
+          <a:xfrm>
+            <a:off x="38444606" y="23221632"/>
+            <a:ext cx="1062751" cy="575137"/>
+          </a:xfrm>
+          <a:prstGeom prst="roundRect">
+            <a:avLst/>
+          </a:prstGeom>
+          <a:solidFill>
+            <a:srgbClr val="A5E9E1"/>
+          </a:solidFill>
+          <a:ln w="28575">
             <a:solidFill>
-              <a:srgbClr val="8A6868"/>
+              <a:srgbClr val="5ED8C9"/>
             </a:solidFill>
-            <a:prstDash val="sysDot"/>
-            <a:tailEnd type="triangle"/>
-          </a:ln>
-        </p:spPr>
-        <p:style>
-          <a:lnRef idx="1">
-            <a:schemeClr val="dk1"/>
-          </a:lnRef>
-          <a:fillRef idx="0">
-            <a:schemeClr val="dk1"/>
-          </a:fillRef>
-          <a:effectRef idx="0">
-            <a:schemeClr val="dk1"/>
-          </a:effectRef>
-          <a:fontRef idx="minor">
-            <a:schemeClr val="tx1"/>
-          </a:fontRef>
-        </p:style>
-      </p:cxnSp>
-      <p:sp>
-        <p:nvSpPr>
-          <p:cNvPr id="337" name="Rectangle : coins arrondis 336">
-            <a:extLst>
-              <a:ext uri="{FF2B5EF4-FFF2-40B4-BE49-F238E27FC236}">
-                <a16:creationId xmlns:a16="http://schemas.microsoft.com/office/drawing/2014/main" id="{0EF26280-C1E0-41D3-8019-A696A33A9175}"/>
-              </a:ext>
-            </a:extLst>
-          </p:cNvPr>
-          <p:cNvSpPr/>
-          <p:nvPr/>
-        </p:nvSpPr>
-        <p:spPr>
-          <a:xfrm>
-            <a:off x="15393709" y="27795435"/>
-            <a:ext cx="1444620" cy="374490"/>
-          </a:xfrm>
-          <a:prstGeom prst="roundRect">
-            <a:avLst/>
-          </a:prstGeom>
-          <a:solidFill>
-            <a:schemeClr val="bg1"/>
-          </a:solidFill>
-          <a:ln w="19050">
-            <a:noFill/>
           </a:ln>
         </p:spPr>
         <p:style>
@@ -15918,7 +15393,7 @@
           </a:fontRef>
         </p:style>
         <p:txBody>
-          <a:bodyPr rtlCol="0" anchor="t"/>
+          <a:bodyPr rtlCol="0" anchor="ctr"/>
           <a:lstStyle/>
           <a:p>
             <a:pPr algn="ctr"/>
@@ -15929,17 +15404,17 @@
                 </a:solidFill>
                 <a:latin typeface="Gill Sans Nova" panose="020B0602020104020203" pitchFamily="34" charset="0"/>
               </a:rPr>
-              <a:t>« 47.3280 -2.42917 »</a:t>
-            </a:r>
-          </a:p>
-        </p:txBody>
-      </p:sp>
-      <p:sp>
-        <p:nvSpPr>
-          <p:cNvPr id="340" name="ZoneTexte 339">
-            <a:extLst>
-              <a:ext uri="{FF2B5EF4-FFF2-40B4-BE49-F238E27FC236}">
-                <a16:creationId xmlns:a16="http://schemas.microsoft.com/office/drawing/2014/main" id="{11F4BC7B-A7E1-4487-953C-42790FFA3213}"/>
+              <a:t>E66 Formation</a:t>
+            </a:r>
+          </a:p>
+        </p:txBody>
+      </p:sp>
+      <p:sp>
+        <p:nvSpPr>
+          <p:cNvPr id="250" name="ZoneTexte 249">
+            <a:extLst>
+              <a:ext uri="{FF2B5EF4-FFF2-40B4-BE49-F238E27FC236}">
+                <a16:creationId xmlns:a16="http://schemas.microsoft.com/office/drawing/2014/main" id="{C1440861-E564-4CCB-97CE-60377A4AC8B9}"/>
               </a:ext>
             </a:extLst>
           </p:cNvPr>
@@ -15948,8 +15423,8 @@
         </p:nvSpPr>
         <p:spPr>
           <a:xfrm>
-            <a:off x="15160740" y="27028345"/>
-            <a:ext cx="1045631" cy="400110"/>
+            <a:off x="36885882" y="23324527"/>
+            <a:ext cx="1002668" cy="400110"/>
           </a:xfrm>
           <a:prstGeom prst="rect">
             <a:avLst/>
@@ -15965,58 +15440,94 @@
             <a:pPr algn="ctr"/>
             <a:r>
               <a:rPr lang="fr-FR" sz="1000" i="1" dirty="0">
-                <a:solidFill>
-                  <a:srgbClr val="8A6868"/>
-                </a:solidFill>
-                <a:latin typeface="Gill Sans Nova" panose="020B0602020104020203" pitchFamily="34" charset="0"/>
-              </a:rPr>
-              <a:t>P168 place </a:t>
+                <a:latin typeface="Gill Sans Nova" panose="020B0602020104020203" pitchFamily="34" charset="0"/>
+              </a:rPr>
+              <a:t>P151 </a:t>
             </a:r>
             <a:r>
               <a:rPr lang="fr-FR" sz="1000" i="1" dirty="0" err="1">
-                <a:solidFill>
-                  <a:srgbClr val="8A6868"/>
-                </a:solidFill>
-                <a:latin typeface="Gill Sans Nova" panose="020B0602020104020203" pitchFamily="34" charset="0"/>
-              </a:rPr>
-              <a:t>is</a:t>
+                <a:latin typeface="Gill Sans Nova" panose="020B0602020104020203" pitchFamily="34" charset="0"/>
+              </a:rPr>
+              <a:t>was</a:t>
             </a:r>
             <a:r>
               <a:rPr lang="fr-FR" sz="1000" i="1" dirty="0">
-                <a:solidFill>
-                  <a:srgbClr val="8A6868"/>
-                </a:solidFill>
                 <a:latin typeface="Gill Sans Nova" panose="020B0602020104020203" pitchFamily="34" charset="0"/>
               </a:rPr>
               <a:t> </a:t>
             </a:r>
             <a:r>
               <a:rPr lang="fr-FR" sz="1000" i="1" dirty="0" err="1">
-                <a:solidFill>
-                  <a:srgbClr val="8A6868"/>
-                </a:solidFill>
-                <a:latin typeface="Gill Sans Nova" panose="020B0602020104020203" pitchFamily="34" charset="0"/>
-              </a:rPr>
-              <a:t>defined</a:t>
+                <a:latin typeface="Gill Sans Nova" panose="020B0602020104020203" pitchFamily="34" charset="0"/>
+              </a:rPr>
+              <a:t>formed</a:t>
             </a:r>
             <a:r>
               <a:rPr lang="fr-FR" sz="1000" i="1" dirty="0">
-                <a:solidFill>
-                  <a:srgbClr val="8A6868"/>
-                </a:solidFill>
-                <a:latin typeface="Gill Sans Nova" panose="020B0602020104020203" pitchFamily="34" charset="0"/>
-              </a:rPr>
-              <a:t> by</a:t>
-            </a:r>
-          </a:p>
-        </p:txBody>
-      </p:sp>
-      <p:sp>
-        <p:nvSpPr>
-          <p:cNvPr id="247" name="Rectangle : coins arrondis 246">
-            <a:extLst>
-              <a:ext uri="{FF2B5EF4-FFF2-40B4-BE49-F238E27FC236}">
-                <a16:creationId xmlns:a16="http://schemas.microsoft.com/office/drawing/2014/main" id="{8FD31BDF-F5E3-4EED-A1A0-A4F7FBCE2038}"/>
+                <a:latin typeface="Gill Sans Nova" panose="020B0602020104020203" pitchFamily="34" charset="0"/>
+              </a:rPr>
+              <a:t> </a:t>
+            </a:r>
+            <a:r>
+              <a:rPr lang="fr-FR" sz="1000" i="1" dirty="0" err="1">
+                <a:latin typeface="Gill Sans Nova" panose="020B0602020104020203" pitchFamily="34" charset="0"/>
+              </a:rPr>
+              <a:t>from</a:t>
+            </a:r>
+            <a:endParaRPr lang="fr-FR" sz="1000" i="1" dirty="0">
+              <a:latin typeface="Gill Sans Nova" panose="020B0602020104020203" pitchFamily="34" charset="0"/>
+            </a:endParaRPr>
+          </a:p>
+        </p:txBody>
+      </p:sp>
+      <p:cxnSp>
+        <p:nvCxnSpPr>
+          <p:cNvPr id="20" name="Connecteur : en arc 19">
+            <a:extLst>
+              <a:ext uri="{FF2B5EF4-FFF2-40B4-BE49-F238E27FC236}">
+                <a16:creationId xmlns:a16="http://schemas.microsoft.com/office/drawing/2014/main" id="{479237A6-6C4E-4958-A794-6D03C4C414C9}"/>
+              </a:ext>
+            </a:extLst>
+          </p:cNvPr>
+          <p:cNvCxnSpPr>
+            <a:stCxn id="1203" idx="3"/>
+            <a:endCxn id="247" idx="1"/>
+          </p:cNvCxnSpPr>
+          <p:nvPr/>
+        </p:nvCxnSpPr>
+        <p:spPr>
+          <a:xfrm flipV="1">
+            <a:off x="36617044" y="23509204"/>
+            <a:ext cx="1827566" cy="648750"/>
+          </a:xfrm>
+          <a:prstGeom prst="curvedConnector3">
+            <a:avLst/>
+          </a:prstGeom>
+          <a:ln>
+            <a:tailEnd type="triangle"/>
+          </a:ln>
+        </p:spPr>
+        <p:style>
+          <a:lnRef idx="1">
+            <a:schemeClr val="dk1"/>
+          </a:lnRef>
+          <a:fillRef idx="0">
+            <a:schemeClr val="dk1"/>
+          </a:fillRef>
+          <a:effectRef idx="0">
+            <a:schemeClr val="dk1"/>
+          </a:effectRef>
+          <a:fontRef idx="minor">
+            <a:schemeClr val="tx1"/>
+          </a:fontRef>
+        </p:style>
+      </p:cxnSp>
+      <p:sp>
+        <p:nvSpPr>
+          <p:cNvPr id="257" name="Rectangle : coins arrondis 256">
+            <a:extLst>
+              <a:ext uri="{FF2B5EF4-FFF2-40B4-BE49-F238E27FC236}">
+                <a16:creationId xmlns:a16="http://schemas.microsoft.com/office/drawing/2014/main" id="{7C67B9CE-0BD7-45F9-B5DD-740F03FA40BD}"/>
               </a:ext>
             </a:extLst>
           </p:cNvPr>
@@ -16025,18 +15536,18 @@
         </p:nvSpPr>
         <p:spPr>
           <a:xfrm>
-            <a:off x="37586466" y="21468230"/>
+            <a:off x="38444606" y="24352632"/>
             <a:ext cx="1062751" cy="575137"/>
           </a:xfrm>
           <a:prstGeom prst="roundRect">
             <a:avLst/>
           </a:prstGeom>
           <a:solidFill>
-            <a:srgbClr val="A5E9E1"/>
+            <a:srgbClr val="37CDBB"/>
           </a:solidFill>
           <a:ln w="28575">
             <a:solidFill>
-              <a:srgbClr val="5ED8C9"/>
+              <a:srgbClr val="2AAC9D"/>
             </a:solidFill>
           </a:ln>
         </p:spPr>
@@ -16062,108 +15573,40 @@
             <a:r>
               <a:rPr lang="fr-FR" sz="1000" dirty="0">
                 <a:solidFill>
-                  <a:schemeClr val="tx1"/>
-                </a:solidFill>
-                <a:latin typeface="Gill Sans Nova" panose="020B0602020104020203" pitchFamily="34" charset="0"/>
-              </a:rPr>
-              <a:t>E66 Formation</a:t>
-            </a:r>
-          </a:p>
-        </p:txBody>
-      </p:sp>
-      <p:sp>
-        <p:nvSpPr>
-          <p:cNvPr id="250" name="ZoneTexte 249">
-            <a:extLst>
-              <a:ext uri="{FF2B5EF4-FFF2-40B4-BE49-F238E27FC236}">
-                <a16:creationId xmlns:a16="http://schemas.microsoft.com/office/drawing/2014/main" id="{C1440861-E564-4CCB-97CE-60377A4AC8B9}"/>
-              </a:ext>
-            </a:extLst>
-          </p:cNvPr>
-          <p:cNvSpPr txBox="1"/>
-          <p:nvPr/>
-        </p:nvSpPr>
-        <p:spPr>
-          <a:xfrm>
-            <a:off x="36027742" y="21571125"/>
-            <a:ext cx="1002668" cy="400110"/>
-          </a:xfrm>
-          <a:prstGeom prst="rect">
-            <a:avLst/>
-          </a:prstGeom>
-          <a:noFill/>
-        </p:spPr>
-        <p:txBody>
-          <a:bodyPr wrap="square" rtlCol="0">
-            <a:spAutoFit/>
-          </a:bodyPr>
-          <a:lstStyle/>
-          <a:p>
-            <a:pPr algn="ctr"/>
-            <a:r>
-              <a:rPr lang="fr-FR" sz="1000" i="1" dirty="0">
-                <a:latin typeface="Gill Sans Nova" panose="020B0602020104020203" pitchFamily="34" charset="0"/>
-              </a:rPr>
-              <a:t>P151 </a:t>
-            </a:r>
-            <a:r>
-              <a:rPr lang="fr-FR" sz="1000" i="1" dirty="0" err="1">
-                <a:latin typeface="Gill Sans Nova" panose="020B0602020104020203" pitchFamily="34" charset="0"/>
-              </a:rPr>
-              <a:t>was</a:t>
-            </a:r>
-            <a:r>
-              <a:rPr lang="fr-FR" sz="1000" i="1" dirty="0">
-                <a:latin typeface="Gill Sans Nova" panose="020B0602020104020203" pitchFamily="34" charset="0"/>
-              </a:rPr>
-              <a:t> </a:t>
-            </a:r>
-            <a:r>
-              <a:rPr lang="fr-FR" sz="1000" i="1" dirty="0" err="1">
-                <a:latin typeface="Gill Sans Nova" panose="020B0602020104020203" pitchFamily="34" charset="0"/>
-              </a:rPr>
-              <a:t>formed</a:t>
-            </a:r>
-            <a:r>
-              <a:rPr lang="fr-FR" sz="1000" i="1" dirty="0">
-                <a:latin typeface="Gill Sans Nova" panose="020B0602020104020203" pitchFamily="34" charset="0"/>
-              </a:rPr>
-              <a:t> </a:t>
-            </a:r>
-            <a:r>
-              <a:rPr lang="fr-FR" sz="1000" i="1" dirty="0" err="1">
-                <a:latin typeface="Gill Sans Nova" panose="020B0602020104020203" pitchFamily="34" charset="0"/>
-              </a:rPr>
-              <a:t>from</a:t>
-            </a:r>
-            <a:endParaRPr lang="fr-FR" sz="1000" i="1" dirty="0">
-              <a:latin typeface="Gill Sans Nova" panose="020B0602020104020203" pitchFamily="34" charset="0"/>
-            </a:endParaRPr>
+                  <a:schemeClr val="bg1"/>
+                </a:solidFill>
+                <a:latin typeface="Gill Sans Nova" panose="020B0602020104020203" pitchFamily="34" charset="0"/>
+              </a:rPr>
+              <a:t>E68 Dissolution</a:t>
+            </a:r>
           </a:p>
         </p:txBody>
       </p:sp>
       <p:cxnSp>
         <p:nvCxnSpPr>
-          <p:cNvPr id="20" name="Connecteur : en arc 19">
-            <a:extLst>
-              <a:ext uri="{FF2B5EF4-FFF2-40B4-BE49-F238E27FC236}">
-                <a16:creationId xmlns:a16="http://schemas.microsoft.com/office/drawing/2014/main" id="{479237A6-6C4E-4958-A794-6D03C4C414C9}"/>
+          <p:cNvPr id="23" name="Connecteur : en arc 22">
+            <a:extLst>
+              <a:ext uri="{FF2B5EF4-FFF2-40B4-BE49-F238E27FC236}">
+                <a16:creationId xmlns:a16="http://schemas.microsoft.com/office/drawing/2014/main" id="{9A437E44-B224-43A2-A941-BDF85F70E746}"/>
               </a:ext>
             </a:extLst>
           </p:cNvPr>
           <p:cNvCxnSpPr>
-            <a:stCxn id="1203" idx="3"/>
-            <a:endCxn id="247" idx="1"/>
+            <a:cxnSpLocks/>
+            <a:stCxn id="257" idx="1"/>
+            <a:endCxn id="1203" idx="3"/>
           </p:cNvCxnSpPr>
           <p:nvPr/>
         </p:nvCxnSpPr>
         <p:spPr>
-          <a:xfrm flipV="1">
-            <a:off x="35758904" y="21755802"/>
-            <a:ext cx="1827566" cy="648750"/>
+          <a:xfrm rot="10800000">
+            <a:off x="36617044" y="24157954"/>
+            <a:ext cx="1827566" cy="482250"/>
           </a:xfrm>
           <a:prstGeom prst="curvedConnector3">
-            <a:avLst/>
+            <a:avLst>
+              <a:gd name="adj1" fmla="val 50000"/>
+            </a:avLst>
           </a:prstGeom>
           <a:ln>
             <a:tailEnd type="triangle"/>
@@ -16186,10 +15629,57 @@
       </p:cxnSp>
       <p:sp>
         <p:nvSpPr>
-          <p:cNvPr id="257" name="Rectangle : coins arrondis 256">
-            <a:extLst>
-              <a:ext uri="{FF2B5EF4-FFF2-40B4-BE49-F238E27FC236}">
-                <a16:creationId xmlns:a16="http://schemas.microsoft.com/office/drawing/2014/main" id="{7C67B9CE-0BD7-45F9-B5DD-740F03FA40BD}"/>
+          <p:cNvPr id="262" name="ZoneTexte 261">
+            <a:extLst>
+              <a:ext uri="{FF2B5EF4-FFF2-40B4-BE49-F238E27FC236}">
+                <a16:creationId xmlns:a16="http://schemas.microsoft.com/office/drawing/2014/main" id="{D693F609-B1A5-4A21-85E1-ECBA60C0DF23}"/>
+              </a:ext>
+            </a:extLst>
+          </p:cNvPr>
+          <p:cNvSpPr txBox="1"/>
+          <p:nvPr/>
+        </p:nvSpPr>
+        <p:spPr>
+          <a:xfrm>
+            <a:off x="36949278" y="24603001"/>
+            <a:ext cx="1002668" cy="253916"/>
+          </a:xfrm>
+          <a:prstGeom prst="rect">
+            <a:avLst/>
+          </a:prstGeom>
+          <a:noFill/>
+        </p:spPr>
+        <p:txBody>
+          <a:bodyPr wrap="square" rtlCol="0">
+            <a:spAutoFit/>
+          </a:bodyPr>
+          <a:lstStyle/>
+          <a:p>
+            <a:pPr algn="ctr"/>
+            <a:r>
+              <a:rPr lang="fr-FR" sz="1000" i="1" dirty="0">
+                <a:latin typeface="Gill Sans Nova" panose="020B0602020104020203" pitchFamily="34" charset="0"/>
+              </a:rPr>
+              <a:t>P99 </a:t>
+            </a:r>
+            <a:r>
+              <a:rPr lang="fr-FR" sz="1000" i="1" dirty="0" err="1">
+                <a:latin typeface="Gill Sans Nova" panose="020B0602020104020203" pitchFamily="34" charset="0"/>
+              </a:rPr>
+              <a:t>dissolved</a:t>
+            </a:r>
+            <a:endParaRPr lang="fr-FR" sz="1000" i="1" dirty="0">
+              <a:latin typeface="Gill Sans Nova" panose="020B0602020104020203" pitchFamily="34" charset="0"/>
+            </a:endParaRPr>
+          </a:p>
+        </p:txBody>
+      </p:sp>
+      <p:sp>
+        <p:nvSpPr>
+          <p:cNvPr id="258" name="Rectangle : coins arrondis 257">
+            <a:extLst>
+              <a:ext uri="{FF2B5EF4-FFF2-40B4-BE49-F238E27FC236}">
+                <a16:creationId xmlns:a16="http://schemas.microsoft.com/office/drawing/2014/main" id="{EA50A966-EAEF-4AA2-893B-418A325ADA27}"/>
               </a:ext>
             </a:extLst>
           </p:cNvPr>
@@ -16198,18 +15688,18 @@
         </p:nvSpPr>
         <p:spPr>
           <a:xfrm>
-            <a:off x="37586466" y="22599230"/>
-            <a:ext cx="1062751" cy="575137"/>
+            <a:off x="32591545" y="15585890"/>
+            <a:ext cx="1052048" cy="697632"/>
           </a:xfrm>
           <a:prstGeom prst="roundRect">
             <a:avLst/>
           </a:prstGeom>
           <a:solidFill>
-            <a:srgbClr val="37CDBB"/>
+            <a:srgbClr val="D89EEA"/>
           </a:solidFill>
           <a:ln w="28575">
             <a:solidFill>
-              <a:srgbClr val="2AAC9D"/>
+              <a:srgbClr val="CE83E5"/>
             </a:solidFill>
           </a:ln>
         </p:spPr>
@@ -16239,36 +15729,154 @@
                 </a:solidFill>
                 <a:latin typeface="Gill Sans Nova" panose="020B0602020104020203" pitchFamily="34" charset="0"/>
               </a:rPr>
-              <a:t>E68 Dissolution</a:t>
+              <a:t>E36 Visual Item</a:t>
+            </a:r>
+          </a:p>
+          <a:p>
+            <a:pPr algn="ctr"/>
+            <a:r>
+              <a:rPr lang="fr-FR" sz="1000" i="1" dirty="0">
+                <a:solidFill>
+                  <a:schemeClr val="bg1"/>
+                </a:solidFill>
+                <a:latin typeface="Gill Sans Nova" panose="020B0602020104020203" pitchFamily="34" charset="0"/>
+              </a:rPr>
+              <a:t>(Gravure)</a:t>
+            </a:r>
+          </a:p>
+        </p:txBody>
+      </p:sp>
+      <p:sp>
+        <p:nvSpPr>
+          <p:cNvPr id="261" name="ZoneTexte 260">
+            <a:extLst>
+              <a:ext uri="{FF2B5EF4-FFF2-40B4-BE49-F238E27FC236}">
+                <a16:creationId xmlns:a16="http://schemas.microsoft.com/office/drawing/2014/main" id="{624F9947-9ED6-41C5-94F0-25C4E5ADDF83}"/>
+              </a:ext>
+            </a:extLst>
+          </p:cNvPr>
+          <p:cNvSpPr txBox="1"/>
+          <p:nvPr/>
+        </p:nvSpPr>
+        <p:spPr>
+          <a:xfrm>
+            <a:off x="32450334" y="17322160"/>
+            <a:ext cx="1398356" cy="253916"/>
+          </a:xfrm>
+          <a:prstGeom prst="rect">
+            <a:avLst/>
+          </a:prstGeom>
+          <a:noFill/>
+        </p:spPr>
+        <p:txBody>
+          <a:bodyPr wrap="square" rtlCol="0">
+            <a:spAutoFit/>
+          </a:bodyPr>
+          <a:lstStyle/>
+          <a:p>
+            <a:pPr algn="ctr"/>
+            <a:r>
+              <a:rPr lang="fr-FR" sz="1000" i="1" dirty="0">
+                <a:latin typeface="Gill Sans Nova" panose="020B0602020104020203" pitchFamily="34" charset="0"/>
+              </a:rPr>
+              <a:t>P138 </a:t>
+            </a:r>
+            <a:r>
+              <a:rPr lang="fr-FR" sz="1000" i="1" dirty="0" err="1">
+                <a:latin typeface="Gill Sans Nova" panose="020B0602020104020203" pitchFamily="34" charset="0"/>
+              </a:rPr>
+              <a:t>represents</a:t>
+            </a:r>
+            <a:endParaRPr lang="fr-FR" sz="1000" i="1" dirty="0">
+              <a:latin typeface="Gill Sans Nova" panose="020B0602020104020203" pitchFamily="34" charset="0"/>
+            </a:endParaRPr>
+          </a:p>
+        </p:txBody>
+      </p:sp>
+      <p:sp>
+        <p:nvSpPr>
+          <p:cNvPr id="260" name="ZoneTexte 259">
+            <a:extLst>
+              <a:ext uri="{FF2B5EF4-FFF2-40B4-BE49-F238E27FC236}">
+                <a16:creationId xmlns:a16="http://schemas.microsoft.com/office/drawing/2014/main" id="{8E7B1969-307E-4B11-A74D-89F27DD4D94D}"/>
+              </a:ext>
+            </a:extLst>
+          </p:cNvPr>
+          <p:cNvSpPr txBox="1"/>
+          <p:nvPr/>
+        </p:nvSpPr>
+        <p:spPr>
+          <a:xfrm>
+            <a:off x="31670436" y="12320268"/>
+            <a:ext cx="950003" cy="400110"/>
+          </a:xfrm>
+          <a:prstGeom prst="rect">
+            <a:avLst/>
+          </a:prstGeom>
+          <a:noFill/>
+        </p:spPr>
+        <p:txBody>
+          <a:bodyPr wrap="square" rtlCol="0">
+            <a:spAutoFit/>
+          </a:bodyPr>
+          <a:lstStyle/>
+          <a:p>
+            <a:pPr algn="ctr"/>
+            <a:r>
+              <a:rPr lang="fr-FR" sz="1000" i="1" dirty="0">
+                <a:latin typeface="Gill Sans Nova" panose="020B0602020104020203" pitchFamily="34" charset="0"/>
+              </a:rPr>
+              <a:t>P106 </a:t>
+            </a:r>
+            <a:r>
+              <a:rPr lang="fr-FR" sz="1000" i="1" dirty="0" err="1">
+                <a:latin typeface="Gill Sans Nova" panose="020B0602020104020203" pitchFamily="34" charset="0"/>
+              </a:rPr>
+              <a:t>is</a:t>
+            </a:r>
+            <a:r>
+              <a:rPr lang="fr-FR" sz="1000" i="1" dirty="0">
+                <a:latin typeface="Gill Sans Nova" panose="020B0602020104020203" pitchFamily="34" charset="0"/>
+              </a:rPr>
+              <a:t> </a:t>
+            </a:r>
+            <a:r>
+              <a:rPr lang="fr-FR" sz="1000" i="1" dirty="0" err="1">
+                <a:latin typeface="Gill Sans Nova" panose="020B0602020104020203" pitchFamily="34" charset="0"/>
+              </a:rPr>
+              <a:t>composed</a:t>
+            </a:r>
+            <a:r>
+              <a:rPr lang="fr-FR" sz="1000" i="1" dirty="0">
+                <a:latin typeface="Gill Sans Nova" panose="020B0602020104020203" pitchFamily="34" charset="0"/>
+              </a:rPr>
+              <a:t> of</a:t>
             </a:r>
           </a:p>
         </p:txBody>
       </p:sp>
       <p:cxnSp>
         <p:nvCxnSpPr>
-          <p:cNvPr id="23" name="Connecteur : en arc 22">
-            <a:extLst>
-              <a:ext uri="{FF2B5EF4-FFF2-40B4-BE49-F238E27FC236}">
-                <a16:creationId xmlns:a16="http://schemas.microsoft.com/office/drawing/2014/main" id="{9A437E44-B224-43A2-A941-BDF85F70E746}"/>
+          <p:cNvPr id="13" name="Connecteur : en arc 12">
+            <a:extLst>
+              <a:ext uri="{FF2B5EF4-FFF2-40B4-BE49-F238E27FC236}">
+                <a16:creationId xmlns:a16="http://schemas.microsoft.com/office/drawing/2014/main" id="{7F15B779-F7F2-4FB0-881F-DCDD26B2889C}"/>
               </a:ext>
             </a:extLst>
           </p:cNvPr>
           <p:cNvCxnSpPr>
-            <a:cxnSpLocks/>
-            <a:stCxn id="257" idx="1"/>
-            <a:endCxn id="1203" idx="3"/>
+            <a:stCxn id="919" idx="3"/>
+            <a:endCxn id="258" idx="0"/>
           </p:cNvCxnSpPr>
           <p:nvPr/>
         </p:nvCxnSpPr>
         <p:spPr>
-          <a:xfrm rot="10800000">
-            <a:off x="35758904" y="22404552"/>
-            <a:ext cx="1827566" cy="482250"/>
-          </a:xfrm>
-          <a:prstGeom prst="curvedConnector3">
-            <a:avLst>
-              <a:gd name="adj1" fmla="val 50000"/>
-            </a:avLst>
+          <a:xfrm>
+            <a:off x="30863496" y="10023642"/>
+            <a:ext cx="2254073" cy="5562248"/>
+          </a:xfrm>
+          <a:prstGeom prst="curvedConnector2">
+            <a:avLst/>
           </a:prstGeom>
           <a:ln>
             <a:tailEnd type="triangle"/>
@@ -16289,74 +15897,27 @@
           </a:fontRef>
         </p:style>
       </p:cxnSp>
-      <p:sp>
-        <p:nvSpPr>
-          <p:cNvPr id="262" name="ZoneTexte 261">
-            <a:extLst>
-              <a:ext uri="{FF2B5EF4-FFF2-40B4-BE49-F238E27FC236}">
-                <a16:creationId xmlns:a16="http://schemas.microsoft.com/office/drawing/2014/main" id="{D693F609-B1A5-4A21-85E1-ECBA60C0DF23}"/>
-              </a:ext>
-            </a:extLst>
-          </p:cNvPr>
-          <p:cNvSpPr txBox="1"/>
-          <p:nvPr/>
-        </p:nvSpPr>
-        <p:spPr>
-          <a:xfrm>
-            <a:off x="36091138" y="22849599"/>
-            <a:ext cx="1002668" cy="253916"/>
-          </a:xfrm>
-          <a:prstGeom prst="rect">
-            <a:avLst/>
-          </a:prstGeom>
-          <a:noFill/>
-        </p:spPr>
-        <p:txBody>
-          <a:bodyPr wrap="square" rtlCol="0">
-            <a:spAutoFit/>
-          </a:bodyPr>
-          <a:lstStyle/>
-          <a:p>
-            <a:pPr algn="ctr"/>
-            <a:r>
-              <a:rPr lang="fr-FR" sz="1000" i="1" dirty="0">
-                <a:latin typeface="Gill Sans Nova" panose="020B0602020104020203" pitchFamily="34" charset="0"/>
-              </a:rPr>
-              <a:t>P99 </a:t>
-            </a:r>
-            <a:r>
-              <a:rPr lang="fr-FR" sz="1000" i="1" dirty="0" err="1">
-                <a:latin typeface="Gill Sans Nova" panose="020B0602020104020203" pitchFamily="34" charset="0"/>
-              </a:rPr>
-              <a:t>dissolved</a:t>
-            </a:r>
-            <a:endParaRPr lang="fr-FR" sz="1000" i="1" dirty="0">
-              <a:latin typeface="Gill Sans Nova" panose="020B0602020104020203" pitchFamily="34" charset="0"/>
-            </a:endParaRPr>
-          </a:p>
-        </p:txBody>
-      </p:sp>
       <p:cxnSp>
         <p:nvCxnSpPr>
-          <p:cNvPr id="31" name="Connecteur : en arc 30">
-            <a:extLst>
-              <a:ext uri="{FF2B5EF4-FFF2-40B4-BE49-F238E27FC236}">
-                <a16:creationId xmlns:a16="http://schemas.microsoft.com/office/drawing/2014/main" id="{B1720472-2DBE-468A-AE6F-C9C7ABCE09DF}"/>
+          <p:cNvPr id="12" name="Connecteur droit avec flèche 11">
+            <a:extLst>
+              <a:ext uri="{FF2B5EF4-FFF2-40B4-BE49-F238E27FC236}">
+                <a16:creationId xmlns:a16="http://schemas.microsoft.com/office/drawing/2014/main" id="{44E4F1D9-F50F-412B-BB53-C744586D3A95}"/>
               </a:ext>
             </a:extLst>
           </p:cNvPr>
           <p:cNvCxnSpPr>
-            <a:stCxn id="1610" idx="3"/>
-            <a:endCxn id="1203" idx="0"/>
+            <a:stCxn id="942" idx="3"/>
+            <a:endCxn id="947" idx="1"/>
           </p:cNvCxnSpPr>
           <p:nvPr/>
         </p:nvCxnSpPr>
         <p:spPr>
-          <a:xfrm>
-            <a:off x="25731201" y="19873970"/>
-            <a:ext cx="9371733" cy="2102347"/>
-          </a:xfrm>
-          <a:prstGeom prst="curvedConnector2">
+          <a:xfrm flipV="1">
+            <a:off x="34225025" y="9995990"/>
+            <a:ext cx="3511266" cy="5957"/>
+          </a:xfrm>
+          <a:prstGeom prst="straightConnector1">
             <a:avLst/>
           </a:prstGeom>
           <a:ln>
@@ -16380,10 +15941,10 @@
       </p:cxnSp>
       <p:sp>
         <p:nvSpPr>
-          <p:cNvPr id="32" name="Ellipse 31">
-            <a:extLst>
-              <a:ext uri="{FF2B5EF4-FFF2-40B4-BE49-F238E27FC236}">
-                <a16:creationId xmlns:a16="http://schemas.microsoft.com/office/drawing/2014/main" id="{15A57189-6AE0-4557-9DA0-C68F4828C861}"/>
+          <p:cNvPr id="267" name="Rectangle : coins arrondis 266">
+            <a:extLst>
+              <a:ext uri="{FF2B5EF4-FFF2-40B4-BE49-F238E27FC236}">
+                <a16:creationId xmlns:a16="http://schemas.microsoft.com/office/drawing/2014/main" id="{BE2F8EFF-6565-4A49-B3B6-63B6CF8505FE}"/>
               </a:ext>
             </a:extLst>
           </p:cNvPr>
@@ -16392,215 +15953,16 @@
         </p:nvSpPr>
         <p:spPr>
           <a:xfrm>
-            <a:off x="29957125" y="20349106"/>
-            <a:ext cx="1187342" cy="289712"/>
-          </a:xfrm>
-          <a:prstGeom prst="ellipse">
-            <a:avLst/>
-          </a:prstGeom>
-          <a:noFill/>
-          <a:ln w="3175">
-            <a:solidFill>
-              <a:schemeClr val="tx1"/>
-            </a:solidFill>
-          </a:ln>
-        </p:spPr>
-        <p:style>
-          <a:lnRef idx="2">
-            <a:schemeClr val="accent1">
-              <a:shade val="50000"/>
-            </a:schemeClr>
-          </a:lnRef>
-          <a:fillRef idx="1">
-            <a:schemeClr val="accent1"/>
-          </a:fillRef>
-          <a:effectRef idx="0">
-            <a:schemeClr val="accent1"/>
-          </a:effectRef>
-          <a:fontRef idx="minor">
-            <a:schemeClr val="lt1"/>
-          </a:fontRef>
-        </p:style>
-        <p:txBody>
-          <a:bodyPr rtlCol="0" anchor="ctr"/>
-          <a:lstStyle/>
-          <a:p>
-            <a:pPr algn="ctr"/>
-            <a:r>
-              <a:rPr lang="fr-FR" sz="1000" i="1" dirty="0" err="1">
-                <a:solidFill>
-                  <a:schemeClr val="tx1"/>
-                </a:solidFill>
-                <a:latin typeface="Gill Sans Nova" panose="020B0602020104020203" pitchFamily="34" charset="0"/>
-              </a:rPr>
-              <a:t>sheP</a:t>
-            </a:r>
-            <a:r>
-              <a:rPr lang="fr-FR" sz="1000" i="1" dirty="0">
-                <a:solidFill>
-                  <a:schemeClr val="tx1"/>
-                </a:solidFill>
-                <a:latin typeface="Gill Sans Nova" panose="020B0602020104020203" pitchFamily="34" charset="0"/>
-              </a:rPr>
-              <a:t> associe</a:t>
-            </a:r>
-            <a:endParaRPr lang="fr-FR" sz="1000" dirty="0">
-              <a:solidFill>
-                <a:schemeClr val="tx1"/>
-              </a:solidFill>
-            </a:endParaRPr>
-          </a:p>
-        </p:txBody>
-      </p:sp>
-      <p:sp>
-        <p:nvSpPr>
-          <p:cNvPr id="33" name="Rectangle : coins arrondis 32">
-            <a:extLst>
-              <a:ext uri="{FF2B5EF4-FFF2-40B4-BE49-F238E27FC236}">
-                <a16:creationId xmlns:a16="http://schemas.microsoft.com/office/drawing/2014/main" id="{23E3FA34-3944-4780-AF7B-E220849355D9}"/>
-              </a:ext>
-            </a:extLst>
-          </p:cNvPr>
-          <p:cNvSpPr/>
-          <p:nvPr/>
-        </p:nvSpPr>
-        <p:spPr>
-          <a:xfrm>
-            <a:off x="38600231" y="32867614"/>
-            <a:ext cx="4122567" cy="2514599"/>
+            <a:off x="39612393" y="27294603"/>
+            <a:ext cx="1062751" cy="636761"/>
           </a:xfrm>
           <a:prstGeom prst="roundRect">
             <a:avLst/>
           </a:prstGeom>
           <a:solidFill>
-            <a:schemeClr val="bg1"/>
+            <a:srgbClr val="8A6868"/>
           </a:solidFill>
-          <a:ln>
-            <a:noFill/>
-          </a:ln>
-        </p:spPr>
-        <p:style>
-          <a:lnRef idx="2">
-            <a:schemeClr val="accent1">
-              <a:shade val="50000"/>
-            </a:schemeClr>
-          </a:lnRef>
-          <a:fillRef idx="1">
-            <a:schemeClr val="accent1"/>
-          </a:fillRef>
-          <a:effectRef idx="0">
-            <a:schemeClr val="accent1"/>
-          </a:effectRef>
-          <a:fontRef idx="minor">
-            <a:schemeClr val="lt1"/>
-          </a:fontRef>
-        </p:style>
-        <p:txBody>
-          <a:bodyPr rtlCol="0" anchor="t"/>
-          <a:lstStyle/>
-          <a:p>
-            <a:pPr>
-              <a:lnSpc>
-                <a:spcPct val="150000"/>
-              </a:lnSpc>
-            </a:pPr>
-            <a:r>
-              <a:rPr lang="fr-FR" sz="1200" dirty="0"/>
-              <a:t>     		</a:t>
-            </a:r>
-            <a:r>
-              <a:rPr lang="fr-FR" sz="1050" dirty="0">
-                <a:solidFill>
-                  <a:schemeClr val="tx1"/>
-                </a:solidFill>
-                <a:latin typeface="Gill Sans Nova" panose="020B0602020104020203" pitchFamily="34" charset="0"/>
-              </a:rPr>
-              <a:t>Propriété SHERLOCK</a:t>
-            </a:r>
-            <a:endParaRPr lang="fr-FR" sz="1200" dirty="0">
-              <a:latin typeface="Gill Sans Nova" panose="020B0602020104020203" pitchFamily="34" charset="0"/>
-            </a:endParaRPr>
-          </a:p>
-        </p:txBody>
-      </p:sp>
-      <p:sp>
-        <p:nvSpPr>
-          <p:cNvPr id="34" name="Ellipse 33">
-            <a:extLst>
-              <a:ext uri="{FF2B5EF4-FFF2-40B4-BE49-F238E27FC236}">
-                <a16:creationId xmlns:a16="http://schemas.microsoft.com/office/drawing/2014/main" id="{81CDD935-6267-4225-83BC-DF31C9A776AD}"/>
-              </a:ext>
-            </a:extLst>
-          </p:cNvPr>
-          <p:cNvSpPr/>
-          <p:nvPr/>
-        </p:nvSpPr>
-        <p:spPr>
-          <a:xfrm>
-            <a:off x="38881062" y="33185095"/>
-            <a:ext cx="742946" cy="247652"/>
-          </a:xfrm>
-          <a:prstGeom prst="ellipse">
-            <a:avLst/>
-          </a:prstGeom>
-          <a:solidFill>
-            <a:schemeClr val="bg1"/>
-          </a:solidFill>
-          <a:ln>
-            <a:solidFill>
-              <a:schemeClr val="tx1"/>
-            </a:solidFill>
-          </a:ln>
-        </p:spPr>
-        <p:style>
-          <a:lnRef idx="2">
-            <a:schemeClr val="accent1">
-              <a:shade val="50000"/>
-            </a:schemeClr>
-          </a:lnRef>
-          <a:fillRef idx="1">
-            <a:schemeClr val="accent1"/>
-          </a:fillRef>
-          <a:effectRef idx="0">
-            <a:schemeClr val="accent1"/>
-          </a:effectRef>
-          <a:fontRef idx="minor">
-            <a:schemeClr val="lt1"/>
-          </a:fontRef>
-        </p:style>
-        <p:txBody>
-          <a:bodyPr rtlCol="0" anchor="ctr"/>
-          <a:lstStyle/>
-          <a:p>
-            <a:pPr algn="ctr"/>
-            <a:endParaRPr lang="fr-FR" sz="1200"/>
-          </a:p>
-        </p:txBody>
-      </p:sp>
-      <p:sp>
-        <p:nvSpPr>
-          <p:cNvPr id="258" name="Rectangle : coins arrondis 257">
-            <a:extLst>
-              <a:ext uri="{FF2B5EF4-FFF2-40B4-BE49-F238E27FC236}">
-                <a16:creationId xmlns:a16="http://schemas.microsoft.com/office/drawing/2014/main" id="{EA50A966-EAEF-4AA2-893B-418A325ADA27}"/>
-              </a:ext>
-            </a:extLst>
-          </p:cNvPr>
-          <p:cNvSpPr/>
-          <p:nvPr/>
-        </p:nvSpPr>
-        <p:spPr>
-          <a:xfrm>
-            <a:off x="30761918" y="12903914"/>
-            <a:ext cx="1052048" cy="697632"/>
-          </a:xfrm>
-          <a:prstGeom prst="roundRect">
-            <a:avLst/>
-          </a:prstGeom>
-          <a:solidFill>
-            <a:srgbClr val="DF5BCC"/>
-          </a:solidFill>
-          <a:ln w="12700">
+          <a:ln w="28575">
             <a:noFill/>
           </a:ln>
         </p:spPr>
@@ -16630,8 +15992,23 @@
                 </a:solidFill>
                 <a:latin typeface="Gill Sans Nova" panose="020B0602020104020203" pitchFamily="34" charset="0"/>
               </a:rPr>
-              <a:t>E36 Visual Item</a:t>
-            </a:r>
+              <a:t>E93 </a:t>
+            </a:r>
+            <a:r>
+              <a:rPr lang="fr-FR" sz="1000" dirty="0" err="1">
+                <a:solidFill>
+                  <a:schemeClr val="bg1"/>
+                </a:solidFill>
+                <a:latin typeface="Gill Sans Nova" panose="020B0602020104020203" pitchFamily="34" charset="0"/>
+              </a:rPr>
+              <a:t>Presence</a:t>
+            </a:r>
+            <a:endParaRPr lang="fr-FR" sz="1000" dirty="0">
+              <a:solidFill>
+                <a:schemeClr val="bg1"/>
+              </a:solidFill>
+              <a:latin typeface="Gill Sans Nova" panose="020B0602020104020203" pitchFamily="34" charset="0"/>
+            </a:endParaRPr>
           </a:p>
           <a:p>
             <a:pPr algn="ctr"/>
@@ -16642,31 +16019,30 @@
                 </a:solidFill>
                 <a:latin typeface="Gill Sans Nova" panose="020B0602020104020203" pitchFamily="34" charset="0"/>
               </a:rPr>
-              <a:t>(Gravure)</a:t>
+              <a:t>« Ile-de-France »</a:t>
             </a:r>
           </a:p>
         </p:txBody>
       </p:sp>
       <p:cxnSp>
         <p:nvCxnSpPr>
-          <p:cNvPr id="8" name="Connecteur droit avec flèche 7">
-            <a:extLst>
-              <a:ext uri="{FF2B5EF4-FFF2-40B4-BE49-F238E27FC236}">
-                <a16:creationId xmlns:a16="http://schemas.microsoft.com/office/drawing/2014/main" id="{DCFF6C89-3050-4686-A940-FEFBF6463689}"/>
+          <p:cNvPr id="29" name="Connecteur droit avec flèche 28">
+            <a:extLst>
+              <a:ext uri="{FF2B5EF4-FFF2-40B4-BE49-F238E27FC236}">
+                <a16:creationId xmlns:a16="http://schemas.microsoft.com/office/drawing/2014/main" id="{4C526D0A-C9FF-4F9C-9320-A64EF44EC709}"/>
               </a:ext>
             </a:extLst>
           </p:cNvPr>
           <p:cNvCxnSpPr>
-            <a:cxnSpLocks/>
-            <a:stCxn id="258" idx="2"/>
-            <a:endCxn id="292" idx="0"/>
+            <a:stCxn id="266" idx="3"/>
+            <a:endCxn id="267" idx="1"/>
           </p:cNvCxnSpPr>
           <p:nvPr/>
         </p:nvCxnSpPr>
         <p:spPr>
           <a:xfrm>
-            <a:off x="31287942" y="13601546"/>
-            <a:ext cx="15800" cy="820822"/>
+            <a:off x="36699166" y="27602078"/>
+            <a:ext cx="2913227" cy="10906"/>
           </a:xfrm>
           <a:prstGeom prst="straightConnector1">
             <a:avLst/>
@@ -16692,10 +16068,10 @@
       </p:cxnSp>
       <p:sp>
         <p:nvSpPr>
-          <p:cNvPr id="261" name="ZoneTexte 260">
-            <a:extLst>
-              <a:ext uri="{FF2B5EF4-FFF2-40B4-BE49-F238E27FC236}">
-                <a16:creationId xmlns:a16="http://schemas.microsoft.com/office/drawing/2014/main" id="{624F9947-9ED6-41C5-94F0-25C4E5ADDF83}"/>
+          <p:cNvPr id="272" name="ZoneTexte 271">
+            <a:extLst>
+              <a:ext uri="{FF2B5EF4-FFF2-40B4-BE49-F238E27FC236}">
+                <a16:creationId xmlns:a16="http://schemas.microsoft.com/office/drawing/2014/main" id="{16796B78-B6A7-44EC-874B-3BAAD8E9D571}"/>
               </a:ext>
             </a:extLst>
           </p:cNvPr>
@@ -16704,8 +16080,8 @@
         </p:nvSpPr>
         <p:spPr>
           <a:xfrm>
-            <a:off x="29917119" y="13843265"/>
-            <a:ext cx="1398356" cy="253916"/>
+            <a:off x="37127019" y="27311082"/>
+            <a:ext cx="2158561" cy="246221"/>
           </a:xfrm>
           <a:prstGeom prst="rect">
             <a:avLst/>
@@ -16720,16 +16096,365 @@
           <a:p>
             <a:pPr algn="ctr"/>
             <a:r>
+              <a:rPr lang="fr-FR" sz="1000" b="1" i="1" dirty="0" err="1">
+                <a:latin typeface="Gill Sans Nova" panose="020B0602020104020203" pitchFamily="34" charset="0"/>
+              </a:rPr>
+              <a:t>sheP</a:t>
+            </a:r>
+            <a:r>
+              <a:rPr lang="fr-FR" sz="1000" b="1" i="1" dirty="0">
+                <a:latin typeface="Gill Sans Nova" panose="020B0602020104020203" pitchFamily="34" charset="0"/>
+              </a:rPr>
+              <a:t> situation </a:t>
+            </a:r>
+            <a:r>
+              <a:rPr lang="fr-FR" sz="1000" b="1" i="1" dirty="0" err="1">
+                <a:latin typeface="Gill Sans Nova" panose="020B0602020104020203" pitchFamily="34" charset="0"/>
+              </a:rPr>
+              <a:t>géohistorique</a:t>
+            </a:r>
+            <a:endParaRPr lang="fr-FR" sz="1000" b="1" i="1" dirty="0">
+              <a:latin typeface="Gill Sans Nova" panose="020B0602020104020203" pitchFamily="34" charset="0"/>
+            </a:endParaRPr>
+          </a:p>
+        </p:txBody>
+      </p:sp>
+      <p:sp>
+        <p:nvSpPr>
+          <p:cNvPr id="274" name="ZoneTexte 273">
+            <a:extLst>
+              <a:ext uri="{FF2B5EF4-FFF2-40B4-BE49-F238E27FC236}">
+                <a16:creationId xmlns:a16="http://schemas.microsoft.com/office/drawing/2014/main" id="{BF631449-EE0B-4A78-892F-B6E8B49DD8B0}"/>
+              </a:ext>
+            </a:extLst>
+          </p:cNvPr>
+          <p:cNvSpPr txBox="1"/>
+          <p:nvPr/>
+        </p:nvSpPr>
+        <p:spPr>
+          <a:xfrm>
+            <a:off x="30139329" y="31655045"/>
+            <a:ext cx="2158561" cy="400110"/>
+          </a:xfrm>
+          <a:prstGeom prst="rect">
+            <a:avLst/>
+          </a:prstGeom>
+          <a:noFill/>
+        </p:spPr>
+        <p:txBody>
+          <a:bodyPr wrap="square" rtlCol="0">
+            <a:spAutoFit/>
+          </a:bodyPr>
+          <a:lstStyle/>
+          <a:p>
+            <a:pPr algn="ctr"/>
+            <a:r>
+              <a:rPr lang="fr-FR" sz="1000" b="1" i="1" dirty="0" err="1">
+                <a:latin typeface="Gill Sans Nova" panose="020B0602020104020203" pitchFamily="34" charset="0"/>
+              </a:rPr>
+              <a:t>sheP</a:t>
+            </a:r>
+            <a:r>
+              <a:rPr lang="fr-FR" sz="1000" b="1" i="1" dirty="0">
+                <a:latin typeface="Gill Sans Nova" panose="020B0602020104020203" pitchFamily="34" charset="0"/>
+              </a:rPr>
+              <a:t> a pour entité de plus haut niveau</a:t>
+            </a:r>
+          </a:p>
+        </p:txBody>
+      </p:sp>
+      <p:sp>
+        <p:nvSpPr>
+          <p:cNvPr id="278" name="ZoneTexte 277">
+            <a:extLst>
+              <a:ext uri="{FF2B5EF4-FFF2-40B4-BE49-F238E27FC236}">
+                <a16:creationId xmlns:a16="http://schemas.microsoft.com/office/drawing/2014/main" id="{8B83B232-45D1-4761-83AC-024BB8DE1A27}"/>
+              </a:ext>
+            </a:extLst>
+          </p:cNvPr>
+          <p:cNvSpPr txBox="1"/>
+          <p:nvPr/>
+        </p:nvSpPr>
+        <p:spPr>
+          <a:xfrm>
+            <a:off x="25226629" y="31065677"/>
+            <a:ext cx="1127842" cy="553998"/>
+          </a:xfrm>
+          <a:prstGeom prst="rect">
+            <a:avLst/>
+          </a:prstGeom>
+          <a:noFill/>
+        </p:spPr>
+        <p:txBody>
+          <a:bodyPr wrap="square" rtlCol="0">
+            <a:spAutoFit/>
+          </a:bodyPr>
+          <a:lstStyle/>
+          <a:p>
+            <a:pPr algn="ctr"/>
+            <a:r>
+              <a:rPr lang="fr-FR" sz="1000" b="1" i="1" dirty="0" err="1">
+                <a:latin typeface="Gill Sans Nova" panose="020B0602020104020203" pitchFamily="34" charset="0"/>
+              </a:rPr>
+              <a:t>sheP</a:t>
+            </a:r>
+            <a:r>
+              <a:rPr lang="fr-FR" sz="1000" b="1" i="1" dirty="0">
+                <a:latin typeface="Gill Sans Nova" panose="020B0602020104020203" pitchFamily="34" charset="0"/>
+              </a:rPr>
+              <a:t> a pour entité de plus haut niveau</a:t>
+            </a:r>
+          </a:p>
+        </p:txBody>
+      </p:sp>
+      <p:sp>
+        <p:nvSpPr>
+          <p:cNvPr id="279" name="ZoneTexte 278">
+            <a:extLst>
+              <a:ext uri="{FF2B5EF4-FFF2-40B4-BE49-F238E27FC236}">
+                <a16:creationId xmlns:a16="http://schemas.microsoft.com/office/drawing/2014/main" id="{0705856E-68C7-4B30-B288-5A010B99F520}"/>
+              </a:ext>
+            </a:extLst>
+          </p:cNvPr>
+          <p:cNvSpPr txBox="1"/>
+          <p:nvPr/>
+        </p:nvSpPr>
+        <p:spPr>
+          <a:xfrm>
+            <a:off x="16657546" y="32800566"/>
+            <a:ext cx="3320724" cy="246221"/>
+          </a:xfrm>
+          <a:prstGeom prst="rect">
+            <a:avLst/>
+          </a:prstGeom>
+          <a:noFill/>
+        </p:spPr>
+        <p:txBody>
+          <a:bodyPr wrap="square" rtlCol="0">
+            <a:spAutoFit/>
+          </a:bodyPr>
+          <a:lstStyle/>
+          <a:p>
+            <a:pPr algn="ctr"/>
+            <a:r>
+              <a:rPr lang="fr-FR" sz="1000" b="1" i="1" dirty="0" err="1">
+                <a:latin typeface="Gill Sans Nova" panose="020B0602020104020203" pitchFamily="34" charset="0"/>
+              </a:rPr>
+              <a:t>sheP</a:t>
+            </a:r>
+            <a:r>
+              <a:rPr lang="fr-FR" sz="1000" b="1" i="1" dirty="0">
+                <a:latin typeface="Gill Sans Nova" panose="020B0602020104020203" pitchFamily="34" charset="0"/>
+              </a:rPr>
+              <a:t> a pour entité de plus haut niveau</a:t>
+            </a:r>
+          </a:p>
+        </p:txBody>
+      </p:sp>
+      <p:sp>
+        <p:nvSpPr>
+          <p:cNvPr id="282" name="Rectangle : coins arrondis 281">
+            <a:extLst>
+              <a:ext uri="{FF2B5EF4-FFF2-40B4-BE49-F238E27FC236}">
+                <a16:creationId xmlns:a16="http://schemas.microsoft.com/office/drawing/2014/main" id="{3E869BAE-BEDD-427A-9D80-3C223B2B8256}"/>
+              </a:ext>
+            </a:extLst>
+          </p:cNvPr>
+          <p:cNvSpPr/>
+          <p:nvPr/>
+        </p:nvSpPr>
+        <p:spPr>
+          <a:xfrm>
+            <a:off x="31507124" y="18346414"/>
+            <a:ext cx="1130864" cy="519454"/>
+          </a:xfrm>
+          <a:prstGeom prst="roundRect">
+            <a:avLst/>
+          </a:prstGeom>
+          <a:solidFill>
+            <a:srgbClr val="C3A441"/>
+          </a:solidFill>
+          <a:ln w="28575">
+            <a:solidFill>
+              <a:schemeClr val="accent4">
+                <a:lumMod val="75000"/>
+              </a:schemeClr>
+            </a:solidFill>
+          </a:ln>
+        </p:spPr>
+        <p:style>
+          <a:lnRef idx="2">
+            <a:schemeClr val="accent6"/>
+          </a:lnRef>
+          <a:fillRef idx="1">
+            <a:schemeClr val="lt1"/>
+          </a:fillRef>
+          <a:effectRef idx="0">
+            <a:schemeClr val="accent6"/>
+          </a:effectRef>
+          <a:fontRef idx="minor">
+            <a:schemeClr val="dk1"/>
+          </a:fontRef>
+        </p:style>
+        <p:txBody>
+          <a:bodyPr rtlCol="0" anchor="ctr"/>
+          <a:lstStyle/>
+          <a:p>
+            <a:pPr algn="ctr"/>
+            <a:r>
+              <a:rPr lang="fr-FR" sz="1000" dirty="0">
+                <a:solidFill>
+                  <a:schemeClr val="bg1"/>
+                </a:solidFill>
+                <a:latin typeface="Gill Sans Nova" panose="020B0602020104020203" pitchFamily="34" charset="0"/>
+              </a:rPr>
+              <a:t>E1 CRM </a:t>
+            </a:r>
+            <a:r>
+              <a:rPr lang="fr-FR" sz="1000" dirty="0" err="1">
+                <a:solidFill>
+                  <a:schemeClr val="bg1"/>
+                </a:solidFill>
+                <a:latin typeface="Gill Sans Nova" panose="020B0602020104020203" pitchFamily="34" charset="0"/>
+              </a:rPr>
+              <a:t>Entity</a:t>
+            </a:r>
+            <a:endParaRPr lang="fr-FR" sz="1000" dirty="0">
+              <a:solidFill>
+                <a:schemeClr val="bg1"/>
+              </a:solidFill>
+              <a:latin typeface="Gill Sans Nova" panose="020B0602020104020203" pitchFamily="34" charset="0"/>
+            </a:endParaRPr>
+          </a:p>
+          <a:p>
+            <a:pPr algn="ctr"/>
+            <a:r>
               <a:rPr lang="fr-FR" sz="1000" i="1" dirty="0">
-                <a:latin typeface="Gill Sans Nova" panose="020B0602020104020203" pitchFamily="34" charset="0"/>
-              </a:rPr>
-              <a:t>P138 </a:t>
+                <a:solidFill>
+                  <a:schemeClr val="bg1"/>
+                </a:solidFill>
+                <a:latin typeface="Gill Sans Nova" panose="020B0602020104020203" pitchFamily="34" charset="0"/>
+              </a:rPr>
+              <a:t>« Obélisque »</a:t>
+            </a:r>
+          </a:p>
+        </p:txBody>
+      </p:sp>
+      <p:sp>
+        <p:nvSpPr>
+          <p:cNvPr id="290" name="Rectangle : coins arrondis 289">
+            <a:extLst>
+              <a:ext uri="{FF2B5EF4-FFF2-40B4-BE49-F238E27FC236}">
+                <a16:creationId xmlns:a16="http://schemas.microsoft.com/office/drawing/2014/main" id="{C38765AF-D1AB-419F-B6A3-7E6AB217D8E6}"/>
+              </a:ext>
+            </a:extLst>
+          </p:cNvPr>
+          <p:cNvSpPr/>
+          <p:nvPr/>
+        </p:nvSpPr>
+        <p:spPr>
+          <a:xfrm>
+            <a:off x="35917132" y="14728949"/>
+            <a:ext cx="864026" cy="571570"/>
+          </a:xfrm>
+          <a:prstGeom prst="roundRect">
+            <a:avLst/>
+          </a:prstGeom>
+          <a:solidFill>
+            <a:srgbClr val="E6C0D5"/>
+          </a:solidFill>
+          <a:ln w="28575">
+            <a:solidFill>
+              <a:srgbClr val="D99BBD"/>
+            </a:solidFill>
+          </a:ln>
+        </p:spPr>
+        <p:style>
+          <a:lnRef idx="2">
+            <a:schemeClr val="accent6"/>
+          </a:lnRef>
+          <a:fillRef idx="1">
+            <a:schemeClr val="lt1"/>
+          </a:fillRef>
+          <a:effectRef idx="0">
+            <a:schemeClr val="accent6"/>
+          </a:effectRef>
+          <a:fontRef idx="minor">
+            <a:schemeClr val="dk1"/>
+          </a:fontRef>
+        </p:style>
+        <p:txBody>
+          <a:bodyPr rtlCol="0" anchor="ctr"/>
+          <a:lstStyle/>
+          <a:p>
+            <a:pPr algn="ctr"/>
+            <a:r>
+              <a:rPr lang="fr-FR" sz="1000" dirty="0">
+                <a:solidFill>
+                  <a:schemeClr val="tx1"/>
+                </a:solidFill>
+                <a:latin typeface="Gill Sans Nova" panose="020B0602020104020203" pitchFamily="34" charset="0"/>
+              </a:rPr>
+              <a:t>E35 </a:t>
+            </a:r>
+            <a:r>
+              <a:rPr lang="fr-FR" sz="1000" dirty="0" err="1">
+                <a:solidFill>
+                  <a:schemeClr val="tx1"/>
+                </a:solidFill>
+                <a:latin typeface="Gill Sans Nova" panose="020B0602020104020203" pitchFamily="34" charset="0"/>
+              </a:rPr>
+              <a:t>Title</a:t>
+            </a:r>
+            <a:endParaRPr lang="fr-FR" sz="1000" i="1" dirty="0">
+              <a:solidFill>
+                <a:schemeClr val="tx1"/>
+              </a:solidFill>
+              <a:latin typeface="Gill Sans Nova" panose="020B0602020104020203" pitchFamily="34" charset="0"/>
+            </a:endParaRPr>
+          </a:p>
+        </p:txBody>
+      </p:sp>
+      <p:sp>
+        <p:nvSpPr>
+          <p:cNvPr id="294" name="ZoneTexte 293">
+            <a:extLst>
+              <a:ext uri="{FF2B5EF4-FFF2-40B4-BE49-F238E27FC236}">
+                <a16:creationId xmlns:a16="http://schemas.microsoft.com/office/drawing/2014/main" id="{3EFD4A83-602D-4C43-9A90-E64B9D211C80}"/>
+              </a:ext>
+            </a:extLst>
+          </p:cNvPr>
+          <p:cNvSpPr txBox="1"/>
+          <p:nvPr/>
+        </p:nvSpPr>
+        <p:spPr>
+          <a:xfrm>
+            <a:off x="34148275" y="15193758"/>
+            <a:ext cx="685869" cy="400110"/>
+          </a:xfrm>
+          <a:prstGeom prst="rect">
+            <a:avLst/>
+          </a:prstGeom>
+          <a:noFill/>
+        </p:spPr>
+        <p:txBody>
+          <a:bodyPr wrap="square" rtlCol="0">
+            <a:spAutoFit/>
+          </a:bodyPr>
+          <a:lstStyle/>
+          <a:p>
+            <a:pPr algn="ctr"/>
+            <a:r>
+              <a:rPr lang="fr-FR" sz="1000" i="1" dirty="0">
+                <a:latin typeface="Gill Sans Nova" panose="020B0602020104020203" pitchFamily="34" charset="0"/>
+              </a:rPr>
+              <a:t>P102 has </a:t>
             </a:r>
             <a:r>
               <a:rPr lang="fr-FR" sz="1000" i="1" dirty="0" err="1">
                 <a:latin typeface="Gill Sans Nova" panose="020B0602020104020203" pitchFamily="34" charset="0"/>
               </a:rPr>
-              <a:t>represents</a:t>
+              <a:t>title</a:t>
             </a:r>
             <a:endParaRPr lang="fr-FR" sz="1000" i="1" dirty="0">
               <a:latin typeface="Gill Sans Nova" panose="020B0602020104020203" pitchFamily="34" charset="0"/>
@@ -16739,10 +16464,441 @@
       </p:sp>
       <p:sp>
         <p:nvSpPr>
-          <p:cNvPr id="260" name="ZoneTexte 259">
-            <a:extLst>
-              <a:ext uri="{FF2B5EF4-FFF2-40B4-BE49-F238E27FC236}">
-                <a16:creationId xmlns:a16="http://schemas.microsoft.com/office/drawing/2014/main" id="{8E7B1969-307E-4B11-A74D-89F27DD4D94D}"/>
+          <p:cNvPr id="296" name="Rectangle : coins arrondis 295">
+            <a:extLst>
+              <a:ext uri="{FF2B5EF4-FFF2-40B4-BE49-F238E27FC236}">
+                <a16:creationId xmlns:a16="http://schemas.microsoft.com/office/drawing/2014/main" id="{C22090EF-CC04-49D7-B122-27FF41CCBDA0}"/>
+              </a:ext>
+            </a:extLst>
+          </p:cNvPr>
+          <p:cNvSpPr/>
+          <p:nvPr/>
+        </p:nvSpPr>
+        <p:spPr>
+          <a:xfrm>
+            <a:off x="35735228" y="13554529"/>
+            <a:ext cx="1216621" cy="540468"/>
+          </a:xfrm>
+          <a:prstGeom prst="roundRect">
+            <a:avLst/>
+          </a:prstGeom>
+          <a:solidFill>
+            <a:srgbClr val="F6CACA"/>
+          </a:solidFill>
+          <a:ln w="12700">
+            <a:noFill/>
+          </a:ln>
+        </p:spPr>
+        <p:style>
+          <a:lnRef idx="2">
+            <a:schemeClr val="accent6"/>
+          </a:lnRef>
+          <a:fillRef idx="1">
+            <a:schemeClr val="lt1"/>
+          </a:fillRef>
+          <a:effectRef idx="0">
+            <a:schemeClr val="accent6"/>
+          </a:effectRef>
+          <a:fontRef idx="minor">
+            <a:schemeClr val="dk1"/>
+          </a:fontRef>
+        </p:style>
+        <p:txBody>
+          <a:bodyPr rtlCol="0" anchor="ctr"/>
+          <a:lstStyle/>
+          <a:p>
+            <a:pPr algn="ctr"/>
+            <a:r>
+              <a:rPr lang="fr-FR" sz="1000" dirty="0">
+                <a:solidFill>
+                  <a:schemeClr val="tx1"/>
+                </a:solidFill>
+                <a:latin typeface="Gill Sans Nova" panose="020B0602020104020203" pitchFamily="34" charset="0"/>
+              </a:rPr>
+              <a:t>E55 Type</a:t>
+            </a:r>
+          </a:p>
+          <a:p>
+            <a:pPr algn="ctr"/>
+            <a:r>
+              <a:rPr lang="fr-FR" sz="1000" dirty="0">
+                <a:solidFill>
+                  <a:schemeClr val="tx1"/>
+                </a:solidFill>
+                <a:latin typeface="Gill Sans Nova" panose="020B0602020104020203" pitchFamily="34" charset="0"/>
+              </a:rPr>
+              <a:t>« </a:t>
+            </a:r>
+            <a:r>
+              <a:rPr lang="fr-FR" sz="1000" i="1" dirty="0">
+                <a:solidFill>
+                  <a:schemeClr val="tx1"/>
+                </a:solidFill>
+                <a:latin typeface="Gill Sans Nova" panose="020B0602020104020203" pitchFamily="34" charset="0"/>
+              </a:rPr>
+              <a:t>Titre normalisé </a:t>
+            </a:r>
+            <a:r>
+              <a:rPr lang="fr-FR" sz="1000" dirty="0">
+                <a:solidFill>
+                  <a:schemeClr val="tx1"/>
+                </a:solidFill>
+                <a:latin typeface="Gill Sans Nova" panose="020B0602020104020203" pitchFamily="34" charset="0"/>
+              </a:rPr>
+              <a:t>»</a:t>
+            </a:r>
+          </a:p>
+        </p:txBody>
+      </p:sp>
+      <p:cxnSp>
+        <p:nvCxnSpPr>
+          <p:cNvPr id="58" name="Connecteur droit avec flèche 57">
+            <a:extLst>
+              <a:ext uri="{FF2B5EF4-FFF2-40B4-BE49-F238E27FC236}">
+                <a16:creationId xmlns:a16="http://schemas.microsoft.com/office/drawing/2014/main" id="{76CCCE59-0530-4B85-ACD3-6BB599329A8A}"/>
+              </a:ext>
+            </a:extLst>
+          </p:cNvPr>
+          <p:cNvCxnSpPr>
+            <a:cxnSpLocks/>
+            <a:stCxn id="290" idx="0"/>
+            <a:endCxn id="296" idx="2"/>
+          </p:cNvCxnSpPr>
+          <p:nvPr/>
+        </p:nvCxnSpPr>
+        <p:spPr>
+          <a:xfrm flipH="1" flipV="1">
+            <a:off x="36343539" y="14094997"/>
+            <a:ext cx="5606" cy="633952"/>
+          </a:xfrm>
+          <a:prstGeom prst="straightConnector1">
+            <a:avLst/>
+          </a:prstGeom>
+          <a:ln>
+            <a:tailEnd type="triangle"/>
+          </a:ln>
+        </p:spPr>
+        <p:style>
+          <a:lnRef idx="1">
+            <a:schemeClr val="dk1"/>
+          </a:lnRef>
+          <a:fillRef idx="0">
+            <a:schemeClr val="dk1"/>
+          </a:fillRef>
+          <a:effectRef idx="0">
+            <a:schemeClr val="dk1"/>
+          </a:effectRef>
+          <a:fontRef idx="minor">
+            <a:schemeClr val="tx1"/>
+          </a:fontRef>
+        </p:style>
+      </p:cxnSp>
+      <p:sp>
+        <p:nvSpPr>
+          <p:cNvPr id="301" name="Rectangle : coins arrondis 300">
+            <a:extLst>
+              <a:ext uri="{FF2B5EF4-FFF2-40B4-BE49-F238E27FC236}">
+                <a16:creationId xmlns:a16="http://schemas.microsoft.com/office/drawing/2014/main" id="{E17D71EA-5F14-4876-AE81-319357EA5616}"/>
+              </a:ext>
+            </a:extLst>
+          </p:cNvPr>
+          <p:cNvSpPr/>
+          <p:nvPr/>
+        </p:nvSpPr>
+        <p:spPr>
+          <a:xfrm>
+            <a:off x="33625239" y="18320204"/>
+            <a:ext cx="1062751" cy="636761"/>
+          </a:xfrm>
+          <a:prstGeom prst="roundRect">
+            <a:avLst/>
+          </a:prstGeom>
+          <a:solidFill>
+            <a:srgbClr val="8A6868"/>
+          </a:solidFill>
+          <a:ln w="28575">
+            <a:noFill/>
+          </a:ln>
+        </p:spPr>
+        <p:style>
+          <a:lnRef idx="2">
+            <a:schemeClr val="accent6"/>
+          </a:lnRef>
+          <a:fillRef idx="1">
+            <a:schemeClr val="lt1"/>
+          </a:fillRef>
+          <a:effectRef idx="0">
+            <a:schemeClr val="accent6"/>
+          </a:effectRef>
+          <a:fontRef idx="minor">
+            <a:schemeClr val="dk1"/>
+          </a:fontRef>
+        </p:style>
+        <p:txBody>
+          <a:bodyPr rtlCol="0" anchor="ctr"/>
+          <a:lstStyle/>
+          <a:p>
+            <a:pPr algn="ctr"/>
+            <a:r>
+              <a:rPr lang="fr-FR" sz="1000" dirty="0">
+                <a:solidFill>
+                  <a:schemeClr val="bg1"/>
+                </a:solidFill>
+                <a:latin typeface="Gill Sans Nova" panose="020B0602020104020203" pitchFamily="34" charset="0"/>
+              </a:rPr>
+              <a:t>E93 </a:t>
+            </a:r>
+            <a:r>
+              <a:rPr lang="fr-FR" sz="1000" dirty="0" err="1">
+                <a:solidFill>
+                  <a:schemeClr val="bg1"/>
+                </a:solidFill>
+                <a:latin typeface="Gill Sans Nova" panose="020B0602020104020203" pitchFamily="34" charset="0"/>
+              </a:rPr>
+              <a:t>Presence</a:t>
+            </a:r>
+            <a:endParaRPr lang="fr-FR" sz="1000" dirty="0">
+              <a:solidFill>
+                <a:schemeClr val="bg1"/>
+              </a:solidFill>
+              <a:latin typeface="Gill Sans Nova" panose="020B0602020104020203" pitchFamily="34" charset="0"/>
+            </a:endParaRPr>
+          </a:p>
+          <a:p>
+            <a:pPr algn="ctr"/>
+            <a:r>
+              <a:rPr lang="fr-FR" sz="1000" i="1" dirty="0">
+                <a:solidFill>
+                  <a:schemeClr val="bg1"/>
+                </a:solidFill>
+                <a:latin typeface="Gill Sans Nova" panose="020B0602020104020203" pitchFamily="34" charset="0"/>
+              </a:rPr>
+              <a:t>« Arles »</a:t>
+            </a:r>
+          </a:p>
+        </p:txBody>
+      </p:sp>
+      <p:cxnSp>
+        <p:nvCxnSpPr>
+          <p:cNvPr id="192" name="Connecteur : en arc 191">
+            <a:extLst>
+              <a:ext uri="{FF2B5EF4-FFF2-40B4-BE49-F238E27FC236}">
+                <a16:creationId xmlns:a16="http://schemas.microsoft.com/office/drawing/2014/main" id="{84754BFA-07F5-4F8D-85C4-BB8755CA6131}"/>
+              </a:ext>
+            </a:extLst>
+          </p:cNvPr>
+          <p:cNvCxnSpPr>
+            <a:stCxn id="258" idx="2"/>
+            <a:endCxn id="282" idx="0"/>
+          </p:cNvCxnSpPr>
+          <p:nvPr/>
+        </p:nvCxnSpPr>
+        <p:spPr>
+          <a:xfrm rot="5400000">
+            <a:off x="31563617" y="16792462"/>
+            <a:ext cx="2062892" cy="1045013"/>
+          </a:xfrm>
+          <a:prstGeom prst="curvedConnector3">
+            <a:avLst/>
+          </a:prstGeom>
+          <a:ln>
+            <a:tailEnd type="triangle"/>
+          </a:ln>
+        </p:spPr>
+        <p:style>
+          <a:lnRef idx="1">
+            <a:schemeClr val="dk1"/>
+          </a:lnRef>
+          <a:fillRef idx="0">
+            <a:schemeClr val="dk1"/>
+          </a:fillRef>
+          <a:effectRef idx="0">
+            <a:schemeClr val="dk1"/>
+          </a:effectRef>
+          <a:fontRef idx="minor">
+            <a:schemeClr val="tx1"/>
+          </a:fontRef>
+        </p:style>
+      </p:cxnSp>
+      <p:cxnSp>
+        <p:nvCxnSpPr>
+          <p:cNvPr id="194" name="Connecteur : en arc 193">
+            <a:extLst>
+              <a:ext uri="{FF2B5EF4-FFF2-40B4-BE49-F238E27FC236}">
+                <a16:creationId xmlns:a16="http://schemas.microsoft.com/office/drawing/2014/main" id="{9ADAD7A1-44F0-4317-9CB5-B28744429BA3}"/>
+              </a:ext>
+            </a:extLst>
+          </p:cNvPr>
+          <p:cNvCxnSpPr>
+            <a:stCxn id="258" idx="2"/>
+            <a:endCxn id="301" idx="0"/>
+          </p:cNvCxnSpPr>
+          <p:nvPr/>
+        </p:nvCxnSpPr>
+        <p:spPr>
+          <a:xfrm rot="16200000" flipH="1">
+            <a:off x="32618751" y="16782340"/>
+            <a:ext cx="2036682" cy="1039046"/>
+          </a:xfrm>
+          <a:prstGeom prst="curvedConnector3">
+            <a:avLst/>
+          </a:prstGeom>
+          <a:ln>
+            <a:tailEnd type="triangle"/>
+          </a:ln>
+        </p:spPr>
+        <p:style>
+          <a:lnRef idx="1">
+            <a:schemeClr val="dk1"/>
+          </a:lnRef>
+          <a:fillRef idx="0">
+            <a:schemeClr val="dk1"/>
+          </a:fillRef>
+          <a:effectRef idx="0">
+            <a:schemeClr val="dk1"/>
+          </a:effectRef>
+          <a:fontRef idx="minor">
+            <a:schemeClr val="tx1"/>
+          </a:fontRef>
+        </p:style>
+      </p:cxnSp>
+      <p:cxnSp>
+        <p:nvCxnSpPr>
+          <p:cNvPr id="203" name="Connecteur : en arc 202">
+            <a:extLst>
+              <a:ext uri="{FF2B5EF4-FFF2-40B4-BE49-F238E27FC236}">
+                <a16:creationId xmlns:a16="http://schemas.microsoft.com/office/drawing/2014/main" id="{407D4B3A-8085-4B1F-8D22-AEBD9D264E54}"/>
+              </a:ext>
+            </a:extLst>
+          </p:cNvPr>
+          <p:cNvCxnSpPr>
+            <a:stCxn id="258" idx="3"/>
+            <a:endCxn id="290" idx="1"/>
+          </p:cNvCxnSpPr>
+          <p:nvPr/>
+        </p:nvCxnSpPr>
+        <p:spPr>
+          <a:xfrm flipV="1">
+            <a:off x="33643593" y="15014734"/>
+            <a:ext cx="2273539" cy="919972"/>
+          </a:xfrm>
+          <a:prstGeom prst="curvedConnector3">
+            <a:avLst/>
+          </a:prstGeom>
+          <a:ln>
+            <a:tailEnd type="triangle"/>
+          </a:ln>
+        </p:spPr>
+        <p:style>
+          <a:lnRef idx="1">
+            <a:schemeClr val="dk1"/>
+          </a:lnRef>
+          <a:fillRef idx="0">
+            <a:schemeClr val="dk1"/>
+          </a:fillRef>
+          <a:effectRef idx="0">
+            <a:schemeClr val="dk1"/>
+          </a:effectRef>
+          <a:fontRef idx="minor">
+            <a:schemeClr val="tx1"/>
+          </a:fontRef>
+        </p:style>
+      </p:cxnSp>
+      <p:sp>
+        <p:nvSpPr>
+          <p:cNvPr id="317" name="Rectangle : coins arrondis 316">
+            <a:extLst>
+              <a:ext uri="{FF2B5EF4-FFF2-40B4-BE49-F238E27FC236}">
+                <a16:creationId xmlns:a16="http://schemas.microsoft.com/office/drawing/2014/main" id="{04B27341-0B9C-4F9B-B1EA-0A66BF739B47}"/>
+              </a:ext>
+            </a:extLst>
+          </p:cNvPr>
+          <p:cNvSpPr/>
+          <p:nvPr/>
+        </p:nvSpPr>
+        <p:spPr>
+          <a:xfrm>
+            <a:off x="29463661" y="15146967"/>
+            <a:ext cx="1130864" cy="519454"/>
+          </a:xfrm>
+          <a:prstGeom prst="roundRect">
+            <a:avLst/>
+          </a:prstGeom>
+          <a:solidFill>
+            <a:srgbClr val="C3A441"/>
+          </a:solidFill>
+          <a:ln w="28575">
+            <a:solidFill>
+              <a:schemeClr val="accent4">
+                <a:lumMod val="75000"/>
+              </a:schemeClr>
+            </a:solidFill>
+          </a:ln>
+        </p:spPr>
+        <p:style>
+          <a:lnRef idx="2">
+            <a:schemeClr val="accent6"/>
+          </a:lnRef>
+          <a:fillRef idx="1">
+            <a:schemeClr val="lt1"/>
+          </a:fillRef>
+          <a:effectRef idx="0">
+            <a:schemeClr val="accent6"/>
+          </a:effectRef>
+          <a:fontRef idx="minor">
+            <a:schemeClr val="dk1"/>
+          </a:fontRef>
+        </p:style>
+        <p:txBody>
+          <a:bodyPr rtlCol="0" anchor="ctr"/>
+          <a:lstStyle/>
+          <a:p>
+            <a:pPr algn="ctr"/>
+            <a:r>
+              <a:rPr lang="fr-FR" sz="1000" dirty="0">
+                <a:solidFill>
+                  <a:schemeClr val="bg1"/>
+                </a:solidFill>
+                <a:latin typeface="Gill Sans Nova" panose="020B0602020104020203" pitchFamily="34" charset="0"/>
+              </a:rPr>
+              <a:t>E1 CRM </a:t>
+            </a:r>
+            <a:r>
+              <a:rPr lang="fr-FR" sz="1000" dirty="0" err="1">
+                <a:solidFill>
+                  <a:schemeClr val="bg1"/>
+                </a:solidFill>
+                <a:latin typeface="Gill Sans Nova" panose="020B0602020104020203" pitchFamily="34" charset="0"/>
+              </a:rPr>
+              <a:t>Entity</a:t>
+            </a:r>
+            <a:endParaRPr lang="fr-FR" sz="1000" dirty="0">
+              <a:solidFill>
+                <a:schemeClr val="bg1"/>
+              </a:solidFill>
+              <a:latin typeface="Gill Sans Nova" panose="020B0602020104020203" pitchFamily="34" charset="0"/>
+            </a:endParaRPr>
+          </a:p>
+          <a:p>
+            <a:pPr algn="ctr"/>
+            <a:r>
+              <a:rPr lang="fr-FR" sz="1000" i="1" dirty="0">
+                <a:solidFill>
+                  <a:schemeClr val="bg1"/>
+                </a:solidFill>
+                <a:latin typeface="Gill Sans Nova" panose="020B0602020104020203" pitchFamily="34" charset="0"/>
+              </a:rPr>
+              <a:t>« Enigme »</a:t>
+            </a:r>
+          </a:p>
+        </p:txBody>
+      </p:sp>
+      <p:sp>
+        <p:nvSpPr>
+          <p:cNvPr id="323" name="ZoneTexte 322">
+            <a:extLst>
+              <a:ext uri="{FF2B5EF4-FFF2-40B4-BE49-F238E27FC236}">
+                <a16:creationId xmlns:a16="http://schemas.microsoft.com/office/drawing/2014/main" id="{251027FE-19EC-4378-BF55-BF1D868A6E9C}"/>
               </a:ext>
             </a:extLst>
           </p:cNvPr>
@@ -16751,8 +16907,8 @@
         </p:nvSpPr>
         <p:spPr>
           <a:xfrm>
-            <a:off x="30033817" y="11740121"/>
-            <a:ext cx="1134622" cy="400110"/>
+            <a:off x="31418882" y="15277541"/>
+            <a:ext cx="950003" cy="415498"/>
           </a:xfrm>
           <a:prstGeom prst="rect">
             <a:avLst/>
@@ -16767,59 +16923,1014 @@
           <a:p>
             <a:pPr algn="ctr"/>
             <a:r>
-              <a:rPr lang="fr-FR" sz="1000" i="1" dirty="0">
-                <a:latin typeface="Gill Sans Nova" panose="020B0602020104020203" pitchFamily="34" charset="0"/>
-              </a:rPr>
-              <a:t>P106 </a:t>
-            </a:r>
-            <a:r>
-              <a:rPr lang="fr-FR" sz="1000" i="1" dirty="0" err="1">
+              <a:rPr lang="fr-FR" sz="1050" b="1" i="1" dirty="0">
+                <a:solidFill>
+                  <a:srgbClr val="FF0000"/>
+                </a:solidFill>
+                <a:latin typeface="Gill Sans Nova" panose="020B0602020104020203" pitchFamily="34" charset="0"/>
+              </a:rPr>
+              <a:t>P129 </a:t>
+            </a:r>
+            <a:r>
+              <a:rPr lang="fr-FR" sz="1050" b="1" i="1" dirty="0" err="1">
+                <a:solidFill>
+                  <a:srgbClr val="FF0000"/>
+                </a:solidFill>
                 <a:latin typeface="Gill Sans Nova" panose="020B0602020104020203" pitchFamily="34" charset="0"/>
               </a:rPr>
               <a:t>is</a:t>
             </a:r>
             <a:r>
-              <a:rPr lang="fr-FR" sz="1000" i="1" dirty="0">
-                <a:latin typeface="Gill Sans Nova" panose="020B0602020104020203" pitchFamily="34" charset="0"/>
-              </a:rPr>
-              <a:t> </a:t>
-            </a:r>
-            <a:r>
-              <a:rPr lang="fr-FR" sz="1000" i="1" dirty="0" err="1">
-                <a:latin typeface="Gill Sans Nova" panose="020B0602020104020203" pitchFamily="34" charset="0"/>
-              </a:rPr>
-              <a:t>composed</a:t>
-            </a:r>
-            <a:r>
-              <a:rPr lang="fr-FR" sz="1000" i="1" dirty="0">
-                <a:latin typeface="Gill Sans Nova" panose="020B0602020104020203" pitchFamily="34" charset="0"/>
-              </a:rPr>
-              <a:t> of</a:t>
-            </a:r>
+              <a:rPr lang="fr-FR" sz="1050" b="1" i="1" dirty="0">
+                <a:solidFill>
+                  <a:srgbClr val="FF0000"/>
+                </a:solidFill>
+                <a:latin typeface="Gill Sans Nova" panose="020B0602020104020203" pitchFamily="34" charset="0"/>
+              </a:rPr>
+              <a:t> about ?</a:t>
+            </a:r>
+          </a:p>
+        </p:txBody>
+      </p:sp>
+      <p:sp>
+        <p:nvSpPr>
+          <p:cNvPr id="324" name="Rectangle : coins arrondis 323">
+            <a:extLst>
+              <a:ext uri="{FF2B5EF4-FFF2-40B4-BE49-F238E27FC236}">
+                <a16:creationId xmlns:a16="http://schemas.microsoft.com/office/drawing/2014/main" id="{994047F3-E8DC-4BCD-9A99-77175C796312}"/>
+              </a:ext>
+            </a:extLst>
+          </p:cNvPr>
+          <p:cNvSpPr/>
+          <p:nvPr/>
+        </p:nvSpPr>
+        <p:spPr>
+          <a:xfrm>
+            <a:off x="35835637" y="16618796"/>
+            <a:ext cx="1105041" cy="565753"/>
+          </a:xfrm>
+          <a:prstGeom prst="roundRect">
+            <a:avLst/>
+          </a:prstGeom>
+          <a:solidFill>
+            <a:srgbClr val="96BE18"/>
+          </a:solidFill>
+          <a:ln w="28575">
+            <a:solidFill>
+              <a:srgbClr val="8AAE16"/>
+            </a:solidFill>
+          </a:ln>
+        </p:spPr>
+        <p:style>
+          <a:lnRef idx="2">
+            <a:schemeClr val="accent6"/>
+          </a:lnRef>
+          <a:fillRef idx="1">
+            <a:schemeClr val="lt1"/>
+          </a:fillRef>
+          <a:effectRef idx="0">
+            <a:schemeClr val="accent6"/>
+          </a:effectRef>
+          <a:fontRef idx="minor">
+            <a:schemeClr val="dk1"/>
+          </a:fontRef>
+        </p:style>
+        <p:txBody>
+          <a:bodyPr rtlCol="0" anchor="ctr"/>
+          <a:lstStyle/>
+          <a:p>
+            <a:pPr algn="ctr"/>
+            <a:r>
+              <a:rPr lang="fr-FR" sz="1000" dirty="0">
+                <a:solidFill>
+                  <a:schemeClr val="bg1"/>
+                </a:solidFill>
+                <a:latin typeface="Gill Sans Nova" panose="020B0602020104020203" pitchFamily="34" charset="0"/>
+              </a:rPr>
+              <a:t>E65 </a:t>
+            </a:r>
+            <a:r>
+              <a:rPr lang="fr-FR" sz="1000" dirty="0" err="1">
+                <a:solidFill>
+                  <a:schemeClr val="bg1"/>
+                </a:solidFill>
+                <a:latin typeface="Gill Sans Nova" panose="020B0602020104020203" pitchFamily="34" charset="0"/>
+              </a:rPr>
+              <a:t>Creation</a:t>
+            </a:r>
+            <a:endParaRPr lang="fr-FR" sz="1000" dirty="0">
+              <a:solidFill>
+                <a:schemeClr val="bg1"/>
+              </a:solidFill>
+              <a:latin typeface="Gill Sans Nova" panose="020B0602020104020203" pitchFamily="34" charset="0"/>
+            </a:endParaRPr>
           </a:p>
         </p:txBody>
       </p:sp>
       <p:cxnSp>
         <p:nvCxnSpPr>
-          <p:cNvPr id="13" name="Connecteur : en arc 12">
-            <a:extLst>
-              <a:ext uri="{FF2B5EF4-FFF2-40B4-BE49-F238E27FC236}">
-                <a16:creationId xmlns:a16="http://schemas.microsoft.com/office/drawing/2014/main" id="{7F15B779-F7F2-4FB0-881F-DCDD26B2889C}"/>
+          <p:cNvPr id="212" name="Connecteur : en arc 211">
+            <a:extLst>
+              <a:ext uri="{FF2B5EF4-FFF2-40B4-BE49-F238E27FC236}">
+                <a16:creationId xmlns:a16="http://schemas.microsoft.com/office/drawing/2014/main" id="{DF072112-44D3-48E4-9DAE-FEF61FEAF689}"/>
               </a:ext>
             </a:extLst>
           </p:cNvPr>
           <p:cNvCxnSpPr>
-            <a:stCxn id="919" idx="3"/>
-            <a:endCxn id="258" idx="0"/>
+            <a:cxnSpLocks/>
+            <a:stCxn id="324" idx="1"/>
+            <a:endCxn id="258" idx="3"/>
           </p:cNvCxnSpPr>
           <p:nvPr/>
         </p:nvCxnSpPr>
         <p:spPr>
-          <a:xfrm>
-            <a:off x="30244369" y="10938042"/>
-            <a:ext cx="1043573" cy="1965872"/>
-          </a:xfrm>
-          <a:prstGeom prst="curvedConnector2">
+          <a:xfrm rot="10800000">
+            <a:off x="33643593" y="15934707"/>
+            <a:ext cx="2192044" cy="966967"/>
+          </a:xfrm>
+          <a:prstGeom prst="curvedConnector3">
+            <a:avLst>
+              <a:gd name="adj1" fmla="val 50000"/>
+            </a:avLst>
+          </a:prstGeom>
+          <a:ln>
+            <a:tailEnd type="triangle"/>
+          </a:ln>
+        </p:spPr>
+        <p:style>
+          <a:lnRef idx="1">
+            <a:schemeClr val="dk1"/>
+          </a:lnRef>
+          <a:fillRef idx="0">
+            <a:schemeClr val="dk1"/>
+          </a:fillRef>
+          <a:effectRef idx="0">
+            <a:schemeClr val="dk1"/>
+          </a:effectRef>
+          <a:fontRef idx="minor">
+            <a:schemeClr val="tx1"/>
+          </a:fontRef>
+        </p:style>
+      </p:cxnSp>
+      <p:sp>
+        <p:nvSpPr>
+          <p:cNvPr id="330" name="ZoneTexte 329">
+            <a:extLst>
+              <a:ext uri="{FF2B5EF4-FFF2-40B4-BE49-F238E27FC236}">
+                <a16:creationId xmlns:a16="http://schemas.microsoft.com/office/drawing/2014/main" id="{4BFD32AD-3CE3-40BA-99FC-731BBCB38E18}"/>
+              </a:ext>
+            </a:extLst>
+          </p:cNvPr>
+          <p:cNvSpPr txBox="1"/>
+          <p:nvPr/>
+        </p:nvSpPr>
+        <p:spPr>
+          <a:xfrm>
+            <a:off x="34021855" y="16326146"/>
+            <a:ext cx="868954" cy="400110"/>
+          </a:xfrm>
+          <a:prstGeom prst="rect">
+            <a:avLst/>
+          </a:prstGeom>
+          <a:noFill/>
+        </p:spPr>
+        <p:txBody>
+          <a:bodyPr wrap="square" rtlCol="0">
+            <a:spAutoFit/>
+          </a:bodyPr>
+          <a:lstStyle/>
+          <a:p>
+            <a:pPr algn="ctr"/>
+            <a:r>
+              <a:rPr lang="fr-FR" sz="1000" i="1" dirty="0">
+                <a:latin typeface="Gill Sans Nova" panose="020B0602020104020203" pitchFamily="34" charset="0"/>
+              </a:rPr>
+              <a:t>P94 has </a:t>
+            </a:r>
+            <a:r>
+              <a:rPr lang="fr-FR" sz="1000" i="1" dirty="0" err="1">
+                <a:latin typeface="Gill Sans Nova" panose="020B0602020104020203" pitchFamily="34" charset="0"/>
+              </a:rPr>
+              <a:t>created</a:t>
+            </a:r>
+            <a:endParaRPr lang="fr-FR" sz="1000" i="1" dirty="0">
+              <a:latin typeface="Gill Sans Nova" panose="020B0602020104020203" pitchFamily="34" charset="0"/>
+            </a:endParaRPr>
+          </a:p>
+        </p:txBody>
+      </p:sp>
+      <p:sp>
+        <p:nvSpPr>
+          <p:cNvPr id="331" name="Rectangle : coins arrondis 330">
+            <a:extLst>
+              <a:ext uri="{FF2B5EF4-FFF2-40B4-BE49-F238E27FC236}">
+                <a16:creationId xmlns:a16="http://schemas.microsoft.com/office/drawing/2014/main" id="{144CDFD1-A3DB-4EF3-B289-2A7A5D04541E}"/>
+              </a:ext>
+            </a:extLst>
+          </p:cNvPr>
+          <p:cNvSpPr/>
+          <p:nvPr/>
+        </p:nvSpPr>
+        <p:spPr>
+          <a:xfrm>
+            <a:off x="40633971" y="16035511"/>
+            <a:ext cx="1023275" cy="446226"/>
+          </a:xfrm>
+          <a:prstGeom prst="roundRect">
+            <a:avLst/>
+          </a:prstGeom>
+          <a:solidFill>
+            <a:srgbClr val="FFE699"/>
+          </a:solidFill>
+          <a:ln w="12700">
+            <a:noFill/>
+          </a:ln>
+        </p:spPr>
+        <p:style>
+          <a:lnRef idx="2">
+            <a:schemeClr val="accent6"/>
+          </a:lnRef>
+          <a:fillRef idx="1">
+            <a:schemeClr val="lt1"/>
+          </a:fillRef>
+          <a:effectRef idx="0">
+            <a:schemeClr val="accent6"/>
+          </a:effectRef>
+          <a:fontRef idx="minor">
+            <a:schemeClr val="dk1"/>
+          </a:fontRef>
+        </p:style>
+        <p:txBody>
+          <a:bodyPr rtlCol="0" anchor="ctr"/>
+          <a:lstStyle/>
+          <a:p>
+            <a:pPr algn="ctr"/>
+            <a:r>
+              <a:rPr lang="fr-FR" sz="1000" dirty="0">
+                <a:solidFill>
+                  <a:schemeClr val="tx1"/>
+                </a:solidFill>
+                <a:latin typeface="Gill Sans Nova" panose="020B0602020104020203" pitchFamily="34" charset="0"/>
+              </a:rPr>
+              <a:t>E21 Person</a:t>
+            </a:r>
+          </a:p>
+        </p:txBody>
+      </p:sp>
+      <p:sp>
+        <p:nvSpPr>
+          <p:cNvPr id="332" name="Rectangle : coins arrondis 331">
+            <a:extLst>
+              <a:ext uri="{FF2B5EF4-FFF2-40B4-BE49-F238E27FC236}">
+                <a16:creationId xmlns:a16="http://schemas.microsoft.com/office/drawing/2014/main" id="{24CE1718-FABC-49CD-BCFA-E1040A93B82E}"/>
+              </a:ext>
+            </a:extLst>
+          </p:cNvPr>
+          <p:cNvSpPr/>
+          <p:nvPr/>
+        </p:nvSpPr>
+        <p:spPr>
+          <a:xfrm>
+            <a:off x="38264536" y="15977555"/>
+            <a:ext cx="1062751" cy="575137"/>
+          </a:xfrm>
+          <a:prstGeom prst="roundRect">
+            <a:avLst/>
+          </a:prstGeom>
+          <a:solidFill>
+            <a:srgbClr val="8DC28C"/>
+          </a:solidFill>
+          <a:ln w="12700">
+            <a:noFill/>
+          </a:ln>
+        </p:spPr>
+        <p:style>
+          <a:lnRef idx="2">
+            <a:schemeClr val="accent6"/>
+          </a:lnRef>
+          <a:fillRef idx="1">
+            <a:schemeClr val="lt1"/>
+          </a:fillRef>
+          <a:effectRef idx="0">
+            <a:schemeClr val="accent6"/>
+          </a:effectRef>
+          <a:fontRef idx="minor">
+            <a:schemeClr val="dk1"/>
+          </a:fontRef>
+        </p:style>
+        <p:txBody>
+          <a:bodyPr rtlCol="0" anchor="ctr"/>
+          <a:lstStyle/>
+          <a:p>
+            <a:pPr algn="ctr"/>
+            <a:r>
+              <a:rPr lang="fr-FR" sz="1000" dirty="0">
+                <a:solidFill>
+                  <a:schemeClr val="bg1"/>
+                </a:solidFill>
+                <a:latin typeface="Gill Sans Nova" panose="020B0602020104020203" pitchFamily="34" charset="0"/>
+              </a:rPr>
+              <a:t>E7 Activity</a:t>
+            </a:r>
+          </a:p>
+          <a:p>
+            <a:pPr algn="ctr"/>
+            <a:r>
+              <a:rPr lang="fr-FR" sz="1000" dirty="0">
+                <a:solidFill>
+                  <a:schemeClr val="bg1"/>
+                </a:solidFill>
+                <a:latin typeface="Gill Sans Nova" panose="020B0602020104020203" pitchFamily="34" charset="0"/>
+              </a:rPr>
+              <a:t>(</a:t>
+            </a:r>
+            <a:r>
+              <a:rPr lang="fr-FR" sz="1000" i="1" dirty="0">
+                <a:solidFill>
+                  <a:schemeClr val="bg1"/>
+                </a:solidFill>
+                <a:latin typeface="Gill Sans Nova" panose="020B0602020104020203" pitchFamily="34" charset="0"/>
+              </a:rPr>
+              <a:t>de type « invention »)</a:t>
+            </a:r>
+            <a:endParaRPr lang="fr-FR" sz="1000" dirty="0">
+              <a:solidFill>
+                <a:schemeClr val="bg1"/>
+              </a:solidFill>
+              <a:latin typeface="Gill Sans Nova" panose="020B0602020104020203" pitchFamily="34" charset="0"/>
+            </a:endParaRPr>
+          </a:p>
+        </p:txBody>
+      </p:sp>
+      <p:sp>
+        <p:nvSpPr>
+          <p:cNvPr id="333" name="Rectangle : coins arrondis 332">
+            <a:extLst>
+              <a:ext uri="{FF2B5EF4-FFF2-40B4-BE49-F238E27FC236}">
+                <a16:creationId xmlns:a16="http://schemas.microsoft.com/office/drawing/2014/main" id="{E41C258E-60D6-46BB-B9C0-1FADF5B5DD07}"/>
+              </a:ext>
+            </a:extLst>
+          </p:cNvPr>
+          <p:cNvSpPr/>
+          <p:nvPr/>
+        </p:nvSpPr>
+        <p:spPr>
+          <a:xfrm>
+            <a:off x="38272453" y="17115878"/>
+            <a:ext cx="1132392" cy="743480"/>
+          </a:xfrm>
+          <a:prstGeom prst="roundRect">
+            <a:avLst/>
+          </a:prstGeom>
+          <a:solidFill>
+            <a:srgbClr val="8DC28C"/>
+          </a:solidFill>
+          <a:ln w="12700">
+            <a:noFill/>
+          </a:ln>
+        </p:spPr>
+        <p:style>
+          <a:lnRef idx="2">
+            <a:schemeClr val="accent6"/>
+          </a:lnRef>
+          <a:fillRef idx="1">
+            <a:schemeClr val="lt1"/>
+          </a:fillRef>
+          <a:effectRef idx="0">
+            <a:schemeClr val="accent6"/>
+          </a:effectRef>
+          <a:fontRef idx="minor">
+            <a:schemeClr val="dk1"/>
+          </a:fontRef>
+        </p:style>
+        <p:txBody>
+          <a:bodyPr rtlCol="0" anchor="ctr"/>
+          <a:lstStyle/>
+          <a:p>
+            <a:pPr algn="ctr"/>
+            <a:r>
+              <a:rPr lang="fr-FR" sz="1000" dirty="0">
+                <a:solidFill>
+                  <a:schemeClr val="bg1"/>
+                </a:solidFill>
+                <a:latin typeface="Gill Sans Nova" panose="020B0602020104020203" pitchFamily="34" charset="0"/>
+              </a:rPr>
+              <a:t>E7 Activity</a:t>
+            </a:r>
+          </a:p>
+          <a:p>
+            <a:pPr algn="ctr"/>
+            <a:r>
+              <a:rPr lang="fr-FR" sz="1000" i="1" dirty="0">
+                <a:solidFill>
+                  <a:schemeClr val="bg1"/>
+                </a:solidFill>
+                <a:latin typeface="Gill Sans Nova" panose="020B0602020104020203" pitchFamily="34" charset="0"/>
+              </a:rPr>
+              <a:t>(de type « sculpture / gravure »)</a:t>
+            </a:r>
+          </a:p>
+        </p:txBody>
+      </p:sp>
+      <p:sp>
+        <p:nvSpPr>
+          <p:cNvPr id="334" name="Rectangle : coins arrondis 333">
+            <a:extLst>
+              <a:ext uri="{FF2B5EF4-FFF2-40B4-BE49-F238E27FC236}">
+                <a16:creationId xmlns:a16="http://schemas.microsoft.com/office/drawing/2014/main" id="{0F605940-120C-47BF-89B8-6544770D5575}"/>
+              </a:ext>
+            </a:extLst>
+          </p:cNvPr>
+          <p:cNvSpPr/>
+          <p:nvPr/>
+        </p:nvSpPr>
+        <p:spPr>
+          <a:xfrm>
+            <a:off x="40633970" y="17244620"/>
+            <a:ext cx="1023275" cy="446226"/>
+          </a:xfrm>
+          <a:prstGeom prst="roundRect">
+            <a:avLst/>
+          </a:prstGeom>
+          <a:solidFill>
+            <a:srgbClr val="FFE699"/>
+          </a:solidFill>
+          <a:ln w="12700">
+            <a:noFill/>
+          </a:ln>
+        </p:spPr>
+        <p:style>
+          <a:lnRef idx="2">
+            <a:schemeClr val="accent6"/>
+          </a:lnRef>
+          <a:fillRef idx="1">
+            <a:schemeClr val="lt1"/>
+          </a:fillRef>
+          <a:effectRef idx="0">
+            <a:schemeClr val="accent6"/>
+          </a:effectRef>
+          <a:fontRef idx="minor">
+            <a:schemeClr val="dk1"/>
+          </a:fontRef>
+        </p:style>
+        <p:txBody>
+          <a:bodyPr rtlCol="0" anchor="ctr"/>
+          <a:lstStyle/>
+          <a:p>
+            <a:pPr algn="ctr"/>
+            <a:r>
+              <a:rPr lang="fr-FR" sz="1000" dirty="0">
+                <a:solidFill>
+                  <a:schemeClr val="tx1"/>
+                </a:solidFill>
+                <a:latin typeface="Gill Sans Nova" panose="020B0602020104020203" pitchFamily="34" charset="0"/>
+              </a:rPr>
+              <a:t>E21 Person</a:t>
+            </a:r>
+          </a:p>
+        </p:txBody>
+      </p:sp>
+      <p:cxnSp>
+        <p:nvCxnSpPr>
+          <p:cNvPr id="220" name="Connecteur : en arc 219">
+            <a:extLst>
+              <a:ext uri="{FF2B5EF4-FFF2-40B4-BE49-F238E27FC236}">
+                <a16:creationId xmlns:a16="http://schemas.microsoft.com/office/drawing/2014/main" id="{1DFD1410-4BA9-441F-A7A8-C923840ECBC8}"/>
+              </a:ext>
+            </a:extLst>
+          </p:cNvPr>
+          <p:cNvCxnSpPr>
+            <a:cxnSpLocks/>
+            <a:stCxn id="332" idx="1"/>
+            <a:endCxn id="324" idx="3"/>
+          </p:cNvCxnSpPr>
+          <p:nvPr/>
+        </p:nvCxnSpPr>
+        <p:spPr>
+          <a:xfrm rot="10800000" flipV="1">
+            <a:off x="36940678" y="16265123"/>
+            <a:ext cx="1323858" cy="636549"/>
+          </a:xfrm>
+          <a:prstGeom prst="curvedConnector3">
+            <a:avLst/>
+          </a:prstGeom>
+          <a:ln>
+            <a:tailEnd type="triangle"/>
+          </a:ln>
+        </p:spPr>
+        <p:style>
+          <a:lnRef idx="1">
+            <a:schemeClr val="dk1"/>
+          </a:lnRef>
+          <a:fillRef idx="0">
+            <a:schemeClr val="dk1"/>
+          </a:fillRef>
+          <a:effectRef idx="0">
+            <a:schemeClr val="dk1"/>
+          </a:effectRef>
+          <a:fontRef idx="minor">
+            <a:schemeClr val="tx1"/>
+          </a:fontRef>
+        </p:style>
+      </p:cxnSp>
+      <p:cxnSp>
+        <p:nvCxnSpPr>
+          <p:cNvPr id="222" name="Connecteur : en arc 221">
+            <a:extLst>
+              <a:ext uri="{FF2B5EF4-FFF2-40B4-BE49-F238E27FC236}">
+                <a16:creationId xmlns:a16="http://schemas.microsoft.com/office/drawing/2014/main" id="{19688826-CB43-477F-8087-D5A50BDA6BBF}"/>
+              </a:ext>
+            </a:extLst>
+          </p:cNvPr>
+          <p:cNvCxnSpPr>
+            <a:cxnSpLocks/>
+            <a:stCxn id="333" idx="1"/>
+            <a:endCxn id="324" idx="3"/>
+          </p:cNvCxnSpPr>
+          <p:nvPr/>
+        </p:nvCxnSpPr>
+        <p:spPr>
+          <a:xfrm rot="10800000">
+            <a:off x="36940679" y="16901674"/>
+            <a:ext cx="1331775" cy="585945"/>
+          </a:xfrm>
+          <a:prstGeom prst="curvedConnector3">
+            <a:avLst/>
+          </a:prstGeom>
+          <a:ln>
+            <a:tailEnd type="triangle"/>
+          </a:ln>
+        </p:spPr>
+        <p:style>
+          <a:lnRef idx="1">
+            <a:schemeClr val="dk1"/>
+          </a:lnRef>
+          <a:fillRef idx="0">
+            <a:schemeClr val="dk1"/>
+          </a:fillRef>
+          <a:effectRef idx="0">
+            <a:schemeClr val="dk1"/>
+          </a:effectRef>
+          <a:fontRef idx="minor">
+            <a:schemeClr val="tx1"/>
+          </a:fontRef>
+        </p:style>
+      </p:cxnSp>
+      <p:sp>
+        <p:nvSpPr>
+          <p:cNvPr id="339" name="ZoneTexte 338">
+            <a:extLst>
+              <a:ext uri="{FF2B5EF4-FFF2-40B4-BE49-F238E27FC236}">
+                <a16:creationId xmlns:a16="http://schemas.microsoft.com/office/drawing/2014/main" id="{8EE97E95-33C7-4A50-B013-4E8B6EDC1E9C}"/>
+              </a:ext>
+            </a:extLst>
+          </p:cNvPr>
+          <p:cNvSpPr txBox="1"/>
+          <p:nvPr/>
+        </p:nvSpPr>
+        <p:spPr>
+          <a:xfrm>
+            <a:off x="37554391" y="16614310"/>
+            <a:ext cx="685869" cy="553998"/>
+          </a:xfrm>
+          <a:prstGeom prst="rect">
+            <a:avLst/>
+          </a:prstGeom>
+          <a:noFill/>
+        </p:spPr>
+        <p:txBody>
+          <a:bodyPr wrap="square" rtlCol="0">
+            <a:spAutoFit/>
+          </a:bodyPr>
+          <a:lstStyle/>
+          <a:p>
+            <a:pPr algn="ctr"/>
+            <a:r>
+              <a:rPr lang="fr-FR" sz="1000" i="1" dirty="0">
+                <a:latin typeface="Gill Sans Nova" panose="020B0602020104020203" pitchFamily="34" charset="0"/>
+              </a:rPr>
+              <a:t>P20 </a:t>
+            </a:r>
+            <a:r>
+              <a:rPr lang="fr-FR" sz="1000" i="1" dirty="0" err="1">
+                <a:latin typeface="Gill Sans Nova" panose="020B0602020104020203" pitchFamily="34" charset="0"/>
+              </a:rPr>
+              <a:t>had</a:t>
+            </a:r>
+            <a:r>
+              <a:rPr lang="fr-FR" sz="1000" i="1" dirty="0">
+                <a:latin typeface="Gill Sans Nova" panose="020B0602020104020203" pitchFamily="34" charset="0"/>
+              </a:rPr>
+              <a:t> </a:t>
+            </a:r>
+            <a:r>
+              <a:rPr lang="fr-FR" sz="1000" i="1" dirty="0" err="1">
+                <a:latin typeface="Gill Sans Nova" panose="020B0602020104020203" pitchFamily="34" charset="0"/>
+              </a:rPr>
+              <a:t>specific</a:t>
+            </a:r>
+            <a:r>
+              <a:rPr lang="fr-FR" sz="1000" i="1" dirty="0">
+                <a:latin typeface="Gill Sans Nova" panose="020B0602020104020203" pitchFamily="34" charset="0"/>
+              </a:rPr>
+              <a:t> </a:t>
+            </a:r>
+            <a:r>
+              <a:rPr lang="fr-FR" sz="1000" i="1" dirty="0" err="1">
+                <a:latin typeface="Gill Sans Nova" panose="020B0602020104020203" pitchFamily="34" charset="0"/>
+              </a:rPr>
+              <a:t>purpose</a:t>
+            </a:r>
+            <a:endParaRPr lang="fr-FR" sz="1000" i="1" dirty="0">
+              <a:latin typeface="Gill Sans Nova" panose="020B0602020104020203" pitchFamily="34" charset="0"/>
+            </a:endParaRPr>
+          </a:p>
+        </p:txBody>
+      </p:sp>
+      <p:cxnSp>
+        <p:nvCxnSpPr>
+          <p:cNvPr id="234" name="Connecteur droit avec flèche 233">
+            <a:extLst>
+              <a:ext uri="{FF2B5EF4-FFF2-40B4-BE49-F238E27FC236}">
+                <a16:creationId xmlns:a16="http://schemas.microsoft.com/office/drawing/2014/main" id="{CAAA2C34-F034-42FD-905E-F6D54E1F73F1}"/>
+              </a:ext>
+            </a:extLst>
+          </p:cNvPr>
+          <p:cNvCxnSpPr>
+            <a:stCxn id="332" idx="3"/>
+            <a:endCxn id="331" idx="1"/>
+          </p:cNvCxnSpPr>
+          <p:nvPr/>
+        </p:nvCxnSpPr>
+        <p:spPr>
+          <a:xfrm flipV="1">
+            <a:off x="39327287" y="16258624"/>
+            <a:ext cx="1306684" cy="6500"/>
+          </a:xfrm>
+          <a:prstGeom prst="straightConnector1">
+            <a:avLst/>
+          </a:prstGeom>
+          <a:ln>
+            <a:tailEnd type="triangle"/>
+          </a:ln>
+        </p:spPr>
+        <p:style>
+          <a:lnRef idx="1">
+            <a:schemeClr val="dk1"/>
+          </a:lnRef>
+          <a:fillRef idx="0">
+            <a:schemeClr val="dk1"/>
+          </a:fillRef>
+          <a:effectRef idx="0">
+            <a:schemeClr val="dk1"/>
+          </a:effectRef>
+          <a:fontRef idx="minor">
+            <a:schemeClr val="tx1"/>
+          </a:fontRef>
+        </p:style>
+      </p:cxnSp>
+      <p:cxnSp>
+        <p:nvCxnSpPr>
+          <p:cNvPr id="238" name="Connecteur droit avec flèche 237">
+            <a:extLst>
+              <a:ext uri="{FF2B5EF4-FFF2-40B4-BE49-F238E27FC236}">
+                <a16:creationId xmlns:a16="http://schemas.microsoft.com/office/drawing/2014/main" id="{BE37FFCE-E92A-4E41-B691-50D7A0BC0374}"/>
+              </a:ext>
+            </a:extLst>
+          </p:cNvPr>
+          <p:cNvCxnSpPr>
+            <a:cxnSpLocks/>
+            <a:stCxn id="333" idx="3"/>
+            <a:endCxn id="334" idx="1"/>
+          </p:cNvCxnSpPr>
+          <p:nvPr/>
+        </p:nvCxnSpPr>
+        <p:spPr>
+          <a:xfrm flipV="1">
+            <a:off x="39404845" y="17467733"/>
+            <a:ext cx="1229125" cy="19885"/>
+          </a:xfrm>
+          <a:prstGeom prst="straightConnector1">
+            <a:avLst/>
+          </a:prstGeom>
+          <a:ln>
+            <a:tailEnd type="triangle"/>
+          </a:ln>
+        </p:spPr>
+        <p:style>
+          <a:lnRef idx="1">
+            <a:schemeClr val="dk1"/>
+          </a:lnRef>
+          <a:fillRef idx="0">
+            <a:schemeClr val="dk1"/>
+          </a:fillRef>
+          <a:effectRef idx="0">
+            <a:schemeClr val="dk1"/>
+          </a:effectRef>
+          <a:fontRef idx="minor">
+            <a:schemeClr val="tx1"/>
+          </a:fontRef>
+        </p:style>
+      </p:cxnSp>
+      <p:sp>
+        <p:nvSpPr>
+          <p:cNvPr id="356" name="ZoneTexte 355">
+            <a:extLst>
+              <a:ext uri="{FF2B5EF4-FFF2-40B4-BE49-F238E27FC236}">
+                <a16:creationId xmlns:a16="http://schemas.microsoft.com/office/drawing/2014/main" id="{003F5E6E-6732-4C7B-B872-CA5FBC273CF4}"/>
+              </a:ext>
+            </a:extLst>
+          </p:cNvPr>
+          <p:cNvSpPr txBox="1"/>
+          <p:nvPr/>
+        </p:nvSpPr>
+        <p:spPr>
+          <a:xfrm>
+            <a:off x="39521084" y="16012200"/>
+            <a:ext cx="868954" cy="246221"/>
+          </a:xfrm>
+          <a:prstGeom prst="rect">
+            <a:avLst/>
+          </a:prstGeom>
+          <a:noFill/>
+        </p:spPr>
+        <p:txBody>
+          <a:bodyPr wrap="square" rtlCol="0">
+            <a:spAutoFit/>
+          </a:bodyPr>
+          <a:lstStyle/>
+          <a:p>
+            <a:pPr algn="ctr"/>
+            <a:r>
+              <a:rPr lang="fr-FR" sz="1000" i="1" dirty="0">
+                <a:latin typeface="Gill Sans Nova" panose="020B0602020104020203" pitchFamily="34" charset="0"/>
+              </a:rPr>
+              <a:t>P14</a:t>
+            </a:r>
+          </a:p>
+        </p:txBody>
+      </p:sp>
+      <p:sp>
+        <p:nvSpPr>
+          <p:cNvPr id="357" name="ZoneTexte 356">
+            <a:extLst>
+              <a:ext uri="{FF2B5EF4-FFF2-40B4-BE49-F238E27FC236}">
+                <a16:creationId xmlns:a16="http://schemas.microsoft.com/office/drawing/2014/main" id="{AA8F24A0-9520-4C25-81AF-48D5EDB8106B}"/>
+              </a:ext>
+            </a:extLst>
+          </p:cNvPr>
+          <p:cNvSpPr txBox="1"/>
+          <p:nvPr/>
+        </p:nvSpPr>
+        <p:spPr>
+          <a:xfrm>
+            <a:off x="39546152" y="17231454"/>
+            <a:ext cx="868954" cy="246221"/>
+          </a:xfrm>
+          <a:prstGeom prst="rect">
+            <a:avLst/>
+          </a:prstGeom>
+          <a:noFill/>
+        </p:spPr>
+        <p:txBody>
+          <a:bodyPr wrap="square" rtlCol="0">
+            <a:spAutoFit/>
+          </a:bodyPr>
+          <a:lstStyle/>
+          <a:p>
+            <a:pPr algn="ctr"/>
+            <a:r>
+              <a:rPr lang="fr-FR" sz="1000" i="1" dirty="0">
+                <a:latin typeface="Gill Sans Nova" panose="020B0602020104020203" pitchFamily="34" charset="0"/>
+              </a:rPr>
+              <a:t>P14</a:t>
+            </a:r>
+          </a:p>
+        </p:txBody>
+      </p:sp>
+      <p:cxnSp>
+        <p:nvCxnSpPr>
+          <p:cNvPr id="248" name="Connecteur : en arc 247">
+            <a:extLst>
+              <a:ext uri="{FF2B5EF4-FFF2-40B4-BE49-F238E27FC236}">
+                <a16:creationId xmlns:a16="http://schemas.microsoft.com/office/drawing/2014/main" id="{9778386B-8D99-4E05-A041-BA60CAFADDB7}"/>
+              </a:ext>
+            </a:extLst>
+          </p:cNvPr>
+          <p:cNvCxnSpPr>
+            <a:stCxn id="258" idx="1"/>
+            <a:endCxn id="317" idx="3"/>
+          </p:cNvCxnSpPr>
+          <p:nvPr/>
+        </p:nvCxnSpPr>
+        <p:spPr>
+          <a:xfrm rot="10800000">
+            <a:off x="30594525" y="15406694"/>
+            <a:ext cx="1997020" cy="528012"/>
+          </a:xfrm>
+          <a:prstGeom prst="curvedConnector3">
+            <a:avLst/>
+          </a:prstGeom>
+          <a:ln>
+            <a:tailEnd type="triangle"/>
+          </a:ln>
+        </p:spPr>
+        <p:style>
+          <a:lnRef idx="1">
+            <a:schemeClr val="dk1"/>
+          </a:lnRef>
+          <a:fillRef idx="0">
+            <a:schemeClr val="dk1"/>
+          </a:fillRef>
+          <a:effectRef idx="0">
+            <a:schemeClr val="dk1"/>
+          </a:effectRef>
+          <a:fontRef idx="minor">
+            <a:schemeClr val="tx1"/>
+          </a:fontRef>
+        </p:style>
+      </p:cxnSp>
+      <p:sp>
+        <p:nvSpPr>
+          <p:cNvPr id="360" name="ZoneTexte 359">
+            <a:extLst>
+              <a:ext uri="{FF2B5EF4-FFF2-40B4-BE49-F238E27FC236}">
+                <a16:creationId xmlns:a16="http://schemas.microsoft.com/office/drawing/2014/main" id="{70ECB3E1-5227-4432-8F89-CCD34C22FE7D}"/>
+              </a:ext>
+            </a:extLst>
+          </p:cNvPr>
+          <p:cNvSpPr txBox="1"/>
+          <p:nvPr/>
+        </p:nvSpPr>
+        <p:spPr>
+          <a:xfrm>
+            <a:off x="29110038" y="16418190"/>
+            <a:ext cx="1484487" cy="246221"/>
+          </a:xfrm>
+          <a:prstGeom prst="rect">
+            <a:avLst/>
+          </a:prstGeom>
+          <a:noFill/>
+        </p:spPr>
+        <p:txBody>
+          <a:bodyPr wrap="square" rtlCol="0">
+            <a:spAutoFit/>
+          </a:bodyPr>
+          <a:lstStyle/>
+          <a:p>
+            <a:pPr algn="ctr"/>
+            <a:r>
+              <a:rPr lang="fr-FR" sz="1000" i="1" dirty="0">
+                <a:latin typeface="Gill Sans Nova" panose="020B0602020104020203" pitchFamily="34" charset="0"/>
+              </a:rPr>
+              <a:t>« https://www.data.bnf.... »</a:t>
+            </a:r>
+          </a:p>
+        </p:txBody>
+      </p:sp>
+      <p:cxnSp>
+        <p:nvCxnSpPr>
+          <p:cNvPr id="251" name="Connecteur : en arc 250">
+            <a:extLst>
+              <a:ext uri="{FF2B5EF4-FFF2-40B4-BE49-F238E27FC236}">
+                <a16:creationId xmlns:a16="http://schemas.microsoft.com/office/drawing/2014/main" id="{66449F7D-306C-49B2-B871-6A694CABD718}"/>
+              </a:ext>
+            </a:extLst>
+          </p:cNvPr>
+          <p:cNvCxnSpPr>
+            <a:cxnSpLocks/>
+            <a:stCxn id="258" idx="1"/>
+            <a:endCxn id="360" idx="3"/>
+          </p:cNvCxnSpPr>
+          <p:nvPr/>
+        </p:nvCxnSpPr>
+        <p:spPr>
+          <a:xfrm rot="10800000" flipV="1">
+            <a:off x="30594525" y="15934705"/>
+            <a:ext cx="1997020" cy="606595"/>
+          </a:xfrm>
+          <a:prstGeom prst="curvedConnector3">
+            <a:avLst/>
+          </a:prstGeom>
+          <a:ln>
+            <a:tailEnd type="triangle"/>
+          </a:ln>
+        </p:spPr>
+        <p:style>
+          <a:lnRef idx="1">
+            <a:schemeClr val="dk1"/>
+          </a:lnRef>
+          <a:fillRef idx="0">
+            <a:schemeClr val="dk1"/>
+          </a:fillRef>
+          <a:effectRef idx="0">
+            <a:schemeClr val="dk1"/>
+          </a:effectRef>
+          <a:fontRef idx="minor">
+            <a:schemeClr val="tx1"/>
+          </a:fontRef>
+        </p:style>
+      </p:cxnSp>
+      <p:sp>
+        <p:nvSpPr>
+          <p:cNvPr id="364" name="ZoneTexte 363">
+            <a:extLst>
+              <a:ext uri="{FF2B5EF4-FFF2-40B4-BE49-F238E27FC236}">
+                <a16:creationId xmlns:a16="http://schemas.microsoft.com/office/drawing/2014/main" id="{712BDB20-8AE7-498A-A967-3B6827510030}"/>
+              </a:ext>
+            </a:extLst>
+          </p:cNvPr>
+          <p:cNvSpPr txBox="1"/>
+          <p:nvPr/>
+        </p:nvSpPr>
+        <p:spPr>
+          <a:xfrm>
+            <a:off x="31247394" y="16258421"/>
+            <a:ext cx="1398356" cy="253916"/>
+          </a:xfrm>
+          <a:prstGeom prst="rect">
+            <a:avLst/>
+          </a:prstGeom>
+          <a:noFill/>
+        </p:spPr>
+        <p:txBody>
+          <a:bodyPr wrap="square" rtlCol="0">
+            <a:spAutoFit/>
+          </a:bodyPr>
+          <a:lstStyle/>
+          <a:p>
+            <a:pPr algn="ctr"/>
+            <a:r>
+              <a:rPr lang="fr-FR" sz="1000" i="1" dirty="0" err="1">
+                <a:latin typeface="Gill Sans Nova" panose="020B0602020104020203" pitchFamily="34" charset="0"/>
+              </a:rPr>
+              <a:t>rdf:seeAlso</a:t>
+            </a:r>
+            <a:endParaRPr lang="fr-FR" sz="1000" i="1" dirty="0">
+              <a:latin typeface="Gill Sans Nova" panose="020B0602020104020203" pitchFamily="34" charset="0"/>
+            </a:endParaRPr>
+          </a:p>
+        </p:txBody>
+      </p:sp>
+      <p:sp>
+        <p:nvSpPr>
+          <p:cNvPr id="369" name="ZoneTexte 368">
+            <a:extLst>
+              <a:ext uri="{FF2B5EF4-FFF2-40B4-BE49-F238E27FC236}">
+                <a16:creationId xmlns:a16="http://schemas.microsoft.com/office/drawing/2014/main" id="{AE57A962-E375-44A3-8D5F-C1C16810E94B}"/>
+              </a:ext>
+            </a:extLst>
+          </p:cNvPr>
+          <p:cNvSpPr txBox="1"/>
+          <p:nvPr/>
+        </p:nvSpPr>
+        <p:spPr>
+          <a:xfrm>
+            <a:off x="28211426" y="13597949"/>
+            <a:ext cx="3879337" cy="338554"/>
+          </a:xfrm>
+          <a:prstGeom prst="rect">
+            <a:avLst/>
+          </a:prstGeom>
+          <a:noFill/>
+        </p:spPr>
+        <p:txBody>
+          <a:bodyPr wrap="square" rtlCol="0">
+            <a:spAutoFit/>
+          </a:bodyPr>
+          <a:lstStyle/>
+          <a:p>
+            <a:pPr algn="ctr"/>
+            <a:r>
+              <a:rPr lang="fr-FR" sz="1600" dirty="0">
+                <a:latin typeface="Gill Sans Nova" panose="020B0602020104020203" pitchFamily="34" charset="0"/>
+              </a:rPr>
+              <a:t>GRAVURES DU MERCURE GALANT</a:t>
+            </a:r>
+          </a:p>
+        </p:txBody>
+      </p:sp>
+      <p:cxnSp>
+        <p:nvCxnSpPr>
+          <p:cNvPr id="284" name="Connecteur : en arc 283">
+            <a:extLst>
+              <a:ext uri="{FF2B5EF4-FFF2-40B4-BE49-F238E27FC236}">
+                <a16:creationId xmlns:a16="http://schemas.microsoft.com/office/drawing/2014/main" id="{C0FF7B69-D2C4-4855-9A49-CD96B76324A5}"/>
+              </a:ext>
+            </a:extLst>
+          </p:cNvPr>
+          <p:cNvCxnSpPr>
+            <a:stCxn id="947" idx="2"/>
+            <a:endCxn id="950" idx="0"/>
+          </p:cNvCxnSpPr>
+          <p:nvPr/>
+        </p:nvCxnSpPr>
+        <p:spPr>
+          <a:xfrm rot="16200000" flipH="1">
+            <a:off x="38677329" y="9913969"/>
+            <a:ext cx="876164" cy="1706192"/>
+          </a:xfrm>
+          <a:prstGeom prst="curvedConnector3">
             <a:avLst/>
           </a:prstGeom>
           <a:ln>

--- a/modélisation/mercure-galant-thésaurus-ancien-régime/Modélisation.pptx
+++ b/modélisation/mercure-galant-thésaurus-ancien-régime/Modélisation.pptx
@@ -243,7 +243,7 @@
           <a:p>
             <a:fld id="{F96D367F-7370-4214-86FB-91D90BAC4FAD}" type="datetimeFigureOut">
               <a:rPr lang="fr-FR" smtClean="0"/>
-              <a:t>12/03/2021</a:t>
+              <a:t>24/03/2021</a:t>
             </a:fld>
             <a:endParaRPr lang="fr-FR"/>
           </a:p>
@@ -413,7 +413,7 @@
           <a:p>
             <a:fld id="{F96D367F-7370-4214-86FB-91D90BAC4FAD}" type="datetimeFigureOut">
               <a:rPr lang="fr-FR" smtClean="0"/>
-              <a:t>12/03/2021</a:t>
+              <a:t>24/03/2021</a:t>
             </a:fld>
             <a:endParaRPr lang="fr-FR"/>
           </a:p>
@@ -593,7 +593,7 @@
           <a:p>
             <a:fld id="{F96D367F-7370-4214-86FB-91D90BAC4FAD}" type="datetimeFigureOut">
               <a:rPr lang="fr-FR" smtClean="0"/>
-              <a:t>12/03/2021</a:t>
+              <a:t>24/03/2021</a:t>
             </a:fld>
             <a:endParaRPr lang="fr-FR"/>
           </a:p>
@@ -763,7 +763,7 @@
           <a:p>
             <a:fld id="{F96D367F-7370-4214-86FB-91D90BAC4FAD}" type="datetimeFigureOut">
               <a:rPr lang="fr-FR" smtClean="0"/>
-              <a:t>12/03/2021</a:t>
+              <a:t>24/03/2021</a:t>
             </a:fld>
             <a:endParaRPr lang="fr-FR"/>
           </a:p>
@@ -1007,7 +1007,7 @@
           <a:p>
             <a:fld id="{F96D367F-7370-4214-86FB-91D90BAC4FAD}" type="datetimeFigureOut">
               <a:rPr lang="fr-FR" smtClean="0"/>
-              <a:t>12/03/2021</a:t>
+              <a:t>24/03/2021</a:t>
             </a:fld>
             <a:endParaRPr lang="fr-FR"/>
           </a:p>
@@ -1239,7 +1239,7 @@
           <a:p>
             <a:fld id="{F96D367F-7370-4214-86FB-91D90BAC4FAD}" type="datetimeFigureOut">
               <a:rPr lang="fr-FR" smtClean="0"/>
-              <a:t>12/03/2021</a:t>
+              <a:t>24/03/2021</a:t>
             </a:fld>
             <a:endParaRPr lang="fr-FR"/>
           </a:p>
@@ -1606,7 +1606,7 @@
           <a:p>
             <a:fld id="{F96D367F-7370-4214-86FB-91D90BAC4FAD}" type="datetimeFigureOut">
               <a:rPr lang="fr-FR" smtClean="0"/>
-              <a:t>12/03/2021</a:t>
+              <a:t>24/03/2021</a:t>
             </a:fld>
             <a:endParaRPr lang="fr-FR"/>
           </a:p>
@@ -1724,7 +1724,7 @@
           <a:p>
             <a:fld id="{F96D367F-7370-4214-86FB-91D90BAC4FAD}" type="datetimeFigureOut">
               <a:rPr lang="fr-FR" smtClean="0"/>
-              <a:t>12/03/2021</a:t>
+              <a:t>24/03/2021</a:t>
             </a:fld>
             <a:endParaRPr lang="fr-FR"/>
           </a:p>
@@ -1819,7 +1819,7 @@
           <a:p>
             <a:fld id="{F96D367F-7370-4214-86FB-91D90BAC4FAD}" type="datetimeFigureOut">
               <a:rPr lang="fr-FR" smtClean="0"/>
-              <a:t>12/03/2021</a:t>
+              <a:t>24/03/2021</a:t>
             </a:fld>
             <a:endParaRPr lang="fr-FR"/>
           </a:p>
@@ -2096,7 +2096,7 @@
           <a:p>
             <a:fld id="{F96D367F-7370-4214-86FB-91D90BAC4FAD}" type="datetimeFigureOut">
               <a:rPr lang="fr-FR" smtClean="0"/>
-              <a:t>12/03/2021</a:t>
+              <a:t>24/03/2021</a:t>
             </a:fld>
             <a:endParaRPr lang="fr-FR"/>
           </a:p>
@@ -2353,7 +2353,7 @@
           <a:p>
             <a:fld id="{F96D367F-7370-4214-86FB-91D90BAC4FAD}" type="datetimeFigureOut">
               <a:rPr lang="fr-FR" smtClean="0"/>
-              <a:t>12/03/2021</a:t>
+              <a:t>24/03/2021</a:t>
             </a:fld>
             <a:endParaRPr lang="fr-FR"/>
           </a:p>
@@ -2566,7 +2566,7 @@
           <a:p>
             <a:fld id="{F96D367F-7370-4214-86FB-91D90BAC4FAD}" type="datetimeFigureOut">
               <a:rPr lang="fr-FR" smtClean="0"/>
-              <a:t>12/03/2021</a:t>
+              <a:t>24/03/2021</a:t>
             </a:fld>
             <a:endParaRPr lang="fr-FR"/>
           </a:p>
@@ -15688,7 +15688,7 @@
         </p:nvSpPr>
         <p:spPr>
           <a:xfrm>
-            <a:off x="32591545" y="15585890"/>
+            <a:off x="32370499" y="14940811"/>
             <a:ext cx="1052048" cy="697632"/>
           </a:xfrm>
           <a:prstGeom prst="roundRect">
@@ -15731,18 +15731,12 @@
               </a:rPr>
               <a:t>E36 Visual Item</a:t>
             </a:r>
-          </a:p>
-          <a:p>
-            <a:pPr algn="ctr"/>
-            <a:r>
-              <a:rPr lang="fr-FR" sz="1000" i="1" dirty="0">
-                <a:solidFill>
-                  <a:schemeClr val="bg1"/>
-                </a:solidFill>
-                <a:latin typeface="Gill Sans Nova" panose="020B0602020104020203" pitchFamily="34" charset="0"/>
-              </a:rPr>
-              <a:t>(Gravure)</a:t>
-            </a:r>
+            <a:endParaRPr lang="fr-FR" sz="1000" i="1" dirty="0">
+              <a:solidFill>
+                <a:schemeClr val="bg1"/>
+              </a:solidFill>
+              <a:latin typeface="Gill Sans Nova" panose="020B0602020104020203" pitchFamily="34" charset="0"/>
+            </a:endParaRPr>
           </a:p>
         </p:txBody>
       </p:sp>
@@ -15760,7 +15754,7 @@
         </p:nvSpPr>
         <p:spPr>
           <a:xfrm>
-            <a:off x="32450334" y="17322160"/>
+            <a:off x="32193929" y="16564890"/>
             <a:ext cx="1398356" cy="253916"/>
           </a:xfrm>
           <a:prstGeom prst="rect">
@@ -15865,6 +15859,7 @@
             </a:extLst>
           </p:cNvPr>
           <p:cNvCxnSpPr>
+            <a:cxnSpLocks/>
             <a:stCxn id="919" idx="3"/>
             <a:endCxn id="258" idx="0"/>
           </p:cNvCxnSpPr>
@@ -15873,7 +15868,7 @@
         <p:spPr>
           <a:xfrm>
             <a:off x="30863496" y="10023642"/>
-            <a:ext cx="2254073" cy="5562248"/>
+            <a:ext cx="2033027" cy="4917169"/>
           </a:xfrm>
           <a:prstGeom prst="curvedConnector2">
             <a:avLst/>
@@ -16265,20 +16260,18 @@
         </p:nvSpPr>
         <p:spPr>
           <a:xfrm>
-            <a:off x="31507124" y="18346414"/>
+            <a:off x="31322740" y="17339484"/>
             <a:ext cx="1130864" cy="519454"/>
           </a:xfrm>
           <a:prstGeom prst="roundRect">
             <a:avLst/>
           </a:prstGeom>
           <a:solidFill>
-            <a:srgbClr val="C3A441"/>
+            <a:srgbClr val="F2B800"/>
           </a:solidFill>
           <a:ln w="28575">
             <a:solidFill>
-              <a:schemeClr val="accent4">
-                <a:lumMod val="75000"/>
-              </a:schemeClr>
+              <a:srgbClr val="DAA600"/>
             </a:solidFill>
           </a:ln>
         </p:spPr>
@@ -16354,7 +16347,7 @@
         </p:nvSpPr>
         <p:spPr>
           <a:xfrm>
-            <a:off x="35917132" y="14728949"/>
+            <a:off x="34722710" y="13734294"/>
             <a:ext cx="864026" cy="571570"/>
           </a:xfrm>
           <a:prstGeom prst="roundRect">
@@ -16429,7 +16422,7 @@
         </p:nvSpPr>
         <p:spPr>
           <a:xfrm>
-            <a:off x="34148275" y="15193758"/>
+            <a:off x="33559792" y="14098964"/>
             <a:ext cx="685869" cy="400110"/>
           </a:xfrm>
           <a:prstGeom prst="rect">
@@ -16476,7 +16469,7 @@
         </p:nvSpPr>
         <p:spPr>
           <a:xfrm>
-            <a:off x="35735228" y="13554529"/>
+            <a:off x="36453125" y="13755086"/>
             <a:ext cx="1216621" cy="540468"/>
           </a:xfrm>
           <a:prstGeom prst="roundRect">
@@ -16561,15 +16554,15 @@
           </p:cNvPr>
           <p:cNvCxnSpPr>
             <a:cxnSpLocks/>
-            <a:stCxn id="290" idx="0"/>
-            <a:endCxn id="296" idx="2"/>
+            <a:stCxn id="290" idx="3"/>
+            <a:endCxn id="296" idx="1"/>
           </p:cNvCxnSpPr>
           <p:nvPr/>
         </p:nvCxnSpPr>
         <p:spPr>
-          <a:xfrm flipH="1" flipV="1">
-            <a:off x="36343539" y="14094997"/>
-            <a:ext cx="5606" cy="633952"/>
+          <a:xfrm>
+            <a:off x="35586736" y="14020079"/>
+            <a:ext cx="866389" cy="5241"/>
           </a:xfrm>
           <a:prstGeom prst="straightConnector1">
             <a:avLst/>
@@ -16607,7 +16600,7 @@
         </p:nvSpPr>
         <p:spPr>
           <a:xfrm>
-            <a:off x="33625239" y="18320204"/>
+            <a:off x="33440855" y="17313274"/>
             <a:ext cx="1062751" cy="636761"/>
           </a:xfrm>
           <a:prstGeom prst="roundRect">
@@ -16695,8 +16688,8 @@
         </p:nvCxnSpPr>
         <p:spPr>
           <a:xfrm rot="5400000">
-            <a:off x="31563617" y="16792462"/>
-            <a:ext cx="2062892" cy="1045013"/>
+            <a:off x="31541828" y="15984788"/>
+            <a:ext cx="1701041" cy="1008351"/>
           </a:xfrm>
           <a:prstGeom prst="curvedConnector3">
             <a:avLst/>
@@ -16737,8 +16730,8 @@
         </p:nvCxnSpPr>
         <p:spPr>
           <a:xfrm rot="16200000" flipH="1">
-            <a:off x="32618751" y="16782340"/>
-            <a:ext cx="2036682" cy="1039046"/>
+            <a:off x="32596962" y="15938004"/>
+            <a:ext cx="1674831" cy="1075708"/>
           </a:xfrm>
           <a:prstGeom prst="curvedConnector3">
             <a:avLst/>
@@ -16779,8 +16772,8 @@
         </p:nvCxnSpPr>
         <p:spPr>
           <a:xfrm flipV="1">
-            <a:off x="33643593" y="15014734"/>
-            <a:ext cx="2273539" cy="919972"/>
+            <a:off x="33422547" y="14020079"/>
+            <a:ext cx="1300163" cy="1269548"/>
           </a:xfrm>
           <a:prstGeom prst="curvedConnector3">
             <a:avLst/>
@@ -16806,10 +16799,60 @@
       </p:cxnSp>
       <p:sp>
         <p:nvSpPr>
-          <p:cNvPr id="317" name="Rectangle : coins arrondis 316">
-            <a:extLst>
-              <a:ext uri="{FF2B5EF4-FFF2-40B4-BE49-F238E27FC236}">
-                <a16:creationId xmlns:a16="http://schemas.microsoft.com/office/drawing/2014/main" id="{04B27341-0B9C-4F9B-B1EA-0A66BF739B47}"/>
+          <p:cNvPr id="323" name="ZoneTexte 322">
+            <a:extLst>
+              <a:ext uri="{FF2B5EF4-FFF2-40B4-BE49-F238E27FC236}">
+                <a16:creationId xmlns:a16="http://schemas.microsoft.com/office/drawing/2014/main" id="{251027FE-19EC-4378-BF55-BF1D868A6E9C}"/>
+              </a:ext>
+            </a:extLst>
+          </p:cNvPr>
+          <p:cNvSpPr txBox="1"/>
+          <p:nvPr/>
+        </p:nvSpPr>
+        <p:spPr>
+          <a:xfrm>
+            <a:off x="31330565" y="14727985"/>
+            <a:ext cx="732494" cy="415498"/>
+          </a:xfrm>
+          <a:prstGeom prst="rect">
+            <a:avLst/>
+          </a:prstGeom>
+          <a:noFill/>
+        </p:spPr>
+        <p:txBody>
+          <a:bodyPr wrap="square" rtlCol="0">
+            <a:spAutoFit/>
+          </a:bodyPr>
+          <a:lstStyle/>
+          <a:p>
+            <a:pPr algn="ctr"/>
+            <a:r>
+              <a:rPr lang="fr-FR" sz="1050" i="1" dirty="0">
+                <a:latin typeface="Gill Sans Nova" panose="020B0602020104020203" pitchFamily="34" charset="0"/>
+              </a:rPr>
+              <a:t>P129 </a:t>
+            </a:r>
+            <a:r>
+              <a:rPr lang="fr-FR" sz="1050" i="1" dirty="0" err="1">
+                <a:latin typeface="Gill Sans Nova" panose="020B0602020104020203" pitchFamily="34" charset="0"/>
+              </a:rPr>
+              <a:t>is</a:t>
+            </a:r>
+            <a:r>
+              <a:rPr lang="fr-FR" sz="1050" i="1" dirty="0">
+                <a:latin typeface="Gill Sans Nova" panose="020B0602020104020203" pitchFamily="34" charset="0"/>
+              </a:rPr>
+              <a:t> about</a:t>
+            </a:r>
+          </a:p>
+        </p:txBody>
+      </p:sp>
+      <p:sp>
+        <p:nvSpPr>
+          <p:cNvPr id="324" name="Rectangle : coins arrondis 323">
+            <a:extLst>
+              <a:ext uri="{FF2B5EF4-FFF2-40B4-BE49-F238E27FC236}">
+                <a16:creationId xmlns:a16="http://schemas.microsoft.com/office/drawing/2014/main" id="{994047F3-E8DC-4BCD-9A99-77175C796312}"/>
               </a:ext>
             </a:extLst>
           </p:cNvPr>
@@ -16818,20 +16861,18 @@
         </p:nvSpPr>
         <p:spPr>
           <a:xfrm>
-            <a:off x="29463661" y="15146967"/>
-            <a:ext cx="1130864" cy="519454"/>
+            <a:off x="34577958" y="15478975"/>
+            <a:ext cx="1105041" cy="565753"/>
           </a:xfrm>
           <a:prstGeom prst="roundRect">
             <a:avLst/>
           </a:prstGeom>
           <a:solidFill>
-            <a:srgbClr val="C3A441"/>
+            <a:srgbClr val="96BE18"/>
           </a:solidFill>
           <a:ln w="28575">
             <a:solidFill>
-              <a:schemeClr val="accent4">
-                <a:lumMod val="75000"/>
-              </a:schemeClr>
+              <a:srgbClr val="8AAE16"/>
             </a:solidFill>
           </a:ln>
         </p:spPr>
@@ -16861,7 +16902,7 @@
                 </a:solidFill>
                 <a:latin typeface="Gill Sans Nova" panose="020B0602020104020203" pitchFamily="34" charset="0"/>
               </a:rPr>
-              <a:t>E1 CRM </a:t>
+              <a:t>E65 </a:t>
             </a:r>
             <a:r>
               <a:rPr lang="fr-FR" sz="1000" dirty="0" err="1">
@@ -16870,7 +16911,7 @@
                 </a:solidFill>
                 <a:latin typeface="Gill Sans Nova" panose="020B0602020104020203" pitchFamily="34" charset="0"/>
               </a:rPr>
-              <a:t>Entity</a:t>
+              <a:t>Creation</a:t>
             </a:r>
             <a:endParaRPr lang="fr-FR" sz="1000" dirty="0">
               <a:solidFill>
@@ -16879,26 +16920,59 @@
               <a:latin typeface="Gill Sans Nova" panose="020B0602020104020203" pitchFamily="34" charset="0"/>
             </a:endParaRPr>
           </a:p>
-          <a:p>
-            <a:pPr algn="ctr"/>
-            <a:r>
-              <a:rPr lang="fr-FR" sz="1000" i="1" dirty="0">
-                <a:solidFill>
-                  <a:schemeClr val="bg1"/>
-                </a:solidFill>
-                <a:latin typeface="Gill Sans Nova" panose="020B0602020104020203" pitchFamily="34" charset="0"/>
-              </a:rPr>
-              <a:t>« Enigme »</a:t>
-            </a:r>
-          </a:p>
-        </p:txBody>
-      </p:sp>
-      <p:sp>
-        <p:nvSpPr>
-          <p:cNvPr id="323" name="ZoneTexte 322">
-            <a:extLst>
-              <a:ext uri="{FF2B5EF4-FFF2-40B4-BE49-F238E27FC236}">
-                <a16:creationId xmlns:a16="http://schemas.microsoft.com/office/drawing/2014/main" id="{251027FE-19EC-4378-BF55-BF1D868A6E9C}"/>
+        </p:txBody>
+      </p:sp>
+      <p:cxnSp>
+        <p:nvCxnSpPr>
+          <p:cNvPr id="212" name="Connecteur : en arc 211">
+            <a:extLst>
+              <a:ext uri="{FF2B5EF4-FFF2-40B4-BE49-F238E27FC236}">
+                <a16:creationId xmlns:a16="http://schemas.microsoft.com/office/drawing/2014/main" id="{DF072112-44D3-48E4-9DAE-FEF61FEAF689}"/>
+              </a:ext>
+            </a:extLst>
+          </p:cNvPr>
+          <p:cNvCxnSpPr>
+            <a:cxnSpLocks/>
+            <a:stCxn id="324" idx="1"/>
+            <a:endCxn id="258" idx="3"/>
+          </p:cNvCxnSpPr>
+          <p:nvPr/>
+        </p:nvCxnSpPr>
+        <p:spPr>
+          <a:xfrm rot="10800000">
+            <a:off x="33422548" y="15289628"/>
+            <a:ext cx="1155411" cy="472225"/>
+          </a:xfrm>
+          <a:prstGeom prst="curvedConnector3">
+            <a:avLst>
+              <a:gd name="adj1" fmla="val 50000"/>
+            </a:avLst>
+          </a:prstGeom>
+          <a:ln>
+            <a:tailEnd type="triangle"/>
+          </a:ln>
+        </p:spPr>
+        <p:style>
+          <a:lnRef idx="1">
+            <a:schemeClr val="dk1"/>
+          </a:lnRef>
+          <a:fillRef idx="0">
+            <a:schemeClr val="dk1"/>
+          </a:fillRef>
+          <a:effectRef idx="0">
+            <a:schemeClr val="dk1"/>
+          </a:effectRef>
+          <a:fontRef idx="minor">
+            <a:schemeClr val="tx1"/>
+          </a:fontRef>
+        </p:style>
+      </p:cxnSp>
+      <p:sp>
+        <p:nvSpPr>
+          <p:cNvPr id="330" name="ZoneTexte 329">
+            <a:extLst>
+              <a:ext uri="{FF2B5EF4-FFF2-40B4-BE49-F238E27FC236}">
+                <a16:creationId xmlns:a16="http://schemas.microsoft.com/office/drawing/2014/main" id="{4BFD32AD-3CE3-40BA-99FC-731BBCB38E18}"/>
               </a:ext>
             </a:extLst>
           </p:cNvPr>
@@ -16907,8 +16981,8 @@
         </p:nvSpPr>
         <p:spPr>
           <a:xfrm>
-            <a:off x="31418882" y="15277541"/>
-            <a:ext cx="950003" cy="415498"/>
+            <a:off x="34296209" y="16297473"/>
+            <a:ext cx="868954" cy="400110"/>
           </a:xfrm>
           <a:prstGeom prst="rect">
             <a:avLst/>
@@ -16923,41 +16997,29 @@
           <a:p>
             <a:pPr algn="ctr"/>
             <a:r>
-              <a:rPr lang="fr-FR" sz="1050" b="1" i="1" dirty="0">
-                <a:solidFill>
-                  <a:srgbClr val="FF0000"/>
-                </a:solidFill>
-                <a:latin typeface="Gill Sans Nova" panose="020B0602020104020203" pitchFamily="34" charset="0"/>
-              </a:rPr>
-              <a:t>P129 </a:t>
-            </a:r>
-            <a:r>
-              <a:rPr lang="fr-FR" sz="1050" b="1" i="1" dirty="0" err="1">
-                <a:solidFill>
-                  <a:srgbClr val="FF0000"/>
-                </a:solidFill>
-                <a:latin typeface="Gill Sans Nova" panose="020B0602020104020203" pitchFamily="34" charset="0"/>
-              </a:rPr>
-              <a:t>is</a:t>
-            </a:r>
-            <a:r>
-              <a:rPr lang="fr-FR" sz="1050" b="1" i="1" dirty="0">
-                <a:solidFill>
-                  <a:srgbClr val="FF0000"/>
-                </a:solidFill>
-                <a:latin typeface="Gill Sans Nova" panose="020B0602020104020203" pitchFamily="34" charset="0"/>
-              </a:rPr>
-              <a:t> about ?</a:t>
-            </a:r>
-          </a:p>
-        </p:txBody>
-      </p:sp>
-      <p:sp>
-        <p:nvSpPr>
-          <p:cNvPr id="324" name="Rectangle : coins arrondis 323">
-            <a:extLst>
-              <a:ext uri="{FF2B5EF4-FFF2-40B4-BE49-F238E27FC236}">
-                <a16:creationId xmlns:a16="http://schemas.microsoft.com/office/drawing/2014/main" id="{994047F3-E8DC-4BCD-9A99-77175C796312}"/>
+              <a:rPr lang="fr-FR" sz="1000" i="1" dirty="0">
+                <a:latin typeface="Gill Sans Nova" panose="020B0602020104020203" pitchFamily="34" charset="0"/>
+              </a:rPr>
+              <a:t>P94 has </a:t>
+            </a:r>
+            <a:r>
+              <a:rPr lang="fr-FR" sz="1000" i="1" dirty="0" err="1">
+                <a:latin typeface="Gill Sans Nova" panose="020B0602020104020203" pitchFamily="34" charset="0"/>
+              </a:rPr>
+              <a:t>created</a:t>
+            </a:r>
+            <a:endParaRPr lang="fr-FR" sz="1000" i="1" dirty="0">
+              <a:latin typeface="Gill Sans Nova" panose="020B0602020104020203" pitchFamily="34" charset="0"/>
+            </a:endParaRPr>
+          </a:p>
+        </p:txBody>
+      </p:sp>
+      <p:sp>
+        <p:nvSpPr>
+          <p:cNvPr id="331" name="Rectangle : coins arrondis 330">
+            <a:extLst>
+              <a:ext uri="{FF2B5EF4-FFF2-40B4-BE49-F238E27FC236}">
+                <a16:creationId xmlns:a16="http://schemas.microsoft.com/office/drawing/2014/main" id="{144CDFD1-A3DB-4EF3-B289-2A7A5D04541E}"/>
               </a:ext>
             </a:extLst>
           </p:cNvPr>
@@ -16966,19 +17028,17 @@
         </p:nvSpPr>
         <p:spPr>
           <a:xfrm>
-            <a:off x="35835637" y="16618796"/>
-            <a:ext cx="1105041" cy="565753"/>
+            <a:off x="39376292" y="14895690"/>
+            <a:ext cx="1023275" cy="446226"/>
           </a:xfrm>
           <a:prstGeom prst="roundRect">
             <a:avLst/>
           </a:prstGeom>
           <a:solidFill>
-            <a:srgbClr val="96BE18"/>
+            <a:srgbClr val="FFE699"/>
           </a:solidFill>
-          <a:ln w="28575">
-            <a:solidFill>
-              <a:srgbClr val="8AAE16"/>
-            </a:solidFill>
+          <a:ln w="12700">
+            <a:noFill/>
           </a:ln>
         </p:spPr>
         <p:style>
@@ -17003,128 +17063,21 @@
             <a:r>
               <a:rPr lang="fr-FR" sz="1000" dirty="0">
                 <a:solidFill>
-                  <a:schemeClr val="bg1"/>
-                </a:solidFill>
-                <a:latin typeface="Gill Sans Nova" panose="020B0602020104020203" pitchFamily="34" charset="0"/>
-              </a:rPr>
-              <a:t>E65 </a:t>
-            </a:r>
-            <a:r>
-              <a:rPr lang="fr-FR" sz="1000" dirty="0" err="1">
-                <a:solidFill>
-                  <a:schemeClr val="bg1"/>
-                </a:solidFill>
-                <a:latin typeface="Gill Sans Nova" panose="020B0602020104020203" pitchFamily="34" charset="0"/>
-              </a:rPr>
-              <a:t>Creation</a:t>
-            </a:r>
-            <a:endParaRPr lang="fr-FR" sz="1000" dirty="0">
-              <a:solidFill>
-                <a:schemeClr val="bg1"/>
-              </a:solidFill>
-              <a:latin typeface="Gill Sans Nova" panose="020B0602020104020203" pitchFamily="34" charset="0"/>
-            </a:endParaRPr>
-          </a:p>
-        </p:txBody>
-      </p:sp>
-      <p:cxnSp>
-        <p:nvCxnSpPr>
-          <p:cNvPr id="212" name="Connecteur : en arc 211">
-            <a:extLst>
-              <a:ext uri="{FF2B5EF4-FFF2-40B4-BE49-F238E27FC236}">
-                <a16:creationId xmlns:a16="http://schemas.microsoft.com/office/drawing/2014/main" id="{DF072112-44D3-48E4-9DAE-FEF61FEAF689}"/>
-              </a:ext>
-            </a:extLst>
-          </p:cNvPr>
-          <p:cNvCxnSpPr>
-            <a:cxnSpLocks/>
-            <a:stCxn id="324" idx="1"/>
-            <a:endCxn id="258" idx="3"/>
-          </p:cNvCxnSpPr>
-          <p:nvPr/>
-        </p:nvCxnSpPr>
-        <p:spPr>
-          <a:xfrm rot="10800000">
-            <a:off x="33643593" y="15934707"/>
-            <a:ext cx="2192044" cy="966967"/>
-          </a:xfrm>
-          <a:prstGeom prst="curvedConnector3">
-            <a:avLst>
-              <a:gd name="adj1" fmla="val 50000"/>
-            </a:avLst>
-          </a:prstGeom>
-          <a:ln>
-            <a:tailEnd type="triangle"/>
-          </a:ln>
-        </p:spPr>
-        <p:style>
-          <a:lnRef idx="1">
-            <a:schemeClr val="dk1"/>
-          </a:lnRef>
-          <a:fillRef idx="0">
-            <a:schemeClr val="dk1"/>
-          </a:fillRef>
-          <a:effectRef idx="0">
-            <a:schemeClr val="dk1"/>
-          </a:effectRef>
-          <a:fontRef idx="minor">
-            <a:schemeClr val="tx1"/>
-          </a:fontRef>
-        </p:style>
-      </p:cxnSp>
-      <p:sp>
-        <p:nvSpPr>
-          <p:cNvPr id="330" name="ZoneTexte 329">
-            <a:extLst>
-              <a:ext uri="{FF2B5EF4-FFF2-40B4-BE49-F238E27FC236}">
-                <a16:creationId xmlns:a16="http://schemas.microsoft.com/office/drawing/2014/main" id="{4BFD32AD-3CE3-40BA-99FC-731BBCB38E18}"/>
-              </a:ext>
-            </a:extLst>
-          </p:cNvPr>
-          <p:cNvSpPr txBox="1"/>
-          <p:nvPr/>
-        </p:nvSpPr>
-        <p:spPr>
-          <a:xfrm>
-            <a:off x="34021855" y="16326146"/>
-            <a:ext cx="868954" cy="400110"/>
-          </a:xfrm>
-          <a:prstGeom prst="rect">
-            <a:avLst/>
-          </a:prstGeom>
-          <a:noFill/>
-        </p:spPr>
-        <p:txBody>
-          <a:bodyPr wrap="square" rtlCol="0">
-            <a:spAutoFit/>
-          </a:bodyPr>
-          <a:lstStyle/>
-          <a:p>
-            <a:pPr algn="ctr"/>
-            <a:r>
-              <a:rPr lang="fr-FR" sz="1000" i="1" dirty="0">
-                <a:latin typeface="Gill Sans Nova" panose="020B0602020104020203" pitchFamily="34" charset="0"/>
-              </a:rPr>
-              <a:t>P94 has </a:t>
-            </a:r>
-            <a:r>
-              <a:rPr lang="fr-FR" sz="1000" i="1" dirty="0" err="1">
-                <a:latin typeface="Gill Sans Nova" panose="020B0602020104020203" pitchFamily="34" charset="0"/>
-              </a:rPr>
-              <a:t>created</a:t>
-            </a:r>
-            <a:endParaRPr lang="fr-FR" sz="1000" i="1" dirty="0">
-              <a:latin typeface="Gill Sans Nova" panose="020B0602020104020203" pitchFamily="34" charset="0"/>
-            </a:endParaRPr>
-          </a:p>
-        </p:txBody>
-      </p:sp>
-      <p:sp>
-        <p:nvSpPr>
-          <p:cNvPr id="331" name="Rectangle : coins arrondis 330">
-            <a:extLst>
-              <a:ext uri="{FF2B5EF4-FFF2-40B4-BE49-F238E27FC236}">
-                <a16:creationId xmlns:a16="http://schemas.microsoft.com/office/drawing/2014/main" id="{144CDFD1-A3DB-4EF3-B289-2A7A5D04541E}"/>
+                  <a:schemeClr val="tx1"/>
+                </a:solidFill>
+                <a:latin typeface="Gill Sans Nova" panose="020B0602020104020203" pitchFamily="34" charset="0"/>
+              </a:rPr>
+              <a:t>E21 Person</a:t>
+            </a:r>
+          </a:p>
+        </p:txBody>
+      </p:sp>
+      <p:sp>
+        <p:nvSpPr>
+          <p:cNvPr id="332" name="Rectangle : coins arrondis 331">
+            <a:extLst>
+              <a:ext uri="{FF2B5EF4-FFF2-40B4-BE49-F238E27FC236}">
+                <a16:creationId xmlns:a16="http://schemas.microsoft.com/office/drawing/2014/main" id="{24CE1718-FABC-49CD-BCFA-E1040A93B82E}"/>
               </a:ext>
             </a:extLst>
           </p:cNvPr>
@@ -17133,14 +17086,14 @@
         </p:nvSpPr>
         <p:spPr>
           <a:xfrm>
-            <a:off x="40633971" y="16035511"/>
-            <a:ext cx="1023275" cy="446226"/>
+            <a:off x="37006857" y="14837734"/>
+            <a:ext cx="1062751" cy="575137"/>
           </a:xfrm>
           <a:prstGeom prst="roundRect">
             <a:avLst/>
           </a:prstGeom>
           <a:solidFill>
-            <a:srgbClr val="FFE699"/>
+            <a:srgbClr val="8DC28C"/>
           </a:solidFill>
           <a:ln w="12700">
             <a:noFill/>
@@ -17168,21 +17121,48 @@
             <a:r>
               <a:rPr lang="fr-FR" sz="1000" dirty="0">
                 <a:solidFill>
-                  <a:schemeClr val="tx1"/>
-                </a:solidFill>
-                <a:latin typeface="Gill Sans Nova" panose="020B0602020104020203" pitchFamily="34" charset="0"/>
-              </a:rPr>
-              <a:t>E21 Person</a:t>
-            </a:r>
-          </a:p>
-        </p:txBody>
-      </p:sp>
-      <p:sp>
-        <p:nvSpPr>
-          <p:cNvPr id="332" name="Rectangle : coins arrondis 331">
-            <a:extLst>
-              <a:ext uri="{FF2B5EF4-FFF2-40B4-BE49-F238E27FC236}">
-                <a16:creationId xmlns:a16="http://schemas.microsoft.com/office/drawing/2014/main" id="{24CE1718-FABC-49CD-BCFA-E1040A93B82E}"/>
+                  <a:schemeClr val="bg1"/>
+                </a:solidFill>
+                <a:latin typeface="Gill Sans Nova" panose="020B0602020104020203" pitchFamily="34" charset="0"/>
+              </a:rPr>
+              <a:t>E7 Activity</a:t>
+            </a:r>
+          </a:p>
+          <a:p>
+            <a:pPr algn="ctr"/>
+            <a:r>
+              <a:rPr lang="fr-FR" sz="1000" dirty="0">
+                <a:solidFill>
+                  <a:schemeClr val="bg1"/>
+                </a:solidFill>
+                <a:latin typeface="Gill Sans Nova" panose="020B0602020104020203" pitchFamily="34" charset="0"/>
+              </a:rPr>
+              <a:t>(</a:t>
+            </a:r>
+            <a:r>
+              <a:rPr lang="fr-FR" sz="1000" i="1" dirty="0">
+                <a:solidFill>
+                  <a:schemeClr val="bg1"/>
+                </a:solidFill>
+                <a:latin typeface="Gill Sans Nova" panose="020B0602020104020203" pitchFamily="34" charset="0"/>
+              </a:rPr>
+              <a:t>de type « invention »)</a:t>
+            </a:r>
+            <a:endParaRPr lang="fr-FR" sz="1000" dirty="0">
+              <a:solidFill>
+                <a:schemeClr val="bg1"/>
+              </a:solidFill>
+              <a:latin typeface="Gill Sans Nova" panose="020B0602020104020203" pitchFamily="34" charset="0"/>
+            </a:endParaRPr>
+          </a:p>
+        </p:txBody>
+      </p:sp>
+      <p:sp>
+        <p:nvSpPr>
+          <p:cNvPr id="333" name="Rectangle : coins arrondis 332">
+            <a:extLst>
+              <a:ext uri="{FF2B5EF4-FFF2-40B4-BE49-F238E27FC236}">
+                <a16:creationId xmlns:a16="http://schemas.microsoft.com/office/drawing/2014/main" id="{E41C258E-60D6-46BB-B9C0-1FADF5B5DD07}"/>
               </a:ext>
             </a:extLst>
           </p:cNvPr>
@@ -17191,8 +17171,8 @@
         </p:nvSpPr>
         <p:spPr>
           <a:xfrm>
-            <a:off x="38264536" y="15977555"/>
-            <a:ext cx="1062751" cy="575137"/>
+            <a:off x="37014774" y="15976057"/>
+            <a:ext cx="1132392" cy="743480"/>
           </a:xfrm>
           <a:prstGeom prst="roundRect">
             <a:avLst/>
@@ -17236,38 +17216,23 @@
           <a:p>
             <a:pPr algn="ctr"/>
             <a:r>
-              <a:rPr lang="fr-FR" sz="1000" dirty="0">
+              <a:rPr lang="fr-FR" sz="1000" i="1" dirty="0">
                 <a:solidFill>
                   <a:schemeClr val="bg1"/>
                 </a:solidFill>
                 <a:latin typeface="Gill Sans Nova" panose="020B0602020104020203" pitchFamily="34" charset="0"/>
               </a:rPr>
-              <a:t>(</a:t>
-            </a:r>
-            <a:r>
-              <a:rPr lang="fr-FR" sz="1000" i="1" dirty="0">
-                <a:solidFill>
-                  <a:schemeClr val="bg1"/>
-                </a:solidFill>
-                <a:latin typeface="Gill Sans Nova" panose="020B0602020104020203" pitchFamily="34" charset="0"/>
-              </a:rPr>
-              <a:t>de type « invention »)</a:t>
-            </a:r>
-            <a:endParaRPr lang="fr-FR" sz="1000" dirty="0">
-              <a:solidFill>
-                <a:schemeClr val="bg1"/>
-              </a:solidFill>
-              <a:latin typeface="Gill Sans Nova" panose="020B0602020104020203" pitchFamily="34" charset="0"/>
-            </a:endParaRPr>
-          </a:p>
-        </p:txBody>
-      </p:sp>
-      <p:sp>
-        <p:nvSpPr>
-          <p:cNvPr id="333" name="Rectangle : coins arrondis 332">
-            <a:extLst>
-              <a:ext uri="{FF2B5EF4-FFF2-40B4-BE49-F238E27FC236}">
-                <a16:creationId xmlns:a16="http://schemas.microsoft.com/office/drawing/2014/main" id="{E41C258E-60D6-46BB-B9C0-1FADF5B5DD07}"/>
+              <a:t>(de type « sculpture / gravure »)</a:t>
+            </a:r>
+          </a:p>
+        </p:txBody>
+      </p:sp>
+      <p:sp>
+        <p:nvSpPr>
+          <p:cNvPr id="334" name="Rectangle : coins arrondis 333">
+            <a:extLst>
+              <a:ext uri="{FF2B5EF4-FFF2-40B4-BE49-F238E27FC236}">
+                <a16:creationId xmlns:a16="http://schemas.microsoft.com/office/drawing/2014/main" id="{0F605940-120C-47BF-89B8-6544770D5575}"/>
               </a:ext>
             </a:extLst>
           </p:cNvPr>
@@ -17276,14 +17241,14 @@
         </p:nvSpPr>
         <p:spPr>
           <a:xfrm>
-            <a:off x="38272453" y="17115878"/>
-            <a:ext cx="1132392" cy="743480"/>
+            <a:off x="39376291" y="16104799"/>
+            <a:ext cx="1023275" cy="446226"/>
           </a:xfrm>
           <a:prstGeom prst="roundRect">
             <a:avLst/>
           </a:prstGeom>
           <a:solidFill>
-            <a:srgbClr val="8DC28C"/>
+            <a:srgbClr val="FFE699"/>
           </a:solidFill>
           <a:ln w="12700">
             <a:noFill/>
@@ -17311,33 +17276,584 @@
             <a:r>
               <a:rPr lang="fr-FR" sz="1000" dirty="0">
                 <a:solidFill>
-                  <a:schemeClr val="bg1"/>
-                </a:solidFill>
-                <a:latin typeface="Gill Sans Nova" panose="020B0602020104020203" pitchFamily="34" charset="0"/>
-              </a:rPr>
-              <a:t>E7 Activity</a:t>
-            </a:r>
-          </a:p>
+                  <a:schemeClr val="tx1"/>
+                </a:solidFill>
+                <a:latin typeface="Gill Sans Nova" panose="020B0602020104020203" pitchFamily="34" charset="0"/>
+              </a:rPr>
+              <a:t>E21 Person</a:t>
+            </a:r>
+          </a:p>
+        </p:txBody>
+      </p:sp>
+      <p:cxnSp>
+        <p:nvCxnSpPr>
+          <p:cNvPr id="220" name="Connecteur : en arc 219">
+            <a:extLst>
+              <a:ext uri="{FF2B5EF4-FFF2-40B4-BE49-F238E27FC236}">
+                <a16:creationId xmlns:a16="http://schemas.microsoft.com/office/drawing/2014/main" id="{1DFD1410-4BA9-441F-A7A8-C923840ECBC8}"/>
+              </a:ext>
+            </a:extLst>
+          </p:cNvPr>
+          <p:cNvCxnSpPr>
+            <a:cxnSpLocks/>
+            <a:stCxn id="332" idx="1"/>
+            <a:endCxn id="324" idx="3"/>
+          </p:cNvCxnSpPr>
+          <p:nvPr/>
+        </p:nvCxnSpPr>
+        <p:spPr>
+          <a:xfrm rot="10800000" flipV="1">
+            <a:off x="35682999" y="15125302"/>
+            <a:ext cx="1323858" cy="636549"/>
+          </a:xfrm>
+          <a:prstGeom prst="curvedConnector3">
+            <a:avLst/>
+          </a:prstGeom>
+          <a:ln>
+            <a:tailEnd type="triangle"/>
+          </a:ln>
+        </p:spPr>
+        <p:style>
+          <a:lnRef idx="1">
+            <a:schemeClr val="dk1"/>
+          </a:lnRef>
+          <a:fillRef idx="0">
+            <a:schemeClr val="dk1"/>
+          </a:fillRef>
+          <a:effectRef idx="0">
+            <a:schemeClr val="dk1"/>
+          </a:effectRef>
+          <a:fontRef idx="minor">
+            <a:schemeClr val="tx1"/>
+          </a:fontRef>
+        </p:style>
+      </p:cxnSp>
+      <p:cxnSp>
+        <p:nvCxnSpPr>
+          <p:cNvPr id="222" name="Connecteur : en arc 221">
+            <a:extLst>
+              <a:ext uri="{FF2B5EF4-FFF2-40B4-BE49-F238E27FC236}">
+                <a16:creationId xmlns:a16="http://schemas.microsoft.com/office/drawing/2014/main" id="{19688826-CB43-477F-8087-D5A50BDA6BBF}"/>
+              </a:ext>
+            </a:extLst>
+          </p:cNvPr>
+          <p:cNvCxnSpPr>
+            <a:cxnSpLocks/>
+            <a:stCxn id="333" idx="1"/>
+            <a:endCxn id="324" idx="3"/>
+          </p:cNvCxnSpPr>
+          <p:nvPr/>
+        </p:nvCxnSpPr>
+        <p:spPr>
+          <a:xfrm rot="10800000">
+            <a:off x="35683000" y="15761853"/>
+            <a:ext cx="1331775" cy="585945"/>
+          </a:xfrm>
+          <a:prstGeom prst="curvedConnector3">
+            <a:avLst/>
+          </a:prstGeom>
+          <a:ln>
+            <a:tailEnd type="triangle"/>
+          </a:ln>
+        </p:spPr>
+        <p:style>
+          <a:lnRef idx="1">
+            <a:schemeClr val="dk1"/>
+          </a:lnRef>
+          <a:fillRef idx="0">
+            <a:schemeClr val="dk1"/>
+          </a:fillRef>
+          <a:effectRef idx="0">
+            <a:schemeClr val="dk1"/>
+          </a:effectRef>
+          <a:fontRef idx="minor">
+            <a:schemeClr val="tx1"/>
+          </a:fontRef>
+        </p:style>
+      </p:cxnSp>
+      <p:sp>
+        <p:nvSpPr>
+          <p:cNvPr id="339" name="ZoneTexte 338">
+            <a:extLst>
+              <a:ext uri="{FF2B5EF4-FFF2-40B4-BE49-F238E27FC236}">
+                <a16:creationId xmlns:a16="http://schemas.microsoft.com/office/drawing/2014/main" id="{8EE97E95-33C7-4A50-B013-4E8B6EDC1E9C}"/>
+              </a:ext>
+            </a:extLst>
+          </p:cNvPr>
+          <p:cNvSpPr txBox="1"/>
+          <p:nvPr/>
+        </p:nvSpPr>
+        <p:spPr>
+          <a:xfrm>
+            <a:off x="36296712" y="15474489"/>
+            <a:ext cx="685869" cy="553998"/>
+          </a:xfrm>
+          <a:prstGeom prst="rect">
+            <a:avLst/>
+          </a:prstGeom>
+          <a:noFill/>
+        </p:spPr>
+        <p:txBody>
+          <a:bodyPr wrap="square" rtlCol="0">
+            <a:spAutoFit/>
+          </a:bodyPr>
+          <a:lstStyle/>
           <a:p>
             <a:pPr algn="ctr"/>
             <a:r>
               <a:rPr lang="fr-FR" sz="1000" i="1" dirty="0">
-                <a:solidFill>
-                  <a:schemeClr val="bg1"/>
-                </a:solidFill>
-                <a:latin typeface="Gill Sans Nova" panose="020B0602020104020203" pitchFamily="34" charset="0"/>
-              </a:rPr>
-              <a:t>(de type « sculpture / gravure »)</a:t>
-            </a:r>
-          </a:p>
-        </p:txBody>
-      </p:sp>
-      <p:sp>
-        <p:nvSpPr>
-          <p:cNvPr id="334" name="Rectangle : coins arrondis 333">
-            <a:extLst>
-              <a:ext uri="{FF2B5EF4-FFF2-40B4-BE49-F238E27FC236}">
-                <a16:creationId xmlns:a16="http://schemas.microsoft.com/office/drawing/2014/main" id="{0F605940-120C-47BF-89B8-6544770D5575}"/>
+                <a:latin typeface="Gill Sans Nova" panose="020B0602020104020203" pitchFamily="34" charset="0"/>
+              </a:rPr>
+              <a:t>P20 </a:t>
+            </a:r>
+            <a:r>
+              <a:rPr lang="fr-FR" sz="1000" i="1" dirty="0" err="1">
+                <a:latin typeface="Gill Sans Nova" panose="020B0602020104020203" pitchFamily="34" charset="0"/>
+              </a:rPr>
+              <a:t>had</a:t>
+            </a:r>
+            <a:r>
+              <a:rPr lang="fr-FR" sz="1000" i="1" dirty="0">
+                <a:latin typeface="Gill Sans Nova" panose="020B0602020104020203" pitchFamily="34" charset="0"/>
+              </a:rPr>
+              <a:t> </a:t>
+            </a:r>
+            <a:r>
+              <a:rPr lang="fr-FR" sz="1000" i="1" dirty="0" err="1">
+                <a:latin typeface="Gill Sans Nova" panose="020B0602020104020203" pitchFamily="34" charset="0"/>
+              </a:rPr>
+              <a:t>specific</a:t>
+            </a:r>
+            <a:r>
+              <a:rPr lang="fr-FR" sz="1000" i="1" dirty="0">
+                <a:latin typeface="Gill Sans Nova" panose="020B0602020104020203" pitchFamily="34" charset="0"/>
+              </a:rPr>
+              <a:t> </a:t>
+            </a:r>
+            <a:r>
+              <a:rPr lang="fr-FR" sz="1000" i="1" dirty="0" err="1">
+                <a:latin typeface="Gill Sans Nova" panose="020B0602020104020203" pitchFamily="34" charset="0"/>
+              </a:rPr>
+              <a:t>purpose</a:t>
+            </a:r>
+            <a:endParaRPr lang="fr-FR" sz="1000" i="1" dirty="0">
+              <a:latin typeface="Gill Sans Nova" panose="020B0602020104020203" pitchFamily="34" charset="0"/>
+            </a:endParaRPr>
+          </a:p>
+        </p:txBody>
+      </p:sp>
+      <p:cxnSp>
+        <p:nvCxnSpPr>
+          <p:cNvPr id="234" name="Connecteur droit avec flèche 233">
+            <a:extLst>
+              <a:ext uri="{FF2B5EF4-FFF2-40B4-BE49-F238E27FC236}">
+                <a16:creationId xmlns:a16="http://schemas.microsoft.com/office/drawing/2014/main" id="{CAAA2C34-F034-42FD-905E-F6D54E1F73F1}"/>
+              </a:ext>
+            </a:extLst>
+          </p:cNvPr>
+          <p:cNvCxnSpPr>
+            <a:stCxn id="332" idx="3"/>
+            <a:endCxn id="331" idx="1"/>
+          </p:cNvCxnSpPr>
+          <p:nvPr/>
+        </p:nvCxnSpPr>
+        <p:spPr>
+          <a:xfrm flipV="1">
+            <a:off x="38069608" y="15118803"/>
+            <a:ext cx="1306684" cy="6500"/>
+          </a:xfrm>
+          <a:prstGeom prst="straightConnector1">
+            <a:avLst/>
+          </a:prstGeom>
+          <a:ln>
+            <a:tailEnd type="triangle"/>
+          </a:ln>
+        </p:spPr>
+        <p:style>
+          <a:lnRef idx="1">
+            <a:schemeClr val="dk1"/>
+          </a:lnRef>
+          <a:fillRef idx="0">
+            <a:schemeClr val="dk1"/>
+          </a:fillRef>
+          <a:effectRef idx="0">
+            <a:schemeClr val="dk1"/>
+          </a:effectRef>
+          <a:fontRef idx="minor">
+            <a:schemeClr val="tx1"/>
+          </a:fontRef>
+        </p:style>
+      </p:cxnSp>
+      <p:cxnSp>
+        <p:nvCxnSpPr>
+          <p:cNvPr id="238" name="Connecteur droit avec flèche 237">
+            <a:extLst>
+              <a:ext uri="{FF2B5EF4-FFF2-40B4-BE49-F238E27FC236}">
+                <a16:creationId xmlns:a16="http://schemas.microsoft.com/office/drawing/2014/main" id="{BE37FFCE-E92A-4E41-B691-50D7A0BC0374}"/>
+              </a:ext>
+            </a:extLst>
+          </p:cNvPr>
+          <p:cNvCxnSpPr>
+            <a:cxnSpLocks/>
+            <a:stCxn id="333" idx="3"/>
+            <a:endCxn id="334" idx="1"/>
+          </p:cNvCxnSpPr>
+          <p:nvPr/>
+        </p:nvCxnSpPr>
+        <p:spPr>
+          <a:xfrm flipV="1">
+            <a:off x="38147166" y="16327912"/>
+            <a:ext cx="1229125" cy="19885"/>
+          </a:xfrm>
+          <a:prstGeom prst="straightConnector1">
+            <a:avLst/>
+          </a:prstGeom>
+          <a:ln>
+            <a:tailEnd type="triangle"/>
+          </a:ln>
+        </p:spPr>
+        <p:style>
+          <a:lnRef idx="1">
+            <a:schemeClr val="dk1"/>
+          </a:lnRef>
+          <a:fillRef idx="0">
+            <a:schemeClr val="dk1"/>
+          </a:fillRef>
+          <a:effectRef idx="0">
+            <a:schemeClr val="dk1"/>
+          </a:effectRef>
+          <a:fontRef idx="minor">
+            <a:schemeClr val="tx1"/>
+          </a:fontRef>
+        </p:style>
+      </p:cxnSp>
+      <p:sp>
+        <p:nvSpPr>
+          <p:cNvPr id="356" name="ZoneTexte 355">
+            <a:extLst>
+              <a:ext uri="{FF2B5EF4-FFF2-40B4-BE49-F238E27FC236}">
+                <a16:creationId xmlns:a16="http://schemas.microsoft.com/office/drawing/2014/main" id="{003F5E6E-6732-4C7B-B872-CA5FBC273CF4}"/>
+              </a:ext>
+            </a:extLst>
+          </p:cNvPr>
+          <p:cNvSpPr txBox="1"/>
+          <p:nvPr/>
+        </p:nvSpPr>
+        <p:spPr>
+          <a:xfrm>
+            <a:off x="38263405" y="14872379"/>
+            <a:ext cx="868954" cy="246221"/>
+          </a:xfrm>
+          <a:prstGeom prst="rect">
+            <a:avLst/>
+          </a:prstGeom>
+          <a:noFill/>
+        </p:spPr>
+        <p:txBody>
+          <a:bodyPr wrap="square" rtlCol="0">
+            <a:spAutoFit/>
+          </a:bodyPr>
+          <a:lstStyle/>
+          <a:p>
+            <a:pPr algn="ctr"/>
+            <a:r>
+              <a:rPr lang="fr-FR" sz="1000" i="1" dirty="0">
+                <a:latin typeface="Gill Sans Nova" panose="020B0602020104020203" pitchFamily="34" charset="0"/>
+              </a:rPr>
+              <a:t>P14</a:t>
+            </a:r>
+          </a:p>
+        </p:txBody>
+      </p:sp>
+      <p:sp>
+        <p:nvSpPr>
+          <p:cNvPr id="357" name="ZoneTexte 356">
+            <a:extLst>
+              <a:ext uri="{FF2B5EF4-FFF2-40B4-BE49-F238E27FC236}">
+                <a16:creationId xmlns:a16="http://schemas.microsoft.com/office/drawing/2014/main" id="{AA8F24A0-9520-4C25-81AF-48D5EDB8106B}"/>
+              </a:ext>
+            </a:extLst>
+          </p:cNvPr>
+          <p:cNvSpPr txBox="1"/>
+          <p:nvPr/>
+        </p:nvSpPr>
+        <p:spPr>
+          <a:xfrm>
+            <a:off x="38288473" y="16091633"/>
+            <a:ext cx="868954" cy="246221"/>
+          </a:xfrm>
+          <a:prstGeom prst="rect">
+            <a:avLst/>
+          </a:prstGeom>
+          <a:noFill/>
+        </p:spPr>
+        <p:txBody>
+          <a:bodyPr wrap="square" rtlCol="0">
+            <a:spAutoFit/>
+          </a:bodyPr>
+          <a:lstStyle/>
+          <a:p>
+            <a:pPr algn="ctr"/>
+            <a:r>
+              <a:rPr lang="fr-FR" sz="1000" i="1" dirty="0">
+                <a:latin typeface="Gill Sans Nova" panose="020B0602020104020203" pitchFamily="34" charset="0"/>
+              </a:rPr>
+              <a:t>P14</a:t>
+            </a:r>
+          </a:p>
+        </p:txBody>
+      </p:sp>
+      <p:cxnSp>
+        <p:nvCxnSpPr>
+          <p:cNvPr id="248" name="Connecteur : en arc 247">
+            <a:extLst>
+              <a:ext uri="{FF2B5EF4-FFF2-40B4-BE49-F238E27FC236}">
+                <a16:creationId xmlns:a16="http://schemas.microsoft.com/office/drawing/2014/main" id="{9778386B-8D99-4E05-A041-BA60CAFADDB7}"/>
+              </a:ext>
+            </a:extLst>
+          </p:cNvPr>
+          <p:cNvCxnSpPr>
+            <a:cxnSpLocks/>
+            <a:stCxn id="258" idx="1"/>
+            <a:endCxn id="283" idx="3"/>
+          </p:cNvCxnSpPr>
+          <p:nvPr/>
+        </p:nvCxnSpPr>
+        <p:spPr>
+          <a:xfrm rot="10800000">
+            <a:off x="30401397" y="14798001"/>
+            <a:ext cx="1969103" cy="491627"/>
+          </a:xfrm>
+          <a:prstGeom prst="curvedConnector3">
+            <a:avLst/>
+          </a:prstGeom>
+          <a:ln>
+            <a:tailEnd type="triangle"/>
+          </a:ln>
+        </p:spPr>
+        <p:style>
+          <a:lnRef idx="1">
+            <a:schemeClr val="dk1"/>
+          </a:lnRef>
+          <a:fillRef idx="0">
+            <a:schemeClr val="dk1"/>
+          </a:fillRef>
+          <a:effectRef idx="0">
+            <a:schemeClr val="dk1"/>
+          </a:effectRef>
+          <a:fontRef idx="minor">
+            <a:schemeClr val="tx1"/>
+          </a:fontRef>
+        </p:style>
+      </p:cxnSp>
+      <p:sp>
+        <p:nvSpPr>
+          <p:cNvPr id="360" name="ZoneTexte 359">
+            <a:extLst>
+              <a:ext uri="{FF2B5EF4-FFF2-40B4-BE49-F238E27FC236}">
+                <a16:creationId xmlns:a16="http://schemas.microsoft.com/office/drawing/2014/main" id="{70ECB3E1-5227-4432-8F89-CCD34C22FE7D}"/>
+              </a:ext>
+            </a:extLst>
+          </p:cNvPr>
+          <p:cNvSpPr txBox="1"/>
+          <p:nvPr/>
+        </p:nvSpPr>
+        <p:spPr>
+          <a:xfrm>
+            <a:off x="28907346" y="15773111"/>
+            <a:ext cx="1484487" cy="246221"/>
+          </a:xfrm>
+          <a:prstGeom prst="rect">
+            <a:avLst/>
+          </a:prstGeom>
+          <a:noFill/>
+        </p:spPr>
+        <p:txBody>
+          <a:bodyPr wrap="square" rtlCol="0">
+            <a:spAutoFit/>
+          </a:bodyPr>
+          <a:lstStyle/>
+          <a:p>
+            <a:pPr algn="ctr"/>
+            <a:r>
+              <a:rPr lang="fr-FR" sz="1000" i="1" dirty="0">
+                <a:latin typeface="Gill Sans Nova" panose="020B0602020104020203" pitchFamily="34" charset="0"/>
+              </a:rPr>
+              <a:t>« https://www.data.bnf.... »</a:t>
+            </a:r>
+          </a:p>
+        </p:txBody>
+      </p:sp>
+      <p:cxnSp>
+        <p:nvCxnSpPr>
+          <p:cNvPr id="251" name="Connecteur : en arc 250">
+            <a:extLst>
+              <a:ext uri="{FF2B5EF4-FFF2-40B4-BE49-F238E27FC236}">
+                <a16:creationId xmlns:a16="http://schemas.microsoft.com/office/drawing/2014/main" id="{66449F7D-306C-49B2-B871-6A694CABD718}"/>
+              </a:ext>
+            </a:extLst>
+          </p:cNvPr>
+          <p:cNvCxnSpPr>
+            <a:cxnSpLocks/>
+            <a:stCxn id="258" idx="1"/>
+            <a:endCxn id="360" idx="3"/>
+          </p:cNvCxnSpPr>
+          <p:nvPr/>
+        </p:nvCxnSpPr>
+        <p:spPr>
+          <a:xfrm rot="10800000" flipV="1">
+            <a:off x="30391833" y="15289626"/>
+            <a:ext cx="1978666" cy="606595"/>
+          </a:xfrm>
+          <a:prstGeom prst="curvedConnector3">
+            <a:avLst/>
+          </a:prstGeom>
+          <a:ln>
+            <a:tailEnd type="triangle"/>
+          </a:ln>
+        </p:spPr>
+        <p:style>
+          <a:lnRef idx="1">
+            <a:schemeClr val="dk1"/>
+          </a:lnRef>
+          <a:fillRef idx="0">
+            <a:schemeClr val="dk1"/>
+          </a:fillRef>
+          <a:effectRef idx="0">
+            <a:schemeClr val="dk1"/>
+          </a:effectRef>
+          <a:fontRef idx="minor">
+            <a:schemeClr val="tx1"/>
+          </a:fontRef>
+        </p:style>
+      </p:cxnSp>
+      <p:sp>
+        <p:nvSpPr>
+          <p:cNvPr id="364" name="ZoneTexte 363">
+            <a:extLst>
+              <a:ext uri="{FF2B5EF4-FFF2-40B4-BE49-F238E27FC236}">
+                <a16:creationId xmlns:a16="http://schemas.microsoft.com/office/drawing/2014/main" id="{712BDB20-8AE7-498A-A967-3B6827510030}"/>
+              </a:ext>
+            </a:extLst>
+          </p:cNvPr>
+          <p:cNvSpPr txBox="1"/>
+          <p:nvPr/>
+        </p:nvSpPr>
+        <p:spPr>
+          <a:xfrm>
+            <a:off x="31044702" y="15613342"/>
+            <a:ext cx="1398356" cy="253916"/>
+          </a:xfrm>
+          <a:prstGeom prst="rect">
+            <a:avLst/>
+          </a:prstGeom>
+          <a:noFill/>
+        </p:spPr>
+        <p:txBody>
+          <a:bodyPr wrap="square" rtlCol="0">
+            <a:spAutoFit/>
+          </a:bodyPr>
+          <a:lstStyle/>
+          <a:p>
+            <a:pPr algn="ctr"/>
+            <a:r>
+              <a:rPr lang="fr-FR" sz="1000" i="1" dirty="0" err="1">
+                <a:latin typeface="Gill Sans Nova" panose="020B0602020104020203" pitchFamily="34" charset="0"/>
+              </a:rPr>
+              <a:t>rdf:seeAlso</a:t>
+            </a:r>
+            <a:endParaRPr lang="fr-FR" sz="1000" i="1" dirty="0">
+              <a:latin typeface="Gill Sans Nova" panose="020B0602020104020203" pitchFamily="34" charset="0"/>
+            </a:endParaRPr>
+          </a:p>
+        </p:txBody>
+      </p:sp>
+      <p:sp>
+        <p:nvSpPr>
+          <p:cNvPr id="369" name="ZoneTexte 368">
+            <a:extLst>
+              <a:ext uri="{FF2B5EF4-FFF2-40B4-BE49-F238E27FC236}">
+                <a16:creationId xmlns:a16="http://schemas.microsoft.com/office/drawing/2014/main" id="{AE57A962-E375-44A3-8D5F-C1C16810E94B}"/>
+              </a:ext>
+            </a:extLst>
+          </p:cNvPr>
+          <p:cNvSpPr txBox="1"/>
+          <p:nvPr/>
+        </p:nvSpPr>
+        <p:spPr>
+          <a:xfrm>
+            <a:off x="28211426" y="13597949"/>
+            <a:ext cx="3879337" cy="338554"/>
+          </a:xfrm>
+          <a:prstGeom prst="rect">
+            <a:avLst/>
+          </a:prstGeom>
+          <a:noFill/>
+        </p:spPr>
+        <p:txBody>
+          <a:bodyPr wrap="square" rtlCol="0">
+            <a:spAutoFit/>
+          </a:bodyPr>
+          <a:lstStyle/>
+          <a:p>
+            <a:pPr algn="ctr"/>
+            <a:r>
+              <a:rPr lang="fr-FR" sz="1600" dirty="0">
+                <a:latin typeface="Gill Sans Nova" panose="020B0602020104020203" pitchFamily="34" charset="0"/>
+              </a:rPr>
+              <a:t>GRAVURES DU MERCURE GALANT</a:t>
+            </a:r>
+          </a:p>
+        </p:txBody>
+      </p:sp>
+      <p:cxnSp>
+        <p:nvCxnSpPr>
+          <p:cNvPr id="284" name="Connecteur : en arc 283">
+            <a:extLst>
+              <a:ext uri="{FF2B5EF4-FFF2-40B4-BE49-F238E27FC236}">
+                <a16:creationId xmlns:a16="http://schemas.microsoft.com/office/drawing/2014/main" id="{C0FF7B69-D2C4-4855-9A49-CD96B76324A5}"/>
+              </a:ext>
+            </a:extLst>
+          </p:cNvPr>
+          <p:cNvCxnSpPr>
+            <a:stCxn id="947" idx="2"/>
+            <a:endCxn id="950" idx="0"/>
+          </p:cNvCxnSpPr>
+          <p:nvPr/>
+        </p:nvCxnSpPr>
+        <p:spPr>
+          <a:xfrm rot="16200000" flipH="1">
+            <a:off x="38677329" y="9913969"/>
+            <a:ext cx="876164" cy="1706192"/>
+          </a:xfrm>
+          <a:prstGeom prst="curvedConnector3">
+            <a:avLst/>
+          </a:prstGeom>
+          <a:ln>
+            <a:tailEnd type="triangle"/>
+          </a:ln>
+        </p:spPr>
+        <p:style>
+          <a:lnRef idx="1">
+            <a:schemeClr val="dk1"/>
+          </a:lnRef>
+          <a:fillRef idx="0">
+            <a:schemeClr val="dk1"/>
+          </a:fillRef>
+          <a:effectRef idx="0">
+            <a:schemeClr val="dk1"/>
+          </a:effectRef>
+          <a:fontRef idx="minor">
+            <a:schemeClr val="tx1"/>
+          </a:fontRef>
+        </p:style>
+      </p:cxnSp>
+      <p:sp>
+        <p:nvSpPr>
+          <p:cNvPr id="283" name="Rectangle : coins arrondis 282">
+            <a:extLst>
+              <a:ext uri="{FF2B5EF4-FFF2-40B4-BE49-F238E27FC236}">
+                <a16:creationId xmlns:a16="http://schemas.microsoft.com/office/drawing/2014/main" id="{045EEC89-EB79-4615-9041-5828E847746B}"/>
               </a:ext>
             </a:extLst>
           </p:cNvPr>
@@ -17346,14 +17862,14 @@
         </p:nvSpPr>
         <p:spPr>
           <a:xfrm>
-            <a:off x="40633970" y="17244620"/>
-            <a:ext cx="1023275" cy="446226"/>
+            <a:off x="29205218" y="14479330"/>
+            <a:ext cx="1196178" cy="637340"/>
           </a:xfrm>
           <a:prstGeom prst="roundRect">
             <a:avLst/>
           </a:prstGeom>
           <a:solidFill>
-            <a:srgbClr val="FFE699"/>
+            <a:srgbClr val="F6CACA"/>
           </a:solidFill>
           <a:ln w="12700">
             <a:noFill/>
@@ -17385,573 +17901,59 @@
                 </a:solidFill>
                 <a:latin typeface="Gill Sans Nova" panose="020B0602020104020203" pitchFamily="34" charset="0"/>
               </a:rPr>
-              <a:t>E21 Person</a:t>
-            </a:r>
-          </a:p>
-        </p:txBody>
-      </p:sp>
-      <p:cxnSp>
-        <p:nvCxnSpPr>
-          <p:cNvPr id="220" name="Connecteur : en arc 219">
-            <a:extLst>
-              <a:ext uri="{FF2B5EF4-FFF2-40B4-BE49-F238E27FC236}">
-                <a16:creationId xmlns:a16="http://schemas.microsoft.com/office/drawing/2014/main" id="{1DFD1410-4BA9-441F-A7A8-C923840ECBC8}"/>
-              </a:ext>
-            </a:extLst>
-          </p:cNvPr>
-          <p:cNvCxnSpPr>
-            <a:cxnSpLocks/>
-            <a:stCxn id="332" idx="1"/>
-            <a:endCxn id="324" idx="3"/>
-          </p:cNvCxnSpPr>
-          <p:nvPr/>
-        </p:nvCxnSpPr>
-        <p:spPr>
-          <a:xfrm rot="10800000" flipV="1">
-            <a:off x="36940678" y="16265123"/>
-            <a:ext cx="1323858" cy="636549"/>
-          </a:xfrm>
-          <a:prstGeom prst="curvedConnector3">
-            <a:avLst/>
-          </a:prstGeom>
-          <a:ln>
-            <a:tailEnd type="triangle"/>
-          </a:ln>
-        </p:spPr>
-        <p:style>
-          <a:lnRef idx="1">
-            <a:schemeClr val="dk1"/>
-          </a:lnRef>
-          <a:fillRef idx="0">
-            <a:schemeClr val="dk1"/>
-          </a:fillRef>
-          <a:effectRef idx="0">
-            <a:schemeClr val="dk1"/>
-          </a:effectRef>
-          <a:fontRef idx="minor">
-            <a:schemeClr val="tx1"/>
-          </a:fontRef>
-        </p:style>
-      </p:cxnSp>
-      <p:cxnSp>
-        <p:nvCxnSpPr>
-          <p:cNvPr id="222" name="Connecteur : en arc 221">
-            <a:extLst>
-              <a:ext uri="{FF2B5EF4-FFF2-40B4-BE49-F238E27FC236}">
-                <a16:creationId xmlns:a16="http://schemas.microsoft.com/office/drawing/2014/main" id="{19688826-CB43-477F-8087-D5A50BDA6BBF}"/>
-              </a:ext>
-            </a:extLst>
-          </p:cNvPr>
-          <p:cNvCxnSpPr>
-            <a:cxnSpLocks/>
-            <a:stCxn id="333" idx="1"/>
-            <a:endCxn id="324" idx="3"/>
-          </p:cNvCxnSpPr>
-          <p:nvPr/>
-        </p:nvCxnSpPr>
-        <p:spPr>
-          <a:xfrm rot="10800000">
-            <a:off x="36940679" y="16901674"/>
-            <a:ext cx="1331775" cy="585945"/>
-          </a:xfrm>
-          <a:prstGeom prst="curvedConnector3">
-            <a:avLst/>
-          </a:prstGeom>
-          <a:ln>
-            <a:tailEnd type="triangle"/>
-          </a:ln>
-        </p:spPr>
-        <p:style>
-          <a:lnRef idx="1">
-            <a:schemeClr val="dk1"/>
-          </a:lnRef>
-          <a:fillRef idx="0">
-            <a:schemeClr val="dk1"/>
-          </a:fillRef>
-          <a:effectRef idx="0">
-            <a:schemeClr val="dk1"/>
-          </a:effectRef>
-          <a:fontRef idx="minor">
-            <a:schemeClr val="tx1"/>
-          </a:fontRef>
-        </p:style>
-      </p:cxnSp>
-      <p:sp>
-        <p:nvSpPr>
-          <p:cNvPr id="339" name="ZoneTexte 338">
-            <a:extLst>
-              <a:ext uri="{FF2B5EF4-FFF2-40B4-BE49-F238E27FC236}">
-                <a16:creationId xmlns:a16="http://schemas.microsoft.com/office/drawing/2014/main" id="{8EE97E95-33C7-4A50-B013-4E8B6EDC1E9C}"/>
-              </a:ext>
-            </a:extLst>
-          </p:cNvPr>
-          <p:cNvSpPr txBox="1"/>
-          <p:nvPr/>
-        </p:nvSpPr>
-        <p:spPr>
-          <a:xfrm>
-            <a:off x="37554391" y="16614310"/>
-            <a:ext cx="685869" cy="553998"/>
-          </a:xfrm>
-          <a:prstGeom prst="rect">
-            <a:avLst/>
-          </a:prstGeom>
-          <a:noFill/>
-        </p:spPr>
-        <p:txBody>
-          <a:bodyPr wrap="square" rtlCol="0">
-            <a:spAutoFit/>
-          </a:bodyPr>
-          <a:lstStyle/>
-          <a:p>
-            <a:pPr algn="ctr"/>
+              <a:t>E89 </a:t>
+            </a:r>
+            <a:r>
+              <a:rPr lang="fr-FR" sz="1000" dirty="0" err="1">
+                <a:solidFill>
+                  <a:schemeClr val="tx1"/>
+                </a:solidFill>
+                <a:latin typeface="Gill Sans Nova" panose="020B0602020104020203" pitchFamily="34" charset="0"/>
+              </a:rPr>
+              <a:t>Propositional</a:t>
+            </a:r>
+            <a:r>
+              <a:rPr lang="fr-FR" sz="1000" dirty="0">
+                <a:solidFill>
+                  <a:schemeClr val="tx1"/>
+                </a:solidFill>
+                <a:latin typeface="Gill Sans Nova" panose="020B0602020104020203" pitchFamily="34" charset="0"/>
+              </a:rPr>
+              <a:t> Object</a:t>
+            </a:r>
+          </a:p>
+          <a:p>
+            <a:pPr algn="ctr"/>
+            <a:r>
+              <a:rPr lang="fr-FR" sz="1000" dirty="0">
+                <a:solidFill>
+                  <a:schemeClr val="tx1"/>
+                </a:solidFill>
+                <a:latin typeface="Gill Sans Nova" panose="020B0602020104020203" pitchFamily="34" charset="0"/>
+              </a:rPr>
+              <a:t>« </a:t>
+            </a:r>
             <a:r>
               <a:rPr lang="fr-FR" sz="1000" i="1" dirty="0">
-                <a:latin typeface="Gill Sans Nova" panose="020B0602020104020203" pitchFamily="34" charset="0"/>
-              </a:rPr>
-              <a:t>P20 </a:t>
-            </a:r>
-            <a:r>
-              <a:rPr lang="fr-FR" sz="1000" i="1" dirty="0" err="1">
-                <a:latin typeface="Gill Sans Nova" panose="020B0602020104020203" pitchFamily="34" charset="0"/>
-              </a:rPr>
-              <a:t>had</a:t>
-            </a:r>
-            <a:r>
-              <a:rPr lang="fr-FR" sz="1000" i="1" dirty="0">
-                <a:latin typeface="Gill Sans Nova" panose="020B0602020104020203" pitchFamily="34" charset="0"/>
-              </a:rPr>
-              <a:t> </a:t>
-            </a:r>
-            <a:r>
-              <a:rPr lang="fr-FR" sz="1000" i="1" dirty="0" err="1">
-                <a:latin typeface="Gill Sans Nova" panose="020B0602020104020203" pitchFamily="34" charset="0"/>
-              </a:rPr>
-              <a:t>specific</a:t>
-            </a:r>
-            <a:r>
-              <a:rPr lang="fr-FR" sz="1000" i="1" dirty="0">
-                <a:latin typeface="Gill Sans Nova" panose="020B0602020104020203" pitchFamily="34" charset="0"/>
-              </a:rPr>
-              <a:t> </a:t>
-            </a:r>
-            <a:r>
-              <a:rPr lang="fr-FR" sz="1000" i="1" dirty="0" err="1">
-                <a:latin typeface="Gill Sans Nova" panose="020B0602020104020203" pitchFamily="34" charset="0"/>
-              </a:rPr>
-              <a:t>purpose</a:t>
-            </a:r>
-            <a:endParaRPr lang="fr-FR" sz="1000" i="1" dirty="0">
-              <a:latin typeface="Gill Sans Nova" panose="020B0602020104020203" pitchFamily="34" charset="0"/>
-            </a:endParaRPr>
-          </a:p>
-        </p:txBody>
-      </p:sp>
-      <p:cxnSp>
-        <p:nvCxnSpPr>
-          <p:cNvPr id="234" name="Connecteur droit avec flèche 233">
-            <a:extLst>
-              <a:ext uri="{FF2B5EF4-FFF2-40B4-BE49-F238E27FC236}">
-                <a16:creationId xmlns:a16="http://schemas.microsoft.com/office/drawing/2014/main" id="{CAAA2C34-F034-42FD-905E-F6D54E1F73F1}"/>
-              </a:ext>
-            </a:extLst>
-          </p:cNvPr>
-          <p:cNvCxnSpPr>
-            <a:stCxn id="332" idx="3"/>
-            <a:endCxn id="331" idx="1"/>
-          </p:cNvCxnSpPr>
-          <p:nvPr/>
-        </p:nvCxnSpPr>
-        <p:spPr>
-          <a:xfrm flipV="1">
-            <a:off x="39327287" y="16258624"/>
-            <a:ext cx="1306684" cy="6500"/>
-          </a:xfrm>
-          <a:prstGeom prst="straightConnector1">
-            <a:avLst/>
-          </a:prstGeom>
-          <a:ln>
-            <a:tailEnd type="triangle"/>
-          </a:ln>
-        </p:spPr>
-        <p:style>
-          <a:lnRef idx="1">
-            <a:schemeClr val="dk1"/>
-          </a:lnRef>
-          <a:fillRef idx="0">
-            <a:schemeClr val="dk1"/>
-          </a:fillRef>
-          <a:effectRef idx="0">
-            <a:schemeClr val="dk1"/>
-          </a:effectRef>
-          <a:fontRef idx="minor">
-            <a:schemeClr val="tx1"/>
-          </a:fontRef>
-        </p:style>
-      </p:cxnSp>
-      <p:cxnSp>
-        <p:nvCxnSpPr>
-          <p:cNvPr id="238" name="Connecteur droit avec flèche 237">
-            <a:extLst>
-              <a:ext uri="{FF2B5EF4-FFF2-40B4-BE49-F238E27FC236}">
-                <a16:creationId xmlns:a16="http://schemas.microsoft.com/office/drawing/2014/main" id="{BE37FFCE-E92A-4E41-B691-50D7A0BC0374}"/>
-              </a:ext>
-            </a:extLst>
-          </p:cNvPr>
-          <p:cNvCxnSpPr>
-            <a:cxnSpLocks/>
-            <a:stCxn id="333" idx="3"/>
-            <a:endCxn id="334" idx="1"/>
-          </p:cNvCxnSpPr>
-          <p:nvPr/>
-        </p:nvCxnSpPr>
-        <p:spPr>
-          <a:xfrm flipV="1">
-            <a:off x="39404845" y="17467733"/>
-            <a:ext cx="1229125" cy="19885"/>
-          </a:xfrm>
-          <a:prstGeom prst="straightConnector1">
-            <a:avLst/>
-          </a:prstGeom>
-          <a:ln>
-            <a:tailEnd type="triangle"/>
-          </a:ln>
-        </p:spPr>
-        <p:style>
-          <a:lnRef idx="1">
-            <a:schemeClr val="dk1"/>
-          </a:lnRef>
-          <a:fillRef idx="0">
-            <a:schemeClr val="dk1"/>
-          </a:fillRef>
-          <a:effectRef idx="0">
-            <a:schemeClr val="dk1"/>
-          </a:effectRef>
-          <a:fontRef idx="minor">
-            <a:schemeClr val="tx1"/>
-          </a:fontRef>
-        </p:style>
-      </p:cxnSp>
-      <p:sp>
-        <p:nvSpPr>
-          <p:cNvPr id="356" name="ZoneTexte 355">
-            <a:extLst>
-              <a:ext uri="{FF2B5EF4-FFF2-40B4-BE49-F238E27FC236}">
-                <a16:creationId xmlns:a16="http://schemas.microsoft.com/office/drawing/2014/main" id="{003F5E6E-6732-4C7B-B872-CA5FBC273CF4}"/>
-              </a:ext>
-            </a:extLst>
-          </p:cNvPr>
-          <p:cNvSpPr txBox="1"/>
-          <p:nvPr/>
-        </p:nvSpPr>
-        <p:spPr>
-          <a:xfrm>
-            <a:off x="39521084" y="16012200"/>
-            <a:ext cx="868954" cy="246221"/>
-          </a:xfrm>
-          <a:prstGeom prst="rect">
-            <a:avLst/>
-          </a:prstGeom>
-          <a:noFill/>
-        </p:spPr>
-        <p:txBody>
-          <a:bodyPr wrap="square" rtlCol="0">
-            <a:spAutoFit/>
-          </a:bodyPr>
-          <a:lstStyle/>
-          <a:p>
-            <a:pPr algn="ctr"/>
-            <a:r>
-              <a:rPr lang="fr-FR" sz="1000" i="1" dirty="0">
-                <a:latin typeface="Gill Sans Nova" panose="020B0602020104020203" pitchFamily="34" charset="0"/>
-              </a:rPr>
-              <a:t>P14</a:t>
-            </a:r>
-          </a:p>
-        </p:txBody>
-      </p:sp>
-      <p:sp>
-        <p:nvSpPr>
-          <p:cNvPr id="357" name="ZoneTexte 356">
-            <a:extLst>
-              <a:ext uri="{FF2B5EF4-FFF2-40B4-BE49-F238E27FC236}">
-                <a16:creationId xmlns:a16="http://schemas.microsoft.com/office/drawing/2014/main" id="{AA8F24A0-9520-4C25-81AF-48D5EDB8106B}"/>
-              </a:ext>
-            </a:extLst>
-          </p:cNvPr>
-          <p:cNvSpPr txBox="1"/>
-          <p:nvPr/>
-        </p:nvSpPr>
-        <p:spPr>
-          <a:xfrm>
-            <a:off x="39546152" y="17231454"/>
-            <a:ext cx="868954" cy="246221"/>
-          </a:xfrm>
-          <a:prstGeom prst="rect">
-            <a:avLst/>
-          </a:prstGeom>
-          <a:noFill/>
-        </p:spPr>
-        <p:txBody>
-          <a:bodyPr wrap="square" rtlCol="0">
-            <a:spAutoFit/>
-          </a:bodyPr>
-          <a:lstStyle/>
-          <a:p>
-            <a:pPr algn="ctr"/>
-            <a:r>
-              <a:rPr lang="fr-FR" sz="1000" i="1" dirty="0">
-                <a:latin typeface="Gill Sans Nova" panose="020B0602020104020203" pitchFamily="34" charset="0"/>
-              </a:rPr>
-              <a:t>P14</a:t>
-            </a:r>
-          </a:p>
-        </p:txBody>
-      </p:sp>
-      <p:cxnSp>
-        <p:nvCxnSpPr>
-          <p:cNvPr id="248" name="Connecteur : en arc 247">
-            <a:extLst>
-              <a:ext uri="{FF2B5EF4-FFF2-40B4-BE49-F238E27FC236}">
-                <a16:creationId xmlns:a16="http://schemas.microsoft.com/office/drawing/2014/main" id="{9778386B-8D99-4E05-A041-BA60CAFADDB7}"/>
-              </a:ext>
-            </a:extLst>
-          </p:cNvPr>
-          <p:cNvCxnSpPr>
-            <a:stCxn id="258" idx="1"/>
-            <a:endCxn id="317" idx="3"/>
-          </p:cNvCxnSpPr>
-          <p:nvPr/>
-        </p:nvCxnSpPr>
-        <p:spPr>
-          <a:xfrm rot="10800000">
-            <a:off x="30594525" y="15406694"/>
-            <a:ext cx="1997020" cy="528012"/>
-          </a:xfrm>
-          <a:prstGeom prst="curvedConnector3">
-            <a:avLst/>
-          </a:prstGeom>
-          <a:ln>
-            <a:tailEnd type="triangle"/>
-          </a:ln>
-        </p:spPr>
-        <p:style>
-          <a:lnRef idx="1">
-            <a:schemeClr val="dk1"/>
-          </a:lnRef>
-          <a:fillRef idx="0">
-            <a:schemeClr val="dk1"/>
-          </a:fillRef>
-          <a:effectRef idx="0">
-            <a:schemeClr val="dk1"/>
-          </a:effectRef>
-          <a:fontRef idx="minor">
-            <a:schemeClr val="tx1"/>
-          </a:fontRef>
-        </p:style>
-      </p:cxnSp>
-      <p:sp>
-        <p:nvSpPr>
-          <p:cNvPr id="360" name="ZoneTexte 359">
-            <a:extLst>
-              <a:ext uri="{FF2B5EF4-FFF2-40B4-BE49-F238E27FC236}">
-                <a16:creationId xmlns:a16="http://schemas.microsoft.com/office/drawing/2014/main" id="{70ECB3E1-5227-4432-8F89-CCD34C22FE7D}"/>
-              </a:ext>
-            </a:extLst>
-          </p:cNvPr>
-          <p:cNvSpPr txBox="1"/>
-          <p:nvPr/>
-        </p:nvSpPr>
-        <p:spPr>
-          <a:xfrm>
-            <a:off x="29110038" y="16418190"/>
-            <a:ext cx="1484487" cy="246221"/>
-          </a:xfrm>
-          <a:prstGeom prst="rect">
-            <a:avLst/>
-          </a:prstGeom>
-          <a:noFill/>
-        </p:spPr>
-        <p:txBody>
-          <a:bodyPr wrap="square" rtlCol="0">
-            <a:spAutoFit/>
-          </a:bodyPr>
-          <a:lstStyle/>
-          <a:p>
-            <a:pPr algn="ctr"/>
-            <a:r>
-              <a:rPr lang="fr-FR" sz="1000" i="1" dirty="0">
-                <a:latin typeface="Gill Sans Nova" panose="020B0602020104020203" pitchFamily="34" charset="0"/>
-              </a:rPr>
-              <a:t>« https://www.data.bnf.... »</a:t>
-            </a:r>
-          </a:p>
-        </p:txBody>
-      </p:sp>
-      <p:cxnSp>
-        <p:nvCxnSpPr>
-          <p:cNvPr id="251" name="Connecteur : en arc 250">
-            <a:extLst>
-              <a:ext uri="{FF2B5EF4-FFF2-40B4-BE49-F238E27FC236}">
-                <a16:creationId xmlns:a16="http://schemas.microsoft.com/office/drawing/2014/main" id="{66449F7D-306C-49B2-B871-6A694CABD718}"/>
-              </a:ext>
-            </a:extLst>
-          </p:cNvPr>
-          <p:cNvCxnSpPr>
-            <a:cxnSpLocks/>
-            <a:stCxn id="258" idx="1"/>
-            <a:endCxn id="360" idx="3"/>
-          </p:cNvCxnSpPr>
-          <p:nvPr/>
-        </p:nvCxnSpPr>
-        <p:spPr>
-          <a:xfrm rot="10800000" flipV="1">
-            <a:off x="30594525" y="15934705"/>
-            <a:ext cx="1997020" cy="606595"/>
-          </a:xfrm>
-          <a:prstGeom prst="curvedConnector3">
-            <a:avLst/>
-          </a:prstGeom>
-          <a:ln>
-            <a:tailEnd type="triangle"/>
-          </a:ln>
-        </p:spPr>
-        <p:style>
-          <a:lnRef idx="1">
-            <a:schemeClr val="dk1"/>
-          </a:lnRef>
-          <a:fillRef idx="0">
-            <a:schemeClr val="dk1"/>
-          </a:fillRef>
-          <a:effectRef idx="0">
-            <a:schemeClr val="dk1"/>
-          </a:effectRef>
-          <a:fontRef idx="minor">
-            <a:schemeClr val="tx1"/>
-          </a:fontRef>
-        </p:style>
-      </p:cxnSp>
-      <p:sp>
-        <p:nvSpPr>
-          <p:cNvPr id="364" name="ZoneTexte 363">
-            <a:extLst>
-              <a:ext uri="{FF2B5EF4-FFF2-40B4-BE49-F238E27FC236}">
-                <a16:creationId xmlns:a16="http://schemas.microsoft.com/office/drawing/2014/main" id="{712BDB20-8AE7-498A-A967-3B6827510030}"/>
-              </a:ext>
-            </a:extLst>
-          </p:cNvPr>
-          <p:cNvSpPr txBox="1"/>
-          <p:nvPr/>
-        </p:nvSpPr>
-        <p:spPr>
-          <a:xfrm>
-            <a:off x="31247394" y="16258421"/>
-            <a:ext cx="1398356" cy="253916"/>
-          </a:xfrm>
-          <a:prstGeom prst="rect">
-            <a:avLst/>
-          </a:prstGeom>
-          <a:noFill/>
-        </p:spPr>
-        <p:txBody>
-          <a:bodyPr wrap="square" rtlCol="0">
-            <a:spAutoFit/>
-          </a:bodyPr>
-          <a:lstStyle/>
-          <a:p>
-            <a:pPr algn="ctr"/>
-            <a:r>
-              <a:rPr lang="fr-FR" sz="1000" i="1" dirty="0" err="1">
-                <a:latin typeface="Gill Sans Nova" panose="020B0602020104020203" pitchFamily="34" charset="0"/>
-              </a:rPr>
-              <a:t>rdf:seeAlso</a:t>
-            </a:r>
-            <a:endParaRPr lang="fr-FR" sz="1000" i="1" dirty="0">
-              <a:latin typeface="Gill Sans Nova" panose="020B0602020104020203" pitchFamily="34" charset="0"/>
-            </a:endParaRPr>
-          </a:p>
-        </p:txBody>
-      </p:sp>
-      <p:sp>
-        <p:nvSpPr>
-          <p:cNvPr id="369" name="ZoneTexte 368">
-            <a:extLst>
-              <a:ext uri="{FF2B5EF4-FFF2-40B4-BE49-F238E27FC236}">
-                <a16:creationId xmlns:a16="http://schemas.microsoft.com/office/drawing/2014/main" id="{AE57A962-E375-44A3-8D5F-C1C16810E94B}"/>
-              </a:ext>
-            </a:extLst>
-          </p:cNvPr>
-          <p:cNvSpPr txBox="1"/>
-          <p:nvPr/>
-        </p:nvSpPr>
-        <p:spPr>
-          <a:xfrm>
-            <a:off x="28211426" y="13597949"/>
-            <a:ext cx="3879337" cy="338554"/>
-          </a:xfrm>
-          <a:prstGeom prst="rect">
-            <a:avLst/>
-          </a:prstGeom>
-          <a:noFill/>
-        </p:spPr>
-        <p:txBody>
-          <a:bodyPr wrap="square" rtlCol="0">
-            <a:spAutoFit/>
-          </a:bodyPr>
-          <a:lstStyle/>
-          <a:p>
-            <a:pPr algn="ctr"/>
-            <a:r>
-              <a:rPr lang="fr-FR" sz="1600" dirty="0">
-                <a:latin typeface="Gill Sans Nova" panose="020B0602020104020203" pitchFamily="34" charset="0"/>
-              </a:rPr>
-              <a:t>GRAVURES DU MERCURE GALANT</a:t>
-            </a:r>
-          </a:p>
-        </p:txBody>
-      </p:sp>
-      <p:cxnSp>
-        <p:nvCxnSpPr>
-          <p:cNvPr id="284" name="Connecteur : en arc 283">
-            <a:extLst>
-              <a:ext uri="{FF2B5EF4-FFF2-40B4-BE49-F238E27FC236}">
-                <a16:creationId xmlns:a16="http://schemas.microsoft.com/office/drawing/2014/main" id="{C0FF7B69-D2C4-4855-9A49-CD96B76324A5}"/>
-              </a:ext>
-            </a:extLst>
-          </p:cNvPr>
-          <p:cNvCxnSpPr>
-            <a:stCxn id="947" idx="2"/>
-            <a:endCxn id="950" idx="0"/>
-          </p:cNvCxnSpPr>
-          <p:nvPr/>
-        </p:nvCxnSpPr>
-        <p:spPr>
-          <a:xfrm rot="16200000" flipH="1">
-            <a:off x="38677329" y="9913969"/>
-            <a:ext cx="876164" cy="1706192"/>
-          </a:xfrm>
-          <a:prstGeom prst="curvedConnector3">
-            <a:avLst/>
-          </a:prstGeom>
-          <a:ln>
-            <a:tailEnd type="triangle"/>
-          </a:ln>
-        </p:spPr>
-        <p:style>
-          <a:lnRef idx="1">
-            <a:schemeClr val="dk1"/>
-          </a:lnRef>
-          <a:fillRef idx="0">
-            <a:schemeClr val="dk1"/>
-          </a:fillRef>
-          <a:effectRef idx="0">
-            <a:schemeClr val="dk1"/>
-          </a:effectRef>
-          <a:fontRef idx="minor">
-            <a:schemeClr val="tx1"/>
-          </a:fontRef>
-        </p:style>
-      </p:cxnSp>
+                <a:solidFill>
+                  <a:schemeClr val="tx1"/>
+                </a:solidFill>
+                <a:latin typeface="Gill Sans Nova" panose="020B0602020104020203" pitchFamily="34" charset="0"/>
+              </a:rPr>
+              <a:t>Enigme </a:t>
+            </a:r>
+            <a:r>
+              <a:rPr lang="fr-FR" sz="1000" dirty="0">
+                <a:solidFill>
+                  <a:schemeClr val="tx1"/>
+                </a:solidFill>
+                <a:latin typeface="Gill Sans Nova" panose="020B0602020104020203" pitchFamily="34" charset="0"/>
+              </a:rPr>
+              <a:t>»</a:t>
+            </a:r>
+          </a:p>
+        </p:txBody>
+      </p:sp>
     </p:spTree>
     <p:extLst>
       <p:ext uri="{BB962C8B-B14F-4D97-AF65-F5344CB8AC3E}">
